--- a/Week5/BESD Week 5.pptx
+++ b/Week5/BESD Week 5.pptx
@@ -11,15 +11,19 @@
     <p:sldId id="293" r:id="rId5"/>
     <p:sldId id="294" r:id="rId6"/>
     <p:sldId id="295" r:id="rId7"/>
-    <p:sldId id="265" r:id="rId8"/>
-    <p:sldId id="278" r:id="rId9"/>
-    <p:sldId id="289" r:id="rId10"/>
-    <p:sldId id="290" r:id="rId11"/>
-    <p:sldId id="291" r:id="rId12"/>
-    <p:sldId id="292" r:id="rId13"/>
-    <p:sldId id="286" r:id="rId14"/>
-    <p:sldId id="287" r:id="rId15"/>
-    <p:sldId id="260" r:id="rId16"/>
+    <p:sldId id="296" r:id="rId8"/>
+    <p:sldId id="265" r:id="rId9"/>
+    <p:sldId id="278" r:id="rId10"/>
+    <p:sldId id="297" r:id="rId11"/>
+    <p:sldId id="298" r:id="rId12"/>
+    <p:sldId id="299" r:id="rId13"/>
+    <p:sldId id="300" r:id="rId14"/>
+    <p:sldId id="301" r:id="rId15"/>
+    <p:sldId id="286" r:id="rId16"/>
+    <p:sldId id="303" r:id="rId17"/>
+    <p:sldId id="302" r:id="rId18"/>
+    <p:sldId id="287" r:id="rId19"/>
+    <p:sldId id="260" r:id="rId20"/>
   </p:sldIdLst>
   <p:sldSz cx="12192000" cy="6858000"/>
   <p:notesSz cx="6858000" cy="9144000"/>
@@ -129,7 +133,7 @@
 <file path=ppt/revisionInfo.xml><?xml version="1.0" encoding="utf-8"?>
 <p1510:revInfo xmlns:a="http://schemas.openxmlformats.org/drawingml/2006/main" xmlns:r="http://schemas.openxmlformats.org/officeDocument/2006/relationships" xmlns:p1510="http://schemas.microsoft.com/office/powerpoint/2015/10/main">
   <p1510:revLst>
-    <p1510:client id="{C11307D8-F416-4216-B85A-47312E9494DC}" v="15" dt="2023-04-02T23:06:17.260"/>
+    <p1510:client id="{C11307D8-F416-4216-B85A-47312E9494DC}" v="32" dt="2023-04-03T18:46:33.291"/>
   </p1510:revLst>
 </p1510:revInfo>
 </file>
@@ -1254,8 +1258,8 @@
   </pc:docChgLst>
   <pc:docChgLst>
     <pc:chgData name="Chuck Kiefriter" userId="c57348f7-b440-4861-a58f-c89f414ea74a" providerId="ADAL" clId="{C11307D8-F416-4216-B85A-47312E9494DC}"/>
-    <pc:docChg chg="custSel addSld delSld modSld">
-      <pc:chgData name="Chuck Kiefriter" userId="c57348f7-b440-4861-a58f-c89f414ea74a" providerId="ADAL" clId="{C11307D8-F416-4216-B85A-47312E9494DC}" dt="2023-04-02T23:11:48.745" v="585" actId="5793"/>
+    <pc:docChg chg="undo custSel addSld delSld modSld sldOrd">
+      <pc:chgData name="Chuck Kiefriter" userId="c57348f7-b440-4861-a58f-c89f414ea74a" providerId="ADAL" clId="{C11307D8-F416-4216-B85A-47312E9494DC}" dt="2023-04-03T18:58:14.568" v="1424" actId="20577"/>
       <pc:docMkLst>
         <pc:docMk/>
       </pc:docMkLst>
@@ -1328,11 +1332,139 @@
           </ac:spMkLst>
         </pc:spChg>
       </pc:sldChg>
+      <pc:sldChg chg="modSp mod">
+        <pc:chgData name="Chuck Kiefriter" userId="c57348f7-b440-4861-a58f-c89f414ea74a" providerId="ADAL" clId="{C11307D8-F416-4216-B85A-47312E9494DC}" dt="2023-04-03T15:01:38.405" v="654" actId="20577"/>
+        <pc:sldMkLst>
+          <pc:docMk/>
+          <pc:sldMk cId="367428708" sldId="265"/>
+        </pc:sldMkLst>
+        <pc:spChg chg="mod">
+          <ac:chgData name="Chuck Kiefriter" userId="c57348f7-b440-4861-a58f-c89f414ea74a" providerId="ADAL" clId="{C11307D8-F416-4216-B85A-47312E9494DC}" dt="2023-04-03T15:01:38.405" v="654" actId="20577"/>
+          <ac:spMkLst>
+            <pc:docMk/>
+            <pc:sldMk cId="367428708" sldId="265"/>
+            <ac:spMk id="3" creationId="{23DFC7E9-54DD-38D7-0B9B-D34948D68CF9}"/>
+          </ac:spMkLst>
+        </pc:spChg>
+      </pc:sldChg>
+      <pc:sldChg chg="addSp delSp modSp mod">
+        <pc:chgData name="Chuck Kiefriter" userId="c57348f7-b440-4861-a58f-c89f414ea74a" providerId="ADAL" clId="{C11307D8-F416-4216-B85A-47312E9494DC}" dt="2023-04-03T17:15:25.128" v="1318" actId="1076"/>
+        <pc:sldMkLst>
+          <pc:docMk/>
+          <pc:sldMk cId="976671966" sldId="278"/>
+        </pc:sldMkLst>
+        <pc:spChg chg="add mod">
+          <ac:chgData name="Chuck Kiefriter" userId="c57348f7-b440-4861-a58f-c89f414ea74a" providerId="ADAL" clId="{C11307D8-F416-4216-B85A-47312E9494DC}" dt="2023-04-03T15:28:39.411" v="808" actId="1038"/>
+          <ac:spMkLst>
+            <pc:docMk/>
+            <pc:sldMk cId="976671966" sldId="278"/>
+            <ac:spMk id="3" creationId="{C9DDF84E-4B1D-A8C8-4D2B-5582BF58B0D3}"/>
+          </ac:spMkLst>
+        </pc:spChg>
+        <pc:spChg chg="mod">
+          <ac:chgData name="Chuck Kiefriter" userId="c57348f7-b440-4861-a58f-c89f414ea74a" providerId="ADAL" clId="{C11307D8-F416-4216-B85A-47312E9494DC}" dt="2023-04-03T15:14:44.713" v="770" actId="207"/>
+          <ac:spMkLst>
+            <pc:docMk/>
+            <pc:sldMk cId="976671966" sldId="278"/>
+            <ac:spMk id="4" creationId="{C0B26727-0F97-5A73-B4ED-6BE65E07E5DB}"/>
+          </ac:spMkLst>
+        </pc:spChg>
+        <pc:spChg chg="del">
+          <ac:chgData name="Chuck Kiefriter" userId="c57348f7-b440-4861-a58f-c89f414ea74a" providerId="ADAL" clId="{C11307D8-F416-4216-B85A-47312E9494DC}" dt="2023-04-03T15:02:16.058" v="665" actId="478"/>
+          <ac:spMkLst>
+            <pc:docMk/>
+            <pc:sldMk cId="976671966" sldId="278"/>
+            <ac:spMk id="5" creationId="{983625D7-1156-1D51-0A49-6B0357B75EF4}"/>
+          </ac:spMkLst>
+        </pc:spChg>
+        <pc:spChg chg="mod">
+          <ac:chgData name="Chuck Kiefriter" userId="c57348f7-b440-4861-a58f-c89f414ea74a" providerId="ADAL" clId="{C11307D8-F416-4216-B85A-47312E9494DC}" dt="2023-04-03T15:02:10.368" v="664" actId="20577"/>
+          <ac:spMkLst>
+            <pc:docMk/>
+            <pc:sldMk cId="976671966" sldId="278"/>
+            <ac:spMk id="6" creationId="{59E906CD-110B-9D01-732C-2F21759B0265}"/>
+          </ac:spMkLst>
+        </pc:spChg>
+        <pc:spChg chg="add mod">
+          <ac:chgData name="Chuck Kiefriter" userId="c57348f7-b440-4861-a58f-c89f414ea74a" providerId="ADAL" clId="{C11307D8-F416-4216-B85A-47312E9494DC}" dt="2023-04-03T17:15:25.128" v="1318" actId="1076"/>
+          <ac:spMkLst>
+            <pc:docMk/>
+            <pc:sldMk cId="976671966" sldId="278"/>
+            <ac:spMk id="8" creationId="{9FF17257-FCFA-B5FD-1F98-96E3F7F501FF}"/>
+          </ac:spMkLst>
+        </pc:spChg>
+        <pc:spChg chg="del">
+          <ac:chgData name="Chuck Kiefriter" userId="c57348f7-b440-4861-a58f-c89f414ea74a" providerId="ADAL" clId="{C11307D8-F416-4216-B85A-47312E9494DC}" dt="2023-04-03T15:02:16.058" v="665" actId="478"/>
+          <ac:spMkLst>
+            <pc:docMk/>
+            <pc:sldMk cId="976671966" sldId="278"/>
+            <ac:spMk id="9" creationId="{E3EBAC68-1411-42B9-71E1-6CD3E49066B5}"/>
+          </ac:spMkLst>
+        </pc:spChg>
+      </pc:sldChg>
+      <pc:sldChg chg="modSp mod">
+        <pc:chgData name="Chuck Kiefriter" userId="c57348f7-b440-4861-a58f-c89f414ea74a" providerId="ADAL" clId="{C11307D8-F416-4216-B85A-47312E9494DC}" dt="2023-04-03T17:20:27.754" v="1333" actId="20577"/>
+        <pc:sldMkLst>
+          <pc:docMk/>
+          <pc:sldMk cId="1155090792" sldId="286"/>
+        </pc:sldMkLst>
+        <pc:spChg chg="mod">
+          <ac:chgData name="Chuck Kiefriter" userId="c57348f7-b440-4861-a58f-c89f414ea74a" providerId="ADAL" clId="{C11307D8-F416-4216-B85A-47312E9494DC}" dt="2023-04-03T17:20:27.754" v="1333" actId="20577"/>
+          <ac:spMkLst>
+            <pc:docMk/>
+            <pc:sldMk cId="1155090792" sldId="286"/>
+            <ac:spMk id="3" creationId="{23DFC7E9-54DD-38D7-0B9B-D34948D68CF9}"/>
+          </ac:spMkLst>
+        </pc:spChg>
+      </pc:sldChg>
+      <pc:sldChg chg="modSp mod">
+        <pc:chgData name="Chuck Kiefriter" userId="c57348f7-b440-4861-a58f-c89f414ea74a" providerId="ADAL" clId="{C11307D8-F416-4216-B85A-47312E9494DC}" dt="2023-04-03T18:49:25.647" v="1381" actId="20577"/>
+        <pc:sldMkLst>
+          <pc:docMk/>
+          <pc:sldMk cId="424094208" sldId="287"/>
+        </pc:sldMkLst>
+        <pc:spChg chg="mod">
+          <ac:chgData name="Chuck Kiefriter" userId="c57348f7-b440-4861-a58f-c89f414ea74a" providerId="ADAL" clId="{C11307D8-F416-4216-B85A-47312E9494DC}" dt="2023-04-03T18:49:25.647" v="1381" actId="20577"/>
+          <ac:spMkLst>
+            <pc:docMk/>
+            <pc:sldMk cId="424094208" sldId="287"/>
+            <ac:spMk id="5" creationId="{9DB63145-E59C-9501-8AA5-4E6AC5C0D40F}"/>
+          </ac:spMkLst>
+        </pc:spChg>
+      </pc:sldChg>
       <pc:sldChg chg="del">
         <pc:chgData name="Chuck Kiefriter" userId="c57348f7-b440-4861-a58f-c89f414ea74a" providerId="ADAL" clId="{C11307D8-F416-4216-B85A-47312E9494DC}" dt="2023-04-02T22:24:00.552" v="217" actId="47"/>
         <pc:sldMkLst>
           <pc:docMk/>
           <pc:sldMk cId="834285187" sldId="288"/>
+        </pc:sldMkLst>
+      </pc:sldChg>
+      <pc:sldChg chg="del">
+        <pc:chgData name="Chuck Kiefriter" userId="c57348f7-b440-4861-a58f-c89f414ea74a" providerId="ADAL" clId="{C11307D8-F416-4216-B85A-47312E9494DC}" dt="2023-04-03T15:08:27.437" v="744" actId="47"/>
+        <pc:sldMkLst>
+          <pc:docMk/>
+          <pc:sldMk cId="3007476099" sldId="289"/>
+        </pc:sldMkLst>
+      </pc:sldChg>
+      <pc:sldChg chg="del">
+        <pc:chgData name="Chuck Kiefriter" userId="c57348f7-b440-4861-a58f-c89f414ea74a" providerId="ADAL" clId="{C11307D8-F416-4216-B85A-47312E9494DC}" dt="2023-04-03T15:08:28.915" v="745" actId="47"/>
+        <pc:sldMkLst>
+          <pc:docMk/>
+          <pc:sldMk cId="2491041013" sldId="290"/>
+        </pc:sldMkLst>
+      </pc:sldChg>
+      <pc:sldChg chg="del">
+        <pc:chgData name="Chuck Kiefriter" userId="c57348f7-b440-4861-a58f-c89f414ea74a" providerId="ADAL" clId="{C11307D8-F416-4216-B85A-47312E9494DC}" dt="2023-04-03T15:08:29.838" v="746" actId="47"/>
+        <pc:sldMkLst>
+          <pc:docMk/>
+          <pc:sldMk cId="491903796" sldId="291"/>
+        </pc:sldMkLst>
+      </pc:sldChg>
+      <pc:sldChg chg="del">
+        <pc:chgData name="Chuck Kiefriter" userId="c57348f7-b440-4861-a58f-c89f414ea74a" providerId="ADAL" clId="{C11307D8-F416-4216-B85A-47312E9494DC}" dt="2023-04-03T15:08:31.482" v="747" actId="47"/>
+        <pc:sldMkLst>
+          <pc:docMk/>
+          <pc:sldMk cId="1538833485" sldId="292"/>
         </pc:sldMkLst>
       </pc:sldChg>
       <pc:sldChg chg="addSp modSp add mod">
@@ -1465,6 +1597,238 @@
             <pc:docMk/>
             <pc:sldMk cId="3934503907" sldId="295"/>
             <ac:spMk id="10" creationId="{EA3D5ED0-1762-C438-DD7C-B32C5582A339}"/>
+          </ac:spMkLst>
+        </pc:spChg>
+      </pc:sldChg>
+      <pc:sldChg chg="addSp modSp add mod">
+        <pc:chgData name="Chuck Kiefriter" userId="c57348f7-b440-4861-a58f-c89f414ea74a" providerId="ADAL" clId="{C11307D8-F416-4216-B85A-47312E9494DC}" dt="2023-04-03T18:11:13.271" v="1353" actId="6549"/>
+        <pc:sldMkLst>
+          <pc:docMk/>
+          <pc:sldMk cId="1076239930" sldId="296"/>
+        </pc:sldMkLst>
+        <pc:spChg chg="add mod">
+          <ac:chgData name="Chuck Kiefriter" userId="c57348f7-b440-4861-a58f-c89f414ea74a" providerId="ADAL" clId="{C11307D8-F416-4216-B85A-47312E9494DC}" dt="2023-04-03T15:00:52.531" v="644" actId="1076"/>
+          <ac:spMkLst>
+            <pc:docMk/>
+            <pc:sldMk cId="1076239930" sldId="296"/>
+            <ac:spMk id="3" creationId="{4147B091-8768-D6A8-FF68-DEC06014D579}"/>
+          </ac:spMkLst>
+        </pc:spChg>
+        <pc:spChg chg="mod">
+          <ac:chgData name="Chuck Kiefriter" userId="c57348f7-b440-4861-a58f-c89f414ea74a" providerId="ADAL" clId="{C11307D8-F416-4216-B85A-47312E9494DC}" dt="2023-04-03T15:00:29.665" v="640" actId="1035"/>
+          <ac:spMkLst>
+            <pc:docMk/>
+            <pc:sldMk cId="1076239930" sldId="296"/>
+            <ac:spMk id="6" creationId="{DE3DBA5A-FA8E-46C6-1402-E5C7632F4CAD}"/>
+          </ac:spMkLst>
+        </pc:spChg>
+        <pc:spChg chg="mod">
+          <ac:chgData name="Chuck Kiefriter" userId="c57348f7-b440-4861-a58f-c89f414ea74a" providerId="ADAL" clId="{C11307D8-F416-4216-B85A-47312E9494DC}" dt="2023-04-03T18:11:13.271" v="1353" actId="6549"/>
+          <ac:spMkLst>
+            <pc:docMk/>
+            <pc:sldMk cId="1076239930" sldId="296"/>
+            <ac:spMk id="10" creationId="{EA3D5ED0-1762-C438-DD7C-B32C5582A339}"/>
+          </ac:spMkLst>
+        </pc:spChg>
+      </pc:sldChg>
+      <pc:sldChg chg="addSp delSp modSp add mod">
+        <pc:chgData name="Chuck Kiefriter" userId="c57348f7-b440-4861-a58f-c89f414ea74a" providerId="ADAL" clId="{C11307D8-F416-4216-B85A-47312E9494DC}" dt="2023-04-03T15:28:53.796" v="836" actId="1035"/>
+        <pc:sldMkLst>
+          <pc:docMk/>
+          <pc:sldMk cId="2586908395" sldId="297"/>
+        </pc:sldMkLst>
+        <pc:spChg chg="add del">
+          <ac:chgData name="Chuck Kiefriter" userId="c57348f7-b440-4861-a58f-c89f414ea74a" providerId="ADAL" clId="{C11307D8-F416-4216-B85A-47312E9494DC}" dt="2023-04-03T15:12:27.009" v="762"/>
+          <ac:spMkLst>
+            <pc:docMk/>
+            <pc:sldMk cId="2586908395" sldId="297"/>
+            <ac:spMk id="2" creationId="{3F616592-3C02-0860-84A0-E3BEDB39760F}"/>
+          </ac:spMkLst>
+        </pc:spChg>
+        <pc:spChg chg="mod">
+          <ac:chgData name="Chuck Kiefriter" userId="c57348f7-b440-4861-a58f-c89f414ea74a" providerId="ADAL" clId="{C11307D8-F416-4216-B85A-47312E9494DC}" dt="2023-04-03T15:28:53.796" v="836" actId="1035"/>
+          <ac:spMkLst>
+            <pc:docMk/>
+            <pc:sldMk cId="2586908395" sldId="297"/>
+            <ac:spMk id="4" creationId="{C0B26727-0F97-5A73-B4ED-6BE65E07E5DB}"/>
+          </ac:spMkLst>
+        </pc:spChg>
+        <pc:spChg chg="add mod">
+          <ac:chgData name="Chuck Kiefriter" userId="c57348f7-b440-4861-a58f-c89f414ea74a" providerId="ADAL" clId="{C11307D8-F416-4216-B85A-47312E9494DC}" dt="2023-04-03T15:28:43.603" v="809"/>
+          <ac:spMkLst>
+            <pc:docMk/>
+            <pc:sldMk cId="2586908395" sldId="297"/>
+            <ac:spMk id="7" creationId="{E4F67DC1-6682-DCC5-09F9-0D3C65052F99}"/>
+          </ac:spMkLst>
+        </pc:spChg>
+        <pc:picChg chg="add mod">
+          <ac:chgData name="Chuck Kiefriter" userId="c57348f7-b440-4861-a58f-c89f414ea74a" providerId="ADAL" clId="{C11307D8-F416-4216-B85A-47312E9494DC}" dt="2023-04-03T15:28:53.796" v="836" actId="1035"/>
+          <ac:picMkLst>
+            <pc:docMk/>
+            <pc:sldMk cId="2586908395" sldId="297"/>
+            <ac:picMk id="5" creationId="{A70A8141-972B-8FEE-B70B-882D3DD31F46}"/>
+          </ac:picMkLst>
+        </pc:picChg>
+      </pc:sldChg>
+      <pc:sldChg chg="addSp delSp modSp add mod">
+        <pc:chgData name="Chuck Kiefriter" userId="c57348f7-b440-4861-a58f-c89f414ea74a" providerId="ADAL" clId="{C11307D8-F416-4216-B85A-47312E9494DC}" dt="2023-04-03T15:29:37.311" v="840" actId="115"/>
+        <pc:sldMkLst>
+          <pc:docMk/>
+          <pc:sldMk cId="1731529612" sldId="298"/>
+        </pc:sldMkLst>
+        <pc:spChg chg="mod">
+          <ac:chgData name="Chuck Kiefriter" userId="c57348f7-b440-4861-a58f-c89f414ea74a" providerId="ADAL" clId="{C11307D8-F416-4216-B85A-47312E9494DC}" dt="2023-04-03T15:29:37.311" v="840" actId="115"/>
+          <ac:spMkLst>
+            <pc:docMk/>
+            <pc:sldMk cId="1731529612" sldId="298"/>
+            <ac:spMk id="4" creationId="{C0B26727-0F97-5A73-B4ED-6BE65E07E5DB}"/>
+          </ac:spMkLst>
+        </pc:spChg>
+        <pc:spChg chg="add mod">
+          <ac:chgData name="Chuck Kiefriter" userId="c57348f7-b440-4861-a58f-c89f414ea74a" providerId="ADAL" clId="{C11307D8-F416-4216-B85A-47312E9494DC}" dt="2023-04-03T15:28:57.894" v="837"/>
+          <ac:spMkLst>
+            <pc:docMk/>
+            <pc:sldMk cId="1731529612" sldId="298"/>
+            <ac:spMk id="7" creationId="{81EDE05F-B22E-686F-2292-BF6CA2A0BD87}"/>
+          </ac:spMkLst>
+        </pc:spChg>
+        <pc:picChg chg="add mod">
+          <ac:chgData name="Chuck Kiefriter" userId="c57348f7-b440-4861-a58f-c89f414ea74a" providerId="ADAL" clId="{C11307D8-F416-4216-B85A-47312E9494DC}" dt="2023-04-03T15:29:05.082" v="839" actId="1076"/>
+          <ac:picMkLst>
+            <pc:docMk/>
+            <pc:sldMk cId="1731529612" sldId="298"/>
+            <ac:picMk id="3" creationId="{E2697A41-77D9-6BEA-7880-1DBD268ED34C}"/>
+          </ac:picMkLst>
+        </pc:picChg>
+        <pc:picChg chg="del">
+          <ac:chgData name="Chuck Kiefriter" userId="c57348f7-b440-4861-a58f-c89f414ea74a" providerId="ADAL" clId="{C11307D8-F416-4216-B85A-47312E9494DC}" dt="2023-04-03T15:22:11.665" v="790" actId="478"/>
+          <ac:picMkLst>
+            <pc:docMk/>
+            <pc:sldMk cId="1731529612" sldId="298"/>
+            <ac:picMk id="5" creationId="{A70A8141-972B-8FEE-B70B-882D3DD31F46}"/>
+          </ac:picMkLst>
+        </pc:picChg>
+      </pc:sldChg>
+      <pc:sldChg chg="delSp modSp add mod">
+        <pc:chgData name="Chuck Kiefriter" userId="c57348f7-b440-4861-a58f-c89f414ea74a" providerId="ADAL" clId="{C11307D8-F416-4216-B85A-47312E9494DC}" dt="2023-04-03T15:51:14.322" v="1210" actId="6549"/>
+        <pc:sldMkLst>
+          <pc:docMk/>
+          <pc:sldMk cId="12263916" sldId="299"/>
+        </pc:sldMkLst>
+        <pc:spChg chg="mod">
+          <ac:chgData name="Chuck Kiefriter" userId="c57348f7-b440-4861-a58f-c89f414ea74a" providerId="ADAL" clId="{C11307D8-F416-4216-B85A-47312E9494DC}" dt="2023-04-03T15:51:14.322" v="1210" actId="6549"/>
+          <ac:spMkLst>
+            <pc:docMk/>
+            <pc:sldMk cId="12263916" sldId="299"/>
+            <ac:spMk id="4" creationId="{C0B26727-0F97-5A73-B4ED-6BE65E07E5DB}"/>
+          </ac:spMkLst>
+        </pc:spChg>
+        <pc:spChg chg="mod">
+          <ac:chgData name="Chuck Kiefriter" userId="c57348f7-b440-4861-a58f-c89f414ea74a" providerId="ADAL" clId="{C11307D8-F416-4216-B85A-47312E9494DC}" dt="2023-04-03T15:33:43.577" v="892" actId="14100"/>
+          <ac:spMkLst>
+            <pc:docMk/>
+            <pc:sldMk cId="12263916" sldId="299"/>
+            <ac:spMk id="6" creationId="{59E906CD-110B-9D01-732C-2F21759B0265}"/>
+          </ac:spMkLst>
+        </pc:spChg>
+        <pc:spChg chg="del">
+          <ac:chgData name="Chuck Kiefriter" userId="c57348f7-b440-4861-a58f-c89f414ea74a" providerId="ADAL" clId="{C11307D8-F416-4216-B85A-47312E9494DC}" dt="2023-04-03T15:33:49.188" v="894" actId="478"/>
+          <ac:spMkLst>
+            <pc:docMk/>
+            <pc:sldMk cId="12263916" sldId="299"/>
+            <ac:spMk id="7" creationId="{81EDE05F-B22E-686F-2292-BF6CA2A0BD87}"/>
+          </ac:spMkLst>
+        </pc:spChg>
+        <pc:picChg chg="del">
+          <ac:chgData name="Chuck Kiefriter" userId="c57348f7-b440-4861-a58f-c89f414ea74a" providerId="ADAL" clId="{C11307D8-F416-4216-B85A-47312E9494DC}" dt="2023-04-03T15:33:46.266" v="893" actId="478"/>
+          <ac:picMkLst>
+            <pc:docMk/>
+            <pc:sldMk cId="12263916" sldId="299"/>
+            <ac:picMk id="3" creationId="{E2697A41-77D9-6BEA-7880-1DBD268ED34C}"/>
+          </ac:picMkLst>
+        </pc:picChg>
+      </pc:sldChg>
+      <pc:sldChg chg="addSp modSp add mod">
+        <pc:chgData name="Chuck Kiefriter" userId="c57348f7-b440-4861-a58f-c89f414ea74a" providerId="ADAL" clId="{C11307D8-F416-4216-B85A-47312E9494DC}" dt="2023-04-03T17:15:51.867" v="1320" actId="1076"/>
+        <pc:sldMkLst>
+          <pc:docMk/>
+          <pc:sldMk cId="2285577035" sldId="300"/>
+        </pc:sldMkLst>
+        <pc:spChg chg="add mod">
+          <ac:chgData name="Chuck Kiefriter" userId="c57348f7-b440-4861-a58f-c89f414ea74a" providerId="ADAL" clId="{C11307D8-F416-4216-B85A-47312E9494DC}" dt="2023-04-03T17:15:51.867" v="1320" actId="1076"/>
+          <ac:spMkLst>
+            <pc:docMk/>
+            <pc:sldMk cId="2285577035" sldId="300"/>
+            <ac:spMk id="2" creationId="{2292BC77-EAED-98AF-CC12-6B2F561FA457}"/>
+          </ac:spMkLst>
+        </pc:spChg>
+        <pc:spChg chg="mod">
+          <ac:chgData name="Chuck Kiefriter" userId="c57348f7-b440-4861-a58f-c89f414ea74a" providerId="ADAL" clId="{C11307D8-F416-4216-B85A-47312E9494DC}" dt="2023-04-03T15:54:36.687" v="1219" actId="20577"/>
+          <ac:spMkLst>
+            <pc:docMk/>
+            <pc:sldMk cId="2285577035" sldId="300"/>
+            <ac:spMk id="4" creationId="{C0B26727-0F97-5A73-B4ED-6BE65E07E5DB}"/>
+          </ac:spMkLst>
+        </pc:spChg>
+      </pc:sldChg>
+      <pc:sldChg chg="modSp add mod">
+        <pc:chgData name="Chuck Kiefriter" userId="c57348f7-b440-4861-a58f-c89f414ea74a" providerId="ADAL" clId="{C11307D8-F416-4216-B85A-47312E9494DC}" dt="2023-04-03T15:57:12.701" v="1314" actId="2711"/>
+        <pc:sldMkLst>
+          <pc:docMk/>
+          <pc:sldMk cId="3976039359" sldId="301"/>
+        </pc:sldMkLst>
+        <pc:spChg chg="mod">
+          <ac:chgData name="Chuck Kiefriter" userId="c57348f7-b440-4861-a58f-c89f414ea74a" providerId="ADAL" clId="{C11307D8-F416-4216-B85A-47312E9494DC}" dt="2023-04-03T15:57:12.701" v="1314" actId="2711"/>
+          <ac:spMkLst>
+            <pc:docMk/>
+            <pc:sldMk cId="3976039359" sldId="301"/>
+            <ac:spMk id="4" creationId="{C0B26727-0F97-5A73-B4ED-6BE65E07E5DB}"/>
+          </ac:spMkLst>
+        </pc:spChg>
+      </pc:sldChg>
+      <pc:sldChg chg="add">
+        <pc:chgData name="Chuck Kiefriter" userId="c57348f7-b440-4861-a58f-c89f414ea74a" providerId="ADAL" clId="{C11307D8-F416-4216-B85A-47312E9494DC}" dt="2023-04-03T17:20:19.963" v="1321" actId="2890"/>
+        <pc:sldMkLst>
+          <pc:docMk/>
+          <pc:sldMk cId="4183596226" sldId="302"/>
+        </pc:sldMkLst>
+      </pc:sldChg>
+      <pc:sldChg chg="addSp delSp modSp add mod ord">
+        <pc:chgData name="Chuck Kiefriter" userId="c57348f7-b440-4861-a58f-c89f414ea74a" providerId="ADAL" clId="{C11307D8-F416-4216-B85A-47312E9494DC}" dt="2023-04-03T18:58:14.568" v="1424" actId="20577"/>
+        <pc:sldMkLst>
+          <pc:docMk/>
+          <pc:sldMk cId="3551399501" sldId="303"/>
+        </pc:sldMkLst>
+        <pc:spChg chg="add del">
+          <ac:chgData name="Chuck Kiefriter" userId="c57348f7-b440-4861-a58f-c89f414ea74a" providerId="ADAL" clId="{C11307D8-F416-4216-B85A-47312E9494DC}" dt="2023-04-03T18:20:13.989" v="1365"/>
+          <ac:spMkLst>
+            <pc:docMk/>
+            <pc:sldMk cId="3551399501" sldId="303"/>
+            <ac:spMk id="2" creationId="{E2153FEC-75DF-CAC0-FEA3-C66E491898A2}"/>
+          </ac:spMkLst>
+        </pc:spChg>
+        <pc:spChg chg="mod">
+          <ac:chgData name="Chuck Kiefriter" userId="c57348f7-b440-4861-a58f-c89f414ea74a" providerId="ADAL" clId="{C11307D8-F416-4216-B85A-47312E9494DC}" dt="2023-04-03T18:58:14.568" v="1424" actId="20577"/>
+          <ac:spMkLst>
+            <pc:docMk/>
+            <pc:sldMk cId="3551399501" sldId="303"/>
+            <ac:spMk id="4" creationId="{C0B26727-0F97-5A73-B4ED-6BE65E07E5DB}"/>
+          </ac:spMkLst>
+        </pc:spChg>
+        <pc:spChg chg="add mod">
+          <ac:chgData name="Chuck Kiefriter" userId="c57348f7-b440-4861-a58f-c89f414ea74a" providerId="ADAL" clId="{C11307D8-F416-4216-B85A-47312E9494DC}" dt="2023-04-03T18:46:22.450" v="1378" actId="1076"/>
+          <ac:spMkLst>
+            <pc:docMk/>
+            <pc:sldMk cId="3551399501" sldId="303"/>
+            <ac:spMk id="5" creationId="{20F6CBEF-9110-814A-F1E8-8EDD591B1904}"/>
+          </ac:spMkLst>
+        </pc:spChg>
+        <pc:spChg chg="mod">
+          <ac:chgData name="Chuck Kiefriter" userId="c57348f7-b440-4861-a58f-c89f414ea74a" providerId="ADAL" clId="{C11307D8-F416-4216-B85A-47312E9494DC}" dt="2023-04-03T17:21:43.237" v="1352" actId="20577"/>
+          <ac:spMkLst>
+            <pc:docMk/>
+            <pc:sldMk cId="3551399501" sldId="303"/>
+            <ac:spMk id="6" creationId="{59E906CD-110B-9D01-732C-2F21759B0265}"/>
           </ac:spMkLst>
         </pc:spChg>
       </pc:sldChg>
@@ -2124,7 +2488,7 @@
           <a:p>
             <a:fld id="{33D569A9-A222-4DCC-AF28-BB813B4F2ABB}" type="datetimeFigureOut">
               <a:rPr lang="en-US" smtClean="0"/>
-              <a:t>4/2/2023</a:t>
+              <a:t>4/3/2023</a:t>
             </a:fld>
             <a:endParaRPr lang="en-US"/>
           </a:p>
@@ -2412,7 +2776,7 @@
           <a:p>
             <a:fld id="{33D569A9-A222-4DCC-AF28-BB813B4F2ABB}" type="datetimeFigureOut">
               <a:rPr lang="en-US" smtClean="0"/>
-              <a:t>4/2/2023</a:t>
+              <a:t>4/3/2023</a:t>
             </a:fld>
             <a:endParaRPr lang="en-US"/>
           </a:p>
@@ -2610,7 +2974,7 @@
           <a:p>
             <a:fld id="{33D569A9-A222-4DCC-AF28-BB813B4F2ABB}" type="datetimeFigureOut">
               <a:rPr lang="en-US" smtClean="0"/>
-              <a:t>4/2/2023</a:t>
+              <a:t>4/3/2023</a:t>
             </a:fld>
             <a:endParaRPr lang="en-US"/>
           </a:p>
@@ -2818,7 +3182,7 @@
           <a:p>
             <a:fld id="{33D569A9-A222-4DCC-AF28-BB813B4F2ABB}" type="datetimeFigureOut">
               <a:rPr lang="en-US" smtClean="0"/>
-              <a:t>4/2/2023</a:t>
+              <a:t>4/3/2023</a:t>
             </a:fld>
             <a:endParaRPr lang="en-US"/>
           </a:p>
@@ -3016,7 +3380,7 @@
           <a:p>
             <a:fld id="{33D569A9-A222-4DCC-AF28-BB813B4F2ABB}" type="datetimeFigureOut">
               <a:rPr lang="en-US" smtClean="0"/>
-              <a:t>4/2/2023</a:t>
+              <a:t>4/3/2023</a:t>
             </a:fld>
             <a:endParaRPr lang="en-US"/>
           </a:p>
@@ -3291,7 +3655,7 @@
           <a:p>
             <a:fld id="{33D569A9-A222-4DCC-AF28-BB813B4F2ABB}" type="datetimeFigureOut">
               <a:rPr lang="en-US" smtClean="0"/>
-              <a:t>4/2/2023</a:t>
+              <a:t>4/3/2023</a:t>
             </a:fld>
             <a:endParaRPr lang="en-US"/>
           </a:p>
@@ -3556,7 +3920,7 @@
           <a:p>
             <a:fld id="{33D569A9-A222-4DCC-AF28-BB813B4F2ABB}" type="datetimeFigureOut">
               <a:rPr lang="en-US" smtClean="0"/>
-              <a:t>4/2/2023</a:t>
+              <a:t>4/3/2023</a:t>
             </a:fld>
             <a:endParaRPr lang="en-US"/>
           </a:p>
@@ -3968,7 +4332,7 @@
           <a:p>
             <a:fld id="{33D569A9-A222-4DCC-AF28-BB813B4F2ABB}" type="datetimeFigureOut">
               <a:rPr lang="en-US" smtClean="0"/>
-              <a:t>4/2/2023</a:t>
+              <a:t>4/3/2023</a:t>
             </a:fld>
             <a:endParaRPr lang="en-US"/>
           </a:p>
@@ -4109,7 +4473,7 @@
           <a:p>
             <a:fld id="{33D569A9-A222-4DCC-AF28-BB813B4F2ABB}" type="datetimeFigureOut">
               <a:rPr lang="en-US" smtClean="0"/>
-              <a:t>4/2/2023</a:t>
+              <a:t>4/3/2023</a:t>
             </a:fld>
             <a:endParaRPr lang="en-US"/>
           </a:p>
@@ -4222,7 +4586,7 @@
           <a:p>
             <a:fld id="{33D569A9-A222-4DCC-AF28-BB813B4F2ABB}" type="datetimeFigureOut">
               <a:rPr lang="en-US" smtClean="0"/>
-              <a:t>4/2/2023</a:t>
+              <a:t>4/3/2023</a:t>
             </a:fld>
             <a:endParaRPr lang="en-US"/>
           </a:p>
@@ -4568,7 +4932,7 @@
           <a:p>
             <a:fld id="{33D569A9-A222-4DCC-AF28-BB813B4F2ABB}" type="datetimeFigureOut">
               <a:rPr lang="en-US" smtClean="0"/>
-              <a:t>4/2/2023</a:t>
+              <a:t>4/3/2023</a:t>
             </a:fld>
             <a:endParaRPr lang="en-US"/>
           </a:p>
@@ -4809,7 +5173,7 @@
           <a:p>
             <a:fld id="{33D569A9-A222-4DCC-AF28-BB813B4F2ABB}" type="datetimeFigureOut">
               <a:rPr lang="en-US" smtClean="0"/>
-              <a:t>4/2/2023</a:t>
+              <a:t>4/3/2023</a:t>
             </a:fld>
             <a:endParaRPr lang="en-US"/>
           </a:p>
@@ -5757,17 +6121,11 @@
                 <a:solidFill>
                   <a:srgbClr val="00B050"/>
                 </a:solidFill>
-                <a:latin typeface="Open Sans" panose="020B0606030504020204" pitchFamily="34" charset="0"/>
-              </a:rPr>
-              <a:t>Lists</a:t>
-            </a:r>
-            <a:endParaRPr lang="en-US" sz="2400" b="1" dirty="0">
-              <a:solidFill>
-                <a:srgbClr val="00B050"/>
-              </a:solidFill>
-              <a:effectLst/>
-              <a:latin typeface="Open Sans" panose="020B0606030504020204" pitchFamily="34" charset="0"/>
-            </a:endParaRPr>
+                <a:effectLst/>
+                <a:latin typeface="Open Sans" panose="020B0606030504020204" pitchFamily="34" charset="0"/>
+              </a:rPr>
+              <a:t>Exceptions</a:t>
+            </a:r>
           </a:p>
         </p:txBody>
       </p:sp>
@@ -5785,8 +6143,8 @@
         </p:nvSpPr>
         <p:spPr>
           <a:xfrm>
-            <a:off x="193251" y="624665"/>
-            <a:ext cx="11931637" cy="5355312"/>
+            <a:off x="176169" y="543795"/>
+            <a:ext cx="11931637" cy="3416320"/>
           </a:xfrm>
           <a:prstGeom prst="rect">
             <a:avLst/>
@@ -5799,7 +6157,10 @@
           </a:bodyPr>
           <a:lstStyle/>
           <a:p>
-            <a:pPr algn="l"/>
+            <a:pPr marL="285750" indent="-285750" algn="l">
+              <a:buFont typeface="Arial" panose="020B0604020202020204" pitchFamily="34" charset="0"/>
+              <a:buChar char="•"/>
+            </a:pPr>
             <a:r>
               <a:rPr lang="en-US" b="0" i="0" dirty="0">
                 <a:solidFill>
@@ -5810,33 +6171,14 @@
                 <a:effectLst/>
                 <a:latin typeface="Open Sans" panose="020B0606030504020204" pitchFamily="34" charset="0"/>
               </a:rPr>
-              <a:t>A </a:t>
-            </a:r>
-            <a:r>
-              <a:rPr lang="en-US" b="0" i="0" dirty="0">
-                <a:solidFill>
-                  <a:srgbClr val="00B0F0"/>
-                </a:solidFill>
-                <a:effectLst/>
-                <a:latin typeface="Open Sans" panose="020B0606030504020204" pitchFamily="34" charset="0"/>
-              </a:rPr>
-              <a:t>List is an ordered Collection (sometimes called a sequence)</a:t>
-            </a:r>
-            <a:r>
-              <a:rPr lang="en-US" b="0" i="0" dirty="0">
-                <a:solidFill>
-                  <a:schemeClr val="tx1">
-                    <a:lumMod val="85000"/>
-                  </a:schemeClr>
-                </a:solidFill>
-                <a:effectLst/>
-                <a:latin typeface="Open Sans" panose="020B0606030504020204" pitchFamily="34" charset="0"/>
-              </a:rPr>
-              <a:t>. Lists may contain duplicate elements. In addition to the operations inherited from Collection, the List interface includes operations for the following:</a:t>
-            </a:r>
-          </a:p>
-          <a:p>
-            <a:pPr algn="l"/>
+              <a:t>An exception is an event that occurs during the execution of a program that disrupts the normal flow of instructions.</a:t>
+            </a:r>
+          </a:p>
+          <a:p>
+            <a:pPr marL="285750" indent="-285750" algn="l">
+              <a:buFont typeface="Arial" panose="020B0604020202020204" pitchFamily="34" charset="0"/>
+              <a:buChar char="•"/>
+            </a:pPr>
             <a:endParaRPr lang="en-US" b="0" i="0" dirty="0">
               <a:solidFill>
                 <a:schemeClr val="tx1">
@@ -5860,7 +6202,7 @@
                 <a:effectLst/>
                 <a:latin typeface="Open Sans" panose="020B0606030504020204" pitchFamily="34" charset="0"/>
               </a:rPr>
-              <a:t>Positional access </a:t>
+              <a:t>When an error occurs within a method, the method creates an object and hands it off to the runtime system. </a:t>
             </a:r>
             <a:r>
               <a:rPr lang="en-US" b="0" i="0" dirty="0">
@@ -5872,31 +6214,29 @@
                 <a:effectLst/>
                 <a:latin typeface="Open Sans" panose="020B0606030504020204" pitchFamily="34" charset="0"/>
               </a:rPr>
-              <a:t>— manipulates elements based on their numerical position in the list. This includes methods such as get, set, add, </a:t>
-            </a:r>
-            <a:r>
-              <a:rPr lang="en-US" b="0" i="0" dirty="0" err="1">
-                <a:solidFill>
-                  <a:schemeClr val="tx1">
-                    <a:lumMod val="85000"/>
-                  </a:schemeClr>
-                </a:solidFill>
-                <a:effectLst/>
-                <a:latin typeface="Open Sans" panose="020B0606030504020204" pitchFamily="34" charset="0"/>
-              </a:rPr>
-              <a:t>addAll</a:t>
+              <a:t>The object, called an </a:t>
             </a:r>
             <a:r>
               <a:rPr lang="en-US" b="0" i="0" dirty="0">
                 <a:solidFill>
-                  <a:schemeClr val="tx1">
-                    <a:lumMod val="85000"/>
-                  </a:schemeClr>
-                </a:solidFill>
-                <a:effectLst/>
-                <a:latin typeface="Open Sans" panose="020B0606030504020204" pitchFamily="34" charset="0"/>
-              </a:rPr>
-              <a:t>, and remove.</a:t>
+                  <a:srgbClr val="00B0F0"/>
+                </a:solidFill>
+                <a:effectLst/>
+                <a:latin typeface="Open Sans" panose="020B0606030504020204" pitchFamily="34" charset="0"/>
+              </a:rPr>
+              <a:t>exception object</a:t>
+            </a:r>
+            <a:r>
+              <a:rPr lang="en-US" b="0" i="0" dirty="0">
+                <a:solidFill>
+                  <a:schemeClr val="tx1">
+                    <a:lumMod val="85000"/>
+                  </a:schemeClr>
+                </a:solidFill>
+                <a:effectLst/>
+                <a:latin typeface="Open Sans" panose="020B0606030504020204" pitchFamily="34" charset="0"/>
+              </a:rPr>
+              <a:t>, contains information about the error, including its type and the state of the program when the error occurred. </a:t>
             </a:r>
           </a:p>
           <a:p>
@@ -5904,183 +6244,6 @@
               <a:buFont typeface="Arial" panose="020B0604020202020204" pitchFamily="34" charset="0"/>
               <a:buChar char="•"/>
             </a:pPr>
-            <a:r>
-              <a:rPr lang="en-US" b="0" i="0" dirty="0">
-                <a:solidFill>
-                  <a:srgbClr val="00B0F0"/>
-                </a:solidFill>
-                <a:effectLst/>
-                <a:latin typeface="Open Sans" panose="020B0606030504020204" pitchFamily="34" charset="0"/>
-              </a:rPr>
-              <a:t>Search</a:t>
-            </a:r>
-            <a:r>
-              <a:rPr lang="en-US" b="0" i="0" dirty="0">
-                <a:solidFill>
-                  <a:schemeClr val="tx1">
-                    <a:lumMod val="85000"/>
-                  </a:schemeClr>
-                </a:solidFill>
-                <a:effectLst/>
-                <a:latin typeface="Open Sans" panose="020B0606030504020204" pitchFamily="34" charset="0"/>
-              </a:rPr>
-              <a:t> — searches for a specified object in the list and returns its numerical position. Search methods include </a:t>
-            </a:r>
-            <a:r>
-              <a:rPr lang="en-US" b="0" i="0" dirty="0" err="1">
-                <a:solidFill>
-                  <a:schemeClr val="tx1">
-                    <a:lumMod val="85000"/>
-                  </a:schemeClr>
-                </a:solidFill>
-                <a:effectLst/>
-                <a:latin typeface="Open Sans" panose="020B0606030504020204" pitchFamily="34" charset="0"/>
-              </a:rPr>
-              <a:t>indexOf</a:t>
-            </a:r>
-            <a:r>
-              <a:rPr lang="en-US" b="0" i="0" dirty="0">
-                <a:solidFill>
-                  <a:schemeClr val="tx1">
-                    <a:lumMod val="85000"/>
-                  </a:schemeClr>
-                </a:solidFill>
-                <a:effectLst/>
-                <a:latin typeface="Open Sans" panose="020B0606030504020204" pitchFamily="34" charset="0"/>
-              </a:rPr>
-              <a:t> and </a:t>
-            </a:r>
-            <a:r>
-              <a:rPr lang="en-US" b="0" i="0" dirty="0" err="1">
-                <a:solidFill>
-                  <a:schemeClr val="tx1">
-                    <a:lumMod val="85000"/>
-                  </a:schemeClr>
-                </a:solidFill>
-                <a:effectLst/>
-                <a:latin typeface="Open Sans" panose="020B0606030504020204" pitchFamily="34" charset="0"/>
-              </a:rPr>
-              <a:t>lastIndexOf</a:t>
-            </a:r>
-            <a:r>
-              <a:rPr lang="en-US" b="0" i="0" dirty="0">
-                <a:solidFill>
-                  <a:schemeClr val="tx1">
-                    <a:lumMod val="85000"/>
-                  </a:schemeClr>
-                </a:solidFill>
-                <a:effectLst/>
-                <a:latin typeface="Open Sans" panose="020B0606030504020204" pitchFamily="34" charset="0"/>
-              </a:rPr>
-              <a:t>.</a:t>
-            </a:r>
-          </a:p>
-          <a:p>
-            <a:pPr marL="285750" indent="-285750" algn="l">
-              <a:buFont typeface="Arial" panose="020B0604020202020204" pitchFamily="34" charset="0"/>
-              <a:buChar char="•"/>
-            </a:pPr>
-            <a:r>
-              <a:rPr lang="en-US" b="0" i="0" dirty="0">
-                <a:solidFill>
-                  <a:srgbClr val="00B0F0"/>
-                </a:solidFill>
-                <a:effectLst/>
-                <a:latin typeface="Open Sans" panose="020B0606030504020204" pitchFamily="34" charset="0"/>
-              </a:rPr>
-              <a:t>Iteration</a:t>
-            </a:r>
-            <a:r>
-              <a:rPr lang="en-US" b="0" i="0" dirty="0">
-                <a:solidFill>
-                  <a:schemeClr val="tx1">
-                    <a:lumMod val="85000"/>
-                  </a:schemeClr>
-                </a:solidFill>
-                <a:effectLst/>
-                <a:latin typeface="Open Sans" panose="020B0606030504020204" pitchFamily="34" charset="0"/>
-              </a:rPr>
-              <a:t> — extends Iterator semantics to take advantage of the list's sequential nature. The </a:t>
-            </a:r>
-            <a:r>
-              <a:rPr lang="en-US" b="0" i="0" dirty="0" err="1">
-                <a:solidFill>
-                  <a:schemeClr val="tx1">
-                    <a:lumMod val="85000"/>
-                  </a:schemeClr>
-                </a:solidFill>
-                <a:effectLst/>
-                <a:latin typeface="Open Sans" panose="020B0606030504020204" pitchFamily="34" charset="0"/>
-              </a:rPr>
-              <a:t>listIterator</a:t>
-            </a:r>
-            <a:r>
-              <a:rPr lang="en-US" b="0" i="0" dirty="0">
-                <a:solidFill>
-                  <a:schemeClr val="tx1">
-                    <a:lumMod val="85000"/>
-                  </a:schemeClr>
-                </a:solidFill>
-                <a:effectLst/>
-                <a:latin typeface="Open Sans" panose="020B0606030504020204" pitchFamily="34" charset="0"/>
-              </a:rPr>
-              <a:t> methods provide this behavior.</a:t>
-            </a:r>
-          </a:p>
-          <a:p>
-            <a:pPr marL="285750" indent="-285750" algn="l">
-              <a:buFont typeface="Arial" panose="020B0604020202020204" pitchFamily="34" charset="0"/>
-              <a:buChar char="•"/>
-            </a:pPr>
-            <a:r>
-              <a:rPr lang="en-US" b="0" i="0" dirty="0">
-                <a:solidFill>
-                  <a:srgbClr val="00B0F0"/>
-                </a:solidFill>
-                <a:effectLst/>
-                <a:latin typeface="Open Sans" panose="020B0606030504020204" pitchFamily="34" charset="0"/>
-              </a:rPr>
-              <a:t>Range-view</a:t>
-            </a:r>
-            <a:r>
-              <a:rPr lang="en-US" b="0" i="0" dirty="0">
-                <a:solidFill>
-                  <a:schemeClr val="tx1">
-                    <a:lumMod val="85000"/>
-                  </a:schemeClr>
-                </a:solidFill>
-                <a:effectLst/>
-                <a:latin typeface="Open Sans" panose="020B0606030504020204" pitchFamily="34" charset="0"/>
-              </a:rPr>
-              <a:t> — The </a:t>
-            </a:r>
-            <a:r>
-              <a:rPr lang="en-US" b="0" i="0" dirty="0" err="1">
-                <a:solidFill>
-                  <a:schemeClr val="tx1">
-                    <a:lumMod val="85000"/>
-                  </a:schemeClr>
-                </a:solidFill>
-                <a:effectLst/>
-                <a:latin typeface="Open Sans" panose="020B0606030504020204" pitchFamily="34" charset="0"/>
-              </a:rPr>
-              <a:t>sublist</a:t>
-            </a:r>
-            <a:r>
-              <a:rPr lang="en-US" b="0" i="0" dirty="0">
-                <a:solidFill>
-                  <a:schemeClr val="tx1">
-                    <a:lumMod val="85000"/>
-                  </a:schemeClr>
-                </a:solidFill>
-                <a:effectLst/>
-                <a:latin typeface="Open Sans" panose="020B0606030504020204" pitchFamily="34" charset="0"/>
-              </a:rPr>
-              <a:t> method performs arbitrary range operations on the list.</a:t>
-            </a:r>
-          </a:p>
-          <a:p>
-            <a:pPr algn="l"/>
             <a:endParaRPr lang="en-US" dirty="0">
               <a:solidFill>
                 <a:schemeClr val="tx1">
@@ -6091,8 +6254,96 @@
             </a:endParaRPr>
           </a:p>
           <a:p>
-            <a:pPr algn="l"/>
+            <a:pPr marL="285750" indent="-285750" algn="l">
+              <a:buFont typeface="Arial" panose="020B0604020202020204" pitchFamily="34" charset="0"/>
+              <a:buChar char="•"/>
+            </a:pPr>
+            <a:r>
+              <a:rPr lang="en-US" b="0" i="0" dirty="0">
+                <a:solidFill>
+                  <a:srgbClr val="00B0F0"/>
+                </a:solidFill>
+                <a:effectLst/>
+                <a:latin typeface="Open Sans" panose="020B0606030504020204" pitchFamily="34" charset="0"/>
+              </a:rPr>
+              <a:t>Creating an exception object </a:t>
+            </a:r>
+            <a:r>
+              <a:rPr lang="en-US" b="0" i="0" dirty="0">
+                <a:solidFill>
+                  <a:schemeClr val="tx1">
+                    <a:lumMod val="85000"/>
+                  </a:schemeClr>
+                </a:solidFill>
+                <a:effectLst/>
+                <a:latin typeface="Open Sans" panose="020B0606030504020204" pitchFamily="34" charset="0"/>
+              </a:rPr>
+              <a:t>and handing it to the runtime system is called </a:t>
+            </a:r>
+            <a:r>
+              <a:rPr lang="en-US" b="0" i="0" dirty="0">
+                <a:solidFill>
+                  <a:srgbClr val="00B0F0"/>
+                </a:solidFill>
+                <a:effectLst/>
+                <a:latin typeface="Open Sans" panose="020B0606030504020204" pitchFamily="34" charset="0"/>
+              </a:rPr>
+              <a:t>throwing an exception.</a:t>
+            </a:r>
+          </a:p>
+          <a:p>
+            <a:pPr marL="285750" indent="-285750" algn="l">
+              <a:buFont typeface="Arial" panose="020B0604020202020204" pitchFamily="34" charset="0"/>
+              <a:buChar char="•"/>
+            </a:pPr>
             <a:endParaRPr lang="en-US" b="0" i="0" dirty="0">
+              <a:solidFill>
+                <a:srgbClr val="00B0F0"/>
+              </a:solidFill>
+              <a:effectLst/>
+              <a:latin typeface="Open Sans" panose="020B0606030504020204" pitchFamily="34" charset="0"/>
+            </a:endParaRPr>
+          </a:p>
+          <a:p>
+            <a:pPr marL="285750" indent="-285750" algn="l">
+              <a:buFont typeface="Arial" panose="020B0604020202020204" pitchFamily="34" charset="0"/>
+              <a:buChar char="•"/>
+            </a:pPr>
+            <a:r>
+              <a:rPr lang="en-US" b="0" i="0" dirty="0">
+                <a:solidFill>
+                  <a:schemeClr val="tx1">
+                    <a:lumMod val="85000"/>
+                  </a:schemeClr>
+                </a:solidFill>
+                <a:effectLst/>
+                <a:latin typeface="Open Sans" panose="020B0606030504020204" pitchFamily="34" charset="0"/>
+              </a:rPr>
+              <a:t>After a method throws an exception, the runtime system attempts to find something to handle it. The set of possible "somethings" to handle the exception is the ordered list of methods that had been called to get to the method where the error occurred. The list of methods is known as the </a:t>
+            </a:r>
+            <a:r>
+              <a:rPr lang="en-US" b="0" i="0" dirty="0">
+                <a:solidFill>
+                  <a:srgbClr val="00B0F0"/>
+                </a:solidFill>
+                <a:effectLst/>
+                <a:latin typeface="Open Sans" panose="020B0606030504020204" pitchFamily="34" charset="0"/>
+              </a:rPr>
+              <a:t>call stack </a:t>
+            </a:r>
+            <a:r>
+              <a:rPr lang="en-US" b="0" i="0" dirty="0">
+                <a:solidFill>
+                  <a:schemeClr val="tx1">
+                    <a:lumMod val="85000"/>
+                  </a:schemeClr>
+                </a:solidFill>
+                <a:effectLst/>
+                <a:latin typeface="Open Sans" panose="020B0606030504020204" pitchFamily="34" charset="0"/>
+              </a:rPr>
+              <a:t>(see the next figure).</a:t>
+            </a:r>
+            <a:endParaRPr lang="en-US" b="0" i="1" dirty="0">
               <a:solidFill>
                 <a:schemeClr val="tx1">
                   <a:lumMod val="85000"/>
@@ -6102,116 +6353,44 @@
               <a:latin typeface="Open Sans" panose="020B0606030504020204" pitchFamily="34" charset="0"/>
             </a:endParaRPr>
           </a:p>
-          <a:p>
-            <a:pPr algn="l"/>
-            <a:r>
-              <a:rPr lang="en-US" b="0" i="0" dirty="0">
-                <a:solidFill>
-                  <a:schemeClr val="tx1">
-                    <a:lumMod val="85000"/>
-                  </a:schemeClr>
-                </a:solidFill>
-                <a:effectLst/>
-                <a:latin typeface="Open Sans" panose="020B0606030504020204" pitchFamily="34" charset="0"/>
-              </a:rPr>
-              <a:t>A List:</a:t>
-            </a:r>
-          </a:p>
-          <a:p>
-            <a:pPr algn="l"/>
-            <a:r>
-              <a:rPr lang="en-US" b="0" i="0" dirty="0">
-                <a:solidFill>
-                  <a:schemeClr val="tx1">
-                    <a:lumMod val="85000"/>
-                  </a:schemeClr>
-                </a:solidFill>
-                <a:effectLst/>
-                <a:latin typeface="Open Sans" panose="020B0606030504020204" pitchFamily="34" charset="0"/>
-              </a:rPr>
-              <a:t>- Is Ordered</a:t>
-            </a:r>
-          </a:p>
-          <a:p>
-            <a:pPr algn="l"/>
-            <a:r>
-              <a:rPr lang="en-US" b="0" i="0" dirty="0">
-                <a:solidFill>
-                  <a:schemeClr val="tx1">
-                    <a:lumMod val="85000"/>
-                  </a:schemeClr>
-                </a:solidFill>
-                <a:effectLst/>
-                <a:latin typeface="Open Sans" panose="020B0606030504020204" pitchFamily="34" charset="0"/>
-              </a:rPr>
-              <a:t>- Preserves Insertion Order</a:t>
-            </a:r>
-          </a:p>
-          <a:p>
-            <a:pPr algn="l"/>
-            <a:r>
-              <a:rPr lang="en-US" b="0" i="0" dirty="0">
-                <a:solidFill>
-                  <a:schemeClr val="tx1">
-                    <a:lumMod val="85000"/>
-                  </a:schemeClr>
-                </a:solidFill>
-                <a:effectLst/>
-                <a:latin typeface="Open Sans" panose="020B0606030504020204" pitchFamily="34" charset="0"/>
-              </a:rPr>
-              <a:t>- Allows Positional Access and Insertion of Items</a:t>
-            </a:r>
-          </a:p>
-          <a:p>
-            <a:pPr algn="l"/>
-            <a:r>
-              <a:rPr lang="en-US" b="0" i="0" dirty="0">
-                <a:solidFill>
-                  <a:schemeClr val="tx1">
-                    <a:lumMod val="85000"/>
-                  </a:schemeClr>
-                </a:solidFill>
-                <a:effectLst/>
-                <a:latin typeface="Open Sans" panose="020B0606030504020204" pitchFamily="34" charset="0"/>
-              </a:rPr>
-              <a:t>- Allows Duplicates</a:t>
-            </a:r>
-          </a:p>
-          <a:p>
-            <a:pPr algn="l"/>
-            <a:r>
-              <a:rPr lang="en-US" b="0" i="0" dirty="0">
-                <a:solidFill>
-                  <a:schemeClr val="tx1">
-                    <a:lumMod val="85000"/>
-                  </a:schemeClr>
-                </a:solidFill>
-                <a:effectLst/>
-                <a:latin typeface="Open Sans" panose="020B0606030504020204" pitchFamily="34" charset="0"/>
-              </a:rPr>
-              <a:t>- Is a Collection of Objects </a:t>
-            </a:r>
-          </a:p>
-          <a:p>
-            <a:pPr algn="l"/>
-            <a:endParaRPr lang="en-US" b="0" i="0" dirty="0">
-              <a:solidFill>
-                <a:schemeClr val="tx1">
-                  <a:lumMod val="85000"/>
-                </a:schemeClr>
-              </a:solidFill>
-              <a:effectLst/>
-              <a:latin typeface="Open Sans" panose="020B0606030504020204" pitchFamily="34" charset="0"/>
-            </a:endParaRPr>
-          </a:p>
         </p:txBody>
       </p:sp>
+      <p:pic>
+        <p:nvPicPr>
+          <p:cNvPr id="5" name="Picture 4">
+            <a:extLst>
+              <a:ext uri="{FF2B5EF4-FFF2-40B4-BE49-F238E27FC236}">
+                <a16:creationId xmlns:a16="http://schemas.microsoft.com/office/drawing/2014/main" id="{A70A8141-972B-8FEE-B70B-882D3DD31F46}"/>
+              </a:ext>
+            </a:extLst>
+          </p:cNvPr>
+          <p:cNvPicPr>
+            <a:picLocks noChangeAspect="1"/>
+          </p:cNvPicPr>
+          <p:nvPr/>
+        </p:nvPicPr>
+        <p:blipFill>
+          <a:blip r:embed="rId2"/>
+          <a:stretch>
+            <a:fillRect/>
+          </a:stretch>
+        </p:blipFill>
+        <p:spPr>
+          <a:xfrm>
+            <a:off x="3850249" y="4047492"/>
+            <a:ext cx="2997438" cy="2300208"/>
+          </a:xfrm>
+          <a:prstGeom prst="rect">
+            <a:avLst/>
+          </a:prstGeom>
+        </p:spPr>
+      </p:pic>
       <p:sp>
         <p:nvSpPr>
-          <p:cNvPr id="5" name="TextBox 4">
+          <p:cNvPr id="7" name="TextBox 6">
             <a:extLst>
               <a:ext uri="{FF2B5EF4-FFF2-40B4-BE49-F238E27FC236}">
-                <a16:creationId xmlns:a16="http://schemas.microsoft.com/office/drawing/2014/main" id="{468397A7-672B-24AB-3F61-0F9A073389EE}"/>
+                <a16:creationId xmlns:a16="http://schemas.microsoft.com/office/drawing/2014/main" id="{E4F67DC1-6682-DCC5-09F9-0D3C65052F99}"/>
               </a:ext>
             </a:extLst>
           </p:cNvPr>
@@ -6220,8 +6399,8 @@
         </p:nvSpPr>
         <p:spPr>
           <a:xfrm>
-            <a:off x="2961010" y="6379975"/>
-            <a:ext cx="9146796" cy="369332"/>
+            <a:off x="4665387" y="6409024"/>
+            <a:ext cx="7540363" cy="369332"/>
           </a:xfrm>
           <a:prstGeom prst="rect">
             <a:avLst/>
@@ -6236,9 +6415,9 @@
           <a:p>
             <a:r>
               <a:rPr lang="en-US" dirty="0">
-                <a:hlinkClick r:id="rId2"/>
-              </a:rPr>
-              <a:t>https://github.com/ckiefriter1/Java-Code-Examples/blob/main/src/collections/ListExample.java</a:t>
+                <a:hlinkClick r:id="rId3"/>
+              </a:rPr>
+              <a:t>https://docs.oracle.com/javase/tutorial/essential/exceptions/definition.html</a:t>
             </a:r>
             <a:endParaRPr lang="en-US" dirty="0"/>
           </a:p>
@@ -6247,7 +6426,7 @@
     </p:spTree>
     <p:extLst>
       <p:ext uri="{BB962C8B-B14F-4D97-AF65-F5344CB8AC3E}">
-        <p14:creationId xmlns:p14="http://schemas.microsoft.com/office/powerpoint/2010/main" val="2491041013"/>
+        <p14:creationId xmlns:p14="http://schemas.microsoft.com/office/powerpoint/2010/main" val="2586908395"/>
       </p:ext>
     </p:extLst>
   </p:cSld>
@@ -6308,17 +6487,11 @@
                 <a:solidFill>
                   <a:srgbClr val="00B050"/>
                 </a:solidFill>
-                <a:latin typeface="Open Sans" panose="020B0606030504020204" pitchFamily="34" charset="0"/>
-              </a:rPr>
-              <a:t>Sets</a:t>
-            </a:r>
-            <a:endParaRPr lang="en-US" sz="2400" b="1" dirty="0">
-              <a:solidFill>
-                <a:srgbClr val="00B050"/>
-              </a:solidFill>
-              <a:effectLst/>
-              <a:latin typeface="Open Sans" panose="020B0606030504020204" pitchFamily="34" charset="0"/>
-            </a:endParaRPr>
+                <a:effectLst/>
+                <a:latin typeface="Open Sans" panose="020B0606030504020204" pitchFamily="34" charset="0"/>
+              </a:rPr>
+              <a:t>Exceptions</a:t>
+            </a:r>
           </a:p>
         </p:txBody>
       </p:sp>
@@ -6336,8 +6509,8 @@
         </p:nvSpPr>
         <p:spPr>
           <a:xfrm>
-            <a:off x="193251" y="624665"/>
-            <a:ext cx="11931637" cy="3416320"/>
+            <a:off x="176169" y="729420"/>
+            <a:ext cx="11931637" cy="3139321"/>
           </a:xfrm>
           <a:prstGeom prst="rect">
             <a:avLst/>
@@ -6350,7 +6523,10 @@
           </a:bodyPr>
           <a:lstStyle/>
           <a:p>
-            <a:pPr algn="l"/>
+            <a:pPr marL="285750" indent="-285750" algn="l">
+              <a:buFont typeface="Arial" panose="020B0604020202020204" pitchFamily="34" charset="0"/>
+              <a:buChar char="•"/>
+            </a:pPr>
             <a:r>
               <a:rPr lang="en-US" b="0" i="0" dirty="0">
                 <a:solidFill>
@@ -6361,7 +6537,7 @@
                 <a:effectLst/>
                 <a:latin typeface="Open Sans" panose="020B0606030504020204" pitchFamily="34" charset="0"/>
               </a:rPr>
-              <a:t>A </a:t>
+              <a:t>The runtime system searches the call stack for a method that contains a block of code that can handle the exception. This block of code is called an </a:t>
             </a:r>
             <a:r>
               <a:rPr lang="en-US" b="0" i="0" dirty="0">
@@ -6371,7 +6547,7 @@
                 <a:effectLst/>
                 <a:latin typeface="Open Sans" panose="020B0606030504020204" pitchFamily="34" charset="0"/>
               </a:rPr>
-              <a:t>Set is a Collection that cannot contain duplicate elements</a:t>
+              <a:t>exception handler</a:t>
             </a:r>
             <a:r>
               <a:rPr lang="en-US" b="0" i="0" dirty="0">
@@ -6383,11 +6559,14 @@
                 <a:effectLst/>
                 <a:latin typeface="Open Sans" panose="020B0606030504020204" pitchFamily="34" charset="0"/>
               </a:rPr>
-              <a:t>. It models the mathematical set abstraction. The Set interface contains only methods inherited from Collection and adds the restriction that duplicate elements are prohibited.</a:t>
-            </a:r>
-          </a:p>
-          <a:p>
-            <a:pPr algn="l"/>
+              <a:t>. </a:t>
+            </a:r>
+          </a:p>
+          <a:p>
+            <a:pPr marL="285750" indent="-285750" algn="l">
+              <a:buFont typeface="Arial" panose="020B0604020202020204" pitchFamily="34" charset="0"/>
+              <a:buChar char="•"/>
+            </a:pPr>
             <a:endParaRPr lang="en-US" dirty="0">
               <a:solidFill>
                 <a:schemeClr val="tx1">
@@ -6398,7 +6577,10 @@
             </a:endParaRPr>
           </a:p>
           <a:p>
-            <a:pPr algn="l"/>
+            <a:pPr marL="285750" indent="-285750" algn="l">
+              <a:buFont typeface="Arial" panose="020B0604020202020204" pitchFamily="34" charset="0"/>
+              <a:buChar char="•"/>
+            </a:pPr>
             <a:r>
               <a:rPr lang="en-US" b="0" i="0" dirty="0">
                 <a:solidFill>
@@ -6409,7 +6591,7 @@
                 <a:effectLst/>
                 <a:latin typeface="Open Sans" panose="020B0606030504020204" pitchFamily="34" charset="0"/>
               </a:rPr>
-              <a:t>The Java platform </a:t>
+              <a:t>The search </a:t>
             </a:r>
             <a:r>
               <a:rPr lang="en-US" b="0" i="0" dirty="0">
@@ -6419,86 +6601,41 @@
                 <a:effectLst/>
                 <a:latin typeface="Open Sans" panose="020B0606030504020204" pitchFamily="34" charset="0"/>
               </a:rPr>
-              <a:t>contains three general-purpose Set implementations: HashSet, </a:t>
-            </a:r>
-            <a:r>
-              <a:rPr lang="en-US" b="0" i="0" dirty="0" err="1">
-                <a:solidFill>
-                  <a:srgbClr val="00B0F0"/>
-                </a:solidFill>
-                <a:effectLst/>
-                <a:latin typeface="Open Sans" panose="020B0606030504020204" pitchFamily="34" charset="0"/>
-              </a:rPr>
-              <a:t>TreeSet</a:t>
+              <a:t>begins with the method in which the error occurred and proceeds through the call stack in the reverse order in which the methods were called</a:t>
             </a:r>
             <a:r>
               <a:rPr lang="en-US" b="0" i="0" dirty="0">
                 <a:solidFill>
-                  <a:srgbClr val="00B0F0"/>
-                </a:solidFill>
-                <a:effectLst/>
-                <a:latin typeface="Open Sans" panose="020B0606030504020204" pitchFamily="34" charset="0"/>
-              </a:rPr>
-              <a:t>, and </a:t>
-            </a:r>
-            <a:r>
-              <a:rPr lang="en-US" b="0" i="0" dirty="0" err="1">
-                <a:solidFill>
-                  <a:srgbClr val="00B0F0"/>
-                </a:solidFill>
-                <a:effectLst/>
-                <a:latin typeface="Open Sans" panose="020B0606030504020204" pitchFamily="34" charset="0"/>
-              </a:rPr>
-              <a:t>LinkedHashSet</a:t>
-            </a:r>
-            <a:r>
-              <a:rPr lang="en-US" b="0" i="0" dirty="0">
-                <a:solidFill>
-                  <a:schemeClr val="tx1">
-                    <a:lumMod val="85000"/>
-                  </a:schemeClr>
-                </a:solidFill>
-                <a:effectLst/>
-                <a:latin typeface="Open Sans" panose="020B0606030504020204" pitchFamily="34" charset="0"/>
-              </a:rPr>
-              <a:t>. </a:t>
-            </a:r>
-            <a:r>
-              <a:rPr lang="en-US" b="0" i="0" dirty="0">
-                <a:solidFill>
-                  <a:srgbClr val="00B0F0"/>
-                </a:solidFill>
-                <a:effectLst/>
-                <a:latin typeface="Open Sans" panose="020B0606030504020204" pitchFamily="34" charset="0"/>
-              </a:rPr>
-              <a:t>HashSet</a:t>
-            </a:r>
-            <a:r>
-              <a:rPr lang="en-US" b="0" i="0" dirty="0">
-                <a:solidFill>
-                  <a:schemeClr val="tx1">
-                    <a:lumMod val="85000"/>
-                  </a:schemeClr>
-                </a:solidFill>
-                <a:effectLst/>
-                <a:latin typeface="Open Sans" panose="020B0606030504020204" pitchFamily="34" charset="0"/>
-              </a:rPr>
-              <a:t>, which stores its elements in a hash table, is the best-performing implementation; however it makes no guarantees concerning the order of iteration.</a:t>
-            </a:r>
-          </a:p>
-          <a:p>
-            <a:pPr algn="l"/>
-            <a:endParaRPr lang="en-US" dirty="0">
+                  <a:schemeClr val="tx1">
+                    <a:lumMod val="85000"/>
+                  </a:schemeClr>
+                </a:solidFill>
+                <a:effectLst/>
+                <a:latin typeface="Open Sans" panose="020B0606030504020204" pitchFamily="34" charset="0"/>
+              </a:rPr>
+              <a:t>. When an appropriate handler is found, the runtime system passes the exception to the handler. An exception handler is considered appropriate if the type of the exception object thrown matches the type that can be handled by the handler.</a:t>
+            </a:r>
+          </a:p>
+          <a:p>
+            <a:pPr marL="285750" indent="-285750" algn="l">
+              <a:buFont typeface="Arial" panose="020B0604020202020204" pitchFamily="34" charset="0"/>
+              <a:buChar char="•"/>
+            </a:pPr>
+            <a:endParaRPr lang="en-US" b="0" i="0" dirty="0">
               <a:solidFill>
                 <a:schemeClr val="tx1">
                   <a:lumMod val="85000"/>
                 </a:schemeClr>
               </a:solidFill>
+              <a:effectLst/>
               <a:latin typeface="Open Sans" panose="020B0606030504020204" pitchFamily="34" charset="0"/>
             </a:endParaRPr>
           </a:p>
           <a:p>
-            <a:pPr algn="l"/>
+            <a:pPr marL="285750" indent="-285750" algn="l">
+              <a:buFont typeface="Arial" panose="020B0604020202020204" pitchFamily="34" charset="0"/>
+              <a:buChar char="•"/>
+            </a:pPr>
             <a:r>
               <a:rPr lang="en-US" b="0" i="0" dirty="0">
                 <a:solidFill>
@@ -6509,26 +6646,28 @@
                 <a:effectLst/>
                 <a:latin typeface="Open Sans" panose="020B0606030504020204" pitchFamily="34" charset="0"/>
               </a:rPr>
-              <a:t>Set:</a:t>
-            </a:r>
-          </a:p>
-          <a:p>
-            <a:pPr algn="l"/>
+              <a:t>The </a:t>
+            </a:r>
             <a:r>
               <a:rPr lang="en-US" b="0" i="0" dirty="0">
                 <a:solidFill>
-                  <a:schemeClr val="tx1">
-                    <a:lumMod val="85000"/>
-                  </a:schemeClr>
-                </a:solidFill>
-                <a:effectLst/>
-                <a:latin typeface="Open Sans" panose="020B0606030504020204" pitchFamily="34" charset="0"/>
-              </a:rPr>
-              <a:t>No Duplicates</a:t>
-            </a:r>
-          </a:p>
-          <a:p>
-            <a:pPr algn="l"/>
+                  <a:srgbClr val="00B0F0"/>
+                </a:solidFill>
+                <a:effectLst/>
+                <a:latin typeface="Open Sans" panose="020B0606030504020204" pitchFamily="34" charset="0"/>
+              </a:rPr>
+              <a:t>exception handler chosen is said to </a:t>
+            </a:r>
+            <a:r>
+              <a:rPr lang="en-US" b="0" i="0" u="sng" dirty="0">
+                <a:solidFill>
+                  <a:srgbClr val="00B0F0"/>
+                </a:solidFill>
+                <a:effectLst/>
+                <a:latin typeface="Open Sans" panose="020B0606030504020204" pitchFamily="34" charset="0"/>
+              </a:rPr>
+              <a:t>catch the exception</a:t>
+            </a:r>
             <a:r>
               <a:rPr lang="en-US" b="0" i="0" dirty="0">
                 <a:solidFill>
@@ -6539,32 +6678,56 @@
                 <a:effectLst/>
                 <a:latin typeface="Open Sans" panose="020B0606030504020204" pitchFamily="34" charset="0"/>
               </a:rPr>
-              <a:t>At most one Null element</a:t>
-            </a:r>
-          </a:p>
-          <a:p>
-            <a:pPr algn="l"/>
-            <a:r>
-              <a:rPr lang="en-US" b="0" i="0" dirty="0">
-                <a:solidFill>
-                  <a:schemeClr val="tx1">
-                    <a:lumMod val="85000"/>
-                  </a:schemeClr>
-                </a:solidFill>
-                <a:effectLst/>
-                <a:latin typeface="Open Sans" panose="020B0606030504020204" pitchFamily="34" charset="0"/>
-              </a:rPr>
-              <a:t>Not guaranteed to be in any particular order</a:t>
-            </a:r>
+              <a:t>. If the runtime system exhaustively searches all the methods on the call stack without finding an appropriate exception handler, as shown in the next figure, the runtime system (and, consequently, the program) terminates.</a:t>
+            </a:r>
+            <a:endParaRPr lang="en-US" b="0" i="1" dirty="0">
+              <a:solidFill>
+                <a:schemeClr val="tx1">
+                  <a:lumMod val="85000"/>
+                </a:schemeClr>
+              </a:solidFill>
+              <a:effectLst/>
+              <a:latin typeface="Open Sans" panose="020B0606030504020204" pitchFamily="34" charset="0"/>
+            </a:endParaRPr>
           </a:p>
         </p:txBody>
       </p:sp>
+      <p:pic>
+        <p:nvPicPr>
+          <p:cNvPr id="3" name="Picture 2">
+            <a:extLst>
+              <a:ext uri="{FF2B5EF4-FFF2-40B4-BE49-F238E27FC236}">
+                <a16:creationId xmlns:a16="http://schemas.microsoft.com/office/drawing/2014/main" id="{E2697A41-77D9-6BEA-7880-1DBD268ED34C}"/>
+              </a:ext>
+            </a:extLst>
+          </p:cNvPr>
+          <p:cNvPicPr>
+            <a:picLocks noChangeAspect="1"/>
+          </p:cNvPicPr>
+          <p:nvPr/>
+        </p:nvPicPr>
+        <p:blipFill>
+          <a:blip r:embed="rId2"/>
+          <a:stretch>
+            <a:fillRect/>
+          </a:stretch>
+        </p:blipFill>
+        <p:spPr>
+          <a:xfrm>
+            <a:off x="3582188" y="3868741"/>
+            <a:ext cx="4104272" cy="2425847"/>
+          </a:xfrm>
+          <a:prstGeom prst="rect">
+            <a:avLst/>
+          </a:prstGeom>
+        </p:spPr>
+      </p:pic>
       <p:sp>
         <p:nvSpPr>
-          <p:cNvPr id="8" name="TextBox 7">
+          <p:cNvPr id="7" name="TextBox 6">
             <a:extLst>
               <a:ext uri="{FF2B5EF4-FFF2-40B4-BE49-F238E27FC236}">
-                <a16:creationId xmlns:a16="http://schemas.microsoft.com/office/drawing/2014/main" id="{7C40366F-ED76-9B97-8CF7-3BAFEF94FE77}"/>
+                <a16:creationId xmlns:a16="http://schemas.microsoft.com/office/drawing/2014/main" id="{81EDE05F-B22E-686F-2292-BF6CA2A0BD87}"/>
               </a:ext>
             </a:extLst>
           </p:cNvPr>
@@ -6573,8 +6736,8 @@
         </p:nvSpPr>
         <p:spPr>
           <a:xfrm>
-            <a:off x="2837576" y="6329618"/>
-            <a:ext cx="9217404" cy="369332"/>
+            <a:off x="4665387" y="6409024"/>
+            <a:ext cx="7540363" cy="369332"/>
           </a:xfrm>
           <a:prstGeom prst="rect">
             <a:avLst/>
@@ -6589,9 +6752,9 @@
           <a:p>
             <a:r>
               <a:rPr lang="en-US" dirty="0">
-                <a:hlinkClick r:id="rId2"/>
-              </a:rPr>
-              <a:t>https://github.com/ckiefriter1/Java-Code-Examples/blob/main/src/collections/SetExample.java</a:t>
+                <a:hlinkClick r:id="rId3"/>
+              </a:rPr>
+              <a:t>https://docs.oracle.com/javase/tutorial/essential/exceptions/definition.html</a:t>
             </a:r>
             <a:endParaRPr lang="en-US" dirty="0"/>
           </a:p>
@@ -6600,7 +6763,7 @@
     </p:spTree>
     <p:extLst>
       <p:ext uri="{BB962C8B-B14F-4D97-AF65-F5344CB8AC3E}">
-        <p14:creationId xmlns:p14="http://schemas.microsoft.com/office/powerpoint/2010/main" val="491903796"/>
+        <p14:creationId xmlns:p14="http://schemas.microsoft.com/office/powerpoint/2010/main" val="1731529612"/>
       </p:ext>
     </p:extLst>
   </p:cSld>
@@ -6641,8 +6804,8 @@
         </p:nvSpPr>
         <p:spPr>
           <a:xfrm>
-            <a:off x="193251" y="91915"/>
-            <a:ext cx="6094854" cy="461665"/>
+            <a:off x="193250" y="91915"/>
+            <a:ext cx="8256355" cy="461665"/>
           </a:xfrm>
           <a:prstGeom prst="rect">
             <a:avLst/>
@@ -6664,8 +6827,26 @@
                 <a:effectLst/>
                 <a:latin typeface="Open Sans" panose="020B0606030504020204" pitchFamily="34" charset="0"/>
               </a:rPr>
-              <a:t>Java Wrapper Classes</a:t>
-            </a:r>
+              <a:t>Catching Exceptions – try </a:t>
+            </a:r>
+            <a:r>
+              <a:rPr lang="en-US" sz="2400" b="1" dirty="0">
+                <a:solidFill>
+                  <a:srgbClr val="00B050"/>
+                </a:solidFill>
+                <a:effectLst/>
+                <a:latin typeface="Open Sans" panose="020B0606030504020204" pitchFamily="34" charset="0"/>
+                <a:sym typeface="Wingdings" panose="05000000000000000000" pitchFamily="2" charset="2"/>
+              </a:rPr>
+              <a:t> catch  finally blocks</a:t>
+            </a:r>
+            <a:endParaRPr lang="en-US" sz="2400" b="1" dirty="0">
+              <a:solidFill>
+                <a:srgbClr val="00B050"/>
+              </a:solidFill>
+              <a:effectLst/>
+              <a:latin typeface="Open Sans" panose="020B0606030504020204" pitchFamily="34" charset="0"/>
+            </a:endParaRPr>
           </a:p>
         </p:txBody>
       </p:sp>
@@ -6683,7 +6864,1310 @@
         </p:nvSpPr>
         <p:spPr>
           <a:xfrm>
-            <a:off x="193251" y="624665"/>
+            <a:off x="176169" y="571295"/>
+            <a:ext cx="11931637" cy="6571030"/>
+          </a:xfrm>
+          <a:prstGeom prst="rect">
+            <a:avLst/>
+          </a:prstGeom>
+          <a:noFill/>
+        </p:spPr>
+        <p:txBody>
+          <a:bodyPr wrap="square">
+            <a:spAutoFit/>
+          </a:bodyPr>
+          <a:lstStyle/>
+          <a:p>
+            <a:pPr marL="285750" indent="-285750" algn="l">
+              <a:buFont typeface="Arial" panose="020B0604020202020204" pitchFamily="34" charset="0"/>
+              <a:buChar char="•"/>
+            </a:pPr>
+            <a:r>
+              <a:rPr lang="en-US" sz="1600" b="0" i="0" dirty="0">
+                <a:solidFill>
+                  <a:schemeClr val="tx1">
+                    <a:lumMod val="85000"/>
+                  </a:schemeClr>
+                </a:solidFill>
+                <a:effectLst/>
+                <a:latin typeface="Open Sans" panose="020B0606030504020204" pitchFamily="34" charset="0"/>
+              </a:rPr>
+              <a:t>You associate exception handlers with a try block by providing one or more catch blocks directly after the try block. No code can be between the end of the try block and the beginning of the first catch block.</a:t>
+            </a:r>
+          </a:p>
+          <a:p>
+            <a:pPr marL="285750" indent="-285750" algn="l">
+              <a:buFont typeface="Arial" panose="020B0604020202020204" pitchFamily="34" charset="0"/>
+              <a:buChar char="•"/>
+            </a:pPr>
+            <a:endParaRPr lang="en-US" sz="1600" b="0" i="0" dirty="0">
+              <a:solidFill>
+                <a:schemeClr val="tx1">
+                  <a:lumMod val="85000"/>
+                </a:schemeClr>
+              </a:solidFill>
+              <a:effectLst/>
+              <a:latin typeface="Open Sans" panose="020B0606030504020204" pitchFamily="34" charset="0"/>
+            </a:endParaRPr>
+          </a:p>
+          <a:p>
+            <a:pPr algn="l"/>
+            <a:r>
+              <a:rPr lang="en-US" sz="1200" b="0" i="0" dirty="0">
+                <a:solidFill>
+                  <a:schemeClr val="tx1">
+                    <a:lumMod val="85000"/>
+                  </a:schemeClr>
+                </a:solidFill>
+                <a:effectLst/>
+                <a:latin typeface="Open Sans" panose="020B0606030504020204" pitchFamily="34" charset="0"/>
+              </a:rPr>
+              <a:t>	try {</a:t>
+            </a:r>
+          </a:p>
+          <a:p>
+            <a:pPr algn="l"/>
+            <a:r>
+              <a:rPr lang="en-US" sz="1200" dirty="0">
+                <a:solidFill>
+                  <a:schemeClr val="tx1">
+                    <a:lumMod val="85000"/>
+                  </a:schemeClr>
+                </a:solidFill>
+                <a:latin typeface="Open Sans" panose="020B0606030504020204" pitchFamily="34" charset="0"/>
+              </a:rPr>
+              <a:t>	   // Execute some code here</a:t>
+            </a:r>
+          </a:p>
+          <a:p>
+            <a:pPr algn="l"/>
+            <a:r>
+              <a:rPr lang="en-US" sz="1200" b="0" i="0" dirty="0">
+                <a:solidFill>
+                  <a:schemeClr val="tx1">
+                    <a:lumMod val="85000"/>
+                  </a:schemeClr>
+                </a:solidFill>
+                <a:effectLst/>
+                <a:latin typeface="Open Sans" panose="020B0606030504020204" pitchFamily="34" charset="0"/>
+              </a:rPr>
+              <a:t>	} catch (</a:t>
+            </a:r>
+            <a:r>
+              <a:rPr lang="en-US" sz="1200" b="0" i="0" dirty="0" err="1">
+                <a:solidFill>
+                  <a:schemeClr val="tx1">
+                    <a:lumMod val="85000"/>
+                  </a:schemeClr>
+                </a:solidFill>
+                <a:effectLst/>
+                <a:latin typeface="Open Sans" panose="020B0606030504020204" pitchFamily="34" charset="0"/>
+              </a:rPr>
+              <a:t>ExceptionType</a:t>
+            </a:r>
+            <a:r>
+              <a:rPr lang="en-US" sz="1200" b="0" i="0" dirty="0">
+                <a:solidFill>
+                  <a:schemeClr val="tx1">
+                    <a:lumMod val="85000"/>
+                  </a:schemeClr>
+                </a:solidFill>
+                <a:effectLst/>
+                <a:latin typeface="Open Sans" panose="020B0606030504020204" pitchFamily="34" charset="0"/>
+              </a:rPr>
+              <a:t> name) {</a:t>
+            </a:r>
+          </a:p>
+          <a:p>
+            <a:pPr algn="l"/>
+            <a:r>
+              <a:rPr lang="en-US" sz="1200" dirty="0">
+                <a:solidFill>
+                  <a:schemeClr val="tx1">
+                    <a:lumMod val="85000"/>
+                  </a:schemeClr>
+                </a:solidFill>
+                <a:latin typeface="Open Sans" panose="020B0606030504020204" pitchFamily="34" charset="0"/>
+              </a:rPr>
+              <a:t>	</a:t>
+            </a:r>
+          </a:p>
+          <a:p>
+            <a:pPr algn="l"/>
+            <a:r>
+              <a:rPr lang="en-US" sz="1200" b="0" i="0" dirty="0">
+                <a:solidFill>
+                  <a:schemeClr val="tx1">
+                    <a:lumMod val="85000"/>
+                  </a:schemeClr>
+                </a:solidFill>
+                <a:effectLst/>
+                <a:latin typeface="Open Sans" panose="020B0606030504020204" pitchFamily="34" charset="0"/>
+              </a:rPr>
+              <a:t>	} catch (</a:t>
+            </a:r>
+            <a:r>
+              <a:rPr lang="en-US" sz="1200" b="0" i="0" dirty="0" err="1">
+                <a:solidFill>
+                  <a:schemeClr val="tx1">
+                    <a:lumMod val="85000"/>
+                  </a:schemeClr>
+                </a:solidFill>
+                <a:effectLst/>
+                <a:latin typeface="Open Sans" panose="020B0606030504020204" pitchFamily="34" charset="0"/>
+              </a:rPr>
+              <a:t>ExceptionType</a:t>
+            </a:r>
+            <a:r>
+              <a:rPr lang="en-US" sz="1200" b="0" i="0" dirty="0">
+                <a:solidFill>
+                  <a:schemeClr val="tx1">
+                    <a:lumMod val="85000"/>
+                  </a:schemeClr>
+                </a:solidFill>
+                <a:effectLst/>
+                <a:latin typeface="Open Sans" panose="020B0606030504020204" pitchFamily="34" charset="0"/>
+              </a:rPr>
+              <a:t> name) {</a:t>
+            </a:r>
+          </a:p>
+          <a:p>
+            <a:pPr algn="l"/>
+            <a:r>
+              <a:rPr lang="en-US" sz="1200" dirty="0">
+                <a:solidFill>
+                  <a:schemeClr val="tx1">
+                    <a:lumMod val="85000"/>
+                  </a:schemeClr>
+                </a:solidFill>
+                <a:latin typeface="Open Sans" panose="020B0606030504020204" pitchFamily="34" charset="0"/>
+              </a:rPr>
+              <a:t>	</a:t>
+            </a:r>
+          </a:p>
+          <a:p>
+            <a:pPr algn="l"/>
+            <a:r>
+              <a:rPr lang="en-US" sz="1200" b="0" i="0" dirty="0">
+                <a:solidFill>
+                  <a:schemeClr val="tx1">
+                    <a:lumMod val="85000"/>
+                  </a:schemeClr>
+                </a:solidFill>
+                <a:effectLst/>
+                <a:latin typeface="Open Sans" panose="020B0606030504020204" pitchFamily="34" charset="0"/>
+              </a:rPr>
+              <a:t>	} finally {</a:t>
+            </a:r>
+          </a:p>
+          <a:p>
+            <a:pPr algn="l"/>
+            <a:r>
+              <a:rPr lang="en-US" sz="1200" dirty="0">
+                <a:solidFill>
+                  <a:schemeClr val="tx1">
+                    <a:lumMod val="85000"/>
+                  </a:schemeClr>
+                </a:solidFill>
+                <a:latin typeface="Open Sans" panose="020B0606030504020204" pitchFamily="34" charset="0"/>
+              </a:rPr>
+              <a:t>	   // Code that always runs when the try block runs even when an Exception occurs</a:t>
+            </a:r>
+          </a:p>
+          <a:p>
+            <a:pPr algn="l"/>
+            <a:r>
+              <a:rPr lang="en-US" sz="1200" b="0" i="0" dirty="0">
+                <a:solidFill>
+                  <a:schemeClr val="tx1">
+                    <a:lumMod val="85000"/>
+                  </a:schemeClr>
+                </a:solidFill>
+                <a:effectLst/>
+                <a:latin typeface="Open Sans" panose="020B0606030504020204" pitchFamily="34" charset="0"/>
+              </a:rPr>
+              <a:t>	}</a:t>
+            </a:r>
+          </a:p>
+          <a:p>
+            <a:pPr algn="l"/>
+            <a:endParaRPr lang="en-US" sz="1200" b="0" i="0" dirty="0">
+              <a:solidFill>
+                <a:schemeClr val="tx1">
+                  <a:lumMod val="85000"/>
+                </a:schemeClr>
+              </a:solidFill>
+              <a:effectLst/>
+              <a:latin typeface="Open Sans" panose="020B0606030504020204" pitchFamily="34" charset="0"/>
+            </a:endParaRPr>
+          </a:p>
+          <a:p>
+            <a:pPr marL="285750" indent="-285750" algn="l">
+              <a:buFont typeface="Arial" panose="020B0604020202020204" pitchFamily="34" charset="0"/>
+              <a:buChar char="•"/>
+            </a:pPr>
+            <a:r>
+              <a:rPr lang="en-US" sz="1600" b="0" i="0" dirty="0">
+                <a:solidFill>
+                  <a:srgbClr val="00B0F0"/>
+                </a:solidFill>
+                <a:effectLst/>
+                <a:latin typeface="Open Sans" panose="020B0606030504020204" pitchFamily="34" charset="0"/>
+              </a:rPr>
+              <a:t>Each catch block is an exception handler </a:t>
+            </a:r>
+            <a:r>
+              <a:rPr lang="en-US" sz="1600" b="0" i="0" dirty="0">
+                <a:solidFill>
+                  <a:schemeClr val="tx1">
+                    <a:lumMod val="85000"/>
+                  </a:schemeClr>
+                </a:solidFill>
+                <a:effectLst/>
+                <a:latin typeface="Open Sans" panose="020B0606030504020204" pitchFamily="34" charset="0"/>
+              </a:rPr>
+              <a:t>that handles the type of exception indicated by its argument. </a:t>
+            </a:r>
+            <a:r>
+              <a:rPr lang="en-US" sz="1600" b="0" i="0" dirty="0">
+                <a:solidFill>
+                  <a:srgbClr val="00B0F0"/>
+                </a:solidFill>
+                <a:effectLst/>
+                <a:latin typeface="Open Sans" panose="020B0606030504020204" pitchFamily="34" charset="0"/>
+              </a:rPr>
+              <a:t>The argument type, </a:t>
+            </a:r>
+            <a:r>
+              <a:rPr lang="en-US" sz="1600" b="0" i="0" dirty="0" err="1">
+                <a:solidFill>
+                  <a:srgbClr val="00B0F0"/>
+                </a:solidFill>
+                <a:effectLst/>
+                <a:latin typeface="Open Sans" panose="020B0606030504020204" pitchFamily="34" charset="0"/>
+              </a:rPr>
+              <a:t>ExceptionType</a:t>
+            </a:r>
+            <a:r>
+              <a:rPr lang="en-US" sz="1600" b="0" i="0" dirty="0">
+                <a:solidFill>
+                  <a:schemeClr val="tx1">
+                    <a:lumMod val="85000"/>
+                  </a:schemeClr>
+                </a:solidFill>
+                <a:effectLst/>
+                <a:latin typeface="Open Sans" panose="020B0606030504020204" pitchFamily="34" charset="0"/>
+              </a:rPr>
+              <a:t>, declares the type of exception that the handler can handle and must be the name of a class that inherits from the Throwable class. The handler can refer to the exception with name.</a:t>
+            </a:r>
+          </a:p>
+          <a:p>
+            <a:pPr marL="285750" indent="-285750" algn="l">
+              <a:buFont typeface="Arial" panose="020B0604020202020204" pitchFamily="34" charset="0"/>
+              <a:buChar char="•"/>
+            </a:pPr>
+            <a:endParaRPr lang="en-US" sz="1600" b="0" i="0" dirty="0">
+              <a:solidFill>
+                <a:schemeClr val="tx1">
+                  <a:lumMod val="85000"/>
+                </a:schemeClr>
+              </a:solidFill>
+              <a:effectLst/>
+              <a:latin typeface="Open Sans" panose="020B0606030504020204" pitchFamily="34" charset="0"/>
+            </a:endParaRPr>
+          </a:p>
+          <a:p>
+            <a:pPr marL="285750" indent="-285750" algn="l">
+              <a:buFont typeface="Arial" panose="020B0604020202020204" pitchFamily="34" charset="0"/>
+              <a:buChar char="•"/>
+            </a:pPr>
+            <a:r>
+              <a:rPr lang="en-US" sz="1600" b="0" i="0" dirty="0">
+                <a:solidFill>
+                  <a:schemeClr val="tx1">
+                    <a:lumMod val="85000"/>
+                  </a:schemeClr>
+                </a:solidFill>
+                <a:effectLst/>
+                <a:latin typeface="Open Sans" panose="020B0606030504020204" pitchFamily="34" charset="0"/>
+              </a:rPr>
+              <a:t>The catch block </a:t>
+            </a:r>
+            <a:r>
+              <a:rPr lang="en-US" sz="1600" b="0" i="0" dirty="0">
+                <a:solidFill>
+                  <a:srgbClr val="00B0F0"/>
+                </a:solidFill>
+                <a:effectLst/>
+                <a:latin typeface="Open Sans" panose="020B0606030504020204" pitchFamily="34" charset="0"/>
+              </a:rPr>
+              <a:t>contains code that is executed if and when the exception handler is invoked</a:t>
+            </a:r>
+            <a:r>
+              <a:rPr lang="en-US" sz="1600" b="0" i="0" dirty="0">
+                <a:solidFill>
+                  <a:schemeClr val="tx1">
+                    <a:lumMod val="85000"/>
+                  </a:schemeClr>
+                </a:solidFill>
+                <a:effectLst/>
+                <a:latin typeface="Open Sans" panose="020B0606030504020204" pitchFamily="34" charset="0"/>
+              </a:rPr>
+              <a:t>. The runtime system invokes the exception handler when the handler is the first one in the call stack whose </a:t>
+            </a:r>
+            <a:r>
+              <a:rPr lang="en-US" sz="1600" b="0" i="0" dirty="0" err="1">
+                <a:solidFill>
+                  <a:schemeClr val="tx1">
+                    <a:lumMod val="85000"/>
+                  </a:schemeClr>
+                </a:solidFill>
+                <a:effectLst/>
+                <a:latin typeface="Open Sans" panose="020B0606030504020204" pitchFamily="34" charset="0"/>
+              </a:rPr>
+              <a:t>ExceptionType</a:t>
+            </a:r>
+            <a:r>
+              <a:rPr lang="en-US" sz="1600" b="0" i="0" dirty="0">
+                <a:solidFill>
+                  <a:schemeClr val="tx1">
+                    <a:lumMod val="85000"/>
+                  </a:schemeClr>
+                </a:solidFill>
+                <a:effectLst/>
+                <a:latin typeface="Open Sans" panose="020B0606030504020204" pitchFamily="34" charset="0"/>
+              </a:rPr>
+              <a:t> matches the type of the exception thrown. The system considers it a match if the thrown object can legally be assigned to the exception handler's argument.</a:t>
+            </a:r>
+          </a:p>
+          <a:p>
+            <a:pPr marL="285750" indent="-285750" algn="l">
+              <a:buFont typeface="Arial" panose="020B0604020202020204" pitchFamily="34" charset="0"/>
+              <a:buChar char="•"/>
+            </a:pPr>
+            <a:endParaRPr lang="en-US" sz="1600" b="0" i="0" dirty="0">
+              <a:solidFill>
+                <a:schemeClr val="tx1">
+                  <a:lumMod val="85000"/>
+                </a:schemeClr>
+              </a:solidFill>
+              <a:effectLst/>
+              <a:latin typeface="Open Sans" panose="020B0606030504020204" pitchFamily="34" charset="0"/>
+            </a:endParaRPr>
+          </a:p>
+          <a:p>
+            <a:pPr marL="285750" indent="-285750" algn="l">
+              <a:buFont typeface="Arial" panose="020B0604020202020204" pitchFamily="34" charset="0"/>
+              <a:buChar char="•"/>
+            </a:pPr>
+            <a:r>
+              <a:rPr lang="en-US" sz="1600" b="0" i="0" dirty="0">
+                <a:solidFill>
+                  <a:schemeClr val="tx1">
+                    <a:lumMod val="85000"/>
+                  </a:schemeClr>
+                </a:solidFill>
+                <a:effectLst/>
+                <a:latin typeface="Open Sans" panose="020B0606030504020204" pitchFamily="34" charset="0"/>
+              </a:rPr>
+              <a:t>The following are two exception handlers for the </a:t>
+            </a:r>
+            <a:r>
+              <a:rPr lang="en-US" sz="1600" b="0" i="0" dirty="0" err="1">
+                <a:solidFill>
+                  <a:schemeClr val="tx1">
+                    <a:lumMod val="85000"/>
+                  </a:schemeClr>
+                </a:solidFill>
+                <a:effectLst/>
+                <a:latin typeface="Open Sans" panose="020B0606030504020204" pitchFamily="34" charset="0"/>
+              </a:rPr>
+              <a:t>writeList</a:t>
+            </a:r>
+            <a:r>
+              <a:rPr lang="en-US" sz="1600" b="0" i="0" dirty="0">
+                <a:solidFill>
+                  <a:schemeClr val="tx1">
+                    <a:lumMod val="85000"/>
+                  </a:schemeClr>
+                </a:solidFill>
+                <a:effectLst/>
+                <a:latin typeface="Open Sans" panose="020B0606030504020204" pitchFamily="34" charset="0"/>
+              </a:rPr>
+              <a:t> method:</a:t>
+            </a:r>
+          </a:p>
+          <a:p>
+            <a:pPr marL="285750" indent="-285750" algn="l">
+              <a:buFont typeface="Arial" panose="020B0604020202020204" pitchFamily="34" charset="0"/>
+              <a:buChar char="•"/>
+            </a:pPr>
+            <a:endParaRPr lang="en-US" sz="1600" b="0" i="0" dirty="0">
+              <a:solidFill>
+                <a:schemeClr val="tx1">
+                  <a:lumMod val="85000"/>
+                </a:schemeClr>
+              </a:solidFill>
+              <a:effectLst/>
+              <a:latin typeface="Open Sans" panose="020B0606030504020204" pitchFamily="34" charset="0"/>
+            </a:endParaRPr>
+          </a:p>
+          <a:p>
+            <a:pPr algn="l"/>
+            <a:r>
+              <a:rPr lang="en-US" sz="1100" b="0" i="0" dirty="0">
+                <a:solidFill>
+                  <a:schemeClr val="tx1">
+                    <a:lumMod val="85000"/>
+                  </a:schemeClr>
+                </a:solidFill>
+                <a:effectLst/>
+                <a:latin typeface="Open Sans" panose="020B0606030504020204" pitchFamily="34" charset="0"/>
+              </a:rPr>
+              <a:t>	try {</a:t>
+            </a:r>
+          </a:p>
+          <a:p>
+            <a:pPr lvl="2"/>
+            <a:r>
+              <a:rPr lang="en-US" sz="1100" b="0" i="0" dirty="0">
+                <a:solidFill>
+                  <a:schemeClr val="tx1">
+                    <a:lumMod val="85000"/>
+                  </a:schemeClr>
+                </a:solidFill>
+                <a:effectLst/>
+                <a:latin typeface="Open Sans" panose="020B0606030504020204" pitchFamily="34" charset="0"/>
+              </a:rPr>
+              <a:t>   // Do something</a:t>
+            </a:r>
+          </a:p>
+          <a:p>
+            <a:pPr lvl="2"/>
+            <a:r>
+              <a:rPr lang="en-US" sz="1100" b="0" i="0" dirty="0">
+                <a:solidFill>
+                  <a:schemeClr val="tx1">
+                    <a:lumMod val="85000"/>
+                  </a:schemeClr>
+                </a:solidFill>
+                <a:effectLst/>
+                <a:latin typeface="Open Sans" panose="020B0606030504020204" pitchFamily="34" charset="0"/>
+              </a:rPr>
+              <a:t>} catch (</a:t>
+            </a:r>
+            <a:r>
+              <a:rPr lang="en-US" sz="1100" b="0" i="0" dirty="0" err="1">
+                <a:solidFill>
+                  <a:schemeClr val="tx1">
+                    <a:lumMod val="85000"/>
+                  </a:schemeClr>
+                </a:solidFill>
+                <a:effectLst/>
+                <a:latin typeface="Open Sans" panose="020B0606030504020204" pitchFamily="34" charset="0"/>
+              </a:rPr>
+              <a:t>IndexOutOfBoundsException</a:t>
+            </a:r>
+            <a:r>
+              <a:rPr lang="en-US" sz="1100" b="0" i="0" dirty="0">
+                <a:solidFill>
+                  <a:schemeClr val="tx1">
+                    <a:lumMod val="85000"/>
+                  </a:schemeClr>
+                </a:solidFill>
+                <a:effectLst/>
+                <a:latin typeface="Open Sans" panose="020B0606030504020204" pitchFamily="34" charset="0"/>
+              </a:rPr>
+              <a:t> e) {</a:t>
+            </a:r>
+          </a:p>
+          <a:p>
+            <a:pPr lvl="2"/>
+            <a:r>
+              <a:rPr lang="en-US" sz="1100" b="0" i="0" dirty="0">
+                <a:solidFill>
+                  <a:schemeClr val="tx1">
+                    <a:lumMod val="85000"/>
+                  </a:schemeClr>
+                </a:solidFill>
+                <a:effectLst/>
+                <a:latin typeface="Open Sans" panose="020B0606030504020204" pitchFamily="34" charset="0"/>
+              </a:rPr>
+              <a:t>   </a:t>
+            </a:r>
+            <a:r>
+              <a:rPr lang="en-US" sz="1100" b="0" i="0" dirty="0" err="1">
+                <a:solidFill>
+                  <a:schemeClr val="tx1">
+                    <a:lumMod val="85000"/>
+                  </a:schemeClr>
+                </a:solidFill>
+                <a:effectLst/>
+                <a:latin typeface="Open Sans" panose="020B0606030504020204" pitchFamily="34" charset="0"/>
+              </a:rPr>
+              <a:t>System.err.println</a:t>
+            </a:r>
+            <a:r>
+              <a:rPr lang="en-US" sz="1100" b="0" i="0" dirty="0">
+                <a:solidFill>
+                  <a:schemeClr val="tx1">
+                    <a:lumMod val="85000"/>
+                  </a:schemeClr>
+                </a:solidFill>
+                <a:effectLst/>
+                <a:latin typeface="Open Sans" panose="020B0606030504020204" pitchFamily="34" charset="0"/>
+              </a:rPr>
+              <a:t>("</a:t>
+            </a:r>
+            <a:r>
+              <a:rPr lang="en-US" sz="1100" b="0" i="0" dirty="0" err="1">
+                <a:solidFill>
+                  <a:schemeClr val="tx1">
+                    <a:lumMod val="85000"/>
+                  </a:schemeClr>
+                </a:solidFill>
+                <a:effectLst/>
+                <a:latin typeface="Open Sans" panose="020B0606030504020204" pitchFamily="34" charset="0"/>
+              </a:rPr>
+              <a:t>IndexOutOfBoundsException</a:t>
+            </a:r>
+            <a:r>
+              <a:rPr lang="en-US" sz="1100" b="0" i="0" dirty="0">
+                <a:solidFill>
+                  <a:schemeClr val="tx1">
+                    <a:lumMod val="85000"/>
+                  </a:schemeClr>
+                </a:solidFill>
+                <a:effectLst/>
+                <a:latin typeface="Open Sans" panose="020B0606030504020204" pitchFamily="34" charset="0"/>
+              </a:rPr>
+              <a:t>: " + </a:t>
+            </a:r>
+            <a:r>
+              <a:rPr lang="en-US" sz="1100" b="0" i="0" dirty="0" err="1">
+                <a:solidFill>
+                  <a:schemeClr val="tx1">
+                    <a:lumMod val="85000"/>
+                  </a:schemeClr>
+                </a:solidFill>
+                <a:effectLst/>
+                <a:latin typeface="Open Sans" panose="020B0606030504020204" pitchFamily="34" charset="0"/>
+              </a:rPr>
+              <a:t>e.getMessage</a:t>
+            </a:r>
+            <a:r>
+              <a:rPr lang="en-US" sz="1100" b="0" i="0" dirty="0">
+                <a:solidFill>
+                  <a:schemeClr val="tx1">
+                    <a:lumMod val="85000"/>
+                  </a:schemeClr>
+                </a:solidFill>
+                <a:effectLst/>
+                <a:latin typeface="Open Sans" panose="020B0606030504020204" pitchFamily="34" charset="0"/>
+              </a:rPr>
+              <a:t>());</a:t>
+            </a:r>
+          </a:p>
+          <a:p>
+            <a:pPr lvl="2"/>
+            <a:r>
+              <a:rPr lang="en-US" sz="1100" b="0" i="0" dirty="0">
+                <a:solidFill>
+                  <a:schemeClr val="tx1">
+                    <a:lumMod val="85000"/>
+                  </a:schemeClr>
+                </a:solidFill>
+                <a:effectLst/>
+                <a:latin typeface="Open Sans" panose="020B0606030504020204" pitchFamily="34" charset="0"/>
+              </a:rPr>
+              <a:t>} catch (</a:t>
+            </a:r>
+            <a:r>
+              <a:rPr lang="en-US" sz="1100" b="0" i="0" dirty="0" err="1">
+                <a:solidFill>
+                  <a:schemeClr val="tx1">
+                    <a:lumMod val="85000"/>
+                  </a:schemeClr>
+                </a:solidFill>
+                <a:effectLst/>
+                <a:latin typeface="Open Sans" panose="020B0606030504020204" pitchFamily="34" charset="0"/>
+              </a:rPr>
+              <a:t>IOException</a:t>
+            </a:r>
+            <a:r>
+              <a:rPr lang="en-US" sz="1100" b="0" i="0" dirty="0">
+                <a:solidFill>
+                  <a:schemeClr val="tx1">
+                    <a:lumMod val="85000"/>
+                  </a:schemeClr>
+                </a:solidFill>
+                <a:effectLst/>
+                <a:latin typeface="Open Sans" panose="020B0606030504020204" pitchFamily="34" charset="0"/>
+              </a:rPr>
+              <a:t> e) </a:t>
+            </a:r>
+          </a:p>
+          <a:p>
+            <a:pPr lvl="2"/>
+            <a:r>
+              <a:rPr lang="en-US" sz="1100" dirty="0">
+                <a:solidFill>
+                  <a:schemeClr val="tx1">
+                    <a:lumMod val="85000"/>
+                  </a:schemeClr>
+                </a:solidFill>
+                <a:latin typeface="Open Sans" panose="020B0606030504020204" pitchFamily="34" charset="0"/>
+              </a:rPr>
+              <a:t>   </a:t>
+            </a:r>
+            <a:r>
+              <a:rPr lang="en-US" sz="1100" b="0" i="0" dirty="0" err="1">
+                <a:solidFill>
+                  <a:schemeClr val="tx1">
+                    <a:lumMod val="85000"/>
+                  </a:schemeClr>
+                </a:solidFill>
+                <a:effectLst/>
+                <a:latin typeface="Open Sans" panose="020B0606030504020204" pitchFamily="34" charset="0"/>
+              </a:rPr>
+              <a:t>System.err.println</a:t>
+            </a:r>
+            <a:r>
+              <a:rPr lang="en-US" sz="1100" b="0" i="0" dirty="0">
+                <a:solidFill>
+                  <a:schemeClr val="tx1">
+                    <a:lumMod val="85000"/>
+                  </a:schemeClr>
+                </a:solidFill>
+                <a:effectLst/>
+                <a:latin typeface="Open Sans" panose="020B0606030504020204" pitchFamily="34" charset="0"/>
+              </a:rPr>
+              <a:t>("Caught </a:t>
+            </a:r>
+            <a:r>
+              <a:rPr lang="en-US" sz="1100" b="0" i="0" dirty="0" err="1">
+                <a:solidFill>
+                  <a:schemeClr val="tx1">
+                    <a:lumMod val="85000"/>
+                  </a:schemeClr>
+                </a:solidFill>
+                <a:effectLst/>
+                <a:latin typeface="Open Sans" panose="020B0606030504020204" pitchFamily="34" charset="0"/>
+              </a:rPr>
+              <a:t>IOException</a:t>
+            </a:r>
+            <a:r>
+              <a:rPr lang="en-US" sz="1100" b="0" i="0" dirty="0">
+                <a:solidFill>
+                  <a:schemeClr val="tx1">
+                    <a:lumMod val="85000"/>
+                  </a:schemeClr>
+                </a:solidFill>
+                <a:effectLst/>
+                <a:latin typeface="Open Sans" panose="020B0606030504020204" pitchFamily="34" charset="0"/>
+              </a:rPr>
+              <a:t>: " + </a:t>
+            </a:r>
+            <a:r>
+              <a:rPr lang="en-US" sz="1100" b="0" i="0" dirty="0" err="1">
+                <a:solidFill>
+                  <a:schemeClr val="tx1">
+                    <a:lumMod val="85000"/>
+                  </a:schemeClr>
+                </a:solidFill>
+                <a:effectLst/>
+                <a:latin typeface="Open Sans" panose="020B0606030504020204" pitchFamily="34" charset="0"/>
+              </a:rPr>
+              <a:t>e.getMessage</a:t>
+            </a:r>
+            <a:r>
+              <a:rPr lang="en-US" sz="1100" b="0" i="0" dirty="0">
+                <a:solidFill>
+                  <a:schemeClr val="tx1">
+                    <a:lumMod val="85000"/>
+                  </a:schemeClr>
+                </a:solidFill>
+                <a:effectLst/>
+                <a:latin typeface="Open Sans" panose="020B0606030504020204" pitchFamily="34" charset="0"/>
+              </a:rPr>
+              <a:t>());</a:t>
+            </a:r>
+          </a:p>
+          <a:p>
+            <a:pPr lvl="2"/>
+            <a:r>
+              <a:rPr lang="en-US" sz="1100" b="0" i="0" dirty="0">
+                <a:solidFill>
+                  <a:schemeClr val="tx1">
+                    <a:lumMod val="85000"/>
+                  </a:schemeClr>
+                </a:solidFill>
+                <a:effectLst/>
+                <a:latin typeface="Open Sans" panose="020B0606030504020204" pitchFamily="34" charset="0"/>
+              </a:rPr>
+              <a:t>}</a:t>
+            </a:r>
+          </a:p>
+        </p:txBody>
+      </p:sp>
+    </p:spTree>
+    <p:extLst>
+      <p:ext uri="{BB962C8B-B14F-4D97-AF65-F5344CB8AC3E}">
+        <p14:creationId xmlns:p14="http://schemas.microsoft.com/office/powerpoint/2010/main" val="12263916"/>
+      </p:ext>
+    </p:extLst>
+  </p:cSld>
+  <p:clrMapOvr>
+    <a:masterClrMapping/>
+  </p:clrMapOvr>
+</p:sld>
+</file>
+
+<file path=ppt/slides/slide13.xml><?xml version="1.0" encoding="utf-8"?>
+<p:sld xmlns:a="http://schemas.openxmlformats.org/drawingml/2006/main" xmlns:r="http://schemas.openxmlformats.org/officeDocument/2006/relationships" xmlns:p="http://schemas.openxmlformats.org/presentationml/2006/main">
+  <p:cSld>
+    <p:spTree>
+      <p:nvGrpSpPr>
+        <p:cNvPr id="1" name=""/>
+        <p:cNvGrpSpPr/>
+        <p:nvPr/>
+      </p:nvGrpSpPr>
+      <p:grpSpPr>
+        <a:xfrm>
+          <a:off x="0" y="0"/>
+          <a:ext cx="0" cy="0"/>
+          <a:chOff x="0" y="0"/>
+          <a:chExt cx="0" cy="0"/>
+        </a:xfrm>
+      </p:grpSpPr>
+      <p:sp>
+        <p:nvSpPr>
+          <p:cNvPr id="6" name="TextBox 5">
+            <a:extLst>
+              <a:ext uri="{FF2B5EF4-FFF2-40B4-BE49-F238E27FC236}">
+                <a16:creationId xmlns:a16="http://schemas.microsoft.com/office/drawing/2014/main" id="{59E906CD-110B-9D01-732C-2F21759B0265}"/>
+              </a:ext>
+            </a:extLst>
+          </p:cNvPr>
+          <p:cNvSpPr txBox="1"/>
+          <p:nvPr/>
+        </p:nvSpPr>
+        <p:spPr>
+          <a:xfrm>
+            <a:off x="193250" y="91915"/>
+            <a:ext cx="8256355" cy="461665"/>
+          </a:xfrm>
+          <a:prstGeom prst="rect">
+            <a:avLst/>
+          </a:prstGeom>
+          <a:noFill/>
+        </p:spPr>
+        <p:txBody>
+          <a:bodyPr wrap="square">
+            <a:spAutoFit/>
+          </a:bodyPr>
+          <a:lstStyle/>
+          <a:p>
+            <a:pPr algn="l"/>
+            <a:r>
+              <a:rPr lang="en-US" sz="2400" b="1" dirty="0">
+                <a:solidFill>
+                  <a:srgbClr val="00B050"/>
+                </a:solidFill>
+                <a:effectLst/>
+                <a:latin typeface="Open Sans" panose="020B0606030504020204" pitchFamily="34" charset="0"/>
+              </a:rPr>
+              <a:t>Catching Exceptions – try </a:t>
+            </a:r>
+            <a:r>
+              <a:rPr lang="en-US" sz="2400" b="1" dirty="0">
+                <a:solidFill>
+                  <a:srgbClr val="00B050"/>
+                </a:solidFill>
+                <a:effectLst/>
+                <a:latin typeface="Open Sans" panose="020B0606030504020204" pitchFamily="34" charset="0"/>
+                <a:sym typeface="Wingdings" panose="05000000000000000000" pitchFamily="2" charset="2"/>
+              </a:rPr>
+              <a:t> catch  finally blocks</a:t>
+            </a:r>
+            <a:endParaRPr lang="en-US" sz="2400" b="1" dirty="0">
+              <a:solidFill>
+                <a:srgbClr val="00B050"/>
+              </a:solidFill>
+              <a:effectLst/>
+              <a:latin typeface="Open Sans" panose="020B0606030504020204" pitchFamily="34" charset="0"/>
+            </a:endParaRPr>
+          </a:p>
+        </p:txBody>
+      </p:sp>
+      <p:sp>
+        <p:nvSpPr>
+          <p:cNvPr id="4" name="TextBox 3">
+            <a:extLst>
+              <a:ext uri="{FF2B5EF4-FFF2-40B4-BE49-F238E27FC236}">
+                <a16:creationId xmlns:a16="http://schemas.microsoft.com/office/drawing/2014/main" id="{C0B26727-0F97-5A73-B4ED-6BE65E07E5DB}"/>
+              </a:ext>
+            </a:extLst>
+          </p:cNvPr>
+          <p:cNvSpPr txBox="1"/>
+          <p:nvPr/>
+        </p:nvSpPr>
+        <p:spPr>
+          <a:xfrm>
+            <a:off x="176169" y="729420"/>
+            <a:ext cx="11931637" cy="4555093"/>
+          </a:xfrm>
+          <a:prstGeom prst="rect">
+            <a:avLst/>
+          </a:prstGeom>
+          <a:noFill/>
+        </p:spPr>
+        <p:txBody>
+          <a:bodyPr wrap="square">
+            <a:spAutoFit/>
+          </a:bodyPr>
+          <a:lstStyle/>
+          <a:p>
+            <a:pPr marL="285750" indent="-285750" algn="l">
+              <a:buFont typeface="Arial" panose="020B0604020202020204" pitchFamily="34" charset="0"/>
+              <a:buChar char="•"/>
+            </a:pPr>
+            <a:r>
+              <a:rPr lang="en-US" b="0" i="0" dirty="0">
+                <a:solidFill>
+                  <a:srgbClr val="00B0F0"/>
+                </a:solidFill>
+                <a:effectLst/>
+                <a:latin typeface="Open Sans" panose="020B0606030504020204" pitchFamily="34" charset="0"/>
+              </a:rPr>
+              <a:t>Exception handlers can do more than just print error messages or halt the program</a:t>
+            </a:r>
+            <a:r>
+              <a:rPr lang="en-US" b="0" i="0" dirty="0">
+                <a:solidFill>
+                  <a:schemeClr val="tx1">
+                    <a:lumMod val="85000"/>
+                  </a:schemeClr>
+                </a:solidFill>
+                <a:effectLst/>
+                <a:latin typeface="Open Sans" panose="020B0606030504020204" pitchFamily="34" charset="0"/>
+              </a:rPr>
+              <a:t>. They can do error recovery, prompt the user to make a decision, or propagate the error up to a higher-level handler using chained exceptions, as described in the </a:t>
+            </a:r>
+            <a:r>
+              <a:rPr lang="en-US" b="0" i="0" dirty="0">
+                <a:solidFill>
+                  <a:srgbClr val="00B0F0"/>
+                </a:solidFill>
+                <a:effectLst/>
+                <a:latin typeface="Open Sans" panose="020B0606030504020204" pitchFamily="34" charset="0"/>
+              </a:rPr>
+              <a:t>Chained Exceptions </a:t>
+            </a:r>
+            <a:r>
+              <a:rPr lang="en-US" b="0" i="0" dirty="0">
+                <a:solidFill>
+                  <a:schemeClr val="tx1">
+                    <a:lumMod val="85000"/>
+                  </a:schemeClr>
+                </a:solidFill>
+                <a:effectLst/>
+                <a:latin typeface="Open Sans" panose="020B0606030504020204" pitchFamily="34" charset="0"/>
+              </a:rPr>
+              <a:t>section.</a:t>
+            </a:r>
+          </a:p>
+          <a:p>
+            <a:pPr marL="285750" indent="-285750" algn="l">
+              <a:buFont typeface="Arial" panose="020B0604020202020204" pitchFamily="34" charset="0"/>
+              <a:buChar char="•"/>
+            </a:pPr>
+            <a:endParaRPr lang="en-US" b="0" i="0" dirty="0">
+              <a:solidFill>
+                <a:schemeClr val="tx1">
+                  <a:lumMod val="85000"/>
+                </a:schemeClr>
+              </a:solidFill>
+              <a:effectLst/>
+              <a:latin typeface="Open Sans" panose="020B0606030504020204" pitchFamily="34" charset="0"/>
+            </a:endParaRPr>
+          </a:p>
+          <a:p>
+            <a:pPr marL="285750" indent="-285750" algn="l">
+              <a:buFont typeface="Arial" panose="020B0604020202020204" pitchFamily="34" charset="0"/>
+              <a:buChar char="•"/>
+            </a:pPr>
+            <a:r>
+              <a:rPr lang="en-US" b="0" i="0" dirty="0">
+                <a:solidFill>
+                  <a:schemeClr val="tx1">
+                    <a:lumMod val="85000"/>
+                  </a:schemeClr>
+                </a:solidFill>
+                <a:effectLst/>
+                <a:latin typeface="Open Sans" panose="020B0606030504020204" pitchFamily="34" charset="0"/>
+              </a:rPr>
+              <a:t>Catching More Than One Type of Exception with One Exception Handler</a:t>
+            </a:r>
+          </a:p>
+          <a:p>
+            <a:pPr marL="742950" lvl="1" indent="-285750">
+              <a:buFont typeface="Arial" panose="020B0604020202020204" pitchFamily="34" charset="0"/>
+              <a:buChar char="•"/>
+            </a:pPr>
+            <a:r>
+              <a:rPr lang="en-US" b="0" i="0" dirty="0">
+                <a:solidFill>
+                  <a:schemeClr val="tx1">
+                    <a:lumMod val="85000"/>
+                  </a:schemeClr>
+                </a:solidFill>
+                <a:effectLst/>
+                <a:latin typeface="Open Sans" panose="020B0606030504020204" pitchFamily="34" charset="0"/>
+              </a:rPr>
+              <a:t>In Java SE 7 and later, a single catch block can handle more than one type of exception. This feature can reduce code duplication and lessen the temptation to catch an overly broad exception.</a:t>
+            </a:r>
+          </a:p>
+          <a:p>
+            <a:pPr marL="285750" indent="-285750" algn="l">
+              <a:buFont typeface="Arial" panose="020B0604020202020204" pitchFamily="34" charset="0"/>
+              <a:buChar char="•"/>
+            </a:pPr>
+            <a:endParaRPr lang="en-US" b="0" i="0" dirty="0">
+              <a:solidFill>
+                <a:schemeClr val="tx1">
+                  <a:lumMod val="85000"/>
+                </a:schemeClr>
+              </a:solidFill>
+              <a:effectLst/>
+              <a:latin typeface="Open Sans" panose="020B0606030504020204" pitchFamily="34" charset="0"/>
+            </a:endParaRPr>
+          </a:p>
+          <a:p>
+            <a:pPr marL="742950" lvl="1" indent="-285750">
+              <a:buFont typeface="Arial" panose="020B0604020202020204" pitchFamily="34" charset="0"/>
+              <a:buChar char="•"/>
+            </a:pPr>
+            <a:r>
+              <a:rPr lang="en-US" b="0" i="0" dirty="0">
+                <a:solidFill>
+                  <a:schemeClr val="tx1">
+                    <a:lumMod val="85000"/>
+                  </a:schemeClr>
+                </a:solidFill>
+                <a:effectLst/>
+                <a:latin typeface="Open Sans" panose="020B0606030504020204" pitchFamily="34" charset="0"/>
+              </a:rPr>
+              <a:t>In the catch clause, specify the types of exceptions that block can handle, and separate each exception type with a vertical bar (|):</a:t>
+            </a:r>
+          </a:p>
+          <a:p>
+            <a:pPr marL="285750" indent="-285750" algn="l">
+              <a:buFont typeface="Arial" panose="020B0604020202020204" pitchFamily="34" charset="0"/>
+              <a:buChar char="•"/>
+            </a:pPr>
+            <a:endParaRPr lang="en-US" b="0" i="0" dirty="0">
+              <a:solidFill>
+                <a:schemeClr val="tx1">
+                  <a:lumMod val="85000"/>
+                </a:schemeClr>
+              </a:solidFill>
+              <a:effectLst/>
+              <a:latin typeface="Open Sans" panose="020B0606030504020204" pitchFamily="34" charset="0"/>
+            </a:endParaRPr>
+          </a:p>
+          <a:p>
+            <a:pPr algn="l"/>
+            <a:r>
+              <a:rPr lang="en-US" sz="1400" b="0" i="0" dirty="0">
+                <a:solidFill>
+                  <a:schemeClr val="tx1">
+                    <a:lumMod val="85000"/>
+                  </a:schemeClr>
+                </a:solidFill>
+                <a:effectLst/>
+                <a:latin typeface="Open Sans" panose="020B0606030504020204" pitchFamily="34" charset="0"/>
+              </a:rPr>
+              <a:t>	catch (</a:t>
+            </a:r>
+            <a:r>
+              <a:rPr lang="en-US" sz="1400" b="0" i="0" dirty="0" err="1">
+                <a:solidFill>
+                  <a:schemeClr val="tx1">
+                    <a:lumMod val="85000"/>
+                  </a:schemeClr>
+                </a:solidFill>
+                <a:effectLst/>
+                <a:latin typeface="Open Sans" panose="020B0606030504020204" pitchFamily="34" charset="0"/>
+              </a:rPr>
+              <a:t>IOException|SQLException</a:t>
+            </a:r>
+            <a:r>
+              <a:rPr lang="en-US" sz="1400" b="0" i="0" dirty="0">
+                <a:solidFill>
+                  <a:schemeClr val="tx1">
+                    <a:lumMod val="85000"/>
+                  </a:schemeClr>
+                </a:solidFill>
+                <a:effectLst/>
+                <a:latin typeface="Open Sans" panose="020B0606030504020204" pitchFamily="34" charset="0"/>
+              </a:rPr>
+              <a:t> ex) {</a:t>
+            </a:r>
+          </a:p>
+          <a:p>
+            <a:pPr algn="l"/>
+            <a:r>
+              <a:rPr lang="en-US" sz="1400" dirty="0">
+                <a:solidFill>
+                  <a:schemeClr val="tx1">
+                    <a:lumMod val="85000"/>
+                  </a:schemeClr>
+                </a:solidFill>
+                <a:latin typeface="Open Sans" panose="020B0606030504020204" pitchFamily="34" charset="0"/>
+              </a:rPr>
+              <a:t>	   </a:t>
+            </a:r>
+            <a:r>
+              <a:rPr lang="en-US" sz="1400" b="0" i="0" dirty="0">
+                <a:solidFill>
+                  <a:schemeClr val="tx1">
+                    <a:lumMod val="85000"/>
+                  </a:schemeClr>
+                </a:solidFill>
+                <a:effectLst/>
+                <a:latin typeface="Open Sans" panose="020B0606030504020204" pitchFamily="34" charset="0"/>
+              </a:rPr>
+              <a:t>logger.log(ex);</a:t>
+            </a:r>
+          </a:p>
+          <a:p>
+            <a:pPr algn="l"/>
+            <a:r>
+              <a:rPr lang="en-US" sz="1400" dirty="0">
+                <a:solidFill>
+                  <a:schemeClr val="tx1">
+                    <a:lumMod val="85000"/>
+                  </a:schemeClr>
+                </a:solidFill>
+                <a:latin typeface="Open Sans" panose="020B0606030504020204" pitchFamily="34" charset="0"/>
+              </a:rPr>
+              <a:t>	   </a:t>
+            </a:r>
+            <a:r>
+              <a:rPr lang="en-US" sz="1400" b="0" i="0" dirty="0">
+                <a:solidFill>
+                  <a:schemeClr val="tx1">
+                    <a:lumMod val="85000"/>
+                  </a:schemeClr>
+                </a:solidFill>
+                <a:effectLst/>
+                <a:latin typeface="Open Sans" panose="020B0606030504020204" pitchFamily="34" charset="0"/>
+              </a:rPr>
+              <a:t>throw ex;</a:t>
+            </a:r>
+          </a:p>
+          <a:p>
+            <a:pPr algn="l"/>
+            <a:r>
+              <a:rPr lang="en-US" sz="1400" dirty="0">
+                <a:solidFill>
+                  <a:schemeClr val="tx1">
+                    <a:lumMod val="85000"/>
+                  </a:schemeClr>
+                </a:solidFill>
+                <a:latin typeface="Open Sans" panose="020B0606030504020204" pitchFamily="34" charset="0"/>
+              </a:rPr>
+              <a:t>                       </a:t>
+            </a:r>
+            <a:r>
+              <a:rPr lang="en-US" sz="1400" b="0" i="0" dirty="0">
+                <a:solidFill>
+                  <a:schemeClr val="tx1">
+                    <a:lumMod val="85000"/>
+                  </a:schemeClr>
+                </a:solidFill>
+                <a:effectLst/>
+                <a:latin typeface="Open Sans" panose="020B0606030504020204" pitchFamily="34" charset="0"/>
+              </a:rPr>
+              <a:t>}</a:t>
+            </a:r>
+          </a:p>
+          <a:p>
+            <a:pPr marL="285750" indent="-285750" algn="l">
+              <a:buFont typeface="Arial" panose="020B0604020202020204" pitchFamily="34" charset="0"/>
+              <a:buChar char="•"/>
+            </a:pPr>
+            <a:endParaRPr lang="en-US" b="0" i="0" dirty="0">
+              <a:solidFill>
+                <a:schemeClr val="tx1">
+                  <a:lumMod val="85000"/>
+                </a:schemeClr>
+              </a:solidFill>
+              <a:effectLst/>
+              <a:latin typeface="Open Sans" panose="020B0606030504020204" pitchFamily="34" charset="0"/>
+            </a:endParaRPr>
+          </a:p>
+          <a:p>
+            <a:pPr marL="285750" indent="-285750" algn="l">
+              <a:buFont typeface="Arial" panose="020B0604020202020204" pitchFamily="34" charset="0"/>
+              <a:buChar char="•"/>
+            </a:pPr>
+            <a:endParaRPr lang="en-US" b="0" i="0" dirty="0">
+              <a:solidFill>
+                <a:schemeClr val="tx1">
+                  <a:lumMod val="85000"/>
+                </a:schemeClr>
+              </a:solidFill>
+              <a:effectLst/>
+              <a:latin typeface="Open Sans" panose="020B0606030504020204" pitchFamily="34" charset="0"/>
+            </a:endParaRPr>
+          </a:p>
+        </p:txBody>
+      </p:sp>
+      <p:sp>
+        <p:nvSpPr>
+          <p:cNvPr id="2" name="TextBox 1">
+            <a:extLst>
+              <a:ext uri="{FF2B5EF4-FFF2-40B4-BE49-F238E27FC236}">
+                <a16:creationId xmlns:a16="http://schemas.microsoft.com/office/drawing/2014/main" id="{2292BC77-EAED-98AF-CC12-6B2F561FA457}"/>
+              </a:ext>
+            </a:extLst>
+          </p:cNvPr>
+          <p:cNvSpPr txBox="1"/>
+          <p:nvPr/>
+        </p:nvSpPr>
+        <p:spPr>
+          <a:xfrm>
+            <a:off x="4679424" y="6273448"/>
+            <a:ext cx="7540362" cy="369332"/>
+          </a:xfrm>
+          <a:prstGeom prst="rect">
+            <a:avLst/>
+          </a:prstGeom>
+          <a:noFill/>
+        </p:spPr>
+        <p:txBody>
+          <a:bodyPr wrap="square">
+            <a:spAutoFit/>
+          </a:bodyPr>
+          <a:lstStyle/>
+          <a:p>
+            <a:r>
+              <a:rPr lang="en-US" dirty="0">
+                <a:hlinkClick r:id="rId2"/>
+              </a:rPr>
+              <a:t>https://github.com/ckiefriter1/Java-Code-Examples/tree/main/src/exceptions</a:t>
+            </a:r>
+            <a:endParaRPr lang="en-US" dirty="0"/>
+          </a:p>
+        </p:txBody>
+      </p:sp>
+    </p:spTree>
+    <p:extLst>
+      <p:ext uri="{BB962C8B-B14F-4D97-AF65-F5344CB8AC3E}">
+        <p14:creationId xmlns:p14="http://schemas.microsoft.com/office/powerpoint/2010/main" val="2285577035"/>
+      </p:ext>
+    </p:extLst>
+  </p:cSld>
+  <p:clrMapOvr>
+    <a:masterClrMapping/>
+  </p:clrMapOvr>
+</p:sld>
+</file>
+
+<file path=ppt/slides/slide14.xml><?xml version="1.0" encoding="utf-8"?>
+<p:sld xmlns:a="http://schemas.openxmlformats.org/drawingml/2006/main" xmlns:r="http://schemas.openxmlformats.org/officeDocument/2006/relationships" xmlns:p="http://schemas.openxmlformats.org/presentationml/2006/main">
+  <p:cSld>
+    <p:spTree>
+      <p:nvGrpSpPr>
+        <p:cNvPr id="1" name=""/>
+        <p:cNvGrpSpPr/>
+        <p:nvPr/>
+      </p:nvGrpSpPr>
+      <p:grpSpPr>
+        <a:xfrm>
+          <a:off x="0" y="0"/>
+          <a:ext cx="0" cy="0"/>
+          <a:chOff x="0" y="0"/>
+          <a:chExt cx="0" cy="0"/>
+        </a:xfrm>
+      </p:grpSpPr>
+      <p:sp>
+        <p:nvSpPr>
+          <p:cNvPr id="6" name="TextBox 5">
+            <a:extLst>
+              <a:ext uri="{FF2B5EF4-FFF2-40B4-BE49-F238E27FC236}">
+                <a16:creationId xmlns:a16="http://schemas.microsoft.com/office/drawing/2014/main" id="{59E906CD-110B-9D01-732C-2F21759B0265}"/>
+              </a:ext>
+            </a:extLst>
+          </p:cNvPr>
+          <p:cNvSpPr txBox="1"/>
+          <p:nvPr/>
+        </p:nvSpPr>
+        <p:spPr>
+          <a:xfrm>
+            <a:off x="193250" y="91915"/>
+            <a:ext cx="8256355" cy="461665"/>
+          </a:xfrm>
+          <a:prstGeom prst="rect">
+            <a:avLst/>
+          </a:prstGeom>
+          <a:noFill/>
+        </p:spPr>
+        <p:txBody>
+          <a:bodyPr wrap="square">
+            <a:spAutoFit/>
+          </a:bodyPr>
+          <a:lstStyle/>
+          <a:p>
+            <a:pPr algn="l"/>
+            <a:r>
+              <a:rPr lang="en-US" sz="2400" b="1" dirty="0">
+                <a:solidFill>
+                  <a:srgbClr val="00B050"/>
+                </a:solidFill>
+                <a:effectLst/>
+                <a:latin typeface="Open Sans" panose="020B0606030504020204" pitchFamily="34" charset="0"/>
+              </a:rPr>
+              <a:t>Catching Exceptions – try </a:t>
+            </a:r>
+            <a:r>
+              <a:rPr lang="en-US" sz="2400" b="1" dirty="0">
+                <a:solidFill>
+                  <a:srgbClr val="00B050"/>
+                </a:solidFill>
+                <a:effectLst/>
+                <a:latin typeface="Open Sans" panose="020B0606030504020204" pitchFamily="34" charset="0"/>
+                <a:sym typeface="Wingdings" panose="05000000000000000000" pitchFamily="2" charset="2"/>
+              </a:rPr>
+              <a:t> catch  finally blocks</a:t>
+            </a:r>
+            <a:endParaRPr lang="en-US" sz="2400" b="1" dirty="0">
+              <a:solidFill>
+                <a:srgbClr val="00B050"/>
+              </a:solidFill>
+              <a:effectLst/>
+              <a:latin typeface="Open Sans" panose="020B0606030504020204" pitchFamily="34" charset="0"/>
+            </a:endParaRPr>
+          </a:p>
+        </p:txBody>
+      </p:sp>
+      <p:sp>
+        <p:nvSpPr>
+          <p:cNvPr id="4" name="TextBox 3">
+            <a:extLst>
+              <a:ext uri="{FF2B5EF4-FFF2-40B4-BE49-F238E27FC236}">
+                <a16:creationId xmlns:a16="http://schemas.microsoft.com/office/drawing/2014/main" id="{C0B26727-0F97-5A73-B4ED-6BE65E07E5DB}"/>
+              </a:ext>
+            </a:extLst>
+          </p:cNvPr>
+          <p:cNvSpPr txBox="1"/>
+          <p:nvPr/>
+        </p:nvSpPr>
+        <p:spPr>
+          <a:xfrm>
+            <a:off x="176169" y="729420"/>
             <a:ext cx="11931637" cy="4524315"/>
           </a:xfrm>
           <a:prstGeom prst="rect">
@@ -6697,16 +8181,42 @@
           </a:bodyPr>
           <a:lstStyle/>
           <a:p>
-            <a:pPr algn="l"/>
+            <a:pPr marL="285750" indent="-285750" algn="l">
+              <a:buFont typeface="Arial" panose="020B0604020202020204" pitchFamily="34" charset="0"/>
+              <a:buChar char="•"/>
+            </a:pPr>
+            <a:r>
+              <a:rPr lang="en-US" dirty="0">
+                <a:solidFill>
+                  <a:schemeClr val="tx1">
+                    <a:lumMod val="85000"/>
+                  </a:schemeClr>
+                </a:solidFill>
+                <a:latin typeface="Open Sans" panose="020B0606030504020204" pitchFamily="34" charset="0"/>
+              </a:rPr>
+              <a:t>Y</a:t>
+            </a:r>
             <a:r>
               <a:rPr lang="en-US" b="0" i="0" dirty="0">
                 <a:solidFill>
+                  <a:schemeClr val="tx1">
+                    <a:lumMod val="85000"/>
+                  </a:schemeClr>
+                </a:solidFill>
+                <a:effectLst/>
+                <a:latin typeface="Open Sans" panose="020B0606030504020204" pitchFamily="34" charset="0"/>
+              </a:rPr>
+              <a:t>ou can use a </a:t>
+            </a:r>
+            <a:r>
+              <a:rPr lang="en-US" b="0" i="0" dirty="0">
+                <a:solidFill>
                   <a:srgbClr val="00B0F0"/>
                 </a:solidFill>
                 <a:effectLst/>
                 <a:latin typeface="Open Sans" panose="020B0606030504020204" pitchFamily="34" charset="0"/>
               </a:rPr>
-              <a:t>Wrapper classes </a:t>
+              <a:t>finally block</a:t>
             </a:r>
             <a:r>
               <a:rPr lang="en-US" b="0" i="0" dirty="0">
@@ -6718,53 +8228,14 @@
                 <a:effectLst/>
                 <a:latin typeface="Open Sans" panose="020B0606030504020204" pitchFamily="34" charset="0"/>
               </a:rPr>
-              <a:t>provide a way to </a:t>
-            </a:r>
-            <a:r>
-              <a:rPr lang="en-US" b="0" i="0" dirty="0">
-                <a:solidFill>
-                  <a:srgbClr val="00B0F0"/>
-                </a:solidFill>
-                <a:effectLst/>
-                <a:latin typeface="Open Sans" panose="020B0606030504020204" pitchFamily="34" charset="0"/>
-              </a:rPr>
-              <a:t>use primitive data types (int, </a:t>
-            </a:r>
-            <a:r>
-              <a:rPr lang="en-US" b="0" i="0" dirty="0" err="1">
-                <a:solidFill>
-                  <a:srgbClr val="00B0F0"/>
-                </a:solidFill>
-                <a:effectLst/>
-                <a:latin typeface="Open Sans" panose="020B0606030504020204" pitchFamily="34" charset="0"/>
-              </a:rPr>
-              <a:t>boolean</a:t>
-            </a:r>
-            <a:r>
-              <a:rPr lang="en-US" b="0" i="0" dirty="0">
-                <a:solidFill>
-                  <a:srgbClr val="00B0F0"/>
-                </a:solidFill>
-                <a:effectLst/>
-                <a:latin typeface="Open Sans" panose="020B0606030504020204" pitchFamily="34" charset="0"/>
-              </a:rPr>
-              <a:t>, etc..) as objects</a:t>
-            </a:r>
-            <a:r>
-              <a:rPr lang="en-US" b="0" i="0" dirty="0">
-                <a:solidFill>
-                  <a:schemeClr val="tx1">
-                    <a:lumMod val="85000"/>
-                  </a:schemeClr>
-                </a:solidFill>
-                <a:effectLst/>
-                <a:latin typeface="Open Sans" panose="020B0606030504020204" pitchFamily="34" charset="0"/>
-              </a:rPr>
-              <a:t>.</a:t>
-            </a:r>
-          </a:p>
-          <a:p>
-            <a:pPr algn="l"/>
+              <a:t> to ensure that a resource is closed regardless of whether the try statement completes normally or abruptly. The following example uses a finally block instead of a try-with-resources statement:</a:t>
+            </a:r>
+          </a:p>
+          <a:p>
+            <a:pPr marL="285750" indent="-285750" algn="l">
+              <a:buFont typeface="Arial" panose="020B0604020202020204" pitchFamily="34" charset="0"/>
+              <a:buChar char="•"/>
+            </a:pPr>
             <a:endParaRPr lang="en-US" b="0" i="0" dirty="0">
               <a:solidFill>
                 <a:schemeClr val="tx1">
@@ -6787,11 +8258,478 @@
                 <a:effectLst/>
                 <a:latin typeface="Open Sans" panose="020B0606030504020204" pitchFamily="34" charset="0"/>
               </a:rPr>
-              <a:t>The table below shows the primitive type and the equivalent wrapper class:</a:t>
+              <a:t>   static String </a:t>
+            </a:r>
+            <a:r>
+              <a:rPr lang="en-US" b="0" i="0" dirty="0" err="1">
+                <a:solidFill>
+                  <a:schemeClr val="tx1">
+                    <a:lumMod val="85000"/>
+                  </a:schemeClr>
+                </a:solidFill>
+                <a:effectLst/>
+                <a:latin typeface="Open Sans" panose="020B0606030504020204" pitchFamily="34" charset="0"/>
+              </a:rPr>
+              <a:t>readFirstLineFromFileWithFinallyBlock</a:t>
+            </a:r>
+            <a:r>
+              <a:rPr lang="en-US" b="0" i="0" dirty="0">
+                <a:solidFill>
+                  <a:schemeClr val="tx1">
+                    <a:lumMod val="85000"/>
+                  </a:schemeClr>
+                </a:solidFill>
+                <a:effectLst/>
+                <a:latin typeface="Open Sans" panose="020B0606030504020204" pitchFamily="34" charset="0"/>
+              </a:rPr>
+              <a:t>(String path) throws </a:t>
+            </a:r>
+            <a:r>
+              <a:rPr lang="en-US" b="0" i="0" dirty="0" err="1">
+                <a:solidFill>
+                  <a:schemeClr val="tx1">
+                    <a:lumMod val="85000"/>
+                  </a:schemeClr>
+                </a:solidFill>
+                <a:effectLst/>
+                <a:latin typeface="Open Sans" panose="020B0606030504020204" pitchFamily="34" charset="0"/>
+              </a:rPr>
+              <a:t>IOException</a:t>
+            </a:r>
+            <a:r>
+              <a:rPr lang="en-US" b="0" i="0" dirty="0">
+                <a:solidFill>
+                  <a:schemeClr val="tx1">
+                    <a:lumMod val="85000"/>
+                  </a:schemeClr>
+                </a:solidFill>
+                <a:effectLst/>
+                <a:latin typeface="Open Sans" panose="020B0606030504020204" pitchFamily="34" charset="0"/>
+              </a:rPr>
+              <a:t> {</a:t>
             </a:r>
           </a:p>
           <a:p>
             <a:pPr algn="l"/>
+            <a:r>
+              <a:rPr lang="en-US" b="0" i="0" dirty="0">
+                <a:solidFill>
+                  <a:schemeClr val="tx1">
+                    <a:lumMod val="85000"/>
+                  </a:schemeClr>
+                </a:solidFill>
+                <a:effectLst/>
+                <a:latin typeface="Open Sans" panose="020B0606030504020204" pitchFamily="34" charset="0"/>
+              </a:rPr>
+              <a:t>	</a:t>
+            </a:r>
+            <a:r>
+              <a:rPr lang="en-US" b="0" i="0" dirty="0" err="1">
+                <a:solidFill>
+                  <a:schemeClr val="tx1">
+                    <a:lumMod val="85000"/>
+                  </a:schemeClr>
+                </a:solidFill>
+                <a:effectLst/>
+                <a:latin typeface="Open Sans" panose="020B0606030504020204" pitchFamily="34" charset="0"/>
+              </a:rPr>
+              <a:t>FileReader</a:t>
+            </a:r>
+            <a:r>
+              <a:rPr lang="en-US" b="0" i="0" dirty="0">
+                <a:solidFill>
+                  <a:schemeClr val="tx1">
+                    <a:lumMod val="85000"/>
+                  </a:schemeClr>
+                </a:solidFill>
+                <a:effectLst/>
+                <a:latin typeface="Open Sans" panose="020B0606030504020204" pitchFamily="34" charset="0"/>
+              </a:rPr>
+              <a:t> </a:t>
+            </a:r>
+            <a:r>
+              <a:rPr lang="en-US" b="0" i="0" dirty="0" err="1">
+                <a:solidFill>
+                  <a:schemeClr val="tx1">
+                    <a:lumMod val="85000"/>
+                  </a:schemeClr>
+                </a:solidFill>
+                <a:effectLst/>
+                <a:latin typeface="Open Sans" panose="020B0606030504020204" pitchFamily="34" charset="0"/>
+              </a:rPr>
+              <a:t>fr</a:t>
+            </a:r>
+            <a:r>
+              <a:rPr lang="en-US" b="0" i="0" dirty="0">
+                <a:solidFill>
+                  <a:schemeClr val="tx1">
+                    <a:lumMod val="85000"/>
+                  </a:schemeClr>
+                </a:solidFill>
+                <a:effectLst/>
+                <a:latin typeface="Open Sans" panose="020B0606030504020204" pitchFamily="34" charset="0"/>
+              </a:rPr>
+              <a:t> = new </a:t>
+            </a:r>
+            <a:r>
+              <a:rPr lang="en-US" b="0" i="0" dirty="0" err="1">
+                <a:solidFill>
+                  <a:schemeClr val="tx1">
+                    <a:lumMod val="85000"/>
+                  </a:schemeClr>
+                </a:solidFill>
+                <a:effectLst/>
+                <a:latin typeface="Open Sans" panose="020B0606030504020204" pitchFamily="34" charset="0"/>
+              </a:rPr>
+              <a:t>FileReader</a:t>
+            </a:r>
+            <a:r>
+              <a:rPr lang="en-US" b="0" i="0" dirty="0">
+                <a:solidFill>
+                  <a:schemeClr val="tx1">
+                    <a:lumMod val="85000"/>
+                  </a:schemeClr>
+                </a:solidFill>
+                <a:effectLst/>
+                <a:latin typeface="Open Sans" panose="020B0606030504020204" pitchFamily="34" charset="0"/>
+              </a:rPr>
+              <a:t>(path);</a:t>
+            </a:r>
+          </a:p>
+          <a:p>
+            <a:pPr algn="l"/>
+            <a:r>
+              <a:rPr lang="en-US" dirty="0">
+                <a:solidFill>
+                  <a:schemeClr val="tx1">
+                    <a:lumMod val="85000"/>
+                  </a:schemeClr>
+                </a:solidFill>
+                <a:latin typeface="Open Sans" panose="020B0606030504020204" pitchFamily="34" charset="0"/>
+              </a:rPr>
+              <a:t>	</a:t>
+            </a:r>
+            <a:r>
+              <a:rPr lang="en-US" b="0" i="0" dirty="0" err="1">
+                <a:solidFill>
+                  <a:schemeClr val="tx1">
+                    <a:lumMod val="85000"/>
+                  </a:schemeClr>
+                </a:solidFill>
+                <a:effectLst/>
+                <a:latin typeface="Open Sans" panose="020B0606030504020204" pitchFamily="34" charset="0"/>
+              </a:rPr>
+              <a:t>BufferedReader</a:t>
+            </a:r>
+            <a:r>
+              <a:rPr lang="en-US" b="0" i="0" dirty="0">
+                <a:solidFill>
+                  <a:schemeClr val="tx1">
+                    <a:lumMod val="85000"/>
+                  </a:schemeClr>
+                </a:solidFill>
+                <a:effectLst/>
+                <a:latin typeface="Open Sans" panose="020B0606030504020204" pitchFamily="34" charset="0"/>
+              </a:rPr>
+              <a:t> </a:t>
+            </a:r>
+            <a:r>
+              <a:rPr lang="en-US" b="0" i="0" dirty="0" err="1">
+                <a:solidFill>
+                  <a:schemeClr val="tx1">
+                    <a:lumMod val="85000"/>
+                  </a:schemeClr>
+                </a:solidFill>
+                <a:effectLst/>
+                <a:latin typeface="Open Sans" panose="020B0606030504020204" pitchFamily="34" charset="0"/>
+              </a:rPr>
+              <a:t>br</a:t>
+            </a:r>
+            <a:r>
+              <a:rPr lang="en-US" b="0" i="0" dirty="0">
+                <a:solidFill>
+                  <a:schemeClr val="tx1">
+                    <a:lumMod val="85000"/>
+                  </a:schemeClr>
+                </a:solidFill>
+                <a:effectLst/>
+                <a:latin typeface="Open Sans" panose="020B0606030504020204" pitchFamily="34" charset="0"/>
+              </a:rPr>
+              <a:t> = new </a:t>
+            </a:r>
+            <a:r>
+              <a:rPr lang="en-US" b="0" i="0" dirty="0" err="1">
+                <a:solidFill>
+                  <a:schemeClr val="tx1">
+                    <a:lumMod val="85000"/>
+                  </a:schemeClr>
+                </a:solidFill>
+                <a:effectLst/>
+                <a:latin typeface="Open Sans" panose="020B0606030504020204" pitchFamily="34" charset="0"/>
+              </a:rPr>
+              <a:t>BufferedReader</a:t>
+            </a:r>
+            <a:r>
+              <a:rPr lang="en-US" b="0" i="0" dirty="0">
+                <a:solidFill>
+                  <a:schemeClr val="tx1">
+                    <a:lumMod val="85000"/>
+                  </a:schemeClr>
+                </a:solidFill>
+                <a:effectLst/>
+                <a:latin typeface="Open Sans" panose="020B0606030504020204" pitchFamily="34" charset="0"/>
+              </a:rPr>
+              <a:t>(</a:t>
+            </a:r>
+            <a:r>
+              <a:rPr lang="en-US" b="0" i="0" dirty="0" err="1">
+                <a:solidFill>
+                  <a:schemeClr val="tx1">
+                    <a:lumMod val="85000"/>
+                  </a:schemeClr>
+                </a:solidFill>
+                <a:effectLst/>
+                <a:latin typeface="Open Sans" panose="020B0606030504020204" pitchFamily="34" charset="0"/>
+              </a:rPr>
+              <a:t>fr</a:t>
+            </a:r>
+            <a:r>
+              <a:rPr lang="en-US" b="0" i="0" dirty="0">
+                <a:solidFill>
+                  <a:schemeClr val="tx1">
+                    <a:lumMod val="85000"/>
+                  </a:schemeClr>
+                </a:solidFill>
+                <a:effectLst/>
+                <a:latin typeface="Open Sans" panose="020B0606030504020204" pitchFamily="34" charset="0"/>
+              </a:rPr>
+              <a:t>);</a:t>
+            </a:r>
+          </a:p>
+          <a:p>
+            <a:pPr algn="l"/>
+            <a:r>
+              <a:rPr lang="en-US" dirty="0">
+                <a:solidFill>
+                  <a:schemeClr val="tx1">
+                    <a:lumMod val="85000"/>
+                  </a:schemeClr>
+                </a:solidFill>
+                <a:latin typeface="Open Sans" panose="020B0606030504020204" pitchFamily="34" charset="0"/>
+              </a:rPr>
+              <a:t>	</a:t>
+            </a:r>
+            <a:r>
+              <a:rPr lang="en-US" b="0" i="0" dirty="0">
+                <a:solidFill>
+                  <a:schemeClr val="tx1">
+                    <a:lumMod val="85000"/>
+                  </a:schemeClr>
+                </a:solidFill>
+                <a:effectLst/>
+                <a:latin typeface="Open Sans" panose="020B0606030504020204" pitchFamily="34" charset="0"/>
+              </a:rPr>
+              <a:t>try {</a:t>
+            </a:r>
+          </a:p>
+          <a:p>
+            <a:pPr algn="l"/>
+            <a:r>
+              <a:rPr lang="en-US" dirty="0">
+                <a:solidFill>
+                  <a:schemeClr val="tx1">
+                    <a:lumMod val="85000"/>
+                  </a:schemeClr>
+                </a:solidFill>
+                <a:latin typeface="Open Sans" panose="020B0606030504020204" pitchFamily="34" charset="0"/>
+              </a:rPr>
+              <a:t>	   </a:t>
+            </a:r>
+            <a:r>
+              <a:rPr lang="en-US" b="0" i="0" dirty="0">
+                <a:solidFill>
+                  <a:schemeClr val="tx1">
+                    <a:lumMod val="85000"/>
+                  </a:schemeClr>
+                </a:solidFill>
+                <a:effectLst/>
+                <a:latin typeface="Open Sans" panose="020B0606030504020204" pitchFamily="34" charset="0"/>
+              </a:rPr>
+              <a:t>return </a:t>
+            </a:r>
+            <a:r>
+              <a:rPr lang="en-US" b="0" i="0" dirty="0" err="1">
+                <a:solidFill>
+                  <a:schemeClr val="tx1">
+                    <a:lumMod val="85000"/>
+                  </a:schemeClr>
+                </a:solidFill>
+                <a:effectLst/>
+                <a:latin typeface="Open Sans" panose="020B0606030504020204" pitchFamily="34" charset="0"/>
+              </a:rPr>
+              <a:t>br.readLine</a:t>
+            </a:r>
+            <a:r>
+              <a:rPr lang="en-US" b="0" i="0" dirty="0">
+                <a:solidFill>
+                  <a:schemeClr val="tx1">
+                    <a:lumMod val="85000"/>
+                  </a:schemeClr>
+                </a:solidFill>
+                <a:effectLst/>
+                <a:latin typeface="Open Sans" panose="020B0606030504020204" pitchFamily="34" charset="0"/>
+              </a:rPr>
+              <a:t>();</a:t>
+            </a:r>
+          </a:p>
+          <a:p>
+            <a:pPr algn="l"/>
+            <a:r>
+              <a:rPr lang="en-US" dirty="0">
+                <a:solidFill>
+                  <a:schemeClr val="tx1">
+                    <a:lumMod val="85000"/>
+                  </a:schemeClr>
+                </a:solidFill>
+                <a:latin typeface="Open Sans" panose="020B0606030504020204" pitchFamily="34" charset="0"/>
+              </a:rPr>
+              <a:t>	</a:t>
+            </a:r>
+            <a:r>
+              <a:rPr lang="en-US" b="0" i="0" dirty="0">
+                <a:solidFill>
+                  <a:schemeClr val="tx1">
+                    <a:lumMod val="85000"/>
+                  </a:schemeClr>
+                </a:solidFill>
+                <a:effectLst/>
+                <a:latin typeface="Open Sans" panose="020B0606030504020204" pitchFamily="34" charset="0"/>
+              </a:rPr>
+              <a:t>} finally {</a:t>
+            </a:r>
+          </a:p>
+          <a:p>
+            <a:pPr algn="l"/>
+            <a:r>
+              <a:rPr lang="en-US" dirty="0">
+                <a:solidFill>
+                  <a:schemeClr val="tx1">
+                    <a:lumMod val="85000"/>
+                  </a:schemeClr>
+                </a:solidFill>
+                <a:latin typeface="Open Sans" panose="020B0606030504020204" pitchFamily="34" charset="0"/>
+              </a:rPr>
+              <a:t>	   </a:t>
+            </a:r>
+            <a:r>
+              <a:rPr lang="en-US" b="0" i="0" dirty="0" err="1">
+                <a:solidFill>
+                  <a:schemeClr val="tx1">
+                    <a:lumMod val="85000"/>
+                  </a:schemeClr>
+                </a:solidFill>
+                <a:effectLst/>
+                <a:latin typeface="Open Sans" panose="020B0606030504020204" pitchFamily="34" charset="0"/>
+              </a:rPr>
+              <a:t>br.close</a:t>
+            </a:r>
+            <a:r>
+              <a:rPr lang="en-US" b="0" i="0" dirty="0">
+                <a:solidFill>
+                  <a:schemeClr val="tx1">
+                    <a:lumMod val="85000"/>
+                  </a:schemeClr>
+                </a:solidFill>
+                <a:effectLst/>
+                <a:latin typeface="Open Sans" panose="020B0606030504020204" pitchFamily="34" charset="0"/>
+              </a:rPr>
+              <a:t>();</a:t>
+            </a:r>
+          </a:p>
+          <a:p>
+            <a:pPr algn="l"/>
+            <a:r>
+              <a:rPr lang="en-US" dirty="0">
+                <a:solidFill>
+                  <a:schemeClr val="tx1">
+                    <a:lumMod val="85000"/>
+                  </a:schemeClr>
+                </a:solidFill>
+                <a:latin typeface="Open Sans" panose="020B0606030504020204" pitchFamily="34" charset="0"/>
+              </a:rPr>
+              <a:t>	   </a:t>
+            </a:r>
+            <a:r>
+              <a:rPr lang="en-US" b="0" i="0" dirty="0" err="1">
+                <a:solidFill>
+                  <a:schemeClr val="tx1">
+                    <a:lumMod val="85000"/>
+                  </a:schemeClr>
+                </a:solidFill>
+                <a:effectLst/>
+                <a:latin typeface="Open Sans" panose="020B0606030504020204" pitchFamily="34" charset="0"/>
+              </a:rPr>
+              <a:t>fr.close</a:t>
+            </a:r>
+            <a:r>
+              <a:rPr lang="en-US" b="0" i="0" dirty="0">
+                <a:solidFill>
+                  <a:schemeClr val="tx1">
+                    <a:lumMod val="85000"/>
+                  </a:schemeClr>
+                </a:solidFill>
+                <a:effectLst/>
+                <a:latin typeface="Open Sans" panose="020B0606030504020204" pitchFamily="34" charset="0"/>
+              </a:rPr>
+              <a:t>();</a:t>
+            </a:r>
+          </a:p>
+          <a:p>
+            <a:pPr algn="l"/>
+            <a:r>
+              <a:rPr lang="en-US" dirty="0">
+                <a:solidFill>
+                  <a:schemeClr val="tx1">
+                    <a:lumMod val="85000"/>
+                  </a:schemeClr>
+                </a:solidFill>
+                <a:latin typeface="Open Sans" panose="020B0606030504020204" pitchFamily="34" charset="0"/>
+              </a:rPr>
+              <a:t>	</a:t>
+            </a:r>
+            <a:r>
+              <a:rPr lang="en-US" b="0" i="0" dirty="0">
+                <a:solidFill>
+                  <a:schemeClr val="tx1">
+                    <a:lumMod val="85000"/>
+                  </a:schemeClr>
+                </a:solidFill>
+                <a:effectLst/>
+                <a:latin typeface="Open Sans" panose="020B0606030504020204" pitchFamily="34" charset="0"/>
+              </a:rPr>
+              <a:t>}</a:t>
+            </a:r>
+          </a:p>
+          <a:p>
+            <a:pPr algn="l"/>
+            <a:r>
+              <a:rPr lang="en-US" b="0" i="0" dirty="0">
+                <a:solidFill>
+                  <a:schemeClr val="tx1">
+                    <a:lumMod val="85000"/>
+                  </a:schemeClr>
+                </a:solidFill>
+                <a:effectLst/>
+                <a:latin typeface="Open Sans" panose="020B0606030504020204" pitchFamily="34" charset="0"/>
+              </a:rPr>
+              <a:t>   }</a:t>
+            </a:r>
+          </a:p>
+          <a:p>
+            <a:pPr marL="285750" indent="-285750" algn="l">
+              <a:buFont typeface="Arial" panose="020B0604020202020204" pitchFamily="34" charset="0"/>
+              <a:buChar char="•"/>
+            </a:pPr>
             <a:endParaRPr lang="en-US" b="0" i="0" dirty="0">
               <a:solidFill>
                 <a:schemeClr val="tx1">
@@ -6803,152 +8741,10 @@
             </a:endParaRPr>
           </a:p>
           <a:p>
-            <a:pPr algn="l"/>
-            <a:r>
-              <a:rPr lang="en-US" b="0" i="0" dirty="0">
-                <a:solidFill>
-                  <a:srgbClr val="00B0F0"/>
-                </a:solidFill>
-                <a:effectLst/>
-                <a:latin typeface="Open Sans" panose="020B0606030504020204" pitchFamily="34" charset="0"/>
-              </a:rPr>
-              <a:t>Primitive Data Type	Wrapper Class</a:t>
-            </a:r>
-          </a:p>
-          <a:p>
-            <a:pPr algn="l"/>
-            <a:r>
-              <a:rPr lang="en-US" b="0" i="0" dirty="0">
-                <a:solidFill>
-                  <a:schemeClr val="tx1">
-                    <a:lumMod val="85000"/>
-                  </a:schemeClr>
-                </a:solidFill>
-                <a:effectLst/>
-                <a:latin typeface="Open Sans" panose="020B0606030504020204" pitchFamily="34" charset="0"/>
-              </a:rPr>
-              <a:t>byte			Byte</a:t>
-            </a:r>
-          </a:p>
-          <a:p>
-            <a:pPr algn="l"/>
-            <a:r>
-              <a:rPr lang="en-US" b="0" i="0" dirty="0">
-                <a:solidFill>
-                  <a:schemeClr val="tx1">
-                    <a:lumMod val="85000"/>
-                  </a:schemeClr>
-                </a:solidFill>
-                <a:effectLst/>
-                <a:latin typeface="Open Sans" panose="020B0606030504020204" pitchFamily="34" charset="0"/>
-              </a:rPr>
-              <a:t>short			Short</a:t>
-            </a:r>
-          </a:p>
-          <a:p>
-            <a:pPr algn="l"/>
-            <a:r>
-              <a:rPr lang="en-US" b="0" i="0" dirty="0">
-                <a:solidFill>
-                  <a:schemeClr val="tx1">
-                    <a:lumMod val="85000"/>
-                  </a:schemeClr>
-                </a:solidFill>
-                <a:effectLst/>
-                <a:latin typeface="Open Sans" panose="020B0606030504020204" pitchFamily="34" charset="0"/>
-              </a:rPr>
-              <a:t>int			Integer</a:t>
-            </a:r>
-          </a:p>
-          <a:p>
-            <a:pPr algn="l"/>
-            <a:r>
-              <a:rPr lang="en-US" b="0" i="0" dirty="0">
-                <a:solidFill>
-                  <a:schemeClr val="tx1">
-                    <a:lumMod val="85000"/>
-                  </a:schemeClr>
-                </a:solidFill>
-                <a:effectLst/>
-                <a:latin typeface="Open Sans" panose="020B0606030504020204" pitchFamily="34" charset="0"/>
-              </a:rPr>
-              <a:t>long			Long</a:t>
-            </a:r>
-          </a:p>
-          <a:p>
-            <a:pPr algn="l"/>
-            <a:r>
-              <a:rPr lang="en-US" b="0" i="0" dirty="0">
-                <a:solidFill>
-                  <a:schemeClr val="tx1">
-                    <a:lumMod val="85000"/>
-                  </a:schemeClr>
-                </a:solidFill>
-                <a:effectLst/>
-                <a:latin typeface="Open Sans" panose="020B0606030504020204" pitchFamily="34" charset="0"/>
-              </a:rPr>
-              <a:t>float			Float</a:t>
-            </a:r>
-          </a:p>
-          <a:p>
-            <a:pPr algn="l"/>
-            <a:r>
-              <a:rPr lang="en-US" b="0" i="0" dirty="0">
-                <a:solidFill>
-                  <a:schemeClr val="tx1">
-                    <a:lumMod val="85000"/>
-                  </a:schemeClr>
-                </a:solidFill>
-                <a:effectLst/>
-                <a:latin typeface="Open Sans" panose="020B0606030504020204" pitchFamily="34" charset="0"/>
-              </a:rPr>
-              <a:t>double			Double</a:t>
-            </a:r>
-          </a:p>
-          <a:p>
-            <a:pPr algn="l"/>
-            <a:r>
-              <a:rPr lang="en-US" b="0" i="0" dirty="0" err="1">
-                <a:solidFill>
-                  <a:schemeClr val="tx1">
-                    <a:lumMod val="85000"/>
-                  </a:schemeClr>
-                </a:solidFill>
-                <a:effectLst/>
-                <a:latin typeface="Open Sans" panose="020B0606030504020204" pitchFamily="34" charset="0"/>
-              </a:rPr>
-              <a:t>boolean</a:t>
-            </a:r>
-            <a:r>
-              <a:rPr lang="en-US" b="0" i="0" dirty="0">
-                <a:solidFill>
-                  <a:schemeClr val="tx1">
-                    <a:lumMod val="85000"/>
-                  </a:schemeClr>
-                </a:solidFill>
-                <a:effectLst/>
-                <a:latin typeface="Open Sans" panose="020B0606030504020204" pitchFamily="34" charset="0"/>
-              </a:rPr>
-              <a:t>			Boolean</a:t>
-            </a:r>
-          </a:p>
-          <a:p>
-            <a:pPr algn="l"/>
-            <a:r>
-              <a:rPr lang="en-US" b="0" i="0" dirty="0">
-                <a:solidFill>
-                  <a:schemeClr val="tx1">
-                    <a:lumMod val="85000"/>
-                  </a:schemeClr>
-                </a:solidFill>
-                <a:effectLst/>
-                <a:latin typeface="Open Sans" panose="020B0606030504020204" pitchFamily="34" charset="0"/>
-              </a:rPr>
-              <a:t>char			Character</a:t>
-            </a:r>
-          </a:p>
-          <a:p>
-            <a:pPr algn="l"/>
+            <a:pPr marL="285750" indent="-285750" algn="l">
+              <a:buFont typeface="Arial" panose="020B0604020202020204" pitchFamily="34" charset="0"/>
+              <a:buChar char="•"/>
+            </a:pPr>
             <a:endParaRPr lang="en-US" b="0" i="0" dirty="0">
               <a:solidFill>
                 <a:schemeClr val="tx1">
@@ -6959,51 +8755,12 @@
               <a:latin typeface="Open Sans" panose="020B0606030504020204" pitchFamily="34" charset="0"/>
             </a:endParaRPr>
           </a:p>
-          <a:p>
-            <a:pPr algn="l"/>
-            <a:r>
-              <a:rPr lang="en-US" b="0" i="0" dirty="0">
-                <a:solidFill>
-                  <a:schemeClr val="tx1">
-                    <a:lumMod val="85000"/>
-                  </a:schemeClr>
-                </a:solidFill>
-                <a:effectLst/>
-                <a:latin typeface="Open Sans" panose="020B0606030504020204" pitchFamily="34" charset="0"/>
-              </a:rPr>
-              <a:t>Sometimes you must use wrapper classes, for example when working with Collection objects, such as </a:t>
-            </a:r>
-            <a:r>
-              <a:rPr lang="en-US" b="0" i="0" dirty="0" err="1">
-                <a:solidFill>
-                  <a:schemeClr val="tx1">
-                    <a:lumMod val="85000"/>
-                  </a:schemeClr>
-                </a:solidFill>
-                <a:effectLst/>
-                <a:latin typeface="Open Sans" panose="020B0606030504020204" pitchFamily="34" charset="0"/>
-              </a:rPr>
-              <a:t>ArrayList</a:t>
-            </a:r>
-            <a:r>
-              <a:rPr lang="en-US" b="0" i="0" dirty="0">
-                <a:solidFill>
-                  <a:schemeClr val="tx1">
-                    <a:lumMod val="85000"/>
-                  </a:schemeClr>
-                </a:solidFill>
-                <a:effectLst/>
-                <a:latin typeface="Open Sans" panose="020B0606030504020204" pitchFamily="34" charset="0"/>
-              </a:rPr>
-              <a:t>, where primitive types cannot be used (the list can only store objects):</a:t>
-            </a:r>
-          </a:p>
         </p:txBody>
       </p:sp>
     </p:spTree>
     <p:extLst>
       <p:ext uri="{BB962C8B-B14F-4D97-AF65-F5344CB8AC3E}">
-        <p14:creationId xmlns:p14="http://schemas.microsoft.com/office/powerpoint/2010/main" val="1538833485"/>
+        <p14:creationId xmlns:p14="http://schemas.microsoft.com/office/powerpoint/2010/main" val="3976039359"/>
       </p:ext>
     </p:extLst>
   </p:cSld>
@@ -7013,7 +8770,7 @@
 </p:sld>
 </file>
 
-<file path=ppt/slides/slide13.xml><?xml version="1.0" encoding="utf-8"?>
+<file path=ppt/slides/slide15.xml><?xml version="1.0" encoding="utf-8"?>
 <p:sld xmlns:a="http://schemas.openxmlformats.org/drawingml/2006/main" xmlns:r="http://schemas.openxmlformats.org/officeDocument/2006/relationships" xmlns:p="http://schemas.openxmlformats.org/presentationml/2006/main">
   <p:cSld>
     <p:spTree>
@@ -7092,7 +8849,7 @@
                 <a:ea typeface="+mn-ea"/>
                 <a:cs typeface="+mn-cs"/>
               </a:rPr>
-              <a:t>Menu-Driven Applications</a:t>
+              <a:t>Interfaces</a:t>
             </a:r>
           </a:p>
         </p:txBody>
@@ -7110,7 +8867,437 @@
 </p:sld>
 </file>
 
-<file path=ppt/slides/slide14.xml><?xml version="1.0" encoding="utf-8"?>
+<file path=ppt/slides/slide16.xml><?xml version="1.0" encoding="utf-8"?>
+<p:sld xmlns:a="http://schemas.openxmlformats.org/drawingml/2006/main" xmlns:r="http://schemas.openxmlformats.org/officeDocument/2006/relationships" xmlns:p="http://schemas.openxmlformats.org/presentationml/2006/main">
+  <p:cSld>
+    <p:spTree>
+      <p:nvGrpSpPr>
+        <p:cNvPr id="1" name=""/>
+        <p:cNvGrpSpPr/>
+        <p:nvPr/>
+      </p:nvGrpSpPr>
+      <p:grpSpPr>
+        <a:xfrm>
+          <a:off x="0" y="0"/>
+          <a:ext cx="0" cy="0"/>
+          <a:chOff x="0" y="0"/>
+          <a:chExt cx="0" cy="0"/>
+        </a:xfrm>
+      </p:grpSpPr>
+      <p:sp>
+        <p:nvSpPr>
+          <p:cNvPr id="6" name="TextBox 5">
+            <a:extLst>
+              <a:ext uri="{FF2B5EF4-FFF2-40B4-BE49-F238E27FC236}">
+                <a16:creationId xmlns:a16="http://schemas.microsoft.com/office/drawing/2014/main" id="{59E906CD-110B-9D01-732C-2F21759B0265}"/>
+              </a:ext>
+            </a:extLst>
+          </p:cNvPr>
+          <p:cNvSpPr txBox="1"/>
+          <p:nvPr/>
+        </p:nvSpPr>
+        <p:spPr>
+          <a:xfrm>
+            <a:off x="193250" y="91915"/>
+            <a:ext cx="8256355" cy="461665"/>
+          </a:xfrm>
+          <a:prstGeom prst="rect">
+            <a:avLst/>
+          </a:prstGeom>
+          <a:noFill/>
+        </p:spPr>
+        <p:txBody>
+          <a:bodyPr wrap="square">
+            <a:spAutoFit/>
+          </a:bodyPr>
+          <a:lstStyle/>
+          <a:p>
+            <a:pPr algn="l"/>
+            <a:r>
+              <a:rPr lang="en-US" sz="2400" b="1" dirty="0">
+                <a:solidFill>
+                  <a:srgbClr val="00B050"/>
+                </a:solidFill>
+                <a:effectLst/>
+                <a:latin typeface="Open Sans" panose="020B0606030504020204" pitchFamily="34" charset="0"/>
+              </a:rPr>
+              <a:t>Interfaces</a:t>
+            </a:r>
+          </a:p>
+        </p:txBody>
+      </p:sp>
+      <p:sp>
+        <p:nvSpPr>
+          <p:cNvPr id="4" name="TextBox 3">
+            <a:extLst>
+              <a:ext uri="{FF2B5EF4-FFF2-40B4-BE49-F238E27FC236}">
+                <a16:creationId xmlns:a16="http://schemas.microsoft.com/office/drawing/2014/main" id="{C0B26727-0F97-5A73-B4ED-6BE65E07E5DB}"/>
+              </a:ext>
+            </a:extLst>
+          </p:cNvPr>
+          <p:cNvSpPr txBox="1"/>
+          <p:nvPr/>
+        </p:nvSpPr>
+        <p:spPr>
+          <a:xfrm>
+            <a:off x="176169" y="729420"/>
+            <a:ext cx="11931637" cy="3416320"/>
+          </a:xfrm>
+          <a:prstGeom prst="rect">
+            <a:avLst/>
+          </a:prstGeom>
+          <a:noFill/>
+        </p:spPr>
+        <p:txBody>
+          <a:bodyPr wrap="square">
+            <a:spAutoFit/>
+          </a:bodyPr>
+          <a:lstStyle/>
+          <a:p>
+            <a:r>
+              <a:rPr lang="en-US" dirty="0">
+                <a:solidFill>
+                  <a:schemeClr val="tx1">
+                    <a:lumMod val="85000"/>
+                  </a:schemeClr>
+                </a:solidFill>
+                <a:latin typeface="Open Sans" panose="020B0606030504020204" pitchFamily="34" charset="0"/>
+                <a:ea typeface="Open Sans" panose="020B0606030504020204" pitchFamily="34" charset="0"/>
+                <a:cs typeface="Open Sans" panose="020B0606030504020204" pitchFamily="34" charset="0"/>
+              </a:rPr>
+              <a:t>What Is an Interface?</a:t>
+            </a:r>
+          </a:p>
+          <a:p>
+            <a:r>
+              <a:rPr lang="en-US" dirty="0">
+                <a:solidFill>
+                  <a:srgbClr val="00B0F0"/>
+                </a:solidFill>
+                <a:latin typeface="Open Sans" panose="020B0606030504020204" pitchFamily="34" charset="0"/>
+                <a:ea typeface="Open Sans" panose="020B0606030504020204" pitchFamily="34" charset="0"/>
+                <a:cs typeface="Open Sans" panose="020B0606030504020204" pitchFamily="34" charset="0"/>
+              </a:rPr>
+              <a:t>An interface is a contract between a class and the outside world. </a:t>
+            </a:r>
+            <a:r>
+              <a:rPr lang="en-US" dirty="0">
+                <a:solidFill>
+                  <a:schemeClr val="tx1">
+                    <a:lumMod val="85000"/>
+                  </a:schemeClr>
+                </a:solidFill>
+                <a:latin typeface="Open Sans" panose="020B0606030504020204" pitchFamily="34" charset="0"/>
+                <a:ea typeface="Open Sans" panose="020B0606030504020204" pitchFamily="34" charset="0"/>
+                <a:cs typeface="Open Sans" panose="020B0606030504020204" pitchFamily="34" charset="0"/>
+              </a:rPr>
+              <a:t>When a class implements an interface, it promises to provide the behavior published by that interface</a:t>
+            </a:r>
+          </a:p>
+          <a:p>
+            <a:endParaRPr lang="en-US" dirty="0">
+              <a:solidFill>
+                <a:schemeClr val="tx1">
+                  <a:lumMod val="85000"/>
+                </a:schemeClr>
+              </a:solidFill>
+              <a:latin typeface="Open Sans" panose="020B0606030504020204" pitchFamily="34" charset="0"/>
+              <a:ea typeface="Open Sans" panose="020B0606030504020204" pitchFamily="34" charset="0"/>
+              <a:cs typeface="Open Sans" panose="020B0606030504020204" pitchFamily="34" charset="0"/>
+            </a:endParaRPr>
+          </a:p>
+          <a:p>
+            <a:r>
+              <a:rPr lang="en-US" dirty="0">
+                <a:solidFill>
+                  <a:schemeClr val="tx1">
+                    <a:lumMod val="85000"/>
+                  </a:schemeClr>
+                </a:solidFill>
+                <a:latin typeface="Open Sans" panose="020B0606030504020204" pitchFamily="34" charset="0"/>
+                <a:ea typeface="Open Sans" panose="020B0606030504020204" pitchFamily="34" charset="0"/>
+                <a:cs typeface="Open Sans" panose="020B0606030504020204" pitchFamily="34" charset="0"/>
+              </a:rPr>
+              <a:t>An interface is a completely "abstract class" that is used to group related methods with empty bodies:</a:t>
+            </a:r>
+          </a:p>
+          <a:p>
+            <a:endParaRPr lang="en-US" dirty="0">
+              <a:solidFill>
+                <a:schemeClr val="tx1">
+                  <a:lumMod val="85000"/>
+                </a:schemeClr>
+              </a:solidFill>
+              <a:latin typeface="Open Sans" panose="020B0606030504020204" pitchFamily="34" charset="0"/>
+              <a:ea typeface="Open Sans" panose="020B0606030504020204" pitchFamily="34" charset="0"/>
+              <a:cs typeface="Open Sans" panose="020B0606030504020204" pitchFamily="34" charset="0"/>
+            </a:endParaRPr>
+          </a:p>
+          <a:p>
+            <a:r>
+              <a:rPr lang="en-US" b="0" i="0" dirty="0">
+                <a:solidFill>
+                  <a:schemeClr val="tx1">
+                    <a:lumMod val="85000"/>
+                  </a:schemeClr>
+                </a:solidFill>
+                <a:effectLst/>
+                <a:latin typeface="Open Sans" panose="020B0606030504020204" pitchFamily="34" charset="0"/>
+                <a:ea typeface="Open Sans" panose="020B0606030504020204" pitchFamily="34" charset="0"/>
+                <a:cs typeface="Open Sans" panose="020B0606030504020204" pitchFamily="34" charset="0"/>
+              </a:rPr>
+              <a:t>To access the interface methods, the interface must be "implemented" (</a:t>
+            </a:r>
+            <a:r>
+              <a:rPr lang="en-US" b="0" i="0" dirty="0" err="1">
+                <a:solidFill>
+                  <a:schemeClr val="tx1">
+                    <a:lumMod val="85000"/>
+                  </a:schemeClr>
+                </a:solidFill>
+                <a:effectLst/>
+                <a:latin typeface="Open Sans" panose="020B0606030504020204" pitchFamily="34" charset="0"/>
+                <a:ea typeface="Open Sans" panose="020B0606030504020204" pitchFamily="34" charset="0"/>
+                <a:cs typeface="Open Sans" panose="020B0606030504020204" pitchFamily="34" charset="0"/>
+              </a:rPr>
+              <a:t>kinda</a:t>
+            </a:r>
+            <a:r>
+              <a:rPr lang="en-US" b="0" i="0" dirty="0">
+                <a:solidFill>
+                  <a:schemeClr val="tx1">
+                    <a:lumMod val="85000"/>
+                  </a:schemeClr>
+                </a:solidFill>
+                <a:effectLst/>
+                <a:latin typeface="Open Sans" panose="020B0606030504020204" pitchFamily="34" charset="0"/>
+                <a:ea typeface="Open Sans" panose="020B0606030504020204" pitchFamily="34" charset="0"/>
+                <a:cs typeface="Open Sans" panose="020B0606030504020204" pitchFamily="34" charset="0"/>
+              </a:rPr>
+              <a:t> like inherited) by another class with the implements keyword (instead of extends). The </a:t>
+            </a:r>
+            <a:r>
+              <a:rPr lang="en-US" b="0" i="0" dirty="0">
+                <a:solidFill>
+                  <a:srgbClr val="00B0F0"/>
+                </a:solidFill>
+                <a:effectLst/>
+                <a:latin typeface="Open Sans" panose="020B0606030504020204" pitchFamily="34" charset="0"/>
+                <a:ea typeface="Open Sans" panose="020B0606030504020204" pitchFamily="34" charset="0"/>
+                <a:cs typeface="Open Sans" panose="020B0606030504020204" pitchFamily="34" charset="0"/>
+              </a:rPr>
+              <a:t>body of the interface method is provided by the "implemented" class</a:t>
+            </a:r>
+          </a:p>
+          <a:p>
+            <a:endParaRPr lang="en-US" dirty="0">
+              <a:solidFill>
+                <a:srgbClr val="00B0F0"/>
+              </a:solidFill>
+              <a:latin typeface="Open Sans" panose="020B0606030504020204" pitchFamily="34" charset="0"/>
+              <a:ea typeface="Open Sans" panose="020B0606030504020204" pitchFamily="34" charset="0"/>
+              <a:cs typeface="Open Sans" panose="020B0606030504020204" pitchFamily="34" charset="0"/>
+            </a:endParaRPr>
+          </a:p>
+          <a:p>
+            <a:r>
+              <a:rPr lang="en-US" b="0" i="0" dirty="0">
+                <a:solidFill>
+                  <a:srgbClr val="00B0F0"/>
+                </a:solidFill>
+                <a:effectLst/>
+                <a:latin typeface="Open Sans" panose="020B0606030504020204" pitchFamily="34" charset="0"/>
+                <a:ea typeface="Open Sans" panose="020B0606030504020204" pitchFamily="34" charset="0"/>
+                <a:cs typeface="Open Sans" panose="020B0606030504020204" pitchFamily="34" charset="0"/>
+              </a:rPr>
+              <a:t>Classes can implement </a:t>
+            </a:r>
+            <a:r>
+              <a:rPr lang="en-US" b="0" i="0">
+                <a:solidFill>
+                  <a:srgbClr val="00B0F0"/>
+                </a:solidFill>
+                <a:effectLst/>
+                <a:latin typeface="Open Sans" panose="020B0606030504020204" pitchFamily="34" charset="0"/>
+                <a:ea typeface="Open Sans" panose="020B0606030504020204" pitchFamily="34" charset="0"/>
+                <a:cs typeface="Open Sans" panose="020B0606030504020204" pitchFamily="34" charset="0"/>
+              </a:rPr>
+              <a:t>multiple interfaces</a:t>
+            </a:r>
+            <a:endParaRPr lang="en-US" b="0" i="0" dirty="0">
+              <a:solidFill>
+                <a:schemeClr val="tx1">
+                  <a:lumMod val="85000"/>
+                </a:schemeClr>
+              </a:solidFill>
+              <a:effectLst/>
+              <a:latin typeface="Open Sans" panose="020B0606030504020204" pitchFamily="34" charset="0"/>
+              <a:ea typeface="Open Sans" panose="020B0606030504020204" pitchFamily="34" charset="0"/>
+              <a:cs typeface="Open Sans" panose="020B0606030504020204" pitchFamily="34" charset="0"/>
+            </a:endParaRPr>
+          </a:p>
+          <a:p>
+            <a:endParaRPr lang="en-US" b="0" i="0" dirty="0">
+              <a:solidFill>
+                <a:schemeClr val="tx1">
+                  <a:lumMod val="85000"/>
+                </a:schemeClr>
+              </a:solidFill>
+              <a:effectLst/>
+              <a:latin typeface="Open Sans" panose="020B0606030504020204" pitchFamily="34" charset="0"/>
+            </a:endParaRPr>
+          </a:p>
+        </p:txBody>
+      </p:sp>
+      <p:sp>
+        <p:nvSpPr>
+          <p:cNvPr id="5" name="TextBox 4">
+            <a:extLst>
+              <a:ext uri="{FF2B5EF4-FFF2-40B4-BE49-F238E27FC236}">
+                <a16:creationId xmlns:a16="http://schemas.microsoft.com/office/drawing/2014/main" id="{20F6CBEF-9110-814A-F1E8-8EDD591B1904}"/>
+              </a:ext>
+            </a:extLst>
+          </p:cNvPr>
+          <p:cNvSpPr txBox="1"/>
+          <p:nvPr/>
+        </p:nvSpPr>
+        <p:spPr>
+          <a:xfrm>
+            <a:off x="4698072" y="6345767"/>
+            <a:ext cx="7333507" cy="369332"/>
+          </a:xfrm>
+          <a:prstGeom prst="rect">
+            <a:avLst/>
+          </a:prstGeom>
+          <a:noFill/>
+        </p:spPr>
+        <p:txBody>
+          <a:bodyPr wrap="square">
+            <a:spAutoFit/>
+          </a:bodyPr>
+          <a:lstStyle/>
+          <a:p>
+            <a:r>
+              <a:rPr lang="en-US" dirty="0">
+                <a:hlinkClick r:id="rId2"/>
+              </a:rPr>
+              <a:t>https://github.com/ckiefriter1/Java-Code-Examples/tree/main/src/interfaces</a:t>
+            </a:r>
+            <a:endParaRPr lang="en-US" dirty="0"/>
+          </a:p>
+        </p:txBody>
+      </p:sp>
+    </p:spTree>
+    <p:extLst>
+      <p:ext uri="{BB962C8B-B14F-4D97-AF65-F5344CB8AC3E}">
+        <p14:creationId xmlns:p14="http://schemas.microsoft.com/office/powerpoint/2010/main" val="3551399501"/>
+      </p:ext>
+    </p:extLst>
+  </p:cSld>
+  <p:clrMapOvr>
+    <a:masterClrMapping/>
+  </p:clrMapOvr>
+</p:sld>
+</file>
+
+<file path=ppt/slides/slide17.xml><?xml version="1.0" encoding="utf-8"?>
+<p:sld xmlns:a="http://schemas.openxmlformats.org/drawingml/2006/main" xmlns:r="http://schemas.openxmlformats.org/officeDocument/2006/relationships" xmlns:p="http://schemas.openxmlformats.org/presentationml/2006/main">
+  <p:cSld>
+    <p:spTree>
+      <p:nvGrpSpPr>
+        <p:cNvPr id="1" name=""/>
+        <p:cNvGrpSpPr/>
+        <p:nvPr/>
+      </p:nvGrpSpPr>
+      <p:grpSpPr>
+        <a:xfrm>
+          <a:off x="0" y="0"/>
+          <a:ext cx="0" cy="0"/>
+          <a:chOff x="0" y="0"/>
+          <a:chExt cx="0" cy="0"/>
+        </a:xfrm>
+      </p:grpSpPr>
+      <p:sp>
+        <p:nvSpPr>
+          <p:cNvPr id="3" name="TextBox 2">
+            <a:extLst>
+              <a:ext uri="{FF2B5EF4-FFF2-40B4-BE49-F238E27FC236}">
+                <a16:creationId xmlns:a16="http://schemas.microsoft.com/office/drawing/2014/main" id="{23DFC7E9-54DD-38D7-0B9B-D34948D68CF9}"/>
+              </a:ext>
+            </a:extLst>
+          </p:cNvPr>
+          <p:cNvSpPr txBox="1"/>
+          <p:nvPr/>
+        </p:nvSpPr>
+        <p:spPr>
+          <a:xfrm>
+            <a:off x="1065401" y="2618895"/>
+            <a:ext cx="9538284" cy="1015663"/>
+          </a:xfrm>
+          <a:prstGeom prst="rect">
+            <a:avLst/>
+          </a:prstGeom>
+          <a:noFill/>
+        </p:spPr>
+        <p:txBody>
+          <a:bodyPr wrap="square">
+            <a:spAutoFit/>
+          </a:bodyPr>
+          <a:lstStyle/>
+          <a:p>
+            <a:pPr marL="0" marR="0" lvl="0" indent="0" algn="l" defTabSz="914400" rtl="0" eaLnBrk="1" fontAlgn="auto" latinLnBrk="0" hangingPunct="1">
+              <a:lnSpc>
+                <a:spcPct val="100000"/>
+              </a:lnSpc>
+              <a:spcBef>
+                <a:spcPts val="0"/>
+              </a:spcBef>
+              <a:spcAft>
+                <a:spcPts val="0"/>
+              </a:spcAft>
+              <a:buClrTx/>
+              <a:buSzTx/>
+              <a:buFontTx/>
+              <a:buNone/>
+              <a:tabLst/>
+              <a:defRPr/>
+            </a:pPr>
+            <a:r>
+              <a:rPr kumimoji="0" lang="en-US" sz="6000" b="0" i="0" u="none" strike="noStrike" kern="1200" cap="none" spc="0" normalizeH="0" baseline="0" noProof="0" dirty="0">
+                <a:ln>
+                  <a:noFill/>
+                </a:ln>
+                <a:solidFill>
+                  <a:prstClr val="white">
+                    <a:lumMod val="75000"/>
+                  </a:prstClr>
+                </a:solidFill>
+                <a:effectLst/>
+                <a:uLnTx/>
+                <a:uFillTx/>
+                <a:latin typeface="Open Sans" panose="020B0606030504020204" pitchFamily="34" charset="0"/>
+                <a:ea typeface="+mn-ea"/>
+                <a:cs typeface="+mn-cs"/>
+              </a:rPr>
+              <a:t>OOP Menu Example</a:t>
+            </a:r>
+          </a:p>
+        </p:txBody>
+      </p:sp>
+    </p:spTree>
+    <p:extLst>
+      <p:ext uri="{BB962C8B-B14F-4D97-AF65-F5344CB8AC3E}">
+        <p14:creationId xmlns:p14="http://schemas.microsoft.com/office/powerpoint/2010/main" val="4183596226"/>
+      </p:ext>
+    </p:extLst>
+  </p:cSld>
+  <p:clrMapOvr>
+    <a:masterClrMapping/>
+  </p:clrMapOvr>
+</p:sld>
+</file>
+
+<file path=ppt/slides/slide18.xml><?xml version="1.0" encoding="utf-8"?>
 <p:sld xmlns:a="http://schemas.openxmlformats.org/drawingml/2006/main" xmlns:r="http://schemas.openxmlformats.org/officeDocument/2006/relationships" xmlns:p="http://schemas.openxmlformats.org/presentationml/2006/main">
   <p:cSld>
     <p:spTree>
@@ -7190,7 +9377,7 @@
         <p:spPr>
           <a:xfrm>
             <a:off x="240935" y="539403"/>
-            <a:ext cx="11612709" cy="6186309"/>
+            <a:ext cx="11612709" cy="646331"/>
           </a:xfrm>
           <a:prstGeom prst="rect">
             <a:avLst/>
@@ -7214,106 +9401,8 @@
                 <a:effectLst/>
                 <a:latin typeface="Open Sans" panose="020B0606030504020204" pitchFamily="34" charset="0"/>
               </a:rPr>
-              <a:t>Menu-driven Applications</a:t>
-            </a:r>
-            <a:r>
-              <a:rPr lang="en-US" b="0" i="0" dirty="0">
-                <a:solidFill>
-                  <a:schemeClr val="tx1">
-                    <a:lumMod val="85000"/>
-                  </a:schemeClr>
-                </a:solidFill>
-                <a:effectLst/>
-                <a:latin typeface="Open Sans" panose="020B0606030504020204" pitchFamily="34" charset="0"/>
-              </a:rPr>
-              <a:t> are very useful in the coding world.  </a:t>
-            </a:r>
-            <a:r>
-              <a:rPr lang="en-US" b="0" i="0" dirty="0">
-                <a:solidFill>
-                  <a:srgbClr val="00B0F0"/>
-                </a:solidFill>
-                <a:effectLst/>
-                <a:latin typeface="Open Sans" panose="020B0606030504020204" pitchFamily="34" charset="0"/>
-              </a:rPr>
-              <a:t>They allow a program to receive data directly from a user.  </a:t>
-            </a:r>
-            <a:r>
-              <a:rPr lang="en-US" b="0" i="0" dirty="0">
-                <a:solidFill>
-                  <a:schemeClr val="tx1">
-                    <a:lumMod val="85000"/>
-                  </a:schemeClr>
-                </a:solidFill>
-                <a:effectLst/>
-                <a:latin typeface="Open Sans" panose="020B0606030504020204" pitchFamily="34" charset="0"/>
-              </a:rPr>
-              <a:t>The user is provided a menu, and then is instructed to select an option from that menu.  The chosen option will be used by the program to execute a code path (or branch) specific to that option.</a:t>
-            </a:r>
-          </a:p>
-          <a:p>
-            <a:pPr algn="l"/>
-            <a:r>
-              <a:rPr lang="en-US" b="0" i="0" dirty="0">
-                <a:solidFill>
-                  <a:schemeClr val="tx1">
-                    <a:lumMod val="85000"/>
-                  </a:schemeClr>
-                </a:solidFill>
-                <a:effectLst/>
-                <a:latin typeface="Open Sans" panose="020B0606030504020204" pitchFamily="34" charset="0"/>
-              </a:rPr>
-              <a:t>In the Back End, the menus we create are text based.  Adding a Client, or Front End program, which reads in user data, and then communicates to a Back End Server could provide a graphical user interface for the Menu.</a:t>
-            </a:r>
-          </a:p>
-          <a:p>
-            <a:pPr algn="l"/>
-            <a:r>
-              <a:rPr lang="en-US" b="1" i="0" dirty="0">
-                <a:solidFill>
-                  <a:schemeClr val="tx1">
-                    <a:lumMod val="85000"/>
-                  </a:schemeClr>
-                </a:solidFill>
-                <a:effectLst/>
-                <a:latin typeface="Open Sans" panose="020B0606030504020204" pitchFamily="34" charset="0"/>
-              </a:rPr>
-              <a:t>Menu-driven applications</a:t>
-            </a:r>
-            <a:r>
-              <a:rPr lang="en-US" b="0" i="0" dirty="0">
-                <a:solidFill>
-                  <a:schemeClr val="tx1">
-                    <a:lumMod val="85000"/>
-                  </a:schemeClr>
-                </a:solidFill>
-                <a:effectLst/>
-                <a:latin typeface="Open Sans" panose="020B0606030504020204" pitchFamily="34" charset="0"/>
-              </a:rPr>
-              <a:t> are used in a variety of industries, including but not limited to computing, application development, banking (ATMs), websites, tablets, self-guided machines, word-processors, gaming, and more</a:t>
-            </a:r>
-            <a:br>
-              <a:rPr lang="en-US" b="0" i="0" dirty="0">
-                <a:solidFill>
-                  <a:schemeClr val="tx1">
-                    <a:lumMod val="85000"/>
-                  </a:schemeClr>
-                </a:solidFill>
-                <a:effectLst/>
-                <a:latin typeface="Open Sans" panose="020B0606030504020204" pitchFamily="34" charset="0"/>
-              </a:rPr>
-            </a:br>
-            <a:br>
-              <a:rPr lang="en-US" b="1" i="0" dirty="0">
-                <a:solidFill>
-                  <a:schemeClr val="tx1">
-                    <a:lumMod val="85000"/>
-                  </a:schemeClr>
-                </a:solidFill>
-                <a:effectLst/>
-                <a:latin typeface="Open Sans" panose="020B0606030504020204" pitchFamily="34" charset="0"/>
-              </a:rPr>
-            </a:br>
+              <a:t>TBD</a:t>
+            </a:r>
             <a:endParaRPr lang="en-US" b="0" i="0" dirty="0">
               <a:solidFill>
                 <a:schemeClr val="tx1">
@@ -7323,191 +9412,6 @@
               <a:effectLst/>
               <a:latin typeface="Open Sans" panose="020B0606030504020204" pitchFamily="34" charset="0"/>
             </a:endParaRPr>
-          </a:p>
-          <a:p>
-            <a:pPr algn="l"/>
-            <a:r>
-              <a:rPr lang="en-US" b="1" i="0" u="sng" dirty="0">
-                <a:solidFill>
-                  <a:schemeClr val="tx1">
-                    <a:lumMod val="85000"/>
-                  </a:schemeClr>
-                </a:solidFill>
-                <a:effectLst/>
-                <a:latin typeface="Open Sans" panose="020B0606030504020204" pitchFamily="34" charset="0"/>
-              </a:rPr>
-              <a:t>Menu-Driven Application</a:t>
-            </a:r>
-            <a:r>
-              <a:rPr lang="en-US" b="0" i="0" dirty="0">
-                <a:solidFill>
-                  <a:schemeClr val="tx1">
-                    <a:lumMod val="85000"/>
-                  </a:schemeClr>
-                </a:solidFill>
-                <a:effectLst/>
-                <a:latin typeface="Open Sans" panose="020B0606030504020204" pitchFamily="34" charset="0"/>
-              </a:rPr>
-              <a:t>:</a:t>
-            </a:r>
-          </a:p>
-          <a:p>
-            <a:pPr algn="l"/>
-            <a:r>
-              <a:rPr lang="en-US" b="0" i="0" u="sng" dirty="0">
-                <a:solidFill>
-                  <a:schemeClr val="tx1">
-                    <a:lumMod val="85000"/>
-                  </a:schemeClr>
-                </a:solidFill>
-                <a:effectLst/>
-                <a:latin typeface="Open Sans" panose="020B0606030504020204" pitchFamily="34" charset="0"/>
-              </a:rPr>
-              <a:t>Advantages</a:t>
-            </a:r>
-            <a:r>
-              <a:rPr lang="en-US" b="0" i="0" dirty="0">
-                <a:solidFill>
-                  <a:schemeClr val="tx1">
-                    <a:lumMod val="85000"/>
-                  </a:schemeClr>
-                </a:solidFill>
-                <a:effectLst/>
-                <a:latin typeface="Open Sans" panose="020B0606030504020204" pitchFamily="34" charset="0"/>
-              </a:rPr>
-              <a:t>:</a:t>
-            </a:r>
-          </a:p>
-          <a:p>
-            <a:pPr algn="l">
-              <a:buFont typeface="Arial" panose="020B0604020202020204" pitchFamily="34" charset="0"/>
-              <a:buChar char="•"/>
-            </a:pPr>
-            <a:r>
-              <a:rPr lang="en-US" b="0" i="0" dirty="0">
-                <a:solidFill>
-                  <a:schemeClr val="tx1">
-                    <a:lumMod val="85000"/>
-                  </a:schemeClr>
-                </a:solidFill>
-                <a:effectLst/>
-                <a:latin typeface="Open Sans" panose="020B0606030504020204" pitchFamily="34" charset="0"/>
-              </a:rPr>
-              <a:t>User-friendly</a:t>
-            </a:r>
-          </a:p>
-          <a:p>
-            <a:pPr algn="l"/>
-            <a:r>
-              <a:rPr lang="en-US" b="0" i="0" dirty="0">
-                <a:solidFill>
-                  <a:schemeClr val="tx1">
-                    <a:lumMod val="85000"/>
-                  </a:schemeClr>
-                </a:solidFill>
-                <a:effectLst/>
-                <a:latin typeface="Open Sans" panose="020B0606030504020204" pitchFamily="34" charset="0"/>
-              </a:rPr>
-              <a:t>- Provide guidance to the user</a:t>
-            </a:r>
-          </a:p>
-          <a:p>
-            <a:pPr algn="l"/>
-            <a:r>
-              <a:rPr lang="en-US" b="0" i="0" dirty="0">
-                <a:solidFill>
-                  <a:schemeClr val="tx1">
-                    <a:lumMod val="85000"/>
-                  </a:schemeClr>
-                </a:solidFill>
-                <a:effectLst/>
-                <a:latin typeface="Open Sans" panose="020B0606030504020204" pitchFamily="34" charset="0"/>
-              </a:rPr>
-              <a:t>- No need for a user to remember commands</a:t>
-            </a:r>
-          </a:p>
-          <a:p>
-            <a:pPr algn="l">
-              <a:buFont typeface="Arial" panose="020B0604020202020204" pitchFamily="34" charset="0"/>
-              <a:buChar char="•"/>
-            </a:pPr>
-            <a:r>
-              <a:rPr lang="en-US" b="0" i="0" dirty="0">
-                <a:solidFill>
-                  <a:schemeClr val="tx1">
-                    <a:lumMod val="85000"/>
-                  </a:schemeClr>
-                </a:solidFill>
-                <a:effectLst/>
-                <a:latin typeface="Open Sans" panose="020B0606030504020204" pitchFamily="34" charset="0"/>
-              </a:rPr>
-              <a:t>Allow a user to control how and in what order a program executes</a:t>
-            </a:r>
-            <a:br>
-              <a:rPr lang="en-US" b="0" i="0" dirty="0">
-                <a:solidFill>
-                  <a:schemeClr val="tx1">
-                    <a:lumMod val="85000"/>
-                  </a:schemeClr>
-                </a:solidFill>
-                <a:effectLst/>
-                <a:latin typeface="Open Sans" panose="020B0606030504020204" pitchFamily="34" charset="0"/>
-              </a:rPr>
-            </a:br>
-            <a:endParaRPr lang="en-US" b="0" i="0" dirty="0">
-              <a:solidFill>
-                <a:schemeClr val="tx1">
-                  <a:lumMod val="85000"/>
-                </a:schemeClr>
-              </a:solidFill>
-              <a:effectLst/>
-              <a:latin typeface="Open Sans" panose="020B0606030504020204" pitchFamily="34" charset="0"/>
-            </a:endParaRPr>
-          </a:p>
-          <a:p>
-            <a:pPr algn="l"/>
-            <a:r>
-              <a:rPr lang="en-US" b="0" i="0" u="sng" dirty="0">
-                <a:solidFill>
-                  <a:schemeClr val="tx1">
-                    <a:lumMod val="85000"/>
-                  </a:schemeClr>
-                </a:solidFill>
-                <a:effectLst/>
-                <a:latin typeface="Open Sans" panose="020B0606030504020204" pitchFamily="34" charset="0"/>
-              </a:rPr>
-              <a:t>Disadvantages</a:t>
-            </a:r>
-            <a:r>
-              <a:rPr lang="en-US" b="0" i="0" dirty="0">
-                <a:solidFill>
-                  <a:schemeClr val="tx1">
-                    <a:lumMod val="85000"/>
-                  </a:schemeClr>
-                </a:solidFill>
-                <a:effectLst/>
-                <a:latin typeface="Open Sans" panose="020B0606030504020204" pitchFamily="34" charset="0"/>
-              </a:rPr>
-              <a:t>:</a:t>
-            </a:r>
-          </a:p>
-          <a:p>
-            <a:pPr algn="l">
-              <a:buFont typeface="Arial" panose="020B0604020202020204" pitchFamily="34" charset="0"/>
-              <a:buChar char="•"/>
-            </a:pPr>
-            <a:r>
-              <a:rPr lang="en-US" b="0" i="0" dirty="0">
-                <a:solidFill>
-                  <a:schemeClr val="tx1">
-                    <a:lumMod val="85000"/>
-                  </a:schemeClr>
-                </a:solidFill>
-                <a:effectLst/>
-                <a:latin typeface="Open Sans" panose="020B0606030504020204" pitchFamily="34" charset="0"/>
-              </a:rPr>
-              <a:t>Difficulty finding content, especially with nested sub-menus</a:t>
-            </a:r>
           </a:p>
           <a:p>
             <a:pPr marL="342900" indent="-342900">
@@ -7538,7 +9442,7 @@
 </p:sld>
 </file>
 
-<file path=ppt/slides/slide15.xml><?xml version="1.0" encoding="utf-8"?>
+<file path=ppt/slides/slide19.xml><?xml version="1.0" encoding="utf-8"?>
 <p:sld xmlns:a="http://schemas.openxmlformats.org/drawingml/2006/main" xmlns:r="http://schemas.openxmlformats.org/officeDocument/2006/relationships" xmlns:p="http://schemas.openxmlformats.org/presentationml/2006/main">
   <p:cSld>
     <p:spTree>
@@ -9748,10 +11652,10 @@
       </p:grpSpPr>
       <p:sp>
         <p:nvSpPr>
-          <p:cNvPr id="3" name="TextBox 2">
+          <p:cNvPr id="6" name="TextBox 5">
             <a:extLst>
               <a:ext uri="{FF2B5EF4-FFF2-40B4-BE49-F238E27FC236}">
-                <a16:creationId xmlns:a16="http://schemas.microsoft.com/office/drawing/2014/main" id="{23DFC7E9-54DD-38D7-0B9B-D34948D68CF9}"/>
+                <a16:creationId xmlns:a16="http://schemas.microsoft.com/office/drawing/2014/main" id="{DE3DBA5A-FA8E-46C6-1402-E5C7632F4CAD}"/>
               </a:ext>
             </a:extLst>
           </p:cNvPr>
@@ -9760,8 +11664,8 @@
         </p:nvSpPr>
         <p:spPr>
           <a:xfrm>
-            <a:off x="1894669" y="2745699"/>
-            <a:ext cx="9326104" cy="1015663"/>
+            <a:off x="216335" y="31366"/>
+            <a:ext cx="7765757" cy="461665"/>
           </a:xfrm>
           <a:prstGeom prst="rect">
             <a:avLst/>
@@ -9774,49 +11678,333 @@
           </a:bodyPr>
           <a:lstStyle/>
           <a:p>
-            <a:pPr marL="0" marR="0" lvl="0" indent="0" algn="l" defTabSz="914400" rtl="0" eaLnBrk="1" fontAlgn="auto" latinLnBrk="0" hangingPunct="1">
-              <a:lnSpc>
-                <a:spcPct val="100000"/>
-              </a:lnSpc>
-              <a:spcBef>
-                <a:spcPts val="0"/>
-              </a:spcBef>
-              <a:spcAft>
-                <a:spcPts val="0"/>
-              </a:spcAft>
-              <a:buClrTx/>
-              <a:buSzTx/>
-              <a:buFontTx/>
-              <a:buNone/>
-              <a:tabLst/>
-              <a:defRPr/>
-            </a:pPr>
-            <a:r>
-              <a:rPr kumimoji="0" lang="en-US" sz="6000" b="0" i="0" u="none" strike="noStrike" kern="1200" cap="none" spc="0" normalizeH="0" baseline="0" noProof="0" dirty="0">
-                <a:ln>
-                  <a:noFill/>
-                </a:ln>
-                <a:solidFill>
-                  <a:prstClr val="white">
-                    <a:lumMod val="75000"/>
-                  </a:prstClr>
-                </a:solidFill>
-                <a:effectLst/>
-                <a:uLnTx/>
-                <a:uFillTx/>
-                <a:latin typeface="Open Sans" panose="020B0606030504020204" pitchFamily="34" charset="0"/>
-                <a:ea typeface="+mn-ea"/>
-                <a:cs typeface="+mn-cs"/>
-              </a:rPr>
-              <a:t>Lists</a:t>
-            </a:r>
+            <a:r>
+              <a:rPr lang="en-US" sz="2400" b="1" dirty="0">
+                <a:solidFill>
+                  <a:srgbClr val="00B050"/>
+                </a:solidFill>
+                <a:effectLst/>
+                <a:latin typeface="Open Sans" panose="020B0606030504020204" pitchFamily="34" charset="0"/>
+              </a:rPr>
+              <a:t>The Pillars of Object-Oriented Programming</a:t>
+            </a:r>
+            <a:endParaRPr lang="en-US" sz="2400" dirty="0"/>
+          </a:p>
+        </p:txBody>
+      </p:sp>
+      <p:sp>
+        <p:nvSpPr>
+          <p:cNvPr id="10" name="TextBox 9">
+            <a:extLst>
+              <a:ext uri="{FF2B5EF4-FFF2-40B4-BE49-F238E27FC236}">
+                <a16:creationId xmlns:a16="http://schemas.microsoft.com/office/drawing/2014/main" id="{EA3D5ED0-1762-C438-DD7C-B32C5582A339}"/>
+              </a:ext>
+            </a:extLst>
+          </p:cNvPr>
+          <p:cNvSpPr txBox="1"/>
+          <p:nvPr/>
+        </p:nvSpPr>
+        <p:spPr>
+          <a:xfrm>
+            <a:off x="216335" y="505369"/>
+            <a:ext cx="11671510" cy="5632311"/>
+          </a:xfrm>
+          <a:prstGeom prst="rect">
+            <a:avLst/>
+          </a:prstGeom>
+          <a:noFill/>
+        </p:spPr>
+        <p:txBody>
+          <a:bodyPr wrap="square">
+            <a:spAutoFit/>
+          </a:bodyPr>
+          <a:lstStyle/>
+          <a:p>
+            <a:r>
+              <a:rPr lang="en-US" dirty="0">
+                <a:solidFill>
+                  <a:schemeClr val="tx1">
+                    <a:lumMod val="85000"/>
+                  </a:schemeClr>
+                </a:solidFill>
+                <a:latin typeface="Open Sans" panose="020B0606030504020204" pitchFamily="34" charset="0"/>
+                <a:ea typeface="Open Sans" panose="020B0606030504020204" pitchFamily="34" charset="0"/>
+                <a:cs typeface="Open Sans" panose="020B0606030504020204" pitchFamily="34" charset="0"/>
+              </a:rPr>
+              <a:t>What Is an Object?</a:t>
+            </a:r>
+          </a:p>
+          <a:p>
+            <a:r>
+              <a:rPr lang="en-US" dirty="0">
+                <a:solidFill>
+                  <a:srgbClr val="00B0F0"/>
+                </a:solidFill>
+                <a:latin typeface="Open Sans" panose="020B0606030504020204" pitchFamily="34" charset="0"/>
+                <a:ea typeface="Open Sans" panose="020B0606030504020204" pitchFamily="34" charset="0"/>
+                <a:cs typeface="Open Sans" panose="020B0606030504020204" pitchFamily="34" charset="0"/>
+              </a:rPr>
+              <a:t>An object is a software bundle of related state and behavior</a:t>
+            </a:r>
+            <a:r>
+              <a:rPr lang="en-US" dirty="0">
+                <a:solidFill>
+                  <a:schemeClr val="tx1">
+                    <a:lumMod val="85000"/>
+                  </a:schemeClr>
+                </a:solidFill>
+                <a:latin typeface="Open Sans" panose="020B0606030504020204" pitchFamily="34" charset="0"/>
+                <a:ea typeface="Open Sans" panose="020B0606030504020204" pitchFamily="34" charset="0"/>
+                <a:cs typeface="Open Sans" panose="020B0606030504020204" pitchFamily="34" charset="0"/>
+              </a:rPr>
+              <a:t>. Software objects are often used to model the real-world objects that you find in everyday life. This lesson explains how state and behavior are represented within an object, introduces the concept of data encapsulation, and explains the benefits of designing your software in this manner.</a:t>
+            </a:r>
+          </a:p>
+          <a:p>
+            <a:endParaRPr lang="en-US" dirty="0">
+              <a:solidFill>
+                <a:schemeClr val="tx1">
+                  <a:lumMod val="85000"/>
+                </a:schemeClr>
+              </a:solidFill>
+              <a:latin typeface="Open Sans" panose="020B0606030504020204" pitchFamily="34" charset="0"/>
+              <a:ea typeface="Open Sans" panose="020B0606030504020204" pitchFamily="34" charset="0"/>
+              <a:cs typeface="Open Sans" panose="020B0606030504020204" pitchFamily="34" charset="0"/>
+            </a:endParaRPr>
+          </a:p>
+          <a:p>
+            <a:r>
+              <a:rPr lang="en-US" dirty="0">
+                <a:solidFill>
+                  <a:schemeClr val="tx1">
+                    <a:lumMod val="85000"/>
+                  </a:schemeClr>
+                </a:solidFill>
+                <a:latin typeface="Open Sans" panose="020B0606030504020204" pitchFamily="34" charset="0"/>
+                <a:ea typeface="Open Sans" panose="020B0606030504020204" pitchFamily="34" charset="0"/>
+                <a:cs typeface="Open Sans" panose="020B0606030504020204" pitchFamily="34" charset="0"/>
+              </a:rPr>
+              <a:t>What Is a Class?</a:t>
+            </a:r>
+          </a:p>
+          <a:p>
+            <a:r>
+              <a:rPr lang="en-US" dirty="0">
+                <a:solidFill>
+                  <a:srgbClr val="00B0F0"/>
+                </a:solidFill>
+                <a:latin typeface="Open Sans" panose="020B0606030504020204" pitchFamily="34" charset="0"/>
+                <a:ea typeface="Open Sans" panose="020B0606030504020204" pitchFamily="34" charset="0"/>
+                <a:cs typeface="Open Sans" panose="020B0606030504020204" pitchFamily="34" charset="0"/>
+              </a:rPr>
+              <a:t>A class is a blueprint or prototype from which objects are created</a:t>
+            </a:r>
+            <a:r>
+              <a:rPr lang="en-US" dirty="0">
+                <a:solidFill>
+                  <a:schemeClr val="tx1">
+                    <a:lumMod val="85000"/>
+                  </a:schemeClr>
+                </a:solidFill>
+                <a:latin typeface="Open Sans" panose="020B0606030504020204" pitchFamily="34" charset="0"/>
+                <a:ea typeface="Open Sans" panose="020B0606030504020204" pitchFamily="34" charset="0"/>
+                <a:cs typeface="Open Sans" panose="020B0606030504020204" pitchFamily="34" charset="0"/>
+              </a:rPr>
+              <a:t>. This section defines a class that models the state and behavior of a real-world object. It intentionally focuses on the basics, showing how even a simple class can cleanly model state and behavior.</a:t>
+            </a:r>
+          </a:p>
+          <a:p>
+            <a:endParaRPr lang="en-US" dirty="0">
+              <a:solidFill>
+                <a:schemeClr val="tx1">
+                  <a:lumMod val="85000"/>
+                </a:schemeClr>
+              </a:solidFill>
+              <a:latin typeface="Open Sans" panose="020B0606030504020204" pitchFamily="34" charset="0"/>
+              <a:ea typeface="Open Sans" panose="020B0606030504020204" pitchFamily="34" charset="0"/>
+              <a:cs typeface="Open Sans" panose="020B0606030504020204" pitchFamily="34" charset="0"/>
+            </a:endParaRPr>
+          </a:p>
+          <a:p>
+            <a:r>
+              <a:rPr lang="en-US" dirty="0">
+                <a:solidFill>
+                  <a:schemeClr val="tx1">
+                    <a:lumMod val="85000"/>
+                  </a:schemeClr>
+                </a:solidFill>
+                <a:latin typeface="Open Sans" panose="020B0606030504020204" pitchFamily="34" charset="0"/>
+                <a:ea typeface="Open Sans" panose="020B0606030504020204" pitchFamily="34" charset="0"/>
+                <a:cs typeface="Open Sans" panose="020B0606030504020204" pitchFamily="34" charset="0"/>
+              </a:rPr>
+              <a:t>What Is Inheritance?</a:t>
+            </a:r>
+          </a:p>
+          <a:p>
+            <a:r>
+              <a:rPr lang="en-US" dirty="0">
+                <a:solidFill>
+                  <a:schemeClr val="tx1">
+                    <a:lumMod val="85000"/>
+                  </a:schemeClr>
+                </a:solidFill>
+                <a:latin typeface="Open Sans" panose="020B0606030504020204" pitchFamily="34" charset="0"/>
+                <a:ea typeface="Open Sans" panose="020B0606030504020204" pitchFamily="34" charset="0"/>
+                <a:cs typeface="Open Sans" panose="020B0606030504020204" pitchFamily="34" charset="0"/>
+              </a:rPr>
+              <a:t>Inheritance provides a powerful and natural mechanism for organizing and structuring your software. </a:t>
+            </a:r>
+          </a:p>
+          <a:p>
+            <a:endParaRPr lang="en-US" dirty="0">
+              <a:solidFill>
+                <a:schemeClr val="tx1">
+                  <a:lumMod val="85000"/>
+                </a:schemeClr>
+              </a:solidFill>
+              <a:latin typeface="Open Sans" panose="020B0606030504020204" pitchFamily="34" charset="0"/>
+              <a:ea typeface="Open Sans" panose="020B0606030504020204" pitchFamily="34" charset="0"/>
+              <a:cs typeface="Open Sans" panose="020B0606030504020204" pitchFamily="34" charset="0"/>
+            </a:endParaRPr>
+          </a:p>
+          <a:p>
+            <a:r>
+              <a:rPr lang="en-US" dirty="0">
+                <a:solidFill>
+                  <a:schemeClr val="tx1">
+                    <a:lumMod val="85000"/>
+                  </a:schemeClr>
+                </a:solidFill>
+                <a:latin typeface="Open Sans" panose="020B0606030504020204" pitchFamily="34" charset="0"/>
+                <a:ea typeface="Open Sans" panose="020B0606030504020204" pitchFamily="34" charset="0"/>
+                <a:cs typeface="Open Sans" panose="020B0606030504020204" pitchFamily="34" charset="0"/>
+              </a:rPr>
+              <a:t>What Is an Interface?</a:t>
+            </a:r>
+          </a:p>
+          <a:p>
+            <a:r>
+              <a:rPr lang="en-US" dirty="0">
+                <a:solidFill>
+                  <a:srgbClr val="00B0F0"/>
+                </a:solidFill>
+                <a:latin typeface="Open Sans" panose="020B0606030504020204" pitchFamily="34" charset="0"/>
+                <a:ea typeface="Open Sans" panose="020B0606030504020204" pitchFamily="34" charset="0"/>
+                <a:cs typeface="Open Sans" panose="020B0606030504020204" pitchFamily="34" charset="0"/>
+              </a:rPr>
+              <a:t>An interface is a contract between a class and the outside world. </a:t>
+            </a:r>
+            <a:r>
+              <a:rPr lang="en-US" dirty="0">
+                <a:solidFill>
+                  <a:schemeClr val="tx1">
+                    <a:lumMod val="85000"/>
+                  </a:schemeClr>
+                </a:solidFill>
+                <a:latin typeface="Open Sans" panose="020B0606030504020204" pitchFamily="34" charset="0"/>
+                <a:ea typeface="Open Sans" panose="020B0606030504020204" pitchFamily="34" charset="0"/>
+                <a:cs typeface="Open Sans" panose="020B0606030504020204" pitchFamily="34" charset="0"/>
+              </a:rPr>
+              <a:t>When a class implements an interface, it promises to provide the behavior published by that interface. </a:t>
+            </a:r>
+          </a:p>
+          <a:p>
+            <a:endParaRPr lang="en-US" dirty="0">
+              <a:solidFill>
+                <a:schemeClr val="tx1">
+                  <a:lumMod val="85000"/>
+                </a:schemeClr>
+              </a:solidFill>
+              <a:latin typeface="Open Sans" panose="020B0606030504020204" pitchFamily="34" charset="0"/>
+              <a:ea typeface="Open Sans" panose="020B0606030504020204" pitchFamily="34" charset="0"/>
+              <a:cs typeface="Open Sans" panose="020B0606030504020204" pitchFamily="34" charset="0"/>
+            </a:endParaRPr>
+          </a:p>
+          <a:p>
+            <a:r>
+              <a:rPr lang="en-US" dirty="0">
+                <a:solidFill>
+                  <a:schemeClr val="tx1">
+                    <a:lumMod val="85000"/>
+                  </a:schemeClr>
+                </a:solidFill>
+                <a:latin typeface="Open Sans" panose="020B0606030504020204" pitchFamily="34" charset="0"/>
+                <a:ea typeface="Open Sans" panose="020B0606030504020204" pitchFamily="34" charset="0"/>
+                <a:cs typeface="Open Sans" panose="020B0606030504020204" pitchFamily="34" charset="0"/>
+              </a:rPr>
+              <a:t>What Is a Package?</a:t>
+            </a:r>
+          </a:p>
+          <a:p>
+            <a:r>
+              <a:rPr lang="en-US" dirty="0">
+                <a:solidFill>
+                  <a:schemeClr val="tx1">
+                    <a:lumMod val="85000"/>
+                  </a:schemeClr>
+                </a:solidFill>
+                <a:latin typeface="Open Sans" panose="020B0606030504020204" pitchFamily="34" charset="0"/>
+                <a:ea typeface="Open Sans" panose="020B0606030504020204" pitchFamily="34" charset="0"/>
+                <a:cs typeface="Open Sans" panose="020B0606030504020204" pitchFamily="34" charset="0"/>
+              </a:rPr>
+              <a:t>A package is a namespace for </a:t>
+            </a:r>
+            <a:r>
+              <a:rPr lang="en-US" dirty="0">
+                <a:solidFill>
+                  <a:srgbClr val="00B0F0"/>
+                </a:solidFill>
+                <a:latin typeface="Open Sans" panose="020B0606030504020204" pitchFamily="34" charset="0"/>
+                <a:ea typeface="Open Sans" panose="020B0606030504020204" pitchFamily="34" charset="0"/>
+                <a:cs typeface="Open Sans" panose="020B0606030504020204" pitchFamily="34" charset="0"/>
+              </a:rPr>
+              <a:t>organizing classes and interfaces in a logical manner</a:t>
+            </a:r>
+          </a:p>
+        </p:txBody>
+      </p:sp>
+      <p:sp>
+        <p:nvSpPr>
+          <p:cNvPr id="3" name="TextBox 2">
+            <a:extLst>
+              <a:ext uri="{FF2B5EF4-FFF2-40B4-BE49-F238E27FC236}">
+                <a16:creationId xmlns:a16="http://schemas.microsoft.com/office/drawing/2014/main" id="{4147B091-8768-D6A8-FF68-DEC06014D579}"/>
+              </a:ext>
+            </a:extLst>
+          </p:cNvPr>
+          <p:cNvSpPr txBox="1"/>
+          <p:nvPr/>
+        </p:nvSpPr>
+        <p:spPr>
+          <a:xfrm>
+            <a:off x="5765418" y="6427017"/>
+            <a:ext cx="6426582" cy="369332"/>
+          </a:xfrm>
+          <a:prstGeom prst="rect">
+            <a:avLst/>
+          </a:prstGeom>
+          <a:noFill/>
+        </p:spPr>
+        <p:txBody>
+          <a:bodyPr wrap="square">
+            <a:spAutoFit/>
+          </a:bodyPr>
+          <a:lstStyle/>
+          <a:p>
+            <a:r>
+              <a:rPr lang="en-US" dirty="0">
+                <a:hlinkClick r:id="rId2"/>
+              </a:rPr>
+              <a:t>https://docs.oracle.com/javase/tutorial/java/concepts/index.html</a:t>
+            </a:r>
+            <a:endParaRPr lang="en-US" dirty="0"/>
           </a:p>
         </p:txBody>
       </p:sp>
     </p:spTree>
     <p:extLst>
       <p:ext uri="{BB962C8B-B14F-4D97-AF65-F5344CB8AC3E}">
-        <p14:creationId xmlns:p14="http://schemas.microsoft.com/office/powerpoint/2010/main" val="367428708"/>
+        <p14:creationId xmlns:p14="http://schemas.microsoft.com/office/powerpoint/2010/main" val="1076239930"/>
       </p:ext>
     </p:extLst>
   </p:cSld>
@@ -9845,10 +12033,10 @@
       </p:grpSpPr>
       <p:sp>
         <p:nvSpPr>
-          <p:cNvPr id="6" name="TextBox 5">
+          <p:cNvPr id="3" name="TextBox 2">
             <a:extLst>
               <a:ext uri="{FF2B5EF4-FFF2-40B4-BE49-F238E27FC236}">
-                <a16:creationId xmlns:a16="http://schemas.microsoft.com/office/drawing/2014/main" id="{59E906CD-110B-9D01-732C-2F21759B0265}"/>
+                <a16:creationId xmlns:a16="http://schemas.microsoft.com/office/drawing/2014/main" id="{23DFC7E9-54DD-38D7-0B9B-D34948D68CF9}"/>
               </a:ext>
             </a:extLst>
           </p:cNvPr>
@@ -9857,8 +12045,8 @@
         </p:nvSpPr>
         <p:spPr>
           <a:xfrm>
-            <a:off x="193251" y="91915"/>
-            <a:ext cx="6094854" cy="461665"/>
+            <a:off x="1894669" y="2745699"/>
+            <a:ext cx="9326104" cy="1015663"/>
           </a:xfrm>
           <a:prstGeom prst="rect">
             <a:avLst/>
@@ -9871,694 +12059,49 @@
           </a:bodyPr>
           <a:lstStyle/>
           <a:p>
-            <a:pPr algn="l"/>
-            <a:r>
-              <a:rPr lang="en-US" sz="2400" b="1" dirty="0">
-                <a:solidFill>
-                  <a:srgbClr val="00B050"/>
-                </a:solidFill>
-                <a:effectLst/>
-                <a:latin typeface="Open Sans" panose="020B0606030504020204" pitchFamily="34" charset="0"/>
-              </a:rPr>
-              <a:t>Collections</a:t>
-            </a:r>
-          </a:p>
-        </p:txBody>
-      </p:sp>
-      <p:sp>
-        <p:nvSpPr>
-          <p:cNvPr id="4" name="TextBox 3">
-            <a:extLst>
-              <a:ext uri="{FF2B5EF4-FFF2-40B4-BE49-F238E27FC236}">
-                <a16:creationId xmlns:a16="http://schemas.microsoft.com/office/drawing/2014/main" id="{C0B26727-0F97-5A73-B4ED-6BE65E07E5DB}"/>
-              </a:ext>
-            </a:extLst>
-          </p:cNvPr>
-          <p:cNvSpPr txBox="1"/>
-          <p:nvPr/>
-        </p:nvSpPr>
-        <p:spPr>
-          <a:xfrm>
-            <a:off x="176169" y="516290"/>
-            <a:ext cx="11931637" cy="5078313"/>
-          </a:xfrm>
-          <a:prstGeom prst="rect">
-            <a:avLst/>
-          </a:prstGeom>
-          <a:noFill/>
-        </p:spPr>
-        <p:txBody>
-          <a:bodyPr wrap="square">
-            <a:spAutoFit/>
-          </a:bodyPr>
-          <a:lstStyle/>
-          <a:p>
-            <a:pPr algn="l"/>
-            <a:r>
-              <a:rPr lang="en-US" b="0" i="0" dirty="0">
-                <a:solidFill>
-                  <a:schemeClr val="tx1">
-                    <a:lumMod val="85000"/>
-                  </a:schemeClr>
-                </a:solidFill>
-                <a:effectLst/>
-                <a:latin typeface="Open Sans" panose="020B0606030504020204" pitchFamily="34" charset="0"/>
-              </a:rPr>
-              <a:t>Think of a Collection as an Object, but that </a:t>
-            </a:r>
-            <a:r>
-              <a:rPr lang="en-US" b="0" i="0" dirty="0">
-                <a:solidFill>
-                  <a:srgbClr val="00B0F0"/>
-                </a:solidFill>
-                <a:effectLst/>
-                <a:latin typeface="Open Sans" panose="020B0606030504020204" pitchFamily="34" charset="0"/>
-              </a:rPr>
-              <a:t>Object can contain (or represent) a group of Objects</a:t>
-            </a:r>
-            <a:r>
-              <a:rPr lang="en-US" b="0" i="0" dirty="0">
-                <a:solidFill>
-                  <a:schemeClr val="tx1">
-                    <a:lumMod val="85000"/>
-                  </a:schemeClr>
-                </a:solidFill>
-                <a:effectLst/>
-                <a:latin typeface="Open Sans" panose="020B0606030504020204" pitchFamily="34" charset="0"/>
-              </a:rPr>
-              <a:t>.  Java provides a Collection Framework, which is an architecture that allows a unified access to a variety of different types of collections.</a:t>
-            </a:r>
-          </a:p>
-          <a:p>
-            <a:pPr algn="l"/>
-            <a:endParaRPr lang="en-US" b="0" i="0" dirty="0">
-              <a:solidFill>
-                <a:schemeClr val="tx1">
-                  <a:lumMod val="85000"/>
-                </a:schemeClr>
-              </a:solidFill>
-              <a:effectLst/>
-              <a:latin typeface="Open Sans" panose="020B0606030504020204" pitchFamily="34" charset="0"/>
-            </a:endParaRPr>
-          </a:p>
-          <a:p>
-            <a:pPr algn="l"/>
-            <a:r>
-              <a:rPr lang="en-US" b="0" i="0" dirty="0">
-                <a:solidFill>
-                  <a:schemeClr val="tx1">
-                    <a:lumMod val="85000"/>
-                  </a:schemeClr>
-                </a:solidFill>
-                <a:effectLst/>
-                <a:latin typeface="Open Sans" panose="020B0606030504020204" pitchFamily="34" charset="0"/>
-              </a:rPr>
-              <a:t>Collection is technically an Interface vs a Class </a:t>
-            </a:r>
-            <a:r>
-              <a:rPr lang="en-US" b="0" i="0" dirty="0">
-                <a:solidFill>
-                  <a:schemeClr val="tx1">
-                    <a:lumMod val="85000"/>
-                  </a:schemeClr>
-                </a:solidFill>
-                <a:effectLst/>
-                <a:latin typeface="Open Sans" panose="020B0606030504020204" pitchFamily="34" charset="0"/>
-                <a:sym typeface="Wingdings" panose="05000000000000000000" pitchFamily="2" charset="2"/>
-              </a:rPr>
-              <a:t> </a:t>
-            </a:r>
-            <a:r>
-              <a:rPr lang="en-US" b="0" i="0" dirty="0">
-                <a:solidFill>
-                  <a:schemeClr val="tx1">
-                    <a:lumMod val="85000"/>
-                  </a:schemeClr>
-                </a:solidFill>
-                <a:effectLst/>
-                <a:latin typeface="Open Sans" panose="020B0606030504020204" pitchFamily="34" charset="0"/>
-              </a:rPr>
-              <a:t>Collection Interfaces:  </a:t>
-            </a:r>
-            <a:r>
-              <a:rPr lang="en-US" b="0" i="0" dirty="0">
-                <a:solidFill>
-                  <a:schemeClr val="tx1">
-                    <a:lumMod val="85000"/>
-                  </a:schemeClr>
-                </a:solidFill>
-                <a:effectLst/>
-                <a:latin typeface="Open Sans" panose="020B0606030504020204" pitchFamily="34" charset="0"/>
-                <a:hlinkClick r:id="rId2"/>
-              </a:rPr>
-              <a:t>Set</a:t>
-            </a:r>
-            <a:r>
-              <a:rPr lang="en-US" b="0" i="0" dirty="0">
-                <a:solidFill>
-                  <a:schemeClr val="tx1">
-                    <a:lumMod val="85000"/>
-                  </a:schemeClr>
-                </a:solidFill>
-                <a:effectLst/>
-                <a:latin typeface="Open Sans" panose="020B0606030504020204" pitchFamily="34" charset="0"/>
-              </a:rPr>
-              <a:t>, </a:t>
-            </a:r>
-            <a:r>
-              <a:rPr lang="en-US" b="0" i="0" dirty="0">
-                <a:solidFill>
-                  <a:schemeClr val="tx1">
-                    <a:lumMod val="85000"/>
-                  </a:schemeClr>
-                </a:solidFill>
-                <a:effectLst/>
-                <a:latin typeface="Open Sans" panose="020B0606030504020204" pitchFamily="34" charset="0"/>
-                <a:hlinkClick r:id="rId3"/>
-              </a:rPr>
-              <a:t>List</a:t>
-            </a:r>
-            <a:r>
-              <a:rPr lang="en-US" b="0" i="0" dirty="0">
-                <a:solidFill>
-                  <a:schemeClr val="tx1">
-                    <a:lumMod val="85000"/>
-                  </a:schemeClr>
-                </a:solidFill>
-                <a:effectLst/>
-                <a:latin typeface="Open Sans" panose="020B0606030504020204" pitchFamily="34" charset="0"/>
-              </a:rPr>
-              <a:t>, </a:t>
-            </a:r>
-            <a:r>
-              <a:rPr lang="en-US" b="0" i="0" dirty="0">
-                <a:solidFill>
-                  <a:schemeClr val="tx1">
-                    <a:lumMod val="85000"/>
-                  </a:schemeClr>
-                </a:solidFill>
-                <a:effectLst/>
-                <a:latin typeface="Open Sans" panose="020B0606030504020204" pitchFamily="34" charset="0"/>
-                <a:hlinkClick r:id="rId4"/>
-              </a:rPr>
-              <a:t>Map</a:t>
-            </a:r>
-            <a:r>
-              <a:rPr lang="en-US" b="0" i="0" dirty="0">
-                <a:solidFill>
-                  <a:schemeClr val="tx1">
-                    <a:lumMod val="85000"/>
-                  </a:schemeClr>
-                </a:solidFill>
-                <a:effectLst/>
-                <a:latin typeface="Open Sans" panose="020B0606030504020204" pitchFamily="34" charset="0"/>
-              </a:rPr>
-              <a:t>, and others</a:t>
-            </a:r>
-          </a:p>
-          <a:p>
-            <a:pPr algn="l"/>
-            <a:endParaRPr lang="en-US" b="0" i="0" dirty="0">
-              <a:solidFill>
-                <a:schemeClr val="tx1">
-                  <a:lumMod val="85000"/>
-                </a:schemeClr>
-              </a:solidFill>
-              <a:effectLst/>
-              <a:latin typeface="Open Sans" panose="020B0606030504020204" pitchFamily="34" charset="0"/>
-            </a:endParaRPr>
-          </a:p>
-          <a:p>
-            <a:pPr algn="l"/>
-            <a:r>
-              <a:rPr lang="en-US" b="0" i="0" dirty="0">
-                <a:solidFill>
-                  <a:schemeClr val="tx1">
-                    <a:lumMod val="85000"/>
-                  </a:schemeClr>
-                </a:solidFill>
-                <a:effectLst/>
-                <a:latin typeface="Open Sans" panose="020B0606030504020204" pitchFamily="34" charset="0"/>
-              </a:rPr>
-              <a:t>Collection Implementations:  There are </a:t>
-            </a:r>
-            <a:r>
-              <a:rPr lang="en-US" b="0" i="0" dirty="0">
-                <a:solidFill>
-                  <a:srgbClr val="00B0F0"/>
-                </a:solidFill>
-                <a:effectLst/>
-                <a:latin typeface="Open Sans" panose="020B0606030504020204" pitchFamily="34" charset="0"/>
-              </a:rPr>
-              <a:t>a number of classes provided in Java </a:t>
-            </a:r>
-            <a:r>
-              <a:rPr lang="en-US" b="0" i="0" dirty="0">
-                <a:solidFill>
-                  <a:schemeClr val="tx1">
-                    <a:lumMod val="85000"/>
-                  </a:schemeClr>
-                </a:solidFill>
-                <a:effectLst/>
-                <a:latin typeface="Open Sans" panose="020B0606030504020204" pitchFamily="34" charset="0"/>
-              </a:rPr>
-              <a:t>that are used to </a:t>
-            </a:r>
-            <a:r>
-              <a:rPr lang="en-US" b="0" i="0" dirty="0">
-                <a:solidFill>
-                  <a:srgbClr val="00B0F0"/>
-                </a:solidFill>
-                <a:effectLst/>
-                <a:latin typeface="Open Sans" panose="020B0606030504020204" pitchFamily="34" charset="0"/>
-              </a:rPr>
-              <a:t>implement the Collection Interfaces</a:t>
-            </a:r>
-            <a:r>
-              <a:rPr lang="en-US" b="0" i="0" dirty="0">
-                <a:solidFill>
-                  <a:schemeClr val="tx1">
-                    <a:lumMod val="85000"/>
-                  </a:schemeClr>
-                </a:solidFill>
-                <a:effectLst/>
-                <a:latin typeface="Open Sans" panose="020B0606030504020204" pitchFamily="34" charset="0"/>
-              </a:rPr>
-              <a:t>.   See the </a:t>
-            </a:r>
-            <a:r>
-              <a:rPr lang="en-US" b="0" i="0" dirty="0">
-                <a:solidFill>
-                  <a:schemeClr val="tx1">
-                    <a:lumMod val="85000"/>
-                  </a:schemeClr>
-                </a:solidFill>
-                <a:effectLst/>
-                <a:latin typeface="Open Sans" panose="020B0606030504020204" pitchFamily="34" charset="0"/>
-                <a:hlinkClick r:id="rId5"/>
-              </a:rPr>
-              <a:t>Java Collections Framework Overview</a:t>
-            </a:r>
-            <a:r>
-              <a:rPr lang="en-US" b="0" i="0" dirty="0">
-                <a:solidFill>
-                  <a:schemeClr val="tx1">
-                    <a:lumMod val="85000"/>
-                  </a:schemeClr>
-                </a:solidFill>
-                <a:effectLst/>
-                <a:latin typeface="Open Sans" panose="020B0606030504020204" pitchFamily="34" charset="0"/>
-              </a:rPr>
-              <a:t> link below for additional information on Collection Implementations.</a:t>
-            </a:r>
-          </a:p>
-          <a:p>
-            <a:pPr algn="l"/>
-            <a:endParaRPr lang="en-US" b="0" i="0" dirty="0">
-              <a:solidFill>
-                <a:schemeClr val="tx1">
-                  <a:lumMod val="85000"/>
-                </a:schemeClr>
-              </a:solidFill>
-              <a:effectLst/>
-              <a:latin typeface="Open Sans" panose="020B0606030504020204" pitchFamily="34" charset="0"/>
-            </a:endParaRPr>
-          </a:p>
-          <a:p>
-            <a:pPr algn="l"/>
-            <a:r>
-              <a:rPr lang="en-US" b="0" i="0" u="sng" dirty="0">
-                <a:solidFill>
-                  <a:schemeClr val="tx1">
-                    <a:lumMod val="85000"/>
-                  </a:schemeClr>
-                </a:solidFill>
-                <a:effectLst/>
-                <a:latin typeface="Open Sans" panose="020B0606030504020204" pitchFamily="34" charset="0"/>
-              </a:rPr>
-              <a:t>Interface --&gt; Implementations</a:t>
-            </a:r>
-          </a:p>
-          <a:p>
-            <a:pPr algn="l"/>
-            <a:r>
-              <a:rPr lang="en-US" b="0" i="0" dirty="0">
-                <a:solidFill>
-                  <a:schemeClr val="tx1">
-                    <a:lumMod val="85000"/>
-                  </a:schemeClr>
-                </a:solidFill>
-                <a:effectLst/>
-                <a:latin typeface="Open Sans" panose="020B0606030504020204" pitchFamily="34" charset="0"/>
-              </a:rPr>
-              <a:t>Set --&gt; HashSet, </a:t>
-            </a:r>
-            <a:r>
-              <a:rPr lang="en-US" b="0" i="0" dirty="0" err="1">
-                <a:solidFill>
-                  <a:schemeClr val="tx1">
-                    <a:lumMod val="85000"/>
-                  </a:schemeClr>
-                </a:solidFill>
-                <a:effectLst/>
-                <a:latin typeface="Open Sans" panose="020B0606030504020204" pitchFamily="34" charset="0"/>
-              </a:rPr>
-              <a:t>TreeSet</a:t>
-            </a:r>
-            <a:r>
-              <a:rPr lang="en-US" b="0" i="0" dirty="0">
-                <a:solidFill>
-                  <a:schemeClr val="tx1">
-                    <a:lumMod val="85000"/>
-                  </a:schemeClr>
-                </a:solidFill>
-                <a:effectLst/>
-                <a:latin typeface="Open Sans" panose="020B0606030504020204" pitchFamily="34" charset="0"/>
-              </a:rPr>
-              <a:t>, </a:t>
-            </a:r>
-            <a:r>
-              <a:rPr lang="en-US" b="0" i="0" dirty="0" err="1">
-                <a:solidFill>
-                  <a:schemeClr val="tx1">
-                    <a:lumMod val="85000"/>
-                  </a:schemeClr>
-                </a:solidFill>
-                <a:effectLst/>
-                <a:latin typeface="Open Sans" panose="020B0606030504020204" pitchFamily="34" charset="0"/>
-              </a:rPr>
-              <a:t>LinkedHashSet</a:t>
-            </a:r>
-            <a:endParaRPr lang="en-US" b="0" i="0" dirty="0">
-              <a:solidFill>
-                <a:schemeClr val="tx1">
-                  <a:lumMod val="85000"/>
-                </a:schemeClr>
-              </a:solidFill>
-              <a:effectLst/>
-              <a:latin typeface="Open Sans" panose="020B0606030504020204" pitchFamily="34" charset="0"/>
-            </a:endParaRPr>
-          </a:p>
-          <a:p>
-            <a:pPr algn="l"/>
-            <a:r>
-              <a:rPr lang="en-US" b="0" i="0" dirty="0">
-                <a:solidFill>
-                  <a:schemeClr val="tx1">
-                    <a:lumMod val="85000"/>
-                  </a:schemeClr>
-                </a:solidFill>
-                <a:effectLst/>
-                <a:latin typeface="Open Sans" panose="020B0606030504020204" pitchFamily="34" charset="0"/>
-              </a:rPr>
-              <a:t>List --&gt; </a:t>
-            </a:r>
-            <a:r>
-              <a:rPr lang="en-US" b="0" i="0" dirty="0" err="1">
-                <a:solidFill>
-                  <a:schemeClr val="tx1">
-                    <a:lumMod val="85000"/>
-                  </a:schemeClr>
-                </a:solidFill>
-                <a:effectLst/>
-                <a:latin typeface="Open Sans" panose="020B0606030504020204" pitchFamily="34" charset="0"/>
-              </a:rPr>
-              <a:t>ArrayList</a:t>
-            </a:r>
-            <a:r>
-              <a:rPr lang="en-US" b="0" i="0" dirty="0">
-                <a:solidFill>
-                  <a:schemeClr val="tx1">
-                    <a:lumMod val="85000"/>
-                  </a:schemeClr>
-                </a:solidFill>
-                <a:effectLst/>
-                <a:latin typeface="Open Sans" panose="020B0606030504020204" pitchFamily="34" charset="0"/>
-              </a:rPr>
-              <a:t>, LinkedList</a:t>
-            </a:r>
-          </a:p>
-          <a:p>
-            <a:pPr algn="l"/>
-            <a:r>
-              <a:rPr lang="en-US" b="0" i="0" dirty="0">
-                <a:solidFill>
-                  <a:schemeClr val="tx1">
-                    <a:lumMod val="85000"/>
-                  </a:schemeClr>
-                </a:solidFill>
-                <a:effectLst/>
-                <a:latin typeface="Open Sans" panose="020B0606030504020204" pitchFamily="34" charset="0"/>
-              </a:rPr>
-              <a:t>Map --&gt; HashMap, </a:t>
-            </a:r>
-            <a:r>
-              <a:rPr lang="en-US" b="0" i="0" dirty="0" err="1">
-                <a:solidFill>
-                  <a:schemeClr val="tx1">
-                    <a:lumMod val="85000"/>
-                  </a:schemeClr>
-                </a:solidFill>
-                <a:effectLst/>
-                <a:latin typeface="Open Sans" panose="020B0606030504020204" pitchFamily="34" charset="0"/>
-              </a:rPr>
-              <a:t>TreeMap</a:t>
-            </a:r>
-            <a:r>
-              <a:rPr lang="en-US" b="0" i="0" dirty="0">
-                <a:solidFill>
-                  <a:schemeClr val="tx1">
-                    <a:lumMod val="85000"/>
-                  </a:schemeClr>
-                </a:solidFill>
-                <a:effectLst/>
-                <a:latin typeface="Open Sans" panose="020B0606030504020204" pitchFamily="34" charset="0"/>
-              </a:rPr>
-              <a:t>, </a:t>
-            </a:r>
-            <a:r>
-              <a:rPr lang="en-US" b="0" i="0" dirty="0" err="1">
-                <a:solidFill>
-                  <a:schemeClr val="tx1">
-                    <a:lumMod val="85000"/>
-                  </a:schemeClr>
-                </a:solidFill>
-                <a:effectLst/>
-                <a:latin typeface="Open Sans" panose="020B0606030504020204" pitchFamily="34" charset="0"/>
-              </a:rPr>
-              <a:t>LinkedHashMap</a:t>
-            </a:r>
-            <a:endParaRPr lang="en-US" b="0" i="0" dirty="0">
-              <a:solidFill>
-                <a:schemeClr val="tx1">
-                  <a:lumMod val="85000"/>
-                </a:schemeClr>
-              </a:solidFill>
-              <a:effectLst/>
-              <a:latin typeface="Open Sans" panose="020B0606030504020204" pitchFamily="34" charset="0"/>
-            </a:endParaRPr>
-          </a:p>
-          <a:p>
-            <a:pPr algn="l"/>
-            <a:endParaRPr lang="en-US" dirty="0">
-              <a:solidFill>
-                <a:schemeClr val="tx1">
-                  <a:lumMod val="85000"/>
-                </a:schemeClr>
-              </a:solidFill>
-              <a:latin typeface="Open Sans" panose="020B0606030504020204" pitchFamily="34" charset="0"/>
-            </a:endParaRPr>
-          </a:p>
-          <a:p>
-            <a:pPr algn="l"/>
-            <a:r>
-              <a:rPr lang="en-US" b="0" i="0" dirty="0">
-                <a:solidFill>
-                  <a:schemeClr val="tx1">
-                    <a:lumMod val="85000"/>
-                  </a:schemeClr>
-                </a:solidFill>
-                <a:effectLst/>
-                <a:latin typeface="Open Sans" panose="020B0606030504020204" pitchFamily="34" charset="0"/>
-              </a:rPr>
-              <a:t>The </a:t>
-            </a:r>
-            <a:r>
-              <a:rPr lang="en-US" b="0" i="0" dirty="0">
-                <a:solidFill>
-                  <a:schemeClr val="tx1">
-                    <a:lumMod val="85000"/>
-                  </a:schemeClr>
-                </a:solidFill>
-                <a:effectLst/>
-                <a:latin typeface="Open Sans" panose="020B0606030504020204" pitchFamily="34" charset="0"/>
-                <a:hlinkClick r:id="rId6"/>
-              </a:rPr>
-              <a:t>Collections Class</a:t>
-            </a:r>
-            <a:r>
-              <a:rPr lang="en-US" b="0" i="0" dirty="0">
-                <a:solidFill>
-                  <a:schemeClr val="tx1">
-                    <a:lumMod val="85000"/>
-                  </a:schemeClr>
-                </a:solidFill>
-                <a:effectLst/>
-                <a:latin typeface="Open Sans" panose="020B0606030504020204" pitchFamily="34" charset="0"/>
-              </a:rPr>
-              <a:t> contains static methods that either </a:t>
-            </a:r>
-            <a:r>
-              <a:rPr lang="en-US" b="0" i="0" dirty="0">
-                <a:solidFill>
-                  <a:srgbClr val="00B0F0"/>
-                </a:solidFill>
-                <a:effectLst/>
-                <a:latin typeface="Open Sans" panose="020B0606030504020204" pitchFamily="34" charset="0"/>
-              </a:rPr>
-              <a:t>return collections </a:t>
-            </a:r>
-            <a:r>
-              <a:rPr lang="en-US" b="0" i="0" dirty="0">
-                <a:solidFill>
-                  <a:schemeClr val="tx1">
-                    <a:lumMod val="85000"/>
-                  </a:schemeClr>
-                </a:solidFill>
-                <a:effectLst/>
-                <a:latin typeface="Open Sans" panose="020B0606030504020204" pitchFamily="34" charset="0"/>
-              </a:rPr>
-              <a:t>or </a:t>
-            </a:r>
-            <a:r>
-              <a:rPr lang="en-US" b="0" i="0" dirty="0">
-                <a:solidFill>
-                  <a:srgbClr val="00B0F0"/>
-                </a:solidFill>
-                <a:effectLst/>
-                <a:latin typeface="Open Sans" panose="020B0606030504020204" pitchFamily="34" charset="0"/>
-              </a:rPr>
-              <a:t>perform some operation on collections</a:t>
-            </a:r>
-            <a:r>
-              <a:rPr lang="en-US" b="0" i="0" dirty="0">
-                <a:solidFill>
-                  <a:schemeClr val="tx1">
-                    <a:lumMod val="85000"/>
-                  </a:schemeClr>
-                </a:solidFill>
-                <a:effectLst/>
-                <a:latin typeface="Open Sans" panose="020B0606030504020204" pitchFamily="34" charset="0"/>
-              </a:rPr>
-              <a:t>.  A </a:t>
-            </a:r>
-            <a:r>
-              <a:rPr lang="en-US" b="0" i="0" dirty="0" err="1">
-                <a:solidFill>
-                  <a:schemeClr val="tx1">
-                    <a:lumMod val="85000"/>
-                  </a:schemeClr>
-                </a:solidFill>
-                <a:effectLst/>
-                <a:latin typeface="Open Sans" panose="020B0606030504020204" pitchFamily="34" charset="0"/>
-              </a:rPr>
-              <a:t>NullPointerException</a:t>
-            </a:r>
-            <a:r>
-              <a:rPr lang="en-US" b="0" i="0" dirty="0">
-                <a:solidFill>
-                  <a:schemeClr val="tx1">
-                    <a:lumMod val="85000"/>
-                  </a:schemeClr>
-                </a:solidFill>
-                <a:effectLst/>
-                <a:latin typeface="Open Sans" panose="020B0606030504020204" pitchFamily="34" charset="0"/>
-              </a:rPr>
-              <a:t> is thrown by all methods of this class if the collections or Class Objects provided are null.  </a:t>
-            </a:r>
-          </a:p>
-        </p:txBody>
-      </p:sp>
-      <p:sp>
-        <p:nvSpPr>
-          <p:cNvPr id="5" name="TextBox 4">
-            <a:extLst>
-              <a:ext uri="{FF2B5EF4-FFF2-40B4-BE49-F238E27FC236}">
-                <a16:creationId xmlns:a16="http://schemas.microsoft.com/office/drawing/2014/main" id="{983625D7-1156-1D51-0A49-6B0357B75EF4}"/>
-              </a:ext>
-            </a:extLst>
-          </p:cNvPr>
-          <p:cNvSpPr txBox="1"/>
-          <p:nvPr/>
-        </p:nvSpPr>
-        <p:spPr>
-          <a:xfrm>
-            <a:off x="5454942" y="6396753"/>
-            <a:ext cx="6652864" cy="369332"/>
-          </a:xfrm>
-          <a:prstGeom prst="rect">
-            <a:avLst/>
-          </a:prstGeom>
-          <a:noFill/>
-        </p:spPr>
-        <p:txBody>
-          <a:bodyPr wrap="square">
-            <a:spAutoFit/>
-          </a:bodyPr>
-          <a:lstStyle/>
-          <a:p>
-            <a:r>
-              <a:rPr lang="en-US" dirty="0">
-                <a:hlinkClick r:id="rId7"/>
-              </a:rPr>
-              <a:t>https://docs.oracle.com/javase/8/docs/api/java/util/Collection.html</a:t>
-            </a:r>
-            <a:endParaRPr lang="en-US" dirty="0"/>
-          </a:p>
-        </p:txBody>
-      </p:sp>
-      <p:sp>
-        <p:nvSpPr>
-          <p:cNvPr id="9" name="TextBox 8">
-            <a:extLst>
-              <a:ext uri="{FF2B5EF4-FFF2-40B4-BE49-F238E27FC236}">
-                <a16:creationId xmlns:a16="http://schemas.microsoft.com/office/drawing/2014/main" id="{E3EBAC68-1411-42B9-71E1-6CD3E49066B5}"/>
-              </a:ext>
-            </a:extLst>
-          </p:cNvPr>
-          <p:cNvSpPr txBox="1"/>
-          <p:nvPr/>
-        </p:nvSpPr>
-        <p:spPr>
-          <a:xfrm>
-            <a:off x="2451683" y="6027421"/>
-            <a:ext cx="9938856" cy="369332"/>
-          </a:xfrm>
-          <a:prstGeom prst="rect">
-            <a:avLst/>
-          </a:prstGeom>
-          <a:noFill/>
-        </p:spPr>
-        <p:txBody>
-          <a:bodyPr wrap="square">
-            <a:spAutoFit/>
-          </a:bodyPr>
-          <a:lstStyle/>
-          <a:p>
-            <a:r>
-              <a:rPr lang="en-US" dirty="0">
-                <a:hlinkClick r:id="rId5"/>
-              </a:rPr>
-              <a:t>https://docs.oracle.com/en/java/javase/17/docs/api/java.base/java/util/doc-files/coll-overview.html</a:t>
-            </a:r>
-            <a:endParaRPr lang="en-US" dirty="0"/>
+            <a:pPr marL="0" marR="0" lvl="0" indent="0" algn="l" defTabSz="914400" rtl="0" eaLnBrk="1" fontAlgn="auto" latinLnBrk="0" hangingPunct="1">
+              <a:lnSpc>
+                <a:spcPct val="100000"/>
+              </a:lnSpc>
+              <a:spcBef>
+                <a:spcPts val="0"/>
+              </a:spcBef>
+              <a:spcAft>
+                <a:spcPts val="0"/>
+              </a:spcAft>
+              <a:buClrTx/>
+              <a:buSzTx/>
+              <a:buFontTx/>
+              <a:buNone/>
+              <a:tabLst/>
+              <a:defRPr/>
+            </a:pPr>
+            <a:r>
+              <a:rPr kumimoji="0" lang="en-US" sz="6000" b="0" i="0" u="none" strike="noStrike" kern="1200" cap="none" spc="0" normalizeH="0" baseline="0" noProof="0" dirty="0">
+                <a:ln>
+                  <a:noFill/>
+                </a:ln>
+                <a:solidFill>
+                  <a:prstClr val="white">
+                    <a:lumMod val="75000"/>
+                  </a:prstClr>
+                </a:solidFill>
+                <a:effectLst/>
+                <a:uLnTx/>
+                <a:uFillTx/>
+                <a:latin typeface="Open Sans" panose="020B0606030504020204" pitchFamily="34" charset="0"/>
+                <a:ea typeface="+mn-ea"/>
+                <a:cs typeface="+mn-cs"/>
+              </a:rPr>
+              <a:t>Exceptions</a:t>
+            </a:r>
           </a:p>
         </p:txBody>
       </p:sp>
     </p:spTree>
     <p:extLst>
       <p:ext uri="{BB962C8B-B14F-4D97-AF65-F5344CB8AC3E}">
-        <p14:creationId xmlns:p14="http://schemas.microsoft.com/office/powerpoint/2010/main" val="976671966"/>
+        <p14:creationId xmlns:p14="http://schemas.microsoft.com/office/powerpoint/2010/main" val="367428708"/>
       </p:ext>
     </p:extLst>
   </p:cSld>
@@ -10619,17 +12162,11 @@
                 <a:solidFill>
                   <a:srgbClr val="00B050"/>
                 </a:solidFill>
-                <a:latin typeface="Open Sans" panose="020B0606030504020204" pitchFamily="34" charset="0"/>
-              </a:rPr>
-              <a:t>Lists</a:t>
-            </a:r>
-            <a:endParaRPr lang="en-US" sz="2400" b="1" dirty="0">
-              <a:solidFill>
-                <a:srgbClr val="00B050"/>
-              </a:solidFill>
-              <a:effectLst/>
-              <a:latin typeface="Open Sans" panose="020B0606030504020204" pitchFamily="34" charset="0"/>
-            </a:endParaRPr>
+                <a:effectLst/>
+                <a:latin typeface="Open Sans" panose="020B0606030504020204" pitchFamily="34" charset="0"/>
+              </a:rPr>
+              <a:t>Exceptions</a:t>
+            </a:r>
           </a:p>
         </p:txBody>
       </p:sp>
@@ -10647,8 +12184,8 @@
         </p:nvSpPr>
         <p:spPr>
           <a:xfrm>
-            <a:off x="176169" y="465956"/>
-            <a:ext cx="11931637" cy="5724644"/>
+            <a:off x="176169" y="729420"/>
+            <a:ext cx="11931637" cy="5016758"/>
           </a:xfrm>
           <a:prstGeom prst="rect">
             <a:avLst/>
@@ -10672,73 +12209,7 @@
                 <a:effectLst/>
                 <a:latin typeface="Open Sans" panose="020B0606030504020204" pitchFamily="34" charset="0"/>
               </a:rPr>
-              <a:t>Lists are used to "collect"  elements.   By creating a List, you can </a:t>
-            </a:r>
-            <a:r>
-              <a:rPr lang="en-US" b="0" i="0" dirty="0">
-                <a:solidFill>
-                  <a:srgbClr val="00B0F0"/>
-                </a:solidFill>
-                <a:effectLst/>
-                <a:latin typeface="Open Sans" panose="020B0606030504020204" pitchFamily="34" charset="0"/>
-              </a:rPr>
-              <a:t>store any number of elements</a:t>
-            </a:r>
-            <a:r>
-              <a:rPr lang="en-US" b="0" i="0" dirty="0">
-                <a:solidFill>
-                  <a:schemeClr val="tx1">
-                    <a:lumMod val="85000"/>
-                  </a:schemeClr>
-                </a:solidFill>
-                <a:effectLst/>
-                <a:latin typeface="Open Sans" panose="020B0606030504020204" pitchFamily="34" charset="0"/>
-              </a:rPr>
-              <a:t>,  </a:t>
-            </a:r>
-            <a:r>
-              <a:rPr lang="en-US" b="0" i="0" dirty="0">
-                <a:solidFill>
-                  <a:srgbClr val="00B0F0"/>
-                </a:solidFill>
-                <a:effectLst/>
-                <a:latin typeface="Open Sans" panose="020B0606030504020204" pitchFamily="34" charset="0"/>
-              </a:rPr>
-              <a:t>dynamically modifying the List</a:t>
-            </a:r>
-            <a:r>
-              <a:rPr lang="en-US" b="0" i="0" dirty="0">
-                <a:solidFill>
-                  <a:schemeClr val="tx1">
-                    <a:lumMod val="85000"/>
-                  </a:schemeClr>
-                </a:solidFill>
-                <a:effectLst/>
-                <a:latin typeface="Open Sans" panose="020B0606030504020204" pitchFamily="34" charset="0"/>
-              </a:rPr>
-              <a:t>, and the location of each item is managed by the List.  Each element is accessible through a </a:t>
-            </a:r>
-            <a:r>
-              <a:rPr lang="en-US" b="0" i="0" dirty="0">
-                <a:solidFill>
-                  <a:srgbClr val="00B0F0"/>
-                </a:solidFill>
-                <a:effectLst/>
-                <a:latin typeface="Open Sans" panose="020B0606030504020204" pitchFamily="34" charset="0"/>
-              </a:rPr>
-              <a:t>variable that you declare as a List</a:t>
-            </a:r>
-            <a:r>
-              <a:rPr lang="en-US" b="0" i="0" dirty="0">
-                <a:solidFill>
-                  <a:schemeClr val="tx1">
-                    <a:lumMod val="85000"/>
-                  </a:schemeClr>
-                </a:solidFill>
-                <a:effectLst/>
-                <a:latin typeface="Open Sans" panose="020B0606030504020204" pitchFamily="34" charset="0"/>
-              </a:rPr>
-              <a:t>.</a:t>
+              <a:t>What is an Exception?</a:t>
             </a:r>
           </a:p>
           <a:p>
@@ -10765,7 +12236,7 @@
                 <a:effectLst/>
                 <a:latin typeface="Open Sans" panose="020B0606030504020204" pitchFamily="34" charset="0"/>
               </a:rPr>
-              <a:t>A List in Java is an </a:t>
+              <a:t>An </a:t>
             </a:r>
             <a:r>
               <a:rPr lang="en-US" b="0" i="0" dirty="0">
@@ -10775,7 +12246,7 @@
                 <a:effectLst/>
                 <a:latin typeface="Open Sans" panose="020B0606030504020204" pitchFamily="34" charset="0"/>
               </a:rPr>
-              <a:t>Interface</a:t>
+              <a:t>exception is defined an event</a:t>
             </a:r>
             <a:r>
               <a:rPr lang="en-US" b="0" i="0" dirty="0">
@@ -10787,7 +12258,7 @@
                 <a:effectLst/>
                 <a:latin typeface="Open Sans" panose="020B0606030504020204" pitchFamily="34" charset="0"/>
               </a:rPr>
-              <a:t>.   To use a List in Java, you </a:t>
+              <a:t>, which occurs during the execution of a program</a:t>
             </a:r>
             <a:r>
               <a:rPr lang="en-US" b="0" i="0" dirty="0">
@@ -10797,194 +12268,7 @@
                 <a:effectLst/>
                 <a:latin typeface="Open Sans" panose="020B0606030504020204" pitchFamily="34" charset="0"/>
               </a:rPr>
-              <a:t>will import the </a:t>
-            </a:r>
-            <a:r>
-              <a:rPr lang="en-US" b="0" i="0" dirty="0" err="1">
-                <a:solidFill>
-                  <a:srgbClr val="00B0F0"/>
-                </a:solidFill>
-                <a:effectLst/>
-                <a:latin typeface="Open Sans" panose="020B0606030504020204" pitchFamily="34" charset="0"/>
-              </a:rPr>
-              <a:t>java.util</a:t>
-            </a:r>
-            <a:r>
-              <a:rPr lang="en-US" b="0" i="0" dirty="0">
-                <a:solidFill>
-                  <a:srgbClr val="00B0F0"/>
-                </a:solidFill>
-                <a:effectLst/>
-                <a:latin typeface="Open Sans" panose="020B0606030504020204" pitchFamily="34" charset="0"/>
-              </a:rPr>
-              <a:t> </a:t>
-            </a:r>
-            <a:r>
-              <a:rPr lang="en-US" b="0" i="0" dirty="0">
-                <a:solidFill>
-                  <a:schemeClr val="tx1">
-                    <a:lumMod val="85000"/>
-                  </a:schemeClr>
-                </a:solidFill>
-                <a:effectLst/>
-                <a:latin typeface="Open Sans" panose="020B0606030504020204" pitchFamily="34" charset="0"/>
-              </a:rPr>
-              <a:t>library, and a List will need to be declared and initialized.  A List is often </a:t>
-            </a:r>
-            <a:r>
-              <a:rPr lang="en-US" b="0" i="0" dirty="0">
-                <a:solidFill>
-                  <a:srgbClr val="00B0F0"/>
-                </a:solidFill>
-                <a:effectLst/>
-                <a:latin typeface="Open Sans" panose="020B0606030504020204" pitchFamily="34" charset="0"/>
-              </a:rPr>
-              <a:t>implemented by the </a:t>
-            </a:r>
-            <a:r>
-              <a:rPr lang="en-US" b="0" i="0" dirty="0" err="1">
-                <a:solidFill>
-                  <a:srgbClr val="00B0F0"/>
-                </a:solidFill>
-                <a:effectLst/>
-                <a:latin typeface="Open Sans" panose="020B0606030504020204" pitchFamily="34" charset="0"/>
-              </a:rPr>
-              <a:t>ArrayList</a:t>
-            </a:r>
-            <a:r>
-              <a:rPr lang="en-US" b="0" i="0" dirty="0">
-                <a:solidFill>
-                  <a:srgbClr val="00B0F0"/>
-                </a:solidFill>
-                <a:effectLst/>
-                <a:latin typeface="Open Sans" panose="020B0606030504020204" pitchFamily="34" charset="0"/>
-              </a:rPr>
-              <a:t> class</a:t>
-            </a:r>
-            <a:r>
-              <a:rPr lang="en-US" b="0" i="0" dirty="0">
-                <a:solidFill>
-                  <a:schemeClr val="tx1">
-                    <a:lumMod val="85000"/>
-                  </a:schemeClr>
-                </a:solidFill>
-                <a:effectLst/>
-                <a:latin typeface="Open Sans" panose="020B0606030504020204" pitchFamily="34" charset="0"/>
-              </a:rPr>
-              <a:t>, but can also be implemented by one of these classes:  </a:t>
-            </a:r>
-            <a:r>
-              <a:rPr lang="en-US" b="0" i="0" dirty="0">
-                <a:solidFill>
-                  <a:srgbClr val="00B0F0"/>
-                </a:solidFill>
-                <a:effectLst/>
-                <a:latin typeface="Open Sans" panose="020B0606030504020204" pitchFamily="34" charset="0"/>
-              </a:rPr>
-              <a:t>LinkedList, Vector and Stack</a:t>
-            </a:r>
-            <a:r>
-              <a:rPr lang="en-US" b="0" i="0" dirty="0">
-                <a:solidFill>
-                  <a:schemeClr val="tx1">
-                    <a:lumMod val="85000"/>
-                  </a:schemeClr>
-                </a:solidFill>
-                <a:effectLst/>
-                <a:latin typeface="Open Sans" panose="020B0606030504020204" pitchFamily="34" charset="0"/>
-              </a:rPr>
-              <a:t>.  If you choose </a:t>
-            </a:r>
-            <a:r>
-              <a:rPr lang="en-US" b="0" i="0" dirty="0" err="1">
-                <a:solidFill>
-                  <a:schemeClr val="tx1">
-                    <a:lumMod val="85000"/>
-                  </a:schemeClr>
-                </a:solidFill>
-                <a:effectLst/>
-                <a:latin typeface="Open Sans" panose="020B0606030504020204" pitchFamily="34" charset="0"/>
-              </a:rPr>
-              <a:t>ArrayList</a:t>
-            </a:r>
-            <a:r>
-              <a:rPr lang="en-US" b="0" i="0" dirty="0">
-                <a:solidFill>
-                  <a:schemeClr val="tx1">
-                    <a:lumMod val="85000"/>
-                  </a:schemeClr>
-                </a:solidFill>
-                <a:effectLst/>
-                <a:latin typeface="Open Sans" panose="020B0606030504020204" pitchFamily="34" charset="0"/>
-              </a:rPr>
-              <a:t>,  you will also have to </a:t>
-            </a:r>
-            <a:r>
-              <a:rPr lang="en-US" b="0" i="0" dirty="0">
-                <a:solidFill>
-                  <a:srgbClr val="00B0F0"/>
-                </a:solidFill>
-                <a:effectLst/>
-                <a:latin typeface="Open Sans" panose="020B0606030504020204" pitchFamily="34" charset="0"/>
-              </a:rPr>
-              <a:t>import </a:t>
-            </a:r>
-            <a:r>
-              <a:rPr lang="en-US" b="0" i="0" dirty="0" err="1">
-                <a:solidFill>
-                  <a:srgbClr val="00B0F0"/>
-                </a:solidFill>
-                <a:effectLst/>
-                <a:latin typeface="Open Sans" panose="020B0606030504020204" pitchFamily="34" charset="0"/>
-              </a:rPr>
-              <a:t>ArrayList</a:t>
-            </a:r>
-            <a:r>
-              <a:rPr lang="en-US" b="0" i="0" dirty="0">
-                <a:solidFill>
-                  <a:srgbClr val="00B0F0"/>
-                </a:solidFill>
-                <a:effectLst/>
-                <a:latin typeface="Open Sans" panose="020B0606030504020204" pitchFamily="34" charset="0"/>
-              </a:rPr>
-              <a:t> from </a:t>
-            </a:r>
-            <a:r>
-              <a:rPr lang="en-US" b="0" i="0" dirty="0" err="1">
-                <a:solidFill>
-                  <a:srgbClr val="00B0F0"/>
-                </a:solidFill>
-                <a:effectLst/>
-                <a:latin typeface="Open Sans" panose="020B0606030504020204" pitchFamily="34" charset="0"/>
-              </a:rPr>
-              <a:t>java.util</a:t>
-            </a:r>
-            <a:r>
-              <a:rPr lang="en-US" b="0" i="0" dirty="0">
-                <a:solidFill>
-                  <a:schemeClr val="tx1">
-                    <a:lumMod val="85000"/>
-                  </a:schemeClr>
-                </a:solidFill>
-                <a:effectLst/>
-                <a:latin typeface="Open Sans" panose="020B0606030504020204" pitchFamily="34" charset="0"/>
-              </a:rPr>
-              <a:t>.</a:t>
-            </a:r>
-          </a:p>
-          <a:p>
-            <a:pPr algn="l"/>
-            <a:r>
-              <a:rPr lang="en-US" b="0" i="0" dirty="0">
-                <a:solidFill>
-                  <a:schemeClr val="tx1">
-                    <a:lumMod val="85000"/>
-                  </a:schemeClr>
-                </a:solidFill>
-                <a:effectLst/>
-                <a:latin typeface="Open Sans" panose="020B0606030504020204" pitchFamily="34" charset="0"/>
-              </a:rPr>
-              <a:t>Example declaring a List of String:</a:t>
+              <a:t>, that disrupts the normal flow of the program's instructions.</a:t>
             </a:r>
           </a:p>
           <a:p>
@@ -11000,177 +12284,6 @@
             </a:endParaRPr>
           </a:p>
           <a:p>
-            <a:pPr lvl="1"/>
-            <a:r>
-              <a:rPr lang="en-US" sz="1200" b="0" i="0" dirty="0">
-                <a:solidFill>
-                  <a:schemeClr val="tx1">
-                    <a:lumMod val="85000"/>
-                  </a:schemeClr>
-                </a:solidFill>
-                <a:effectLst/>
-                <a:latin typeface="Open Sans" panose="020B0606030504020204" pitchFamily="34" charset="0"/>
-              </a:rPr>
-              <a:t>List&lt;String&gt; </a:t>
-            </a:r>
-            <a:r>
-              <a:rPr lang="en-US" sz="1200" b="0" i="0" dirty="0" err="1">
-                <a:solidFill>
-                  <a:schemeClr val="tx1">
-                    <a:lumMod val="85000"/>
-                  </a:schemeClr>
-                </a:solidFill>
-                <a:effectLst/>
-                <a:latin typeface="Open Sans" panose="020B0606030504020204" pitchFamily="34" charset="0"/>
-              </a:rPr>
-              <a:t>myInstruments</a:t>
-            </a:r>
-            <a:r>
-              <a:rPr lang="en-US" sz="1200" b="0" i="0" dirty="0">
-                <a:solidFill>
-                  <a:schemeClr val="tx1">
-                    <a:lumMod val="85000"/>
-                  </a:schemeClr>
-                </a:solidFill>
-                <a:effectLst/>
-                <a:latin typeface="Open Sans" panose="020B0606030504020204" pitchFamily="34" charset="0"/>
-              </a:rPr>
-              <a:t> = new </a:t>
-            </a:r>
-            <a:r>
-              <a:rPr lang="en-US" sz="1200" b="0" i="0" dirty="0" err="1">
-                <a:solidFill>
-                  <a:schemeClr val="tx1">
-                    <a:lumMod val="85000"/>
-                  </a:schemeClr>
-                </a:solidFill>
-                <a:effectLst/>
-                <a:latin typeface="Open Sans" panose="020B0606030504020204" pitchFamily="34" charset="0"/>
-              </a:rPr>
-              <a:t>ArrayList</a:t>
-            </a:r>
-            <a:r>
-              <a:rPr lang="en-US" sz="1200" b="0" i="0" dirty="0">
-                <a:solidFill>
-                  <a:schemeClr val="tx1">
-                    <a:lumMod val="85000"/>
-                  </a:schemeClr>
-                </a:solidFill>
-                <a:effectLst/>
-                <a:latin typeface="Open Sans" panose="020B0606030504020204" pitchFamily="34" charset="0"/>
-              </a:rPr>
-              <a:t>&lt;String&gt;();</a:t>
-            </a:r>
-          </a:p>
-          <a:p>
-            <a:pPr lvl="1"/>
-            <a:r>
-              <a:rPr lang="en-US" sz="1200" b="0" i="0" dirty="0" err="1">
-                <a:solidFill>
-                  <a:schemeClr val="tx1">
-                    <a:lumMod val="85000"/>
-                  </a:schemeClr>
-                </a:solidFill>
-                <a:effectLst/>
-                <a:latin typeface="Open Sans" panose="020B0606030504020204" pitchFamily="34" charset="0"/>
-              </a:rPr>
-              <a:t>myInstruments.add</a:t>
-            </a:r>
-            <a:r>
-              <a:rPr lang="en-US" sz="1200" b="0" i="0" dirty="0">
-                <a:solidFill>
-                  <a:schemeClr val="tx1">
-                    <a:lumMod val="85000"/>
-                  </a:schemeClr>
-                </a:solidFill>
-                <a:effectLst/>
-                <a:latin typeface="Open Sans" panose="020B0606030504020204" pitchFamily="34" charset="0"/>
-              </a:rPr>
-              <a:t>("Tuba");</a:t>
-            </a:r>
-          </a:p>
-          <a:p>
-            <a:pPr lvl="1"/>
-            <a:r>
-              <a:rPr lang="en-US" sz="1200" b="0" i="0" dirty="0" err="1">
-                <a:solidFill>
-                  <a:schemeClr val="tx1">
-                    <a:lumMod val="85000"/>
-                  </a:schemeClr>
-                </a:solidFill>
-                <a:effectLst/>
-                <a:latin typeface="Open Sans" panose="020B0606030504020204" pitchFamily="34" charset="0"/>
-              </a:rPr>
-              <a:t>myInstruments.add</a:t>
-            </a:r>
-            <a:r>
-              <a:rPr lang="en-US" sz="1200" b="0" i="0" dirty="0">
-                <a:solidFill>
-                  <a:schemeClr val="tx1">
-                    <a:lumMod val="85000"/>
-                  </a:schemeClr>
-                </a:solidFill>
-                <a:effectLst/>
-                <a:latin typeface="Open Sans" panose="020B0606030504020204" pitchFamily="34" charset="0"/>
-              </a:rPr>
-              <a:t>("Trombone");</a:t>
-            </a:r>
-          </a:p>
-          <a:p>
-            <a:pPr lvl="1"/>
-            <a:r>
-              <a:rPr lang="en-US" sz="1200" b="0" i="0" dirty="0" err="1">
-                <a:solidFill>
-                  <a:schemeClr val="tx1">
-                    <a:lumMod val="85000"/>
-                  </a:schemeClr>
-                </a:solidFill>
-                <a:effectLst/>
-                <a:latin typeface="Open Sans" panose="020B0606030504020204" pitchFamily="34" charset="0"/>
-              </a:rPr>
-              <a:t>myInstruments.add</a:t>
-            </a:r>
-            <a:r>
-              <a:rPr lang="en-US" sz="1200" b="0" i="0" dirty="0">
-                <a:solidFill>
-                  <a:schemeClr val="tx1">
-                    <a:lumMod val="85000"/>
-                  </a:schemeClr>
-                </a:solidFill>
-                <a:effectLst/>
-                <a:latin typeface="Open Sans" panose="020B0606030504020204" pitchFamily="34" charset="0"/>
-              </a:rPr>
-              <a:t>("Trumpet");</a:t>
-            </a:r>
-          </a:p>
-          <a:p>
-            <a:pPr lvl="1"/>
-            <a:r>
-              <a:rPr lang="en-US" sz="1200" b="0" i="0" dirty="0" err="1">
-                <a:solidFill>
-                  <a:schemeClr val="tx1">
-                    <a:lumMod val="85000"/>
-                  </a:schemeClr>
-                </a:solidFill>
-                <a:effectLst/>
-                <a:latin typeface="Open Sans" panose="020B0606030504020204" pitchFamily="34" charset="0"/>
-              </a:rPr>
-              <a:t>myInstruments.add</a:t>
-            </a:r>
-            <a:r>
-              <a:rPr lang="en-US" sz="1200" b="0" i="0" dirty="0">
-                <a:solidFill>
-                  <a:schemeClr val="tx1">
-                    <a:lumMod val="85000"/>
-                  </a:schemeClr>
-                </a:solidFill>
-                <a:effectLst/>
-                <a:latin typeface="Open Sans" panose="020B0606030504020204" pitchFamily="34" charset="0"/>
-              </a:rPr>
-              <a:t>("Triangle");</a:t>
-            </a:r>
-          </a:p>
-          <a:p>
             <a:pPr algn="l"/>
             <a:endParaRPr lang="en-US" b="0" i="0" dirty="0">
               <a:solidFill>
@@ -11194,7 +12307,7 @@
                 <a:effectLst/>
                 <a:latin typeface="Open Sans" panose="020B0606030504020204" pitchFamily="34" charset="0"/>
               </a:rPr>
-              <a:t>Notice that </a:t>
+              <a:t>In Java, there are </a:t>
             </a:r>
             <a:r>
               <a:rPr lang="en-US" b="0" i="0" dirty="0">
@@ -11204,41 +12317,53 @@
                 <a:effectLst/>
                 <a:latin typeface="Open Sans" panose="020B0606030504020204" pitchFamily="34" charset="0"/>
               </a:rPr>
-              <a:t>unlike an Array</a:t>
-            </a:r>
+              <a:t>two types of Exceptions: </a:t>
+            </a:r>
+          </a:p>
+          <a:p>
+            <a:pPr marL="285750" indent="-285750" algn="l">
+              <a:buFont typeface="Arial" panose="020B0604020202020204" pitchFamily="34" charset="0"/>
+              <a:buChar char="•"/>
+            </a:pPr>
             <a:r>
               <a:rPr lang="en-US" b="0" i="0" dirty="0">
                 <a:solidFill>
-                  <a:schemeClr val="tx1">
-                    <a:lumMod val="85000"/>
-                  </a:schemeClr>
-                </a:solidFill>
-                <a:effectLst/>
-                <a:latin typeface="Open Sans" panose="020B0606030504020204" pitchFamily="34" charset="0"/>
-              </a:rPr>
-              <a:t>, you can </a:t>
+                  <a:srgbClr val="00B0F0"/>
+                </a:solidFill>
+                <a:effectLst/>
+                <a:latin typeface="Open Sans" panose="020B0606030504020204" pitchFamily="34" charset="0"/>
+              </a:rPr>
+              <a:t>Checked Exceptions </a:t>
             </a:r>
             <a:r>
               <a:rPr lang="en-US" b="0" i="0" dirty="0">
                 <a:solidFill>
-                  <a:srgbClr val="00B0F0"/>
-                </a:solidFill>
-                <a:effectLst/>
-                <a:latin typeface="Open Sans" panose="020B0606030504020204" pitchFamily="34" charset="0"/>
-              </a:rPr>
-              <a:t>dynamically add additional elements to your List</a:t>
-            </a:r>
-            <a:r>
-              <a:rPr lang="en-US" b="0" i="0" dirty="0">
-                <a:solidFill>
-                  <a:schemeClr val="tx1">
-                    <a:lumMod val="85000"/>
-                  </a:schemeClr>
-                </a:solidFill>
-                <a:effectLst/>
-                <a:latin typeface="Open Sans" panose="020B0606030504020204" pitchFamily="34" charset="0"/>
-              </a:rPr>
-              <a:t>, inserting as many elements as you wish to this same List, without throwing an exception:</a:t>
+                  <a:schemeClr val="tx1">
+                    <a:lumMod val="85000"/>
+                  </a:schemeClr>
+                </a:solidFill>
+                <a:effectLst/>
+                <a:latin typeface="Open Sans" panose="020B0606030504020204" pitchFamily="34" charset="0"/>
+              </a:rPr>
+              <a:t>-- these are checked by the compiler at compiler time</a:t>
+            </a:r>
+          </a:p>
+          <a:p>
+            <a:pPr marL="742950" lvl="1" indent="-285750">
+              <a:buFont typeface="Arial" panose="020B0604020202020204" pitchFamily="34" charset="0"/>
+              <a:buChar char="•"/>
+            </a:pPr>
+            <a:r>
+              <a:rPr lang="en-US" sz="1600" b="0" i="1" dirty="0">
+                <a:solidFill>
+                  <a:schemeClr val="tx1">
+                    <a:lumMod val="85000"/>
+                  </a:schemeClr>
+                </a:solidFill>
+                <a:effectLst/>
+                <a:latin typeface="Open Sans" panose="020B0606030504020204" pitchFamily="34" charset="0"/>
+              </a:rPr>
+              <a:t>Example:   syntax errors -- a missing semi-colon or closing curly brace, incorrect datatype assignment, returning the wrong data type from a method, etc.</a:t>
             </a:r>
           </a:p>
           <a:p>
@@ -11254,106 +12379,287 @@
             </a:endParaRPr>
           </a:p>
           <a:p>
-            <a:pPr lvl="1"/>
-            <a:r>
-              <a:rPr lang="en-US" sz="1200" b="0" i="0" dirty="0" err="1">
-                <a:solidFill>
-                  <a:schemeClr val="tx1">
-                    <a:lumMod val="85000"/>
-                  </a:schemeClr>
-                </a:solidFill>
-                <a:effectLst/>
-                <a:latin typeface="Open Sans" panose="020B0606030504020204" pitchFamily="34" charset="0"/>
-              </a:rPr>
-              <a:t>myInstruments.add</a:t>
-            </a:r>
-            <a:r>
-              <a:rPr lang="en-US" sz="1200" b="0" i="0" dirty="0">
-                <a:solidFill>
-                  <a:schemeClr val="tx1">
-                    <a:lumMod val="85000"/>
-                  </a:schemeClr>
-                </a:solidFill>
-                <a:effectLst/>
-                <a:latin typeface="Open Sans" panose="020B0606030504020204" pitchFamily="34" charset="0"/>
-              </a:rPr>
-              <a:t>("Flute");</a:t>
-            </a:r>
-          </a:p>
-          <a:p>
-            <a:pPr lvl="1"/>
-            <a:r>
-              <a:rPr lang="en-US" sz="1200" b="0" i="0" dirty="0" err="1">
-                <a:solidFill>
-                  <a:schemeClr val="tx1">
-                    <a:lumMod val="85000"/>
-                  </a:schemeClr>
-                </a:solidFill>
-                <a:effectLst/>
-                <a:latin typeface="Open Sans" panose="020B0606030504020204" pitchFamily="34" charset="0"/>
-              </a:rPr>
-              <a:t>myInstruments.add</a:t>
-            </a:r>
-            <a:r>
-              <a:rPr lang="en-US" sz="1200" b="0" i="0" dirty="0">
-                <a:solidFill>
-                  <a:schemeClr val="tx1">
-                    <a:lumMod val="85000"/>
-                  </a:schemeClr>
-                </a:solidFill>
-                <a:effectLst/>
-                <a:latin typeface="Open Sans" panose="020B0606030504020204" pitchFamily="34" charset="0"/>
-              </a:rPr>
-              <a:t>("Clarinet");</a:t>
-            </a:r>
-          </a:p>
-          <a:p>
-            <a:pPr lvl="1"/>
-            <a:r>
-              <a:rPr lang="en-US" sz="1200" b="0" i="0" dirty="0" err="1">
-                <a:solidFill>
-                  <a:schemeClr val="tx1">
-                    <a:lumMod val="85000"/>
-                  </a:schemeClr>
-                </a:solidFill>
-                <a:effectLst/>
-                <a:latin typeface="Open Sans" panose="020B0606030504020204" pitchFamily="34" charset="0"/>
-              </a:rPr>
-              <a:t>myInstruments.add</a:t>
-            </a:r>
-            <a:r>
-              <a:rPr lang="en-US" sz="1200" b="0" i="0" dirty="0">
-                <a:solidFill>
-                  <a:schemeClr val="tx1">
-                    <a:lumMod val="85000"/>
-                  </a:schemeClr>
-                </a:solidFill>
-                <a:effectLst/>
-                <a:latin typeface="Open Sans" panose="020B0606030504020204" pitchFamily="34" charset="0"/>
-              </a:rPr>
-              <a:t>("Oboe");</a:t>
-            </a:r>
-          </a:p>
-          <a:p>
-            <a:pPr algn="l"/>
-            <a:endParaRPr lang="en-US" b="0" i="0" dirty="0">
-              <a:solidFill>
-                <a:schemeClr val="tx1">
-                  <a:lumMod val="85000"/>
-                </a:schemeClr>
-              </a:solidFill>
-              <a:effectLst/>
-              <a:latin typeface="Open Sans" panose="020B0606030504020204" pitchFamily="34" charset="0"/>
-            </a:endParaRPr>
+            <a:pPr marL="285750" indent="-285750" algn="l">
+              <a:buFont typeface="Arial" panose="020B0604020202020204" pitchFamily="34" charset="0"/>
+              <a:buChar char="•"/>
+            </a:pPr>
+            <a:r>
+              <a:rPr lang="en-US" b="0" i="0" dirty="0">
+                <a:solidFill>
+                  <a:srgbClr val="00B0F0"/>
+                </a:solidFill>
+                <a:effectLst/>
+                <a:latin typeface="Open Sans" panose="020B0606030504020204" pitchFamily="34" charset="0"/>
+              </a:rPr>
+              <a:t>Unchecked Exceptions </a:t>
+            </a:r>
+            <a:r>
+              <a:rPr lang="en-US" b="0" i="0" dirty="0">
+                <a:solidFill>
+                  <a:schemeClr val="tx1">
+                    <a:lumMod val="85000"/>
+                  </a:schemeClr>
+                </a:solidFill>
+                <a:effectLst/>
+                <a:latin typeface="Open Sans" panose="020B0606030504020204" pitchFamily="34" charset="0"/>
+              </a:rPr>
+              <a:t>-- these are not caught by the compiler, included here are runtime exceptions and errors.</a:t>
+            </a:r>
+          </a:p>
+          <a:p>
+            <a:pPr marL="742950" lvl="1" indent="-285750">
+              <a:buFont typeface="Arial" panose="020B0604020202020204" pitchFamily="34" charset="0"/>
+              <a:buChar char="•"/>
+            </a:pPr>
+            <a:r>
+              <a:rPr lang="en-US" b="0" i="0" dirty="0">
+                <a:solidFill>
+                  <a:srgbClr val="00B0F0"/>
+                </a:solidFill>
+                <a:effectLst/>
+                <a:latin typeface="Open Sans" panose="020B0606030504020204" pitchFamily="34" charset="0"/>
+              </a:rPr>
+              <a:t>Runtime Exception Example:</a:t>
+            </a:r>
+            <a:r>
+              <a:rPr lang="en-US" b="0" i="0" dirty="0">
+                <a:solidFill>
+                  <a:schemeClr val="tx1">
+                    <a:lumMod val="85000"/>
+                  </a:schemeClr>
+                </a:solidFill>
+                <a:effectLst/>
+                <a:latin typeface="Open Sans" panose="020B0606030504020204" pitchFamily="34" charset="0"/>
+              </a:rPr>
+              <a:t> Trying to access a Null Address, Out-of-Bounds Indices,</a:t>
+            </a:r>
+            <a:br>
+              <a:rPr lang="en-US" b="0" i="0" dirty="0">
+                <a:solidFill>
+                  <a:schemeClr val="tx1">
+                    <a:lumMod val="85000"/>
+                  </a:schemeClr>
+                </a:solidFill>
+                <a:effectLst/>
+                <a:latin typeface="Open Sans" panose="020B0606030504020204" pitchFamily="34" charset="0"/>
+              </a:rPr>
+            </a:br>
+            <a:r>
+              <a:rPr lang="en-US" b="0" i="1" dirty="0">
+                <a:solidFill>
+                  <a:schemeClr val="tx1">
+                    <a:lumMod val="85000"/>
+                  </a:schemeClr>
+                </a:solidFill>
+                <a:effectLst/>
+                <a:latin typeface="Open Sans" panose="020B0606030504020204" pitchFamily="34" charset="0"/>
+              </a:rPr>
+              <a:t>Class:  </a:t>
+            </a:r>
+            <a:r>
+              <a:rPr lang="en-US" b="0" i="1" dirty="0" err="1">
+                <a:solidFill>
+                  <a:schemeClr val="tx1">
+                    <a:lumMod val="85000"/>
+                  </a:schemeClr>
+                </a:solidFill>
+                <a:effectLst/>
+                <a:latin typeface="Open Sans" panose="020B0606030504020204" pitchFamily="34" charset="0"/>
+              </a:rPr>
+              <a:t>RuntimeException</a:t>
+            </a:r>
+            <a:r>
+              <a:rPr lang="en-US" b="0" i="1" dirty="0">
+                <a:solidFill>
+                  <a:schemeClr val="tx1">
+                    <a:lumMod val="85000"/>
+                  </a:schemeClr>
+                </a:solidFill>
+                <a:effectLst/>
+                <a:latin typeface="Open Sans" panose="020B0606030504020204" pitchFamily="34" charset="0"/>
+              </a:rPr>
+              <a:t>, </a:t>
+            </a:r>
+            <a:r>
+              <a:rPr lang="en-US" b="0" i="1" dirty="0" err="1">
+                <a:solidFill>
+                  <a:schemeClr val="tx1">
+                    <a:lumMod val="85000"/>
+                  </a:schemeClr>
+                </a:solidFill>
+                <a:effectLst/>
+                <a:latin typeface="Open Sans" panose="020B0606030504020204" pitchFamily="34" charset="0"/>
+              </a:rPr>
+              <a:t>NullPointerException</a:t>
+            </a:r>
+            <a:r>
+              <a:rPr lang="en-US" b="0" i="1" dirty="0">
+                <a:solidFill>
+                  <a:schemeClr val="tx1">
+                    <a:lumMod val="85000"/>
+                  </a:schemeClr>
+                </a:solidFill>
+                <a:effectLst/>
+                <a:latin typeface="Open Sans" panose="020B0606030504020204" pitchFamily="34" charset="0"/>
+              </a:rPr>
+              <a:t>, </a:t>
+            </a:r>
+            <a:r>
+              <a:rPr lang="en-US" b="0" i="1" dirty="0" err="1">
+                <a:solidFill>
+                  <a:schemeClr val="tx1">
+                    <a:lumMod val="85000"/>
+                  </a:schemeClr>
+                </a:solidFill>
+                <a:effectLst/>
+                <a:latin typeface="Open Sans" panose="020B0606030504020204" pitchFamily="34" charset="0"/>
+              </a:rPr>
+              <a:t>ArithmeticException</a:t>
+            </a:r>
+            <a:r>
+              <a:rPr lang="en-US" b="0" i="1" dirty="0">
+                <a:solidFill>
+                  <a:schemeClr val="tx1">
+                    <a:lumMod val="85000"/>
+                  </a:schemeClr>
+                </a:solidFill>
+                <a:effectLst/>
+                <a:latin typeface="Open Sans" panose="020B0606030504020204" pitchFamily="34" charset="0"/>
+              </a:rPr>
+              <a:t>, etc.</a:t>
+            </a:r>
+          </a:p>
+          <a:p>
+            <a:pPr marL="742950" lvl="1" indent="-285750">
+              <a:buFont typeface="Arial" panose="020B0604020202020204" pitchFamily="34" charset="0"/>
+              <a:buChar char="•"/>
+            </a:pPr>
+            <a:r>
+              <a:rPr lang="en-US" b="0" i="0" dirty="0">
+                <a:solidFill>
+                  <a:srgbClr val="00B0F0"/>
+                </a:solidFill>
+                <a:effectLst/>
+                <a:latin typeface="Open Sans" panose="020B0606030504020204" pitchFamily="34" charset="0"/>
+              </a:rPr>
+              <a:t>Error Exception Example:</a:t>
+            </a:r>
+            <a:r>
+              <a:rPr lang="en-US" b="0" i="0" dirty="0">
+                <a:solidFill>
+                  <a:schemeClr val="tx1">
+                    <a:lumMod val="85000"/>
+                  </a:schemeClr>
+                </a:solidFill>
+                <a:effectLst/>
+                <a:latin typeface="Open Sans" panose="020B0606030504020204" pitchFamily="34" charset="0"/>
+              </a:rPr>
+              <a:t>  Serious issues that cause an application to abort, or to stop running, including Memory or Stack Overflow Errors, </a:t>
+            </a:r>
+            <a:br>
+              <a:rPr lang="en-US" b="0" i="0" dirty="0">
+                <a:solidFill>
+                  <a:schemeClr val="tx1">
+                    <a:lumMod val="85000"/>
+                  </a:schemeClr>
+                </a:solidFill>
+                <a:effectLst/>
+                <a:latin typeface="Open Sans" panose="020B0606030504020204" pitchFamily="34" charset="0"/>
+              </a:rPr>
+            </a:br>
+            <a:r>
+              <a:rPr lang="en-US" b="0" i="1" dirty="0">
+                <a:solidFill>
+                  <a:schemeClr val="tx1">
+                    <a:lumMod val="85000"/>
+                  </a:schemeClr>
+                </a:solidFill>
+                <a:effectLst/>
+                <a:latin typeface="Open Sans" panose="020B0606030504020204" pitchFamily="34" charset="0"/>
+              </a:rPr>
+              <a:t>Class:  </a:t>
+            </a:r>
+            <a:r>
+              <a:rPr lang="en-US" b="0" i="1" dirty="0" err="1">
+                <a:solidFill>
+                  <a:schemeClr val="tx1">
+                    <a:lumMod val="85000"/>
+                  </a:schemeClr>
+                </a:solidFill>
+                <a:effectLst/>
+                <a:latin typeface="Open Sans" panose="020B0606030504020204" pitchFamily="34" charset="0"/>
+              </a:rPr>
+              <a:t>OutOfMemory</a:t>
+            </a:r>
+            <a:r>
+              <a:rPr lang="en-US" b="0" i="1" dirty="0">
+                <a:solidFill>
+                  <a:schemeClr val="tx1">
+                    <a:lumMod val="85000"/>
+                  </a:schemeClr>
+                </a:solidFill>
+                <a:effectLst/>
+                <a:latin typeface="Open Sans" panose="020B0606030504020204" pitchFamily="34" charset="0"/>
+              </a:rPr>
+              <a:t>, </a:t>
+            </a:r>
+            <a:r>
+              <a:rPr lang="en-US" b="0" i="1" dirty="0" err="1">
+                <a:solidFill>
+                  <a:schemeClr val="tx1">
+                    <a:lumMod val="85000"/>
+                  </a:schemeClr>
+                </a:solidFill>
+                <a:effectLst/>
+                <a:latin typeface="Open Sans" panose="020B0606030504020204" pitchFamily="34" charset="0"/>
+              </a:rPr>
+              <a:t>StackOverflow</a:t>
+            </a:r>
+            <a:r>
+              <a:rPr lang="en-US" b="0" i="1" dirty="0">
+                <a:solidFill>
+                  <a:schemeClr val="tx1">
+                    <a:lumMod val="85000"/>
+                  </a:schemeClr>
+                </a:solidFill>
+                <a:effectLst/>
+                <a:latin typeface="Open Sans" panose="020B0606030504020204" pitchFamily="34" charset="0"/>
+              </a:rPr>
+              <a:t>, </a:t>
+            </a:r>
+            <a:r>
+              <a:rPr lang="en-US" b="0" i="1" dirty="0" err="1">
+                <a:solidFill>
+                  <a:schemeClr val="tx1">
+                    <a:lumMod val="85000"/>
+                  </a:schemeClr>
+                </a:solidFill>
+                <a:effectLst/>
+                <a:latin typeface="Open Sans" panose="020B0606030504020204" pitchFamily="34" charset="0"/>
+              </a:rPr>
+              <a:t>VirtualMachineError</a:t>
+            </a:r>
+            <a:r>
+              <a:rPr lang="en-US" b="0" i="1" dirty="0">
+                <a:solidFill>
+                  <a:schemeClr val="tx1">
+                    <a:lumMod val="85000"/>
+                  </a:schemeClr>
+                </a:solidFill>
+                <a:effectLst/>
+                <a:latin typeface="Open Sans" panose="020B0606030504020204" pitchFamily="34" charset="0"/>
+              </a:rPr>
+              <a:t>, etc.</a:t>
+            </a:r>
           </a:p>
         </p:txBody>
       </p:sp>
       <p:sp>
         <p:nvSpPr>
-          <p:cNvPr id="5" name="TextBox 4">
+          <p:cNvPr id="3" name="TextBox 2">
             <a:extLst>
               <a:ext uri="{FF2B5EF4-FFF2-40B4-BE49-F238E27FC236}">
-                <a16:creationId xmlns:a16="http://schemas.microsoft.com/office/drawing/2014/main" id="{B437B980-7F96-675E-3EC5-34BF0DF65123}"/>
+                <a16:creationId xmlns:a16="http://schemas.microsoft.com/office/drawing/2014/main" id="{C9DDF84E-4B1D-A8C8-4D2B-5582BF58B0D3}"/>
               </a:ext>
             </a:extLst>
           </p:cNvPr>
@@ -11362,8 +12668,8 @@
         </p:nvSpPr>
         <p:spPr>
           <a:xfrm>
-            <a:off x="2961010" y="6379975"/>
-            <a:ext cx="9146796" cy="369332"/>
+            <a:off x="4665387" y="6409024"/>
+            <a:ext cx="7540363" cy="369332"/>
           </a:xfrm>
           <a:prstGeom prst="rect">
             <a:avLst/>
@@ -11380,7 +12686,45 @@
               <a:rPr lang="en-US" dirty="0">
                 <a:hlinkClick r:id="rId2"/>
               </a:rPr>
-              <a:t>https://github.com/ckiefriter1/Java-Code-Examples/blob/main/src/collections/ListExample.java</a:t>
+              <a:t>https://docs.oracle.com/javase/tutorial/essential/exceptions/definition.html</a:t>
+            </a:r>
+            <a:endParaRPr lang="en-US" dirty="0"/>
+          </a:p>
+        </p:txBody>
+      </p:sp>
+      <p:sp>
+        <p:nvSpPr>
+          <p:cNvPr id="8" name="TextBox 7">
+            <a:extLst>
+              <a:ext uri="{FF2B5EF4-FFF2-40B4-BE49-F238E27FC236}">
+                <a16:creationId xmlns:a16="http://schemas.microsoft.com/office/drawing/2014/main" id="{9FF17257-FCFA-B5FD-1F98-96E3F7F501FF}"/>
+              </a:ext>
+            </a:extLst>
+          </p:cNvPr>
+          <p:cNvSpPr txBox="1"/>
+          <p:nvPr/>
+        </p:nvSpPr>
+        <p:spPr>
+          <a:xfrm>
+            <a:off x="4651638" y="6039692"/>
+            <a:ext cx="7540362" cy="369332"/>
+          </a:xfrm>
+          <a:prstGeom prst="rect">
+            <a:avLst/>
+          </a:prstGeom>
+          <a:noFill/>
+        </p:spPr>
+        <p:txBody>
+          <a:bodyPr wrap="square">
+            <a:spAutoFit/>
+          </a:bodyPr>
+          <a:lstStyle/>
+          <a:p>
+            <a:r>
+              <a:rPr lang="en-US" dirty="0">
+                <a:hlinkClick r:id="rId3"/>
+              </a:rPr>
+              <a:t>https://github.com/ckiefriter1/Java-Code-Examples/tree/main/src/exceptions</a:t>
             </a:r>
             <a:endParaRPr lang="en-US" dirty="0"/>
           </a:p>
@@ -11389,7 +12733,7 @@
     </p:spTree>
     <p:extLst>
       <p:ext uri="{BB962C8B-B14F-4D97-AF65-F5344CB8AC3E}">
-        <p14:creationId xmlns:p14="http://schemas.microsoft.com/office/powerpoint/2010/main" val="3007476099"/>
+        <p14:creationId xmlns:p14="http://schemas.microsoft.com/office/powerpoint/2010/main" val="976671966"/>
       </p:ext>
     </p:extLst>
   </p:cSld>

--- a/Week5/BESD Week 5.pptx
+++ b/Week5/BESD Week 5.pptx
@@ -133,7 +133,7 @@
 <file path=ppt/revisionInfo.xml><?xml version="1.0" encoding="utf-8"?>
 <p1510:revInfo xmlns:a="http://schemas.openxmlformats.org/drawingml/2006/main" xmlns:r="http://schemas.openxmlformats.org/officeDocument/2006/relationships" xmlns:p1510="http://schemas.microsoft.com/office/powerpoint/2015/10/main">
   <p1510:revLst>
-    <p1510:client id="{C11307D8-F416-4216-B85A-47312E9494DC}" v="32" dt="2023-04-03T18:46:33.291"/>
+    <p1510:client id="{C11307D8-F416-4216-B85A-47312E9494DC}" v="33" dt="2023-04-04T20:44:59.926"/>
   </p1510:revLst>
 </p1510:revInfo>
 </file>
@@ -1259,12 +1259,12 @@
   <pc:docChgLst>
     <pc:chgData name="Chuck Kiefriter" userId="c57348f7-b440-4861-a58f-c89f414ea74a" providerId="ADAL" clId="{C11307D8-F416-4216-B85A-47312E9494DC}"/>
     <pc:docChg chg="undo custSel addSld delSld modSld sldOrd">
-      <pc:chgData name="Chuck Kiefriter" userId="c57348f7-b440-4861-a58f-c89f414ea74a" providerId="ADAL" clId="{C11307D8-F416-4216-B85A-47312E9494DC}" dt="2023-04-03T18:58:14.568" v="1424" actId="20577"/>
+      <pc:chgData name="Chuck Kiefriter" userId="c57348f7-b440-4861-a58f-c89f414ea74a" providerId="ADAL" clId="{C11307D8-F416-4216-B85A-47312E9494DC}" dt="2023-04-04T22:40:58.023" v="1441" actId="20577"/>
       <pc:docMkLst>
         <pc:docMk/>
       </pc:docMkLst>
       <pc:sldChg chg="delSp modSp mod">
-        <pc:chgData name="Chuck Kiefriter" userId="c57348f7-b440-4861-a58f-c89f414ea74a" providerId="ADAL" clId="{C11307D8-F416-4216-B85A-47312E9494DC}" dt="2023-04-02T22:24:16.735" v="219" actId="6549"/>
+        <pc:chgData name="Chuck Kiefriter" userId="c57348f7-b440-4861-a58f-c89f414ea74a" providerId="ADAL" clId="{C11307D8-F416-4216-B85A-47312E9494DC}" dt="2023-04-04T22:40:58.023" v="1441" actId="20577"/>
         <pc:sldMkLst>
           <pc:docMk/>
           <pc:sldMk cId="3995279466" sldId="256"/>
@@ -1278,7 +1278,7 @@
           </ac:spMkLst>
         </pc:spChg>
         <pc:spChg chg="mod">
-          <ac:chgData name="Chuck Kiefriter" userId="c57348f7-b440-4861-a58f-c89f414ea74a" providerId="ADAL" clId="{C11307D8-F416-4216-B85A-47312E9494DC}" dt="2023-04-02T22:24:16.735" v="219" actId="6549"/>
+          <ac:chgData name="Chuck Kiefriter" userId="c57348f7-b440-4861-a58f-c89f414ea74a" providerId="ADAL" clId="{C11307D8-F416-4216-B85A-47312E9494DC}" dt="2023-04-04T22:40:58.023" v="1441" actId="20577"/>
           <ac:spMkLst>
             <pc:docMk/>
             <pc:sldMk cId="3995279466" sldId="256"/>
@@ -1348,7 +1348,7 @@
         </pc:spChg>
       </pc:sldChg>
       <pc:sldChg chg="addSp delSp modSp mod">
-        <pc:chgData name="Chuck Kiefriter" userId="c57348f7-b440-4861-a58f-c89f414ea74a" providerId="ADAL" clId="{C11307D8-F416-4216-B85A-47312E9494DC}" dt="2023-04-03T17:15:25.128" v="1318" actId="1076"/>
+        <pc:chgData name="Chuck Kiefriter" userId="c57348f7-b440-4861-a58f-c89f414ea74a" providerId="ADAL" clId="{C11307D8-F416-4216-B85A-47312E9494DC}" dt="2023-04-04T18:57:23.796" v="1425" actId="207"/>
         <pc:sldMkLst>
           <pc:docMk/>
           <pc:sldMk cId="976671966" sldId="278"/>
@@ -1362,7 +1362,7 @@
           </ac:spMkLst>
         </pc:spChg>
         <pc:spChg chg="mod">
-          <ac:chgData name="Chuck Kiefriter" userId="c57348f7-b440-4861-a58f-c89f414ea74a" providerId="ADAL" clId="{C11307D8-F416-4216-B85A-47312E9494DC}" dt="2023-04-03T15:14:44.713" v="770" actId="207"/>
+          <ac:chgData name="Chuck Kiefriter" userId="c57348f7-b440-4861-a58f-c89f414ea74a" providerId="ADAL" clId="{C11307D8-F416-4216-B85A-47312E9494DC}" dt="2023-04-04T18:57:23.796" v="1425" actId="207"/>
           <ac:spMkLst>
             <pc:docMk/>
             <pc:sldMk cId="976671966" sldId="278"/>
@@ -1468,7 +1468,7 @@
         </pc:sldMkLst>
       </pc:sldChg>
       <pc:sldChg chg="addSp modSp add mod">
-        <pc:chgData name="Chuck Kiefriter" userId="c57348f7-b440-4861-a58f-c89f414ea74a" providerId="ADAL" clId="{C11307D8-F416-4216-B85A-47312E9494DC}" dt="2023-04-02T22:34:44.575" v="335" actId="1036"/>
+        <pc:chgData name="Chuck Kiefriter" userId="c57348f7-b440-4861-a58f-c89f414ea74a" providerId="ADAL" clId="{C11307D8-F416-4216-B85A-47312E9494DC}" dt="2023-04-04T22:37:32.693" v="1436" actId="1076"/>
         <pc:sldMkLst>
           <pc:docMk/>
           <pc:sldMk cId="250210305" sldId="293"/>
@@ -1503,6 +1503,14 @@
             <pc:docMk/>
             <pc:sldMk cId="250210305" sldId="293"/>
             <ac:picMk id="4" creationId="{7CB28188-CD37-F6A4-6D3C-70765550BD6C}"/>
+          </ac:picMkLst>
+        </pc:picChg>
+        <pc:picChg chg="add mod">
+          <ac:chgData name="Chuck Kiefriter" userId="c57348f7-b440-4861-a58f-c89f414ea74a" providerId="ADAL" clId="{C11307D8-F416-4216-B85A-47312E9494DC}" dt="2023-04-04T22:37:32.693" v="1436" actId="1076"/>
+          <ac:picMkLst>
+            <pc:docMk/>
+            <pc:sldMk cId="250210305" sldId="293"/>
+            <ac:picMk id="5" creationId="{53DF2F7F-7B17-ADB3-6B4E-639563DF2A2A}"/>
           </ac:picMkLst>
         </pc:picChg>
       </pc:sldChg>
@@ -1632,7 +1640,7 @@
         </pc:spChg>
       </pc:sldChg>
       <pc:sldChg chg="addSp delSp modSp add mod">
-        <pc:chgData name="Chuck Kiefriter" userId="c57348f7-b440-4861-a58f-c89f414ea74a" providerId="ADAL" clId="{C11307D8-F416-4216-B85A-47312E9494DC}" dt="2023-04-03T15:28:53.796" v="836" actId="1035"/>
+        <pc:chgData name="Chuck Kiefriter" userId="c57348f7-b440-4861-a58f-c89f414ea74a" providerId="ADAL" clId="{C11307D8-F416-4216-B85A-47312E9494DC}" dt="2023-04-04T18:58:19.446" v="1426" actId="207"/>
         <pc:sldMkLst>
           <pc:docMk/>
           <pc:sldMk cId="2586908395" sldId="297"/>
@@ -1646,7 +1654,7 @@
           </ac:spMkLst>
         </pc:spChg>
         <pc:spChg chg="mod">
-          <ac:chgData name="Chuck Kiefriter" userId="c57348f7-b440-4861-a58f-c89f414ea74a" providerId="ADAL" clId="{C11307D8-F416-4216-B85A-47312E9494DC}" dt="2023-04-03T15:28:53.796" v="836" actId="1035"/>
+          <ac:chgData name="Chuck Kiefriter" userId="c57348f7-b440-4861-a58f-c89f414ea74a" providerId="ADAL" clId="{C11307D8-F416-4216-B85A-47312E9494DC}" dt="2023-04-04T18:58:19.446" v="1426" actId="207"/>
           <ac:spMkLst>
             <pc:docMk/>
             <pc:sldMk cId="2586908395" sldId="297"/>
@@ -1709,14 +1717,22 @@
           </ac:picMkLst>
         </pc:picChg>
       </pc:sldChg>
-      <pc:sldChg chg="delSp modSp add mod">
-        <pc:chgData name="Chuck Kiefriter" userId="c57348f7-b440-4861-a58f-c89f414ea74a" providerId="ADAL" clId="{C11307D8-F416-4216-B85A-47312E9494DC}" dt="2023-04-03T15:51:14.322" v="1210" actId="6549"/>
+      <pc:sldChg chg="addSp delSp modSp add mod">
+        <pc:chgData name="Chuck Kiefriter" userId="c57348f7-b440-4861-a58f-c89f414ea74a" providerId="ADAL" clId="{C11307D8-F416-4216-B85A-47312E9494DC}" dt="2023-04-04T20:45:30.493" v="1433" actId="1076"/>
         <pc:sldMkLst>
           <pc:docMk/>
           <pc:sldMk cId="12263916" sldId="299"/>
         </pc:sldMkLst>
+        <pc:spChg chg="add mod">
+          <ac:chgData name="Chuck Kiefriter" userId="c57348f7-b440-4861-a58f-c89f414ea74a" providerId="ADAL" clId="{C11307D8-F416-4216-B85A-47312E9494DC}" dt="2023-04-04T20:45:30.493" v="1433" actId="1076"/>
+          <ac:spMkLst>
+            <pc:docMk/>
+            <pc:sldMk cId="12263916" sldId="299"/>
+            <ac:spMk id="2" creationId="{05E39B88-6490-5C54-C767-A0E91A8F373F}"/>
+          </ac:spMkLst>
+        </pc:spChg>
         <pc:spChg chg="mod">
-          <ac:chgData name="Chuck Kiefriter" userId="c57348f7-b440-4861-a58f-c89f414ea74a" providerId="ADAL" clId="{C11307D8-F416-4216-B85A-47312E9494DC}" dt="2023-04-03T15:51:14.322" v="1210" actId="6549"/>
+          <ac:chgData name="Chuck Kiefriter" userId="c57348f7-b440-4861-a58f-c89f414ea74a" providerId="ADAL" clId="{C11307D8-F416-4216-B85A-47312E9494DC}" dt="2023-04-04T19:00:59.565" v="1427" actId="6549"/>
           <ac:spMkLst>
             <pc:docMk/>
             <pc:sldMk cId="12263916" sldId="299"/>
@@ -2488,7 +2504,7 @@
           <a:p>
             <a:fld id="{33D569A9-A222-4DCC-AF28-BB813B4F2ABB}" type="datetimeFigureOut">
               <a:rPr lang="en-US" smtClean="0"/>
-              <a:t>4/3/2023</a:t>
+              <a:t>4/4/2023</a:t>
             </a:fld>
             <a:endParaRPr lang="en-US"/>
           </a:p>
@@ -2776,7 +2792,7 @@
           <a:p>
             <a:fld id="{33D569A9-A222-4DCC-AF28-BB813B4F2ABB}" type="datetimeFigureOut">
               <a:rPr lang="en-US" smtClean="0"/>
-              <a:t>4/3/2023</a:t>
+              <a:t>4/4/2023</a:t>
             </a:fld>
             <a:endParaRPr lang="en-US"/>
           </a:p>
@@ -2974,7 +2990,7 @@
           <a:p>
             <a:fld id="{33D569A9-A222-4DCC-AF28-BB813B4F2ABB}" type="datetimeFigureOut">
               <a:rPr lang="en-US" smtClean="0"/>
-              <a:t>4/3/2023</a:t>
+              <a:t>4/4/2023</a:t>
             </a:fld>
             <a:endParaRPr lang="en-US"/>
           </a:p>
@@ -3182,7 +3198,7 @@
           <a:p>
             <a:fld id="{33D569A9-A222-4DCC-AF28-BB813B4F2ABB}" type="datetimeFigureOut">
               <a:rPr lang="en-US" smtClean="0"/>
-              <a:t>4/3/2023</a:t>
+              <a:t>4/4/2023</a:t>
             </a:fld>
             <a:endParaRPr lang="en-US"/>
           </a:p>
@@ -3380,7 +3396,7 @@
           <a:p>
             <a:fld id="{33D569A9-A222-4DCC-AF28-BB813B4F2ABB}" type="datetimeFigureOut">
               <a:rPr lang="en-US" smtClean="0"/>
-              <a:t>4/3/2023</a:t>
+              <a:t>4/4/2023</a:t>
             </a:fld>
             <a:endParaRPr lang="en-US"/>
           </a:p>
@@ -3655,7 +3671,7 @@
           <a:p>
             <a:fld id="{33D569A9-A222-4DCC-AF28-BB813B4F2ABB}" type="datetimeFigureOut">
               <a:rPr lang="en-US" smtClean="0"/>
-              <a:t>4/3/2023</a:t>
+              <a:t>4/4/2023</a:t>
             </a:fld>
             <a:endParaRPr lang="en-US"/>
           </a:p>
@@ -3920,7 +3936,7 @@
           <a:p>
             <a:fld id="{33D569A9-A222-4DCC-AF28-BB813B4F2ABB}" type="datetimeFigureOut">
               <a:rPr lang="en-US" smtClean="0"/>
-              <a:t>4/3/2023</a:t>
+              <a:t>4/4/2023</a:t>
             </a:fld>
             <a:endParaRPr lang="en-US"/>
           </a:p>
@@ -4332,7 +4348,7 @@
           <a:p>
             <a:fld id="{33D569A9-A222-4DCC-AF28-BB813B4F2ABB}" type="datetimeFigureOut">
               <a:rPr lang="en-US" smtClean="0"/>
-              <a:t>4/3/2023</a:t>
+              <a:t>4/4/2023</a:t>
             </a:fld>
             <a:endParaRPr lang="en-US"/>
           </a:p>
@@ -4473,7 +4489,7 @@
           <a:p>
             <a:fld id="{33D569A9-A222-4DCC-AF28-BB813B4F2ABB}" type="datetimeFigureOut">
               <a:rPr lang="en-US" smtClean="0"/>
-              <a:t>4/3/2023</a:t>
+              <a:t>4/4/2023</a:t>
             </a:fld>
             <a:endParaRPr lang="en-US"/>
           </a:p>
@@ -4586,7 +4602,7 @@
           <a:p>
             <a:fld id="{33D569A9-A222-4DCC-AF28-BB813B4F2ABB}" type="datetimeFigureOut">
               <a:rPr lang="en-US" smtClean="0"/>
-              <a:t>4/3/2023</a:t>
+              <a:t>4/4/2023</a:t>
             </a:fld>
             <a:endParaRPr lang="en-US"/>
           </a:p>
@@ -4932,7 +4948,7 @@
           <a:p>
             <a:fld id="{33D569A9-A222-4DCC-AF28-BB813B4F2ABB}" type="datetimeFigureOut">
               <a:rPr lang="en-US" smtClean="0"/>
-              <a:t>4/3/2023</a:t>
+              <a:t>4/4/2023</a:t>
             </a:fld>
             <a:endParaRPr lang="en-US"/>
           </a:p>
@@ -5173,7 +5189,7 @@
           <a:p>
             <a:fld id="{33D569A9-A222-4DCC-AF28-BB813B4F2ABB}" type="datetimeFigureOut">
               <a:rPr lang="en-US" smtClean="0"/>
-              <a:t>4/3/2023</a:t>
+              <a:t>4/4/2023</a:t>
             </a:fld>
             <a:endParaRPr lang="en-US"/>
           </a:p>
@@ -6312,14 +6328,24 @@
             <a:r>
               <a:rPr lang="en-US" b="0" i="0" dirty="0">
                 <a:solidFill>
-                  <a:schemeClr val="tx1">
-                    <a:lumMod val="85000"/>
-                  </a:schemeClr>
-                </a:solidFill>
-                <a:effectLst/>
-                <a:latin typeface="Open Sans" panose="020B0606030504020204" pitchFamily="34" charset="0"/>
-              </a:rPr>
-              <a:t>After a method throws an exception, the runtime system attempts to find something to handle it. The set of possible "somethings" to handle the exception is the ordered list of methods that had been called to get to the method where the error occurred. The list of methods is known as the </a:t>
+                  <a:srgbClr val="00B0F0"/>
+                </a:solidFill>
+                <a:effectLst/>
+                <a:latin typeface="Open Sans" panose="020B0606030504020204" pitchFamily="34" charset="0"/>
+              </a:rPr>
+              <a:t>After a method throws an exception, the runtime system attempts to find something to handle it. </a:t>
+            </a:r>
+            <a:r>
+              <a:rPr lang="en-US" b="0" i="0" dirty="0">
+                <a:solidFill>
+                  <a:schemeClr val="tx1">
+                    <a:lumMod val="85000"/>
+                  </a:schemeClr>
+                </a:solidFill>
+                <a:effectLst/>
+                <a:latin typeface="Open Sans" panose="020B0606030504020204" pitchFamily="34" charset="0"/>
+              </a:rPr>
+              <a:t>The set of possible "somethings" to handle the exception is the ordered list of methods that had been called to get to the method where the error occurred. The list of methods is known as the </a:t>
             </a:r>
             <a:r>
               <a:rPr lang="en-US" b="0" i="0" dirty="0">
@@ -7298,21 +7324,6 @@
             </a:r>
           </a:p>
           <a:p>
-            <a:pPr marL="285750" indent="-285750" algn="l">
-              <a:buFont typeface="Arial" panose="020B0604020202020204" pitchFamily="34" charset="0"/>
-              <a:buChar char="•"/>
-            </a:pPr>
-            <a:endParaRPr lang="en-US" sz="1600" b="0" i="0" dirty="0">
-              <a:solidFill>
-                <a:schemeClr val="tx1">
-                  <a:lumMod val="85000"/>
-                </a:schemeClr>
-              </a:solidFill>
-              <a:effectLst/>
-              <a:latin typeface="Open Sans" panose="020B0606030504020204" pitchFamily="34" charset="0"/>
-            </a:endParaRPr>
-          </a:p>
-          <a:p>
             <a:pPr algn="l"/>
             <a:r>
               <a:rPr lang="en-US" sz="1100" b="0" i="0" dirty="0">
@@ -7607,6 +7618,44 @@
               </a:rPr>
               <a:t>}</a:t>
             </a:r>
+          </a:p>
+        </p:txBody>
+      </p:sp>
+      <p:sp>
+        <p:nvSpPr>
+          <p:cNvPr id="2" name="TextBox 1">
+            <a:extLst>
+              <a:ext uri="{FF2B5EF4-FFF2-40B4-BE49-F238E27FC236}">
+                <a16:creationId xmlns:a16="http://schemas.microsoft.com/office/drawing/2014/main" id="{05E39B88-6490-5C54-C767-A0E91A8F373F}"/>
+              </a:ext>
+            </a:extLst>
+          </p:cNvPr>
+          <p:cNvSpPr txBox="1"/>
+          <p:nvPr/>
+        </p:nvSpPr>
+        <p:spPr>
+          <a:xfrm>
+            <a:off x="5553511" y="6427531"/>
+            <a:ext cx="6842443" cy="338554"/>
+          </a:xfrm>
+          <a:prstGeom prst="rect">
+            <a:avLst/>
+          </a:prstGeom>
+          <a:noFill/>
+        </p:spPr>
+        <p:txBody>
+          <a:bodyPr wrap="square">
+            <a:spAutoFit/>
+          </a:bodyPr>
+          <a:lstStyle/>
+          <a:p>
+            <a:r>
+              <a:rPr lang="en-US" sz="1600" dirty="0">
+                <a:hlinkClick r:id="rId2"/>
+              </a:rPr>
+              <a:t>https://github.com/ckiefriter1/Java-Code-Examples/tree/main/src/exceptions</a:t>
+            </a:r>
+            <a:endParaRPr lang="en-US" sz="1600" dirty="0"/>
           </a:p>
         </p:txBody>
       </p:sp>
@@ -9899,10 +9948,21 @@
                 <a:ea typeface="Open Sans" panose="020B0606030504020204" pitchFamily="34" charset="0"/>
                 <a:cs typeface="Open Sans" panose="020B0606030504020204" pitchFamily="34" charset="0"/>
               </a:rPr>
-              <a:t>objects that contain both data (properties)  and methods (functionality)</a:t>
-            </a:r>
-            <a:r>
-              <a:rPr lang="en-US" sz="2000" dirty="0">
+              <a:t>objects that contain both data (properties)  </a:t>
+            </a:r>
+            <a:r>
+              <a:rPr lang="en-US" sz="2000">
+                <a:solidFill>
+                  <a:srgbClr val="00B0F0"/>
+                </a:solidFill>
+                <a:latin typeface="Open Sans" panose="020B0606030504020204" pitchFamily="34" charset="0"/>
+                <a:ea typeface="Open Sans" panose="020B0606030504020204" pitchFamily="34" charset="0"/>
+                <a:cs typeface="Open Sans" panose="020B0606030504020204" pitchFamily="34" charset="0"/>
+              </a:rPr>
+              <a:t>and functionality (methods)</a:t>
+            </a:r>
+            <a:r>
+              <a:rPr lang="en-US" sz="2000">
                 <a:solidFill>
                   <a:schemeClr val="tx1">
                     <a:lumMod val="85000"/>
@@ -10855,6 +10915,36 @@
           </a:prstGeom>
         </p:spPr>
       </p:pic>
+      <p:pic>
+        <p:nvPicPr>
+          <p:cNvPr id="5" name="Picture 4">
+            <a:extLst>
+              <a:ext uri="{FF2B5EF4-FFF2-40B4-BE49-F238E27FC236}">
+                <a16:creationId xmlns:a16="http://schemas.microsoft.com/office/drawing/2014/main" id="{53DF2F7F-7B17-ADB3-6B4E-639563DF2A2A}"/>
+              </a:ext>
+            </a:extLst>
+          </p:cNvPr>
+          <p:cNvPicPr>
+            <a:picLocks noChangeAspect="1"/>
+          </p:cNvPicPr>
+          <p:nvPr/>
+        </p:nvPicPr>
+        <p:blipFill>
+          <a:blip r:embed="rId3"/>
+          <a:stretch>
+            <a:fillRect/>
+          </a:stretch>
+        </p:blipFill>
+        <p:spPr>
+          <a:xfrm>
+            <a:off x="8419938" y="2822369"/>
+            <a:ext cx="3475754" cy="3043703"/>
+          </a:xfrm>
+          <a:prstGeom prst="rect">
+            <a:avLst/>
+          </a:prstGeom>
+        </p:spPr>
+      </p:pic>
     </p:spTree>
     <p:extLst>
       <p:ext uri="{BB962C8B-B14F-4D97-AF65-F5344CB8AC3E}">
@@ -12345,7 +12435,17 @@
                 <a:effectLst/>
                 <a:latin typeface="Open Sans" panose="020B0606030504020204" pitchFamily="34" charset="0"/>
               </a:rPr>
-              <a:t>-- these are checked by the compiler at compiler time</a:t>
+              <a:t>-- these are checked by the compiler at </a:t>
+            </a:r>
+            <a:r>
+              <a:rPr lang="en-US" b="0" i="0" dirty="0">
+                <a:solidFill>
+                  <a:srgbClr val="00B0F0"/>
+                </a:solidFill>
+                <a:effectLst/>
+                <a:latin typeface="Open Sans" panose="020B0606030504020204" pitchFamily="34" charset="0"/>
+              </a:rPr>
+              <a:t>compiler time</a:t>
             </a:r>
           </a:p>
           <a:p>

--- a/Week5/BESD Week 5.pptx
+++ b/Week5/BESD Week 5.pptx
@@ -14,16 +14,17 @@
     <p:sldId id="296" r:id="rId8"/>
     <p:sldId id="265" r:id="rId9"/>
     <p:sldId id="278" r:id="rId10"/>
-    <p:sldId id="297" r:id="rId11"/>
-    <p:sldId id="298" r:id="rId12"/>
-    <p:sldId id="299" r:id="rId13"/>
-    <p:sldId id="300" r:id="rId14"/>
-    <p:sldId id="301" r:id="rId15"/>
-    <p:sldId id="286" r:id="rId16"/>
-    <p:sldId id="303" r:id="rId17"/>
-    <p:sldId id="302" r:id="rId18"/>
-    <p:sldId id="287" r:id="rId19"/>
-    <p:sldId id="260" r:id="rId20"/>
+    <p:sldId id="304" r:id="rId11"/>
+    <p:sldId id="297" r:id="rId12"/>
+    <p:sldId id="298" r:id="rId13"/>
+    <p:sldId id="299" r:id="rId14"/>
+    <p:sldId id="300" r:id="rId15"/>
+    <p:sldId id="301" r:id="rId16"/>
+    <p:sldId id="286" r:id="rId17"/>
+    <p:sldId id="303" r:id="rId18"/>
+    <p:sldId id="302" r:id="rId19"/>
+    <p:sldId id="287" r:id="rId20"/>
+    <p:sldId id="260" r:id="rId21"/>
   </p:sldIdLst>
   <p:sldSz cx="12192000" cy="6858000"/>
   <p:notesSz cx="6858000" cy="9144000"/>
@@ -1259,7 +1260,7 @@
   <pc:docChgLst>
     <pc:chgData name="Chuck Kiefriter" userId="c57348f7-b440-4861-a58f-c89f414ea74a" providerId="ADAL" clId="{C11307D8-F416-4216-B85A-47312E9494DC}"/>
     <pc:docChg chg="undo custSel addSld delSld modSld sldOrd">
-      <pc:chgData name="Chuck Kiefriter" userId="c57348f7-b440-4861-a58f-c89f414ea74a" providerId="ADAL" clId="{C11307D8-F416-4216-B85A-47312E9494DC}" dt="2023-04-04T22:40:58.023" v="1441" actId="20577"/>
+      <pc:chgData name="Chuck Kiefriter" userId="c57348f7-b440-4861-a58f-c89f414ea74a" providerId="ADAL" clId="{C11307D8-F416-4216-B85A-47312E9494DC}" dt="2023-04-05T01:39:50.392" v="1445" actId="1076"/>
       <pc:docMkLst>
         <pc:docMk/>
       </pc:docMkLst>
@@ -1847,6 +1848,29 @@
             <ac:spMk id="6" creationId="{59E906CD-110B-9D01-732C-2F21759B0265}"/>
           </ac:spMkLst>
         </pc:spChg>
+      </pc:sldChg>
+      <pc:sldChg chg="addSp delSp modSp add mod">
+        <pc:chgData name="Chuck Kiefriter" userId="c57348f7-b440-4861-a58f-c89f414ea74a" providerId="ADAL" clId="{C11307D8-F416-4216-B85A-47312E9494DC}" dt="2023-04-05T01:39:50.392" v="1445" actId="1076"/>
+        <pc:sldMkLst>
+          <pc:docMk/>
+          <pc:sldMk cId="3119538790" sldId="304"/>
+        </pc:sldMkLst>
+        <pc:spChg chg="del">
+          <ac:chgData name="Chuck Kiefriter" userId="c57348f7-b440-4861-a58f-c89f414ea74a" providerId="ADAL" clId="{C11307D8-F416-4216-B85A-47312E9494DC}" dt="2023-04-05T01:39:47.689" v="1443" actId="478"/>
+          <ac:spMkLst>
+            <pc:docMk/>
+            <pc:sldMk cId="3119538790" sldId="304"/>
+            <ac:spMk id="4" creationId="{C0B26727-0F97-5A73-B4ED-6BE65E07E5DB}"/>
+          </ac:spMkLst>
+        </pc:spChg>
+        <pc:picChg chg="add mod">
+          <ac:chgData name="Chuck Kiefriter" userId="c57348f7-b440-4861-a58f-c89f414ea74a" providerId="ADAL" clId="{C11307D8-F416-4216-B85A-47312E9494DC}" dt="2023-04-05T01:39:50.392" v="1445" actId="1076"/>
+          <ac:picMkLst>
+            <pc:docMk/>
+            <pc:sldMk cId="3119538790" sldId="304"/>
+            <ac:picMk id="5" creationId="{6A37CBD8-6224-F786-CA2E-BFD9FDE0E68A}"/>
+          </ac:picMkLst>
+        </pc:picChg>
       </pc:sldChg>
     </pc:docChg>
   </pc:docChgLst>
@@ -6147,6 +6171,184 @@
       </p:sp>
       <p:sp>
         <p:nvSpPr>
+          <p:cNvPr id="3" name="TextBox 2">
+            <a:extLst>
+              <a:ext uri="{FF2B5EF4-FFF2-40B4-BE49-F238E27FC236}">
+                <a16:creationId xmlns:a16="http://schemas.microsoft.com/office/drawing/2014/main" id="{C9DDF84E-4B1D-A8C8-4D2B-5582BF58B0D3}"/>
+              </a:ext>
+            </a:extLst>
+          </p:cNvPr>
+          <p:cNvSpPr txBox="1"/>
+          <p:nvPr/>
+        </p:nvSpPr>
+        <p:spPr>
+          <a:xfrm>
+            <a:off x="4665387" y="6409024"/>
+            <a:ext cx="7540363" cy="369332"/>
+          </a:xfrm>
+          <a:prstGeom prst="rect">
+            <a:avLst/>
+          </a:prstGeom>
+          <a:noFill/>
+        </p:spPr>
+        <p:txBody>
+          <a:bodyPr wrap="square">
+            <a:spAutoFit/>
+          </a:bodyPr>
+          <a:lstStyle/>
+          <a:p>
+            <a:r>
+              <a:rPr lang="en-US" dirty="0">
+                <a:hlinkClick r:id="rId2"/>
+              </a:rPr>
+              <a:t>https://docs.oracle.com/javase/tutorial/essential/exceptions/definition.html</a:t>
+            </a:r>
+            <a:endParaRPr lang="en-US" dirty="0"/>
+          </a:p>
+        </p:txBody>
+      </p:sp>
+      <p:sp>
+        <p:nvSpPr>
+          <p:cNvPr id="8" name="TextBox 7">
+            <a:extLst>
+              <a:ext uri="{FF2B5EF4-FFF2-40B4-BE49-F238E27FC236}">
+                <a16:creationId xmlns:a16="http://schemas.microsoft.com/office/drawing/2014/main" id="{9FF17257-FCFA-B5FD-1F98-96E3F7F501FF}"/>
+              </a:ext>
+            </a:extLst>
+          </p:cNvPr>
+          <p:cNvSpPr txBox="1"/>
+          <p:nvPr/>
+        </p:nvSpPr>
+        <p:spPr>
+          <a:xfrm>
+            <a:off x="4651638" y="6039692"/>
+            <a:ext cx="7540362" cy="369332"/>
+          </a:xfrm>
+          <a:prstGeom prst="rect">
+            <a:avLst/>
+          </a:prstGeom>
+          <a:noFill/>
+        </p:spPr>
+        <p:txBody>
+          <a:bodyPr wrap="square">
+            <a:spAutoFit/>
+          </a:bodyPr>
+          <a:lstStyle/>
+          <a:p>
+            <a:r>
+              <a:rPr lang="en-US" dirty="0">
+                <a:hlinkClick r:id="rId3"/>
+              </a:rPr>
+              <a:t>https://github.com/ckiefriter1/Java-Code-Examples/tree/main/src/exceptions</a:t>
+            </a:r>
+            <a:endParaRPr lang="en-US" dirty="0"/>
+          </a:p>
+        </p:txBody>
+      </p:sp>
+      <p:pic>
+        <p:nvPicPr>
+          <p:cNvPr id="5" name="Picture 4">
+            <a:extLst>
+              <a:ext uri="{FF2B5EF4-FFF2-40B4-BE49-F238E27FC236}">
+                <a16:creationId xmlns:a16="http://schemas.microsoft.com/office/drawing/2014/main" id="{6A37CBD8-6224-F786-CA2E-BFD9FDE0E68A}"/>
+              </a:ext>
+            </a:extLst>
+          </p:cNvPr>
+          <p:cNvPicPr>
+            <a:picLocks noChangeAspect="1"/>
+          </p:cNvPicPr>
+          <p:nvPr/>
+        </p:nvPicPr>
+        <p:blipFill>
+          <a:blip r:embed="rId4"/>
+          <a:stretch>
+            <a:fillRect/>
+          </a:stretch>
+        </p:blipFill>
+        <p:spPr>
+          <a:xfrm>
+            <a:off x="863193" y="803085"/>
+            <a:ext cx="10096500" cy="4867275"/>
+          </a:xfrm>
+          <a:prstGeom prst="rect">
+            <a:avLst/>
+          </a:prstGeom>
+        </p:spPr>
+      </p:pic>
+    </p:spTree>
+    <p:extLst>
+      <p:ext uri="{BB962C8B-B14F-4D97-AF65-F5344CB8AC3E}">
+        <p14:creationId xmlns:p14="http://schemas.microsoft.com/office/powerpoint/2010/main" val="3119538790"/>
+      </p:ext>
+    </p:extLst>
+  </p:cSld>
+  <p:clrMapOvr>
+    <a:masterClrMapping/>
+  </p:clrMapOvr>
+</p:sld>
+</file>
+
+<file path=ppt/slides/slide11.xml><?xml version="1.0" encoding="utf-8"?>
+<p:sld xmlns:a="http://schemas.openxmlformats.org/drawingml/2006/main" xmlns:r="http://schemas.openxmlformats.org/officeDocument/2006/relationships" xmlns:p="http://schemas.openxmlformats.org/presentationml/2006/main">
+  <p:cSld>
+    <p:spTree>
+      <p:nvGrpSpPr>
+        <p:cNvPr id="1" name=""/>
+        <p:cNvGrpSpPr/>
+        <p:nvPr/>
+      </p:nvGrpSpPr>
+      <p:grpSpPr>
+        <a:xfrm>
+          <a:off x="0" y="0"/>
+          <a:ext cx="0" cy="0"/>
+          <a:chOff x="0" y="0"/>
+          <a:chExt cx="0" cy="0"/>
+        </a:xfrm>
+      </p:grpSpPr>
+      <p:sp>
+        <p:nvSpPr>
+          <p:cNvPr id="6" name="TextBox 5">
+            <a:extLst>
+              <a:ext uri="{FF2B5EF4-FFF2-40B4-BE49-F238E27FC236}">
+                <a16:creationId xmlns:a16="http://schemas.microsoft.com/office/drawing/2014/main" id="{59E906CD-110B-9D01-732C-2F21759B0265}"/>
+              </a:ext>
+            </a:extLst>
+          </p:cNvPr>
+          <p:cNvSpPr txBox="1"/>
+          <p:nvPr/>
+        </p:nvSpPr>
+        <p:spPr>
+          <a:xfrm>
+            <a:off x="193251" y="91915"/>
+            <a:ext cx="6094854" cy="461665"/>
+          </a:xfrm>
+          <a:prstGeom prst="rect">
+            <a:avLst/>
+          </a:prstGeom>
+          <a:noFill/>
+        </p:spPr>
+        <p:txBody>
+          <a:bodyPr wrap="square">
+            <a:spAutoFit/>
+          </a:bodyPr>
+          <a:lstStyle/>
+          <a:p>
+            <a:pPr algn="l"/>
+            <a:r>
+              <a:rPr lang="en-US" sz="2400" b="1" dirty="0">
+                <a:solidFill>
+                  <a:srgbClr val="00B050"/>
+                </a:solidFill>
+                <a:effectLst/>
+                <a:latin typeface="Open Sans" panose="020B0606030504020204" pitchFamily="34" charset="0"/>
+              </a:rPr>
+              <a:t>Exceptions</a:t>
+            </a:r>
+          </a:p>
+        </p:txBody>
+      </p:sp>
+      <p:sp>
+        <p:nvSpPr>
           <p:cNvPr id="4" name="TextBox 3">
             <a:extLst>
               <a:ext uri="{FF2B5EF4-FFF2-40B4-BE49-F238E27FC236}">
@@ -6462,7 +6664,7 @@
 </p:sld>
 </file>
 
-<file path=ppt/slides/slide11.xml><?xml version="1.0" encoding="utf-8"?>
+<file path=ppt/slides/slide12.xml><?xml version="1.0" encoding="utf-8"?>
 <p:sld xmlns:a="http://schemas.openxmlformats.org/drawingml/2006/main" xmlns:r="http://schemas.openxmlformats.org/officeDocument/2006/relationships" xmlns:p="http://schemas.openxmlformats.org/presentationml/2006/main">
   <p:cSld>
     <p:spTree>
@@ -6799,879 +7001,6 @@
 </p:sld>
 </file>
 
-<file path=ppt/slides/slide12.xml><?xml version="1.0" encoding="utf-8"?>
-<p:sld xmlns:a="http://schemas.openxmlformats.org/drawingml/2006/main" xmlns:r="http://schemas.openxmlformats.org/officeDocument/2006/relationships" xmlns:p="http://schemas.openxmlformats.org/presentationml/2006/main">
-  <p:cSld>
-    <p:spTree>
-      <p:nvGrpSpPr>
-        <p:cNvPr id="1" name=""/>
-        <p:cNvGrpSpPr/>
-        <p:nvPr/>
-      </p:nvGrpSpPr>
-      <p:grpSpPr>
-        <a:xfrm>
-          <a:off x="0" y="0"/>
-          <a:ext cx="0" cy="0"/>
-          <a:chOff x="0" y="0"/>
-          <a:chExt cx="0" cy="0"/>
-        </a:xfrm>
-      </p:grpSpPr>
-      <p:sp>
-        <p:nvSpPr>
-          <p:cNvPr id="6" name="TextBox 5">
-            <a:extLst>
-              <a:ext uri="{FF2B5EF4-FFF2-40B4-BE49-F238E27FC236}">
-                <a16:creationId xmlns:a16="http://schemas.microsoft.com/office/drawing/2014/main" id="{59E906CD-110B-9D01-732C-2F21759B0265}"/>
-              </a:ext>
-            </a:extLst>
-          </p:cNvPr>
-          <p:cNvSpPr txBox="1"/>
-          <p:nvPr/>
-        </p:nvSpPr>
-        <p:spPr>
-          <a:xfrm>
-            <a:off x="193250" y="91915"/>
-            <a:ext cx="8256355" cy="461665"/>
-          </a:xfrm>
-          <a:prstGeom prst="rect">
-            <a:avLst/>
-          </a:prstGeom>
-          <a:noFill/>
-        </p:spPr>
-        <p:txBody>
-          <a:bodyPr wrap="square">
-            <a:spAutoFit/>
-          </a:bodyPr>
-          <a:lstStyle/>
-          <a:p>
-            <a:pPr algn="l"/>
-            <a:r>
-              <a:rPr lang="en-US" sz="2400" b="1" dirty="0">
-                <a:solidFill>
-                  <a:srgbClr val="00B050"/>
-                </a:solidFill>
-                <a:effectLst/>
-                <a:latin typeface="Open Sans" panose="020B0606030504020204" pitchFamily="34" charset="0"/>
-              </a:rPr>
-              <a:t>Catching Exceptions – try </a:t>
-            </a:r>
-            <a:r>
-              <a:rPr lang="en-US" sz="2400" b="1" dirty="0">
-                <a:solidFill>
-                  <a:srgbClr val="00B050"/>
-                </a:solidFill>
-                <a:effectLst/>
-                <a:latin typeface="Open Sans" panose="020B0606030504020204" pitchFamily="34" charset="0"/>
-                <a:sym typeface="Wingdings" panose="05000000000000000000" pitchFamily="2" charset="2"/>
-              </a:rPr>
-              <a:t> catch  finally blocks</a:t>
-            </a:r>
-            <a:endParaRPr lang="en-US" sz="2400" b="1" dirty="0">
-              <a:solidFill>
-                <a:srgbClr val="00B050"/>
-              </a:solidFill>
-              <a:effectLst/>
-              <a:latin typeface="Open Sans" panose="020B0606030504020204" pitchFamily="34" charset="0"/>
-            </a:endParaRPr>
-          </a:p>
-        </p:txBody>
-      </p:sp>
-      <p:sp>
-        <p:nvSpPr>
-          <p:cNvPr id="4" name="TextBox 3">
-            <a:extLst>
-              <a:ext uri="{FF2B5EF4-FFF2-40B4-BE49-F238E27FC236}">
-                <a16:creationId xmlns:a16="http://schemas.microsoft.com/office/drawing/2014/main" id="{C0B26727-0F97-5A73-B4ED-6BE65E07E5DB}"/>
-              </a:ext>
-            </a:extLst>
-          </p:cNvPr>
-          <p:cNvSpPr txBox="1"/>
-          <p:nvPr/>
-        </p:nvSpPr>
-        <p:spPr>
-          <a:xfrm>
-            <a:off x="176169" y="571295"/>
-            <a:ext cx="11931637" cy="6571030"/>
-          </a:xfrm>
-          <a:prstGeom prst="rect">
-            <a:avLst/>
-          </a:prstGeom>
-          <a:noFill/>
-        </p:spPr>
-        <p:txBody>
-          <a:bodyPr wrap="square">
-            <a:spAutoFit/>
-          </a:bodyPr>
-          <a:lstStyle/>
-          <a:p>
-            <a:pPr marL="285750" indent="-285750" algn="l">
-              <a:buFont typeface="Arial" panose="020B0604020202020204" pitchFamily="34" charset="0"/>
-              <a:buChar char="•"/>
-            </a:pPr>
-            <a:r>
-              <a:rPr lang="en-US" sz="1600" b="0" i="0" dirty="0">
-                <a:solidFill>
-                  <a:schemeClr val="tx1">
-                    <a:lumMod val="85000"/>
-                  </a:schemeClr>
-                </a:solidFill>
-                <a:effectLst/>
-                <a:latin typeface="Open Sans" panose="020B0606030504020204" pitchFamily="34" charset="0"/>
-              </a:rPr>
-              <a:t>You associate exception handlers with a try block by providing one or more catch blocks directly after the try block. No code can be between the end of the try block and the beginning of the first catch block.</a:t>
-            </a:r>
-          </a:p>
-          <a:p>
-            <a:pPr marL="285750" indent="-285750" algn="l">
-              <a:buFont typeface="Arial" panose="020B0604020202020204" pitchFamily="34" charset="0"/>
-              <a:buChar char="•"/>
-            </a:pPr>
-            <a:endParaRPr lang="en-US" sz="1600" b="0" i="0" dirty="0">
-              <a:solidFill>
-                <a:schemeClr val="tx1">
-                  <a:lumMod val="85000"/>
-                </a:schemeClr>
-              </a:solidFill>
-              <a:effectLst/>
-              <a:latin typeface="Open Sans" panose="020B0606030504020204" pitchFamily="34" charset="0"/>
-            </a:endParaRPr>
-          </a:p>
-          <a:p>
-            <a:pPr algn="l"/>
-            <a:r>
-              <a:rPr lang="en-US" sz="1200" b="0" i="0" dirty="0">
-                <a:solidFill>
-                  <a:schemeClr val="tx1">
-                    <a:lumMod val="85000"/>
-                  </a:schemeClr>
-                </a:solidFill>
-                <a:effectLst/>
-                <a:latin typeface="Open Sans" panose="020B0606030504020204" pitchFamily="34" charset="0"/>
-              </a:rPr>
-              <a:t>	try {</a:t>
-            </a:r>
-          </a:p>
-          <a:p>
-            <a:pPr algn="l"/>
-            <a:r>
-              <a:rPr lang="en-US" sz="1200" dirty="0">
-                <a:solidFill>
-                  <a:schemeClr val="tx1">
-                    <a:lumMod val="85000"/>
-                  </a:schemeClr>
-                </a:solidFill>
-                <a:latin typeface="Open Sans" panose="020B0606030504020204" pitchFamily="34" charset="0"/>
-              </a:rPr>
-              <a:t>	   // Execute some code here</a:t>
-            </a:r>
-          </a:p>
-          <a:p>
-            <a:pPr algn="l"/>
-            <a:r>
-              <a:rPr lang="en-US" sz="1200" b="0" i="0" dirty="0">
-                <a:solidFill>
-                  <a:schemeClr val="tx1">
-                    <a:lumMod val="85000"/>
-                  </a:schemeClr>
-                </a:solidFill>
-                <a:effectLst/>
-                <a:latin typeface="Open Sans" panose="020B0606030504020204" pitchFamily="34" charset="0"/>
-              </a:rPr>
-              <a:t>	} catch (</a:t>
-            </a:r>
-            <a:r>
-              <a:rPr lang="en-US" sz="1200" b="0" i="0" dirty="0" err="1">
-                <a:solidFill>
-                  <a:schemeClr val="tx1">
-                    <a:lumMod val="85000"/>
-                  </a:schemeClr>
-                </a:solidFill>
-                <a:effectLst/>
-                <a:latin typeface="Open Sans" panose="020B0606030504020204" pitchFamily="34" charset="0"/>
-              </a:rPr>
-              <a:t>ExceptionType</a:t>
-            </a:r>
-            <a:r>
-              <a:rPr lang="en-US" sz="1200" b="0" i="0" dirty="0">
-                <a:solidFill>
-                  <a:schemeClr val="tx1">
-                    <a:lumMod val="85000"/>
-                  </a:schemeClr>
-                </a:solidFill>
-                <a:effectLst/>
-                <a:latin typeface="Open Sans" panose="020B0606030504020204" pitchFamily="34" charset="0"/>
-              </a:rPr>
-              <a:t> name) {</a:t>
-            </a:r>
-          </a:p>
-          <a:p>
-            <a:pPr algn="l"/>
-            <a:r>
-              <a:rPr lang="en-US" sz="1200" dirty="0">
-                <a:solidFill>
-                  <a:schemeClr val="tx1">
-                    <a:lumMod val="85000"/>
-                  </a:schemeClr>
-                </a:solidFill>
-                <a:latin typeface="Open Sans" panose="020B0606030504020204" pitchFamily="34" charset="0"/>
-              </a:rPr>
-              <a:t>	</a:t>
-            </a:r>
-          </a:p>
-          <a:p>
-            <a:pPr algn="l"/>
-            <a:r>
-              <a:rPr lang="en-US" sz="1200" b="0" i="0" dirty="0">
-                <a:solidFill>
-                  <a:schemeClr val="tx1">
-                    <a:lumMod val="85000"/>
-                  </a:schemeClr>
-                </a:solidFill>
-                <a:effectLst/>
-                <a:latin typeface="Open Sans" panose="020B0606030504020204" pitchFamily="34" charset="0"/>
-              </a:rPr>
-              <a:t>	} catch (</a:t>
-            </a:r>
-            <a:r>
-              <a:rPr lang="en-US" sz="1200" b="0" i="0" dirty="0" err="1">
-                <a:solidFill>
-                  <a:schemeClr val="tx1">
-                    <a:lumMod val="85000"/>
-                  </a:schemeClr>
-                </a:solidFill>
-                <a:effectLst/>
-                <a:latin typeface="Open Sans" panose="020B0606030504020204" pitchFamily="34" charset="0"/>
-              </a:rPr>
-              <a:t>ExceptionType</a:t>
-            </a:r>
-            <a:r>
-              <a:rPr lang="en-US" sz="1200" b="0" i="0" dirty="0">
-                <a:solidFill>
-                  <a:schemeClr val="tx1">
-                    <a:lumMod val="85000"/>
-                  </a:schemeClr>
-                </a:solidFill>
-                <a:effectLst/>
-                <a:latin typeface="Open Sans" panose="020B0606030504020204" pitchFamily="34" charset="0"/>
-              </a:rPr>
-              <a:t> name) {</a:t>
-            </a:r>
-          </a:p>
-          <a:p>
-            <a:pPr algn="l"/>
-            <a:r>
-              <a:rPr lang="en-US" sz="1200" dirty="0">
-                <a:solidFill>
-                  <a:schemeClr val="tx1">
-                    <a:lumMod val="85000"/>
-                  </a:schemeClr>
-                </a:solidFill>
-                <a:latin typeface="Open Sans" panose="020B0606030504020204" pitchFamily="34" charset="0"/>
-              </a:rPr>
-              <a:t>	</a:t>
-            </a:r>
-          </a:p>
-          <a:p>
-            <a:pPr algn="l"/>
-            <a:r>
-              <a:rPr lang="en-US" sz="1200" b="0" i="0" dirty="0">
-                <a:solidFill>
-                  <a:schemeClr val="tx1">
-                    <a:lumMod val="85000"/>
-                  </a:schemeClr>
-                </a:solidFill>
-                <a:effectLst/>
-                <a:latin typeface="Open Sans" panose="020B0606030504020204" pitchFamily="34" charset="0"/>
-              </a:rPr>
-              <a:t>	} finally {</a:t>
-            </a:r>
-          </a:p>
-          <a:p>
-            <a:pPr algn="l"/>
-            <a:r>
-              <a:rPr lang="en-US" sz="1200" dirty="0">
-                <a:solidFill>
-                  <a:schemeClr val="tx1">
-                    <a:lumMod val="85000"/>
-                  </a:schemeClr>
-                </a:solidFill>
-                <a:latin typeface="Open Sans" panose="020B0606030504020204" pitchFamily="34" charset="0"/>
-              </a:rPr>
-              <a:t>	   // Code that always runs when the try block runs even when an Exception occurs</a:t>
-            </a:r>
-          </a:p>
-          <a:p>
-            <a:pPr algn="l"/>
-            <a:r>
-              <a:rPr lang="en-US" sz="1200" b="0" i="0" dirty="0">
-                <a:solidFill>
-                  <a:schemeClr val="tx1">
-                    <a:lumMod val="85000"/>
-                  </a:schemeClr>
-                </a:solidFill>
-                <a:effectLst/>
-                <a:latin typeface="Open Sans" panose="020B0606030504020204" pitchFamily="34" charset="0"/>
-              </a:rPr>
-              <a:t>	}</a:t>
-            </a:r>
-          </a:p>
-          <a:p>
-            <a:pPr algn="l"/>
-            <a:endParaRPr lang="en-US" sz="1200" b="0" i="0" dirty="0">
-              <a:solidFill>
-                <a:schemeClr val="tx1">
-                  <a:lumMod val="85000"/>
-                </a:schemeClr>
-              </a:solidFill>
-              <a:effectLst/>
-              <a:latin typeface="Open Sans" panose="020B0606030504020204" pitchFamily="34" charset="0"/>
-            </a:endParaRPr>
-          </a:p>
-          <a:p>
-            <a:pPr marL="285750" indent="-285750" algn="l">
-              <a:buFont typeface="Arial" panose="020B0604020202020204" pitchFamily="34" charset="0"/>
-              <a:buChar char="•"/>
-            </a:pPr>
-            <a:r>
-              <a:rPr lang="en-US" sz="1600" b="0" i="0" dirty="0">
-                <a:solidFill>
-                  <a:srgbClr val="00B0F0"/>
-                </a:solidFill>
-                <a:effectLst/>
-                <a:latin typeface="Open Sans" panose="020B0606030504020204" pitchFamily="34" charset="0"/>
-              </a:rPr>
-              <a:t>Each catch block is an exception handler </a:t>
-            </a:r>
-            <a:r>
-              <a:rPr lang="en-US" sz="1600" b="0" i="0" dirty="0">
-                <a:solidFill>
-                  <a:schemeClr val="tx1">
-                    <a:lumMod val="85000"/>
-                  </a:schemeClr>
-                </a:solidFill>
-                <a:effectLst/>
-                <a:latin typeface="Open Sans" panose="020B0606030504020204" pitchFamily="34" charset="0"/>
-              </a:rPr>
-              <a:t>that handles the type of exception indicated by its argument. </a:t>
-            </a:r>
-            <a:r>
-              <a:rPr lang="en-US" sz="1600" b="0" i="0" dirty="0">
-                <a:solidFill>
-                  <a:srgbClr val="00B0F0"/>
-                </a:solidFill>
-                <a:effectLst/>
-                <a:latin typeface="Open Sans" panose="020B0606030504020204" pitchFamily="34" charset="0"/>
-              </a:rPr>
-              <a:t>The argument type, </a:t>
-            </a:r>
-            <a:r>
-              <a:rPr lang="en-US" sz="1600" b="0" i="0" dirty="0" err="1">
-                <a:solidFill>
-                  <a:srgbClr val="00B0F0"/>
-                </a:solidFill>
-                <a:effectLst/>
-                <a:latin typeface="Open Sans" panose="020B0606030504020204" pitchFamily="34" charset="0"/>
-              </a:rPr>
-              <a:t>ExceptionType</a:t>
-            </a:r>
-            <a:r>
-              <a:rPr lang="en-US" sz="1600" b="0" i="0" dirty="0">
-                <a:solidFill>
-                  <a:schemeClr val="tx1">
-                    <a:lumMod val="85000"/>
-                  </a:schemeClr>
-                </a:solidFill>
-                <a:effectLst/>
-                <a:latin typeface="Open Sans" panose="020B0606030504020204" pitchFamily="34" charset="0"/>
-              </a:rPr>
-              <a:t>, declares the type of exception that the handler can handle and must be the name of a class that inherits from the Throwable class. The handler can refer to the exception with name.</a:t>
-            </a:r>
-          </a:p>
-          <a:p>
-            <a:pPr marL="285750" indent="-285750" algn="l">
-              <a:buFont typeface="Arial" panose="020B0604020202020204" pitchFamily="34" charset="0"/>
-              <a:buChar char="•"/>
-            </a:pPr>
-            <a:endParaRPr lang="en-US" sz="1600" b="0" i="0" dirty="0">
-              <a:solidFill>
-                <a:schemeClr val="tx1">
-                  <a:lumMod val="85000"/>
-                </a:schemeClr>
-              </a:solidFill>
-              <a:effectLst/>
-              <a:latin typeface="Open Sans" panose="020B0606030504020204" pitchFamily="34" charset="0"/>
-            </a:endParaRPr>
-          </a:p>
-          <a:p>
-            <a:pPr marL="285750" indent="-285750" algn="l">
-              <a:buFont typeface="Arial" panose="020B0604020202020204" pitchFamily="34" charset="0"/>
-              <a:buChar char="•"/>
-            </a:pPr>
-            <a:r>
-              <a:rPr lang="en-US" sz="1600" b="0" i="0" dirty="0">
-                <a:solidFill>
-                  <a:schemeClr val="tx1">
-                    <a:lumMod val="85000"/>
-                  </a:schemeClr>
-                </a:solidFill>
-                <a:effectLst/>
-                <a:latin typeface="Open Sans" panose="020B0606030504020204" pitchFamily="34" charset="0"/>
-              </a:rPr>
-              <a:t>The catch block </a:t>
-            </a:r>
-            <a:r>
-              <a:rPr lang="en-US" sz="1600" b="0" i="0" dirty="0">
-                <a:solidFill>
-                  <a:srgbClr val="00B0F0"/>
-                </a:solidFill>
-                <a:effectLst/>
-                <a:latin typeface="Open Sans" panose="020B0606030504020204" pitchFamily="34" charset="0"/>
-              </a:rPr>
-              <a:t>contains code that is executed if and when the exception handler is invoked</a:t>
-            </a:r>
-            <a:r>
-              <a:rPr lang="en-US" sz="1600" b="0" i="0" dirty="0">
-                <a:solidFill>
-                  <a:schemeClr val="tx1">
-                    <a:lumMod val="85000"/>
-                  </a:schemeClr>
-                </a:solidFill>
-                <a:effectLst/>
-                <a:latin typeface="Open Sans" panose="020B0606030504020204" pitchFamily="34" charset="0"/>
-              </a:rPr>
-              <a:t>. The runtime system invokes the exception handler when the handler is the first one in the call stack whose </a:t>
-            </a:r>
-            <a:r>
-              <a:rPr lang="en-US" sz="1600" b="0" i="0" dirty="0" err="1">
-                <a:solidFill>
-                  <a:schemeClr val="tx1">
-                    <a:lumMod val="85000"/>
-                  </a:schemeClr>
-                </a:solidFill>
-                <a:effectLst/>
-                <a:latin typeface="Open Sans" panose="020B0606030504020204" pitchFamily="34" charset="0"/>
-              </a:rPr>
-              <a:t>ExceptionType</a:t>
-            </a:r>
-            <a:r>
-              <a:rPr lang="en-US" sz="1600" b="0" i="0" dirty="0">
-                <a:solidFill>
-                  <a:schemeClr val="tx1">
-                    <a:lumMod val="85000"/>
-                  </a:schemeClr>
-                </a:solidFill>
-                <a:effectLst/>
-                <a:latin typeface="Open Sans" panose="020B0606030504020204" pitchFamily="34" charset="0"/>
-              </a:rPr>
-              <a:t> matches the type of the exception thrown. The system considers it a match if the thrown object can legally be assigned to the exception handler's argument.</a:t>
-            </a:r>
-          </a:p>
-          <a:p>
-            <a:pPr marL="285750" indent="-285750" algn="l">
-              <a:buFont typeface="Arial" panose="020B0604020202020204" pitchFamily="34" charset="0"/>
-              <a:buChar char="•"/>
-            </a:pPr>
-            <a:endParaRPr lang="en-US" sz="1600" b="0" i="0" dirty="0">
-              <a:solidFill>
-                <a:schemeClr val="tx1">
-                  <a:lumMod val="85000"/>
-                </a:schemeClr>
-              </a:solidFill>
-              <a:effectLst/>
-              <a:latin typeface="Open Sans" panose="020B0606030504020204" pitchFamily="34" charset="0"/>
-            </a:endParaRPr>
-          </a:p>
-          <a:p>
-            <a:pPr marL="285750" indent="-285750" algn="l">
-              <a:buFont typeface="Arial" panose="020B0604020202020204" pitchFamily="34" charset="0"/>
-              <a:buChar char="•"/>
-            </a:pPr>
-            <a:r>
-              <a:rPr lang="en-US" sz="1600" b="0" i="0" dirty="0">
-                <a:solidFill>
-                  <a:schemeClr val="tx1">
-                    <a:lumMod val="85000"/>
-                  </a:schemeClr>
-                </a:solidFill>
-                <a:effectLst/>
-                <a:latin typeface="Open Sans" panose="020B0606030504020204" pitchFamily="34" charset="0"/>
-              </a:rPr>
-              <a:t>The following are two exception handlers for the </a:t>
-            </a:r>
-            <a:r>
-              <a:rPr lang="en-US" sz="1600" b="0" i="0" dirty="0" err="1">
-                <a:solidFill>
-                  <a:schemeClr val="tx1">
-                    <a:lumMod val="85000"/>
-                  </a:schemeClr>
-                </a:solidFill>
-                <a:effectLst/>
-                <a:latin typeface="Open Sans" panose="020B0606030504020204" pitchFamily="34" charset="0"/>
-              </a:rPr>
-              <a:t>writeList</a:t>
-            </a:r>
-            <a:r>
-              <a:rPr lang="en-US" sz="1600" b="0" i="0" dirty="0">
-                <a:solidFill>
-                  <a:schemeClr val="tx1">
-                    <a:lumMod val="85000"/>
-                  </a:schemeClr>
-                </a:solidFill>
-                <a:effectLst/>
-                <a:latin typeface="Open Sans" panose="020B0606030504020204" pitchFamily="34" charset="0"/>
-              </a:rPr>
-              <a:t> method:</a:t>
-            </a:r>
-          </a:p>
-          <a:p>
-            <a:pPr algn="l"/>
-            <a:r>
-              <a:rPr lang="en-US" sz="1100" b="0" i="0" dirty="0">
-                <a:solidFill>
-                  <a:schemeClr val="tx1">
-                    <a:lumMod val="85000"/>
-                  </a:schemeClr>
-                </a:solidFill>
-                <a:effectLst/>
-                <a:latin typeface="Open Sans" panose="020B0606030504020204" pitchFamily="34" charset="0"/>
-              </a:rPr>
-              <a:t>	try {</a:t>
-            </a:r>
-          </a:p>
-          <a:p>
-            <a:pPr lvl="2"/>
-            <a:r>
-              <a:rPr lang="en-US" sz="1100" b="0" i="0" dirty="0">
-                <a:solidFill>
-                  <a:schemeClr val="tx1">
-                    <a:lumMod val="85000"/>
-                  </a:schemeClr>
-                </a:solidFill>
-                <a:effectLst/>
-                <a:latin typeface="Open Sans" panose="020B0606030504020204" pitchFamily="34" charset="0"/>
-              </a:rPr>
-              <a:t>   // Do something</a:t>
-            </a:r>
-          </a:p>
-          <a:p>
-            <a:pPr lvl="2"/>
-            <a:r>
-              <a:rPr lang="en-US" sz="1100" b="0" i="0" dirty="0">
-                <a:solidFill>
-                  <a:schemeClr val="tx1">
-                    <a:lumMod val="85000"/>
-                  </a:schemeClr>
-                </a:solidFill>
-                <a:effectLst/>
-                <a:latin typeface="Open Sans" panose="020B0606030504020204" pitchFamily="34" charset="0"/>
-              </a:rPr>
-              <a:t>} catch (</a:t>
-            </a:r>
-            <a:r>
-              <a:rPr lang="en-US" sz="1100" b="0" i="0" dirty="0" err="1">
-                <a:solidFill>
-                  <a:schemeClr val="tx1">
-                    <a:lumMod val="85000"/>
-                  </a:schemeClr>
-                </a:solidFill>
-                <a:effectLst/>
-                <a:latin typeface="Open Sans" panose="020B0606030504020204" pitchFamily="34" charset="0"/>
-              </a:rPr>
-              <a:t>IndexOutOfBoundsException</a:t>
-            </a:r>
-            <a:r>
-              <a:rPr lang="en-US" sz="1100" b="0" i="0" dirty="0">
-                <a:solidFill>
-                  <a:schemeClr val="tx1">
-                    <a:lumMod val="85000"/>
-                  </a:schemeClr>
-                </a:solidFill>
-                <a:effectLst/>
-                <a:latin typeface="Open Sans" panose="020B0606030504020204" pitchFamily="34" charset="0"/>
-              </a:rPr>
-              <a:t> e) {</a:t>
-            </a:r>
-          </a:p>
-          <a:p>
-            <a:pPr lvl="2"/>
-            <a:r>
-              <a:rPr lang="en-US" sz="1100" b="0" i="0" dirty="0">
-                <a:solidFill>
-                  <a:schemeClr val="tx1">
-                    <a:lumMod val="85000"/>
-                  </a:schemeClr>
-                </a:solidFill>
-                <a:effectLst/>
-                <a:latin typeface="Open Sans" panose="020B0606030504020204" pitchFamily="34" charset="0"/>
-              </a:rPr>
-              <a:t>   </a:t>
-            </a:r>
-            <a:r>
-              <a:rPr lang="en-US" sz="1100" b="0" i="0" dirty="0" err="1">
-                <a:solidFill>
-                  <a:schemeClr val="tx1">
-                    <a:lumMod val="85000"/>
-                  </a:schemeClr>
-                </a:solidFill>
-                <a:effectLst/>
-                <a:latin typeface="Open Sans" panose="020B0606030504020204" pitchFamily="34" charset="0"/>
-              </a:rPr>
-              <a:t>System.err.println</a:t>
-            </a:r>
-            <a:r>
-              <a:rPr lang="en-US" sz="1100" b="0" i="0" dirty="0">
-                <a:solidFill>
-                  <a:schemeClr val="tx1">
-                    <a:lumMod val="85000"/>
-                  </a:schemeClr>
-                </a:solidFill>
-                <a:effectLst/>
-                <a:latin typeface="Open Sans" panose="020B0606030504020204" pitchFamily="34" charset="0"/>
-              </a:rPr>
-              <a:t>("</a:t>
-            </a:r>
-            <a:r>
-              <a:rPr lang="en-US" sz="1100" b="0" i="0" dirty="0" err="1">
-                <a:solidFill>
-                  <a:schemeClr val="tx1">
-                    <a:lumMod val="85000"/>
-                  </a:schemeClr>
-                </a:solidFill>
-                <a:effectLst/>
-                <a:latin typeface="Open Sans" panose="020B0606030504020204" pitchFamily="34" charset="0"/>
-              </a:rPr>
-              <a:t>IndexOutOfBoundsException</a:t>
-            </a:r>
-            <a:r>
-              <a:rPr lang="en-US" sz="1100" b="0" i="0" dirty="0">
-                <a:solidFill>
-                  <a:schemeClr val="tx1">
-                    <a:lumMod val="85000"/>
-                  </a:schemeClr>
-                </a:solidFill>
-                <a:effectLst/>
-                <a:latin typeface="Open Sans" panose="020B0606030504020204" pitchFamily="34" charset="0"/>
-              </a:rPr>
-              <a:t>: " + </a:t>
-            </a:r>
-            <a:r>
-              <a:rPr lang="en-US" sz="1100" b="0" i="0" dirty="0" err="1">
-                <a:solidFill>
-                  <a:schemeClr val="tx1">
-                    <a:lumMod val="85000"/>
-                  </a:schemeClr>
-                </a:solidFill>
-                <a:effectLst/>
-                <a:latin typeface="Open Sans" panose="020B0606030504020204" pitchFamily="34" charset="0"/>
-              </a:rPr>
-              <a:t>e.getMessage</a:t>
-            </a:r>
-            <a:r>
-              <a:rPr lang="en-US" sz="1100" b="0" i="0" dirty="0">
-                <a:solidFill>
-                  <a:schemeClr val="tx1">
-                    <a:lumMod val="85000"/>
-                  </a:schemeClr>
-                </a:solidFill>
-                <a:effectLst/>
-                <a:latin typeface="Open Sans" panose="020B0606030504020204" pitchFamily="34" charset="0"/>
-              </a:rPr>
-              <a:t>());</a:t>
-            </a:r>
-          </a:p>
-          <a:p>
-            <a:pPr lvl="2"/>
-            <a:r>
-              <a:rPr lang="en-US" sz="1100" b="0" i="0" dirty="0">
-                <a:solidFill>
-                  <a:schemeClr val="tx1">
-                    <a:lumMod val="85000"/>
-                  </a:schemeClr>
-                </a:solidFill>
-                <a:effectLst/>
-                <a:latin typeface="Open Sans" panose="020B0606030504020204" pitchFamily="34" charset="0"/>
-              </a:rPr>
-              <a:t>} catch (</a:t>
-            </a:r>
-            <a:r>
-              <a:rPr lang="en-US" sz="1100" b="0" i="0" dirty="0" err="1">
-                <a:solidFill>
-                  <a:schemeClr val="tx1">
-                    <a:lumMod val="85000"/>
-                  </a:schemeClr>
-                </a:solidFill>
-                <a:effectLst/>
-                <a:latin typeface="Open Sans" panose="020B0606030504020204" pitchFamily="34" charset="0"/>
-              </a:rPr>
-              <a:t>IOException</a:t>
-            </a:r>
-            <a:r>
-              <a:rPr lang="en-US" sz="1100" b="0" i="0" dirty="0">
-                <a:solidFill>
-                  <a:schemeClr val="tx1">
-                    <a:lumMod val="85000"/>
-                  </a:schemeClr>
-                </a:solidFill>
-                <a:effectLst/>
-                <a:latin typeface="Open Sans" panose="020B0606030504020204" pitchFamily="34" charset="0"/>
-              </a:rPr>
-              <a:t> e) </a:t>
-            </a:r>
-          </a:p>
-          <a:p>
-            <a:pPr lvl="2"/>
-            <a:r>
-              <a:rPr lang="en-US" sz="1100" dirty="0">
-                <a:solidFill>
-                  <a:schemeClr val="tx1">
-                    <a:lumMod val="85000"/>
-                  </a:schemeClr>
-                </a:solidFill>
-                <a:latin typeface="Open Sans" panose="020B0606030504020204" pitchFamily="34" charset="0"/>
-              </a:rPr>
-              <a:t>   </a:t>
-            </a:r>
-            <a:r>
-              <a:rPr lang="en-US" sz="1100" b="0" i="0" dirty="0" err="1">
-                <a:solidFill>
-                  <a:schemeClr val="tx1">
-                    <a:lumMod val="85000"/>
-                  </a:schemeClr>
-                </a:solidFill>
-                <a:effectLst/>
-                <a:latin typeface="Open Sans" panose="020B0606030504020204" pitchFamily="34" charset="0"/>
-              </a:rPr>
-              <a:t>System.err.println</a:t>
-            </a:r>
-            <a:r>
-              <a:rPr lang="en-US" sz="1100" b="0" i="0" dirty="0">
-                <a:solidFill>
-                  <a:schemeClr val="tx1">
-                    <a:lumMod val="85000"/>
-                  </a:schemeClr>
-                </a:solidFill>
-                <a:effectLst/>
-                <a:latin typeface="Open Sans" panose="020B0606030504020204" pitchFamily="34" charset="0"/>
-              </a:rPr>
-              <a:t>("Caught </a:t>
-            </a:r>
-            <a:r>
-              <a:rPr lang="en-US" sz="1100" b="0" i="0" dirty="0" err="1">
-                <a:solidFill>
-                  <a:schemeClr val="tx1">
-                    <a:lumMod val="85000"/>
-                  </a:schemeClr>
-                </a:solidFill>
-                <a:effectLst/>
-                <a:latin typeface="Open Sans" panose="020B0606030504020204" pitchFamily="34" charset="0"/>
-              </a:rPr>
-              <a:t>IOException</a:t>
-            </a:r>
-            <a:r>
-              <a:rPr lang="en-US" sz="1100" b="0" i="0" dirty="0">
-                <a:solidFill>
-                  <a:schemeClr val="tx1">
-                    <a:lumMod val="85000"/>
-                  </a:schemeClr>
-                </a:solidFill>
-                <a:effectLst/>
-                <a:latin typeface="Open Sans" panose="020B0606030504020204" pitchFamily="34" charset="0"/>
-              </a:rPr>
-              <a:t>: " + </a:t>
-            </a:r>
-            <a:r>
-              <a:rPr lang="en-US" sz="1100" b="0" i="0" dirty="0" err="1">
-                <a:solidFill>
-                  <a:schemeClr val="tx1">
-                    <a:lumMod val="85000"/>
-                  </a:schemeClr>
-                </a:solidFill>
-                <a:effectLst/>
-                <a:latin typeface="Open Sans" panose="020B0606030504020204" pitchFamily="34" charset="0"/>
-              </a:rPr>
-              <a:t>e.getMessage</a:t>
-            </a:r>
-            <a:r>
-              <a:rPr lang="en-US" sz="1100" b="0" i="0" dirty="0">
-                <a:solidFill>
-                  <a:schemeClr val="tx1">
-                    <a:lumMod val="85000"/>
-                  </a:schemeClr>
-                </a:solidFill>
-                <a:effectLst/>
-                <a:latin typeface="Open Sans" panose="020B0606030504020204" pitchFamily="34" charset="0"/>
-              </a:rPr>
-              <a:t>());</a:t>
-            </a:r>
-          </a:p>
-          <a:p>
-            <a:pPr lvl="2"/>
-            <a:r>
-              <a:rPr lang="en-US" sz="1100" b="0" i="0" dirty="0">
-                <a:solidFill>
-                  <a:schemeClr val="tx1">
-                    <a:lumMod val="85000"/>
-                  </a:schemeClr>
-                </a:solidFill>
-                <a:effectLst/>
-                <a:latin typeface="Open Sans" panose="020B0606030504020204" pitchFamily="34" charset="0"/>
-              </a:rPr>
-              <a:t>}</a:t>
-            </a:r>
-          </a:p>
-        </p:txBody>
-      </p:sp>
-      <p:sp>
-        <p:nvSpPr>
-          <p:cNvPr id="2" name="TextBox 1">
-            <a:extLst>
-              <a:ext uri="{FF2B5EF4-FFF2-40B4-BE49-F238E27FC236}">
-                <a16:creationId xmlns:a16="http://schemas.microsoft.com/office/drawing/2014/main" id="{05E39B88-6490-5C54-C767-A0E91A8F373F}"/>
-              </a:ext>
-            </a:extLst>
-          </p:cNvPr>
-          <p:cNvSpPr txBox="1"/>
-          <p:nvPr/>
-        </p:nvSpPr>
-        <p:spPr>
-          <a:xfrm>
-            <a:off x="5553511" y="6427531"/>
-            <a:ext cx="6842443" cy="338554"/>
-          </a:xfrm>
-          <a:prstGeom prst="rect">
-            <a:avLst/>
-          </a:prstGeom>
-          <a:noFill/>
-        </p:spPr>
-        <p:txBody>
-          <a:bodyPr wrap="square">
-            <a:spAutoFit/>
-          </a:bodyPr>
-          <a:lstStyle/>
-          <a:p>
-            <a:r>
-              <a:rPr lang="en-US" sz="1600" dirty="0">
-                <a:hlinkClick r:id="rId2"/>
-              </a:rPr>
-              <a:t>https://github.com/ckiefriter1/Java-Code-Examples/tree/main/src/exceptions</a:t>
-            </a:r>
-            <a:endParaRPr lang="en-US" sz="1600" dirty="0"/>
-          </a:p>
-        </p:txBody>
-      </p:sp>
-    </p:spTree>
-    <p:extLst>
-      <p:ext uri="{BB962C8B-B14F-4D97-AF65-F5344CB8AC3E}">
-        <p14:creationId xmlns:p14="http://schemas.microsoft.com/office/powerpoint/2010/main" val="12263916"/>
-      </p:ext>
-    </p:extLst>
-  </p:cSld>
-  <p:clrMapOvr>
-    <a:masterClrMapping/>
-  </p:clrMapOvr>
-</p:sld>
-</file>
-
 <file path=ppt/slides/slide13.xml><?xml version="1.0" encoding="utf-8"?>
 <p:sld xmlns:a="http://schemas.openxmlformats.org/drawingml/2006/main" xmlns:r="http://schemas.openxmlformats.org/officeDocument/2006/relationships" xmlns:p="http://schemas.openxmlformats.org/presentationml/2006/main">
   <p:cSld>
@@ -7763,8 +7092,8 @@
         </p:nvSpPr>
         <p:spPr>
           <a:xfrm>
-            <a:off x="176169" y="729420"/>
-            <a:ext cx="11931637" cy="4555093"/>
+            <a:off x="176169" y="571295"/>
+            <a:ext cx="11931637" cy="6571030"/>
           </a:xfrm>
           <a:prstGeom prst="rect">
             <a:avLst/>
@@ -7782,48 +7111,16 @@
               <a:buChar char="•"/>
             </a:pPr>
             <a:r>
-              <a:rPr lang="en-US" b="0" i="0" dirty="0">
-                <a:solidFill>
-                  <a:srgbClr val="00B0F0"/>
-                </a:solidFill>
-                <a:effectLst/>
-                <a:latin typeface="Open Sans" panose="020B0606030504020204" pitchFamily="34" charset="0"/>
-              </a:rPr>
-              <a:t>Exception handlers can do more than just print error messages or halt the program</a:t>
-            </a:r>
-            <a:r>
-              <a:rPr lang="en-US" b="0" i="0" dirty="0">
-                <a:solidFill>
-                  <a:schemeClr val="tx1">
-                    <a:lumMod val="85000"/>
-                  </a:schemeClr>
-                </a:solidFill>
-                <a:effectLst/>
-                <a:latin typeface="Open Sans" panose="020B0606030504020204" pitchFamily="34" charset="0"/>
-              </a:rPr>
-              <a:t>. They can do error recovery, prompt the user to make a decision, or propagate the error up to a higher-level handler using chained exceptions, as described in the </a:t>
-            </a:r>
-            <a:r>
-              <a:rPr lang="en-US" b="0" i="0" dirty="0">
-                <a:solidFill>
-                  <a:srgbClr val="00B0F0"/>
-                </a:solidFill>
-                <a:effectLst/>
-                <a:latin typeface="Open Sans" panose="020B0606030504020204" pitchFamily="34" charset="0"/>
-              </a:rPr>
-              <a:t>Chained Exceptions </a:t>
-            </a:r>
-            <a:r>
-              <a:rPr lang="en-US" b="0" i="0" dirty="0">
-                <a:solidFill>
-                  <a:schemeClr val="tx1">
-                    <a:lumMod val="85000"/>
-                  </a:schemeClr>
-                </a:solidFill>
-                <a:effectLst/>
-                <a:latin typeface="Open Sans" panose="020B0606030504020204" pitchFamily="34" charset="0"/>
-              </a:rPr>
-              <a:t>section.</a:t>
+              <a:rPr lang="en-US" sz="1600" b="0" i="0" dirty="0">
+                <a:solidFill>
+                  <a:schemeClr val="tx1">
+                    <a:lumMod val="85000"/>
+                  </a:schemeClr>
+                </a:solidFill>
+                <a:effectLst/>
+                <a:latin typeface="Open Sans" panose="020B0606030504020204" pitchFamily="34" charset="0"/>
+              </a:rPr>
+              <a:t>You associate exception handlers with a try block by providing one or more catch blocks directly after the try block. No code can be between the end of the try block and the beginning of the first catch block.</a:t>
             </a:r>
           </a:p>
           <a:p>
@@ -7831,7 +7128,7 @@
               <a:buFont typeface="Arial" panose="020B0604020202020204" pitchFamily="34" charset="0"/>
               <a:buChar char="•"/>
             </a:pPr>
-            <a:endParaRPr lang="en-US" b="0" i="0" dirty="0">
+            <a:endParaRPr lang="en-US" sz="1600" b="0" i="0" dirty="0">
               <a:solidFill>
                 <a:schemeClr val="tx1">
                   <a:lumMod val="85000"/>
@@ -7842,47 +7139,187 @@
             </a:endParaRPr>
           </a:p>
           <a:p>
-            <a:pPr marL="285750" indent="-285750" algn="l">
-              <a:buFont typeface="Arial" panose="020B0604020202020204" pitchFamily="34" charset="0"/>
-              <a:buChar char="•"/>
-            </a:pPr>
-            <a:r>
-              <a:rPr lang="en-US" b="0" i="0" dirty="0">
-                <a:solidFill>
-                  <a:schemeClr val="tx1">
-                    <a:lumMod val="85000"/>
-                  </a:schemeClr>
-                </a:solidFill>
-                <a:effectLst/>
-                <a:latin typeface="Open Sans" panose="020B0606030504020204" pitchFamily="34" charset="0"/>
-              </a:rPr>
-              <a:t>Catching More Than One Type of Exception with One Exception Handler</a:t>
-            </a:r>
-          </a:p>
-          <a:p>
-            <a:pPr marL="742950" lvl="1" indent="-285750">
-              <a:buFont typeface="Arial" panose="020B0604020202020204" pitchFamily="34" charset="0"/>
-              <a:buChar char="•"/>
-            </a:pPr>
-            <a:r>
-              <a:rPr lang="en-US" b="0" i="0" dirty="0">
-                <a:solidFill>
-                  <a:schemeClr val="tx1">
-                    <a:lumMod val="85000"/>
-                  </a:schemeClr>
-                </a:solidFill>
-                <a:effectLst/>
-                <a:latin typeface="Open Sans" panose="020B0606030504020204" pitchFamily="34" charset="0"/>
-              </a:rPr>
-              <a:t>In Java SE 7 and later, a single catch block can handle more than one type of exception. This feature can reduce code duplication and lessen the temptation to catch an overly broad exception.</a:t>
-            </a:r>
-          </a:p>
-          <a:p>
-            <a:pPr marL="285750" indent="-285750" algn="l">
-              <a:buFont typeface="Arial" panose="020B0604020202020204" pitchFamily="34" charset="0"/>
-              <a:buChar char="•"/>
-            </a:pPr>
-            <a:endParaRPr lang="en-US" b="0" i="0" dirty="0">
+            <a:pPr algn="l"/>
+            <a:r>
+              <a:rPr lang="en-US" sz="1200" b="0" i="0" dirty="0">
+                <a:solidFill>
+                  <a:schemeClr val="tx1">
+                    <a:lumMod val="85000"/>
+                  </a:schemeClr>
+                </a:solidFill>
+                <a:effectLst/>
+                <a:latin typeface="Open Sans" panose="020B0606030504020204" pitchFamily="34" charset="0"/>
+              </a:rPr>
+              <a:t>	try {</a:t>
+            </a:r>
+          </a:p>
+          <a:p>
+            <a:pPr algn="l"/>
+            <a:r>
+              <a:rPr lang="en-US" sz="1200" dirty="0">
+                <a:solidFill>
+                  <a:schemeClr val="tx1">
+                    <a:lumMod val="85000"/>
+                  </a:schemeClr>
+                </a:solidFill>
+                <a:latin typeface="Open Sans" panose="020B0606030504020204" pitchFamily="34" charset="0"/>
+              </a:rPr>
+              <a:t>	   // Execute some code here</a:t>
+            </a:r>
+          </a:p>
+          <a:p>
+            <a:pPr algn="l"/>
+            <a:r>
+              <a:rPr lang="en-US" sz="1200" b="0" i="0" dirty="0">
+                <a:solidFill>
+                  <a:schemeClr val="tx1">
+                    <a:lumMod val="85000"/>
+                  </a:schemeClr>
+                </a:solidFill>
+                <a:effectLst/>
+                <a:latin typeface="Open Sans" panose="020B0606030504020204" pitchFamily="34" charset="0"/>
+              </a:rPr>
+              <a:t>	} catch (</a:t>
+            </a:r>
+            <a:r>
+              <a:rPr lang="en-US" sz="1200" b="0" i="0" dirty="0" err="1">
+                <a:solidFill>
+                  <a:schemeClr val="tx1">
+                    <a:lumMod val="85000"/>
+                  </a:schemeClr>
+                </a:solidFill>
+                <a:effectLst/>
+                <a:latin typeface="Open Sans" panose="020B0606030504020204" pitchFamily="34" charset="0"/>
+              </a:rPr>
+              <a:t>ExceptionType</a:t>
+            </a:r>
+            <a:r>
+              <a:rPr lang="en-US" sz="1200" b="0" i="0" dirty="0">
+                <a:solidFill>
+                  <a:schemeClr val="tx1">
+                    <a:lumMod val="85000"/>
+                  </a:schemeClr>
+                </a:solidFill>
+                <a:effectLst/>
+                <a:latin typeface="Open Sans" panose="020B0606030504020204" pitchFamily="34" charset="0"/>
+              </a:rPr>
+              <a:t> name) {</a:t>
+            </a:r>
+          </a:p>
+          <a:p>
+            <a:pPr algn="l"/>
+            <a:r>
+              <a:rPr lang="en-US" sz="1200" dirty="0">
+                <a:solidFill>
+                  <a:schemeClr val="tx1">
+                    <a:lumMod val="85000"/>
+                  </a:schemeClr>
+                </a:solidFill>
+                <a:latin typeface="Open Sans" panose="020B0606030504020204" pitchFamily="34" charset="0"/>
+              </a:rPr>
+              <a:t>	</a:t>
+            </a:r>
+          </a:p>
+          <a:p>
+            <a:pPr algn="l"/>
+            <a:r>
+              <a:rPr lang="en-US" sz="1200" b="0" i="0" dirty="0">
+                <a:solidFill>
+                  <a:schemeClr val="tx1">
+                    <a:lumMod val="85000"/>
+                  </a:schemeClr>
+                </a:solidFill>
+                <a:effectLst/>
+                <a:latin typeface="Open Sans" panose="020B0606030504020204" pitchFamily="34" charset="0"/>
+              </a:rPr>
+              <a:t>	} catch (</a:t>
+            </a:r>
+            <a:r>
+              <a:rPr lang="en-US" sz="1200" b="0" i="0" dirty="0" err="1">
+                <a:solidFill>
+                  <a:schemeClr val="tx1">
+                    <a:lumMod val="85000"/>
+                  </a:schemeClr>
+                </a:solidFill>
+                <a:effectLst/>
+                <a:latin typeface="Open Sans" panose="020B0606030504020204" pitchFamily="34" charset="0"/>
+              </a:rPr>
+              <a:t>ExceptionType</a:t>
+            </a:r>
+            <a:r>
+              <a:rPr lang="en-US" sz="1200" b="0" i="0" dirty="0">
+                <a:solidFill>
+                  <a:schemeClr val="tx1">
+                    <a:lumMod val="85000"/>
+                  </a:schemeClr>
+                </a:solidFill>
+                <a:effectLst/>
+                <a:latin typeface="Open Sans" panose="020B0606030504020204" pitchFamily="34" charset="0"/>
+              </a:rPr>
+              <a:t> name) {</a:t>
+            </a:r>
+          </a:p>
+          <a:p>
+            <a:pPr algn="l"/>
+            <a:r>
+              <a:rPr lang="en-US" sz="1200" dirty="0">
+                <a:solidFill>
+                  <a:schemeClr val="tx1">
+                    <a:lumMod val="85000"/>
+                  </a:schemeClr>
+                </a:solidFill>
+                <a:latin typeface="Open Sans" panose="020B0606030504020204" pitchFamily="34" charset="0"/>
+              </a:rPr>
+              <a:t>	</a:t>
+            </a:r>
+          </a:p>
+          <a:p>
+            <a:pPr algn="l"/>
+            <a:r>
+              <a:rPr lang="en-US" sz="1200" b="0" i="0" dirty="0">
+                <a:solidFill>
+                  <a:schemeClr val="tx1">
+                    <a:lumMod val="85000"/>
+                  </a:schemeClr>
+                </a:solidFill>
+                <a:effectLst/>
+                <a:latin typeface="Open Sans" panose="020B0606030504020204" pitchFamily="34" charset="0"/>
+              </a:rPr>
+              <a:t>	} finally {</a:t>
+            </a:r>
+          </a:p>
+          <a:p>
+            <a:pPr algn="l"/>
+            <a:r>
+              <a:rPr lang="en-US" sz="1200" dirty="0">
+                <a:solidFill>
+                  <a:schemeClr val="tx1">
+                    <a:lumMod val="85000"/>
+                  </a:schemeClr>
+                </a:solidFill>
+                <a:latin typeface="Open Sans" panose="020B0606030504020204" pitchFamily="34" charset="0"/>
+              </a:rPr>
+              <a:t>	   // Code that always runs when the try block runs even when an Exception occurs</a:t>
+            </a:r>
+          </a:p>
+          <a:p>
+            <a:pPr algn="l"/>
+            <a:r>
+              <a:rPr lang="en-US" sz="1200" b="0" i="0" dirty="0">
+                <a:solidFill>
+                  <a:schemeClr val="tx1">
+                    <a:lumMod val="85000"/>
+                  </a:schemeClr>
+                </a:solidFill>
+                <a:effectLst/>
+                <a:latin typeface="Open Sans" panose="020B0606030504020204" pitchFamily="34" charset="0"/>
+              </a:rPr>
+              <a:t>	}</a:t>
+            </a:r>
+          </a:p>
+          <a:p>
+            <a:pPr algn="l"/>
+            <a:endParaRPr lang="en-US" sz="1200" b="0" i="0" dirty="0">
               <a:solidFill>
                 <a:schemeClr val="tx1">
                   <a:lumMod val="85000"/>
@@ -7893,29 +7330,71 @@
             </a:endParaRPr>
           </a:p>
           <a:p>
-            <a:pPr marL="742950" lvl="1" indent="-285750">
-              <a:buFont typeface="Arial" panose="020B0604020202020204" pitchFamily="34" charset="0"/>
-              <a:buChar char="•"/>
-            </a:pPr>
-            <a:r>
-              <a:rPr lang="en-US" b="0" i="0" dirty="0">
-                <a:solidFill>
-                  <a:schemeClr val="tx1">
-                    <a:lumMod val="85000"/>
-                  </a:schemeClr>
-                </a:solidFill>
-                <a:effectLst/>
-                <a:latin typeface="Open Sans" panose="020B0606030504020204" pitchFamily="34" charset="0"/>
-              </a:rPr>
-              <a:t>In the catch clause, specify the types of exceptions that block can handle, and separate each exception type with a vertical bar (|):</a:t>
-            </a:r>
-          </a:p>
-          <a:p>
             <a:pPr marL="285750" indent="-285750" algn="l">
               <a:buFont typeface="Arial" panose="020B0604020202020204" pitchFamily="34" charset="0"/>
               <a:buChar char="•"/>
             </a:pPr>
-            <a:endParaRPr lang="en-US" b="0" i="0" dirty="0">
+            <a:r>
+              <a:rPr lang="en-US" sz="1600" b="0" i="0" dirty="0">
+                <a:solidFill>
+                  <a:srgbClr val="00B0F0"/>
+                </a:solidFill>
+                <a:effectLst/>
+                <a:latin typeface="Open Sans" panose="020B0606030504020204" pitchFamily="34" charset="0"/>
+              </a:rPr>
+              <a:t>Each catch block is an exception handler </a:t>
+            </a:r>
+            <a:r>
+              <a:rPr lang="en-US" sz="1600" b="0" i="0" dirty="0">
+                <a:solidFill>
+                  <a:schemeClr val="tx1">
+                    <a:lumMod val="85000"/>
+                  </a:schemeClr>
+                </a:solidFill>
+                <a:effectLst/>
+                <a:latin typeface="Open Sans" panose="020B0606030504020204" pitchFamily="34" charset="0"/>
+              </a:rPr>
+              <a:t>that handles the type of exception indicated by its argument. </a:t>
+            </a:r>
+            <a:r>
+              <a:rPr lang="en-US" sz="1600" b="0" i="0" dirty="0">
+                <a:solidFill>
+                  <a:srgbClr val="00B0F0"/>
+                </a:solidFill>
+                <a:effectLst/>
+                <a:latin typeface="Open Sans" panose="020B0606030504020204" pitchFamily="34" charset="0"/>
+              </a:rPr>
+              <a:t>The argument type, </a:t>
+            </a:r>
+            <a:r>
+              <a:rPr lang="en-US" sz="1600" b="0" i="0" dirty="0" err="1">
+                <a:solidFill>
+                  <a:srgbClr val="00B0F0"/>
+                </a:solidFill>
+                <a:effectLst/>
+                <a:latin typeface="Open Sans" panose="020B0606030504020204" pitchFamily="34" charset="0"/>
+              </a:rPr>
+              <a:t>ExceptionType</a:t>
+            </a:r>
+            <a:r>
+              <a:rPr lang="en-US" sz="1600" b="0" i="0" dirty="0">
+                <a:solidFill>
+                  <a:schemeClr val="tx1">
+                    <a:lumMod val="85000"/>
+                  </a:schemeClr>
+                </a:solidFill>
+                <a:effectLst/>
+                <a:latin typeface="Open Sans" panose="020B0606030504020204" pitchFamily="34" charset="0"/>
+              </a:rPr>
+              <a:t>, declares the type of exception that the handler can handle and must be the name of a class that inherits from the Throwable class. The handler can refer to the exception with name.</a:t>
+            </a:r>
+          </a:p>
+          <a:p>
+            <a:pPr marL="285750" indent="-285750" algn="l">
+              <a:buFont typeface="Arial" panose="020B0604020202020204" pitchFamily="34" charset="0"/>
+              <a:buChar char="•"/>
+            </a:pPr>
+            <a:endParaRPr lang="en-US" sz="1600" b="0" i="0" dirty="0">
               <a:solidFill>
                 <a:schemeClr val="tx1">
                   <a:lumMod val="85000"/>
@@ -7926,128 +7405,75 @@
             </a:endParaRPr>
           </a:p>
           <a:p>
-            <a:pPr algn="l"/>
-            <a:r>
-              <a:rPr lang="en-US" sz="1400" b="0" i="0" dirty="0">
-                <a:solidFill>
-                  <a:schemeClr val="tx1">
-                    <a:lumMod val="85000"/>
-                  </a:schemeClr>
-                </a:solidFill>
-                <a:effectLst/>
-                <a:latin typeface="Open Sans" panose="020B0606030504020204" pitchFamily="34" charset="0"/>
-              </a:rPr>
-              <a:t>	catch (</a:t>
-            </a:r>
-            <a:r>
-              <a:rPr lang="en-US" sz="1400" b="0" i="0" dirty="0" err="1">
-                <a:solidFill>
-                  <a:schemeClr val="tx1">
-                    <a:lumMod val="85000"/>
-                  </a:schemeClr>
-                </a:solidFill>
-                <a:effectLst/>
-                <a:latin typeface="Open Sans" panose="020B0606030504020204" pitchFamily="34" charset="0"/>
-              </a:rPr>
-              <a:t>IOException|SQLException</a:t>
-            </a:r>
-            <a:r>
-              <a:rPr lang="en-US" sz="1400" b="0" i="0" dirty="0">
-                <a:solidFill>
-                  <a:schemeClr val="tx1">
-                    <a:lumMod val="85000"/>
-                  </a:schemeClr>
-                </a:solidFill>
-                <a:effectLst/>
-                <a:latin typeface="Open Sans" panose="020B0606030504020204" pitchFamily="34" charset="0"/>
-              </a:rPr>
-              <a:t> ex) {</a:t>
-            </a:r>
-          </a:p>
-          <a:p>
-            <a:pPr algn="l"/>
-            <a:r>
-              <a:rPr lang="en-US" sz="1400" dirty="0">
-                <a:solidFill>
-                  <a:schemeClr val="tx1">
-                    <a:lumMod val="85000"/>
-                  </a:schemeClr>
-                </a:solidFill>
-                <a:latin typeface="Open Sans" panose="020B0606030504020204" pitchFamily="34" charset="0"/>
-              </a:rPr>
-              <a:t>	   </a:t>
-            </a:r>
-            <a:r>
-              <a:rPr lang="en-US" sz="1400" b="0" i="0" dirty="0">
-                <a:solidFill>
-                  <a:schemeClr val="tx1">
-                    <a:lumMod val="85000"/>
-                  </a:schemeClr>
-                </a:solidFill>
-                <a:effectLst/>
-                <a:latin typeface="Open Sans" panose="020B0606030504020204" pitchFamily="34" charset="0"/>
-              </a:rPr>
-              <a:t>logger.log(ex);</a:t>
-            </a:r>
-          </a:p>
-          <a:p>
-            <a:pPr algn="l"/>
-            <a:r>
-              <a:rPr lang="en-US" sz="1400" dirty="0">
-                <a:solidFill>
-                  <a:schemeClr val="tx1">
-                    <a:lumMod val="85000"/>
-                  </a:schemeClr>
-                </a:solidFill>
-                <a:latin typeface="Open Sans" panose="020B0606030504020204" pitchFamily="34" charset="0"/>
-              </a:rPr>
-              <a:t>	   </a:t>
-            </a:r>
-            <a:r>
-              <a:rPr lang="en-US" sz="1400" b="0" i="0" dirty="0">
-                <a:solidFill>
-                  <a:schemeClr val="tx1">
-                    <a:lumMod val="85000"/>
-                  </a:schemeClr>
-                </a:solidFill>
-                <a:effectLst/>
-                <a:latin typeface="Open Sans" panose="020B0606030504020204" pitchFamily="34" charset="0"/>
-              </a:rPr>
-              <a:t>throw ex;</a:t>
-            </a:r>
-          </a:p>
-          <a:p>
-            <a:pPr algn="l"/>
-            <a:r>
-              <a:rPr lang="en-US" sz="1400" dirty="0">
-                <a:solidFill>
-                  <a:schemeClr val="tx1">
-                    <a:lumMod val="85000"/>
-                  </a:schemeClr>
-                </a:solidFill>
-                <a:latin typeface="Open Sans" panose="020B0606030504020204" pitchFamily="34" charset="0"/>
-              </a:rPr>
-              <a:t>                       </a:t>
-            </a:r>
-            <a:r>
-              <a:rPr lang="en-US" sz="1400" b="0" i="0" dirty="0">
-                <a:solidFill>
-                  <a:schemeClr val="tx1">
-                    <a:lumMod val="85000"/>
-                  </a:schemeClr>
-                </a:solidFill>
-                <a:effectLst/>
-                <a:latin typeface="Open Sans" panose="020B0606030504020204" pitchFamily="34" charset="0"/>
-              </a:rPr>
-              <a:t>}</a:t>
-            </a:r>
-          </a:p>
-          <a:p>
             <a:pPr marL="285750" indent="-285750" algn="l">
               <a:buFont typeface="Arial" panose="020B0604020202020204" pitchFamily="34" charset="0"/>
               <a:buChar char="•"/>
             </a:pPr>
-            <a:endParaRPr lang="en-US" b="0" i="0" dirty="0">
+            <a:r>
+              <a:rPr lang="en-US" sz="1600" b="0" i="0" dirty="0">
+                <a:solidFill>
+                  <a:schemeClr val="tx1">
+                    <a:lumMod val="85000"/>
+                  </a:schemeClr>
+                </a:solidFill>
+                <a:effectLst/>
+                <a:latin typeface="Open Sans" panose="020B0606030504020204" pitchFamily="34" charset="0"/>
+              </a:rPr>
+              <a:t>The catch block </a:t>
+            </a:r>
+            <a:r>
+              <a:rPr lang="en-US" sz="1600" b="0" i="0" dirty="0">
+                <a:solidFill>
+                  <a:srgbClr val="00B0F0"/>
+                </a:solidFill>
+                <a:effectLst/>
+                <a:latin typeface="Open Sans" panose="020B0606030504020204" pitchFamily="34" charset="0"/>
+              </a:rPr>
+              <a:t>contains code that is executed if and when the exception handler is invoked</a:t>
+            </a:r>
+            <a:r>
+              <a:rPr lang="en-US" sz="1600" b="0" i="0" dirty="0">
+                <a:solidFill>
+                  <a:schemeClr val="tx1">
+                    <a:lumMod val="85000"/>
+                  </a:schemeClr>
+                </a:solidFill>
+                <a:effectLst/>
+                <a:latin typeface="Open Sans" panose="020B0606030504020204" pitchFamily="34" charset="0"/>
+              </a:rPr>
+              <a:t>. The runtime system invokes the exception handler when the handler is the first one in the call stack whose </a:t>
+            </a:r>
+            <a:r>
+              <a:rPr lang="en-US" sz="1600" b="0" i="0" dirty="0" err="1">
+                <a:solidFill>
+                  <a:schemeClr val="tx1">
+                    <a:lumMod val="85000"/>
+                  </a:schemeClr>
+                </a:solidFill>
+                <a:effectLst/>
+                <a:latin typeface="Open Sans" panose="020B0606030504020204" pitchFamily="34" charset="0"/>
+              </a:rPr>
+              <a:t>ExceptionType</a:t>
+            </a:r>
+            <a:r>
+              <a:rPr lang="en-US" sz="1600" b="0" i="0" dirty="0">
+                <a:solidFill>
+                  <a:schemeClr val="tx1">
+                    <a:lumMod val="85000"/>
+                  </a:schemeClr>
+                </a:solidFill>
+                <a:effectLst/>
+                <a:latin typeface="Open Sans" panose="020B0606030504020204" pitchFamily="34" charset="0"/>
+              </a:rPr>
+              <a:t> matches the type of the exception thrown. The system considers it a match if the thrown object can legally be assigned to the exception handler's argument.</a:t>
+            </a:r>
+          </a:p>
+          <a:p>
+            <a:pPr marL="285750" indent="-285750" algn="l">
+              <a:buFont typeface="Arial" panose="020B0604020202020204" pitchFamily="34" charset="0"/>
+              <a:buChar char="•"/>
+            </a:pPr>
+            <a:endParaRPr lang="en-US" sz="1600" b="0" i="0" dirty="0">
               <a:solidFill>
                 <a:schemeClr val="tx1">
                   <a:lumMod val="85000"/>
@@ -8062,15 +7488,338 @@
               <a:buFont typeface="Arial" panose="020B0604020202020204" pitchFamily="34" charset="0"/>
               <a:buChar char="•"/>
             </a:pPr>
-            <a:endParaRPr lang="en-US" b="0" i="0" dirty="0">
-              <a:solidFill>
-                <a:schemeClr val="tx1">
-                  <a:lumMod val="85000"/>
-                </a:schemeClr>
-              </a:solidFill>
-              <a:effectLst/>
-              <a:latin typeface="Open Sans" panose="020B0606030504020204" pitchFamily="34" charset="0"/>
-            </a:endParaRPr>
+            <a:r>
+              <a:rPr lang="en-US" sz="1600" b="0" i="0" dirty="0">
+                <a:solidFill>
+                  <a:schemeClr val="tx1">
+                    <a:lumMod val="85000"/>
+                  </a:schemeClr>
+                </a:solidFill>
+                <a:effectLst/>
+                <a:latin typeface="Open Sans" panose="020B0606030504020204" pitchFamily="34" charset="0"/>
+              </a:rPr>
+              <a:t>The following are two exception handlers for the </a:t>
+            </a:r>
+            <a:r>
+              <a:rPr lang="en-US" sz="1600" b="0" i="0" dirty="0" err="1">
+                <a:solidFill>
+                  <a:schemeClr val="tx1">
+                    <a:lumMod val="85000"/>
+                  </a:schemeClr>
+                </a:solidFill>
+                <a:effectLst/>
+                <a:latin typeface="Open Sans" panose="020B0606030504020204" pitchFamily="34" charset="0"/>
+              </a:rPr>
+              <a:t>writeList</a:t>
+            </a:r>
+            <a:r>
+              <a:rPr lang="en-US" sz="1600" b="0" i="0" dirty="0">
+                <a:solidFill>
+                  <a:schemeClr val="tx1">
+                    <a:lumMod val="85000"/>
+                  </a:schemeClr>
+                </a:solidFill>
+                <a:effectLst/>
+                <a:latin typeface="Open Sans" panose="020B0606030504020204" pitchFamily="34" charset="0"/>
+              </a:rPr>
+              <a:t> method:</a:t>
+            </a:r>
+          </a:p>
+          <a:p>
+            <a:pPr algn="l"/>
+            <a:r>
+              <a:rPr lang="en-US" sz="1100" b="0" i="0" dirty="0">
+                <a:solidFill>
+                  <a:schemeClr val="tx1">
+                    <a:lumMod val="85000"/>
+                  </a:schemeClr>
+                </a:solidFill>
+                <a:effectLst/>
+                <a:latin typeface="Open Sans" panose="020B0606030504020204" pitchFamily="34" charset="0"/>
+              </a:rPr>
+              <a:t>	try {</a:t>
+            </a:r>
+          </a:p>
+          <a:p>
+            <a:pPr lvl="2"/>
+            <a:r>
+              <a:rPr lang="en-US" sz="1100" b="0" i="0" dirty="0">
+                <a:solidFill>
+                  <a:schemeClr val="tx1">
+                    <a:lumMod val="85000"/>
+                  </a:schemeClr>
+                </a:solidFill>
+                <a:effectLst/>
+                <a:latin typeface="Open Sans" panose="020B0606030504020204" pitchFamily="34" charset="0"/>
+              </a:rPr>
+              <a:t>   // Do something</a:t>
+            </a:r>
+          </a:p>
+          <a:p>
+            <a:pPr lvl="2"/>
+            <a:r>
+              <a:rPr lang="en-US" sz="1100" b="0" i="0" dirty="0">
+                <a:solidFill>
+                  <a:schemeClr val="tx1">
+                    <a:lumMod val="85000"/>
+                  </a:schemeClr>
+                </a:solidFill>
+                <a:effectLst/>
+                <a:latin typeface="Open Sans" panose="020B0606030504020204" pitchFamily="34" charset="0"/>
+              </a:rPr>
+              <a:t>} catch (</a:t>
+            </a:r>
+            <a:r>
+              <a:rPr lang="en-US" sz="1100" b="0" i="0" dirty="0" err="1">
+                <a:solidFill>
+                  <a:schemeClr val="tx1">
+                    <a:lumMod val="85000"/>
+                  </a:schemeClr>
+                </a:solidFill>
+                <a:effectLst/>
+                <a:latin typeface="Open Sans" panose="020B0606030504020204" pitchFamily="34" charset="0"/>
+              </a:rPr>
+              <a:t>IndexOutOfBoundsException</a:t>
+            </a:r>
+            <a:r>
+              <a:rPr lang="en-US" sz="1100" b="0" i="0" dirty="0">
+                <a:solidFill>
+                  <a:schemeClr val="tx1">
+                    <a:lumMod val="85000"/>
+                  </a:schemeClr>
+                </a:solidFill>
+                <a:effectLst/>
+                <a:latin typeface="Open Sans" panose="020B0606030504020204" pitchFamily="34" charset="0"/>
+              </a:rPr>
+              <a:t> e) {</a:t>
+            </a:r>
+          </a:p>
+          <a:p>
+            <a:pPr lvl="2"/>
+            <a:r>
+              <a:rPr lang="en-US" sz="1100" b="0" i="0" dirty="0">
+                <a:solidFill>
+                  <a:schemeClr val="tx1">
+                    <a:lumMod val="85000"/>
+                  </a:schemeClr>
+                </a:solidFill>
+                <a:effectLst/>
+                <a:latin typeface="Open Sans" panose="020B0606030504020204" pitchFamily="34" charset="0"/>
+              </a:rPr>
+              <a:t>   </a:t>
+            </a:r>
+            <a:r>
+              <a:rPr lang="en-US" sz="1100" b="0" i="0" dirty="0" err="1">
+                <a:solidFill>
+                  <a:schemeClr val="tx1">
+                    <a:lumMod val="85000"/>
+                  </a:schemeClr>
+                </a:solidFill>
+                <a:effectLst/>
+                <a:latin typeface="Open Sans" panose="020B0606030504020204" pitchFamily="34" charset="0"/>
+              </a:rPr>
+              <a:t>System.err.println</a:t>
+            </a:r>
+            <a:r>
+              <a:rPr lang="en-US" sz="1100" b="0" i="0" dirty="0">
+                <a:solidFill>
+                  <a:schemeClr val="tx1">
+                    <a:lumMod val="85000"/>
+                  </a:schemeClr>
+                </a:solidFill>
+                <a:effectLst/>
+                <a:latin typeface="Open Sans" panose="020B0606030504020204" pitchFamily="34" charset="0"/>
+              </a:rPr>
+              <a:t>("</a:t>
+            </a:r>
+            <a:r>
+              <a:rPr lang="en-US" sz="1100" b="0" i="0" dirty="0" err="1">
+                <a:solidFill>
+                  <a:schemeClr val="tx1">
+                    <a:lumMod val="85000"/>
+                  </a:schemeClr>
+                </a:solidFill>
+                <a:effectLst/>
+                <a:latin typeface="Open Sans" panose="020B0606030504020204" pitchFamily="34" charset="0"/>
+              </a:rPr>
+              <a:t>IndexOutOfBoundsException</a:t>
+            </a:r>
+            <a:r>
+              <a:rPr lang="en-US" sz="1100" b="0" i="0" dirty="0">
+                <a:solidFill>
+                  <a:schemeClr val="tx1">
+                    <a:lumMod val="85000"/>
+                  </a:schemeClr>
+                </a:solidFill>
+                <a:effectLst/>
+                <a:latin typeface="Open Sans" panose="020B0606030504020204" pitchFamily="34" charset="0"/>
+              </a:rPr>
+              <a:t>: " + </a:t>
+            </a:r>
+            <a:r>
+              <a:rPr lang="en-US" sz="1100" b="0" i="0" dirty="0" err="1">
+                <a:solidFill>
+                  <a:schemeClr val="tx1">
+                    <a:lumMod val="85000"/>
+                  </a:schemeClr>
+                </a:solidFill>
+                <a:effectLst/>
+                <a:latin typeface="Open Sans" panose="020B0606030504020204" pitchFamily="34" charset="0"/>
+              </a:rPr>
+              <a:t>e.getMessage</a:t>
+            </a:r>
+            <a:r>
+              <a:rPr lang="en-US" sz="1100" b="0" i="0" dirty="0">
+                <a:solidFill>
+                  <a:schemeClr val="tx1">
+                    <a:lumMod val="85000"/>
+                  </a:schemeClr>
+                </a:solidFill>
+                <a:effectLst/>
+                <a:latin typeface="Open Sans" panose="020B0606030504020204" pitchFamily="34" charset="0"/>
+              </a:rPr>
+              <a:t>());</a:t>
+            </a:r>
+          </a:p>
+          <a:p>
+            <a:pPr lvl="2"/>
+            <a:r>
+              <a:rPr lang="en-US" sz="1100" b="0" i="0" dirty="0">
+                <a:solidFill>
+                  <a:schemeClr val="tx1">
+                    <a:lumMod val="85000"/>
+                  </a:schemeClr>
+                </a:solidFill>
+                <a:effectLst/>
+                <a:latin typeface="Open Sans" panose="020B0606030504020204" pitchFamily="34" charset="0"/>
+              </a:rPr>
+              <a:t>} catch (</a:t>
+            </a:r>
+            <a:r>
+              <a:rPr lang="en-US" sz="1100" b="0" i="0" dirty="0" err="1">
+                <a:solidFill>
+                  <a:schemeClr val="tx1">
+                    <a:lumMod val="85000"/>
+                  </a:schemeClr>
+                </a:solidFill>
+                <a:effectLst/>
+                <a:latin typeface="Open Sans" panose="020B0606030504020204" pitchFamily="34" charset="0"/>
+              </a:rPr>
+              <a:t>IOException</a:t>
+            </a:r>
+            <a:r>
+              <a:rPr lang="en-US" sz="1100" b="0" i="0" dirty="0">
+                <a:solidFill>
+                  <a:schemeClr val="tx1">
+                    <a:lumMod val="85000"/>
+                  </a:schemeClr>
+                </a:solidFill>
+                <a:effectLst/>
+                <a:latin typeface="Open Sans" panose="020B0606030504020204" pitchFamily="34" charset="0"/>
+              </a:rPr>
+              <a:t> e) </a:t>
+            </a:r>
+          </a:p>
+          <a:p>
+            <a:pPr lvl="2"/>
+            <a:r>
+              <a:rPr lang="en-US" sz="1100" dirty="0">
+                <a:solidFill>
+                  <a:schemeClr val="tx1">
+                    <a:lumMod val="85000"/>
+                  </a:schemeClr>
+                </a:solidFill>
+                <a:latin typeface="Open Sans" panose="020B0606030504020204" pitchFamily="34" charset="0"/>
+              </a:rPr>
+              <a:t>   </a:t>
+            </a:r>
+            <a:r>
+              <a:rPr lang="en-US" sz="1100" b="0" i="0" dirty="0" err="1">
+                <a:solidFill>
+                  <a:schemeClr val="tx1">
+                    <a:lumMod val="85000"/>
+                  </a:schemeClr>
+                </a:solidFill>
+                <a:effectLst/>
+                <a:latin typeface="Open Sans" panose="020B0606030504020204" pitchFamily="34" charset="0"/>
+              </a:rPr>
+              <a:t>System.err.println</a:t>
+            </a:r>
+            <a:r>
+              <a:rPr lang="en-US" sz="1100" b="0" i="0" dirty="0">
+                <a:solidFill>
+                  <a:schemeClr val="tx1">
+                    <a:lumMod val="85000"/>
+                  </a:schemeClr>
+                </a:solidFill>
+                <a:effectLst/>
+                <a:latin typeface="Open Sans" panose="020B0606030504020204" pitchFamily="34" charset="0"/>
+              </a:rPr>
+              <a:t>("Caught </a:t>
+            </a:r>
+            <a:r>
+              <a:rPr lang="en-US" sz="1100" b="0" i="0" dirty="0" err="1">
+                <a:solidFill>
+                  <a:schemeClr val="tx1">
+                    <a:lumMod val="85000"/>
+                  </a:schemeClr>
+                </a:solidFill>
+                <a:effectLst/>
+                <a:latin typeface="Open Sans" panose="020B0606030504020204" pitchFamily="34" charset="0"/>
+              </a:rPr>
+              <a:t>IOException</a:t>
+            </a:r>
+            <a:r>
+              <a:rPr lang="en-US" sz="1100" b="0" i="0" dirty="0">
+                <a:solidFill>
+                  <a:schemeClr val="tx1">
+                    <a:lumMod val="85000"/>
+                  </a:schemeClr>
+                </a:solidFill>
+                <a:effectLst/>
+                <a:latin typeface="Open Sans" panose="020B0606030504020204" pitchFamily="34" charset="0"/>
+              </a:rPr>
+              <a:t>: " + </a:t>
+            </a:r>
+            <a:r>
+              <a:rPr lang="en-US" sz="1100" b="0" i="0" dirty="0" err="1">
+                <a:solidFill>
+                  <a:schemeClr val="tx1">
+                    <a:lumMod val="85000"/>
+                  </a:schemeClr>
+                </a:solidFill>
+                <a:effectLst/>
+                <a:latin typeface="Open Sans" panose="020B0606030504020204" pitchFamily="34" charset="0"/>
+              </a:rPr>
+              <a:t>e.getMessage</a:t>
+            </a:r>
+            <a:r>
+              <a:rPr lang="en-US" sz="1100" b="0" i="0" dirty="0">
+                <a:solidFill>
+                  <a:schemeClr val="tx1">
+                    <a:lumMod val="85000"/>
+                  </a:schemeClr>
+                </a:solidFill>
+                <a:effectLst/>
+                <a:latin typeface="Open Sans" panose="020B0606030504020204" pitchFamily="34" charset="0"/>
+              </a:rPr>
+              <a:t>());</a:t>
+            </a:r>
+          </a:p>
+          <a:p>
+            <a:pPr lvl="2"/>
+            <a:r>
+              <a:rPr lang="en-US" sz="1100" b="0" i="0" dirty="0">
+                <a:solidFill>
+                  <a:schemeClr val="tx1">
+                    <a:lumMod val="85000"/>
+                  </a:schemeClr>
+                </a:solidFill>
+                <a:effectLst/>
+                <a:latin typeface="Open Sans" panose="020B0606030504020204" pitchFamily="34" charset="0"/>
+              </a:rPr>
+              <a:t>}</a:t>
+            </a:r>
           </a:p>
         </p:txBody>
       </p:sp>
@@ -8079,7 +7828,7 @@
           <p:cNvPr id="2" name="TextBox 1">
             <a:extLst>
               <a:ext uri="{FF2B5EF4-FFF2-40B4-BE49-F238E27FC236}">
-                <a16:creationId xmlns:a16="http://schemas.microsoft.com/office/drawing/2014/main" id="{2292BC77-EAED-98AF-CC12-6B2F561FA457}"/>
+                <a16:creationId xmlns:a16="http://schemas.microsoft.com/office/drawing/2014/main" id="{05E39B88-6490-5C54-C767-A0E91A8F373F}"/>
               </a:ext>
             </a:extLst>
           </p:cNvPr>
@@ -8088,8 +7837,8 @@
         </p:nvSpPr>
         <p:spPr>
           <a:xfrm>
-            <a:off x="4679424" y="6273448"/>
-            <a:ext cx="7540362" cy="369332"/>
+            <a:off x="5553511" y="6427531"/>
+            <a:ext cx="6842443" cy="338554"/>
           </a:xfrm>
           <a:prstGeom prst="rect">
             <a:avLst/>
@@ -8103,19 +7852,19 @@
           <a:lstStyle/>
           <a:p>
             <a:r>
-              <a:rPr lang="en-US" dirty="0">
+              <a:rPr lang="en-US" sz="1600" dirty="0">
                 <a:hlinkClick r:id="rId2"/>
               </a:rPr>
               <a:t>https://github.com/ckiefriter1/Java-Code-Examples/tree/main/src/exceptions</a:t>
             </a:r>
-            <a:endParaRPr lang="en-US" dirty="0"/>
+            <a:endParaRPr lang="en-US" sz="1600" dirty="0"/>
           </a:p>
         </p:txBody>
       </p:sp>
     </p:spTree>
     <p:extLst>
       <p:ext uri="{BB962C8B-B14F-4D97-AF65-F5344CB8AC3E}">
-        <p14:creationId xmlns:p14="http://schemas.microsoft.com/office/powerpoint/2010/main" val="2285577035"/>
+        <p14:creationId xmlns:p14="http://schemas.microsoft.com/office/powerpoint/2010/main" val="12263916"/>
       </p:ext>
     </p:extLst>
   </p:cSld>
@@ -8217,6 +7966,459 @@
         <p:spPr>
           <a:xfrm>
             <a:off x="176169" y="729420"/>
+            <a:ext cx="11931637" cy="4555093"/>
+          </a:xfrm>
+          <a:prstGeom prst="rect">
+            <a:avLst/>
+          </a:prstGeom>
+          <a:noFill/>
+        </p:spPr>
+        <p:txBody>
+          <a:bodyPr wrap="square">
+            <a:spAutoFit/>
+          </a:bodyPr>
+          <a:lstStyle/>
+          <a:p>
+            <a:pPr marL="285750" indent="-285750" algn="l">
+              <a:buFont typeface="Arial" panose="020B0604020202020204" pitchFamily="34" charset="0"/>
+              <a:buChar char="•"/>
+            </a:pPr>
+            <a:r>
+              <a:rPr lang="en-US" b="0" i="0" dirty="0">
+                <a:solidFill>
+                  <a:srgbClr val="00B0F0"/>
+                </a:solidFill>
+                <a:effectLst/>
+                <a:latin typeface="Open Sans" panose="020B0606030504020204" pitchFamily="34" charset="0"/>
+              </a:rPr>
+              <a:t>Exception handlers can do more than just print error messages or halt the program</a:t>
+            </a:r>
+            <a:r>
+              <a:rPr lang="en-US" b="0" i="0" dirty="0">
+                <a:solidFill>
+                  <a:schemeClr val="tx1">
+                    <a:lumMod val="85000"/>
+                  </a:schemeClr>
+                </a:solidFill>
+                <a:effectLst/>
+                <a:latin typeface="Open Sans" panose="020B0606030504020204" pitchFamily="34" charset="0"/>
+              </a:rPr>
+              <a:t>. They can do error recovery, prompt the user to make a decision, or propagate the error up to a higher-level handler using chained exceptions, as described in the </a:t>
+            </a:r>
+            <a:r>
+              <a:rPr lang="en-US" b="0" i="0" dirty="0">
+                <a:solidFill>
+                  <a:srgbClr val="00B0F0"/>
+                </a:solidFill>
+                <a:effectLst/>
+                <a:latin typeface="Open Sans" panose="020B0606030504020204" pitchFamily="34" charset="0"/>
+              </a:rPr>
+              <a:t>Chained Exceptions </a:t>
+            </a:r>
+            <a:r>
+              <a:rPr lang="en-US" b="0" i="0" dirty="0">
+                <a:solidFill>
+                  <a:schemeClr val="tx1">
+                    <a:lumMod val="85000"/>
+                  </a:schemeClr>
+                </a:solidFill>
+                <a:effectLst/>
+                <a:latin typeface="Open Sans" panose="020B0606030504020204" pitchFamily="34" charset="0"/>
+              </a:rPr>
+              <a:t>section.</a:t>
+            </a:r>
+          </a:p>
+          <a:p>
+            <a:pPr marL="285750" indent="-285750" algn="l">
+              <a:buFont typeface="Arial" panose="020B0604020202020204" pitchFamily="34" charset="0"/>
+              <a:buChar char="•"/>
+            </a:pPr>
+            <a:endParaRPr lang="en-US" b="0" i="0" dirty="0">
+              <a:solidFill>
+                <a:schemeClr val="tx1">
+                  <a:lumMod val="85000"/>
+                </a:schemeClr>
+              </a:solidFill>
+              <a:effectLst/>
+              <a:latin typeface="Open Sans" panose="020B0606030504020204" pitchFamily="34" charset="0"/>
+            </a:endParaRPr>
+          </a:p>
+          <a:p>
+            <a:pPr marL="285750" indent="-285750" algn="l">
+              <a:buFont typeface="Arial" panose="020B0604020202020204" pitchFamily="34" charset="0"/>
+              <a:buChar char="•"/>
+            </a:pPr>
+            <a:r>
+              <a:rPr lang="en-US" b="0" i="0" dirty="0">
+                <a:solidFill>
+                  <a:schemeClr val="tx1">
+                    <a:lumMod val="85000"/>
+                  </a:schemeClr>
+                </a:solidFill>
+                <a:effectLst/>
+                <a:latin typeface="Open Sans" panose="020B0606030504020204" pitchFamily="34" charset="0"/>
+              </a:rPr>
+              <a:t>Catching More Than One Type of Exception with One Exception Handler</a:t>
+            </a:r>
+          </a:p>
+          <a:p>
+            <a:pPr marL="742950" lvl="1" indent="-285750">
+              <a:buFont typeface="Arial" panose="020B0604020202020204" pitchFamily="34" charset="0"/>
+              <a:buChar char="•"/>
+            </a:pPr>
+            <a:r>
+              <a:rPr lang="en-US" b="0" i="0" dirty="0">
+                <a:solidFill>
+                  <a:schemeClr val="tx1">
+                    <a:lumMod val="85000"/>
+                  </a:schemeClr>
+                </a:solidFill>
+                <a:effectLst/>
+                <a:latin typeface="Open Sans" panose="020B0606030504020204" pitchFamily="34" charset="0"/>
+              </a:rPr>
+              <a:t>In Java SE 7 and later, a single catch block can handle more than one type of exception. This feature can reduce code duplication and lessen the temptation to catch an overly broad exception.</a:t>
+            </a:r>
+          </a:p>
+          <a:p>
+            <a:pPr marL="285750" indent="-285750" algn="l">
+              <a:buFont typeface="Arial" panose="020B0604020202020204" pitchFamily="34" charset="0"/>
+              <a:buChar char="•"/>
+            </a:pPr>
+            <a:endParaRPr lang="en-US" b="0" i="0" dirty="0">
+              <a:solidFill>
+                <a:schemeClr val="tx1">
+                  <a:lumMod val="85000"/>
+                </a:schemeClr>
+              </a:solidFill>
+              <a:effectLst/>
+              <a:latin typeface="Open Sans" panose="020B0606030504020204" pitchFamily="34" charset="0"/>
+            </a:endParaRPr>
+          </a:p>
+          <a:p>
+            <a:pPr marL="742950" lvl="1" indent="-285750">
+              <a:buFont typeface="Arial" panose="020B0604020202020204" pitchFamily="34" charset="0"/>
+              <a:buChar char="•"/>
+            </a:pPr>
+            <a:r>
+              <a:rPr lang="en-US" b="0" i="0" dirty="0">
+                <a:solidFill>
+                  <a:schemeClr val="tx1">
+                    <a:lumMod val="85000"/>
+                  </a:schemeClr>
+                </a:solidFill>
+                <a:effectLst/>
+                <a:latin typeface="Open Sans" panose="020B0606030504020204" pitchFamily="34" charset="0"/>
+              </a:rPr>
+              <a:t>In the catch clause, specify the types of exceptions that block can handle, and separate each exception type with a vertical bar (|):</a:t>
+            </a:r>
+          </a:p>
+          <a:p>
+            <a:pPr marL="285750" indent="-285750" algn="l">
+              <a:buFont typeface="Arial" panose="020B0604020202020204" pitchFamily="34" charset="0"/>
+              <a:buChar char="•"/>
+            </a:pPr>
+            <a:endParaRPr lang="en-US" b="0" i="0" dirty="0">
+              <a:solidFill>
+                <a:schemeClr val="tx1">
+                  <a:lumMod val="85000"/>
+                </a:schemeClr>
+              </a:solidFill>
+              <a:effectLst/>
+              <a:latin typeface="Open Sans" panose="020B0606030504020204" pitchFamily="34" charset="0"/>
+            </a:endParaRPr>
+          </a:p>
+          <a:p>
+            <a:pPr algn="l"/>
+            <a:r>
+              <a:rPr lang="en-US" sz="1400" b="0" i="0" dirty="0">
+                <a:solidFill>
+                  <a:schemeClr val="tx1">
+                    <a:lumMod val="85000"/>
+                  </a:schemeClr>
+                </a:solidFill>
+                <a:effectLst/>
+                <a:latin typeface="Open Sans" panose="020B0606030504020204" pitchFamily="34" charset="0"/>
+              </a:rPr>
+              <a:t>	catch (</a:t>
+            </a:r>
+            <a:r>
+              <a:rPr lang="en-US" sz="1400" b="0" i="0" dirty="0" err="1">
+                <a:solidFill>
+                  <a:schemeClr val="tx1">
+                    <a:lumMod val="85000"/>
+                  </a:schemeClr>
+                </a:solidFill>
+                <a:effectLst/>
+                <a:latin typeface="Open Sans" panose="020B0606030504020204" pitchFamily="34" charset="0"/>
+              </a:rPr>
+              <a:t>IOException|SQLException</a:t>
+            </a:r>
+            <a:r>
+              <a:rPr lang="en-US" sz="1400" b="0" i="0" dirty="0">
+                <a:solidFill>
+                  <a:schemeClr val="tx1">
+                    <a:lumMod val="85000"/>
+                  </a:schemeClr>
+                </a:solidFill>
+                <a:effectLst/>
+                <a:latin typeface="Open Sans" panose="020B0606030504020204" pitchFamily="34" charset="0"/>
+              </a:rPr>
+              <a:t> ex) {</a:t>
+            </a:r>
+          </a:p>
+          <a:p>
+            <a:pPr algn="l"/>
+            <a:r>
+              <a:rPr lang="en-US" sz="1400" dirty="0">
+                <a:solidFill>
+                  <a:schemeClr val="tx1">
+                    <a:lumMod val="85000"/>
+                  </a:schemeClr>
+                </a:solidFill>
+                <a:latin typeface="Open Sans" panose="020B0606030504020204" pitchFamily="34" charset="0"/>
+              </a:rPr>
+              <a:t>	   </a:t>
+            </a:r>
+            <a:r>
+              <a:rPr lang="en-US" sz="1400" b="0" i="0" dirty="0">
+                <a:solidFill>
+                  <a:schemeClr val="tx1">
+                    <a:lumMod val="85000"/>
+                  </a:schemeClr>
+                </a:solidFill>
+                <a:effectLst/>
+                <a:latin typeface="Open Sans" panose="020B0606030504020204" pitchFamily="34" charset="0"/>
+              </a:rPr>
+              <a:t>logger.log(ex);</a:t>
+            </a:r>
+          </a:p>
+          <a:p>
+            <a:pPr algn="l"/>
+            <a:r>
+              <a:rPr lang="en-US" sz="1400" dirty="0">
+                <a:solidFill>
+                  <a:schemeClr val="tx1">
+                    <a:lumMod val="85000"/>
+                  </a:schemeClr>
+                </a:solidFill>
+                <a:latin typeface="Open Sans" panose="020B0606030504020204" pitchFamily="34" charset="0"/>
+              </a:rPr>
+              <a:t>	   </a:t>
+            </a:r>
+            <a:r>
+              <a:rPr lang="en-US" sz="1400" b="0" i="0" dirty="0">
+                <a:solidFill>
+                  <a:schemeClr val="tx1">
+                    <a:lumMod val="85000"/>
+                  </a:schemeClr>
+                </a:solidFill>
+                <a:effectLst/>
+                <a:latin typeface="Open Sans" panose="020B0606030504020204" pitchFamily="34" charset="0"/>
+              </a:rPr>
+              <a:t>throw ex;</a:t>
+            </a:r>
+          </a:p>
+          <a:p>
+            <a:pPr algn="l"/>
+            <a:r>
+              <a:rPr lang="en-US" sz="1400" dirty="0">
+                <a:solidFill>
+                  <a:schemeClr val="tx1">
+                    <a:lumMod val="85000"/>
+                  </a:schemeClr>
+                </a:solidFill>
+                <a:latin typeface="Open Sans" panose="020B0606030504020204" pitchFamily="34" charset="0"/>
+              </a:rPr>
+              <a:t>                       </a:t>
+            </a:r>
+            <a:r>
+              <a:rPr lang="en-US" sz="1400" b="0" i="0" dirty="0">
+                <a:solidFill>
+                  <a:schemeClr val="tx1">
+                    <a:lumMod val="85000"/>
+                  </a:schemeClr>
+                </a:solidFill>
+                <a:effectLst/>
+                <a:latin typeface="Open Sans" panose="020B0606030504020204" pitchFamily="34" charset="0"/>
+              </a:rPr>
+              <a:t>}</a:t>
+            </a:r>
+          </a:p>
+          <a:p>
+            <a:pPr marL="285750" indent="-285750" algn="l">
+              <a:buFont typeface="Arial" panose="020B0604020202020204" pitchFamily="34" charset="0"/>
+              <a:buChar char="•"/>
+            </a:pPr>
+            <a:endParaRPr lang="en-US" b="0" i="0" dirty="0">
+              <a:solidFill>
+                <a:schemeClr val="tx1">
+                  <a:lumMod val="85000"/>
+                </a:schemeClr>
+              </a:solidFill>
+              <a:effectLst/>
+              <a:latin typeface="Open Sans" panose="020B0606030504020204" pitchFamily="34" charset="0"/>
+            </a:endParaRPr>
+          </a:p>
+          <a:p>
+            <a:pPr marL="285750" indent="-285750" algn="l">
+              <a:buFont typeface="Arial" panose="020B0604020202020204" pitchFamily="34" charset="0"/>
+              <a:buChar char="•"/>
+            </a:pPr>
+            <a:endParaRPr lang="en-US" b="0" i="0" dirty="0">
+              <a:solidFill>
+                <a:schemeClr val="tx1">
+                  <a:lumMod val="85000"/>
+                </a:schemeClr>
+              </a:solidFill>
+              <a:effectLst/>
+              <a:latin typeface="Open Sans" panose="020B0606030504020204" pitchFamily="34" charset="0"/>
+            </a:endParaRPr>
+          </a:p>
+        </p:txBody>
+      </p:sp>
+      <p:sp>
+        <p:nvSpPr>
+          <p:cNvPr id="2" name="TextBox 1">
+            <a:extLst>
+              <a:ext uri="{FF2B5EF4-FFF2-40B4-BE49-F238E27FC236}">
+                <a16:creationId xmlns:a16="http://schemas.microsoft.com/office/drawing/2014/main" id="{2292BC77-EAED-98AF-CC12-6B2F561FA457}"/>
+              </a:ext>
+            </a:extLst>
+          </p:cNvPr>
+          <p:cNvSpPr txBox="1"/>
+          <p:nvPr/>
+        </p:nvSpPr>
+        <p:spPr>
+          <a:xfrm>
+            <a:off x="4679424" y="6273448"/>
+            <a:ext cx="7540362" cy="369332"/>
+          </a:xfrm>
+          <a:prstGeom prst="rect">
+            <a:avLst/>
+          </a:prstGeom>
+          <a:noFill/>
+        </p:spPr>
+        <p:txBody>
+          <a:bodyPr wrap="square">
+            <a:spAutoFit/>
+          </a:bodyPr>
+          <a:lstStyle/>
+          <a:p>
+            <a:r>
+              <a:rPr lang="en-US" dirty="0">
+                <a:hlinkClick r:id="rId2"/>
+              </a:rPr>
+              <a:t>https://github.com/ckiefriter1/Java-Code-Examples/tree/main/src/exceptions</a:t>
+            </a:r>
+            <a:endParaRPr lang="en-US" dirty="0"/>
+          </a:p>
+        </p:txBody>
+      </p:sp>
+    </p:spTree>
+    <p:extLst>
+      <p:ext uri="{BB962C8B-B14F-4D97-AF65-F5344CB8AC3E}">
+        <p14:creationId xmlns:p14="http://schemas.microsoft.com/office/powerpoint/2010/main" val="2285577035"/>
+      </p:ext>
+    </p:extLst>
+  </p:cSld>
+  <p:clrMapOvr>
+    <a:masterClrMapping/>
+  </p:clrMapOvr>
+</p:sld>
+</file>
+
+<file path=ppt/slides/slide15.xml><?xml version="1.0" encoding="utf-8"?>
+<p:sld xmlns:a="http://schemas.openxmlformats.org/drawingml/2006/main" xmlns:r="http://schemas.openxmlformats.org/officeDocument/2006/relationships" xmlns:p="http://schemas.openxmlformats.org/presentationml/2006/main">
+  <p:cSld>
+    <p:spTree>
+      <p:nvGrpSpPr>
+        <p:cNvPr id="1" name=""/>
+        <p:cNvGrpSpPr/>
+        <p:nvPr/>
+      </p:nvGrpSpPr>
+      <p:grpSpPr>
+        <a:xfrm>
+          <a:off x="0" y="0"/>
+          <a:ext cx="0" cy="0"/>
+          <a:chOff x="0" y="0"/>
+          <a:chExt cx="0" cy="0"/>
+        </a:xfrm>
+      </p:grpSpPr>
+      <p:sp>
+        <p:nvSpPr>
+          <p:cNvPr id="6" name="TextBox 5">
+            <a:extLst>
+              <a:ext uri="{FF2B5EF4-FFF2-40B4-BE49-F238E27FC236}">
+                <a16:creationId xmlns:a16="http://schemas.microsoft.com/office/drawing/2014/main" id="{59E906CD-110B-9D01-732C-2F21759B0265}"/>
+              </a:ext>
+            </a:extLst>
+          </p:cNvPr>
+          <p:cNvSpPr txBox="1"/>
+          <p:nvPr/>
+        </p:nvSpPr>
+        <p:spPr>
+          <a:xfrm>
+            <a:off x="193250" y="91915"/>
+            <a:ext cx="8256355" cy="461665"/>
+          </a:xfrm>
+          <a:prstGeom prst="rect">
+            <a:avLst/>
+          </a:prstGeom>
+          <a:noFill/>
+        </p:spPr>
+        <p:txBody>
+          <a:bodyPr wrap="square">
+            <a:spAutoFit/>
+          </a:bodyPr>
+          <a:lstStyle/>
+          <a:p>
+            <a:pPr algn="l"/>
+            <a:r>
+              <a:rPr lang="en-US" sz="2400" b="1" dirty="0">
+                <a:solidFill>
+                  <a:srgbClr val="00B050"/>
+                </a:solidFill>
+                <a:effectLst/>
+                <a:latin typeface="Open Sans" panose="020B0606030504020204" pitchFamily="34" charset="0"/>
+              </a:rPr>
+              <a:t>Catching Exceptions – try </a:t>
+            </a:r>
+            <a:r>
+              <a:rPr lang="en-US" sz="2400" b="1" dirty="0">
+                <a:solidFill>
+                  <a:srgbClr val="00B050"/>
+                </a:solidFill>
+                <a:effectLst/>
+                <a:latin typeface="Open Sans" panose="020B0606030504020204" pitchFamily="34" charset="0"/>
+                <a:sym typeface="Wingdings" panose="05000000000000000000" pitchFamily="2" charset="2"/>
+              </a:rPr>
+              <a:t> catch  finally blocks</a:t>
+            </a:r>
+            <a:endParaRPr lang="en-US" sz="2400" b="1" dirty="0">
+              <a:solidFill>
+                <a:srgbClr val="00B050"/>
+              </a:solidFill>
+              <a:effectLst/>
+              <a:latin typeface="Open Sans" panose="020B0606030504020204" pitchFamily="34" charset="0"/>
+            </a:endParaRPr>
+          </a:p>
+        </p:txBody>
+      </p:sp>
+      <p:sp>
+        <p:nvSpPr>
+          <p:cNvPr id="4" name="TextBox 3">
+            <a:extLst>
+              <a:ext uri="{FF2B5EF4-FFF2-40B4-BE49-F238E27FC236}">
+                <a16:creationId xmlns:a16="http://schemas.microsoft.com/office/drawing/2014/main" id="{C0B26727-0F97-5A73-B4ED-6BE65E07E5DB}"/>
+              </a:ext>
+            </a:extLst>
+          </p:cNvPr>
+          <p:cNvSpPr txBox="1"/>
+          <p:nvPr/>
+        </p:nvSpPr>
+        <p:spPr>
+          <a:xfrm>
+            <a:off x="176169" y="729420"/>
             <a:ext cx="11931637" cy="4524315"/>
           </a:xfrm>
           <a:prstGeom prst="rect">
@@ -8819,7 +9021,7 @@
 </p:sld>
 </file>
 
-<file path=ppt/slides/slide15.xml><?xml version="1.0" encoding="utf-8"?>
+<file path=ppt/slides/slide16.xml><?xml version="1.0" encoding="utf-8"?>
 <p:sld xmlns:a="http://schemas.openxmlformats.org/drawingml/2006/main" xmlns:r="http://schemas.openxmlformats.org/officeDocument/2006/relationships" xmlns:p="http://schemas.openxmlformats.org/presentationml/2006/main">
   <p:cSld>
     <p:spTree>
@@ -8916,7 +9118,7 @@
 </p:sld>
 </file>
 
-<file path=ppt/slides/slide16.xml><?xml version="1.0" encoding="utf-8"?>
+<file path=ppt/slides/slide17.xml><?xml version="1.0" encoding="utf-8"?>
 <p:sld xmlns:a="http://schemas.openxmlformats.org/drawingml/2006/main" xmlns:r="http://schemas.openxmlformats.org/officeDocument/2006/relationships" xmlns:p="http://schemas.openxmlformats.org/presentationml/2006/main">
   <p:cSld>
     <p:spTree>
@@ -9249,7 +9451,7 @@
 </p:sld>
 </file>
 
-<file path=ppt/slides/slide17.xml><?xml version="1.0" encoding="utf-8"?>
+<file path=ppt/slides/slide18.xml><?xml version="1.0" encoding="utf-8"?>
 <p:sld xmlns:a="http://schemas.openxmlformats.org/drawingml/2006/main" xmlns:r="http://schemas.openxmlformats.org/officeDocument/2006/relationships" xmlns:p="http://schemas.openxmlformats.org/presentationml/2006/main">
   <p:cSld>
     <p:spTree>
@@ -9346,7 +9548,7 @@
 </p:sld>
 </file>
 
-<file path=ppt/slides/slide18.xml><?xml version="1.0" encoding="utf-8"?>
+<file path=ppt/slides/slide19.xml><?xml version="1.0" encoding="utf-8"?>
 <p:sld xmlns:a="http://schemas.openxmlformats.org/drawingml/2006/main" xmlns:r="http://schemas.openxmlformats.org/officeDocument/2006/relationships" xmlns:p="http://schemas.openxmlformats.org/presentationml/2006/main">
   <p:cSld>
     <p:spTree>
@@ -9482,80 +9684,6 @@
     <p:extLst>
       <p:ext uri="{BB962C8B-B14F-4D97-AF65-F5344CB8AC3E}">
         <p14:creationId xmlns:p14="http://schemas.microsoft.com/office/powerpoint/2010/main" val="424094208"/>
-      </p:ext>
-    </p:extLst>
-  </p:cSld>
-  <p:clrMapOvr>
-    <a:masterClrMapping/>
-  </p:clrMapOvr>
-</p:sld>
-</file>
-
-<file path=ppt/slides/slide19.xml><?xml version="1.0" encoding="utf-8"?>
-<p:sld xmlns:a="http://schemas.openxmlformats.org/drawingml/2006/main" xmlns:r="http://schemas.openxmlformats.org/officeDocument/2006/relationships" xmlns:p="http://schemas.openxmlformats.org/presentationml/2006/main">
-  <p:cSld>
-    <p:spTree>
-      <p:nvGrpSpPr>
-        <p:cNvPr id="1" name=""/>
-        <p:cNvGrpSpPr/>
-        <p:nvPr/>
-      </p:nvGrpSpPr>
-      <p:grpSpPr>
-        <a:xfrm>
-          <a:off x="0" y="0"/>
-          <a:ext cx="0" cy="0"/>
-          <a:chOff x="0" y="0"/>
-          <a:chExt cx="0" cy="0"/>
-        </a:xfrm>
-      </p:grpSpPr>
-      <p:sp>
-        <p:nvSpPr>
-          <p:cNvPr id="3" name="TextBox 2">
-            <a:extLst>
-              <a:ext uri="{FF2B5EF4-FFF2-40B4-BE49-F238E27FC236}">
-                <a16:creationId xmlns:a16="http://schemas.microsoft.com/office/drawing/2014/main" id="{23DFC7E9-54DD-38D7-0B9B-D34948D68CF9}"/>
-              </a:ext>
-            </a:extLst>
-          </p:cNvPr>
-          <p:cNvSpPr txBox="1"/>
-          <p:nvPr/>
-        </p:nvSpPr>
-        <p:spPr>
-          <a:xfrm>
-            <a:off x="3948194" y="2621711"/>
-            <a:ext cx="5141562" cy="1015663"/>
-          </a:xfrm>
-          <a:prstGeom prst="rect">
-            <a:avLst/>
-          </a:prstGeom>
-          <a:noFill/>
-        </p:spPr>
-        <p:txBody>
-          <a:bodyPr wrap="square">
-            <a:spAutoFit/>
-          </a:bodyPr>
-          <a:lstStyle/>
-          <a:p>
-            <a:pPr algn="l"/>
-            <a:r>
-              <a:rPr lang="en-US" sz="6000" b="0" dirty="0">
-                <a:solidFill>
-                  <a:schemeClr val="tx1">
-                    <a:lumMod val="75000"/>
-                  </a:schemeClr>
-                </a:solidFill>
-                <a:effectLst/>
-                <a:latin typeface="Open Sans" panose="020B0606030504020204" pitchFamily="34" charset="0"/>
-              </a:rPr>
-              <a:t>Appendix</a:t>
-            </a:r>
-          </a:p>
-        </p:txBody>
-      </p:sp>
-    </p:spTree>
-    <p:extLst>
-      <p:ext uri="{BB962C8B-B14F-4D97-AF65-F5344CB8AC3E}">
-        <p14:creationId xmlns:p14="http://schemas.microsoft.com/office/powerpoint/2010/main" val="2394962184"/>
       </p:ext>
     </p:extLst>
   </p:cSld>
@@ -9653,6 +9781,80 @@
     <p:extLst>
       <p:ext uri="{BB962C8B-B14F-4D97-AF65-F5344CB8AC3E}">
         <p14:creationId xmlns:p14="http://schemas.microsoft.com/office/powerpoint/2010/main" val="763182894"/>
+      </p:ext>
+    </p:extLst>
+  </p:cSld>
+  <p:clrMapOvr>
+    <a:masterClrMapping/>
+  </p:clrMapOvr>
+</p:sld>
+</file>
+
+<file path=ppt/slides/slide20.xml><?xml version="1.0" encoding="utf-8"?>
+<p:sld xmlns:a="http://schemas.openxmlformats.org/drawingml/2006/main" xmlns:r="http://schemas.openxmlformats.org/officeDocument/2006/relationships" xmlns:p="http://schemas.openxmlformats.org/presentationml/2006/main">
+  <p:cSld>
+    <p:spTree>
+      <p:nvGrpSpPr>
+        <p:cNvPr id="1" name=""/>
+        <p:cNvGrpSpPr/>
+        <p:nvPr/>
+      </p:nvGrpSpPr>
+      <p:grpSpPr>
+        <a:xfrm>
+          <a:off x="0" y="0"/>
+          <a:ext cx="0" cy="0"/>
+          <a:chOff x="0" y="0"/>
+          <a:chExt cx="0" cy="0"/>
+        </a:xfrm>
+      </p:grpSpPr>
+      <p:sp>
+        <p:nvSpPr>
+          <p:cNvPr id="3" name="TextBox 2">
+            <a:extLst>
+              <a:ext uri="{FF2B5EF4-FFF2-40B4-BE49-F238E27FC236}">
+                <a16:creationId xmlns:a16="http://schemas.microsoft.com/office/drawing/2014/main" id="{23DFC7E9-54DD-38D7-0B9B-D34948D68CF9}"/>
+              </a:ext>
+            </a:extLst>
+          </p:cNvPr>
+          <p:cNvSpPr txBox="1"/>
+          <p:nvPr/>
+        </p:nvSpPr>
+        <p:spPr>
+          <a:xfrm>
+            <a:off x="3948194" y="2621711"/>
+            <a:ext cx="5141562" cy="1015663"/>
+          </a:xfrm>
+          <a:prstGeom prst="rect">
+            <a:avLst/>
+          </a:prstGeom>
+          <a:noFill/>
+        </p:spPr>
+        <p:txBody>
+          <a:bodyPr wrap="square">
+            <a:spAutoFit/>
+          </a:bodyPr>
+          <a:lstStyle/>
+          <a:p>
+            <a:pPr algn="l"/>
+            <a:r>
+              <a:rPr lang="en-US" sz="6000" b="0" dirty="0">
+                <a:solidFill>
+                  <a:schemeClr val="tx1">
+                    <a:lumMod val="75000"/>
+                  </a:schemeClr>
+                </a:solidFill>
+                <a:effectLst/>
+                <a:latin typeface="Open Sans" panose="020B0606030504020204" pitchFamily="34" charset="0"/>
+              </a:rPr>
+              <a:t>Appendix</a:t>
+            </a:r>
+          </a:p>
+        </p:txBody>
+      </p:sp>
+    </p:spTree>
+    <p:extLst>
+      <p:ext uri="{BB962C8B-B14F-4D97-AF65-F5344CB8AC3E}">
+        <p14:creationId xmlns:p14="http://schemas.microsoft.com/office/powerpoint/2010/main" val="2394962184"/>
       </p:ext>
     </p:extLst>
   </p:cSld>

--- a/Week5/BESD Week 5.pptx
+++ b/Week5/BESD Week 5.pptx
@@ -12,19 +12,21 @@
     <p:sldId id="294" r:id="rId6"/>
     <p:sldId id="295" r:id="rId7"/>
     <p:sldId id="296" r:id="rId8"/>
-    <p:sldId id="265" r:id="rId9"/>
-    <p:sldId id="278" r:id="rId10"/>
-    <p:sldId id="304" r:id="rId11"/>
-    <p:sldId id="297" r:id="rId12"/>
-    <p:sldId id="298" r:id="rId13"/>
-    <p:sldId id="299" r:id="rId14"/>
-    <p:sldId id="300" r:id="rId15"/>
-    <p:sldId id="301" r:id="rId16"/>
-    <p:sldId id="286" r:id="rId17"/>
-    <p:sldId id="303" r:id="rId18"/>
-    <p:sldId id="302" r:id="rId19"/>
-    <p:sldId id="287" r:id="rId20"/>
-    <p:sldId id="260" r:id="rId21"/>
+    <p:sldId id="303" r:id="rId9"/>
+    <p:sldId id="306" r:id="rId10"/>
+    <p:sldId id="265" r:id="rId11"/>
+    <p:sldId id="278" r:id="rId12"/>
+    <p:sldId id="304" r:id="rId13"/>
+    <p:sldId id="297" r:id="rId14"/>
+    <p:sldId id="298" r:id="rId15"/>
+    <p:sldId id="299" r:id="rId16"/>
+    <p:sldId id="300" r:id="rId17"/>
+    <p:sldId id="301" r:id="rId18"/>
+    <p:sldId id="286" r:id="rId19"/>
+    <p:sldId id="305" r:id="rId20"/>
+    <p:sldId id="302" r:id="rId21"/>
+    <p:sldId id="287" r:id="rId22"/>
+    <p:sldId id="260" r:id="rId23"/>
   </p:sldIdLst>
   <p:sldSz cx="12192000" cy="6858000"/>
   <p:notesSz cx="6858000" cy="9144000"/>
@@ -134,7 +136,7 @@
 <file path=ppt/revisionInfo.xml><?xml version="1.0" encoding="utf-8"?>
 <p1510:revInfo xmlns:a="http://schemas.openxmlformats.org/drawingml/2006/main" xmlns:r="http://schemas.openxmlformats.org/officeDocument/2006/relationships" xmlns:p1510="http://schemas.microsoft.com/office/powerpoint/2015/10/main">
   <p1510:revLst>
-    <p1510:client id="{C11307D8-F416-4216-B85A-47312E9494DC}" v="33" dt="2023-04-04T20:44:59.926"/>
+    <p1510:client id="{38E1ABCE-DCED-45BB-9163-E7279FC7721B}" v="39" dt="2024-01-17T00:59:33.158"/>
   </p1510:revLst>
 </p1510:revInfo>
 </file>
@@ -1869,6 +1871,156 @@
             <pc:docMk/>
             <pc:sldMk cId="3119538790" sldId="304"/>
             <ac:picMk id="5" creationId="{6A37CBD8-6224-F786-CA2E-BFD9FDE0E68A}"/>
+          </ac:picMkLst>
+        </pc:picChg>
+      </pc:sldChg>
+    </pc:docChg>
+  </pc:docChgLst>
+  <pc:docChgLst>
+    <pc:chgData name="Charles Kiefriter" userId="a996b49251c4dfd2" providerId="LiveId" clId="{38E1ABCE-DCED-45BB-9163-E7279FC7721B}"/>
+    <pc:docChg chg="undo custSel addSld modSld sldOrd">
+      <pc:chgData name="Charles Kiefriter" userId="a996b49251c4dfd2" providerId="LiveId" clId="{38E1ABCE-DCED-45BB-9163-E7279FC7721B}" dt="2024-01-17T00:59:33.158" v="274" actId="1037"/>
+      <pc:docMkLst>
+        <pc:docMk/>
+      </pc:docMkLst>
+      <pc:sldChg chg="addSp delSp modSp mod ord">
+        <pc:chgData name="Charles Kiefriter" userId="a996b49251c4dfd2" providerId="LiveId" clId="{38E1ABCE-DCED-45BB-9163-E7279FC7721B}" dt="2024-01-17T00:44:01.199" v="209" actId="14100"/>
+        <pc:sldMkLst>
+          <pc:docMk/>
+          <pc:sldMk cId="3551399501" sldId="303"/>
+        </pc:sldMkLst>
+        <pc:spChg chg="add mod">
+          <ac:chgData name="Charles Kiefriter" userId="a996b49251c4dfd2" providerId="LiveId" clId="{38E1ABCE-DCED-45BB-9163-E7279FC7721B}" dt="2024-01-17T00:39:36.250" v="195" actId="1076"/>
+          <ac:spMkLst>
+            <pc:docMk/>
+            <pc:sldMk cId="3551399501" sldId="303"/>
+            <ac:spMk id="2" creationId="{40346BC9-5E3A-5092-6ECC-E4E6FAE9ADAF}"/>
+          </ac:spMkLst>
+        </pc:spChg>
+        <pc:spChg chg="add mod">
+          <ac:chgData name="Charles Kiefriter" userId="a996b49251c4dfd2" providerId="LiveId" clId="{38E1ABCE-DCED-45BB-9163-E7279FC7721B}" dt="2024-01-17T00:39:36.250" v="195" actId="1076"/>
+          <ac:spMkLst>
+            <pc:docMk/>
+            <pc:sldMk cId="3551399501" sldId="303"/>
+            <ac:spMk id="3" creationId="{F19DAB60-7345-E475-248A-5DE1D69809B0}"/>
+          </ac:spMkLst>
+        </pc:spChg>
+        <pc:spChg chg="mod">
+          <ac:chgData name="Charles Kiefriter" userId="a996b49251c4dfd2" providerId="LiveId" clId="{38E1ABCE-DCED-45BB-9163-E7279FC7721B}" dt="2024-01-17T00:43:50.936" v="207" actId="1076"/>
+          <ac:spMkLst>
+            <pc:docMk/>
+            <pc:sldMk cId="3551399501" sldId="303"/>
+            <ac:spMk id="4" creationId="{C0B26727-0F97-5A73-B4ED-6BE65E07E5DB}"/>
+          </ac:spMkLst>
+        </pc:spChg>
+        <pc:spChg chg="del">
+          <ac:chgData name="Charles Kiefriter" userId="a996b49251c4dfd2" providerId="LiveId" clId="{38E1ABCE-DCED-45BB-9163-E7279FC7721B}" dt="2024-01-17T00:43:03.947" v="200" actId="478"/>
+          <ac:spMkLst>
+            <pc:docMk/>
+            <pc:sldMk cId="3551399501" sldId="303"/>
+            <ac:spMk id="5" creationId="{20F6CBEF-9110-814A-F1E8-8EDD591B1904}"/>
+          </ac:spMkLst>
+        </pc:spChg>
+        <pc:spChg chg="mod">
+          <ac:chgData name="Charles Kiefriter" userId="a996b49251c4dfd2" providerId="LiveId" clId="{38E1ABCE-DCED-45BB-9163-E7279FC7721B}" dt="2024-01-17T00:18:26.384" v="25" actId="20577"/>
+          <ac:spMkLst>
+            <pc:docMk/>
+            <pc:sldMk cId="3551399501" sldId="303"/>
+            <ac:spMk id="6" creationId="{59E906CD-110B-9D01-732C-2F21759B0265}"/>
+          </ac:spMkLst>
+        </pc:spChg>
+        <pc:spChg chg="add mod">
+          <ac:chgData name="Charles Kiefriter" userId="a996b49251c4dfd2" providerId="LiveId" clId="{38E1ABCE-DCED-45BB-9163-E7279FC7721B}" dt="2024-01-17T00:39:36.250" v="195" actId="1076"/>
+          <ac:spMkLst>
+            <pc:docMk/>
+            <pc:sldMk cId="3551399501" sldId="303"/>
+            <ac:spMk id="7" creationId="{2944939E-CE60-4E7F-459C-2B805538DC4D}"/>
+          </ac:spMkLst>
+        </pc:spChg>
+        <pc:spChg chg="add mod">
+          <ac:chgData name="Charles Kiefriter" userId="a996b49251c4dfd2" providerId="LiveId" clId="{38E1ABCE-DCED-45BB-9163-E7279FC7721B}" dt="2024-01-17T00:39:36.250" v="195" actId="1076"/>
+          <ac:spMkLst>
+            <pc:docMk/>
+            <pc:sldMk cId="3551399501" sldId="303"/>
+            <ac:spMk id="8" creationId="{34F4454C-BF01-204B-7739-7B9CDC5E6AB9}"/>
+          </ac:spMkLst>
+        </pc:spChg>
+        <pc:spChg chg="add mod">
+          <ac:chgData name="Charles Kiefriter" userId="a996b49251c4dfd2" providerId="LiveId" clId="{38E1ABCE-DCED-45BB-9163-E7279FC7721B}" dt="2024-01-17T00:39:36.250" v="195" actId="1076"/>
+          <ac:spMkLst>
+            <pc:docMk/>
+            <pc:sldMk cId="3551399501" sldId="303"/>
+            <ac:spMk id="14" creationId="{C41761B8-B7F5-0027-F883-18FD7CEF3E85}"/>
+          </ac:spMkLst>
+        </pc:spChg>
+        <pc:spChg chg="add mod">
+          <ac:chgData name="Charles Kiefriter" userId="a996b49251c4dfd2" providerId="LiveId" clId="{38E1ABCE-DCED-45BB-9163-E7279FC7721B}" dt="2024-01-17T00:43:12.024" v="203" actId="14100"/>
+          <ac:spMkLst>
+            <pc:docMk/>
+            <pc:sldMk cId="3551399501" sldId="303"/>
+            <ac:spMk id="17" creationId="{B5607AA7-C4EB-DE4A-F2F9-216914155727}"/>
+          </ac:spMkLst>
+        </pc:spChg>
+        <pc:spChg chg="add mod">
+          <ac:chgData name="Charles Kiefriter" userId="a996b49251c4dfd2" providerId="LiveId" clId="{38E1ABCE-DCED-45BB-9163-E7279FC7721B}" dt="2024-01-17T00:44:01.199" v="209" actId="14100"/>
+          <ac:spMkLst>
+            <pc:docMk/>
+            <pc:sldMk cId="3551399501" sldId="303"/>
+            <ac:spMk id="19" creationId="{A1A2E3CB-4A3B-1F6C-E6B9-A4A01B2568C2}"/>
+          </ac:spMkLst>
+        </pc:spChg>
+        <pc:cxnChg chg="add mod">
+          <ac:chgData name="Charles Kiefriter" userId="a996b49251c4dfd2" providerId="LiveId" clId="{38E1ABCE-DCED-45BB-9163-E7279FC7721B}" dt="2024-01-17T00:39:36.250" v="195" actId="1076"/>
+          <ac:cxnSpMkLst>
+            <pc:docMk/>
+            <pc:sldMk cId="3551399501" sldId="303"/>
+            <ac:cxnSpMk id="10" creationId="{E2CF2A64-E28C-F0B1-55B1-F46615CA67E0}"/>
+          </ac:cxnSpMkLst>
+        </pc:cxnChg>
+      </pc:sldChg>
+      <pc:sldChg chg="add">
+        <pc:chgData name="Charles Kiefriter" userId="a996b49251c4dfd2" providerId="LiveId" clId="{38E1ABCE-DCED-45BB-9163-E7279FC7721B}" dt="2024-01-17T00:18:14.563" v="0" actId="2890"/>
+        <pc:sldMkLst>
+          <pc:docMk/>
+          <pc:sldMk cId="3827704663" sldId="305"/>
+        </pc:sldMkLst>
+      </pc:sldChg>
+      <pc:sldChg chg="addSp delSp modSp add mod ord">
+        <pc:chgData name="Charles Kiefriter" userId="a996b49251c4dfd2" providerId="LiveId" clId="{38E1ABCE-DCED-45BB-9163-E7279FC7721B}" dt="2024-01-17T00:59:33.158" v="274" actId="1037"/>
+        <pc:sldMkLst>
+          <pc:docMk/>
+          <pc:sldMk cId="2169686199" sldId="306"/>
+        </pc:sldMkLst>
+        <pc:spChg chg="add mod">
+          <ac:chgData name="Charles Kiefriter" userId="a996b49251c4dfd2" providerId="LiveId" clId="{38E1ABCE-DCED-45BB-9163-E7279FC7721B}" dt="2024-01-17T00:59:27.811" v="243" actId="20577"/>
+          <ac:spMkLst>
+            <pc:docMk/>
+            <pc:sldMk cId="2169686199" sldId="306"/>
+            <ac:spMk id="2" creationId="{39E1C922-B9C7-D0AD-8A67-CE620AD121BE}"/>
+          </ac:spMkLst>
+        </pc:spChg>
+        <pc:spChg chg="del">
+          <ac:chgData name="Charles Kiefriter" userId="a996b49251c4dfd2" providerId="LiveId" clId="{38E1ABCE-DCED-45BB-9163-E7279FC7721B}" dt="2024-01-17T00:52:46.192" v="214" actId="478"/>
+          <ac:spMkLst>
+            <pc:docMk/>
+            <pc:sldMk cId="2169686199" sldId="306"/>
+            <ac:spMk id="4" creationId="{C0B26727-0F97-5A73-B4ED-6BE65E07E5DB}"/>
+          </ac:spMkLst>
+        </pc:spChg>
+        <pc:spChg chg="del">
+          <ac:chgData name="Charles Kiefriter" userId="a996b49251c4dfd2" providerId="LiveId" clId="{38E1ABCE-DCED-45BB-9163-E7279FC7721B}" dt="2024-01-17T00:52:44.184" v="213" actId="478"/>
+          <ac:spMkLst>
+            <pc:docMk/>
+            <pc:sldMk cId="2169686199" sldId="306"/>
+            <ac:spMk id="6" creationId="{59E906CD-110B-9D01-732C-2F21759B0265}"/>
+          </ac:spMkLst>
+        </pc:spChg>
+        <pc:picChg chg="add mod">
+          <ac:chgData name="Charles Kiefriter" userId="a996b49251c4dfd2" providerId="LiveId" clId="{38E1ABCE-DCED-45BB-9163-E7279FC7721B}" dt="2024-01-17T00:59:33.158" v="274" actId="1037"/>
+          <ac:picMkLst>
+            <pc:docMk/>
+            <pc:sldMk cId="2169686199" sldId="306"/>
+            <ac:picMk id="1026" creationId="{3C8CE67A-36E1-5A09-D74F-A2C8E212977E}"/>
           </ac:picMkLst>
         </pc:picChg>
       </pc:sldChg>
@@ -2528,7 +2680,7 @@
           <a:p>
             <a:fld id="{33D569A9-A222-4DCC-AF28-BB813B4F2ABB}" type="datetimeFigureOut">
               <a:rPr lang="en-US" smtClean="0"/>
-              <a:t>4/4/2023</a:t>
+              <a:t>1/16/2024</a:t>
             </a:fld>
             <a:endParaRPr lang="en-US"/>
           </a:p>
@@ -2816,7 +2968,7 @@
           <a:p>
             <a:fld id="{33D569A9-A222-4DCC-AF28-BB813B4F2ABB}" type="datetimeFigureOut">
               <a:rPr lang="en-US" smtClean="0"/>
-              <a:t>4/4/2023</a:t>
+              <a:t>1/16/2024</a:t>
             </a:fld>
             <a:endParaRPr lang="en-US"/>
           </a:p>
@@ -3014,7 +3166,7 @@
           <a:p>
             <a:fld id="{33D569A9-A222-4DCC-AF28-BB813B4F2ABB}" type="datetimeFigureOut">
               <a:rPr lang="en-US" smtClean="0"/>
-              <a:t>4/4/2023</a:t>
+              <a:t>1/16/2024</a:t>
             </a:fld>
             <a:endParaRPr lang="en-US"/>
           </a:p>
@@ -3222,7 +3374,7 @@
           <a:p>
             <a:fld id="{33D569A9-A222-4DCC-AF28-BB813B4F2ABB}" type="datetimeFigureOut">
               <a:rPr lang="en-US" smtClean="0"/>
-              <a:t>4/4/2023</a:t>
+              <a:t>1/16/2024</a:t>
             </a:fld>
             <a:endParaRPr lang="en-US"/>
           </a:p>
@@ -3420,7 +3572,7 @@
           <a:p>
             <a:fld id="{33D569A9-A222-4DCC-AF28-BB813B4F2ABB}" type="datetimeFigureOut">
               <a:rPr lang="en-US" smtClean="0"/>
-              <a:t>4/4/2023</a:t>
+              <a:t>1/16/2024</a:t>
             </a:fld>
             <a:endParaRPr lang="en-US"/>
           </a:p>
@@ -3695,7 +3847,7 @@
           <a:p>
             <a:fld id="{33D569A9-A222-4DCC-AF28-BB813B4F2ABB}" type="datetimeFigureOut">
               <a:rPr lang="en-US" smtClean="0"/>
-              <a:t>4/4/2023</a:t>
+              <a:t>1/16/2024</a:t>
             </a:fld>
             <a:endParaRPr lang="en-US"/>
           </a:p>
@@ -3960,7 +4112,7 @@
           <a:p>
             <a:fld id="{33D569A9-A222-4DCC-AF28-BB813B4F2ABB}" type="datetimeFigureOut">
               <a:rPr lang="en-US" smtClean="0"/>
-              <a:t>4/4/2023</a:t>
+              <a:t>1/16/2024</a:t>
             </a:fld>
             <a:endParaRPr lang="en-US"/>
           </a:p>
@@ -4372,7 +4524,7 @@
           <a:p>
             <a:fld id="{33D569A9-A222-4DCC-AF28-BB813B4F2ABB}" type="datetimeFigureOut">
               <a:rPr lang="en-US" smtClean="0"/>
-              <a:t>4/4/2023</a:t>
+              <a:t>1/16/2024</a:t>
             </a:fld>
             <a:endParaRPr lang="en-US"/>
           </a:p>
@@ -4513,7 +4665,7 @@
           <a:p>
             <a:fld id="{33D569A9-A222-4DCC-AF28-BB813B4F2ABB}" type="datetimeFigureOut">
               <a:rPr lang="en-US" smtClean="0"/>
-              <a:t>4/4/2023</a:t>
+              <a:t>1/16/2024</a:t>
             </a:fld>
             <a:endParaRPr lang="en-US"/>
           </a:p>
@@ -4626,7 +4778,7 @@
           <a:p>
             <a:fld id="{33D569A9-A222-4DCC-AF28-BB813B4F2ABB}" type="datetimeFigureOut">
               <a:rPr lang="en-US" smtClean="0"/>
-              <a:t>4/4/2023</a:t>
+              <a:t>1/16/2024</a:t>
             </a:fld>
             <a:endParaRPr lang="en-US"/>
           </a:p>
@@ -4972,7 +5124,7 @@
           <a:p>
             <a:fld id="{33D569A9-A222-4DCC-AF28-BB813B4F2ABB}" type="datetimeFigureOut">
               <a:rPr lang="en-US" smtClean="0"/>
-              <a:t>4/4/2023</a:t>
+              <a:t>1/16/2024</a:t>
             </a:fld>
             <a:endParaRPr lang="en-US"/>
           </a:p>
@@ -5213,7 +5365,7 @@
           <a:p>
             <a:fld id="{33D569A9-A222-4DCC-AF28-BB813B4F2ABB}" type="datetimeFigureOut">
               <a:rPr lang="en-US" smtClean="0"/>
-              <a:t>4/4/2023</a:t>
+              <a:t>1/16/2024</a:t>
             </a:fld>
             <a:endParaRPr lang="en-US"/>
           </a:p>
@@ -6129,6 +6281,745 @@
       </p:grpSpPr>
       <p:sp>
         <p:nvSpPr>
+          <p:cNvPr id="3" name="TextBox 2">
+            <a:extLst>
+              <a:ext uri="{FF2B5EF4-FFF2-40B4-BE49-F238E27FC236}">
+                <a16:creationId xmlns:a16="http://schemas.microsoft.com/office/drawing/2014/main" id="{23DFC7E9-54DD-38D7-0B9B-D34948D68CF9}"/>
+              </a:ext>
+            </a:extLst>
+          </p:cNvPr>
+          <p:cNvSpPr txBox="1"/>
+          <p:nvPr/>
+        </p:nvSpPr>
+        <p:spPr>
+          <a:xfrm>
+            <a:off x="1894669" y="2745699"/>
+            <a:ext cx="9326104" cy="1015663"/>
+          </a:xfrm>
+          <a:prstGeom prst="rect">
+            <a:avLst/>
+          </a:prstGeom>
+          <a:noFill/>
+        </p:spPr>
+        <p:txBody>
+          <a:bodyPr wrap="square">
+            <a:spAutoFit/>
+          </a:bodyPr>
+          <a:lstStyle/>
+          <a:p>
+            <a:pPr marL="0" marR="0" lvl="0" indent="0" algn="l" defTabSz="914400" rtl="0" eaLnBrk="1" fontAlgn="auto" latinLnBrk="0" hangingPunct="1">
+              <a:lnSpc>
+                <a:spcPct val="100000"/>
+              </a:lnSpc>
+              <a:spcBef>
+                <a:spcPts val="0"/>
+              </a:spcBef>
+              <a:spcAft>
+                <a:spcPts val="0"/>
+              </a:spcAft>
+              <a:buClrTx/>
+              <a:buSzTx/>
+              <a:buFontTx/>
+              <a:buNone/>
+              <a:tabLst/>
+              <a:defRPr/>
+            </a:pPr>
+            <a:r>
+              <a:rPr kumimoji="0" lang="en-US" sz="6000" b="0" i="0" u="none" strike="noStrike" kern="1200" cap="none" spc="0" normalizeH="0" baseline="0" noProof="0" dirty="0">
+                <a:ln>
+                  <a:noFill/>
+                </a:ln>
+                <a:solidFill>
+                  <a:prstClr val="white">
+                    <a:lumMod val="75000"/>
+                  </a:prstClr>
+                </a:solidFill>
+                <a:effectLst/>
+                <a:uLnTx/>
+                <a:uFillTx/>
+                <a:latin typeface="Open Sans" panose="020B0606030504020204" pitchFamily="34" charset="0"/>
+                <a:ea typeface="+mn-ea"/>
+                <a:cs typeface="+mn-cs"/>
+              </a:rPr>
+              <a:t>Exceptions</a:t>
+            </a:r>
+          </a:p>
+        </p:txBody>
+      </p:sp>
+    </p:spTree>
+    <p:extLst>
+      <p:ext uri="{BB962C8B-B14F-4D97-AF65-F5344CB8AC3E}">
+        <p14:creationId xmlns:p14="http://schemas.microsoft.com/office/powerpoint/2010/main" val="367428708"/>
+      </p:ext>
+    </p:extLst>
+  </p:cSld>
+  <p:clrMapOvr>
+    <a:masterClrMapping/>
+  </p:clrMapOvr>
+</p:sld>
+</file>
+
+<file path=ppt/slides/slide11.xml><?xml version="1.0" encoding="utf-8"?>
+<p:sld xmlns:a="http://schemas.openxmlformats.org/drawingml/2006/main" xmlns:r="http://schemas.openxmlformats.org/officeDocument/2006/relationships" xmlns:p="http://schemas.openxmlformats.org/presentationml/2006/main">
+  <p:cSld>
+    <p:spTree>
+      <p:nvGrpSpPr>
+        <p:cNvPr id="1" name=""/>
+        <p:cNvGrpSpPr/>
+        <p:nvPr/>
+      </p:nvGrpSpPr>
+      <p:grpSpPr>
+        <a:xfrm>
+          <a:off x="0" y="0"/>
+          <a:ext cx="0" cy="0"/>
+          <a:chOff x="0" y="0"/>
+          <a:chExt cx="0" cy="0"/>
+        </a:xfrm>
+      </p:grpSpPr>
+      <p:sp>
+        <p:nvSpPr>
+          <p:cNvPr id="6" name="TextBox 5">
+            <a:extLst>
+              <a:ext uri="{FF2B5EF4-FFF2-40B4-BE49-F238E27FC236}">
+                <a16:creationId xmlns:a16="http://schemas.microsoft.com/office/drawing/2014/main" id="{59E906CD-110B-9D01-732C-2F21759B0265}"/>
+              </a:ext>
+            </a:extLst>
+          </p:cNvPr>
+          <p:cNvSpPr txBox="1"/>
+          <p:nvPr/>
+        </p:nvSpPr>
+        <p:spPr>
+          <a:xfrm>
+            <a:off x="193251" y="91915"/>
+            <a:ext cx="6094854" cy="461665"/>
+          </a:xfrm>
+          <a:prstGeom prst="rect">
+            <a:avLst/>
+          </a:prstGeom>
+          <a:noFill/>
+        </p:spPr>
+        <p:txBody>
+          <a:bodyPr wrap="square">
+            <a:spAutoFit/>
+          </a:bodyPr>
+          <a:lstStyle/>
+          <a:p>
+            <a:pPr algn="l"/>
+            <a:r>
+              <a:rPr lang="en-US" sz="2400" b="1" dirty="0">
+                <a:solidFill>
+                  <a:srgbClr val="00B050"/>
+                </a:solidFill>
+                <a:effectLst/>
+                <a:latin typeface="Open Sans" panose="020B0606030504020204" pitchFamily="34" charset="0"/>
+              </a:rPr>
+              <a:t>Exceptions</a:t>
+            </a:r>
+          </a:p>
+        </p:txBody>
+      </p:sp>
+      <p:sp>
+        <p:nvSpPr>
+          <p:cNvPr id="4" name="TextBox 3">
+            <a:extLst>
+              <a:ext uri="{FF2B5EF4-FFF2-40B4-BE49-F238E27FC236}">
+                <a16:creationId xmlns:a16="http://schemas.microsoft.com/office/drawing/2014/main" id="{C0B26727-0F97-5A73-B4ED-6BE65E07E5DB}"/>
+              </a:ext>
+            </a:extLst>
+          </p:cNvPr>
+          <p:cNvSpPr txBox="1"/>
+          <p:nvPr/>
+        </p:nvSpPr>
+        <p:spPr>
+          <a:xfrm>
+            <a:off x="176169" y="729420"/>
+            <a:ext cx="11931637" cy="5016758"/>
+          </a:xfrm>
+          <a:prstGeom prst="rect">
+            <a:avLst/>
+          </a:prstGeom>
+          <a:noFill/>
+        </p:spPr>
+        <p:txBody>
+          <a:bodyPr wrap="square">
+            <a:spAutoFit/>
+          </a:bodyPr>
+          <a:lstStyle/>
+          <a:p>
+            <a:pPr algn="l"/>
+            <a:r>
+              <a:rPr lang="en-US" b="0" i="0" dirty="0">
+                <a:solidFill>
+                  <a:schemeClr val="tx1">
+                    <a:lumMod val="85000"/>
+                  </a:schemeClr>
+                </a:solidFill>
+                <a:effectLst/>
+                <a:latin typeface="Open Sans" panose="020B0606030504020204" pitchFamily="34" charset="0"/>
+              </a:rPr>
+              <a:t>What is an Exception?</a:t>
+            </a:r>
+          </a:p>
+          <a:p>
+            <a:pPr algn="l"/>
+            <a:endParaRPr lang="en-US" b="0" i="0" dirty="0">
+              <a:solidFill>
+                <a:schemeClr val="tx1">
+                  <a:lumMod val="85000"/>
+                </a:schemeClr>
+              </a:solidFill>
+              <a:effectLst/>
+              <a:latin typeface="Open Sans" panose="020B0606030504020204" pitchFamily="34" charset="0"/>
+            </a:endParaRPr>
+          </a:p>
+          <a:p>
+            <a:pPr algn="l"/>
+            <a:r>
+              <a:rPr lang="en-US" b="0" i="0" dirty="0">
+                <a:solidFill>
+                  <a:schemeClr val="tx1">
+                    <a:lumMod val="85000"/>
+                  </a:schemeClr>
+                </a:solidFill>
+                <a:effectLst/>
+                <a:latin typeface="Open Sans" panose="020B0606030504020204" pitchFamily="34" charset="0"/>
+              </a:rPr>
+              <a:t>An </a:t>
+            </a:r>
+            <a:r>
+              <a:rPr lang="en-US" b="0" i="0" dirty="0">
+                <a:solidFill>
+                  <a:srgbClr val="00B0F0"/>
+                </a:solidFill>
+                <a:effectLst/>
+                <a:latin typeface="Open Sans" panose="020B0606030504020204" pitchFamily="34" charset="0"/>
+              </a:rPr>
+              <a:t>exception is defined an event</a:t>
+            </a:r>
+            <a:r>
+              <a:rPr lang="en-US" b="0" i="0" dirty="0">
+                <a:solidFill>
+                  <a:schemeClr val="tx1">
+                    <a:lumMod val="85000"/>
+                  </a:schemeClr>
+                </a:solidFill>
+                <a:effectLst/>
+                <a:latin typeface="Open Sans" panose="020B0606030504020204" pitchFamily="34" charset="0"/>
+              </a:rPr>
+              <a:t>, which occurs during the execution of a program</a:t>
+            </a:r>
+            <a:r>
+              <a:rPr lang="en-US" b="0" i="0" dirty="0">
+                <a:solidFill>
+                  <a:srgbClr val="00B0F0"/>
+                </a:solidFill>
+                <a:effectLst/>
+                <a:latin typeface="Open Sans" panose="020B0606030504020204" pitchFamily="34" charset="0"/>
+              </a:rPr>
+              <a:t>, that disrupts the normal flow of the program's instructions.</a:t>
+            </a:r>
+          </a:p>
+          <a:p>
+            <a:pPr algn="l"/>
+            <a:endParaRPr lang="en-US" b="0" i="0" dirty="0">
+              <a:solidFill>
+                <a:schemeClr val="tx1">
+                  <a:lumMod val="85000"/>
+                </a:schemeClr>
+              </a:solidFill>
+              <a:effectLst/>
+              <a:latin typeface="Open Sans" panose="020B0606030504020204" pitchFamily="34" charset="0"/>
+            </a:endParaRPr>
+          </a:p>
+          <a:p>
+            <a:pPr algn="l"/>
+            <a:endParaRPr lang="en-US" b="0" i="0" dirty="0">
+              <a:solidFill>
+                <a:schemeClr val="tx1">
+                  <a:lumMod val="85000"/>
+                </a:schemeClr>
+              </a:solidFill>
+              <a:effectLst/>
+              <a:latin typeface="Open Sans" panose="020B0606030504020204" pitchFamily="34" charset="0"/>
+            </a:endParaRPr>
+          </a:p>
+          <a:p>
+            <a:pPr algn="l"/>
+            <a:r>
+              <a:rPr lang="en-US" b="0" i="0" dirty="0">
+                <a:solidFill>
+                  <a:schemeClr val="tx1">
+                    <a:lumMod val="85000"/>
+                  </a:schemeClr>
+                </a:solidFill>
+                <a:effectLst/>
+                <a:latin typeface="Open Sans" panose="020B0606030504020204" pitchFamily="34" charset="0"/>
+              </a:rPr>
+              <a:t>In Java, there are </a:t>
+            </a:r>
+            <a:r>
+              <a:rPr lang="en-US" b="0" i="0" dirty="0">
+                <a:solidFill>
+                  <a:srgbClr val="00B0F0"/>
+                </a:solidFill>
+                <a:effectLst/>
+                <a:latin typeface="Open Sans" panose="020B0606030504020204" pitchFamily="34" charset="0"/>
+              </a:rPr>
+              <a:t>two types of Exceptions: </a:t>
+            </a:r>
+          </a:p>
+          <a:p>
+            <a:pPr marL="285750" indent="-285750" algn="l">
+              <a:buFont typeface="Arial" panose="020B0604020202020204" pitchFamily="34" charset="0"/>
+              <a:buChar char="•"/>
+            </a:pPr>
+            <a:r>
+              <a:rPr lang="en-US" b="0" i="0" dirty="0">
+                <a:solidFill>
+                  <a:srgbClr val="00B0F0"/>
+                </a:solidFill>
+                <a:effectLst/>
+                <a:latin typeface="Open Sans" panose="020B0606030504020204" pitchFamily="34" charset="0"/>
+              </a:rPr>
+              <a:t>Checked Exceptions </a:t>
+            </a:r>
+            <a:r>
+              <a:rPr lang="en-US" b="0" i="0" dirty="0">
+                <a:solidFill>
+                  <a:schemeClr val="tx1">
+                    <a:lumMod val="85000"/>
+                  </a:schemeClr>
+                </a:solidFill>
+                <a:effectLst/>
+                <a:latin typeface="Open Sans" panose="020B0606030504020204" pitchFamily="34" charset="0"/>
+              </a:rPr>
+              <a:t>-- these are checked by the compiler at </a:t>
+            </a:r>
+            <a:r>
+              <a:rPr lang="en-US" b="0" i="0" dirty="0">
+                <a:solidFill>
+                  <a:srgbClr val="00B0F0"/>
+                </a:solidFill>
+                <a:effectLst/>
+                <a:latin typeface="Open Sans" panose="020B0606030504020204" pitchFamily="34" charset="0"/>
+              </a:rPr>
+              <a:t>compiler time</a:t>
+            </a:r>
+          </a:p>
+          <a:p>
+            <a:pPr marL="742950" lvl="1" indent="-285750">
+              <a:buFont typeface="Arial" panose="020B0604020202020204" pitchFamily="34" charset="0"/>
+              <a:buChar char="•"/>
+            </a:pPr>
+            <a:r>
+              <a:rPr lang="en-US" sz="1600" b="0" i="1" dirty="0">
+                <a:solidFill>
+                  <a:schemeClr val="tx1">
+                    <a:lumMod val="85000"/>
+                  </a:schemeClr>
+                </a:solidFill>
+                <a:effectLst/>
+                <a:latin typeface="Open Sans" panose="020B0606030504020204" pitchFamily="34" charset="0"/>
+              </a:rPr>
+              <a:t>Example:   syntax errors -- a missing semi-colon or closing curly brace, incorrect datatype assignment, returning the wrong data type from a method, etc.</a:t>
+            </a:r>
+          </a:p>
+          <a:p>
+            <a:pPr algn="l"/>
+            <a:endParaRPr lang="en-US" b="0" i="0" dirty="0">
+              <a:solidFill>
+                <a:schemeClr val="tx1">
+                  <a:lumMod val="85000"/>
+                </a:schemeClr>
+              </a:solidFill>
+              <a:effectLst/>
+              <a:latin typeface="Open Sans" panose="020B0606030504020204" pitchFamily="34" charset="0"/>
+            </a:endParaRPr>
+          </a:p>
+          <a:p>
+            <a:pPr marL="285750" indent="-285750" algn="l">
+              <a:buFont typeface="Arial" panose="020B0604020202020204" pitchFamily="34" charset="0"/>
+              <a:buChar char="•"/>
+            </a:pPr>
+            <a:r>
+              <a:rPr lang="en-US" b="0" i="0" dirty="0">
+                <a:solidFill>
+                  <a:srgbClr val="00B0F0"/>
+                </a:solidFill>
+                <a:effectLst/>
+                <a:latin typeface="Open Sans" panose="020B0606030504020204" pitchFamily="34" charset="0"/>
+              </a:rPr>
+              <a:t>Unchecked Exceptions </a:t>
+            </a:r>
+            <a:r>
+              <a:rPr lang="en-US" b="0" i="0" dirty="0">
+                <a:solidFill>
+                  <a:schemeClr val="tx1">
+                    <a:lumMod val="85000"/>
+                  </a:schemeClr>
+                </a:solidFill>
+                <a:effectLst/>
+                <a:latin typeface="Open Sans" panose="020B0606030504020204" pitchFamily="34" charset="0"/>
+              </a:rPr>
+              <a:t>-- these are not caught by the compiler, included here are runtime exceptions and errors.</a:t>
+            </a:r>
+          </a:p>
+          <a:p>
+            <a:pPr marL="742950" lvl="1" indent="-285750">
+              <a:buFont typeface="Arial" panose="020B0604020202020204" pitchFamily="34" charset="0"/>
+              <a:buChar char="•"/>
+            </a:pPr>
+            <a:r>
+              <a:rPr lang="en-US" b="0" i="0" dirty="0">
+                <a:solidFill>
+                  <a:srgbClr val="00B0F0"/>
+                </a:solidFill>
+                <a:effectLst/>
+                <a:latin typeface="Open Sans" panose="020B0606030504020204" pitchFamily="34" charset="0"/>
+              </a:rPr>
+              <a:t>Runtime Exception Example:</a:t>
+            </a:r>
+            <a:r>
+              <a:rPr lang="en-US" b="0" i="0" dirty="0">
+                <a:solidFill>
+                  <a:schemeClr val="tx1">
+                    <a:lumMod val="85000"/>
+                  </a:schemeClr>
+                </a:solidFill>
+                <a:effectLst/>
+                <a:latin typeface="Open Sans" panose="020B0606030504020204" pitchFamily="34" charset="0"/>
+              </a:rPr>
+              <a:t> Trying to access a Null Address, Out-of-Bounds Indices,</a:t>
+            </a:r>
+            <a:br>
+              <a:rPr lang="en-US" b="0" i="0" dirty="0">
+                <a:solidFill>
+                  <a:schemeClr val="tx1">
+                    <a:lumMod val="85000"/>
+                  </a:schemeClr>
+                </a:solidFill>
+                <a:effectLst/>
+                <a:latin typeface="Open Sans" panose="020B0606030504020204" pitchFamily="34" charset="0"/>
+              </a:rPr>
+            </a:br>
+            <a:r>
+              <a:rPr lang="en-US" b="0" i="1" dirty="0">
+                <a:solidFill>
+                  <a:schemeClr val="tx1">
+                    <a:lumMod val="85000"/>
+                  </a:schemeClr>
+                </a:solidFill>
+                <a:effectLst/>
+                <a:latin typeface="Open Sans" panose="020B0606030504020204" pitchFamily="34" charset="0"/>
+              </a:rPr>
+              <a:t>Class:  </a:t>
+            </a:r>
+            <a:r>
+              <a:rPr lang="en-US" b="0" i="1" dirty="0" err="1">
+                <a:solidFill>
+                  <a:schemeClr val="tx1">
+                    <a:lumMod val="85000"/>
+                  </a:schemeClr>
+                </a:solidFill>
+                <a:effectLst/>
+                <a:latin typeface="Open Sans" panose="020B0606030504020204" pitchFamily="34" charset="0"/>
+              </a:rPr>
+              <a:t>RuntimeException</a:t>
+            </a:r>
+            <a:r>
+              <a:rPr lang="en-US" b="0" i="1" dirty="0">
+                <a:solidFill>
+                  <a:schemeClr val="tx1">
+                    <a:lumMod val="85000"/>
+                  </a:schemeClr>
+                </a:solidFill>
+                <a:effectLst/>
+                <a:latin typeface="Open Sans" panose="020B0606030504020204" pitchFamily="34" charset="0"/>
+              </a:rPr>
+              <a:t>, </a:t>
+            </a:r>
+            <a:r>
+              <a:rPr lang="en-US" b="0" i="1" dirty="0" err="1">
+                <a:solidFill>
+                  <a:schemeClr val="tx1">
+                    <a:lumMod val="85000"/>
+                  </a:schemeClr>
+                </a:solidFill>
+                <a:effectLst/>
+                <a:latin typeface="Open Sans" panose="020B0606030504020204" pitchFamily="34" charset="0"/>
+              </a:rPr>
+              <a:t>NullPointerException</a:t>
+            </a:r>
+            <a:r>
+              <a:rPr lang="en-US" b="0" i="1" dirty="0">
+                <a:solidFill>
+                  <a:schemeClr val="tx1">
+                    <a:lumMod val="85000"/>
+                  </a:schemeClr>
+                </a:solidFill>
+                <a:effectLst/>
+                <a:latin typeface="Open Sans" panose="020B0606030504020204" pitchFamily="34" charset="0"/>
+              </a:rPr>
+              <a:t>, </a:t>
+            </a:r>
+            <a:r>
+              <a:rPr lang="en-US" b="0" i="1" dirty="0" err="1">
+                <a:solidFill>
+                  <a:schemeClr val="tx1">
+                    <a:lumMod val="85000"/>
+                  </a:schemeClr>
+                </a:solidFill>
+                <a:effectLst/>
+                <a:latin typeface="Open Sans" panose="020B0606030504020204" pitchFamily="34" charset="0"/>
+              </a:rPr>
+              <a:t>ArithmeticException</a:t>
+            </a:r>
+            <a:r>
+              <a:rPr lang="en-US" b="0" i="1" dirty="0">
+                <a:solidFill>
+                  <a:schemeClr val="tx1">
+                    <a:lumMod val="85000"/>
+                  </a:schemeClr>
+                </a:solidFill>
+                <a:effectLst/>
+                <a:latin typeface="Open Sans" panose="020B0606030504020204" pitchFamily="34" charset="0"/>
+              </a:rPr>
+              <a:t>, etc.</a:t>
+            </a:r>
+          </a:p>
+          <a:p>
+            <a:pPr marL="742950" lvl="1" indent="-285750">
+              <a:buFont typeface="Arial" panose="020B0604020202020204" pitchFamily="34" charset="0"/>
+              <a:buChar char="•"/>
+            </a:pPr>
+            <a:r>
+              <a:rPr lang="en-US" b="0" i="0" dirty="0">
+                <a:solidFill>
+                  <a:srgbClr val="00B0F0"/>
+                </a:solidFill>
+                <a:effectLst/>
+                <a:latin typeface="Open Sans" panose="020B0606030504020204" pitchFamily="34" charset="0"/>
+              </a:rPr>
+              <a:t>Error Exception Example:</a:t>
+            </a:r>
+            <a:r>
+              <a:rPr lang="en-US" b="0" i="0" dirty="0">
+                <a:solidFill>
+                  <a:schemeClr val="tx1">
+                    <a:lumMod val="85000"/>
+                  </a:schemeClr>
+                </a:solidFill>
+                <a:effectLst/>
+                <a:latin typeface="Open Sans" panose="020B0606030504020204" pitchFamily="34" charset="0"/>
+              </a:rPr>
+              <a:t>  Serious issues that cause an application to abort, or to stop running, including Memory or Stack Overflow Errors, </a:t>
+            </a:r>
+            <a:br>
+              <a:rPr lang="en-US" b="0" i="0" dirty="0">
+                <a:solidFill>
+                  <a:schemeClr val="tx1">
+                    <a:lumMod val="85000"/>
+                  </a:schemeClr>
+                </a:solidFill>
+                <a:effectLst/>
+                <a:latin typeface="Open Sans" panose="020B0606030504020204" pitchFamily="34" charset="0"/>
+              </a:rPr>
+            </a:br>
+            <a:r>
+              <a:rPr lang="en-US" b="0" i="1" dirty="0">
+                <a:solidFill>
+                  <a:schemeClr val="tx1">
+                    <a:lumMod val="85000"/>
+                  </a:schemeClr>
+                </a:solidFill>
+                <a:effectLst/>
+                <a:latin typeface="Open Sans" panose="020B0606030504020204" pitchFamily="34" charset="0"/>
+              </a:rPr>
+              <a:t>Class:  </a:t>
+            </a:r>
+            <a:r>
+              <a:rPr lang="en-US" b="0" i="1" dirty="0" err="1">
+                <a:solidFill>
+                  <a:schemeClr val="tx1">
+                    <a:lumMod val="85000"/>
+                  </a:schemeClr>
+                </a:solidFill>
+                <a:effectLst/>
+                <a:latin typeface="Open Sans" panose="020B0606030504020204" pitchFamily="34" charset="0"/>
+              </a:rPr>
+              <a:t>OutOfMemory</a:t>
+            </a:r>
+            <a:r>
+              <a:rPr lang="en-US" b="0" i="1" dirty="0">
+                <a:solidFill>
+                  <a:schemeClr val="tx1">
+                    <a:lumMod val="85000"/>
+                  </a:schemeClr>
+                </a:solidFill>
+                <a:effectLst/>
+                <a:latin typeface="Open Sans" panose="020B0606030504020204" pitchFamily="34" charset="0"/>
+              </a:rPr>
+              <a:t>, </a:t>
+            </a:r>
+            <a:r>
+              <a:rPr lang="en-US" b="0" i="1" dirty="0" err="1">
+                <a:solidFill>
+                  <a:schemeClr val="tx1">
+                    <a:lumMod val="85000"/>
+                  </a:schemeClr>
+                </a:solidFill>
+                <a:effectLst/>
+                <a:latin typeface="Open Sans" panose="020B0606030504020204" pitchFamily="34" charset="0"/>
+              </a:rPr>
+              <a:t>StackOverflow</a:t>
+            </a:r>
+            <a:r>
+              <a:rPr lang="en-US" b="0" i="1" dirty="0">
+                <a:solidFill>
+                  <a:schemeClr val="tx1">
+                    <a:lumMod val="85000"/>
+                  </a:schemeClr>
+                </a:solidFill>
+                <a:effectLst/>
+                <a:latin typeface="Open Sans" panose="020B0606030504020204" pitchFamily="34" charset="0"/>
+              </a:rPr>
+              <a:t>, </a:t>
+            </a:r>
+            <a:r>
+              <a:rPr lang="en-US" b="0" i="1" dirty="0" err="1">
+                <a:solidFill>
+                  <a:schemeClr val="tx1">
+                    <a:lumMod val="85000"/>
+                  </a:schemeClr>
+                </a:solidFill>
+                <a:effectLst/>
+                <a:latin typeface="Open Sans" panose="020B0606030504020204" pitchFamily="34" charset="0"/>
+              </a:rPr>
+              <a:t>VirtualMachineError</a:t>
+            </a:r>
+            <a:r>
+              <a:rPr lang="en-US" b="0" i="1" dirty="0">
+                <a:solidFill>
+                  <a:schemeClr val="tx1">
+                    <a:lumMod val="85000"/>
+                  </a:schemeClr>
+                </a:solidFill>
+                <a:effectLst/>
+                <a:latin typeface="Open Sans" panose="020B0606030504020204" pitchFamily="34" charset="0"/>
+              </a:rPr>
+              <a:t>, etc.</a:t>
+            </a:r>
+          </a:p>
+        </p:txBody>
+      </p:sp>
+      <p:sp>
+        <p:nvSpPr>
+          <p:cNvPr id="3" name="TextBox 2">
+            <a:extLst>
+              <a:ext uri="{FF2B5EF4-FFF2-40B4-BE49-F238E27FC236}">
+                <a16:creationId xmlns:a16="http://schemas.microsoft.com/office/drawing/2014/main" id="{C9DDF84E-4B1D-A8C8-4D2B-5582BF58B0D3}"/>
+              </a:ext>
+            </a:extLst>
+          </p:cNvPr>
+          <p:cNvSpPr txBox="1"/>
+          <p:nvPr/>
+        </p:nvSpPr>
+        <p:spPr>
+          <a:xfrm>
+            <a:off x="4665387" y="6409024"/>
+            <a:ext cx="7540363" cy="369332"/>
+          </a:xfrm>
+          <a:prstGeom prst="rect">
+            <a:avLst/>
+          </a:prstGeom>
+          <a:noFill/>
+        </p:spPr>
+        <p:txBody>
+          <a:bodyPr wrap="square">
+            <a:spAutoFit/>
+          </a:bodyPr>
+          <a:lstStyle/>
+          <a:p>
+            <a:r>
+              <a:rPr lang="en-US" dirty="0">
+                <a:hlinkClick r:id="rId2"/>
+              </a:rPr>
+              <a:t>https://docs.oracle.com/javase/tutorial/essential/exceptions/definition.html</a:t>
+            </a:r>
+            <a:endParaRPr lang="en-US" dirty="0"/>
+          </a:p>
+        </p:txBody>
+      </p:sp>
+      <p:sp>
+        <p:nvSpPr>
+          <p:cNvPr id="8" name="TextBox 7">
+            <a:extLst>
+              <a:ext uri="{FF2B5EF4-FFF2-40B4-BE49-F238E27FC236}">
+                <a16:creationId xmlns:a16="http://schemas.microsoft.com/office/drawing/2014/main" id="{9FF17257-FCFA-B5FD-1F98-96E3F7F501FF}"/>
+              </a:ext>
+            </a:extLst>
+          </p:cNvPr>
+          <p:cNvSpPr txBox="1"/>
+          <p:nvPr/>
+        </p:nvSpPr>
+        <p:spPr>
+          <a:xfrm>
+            <a:off x="4651638" y="6039692"/>
+            <a:ext cx="7540362" cy="369332"/>
+          </a:xfrm>
+          <a:prstGeom prst="rect">
+            <a:avLst/>
+          </a:prstGeom>
+          <a:noFill/>
+        </p:spPr>
+        <p:txBody>
+          <a:bodyPr wrap="square">
+            <a:spAutoFit/>
+          </a:bodyPr>
+          <a:lstStyle/>
+          <a:p>
+            <a:r>
+              <a:rPr lang="en-US" dirty="0">
+                <a:hlinkClick r:id="rId3"/>
+              </a:rPr>
+              <a:t>https://github.com/ckiefriter1/Java-Code-Examples/tree/main/src/exceptions</a:t>
+            </a:r>
+            <a:endParaRPr lang="en-US" dirty="0"/>
+          </a:p>
+        </p:txBody>
+      </p:sp>
+    </p:spTree>
+    <p:extLst>
+      <p:ext uri="{BB962C8B-B14F-4D97-AF65-F5344CB8AC3E}">
+        <p14:creationId xmlns:p14="http://schemas.microsoft.com/office/powerpoint/2010/main" val="976671966"/>
+      </p:ext>
+    </p:extLst>
+  </p:cSld>
+  <p:clrMapOvr>
+    <a:masterClrMapping/>
+  </p:clrMapOvr>
+</p:sld>
+</file>
+
+<file path=ppt/slides/slide12.xml><?xml version="1.0" encoding="utf-8"?>
+<p:sld xmlns:a="http://schemas.openxmlformats.org/drawingml/2006/main" xmlns:r="http://schemas.openxmlformats.org/officeDocument/2006/relationships" xmlns:p="http://schemas.openxmlformats.org/presentationml/2006/main">
+  <p:cSld>
+    <p:spTree>
+      <p:nvGrpSpPr>
+        <p:cNvPr id="1" name=""/>
+        <p:cNvGrpSpPr/>
+        <p:nvPr/>
+      </p:nvGrpSpPr>
+      <p:grpSpPr>
+        <a:xfrm>
+          <a:off x="0" y="0"/>
+          <a:ext cx="0" cy="0"/>
+          <a:chOff x="0" y="0"/>
+          <a:chExt cx="0" cy="0"/>
+        </a:xfrm>
+      </p:grpSpPr>
+      <p:sp>
+        <p:nvSpPr>
           <p:cNvPr id="6" name="TextBox 5">
             <a:extLst>
               <a:ext uri="{FF2B5EF4-FFF2-40B4-BE49-F238E27FC236}">
@@ -6288,7 +7179,7 @@
 </p:sld>
 </file>
 
-<file path=ppt/slides/slide11.xml><?xml version="1.0" encoding="utf-8"?>
+<file path=ppt/slides/slide13.xml><?xml version="1.0" encoding="utf-8"?>
 <p:sld xmlns:a="http://schemas.openxmlformats.org/drawingml/2006/main" xmlns:r="http://schemas.openxmlformats.org/officeDocument/2006/relationships" xmlns:p="http://schemas.openxmlformats.org/presentationml/2006/main">
   <p:cSld>
     <p:spTree>
@@ -6664,7 +7555,7 @@
 </p:sld>
 </file>
 
-<file path=ppt/slides/slide12.xml><?xml version="1.0" encoding="utf-8"?>
+<file path=ppt/slides/slide14.xml><?xml version="1.0" encoding="utf-8"?>
 <p:sld xmlns:a="http://schemas.openxmlformats.org/drawingml/2006/main" xmlns:r="http://schemas.openxmlformats.org/officeDocument/2006/relationships" xmlns:p="http://schemas.openxmlformats.org/presentationml/2006/main">
   <p:cSld>
     <p:spTree>
@@ -7001,1332 +7892,6 @@
 </p:sld>
 </file>
 
-<file path=ppt/slides/slide13.xml><?xml version="1.0" encoding="utf-8"?>
-<p:sld xmlns:a="http://schemas.openxmlformats.org/drawingml/2006/main" xmlns:r="http://schemas.openxmlformats.org/officeDocument/2006/relationships" xmlns:p="http://schemas.openxmlformats.org/presentationml/2006/main">
-  <p:cSld>
-    <p:spTree>
-      <p:nvGrpSpPr>
-        <p:cNvPr id="1" name=""/>
-        <p:cNvGrpSpPr/>
-        <p:nvPr/>
-      </p:nvGrpSpPr>
-      <p:grpSpPr>
-        <a:xfrm>
-          <a:off x="0" y="0"/>
-          <a:ext cx="0" cy="0"/>
-          <a:chOff x="0" y="0"/>
-          <a:chExt cx="0" cy="0"/>
-        </a:xfrm>
-      </p:grpSpPr>
-      <p:sp>
-        <p:nvSpPr>
-          <p:cNvPr id="6" name="TextBox 5">
-            <a:extLst>
-              <a:ext uri="{FF2B5EF4-FFF2-40B4-BE49-F238E27FC236}">
-                <a16:creationId xmlns:a16="http://schemas.microsoft.com/office/drawing/2014/main" id="{59E906CD-110B-9D01-732C-2F21759B0265}"/>
-              </a:ext>
-            </a:extLst>
-          </p:cNvPr>
-          <p:cNvSpPr txBox="1"/>
-          <p:nvPr/>
-        </p:nvSpPr>
-        <p:spPr>
-          <a:xfrm>
-            <a:off x="193250" y="91915"/>
-            <a:ext cx="8256355" cy="461665"/>
-          </a:xfrm>
-          <a:prstGeom prst="rect">
-            <a:avLst/>
-          </a:prstGeom>
-          <a:noFill/>
-        </p:spPr>
-        <p:txBody>
-          <a:bodyPr wrap="square">
-            <a:spAutoFit/>
-          </a:bodyPr>
-          <a:lstStyle/>
-          <a:p>
-            <a:pPr algn="l"/>
-            <a:r>
-              <a:rPr lang="en-US" sz="2400" b="1" dirty="0">
-                <a:solidFill>
-                  <a:srgbClr val="00B050"/>
-                </a:solidFill>
-                <a:effectLst/>
-                <a:latin typeface="Open Sans" panose="020B0606030504020204" pitchFamily="34" charset="0"/>
-              </a:rPr>
-              <a:t>Catching Exceptions – try </a:t>
-            </a:r>
-            <a:r>
-              <a:rPr lang="en-US" sz="2400" b="1" dirty="0">
-                <a:solidFill>
-                  <a:srgbClr val="00B050"/>
-                </a:solidFill>
-                <a:effectLst/>
-                <a:latin typeface="Open Sans" panose="020B0606030504020204" pitchFamily="34" charset="0"/>
-                <a:sym typeface="Wingdings" panose="05000000000000000000" pitchFamily="2" charset="2"/>
-              </a:rPr>
-              <a:t> catch  finally blocks</a:t>
-            </a:r>
-            <a:endParaRPr lang="en-US" sz="2400" b="1" dirty="0">
-              <a:solidFill>
-                <a:srgbClr val="00B050"/>
-              </a:solidFill>
-              <a:effectLst/>
-              <a:latin typeface="Open Sans" panose="020B0606030504020204" pitchFamily="34" charset="0"/>
-            </a:endParaRPr>
-          </a:p>
-        </p:txBody>
-      </p:sp>
-      <p:sp>
-        <p:nvSpPr>
-          <p:cNvPr id="4" name="TextBox 3">
-            <a:extLst>
-              <a:ext uri="{FF2B5EF4-FFF2-40B4-BE49-F238E27FC236}">
-                <a16:creationId xmlns:a16="http://schemas.microsoft.com/office/drawing/2014/main" id="{C0B26727-0F97-5A73-B4ED-6BE65E07E5DB}"/>
-              </a:ext>
-            </a:extLst>
-          </p:cNvPr>
-          <p:cNvSpPr txBox="1"/>
-          <p:nvPr/>
-        </p:nvSpPr>
-        <p:spPr>
-          <a:xfrm>
-            <a:off x="176169" y="571295"/>
-            <a:ext cx="11931637" cy="6571030"/>
-          </a:xfrm>
-          <a:prstGeom prst="rect">
-            <a:avLst/>
-          </a:prstGeom>
-          <a:noFill/>
-        </p:spPr>
-        <p:txBody>
-          <a:bodyPr wrap="square">
-            <a:spAutoFit/>
-          </a:bodyPr>
-          <a:lstStyle/>
-          <a:p>
-            <a:pPr marL="285750" indent="-285750" algn="l">
-              <a:buFont typeface="Arial" panose="020B0604020202020204" pitchFamily="34" charset="0"/>
-              <a:buChar char="•"/>
-            </a:pPr>
-            <a:r>
-              <a:rPr lang="en-US" sz="1600" b="0" i="0" dirty="0">
-                <a:solidFill>
-                  <a:schemeClr val="tx1">
-                    <a:lumMod val="85000"/>
-                  </a:schemeClr>
-                </a:solidFill>
-                <a:effectLst/>
-                <a:latin typeface="Open Sans" panose="020B0606030504020204" pitchFamily="34" charset="0"/>
-              </a:rPr>
-              <a:t>You associate exception handlers with a try block by providing one or more catch blocks directly after the try block. No code can be between the end of the try block and the beginning of the first catch block.</a:t>
-            </a:r>
-          </a:p>
-          <a:p>
-            <a:pPr marL="285750" indent="-285750" algn="l">
-              <a:buFont typeface="Arial" panose="020B0604020202020204" pitchFamily="34" charset="0"/>
-              <a:buChar char="•"/>
-            </a:pPr>
-            <a:endParaRPr lang="en-US" sz="1600" b="0" i="0" dirty="0">
-              <a:solidFill>
-                <a:schemeClr val="tx1">
-                  <a:lumMod val="85000"/>
-                </a:schemeClr>
-              </a:solidFill>
-              <a:effectLst/>
-              <a:latin typeface="Open Sans" panose="020B0606030504020204" pitchFamily="34" charset="0"/>
-            </a:endParaRPr>
-          </a:p>
-          <a:p>
-            <a:pPr algn="l"/>
-            <a:r>
-              <a:rPr lang="en-US" sz="1200" b="0" i="0" dirty="0">
-                <a:solidFill>
-                  <a:schemeClr val="tx1">
-                    <a:lumMod val="85000"/>
-                  </a:schemeClr>
-                </a:solidFill>
-                <a:effectLst/>
-                <a:latin typeface="Open Sans" panose="020B0606030504020204" pitchFamily="34" charset="0"/>
-              </a:rPr>
-              <a:t>	try {</a:t>
-            </a:r>
-          </a:p>
-          <a:p>
-            <a:pPr algn="l"/>
-            <a:r>
-              <a:rPr lang="en-US" sz="1200" dirty="0">
-                <a:solidFill>
-                  <a:schemeClr val="tx1">
-                    <a:lumMod val="85000"/>
-                  </a:schemeClr>
-                </a:solidFill>
-                <a:latin typeface="Open Sans" panose="020B0606030504020204" pitchFamily="34" charset="0"/>
-              </a:rPr>
-              <a:t>	   // Execute some code here</a:t>
-            </a:r>
-          </a:p>
-          <a:p>
-            <a:pPr algn="l"/>
-            <a:r>
-              <a:rPr lang="en-US" sz="1200" b="0" i="0" dirty="0">
-                <a:solidFill>
-                  <a:schemeClr val="tx1">
-                    <a:lumMod val="85000"/>
-                  </a:schemeClr>
-                </a:solidFill>
-                <a:effectLst/>
-                <a:latin typeface="Open Sans" panose="020B0606030504020204" pitchFamily="34" charset="0"/>
-              </a:rPr>
-              <a:t>	} catch (</a:t>
-            </a:r>
-            <a:r>
-              <a:rPr lang="en-US" sz="1200" b="0" i="0" dirty="0" err="1">
-                <a:solidFill>
-                  <a:schemeClr val="tx1">
-                    <a:lumMod val="85000"/>
-                  </a:schemeClr>
-                </a:solidFill>
-                <a:effectLst/>
-                <a:latin typeface="Open Sans" panose="020B0606030504020204" pitchFamily="34" charset="0"/>
-              </a:rPr>
-              <a:t>ExceptionType</a:t>
-            </a:r>
-            <a:r>
-              <a:rPr lang="en-US" sz="1200" b="0" i="0" dirty="0">
-                <a:solidFill>
-                  <a:schemeClr val="tx1">
-                    <a:lumMod val="85000"/>
-                  </a:schemeClr>
-                </a:solidFill>
-                <a:effectLst/>
-                <a:latin typeface="Open Sans" panose="020B0606030504020204" pitchFamily="34" charset="0"/>
-              </a:rPr>
-              <a:t> name) {</a:t>
-            </a:r>
-          </a:p>
-          <a:p>
-            <a:pPr algn="l"/>
-            <a:r>
-              <a:rPr lang="en-US" sz="1200" dirty="0">
-                <a:solidFill>
-                  <a:schemeClr val="tx1">
-                    <a:lumMod val="85000"/>
-                  </a:schemeClr>
-                </a:solidFill>
-                <a:latin typeface="Open Sans" panose="020B0606030504020204" pitchFamily="34" charset="0"/>
-              </a:rPr>
-              <a:t>	</a:t>
-            </a:r>
-          </a:p>
-          <a:p>
-            <a:pPr algn="l"/>
-            <a:r>
-              <a:rPr lang="en-US" sz="1200" b="0" i="0" dirty="0">
-                <a:solidFill>
-                  <a:schemeClr val="tx1">
-                    <a:lumMod val="85000"/>
-                  </a:schemeClr>
-                </a:solidFill>
-                <a:effectLst/>
-                <a:latin typeface="Open Sans" panose="020B0606030504020204" pitchFamily="34" charset="0"/>
-              </a:rPr>
-              <a:t>	} catch (</a:t>
-            </a:r>
-            <a:r>
-              <a:rPr lang="en-US" sz="1200" b="0" i="0" dirty="0" err="1">
-                <a:solidFill>
-                  <a:schemeClr val="tx1">
-                    <a:lumMod val="85000"/>
-                  </a:schemeClr>
-                </a:solidFill>
-                <a:effectLst/>
-                <a:latin typeface="Open Sans" panose="020B0606030504020204" pitchFamily="34" charset="0"/>
-              </a:rPr>
-              <a:t>ExceptionType</a:t>
-            </a:r>
-            <a:r>
-              <a:rPr lang="en-US" sz="1200" b="0" i="0" dirty="0">
-                <a:solidFill>
-                  <a:schemeClr val="tx1">
-                    <a:lumMod val="85000"/>
-                  </a:schemeClr>
-                </a:solidFill>
-                <a:effectLst/>
-                <a:latin typeface="Open Sans" panose="020B0606030504020204" pitchFamily="34" charset="0"/>
-              </a:rPr>
-              <a:t> name) {</a:t>
-            </a:r>
-          </a:p>
-          <a:p>
-            <a:pPr algn="l"/>
-            <a:r>
-              <a:rPr lang="en-US" sz="1200" dirty="0">
-                <a:solidFill>
-                  <a:schemeClr val="tx1">
-                    <a:lumMod val="85000"/>
-                  </a:schemeClr>
-                </a:solidFill>
-                <a:latin typeface="Open Sans" panose="020B0606030504020204" pitchFamily="34" charset="0"/>
-              </a:rPr>
-              <a:t>	</a:t>
-            </a:r>
-          </a:p>
-          <a:p>
-            <a:pPr algn="l"/>
-            <a:r>
-              <a:rPr lang="en-US" sz="1200" b="0" i="0" dirty="0">
-                <a:solidFill>
-                  <a:schemeClr val="tx1">
-                    <a:lumMod val="85000"/>
-                  </a:schemeClr>
-                </a:solidFill>
-                <a:effectLst/>
-                <a:latin typeface="Open Sans" panose="020B0606030504020204" pitchFamily="34" charset="0"/>
-              </a:rPr>
-              <a:t>	} finally {</a:t>
-            </a:r>
-          </a:p>
-          <a:p>
-            <a:pPr algn="l"/>
-            <a:r>
-              <a:rPr lang="en-US" sz="1200" dirty="0">
-                <a:solidFill>
-                  <a:schemeClr val="tx1">
-                    <a:lumMod val="85000"/>
-                  </a:schemeClr>
-                </a:solidFill>
-                <a:latin typeface="Open Sans" panose="020B0606030504020204" pitchFamily="34" charset="0"/>
-              </a:rPr>
-              <a:t>	   // Code that always runs when the try block runs even when an Exception occurs</a:t>
-            </a:r>
-          </a:p>
-          <a:p>
-            <a:pPr algn="l"/>
-            <a:r>
-              <a:rPr lang="en-US" sz="1200" b="0" i="0" dirty="0">
-                <a:solidFill>
-                  <a:schemeClr val="tx1">
-                    <a:lumMod val="85000"/>
-                  </a:schemeClr>
-                </a:solidFill>
-                <a:effectLst/>
-                <a:latin typeface="Open Sans" panose="020B0606030504020204" pitchFamily="34" charset="0"/>
-              </a:rPr>
-              <a:t>	}</a:t>
-            </a:r>
-          </a:p>
-          <a:p>
-            <a:pPr algn="l"/>
-            <a:endParaRPr lang="en-US" sz="1200" b="0" i="0" dirty="0">
-              <a:solidFill>
-                <a:schemeClr val="tx1">
-                  <a:lumMod val="85000"/>
-                </a:schemeClr>
-              </a:solidFill>
-              <a:effectLst/>
-              <a:latin typeface="Open Sans" panose="020B0606030504020204" pitchFamily="34" charset="0"/>
-            </a:endParaRPr>
-          </a:p>
-          <a:p>
-            <a:pPr marL="285750" indent="-285750" algn="l">
-              <a:buFont typeface="Arial" panose="020B0604020202020204" pitchFamily="34" charset="0"/>
-              <a:buChar char="•"/>
-            </a:pPr>
-            <a:r>
-              <a:rPr lang="en-US" sz="1600" b="0" i="0" dirty="0">
-                <a:solidFill>
-                  <a:srgbClr val="00B0F0"/>
-                </a:solidFill>
-                <a:effectLst/>
-                <a:latin typeface="Open Sans" panose="020B0606030504020204" pitchFamily="34" charset="0"/>
-              </a:rPr>
-              <a:t>Each catch block is an exception handler </a:t>
-            </a:r>
-            <a:r>
-              <a:rPr lang="en-US" sz="1600" b="0" i="0" dirty="0">
-                <a:solidFill>
-                  <a:schemeClr val="tx1">
-                    <a:lumMod val="85000"/>
-                  </a:schemeClr>
-                </a:solidFill>
-                <a:effectLst/>
-                <a:latin typeface="Open Sans" panose="020B0606030504020204" pitchFamily="34" charset="0"/>
-              </a:rPr>
-              <a:t>that handles the type of exception indicated by its argument. </a:t>
-            </a:r>
-            <a:r>
-              <a:rPr lang="en-US" sz="1600" b="0" i="0" dirty="0">
-                <a:solidFill>
-                  <a:srgbClr val="00B0F0"/>
-                </a:solidFill>
-                <a:effectLst/>
-                <a:latin typeface="Open Sans" panose="020B0606030504020204" pitchFamily="34" charset="0"/>
-              </a:rPr>
-              <a:t>The argument type, </a:t>
-            </a:r>
-            <a:r>
-              <a:rPr lang="en-US" sz="1600" b="0" i="0" dirty="0" err="1">
-                <a:solidFill>
-                  <a:srgbClr val="00B0F0"/>
-                </a:solidFill>
-                <a:effectLst/>
-                <a:latin typeface="Open Sans" panose="020B0606030504020204" pitchFamily="34" charset="0"/>
-              </a:rPr>
-              <a:t>ExceptionType</a:t>
-            </a:r>
-            <a:r>
-              <a:rPr lang="en-US" sz="1600" b="0" i="0" dirty="0">
-                <a:solidFill>
-                  <a:schemeClr val="tx1">
-                    <a:lumMod val="85000"/>
-                  </a:schemeClr>
-                </a:solidFill>
-                <a:effectLst/>
-                <a:latin typeface="Open Sans" panose="020B0606030504020204" pitchFamily="34" charset="0"/>
-              </a:rPr>
-              <a:t>, declares the type of exception that the handler can handle and must be the name of a class that inherits from the Throwable class. The handler can refer to the exception with name.</a:t>
-            </a:r>
-          </a:p>
-          <a:p>
-            <a:pPr marL="285750" indent="-285750" algn="l">
-              <a:buFont typeface="Arial" panose="020B0604020202020204" pitchFamily="34" charset="0"/>
-              <a:buChar char="•"/>
-            </a:pPr>
-            <a:endParaRPr lang="en-US" sz="1600" b="0" i="0" dirty="0">
-              <a:solidFill>
-                <a:schemeClr val="tx1">
-                  <a:lumMod val="85000"/>
-                </a:schemeClr>
-              </a:solidFill>
-              <a:effectLst/>
-              <a:latin typeface="Open Sans" panose="020B0606030504020204" pitchFamily="34" charset="0"/>
-            </a:endParaRPr>
-          </a:p>
-          <a:p>
-            <a:pPr marL="285750" indent="-285750" algn="l">
-              <a:buFont typeface="Arial" panose="020B0604020202020204" pitchFamily="34" charset="0"/>
-              <a:buChar char="•"/>
-            </a:pPr>
-            <a:r>
-              <a:rPr lang="en-US" sz="1600" b="0" i="0" dirty="0">
-                <a:solidFill>
-                  <a:schemeClr val="tx1">
-                    <a:lumMod val="85000"/>
-                  </a:schemeClr>
-                </a:solidFill>
-                <a:effectLst/>
-                <a:latin typeface="Open Sans" panose="020B0606030504020204" pitchFamily="34" charset="0"/>
-              </a:rPr>
-              <a:t>The catch block </a:t>
-            </a:r>
-            <a:r>
-              <a:rPr lang="en-US" sz="1600" b="0" i="0" dirty="0">
-                <a:solidFill>
-                  <a:srgbClr val="00B0F0"/>
-                </a:solidFill>
-                <a:effectLst/>
-                <a:latin typeface="Open Sans" panose="020B0606030504020204" pitchFamily="34" charset="0"/>
-              </a:rPr>
-              <a:t>contains code that is executed if and when the exception handler is invoked</a:t>
-            </a:r>
-            <a:r>
-              <a:rPr lang="en-US" sz="1600" b="0" i="0" dirty="0">
-                <a:solidFill>
-                  <a:schemeClr val="tx1">
-                    <a:lumMod val="85000"/>
-                  </a:schemeClr>
-                </a:solidFill>
-                <a:effectLst/>
-                <a:latin typeface="Open Sans" panose="020B0606030504020204" pitchFamily="34" charset="0"/>
-              </a:rPr>
-              <a:t>. The runtime system invokes the exception handler when the handler is the first one in the call stack whose </a:t>
-            </a:r>
-            <a:r>
-              <a:rPr lang="en-US" sz="1600" b="0" i="0" dirty="0" err="1">
-                <a:solidFill>
-                  <a:schemeClr val="tx1">
-                    <a:lumMod val="85000"/>
-                  </a:schemeClr>
-                </a:solidFill>
-                <a:effectLst/>
-                <a:latin typeface="Open Sans" panose="020B0606030504020204" pitchFamily="34" charset="0"/>
-              </a:rPr>
-              <a:t>ExceptionType</a:t>
-            </a:r>
-            <a:r>
-              <a:rPr lang="en-US" sz="1600" b="0" i="0" dirty="0">
-                <a:solidFill>
-                  <a:schemeClr val="tx1">
-                    <a:lumMod val="85000"/>
-                  </a:schemeClr>
-                </a:solidFill>
-                <a:effectLst/>
-                <a:latin typeface="Open Sans" panose="020B0606030504020204" pitchFamily="34" charset="0"/>
-              </a:rPr>
-              <a:t> matches the type of the exception thrown. The system considers it a match if the thrown object can legally be assigned to the exception handler's argument.</a:t>
-            </a:r>
-          </a:p>
-          <a:p>
-            <a:pPr marL="285750" indent="-285750" algn="l">
-              <a:buFont typeface="Arial" panose="020B0604020202020204" pitchFamily="34" charset="0"/>
-              <a:buChar char="•"/>
-            </a:pPr>
-            <a:endParaRPr lang="en-US" sz="1600" b="0" i="0" dirty="0">
-              <a:solidFill>
-                <a:schemeClr val="tx1">
-                  <a:lumMod val="85000"/>
-                </a:schemeClr>
-              </a:solidFill>
-              <a:effectLst/>
-              <a:latin typeface="Open Sans" panose="020B0606030504020204" pitchFamily="34" charset="0"/>
-            </a:endParaRPr>
-          </a:p>
-          <a:p>
-            <a:pPr marL="285750" indent="-285750" algn="l">
-              <a:buFont typeface="Arial" panose="020B0604020202020204" pitchFamily="34" charset="0"/>
-              <a:buChar char="•"/>
-            </a:pPr>
-            <a:r>
-              <a:rPr lang="en-US" sz="1600" b="0" i="0" dirty="0">
-                <a:solidFill>
-                  <a:schemeClr val="tx1">
-                    <a:lumMod val="85000"/>
-                  </a:schemeClr>
-                </a:solidFill>
-                <a:effectLst/>
-                <a:latin typeface="Open Sans" panose="020B0606030504020204" pitchFamily="34" charset="0"/>
-              </a:rPr>
-              <a:t>The following are two exception handlers for the </a:t>
-            </a:r>
-            <a:r>
-              <a:rPr lang="en-US" sz="1600" b="0" i="0" dirty="0" err="1">
-                <a:solidFill>
-                  <a:schemeClr val="tx1">
-                    <a:lumMod val="85000"/>
-                  </a:schemeClr>
-                </a:solidFill>
-                <a:effectLst/>
-                <a:latin typeface="Open Sans" panose="020B0606030504020204" pitchFamily="34" charset="0"/>
-              </a:rPr>
-              <a:t>writeList</a:t>
-            </a:r>
-            <a:r>
-              <a:rPr lang="en-US" sz="1600" b="0" i="0" dirty="0">
-                <a:solidFill>
-                  <a:schemeClr val="tx1">
-                    <a:lumMod val="85000"/>
-                  </a:schemeClr>
-                </a:solidFill>
-                <a:effectLst/>
-                <a:latin typeface="Open Sans" panose="020B0606030504020204" pitchFamily="34" charset="0"/>
-              </a:rPr>
-              <a:t> method:</a:t>
-            </a:r>
-          </a:p>
-          <a:p>
-            <a:pPr algn="l"/>
-            <a:r>
-              <a:rPr lang="en-US" sz="1100" b="0" i="0" dirty="0">
-                <a:solidFill>
-                  <a:schemeClr val="tx1">
-                    <a:lumMod val="85000"/>
-                  </a:schemeClr>
-                </a:solidFill>
-                <a:effectLst/>
-                <a:latin typeface="Open Sans" panose="020B0606030504020204" pitchFamily="34" charset="0"/>
-              </a:rPr>
-              <a:t>	try {</a:t>
-            </a:r>
-          </a:p>
-          <a:p>
-            <a:pPr lvl="2"/>
-            <a:r>
-              <a:rPr lang="en-US" sz="1100" b="0" i="0" dirty="0">
-                <a:solidFill>
-                  <a:schemeClr val="tx1">
-                    <a:lumMod val="85000"/>
-                  </a:schemeClr>
-                </a:solidFill>
-                <a:effectLst/>
-                <a:latin typeface="Open Sans" panose="020B0606030504020204" pitchFamily="34" charset="0"/>
-              </a:rPr>
-              <a:t>   // Do something</a:t>
-            </a:r>
-          </a:p>
-          <a:p>
-            <a:pPr lvl="2"/>
-            <a:r>
-              <a:rPr lang="en-US" sz="1100" b="0" i="0" dirty="0">
-                <a:solidFill>
-                  <a:schemeClr val="tx1">
-                    <a:lumMod val="85000"/>
-                  </a:schemeClr>
-                </a:solidFill>
-                <a:effectLst/>
-                <a:latin typeface="Open Sans" panose="020B0606030504020204" pitchFamily="34" charset="0"/>
-              </a:rPr>
-              <a:t>} catch (</a:t>
-            </a:r>
-            <a:r>
-              <a:rPr lang="en-US" sz="1100" b="0" i="0" dirty="0" err="1">
-                <a:solidFill>
-                  <a:schemeClr val="tx1">
-                    <a:lumMod val="85000"/>
-                  </a:schemeClr>
-                </a:solidFill>
-                <a:effectLst/>
-                <a:latin typeface="Open Sans" panose="020B0606030504020204" pitchFamily="34" charset="0"/>
-              </a:rPr>
-              <a:t>IndexOutOfBoundsException</a:t>
-            </a:r>
-            <a:r>
-              <a:rPr lang="en-US" sz="1100" b="0" i="0" dirty="0">
-                <a:solidFill>
-                  <a:schemeClr val="tx1">
-                    <a:lumMod val="85000"/>
-                  </a:schemeClr>
-                </a:solidFill>
-                <a:effectLst/>
-                <a:latin typeface="Open Sans" panose="020B0606030504020204" pitchFamily="34" charset="0"/>
-              </a:rPr>
-              <a:t> e) {</a:t>
-            </a:r>
-          </a:p>
-          <a:p>
-            <a:pPr lvl="2"/>
-            <a:r>
-              <a:rPr lang="en-US" sz="1100" b="0" i="0" dirty="0">
-                <a:solidFill>
-                  <a:schemeClr val="tx1">
-                    <a:lumMod val="85000"/>
-                  </a:schemeClr>
-                </a:solidFill>
-                <a:effectLst/>
-                <a:latin typeface="Open Sans" panose="020B0606030504020204" pitchFamily="34" charset="0"/>
-              </a:rPr>
-              <a:t>   </a:t>
-            </a:r>
-            <a:r>
-              <a:rPr lang="en-US" sz="1100" b="0" i="0" dirty="0" err="1">
-                <a:solidFill>
-                  <a:schemeClr val="tx1">
-                    <a:lumMod val="85000"/>
-                  </a:schemeClr>
-                </a:solidFill>
-                <a:effectLst/>
-                <a:latin typeface="Open Sans" panose="020B0606030504020204" pitchFamily="34" charset="0"/>
-              </a:rPr>
-              <a:t>System.err.println</a:t>
-            </a:r>
-            <a:r>
-              <a:rPr lang="en-US" sz="1100" b="0" i="0" dirty="0">
-                <a:solidFill>
-                  <a:schemeClr val="tx1">
-                    <a:lumMod val="85000"/>
-                  </a:schemeClr>
-                </a:solidFill>
-                <a:effectLst/>
-                <a:latin typeface="Open Sans" panose="020B0606030504020204" pitchFamily="34" charset="0"/>
-              </a:rPr>
-              <a:t>("</a:t>
-            </a:r>
-            <a:r>
-              <a:rPr lang="en-US" sz="1100" b="0" i="0" dirty="0" err="1">
-                <a:solidFill>
-                  <a:schemeClr val="tx1">
-                    <a:lumMod val="85000"/>
-                  </a:schemeClr>
-                </a:solidFill>
-                <a:effectLst/>
-                <a:latin typeface="Open Sans" panose="020B0606030504020204" pitchFamily="34" charset="0"/>
-              </a:rPr>
-              <a:t>IndexOutOfBoundsException</a:t>
-            </a:r>
-            <a:r>
-              <a:rPr lang="en-US" sz="1100" b="0" i="0" dirty="0">
-                <a:solidFill>
-                  <a:schemeClr val="tx1">
-                    <a:lumMod val="85000"/>
-                  </a:schemeClr>
-                </a:solidFill>
-                <a:effectLst/>
-                <a:latin typeface="Open Sans" panose="020B0606030504020204" pitchFamily="34" charset="0"/>
-              </a:rPr>
-              <a:t>: " + </a:t>
-            </a:r>
-            <a:r>
-              <a:rPr lang="en-US" sz="1100" b="0" i="0" dirty="0" err="1">
-                <a:solidFill>
-                  <a:schemeClr val="tx1">
-                    <a:lumMod val="85000"/>
-                  </a:schemeClr>
-                </a:solidFill>
-                <a:effectLst/>
-                <a:latin typeface="Open Sans" panose="020B0606030504020204" pitchFamily="34" charset="0"/>
-              </a:rPr>
-              <a:t>e.getMessage</a:t>
-            </a:r>
-            <a:r>
-              <a:rPr lang="en-US" sz="1100" b="0" i="0" dirty="0">
-                <a:solidFill>
-                  <a:schemeClr val="tx1">
-                    <a:lumMod val="85000"/>
-                  </a:schemeClr>
-                </a:solidFill>
-                <a:effectLst/>
-                <a:latin typeface="Open Sans" panose="020B0606030504020204" pitchFamily="34" charset="0"/>
-              </a:rPr>
-              <a:t>());</a:t>
-            </a:r>
-          </a:p>
-          <a:p>
-            <a:pPr lvl="2"/>
-            <a:r>
-              <a:rPr lang="en-US" sz="1100" b="0" i="0" dirty="0">
-                <a:solidFill>
-                  <a:schemeClr val="tx1">
-                    <a:lumMod val="85000"/>
-                  </a:schemeClr>
-                </a:solidFill>
-                <a:effectLst/>
-                <a:latin typeface="Open Sans" panose="020B0606030504020204" pitchFamily="34" charset="0"/>
-              </a:rPr>
-              <a:t>} catch (</a:t>
-            </a:r>
-            <a:r>
-              <a:rPr lang="en-US" sz="1100" b="0" i="0" dirty="0" err="1">
-                <a:solidFill>
-                  <a:schemeClr val="tx1">
-                    <a:lumMod val="85000"/>
-                  </a:schemeClr>
-                </a:solidFill>
-                <a:effectLst/>
-                <a:latin typeface="Open Sans" panose="020B0606030504020204" pitchFamily="34" charset="0"/>
-              </a:rPr>
-              <a:t>IOException</a:t>
-            </a:r>
-            <a:r>
-              <a:rPr lang="en-US" sz="1100" b="0" i="0" dirty="0">
-                <a:solidFill>
-                  <a:schemeClr val="tx1">
-                    <a:lumMod val="85000"/>
-                  </a:schemeClr>
-                </a:solidFill>
-                <a:effectLst/>
-                <a:latin typeface="Open Sans" panose="020B0606030504020204" pitchFamily="34" charset="0"/>
-              </a:rPr>
-              <a:t> e) </a:t>
-            </a:r>
-          </a:p>
-          <a:p>
-            <a:pPr lvl="2"/>
-            <a:r>
-              <a:rPr lang="en-US" sz="1100" dirty="0">
-                <a:solidFill>
-                  <a:schemeClr val="tx1">
-                    <a:lumMod val="85000"/>
-                  </a:schemeClr>
-                </a:solidFill>
-                <a:latin typeface="Open Sans" panose="020B0606030504020204" pitchFamily="34" charset="0"/>
-              </a:rPr>
-              <a:t>   </a:t>
-            </a:r>
-            <a:r>
-              <a:rPr lang="en-US" sz="1100" b="0" i="0" dirty="0" err="1">
-                <a:solidFill>
-                  <a:schemeClr val="tx1">
-                    <a:lumMod val="85000"/>
-                  </a:schemeClr>
-                </a:solidFill>
-                <a:effectLst/>
-                <a:latin typeface="Open Sans" panose="020B0606030504020204" pitchFamily="34" charset="0"/>
-              </a:rPr>
-              <a:t>System.err.println</a:t>
-            </a:r>
-            <a:r>
-              <a:rPr lang="en-US" sz="1100" b="0" i="0" dirty="0">
-                <a:solidFill>
-                  <a:schemeClr val="tx1">
-                    <a:lumMod val="85000"/>
-                  </a:schemeClr>
-                </a:solidFill>
-                <a:effectLst/>
-                <a:latin typeface="Open Sans" panose="020B0606030504020204" pitchFamily="34" charset="0"/>
-              </a:rPr>
-              <a:t>("Caught </a:t>
-            </a:r>
-            <a:r>
-              <a:rPr lang="en-US" sz="1100" b="0" i="0" dirty="0" err="1">
-                <a:solidFill>
-                  <a:schemeClr val="tx1">
-                    <a:lumMod val="85000"/>
-                  </a:schemeClr>
-                </a:solidFill>
-                <a:effectLst/>
-                <a:latin typeface="Open Sans" panose="020B0606030504020204" pitchFamily="34" charset="0"/>
-              </a:rPr>
-              <a:t>IOException</a:t>
-            </a:r>
-            <a:r>
-              <a:rPr lang="en-US" sz="1100" b="0" i="0" dirty="0">
-                <a:solidFill>
-                  <a:schemeClr val="tx1">
-                    <a:lumMod val="85000"/>
-                  </a:schemeClr>
-                </a:solidFill>
-                <a:effectLst/>
-                <a:latin typeface="Open Sans" panose="020B0606030504020204" pitchFamily="34" charset="0"/>
-              </a:rPr>
-              <a:t>: " + </a:t>
-            </a:r>
-            <a:r>
-              <a:rPr lang="en-US" sz="1100" b="0" i="0" dirty="0" err="1">
-                <a:solidFill>
-                  <a:schemeClr val="tx1">
-                    <a:lumMod val="85000"/>
-                  </a:schemeClr>
-                </a:solidFill>
-                <a:effectLst/>
-                <a:latin typeface="Open Sans" panose="020B0606030504020204" pitchFamily="34" charset="0"/>
-              </a:rPr>
-              <a:t>e.getMessage</a:t>
-            </a:r>
-            <a:r>
-              <a:rPr lang="en-US" sz="1100" b="0" i="0" dirty="0">
-                <a:solidFill>
-                  <a:schemeClr val="tx1">
-                    <a:lumMod val="85000"/>
-                  </a:schemeClr>
-                </a:solidFill>
-                <a:effectLst/>
-                <a:latin typeface="Open Sans" panose="020B0606030504020204" pitchFamily="34" charset="0"/>
-              </a:rPr>
-              <a:t>());</a:t>
-            </a:r>
-          </a:p>
-          <a:p>
-            <a:pPr lvl="2"/>
-            <a:r>
-              <a:rPr lang="en-US" sz="1100" b="0" i="0" dirty="0">
-                <a:solidFill>
-                  <a:schemeClr val="tx1">
-                    <a:lumMod val="85000"/>
-                  </a:schemeClr>
-                </a:solidFill>
-                <a:effectLst/>
-                <a:latin typeface="Open Sans" panose="020B0606030504020204" pitchFamily="34" charset="0"/>
-              </a:rPr>
-              <a:t>}</a:t>
-            </a:r>
-          </a:p>
-        </p:txBody>
-      </p:sp>
-      <p:sp>
-        <p:nvSpPr>
-          <p:cNvPr id="2" name="TextBox 1">
-            <a:extLst>
-              <a:ext uri="{FF2B5EF4-FFF2-40B4-BE49-F238E27FC236}">
-                <a16:creationId xmlns:a16="http://schemas.microsoft.com/office/drawing/2014/main" id="{05E39B88-6490-5C54-C767-A0E91A8F373F}"/>
-              </a:ext>
-            </a:extLst>
-          </p:cNvPr>
-          <p:cNvSpPr txBox="1"/>
-          <p:nvPr/>
-        </p:nvSpPr>
-        <p:spPr>
-          <a:xfrm>
-            <a:off x="5553511" y="6427531"/>
-            <a:ext cx="6842443" cy="338554"/>
-          </a:xfrm>
-          <a:prstGeom prst="rect">
-            <a:avLst/>
-          </a:prstGeom>
-          <a:noFill/>
-        </p:spPr>
-        <p:txBody>
-          <a:bodyPr wrap="square">
-            <a:spAutoFit/>
-          </a:bodyPr>
-          <a:lstStyle/>
-          <a:p>
-            <a:r>
-              <a:rPr lang="en-US" sz="1600" dirty="0">
-                <a:hlinkClick r:id="rId2"/>
-              </a:rPr>
-              <a:t>https://github.com/ckiefriter1/Java-Code-Examples/tree/main/src/exceptions</a:t>
-            </a:r>
-            <a:endParaRPr lang="en-US" sz="1600" dirty="0"/>
-          </a:p>
-        </p:txBody>
-      </p:sp>
-    </p:spTree>
-    <p:extLst>
-      <p:ext uri="{BB962C8B-B14F-4D97-AF65-F5344CB8AC3E}">
-        <p14:creationId xmlns:p14="http://schemas.microsoft.com/office/powerpoint/2010/main" val="12263916"/>
-      </p:ext>
-    </p:extLst>
-  </p:cSld>
-  <p:clrMapOvr>
-    <a:masterClrMapping/>
-  </p:clrMapOvr>
-</p:sld>
-</file>
-
-<file path=ppt/slides/slide14.xml><?xml version="1.0" encoding="utf-8"?>
-<p:sld xmlns:a="http://schemas.openxmlformats.org/drawingml/2006/main" xmlns:r="http://schemas.openxmlformats.org/officeDocument/2006/relationships" xmlns:p="http://schemas.openxmlformats.org/presentationml/2006/main">
-  <p:cSld>
-    <p:spTree>
-      <p:nvGrpSpPr>
-        <p:cNvPr id="1" name=""/>
-        <p:cNvGrpSpPr/>
-        <p:nvPr/>
-      </p:nvGrpSpPr>
-      <p:grpSpPr>
-        <a:xfrm>
-          <a:off x="0" y="0"/>
-          <a:ext cx="0" cy="0"/>
-          <a:chOff x="0" y="0"/>
-          <a:chExt cx="0" cy="0"/>
-        </a:xfrm>
-      </p:grpSpPr>
-      <p:sp>
-        <p:nvSpPr>
-          <p:cNvPr id="6" name="TextBox 5">
-            <a:extLst>
-              <a:ext uri="{FF2B5EF4-FFF2-40B4-BE49-F238E27FC236}">
-                <a16:creationId xmlns:a16="http://schemas.microsoft.com/office/drawing/2014/main" id="{59E906CD-110B-9D01-732C-2F21759B0265}"/>
-              </a:ext>
-            </a:extLst>
-          </p:cNvPr>
-          <p:cNvSpPr txBox="1"/>
-          <p:nvPr/>
-        </p:nvSpPr>
-        <p:spPr>
-          <a:xfrm>
-            <a:off x="193250" y="91915"/>
-            <a:ext cx="8256355" cy="461665"/>
-          </a:xfrm>
-          <a:prstGeom prst="rect">
-            <a:avLst/>
-          </a:prstGeom>
-          <a:noFill/>
-        </p:spPr>
-        <p:txBody>
-          <a:bodyPr wrap="square">
-            <a:spAutoFit/>
-          </a:bodyPr>
-          <a:lstStyle/>
-          <a:p>
-            <a:pPr algn="l"/>
-            <a:r>
-              <a:rPr lang="en-US" sz="2400" b="1" dirty="0">
-                <a:solidFill>
-                  <a:srgbClr val="00B050"/>
-                </a:solidFill>
-                <a:effectLst/>
-                <a:latin typeface="Open Sans" panose="020B0606030504020204" pitchFamily="34" charset="0"/>
-              </a:rPr>
-              <a:t>Catching Exceptions – try </a:t>
-            </a:r>
-            <a:r>
-              <a:rPr lang="en-US" sz="2400" b="1" dirty="0">
-                <a:solidFill>
-                  <a:srgbClr val="00B050"/>
-                </a:solidFill>
-                <a:effectLst/>
-                <a:latin typeface="Open Sans" panose="020B0606030504020204" pitchFamily="34" charset="0"/>
-                <a:sym typeface="Wingdings" panose="05000000000000000000" pitchFamily="2" charset="2"/>
-              </a:rPr>
-              <a:t> catch  finally blocks</a:t>
-            </a:r>
-            <a:endParaRPr lang="en-US" sz="2400" b="1" dirty="0">
-              <a:solidFill>
-                <a:srgbClr val="00B050"/>
-              </a:solidFill>
-              <a:effectLst/>
-              <a:latin typeface="Open Sans" panose="020B0606030504020204" pitchFamily="34" charset="0"/>
-            </a:endParaRPr>
-          </a:p>
-        </p:txBody>
-      </p:sp>
-      <p:sp>
-        <p:nvSpPr>
-          <p:cNvPr id="4" name="TextBox 3">
-            <a:extLst>
-              <a:ext uri="{FF2B5EF4-FFF2-40B4-BE49-F238E27FC236}">
-                <a16:creationId xmlns:a16="http://schemas.microsoft.com/office/drawing/2014/main" id="{C0B26727-0F97-5A73-B4ED-6BE65E07E5DB}"/>
-              </a:ext>
-            </a:extLst>
-          </p:cNvPr>
-          <p:cNvSpPr txBox="1"/>
-          <p:nvPr/>
-        </p:nvSpPr>
-        <p:spPr>
-          <a:xfrm>
-            <a:off x="176169" y="729420"/>
-            <a:ext cx="11931637" cy="4555093"/>
-          </a:xfrm>
-          <a:prstGeom prst="rect">
-            <a:avLst/>
-          </a:prstGeom>
-          <a:noFill/>
-        </p:spPr>
-        <p:txBody>
-          <a:bodyPr wrap="square">
-            <a:spAutoFit/>
-          </a:bodyPr>
-          <a:lstStyle/>
-          <a:p>
-            <a:pPr marL="285750" indent="-285750" algn="l">
-              <a:buFont typeface="Arial" panose="020B0604020202020204" pitchFamily="34" charset="0"/>
-              <a:buChar char="•"/>
-            </a:pPr>
-            <a:r>
-              <a:rPr lang="en-US" b="0" i="0" dirty="0">
-                <a:solidFill>
-                  <a:srgbClr val="00B0F0"/>
-                </a:solidFill>
-                <a:effectLst/>
-                <a:latin typeface="Open Sans" panose="020B0606030504020204" pitchFamily="34" charset="0"/>
-              </a:rPr>
-              <a:t>Exception handlers can do more than just print error messages or halt the program</a:t>
-            </a:r>
-            <a:r>
-              <a:rPr lang="en-US" b="0" i="0" dirty="0">
-                <a:solidFill>
-                  <a:schemeClr val="tx1">
-                    <a:lumMod val="85000"/>
-                  </a:schemeClr>
-                </a:solidFill>
-                <a:effectLst/>
-                <a:latin typeface="Open Sans" panose="020B0606030504020204" pitchFamily="34" charset="0"/>
-              </a:rPr>
-              <a:t>. They can do error recovery, prompt the user to make a decision, or propagate the error up to a higher-level handler using chained exceptions, as described in the </a:t>
-            </a:r>
-            <a:r>
-              <a:rPr lang="en-US" b="0" i="0" dirty="0">
-                <a:solidFill>
-                  <a:srgbClr val="00B0F0"/>
-                </a:solidFill>
-                <a:effectLst/>
-                <a:latin typeface="Open Sans" panose="020B0606030504020204" pitchFamily="34" charset="0"/>
-              </a:rPr>
-              <a:t>Chained Exceptions </a:t>
-            </a:r>
-            <a:r>
-              <a:rPr lang="en-US" b="0" i="0" dirty="0">
-                <a:solidFill>
-                  <a:schemeClr val="tx1">
-                    <a:lumMod val="85000"/>
-                  </a:schemeClr>
-                </a:solidFill>
-                <a:effectLst/>
-                <a:latin typeface="Open Sans" panose="020B0606030504020204" pitchFamily="34" charset="0"/>
-              </a:rPr>
-              <a:t>section.</a:t>
-            </a:r>
-          </a:p>
-          <a:p>
-            <a:pPr marL="285750" indent="-285750" algn="l">
-              <a:buFont typeface="Arial" panose="020B0604020202020204" pitchFamily="34" charset="0"/>
-              <a:buChar char="•"/>
-            </a:pPr>
-            <a:endParaRPr lang="en-US" b="0" i="0" dirty="0">
-              <a:solidFill>
-                <a:schemeClr val="tx1">
-                  <a:lumMod val="85000"/>
-                </a:schemeClr>
-              </a:solidFill>
-              <a:effectLst/>
-              <a:latin typeface="Open Sans" panose="020B0606030504020204" pitchFamily="34" charset="0"/>
-            </a:endParaRPr>
-          </a:p>
-          <a:p>
-            <a:pPr marL="285750" indent="-285750" algn="l">
-              <a:buFont typeface="Arial" panose="020B0604020202020204" pitchFamily="34" charset="0"/>
-              <a:buChar char="•"/>
-            </a:pPr>
-            <a:r>
-              <a:rPr lang="en-US" b="0" i="0" dirty="0">
-                <a:solidFill>
-                  <a:schemeClr val="tx1">
-                    <a:lumMod val="85000"/>
-                  </a:schemeClr>
-                </a:solidFill>
-                <a:effectLst/>
-                <a:latin typeface="Open Sans" panose="020B0606030504020204" pitchFamily="34" charset="0"/>
-              </a:rPr>
-              <a:t>Catching More Than One Type of Exception with One Exception Handler</a:t>
-            </a:r>
-          </a:p>
-          <a:p>
-            <a:pPr marL="742950" lvl="1" indent="-285750">
-              <a:buFont typeface="Arial" panose="020B0604020202020204" pitchFamily="34" charset="0"/>
-              <a:buChar char="•"/>
-            </a:pPr>
-            <a:r>
-              <a:rPr lang="en-US" b="0" i="0" dirty="0">
-                <a:solidFill>
-                  <a:schemeClr val="tx1">
-                    <a:lumMod val="85000"/>
-                  </a:schemeClr>
-                </a:solidFill>
-                <a:effectLst/>
-                <a:latin typeface="Open Sans" panose="020B0606030504020204" pitchFamily="34" charset="0"/>
-              </a:rPr>
-              <a:t>In Java SE 7 and later, a single catch block can handle more than one type of exception. This feature can reduce code duplication and lessen the temptation to catch an overly broad exception.</a:t>
-            </a:r>
-          </a:p>
-          <a:p>
-            <a:pPr marL="285750" indent="-285750" algn="l">
-              <a:buFont typeface="Arial" panose="020B0604020202020204" pitchFamily="34" charset="0"/>
-              <a:buChar char="•"/>
-            </a:pPr>
-            <a:endParaRPr lang="en-US" b="0" i="0" dirty="0">
-              <a:solidFill>
-                <a:schemeClr val="tx1">
-                  <a:lumMod val="85000"/>
-                </a:schemeClr>
-              </a:solidFill>
-              <a:effectLst/>
-              <a:latin typeface="Open Sans" panose="020B0606030504020204" pitchFamily="34" charset="0"/>
-            </a:endParaRPr>
-          </a:p>
-          <a:p>
-            <a:pPr marL="742950" lvl="1" indent="-285750">
-              <a:buFont typeface="Arial" panose="020B0604020202020204" pitchFamily="34" charset="0"/>
-              <a:buChar char="•"/>
-            </a:pPr>
-            <a:r>
-              <a:rPr lang="en-US" b="0" i="0" dirty="0">
-                <a:solidFill>
-                  <a:schemeClr val="tx1">
-                    <a:lumMod val="85000"/>
-                  </a:schemeClr>
-                </a:solidFill>
-                <a:effectLst/>
-                <a:latin typeface="Open Sans" panose="020B0606030504020204" pitchFamily="34" charset="0"/>
-              </a:rPr>
-              <a:t>In the catch clause, specify the types of exceptions that block can handle, and separate each exception type with a vertical bar (|):</a:t>
-            </a:r>
-          </a:p>
-          <a:p>
-            <a:pPr marL="285750" indent="-285750" algn="l">
-              <a:buFont typeface="Arial" panose="020B0604020202020204" pitchFamily="34" charset="0"/>
-              <a:buChar char="•"/>
-            </a:pPr>
-            <a:endParaRPr lang="en-US" b="0" i="0" dirty="0">
-              <a:solidFill>
-                <a:schemeClr val="tx1">
-                  <a:lumMod val="85000"/>
-                </a:schemeClr>
-              </a:solidFill>
-              <a:effectLst/>
-              <a:latin typeface="Open Sans" panose="020B0606030504020204" pitchFamily="34" charset="0"/>
-            </a:endParaRPr>
-          </a:p>
-          <a:p>
-            <a:pPr algn="l"/>
-            <a:r>
-              <a:rPr lang="en-US" sz="1400" b="0" i="0" dirty="0">
-                <a:solidFill>
-                  <a:schemeClr val="tx1">
-                    <a:lumMod val="85000"/>
-                  </a:schemeClr>
-                </a:solidFill>
-                <a:effectLst/>
-                <a:latin typeface="Open Sans" panose="020B0606030504020204" pitchFamily="34" charset="0"/>
-              </a:rPr>
-              <a:t>	catch (</a:t>
-            </a:r>
-            <a:r>
-              <a:rPr lang="en-US" sz="1400" b="0" i="0" dirty="0" err="1">
-                <a:solidFill>
-                  <a:schemeClr val="tx1">
-                    <a:lumMod val="85000"/>
-                  </a:schemeClr>
-                </a:solidFill>
-                <a:effectLst/>
-                <a:latin typeface="Open Sans" panose="020B0606030504020204" pitchFamily="34" charset="0"/>
-              </a:rPr>
-              <a:t>IOException|SQLException</a:t>
-            </a:r>
-            <a:r>
-              <a:rPr lang="en-US" sz="1400" b="0" i="0" dirty="0">
-                <a:solidFill>
-                  <a:schemeClr val="tx1">
-                    <a:lumMod val="85000"/>
-                  </a:schemeClr>
-                </a:solidFill>
-                <a:effectLst/>
-                <a:latin typeface="Open Sans" panose="020B0606030504020204" pitchFamily="34" charset="0"/>
-              </a:rPr>
-              <a:t> ex) {</a:t>
-            </a:r>
-          </a:p>
-          <a:p>
-            <a:pPr algn="l"/>
-            <a:r>
-              <a:rPr lang="en-US" sz="1400" dirty="0">
-                <a:solidFill>
-                  <a:schemeClr val="tx1">
-                    <a:lumMod val="85000"/>
-                  </a:schemeClr>
-                </a:solidFill>
-                <a:latin typeface="Open Sans" panose="020B0606030504020204" pitchFamily="34" charset="0"/>
-              </a:rPr>
-              <a:t>	   </a:t>
-            </a:r>
-            <a:r>
-              <a:rPr lang="en-US" sz="1400" b="0" i="0" dirty="0">
-                <a:solidFill>
-                  <a:schemeClr val="tx1">
-                    <a:lumMod val="85000"/>
-                  </a:schemeClr>
-                </a:solidFill>
-                <a:effectLst/>
-                <a:latin typeface="Open Sans" panose="020B0606030504020204" pitchFamily="34" charset="0"/>
-              </a:rPr>
-              <a:t>logger.log(ex);</a:t>
-            </a:r>
-          </a:p>
-          <a:p>
-            <a:pPr algn="l"/>
-            <a:r>
-              <a:rPr lang="en-US" sz="1400" dirty="0">
-                <a:solidFill>
-                  <a:schemeClr val="tx1">
-                    <a:lumMod val="85000"/>
-                  </a:schemeClr>
-                </a:solidFill>
-                <a:latin typeface="Open Sans" panose="020B0606030504020204" pitchFamily="34" charset="0"/>
-              </a:rPr>
-              <a:t>	   </a:t>
-            </a:r>
-            <a:r>
-              <a:rPr lang="en-US" sz="1400" b="0" i="0" dirty="0">
-                <a:solidFill>
-                  <a:schemeClr val="tx1">
-                    <a:lumMod val="85000"/>
-                  </a:schemeClr>
-                </a:solidFill>
-                <a:effectLst/>
-                <a:latin typeface="Open Sans" panose="020B0606030504020204" pitchFamily="34" charset="0"/>
-              </a:rPr>
-              <a:t>throw ex;</a:t>
-            </a:r>
-          </a:p>
-          <a:p>
-            <a:pPr algn="l"/>
-            <a:r>
-              <a:rPr lang="en-US" sz="1400" dirty="0">
-                <a:solidFill>
-                  <a:schemeClr val="tx1">
-                    <a:lumMod val="85000"/>
-                  </a:schemeClr>
-                </a:solidFill>
-                <a:latin typeface="Open Sans" panose="020B0606030504020204" pitchFamily="34" charset="0"/>
-              </a:rPr>
-              <a:t>                       </a:t>
-            </a:r>
-            <a:r>
-              <a:rPr lang="en-US" sz="1400" b="0" i="0" dirty="0">
-                <a:solidFill>
-                  <a:schemeClr val="tx1">
-                    <a:lumMod val="85000"/>
-                  </a:schemeClr>
-                </a:solidFill>
-                <a:effectLst/>
-                <a:latin typeface="Open Sans" panose="020B0606030504020204" pitchFamily="34" charset="0"/>
-              </a:rPr>
-              <a:t>}</a:t>
-            </a:r>
-          </a:p>
-          <a:p>
-            <a:pPr marL="285750" indent="-285750" algn="l">
-              <a:buFont typeface="Arial" panose="020B0604020202020204" pitchFamily="34" charset="0"/>
-              <a:buChar char="•"/>
-            </a:pPr>
-            <a:endParaRPr lang="en-US" b="0" i="0" dirty="0">
-              <a:solidFill>
-                <a:schemeClr val="tx1">
-                  <a:lumMod val="85000"/>
-                </a:schemeClr>
-              </a:solidFill>
-              <a:effectLst/>
-              <a:latin typeface="Open Sans" panose="020B0606030504020204" pitchFamily="34" charset="0"/>
-            </a:endParaRPr>
-          </a:p>
-          <a:p>
-            <a:pPr marL="285750" indent="-285750" algn="l">
-              <a:buFont typeface="Arial" panose="020B0604020202020204" pitchFamily="34" charset="0"/>
-              <a:buChar char="•"/>
-            </a:pPr>
-            <a:endParaRPr lang="en-US" b="0" i="0" dirty="0">
-              <a:solidFill>
-                <a:schemeClr val="tx1">
-                  <a:lumMod val="85000"/>
-                </a:schemeClr>
-              </a:solidFill>
-              <a:effectLst/>
-              <a:latin typeface="Open Sans" panose="020B0606030504020204" pitchFamily="34" charset="0"/>
-            </a:endParaRPr>
-          </a:p>
-        </p:txBody>
-      </p:sp>
-      <p:sp>
-        <p:nvSpPr>
-          <p:cNvPr id="2" name="TextBox 1">
-            <a:extLst>
-              <a:ext uri="{FF2B5EF4-FFF2-40B4-BE49-F238E27FC236}">
-                <a16:creationId xmlns:a16="http://schemas.microsoft.com/office/drawing/2014/main" id="{2292BC77-EAED-98AF-CC12-6B2F561FA457}"/>
-              </a:ext>
-            </a:extLst>
-          </p:cNvPr>
-          <p:cNvSpPr txBox="1"/>
-          <p:nvPr/>
-        </p:nvSpPr>
-        <p:spPr>
-          <a:xfrm>
-            <a:off x="4679424" y="6273448"/>
-            <a:ext cx="7540362" cy="369332"/>
-          </a:xfrm>
-          <a:prstGeom prst="rect">
-            <a:avLst/>
-          </a:prstGeom>
-          <a:noFill/>
-        </p:spPr>
-        <p:txBody>
-          <a:bodyPr wrap="square">
-            <a:spAutoFit/>
-          </a:bodyPr>
-          <a:lstStyle/>
-          <a:p>
-            <a:r>
-              <a:rPr lang="en-US" dirty="0">
-                <a:hlinkClick r:id="rId2"/>
-              </a:rPr>
-              <a:t>https://github.com/ckiefriter1/Java-Code-Examples/tree/main/src/exceptions</a:t>
-            </a:r>
-            <a:endParaRPr lang="en-US" dirty="0"/>
-          </a:p>
-        </p:txBody>
-      </p:sp>
-    </p:spTree>
-    <p:extLst>
-      <p:ext uri="{BB962C8B-B14F-4D97-AF65-F5344CB8AC3E}">
-        <p14:creationId xmlns:p14="http://schemas.microsoft.com/office/powerpoint/2010/main" val="2285577035"/>
-      </p:ext>
-    </p:extLst>
-  </p:cSld>
-  <p:clrMapOvr>
-    <a:masterClrMapping/>
-  </p:clrMapOvr>
-</p:sld>
-</file>
-
 <file path=ppt/slides/slide15.xml><?xml version="1.0" encoding="utf-8"?>
 <p:sld xmlns:a="http://schemas.openxmlformats.org/drawingml/2006/main" xmlns:r="http://schemas.openxmlformats.org/officeDocument/2006/relationships" xmlns:p="http://schemas.openxmlformats.org/presentationml/2006/main">
   <p:cSld>
@@ -8418,8 +7983,8 @@
         </p:nvSpPr>
         <p:spPr>
           <a:xfrm>
-            <a:off x="176169" y="729420"/>
-            <a:ext cx="11931637" cy="4524315"/>
+            <a:off x="176169" y="571295"/>
+            <a:ext cx="11931637" cy="6571030"/>
           </a:xfrm>
           <a:prstGeom prst="rect">
             <a:avLst/>
@@ -8437,49 +8002,16 @@
               <a:buChar char="•"/>
             </a:pPr>
             <a:r>
-              <a:rPr lang="en-US" dirty="0">
-                <a:solidFill>
-                  <a:schemeClr val="tx1">
-                    <a:lumMod val="85000"/>
-                  </a:schemeClr>
-                </a:solidFill>
-                <a:latin typeface="Open Sans" panose="020B0606030504020204" pitchFamily="34" charset="0"/>
-              </a:rPr>
-              <a:t>Y</a:t>
-            </a:r>
-            <a:r>
-              <a:rPr lang="en-US" b="0" i="0" dirty="0">
-                <a:solidFill>
-                  <a:schemeClr val="tx1">
-                    <a:lumMod val="85000"/>
-                  </a:schemeClr>
-                </a:solidFill>
-                <a:effectLst/>
-                <a:latin typeface="Open Sans" panose="020B0606030504020204" pitchFamily="34" charset="0"/>
-              </a:rPr>
-              <a:t>ou can use a </a:t>
-            </a:r>
-            <a:r>
-              <a:rPr lang="en-US" b="0" i="0" dirty="0">
-                <a:solidFill>
-                  <a:srgbClr val="00B0F0"/>
-                </a:solidFill>
-                <a:effectLst/>
-                <a:latin typeface="Open Sans" panose="020B0606030504020204" pitchFamily="34" charset="0"/>
-              </a:rPr>
-              <a:t>finally block</a:t>
-            </a:r>
-            <a:r>
-              <a:rPr lang="en-US" b="0" i="0" dirty="0">
-                <a:solidFill>
-                  <a:schemeClr val="tx1">
-                    <a:lumMod val="85000"/>
-                  </a:schemeClr>
-                </a:solidFill>
-                <a:effectLst/>
-                <a:latin typeface="Open Sans" panose="020B0606030504020204" pitchFamily="34" charset="0"/>
-              </a:rPr>
-              <a:t> to ensure that a resource is closed regardless of whether the try statement completes normally or abruptly. The following example uses a finally block instead of a try-with-resources statement:</a:t>
+              <a:rPr lang="en-US" sz="1600" b="0" i="0" dirty="0">
+                <a:solidFill>
+                  <a:schemeClr val="tx1">
+                    <a:lumMod val="85000"/>
+                  </a:schemeClr>
+                </a:solidFill>
+                <a:effectLst/>
+                <a:latin typeface="Open Sans" panose="020B0606030504020204" pitchFamily="34" charset="0"/>
+              </a:rPr>
+              <a:t>You associate exception handlers with a try block by providing one or more catch blocks directly after the try block. No code can be between the end of the try block and the beginning of the first catch block.</a:t>
             </a:r>
           </a:p>
           <a:p>
@@ -8487,7 +8019,7 @@
               <a:buFont typeface="Arial" panose="020B0604020202020204" pitchFamily="34" charset="0"/>
               <a:buChar char="•"/>
             </a:pPr>
-            <a:endParaRPr lang="en-US" b="0" i="0" dirty="0">
+            <a:endParaRPr lang="en-US" sz="1600" b="0" i="0" dirty="0">
               <a:solidFill>
                 <a:schemeClr val="tx1">
                   <a:lumMod val="85000"/>
@@ -8500,157 +8032,128 @@
           <a:p>
             <a:pPr algn="l"/>
             <a:r>
-              <a:rPr lang="en-US" b="0" i="0" dirty="0">
-                <a:solidFill>
-                  <a:schemeClr val="tx1">
-                    <a:lumMod val="85000"/>
-                  </a:schemeClr>
-                </a:solidFill>
-                <a:effectLst/>
-                <a:latin typeface="Open Sans" panose="020B0606030504020204" pitchFamily="34" charset="0"/>
-              </a:rPr>
-              <a:t>   static String </a:t>
-            </a:r>
-            <a:r>
-              <a:rPr lang="en-US" b="0" i="0" dirty="0" err="1">
-                <a:solidFill>
-                  <a:schemeClr val="tx1">
-                    <a:lumMod val="85000"/>
-                  </a:schemeClr>
-                </a:solidFill>
-                <a:effectLst/>
-                <a:latin typeface="Open Sans" panose="020B0606030504020204" pitchFamily="34" charset="0"/>
-              </a:rPr>
-              <a:t>readFirstLineFromFileWithFinallyBlock</a:t>
-            </a:r>
-            <a:r>
-              <a:rPr lang="en-US" b="0" i="0" dirty="0">
-                <a:solidFill>
-                  <a:schemeClr val="tx1">
-                    <a:lumMod val="85000"/>
-                  </a:schemeClr>
-                </a:solidFill>
-                <a:effectLst/>
-                <a:latin typeface="Open Sans" panose="020B0606030504020204" pitchFamily="34" charset="0"/>
-              </a:rPr>
-              <a:t>(String path) throws </a:t>
-            </a:r>
-            <a:r>
-              <a:rPr lang="en-US" b="0" i="0" dirty="0" err="1">
-                <a:solidFill>
-                  <a:schemeClr val="tx1">
-                    <a:lumMod val="85000"/>
-                  </a:schemeClr>
-                </a:solidFill>
-                <a:effectLst/>
-                <a:latin typeface="Open Sans" panose="020B0606030504020204" pitchFamily="34" charset="0"/>
-              </a:rPr>
-              <a:t>IOException</a:t>
-            </a:r>
-            <a:r>
-              <a:rPr lang="en-US" b="0" i="0" dirty="0">
-                <a:solidFill>
-                  <a:schemeClr val="tx1">
-                    <a:lumMod val="85000"/>
-                  </a:schemeClr>
-                </a:solidFill>
-                <a:effectLst/>
-                <a:latin typeface="Open Sans" panose="020B0606030504020204" pitchFamily="34" charset="0"/>
-              </a:rPr>
-              <a:t> {</a:t>
+              <a:rPr lang="en-US" sz="1200" b="0" i="0" dirty="0">
+                <a:solidFill>
+                  <a:schemeClr val="tx1">
+                    <a:lumMod val="85000"/>
+                  </a:schemeClr>
+                </a:solidFill>
+                <a:effectLst/>
+                <a:latin typeface="Open Sans" panose="020B0606030504020204" pitchFamily="34" charset="0"/>
+              </a:rPr>
+              <a:t>	try {</a:t>
             </a:r>
           </a:p>
           <a:p>
             <a:pPr algn="l"/>
             <a:r>
-              <a:rPr lang="en-US" b="0" i="0" dirty="0">
-                <a:solidFill>
-                  <a:schemeClr val="tx1">
-                    <a:lumMod val="85000"/>
-                  </a:schemeClr>
-                </a:solidFill>
-                <a:effectLst/>
+              <a:rPr lang="en-US" sz="1200" dirty="0">
+                <a:solidFill>
+                  <a:schemeClr val="tx1">
+                    <a:lumMod val="85000"/>
+                  </a:schemeClr>
+                </a:solidFill>
+                <a:latin typeface="Open Sans" panose="020B0606030504020204" pitchFamily="34" charset="0"/>
+              </a:rPr>
+              <a:t>	   // Execute some code here</a:t>
+            </a:r>
+          </a:p>
+          <a:p>
+            <a:pPr algn="l"/>
+            <a:r>
+              <a:rPr lang="en-US" sz="1200" b="0" i="0" dirty="0">
+                <a:solidFill>
+                  <a:schemeClr val="tx1">
+                    <a:lumMod val="85000"/>
+                  </a:schemeClr>
+                </a:solidFill>
+                <a:effectLst/>
+                <a:latin typeface="Open Sans" panose="020B0606030504020204" pitchFamily="34" charset="0"/>
+              </a:rPr>
+              <a:t>	} catch (</a:t>
+            </a:r>
+            <a:r>
+              <a:rPr lang="en-US" sz="1200" b="0" i="0" dirty="0" err="1">
+                <a:solidFill>
+                  <a:schemeClr val="tx1">
+                    <a:lumMod val="85000"/>
+                  </a:schemeClr>
+                </a:solidFill>
+                <a:effectLst/>
+                <a:latin typeface="Open Sans" panose="020B0606030504020204" pitchFamily="34" charset="0"/>
+              </a:rPr>
+              <a:t>ExceptionType</a:t>
+            </a:r>
+            <a:r>
+              <a:rPr lang="en-US" sz="1200" b="0" i="0" dirty="0">
+                <a:solidFill>
+                  <a:schemeClr val="tx1">
+                    <a:lumMod val="85000"/>
+                  </a:schemeClr>
+                </a:solidFill>
+                <a:effectLst/>
+                <a:latin typeface="Open Sans" panose="020B0606030504020204" pitchFamily="34" charset="0"/>
+              </a:rPr>
+              <a:t> name) {</a:t>
+            </a:r>
+          </a:p>
+          <a:p>
+            <a:pPr algn="l"/>
+            <a:r>
+              <a:rPr lang="en-US" sz="1200" dirty="0">
+                <a:solidFill>
+                  <a:schemeClr val="tx1">
+                    <a:lumMod val="85000"/>
+                  </a:schemeClr>
+                </a:solidFill>
                 <a:latin typeface="Open Sans" panose="020B0606030504020204" pitchFamily="34" charset="0"/>
               </a:rPr>
               <a:t>	</a:t>
             </a:r>
-            <a:r>
-              <a:rPr lang="en-US" b="0" i="0" dirty="0" err="1">
-                <a:solidFill>
-                  <a:schemeClr val="tx1">
-                    <a:lumMod val="85000"/>
-                  </a:schemeClr>
-                </a:solidFill>
-                <a:effectLst/>
-                <a:latin typeface="Open Sans" panose="020B0606030504020204" pitchFamily="34" charset="0"/>
-              </a:rPr>
-              <a:t>FileReader</a:t>
-            </a:r>
-            <a:r>
-              <a:rPr lang="en-US" b="0" i="0" dirty="0">
-                <a:solidFill>
-                  <a:schemeClr val="tx1">
-                    <a:lumMod val="85000"/>
-                  </a:schemeClr>
-                </a:solidFill>
-                <a:effectLst/>
-                <a:latin typeface="Open Sans" panose="020B0606030504020204" pitchFamily="34" charset="0"/>
-              </a:rPr>
-              <a:t> </a:t>
-            </a:r>
-            <a:r>
-              <a:rPr lang="en-US" b="0" i="0" dirty="0" err="1">
-                <a:solidFill>
-                  <a:schemeClr val="tx1">
-                    <a:lumMod val="85000"/>
-                  </a:schemeClr>
-                </a:solidFill>
-                <a:effectLst/>
-                <a:latin typeface="Open Sans" panose="020B0606030504020204" pitchFamily="34" charset="0"/>
-              </a:rPr>
-              <a:t>fr</a:t>
-            </a:r>
-            <a:r>
-              <a:rPr lang="en-US" b="0" i="0" dirty="0">
-                <a:solidFill>
-                  <a:schemeClr val="tx1">
-                    <a:lumMod val="85000"/>
-                  </a:schemeClr>
-                </a:solidFill>
-                <a:effectLst/>
-                <a:latin typeface="Open Sans" panose="020B0606030504020204" pitchFamily="34" charset="0"/>
-              </a:rPr>
-              <a:t> = new </a:t>
-            </a:r>
-            <a:r>
-              <a:rPr lang="en-US" b="0" i="0" dirty="0" err="1">
-                <a:solidFill>
-                  <a:schemeClr val="tx1">
-                    <a:lumMod val="85000"/>
-                  </a:schemeClr>
-                </a:solidFill>
-                <a:effectLst/>
-                <a:latin typeface="Open Sans" panose="020B0606030504020204" pitchFamily="34" charset="0"/>
-              </a:rPr>
-              <a:t>FileReader</a:t>
-            </a:r>
-            <a:r>
-              <a:rPr lang="en-US" b="0" i="0" dirty="0">
-                <a:solidFill>
-                  <a:schemeClr val="tx1">
-                    <a:lumMod val="85000"/>
-                  </a:schemeClr>
-                </a:solidFill>
-                <a:effectLst/>
-                <a:latin typeface="Open Sans" panose="020B0606030504020204" pitchFamily="34" charset="0"/>
-              </a:rPr>
-              <a:t>(path);</a:t>
-            </a:r>
           </a:p>
           <a:p>
             <a:pPr algn="l"/>
             <a:r>
-              <a:rPr lang="en-US" dirty="0">
+              <a:rPr lang="en-US" sz="1200" b="0" i="0" dirty="0">
+                <a:solidFill>
+                  <a:schemeClr val="tx1">
+                    <a:lumMod val="85000"/>
+                  </a:schemeClr>
+                </a:solidFill>
+                <a:effectLst/>
+                <a:latin typeface="Open Sans" panose="020B0606030504020204" pitchFamily="34" charset="0"/>
+              </a:rPr>
+              <a:t>	} catch (</a:t>
+            </a:r>
+            <a:r>
+              <a:rPr lang="en-US" sz="1200" b="0" i="0" dirty="0" err="1">
+                <a:solidFill>
+                  <a:schemeClr val="tx1">
+                    <a:lumMod val="85000"/>
+                  </a:schemeClr>
+                </a:solidFill>
+                <a:effectLst/>
+                <a:latin typeface="Open Sans" panose="020B0606030504020204" pitchFamily="34" charset="0"/>
+              </a:rPr>
+              <a:t>ExceptionType</a:t>
+            </a:r>
+            <a:r>
+              <a:rPr lang="en-US" sz="1200" b="0" i="0" dirty="0">
+                <a:solidFill>
+                  <a:schemeClr val="tx1">
+                    <a:lumMod val="85000"/>
+                  </a:schemeClr>
+                </a:solidFill>
+                <a:effectLst/>
+                <a:latin typeface="Open Sans" panose="020B0606030504020204" pitchFamily="34" charset="0"/>
+              </a:rPr>
+              <a:t> name) {</a:t>
+            </a:r>
+          </a:p>
+          <a:p>
+            <a:pPr algn="l"/>
+            <a:r>
+              <a:rPr lang="en-US" sz="1200" dirty="0">
                 <a:solidFill>
                   <a:schemeClr val="tx1">
                     <a:lumMod val="85000"/>
@@ -8660,328 +8163,54 @@
               </a:rPr>
               <a:t>	</a:t>
             </a:r>
-            <a:r>
-              <a:rPr lang="en-US" b="0" i="0" dirty="0" err="1">
-                <a:solidFill>
-                  <a:schemeClr val="tx1">
-                    <a:lumMod val="85000"/>
-                  </a:schemeClr>
-                </a:solidFill>
-                <a:effectLst/>
-                <a:latin typeface="Open Sans" panose="020B0606030504020204" pitchFamily="34" charset="0"/>
-              </a:rPr>
-              <a:t>BufferedReader</a:t>
-            </a:r>
-            <a:r>
-              <a:rPr lang="en-US" b="0" i="0" dirty="0">
-                <a:solidFill>
-                  <a:schemeClr val="tx1">
-                    <a:lumMod val="85000"/>
-                  </a:schemeClr>
-                </a:solidFill>
-                <a:effectLst/>
-                <a:latin typeface="Open Sans" panose="020B0606030504020204" pitchFamily="34" charset="0"/>
-              </a:rPr>
-              <a:t> </a:t>
-            </a:r>
-            <a:r>
-              <a:rPr lang="en-US" b="0" i="0" dirty="0" err="1">
-                <a:solidFill>
-                  <a:schemeClr val="tx1">
-                    <a:lumMod val="85000"/>
-                  </a:schemeClr>
-                </a:solidFill>
-                <a:effectLst/>
-                <a:latin typeface="Open Sans" panose="020B0606030504020204" pitchFamily="34" charset="0"/>
-              </a:rPr>
-              <a:t>br</a:t>
-            </a:r>
-            <a:r>
-              <a:rPr lang="en-US" b="0" i="0" dirty="0">
-                <a:solidFill>
-                  <a:schemeClr val="tx1">
-                    <a:lumMod val="85000"/>
-                  </a:schemeClr>
-                </a:solidFill>
-                <a:effectLst/>
-                <a:latin typeface="Open Sans" panose="020B0606030504020204" pitchFamily="34" charset="0"/>
-              </a:rPr>
-              <a:t> = new </a:t>
-            </a:r>
-            <a:r>
-              <a:rPr lang="en-US" b="0" i="0" dirty="0" err="1">
-                <a:solidFill>
-                  <a:schemeClr val="tx1">
-                    <a:lumMod val="85000"/>
-                  </a:schemeClr>
-                </a:solidFill>
-                <a:effectLst/>
-                <a:latin typeface="Open Sans" panose="020B0606030504020204" pitchFamily="34" charset="0"/>
-              </a:rPr>
-              <a:t>BufferedReader</a:t>
-            </a:r>
-            <a:r>
-              <a:rPr lang="en-US" b="0" i="0" dirty="0">
-                <a:solidFill>
-                  <a:schemeClr val="tx1">
-                    <a:lumMod val="85000"/>
-                  </a:schemeClr>
-                </a:solidFill>
-                <a:effectLst/>
-                <a:latin typeface="Open Sans" panose="020B0606030504020204" pitchFamily="34" charset="0"/>
-              </a:rPr>
-              <a:t>(</a:t>
-            </a:r>
-            <a:r>
-              <a:rPr lang="en-US" b="0" i="0" dirty="0" err="1">
-                <a:solidFill>
-                  <a:schemeClr val="tx1">
-                    <a:lumMod val="85000"/>
-                  </a:schemeClr>
-                </a:solidFill>
-                <a:effectLst/>
-                <a:latin typeface="Open Sans" panose="020B0606030504020204" pitchFamily="34" charset="0"/>
-              </a:rPr>
-              <a:t>fr</a:t>
-            </a:r>
-            <a:r>
-              <a:rPr lang="en-US" b="0" i="0" dirty="0">
-                <a:solidFill>
-                  <a:schemeClr val="tx1">
-                    <a:lumMod val="85000"/>
-                  </a:schemeClr>
-                </a:solidFill>
-                <a:effectLst/>
-                <a:latin typeface="Open Sans" panose="020B0606030504020204" pitchFamily="34" charset="0"/>
-              </a:rPr>
-              <a:t>);</a:t>
-            </a:r>
           </a:p>
           <a:p>
             <a:pPr algn="l"/>
             <a:r>
-              <a:rPr lang="en-US" dirty="0">
-                <a:solidFill>
-                  <a:schemeClr val="tx1">
-                    <a:lumMod val="85000"/>
-                  </a:schemeClr>
-                </a:solidFill>
-                <a:latin typeface="Open Sans" panose="020B0606030504020204" pitchFamily="34" charset="0"/>
-              </a:rPr>
-              <a:t>	</a:t>
-            </a:r>
-            <a:r>
-              <a:rPr lang="en-US" b="0" i="0" dirty="0">
-                <a:solidFill>
-                  <a:schemeClr val="tx1">
-                    <a:lumMod val="85000"/>
-                  </a:schemeClr>
-                </a:solidFill>
-                <a:effectLst/>
-                <a:latin typeface="Open Sans" panose="020B0606030504020204" pitchFamily="34" charset="0"/>
-              </a:rPr>
-              <a:t>try {</a:t>
+              <a:rPr lang="en-US" sz="1200" b="0" i="0" dirty="0">
+                <a:solidFill>
+                  <a:schemeClr val="tx1">
+                    <a:lumMod val="85000"/>
+                  </a:schemeClr>
+                </a:solidFill>
+                <a:effectLst/>
+                <a:latin typeface="Open Sans" panose="020B0606030504020204" pitchFamily="34" charset="0"/>
+              </a:rPr>
+              <a:t>	} finally {</a:t>
             </a:r>
           </a:p>
           <a:p>
             <a:pPr algn="l"/>
             <a:r>
-              <a:rPr lang="en-US" dirty="0">
-                <a:solidFill>
-                  <a:schemeClr val="tx1">
-                    <a:lumMod val="85000"/>
-                  </a:schemeClr>
-                </a:solidFill>
-                <a:latin typeface="Open Sans" panose="020B0606030504020204" pitchFamily="34" charset="0"/>
-              </a:rPr>
-              <a:t>	   </a:t>
-            </a:r>
-            <a:r>
-              <a:rPr lang="en-US" b="0" i="0" dirty="0">
-                <a:solidFill>
-                  <a:schemeClr val="tx1">
-                    <a:lumMod val="85000"/>
-                  </a:schemeClr>
-                </a:solidFill>
-                <a:effectLst/>
-                <a:latin typeface="Open Sans" panose="020B0606030504020204" pitchFamily="34" charset="0"/>
-              </a:rPr>
-              <a:t>return </a:t>
-            </a:r>
-            <a:r>
-              <a:rPr lang="en-US" b="0" i="0" dirty="0" err="1">
-                <a:solidFill>
-                  <a:schemeClr val="tx1">
-                    <a:lumMod val="85000"/>
-                  </a:schemeClr>
-                </a:solidFill>
-                <a:effectLst/>
-                <a:latin typeface="Open Sans" panose="020B0606030504020204" pitchFamily="34" charset="0"/>
-              </a:rPr>
-              <a:t>br.readLine</a:t>
-            </a:r>
-            <a:r>
-              <a:rPr lang="en-US" b="0" i="0" dirty="0">
-                <a:solidFill>
-                  <a:schemeClr val="tx1">
-                    <a:lumMod val="85000"/>
-                  </a:schemeClr>
-                </a:solidFill>
-                <a:effectLst/>
-                <a:latin typeface="Open Sans" panose="020B0606030504020204" pitchFamily="34" charset="0"/>
-              </a:rPr>
-              <a:t>();</a:t>
+              <a:rPr lang="en-US" sz="1200" dirty="0">
+                <a:solidFill>
+                  <a:schemeClr val="tx1">
+                    <a:lumMod val="85000"/>
+                  </a:schemeClr>
+                </a:solidFill>
+                <a:latin typeface="Open Sans" panose="020B0606030504020204" pitchFamily="34" charset="0"/>
+              </a:rPr>
+              <a:t>	   // Code that always runs when the try block runs even when an Exception occurs</a:t>
             </a:r>
           </a:p>
           <a:p>
             <a:pPr algn="l"/>
             <a:r>
-              <a:rPr lang="en-US" dirty="0">
-                <a:solidFill>
-                  <a:schemeClr val="tx1">
-                    <a:lumMod val="85000"/>
-                  </a:schemeClr>
-                </a:solidFill>
-                <a:latin typeface="Open Sans" panose="020B0606030504020204" pitchFamily="34" charset="0"/>
-              </a:rPr>
-              <a:t>	</a:t>
-            </a:r>
-            <a:r>
-              <a:rPr lang="en-US" b="0" i="0" dirty="0">
-                <a:solidFill>
-                  <a:schemeClr val="tx1">
-                    <a:lumMod val="85000"/>
-                  </a:schemeClr>
-                </a:solidFill>
-                <a:effectLst/>
-                <a:latin typeface="Open Sans" panose="020B0606030504020204" pitchFamily="34" charset="0"/>
-              </a:rPr>
-              <a:t>} finally {</a:t>
+              <a:rPr lang="en-US" sz="1200" b="0" i="0" dirty="0">
+                <a:solidFill>
+                  <a:schemeClr val="tx1">
+                    <a:lumMod val="85000"/>
+                  </a:schemeClr>
+                </a:solidFill>
+                <a:effectLst/>
+                <a:latin typeface="Open Sans" panose="020B0606030504020204" pitchFamily="34" charset="0"/>
+              </a:rPr>
+              <a:t>	}</a:t>
             </a:r>
           </a:p>
           <a:p>
             <a:pPr algn="l"/>
-            <a:r>
-              <a:rPr lang="en-US" dirty="0">
-                <a:solidFill>
-                  <a:schemeClr val="tx1">
-                    <a:lumMod val="85000"/>
-                  </a:schemeClr>
-                </a:solidFill>
-                <a:latin typeface="Open Sans" panose="020B0606030504020204" pitchFamily="34" charset="0"/>
-              </a:rPr>
-              <a:t>	   </a:t>
-            </a:r>
-            <a:r>
-              <a:rPr lang="en-US" b="0" i="0" dirty="0" err="1">
-                <a:solidFill>
-                  <a:schemeClr val="tx1">
-                    <a:lumMod val="85000"/>
-                  </a:schemeClr>
-                </a:solidFill>
-                <a:effectLst/>
-                <a:latin typeface="Open Sans" panose="020B0606030504020204" pitchFamily="34" charset="0"/>
-              </a:rPr>
-              <a:t>br.close</a:t>
-            </a:r>
-            <a:r>
-              <a:rPr lang="en-US" b="0" i="0" dirty="0">
-                <a:solidFill>
-                  <a:schemeClr val="tx1">
-                    <a:lumMod val="85000"/>
-                  </a:schemeClr>
-                </a:solidFill>
-                <a:effectLst/>
-                <a:latin typeface="Open Sans" panose="020B0606030504020204" pitchFamily="34" charset="0"/>
-              </a:rPr>
-              <a:t>();</a:t>
-            </a:r>
-          </a:p>
-          <a:p>
-            <a:pPr algn="l"/>
-            <a:r>
-              <a:rPr lang="en-US" dirty="0">
-                <a:solidFill>
-                  <a:schemeClr val="tx1">
-                    <a:lumMod val="85000"/>
-                  </a:schemeClr>
-                </a:solidFill>
-                <a:latin typeface="Open Sans" panose="020B0606030504020204" pitchFamily="34" charset="0"/>
-              </a:rPr>
-              <a:t>	   </a:t>
-            </a:r>
-            <a:r>
-              <a:rPr lang="en-US" b="0" i="0" dirty="0" err="1">
-                <a:solidFill>
-                  <a:schemeClr val="tx1">
-                    <a:lumMod val="85000"/>
-                  </a:schemeClr>
-                </a:solidFill>
-                <a:effectLst/>
-                <a:latin typeface="Open Sans" panose="020B0606030504020204" pitchFamily="34" charset="0"/>
-              </a:rPr>
-              <a:t>fr.close</a:t>
-            </a:r>
-            <a:r>
-              <a:rPr lang="en-US" b="0" i="0" dirty="0">
-                <a:solidFill>
-                  <a:schemeClr val="tx1">
-                    <a:lumMod val="85000"/>
-                  </a:schemeClr>
-                </a:solidFill>
-                <a:effectLst/>
-                <a:latin typeface="Open Sans" panose="020B0606030504020204" pitchFamily="34" charset="0"/>
-              </a:rPr>
-              <a:t>();</a:t>
-            </a:r>
-          </a:p>
-          <a:p>
-            <a:pPr algn="l"/>
-            <a:r>
-              <a:rPr lang="en-US" dirty="0">
-                <a:solidFill>
-                  <a:schemeClr val="tx1">
-                    <a:lumMod val="85000"/>
-                  </a:schemeClr>
-                </a:solidFill>
-                <a:latin typeface="Open Sans" panose="020B0606030504020204" pitchFamily="34" charset="0"/>
-              </a:rPr>
-              <a:t>	</a:t>
-            </a:r>
-            <a:r>
-              <a:rPr lang="en-US" b="0" i="0" dirty="0">
-                <a:solidFill>
-                  <a:schemeClr val="tx1">
-                    <a:lumMod val="85000"/>
-                  </a:schemeClr>
-                </a:solidFill>
-                <a:effectLst/>
-                <a:latin typeface="Open Sans" panose="020B0606030504020204" pitchFamily="34" charset="0"/>
-              </a:rPr>
-              <a:t>}</a:t>
-            </a:r>
-          </a:p>
-          <a:p>
-            <a:pPr algn="l"/>
-            <a:r>
-              <a:rPr lang="en-US" b="0" i="0" dirty="0">
-                <a:solidFill>
-                  <a:schemeClr val="tx1">
-                    <a:lumMod val="85000"/>
-                  </a:schemeClr>
-                </a:solidFill>
-                <a:effectLst/>
-                <a:latin typeface="Open Sans" panose="020B0606030504020204" pitchFamily="34" charset="0"/>
-              </a:rPr>
-              <a:t>   }</a:t>
-            </a:r>
-          </a:p>
-          <a:p>
-            <a:pPr marL="285750" indent="-285750" algn="l">
-              <a:buFont typeface="Arial" panose="020B0604020202020204" pitchFamily="34" charset="0"/>
-              <a:buChar char="•"/>
-            </a:pPr>
-            <a:endParaRPr lang="en-US" b="0" i="0" dirty="0">
+            <a:endParaRPr lang="en-US" sz="1200" b="0" i="0" dirty="0">
               <a:solidFill>
                 <a:schemeClr val="tx1">
                   <a:lumMod val="85000"/>
@@ -8996,7 +8225,67 @@
               <a:buFont typeface="Arial" panose="020B0604020202020204" pitchFamily="34" charset="0"/>
               <a:buChar char="•"/>
             </a:pPr>
-            <a:endParaRPr lang="en-US" b="0" i="0" dirty="0">
+            <a:r>
+              <a:rPr lang="en-US" sz="1600" b="0" i="0" dirty="0">
+                <a:solidFill>
+                  <a:srgbClr val="00B0F0"/>
+                </a:solidFill>
+                <a:effectLst/>
+                <a:latin typeface="Open Sans" panose="020B0606030504020204" pitchFamily="34" charset="0"/>
+              </a:rPr>
+              <a:t>Each catch block is an exception handler </a:t>
+            </a:r>
+            <a:r>
+              <a:rPr lang="en-US" sz="1600" b="0" i="0" dirty="0">
+                <a:solidFill>
+                  <a:schemeClr val="tx1">
+                    <a:lumMod val="85000"/>
+                  </a:schemeClr>
+                </a:solidFill>
+                <a:effectLst/>
+                <a:latin typeface="Open Sans" panose="020B0606030504020204" pitchFamily="34" charset="0"/>
+              </a:rPr>
+              <a:t>that handles the type of exception indicated by its argument. </a:t>
+            </a:r>
+            <a:r>
+              <a:rPr lang="en-US" sz="1600" b="0" i="0" dirty="0">
+                <a:solidFill>
+                  <a:srgbClr val="00B0F0"/>
+                </a:solidFill>
+                <a:effectLst/>
+                <a:latin typeface="Open Sans" panose="020B0606030504020204" pitchFamily="34" charset="0"/>
+              </a:rPr>
+              <a:t>The argument type, </a:t>
+            </a:r>
+            <a:r>
+              <a:rPr lang="en-US" sz="1600" b="0" i="0" dirty="0" err="1">
+                <a:solidFill>
+                  <a:srgbClr val="00B0F0"/>
+                </a:solidFill>
+                <a:effectLst/>
+                <a:latin typeface="Open Sans" panose="020B0606030504020204" pitchFamily="34" charset="0"/>
+              </a:rPr>
+              <a:t>ExceptionType</a:t>
+            </a:r>
+            <a:r>
+              <a:rPr lang="en-US" sz="1600" b="0" i="0" dirty="0">
+                <a:solidFill>
+                  <a:schemeClr val="tx1">
+                    <a:lumMod val="85000"/>
+                  </a:schemeClr>
+                </a:solidFill>
+                <a:effectLst/>
+                <a:latin typeface="Open Sans" panose="020B0606030504020204" pitchFamily="34" charset="0"/>
+              </a:rPr>
+              <a:t>, declares the type of exception that the handler can handle and must be the name of a class that inherits from the Throwable class. The handler can refer to the exception with name.</a:t>
+            </a:r>
+          </a:p>
+          <a:p>
+            <a:pPr marL="285750" indent="-285750" algn="l">
+              <a:buFont typeface="Arial" panose="020B0604020202020204" pitchFamily="34" charset="0"/>
+              <a:buChar char="•"/>
+            </a:pPr>
+            <a:endParaRPr lang="en-US" sz="1600" b="0" i="0" dirty="0">
               <a:solidFill>
                 <a:schemeClr val="tx1">
                   <a:lumMod val="85000"/>
@@ -9006,12 +8295,467 @@
               <a:latin typeface="Open Sans" panose="020B0606030504020204" pitchFamily="34" charset="0"/>
             </a:endParaRPr>
           </a:p>
+          <a:p>
+            <a:pPr marL="285750" indent="-285750" algn="l">
+              <a:buFont typeface="Arial" panose="020B0604020202020204" pitchFamily="34" charset="0"/>
+              <a:buChar char="•"/>
+            </a:pPr>
+            <a:r>
+              <a:rPr lang="en-US" sz="1600" b="0" i="0" dirty="0">
+                <a:solidFill>
+                  <a:schemeClr val="tx1">
+                    <a:lumMod val="85000"/>
+                  </a:schemeClr>
+                </a:solidFill>
+                <a:effectLst/>
+                <a:latin typeface="Open Sans" panose="020B0606030504020204" pitchFamily="34" charset="0"/>
+              </a:rPr>
+              <a:t>The catch block </a:t>
+            </a:r>
+            <a:r>
+              <a:rPr lang="en-US" sz="1600" b="0" i="0" dirty="0">
+                <a:solidFill>
+                  <a:srgbClr val="00B0F0"/>
+                </a:solidFill>
+                <a:effectLst/>
+                <a:latin typeface="Open Sans" panose="020B0606030504020204" pitchFamily="34" charset="0"/>
+              </a:rPr>
+              <a:t>contains code that is executed if and when the exception handler is invoked</a:t>
+            </a:r>
+            <a:r>
+              <a:rPr lang="en-US" sz="1600" b="0" i="0" dirty="0">
+                <a:solidFill>
+                  <a:schemeClr val="tx1">
+                    <a:lumMod val="85000"/>
+                  </a:schemeClr>
+                </a:solidFill>
+                <a:effectLst/>
+                <a:latin typeface="Open Sans" panose="020B0606030504020204" pitchFamily="34" charset="0"/>
+              </a:rPr>
+              <a:t>. The runtime system invokes the exception handler when the handler is the first one in the call stack whose </a:t>
+            </a:r>
+            <a:r>
+              <a:rPr lang="en-US" sz="1600" b="0" i="0" dirty="0" err="1">
+                <a:solidFill>
+                  <a:schemeClr val="tx1">
+                    <a:lumMod val="85000"/>
+                  </a:schemeClr>
+                </a:solidFill>
+                <a:effectLst/>
+                <a:latin typeface="Open Sans" panose="020B0606030504020204" pitchFamily="34" charset="0"/>
+              </a:rPr>
+              <a:t>ExceptionType</a:t>
+            </a:r>
+            <a:r>
+              <a:rPr lang="en-US" sz="1600" b="0" i="0" dirty="0">
+                <a:solidFill>
+                  <a:schemeClr val="tx1">
+                    <a:lumMod val="85000"/>
+                  </a:schemeClr>
+                </a:solidFill>
+                <a:effectLst/>
+                <a:latin typeface="Open Sans" panose="020B0606030504020204" pitchFamily="34" charset="0"/>
+              </a:rPr>
+              <a:t> matches the type of the exception thrown. The system considers it a match if the thrown object can legally be assigned to the exception handler's argument.</a:t>
+            </a:r>
+          </a:p>
+          <a:p>
+            <a:pPr marL="285750" indent="-285750" algn="l">
+              <a:buFont typeface="Arial" panose="020B0604020202020204" pitchFamily="34" charset="0"/>
+              <a:buChar char="•"/>
+            </a:pPr>
+            <a:endParaRPr lang="en-US" sz="1600" b="0" i="0" dirty="0">
+              <a:solidFill>
+                <a:schemeClr val="tx1">
+                  <a:lumMod val="85000"/>
+                </a:schemeClr>
+              </a:solidFill>
+              <a:effectLst/>
+              <a:latin typeface="Open Sans" panose="020B0606030504020204" pitchFamily="34" charset="0"/>
+            </a:endParaRPr>
+          </a:p>
+          <a:p>
+            <a:pPr marL="285750" indent="-285750" algn="l">
+              <a:buFont typeface="Arial" panose="020B0604020202020204" pitchFamily="34" charset="0"/>
+              <a:buChar char="•"/>
+            </a:pPr>
+            <a:r>
+              <a:rPr lang="en-US" sz="1600" b="0" i="0" dirty="0">
+                <a:solidFill>
+                  <a:schemeClr val="tx1">
+                    <a:lumMod val="85000"/>
+                  </a:schemeClr>
+                </a:solidFill>
+                <a:effectLst/>
+                <a:latin typeface="Open Sans" panose="020B0606030504020204" pitchFamily="34" charset="0"/>
+              </a:rPr>
+              <a:t>The following are two exception handlers for the </a:t>
+            </a:r>
+            <a:r>
+              <a:rPr lang="en-US" sz="1600" b="0" i="0" dirty="0" err="1">
+                <a:solidFill>
+                  <a:schemeClr val="tx1">
+                    <a:lumMod val="85000"/>
+                  </a:schemeClr>
+                </a:solidFill>
+                <a:effectLst/>
+                <a:latin typeface="Open Sans" panose="020B0606030504020204" pitchFamily="34" charset="0"/>
+              </a:rPr>
+              <a:t>writeList</a:t>
+            </a:r>
+            <a:r>
+              <a:rPr lang="en-US" sz="1600" b="0" i="0" dirty="0">
+                <a:solidFill>
+                  <a:schemeClr val="tx1">
+                    <a:lumMod val="85000"/>
+                  </a:schemeClr>
+                </a:solidFill>
+                <a:effectLst/>
+                <a:latin typeface="Open Sans" panose="020B0606030504020204" pitchFamily="34" charset="0"/>
+              </a:rPr>
+              <a:t> method:</a:t>
+            </a:r>
+          </a:p>
+          <a:p>
+            <a:pPr algn="l"/>
+            <a:r>
+              <a:rPr lang="en-US" sz="1100" b="0" i="0" dirty="0">
+                <a:solidFill>
+                  <a:schemeClr val="tx1">
+                    <a:lumMod val="85000"/>
+                  </a:schemeClr>
+                </a:solidFill>
+                <a:effectLst/>
+                <a:latin typeface="Open Sans" panose="020B0606030504020204" pitchFamily="34" charset="0"/>
+              </a:rPr>
+              <a:t>	try {</a:t>
+            </a:r>
+          </a:p>
+          <a:p>
+            <a:pPr lvl="2"/>
+            <a:r>
+              <a:rPr lang="en-US" sz="1100" b="0" i="0" dirty="0">
+                <a:solidFill>
+                  <a:schemeClr val="tx1">
+                    <a:lumMod val="85000"/>
+                  </a:schemeClr>
+                </a:solidFill>
+                <a:effectLst/>
+                <a:latin typeface="Open Sans" panose="020B0606030504020204" pitchFamily="34" charset="0"/>
+              </a:rPr>
+              <a:t>   // Do something</a:t>
+            </a:r>
+          </a:p>
+          <a:p>
+            <a:pPr lvl="2"/>
+            <a:r>
+              <a:rPr lang="en-US" sz="1100" b="0" i="0" dirty="0">
+                <a:solidFill>
+                  <a:schemeClr val="tx1">
+                    <a:lumMod val="85000"/>
+                  </a:schemeClr>
+                </a:solidFill>
+                <a:effectLst/>
+                <a:latin typeface="Open Sans" panose="020B0606030504020204" pitchFamily="34" charset="0"/>
+              </a:rPr>
+              <a:t>} catch (</a:t>
+            </a:r>
+            <a:r>
+              <a:rPr lang="en-US" sz="1100" b="0" i="0" dirty="0" err="1">
+                <a:solidFill>
+                  <a:schemeClr val="tx1">
+                    <a:lumMod val="85000"/>
+                  </a:schemeClr>
+                </a:solidFill>
+                <a:effectLst/>
+                <a:latin typeface="Open Sans" panose="020B0606030504020204" pitchFamily="34" charset="0"/>
+              </a:rPr>
+              <a:t>IndexOutOfBoundsException</a:t>
+            </a:r>
+            <a:r>
+              <a:rPr lang="en-US" sz="1100" b="0" i="0" dirty="0">
+                <a:solidFill>
+                  <a:schemeClr val="tx1">
+                    <a:lumMod val="85000"/>
+                  </a:schemeClr>
+                </a:solidFill>
+                <a:effectLst/>
+                <a:latin typeface="Open Sans" panose="020B0606030504020204" pitchFamily="34" charset="0"/>
+              </a:rPr>
+              <a:t> e) {</a:t>
+            </a:r>
+          </a:p>
+          <a:p>
+            <a:pPr lvl="2"/>
+            <a:r>
+              <a:rPr lang="en-US" sz="1100" b="0" i="0" dirty="0">
+                <a:solidFill>
+                  <a:schemeClr val="tx1">
+                    <a:lumMod val="85000"/>
+                  </a:schemeClr>
+                </a:solidFill>
+                <a:effectLst/>
+                <a:latin typeface="Open Sans" panose="020B0606030504020204" pitchFamily="34" charset="0"/>
+              </a:rPr>
+              <a:t>   </a:t>
+            </a:r>
+            <a:r>
+              <a:rPr lang="en-US" sz="1100" b="0" i="0" dirty="0" err="1">
+                <a:solidFill>
+                  <a:schemeClr val="tx1">
+                    <a:lumMod val="85000"/>
+                  </a:schemeClr>
+                </a:solidFill>
+                <a:effectLst/>
+                <a:latin typeface="Open Sans" panose="020B0606030504020204" pitchFamily="34" charset="0"/>
+              </a:rPr>
+              <a:t>System.err.println</a:t>
+            </a:r>
+            <a:r>
+              <a:rPr lang="en-US" sz="1100" b="0" i="0" dirty="0">
+                <a:solidFill>
+                  <a:schemeClr val="tx1">
+                    <a:lumMod val="85000"/>
+                  </a:schemeClr>
+                </a:solidFill>
+                <a:effectLst/>
+                <a:latin typeface="Open Sans" panose="020B0606030504020204" pitchFamily="34" charset="0"/>
+              </a:rPr>
+              <a:t>("</a:t>
+            </a:r>
+            <a:r>
+              <a:rPr lang="en-US" sz="1100" b="0" i="0" dirty="0" err="1">
+                <a:solidFill>
+                  <a:schemeClr val="tx1">
+                    <a:lumMod val="85000"/>
+                  </a:schemeClr>
+                </a:solidFill>
+                <a:effectLst/>
+                <a:latin typeface="Open Sans" panose="020B0606030504020204" pitchFamily="34" charset="0"/>
+              </a:rPr>
+              <a:t>IndexOutOfBoundsException</a:t>
+            </a:r>
+            <a:r>
+              <a:rPr lang="en-US" sz="1100" b="0" i="0" dirty="0">
+                <a:solidFill>
+                  <a:schemeClr val="tx1">
+                    <a:lumMod val="85000"/>
+                  </a:schemeClr>
+                </a:solidFill>
+                <a:effectLst/>
+                <a:latin typeface="Open Sans" panose="020B0606030504020204" pitchFamily="34" charset="0"/>
+              </a:rPr>
+              <a:t>: " + </a:t>
+            </a:r>
+            <a:r>
+              <a:rPr lang="en-US" sz="1100" b="0" i="0" dirty="0" err="1">
+                <a:solidFill>
+                  <a:schemeClr val="tx1">
+                    <a:lumMod val="85000"/>
+                  </a:schemeClr>
+                </a:solidFill>
+                <a:effectLst/>
+                <a:latin typeface="Open Sans" panose="020B0606030504020204" pitchFamily="34" charset="0"/>
+              </a:rPr>
+              <a:t>e.getMessage</a:t>
+            </a:r>
+            <a:r>
+              <a:rPr lang="en-US" sz="1100" b="0" i="0" dirty="0">
+                <a:solidFill>
+                  <a:schemeClr val="tx1">
+                    <a:lumMod val="85000"/>
+                  </a:schemeClr>
+                </a:solidFill>
+                <a:effectLst/>
+                <a:latin typeface="Open Sans" panose="020B0606030504020204" pitchFamily="34" charset="0"/>
+              </a:rPr>
+              <a:t>());</a:t>
+            </a:r>
+          </a:p>
+          <a:p>
+            <a:pPr lvl="2"/>
+            <a:r>
+              <a:rPr lang="en-US" sz="1100" b="0" i="0" dirty="0">
+                <a:solidFill>
+                  <a:schemeClr val="tx1">
+                    <a:lumMod val="85000"/>
+                  </a:schemeClr>
+                </a:solidFill>
+                <a:effectLst/>
+                <a:latin typeface="Open Sans" panose="020B0606030504020204" pitchFamily="34" charset="0"/>
+              </a:rPr>
+              <a:t>} catch (</a:t>
+            </a:r>
+            <a:r>
+              <a:rPr lang="en-US" sz="1100" b="0" i="0" dirty="0" err="1">
+                <a:solidFill>
+                  <a:schemeClr val="tx1">
+                    <a:lumMod val="85000"/>
+                  </a:schemeClr>
+                </a:solidFill>
+                <a:effectLst/>
+                <a:latin typeface="Open Sans" panose="020B0606030504020204" pitchFamily="34" charset="0"/>
+              </a:rPr>
+              <a:t>IOException</a:t>
+            </a:r>
+            <a:r>
+              <a:rPr lang="en-US" sz="1100" b="0" i="0" dirty="0">
+                <a:solidFill>
+                  <a:schemeClr val="tx1">
+                    <a:lumMod val="85000"/>
+                  </a:schemeClr>
+                </a:solidFill>
+                <a:effectLst/>
+                <a:latin typeface="Open Sans" panose="020B0606030504020204" pitchFamily="34" charset="0"/>
+              </a:rPr>
+              <a:t> e) </a:t>
+            </a:r>
+          </a:p>
+          <a:p>
+            <a:pPr lvl="2"/>
+            <a:r>
+              <a:rPr lang="en-US" sz="1100" dirty="0">
+                <a:solidFill>
+                  <a:schemeClr val="tx1">
+                    <a:lumMod val="85000"/>
+                  </a:schemeClr>
+                </a:solidFill>
+                <a:latin typeface="Open Sans" panose="020B0606030504020204" pitchFamily="34" charset="0"/>
+              </a:rPr>
+              <a:t>   </a:t>
+            </a:r>
+            <a:r>
+              <a:rPr lang="en-US" sz="1100" b="0" i="0" dirty="0" err="1">
+                <a:solidFill>
+                  <a:schemeClr val="tx1">
+                    <a:lumMod val="85000"/>
+                  </a:schemeClr>
+                </a:solidFill>
+                <a:effectLst/>
+                <a:latin typeface="Open Sans" panose="020B0606030504020204" pitchFamily="34" charset="0"/>
+              </a:rPr>
+              <a:t>System.err.println</a:t>
+            </a:r>
+            <a:r>
+              <a:rPr lang="en-US" sz="1100" b="0" i="0" dirty="0">
+                <a:solidFill>
+                  <a:schemeClr val="tx1">
+                    <a:lumMod val="85000"/>
+                  </a:schemeClr>
+                </a:solidFill>
+                <a:effectLst/>
+                <a:latin typeface="Open Sans" panose="020B0606030504020204" pitchFamily="34" charset="0"/>
+              </a:rPr>
+              <a:t>("Caught </a:t>
+            </a:r>
+            <a:r>
+              <a:rPr lang="en-US" sz="1100" b="0" i="0" dirty="0" err="1">
+                <a:solidFill>
+                  <a:schemeClr val="tx1">
+                    <a:lumMod val="85000"/>
+                  </a:schemeClr>
+                </a:solidFill>
+                <a:effectLst/>
+                <a:latin typeface="Open Sans" panose="020B0606030504020204" pitchFamily="34" charset="0"/>
+              </a:rPr>
+              <a:t>IOException</a:t>
+            </a:r>
+            <a:r>
+              <a:rPr lang="en-US" sz="1100" b="0" i="0" dirty="0">
+                <a:solidFill>
+                  <a:schemeClr val="tx1">
+                    <a:lumMod val="85000"/>
+                  </a:schemeClr>
+                </a:solidFill>
+                <a:effectLst/>
+                <a:latin typeface="Open Sans" panose="020B0606030504020204" pitchFamily="34" charset="0"/>
+              </a:rPr>
+              <a:t>: " + </a:t>
+            </a:r>
+            <a:r>
+              <a:rPr lang="en-US" sz="1100" b="0" i="0" dirty="0" err="1">
+                <a:solidFill>
+                  <a:schemeClr val="tx1">
+                    <a:lumMod val="85000"/>
+                  </a:schemeClr>
+                </a:solidFill>
+                <a:effectLst/>
+                <a:latin typeface="Open Sans" panose="020B0606030504020204" pitchFamily="34" charset="0"/>
+              </a:rPr>
+              <a:t>e.getMessage</a:t>
+            </a:r>
+            <a:r>
+              <a:rPr lang="en-US" sz="1100" b="0" i="0" dirty="0">
+                <a:solidFill>
+                  <a:schemeClr val="tx1">
+                    <a:lumMod val="85000"/>
+                  </a:schemeClr>
+                </a:solidFill>
+                <a:effectLst/>
+                <a:latin typeface="Open Sans" panose="020B0606030504020204" pitchFamily="34" charset="0"/>
+              </a:rPr>
+              <a:t>());</a:t>
+            </a:r>
+          </a:p>
+          <a:p>
+            <a:pPr lvl="2"/>
+            <a:r>
+              <a:rPr lang="en-US" sz="1100" b="0" i="0" dirty="0">
+                <a:solidFill>
+                  <a:schemeClr val="tx1">
+                    <a:lumMod val="85000"/>
+                  </a:schemeClr>
+                </a:solidFill>
+                <a:effectLst/>
+                <a:latin typeface="Open Sans" panose="020B0606030504020204" pitchFamily="34" charset="0"/>
+              </a:rPr>
+              <a:t>}</a:t>
+            </a:r>
+          </a:p>
+        </p:txBody>
+      </p:sp>
+      <p:sp>
+        <p:nvSpPr>
+          <p:cNvPr id="2" name="TextBox 1">
+            <a:extLst>
+              <a:ext uri="{FF2B5EF4-FFF2-40B4-BE49-F238E27FC236}">
+                <a16:creationId xmlns:a16="http://schemas.microsoft.com/office/drawing/2014/main" id="{05E39B88-6490-5C54-C767-A0E91A8F373F}"/>
+              </a:ext>
+            </a:extLst>
+          </p:cNvPr>
+          <p:cNvSpPr txBox="1"/>
+          <p:nvPr/>
+        </p:nvSpPr>
+        <p:spPr>
+          <a:xfrm>
+            <a:off x="5553511" y="6427531"/>
+            <a:ext cx="6842443" cy="338554"/>
+          </a:xfrm>
+          <a:prstGeom prst="rect">
+            <a:avLst/>
+          </a:prstGeom>
+          <a:noFill/>
+        </p:spPr>
+        <p:txBody>
+          <a:bodyPr wrap="square">
+            <a:spAutoFit/>
+          </a:bodyPr>
+          <a:lstStyle/>
+          <a:p>
+            <a:r>
+              <a:rPr lang="en-US" sz="1600" dirty="0">
+                <a:hlinkClick r:id="rId2"/>
+              </a:rPr>
+              <a:t>https://github.com/ckiefriter1/Java-Code-Examples/tree/main/src/exceptions</a:t>
+            </a:r>
+            <a:endParaRPr lang="en-US" sz="1600" dirty="0"/>
+          </a:p>
         </p:txBody>
       </p:sp>
     </p:spTree>
     <p:extLst>
       <p:ext uri="{BB962C8B-B14F-4D97-AF65-F5344CB8AC3E}">
-        <p14:creationId xmlns:p14="http://schemas.microsoft.com/office/powerpoint/2010/main" val="3976039359"/>
+        <p14:creationId xmlns:p14="http://schemas.microsoft.com/office/powerpoint/2010/main" val="12263916"/>
       </p:ext>
     </p:extLst>
   </p:cSld>
@@ -9040,10 +8784,10 @@
       </p:grpSpPr>
       <p:sp>
         <p:nvSpPr>
-          <p:cNvPr id="3" name="TextBox 2">
+          <p:cNvPr id="6" name="TextBox 5">
             <a:extLst>
               <a:ext uri="{FF2B5EF4-FFF2-40B4-BE49-F238E27FC236}">
-                <a16:creationId xmlns:a16="http://schemas.microsoft.com/office/drawing/2014/main" id="{23DFC7E9-54DD-38D7-0B9B-D34948D68CF9}"/>
+                <a16:creationId xmlns:a16="http://schemas.microsoft.com/office/drawing/2014/main" id="{59E906CD-110B-9D01-732C-2F21759B0265}"/>
               </a:ext>
             </a:extLst>
           </p:cNvPr>
@@ -9052,8 +8796,8 @@
         </p:nvSpPr>
         <p:spPr>
           <a:xfrm>
-            <a:off x="1065401" y="2618895"/>
-            <a:ext cx="9538284" cy="1015663"/>
+            <a:off x="193250" y="91915"/>
+            <a:ext cx="8256355" cy="461665"/>
           </a:xfrm>
           <a:prstGeom prst="rect">
             <a:avLst/>
@@ -9066,49 +8810,405 @@
           </a:bodyPr>
           <a:lstStyle/>
           <a:p>
-            <a:pPr marL="0" marR="0" lvl="0" indent="0" algn="l" defTabSz="914400" rtl="0" eaLnBrk="1" fontAlgn="auto" latinLnBrk="0" hangingPunct="1">
-              <a:lnSpc>
-                <a:spcPct val="100000"/>
-              </a:lnSpc>
-              <a:spcBef>
-                <a:spcPts val="0"/>
-              </a:spcBef>
-              <a:spcAft>
-                <a:spcPts val="0"/>
-              </a:spcAft>
-              <a:buClrTx/>
-              <a:buSzTx/>
-              <a:buFontTx/>
-              <a:buNone/>
-              <a:tabLst/>
-              <a:defRPr/>
+            <a:pPr algn="l"/>
+            <a:r>
+              <a:rPr lang="en-US" sz="2400" b="1" dirty="0">
+                <a:solidFill>
+                  <a:srgbClr val="00B050"/>
+                </a:solidFill>
+                <a:effectLst/>
+                <a:latin typeface="Open Sans" panose="020B0606030504020204" pitchFamily="34" charset="0"/>
+              </a:rPr>
+              <a:t>Catching Exceptions – try </a:t>
+            </a:r>
+            <a:r>
+              <a:rPr lang="en-US" sz="2400" b="1" dirty="0">
+                <a:solidFill>
+                  <a:srgbClr val="00B050"/>
+                </a:solidFill>
+                <a:effectLst/>
+                <a:latin typeface="Open Sans" panose="020B0606030504020204" pitchFamily="34" charset="0"/>
+                <a:sym typeface="Wingdings" panose="05000000000000000000" pitchFamily="2" charset="2"/>
+              </a:rPr>
+              <a:t> catch  finally blocks</a:t>
+            </a:r>
+            <a:endParaRPr lang="en-US" sz="2400" b="1" dirty="0">
+              <a:solidFill>
+                <a:srgbClr val="00B050"/>
+              </a:solidFill>
+              <a:effectLst/>
+              <a:latin typeface="Open Sans" panose="020B0606030504020204" pitchFamily="34" charset="0"/>
+            </a:endParaRPr>
+          </a:p>
+        </p:txBody>
+      </p:sp>
+      <p:sp>
+        <p:nvSpPr>
+          <p:cNvPr id="4" name="TextBox 3">
+            <a:extLst>
+              <a:ext uri="{FF2B5EF4-FFF2-40B4-BE49-F238E27FC236}">
+                <a16:creationId xmlns:a16="http://schemas.microsoft.com/office/drawing/2014/main" id="{C0B26727-0F97-5A73-B4ED-6BE65E07E5DB}"/>
+              </a:ext>
+            </a:extLst>
+          </p:cNvPr>
+          <p:cNvSpPr txBox="1"/>
+          <p:nvPr/>
+        </p:nvSpPr>
+        <p:spPr>
+          <a:xfrm>
+            <a:off x="176169" y="729420"/>
+            <a:ext cx="11931637" cy="4555093"/>
+          </a:xfrm>
+          <a:prstGeom prst="rect">
+            <a:avLst/>
+          </a:prstGeom>
+          <a:noFill/>
+        </p:spPr>
+        <p:txBody>
+          <a:bodyPr wrap="square">
+            <a:spAutoFit/>
+          </a:bodyPr>
+          <a:lstStyle/>
+          <a:p>
+            <a:pPr marL="285750" indent="-285750" algn="l">
+              <a:buFont typeface="Arial" panose="020B0604020202020204" pitchFamily="34" charset="0"/>
+              <a:buChar char="•"/>
             </a:pPr>
             <a:r>
-              <a:rPr kumimoji="0" lang="en-US" sz="6000" b="0" i="0" u="none" strike="noStrike" kern="1200" cap="none" spc="0" normalizeH="0" baseline="0" noProof="0" dirty="0">
-                <a:ln>
-                  <a:noFill/>
-                </a:ln>
-                <a:solidFill>
-                  <a:prstClr val="white">
-                    <a:lumMod val="75000"/>
-                  </a:prstClr>
-                </a:solidFill>
-                <a:effectLst/>
-                <a:uLnTx/>
-                <a:uFillTx/>
-                <a:latin typeface="Open Sans" panose="020B0606030504020204" pitchFamily="34" charset="0"/>
-                <a:ea typeface="+mn-ea"/>
-                <a:cs typeface="+mn-cs"/>
-              </a:rPr>
-              <a:t>Interfaces</a:t>
-            </a:r>
+              <a:rPr lang="en-US" b="0" i="0" dirty="0">
+                <a:solidFill>
+                  <a:srgbClr val="00B0F0"/>
+                </a:solidFill>
+                <a:effectLst/>
+                <a:latin typeface="Open Sans" panose="020B0606030504020204" pitchFamily="34" charset="0"/>
+              </a:rPr>
+              <a:t>Exception handlers can do more than just print error messages or halt the program</a:t>
+            </a:r>
+            <a:r>
+              <a:rPr lang="en-US" b="0" i="0" dirty="0">
+                <a:solidFill>
+                  <a:schemeClr val="tx1">
+                    <a:lumMod val="85000"/>
+                  </a:schemeClr>
+                </a:solidFill>
+                <a:effectLst/>
+                <a:latin typeface="Open Sans" panose="020B0606030504020204" pitchFamily="34" charset="0"/>
+              </a:rPr>
+              <a:t>. They can do error recovery, prompt the user to make a decision, or propagate the error up to a higher-level handler using chained exceptions, as described in the </a:t>
+            </a:r>
+            <a:r>
+              <a:rPr lang="en-US" b="0" i="0" dirty="0">
+                <a:solidFill>
+                  <a:srgbClr val="00B0F0"/>
+                </a:solidFill>
+                <a:effectLst/>
+                <a:latin typeface="Open Sans" panose="020B0606030504020204" pitchFamily="34" charset="0"/>
+              </a:rPr>
+              <a:t>Chained Exceptions </a:t>
+            </a:r>
+            <a:r>
+              <a:rPr lang="en-US" b="0" i="0" dirty="0">
+                <a:solidFill>
+                  <a:schemeClr val="tx1">
+                    <a:lumMod val="85000"/>
+                  </a:schemeClr>
+                </a:solidFill>
+                <a:effectLst/>
+                <a:latin typeface="Open Sans" panose="020B0606030504020204" pitchFamily="34" charset="0"/>
+              </a:rPr>
+              <a:t>section.</a:t>
+            </a:r>
+          </a:p>
+          <a:p>
+            <a:pPr marL="285750" indent="-285750" algn="l">
+              <a:buFont typeface="Arial" panose="020B0604020202020204" pitchFamily="34" charset="0"/>
+              <a:buChar char="•"/>
+            </a:pPr>
+            <a:endParaRPr lang="en-US" b="0" i="0" dirty="0">
+              <a:solidFill>
+                <a:schemeClr val="tx1">
+                  <a:lumMod val="85000"/>
+                </a:schemeClr>
+              </a:solidFill>
+              <a:effectLst/>
+              <a:latin typeface="Open Sans" panose="020B0606030504020204" pitchFamily="34" charset="0"/>
+            </a:endParaRPr>
+          </a:p>
+          <a:p>
+            <a:pPr marL="285750" indent="-285750" algn="l">
+              <a:buFont typeface="Arial" panose="020B0604020202020204" pitchFamily="34" charset="0"/>
+              <a:buChar char="•"/>
+            </a:pPr>
+            <a:r>
+              <a:rPr lang="en-US" b="0" i="0" dirty="0">
+                <a:solidFill>
+                  <a:schemeClr val="tx1">
+                    <a:lumMod val="85000"/>
+                  </a:schemeClr>
+                </a:solidFill>
+                <a:effectLst/>
+                <a:latin typeface="Open Sans" panose="020B0606030504020204" pitchFamily="34" charset="0"/>
+              </a:rPr>
+              <a:t>Catching More Than One Type of Exception with One Exception Handler</a:t>
+            </a:r>
+          </a:p>
+          <a:p>
+            <a:pPr marL="742950" lvl="1" indent="-285750">
+              <a:buFont typeface="Arial" panose="020B0604020202020204" pitchFamily="34" charset="0"/>
+              <a:buChar char="•"/>
+            </a:pPr>
+            <a:r>
+              <a:rPr lang="en-US" b="0" i="0" dirty="0">
+                <a:solidFill>
+                  <a:schemeClr val="tx1">
+                    <a:lumMod val="85000"/>
+                  </a:schemeClr>
+                </a:solidFill>
+                <a:effectLst/>
+                <a:latin typeface="Open Sans" panose="020B0606030504020204" pitchFamily="34" charset="0"/>
+              </a:rPr>
+              <a:t>In Java SE 7 and later, a single catch block can handle more than one type of exception. This feature can reduce code duplication and lessen the temptation to catch an overly broad exception.</a:t>
+            </a:r>
+          </a:p>
+          <a:p>
+            <a:pPr marL="285750" indent="-285750" algn="l">
+              <a:buFont typeface="Arial" panose="020B0604020202020204" pitchFamily="34" charset="0"/>
+              <a:buChar char="•"/>
+            </a:pPr>
+            <a:endParaRPr lang="en-US" b="0" i="0" dirty="0">
+              <a:solidFill>
+                <a:schemeClr val="tx1">
+                  <a:lumMod val="85000"/>
+                </a:schemeClr>
+              </a:solidFill>
+              <a:effectLst/>
+              <a:latin typeface="Open Sans" panose="020B0606030504020204" pitchFamily="34" charset="0"/>
+            </a:endParaRPr>
+          </a:p>
+          <a:p>
+            <a:pPr marL="742950" lvl="1" indent="-285750">
+              <a:buFont typeface="Arial" panose="020B0604020202020204" pitchFamily="34" charset="0"/>
+              <a:buChar char="•"/>
+            </a:pPr>
+            <a:r>
+              <a:rPr lang="en-US" b="0" i="0" dirty="0">
+                <a:solidFill>
+                  <a:schemeClr val="tx1">
+                    <a:lumMod val="85000"/>
+                  </a:schemeClr>
+                </a:solidFill>
+                <a:effectLst/>
+                <a:latin typeface="Open Sans" panose="020B0606030504020204" pitchFamily="34" charset="0"/>
+              </a:rPr>
+              <a:t>In the catch clause, specify the types of exceptions that block can handle, and separate each exception type with a vertical bar (|):</a:t>
+            </a:r>
+          </a:p>
+          <a:p>
+            <a:pPr marL="285750" indent="-285750" algn="l">
+              <a:buFont typeface="Arial" panose="020B0604020202020204" pitchFamily="34" charset="0"/>
+              <a:buChar char="•"/>
+            </a:pPr>
+            <a:endParaRPr lang="en-US" b="0" i="0" dirty="0">
+              <a:solidFill>
+                <a:schemeClr val="tx1">
+                  <a:lumMod val="85000"/>
+                </a:schemeClr>
+              </a:solidFill>
+              <a:effectLst/>
+              <a:latin typeface="Open Sans" panose="020B0606030504020204" pitchFamily="34" charset="0"/>
+            </a:endParaRPr>
+          </a:p>
+          <a:p>
+            <a:pPr algn="l"/>
+            <a:r>
+              <a:rPr lang="en-US" sz="1400" b="0" i="0" dirty="0">
+                <a:solidFill>
+                  <a:schemeClr val="tx1">
+                    <a:lumMod val="85000"/>
+                  </a:schemeClr>
+                </a:solidFill>
+                <a:effectLst/>
+                <a:latin typeface="Open Sans" panose="020B0606030504020204" pitchFamily="34" charset="0"/>
+              </a:rPr>
+              <a:t>	catch (</a:t>
+            </a:r>
+            <a:r>
+              <a:rPr lang="en-US" sz="1400" b="0" i="0" dirty="0" err="1">
+                <a:solidFill>
+                  <a:schemeClr val="tx1">
+                    <a:lumMod val="85000"/>
+                  </a:schemeClr>
+                </a:solidFill>
+                <a:effectLst/>
+                <a:latin typeface="Open Sans" panose="020B0606030504020204" pitchFamily="34" charset="0"/>
+              </a:rPr>
+              <a:t>IOException|SQLException</a:t>
+            </a:r>
+            <a:r>
+              <a:rPr lang="en-US" sz="1400" b="0" i="0" dirty="0">
+                <a:solidFill>
+                  <a:schemeClr val="tx1">
+                    <a:lumMod val="85000"/>
+                  </a:schemeClr>
+                </a:solidFill>
+                <a:effectLst/>
+                <a:latin typeface="Open Sans" panose="020B0606030504020204" pitchFamily="34" charset="0"/>
+              </a:rPr>
+              <a:t> ex) {</a:t>
+            </a:r>
+          </a:p>
+          <a:p>
+            <a:pPr algn="l"/>
+            <a:r>
+              <a:rPr lang="en-US" sz="1400" dirty="0">
+                <a:solidFill>
+                  <a:schemeClr val="tx1">
+                    <a:lumMod val="85000"/>
+                  </a:schemeClr>
+                </a:solidFill>
+                <a:latin typeface="Open Sans" panose="020B0606030504020204" pitchFamily="34" charset="0"/>
+              </a:rPr>
+              <a:t>	   </a:t>
+            </a:r>
+            <a:r>
+              <a:rPr lang="en-US" sz="1400" b="0" i="0" dirty="0">
+                <a:solidFill>
+                  <a:schemeClr val="tx1">
+                    <a:lumMod val="85000"/>
+                  </a:schemeClr>
+                </a:solidFill>
+                <a:effectLst/>
+                <a:latin typeface="Open Sans" panose="020B0606030504020204" pitchFamily="34" charset="0"/>
+              </a:rPr>
+              <a:t>logger.log(ex);</a:t>
+            </a:r>
+          </a:p>
+          <a:p>
+            <a:pPr algn="l"/>
+            <a:r>
+              <a:rPr lang="en-US" sz="1400" dirty="0">
+                <a:solidFill>
+                  <a:schemeClr val="tx1">
+                    <a:lumMod val="85000"/>
+                  </a:schemeClr>
+                </a:solidFill>
+                <a:latin typeface="Open Sans" panose="020B0606030504020204" pitchFamily="34" charset="0"/>
+              </a:rPr>
+              <a:t>	   </a:t>
+            </a:r>
+            <a:r>
+              <a:rPr lang="en-US" sz="1400" b="0" i="0" dirty="0">
+                <a:solidFill>
+                  <a:schemeClr val="tx1">
+                    <a:lumMod val="85000"/>
+                  </a:schemeClr>
+                </a:solidFill>
+                <a:effectLst/>
+                <a:latin typeface="Open Sans" panose="020B0606030504020204" pitchFamily="34" charset="0"/>
+              </a:rPr>
+              <a:t>throw ex;</a:t>
+            </a:r>
+          </a:p>
+          <a:p>
+            <a:pPr algn="l"/>
+            <a:r>
+              <a:rPr lang="en-US" sz="1400" dirty="0">
+                <a:solidFill>
+                  <a:schemeClr val="tx1">
+                    <a:lumMod val="85000"/>
+                  </a:schemeClr>
+                </a:solidFill>
+                <a:latin typeface="Open Sans" panose="020B0606030504020204" pitchFamily="34" charset="0"/>
+              </a:rPr>
+              <a:t>                       </a:t>
+            </a:r>
+            <a:r>
+              <a:rPr lang="en-US" sz="1400" b="0" i="0" dirty="0">
+                <a:solidFill>
+                  <a:schemeClr val="tx1">
+                    <a:lumMod val="85000"/>
+                  </a:schemeClr>
+                </a:solidFill>
+                <a:effectLst/>
+                <a:latin typeface="Open Sans" panose="020B0606030504020204" pitchFamily="34" charset="0"/>
+              </a:rPr>
+              <a:t>}</a:t>
+            </a:r>
+          </a:p>
+          <a:p>
+            <a:pPr marL="285750" indent="-285750" algn="l">
+              <a:buFont typeface="Arial" panose="020B0604020202020204" pitchFamily="34" charset="0"/>
+              <a:buChar char="•"/>
+            </a:pPr>
+            <a:endParaRPr lang="en-US" b="0" i="0" dirty="0">
+              <a:solidFill>
+                <a:schemeClr val="tx1">
+                  <a:lumMod val="85000"/>
+                </a:schemeClr>
+              </a:solidFill>
+              <a:effectLst/>
+              <a:latin typeface="Open Sans" panose="020B0606030504020204" pitchFamily="34" charset="0"/>
+            </a:endParaRPr>
+          </a:p>
+          <a:p>
+            <a:pPr marL="285750" indent="-285750" algn="l">
+              <a:buFont typeface="Arial" panose="020B0604020202020204" pitchFamily="34" charset="0"/>
+              <a:buChar char="•"/>
+            </a:pPr>
+            <a:endParaRPr lang="en-US" b="0" i="0" dirty="0">
+              <a:solidFill>
+                <a:schemeClr val="tx1">
+                  <a:lumMod val="85000"/>
+                </a:schemeClr>
+              </a:solidFill>
+              <a:effectLst/>
+              <a:latin typeface="Open Sans" panose="020B0606030504020204" pitchFamily="34" charset="0"/>
+            </a:endParaRPr>
+          </a:p>
+        </p:txBody>
+      </p:sp>
+      <p:sp>
+        <p:nvSpPr>
+          <p:cNvPr id="2" name="TextBox 1">
+            <a:extLst>
+              <a:ext uri="{FF2B5EF4-FFF2-40B4-BE49-F238E27FC236}">
+                <a16:creationId xmlns:a16="http://schemas.microsoft.com/office/drawing/2014/main" id="{2292BC77-EAED-98AF-CC12-6B2F561FA457}"/>
+              </a:ext>
+            </a:extLst>
+          </p:cNvPr>
+          <p:cNvSpPr txBox="1"/>
+          <p:nvPr/>
+        </p:nvSpPr>
+        <p:spPr>
+          <a:xfrm>
+            <a:off x="4679424" y="6273448"/>
+            <a:ext cx="7540362" cy="369332"/>
+          </a:xfrm>
+          <a:prstGeom prst="rect">
+            <a:avLst/>
+          </a:prstGeom>
+          <a:noFill/>
+        </p:spPr>
+        <p:txBody>
+          <a:bodyPr wrap="square">
+            <a:spAutoFit/>
+          </a:bodyPr>
+          <a:lstStyle/>
+          <a:p>
+            <a:r>
+              <a:rPr lang="en-US" dirty="0">
+                <a:hlinkClick r:id="rId2"/>
+              </a:rPr>
+              <a:t>https://github.com/ckiefriter1/Java-Code-Examples/tree/main/src/exceptions</a:t>
+            </a:r>
+            <a:endParaRPr lang="en-US" dirty="0"/>
           </a:p>
         </p:txBody>
       </p:sp>
     </p:spTree>
     <p:extLst>
       <p:ext uri="{BB962C8B-B14F-4D97-AF65-F5344CB8AC3E}">
-        <p14:creationId xmlns:p14="http://schemas.microsoft.com/office/powerpoint/2010/main" val="1155090792"/>
+        <p14:creationId xmlns:p14="http://schemas.microsoft.com/office/powerpoint/2010/main" val="2285577035"/>
       </p:ext>
     </p:extLst>
   </p:cSld>
@@ -9172,8 +9272,26 @@
                 <a:effectLst/>
                 <a:latin typeface="Open Sans" panose="020B0606030504020204" pitchFamily="34" charset="0"/>
               </a:rPr>
-              <a:t>Interfaces</a:t>
-            </a:r>
+              <a:t>Catching Exceptions – try </a:t>
+            </a:r>
+            <a:r>
+              <a:rPr lang="en-US" sz="2400" b="1" dirty="0">
+                <a:solidFill>
+                  <a:srgbClr val="00B050"/>
+                </a:solidFill>
+                <a:effectLst/>
+                <a:latin typeface="Open Sans" panose="020B0606030504020204" pitchFamily="34" charset="0"/>
+                <a:sym typeface="Wingdings" panose="05000000000000000000" pitchFamily="2" charset="2"/>
+              </a:rPr>
+              <a:t> catch  finally blocks</a:t>
+            </a:r>
+            <a:endParaRPr lang="en-US" sz="2400" b="1" dirty="0">
+              <a:solidFill>
+                <a:srgbClr val="00B050"/>
+              </a:solidFill>
+              <a:effectLst/>
+              <a:latin typeface="Open Sans" panose="020B0606030504020204" pitchFamily="34" charset="0"/>
+            </a:endParaRPr>
           </a:p>
         </p:txBody>
       </p:sp>
@@ -9192,7 +9310,7 @@
         <p:spPr>
           <a:xfrm>
             <a:off x="176169" y="729420"/>
-            <a:ext cx="11931637" cy="3416320"/>
+            <a:ext cx="11931637" cy="4524315"/>
           </a:xfrm>
           <a:prstGeom prst="rect">
             <a:avLst/>
@@ -9205,6 +9323,10 @@
           </a:bodyPr>
           <a:lstStyle/>
           <a:p>
+            <a:pPr marL="285750" indent="-285750" algn="l">
+              <a:buFont typeface="Arial" panose="020B0604020202020204" pitchFamily="34" charset="0"/>
+              <a:buChar char="•"/>
+            </a:pPr>
             <a:r>
               <a:rPr lang="en-US" dirty="0">
                 <a:solidFill>
@@ -9213,78 +9335,31 @@
                   </a:schemeClr>
                 </a:solidFill>
                 <a:latin typeface="Open Sans" panose="020B0606030504020204" pitchFamily="34" charset="0"/>
-                <a:ea typeface="Open Sans" panose="020B0606030504020204" pitchFamily="34" charset="0"/>
-                <a:cs typeface="Open Sans" panose="020B0606030504020204" pitchFamily="34" charset="0"/>
-              </a:rPr>
-              <a:t>What Is an Interface?</a:t>
-            </a:r>
-          </a:p>
-          <a:p>
-            <a:r>
-              <a:rPr lang="en-US" dirty="0">
+              </a:rPr>
+              <a:t>Y</a:t>
+            </a:r>
+            <a:r>
+              <a:rPr lang="en-US" b="0" i="0" dirty="0">
+                <a:solidFill>
+                  <a:schemeClr val="tx1">
+                    <a:lumMod val="85000"/>
+                  </a:schemeClr>
+                </a:solidFill>
+                <a:effectLst/>
+                <a:latin typeface="Open Sans" panose="020B0606030504020204" pitchFamily="34" charset="0"/>
+              </a:rPr>
+              <a:t>ou can use a </a:t>
+            </a:r>
+            <a:r>
+              <a:rPr lang="en-US" b="0" i="0" dirty="0">
                 <a:solidFill>
                   <a:srgbClr val="00B0F0"/>
                 </a:solidFill>
-                <a:latin typeface="Open Sans" panose="020B0606030504020204" pitchFamily="34" charset="0"/>
-                <a:ea typeface="Open Sans" panose="020B0606030504020204" pitchFamily="34" charset="0"/>
-                <a:cs typeface="Open Sans" panose="020B0606030504020204" pitchFamily="34" charset="0"/>
-              </a:rPr>
-              <a:t>An interface is a contract between a class and the outside world. </a:t>
-            </a:r>
-            <a:r>
-              <a:rPr lang="en-US" dirty="0">
-                <a:solidFill>
-                  <a:schemeClr val="tx1">
-                    <a:lumMod val="85000"/>
-                  </a:schemeClr>
-                </a:solidFill>
-                <a:latin typeface="Open Sans" panose="020B0606030504020204" pitchFamily="34" charset="0"/>
-                <a:ea typeface="Open Sans" panose="020B0606030504020204" pitchFamily="34" charset="0"/>
-                <a:cs typeface="Open Sans" panose="020B0606030504020204" pitchFamily="34" charset="0"/>
-              </a:rPr>
-              <a:t>When a class implements an interface, it promises to provide the behavior published by that interface</a:t>
-            </a:r>
-          </a:p>
-          <a:p>
-            <a:endParaRPr lang="en-US" dirty="0">
-              <a:solidFill>
-                <a:schemeClr val="tx1">
-                  <a:lumMod val="85000"/>
-                </a:schemeClr>
-              </a:solidFill>
-              <a:latin typeface="Open Sans" panose="020B0606030504020204" pitchFamily="34" charset="0"/>
-              <a:ea typeface="Open Sans" panose="020B0606030504020204" pitchFamily="34" charset="0"/>
-              <a:cs typeface="Open Sans" panose="020B0606030504020204" pitchFamily="34" charset="0"/>
-            </a:endParaRPr>
-          </a:p>
-          <a:p>
-            <a:r>
-              <a:rPr lang="en-US" dirty="0">
-                <a:solidFill>
-                  <a:schemeClr val="tx1">
-                    <a:lumMod val="85000"/>
-                  </a:schemeClr>
-                </a:solidFill>
-                <a:latin typeface="Open Sans" panose="020B0606030504020204" pitchFamily="34" charset="0"/>
-                <a:ea typeface="Open Sans" panose="020B0606030504020204" pitchFamily="34" charset="0"/>
-                <a:cs typeface="Open Sans" panose="020B0606030504020204" pitchFamily="34" charset="0"/>
-              </a:rPr>
-              <a:t>An interface is a completely "abstract class" that is used to group related methods with empty bodies:</a:t>
-            </a:r>
-          </a:p>
-          <a:p>
-            <a:endParaRPr lang="en-US" dirty="0">
-              <a:solidFill>
-                <a:schemeClr val="tx1">
-                  <a:lumMod val="85000"/>
-                </a:schemeClr>
-              </a:solidFill>
-              <a:latin typeface="Open Sans" panose="020B0606030504020204" pitchFamily="34" charset="0"/>
-              <a:ea typeface="Open Sans" panose="020B0606030504020204" pitchFamily="34" charset="0"/>
-              <a:cs typeface="Open Sans" panose="020B0606030504020204" pitchFamily="34" charset="0"/>
-            </a:endParaRPr>
-          </a:p>
-          <a:p>
+                <a:effectLst/>
+                <a:latin typeface="Open Sans" panose="020B0606030504020204" pitchFamily="34" charset="0"/>
+              </a:rPr>
+              <a:t>finally block</a:t>
+            </a:r>
             <a:r>
               <a:rPr lang="en-US" b="0" i="0" dirty="0">
                 <a:solidFill>
@@ -9294,100 +9369,15 @@
                 </a:solidFill>
                 <a:effectLst/>
                 <a:latin typeface="Open Sans" panose="020B0606030504020204" pitchFamily="34" charset="0"/>
-                <a:ea typeface="Open Sans" panose="020B0606030504020204" pitchFamily="34" charset="0"/>
-                <a:cs typeface="Open Sans" panose="020B0606030504020204" pitchFamily="34" charset="0"/>
-              </a:rPr>
-              <a:t>To access the interface methods, the interface must be "implemented" (</a:t>
-            </a:r>
-            <a:r>
-              <a:rPr lang="en-US" b="0" i="0" dirty="0" err="1">
-                <a:solidFill>
-                  <a:schemeClr val="tx1">
-                    <a:lumMod val="85000"/>
-                  </a:schemeClr>
-                </a:solidFill>
-                <a:effectLst/>
-                <a:latin typeface="Open Sans" panose="020B0606030504020204" pitchFamily="34" charset="0"/>
-                <a:ea typeface="Open Sans" panose="020B0606030504020204" pitchFamily="34" charset="0"/>
-                <a:cs typeface="Open Sans" panose="020B0606030504020204" pitchFamily="34" charset="0"/>
-              </a:rPr>
-              <a:t>kinda</a:t>
-            </a:r>
-            <a:r>
-              <a:rPr lang="en-US" b="0" i="0" dirty="0">
-                <a:solidFill>
-                  <a:schemeClr val="tx1">
-                    <a:lumMod val="85000"/>
-                  </a:schemeClr>
-                </a:solidFill>
-                <a:effectLst/>
-                <a:latin typeface="Open Sans" panose="020B0606030504020204" pitchFamily="34" charset="0"/>
-                <a:ea typeface="Open Sans" panose="020B0606030504020204" pitchFamily="34" charset="0"/>
-                <a:cs typeface="Open Sans" panose="020B0606030504020204" pitchFamily="34" charset="0"/>
-              </a:rPr>
-              <a:t> like inherited) by another class with the implements keyword (instead of extends). The </a:t>
-            </a:r>
-            <a:r>
-              <a:rPr lang="en-US" b="0" i="0" dirty="0">
-                <a:solidFill>
-                  <a:srgbClr val="00B0F0"/>
-                </a:solidFill>
-                <a:effectLst/>
-                <a:latin typeface="Open Sans" panose="020B0606030504020204" pitchFamily="34" charset="0"/>
-                <a:ea typeface="Open Sans" panose="020B0606030504020204" pitchFamily="34" charset="0"/>
-                <a:cs typeface="Open Sans" panose="020B0606030504020204" pitchFamily="34" charset="0"/>
-              </a:rPr>
-              <a:t>body of the interface method is provided by the "implemented" class</a:t>
-            </a:r>
-          </a:p>
-          <a:p>
-            <a:endParaRPr lang="en-US" dirty="0">
-              <a:solidFill>
-                <a:srgbClr val="00B0F0"/>
-              </a:solidFill>
-              <a:latin typeface="Open Sans" panose="020B0606030504020204" pitchFamily="34" charset="0"/>
-              <a:ea typeface="Open Sans" panose="020B0606030504020204" pitchFamily="34" charset="0"/>
-              <a:cs typeface="Open Sans" panose="020B0606030504020204" pitchFamily="34" charset="0"/>
-            </a:endParaRPr>
-          </a:p>
-          <a:p>
-            <a:r>
-              <a:rPr lang="en-US" b="0" i="0" dirty="0">
-                <a:solidFill>
-                  <a:srgbClr val="00B0F0"/>
-                </a:solidFill>
-                <a:effectLst/>
-                <a:latin typeface="Open Sans" panose="020B0606030504020204" pitchFamily="34" charset="0"/>
-                <a:ea typeface="Open Sans" panose="020B0606030504020204" pitchFamily="34" charset="0"/>
-                <a:cs typeface="Open Sans" panose="020B0606030504020204" pitchFamily="34" charset="0"/>
-              </a:rPr>
-              <a:t>Classes can implement </a:t>
-            </a:r>
-            <a:r>
-              <a:rPr lang="en-US" b="0" i="0">
-                <a:solidFill>
-                  <a:srgbClr val="00B0F0"/>
-                </a:solidFill>
-                <a:effectLst/>
-                <a:latin typeface="Open Sans" panose="020B0606030504020204" pitchFamily="34" charset="0"/>
-                <a:ea typeface="Open Sans" panose="020B0606030504020204" pitchFamily="34" charset="0"/>
-                <a:cs typeface="Open Sans" panose="020B0606030504020204" pitchFamily="34" charset="0"/>
-              </a:rPr>
-              <a:t>multiple interfaces</a:t>
-            </a:r>
-            <a:endParaRPr lang="en-US" b="0" i="0" dirty="0">
-              <a:solidFill>
-                <a:schemeClr val="tx1">
-                  <a:lumMod val="85000"/>
-                </a:schemeClr>
-              </a:solidFill>
-              <a:effectLst/>
-              <a:latin typeface="Open Sans" panose="020B0606030504020204" pitchFamily="34" charset="0"/>
-              <a:ea typeface="Open Sans" panose="020B0606030504020204" pitchFamily="34" charset="0"/>
-              <a:cs typeface="Open Sans" panose="020B0606030504020204" pitchFamily="34" charset="0"/>
-            </a:endParaRPr>
-          </a:p>
-          <a:p>
+              </a:rPr>
+              <a:t> to ensure that a resource is closed regardless of whether the try statement completes normally or abruptly. The following example uses a finally block instead of a try-with-resources statement:</a:t>
+            </a:r>
+          </a:p>
+          <a:p>
+            <a:pPr marL="285750" indent="-285750" algn="l">
+              <a:buFont typeface="Arial" panose="020B0604020202020204" pitchFamily="34" charset="0"/>
+              <a:buChar char="•"/>
+            </a:pPr>
             <a:endParaRPr lang="en-US" b="0" i="0" dirty="0">
               <a:solidFill>
                 <a:schemeClr val="tx1">
@@ -9398,50 +9388,521 @@
               <a:latin typeface="Open Sans" panose="020B0606030504020204" pitchFamily="34" charset="0"/>
             </a:endParaRPr>
           </a:p>
-        </p:txBody>
-      </p:sp>
-      <p:sp>
-        <p:nvSpPr>
-          <p:cNvPr id="5" name="TextBox 4">
-            <a:extLst>
-              <a:ext uri="{FF2B5EF4-FFF2-40B4-BE49-F238E27FC236}">
-                <a16:creationId xmlns:a16="http://schemas.microsoft.com/office/drawing/2014/main" id="{20F6CBEF-9110-814A-F1E8-8EDD591B1904}"/>
-              </a:ext>
-            </a:extLst>
-          </p:cNvPr>
-          <p:cNvSpPr txBox="1"/>
-          <p:nvPr/>
-        </p:nvSpPr>
-        <p:spPr>
-          <a:xfrm>
-            <a:off x="4698072" y="6345767"/>
-            <a:ext cx="7333507" cy="369332"/>
-          </a:xfrm>
-          <a:prstGeom prst="rect">
-            <a:avLst/>
-          </a:prstGeom>
-          <a:noFill/>
-        </p:spPr>
-        <p:txBody>
-          <a:bodyPr wrap="square">
-            <a:spAutoFit/>
-          </a:bodyPr>
-          <a:lstStyle/>
-          <a:p>
+          <a:p>
+            <a:pPr algn="l"/>
+            <a:r>
+              <a:rPr lang="en-US" b="0" i="0" dirty="0">
+                <a:solidFill>
+                  <a:schemeClr val="tx1">
+                    <a:lumMod val="85000"/>
+                  </a:schemeClr>
+                </a:solidFill>
+                <a:effectLst/>
+                <a:latin typeface="Open Sans" panose="020B0606030504020204" pitchFamily="34" charset="0"/>
+              </a:rPr>
+              <a:t>   static String </a:t>
+            </a:r>
+            <a:r>
+              <a:rPr lang="en-US" b="0" i="0" dirty="0" err="1">
+                <a:solidFill>
+                  <a:schemeClr val="tx1">
+                    <a:lumMod val="85000"/>
+                  </a:schemeClr>
+                </a:solidFill>
+                <a:effectLst/>
+                <a:latin typeface="Open Sans" panose="020B0606030504020204" pitchFamily="34" charset="0"/>
+              </a:rPr>
+              <a:t>readFirstLineFromFileWithFinallyBlock</a:t>
+            </a:r>
+            <a:r>
+              <a:rPr lang="en-US" b="0" i="0" dirty="0">
+                <a:solidFill>
+                  <a:schemeClr val="tx1">
+                    <a:lumMod val="85000"/>
+                  </a:schemeClr>
+                </a:solidFill>
+                <a:effectLst/>
+                <a:latin typeface="Open Sans" panose="020B0606030504020204" pitchFamily="34" charset="0"/>
+              </a:rPr>
+              <a:t>(String path) throws </a:t>
+            </a:r>
+            <a:r>
+              <a:rPr lang="en-US" b="0" i="0" dirty="0" err="1">
+                <a:solidFill>
+                  <a:schemeClr val="tx1">
+                    <a:lumMod val="85000"/>
+                  </a:schemeClr>
+                </a:solidFill>
+                <a:effectLst/>
+                <a:latin typeface="Open Sans" panose="020B0606030504020204" pitchFamily="34" charset="0"/>
+              </a:rPr>
+              <a:t>IOException</a:t>
+            </a:r>
+            <a:r>
+              <a:rPr lang="en-US" b="0" i="0" dirty="0">
+                <a:solidFill>
+                  <a:schemeClr val="tx1">
+                    <a:lumMod val="85000"/>
+                  </a:schemeClr>
+                </a:solidFill>
+                <a:effectLst/>
+                <a:latin typeface="Open Sans" panose="020B0606030504020204" pitchFamily="34" charset="0"/>
+              </a:rPr>
+              <a:t> {</a:t>
+            </a:r>
+          </a:p>
+          <a:p>
+            <a:pPr algn="l"/>
+            <a:r>
+              <a:rPr lang="en-US" b="0" i="0" dirty="0">
+                <a:solidFill>
+                  <a:schemeClr val="tx1">
+                    <a:lumMod val="85000"/>
+                  </a:schemeClr>
+                </a:solidFill>
+                <a:effectLst/>
+                <a:latin typeface="Open Sans" panose="020B0606030504020204" pitchFamily="34" charset="0"/>
+              </a:rPr>
+              <a:t>	</a:t>
+            </a:r>
+            <a:r>
+              <a:rPr lang="en-US" b="0" i="0" dirty="0" err="1">
+                <a:solidFill>
+                  <a:schemeClr val="tx1">
+                    <a:lumMod val="85000"/>
+                  </a:schemeClr>
+                </a:solidFill>
+                <a:effectLst/>
+                <a:latin typeface="Open Sans" panose="020B0606030504020204" pitchFamily="34" charset="0"/>
+              </a:rPr>
+              <a:t>FileReader</a:t>
+            </a:r>
+            <a:r>
+              <a:rPr lang="en-US" b="0" i="0" dirty="0">
+                <a:solidFill>
+                  <a:schemeClr val="tx1">
+                    <a:lumMod val="85000"/>
+                  </a:schemeClr>
+                </a:solidFill>
+                <a:effectLst/>
+                <a:latin typeface="Open Sans" panose="020B0606030504020204" pitchFamily="34" charset="0"/>
+              </a:rPr>
+              <a:t> </a:t>
+            </a:r>
+            <a:r>
+              <a:rPr lang="en-US" b="0" i="0" dirty="0" err="1">
+                <a:solidFill>
+                  <a:schemeClr val="tx1">
+                    <a:lumMod val="85000"/>
+                  </a:schemeClr>
+                </a:solidFill>
+                <a:effectLst/>
+                <a:latin typeface="Open Sans" panose="020B0606030504020204" pitchFamily="34" charset="0"/>
+              </a:rPr>
+              <a:t>fr</a:t>
+            </a:r>
+            <a:r>
+              <a:rPr lang="en-US" b="0" i="0" dirty="0">
+                <a:solidFill>
+                  <a:schemeClr val="tx1">
+                    <a:lumMod val="85000"/>
+                  </a:schemeClr>
+                </a:solidFill>
+                <a:effectLst/>
+                <a:latin typeface="Open Sans" panose="020B0606030504020204" pitchFamily="34" charset="0"/>
+              </a:rPr>
+              <a:t> = new </a:t>
+            </a:r>
+            <a:r>
+              <a:rPr lang="en-US" b="0" i="0" dirty="0" err="1">
+                <a:solidFill>
+                  <a:schemeClr val="tx1">
+                    <a:lumMod val="85000"/>
+                  </a:schemeClr>
+                </a:solidFill>
+                <a:effectLst/>
+                <a:latin typeface="Open Sans" panose="020B0606030504020204" pitchFamily="34" charset="0"/>
+              </a:rPr>
+              <a:t>FileReader</a:t>
+            </a:r>
+            <a:r>
+              <a:rPr lang="en-US" b="0" i="0" dirty="0">
+                <a:solidFill>
+                  <a:schemeClr val="tx1">
+                    <a:lumMod val="85000"/>
+                  </a:schemeClr>
+                </a:solidFill>
+                <a:effectLst/>
+                <a:latin typeface="Open Sans" panose="020B0606030504020204" pitchFamily="34" charset="0"/>
+              </a:rPr>
+              <a:t>(path);</a:t>
+            </a:r>
+          </a:p>
+          <a:p>
+            <a:pPr algn="l"/>
             <a:r>
               <a:rPr lang="en-US" dirty="0">
-                <a:hlinkClick r:id="rId2"/>
-              </a:rPr>
-              <a:t>https://github.com/ckiefriter1/Java-Code-Examples/tree/main/src/interfaces</a:t>
-            </a:r>
-            <a:endParaRPr lang="en-US" dirty="0"/>
+                <a:solidFill>
+                  <a:schemeClr val="tx1">
+                    <a:lumMod val="85000"/>
+                  </a:schemeClr>
+                </a:solidFill>
+                <a:latin typeface="Open Sans" panose="020B0606030504020204" pitchFamily="34" charset="0"/>
+              </a:rPr>
+              <a:t>	</a:t>
+            </a:r>
+            <a:r>
+              <a:rPr lang="en-US" b="0" i="0" dirty="0" err="1">
+                <a:solidFill>
+                  <a:schemeClr val="tx1">
+                    <a:lumMod val="85000"/>
+                  </a:schemeClr>
+                </a:solidFill>
+                <a:effectLst/>
+                <a:latin typeface="Open Sans" panose="020B0606030504020204" pitchFamily="34" charset="0"/>
+              </a:rPr>
+              <a:t>BufferedReader</a:t>
+            </a:r>
+            <a:r>
+              <a:rPr lang="en-US" b="0" i="0" dirty="0">
+                <a:solidFill>
+                  <a:schemeClr val="tx1">
+                    <a:lumMod val="85000"/>
+                  </a:schemeClr>
+                </a:solidFill>
+                <a:effectLst/>
+                <a:latin typeface="Open Sans" panose="020B0606030504020204" pitchFamily="34" charset="0"/>
+              </a:rPr>
+              <a:t> </a:t>
+            </a:r>
+            <a:r>
+              <a:rPr lang="en-US" b="0" i="0" dirty="0" err="1">
+                <a:solidFill>
+                  <a:schemeClr val="tx1">
+                    <a:lumMod val="85000"/>
+                  </a:schemeClr>
+                </a:solidFill>
+                <a:effectLst/>
+                <a:latin typeface="Open Sans" panose="020B0606030504020204" pitchFamily="34" charset="0"/>
+              </a:rPr>
+              <a:t>br</a:t>
+            </a:r>
+            <a:r>
+              <a:rPr lang="en-US" b="0" i="0" dirty="0">
+                <a:solidFill>
+                  <a:schemeClr val="tx1">
+                    <a:lumMod val="85000"/>
+                  </a:schemeClr>
+                </a:solidFill>
+                <a:effectLst/>
+                <a:latin typeface="Open Sans" panose="020B0606030504020204" pitchFamily="34" charset="0"/>
+              </a:rPr>
+              <a:t> = new </a:t>
+            </a:r>
+            <a:r>
+              <a:rPr lang="en-US" b="0" i="0" dirty="0" err="1">
+                <a:solidFill>
+                  <a:schemeClr val="tx1">
+                    <a:lumMod val="85000"/>
+                  </a:schemeClr>
+                </a:solidFill>
+                <a:effectLst/>
+                <a:latin typeface="Open Sans" panose="020B0606030504020204" pitchFamily="34" charset="0"/>
+              </a:rPr>
+              <a:t>BufferedReader</a:t>
+            </a:r>
+            <a:r>
+              <a:rPr lang="en-US" b="0" i="0" dirty="0">
+                <a:solidFill>
+                  <a:schemeClr val="tx1">
+                    <a:lumMod val="85000"/>
+                  </a:schemeClr>
+                </a:solidFill>
+                <a:effectLst/>
+                <a:latin typeface="Open Sans" panose="020B0606030504020204" pitchFamily="34" charset="0"/>
+              </a:rPr>
+              <a:t>(</a:t>
+            </a:r>
+            <a:r>
+              <a:rPr lang="en-US" b="0" i="0" dirty="0" err="1">
+                <a:solidFill>
+                  <a:schemeClr val="tx1">
+                    <a:lumMod val="85000"/>
+                  </a:schemeClr>
+                </a:solidFill>
+                <a:effectLst/>
+                <a:latin typeface="Open Sans" panose="020B0606030504020204" pitchFamily="34" charset="0"/>
+              </a:rPr>
+              <a:t>fr</a:t>
+            </a:r>
+            <a:r>
+              <a:rPr lang="en-US" b="0" i="0" dirty="0">
+                <a:solidFill>
+                  <a:schemeClr val="tx1">
+                    <a:lumMod val="85000"/>
+                  </a:schemeClr>
+                </a:solidFill>
+                <a:effectLst/>
+                <a:latin typeface="Open Sans" panose="020B0606030504020204" pitchFamily="34" charset="0"/>
+              </a:rPr>
+              <a:t>);</a:t>
+            </a:r>
+          </a:p>
+          <a:p>
+            <a:pPr algn="l"/>
+            <a:r>
+              <a:rPr lang="en-US" dirty="0">
+                <a:solidFill>
+                  <a:schemeClr val="tx1">
+                    <a:lumMod val="85000"/>
+                  </a:schemeClr>
+                </a:solidFill>
+                <a:latin typeface="Open Sans" panose="020B0606030504020204" pitchFamily="34" charset="0"/>
+              </a:rPr>
+              <a:t>	</a:t>
+            </a:r>
+            <a:r>
+              <a:rPr lang="en-US" b="0" i="0" dirty="0">
+                <a:solidFill>
+                  <a:schemeClr val="tx1">
+                    <a:lumMod val="85000"/>
+                  </a:schemeClr>
+                </a:solidFill>
+                <a:effectLst/>
+                <a:latin typeface="Open Sans" panose="020B0606030504020204" pitchFamily="34" charset="0"/>
+              </a:rPr>
+              <a:t>try {</a:t>
+            </a:r>
+          </a:p>
+          <a:p>
+            <a:pPr algn="l"/>
+            <a:r>
+              <a:rPr lang="en-US" dirty="0">
+                <a:solidFill>
+                  <a:schemeClr val="tx1">
+                    <a:lumMod val="85000"/>
+                  </a:schemeClr>
+                </a:solidFill>
+                <a:latin typeface="Open Sans" panose="020B0606030504020204" pitchFamily="34" charset="0"/>
+              </a:rPr>
+              <a:t>	   </a:t>
+            </a:r>
+            <a:r>
+              <a:rPr lang="en-US" b="0" i="0" dirty="0">
+                <a:solidFill>
+                  <a:schemeClr val="tx1">
+                    <a:lumMod val="85000"/>
+                  </a:schemeClr>
+                </a:solidFill>
+                <a:effectLst/>
+                <a:latin typeface="Open Sans" panose="020B0606030504020204" pitchFamily="34" charset="0"/>
+              </a:rPr>
+              <a:t>return </a:t>
+            </a:r>
+            <a:r>
+              <a:rPr lang="en-US" b="0" i="0" dirty="0" err="1">
+                <a:solidFill>
+                  <a:schemeClr val="tx1">
+                    <a:lumMod val="85000"/>
+                  </a:schemeClr>
+                </a:solidFill>
+                <a:effectLst/>
+                <a:latin typeface="Open Sans" panose="020B0606030504020204" pitchFamily="34" charset="0"/>
+              </a:rPr>
+              <a:t>br.readLine</a:t>
+            </a:r>
+            <a:r>
+              <a:rPr lang="en-US" b="0" i="0" dirty="0">
+                <a:solidFill>
+                  <a:schemeClr val="tx1">
+                    <a:lumMod val="85000"/>
+                  </a:schemeClr>
+                </a:solidFill>
+                <a:effectLst/>
+                <a:latin typeface="Open Sans" panose="020B0606030504020204" pitchFamily="34" charset="0"/>
+              </a:rPr>
+              <a:t>();</a:t>
+            </a:r>
+          </a:p>
+          <a:p>
+            <a:pPr algn="l"/>
+            <a:r>
+              <a:rPr lang="en-US" dirty="0">
+                <a:solidFill>
+                  <a:schemeClr val="tx1">
+                    <a:lumMod val="85000"/>
+                  </a:schemeClr>
+                </a:solidFill>
+                <a:latin typeface="Open Sans" panose="020B0606030504020204" pitchFamily="34" charset="0"/>
+              </a:rPr>
+              <a:t>	</a:t>
+            </a:r>
+            <a:r>
+              <a:rPr lang="en-US" b="0" i="0" dirty="0">
+                <a:solidFill>
+                  <a:schemeClr val="tx1">
+                    <a:lumMod val="85000"/>
+                  </a:schemeClr>
+                </a:solidFill>
+                <a:effectLst/>
+                <a:latin typeface="Open Sans" panose="020B0606030504020204" pitchFamily="34" charset="0"/>
+              </a:rPr>
+              <a:t>} finally {</a:t>
+            </a:r>
+          </a:p>
+          <a:p>
+            <a:pPr algn="l"/>
+            <a:r>
+              <a:rPr lang="en-US" dirty="0">
+                <a:solidFill>
+                  <a:schemeClr val="tx1">
+                    <a:lumMod val="85000"/>
+                  </a:schemeClr>
+                </a:solidFill>
+                <a:latin typeface="Open Sans" panose="020B0606030504020204" pitchFamily="34" charset="0"/>
+              </a:rPr>
+              <a:t>	   </a:t>
+            </a:r>
+            <a:r>
+              <a:rPr lang="en-US" b="0" i="0" dirty="0" err="1">
+                <a:solidFill>
+                  <a:schemeClr val="tx1">
+                    <a:lumMod val="85000"/>
+                  </a:schemeClr>
+                </a:solidFill>
+                <a:effectLst/>
+                <a:latin typeface="Open Sans" panose="020B0606030504020204" pitchFamily="34" charset="0"/>
+              </a:rPr>
+              <a:t>br.close</a:t>
+            </a:r>
+            <a:r>
+              <a:rPr lang="en-US" b="0" i="0" dirty="0">
+                <a:solidFill>
+                  <a:schemeClr val="tx1">
+                    <a:lumMod val="85000"/>
+                  </a:schemeClr>
+                </a:solidFill>
+                <a:effectLst/>
+                <a:latin typeface="Open Sans" panose="020B0606030504020204" pitchFamily="34" charset="0"/>
+              </a:rPr>
+              <a:t>();</a:t>
+            </a:r>
+          </a:p>
+          <a:p>
+            <a:pPr algn="l"/>
+            <a:r>
+              <a:rPr lang="en-US" dirty="0">
+                <a:solidFill>
+                  <a:schemeClr val="tx1">
+                    <a:lumMod val="85000"/>
+                  </a:schemeClr>
+                </a:solidFill>
+                <a:latin typeface="Open Sans" panose="020B0606030504020204" pitchFamily="34" charset="0"/>
+              </a:rPr>
+              <a:t>	   </a:t>
+            </a:r>
+            <a:r>
+              <a:rPr lang="en-US" b="0" i="0" dirty="0" err="1">
+                <a:solidFill>
+                  <a:schemeClr val="tx1">
+                    <a:lumMod val="85000"/>
+                  </a:schemeClr>
+                </a:solidFill>
+                <a:effectLst/>
+                <a:latin typeface="Open Sans" panose="020B0606030504020204" pitchFamily="34" charset="0"/>
+              </a:rPr>
+              <a:t>fr.close</a:t>
+            </a:r>
+            <a:r>
+              <a:rPr lang="en-US" b="0" i="0" dirty="0">
+                <a:solidFill>
+                  <a:schemeClr val="tx1">
+                    <a:lumMod val="85000"/>
+                  </a:schemeClr>
+                </a:solidFill>
+                <a:effectLst/>
+                <a:latin typeface="Open Sans" panose="020B0606030504020204" pitchFamily="34" charset="0"/>
+              </a:rPr>
+              <a:t>();</a:t>
+            </a:r>
+          </a:p>
+          <a:p>
+            <a:pPr algn="l"/>
+            <a:r>
+              <a:rPr lang="en-US" dirty="0">
+                <a:solidFill>
+                  <a:schemeClr val="tx1">
+                    <a:lumMod val="85000"/>
+                  </a:schemeClr>
+                </a:solidFill>
+                <a:latin typeface="Open Sans" panose="020B0606030504020204" pitchFamily="34" charset="0"/>
+              </a:rPr>
+              <a:t>	</a:t>
+            </a:r>
+            <a:r>
+              <a:rPr lang="en-US" b="0" i="0" dirty="0">
+                <a:solidFill>
+                  <a:schemeClr val="tx1">
+                    <a:lumMod val="85000"/>
+                  </a:schemeClr>
+                </a:solidFill>
+                <a:effectLst/>
+                <a:latin typeface="Open Sans" panose="020B0606030504020204" pitchFamily="34" charset="0"/>
+              </a:rPr>
+              <a:t>}</a:t>
+            </a:r>
+          </a:p>
+          <a:p>
+            <a:pPr algn="l"/>
+            <a:r>
+              <a:rPr lang="en-US" b="0" i="0" dirty="0">
+                <a:solidFill>
+                  <a:schemeClr val="tx1">
+                    <a:lumMod val="85000"/>
+                  </a:schemeClr>
+                </a:solidFill>
+                <a:effectLst/>
+                <a:latin typeface="Open Sans" panose="020B0606030504020204" pitchFamily="34" charset="0"/>
+              </a:rPr>
+              <a:t>   }</a:t>
+            </a:r>
+          </a:p>
+          <a:p>
+            <a:pPr marL="285750" indent="-285750" algn="l">
+              <a:buFont typeface="Arial" panose="020B0604020202020204" pitchFamily="34" charset="0"/>
+              <a:buChar char="•"/>
+            </a:pPr>
+            <a:endParaRPr lang="en-US" b="0" i="0" dirty="0">
+              <a:solidFill>
+                <a:schemeClr val="tx1">
+                  <a:lumMod val="85000"/>
+                </a:schemeClr>
+              </a:solidFill>
+              <a:effectLst/>
+              <a:latin typeface="Open Sans" panose="020B0606030504020204" pitchFamily="34" charset="0"/>
+            </a:endParaRPr>
+          </a:p>
+          <a:p>
+            <a:pPr marL="285750" indent="-285750" algn="l">
+              <a:buFont typeface="Arial" panose="020B0604020202020204" pitchFamily="34" charset="0"/>
+              <a:buChar char="•"/>
+            </a:pPr>
+            <a:endParaRPr lang="en-US" b="0" i="0" dirty="0">
+              <a:solidFill>
+                <a:schemeClr val="tx1">
+                  <a:lumMod val="85000"/>
+                </a:schemeClr>
+              </a:solidFill>
+              <a:effectLst/>
+              <a:latin typeface="Open Sans" panose="020B0606030504020204" pitchFamily="34" charset="0"/>
+            </a:endParaRPr>
           </a:p>
         </p:txBody>
       </p:sp>
     </p:spTree>
     <p:extLst>
       <p:ext uri="{BB962C8B-B14F-4D97-AF65-F5344CB8AC3E}">
-        <p14:creationId xmlns:p14="http://schemas.microsoft.com/office/powerpoint/2010/main" val="3551399501"/>
+        <p14:creationId xmlns:p14="http://schemas.microsoft.com/office/powerpoint/2010/main" val="3976039359"/>
       </p:ext>
     </p:extLst>
   </p:cSld>
@@ -9530,7 +9991,7 @@
                 <a:ea typeface="+mn-ea"/>
                 <a:cs typeface="+mn-cs"/>
               </a:rPr>
-              <a:t>OOP Menu Example</a:t>
+              <a:t>Interfaces</a:t>
             </a:r>
           </a:p>
         </p:txBody>
@@ -9538,7 +9999,7 @@
     </p:spTree>
     <p:extLst>
       <p:ext uri="{BB962C8B-B14F-4D97-AF65-F5344CB8AC3E}">
-        <p14:creationId xmlns:p14="http://schemas.microsoft.com/office/powerpoint/2010/main" val="4183596226"/>
+        <p14:creationId xmlns:p14="http://schemas.microsoft.com/office/powerpoint/2010/main" val="1155090792"/>
       </p:ext>
     </p:extLst>
   </p:cSld>
@@ -9579,8 +10040,8 @@
         </p:nvSpPr>
         <p:spPr>
           <a:xfrm>
-            <a:off x="341603" y="50541"/>
-            <a:ext cx="11449344" cy="461665"/>
+            <a:off x="193250" y="91915"/>
+            <a:ext cx="8256355" cy="461665"/>
           </a:xfrm>
           <a:prstGeom prst="rect">
             <a:avLst/>
@@ -9599,26 +10060,20 @@
                 <a:solidFill>
                   <a:srgbClr val="00B050"/>
                 </a:solidFill>
-                <a:latin typeface="Open Sans" panose="020B0606030504020204" pitchFamily="34" charset="0"/>
-              </a:rPr>
-              <a:t>Menu-Driven Applications</a:t>
-            </a:r>
-            <a:endParaRPr lang="en-US" sz="2400" b="1" dirty="0">
-              <a:solidFill>
-                <a:srgbClr val="00B050"/>
-              </a:solidFill>
-              <a:effectLst/>
-              <a:latin typeface="Open Sans" panose="020B0606030504020204" pitchFamily="34" charset="0"/>
-            </a:endParaRPr>
+                <a:effectLst/>
+                <a:latin typeface="Open Sans" panose="020B0606030504020204" pitchFamily="34" charset="0"/>
+              </a:rPr>
+              <a:t>Interfaces</a:t>
+            </a:r>
           </a:p>
         </p:txBody>
       </p:sp>
       <p:sp>
         <p:nvSpPr>
-          <p:cNvPr id="5" name="TextBox 4">
+          <p:cNvPr id="4" name="TextBox 3">
             <a:extLst>
               <a:ext uri="{FF2B5EF4-FFF2-40B4-BE49-F238E27FC236}">
-                <a16:creationId xmlns:a16="http://schemas.microsoft.com/office/drawing/2014/main" id="{9DB63145-E59C-9501-8AA5-4E6AC5C0D40F}"/>
+                <a16:creationId xmlns:a16="http://schemas.microsoft.com/office/drawing/2014/main" id="{C0B26727-0F97-5A73-B4ED-6BE65E07E5DB}"/>
               </a:ext>
             </a:extLst>
           </p:cNvPr>
@@ -9627,8 +10082,8 @@
         </p:nvSpPr>
         <p:spPr>
           <a:xfrm>
-            <a:off x="240935" y="539403"/>
-            <a:ext cx="11612709" cy="646331"/>
+            <a:off x="176169" y="729420"/>
+            <a:ext cx="11931637" cy="3416320"/>
           </a:xfrm>
           <a:prstGeom prst="rect">
             <a:avLst/>
@@ -9641,19 +10096,189 @@
           </a:bodyPr>
           <a:lstStyle/>
           <a:p>
-            <a:pPr algn="l"/>
-            <a:r>
-              <a:rPr lang="en-US" b="1" i="0" dirty="0">
-                <a:solidFill>
-                  <a:schemeClr val="tx1">
-                    <a:lumMod val="85000"/>
-                  </a:schemeClr>
-                </a:solidFill>
-                <a:effectLst/>
-                <a:latin typeface="Open Sans" panose="020B0606030504020204" pitchFamily="34" charset="0"/>
-              </a:rPr>
-              <a:t>TBD</a:t>
-            </a:r>
+            <a:r>
+              <a:rPr lang="en-US" dirty="0">
+                <a:solidFill>
+                  <a:schemeClr val="tx1">
+                    <a:lumMod val="85000"/>
+                  </a:schemeClr>
+                </a:solidFill>
+                <a:latin typeface="Open Sans" panose="020B0606030504020204" pitchFamily="34" charset="0"/>
+                <a:ea typeface="Open Sans" panose="020B0606030504020204" pitchFamily="34" charset="0"/>
+                <a:cs typeface="Open Sans" panose="020B0606030504020204" pitchFamily="34" charset="0"/>
+              </a:rPr>
+              <a:t>What Is an Interface?</a:t>
+            </a:r>
+          </a:p>
+          <a:p>
+            <a:r>
+              <a:rPr lang="en-US" dirty="0">
+                <a:solidFill>
+                  <a:srgbClr val="00B0F0"/>
+                </a:solidFill>
+                <a:latin typeface="Open Sans" panose="020B0606030504020204" pitchFamily="34" charset="0"/>
+                <a:ea typeface="Open Sans" panose="020B0606030504020204" pitchFamily="34" charset="0"/>
+                <a:cs typeface="Open Sans" panose="020B0606030504020204" pitchFamily="34" charset="0"/>
+              </a:rPr>
+              <a:t>An interface is a contract between a class and the outside world. </a:t>
+            </a:r>
+            <a:r>
+              <a:rPr lang="en-US" dirty="0">
+                <a:solidFill>
+                  <a:schemeClr val="tx1">
+                    <a:lumMod val="85000"/>
+                  </a:schemeClr>
+                </a:solidFill>
+                <a:latin typeface="Open Sans" panose="020B0606030504020204" pitchFamily="34" charset="0"/>
+                <a:ea typeface="Open Sans" panose="020B0606030504020204" pitchFamily="34" charset="0"/>
+                <a:cs typeface="Open Sans" panose="020B0606030504020204" pitchFamily="34" charset="0"/>
+              </a:rPr>
+              <a:t>When a class implements an interface, it promises to provide the behavior published by that interface</a:t>
+            </a:r>
+          </a:p>
+          <a:p>
+            <a:endParaRPr lang="en-US" dirty="0">
+              <a:solidFill>
+                <a:schemeClr val="tx1">
+                  <a:lumMod val="85000"/>
+                </a:schemeClr>
+              </a:solidFill>
+              <a:latin typeface="Open Sans" panose="020B0606030504020204" pitchFamily="34" charset="0"/>
+              <a:ea typeface="Open Sans" panose="020B0606030504020204" pitchFamily="34" charset="0"/>
+              <a:cs typeface="Open Sans" panose="020B0606030504020204" pitchFamily="34" charset="0"/>
+            </a:endParaRPr>
+          </a:p>
+          <a:p>
+            <a:r>
+              <a:rPr lang="en-US" dirty="0">
+                <a:solidFill>
+                  <a:schemeClr val="tx1">
+                    <a:lumMod val="85000"/>
+                  </a:schemeClr>
+                </a:solidFill>
+                <a:latin typeface="Open Sans" panose="020B0606030504020204" pitchFamily="34" charset="0"/>
+                <a:ea typeface="Open Sans" panose="020B0606030504020204" pitchFamily="34" charset="0"/>
+                <a:cs typeface="Open Sans" panose="020B0606030504020204" pitchFamily="34" charset="0"/>
+              </a:rPr>
+              <a:t>An interface is a completely "abstract class" that is used to group related methods with empty bodies:</a:t>
+            </a:r>
+          </a:p>
+          <a:p>
+            <a:endParaRPr lang="en-US" dirty="0">
+              <a:solidFill>
+                <a:schemeClr val="tx1">
+                  <a:lumMod val="85000"/>
+                </a:schemeClr>
+              </a:solidFill>
+              <a:latin typeface="Open Sans" panose="020B0606030504020204" pitchFamily="34" charset="0"/>
+              <a:ea typeface="Open Sans" panose="020B0606030504020204" pitchFamily="34" charset="0"/>
+              <a:cs typeface="Open Sans" panose="020B0606030504020204" pitchFamily="34" charset="0"/>
+            </a:endParaRPr>
+          </a:p>
+          <a:p>
+            <a:r>
+              <a:rPr lang="en-US" b="0" i="0" dirty="0">
+                <a:solidFill>
+                  <a:schemeClr val="tx1">
+                    <a:lumMod val="85000"/>
+                  </a:schemeClr>
+                </a:solidFill>
+                <a:effectLst/>
+                <a:latin typeface="Open Sans" panose="020B0606030504020204" pitchFamily="34" charset="0"/>
+                <a:ea typeface="Open Sans" panose="020B0606030504020204" pitchFamily="34" charset="0"/>
+                <a:cs typeface="Open Sans" panose="020B0606030504020204" pitchFamily="34" charset="0"/>
+              </a:rPr>
+              <a:t>To access the interface methods, the interface must be "implemented" (</a:t>
+            </a:r>
+            <a:r>
+              <a:rPr lang="en-US" b="0" i="0" dirty="0" err="1">
+                <a:solidFill>
+                  <a:schemeClr val="tx1">
+                    <a:lumMod val="85000"/>
+                  </a:schemeClr>
+                </a:solidFill>
+                <a:effectLst/>
+                <a:latin typeface="Open Sans" panose="020B0606030504020204" pitchFamily="34" charset="0"/>
+                <a:ea typeface="Open Sans" panose="020B0606030504020204" pitchFamily="34" charset="0"/>
+                <a:cs typeface="Open Sans" panose="020B0606030504020204" pitchFamily="34" charset="0"/>
+              </a:rPr>
+              <a:t>kinda</a:t>
+            </a:r>
+            <a:r>
+              <a:rPr lang="en-US" b="0" i="0" dirty="0">
+                <a:solidFill>
+                  <a:schemeClr val="tx1">
+                    <a:lumMod val="85000"/>
+                  </a:schemeClr>
+                </a:solidFill>
+                <a:effectLst/>
+                <a:latin typeface="Open Sans" panose="020B0606030504020204" pitchFamily="34" charset="0"/>
+                <a:ea typeface="Open Sans" panose="020B0606030504020204" pitchFamily="34" charset="0"/>
+                <a:cs typeface="Open Sans" panose="020B0606030504020204" pitchFamily="34" charset="0"/>
+              </a:rPr>
+              <a:t> like inherited) by another class with the implements keyword (instead of extends). The </a:t>
+            </a:r>
+            <a:r>
+              <a:rPr lang="en-US" b="0" i="0" dirty="0">
+                <a:solidFill>
+                  <a:srgbClr val="00B0F0"/>
+                </a:solidFill>
+                <a:effectLst/>
+                <a:latin typeface="Open Sans" panose="020B0606030504020204" pitchFamily="34" charset="0"/>
+                <a:ea typeface="Open Sans" panose="020B0606030504020204" pitchFamily="34" charset="0"/>
+                <a:cs typeface="Open Sans" panose="020B0606030504020204" pitchFamily="34" charset="0"/>
+              </a:rPr>
+              <a:t>body of the interface method is provided by the "implemented" class</a:t>
+            </a:r>
+          </a:p>
+          <a:p>
+            <a:endParaRPr lang="en-US" dirty="0">
+              <a:solidFill>
+                <a:srgbClr val="00B0F0"/>
+              </a:solidFill>
+              <a:latin typeface="Open Sans" panose="020B0606030504020204" pitchFamily="34" charset="0"/>
+              <a:ea typeface="Open Sans" panose="020B0606030504020204" pitchFamily="34" charset="0"/>
+              <a:cs typeface="Open Sans" panose="020B0606030504020204" pitchFamily="34" charset="0"/>
+            </a:endParaRPr>
+          </a:p>
+          <a:p>
+            <a:r>
+              <a:rPr lang="en-US" b="0" i="0" dirty="0">
+                <a:solidFill>
+                  <a:srgbClr val="00B0F0"/>
+                </a:solidFill>
+                <a:effectLst/>
+                <a:latin typeface="Open Sans" panose="020B0606030504020204" pitchFamily="34" charset="0"/>
+                <a:ea typeface="Open Sans" panose="020B0606030504020204" pitchFamily="34" charset="0"/>
+                <a:cs typeface="Open Sans" panose="020B0606030504020204" pitchFamily="34" charset="0"/>
+              </a:rPr>
+              <a:t>Classes can implement </a:t>
+            </a:r>
+            <a:r>
+              <a:rPr lang="en-US" b="0" i="0">
+                <a:solidFill>
+                  <a:srgbClr val="00B0F0"/>
+                </a:solidFill>
+                <a:effectLst/>
+                <a:latin typeface="Open Sans" panose="020B0606030504020204" pitchFamily="34" charset="0"/>
+                <a:ea typeface="Open Sans" panose="020B0606030504020204" pitchFamily="34" charset="0"/>
+                <a:cs typeface="Open Sans" panose="020B0606030504020204" pitchFamily="34" charset="0"/>
+              </a:rPr>
+              <a:t>multiple interfaces</a:t>
+            </a:r>
+            <a:endParaRPr lang="en-US" b="0" i="0" dirty="0">
+              <a:solidFill>
+                <a:schemeClr val="tx1">
+                  <a:lumMod val="85000"/>
+                </a:schemeClr>
+              </a:solidFill>
+              <a:effectLst/>
+              <a:latin typeface="Open Sans" panose="020B0606030504020204" pitchFamily="34" charset="0"/>
+              <a:ea typeface="Open Sans" panose="020B0606030504020204" pitchFamily="34" charset="0"/>
+              <a:cs typeface="Open Sans" panose="020B0606030504020204" pitchFamily="34" charset="0"/>
+            </a:endParaRPr>
+          </a:p>
+          <a:p>
             <a:endParaRPr lang="en-US" b="0" i="0" dirty="0">
               <a:solidFill>
                 <a:schemeClr val="tx1">
@@ -9664,26 +10289,50 @@
               <a:latin typeface="Open Sans" panose="020B0606030504020204" pitchFamily="34" charset="0"/>
             </a:endParaRPr>
           </a:p>
-          <a:p>
-            <a:pPr marL="342900" indent="-342900">
-              <a:buFont typeface="Arial" panose="020B0604020202020204" pitchFamily="34" charset="0"/>
-              <a:buChar char="•"/>
-            </a:pPr>
-            <a:endParaRPr lang="en-US" dirty="0">
-              <a:solidFill>
-                <a:schemeClr val="tx1">
-                  <a:lumMod val="85000"/>
-                </a:schemeClr>
-              </a:solidFill>
-              <a:latin typeface="Open Sans" panose="020B0606030504020204" pitchFamily="34" charset="0"/>
-            </a:endParaRPr>
+        </p:txBody>
+      </p:sp>
+      <p:sp>
+        <p:nvSpPr>
+          <p:cNvPr id="5" name="TextBox 4">
+            <a:extLst>
+              <a:ext uri="{FF2B5EF4-FFF2-40B4-BE49-F238E27FC236}">
+                <a16:creationId xmlns:a16="http://schemas.microsoft.com/office/drawing/2014/main" id="{20F6CBEF-9110-814A-F1E8-8EDD591B1904}"/>
+              </a:ext>
+            </a:extLst>
+          </p:cNvPr>
+          <p:cNvSpPr txBox="1"/>
+          <p:nvPr/>
+        </p:nvSpPr>
+        <p:spPr>
+          <a:xfrm>
+            <a:off x="4698072" y="6345767"/>
+            <a:ext cx="7333507" cy="369332"/>
+          </a:xfrm>
+          <a:prstGeom prst="rect">
+            <a:avLst/>
+          </a:prstGeom>
+          <a:noFill/>
+        </p:spPr>
+        <p:txBody>
+          <a:bodyPr wrap="square">
+            <a:spAutoFit/>
+          </a:bodyPr>
+          <a:lstStyle/>
+          <a:p>
+            <a:r>
+              <a:rPr lang="en-US" dirty="0">
+                <a:hlinkClick r:id="rId2"/>
+              </a:rPr>
+              <a:t>https://github.com/ckiefriter1/Java-Code-Examples/tree/main/src/interfaces</a:t>
+            </a:r>
+            <a:endParaRPr lang="en-US" dirty="0"/>
           </a:p>
         </p:txBody>
       </p:sp>
     </p:spTree>
     <p:extLst>
       <p:ext uri="{BB962C8B-B14F-4D97-AF65-F5344CB8AC3E}">
-        <p14:creationId xmlns:p14="http://schemas.microsoft.com/office/powerpoint/2010/main" val="424094208"/>
+        <p14:creationId xmlns:p14="http://schemas.microsoft.com/office/powerpoint/2010/main" val="3827704663"/>
       </p:ext>
     </p:extLst>
   </p:cSld>
@@ -9791,6 +10440,248 @@
 </file>
 
 <file path=ppt/slides/slide20.xml><?xml version="1.0" encoding="utf-8"?>
+<p:sld xmlns:a="http://schemas.openxmlformats.org/drawingml/2006/main" xmlns:r="http://schemas.openxmlformats.org/officeDocument/2006/relationships" xmlns:p="http://schemas.openxmlformats.org/presentationml/2006/main">
+  <p:cSld>
+    <p:spTree>
+      <p:nvGrpSpPr>
+        <p:cNvPr id="1" name=""/>
+        <p:cNvGrpSpPr/>
+        <p:nvPr/>
+      </p:nvGrpSpPr>
+      <p:grpSpPr>
+        <a:xfrm>
+          <a:off x="0" y="0"/>
+          <a:ext cx="0" cy="0"/>
+          <a:chOff x="0" y="0"/>
+          <a:chExt cx="0" cy="0"/>
+        </a:xfrm>
+      </p:grpSpPr>
+      <p:sp>
+        <p:nvSpPr>
+          <p:cNvPr id="3" name="TextBox 2">
+            <a:extLst>
+              <a:ext uri="{FF2B5EF4-FFF2-40B4-BE49-F238E27FC236}">
+                <a16:creationId xmlns:a16="http://schemas.microsoft.com/office/drawing/2014/main" id="{23DFC7E9-54DD-38D7-0B9B-D34948D68CF9}"/>
+              </a:ext>
+            </a:extLst>
+          </p:cNvPr>
+          <p:cNvSpPr txBox="1"/>
+          <p:nvPr/>
+        </p:nvSpPr>
+        <p:spPr>
+          <a:xfrm>
+            <a:off x="1065401" y="2618895"/>
+            <a:ext cx="9538284" cy="1015663"/>
+          </a:xfrm>
+          <a:prstGeom prst="rect">
+            <a:avLst/>
+          </a:prstGeom>
+          <a:noFill/>
+        </p:spPr>
+        <p:txBody>
+          <a:bodyPr wrap="square">
+            <a:spAutoFit/>
+          </a:bodyPr>
+          <a:lstStyle/>
+          <a:p>
+            <a:pPr marL="0" marR="0" lvl="0" indent="0" algn="l" defTabSz="914400" rtl="0" eaLnBrk="1" fontAlgn="auto" latinLnBrk="0" hangingPunct="1">
+              <a:lnSpc>
+                <a:spcPct val="100000"/>
+              </a:lnSpc>
+              <a:spcBef>
+                <a:spcPts val="0"/>
+              </a:spcBef>
+              <a:spcAft>
+                <a:spcPts val="0"/>
+              </a:spcAft>
+              <a:buClrTx/>
+              <a:buSzTx/>
+              <a:buFontTx/>
+              <a:buNone/>
+              <a:tabLst/>
+              <a:defRPr/>
+            </a:pPr>
+            <a:r>
+              <a:rPr kumimoji="0" lang="en-US" sz="6000" b="0" i="0" u="none" strike="noStrike" kern="1200" cap="none" spc="0" normalizeH="0" baseline="0" noProof="0" dirty="0">
+                <a:ln>
+                  <a:noFill/>
+                </a:ln>
+                <a:solidFill>
+                  <a:prstClr val="white">
+                    <a:lumMod val="75000"/>
+                  </a:prstClr>
+                </a:solidFill>
+                <a:effectLst/>
+                <a:uLnTx/>
+                <a:uFillTx/>
+                <a:latin typeface="Open Sans" panose="020B0606030504020204" pitchFamily="34" charset="0"/>
+                <a:ea typeface="+mn-ea"/>
+                <a:cs typeface="+mn-cs"/>
+              </a:rPr>
+              <a:t>OOP Menu Example</a:t>
+            </a:r>
+          </a:p>
+        </p:txBody>
+      </p:sp>
+    </p:spTree>
+    <p:extLst>
+      <p:ext uri="{BB962C8B-B14F-4D97-AF65-F5344CB8AC3E}">
+        <p14:creationId xmlns:p14="http://schemas.microsoft.com/office/powerpoint/2010/main" val="4183596226"/>
+      </p:ext>
+    </p:extLst>
+  </p:cSld>
+  <p:clrMapOvr>
+    <a:masterClrMapping/>
+  </p:clrMapOvr>
+</p:sld>
+</file>
+
+<file path=ppt/slides/slide21.xml><?xml version="1.0" encoding="utf-8"?>
+<p:sld xmlns:a="http://schemas.openxmlformats.org/drawingml/2006/main" xmlns:r="http://schemas.openxmlformats.org/officeDocument/2006/relationships" xmlns:p="http://schemas.openxmlformats.org/presentationml/2006/main">
+  <p:cSld>
+    <p:spTree>
+      <p:nvGrpSpPr>
+        <p:cNvPr id="1" name=""/>
+        <p:cNvGrpSpPr/>
+        <p:nvPr/>
+      </p:nvGrpSpPr>
+      <p:grpSpPr>
+        <a:xfrm>
+          <a:off x="0" y="0"/>
+          <a:ext cx="0" cy="0"/>
+          <a:chOff x="0" y="0"/>
+          <a:chExt cx="0" cy="0"/>
+        </a:xfrm>
+      </p:grpSpPr>
+      <p:sp>
+        <p:nvSpPr>
+          <p:cNvPr id="6" name="TextBox 5">
+            <a:extLst>
+              <a:ext uri="{FF2B5EF4-FFF2-40B4-BE49-F238E27FC236}">
+                <a16:creationId xmlns:a16="http://schemas.microsoft.com/office/drawing/2014/main" id="{59E906CD-110B-9D01-732C-2F21759B0265}"/>
+              </a:ext>
+            </a:extLst>
+          </p:cNvPr>
+          <p:cNvSpPr txBox="1"/>
+          <p:nvPr/>
+        </p:nvSpPr>
+        <p:spPr>
+          <a:xfrm>
+            <a:off x="341603" y="50541"/>
+            <a:ext cx="11449344" cy="461665"/>
+          </a:xfrm>
+          <a:prstGeom prst="rect">
+            <a:avLst/>
+          </a:prstGeom>
+          <a:noFill/>
+        </p:spPr>
+        <p:txBody>
+          <a:bodyPr wrap="square">
+            <a:spAutoFit/>
+          </a:bodyPr>
+          <a:lstStyle/>
+          <a:p>
+            <a:pPr algn="l"/>
+            <a:r>
+              <a:rPr lang="en-US" sz="2400" b="1" dirty="0">
+                <a:solidFill>
+                  <a:srgbClr val="00B050"/>
+                </a:solidFill>
+                <a:latin typeface="Open Sans" panose="020B0606030504020204" pitchFamily="34" charset="0"/>
+              </a:rPr>
+              <a:t>Menu-Driven Applications</a:t>
+            </a:r>
+            <a:endParaRPr lang="en-US" sz="2400" b="1" dirty="0">
+              <a:solidFill>
+                <a:srgbClr val="00B050"/>
+              </a:solidFill>
+              <a:effectLst/>
+              <a:latin typeface="Open Sans" panose="020B0606030504020204" pitchFamily="34" charset="0"/>
+            </a:endParaRPr>
+          </a:p>
+        </p:txBody>
+      </p:sp>
+      <p:sp>
+        <p:nvSpPr>
+          <p:cNvPr id="5" name="TextBox 4">
+            <a:extLst>
+              <a:ext uri="{FF2B5EF4-FFF2-40B4-BE49-F238E27FC236}">
+                <a16:creationId xmlns:a16="http://schemas.microsoft.com/office/drawing/2014/main" id="{9DB63145-E59C-9501-8AA5-4E6AC5C0D40F}"/>
+              </a:ext>
+            </a:extLst>
+          </p:cNvPr>
+          <p:cNvSpPr txBox="1"/>
+          <p:nvPr/>
+        </p:nvSpPr>
+        <p:spPr>
+          <a:xfrm>
+            <a:off x="240935" y="539403"/>
+            <a:ext cx="11612709" cy="646331"/>
+          </a:xfrm>
+          <a:prstGeom prst="rect">
+            <a:avLst/>
+          </a:prstGeom>
+          <a:noFill/>
+        </p:spPr>
+        <p:txBody>
+          <a:bodyPr wrap="square">
+            <a:spAutoFit/>
+          </a:bodyPr>
+          <a:lstStyle/>
+          <a:p>
+            <a:pPr algn="l"/>
+            <a:r>
+              <a:rPr lang="en-US" b="1" i="0" dirty="0">
+                <a:solidFill>
+                  <a:schemeClr val="tx1">
+                    <a:lumMod val="85000"/>
+                  </a:schemeClr>
+                </a:solidFill>
+                <a:effectLst/>
+                <a:latin typeface="Open Sans" panose="020B0606030504020204" pitchFamily="34" charset="0"/>
+              </a:rPr>
+              <a:t>TBD</a:t>
+            </a:r>
+            <a:endParaRPr lang="en-US" b="0" i="0" dirty="0">
+              <a:solidFill>
+                <a:schemeClr val="tx1">
+                  <a:lumMod val="85000"/>
+                </a:schemeClr>
+              </a:solidFill>
+              <a:effectLst/>
+              <a:latin typeface="Open Sans" panose="020B0606030504020204" pitchFamily="34" charset="0"/>
+            </a:endParaRPr>
+          </a:p>
+          <a:p>
+            <a:pPr marL="342900" indent="-342900">
+              <a:buFont typeface="Arial" panose="020B0604020202020204" pitchFamily="34" charset="0"/>
+              <a:buChar char="•"/>
+            </a:pPr>
+            <a:endParaRPr lang="en-US" dirty="0">
+              <a:solidFill>
+                <a:schemeClr val="tx1">
+                  <a:lumMod val="85000"/>
+                </a:schemeClr>
+              </a:solidFill>
+              <a:latin typeface="Open Sans" panose="020B0606030504020204" pitchFamily="34" charset="0"/>
+            </a:endParaRPr>
+          </a:p>
+        </p:txBody>
+      </p:sp>
+    </p:spTree>
+    <p:extLst>
+      <p:ext uri="{BB962C8B-B14F-4D97-AF65-F5344CB8AC3E}">
+        <p14:creationId xmlns:p14="http://schemas.microsoft.com/office/powerpoint/2010/main" val="424094208"/>
+      </p:ext>
+    </p:extLst>
+  </p:cSld>
+  <p:clrMapOvr>
+    <a:masterClrMapping/>
+  </p:clrMapOvr>
+</p:sld>
+</file>
+
+<file path=ppt/slides/slide22.xml><?xml version="1.0" encoding="utf-8"?>
 <p:sld xmlns:a="http://schemas.openxmlformats.org/drawingml/2006/main" xmlns:r="http://schemas.openxmlformats.org/officeDocument/2006/relationships" xmlns:p="http://schemas.openxmlformats.org/presentationml/2006/main">
   <p:cSld>
     <p:spTree>
@@ -10150,21 +11041,10 @@
                 <a:ea typeface="Open Sans" panose="020B0606030504020204" pitchFamily="34" charset="0"/>
                 <a:cs typeface="Open Sans" panose="020B0606030504020204" pitchFamily="34" charset="0"/>
               </a:rPr>
-              <a:t>objects that contain both data (properties)  </a:t>
-            </a:r>
-            <a:r>
-              <a:rPr lang="en-US" sz="2000">
-                <a:solidFill>
-                  <a:srgbClr val="00B0F0"/>
-                </a:solidFill>
-                <a:latin typeface="Open Sans" panose="020B0606030504020204" pitchFamily="34" charset="0"/>
-                <a:ea typeface="Open Sans" panose="020B0606030504020204" pitchFamily="34" charset="0"/>
-                <a:cs typeface="Open Sans" panose="020B0606030504020204" pitchFamily="34" charset="0"/>
-              </a:rPr>
-              <a:t>and functionality (methods)</a:t>
-            </a:r>
-            <a:r>
-              <a:rPr lang="en-US" sz="2000">
+              <a:t>objects that contain both data (properties)  and functionality (methods)</a:t>
+            </a:r>
+            <a:r>
+              <a:rPr lang="en-US" sz="2000" dirty="0">
                 <a:solidFill>
                   <a:schemeClr val="tx1">
                     <a:lumMod val="85000"/>
@@ -11829,20 +12709,7 @@
                 <a:ea typeface="Open Sans" panose="020B0606030504020204" pitchFamily="34" charset="0"/>
                 <a:cs typeface="Open Sans" panose="020B0606030504020204" pitchFamily="34" charset="0"/>
               </a:rPr>
-              <a:t>Each pillar is essential, and important, but these pillars are also dependent upon each </a:t>
-            </a:r>
-            <a:r>
-              <a:rPr lang="en-US" sz="2000">
-                <a:solidFill>
-                  <a:schemeClr val="tx1">
-                    <a:lumMod val="85000"/>
-                  </a:schemeClr>
-                </a:solidFill>
-                <a:latin typeface="Open Sans" panose="020B0606030504020204" pitchFamily="34" charset="0"/>
-                <a:ea typeface="Open Sans" panose="020B0606030504020204" pitchFamily="34" charset="0"/>
-                <a:cs typeface="Open Sans" panose="020B0606030504020204" pitchFamily="34" charset="0"/>
-              </a:rPr>
-              <a:t>other.</a:t>
+              <a:t>Each pillar is essential, and important, but these pillars are also dependent upon each other.</a:t>
             </a:r>
           </a:p>
           <a:p>
@@ -12325,10 +13192,10 @@
       </p:grpSpPr>
       <p:sp>
         <p:nvSpPr>
-          <p:cNvPr id="3" name="TextBox 2">
+          <p:cNvPr id="6" name="TextBox 5">
             <a:extLst>
               <a:ext uri="{FF2B5EF4-FFF2-40B4-BE49-F238E27FC236}">
-                <a16:creationId xmlns:a16="http://schemas.microsoft.com/office/drawing/2014/main" id="{23DFC7E9-54DD-38D7-0B9B-D34948D68CF9}"/>
+                <a16:creationId xmlns:a16="http://schemas.microsoft.com/office/drawing/2014/main" id="{59E906CD-110B-9D01-732C-2F21759B0265}"/>
               </a:ext>
             </a:extLst>
           </p:cNvPr>
@@ -12337,8 +13204,8 @@
         </p:nvSpPr>
         <p:spPr>
           <a:xfrm>
-            <a:off x="1894669" y="2745699"/>
-            <a:ext cx="9326104" cy="1015663"/>
+            <a:off x="193250" y="91915"/>
+            <a:ext cx="8256355" cy="461665"/>
           </a:xfrm>
           <a:prstGeom prst="rect">
             <a:avLst/>
@@ -12351,49 +13218,748 @@
           </a:bodyPr>
           <a:lstStyle/>
           <a:p>
-            <a:pPr marL="0" marR="0" lvl="0" indent="0" algn="l" defTabSz="914400" rtl="0" eaLnBrk="1" fontAlgn="auto" latinLnBrk="0" hangingPunct="1">
-              <a:lnSpc>
-                <a:spcPct val="100000"/>
-              </a:lnSpc>
-              <a:spcBef>
-                <a:spcPts val="0"/>
-              </a:spcBef>
-              <a:spcAft>
-                <a:spcPts val="0"/>
-              </a:spcAft>
-              <a:buClrTx/>
-              <a:buSzTx/>
-              <a:buFontTx/>
-              <a:buNone/>
-              <a:tabLst/>
-              <a:defRPr/>
+            <a:pPr algn="l"/>
+            <a:r>
+              <a:rPr lang="en-US" sz="2400" b="1" dirty="0" err="1">
+                <a:solidFill>
+                  <a:srgbClr val="00B050"/>
+                </a:solidFill>
+                <a:effectLst/>
+                <a:latin typeface="Open Sans" panose="020B0606030504020204" pitchFamily="34" charset="0"/>
+              </a:rPr>
+              <a:t>Inheritence</a:t>
+            </a:r>
+            <a:endParaRPr lang="en-US" sz="2400" b="1" dirty="0">
+              <a:solidFill>
+                <a:srgbClr val="00B050"/>
+              </a:solidFill>
+              <a:effectLst/>
+              <a:latin typeface="Open Sans" panose="020B0606030504020204" pitchFamily="34" charset="0"/>
+            </a:endParaRPr>
+          </a:p>
+        </p:txBody>
+      </p:sp>
+      <p:sp>
+        <p:nvSpPr>
+          <p:cNvPr id="4" name="TextBox 3">
+            <a:extLst>
+              <a:ext uri="{FF2B5EF4-FFF2-40B4-BE49-F238E27FC236}">
+                <a16:creationId xmlns:a16="http://schemas.microsoft.com/office/drawing/2014/main" id="{C0B26727-0F97-5A73-B4ED-6BE65E07E5DB}"/>
+              </a:ext>
+            </a:extLst>
+          </p:cNvPr>
+          <p:cNvSpPr txBox="1"/>
+          <p:nvPr/>
+        </p:nvSpPr>
+        <p:spPr>
+          <a:xfrm>
+            <a:off x="259207" y="553580"/>
+            <a:ext cx="9324265" cy="6463308"/>
+          </a:xfrm>
+          <a:prstGeom prst="rect">
+            <a:avLst/>
+          </a:prstGeom>
+          <a:noFill/>
+        </p:spPr>
+        <p:txBody>
+          <a:bodyPr wrap="square">
+            <a:spAutoFit/>
+          </a:bodyPr>
+          <a:lstStyle/>
+          <a:p>
+            <a:r>
+              <a:rPr lang="en-US" dirty="0">
+                <a:solidFill>
+                  <a:srgbClr val="00B0F0"/>
+                </a:solidFill>
+                <a:latin typeface="Open Sans" panose="020B0606030504020204" pitchFamily="34" charset="0"/>
+                <a:ea typeface="Open Sans" panose="020B0606030504020204" pitchFamily="34" charset="0"/>
+                <a:cs typeface="Open Sans" panose="020B0606030504020204" pitchFamily="34" charset="0"/>
+              </a:rPr>
+              <a:t>Inheritance</a:t>
+            </a:r>
+            <a:r>
+              <a:rPr lang="en-US" dirty="0">
+                <a:solidFill>
+                  <a:schemeClr val="tx1">
+                    <a:lumMod val="85000"/>
+                  </a:schemeClr>
+                </a:solidFill>
+                <a:latin typeface="Open Sans" panose="020B0606030504020204" pitchFamily="34" charset="0"/>
+                <a:ea typeface="Open Sans" panose="020B0606030504020204" pitchFamily="34" charset="0"/>
+                <a:cs typeface="Open Sans" panose="020B0606030504020204" pitchFamily="34" charset="0"/>
+              </a:rPr>
+              <a:t> means </a:t>
+            </a:r>
+            <a:r>
+              <a:rPr lang="en-US" dirty="0">
+                <a:solidFill>
+                  <a:srgbClr val="00B0F0"/>
+                </a:solidFill>
+                <a:latin typeface="Open Sans" panose="020B0606030504020204" pitchFamily="34" charset="0"/>
+                <a:ea typeface="Open Sans" panose="020B0606030504020204" pitchFamily="34" charset="0"/>
+                <a:cs typeface="Open Sans" panose="020B0606030504020204" pitchFamily="34" charset="0"/>
+              </a:rPr>
+              <a:t>creating new classes based on existing ones</a:t>
+            </a:r>
+            <a:r>
+              <a:rPr lang="en-US" dirty="0">
+                <a:solidFill>
+                  <a:schemeClr val="tx1">
+                    <a:lumMod val="85000"/>
+                  </a:schemeClr>
+                </a:solidFill>
+                <a:latin typeface="Open Sans" panose="020B0606030504020204" pitchFamily="34" charset="0"/>
+                <a:ea typeface="Open Sans" panose="020B0606030504020204" pitchFamily="34" charset="0"/>
+                <a:cs typeface="Open Sans" panose="020B0606030504020204" pitchFamily="34" charset="0"/>
+              </a:rPr>
+              <a:t>. A class that inherits from another class can reuse the methods and fields of that class. In addition, you can add new fields and methods to your current class as well. </a:t>
+            </a:r>
+          </a:p>
+          <a:p>
+            <a:endParaRPr lang="en-US" dirty="0">
+              <a:solidFill>
+                <a:schemeClr val="tx1">
+                  <a:lumMod val="85000"/>
+                </a:schemeClr>
+              </a:solidFill>
+              <a:latin typeface="Open Sans" panose="020B0606030504020204" pitchFamily="34" charset="0"/>
+              <a:ea typeface="Open Sans" panose="020B0606030504020204" pitchFamily="34" charset="0"/>
+              <a:cs typeface="Open Sans" panose="020B0606030504020204" pitchFamily="34" charset="0"/>
+            </a:endParaRPr>
+          </a:p>
+          <a:p>
+            <a:r>
+              <a:rPr lang="en-US" dirty="0">
+                <a:solidFill>
+                  <a:schemeClr val="tx1">
+                    <a:lumMod val="85000"/>
+                  </a:schemeClr>
+                </a:solidFill>
+                <a:latin typeface="Open Sans" panose="020B0606030504020204" pitchFamily="34" charset="0"/>
+                <a:ea typeface="Open Sans" panose="020B0606030504020204" pitchFamily="34" charset="0"/>
+                <a:cs typeface="Open Sans" panose="020B0606030504020204" pitchFamily="34" charset="0"/>
+              </a:rPr>
+              <a:t>Why Do We Need Java Inheritance?</a:t>
+            </a:r>
+            <a:endParaRPr lang="en-US" dirty="0">
+              <a:solidFill>
+                <a:srgbClr val="00B0F0"/>
+              </a:solidFill>
+              <a:latin typeface="Open Sans" panose="020B0606030504020204" pitchFamily="34" charset="0"/>
+              <a:ea typeface="Open Sans" panose="020B0606030504020204" pitchFamily="34" charset="0"/>
+              <a:cs typeface="Open Sans" panose="020B0606030504020204" pitchFamily="34" charset="0"/>
+            </a:endParaRPr>
+          </a:p>
+          <a:p>
+            <a:pPr marL="285750" indent="-285750">
+              <a:buFont typeface="Arial" panose="020B0604020202020204" pitchFamily="34" charset="0"/>
+              <a:buChar char="•"/>
             </a:pPr>
             <a:r>
-              <a:rPr kumimoji="0" lang="en-US" sz="6000" b="0" i="0" u="none" strike="noStrike" kern="1200" cap="none" spc="0" normalizeH="0" baseline="0" noProof="0" dirty="0">
-                <a:ln>
-                  <a:noFill/>
-                </a:ln>
-                <a:solidFill>
-                  <a:prstClr val="white">
-                    <a:lumMod val="75000"/>
-                  </a:prstClr>
-                </a:solidFill>
-                <a:effectLst/>
-                <a:uLnTx/>
-                <a:uFillTx/>
-                <a:latin typeface="Open Sans" panose="020B0606030504020204" pitchFamily="34" charset="0"/>
-                <a:ea typeface="+mn-ea"/>
-                <a:cs typeface="+mn-cs"/>
-              </a:rPr>
-              <a:t>Exceptions</a:t>
-            </a:r>
+              <a:rPr lang="en-US" dirty="0">
+                <a:solidFill>
+                  <a:srgbClr val="00B0F0"/>
+                </a:solidFill>
+                <a:latin typeface="Open Sans" panose="020B0606030504020204" pitchFamily="34" charset="0"/>
+                <a:ea typeface="Open Sans" panose="020B0606030504020204" pitchFamily="34" charset="0"/>
+                <a:cs typeface="Open Sans" panose="020B0606030504020204" pitchFamily="34" charset="0"/>
+              </a:rPr>
+              <a:t>Code Reusability</a:t>
+            </a:r>
+            <a:r>
+              <a:rPr lang="en-US" dirty="0">
+                <a:solidFill>
+                  <a:schemeClr val="tx1">
+                    <a:lumMod val="85000"/>
+                  </a:schemeClr>
+                </a:solidFill>
+                <a:latin typeface="Open Sans" panose="020B0606030504020204" pitchFamily="34" charset="0"/>
+                <a:ea typeface="Open Sans" panose="020B0606030504020204" pitchFamily="34" charset="0"/>
+                <a:cs typeface="Open Sans" panose="020B0606030504020204" pitchFamily="34" charset="0"/>
+              </a:rPr>
+              <a:t>: The code written in the Superclass is common to all subclasses. Child classes can directly use the parent class code.</a:t>
+            </a:r>
+            <a:endParaRPr lang="en-US" dirty="0">
+              <a:solidFill>
+                <a:srgbClr val="00B0F0"/>
+              </a:solidFill>
+              <a:latin typeface="Open Sans" panose="020B0606030504020204" pitchFamily="34" charset="0"/>
+              <a:ea typeface="Open Sans" panose="020B0606030504020204" pitchFamily="34" charset="0"/>
+              <a:cs typeface="Open Sans" panose="020B0606030504020204" pitchFamily="34" charset="0"/>
+            </a:endParaRPr>
+          </a:p>
+          <a:p>
+            <a:pPr marL="285750" indent="-285750">
+              <a:buFont typeface="Arial" panose="020B0604020202020204" pitchFamily="34" charset="0"/>
+              <a:buChar char="•"/>
+            </a:pPr>
+            <a:r>
+              <a:rPr lang="en-US" dirty="0">
+                <a:solidFill>
+                  <a:srgbClr val="00B0F0"/>
+                </a:solidFill>
+                <a:latin typeface="Open Sans" panose="020B0606030504020204" pitchFamily="34" charset="0"/>
+                <a:ea typeface="Open Sans" panose="020B0606030504020204" pitchFamily="34" charset="0"/>
+                <a:cs typeface="Open Sans" panose="020B0606030504020204" pitchFamily="34" charset="0"/>
+              </a:rPr>
+              <a:t>Method Overriding</a:t>
+            </a:r>
+            <a:r>
+              <a:rPr lang="en-US" dirty="0">
+                <a:solidFill>
+                  <a:schemeClr val="tx1">
+                    <a:lumMod val="85000"/>
+                  </a:schemeClr>
+                </a:solidFill>
+                <a:latin typeface="Open Sans" panose="020B0606030504020204" pitchFamily="34" charset="0"/>
+                <a:ea typeface="Open Sans" panose="020B0606030504020204" pitchFamily="34" charset="0"/>
+                <a:cs typeface="Open Sans" panose="020B0606030504020204" pitchFamily="34" charset="0"/>
+              </a:rPr>
+              <a:t>: Method Overriding is achievable only through Inheritance. It is one of the ways by which Java achieves Run Time Polymorphism.</a:t>
+            </a:r>
+          </a:p>
+          <a:p>
+            <a:pPr marL="285750" indent="-285750">
+              <a:buFont typeface="Arial" panose="020B0604020202020204" pitchFamily="34" charset="0"/>
+              <a:buChar char="•"/>
+            </a:pPr>
+            <a:r>
+              <a:rPr lang="en-US" dirty="0">
+                <a:solidFill>
+                  <a:srgbClr val="00B0F0"/>
+                </a:solidFill>
+                <a:latin typeface="Open Sans" panose="020B0606030504020204" pitchFamily="34" charset="0"/>
+                <a:ea typeface="Open Sans" panose="020B0606030504020204" pitchFamily="34" charset="0"/>
+                <a:cs typeface="Open Sans" panose="020B0606030504020204" pitchFamily="34" charset="0"/>
+              </a:rPr>
+              <a:t>Abstraction:</a:t>
+            </a:r>
+            <a:r>
+              <a:rPr lang="en-US" dirty="0">
+                <a:solidFill>
+                  <a:schemeClr val="tx1">
+                    <a:lumMod val="85000"/>
+                  </a:schemeClr>
+                </a:solidFill>
+                <a:latin typeface="Open Sans" panose="020B0606030504020204" pitchFamily="34" charset="0"/>
+                <a:ea typeface="Open Sans" panose="020B0606030504020204" pitchFamily="34" charset="0"/>
+                <a:cs typeface="Open Sans" panose="020B0606030504020204" pitchFamily="34" charset="0"/>
+              </a:rPr>
+              <a:t> The concept of abstract where we do not have to provide all details is achieved through inheritance. Abstraction only shows the functionality to the user.</a:t>
+            </a:r>
+          </a:p>
+          <a:p>
+            <a:endParaRPr lang="en-US" dirty="0">
+              <a:solidFill>
+                <a:schemeClr val="tx1">
+                  <a:lumMod val="85000"/>
+                </a:schemeClr>
+              </a:solidFill>
+              <a:latin typeface="Open Sans" panose="020B0606030504020204" pitchFamily="34" charset="0"/>
+              <a:ea typeface="Open Sans" panose="020B0606030504020204" pitchFamily="34" charset="0"/>
+              <a:cs typeface="Open Sans" panose="020B0606030504020204" pitchFamily="34" charset="0"/>
+            </a:endParaRPr>
+          </a:p>
+          <a:p>
+            <a:r>
+              <a:rPr lang="en-US" dirty="0">
+                <a:solidFill>
+                  <a:schemeClr val="tx1">
+                    <a:lumMod val="85000"/>
+                  </a:schemeClr>
+                </a:solidFill>
+                <a:latin typeface="Open Sans" panose="020B0606030504020204" pitchFamily="34" charset="0"/>
+                <a:ea typeface="Open Sans" panose="020B0606030504020204" pitchFamily="34" charset="0"/>
+                <a:cs typeface="Open Sans" panose="020B0606030504020204" pitchFamily="34" charset="0"/>
+              </a:rPr>
+              <a:t>What is Abstract Class in Java?</a:t>
+            </a:r>
+          </a:p>
+          <a:p>
+            <a:r>
+              <a:rPr lang="en-US" dirty="0">
+                <a:solidFill>
+                  <a:srgbClr val="00B0F0"/>
+                </a:solidFill>
+                <a:latin typeface="Open Sans" panose="020B0606030504020204" pitchFamily="34" charset="0"/>
+                <a:ea typeface="Open Sans" panose="020B0606030504020204" pitchFamily="34" charset="0"/>
+                <a:cs typeface="Open Sans" panose="020B0606030504020204" pitchFamily="34" charset="0"/>
+              </a:rPr>
+              <a:t>Java abstract class </a:t>
+            </a:r>
+            <a:r>
+              <a:rPr lang="en-US" dirty="0">
+                <a:solidFill>
+                  <a:schemeClr val="tx1">
+                    <a:lumMod val="85000"/>
+                  </a:schemeClr>
+                </a:solidFill>
+                <a:latin typeface="Open Sans" panose="020B0606030504020204" pitchFamily="34" charset="0"/>
+                <a:ea typeface="Open Sans" panose="020B0606030504020204" pitchFamily="34" charset="0"/>
+                <a:cs typeface="Open Sans" panose="020B0606030504020204" pitchFamily="34" charset="0"/>
+              </a:rPr>
+              <a:t>is a </a:t>
+            </a:r>
+            <a:r>
+              <a:rPr lang="en-US" dirty="0">
+                <a:solidFill>
+                  <a:srgbClr val="00B0F0"/>
+                </a:solidFill>
+                <a:latin typeface="Open Sans" panose="020B0606030504020204" pitchFamily="34" charset="0"/>
+                <a:ea typeface="Open Sans" panose="020B0606030504020204" pitchFamily="34" charset="0"/>
+                <a:cs typeface="Open Sans" panose="020B0606030504020204" pitchFamily="34" charset="0"/>
+              </a:rPr>
+              <a:t>class that can not be initiated by itself</a:t>
+            </a:r>
+            <a:r>
+              <a:rPr lang="en-US" dirty="0">
+                <a:solidFill>
+                  <a:schemeClr val="tx1">
+                    <a:lumMod val="85000"/>
+                  </a:schemeClr>
+                </a:solidFill>
+                <a:latin typeface="Open Sans" panose="020B0606030504020204" pitchFamily="34" charset="0"/>
+                <a:ea typeface="Open Sans" panose="020B0606030504020204" pitchFamily="34" charset="0"/>
+                <a:cs typeface="Open Sans" panose="020B0606030504020204" pitchFamily="34" charset="0"/>
+              </a:rPr>
+              <a:t>, it needs to be subclassed by another class to use its properties. An abstract class is declared using the “abstract” keyword in its class definition.</a:t>
+            </a:r>
+          </a:p>
+          <a:p>
+            <a:endParaRPr lang="en-US" dirty="0">
+              <a:solidFill>
+                <a:srgbClr val="00B0F0"/>
+              </a:solidFill>
+              <a:latin typeface="Open Sans" panose="020B0606030504020204" pitchFamily="34" charset="0"/>
+              <a:ea typeface="Open Sans" panose="020B0606030504020204" pitchFamily="34" charset="0"/>
+              <a:cs typeface="Open Sans" panose="020B0606030504020204" pitchFamily="34" charset="0"/>
+            </a:endParaRPr>
+          </a:p>
+          <a:p>
+            <a:r>
+              <a:rPr lang="en-US" dirty="0">
+                <a:solidFill>
+                  <a:schemeClr val="tx1">
+                    <a:lumMod val="85000"/>
+                  </a:schemeClr>
+                </a:solidFill>
+                <a:latin typeface="Open Sans" panose="020B0606030504020204" pitchFamily="34" charset="0"/>
+                <a:ea typeface="Open Sans" panose="020B0606030504020204" pitchFamily="34" charset="0"/>
+                <a:cs typeface="Open Sans" panose="020B0606030504020204" pitchFamily="34" charset="0"/>
+              </a:rPr>
+              <a:t>Abstract class is declared with the abstract keyword. It may have both abstract and non-abstract methods(methods with bodies). </a:t>
+            </a:r>
+            <a:r>
+              <a:rPr lang="en-US" dirty="0">
+                <a:solidFill>
+                  <a:srgbClr val="00B0F0"/>
+                </a:solidFill>
+                <a:latin typeface="Open Sans" panose="020B0606030504020204" pitchFamily="34" charset="0"/>
+                <a:ea typeface="Open Sans" panose="020B0606030504020204" pitchFamily="34" charset="0"/>
+                <a:cs typeface="Open Sans" panose="020B0606030504020204" pitchFamily="34" charset="0"/>
+              </a:rPr>
+              <a:t>An abstract is a Java modifier applicable for classes and methods in Java but not for Variables</a:t>
+            </a:r>
+            <a:r>
+              <a:rPr lang="en-US" dirty="0">
+                <a:solidFill>
+                  <a:schemeClr val="tx1">
+                    <a:lumMod val="85000"/>
+                  </a:schemeClr>
+                </a:solidFill>
+                <a:latin typeface="Open Sans" panose="020B0606030504020204" pitchFamily="34" charset="0"/>
+                <a:ea typeface="Open Sans" panose="020B0606030504020204" pitchFamily="34" charset="0"/>
+                <a:cs typeface="Open Sans" panose="020B0606030504020204" pitchFamily="34" charset="0"/>
+              </a:rPr>
+              <a:t>. In this article, we will learn the use of abstract classes in Java.</a:t>
+            </a:r>
+          </a:p>
+          <a:p>
+            <a:endParaRPr lang="en-US" dirty="0">
+              <a:solidFill>
+                <a:schemeClr val="tx1">
+                  <a:lumMod val="85000"/>
+                </a:schemeClr>
+              </a:solidFill>
+              <a:latin typeface="Open Sans" panose="020B0606030504020204" pitchFamily="34" charset="0"/>
+              <a:ea typeface="Open Sans" panose="020B0606030504020204" pitchFamily="34" charset="0"/>
+              <a:cs typeface="Open Sans" panose="020B0606030504020204" pitchFamily="34" charset="0"/>
+            </a:endParaRPr>
+          </a:p>
+          <a:p>
+            <a:endParaRPr lang="en-US" b="0" i="0" dirty="0">
+              <a:solidFill>
+                <a:schemeClr val="tx1">
+                  <a:lumMod val="85000"/>
+                </a:schemeClr>
+              </a:solidFill>
+              <a:effectLst/>
+              <a:latin typeface="Open Sans" panose="020B0606030504020204" pitchFamily="34" charset="0"/>
+            </a:endParaRPr>
+          </a:p>
+        </p:txBody>
+      </p:sp>
+      <p:sp>
+        <p:nvSpPr>
+          <p:cNvPr id="2" name="TextBox 1">
+            <a:extLst>
+              <a:ext uri="{FF2B5EF4-FFF2-40B4-BE49-F238E27FC236}">
+                <a16:creationId xmlns:a16="http://schemas.microsoft.com/office/drawing/2014/main" id="{40346BC9-5E3A-5092-6ECC-E4E6FAE9ADAF}"/>
+              </a:ext>
+            </a:extLst>
+          </p:cNvPr>
+          <p:cNvSpPr txBox="1"/>
+          <p:nvPr/>
+        </p:nvSpPr>
+        <p:spPr>
+          <a:xfrm>
+            <a:off x="9985186" y="1015959"/>
+            <a:ext cx="1444626" cy="923330"/>
+          </a:xfrm>
+          <a:prstGeom prst="rect">
+            <a:avLst/>
+          </a:prstGeom>
+          <a:noFill/>
+        </p:spPr>
+        <p:txBody>
+          <a:bodyPr wrap="none" rtlCol="0">
+            <a:spAutoFit/>
+          </a:bodyPr>
+          <a:lstStyle/>
+          <a:p>
+            <a:r>
+              <a:rPr lang="en-US" dirty="0"/>
+              <a:t>Base Class / </a:t>
+            </a:r>
+          </a:p>
+          <a:p>
+            <a:r>
+              <a:rPr lang="en-US" dirty="0"/>
+              <a:t>Super Class / </a:t>
+            </a:r>
+          </a:p>
+          <a:p>
+            <a:r>
+              <a:rPr lang="en-US" dirty="0"/>
+              <a:t>Parent Class</a:t>
+            </a:r>
+          </a:p>
+        </p:txBody>
+      </p:sp>
+      <p:sp>
+        <p:nvSpPr>
+          <p:cNvPr id="3" name="TextBox 2">
+            <a:extLst>
+              <a:ext uri="{FF2B5EF4-FFF2-40B4-BE49-F238E27FC236}">
+                <a16:creationId xmlns:a16="http://schemas.microsoft.com/office/drawing/2014/main" id="{F19DAB60-7345-E475-248A-5DE1D69809B0}"/>
+              </a:ext>
+            </a:extLst>
+          </p:cNvPr>
+          <p:cNvSpPr txBox="1"/>
+          <p:nvPr/>
+        </p:nvSpPr>
+        <p:spPr>
+          <a:xfrm>
+            <a:off x="10062216" y="2967335"/>
+            <a:ext cx="1434367" cy="923330"/>
+          </a:xfrm>
+          <a:prstGeom prst="rect">
+            <a:avLst/>
+          </a:prstGeom>
+          <a:noFill/>
+        </p:spPr>
+        <p:txBody>
+          <a:bodyPr wrap="none" rtlCol="0">
+            <a:spAutoFit/>
+          </a:bodyPr>
+          <a:lstStyle/>
+          <a:p>
+            <a:r>
+              <a:rPr lang="en-US" dirty="0"/>
+              <a:t>Sub Class / </a:t>
+            </a:r>
+          </a:p>
+          <a:p>
+            <a:r>
+              <a:rPr lang="en-US" dirty="0"/>
+              <a:t>Child Class / </a:t>
+            </a:r>
+          </a:p>
+          <a:p>
+            <a:r>
+              <a:rPr lang="en-US" dirty="0"/>
+              <a:t>Derived Class</a:t>
+            </a:r>
+          </a:p>
+        </p:txBody>
+      </p:sp>
+      <p:sp>
+        <p:nvSpPr>
+          <p:cNvPr id="7" name="Rectangle 6">
+            <a:extLst>
+              <a:ext uri="{FF2B5EF4-FFF2-40B4-BE49-F238E27FC236}">
+                <a16:creationId xmlns:a16="http://schemas.microsoft.com/office/drawing/2014/main" id="{2944939E-CE60-4E7F-459C-2B805538DC4D}"/>
+              </a:ext>
+            </a:extLst>
+          </p:cNvPr>
+          <p:cNvSpPr/>
+          <p:nvPr/>
+        </p:nvSpPr>
+        <p:spPr>
+          <a:xfrm>
+            <a:off x="9918417" y="1002725"/>
+            <a:ext cx="1578166" cy="923330"/>
+          </a:xfrm>
+          <a:prstGeom prst="rect">
+            <a:avLst/>
+          </a:prstGeom>
+          <a:noFill/>
+          <a:ln w="28575">
+            <a:solidFill>
+              <a:schemeClr val="accent1">
+                <a:lumMod val="50000"/>
+              </a:schemeClr>
+            </a:solidFill>
+          </a:ln>
+        </p:spPr>
+        <p:style>
+          <a:lnRef idx="2">
+            <a:schemeClr val="accent1">
+              <a:shade val="15000"/>
+            </a:schemeClr>
+          </a:lnRef>
+          <a:fillRef idx="1">
+            <a:schemeClr val="accent1"/>
+          </a:fillRef>
+          <a:effectRef idx="0">
+            <a:schemeClr val="accent1"/>
+          </a:effectRef>
+          <a:fontRef idx="minor">
+            <a:schemeClr val="lt1"/>
+          </a:fontRef>
+        </p:style>
+        <p:txBody>
+          <a:bodyPr rtlCol="0" anchor="ctr"/>
+          <a:lstStyle/>
+          <a:p>
+            <a:pPr algn="ctr"/>
+            <a:endParaRPr lang="en-US"/>
+          </a:p>
+        </p:txBody>
+      </p:sp>
+      <p:sp>
+        <p:nvSpPr>
+          <p:cNvPr id="8" name="Rectangle 7">
+            <a:extLst>
+              <a:ext uri="{FF2B5EF4-FFF2-40B4-BE49-F238E27FC236}">
+                <a16:creationId xmlns:a16="http://schemas.microsoft.com/office/drawing/2014/main" id="{34F4454C-BF01-204B-7739-7B9CDC5E6AB9}"/>
+              </a:ext>
+            </a:extLst>
+          </p:cNvPr>
+          <p:cNvSpPr/>
+          <p:nvPr/>
+        </p:nvSpPr>
+        <p:spPr>
+          <a:xfrm>
+            <a:off x="9918416" y="2967335"/>
+            <a:ext cx="1578167" cy="923330"/>
+          </a:xfrm>
+          <a:prstGeom prst="rect">
+            <a:avLst/>
+          </a:prstGeom>
+          <a:noFill/>
+          <a:ln w="28575">
+            <a:solidFill>
+              <a:schemeClr val="accent1">
+                <a:lumMod val="50000"/>
+              </a:schemeClr>
+            </a:solidFill>
+          </a:ln>
+        </p:spPr>
+        <p:style>
+          <a:lnRef idx="2">
+            <a:schemeClr val="accent1">
+              <a:shade val="15000"/>
+            </a:schemeClr>
+          </a:lnRef>
+          <a:fillRef idx="1">
+            <a:schemeClr val="accent1"/>
+          </a:fillRef>
+          <a:effectRef idx="0">
+            <a:schemeClr val="accent1"/>
+          </a:effectRef>
+          <a:fontRef idx="minor">
+            <a:schemeClr val="lt1"/>
+          </a:fontRef>
+        </p:style>
+        <p:txBody>
+          <a:bodyPr rtlCol="0" anchor="ctr"/>
+          <a:lstStyle/>
+          <a:p>
+            <a:pPr algn="ctr"/>
+            <a:endParaRPr lang="en-US"/>
+          </a:p>
+        </p:txBody>
+      </p:sp>
+      <p:cxnSp>
+        <p:nvCxnSpPr>
+          <p:cNvPr id="10" name="Straight Arrow Connector 9">
+            <a:extLst>
+              <a:ext uri="{FF2B5EF4-FFF2-40B4-BE49-F238E27FC236}">
+                <a16:creationId xmlns:a16="http://schemas.microsoft.com/office/drawing/2014/main" id="{E2CF2A64-E28C-F0B1-55B1-F46615CA67E0}"/>
+              </a:ext>
+            </a:extLst>
+          </p:cNvPr>
+          <p:cNvCxnSpPr>
+            <a:cxnSpLocks/>
+            <a:stCxn id="8" idx="0"/>
+            <a:endCxn id="7" idx="2"/>
+          </p:cNvCxnSpPr>
+          <p:nvPr/>
+        </p:nvCxnSpPr>
+        <p:spPr>
+          <a:xfrm flipV="1">
+            <a:off x="10707500" y="1926055"/>
+            <a:ext cx="0" cy="1041280"/>
+          </a:xfrm>
+          <a:prstGeom prst="straightConnector1">
+            <a:avLst/>
+          </a:prstGeom>
+          <a:ln w="28575">
+            <a:tailEnd type="triangle"/>
+          </a:ln>
+        </p:spPr>
+        <p:style>
+          <a:lnRef idx="1">
+            <a:schemeClr val="accent1"/>
+          </a:lnRef>
+          <a:fillRef idx="0">
+            <a:schemeClr val="accent1"/>
+          </a:fillRef>
+          <a:effectRef idx="0">
+            <a:schemeClr val="accent1"/>
+          </a:effectRef>
+          <a:fontRef idx="minor">
+            <a:schemeClr val="tx1"/>
+          </a:fontRef>
+        </p:style>
+      </p:cxnSp>
+      <p:sp>
+        <p:nvSpPr>
+          <p:cNvPr id="14" name="TextBox 13">
+            <a:extLst>
+              <a:ext uri="{FF2B5EF4-FFF2-40B4-BE49-F238E27FC236}">
+                <a16:creationId xmlns:a16="http://schemas.microsoft.com/office/drawing/2014/main" id="{C41761B8-B7F5-0027-F883-18FD7CEF3E85}"/>
+              </a:ext>
+            </a:extLst>
+          </p:cNvPr>
+          <p:cNvSpPr txBox="1"/>
+          <p:nvPr/>
+        </p:nvSpPr>
+        <p:spPr>
+          <a:xfrm>
+            <a:off x="10662084" y="2203053"/>
+            <a:ext cx="1124026" cy="307777"/>
+          </a:xfrm>
+          <a:prstGeom prst="rect">
+            <a:avLst/>
+          </a:prstGeom>
+          <a:noFill/>
+        </p:spPr>
+        <p:txBody>
+          <a:bodyPr wrap="none" rtlCol="0">
+            <a:spAutoFit/>
+          </a:bodyPr>
+          <a:lstStyle/>
+          <a:p>
+            <a:r>
+              <a:rPr lang="en-US" sz="1400" i="1" dirty="0"/>
+              <a:t>Inherits from</a:t>
+            </a:r>
+          </a:p>
+        </p:txBody>
+      </p:sp>
+      <p:sp>
+        <p:nvSpPr>
+          <p:cNvPr id="17" name="TextBox 16">
+            <a:extLst>
+              <a:ext uri="{FF2B5EF4-FFF2-40B4-BE49-F238E27FC236}">
+                <a16:creationId xmlns:a16="http://schemas.microsoft.com/office/drawing/2014/main" id="{B5607AA7-C4EB-DE4A-F2F9-216914155727}"/>
+              </a:ext>
+            </a:extLst>
+          </p:cNvPr>
+          <p:cNvSpPr txBox="1"/>
+          <p:nvPr/>
+        </p:nvSpPr>
+        <p:spPr>
+          <a:xfrm>
+            <a:off x="4396666" y="6185891"/>
+            <a:ext cx="7795334" cy="369332"/>
+          </a:xfrm>
+          <a:prstGeom prst="rect">
+            <a:avLst/>
+          </a:prstGeom>
+          <a:noFill/>
+        </p:spPr>
+        <p:txBody>
+          <a:bodyPr wrap="square">
+            <a:spAutoFit/>
+          </a:bodyPr>
+          <a:lstStyle/>
+          <a:p>
+            <a:r>
+              <a:rPr lang="en-US" dirty="0">
+                <a:hlinkClick r:id="rId2"/>
+              </a:rPr>
+              <a:t>https://github.com/ckiefriter1/Java-Code-Examples/tree/main/src/inheritence</a:t>
+            </a:r>
+            <a:endParaRPr lang="en-US" dirty="0"/>
+          </a:p>
+        </p:txBody>
+      </p:sp>
+      <p:sp>
+        <p:nvSpPr>
+          <p:cNvPr id="19" name="TextBox 18">
+            <a:extLst>
+              <a:ext uri="{FF2B5EF4-FFF2-40B4-BE49-F238E27FC236}">
+                <a16:creationId xmlns:a16="http://schemas.microsoft.com/office/drawing/2014/main" id="{A1A2E3CB-4A3B-1F6C-E6B9-A4A01B2568C2}"/>
+              </a:ext>
+            </a:extLst>
+          </p:cNvPr>
+          <p:cNvSpPr txBox="1"/>
+          <p:nvPr/>
+        </p:nvSpPr>
+        <p:spPr>
+          <a:xfrm>
+            <a:off x="4396666" y="6457730"/>
+            <a:ext cx="7730231" cy="369332"/>
+          </a:xfrm>
+          <a:prstGeom prst="rect">
+            <a:avLst/>
+          </a:prstGeom>
+          <a:noFill/>
+        </p:spPr>
+        <p:txBody>
+          <a:bodyPr wrap="square">
+            <a:spAutoFit/>
+          </a:bodyPr>
+          <a:lstStyle/>
+          <a:p>
+            <a:r>
+              <a:rPr lang="en-US" dirty="0">
+                <a:hlinkClick r:id="rId3"/>
+              </a:rPr>
+              <a:t>https://github.com/ckiefriter1/Java-Code-Examples/tree/main/src/abstraction</a:t>
+            </a:r>
+            <a:endParaRPr lang="en-US" dirty="0"/>
           </a:p>
         </p:txBody>
       </p:sp>
     </p:spTree>
     <p:extLst>
       <p:ext uri="{BB962C8B-B14F-4D97-AF65-F5344CB8AC3E}">
-        <p14:creationId xmlns:p14="http://schemas.microsoft.com/office/powerpoint/2010/main" val="367428708"/>
+        <p14:creationId xmlns:p14="http://schemas.microsoft.com/office/powerpoint/2010/main" val="3551399501"/>
       </p:ext>
     </p:extLst>
   </p:cSld>
@@ -12420,12 +13986,59 @@
           <a:chExt cx="0" cy="0"/>
         </a:xfrm>
       </p:grpSpPr>
+      <p:pic>
+        <p:nvPicPr>
+          <p:cNvPr id="1026" name="Picture 2" descr="Image">
+            <a:extLst>
+              <a:ext uri="{FF2B5EF4-FFF2-40B4-BE49-F238E27FC236}">
+                <a16:creationId xmlns:a16="http://schemas.microsoft.com/office/drawing/2014/main" id="{3C8CE67A-36E1-5A09-D74F-A2C8E212977E}"/>
+              </a:ext>
+            </a:extLst>
+          </p:cNvPr>
+          <p:cNvPicPr>
+            <a:picLocks noChangeAspect="1" noChangeArrowheads="1"/>
+          </p:cNvPicPr>
+          <p:nvPr/>
+        </p:nvPicPr>
+        <p:blipFill>
+          <a:blip r:embed="rId2">
+            <a:extLst>
+              <a:ext uri="{28A0092B-C50C-407E-A947-70E740481C1C}">
+                <a14:useLocalDpi xmlns:a14="http://schemas.microsoft.com/office/drawing/2010/main" val="0"/>
+              </a:ext>
+            </a:extLst>
+          </a:blip>
+          <a:srcRect/>
+          <a:stretch>
+            <a:fillRect/>
+          </a:stretch>
+        </p:blipFill>
+        <p:spPr bwMode="auto">
+          <a:xfrm>
+            <a:off x="3921870" y="0"/>
+            <a:ext cx="6858000" cy="6858000"/>
+          </a:xfrm>
+          <a:prstGeom prst="rect">
+            <a:avLst/>
+          </a:prstGeom>
+          <a:noFill/>
+          <a:extLst>
+            <a:ext uri="{909E8E84-426E-40DD-AFC4-6F175D3DCCD1}">
+              <a14:hiddenFill xmlns:a14="http://schemas.microsoft.com/office/drawing/2010/main">
+                <a:solidFill>
+                  <a:srgbClr val="FFFFFF"/>
+                </a:solidFill>
+              </a14:hiddenFill>
+            </a:ext>
+          </a:extLst>
+        </p:spPr>
+      </p:pic>
       <p:sp>
         <p:nvSpPr>
-          <p:cNvPr id="6" name="TextBox 5">
+          <p:cNvPr id="2" name="TextBox 1">
             <a:extLst>
               <a:ext uri="{FF2B5EF4-FFF2-40B4-BE49-F238E27FC236}">
-                <a16:creationId xmlns:a16="http://schemas.microsoft.com/office/drawing/2014/main" id="{59E906CD-110B-9D01-732C-2F21759B0265}"/>
+                <a16:creationId xmlns:a16="http://schemas.microsoft.com/office/drawing/2014/main" id="{39E1C922-B9C7-D0AD-8A67-CE620AD121BE}"/>
               </a:ext>
             </a:extLst>
           </p:cNvPr>
@@ -12434,8 +14047,8 @@
         </p:nvSpPr>
         <p:spPr>
           <a:xfrm>
-            <a:off x="193251" y="91915"/>
-            <a:ext cx="6094854" cy="461665"/>
+            <a:off x="216335" y="31366"/>
+            <a:ext cx="7765757" cy="461665"/>
           </a:xfrm>
           <a:prstGeom prst="rect">
             <a:avLst/>
@@ -12448,7 +14061,6 @@
           </a:bodyPr>
           <a:lstStyle/>
           <a:p>
-            <a:pPr algn="l"/>
             <a:r>
               <a:rPr lang="en-US" sz="2400" b="1" dirty="0">
                 <a:solidFill>
@@ -12457,585 +14069,16 @@
                 <a:effectLst/>
                 <a:latin typeface="Open Sans" panose="020B0606030504020204" pitchFamily="34" charset="0"/>
               </a:rPr>
-              <a:t>Exceptions</a:t>
-            </a:r>
-          </a:p>
-        </p:txBody>
-      </p:sp>
-      <p:sp>
-        <p:nvSpPr>
-          <p:cNvPr id="4" name="TextBox 3">
-            <a:extLst>
-              <a:ext uri="{FF2B5EF4-FFF2-40B4-BE49-F238E27FC236}">
-                <a16:creationId xmlns:a16="http://schemas.microsoft.com/office/drawing/2014/main" id="{C0B26727-0F97-5A73-B4ED-6BE65E07E5DB}"/>
-              </a:ext>
-            </a:extLst>
-          </p:cNvPr>
-          <p:cNvSpPr txBox="1"/>
-          <p:nvPr/>
-        </p:nvSpPr>
-        <p:spPr>
-          <a:xfrm>
-            <a:off x="176169" y="729420"/>
-            <a:ext cx="11931637" cy="5016758"/>
-          </a:xfrm>
-          <a:prstGeom prst="rect">
-            <a:avLst/>
-          </a:prstGeom>
-          <a:noFill/>
-        </p:spPr>
-        <p:txBody>
-          <a:bodyPr wrap="square">
-            <a:spAutoFit/>
-          </a:bodyPr>
-          <a:lstStyle/>
-          <a:p>
-            <a:pPr algn="l"/>
-            <a:r>
-              <a:rPr lang="en-US" b="0" i="0" dirty="0">
-                <a:solidFill>
-                  <a:schemeClr val="tx1">
-                    <a:lumMod val="85000"/>
-                  </a:schemeClr>
-                </a:solidFill>
-                <a:effectLst/>
-                <a:latin typeface="Open Sans" panose="020B0606030504020204" pitchFamily="34" charset="0"/>
-              </a:rPr>
-              <a:t>What is an Exception?</a:t>
-            </a:r>
-          </a:p>
-          <a:p>
-            <a:pPr algn="l"/>
-            <a:endParaRPr lang="en-US" b="0" i="0" dirty="0">
-              <a:solidFill>
-                <a:schemeClr val="tx1">
-                  <a:lumMod val="85000"/>
-                </a:schemeClr>
-              </a:solidFill>
-              <a:effectLst/>
-              <a:latin typeface="Open Sans" panose="020B0606030504020204" pitchFamily="34" charset="0"/>
-            </a:endParaRPr>
-          </a:p>
-          <a:p>
-            <a:pPr algn="l"/>
-            <a:r>
-              <a:rPr lang="en-US" b="0" i="0" dirty="0">
-                <a:solidFill>
-                  <a:schemeClr val="tx1">
-                    <a:lumMod val="85000"/>
-                  </a:schemeClr>
-                </a:solidFill>
-                <a:effectLst/>
-                <a:latin typeface="Open Sans" panose="020B0606030504020204" pitchFamily="34" charset="0"/>
-              </a:rPr>
-              <a:t>An </a:t>
-            </a:r>
-            <a:r>
-              <a:rPr lang="en-US" b="0" i="0" dirty="0">
-                <a:solidFill>
-                  <a:srgbClr val="00B0F0"/>
-                </a:solidFill>
-                <a:effectLst/>
-                <a:latin typeface="Open Sans" panose="020B0606030504020204" pitchFamily="34" charset="0"/>
-              </a:rPr>
-              <a:t>exception is defined an event</a:t>
-            </a:r>
-            <a:r>
-              <a:rPr lang="en-US" b="0" i="0" dirty="0">
-                <a:solidFill>
-                  <a:schemeClr val="tx1">
-                    <a:lumMod val="85000"/>
-                  </a:schemeClr>
-                </a:solidFill>
-                <a:effectLst/>
-                <a:latin typeface="Open Sans" panose="020B0606030504020204" pitchFamily="34" charset="0"/>
-              </a:rPr>
-              <a:t>, which occurs during the execution of a program</a:t>
-            </a:r>
-            <a:r>
-              <a:rPr lang="en-US" b="0" i="0" dirty="0">
-                <a:solidFill>
-                  <a:srgbClr val="00B0F0"/>
-                </a:solidFill>
-                <a:effectLst/>
-                <a:latin typeface="Open Sans" panose="020B0606030504020204" pitchFamily="34" charset="0"/>
-              </a:rPr>
-              <a:t>, that disrupts the normal flow of the program's instructions.</a:t>
-            </a:r>
-          </a:p>
-          <a:p>
-            <a:pPr algn="l"/>
-            <a:endParaRPr lang="en-US" b="0" i="0" dirty="0">
-              <a:solidFill>
-                <a:schemeClr val="tx1">
-                  <a:lumMod val="85000"/>
-                </a:schemeClr>
-              </a:solidFill>
-              <a:effectLst/>
-              <a:latin typeface="Open Sans" panose="020B0606030504020204" pitchFamily="34" charset="0"/>
-            </a:endParaRPr>
-          </a:p>
-          <a:p>
-            <a:pPr algn="l"/>
-            <a:endParaRPr lang="en-US" b="0" i="0" dirty="0">
-              <a:solidFill>
-                <a:schemeClr val="tx1">
-                  <a:lumMod val="85000"/>
-                </a:schemeClr>
-              </a:solidFill>
-              <a:effectLst/>
-              <a:latin typeface="Open Sans" panose="020B0606030504020204" pitchFamily="34" charset="0"/>
-            </a:endParaRPr>
-          </a:p>
-          <a:p>
-            <a:pPr algn="l"/>
-            <a:r>
-              <a:rPr lang="en-US" b="0" i="0" dirty="0">
-                <a:solidFill>
-                  <a:schemeClr val="tx1">
-                    <a:lumMod val="85000"/>
-                  </a:schemeClr>
-                </a:solidFill>
-                <a:effectLst/>
-                <a:latin typeface="Open Sans" panose="020B0606030504020204" pitchFamily="34" charset="0"/>
-              </a:rPr>
-              <a:t>In Java, there are </a:t>
-            </a:r>
-            <a:r>
-              <a:rPr lang="en-US" b="0" i="0" dirty="0">
-                <a:solidFill>
-                  <a:srgbClr val="00B0F0"/>
-                </a:solidFill>
-                <a:effectLst/>
-                <a:latin typeface="Open Sans" panose="020B0606030504020204" pitchFamily="34" charset="0"/>
-              </a:rPr>
-              <a:t>two types of Exceptions: </a:t>
-            </a:r>
-          </a:p>
-          <a:p>
-            <a:pPr marL="285750" indent="-285750" algn="l">
-              <a:buFont typeface="Arial" panose="020B0604020202020204" pitchFamily="34" charset="0"/>
-              <a:buChar char="•"/>
-            </a:pPr>
-            <a:r>
-              <a:rPr lang="en-US" b="0" i="0" dirty="0">
-                <a:solidFill>
-                  <a:srgbClr val="00B0F0"/>
-                </a:solidFill>
-                <a:effectLst/>
-                <a:latin typeface="Open Sans" panose="020B0606030504020204" pitchFamily="34" charset="0"/>
-              </a:rPr>
-              <a:t>Checked Exceptions </a:t>
-            </a:r>
-            <a:r>
-              <a:rPr lang="en-US" b="0" i="0" dirty="0">
-                <a:solidFill>
-                  <a:schemeClr val="tx1">
-                    <a:lumMod val="85000"/>
-                  </a:schemeClr>
-                </a:solidFill>
-                <a:effectLst/>
-                <a:latin typeface="Open Sans" panose="020B0606030504020204" pitchFamily="34" charset="0"/>
-              </a:rPr>
-              <a:t>-- these are checked by the compiler at </a:t>
-            </a:r>
-            <a:r>
-              <a:rPr lang="en-US" b="0" i="0" dirty="0">
-                <a:solidFill>
-                  <a:srgbClr val="00B0F0"/>
-                </a:solidFill>
-                <a:effectLst/>
-                <a:latin typeface="Open Sans" panose="020B0606030504020204" pitchFamily="34" charset="0"/>
-              </a:rPr>
-              <a:t>compiler time</a:t>
-            </a:r>
-          </a:p>
-          <a:p>
-            <a:pPr marL="742950" lvl="1" indent="-285750">
-              <a:buFont typeface="Arial" panose="020B0604020202020204" pitchFamily="34" charset="0"/>
-              <a:buChar char="•"/>
-            </a:pPr>
-            <a:r>
-              <a:rPr lang="en-US" sz="1600" b="0" i="1" dirty="0">
-                <a:solidFill>
-                  <a:schemeClr val="tx1">
-                    <a:lumMod val="85000"/>
-                  </a:schemeClr>
-                </a:solidFill>
-                <a:effectLst/>
-                <a:latin typeface="Open Sans" panose="020B0606030504020204" pitchFamily="34" charset="0"/>
-              </a:rPr>
-              <a:t>Example:   syntax errors -- a missing semi-colon or closing curly brace, incorrect datatype assignment, returning the wrong data type from a method, etc.</a:t>
-            </a:r>
-          </a:p>
-          <a:p>
-            <a:pPr algn="l"/>
-            <a:endParaRPr lang="en-US" b="0" i="0" dirty="0">
-              <a:solidFill>
-                <a:schemeClr val="tx1">
-                  <a:lumMod val="85000"/>
-                </a:schemeClr>
-              </a:solidFill>
-              <a:effectLst/>
-              <a:latin typeface="Open Sans" panose="020B0606030504020204" pitchFamily="34" charset="0"/>
-            </a:endParaRPr>
-          </a:p>
-          <a:p>
-            <a:pPr marL="285750" indent="-285750" algn="l">
-              <a:buFont typeface="Arial" panose="020B0604020202020204" pitchFamily="34" charset="0"/>
-              <a:buChar char="•"/>
-            </a:pPr>
-            <a:r>
-              <a:rPr lang="en-US" b="0" i="0" dirty="0">
-                <a:solidFill>
-                  <a:srgbClr val="00B0F0"/>
-                </a:solidFill>
-                <a:effectLst/>
-                <a:latin typeface="Open Sans" panose="020B0606030504020204" pitchFamily="34" charset="0"/>
-              </a:rPr>
-              <a:t>Unchecked Exceptions </a:t>
-            </a:r>
-            <a:r>
-              <a:rPr lang="en-US" b="0" i="0" dirty="0">
-                <a:solidFill>
-                  <a:schemeClr val="tx1">
-                    <a:lumMod val="85000"/>
-                  </a:schemeClr>
-                </a:solidFill>
-                <a:effectLst/>
-                <a:latin typeface="Open Sans" panose="020B0606030504020204" pitchFamily="34" charset="0"/>
-              </a:rPr>
-              <a:t>-- these are not caught by the compiler, included here are runtime exceptions and errors.</a:t>
-            </a:r>
-          </a:p>
-          <a:p>
-            <a:pPr marL="742950" lvl="1" indent="-285750">
-              <a:buFont typeface="Arial" panose="020B0604020202020204" pitchFamily="34" charset="0"/>
-              <a:buChar char="•"/>
-            </a:pPr>
-            <a:r>
-              <a:rPr lang="en-US" b="0" i="0" dirty="0">
-                <a:solidFill>
-                  <a:srgbClr val="00B0F0"/>
-                </a:solidFill>
-                <a:effectLst/>
-                <a:latin typeface="Open Sans" panose="020B0606030504020204" pitchFamily="34" charset="0"/>
-              </a:rPr>
-              <a:t>Runtime Exception Example:</a:t>
-            </a:r>
-            <a:r>
-              <a:rPr lang="en-US" b="0" i="0" dirty="0">
-                <a:solidFill>
-                  <a:schemeClr val="tx1">
-                    <a:lumMod val="85000"/>
-                  </a:schemeClr>
-                </a:solidFill>
-                <a:effectLst/>
-                <a:latin typeface="Open Sans" panose="020B0606030504020204" pitchFamily="34" charset="0"/>
-              </a:rPr>
-              <a:t> Trying to access a Null Address, Out-of-Bounds Indices,</a:t>
-            </a:r>
-            <a:br>
-              <a:rPr lang="en-US" b="0" i="0" dirty="0">
-                <a:solidFill>
-                  <a:schemeClr val="tx1">
-                    <a:lumMod val="85000"/>
-                  </a:schemeClr>
-                </a:solidFill>
-                <a:effectLst/>
-                <a:latin typeface="Open Sans" panose="020B0606030504020204" pitchFamily="34" charset="0"/>
-              </a:rPr>
-            </a:br>
-            <a:r>
-              <a:rPr lang="en-US" b="0" i="1" dirty="0">
-                <a:solidFill>
-                  <a:schemeClr val="tx1">
-                    <a:lumMod val="85000"/>
-                  </a:schemeClr>
-                </a:solidFill>
-                <a:effectLst/>
-                <a:latin typeface="Open Sans" panose="020B0606030504020204" pitchFamily="34" charset="0"/>
-              </a:rPr>
-              <a:t>Class:  </a:t>
-            </a:r>
-            <a:r>
-              <a:rPr lang="en-US" b="0" i="1" dirty="0" err="1">
-                <a:solidFill>
-                  <a:schemeClr val="tx1">
-                    <a:lumMod val="85000"/>
-                  </a:schemeClr>
-                </a:solidFill>
-                <a:effectLst/>
-                <a:latin typeface="Open Sans" panose="020B0606030504020204" pitchFamily="34" charset="0"/>
-              </a:rPr>
-              <a:t>RuntimeException</a:t>
-            </a:r>
-            <a:r>
-              <a:rPr lang="en-US" b="0" i="1" dirty="0">
-                <a:solidFill>
-                  <a:schemeClr val="tx1">
-                    <a:lumMod val="85000"/>
-                  </a:schemeClr>
-                </a:solidFill>
-                <a:effectLst/>
-                <a:latin typeface="Open Sans" panose="020B0606030504020204" pitchFamily="34" charset="0"/>
-              </a:rPr>
-              <a:t>, </a:t>
-            </a:r>
-            <a:r>
-              <a:rPr lang="en-US" b="0" i="1" dirty="0" err="1">
-                <a:solidFill>
-                  <a:schemeClr val="tx1">
-                    <a:lumMod val="85000"/>
-                  </a:schemeClr>
-                </a:solidFill>
-                <a:effectLst/>
-                <a:latin typeface="Open Sans" panose="020B0606030504020204" pitchFamily="34" charset="0"/>
-              </a:rPr>
-              <a:t>NullPointerException</a:t>
-            </a:r>
-            <a:r>
-              <a:rPr lang="en-US" b="0" i="1" dirty="0">
-                <a:solidFill>
-                  <a:schemeClr val="tx1">
-                    <a:lumMod val="85000"/>
-                  </a:schemeClr>
-                </a:solidFill>
-                <a:effectLst/>
-                <a:latin typeface="Open Sans" panose="020B0606030504020204" pitchFamily="34" charset="0"/>
-              </a:rPr>
-              <a:t>, </a:t>
-            </a:r>
-            <a:r>
-              <a:rPr lang="en-US" b="0" i="1" dirty="0" err="1">
-                <a:solidFill>
-                  <a:schemeClr val="tx1">
-                    <a:lumMod val="85000"/>
-                  </a:schemeClr>
-                </a:solidFill>
-                <a:effectLst/>
-                <a:latin typeface="Open Sans" panose="020B0606030504020204" pitchFamily="34" charset="0"/>
-              </a:rPr>
-              <a:t>ArithmeticException</a:t>
-            </a:r>
-            <a:r>
-              <a:rPr lang="en-US" b="0" i="1" dirty="0">
-                <a:solidFill>
-                  <a:schemeClr val="tx1">
-                    <a:lumMod val="85000"/>
-                  </a:schemeClr>
-                </a:solidFill>
-                <a:effectLst/>
-                <a:latin typeface="Open Sans" panose="020B0606030504020204" pitchFamily="34" charset="0"/>
-              </a:rPr>
-              <a:t>, etc.</a:t>
-            </a:r>
-          </a:p>
-          <a:p>
-            <a:pPr marL="742950" lvl="1" indent="-285750">
-              <a:buFont typeface="Arial" panose="020B0604020202020204" pitchFamily="34" charset="0"/>
-              <a:buChar char="•"/>
-            </a:pPr>
-            <a:r>
-              <a:rPr lang="en-US" b="0" i="0" dirty="0">
-                <a:solidFill>
-                  <a:srgbClr val="00B0F0"/>
-                </a:solidFill>
-                <a:effectLst/>
-                <a:latin typeface="Open Sans" panose="020B0606030504020204" pitchFamily="34" charset="0"/>
-              </a:rPr>
-              <a:t>Error Exception Example:</a:t>
-            </a:r>
-            <a:r>
-              <a:rPr lang="en-US" b="0" i="0" dirty="0">
-                <a:solidFill>
-                  <a:schemeClr val="tx1">
-                    <a:lumMod val="85000"/>
-                  </a:schemeClr>
-                </a:solidFill>
-                <a:effectLst/>
-                <a:latin typeface="Open Sans" panose="020B0606030504020204" pitchFamily="34" charset="0"/>
-              </a:rPr>
-              <a:t>  Serious issues that cause an application to abort, or to stop running, including Memory or Stack Overflow Errors, </a:t>
-            </a:r>
-            <a:br>
-              <a:rPr lang="en-US" b="0" i="0" dirty="0">
-                <a:solidFill>
-                  <a:schemeClr val="tx1">
-                    <a:lumMod val="85000"/>
-                  </a:schemeClr>
-                </a:solidFill>
-                <a:effectLst/>
-                <a:latin typeface="Open Sans" panose="020B0606030504020204" pitchFamily="34" charset="0"/>
-              </a:rPr>
-            </a:br>
-            <a:r>
-              <a:rPr lang="en-US" b="0" i="1" dirty="0">
-                <a:solidFill>
-                  <a:schemeClr val="tx1">
-                    <a:lumMod val="85000"/>
-                  </a:schemeClr>
-                </a:solidFill>
-                <a:effectLst/>
-                <a:latin typeface="Open Sans" panose="020B0606030504020204" pitchFamily="34" charset="0"/>
-              </a:rPr>
-              <a:t>Class:  </a:t>
-            </a:r>
-            <a:r>
-              <a:rPr lang="en-US" b="0" i="1" dirty="0" err="1">
-                <a:solidFill>
-                  <a:schemeClr val="tx1">
-                    <a:lumMod val="85000"/>
-                  </a:schemeClr>
-                </a:solidFill>
-                <a:effectLst/>
-                <a:latin typeface="Open Sans" panose="020B0606030504020204" pitchFamily="34" charset="0"/>
-              </a:rPr>
-              <a:t>OutOfMemory</a:t>
-            </a:r>
-            <a:r>
-              <a:rPr lang="en-US" b="0" i="1" dirty="0">
-                <a:solidFill>
-                  <a:schemeClr val="tx1">
-                    <a:lumMod val="85000"/>
-                  </a:schemeClr>
-                </a:solidFill>
-                <a:effectLst/>
-                <a:latin typeface="Open Sans" panose="020B0606030504020204" pitchFamily="34" charset="0"/>
-              </a:rPr>
-              <a:t>, </a:t>
-            </a:r>
-            <a:r>
-              <a:rPr lang="en-US" b="0" i="1" dirty="0" err="1">
-                <a:solidFill>
-                  <a:schemeClr val="tx1">
-                    <a:lumMod val="85000"/>
-                  </a:schemeClr>
-                </a:solidFill>
-                <a:effectLst/>
-                <a:latin typeface="Open Sans" panose="020B0606030504020204" pitchFamily="34" charset="0"/>
-              </a:rPr>
-              <a:t>StackOverflow</a:t>
-            </a:r>
-            <a:r>
-              <a:rPr lang="en-US" b="0" i="1" dirty="0">
-                <a:solidFill>
-                  <a:schemeClr val="tx1">
-                    <a:lumMod val="85000"/>
-                  </a:schemeClr>
-                </a:solidFill>
-                <a:effectLst/>
-                <a:latin typeface="Open Sans" panose="020B0606030504020204" pitchFamily="34" charset="0"/>
-              </a:rPr>
-              <a:t>, </a:t>
-            </a:r>
-            <a:r>
-              <a:rPr lang="en-US" b="0" i="1" dirty="0" err="1">
-                <a:solidFill>
-                  <a:schemeClr val="tx1">
-                    <a:lumMod val="85000"/>
-                  </a:schemeClr>
-                </a:solidFill>
-                <a:effectLst/>
-                <a:latin typeface="Open Sans" panose="020B0606030504020204" pitchFamily="34" charset="0"/>
-              </a:rPr>
-              <a:t>VirtualMachineError</a:t>
-            </a:r>
-            <a:r>
-              <a:rPr lang="en-US" b="0" i="1" dirty="0">
-                <a:solidFill>
-                  <a:schemeClr val="tx1">
-                    <a:lumMod val="85000"/>
-                  </a:schemeClr>
-                </a:solidFill>
-                <a:effectLst/>
-                <a:latin typeface="Open Sans" panose="020B0606030504020204" pitchFamily="34" charset="0"/>
-              </a:rPr>
-              <a:t>, etc.</a:t>
-            </a:r>
-          </a:p>
-        </p:txBody>
-      </p:sp>
-      <p:sp>
-        <p:nvSpPr>
-          <p:cNvPr id="3" name="TextBox 2">
-            <a:extLst>
-              <a:ext uri="{FF2B5EF4-FFF2-40B4-BE49-F238E27FC236}">
-                <a16:creationId xmlns:a16="http://schemas.microsoft.com/office/drawing/2014/main" id="{C9DDF84E-4B1D-A8C8-4D2B-5582BF58B0D3}"/>
-              </a:ext>
-            </a:extLst>
-          </p:cNvPr>
-          <p:cNvSpPr txBox="1"/>
-          <p:nvPr/>
-        </p:nvSpPr>
-        <p:spPr>
-          <a:xfrm>
-            <a:off x="4665387" y="6409024"/>
-            <a:ext cx="7540363" cy="369332"/>
-          </a:xfrm>
-          <a:prstGeom prst="rect">
-            <a:avLst/>
-          </a:prstGeom>
-          <a:noFill/>
-        </p:spPr>
-        <p:txBody>
-          <a:bodyPr wrap="square">
-            <a:spAutoFit/>
-          </a:bodyPr>
-          <a:lstStyle/>
-          <a:p>
-            <a:r>
-              <a:rPr lang="en-US" dirty="0">
-                <a:hlinkClick r:id="rId2"/>
-              </a:rPr>
-              <a:t>https://docs.oracle.com/javase/tutorial/essential/exceptions/definition.html</a:t>
-            </a:r>
-            <a:endParaRPr lang="en-US" dirty="0"/>
-          </a:p>
-        </p:txBody>
-      </p:sp>
-      <p:sp>
-        <p:nvSpPr>
-          <p:cNvPr id="8" name="TextBox 7">
-            <a:extLst>
-              <a:ext uri="{FF2B5EF4-FFF2-40B4-BE49-F238E27FC236}">
-                <a16:creationId xmlns:a16="http://schemas.microsoft.com/office/drawing/2014/main" id="{9FF17257-FCFA-B5FD-1F98-96E3F7F501FF}"/>
-              </a:ext>
-            </a:extLst>
-          </p:cNvPr>
-          <p:cNvSpPr txBox="1"/>
-          <p:nvPr/>
-        </p:nvSpPr>
-        <p:spPr>
-          <a:xfrm>
-            <a:off x="4651638" y="6039692"/>
-            <a:ext cx="7540362" cy="369332"/>
-          </a:xfrm>
-          <a:prstGeom prst="rect">
-            <a:avLst/>
-          </a:prstGeom>
-          <a:noFill/>
-        </p:spPr>
-        <p:txBody>
-          <a:bodyPr wrap="square">
-            <a:spAutoFit/>
-          </a:bodyPr>
-          <a:lstStyle/>
-          <a:p>
-            <a:r>
-              <a:rPr lang="en-US" dirty="0">
-                <a:hlinkClick r:id="rId3"/>
-              </a:rPr>
-              <a:t>https://github.com/ckiefriter1/Java-Code-Examples/tree/main/src/exceptions</a:t>
-            </a:r>
-            <a:endParaRPr lang="en-US" dirty="0"/>
+              <a:t>SOLID Principles</a:t>
+            </a:r>
+            <a:endParaRPr lang="en-US" sz="2400" dirty="0"/>
           </a:p>
         </p:txBody>
       </p:sp>
     </p:spTree>
     <p:extLst>
       <p:ext uri="{BB962C8B-B14F-4D97-AF65-F5344CB8AC3E}">
-        <p14:creationId xmlns:p14="http://schemas.microsoft.com/office/powerpoint/2010/main" val="976671966"/>
+        <p14:creationId xmlns:p14="http://schemas.microsoft.com/office/powerpoint/2010/main" val="2169686199"/>
       </p:ext>
     </p:extLst>
   </p:cSld>

--- a/Week5/BESD Week 5.pptx
+++ b/Week5/BESD Week 5.pptx
@@ -13,17 +13,17 @@
     <p:sldId id="295" r:id="rId7"/>
     <p:sldId id="296" r:id="rId8"/>
     <p:sldId id="303" r:id="rId9"/>
-    <p:sldId id="306" r:id="rId10"/>
-    <p:sldId id="265" r:id="rId11"/>
-    <p:sldId id="278" r:id="rId12"/>
-    <p:sldId id="304" r:id="rId13"/>
-    <p:sldId id="297" r:id="rId14"/>
-    <p:sldId id="298" r:id="rId15"/>
-    <p:sldId id="299" r:id="rId16"/>
-    <p:sldId id="300" r:id="rId17"/>
-    <p:sldId id="301" r:id="rId18"/>
-    <p:sldId id="286" r:id="rId19"/>
-    <p:sldId id="305" r:id="rId20"/>
+    <p:sldId id="286" r:id="rId10"/>
+    <p:sldId id="305" r:id="rId11"/>
+    <p:sldId id="306" r:id="rId12"/>
+    <p:sldId id="265" r:id="rId13"/>
+    <p:sldId id="278" r:id="rId14"/>
+    <p:sldId id="304" r:id="rId15"/>
+    <p:sldId id="297" r:id="rId16"/>
+    <p:sldId id="298" r:id="rId17"/>
+    <p:sldId id="299" r:id="rId18"/>
+    <p:sldId id="300" r:id="rId19"/>
+    <p:sldId id="301" r:id="rId20"/>
     <p:sldId id="302" r:id="rId21"/>
     <p:sldId id="287" r:id="rId22"/>
     <p:sldId id="260" r:id="rId23"/>
@@ -133,14 +133,6 @@
 </p:presentation>
 </file>
 
-<file path=ppt/revisionInfo.xml><?xml version="1.0" encoding="utf-8"?>
-<p1510:revInfo xmlns:a="http://schemas.openxmlformats.org/drawingml/2006/main" xmlns:r="http://schemas.openxmlformats.org/officeDocument/2006/relationships" xmlns:p1510="http://schemas.microsoft.com/office/powerpoint/2015/10/main">
-  <p1510:revLst>
-    <p1510:client id="{38E1ABCE-DCED-45BB-9163-E7279FC7721B}" v="39" dt="2024-01-17T00:59:33.158"/>
-  </p1510:revLst>
-</p1510:revInfo>
-</file>
-
 <file path=ppt/changesInfos/changesInfo1.xml><?xml version="1.0" encoding="utf-8"?>
 <pc:chgInfo xmlns:a="http://schemas.openxmlformats.org/drawingml/2006/main" xmlns:r="http://schemas.openxmlformats.org/officeDocument/2006/relationships" xmlns:ac="http://schemas.microsoft.com/office/drawing/2013/main/command" xmlns:pc="http://schemas.microsoft.com/office/powerpoint/2013/main/command">
   <pc:docChgLst>
@@ -2527,6 +2519,66 @@
             <ac:spMk id="6" creationId="{59E906CD-110B-9D01-732C-2F21759B0265}"/>
           </ac:spMkLst>
         </pc:spChg>
+      </pc:sldChg>
+    </pc:docChg>
+  </pc:docChgLst>
+  <pc:docChgLst>
+    <pc:chgData name="Chuck Kiefriter" userId="a996b49251c4dfd2" providerId="LiveId" clId="{5AA25B55-5D47-418C-9AE7-C5B1E5851588}"/>
+    <pc:docChg chg="modSld sldOrd">
+      <pc:chgData name="Chuck Kiefriter" userId="a996b49251c4dfd2" providerId="LiveId" clId="{5AA25B55-5D47-418C-9AE7-C5B1E5851588}" dt="2024-03-06T22:11:59.633" v="9" actId="20577"/>
+      <pc:docMkLst>
+        <pc:docMk/>
+      </pc:docMkLst>
+      <pc:sldChg chg="modSp mod">
+        <pc:chgData name="Chuck Kiefriter" userId="a996b49251c4dfd2" providerId="LiveId" clId="{5AA25B55-5D47-418C-9AE7-C5B1E5851588}" dt="2024-03-06T22:11:59.633" v="9" actId="20577"/>
+        <pc:sldMkLst>
+          <pc:docMk/>
+          <pc:sldMk cId="976671966" sldId="278"/>
+        </pc:sldMkLst>
+        <pc:spChg chg="mod">
+          <ac:chgData name="Chuck Kiefriter" userId="a996b49251c4dfd2" providerId="LiveId" clId="{5AA25B55-5D47-418C-9AE7-C5B1E5851588}" dt="2024-03-06T22:11:59.633" v="9" actId="20577"/>
+          <ac:spMkLst>
+            <pc:docMk/>
+            <pc:sldMk cId="976671966" sldId="278"/>
+            <ac:spMk id="4" creationId="{C0B26727-0F97-5A73-B4ED-6BE65E07E5DB}"/>
+          </ac:spMkLst>
+        </pc:spChg>
+      </pc:sldChg>
+      <pc:sldChg chg="ord">
+        <pc:chgData name="Chuck Kiefriter" userId="a996b49251c4dfd2" providerId="LiveId" clId="{5AA25B55-5D47-418C-9AE7-C5B1E5851588}" dt="2024-03-06T22:02:39.339" v="5"/>
+        <pc:sldMkLst>
+          <pc:docMk/>
+          <pc:sldMk cId="1155090792" sldId="286"/>
+        </pc:sldMkLst>
+      </pc:sldChg>
+      <pc:sldChg chg="modSp mod">
+        <pc:chgData name="Chuck Kiefriter" userId="a996b49251c4dfd2" providerId="LiveId" clId="{5AA25B55-5D47-418C-9AE7-C5B1E5851588}" dt="2024-03-06T21:56:52.226" v="3" actId="20577"/>
+        <pc:sldMkLst>
+          <pc:docMk/>
+          <pc:sldMk cId="3551399501" sldId="303"/>
+        </pc:sldMkLst>
+        <pc:spChg chg="mod">
+          <ac:chgData name="Chuck Kiefriter" userId="a996b49251c4dfd2" providerId="LiveId" clId="{5AA25B55-5D47-418C-9AE7-C5B1E5851588}" dt="2024-03-06T21:56:52.226" v="3" actId="20577"/>
+          <ac:spMkLst>
+            <pc:docMk/>
+            <pc:sldMk cId="3551399501" sldId="303"/>
+            <ac:spMk id="4" creationId="{C0B26727-0F97-5A73-B4ED-6BE65E07E5DB}"/>
+          </ac:spMkLst>
+        </pc:spChg>
+      </pc:sldChg>
+      <pc:sldChg chg="ord">
+        <pc:chgData name="Chuck Kiefriter" userId="a996b49251c4dfd2" providerId="LiveId" clId="{5AA25B55-5D47-418C-9AE7-C5B1E5851588}" dt="2024-03-06T22:02:39.339" v="5"/>
+        <pc:sldMkLst>
+          <pc:docMk/>
+          <pc:sldMk cId="3827704663" sldId="305"/>
+        </pc:sldMkLst>
+      </pc:sldChg>
+      <pc:sldChg chg="ord">
+        <pc:chgData name="Chuck Kiefriter" userId="a996b49251c4dfd2" providerId="LiveId" clId="{5AA25B55-5D47-418C-9AE7-C5B1E5851588}" dt="2024-03-06T22:04:43.114" v="7"/>
+        <pc:sldMkLst>
+          <pc:docMk/>
+          <pc:sldMk cId="2169686199" sldId="306"/>
+        </pc:sldMkLst>
       </pc:sldChg>
     </pc:docChg>
   </pc:docChgLst>
@@ -2680,7 +2732,7 @@
           <a:p>
             <a:fld id="{33D569A9-A222-4DCC-AF28-BB813B4F2ABB}" type="datetimeFigureOut">
               <a:rPr lang="en-US" smtClean="0"/>
-              <a:t>1/16/2024</a:t>
+              <a:t>3/6/2024</a:t>
             </a:fld>
             <a:endParaRPr lang="en-US"/>
           </a:p>
@@ -2968,7 +3020,7 @@
           <a:p>
             <a:fld id="{33D569A9-A222-4DCC-AF28-BB813B4F2ABB}" type="datetimeFigureOut">
               <a:rPr lang="en-US" smtClean="0"/>
-              <a:t>1/16/2024</a:t>
+              <a:t>3/6/2024</a:t>
             </a:fld>
             <a:endParaRPr lang="en-US"/>
           </a:p>
@@ -3166,7 +3218,7 @@
           <a:p>
             <a:fld id="{33D569A9-A222-4DCC-AF28-BB813B4F2ABB}" type="datetimeFigureOut">
               <a:rPr lang="en-US" smtClean="0"/>
-              <a:t>1/16/2024</a:t>
+              <a:t>3/6/2024</a:t>
             </a:fld>
             <a:endParaRPr lang="en-US"/>
           </a:p>
@@ -3374,7 +3426,7 @@
           <a:p>
             <a:fld id="{33D569A9-A222-4DCC-AF28-BB813B4F2ABB}" type="datetimeFigureOut">
               <a:rPr lang="en-US" smtClean="0"/>
-              <a:t>1/16/2024</a:t>
+              <a:t>3/6/2024</a:t>
             </a:fld>
             <a:endParaRPr lang="en-US"/>
           </a:p>
@@ -3572,7 +3624,7 @@
           <a:p>
             <a:fld id="{33D569A9-A222-4DCC-AF28-BB813B4F2ABB}" type="datetimeFigureOut">
               <a:rPr lang="en-US" smtClean="0"/>
-              <a:t>1/16/2024</a:t>
+              <a:t>3/6/2024</a:t>
             </a:fld>
             <a:endParaRPr lang="en-US"/>
           </a:p>
@@ -3847,7 +3899,7 @@
           <a:p>
             <a:fld id="{33D569A9-A222-4DCC-AF28-BB813B4F2ABB}" type="datetimeFigureOut">
               <a:rPr lang="en-US" smtClean="0"/>
-              <a:t>1/16/2024</a:t>
+              <a:t>3/6/2024</a:t>
             </a:fld>
             <a:endParaRPr lang="en-US"/>
           </a:p>
@@ -4112,7 +4164,7 @@
           <a:p>
             <a:fld id="{33D569A9-A222-4DCC-AF28-BB813B4F2ABB}" type="datetimeFigureOut">
               <a:rPr lang="en-US" smtClean="0"/>
-              <a:t>1/16/2024</a:t>
+              <a:t>3/6/2024</a:t>
             </a:fld>
             <a:endParaRPr lang="en-US"/>
           </a:p>
@@ -4524,7 +4576,7 @@
           <a:p>
             <a:fld id="{33D569A9-A222-4DCC-AF28-BB813B4F2ABB}" type="datetimeFigureOut">
               <a:rPr lang="en-US" smtClean="0"/>
-              <a:t>1/16/2024</a:t>
+              <a:t>3/6/2024</a:t>
             </a:fld>
             <a:endParaRPr lang="en-US"/>
           </a:p>
@@ -4665,7 +4717,7 @@
           <a:p>
             <a:fld id="{33D569A9-A222-4DCC-AF28-BB813B4F2ABB}" type="datetimeFigureOut">
               <a:rPr lang="en-US" smtClean="0"/>
-              <a:t>1/16/2024</a:t>
+              <a:t>3/6/2024</a:t>
             </a:fld>
             <a:endParaRPr lang="en-US"/>
           </a:p>
@@ -4778,7 +4830,7 @@
           <a:p>
             <a:fld id="{33D569A9-A222-4DCC-AF28-BB813B4F2ABB}" type="datetimeFigureOut">
               <a:rPr lang="en-US" smtClean="0"/>
-              <a:t>1/16/2024</a:t>
+              <a:t>3/6/2024</a:t>
             </a:fld>
             <a:endParaRPr lang="en-US"/>
           </a:p>
@@ -5124,7 +5176,7 @@
           <a:p>
             <a:fld id="{33D569A9-A222-4DCC-AF28-BB813B4F2ABB}" type="datetimeFigureOut">
               <a:rPr lang="en-US" smtClean="0"/>
-              <a:t>1/16/2024</a:t>
+              <a:t>3/6/2024</a:t>
             </a:fld>
             <a:endParaRPr lang="en-US"/>
           </a:p>
@@ -5365,7 +5417,7 @@
           <a:p>
             <a:fld id="{33D569A9-A222-4DCC-AF28-BB813B4F2ABB}" type="datetimeFigureOut">
               <a:rPr lang="en-US" smtClean="0"/>
-              <a:t>1/16/2024</a:t>
+              <a:t>3/6/2024</a:t>
             </a:fld>
             <a:endParaRPr lang="en-US"/>
           </a:p>
@@ -6281,6 +6333,458 @@
       </p:grpSpPr>
       <p:sp>
         <p:nvSpPr>
+          <p:cNvPr id="6" name="TextBox 5">
+            <a:extLst>
+              <a:ext uri="{FF2B5EF4-FFF2-40B4-BE49-F238E27FC236}">
+                <a16:creationId xmlns:a16="http://schemas.microsoft.com/office/drawing/2014/main" id="{59E906CD-110B-9D01-732C-2F21759B0265}"/>
+              </a:ext>
+            </a:extLst>
+          </p:cNvPr>
+          <p:cNvSpPr txBox="1"/>
+          <p:nvPr/>
+        </p:nvSpPr>
+        <p:spPr>
+          <a:xfrm>
+            <a:off x="193250" y="91915"/>
+            <a:ext cx="8256355" cy="461665"/>
+          </a:xfrm>
+          <a:prstGeom prst="rect">
+            <a:avLst/>
+          </a:prstGeom>
+          <a:noFill/>
+        </p:spPr>
+        <p:txBody>
+          <a:bodyPr wrap="square">
+            <a:spAutoFit/>
+          </a:bodyPr>
+          <a:lstStyle/>
+          <a:p>
+            <a:pPr algn="l"/>
+            <a:r>
+              <a:rPr lang="en-US" sz="2400" b="1" dirty="0">
+                <a:solidFill>
+                  <a:srgbClr val="00B050"/>
+                </a:solidFill>
+                <a:effectLst/>
+                <a:latin typeface="Open Sans" panose="020B0606030504020204" pitchFamily="34" charset="0"/>
+              </a:rPr>
+              <a:t>Interfaces</a:t>
+            </a:r>
+          </a:p>
+        </p:txBody>
+      </p:sp>
+      <p:sp>
+        <p:nvSpPr>
+          <p:cNvPr id="4" name="TextBox 3">
+            <a:extLst>
+              <a:ext uri="{FF2B5EF4-FFF2-40B4-BE49-F238E27FC236}">
+                <a16:creationId xmlns:a16="http://schemas.microsoft.com/office/drawing/2014/main" id="{C0B26727-0F97-5A73-B4ED-6BE65E07E5DB}"/>
+              </a:ext>
+            </a:extLst>
+          </p:cNvPr>
+          <p:cNvSpPr txBox="1"/>
+          <p:nvPr/>
+        </p:nvSpPr>
+        <p:spPr>
+          <a:xfrm>
+            <a:off x="176169" y="729420"/>
+            <a:ext cx="11931637" cy="3416320"/>
+          </a:xfrm>
+          <a:prstGeom prst="rect">
+            <a:avLst/>
+          </a:prstGeom>
+          <a:noFill/>
+        </p:spPr>
+        <p:txBody>
+          <a:bodyPr wrap="square">
+            <a:spAutoFit/>
+          </a:bodyPr>
+          <a:lstStyle/>
+          <a:p>
+            <a:r>
+              <a:rPr lang="en-US" dirty="0">
+                <a:solidFill>
+                  <a:schemeClr val="tx1">
+                    <a:lumMod val="85000"/>
+                  </a:schemeClr>
+                </a:solidFill>
+                <a:latin typeface="Open Sans" panose="020B0606030504020204" pitchFamily="34" charset="0"/>
+                <a:ea typeface="Open Sans" panose="020B0606030504020204" pitchFamily="34" charset="0"/>
+                <a:cs typeface="Open Sans" panose="020B0606030504020204" pitchFamily="34" charset="0"/>
+              </a:rPr>
+              <a:t>What Is an Interface?</a:t>
+            </a:r>
+          </a:p>
+          <a:p>
+            <a:r>
+              <a:rPr lang="en-US" dirty="0">
+                <a:solidFill>
+                  <a:srgbClr val="00B0F0"/>
+                </a:solidFill>
+                <a:latin typeface="Open Sans" panose="020B0606030504020204" pitchFamily="34" charset="0"/>
+                <a:ea typeface="Open Sans" panose="020B0606030504020204" pitchFamily="34" charset="0"/>
+                <a:cs typeface="Open Sans" panose="020B0606030504020204" pitchFamily="34" charset="0"/>
+              </a:rPr>
+              <a:t>An interface is a contract between a class and the outside world. </a:t>
+            </a:r>
+            <a:r>
+              <a:rPr lang="en-US" dirty="0">
+                <a:solidFill>
+                  <a:schemeClr val="tx1">
+                    <a:lumMod val="85000"/>
+                  </a:schemeClr>
+                </a:solidFill>
+                <a:latin typeface="Open Sans" panose="020B0606030504020204" pitchFamily="34" charset="0"/>
+                <a:ea typeface="Open Sans" panose="020B0606030504020204" pitchFamily="34" charset="0"/>
+                <a:cs typeface="Open Sans" panose="020B0606030504020204" pitchFamily="34" charset="0"/>
+              </a:rPr>
+              <a:t>When a class implements an interface, it promises to provide the behavior published by that interface</a:t>
+            </a:r>
+          </a:p>
+          <a:p>
+            <a:endParaRPr lang="en-US" dirty="0">
+              <a:solidFill>
+                <a:schemeClr val="tx1">
+                  <a:lumMod val="85000"/>
+                </a:schemeClr>
+              </a:solidFill>
+              <a:latin typeface="Open Sans" panose="020B0606030504020204" pitchFamily="34" charset="0"/>
+              <a:ea typeface="Open Sans" panose="020B0606030504020204" pitchFamily="34" charset="0"/>
+              <a:cs typeface="Open Sans" panose="020B0606030504020204" pitchFamily="34" charset="0"/>
+            </a:endParaRPr>
+          </a:p>
+          <a:p>
+            <a:r>
+              <a:rPr lang="en-US" dirty="0">
+                <a:solidFill>
+                  <a:schemeClr val="tx1">
+                    <a:lumMod val="85000"/>
+                  </a:schemeClr>
+                </a:solidFill>
+                <a:latin typeface="Open Sans" panose="020B0606030504020204" pitchFamily="34" charset="0"/>
+                <a:ea typeface="Open Sans" panose="020B0606030504020204" pitchFamily="34" charset="0"/>
+                <a:cs typeface="Open Sans" panose="020B0606030504020204" pitchFamily="34" charset="0"/>
+              </a:rPr>
+              <a:t>An interface is a completely "abstract class" that is used to group related methods with empty bodies:</a:t>
+            </a:r>
+          </a:p>
+          <a:p>
+            <a:endParaRPr lang="en-US" dirty="0">
+              <a:solidFill>
+                <a:schemeClr val="tx1">
+                  <a:lumMod val="85000"/>
+                </a:schemeClr>
+              </a:solidFill>
+              <a:latin typeface="Open Sans" panose="020B0606030504020204" pitchFamily="34" charset="0"/>
+              <a:ea typeface="Open Sans" panose="020B0606030504020204" pitchFamily="34" charset="0"/>
+              <a:cs typeface="Open Sans" panose="020B0606030504020204" pitchFamily="34" charset="0"/>
+            </a:endParaRPr>
+          </a:p>
+          <a:p>
+            <a:r>
+              <a:rPr lang="en-US" b="0" i="0" dirty="0">
+                <a:solidFill>
+                  <a:schemeClr val="tx1">
+                    <a:lumMod val="85000"/>
+                  </a:schemeClr>
+                </a:solidFill>
+                <a:effectLst/>
+                <a:latin typeface="Open Sans" panose="020B0606030504020204" pitchFamily="34" charset="0"/>
+                <a:ea typeface="Open Sans" panose="020B0606030504020204" pitchFamily="34" charset="0"/>
+                <a:cs typeface="Open Sans" panose="020B0606030504020204" pitchFamily="34" charset="0"/>
+              </a:rPr>
+              <a:t>To access the interface methods, the interface must be "implemented" (</a:t>
+            </a:r>
+            <a:r>
+              <a:rPr lang="en-US" b="0" i="0" dirty="0" err="1">
+                <a:solidFill>
+                  <a:schemeClr val="tx1">
+                    <a:lumMod val="85000"/>
+                  </a:schemeClr>
+                </a:solidFill>
+                <a:effectLst/>
+                <a:latin typeface="Open Sans" panose="020B0606030504020204" pitchFamily="34" charset="0"/>
+                <a:ea typeface="Open Sans" panose="020B0606030504020204" pitchFamily="34" charset="0"/>
+                <a:cs typeface="Open Sans" panose="020B0606030504020204" pitchFamily="34" charset="0"/>
+              </a:rPr>
+              <a:t>kinda</a:t>
+            </a:r>
+            <a:r>
+              <a:rPr lang="en-US" b="0" i="0" dirty="0">
+                <a:solidFill>
+                  <a:schemeClr val="tx1">
+                    <a:lumMod val="85000"/>
+                  </a:schemeClr>
+                </a:solidFill>
+                <a:effectLst/>
+                <a:latin typeface="Open Sans" panose="020B0606030504020204" pitchFamily="34" charset="0"/>
+                <a:ea typeface="Open Sans" panose="020B0606030504020204" pitchFamily="34" charset="0"/>
+                <a:cs typeface="Open Sans" panose="020B0606030504020204" pitchFamily="34" charset="0"/>
+              </a:rPr>
+              <a:t> like inherited) by another class with the implements keyword (instead of extends). The </a:t>
+            </a:r>
+            <a:r>
+              <a:rPr lang="en-US" b="0" i="0" dirty="0">
+                <a:solidFill>
+                  <a:srgbClr val="00B0F0"/>
+                </a:solidFill>
+                <a:effectLst/>
+                <a:latin typeface="Open Sans" panose="020B0606030504020204" pitchFamily="34" charset="0"/>
+                <a:ea typeface="Open Sans" panose="020B0606030504020204" pitchFamily="34" charset="0"/>
+                <a:cs typeface="Open Sans" panose="020B0606030504020204" pitchFamily="34" charset="0"/>
+              </a:rPr>
+              <a:t>body of the interface method is provided by the "implemented" class</a:t>
+            </a:r>
+          </a:p>
+          <a:p>
+            <a:endParaRPr lang="en-US" dirty="0">
+              <a:solidFill>
+                <a:srgbClr val="00B0F0"/>
+              </a:solidFill>
+              <a:latin typeface="Open Sans" panose="020B0606030504020204" pitchFamily="34" charset="0"/>
+              <a:ea typeface="Open Sans" panose="020B0606030504020204" pitchFamily="34" charset="0"/>
+              <a:cs typeface="Open Sans" panose="020B0606030504020204" pitchFamily="34" charset="0"/>
+            </a:endParaRPr>
+          </a:p>
+          <a:p>
+            <a:r>
+              <a:rPr lang="en-US" b="0" i="0" dirty="0">
+                <a:solidFill>
+                  <a:srgbClr val="00B0F0"/>
+                </a:solidFill>
+                <a:effectLst/>
+                <a:latin typeface="Open Sans" panose="020B0606030504020204" pitchFamily="34" charset="0"/>
+                <a:ea typeface="Open Sans" panose="020B0606030504020204" pitchFamily="34" charset="0"/>
+                <a:cs typeface="Open Sans" panose="020B0606030504020204" pitchFamily="34" charset="0"/>
+              </a:rPr>
+              <a:t>Classes can implement </a:t>
+            </a:r>
+            <a:r>
+              <a:rPr lang="en-US" b="0" i="0">
+                <a:solidFill>
+                  <a:srgbClr val="00B0F0"/>
+                </a:solidFill>
+                <a:effectLst/>
+                <a:latin typeface="Open Sans" panose="020B0606030504020204" pitchFamily="34" charset="0"/>
+                <a:ea typeface="Open Sans" panose="020B0606030504020204" pitchFamily="34" charset="0"/>
+                <a:cs typeface="Open Sans" panose="020B0606030504020204" pitchFamily="34" charset="0"/>
+              </a:rPr>
+              <a:t>multiple interfaces</a:t>
+            </a:r>
+            <a:endParaRPr lang="en-US" b="0" i="0" dirty="0">
+              <a:solidFill>
+                <a:schemeClr val="tx1">
+                  <a:lumMod val="85000"/>
+                </a:schemeClr>
+              </a:solidFill>
+              <a:effectLst/>
+              <a:latin typeface="Open Sans" panose="020B0606030504020204" pitchFamily="34" charset="0"/>
+              <a:ea typeface="Open Sans" panose="020B0606030504020204" pitchFamily="34" charset="0"/>
+              <a:cs typeface="Open Sans" panose="020B0606030504020204" pitchFamily="34" charset="0"/>
+            </a:endParaRPr>
+          </a:p>
+          <a:p>
+            <a:endParaRPr lang="en-US" b="0" i="0" dirty="0">
+              <a:solidFill>
+                <a:schemeClr val="tx1">
+                  <a:lumMod val="85000"/>
+                </a:schemeClr>
+              </a:solidFill>
+              <a:effectLst/>
+              <a:latin typeface="Open Sans" panose="020B0606030504020204" pitchFamily="34" charset="0"/>
+            </a:endParaRPr>
+          </a:p>
+        </p:txBody>
+      </p:sp>
+      <p:sp>
+        <p:nvSpPr>
+          <p:cNvPr id="5" name="TextBox 4">
+            <a:extLst>
+              <a:ext uri="{FF2B5EF4-FFF2-40B4-BE49-F238E27FC236}">
+                <a16:creationId xmlns:a16="http://schemas.microsoft.com/office/drawing/2014/main" id="{20F6CBEF-9110-814A-F1E8-8EDD591B1904}"/>
+              </a:ext>
+            </a:extLst>
+          </p:cNvPr>
+          <p:cNvSpPr txBox="1"/>
+          <p:nvPr/>
+        </p:nvSpPr>
+        <p:spPr>
+          <a:xfrm>
+            <a:off x="4698072" y="6345767"/>
+            <a:ext cx="7333507" cy="369332"/>
+          </a:xfrm>
+          <a:prstGeom prst="rect">
+            <a:avLst/>
+          </a:prstGeom>
+          <a:noFill/>
+        </p:spPr>
+        <p:txBody>
+          <a:bodyPr wrap="square">
+            <a:spAutoFit/>
+          </a:bodyPr>
+          <a:lstStyle/>
+          <a:p>
+            <a:r>
+              <a:rPr lang="en-US" dirty="0">
+                <a:hlinkClick r:id="rId2"/>
+              </a:rPr>
+              <a:t>https://github.com/ckiefriter1/Java-Code-Examples/tree/main/src/interfaces</a:t>
+            </a:r>
+            <a:endParaRPr lang="en-US" dirty="0"/>
+          </a:p>
+        </p:txBody>
+      </p:sp>
+    </p:spTree>
+    <p:extLst>
+      <p:ext uri="{BB962C8B-B14F-4D97-AF65-F5344CB8AC3E}">
+        <p14:creationId xmlns:p14="http://schemas.microsoft.com/office/powerpoint/2010/main" val="3827704663"/>
+      </p:ext>
+    </p:extLst>
+  </p:cSld>
+  <p:clrMapOvr>
+    <a:masterClrMapping/>
+  </p:clrMapOvr>
+</p:sld>
+</file>
+
+<file path=ppt/slides/slide11.xml><?xml version="1.0" encoding="utf-8"?>
+<p:sld xmlns:a="http://schemas.openxmlformats.org/drawingml/2006/main" xmlns:r="http://schemas.openxmlformats.org/officeDocument/2006/relationships" xmlns:p="http://schemas.openxmlformats.org/presentationml/2006/main">
+  <p:cSld>
+    <p:spTree>
+      <p:nvGrpSpPr>
+        <p:cNvPr id="1" name=""/>
+        <p:cNvGrpSpPr/>
+        <p:nvPr/>
+      </p:nvGrpSpPr>
+      <p:grpSpPr>
+        <a:xfrm>
+          <a:off x="0" y="0"/>
+          <a:ext cx="0" cy="0"/>
+          <a:chOff x="0" y="0"/>
+          <a:chExt cx="0" cy="0"/>
+        </a:xfrm>
+      </p:grpSpPr>
+      <p:pic>
+        <p:nvPicPr>
+          <p:cNvPr id="1026" name="Picture 2" descr="Image">
+            <a:extLst>
+              <a:ext uri="{FF2B5EF4-FFF2-40B4-BE49-F238E27FC236}">
+                <a16:creationId xmlns:a16="http://schemas.microsoft.com/office/drawing/2014/main" id="{3C8CE67A-36E1-5A09-D74F-A2C8E212977E}"/>
+              </a:ext>
+            </a:extLst>
+          </p:cNvPr>
+          <p:cNvPicPr>
+            <a:picLocks noChangeAspect="1" noChangeArrowheads="1"/>
+          </p:cNvPicPr>
+          <p:nvPr/>
+        </p:nvPicPr>
+        <p:blipFill>
+          <a:blip r:embed="rId2">
+            <a:extLst>
+              <a:ext uri="{28A0092B-C50C-407E-A947-70E740481C1C}">
+                <a14:useLocalDpi xmlns:a14="http://schemas.microsoft.com/office/drawing/2010/main" val="0"/>
+              </a:ext>
+            </a:extLst>
+          </a:blip>
+          <a:srcRect/>
+          <a:stretch>
+            <a:fillRect/>
+          </a:stretch>
+        </p:blipFill>
+        <p:spPr bwMode="auto">
+          <a:xfrm>
+            <a:off x="3921870" y="0"/>
+            <a:ext cx="6858000" cy="6858000"/>
+          </a:xfrm>
+          <a:prstGeom prst="rect">
+            <a:avLst/>
+          </a:prstGeom>
+          <a:noFill/>
+          <a:extLst>
+            <a:ext uri="{909E8E84-426E-40DD-AFC4-6F175D3DCCD1}">
+              <a14:hiddenFill xmlns:a14="http://schemas.microsoft.com/office/drawing/2010/main">
+                <a:solidFill>
+                  <a:srgbClr val="FFFFFF"/>
+                </a:solidFill>
+              </a14:hiddenFill>
+            </a:ext>
+          </a:extLst>
+        </p:spPr>
+      </p:pic>
+      <p:sp>
+        <p:nvSpPr>
+          <p:cNvPr id="2" name="TextBox 1">
+            <a:extLst>
+              <a:ext uri="{FF2B5EF4-FFF2-40B4-BE49-F238E27FC236}">
+                <a16:creationId xmlns:a16="http://schemas.microsoft.com/office/drawing/2014/main" id="{39E1C922-B9C7-D0AD-8A67-CE620AD121BE}"/>
+              </a:ext>
+            </a:extLst>
+          </p:cNvPr>
+          <p:cNvSpPr txBox="1"/>
+          <p:nvPr/>
+        </p:nvSpPr>
+        <p:spPr>
+          <a:xfrm>
+            <a:off x="216335" y="31366"/>
+            <a:ext cx="7765757" cy="461665"/>
+          </a:xfrm>
+          <a:prstGeom prst="rect">
+            <a:avLst/>
+          </a:prstGeom>
+          <a:noFill/>
+        </p:spPr>
+        <p:txBody>
+          <a:bodyPr wrap="square">
+            <a:spAutoFit/>
+          </a:bodyPr>
+          <a:lstStyle/>
+          <a:p>
+            <a:r>
+              <a:rPr lang="en-US" sz="2400" b="1" dirty="0">
+                <a:solidFill>
+                  <a:srgbClr val="00B050"/>
+                </a:solidFill>
+                <a:effectLst/>
+                <a:latin typeface="Open Sans" panose="020B0606030504020204" pitchFamily="34" charset="0"/>
+              </a:rPr>
+              <a:t>SOLID Principles</a:t>
+            </a:r>
+            <a:endParaRPr lang="en-US" sz="2400" dirty="0"/>
+          </a:p>
+        </p:txBody>
+      </p:sp>
+    </p:spTree>
+    <p:extLst>
+      <p:ext uri="{BB962C8B-B14F-4D97-AF65-F5344CB8AC3E}">
+        <p14:creationId xmlns:p14="http://schemas.microsoft.com/office/powerpoint/2010/main" val="2169686199"/>
+      </p:ext>
+    </p:extLst>
+  </p:cSld>
+  <p:clrMapOvr>
+    <a:masterClrMapping/>
+  </p:clrMapOvr>
+</p:sld>
+</file>
+
+<file path=ppt/slides/slide12.xml><?xml version="1.0" encoding="utf-8"?>
+<p:sld xmlns:a="http://schemas.openxmlformats.org/drawingml/2006/main" xmlns:r="http://schemas.openxmlformats.org/officeDocument/2006/relationships" xmlns:p="http://schemas.openxmlformats.org/presentationml/2006/main">
+  <p:cSld>
+    <p:spTree>
+      <p:nvGrpSpPr>
+        <p:cNvPr id="1" name=""/>
+        <p:cNvGrpSpPr/>
+        <p:nvPr/>
+      </p:nvGrpSpPr>
+      <p:grpSpPr>
+        <a:xfrm>
+          <a:off x="0" y="0"/>
+          <a:ext cx="0" cy="0"/>
+          <a:chOff x="0" y="0"/>
+          <a:chExt cx="0" cy="0"/>
+        </a:xfrm>
+      </p:grpSpPr>
+      <p:sp>
+        <p:nvSpPr>
           <p:cNvPr id="3" name="TextBox 2">
             <a:extLst>
               <a:ext uri="{FF2B5EF4-FFF2-40B4-BE49-F238E27FC236}">
@@ -6359,7 +6863,7 @@
 </p:sld>
 </file>
 
-<file path=ppt/slides/slide11.xml><?xml version="1.0" encoding="utf-8"?>
+<file path=ppt/slides/slide13.xml><?xml version="1.0" encoding="utf-8"?>
 <p:sld xmlns:a="http://schemas.openxmlformats.org/drawingml/2006/main" xmlns:r="http://schemas.openxmlformats.org/officeDocument/2006/relationships" xmlns:p="http://schemas.openxmlformats.org/presentationml/2006/main">
   <p:cSld>
     <p:spTree>
@@ -6494,7 +6998,27 @@
                 <a:effectLst/>
                 <a:latin typeface="Open Sans" panose="020B0606030504020204" pitchFamily="34" charset="0"/>
               </a:rPr>
-              <a:t>exception is defined an event</a:t>
+              <a:t>exception </a:t>
+            </a:r>
+            <a:r>
+              <a:rPr lang="en-US" b="0" i="0">
+                <a:solidFill>
+                  <a:srgbClr val="00B0F0"/>
+                </a:solidFill>
+                <a:effectLst/>
+                <a:latin typeface="Open Sans" panose="020B0606030504020204" pitchFamily="34" charset="0"/>
+              </a:rPr>
+              <a:t>is a defined </a:t>
+            </a:r>
+            <a:r>
+              <a:rPr lang="en-US" b="0" i="0" dirty="0">
+                <a:solidFill>
+                  <a:srgbClr val="00B0F0"/>
+                </a:solidFill>
+                <a:effectLst/>
+                <a:latin typeface="Open Sans" panose="020B0606030504020204" pitchFamily="34" charset="0"/>
+              </a:rPr>
+              <a:t>an event</a:t>
             </a:r>
             <a:r>
               <a:rPr lang="en-US" b="0" i="0" dirty="0">
@@ -7001,7 +7525,7 @@
 </p:sld>
 </file>
 
-<file path=ppt/slides/slide12.xml><?xml version="1.0" encoding="utf-8"?>
+<file path=ppt/slides/slide14.xml><?xml version="1.0" encoding="utf-8"?>
 <p:sld xmlns:a="http://schemas.openxmlformats.org/drawingml/2006/main" xmlns:r="http://schemas.openxmlformats.org/officeDocument/2006/relationships" xmlns:p="http://schemas.openxmlformats.org/presentationml/2006/main">
   <p:cSld>
     <p:spTree>
@@ -7179,7 +7703,7 @@
 </p:sld>
 </file>
 
-<file path=ppt/slides/slide13.xml><?xml version="1.0" encoding="utf-8"?>
+<file path=ppt/slides/slide15.xml><?xml version="1.0" encoding="utf-8"?>
 <p:sld xmlns:a="http://schemas.openxmlformats.org/drawingml/2006/main" xmlns:r="http://schemas.openxmlformats.org/officeDocument/2006/relationships" xmlns:p="http://schemas.openxmlformats.org/presentationml/2006/main">
   <p:cSld>
     <p:spTree>
@@ -7555,7 +8079,7 @@
 </p:sld>
 </file>
 
-<file path=ppt/slides/slide14.xml><?xml version="1.0" encoding="utf-8"?>
+<file path=ppt/slides/slide16.xml><?xml version="1.0" encoding="utf-8"?>
 <p:sld xmlns:a="http://schemas.openxmlformats.org/drawingml/2006/main" xmlns:r="http://schemas.openxmlformats.org/officeDocument/2006/relationships" xmlns:p="http://schemas.openxmlformats.org/presentationml/2006/main">
   <p:cSld>
     <p:spTree>
@@ -7892,1332 +8416,6 @@
 </p:sld>
 </file>
 
-<file path=ppt/slides/slide15.xml><?xml version="1.0" encoding="utf-8"?>
-<p:sld xmlns:a="http://schemas.openxmlformats.org/drawingml/2006/main" xmlns:r="http://schemas.openxmlformats.org/officeDocument/2006/relationships" xmlns:p="http://schemas.openxmlformats.org/presentationml/2006/main">
-  <p:cSld>
-    <p:spTree>
-      <p:nvGrpSpPr>
-        <p:cNvPr id="1" name=""/>
-        <p:cNvGrpSpPr/>
-        <p:nvPr/>
-      </p:nvGrpSpPr>
-      <p:grpSpPr>
-        <a:xfrm>
-          <a:off x="0" y="0"/>
-          <a:ext cx="0" cy="0"/>
-          <a:chOff x="0" y="0"/>
-          <a:chExt cx="0" cy="0"/>
-        </a:xfrm>
-      </p:grpSpPr>
-      <p:sp>
-        <p:nvSpPr>
-          <p:cNvPr id="6" name="TextBox 5">
-            <a:extLst>
-              <a:ext uri="{FF2B5EF4-FFF2-40B4-BE49-F238E27FC236}">
-                <a16:creationId xmlns:a16="http://schemas.microsoft.com/office/drawing/2014/main" id="{59E906CD-110B-9D01-732C-2F21759B0265}"/>
-              </a:ext>
-            </a:extLst>
-          </p:cNvPr>
-          <p:cNvSpPr txBox="1"/>
-          <p:nvPr/>
-        </p:nvSpPr>
-        <p:spPr>
-          <a:xfrm>
-            <a:off x="193250" y="91915"/>
-            <a:ext cx="8256355" cy="461665"/>
-          </a:xfrm>
-          <a:prstGeom prst="rect">
-            <a:avLst/>
-          </a:prstGeom>
-          <a:noFill/>
-        </p:spPr>
-        <p:txBody>
-          <a:bodyPr wrap="square">
-            <a:spAutoFit/>
-          </a:bodyPr>
-          <a:lstStyle/>
-          <a:p>
-            <a:pPr algn="l"/>
-            <a:r>
-              <a:rPr lang="en-US" sz="2400" b="1" dirty="0">
-                <a:solidFill>
-                  <a:srgbClr val="00B050"/>
-                </a:solidFill>
-                <a:effectLst/>
-                <a:latin typeface="Open Sans" panose="020B0606030504020204" pitchFamily="34" charset="0"/>
-              </a:rPr>
-              <a:t>Catching Exceptions – try </a:t>
-            </a:r>
-            <a:r>
-              <a:rPr lang="en-US" sz="2400" b="1" dirty="0">
-                <a:solidFill>
-                  <a:srgbClr val="00B050"/>
-                </a:solidFill>
-                <a:effectLst/>
-                <a:latin typeface="Open Sans" panose="020B0606030504020204" pitchFamily="34" charset="0"/>
-                <a:sym typeface="Wingdings" panose="05000000000000000000" pitchFamily="2" charset="2"/>
-              </a:rPr>
-              <a:t> catch  finally blocks</a:t>
-            </a:r>
-            <a:endParaRPr lang="en-US" sz="2400" b="1" dirty="0">
-              <a:solidFill>
-                <a:srgbClr val="00B050"/>
-              </a:solidFill>
-              <a:effectLst/>
-              <a:latin typeface="Open Sans" panose="020B0606030504020204" pitchFamily="34" charset="0"/>
-            </a:endParaRPr>
-          </a:p>
-        </p:txBody>
-      </p:sp>
-      <p:sp>
-        <p:nvSpPr>
-          <p:cNvPr id="4" name="TextBox 3">
-            <a:extLst>
-              <a:ext uri="{FF2B5EF4-FFF2-40B4-BE49-F238E27FC236}">
-                <a16:creationId xmlns:a16="http://schemas.microsoft.com/office/drawing/2014/main" id="{C0B26727-0F97-5A73-B4ED-6BE65E07E5DB}"/>
-              </a:ext>
-            </a:extLst>
-          </p:cNvPr>
-          <p:cNvSpPr txBox="1"/>
-          <p:nvPr/>
-        </p:nvSpPr>
-        <p:spPr>
-          <a:xfrm>
-            <a:off x="176169" y="571295"/>
-            <a:ext cx="11931637" cy="6571030"/>
-          </a:xfrm>
-          <a:prstGeom prst="rect">
-            <a:avLst/>
-          </a:prstGeom>
-          <a:noFill/>
-        </p:spPr>
-        <p:txBody>
-          <a:bodyPr wrap="square">
-            <a:spAutoFit/>
-          </a:bodyPr>
-          <a:lstStyle/>
-          <a:p>
-            <a:pPr marL="285750" indent="-285750" algn="l">
-              <a:buFont typeface="Arial" panose="020B0604020202020204" pitchFamily="34" charset="0"/>
-              <a:buChar char="•"/>
-            </a:pPr>
-            <a:r>
-              <a:rPr lang="en-US" sz="1600" b="0" i="0" dirty="0">
-                <a:solidFill>
-                  <a:schemeClr val="tx1">
-                    <a:lumMod val="85000"/>
-                  </a:schemeClr>
-                </a:solidFill>
-                <a:effectLst/>
-                <a:latin typeface="Open Sans" panose="020B0606030504020204" pitchFamily="34" charset="0"/>
-              </a:rPr>
-              <a:t>You associate exception handlers with a try block by providing one or more catch blocks directly after the try block. No code can be between the end of the try block and the beginning of the first catch block.</a:t>
-            </a:r>
-          </a:p>
-          <a:p>
-            <a:pPr marL="285750" indent="-285750" algn="l">
-              <a:buFont typeface="Arial" panose="020B0604020202020204" pitchFamily="34" charset="0"/>
-              <a:buChar char="•"/>
-            </a:pPr>
-            <a:endParaRPr lang="en-US" sz="1600" b="0" i="0" dirty="0">
-              <a:solidFill>
-                <a:schemeClr val="tx1">
-                  <a:lumMod val="85000"/>
-                </a:schemeClr>
-              </a:solidFill>
-              <a:effectLst/>
-              <a:latin typeface="Open Sans" panose="020B0606030504020204" pitchFamily="34" charset="0"/>
-            </a:endParaRPr>
-          </a:p>
-          <a:p>
-            <a:pPr algn="l"/>
-            <a:r>
-              <a:rPr lang="en-US" sz="1200" b="0" i="0" dirty="0">
-                <a:solidFill>
-                  <a:schemeClr val="tx1">
-                    <a:lumMod val="85000"/>
-                  </a:schemeClr>
-                </a:solidFill>
-                <a:effectLst/>
-                <a:latin typeface="Open Sans" panose="020B0606030504020204" pitchFamily="34" charset="0"/>
-              </a:rPr>
-              <a:t>	try {</a:t>
-            </a:r>
-          </a:p>
-          <a:p>
-            <a:pPr algn="l"/>
-            <a:r>
-              <a:rPr lang="en-US" sz="1200" dirty="0">
-                <a:solidFill>
-                  <a:schemeClr val="tx1">
-                    <a:lumMod val="85000"/>
-                  </a:schemeClr>
-                </a:solidFill>
-                <a:latin typeface="Open Sans" panose="020B0606030504020204" pitchFamily="34" charset="0"/>
-              </a:rPr>
-              <a:t>	   // Execute some code here</a:t>
-            </a:r>
-          </a:p>
-          <a:p>
-            <a:pPr algn="l"/>
-            <a:r>
-              <a:rPr lang="en-US" sz="1200" b="0" i="0" dirty="0">
-                <a:solidFill>
-                  <a:schemeClr val="tx1">
-                    <a:lumMod val="85000"/>
-                  </a:schemeClr>
-                </a:solidFill>
-                <a:effectLst/>
-                <a:latin typeface="Open Sans" panose="020B0606030504020204" pitchFamily="34" charset="0"/>
-              </a:rPr>
-              <a:t>	} catch (</a:t>
-            </a:r>
-            <a:r>
-              <a:rPr lang="en-US" sz="1200" b="0" i="0" dirty="0" err="1">
-                <a:solidFill>
-                  <a:schemeClr val="tx1">
-                    <a:lumMod val="85000"/>
-                  </a:schemeClr>
-                </a:solidFill>
-                <a:effectLst/>
-                <a:latin typeface="Open Sans" panose="020B0606030504020204" pitchFamily="34" charset="0"/>
-              </a:rPr>
-              <a:t>ExceptionType</a:t>
-            </a:r>
-            <a:r>
-              <a:rPr lang="en-US" sz="1200" b="0" i="0" dirty="0">
-                <a:solidFill>
-                  <a:schemeClr val="tx1">
-                    <a:lumMod val="85000"/>
-                  </a:schemeClr>
-                </a:solidFill>
-                <a:effectLst/>
-                <a:latin typeface="Open Sans" panose="020B0606030504020204" pitchFamily="34" charset="0"/>
-              </a:rPr>
-              <a:t> name) {</a:t>
-            </a:r>
-          </a:p>
-          <a:p>
-            <a:pPr algn="l"/>
-            <a:r>
-              <a:rPr lang="en-US" sz="1200" dirty="0">
-                <a:solidFill>
-                  <a:schemeClr val="tx1">
-                    <a:lumMod val="85000"/>
-                  </a:schemeClr>
-                </a:solidFill>
-                <a:latin typeface="Open Sans" panose="020B0606030504020204" pitchFamily="34" charset="0"/>
-              </a:rPr>
-              <a:t>	</a:t>
-            </a:r>
-          </a:p>
-          <a:p>
-            <a:pPr algn="l"/>
-            <a:r>
-              <a:rPr lang="en-US" sz="1200" b="0" i="0" dirty="0">
-                <a:solidFill>
-                  <a:schemeClr val="tx1">
-                    <a:lumMod val="85000"/>
-                  </a:schemeClr>
-                </a:solidFill>
-                <a:effectLst/>
-                <a:latin typeface="Open Sans" panose="020B0606030504020204" pitchFamily="34" charset="0"/>
-              </a:rPr>
-              <a:t>	} catch (</a:t>
-            </a:r>
-            <a:r>
-              <a:rPr lang="en-US" sz="1200" b="0" i="0" dirty="0" err="1">
-                <a:solidFill>
-                  <a:schemeClr val="tx1">
-                    <a:lumMod val="85000"/>
-                  </a:schemeClr>
-                </a:solidFill>
-                <a:effectLst/>
-                <a:latin typeface="Open Sans" panose="020B0606030504020204" pitchFamily="34" charset="0"/>
-              </a:rPr>
-              <a:t>ExceptionType</a:t>
-            </a:r>
-            <a:r>
-              <a:rPr lang="en-US" sz="1200" b="0" i="0" dirty="0">
-                <a:solidFill>
-                  <a:schemeClr val="tx1">
-                    <a:lumMod val="85000"/>
-                  </a:schemeClr>
-                </a:solidFill>
-                <a:effectLst/>
-                <a:latin typeface="Open Sans" panose="020B0606030504020204" pitchFamily="34" charset="0"/>
-              </a:rPr>
-              <a:t> name) {</a:t>
-            </a:r>
-          </a:p>
-          <a:p>
-            <a:pPr algn="l"/>
-            <a:r>
-              <a:rPr lang="en-US" sz="1200" dirty="0">
-                <a:solidFill>
-                  <a:schemeClr val="tx1">
-                    <a:lumMod val="85000"/>
-                  </a:schemeClr>
-                </a:solidFill>
-                <a:latin typeface="Open Sans" panose="020B0606030504020204" pitchFamily="34" charset="0"/>
-              </a:rPr>
-              <a:t>	</a:t>
-            </a:r>
-          </a:p>
-          <a:p>
-            <a:pPr algn="l"/>
-            <a:r>
-              <a:rPr lang="en-US" sz="1200" b="0" i="0" dirty="0">
-                <a:solidFill>
-                  <a:schemeClr val="tx1">
-                    <a:lumMod val="85000"/>
-                  </a:schemeClr>
-                </a:solidFill>
-                <a:effectLst/>
-                <a:latin typeface="Open Sans" panose="020B0606030504020204" pitchFamily="34" charset="0"/>
-              </a:rPr>
-              <a:t>	} finally {</a:t>
-            </a:r>
-          </a:p>
-          <a:p>
-            <a:pPr algn="l"/>
-            <a:r>
-              <a:rPr lang="en-US" sz="1200" dirty="0">
-                <a:solidFill>
-                  <a:schemeClr val="tx1">
-                    <a:lumMod val="85000"/>
-                  </a:schemeClr>
-                </a:solidFill>
-                <a:latin typeface="Open Sans" panose="020B0606030504020204" pitchFamily="34" charset="0"/>
-              </a:rPr>
-              <a:t>	   // Code that always runs when the try block runs even when an Exception occurs</a:t>
-            </a:r>
-          </a:p>
-          <a:p>
-            <a:pPr algn="l"/>
-            <a:r>
-              <a:rPr lang="en-US" sz="1200" b="0" i="0" dirty="0">
-                <a:solidFill>
-                  <a:schemeClr val="tx1">
-                    <a:lumMod val="85000"/>
-                  </a:schemeClr>
-                </a:solidFill>
-                <a:effectLst/>
-                <a:latin typeface="Open Sans" panose="020B0606030504020204" pitchFamily="34" charset="0"/>
-              </a:rPr>
-              <a:t>	}</a:t>
-            </a:r>
-          </a:p>
-          <a:p>
-            <a:pPr algn="l"/>
-            <a:endParaRPr lang="en-US" sz="1200" b="0" i="0" dirty="0">
-              <a:solidFill>
-                <a:schemeClr val="tx1">
-                  <a:lumMod val="85000"/>
-                </a:schemeClr>
-              </a:solidFill>
-              <a:effectLst/>
-              <a:latin typeface="Open Sans" panose="020B0606030504020204" pitchFamily="34" charset="0"/>
-            </a:endParaRPr>
-          </a:p>
-          <a:p>
-            <a:pPr marL="285750" indent="-285750" algn="l">
-              <a:buFont typeface="Arial" panose="020B0604020202020204" pitchFamily="34" charset="0"/>
-              <a:buChar char="•"/>
-            </a:pPr>
-            <a:r>
-              <a:rPr lang="en-US" sz="1600" b="0" i="0" dirty="0">
-                <a:solidFill>
-                  <a:srgbClr val="00B0F0"/>
-                </a:solidFill>
-                <a:effectLst/>
-                <a:latin typeface="Open Sans" panose="020B0606030504020204" pitchFamily="34" charset="0"/>
-              </a:rPr>
-              <a:t>Each catch block is an exception handler </a:t>
-            </a:r>
-            <a:r>
-              <a:rPr lang="en-US" sz="1600" b="0" i="0" dirty="0">
-                <a:solidFill>
-                  <a:schemeClr val="tx1">
-                    <a:lumMod val="85000"/>
-                  </a:schemeClr>
-                </a:solidFill>
-                <a:effectLst/>
-                <a:latin typeface="Open Sans" panose="020B0606030504020204" pitchFamily="34" charset="0"/>
-              </a:rPr>
-              <a:t>that handles the type of exception indicated by its argument. </a:t>
-            </a:r>
-            <a:r>
-              <a:rPr lang="en-US" sz="1600" b="0" i="0" dirty="0">
-                <a:solidFill>
-                  <a:srgbClr val="00B0F0"/>
-                </a:solidFill>
-                <a:effectLst/>
-                <a:latin typeface="Open Sans" panose="020B0606030504020204" pitchFamily="34" charset="0"/>
-              </a:rPr>
-              <a:t>The argument type, </a:t>
-            </a:r>
-            <a:r>
-              <a:rPr lang="en-US" sz="1600" b="0" i="0" dirty="0" err="1">
-                <a:solidFill>
-                  <a:srgbClr val="00B0F0"/>
-                </a:solidFill>
-                <a:effectLst/>
-                <a:latin typeface="Open Sans" panose="020B0606030504020204" pitchFamily="34" charset="0"/>
-              </a:rPr>
-              <a:t>ExceptionType</a:t>
-            </a:r>
-            <a:r>
-              <a:rPr lang="en-US" sz="1600" b="0" i="0" dirty="0">
-                <a:solidFill>
-                  <a:schemeClr val="tx1">
-                    <a:lumMod val="85000"/>
-                  </a:schemeClr>
-                </a:solidFill>
-                <a:effectLst/>
-                <a:latin typeface="Open Sans" panose="020B0606030504020204" pitchFamily="34" charset="0"/>
-              </a:rPr>
-              <a:t>, declares the type of exception that the handler can handle and must be the name of a class that inherits from the Throwable class. The handler can refer to the exception with name.</a:t>
-            </a:r>
-          </a:p>
-          <a:p>
-            <a:pPr marL="285750" indent="-285750" algn="l">
-              <a:buFont typeface="Arial" panose="020B0604020202020204" pitchFamily="34" charset="0"/>
-              <a:buChar char="•"/>
-            </a:pPr>
-            <a:endParaRPr lang="en-US" sz="1600" b="0" i="0" dirty="0">
-              <a:solidFill>
-                <a:schemeClr val="tx1">
-                  <a:lumMod val="85000"/>
-                </a:schemeClr>
-              </a:solidFill>
-              <a:effectLst/>
-              <a:latin typeface="Open Sans" panose="020B0606030504020204" pitchFamily="34" charset="0"/>
-            </a:endParaRPr>
-          </a:p>
-          <a:p>
-            <a:pPr marL="285750" indent="-285750" algn="l">
-              <a:buFont typeface="Arial" panose="020B0604020202020204" pitchFamily="34" charset="0"/>
-              <a:buChar char="•"/>
-            </a:pPr>
-            <a:r>
-              <a:rPr lang="en-US" sz="1600" b="0" i="0" dirty="0">
-                <a:solidFill>
-                  <a:schemeClr val="tx1">
-                    <a:lumMod val="85000"/>
-                  </a:schemeClr>
-                </a:solidFill>
-                <a:effectLst/>
-                <a:latin typeface="Open Sans" panose="020B0606030504020204" pitchFamily="34" charset="0"/>
-              </a:rPr>
-              <a:t>The catch block </a:t>
-            </a:r>
-            <a:r>
-              <a:rPr lang="en-US" sz="1600" b="0" i="0" dirty="0">
-                <a:solidFill>
-                  <a:srgbClr val="00B0F0"/>
-                </a:solidFill>
-                <a:effectLst/>
-                <a:latin typeface="Open Sans" panose="020B0606030504020204" pitchFamily="34" charset="0"/>
-              </a:rPr>
-              <a:t>contains code that is executed if and when the exception handler is invoked</a:t>
-            </a:r>
-            <a:r>
-              <a:rPr lang="en-US" sz="1600" b="0" i="0" dirty="0">
-                <a:solidFill>
-                  <a:schemeClr val="tx1">
-                    <a:lumMod val="85000"/>
-                  </a:schemeClr>
-                </a:solidFill>
-                <a:effectLst/>
-                <a:latin typeface="Open Sans" panose="020B0606030504020204" pitchFamily="34" charset="0"/>
-              </a:rPr>
-              <a:t>. The runtime system invokes the exception handler when the handler is the first one in the call stack whose </a:t>
-            </a:r>
-            <a:r>
-              <a:rPr lang="en-US" sz="1600" b="0" i="0" dirty="0" err="1">
-                <a:solidFill>
-                  <a:schemeClr val="tx1">
-                    <a:lumMod val="85000"/>
-                  </a:schemeClr>
-                </a:solidFill>
-                <a:effectLst/>
-                <a:latin typeface="Open Sans" panose="020B0606030504020204" pitchFamily="34" charset="0"/>
-              </a:rPr>
-              <a:t>ExceptionType</a:t>
-            </a:r>
-            <a:r>
-              <a:rPr lang="en-US" sz="1600" b="0" i="0" dirty="0">
-                <a:solidFill>
-                  <a:schemeClr val="tx1">
-                    <a:lumMod val="85000"/>
-                  </a:schemeClr>
-                </a:solidFill>
-                <a:effectLst/>
-                <a:latin typeface="Open Sans" panose="020B0606030504020204" pitchFamily="34" charset="0"/>
-              </a:rPr>
-              <a:t> matches the type of the exception thrown. The system considers it a match if the thrown object can legally be assigned to the exception handler's argument.</a:t>
-            </a:r>
-          </a:p>
-          <a:p>
-            <a:pPr marL="285750" indent="-285750" algn="l">
-              <a:buFont typeface="Arial" panose="020B0604020202020204" pitchFamily="34" charset="0"/>
-              <a:buChar char="•"/>
-            </a:pPr>
-            <a:endParaRPr lang="en-US" sz="1600" b="0" i="0" dirty="0">
-              <a:solidFill>
-                <a:schemeClr val="tx1">
-                  <a:lumMod val="85000"/>
-                </a:schemeClr>
-              </a:solidFill>
-              <a:effectLst/>
-              <a:latin typeface="Open Sans" panose="020B0606030504020204" pitchFamily="34" charset="0"/>
-            </a:endParaRPr>
-          </a:p>
-          <a:p>
-            <a:pPr marL="285750" indent="-285750" algn="l">
-              <a:buFont typeface="Arial" panose="020B0604020202020204" pitchFamily="34" charset="0"/>
-              <a:buChar char="•"/>
-            </a:pPr>
-            <a:r>
-              <a:rPr lang="en-US" sz="1600" b="0" i="0" dirty="0">
-                <a:solidFill>
-                  <a:schemeClr val="tx1">
-                    <a:lumMod val="85000"/>
-                  </a:schemeClr>
-                </a:solidFill>
-                <a:effectLst/>
-                <a:latin typeface="Open Sans" panose="020B0606030504020204" pitchFamily="34" charset="0"/>
-              </a:rPr>
-              <a:t>The following are two exception handlers for the </a:t>
-            </a:r>
-            <a:r>
-              <a:rPr lang="en-US" sz="1600" b="0" i="0" dirty="0" err="1">
-                <a:solidFill>
-                  <a:schemeClr val="tx1">
-                    <a:lumMod val="85000"/>
-                  </a:schemeClr>
-                </a:solidFill>
-                <a:effectLst/>
-                <a:latin typeface="Open Sans" panose="020B0606030504020204" pitchFamily="34" charset="0"/>
-              </a:rPr>
-              <a:t>writeList</a:t>
-            </a:r>
-            <a:r>
-              <a:rPr lang="en-US" sz="1600" b="0" i="0" dirty="0">
-                <a:solidFill>
-                  <a:schemeClr val="tx1">
-                    <a:lumMod val="85000"/>
-                  </a:schemeClr>
-                </a:solidFill>
-                <a:effectLst/>
-                <a:latin typeface="Open Sans" panose="020B0606030504020204" pitchFamily="34" charset="0"/>
-              </a:rPr>
-              <a:t> method:</a:t>
-            </a:r>
-          </a:p>
-          <a:p>
-            <a:pPr algn="l"/>
-            <a:r>
-              <a:rPr lang="en-US" sz="1100" b="0" i="0" dirty="0">
-                <a:solidFill>
-                  <a:schemeClr val="tx1">
-                    <a:lumMod val="85000"/>
-                  </a:schemeClr>
-                </a:solidFill>
-                <a:effectLst/>
-                <a:latin typeface="Open Sans" panose="020B0606030504020204" pitchFamily="34" charset="0"/>
-              </a:rPr>
-              <a:t>	try {</a:t>
-            </a:r>
-          </a:p>
-          <a:p>
-            <a:pPr lvl="2"/>
-            <a:r>
-              <a:rPr lang="en-US" sz="1100" b="0" i="0" dirty="0">
-                <a:solidFill>
-                  <a:schemeClr val="tx1">
-                    <a:lumMod val="85000"/>
-                  </a:schemeClr>
-                </a:solidFill>
-                <a:effectLst/>
-                <a:latin typeface="Open Sans" panose="020B0606030504020204" pitchFamily="34" charset="0"/>
-              </a:rPr>
-              <a:t>   // Do something</a:t>
-            </a:r>
-          </a:p>
-          <a:p>
-            <a:pPr lvl="2"/>
-            <a:r>
-              <a:rPr lang="en-US" sz="1100" b="0" i="0" dirty="0">
-                <a:solidFill>
-                  <a:schemeClr val="tx1">
-                    <a:lumMod val="85000"/>
-                  </a:schemeClr>
-                </a:solidFill>
-                <a:effectLst/>
-                <a:latin typeface="Open Sans" panose="020B0606030504020204" pitchFamily="34" charset="0"/>
-              </a:rPr>
-              <a:t>} catch (</a:t>
-            </a:r>
-            <a:r>
-              <a:rPr lang="en-US" sz="1100" b="0" i="0" dirty="0" err="1">
-                <a:solidFill>
-                  <a:schemeClr val="tx1">
-                    <a:lumMod val="85000"/>
-                  </a:schemeClr>
-                </a:solidFill>
-                <a:effectLst/>
-                <a:latin typeface="Open Sans" panose="020B0606030504020204" pitchFamily="34" charset="0"/>
-              </a:rPr>
-              <a:t>IndexOutOfBoundsException</a:t>
-            </a:r>
-            <a:r>
-              <a:rPr lang="en-US" sz="1100" b="0" i="0" dirty="0">
-                <a:solidFill>
-                  <a:schemeClr val="tx1">
-                    <a:lumMod val="85000"/>
-                  </a:schemeClr>
-                </a:solidFill>
-                <a:effectLst/>
-                <a:latin typeface="Open Sans" panose="020B0606030504020204" pitchFamily="34" charset="0"/>
-              </a:rPr>
-              <a:t> e) {</a:t>
-            </a:r>
-          </a:p>
-          <a:p>
-            <a:pPr lvl="2"/>
-            <a:r>
-              <a:rPr lang="en-US" sz="1100" b="0" i="0" dirty="0">
-                <a:solidFill>
-                  <a:schemeClr val="tx1">
-                    <a:lumMod val="85000"/>
-                  </a:schemeClr>
-                </a:solidFill>
-                <a:effectLst/>
-                <a:latin typeface="Open Sans" panose="020B0606030504020204" pitchFamily="34" charset="0"/>
-              </a:rPr>
-              <a:t>   </a:t>
-            </a:r>
-            <a:r>
-              <a:rPr lang="en-US" sz="1100" b="0" i="0" dirty="0" err="1">
-                <a:solidFill>
-                  <a:schemeClr val="tx1">
-                    <a:lumMod val="85000"/>
-                  </a:schemeClr>
-                </a:solidFill>
-                <a:effectLst/>
-                <a:latin typeface="Open Sans" panose="020B0606030504020204" pitchFamily="34" charset="0"/>
-              </a:rPr>
-              <a:t>System.err.println</a:t>
-            </a:r>
-            <a:r>
-              <a:rPr lang="en-US" sz="1100" b="0" i="0" dirty="0">
-                <a:solidFill>
-                  <a:schemeClr val="tx1">
-                    <a:lumMod val="85000"/>
-                  </a:schemeClr>
-                </a:solidFill>
-                <a:effectLst/>
-                <a:latin typeface="Open Sans" panose="020B0606030504020204" pitchFamily="34" charset="0"/>
-              </a:rPr>
-              <a:t>("</a:t>
-            </a:r>
-            <a:r>
-              <a:rPr lang="en-US" sz="1100" b="0" i="0" dirty="0" err="1">
-                <a:solidFill>
-                  <a:schemeClr val="tx1">
-                    <a:lumMod val="85000"/>
-                  </a:schemeClr>
-                </a:solidFill>
-                <a:effectLst/>
-                <a:latin typeface="Open Sans" panose="020B0606030504020204" pitchFamily="34" charset="0"/>
-              </a:rPr>
-              <a:t>IndexOutOfBoundsException</a:t>
-            </a:r>
-            <a:r>
-              <a:rPr lang="en-US" sz="1100" b="0" i="0" dirty="0">
-                <a:solidFill>
-                  <a:schemeClr val="tx1">
-                    <a:lumMod val="85000"/>
-                  </a:schemeClr>
-                </a:solidFill>
-                <a:effectLst/>
-                <a:latin typeface="Open Sans" panose="020B0606030504020204" pitchFamily="34" charset="0"/>
-              </a:rPr>
-              <a:t>: " + </a:t>
-            </a:r>
-            <a:r>
-              <a:rPr lang="en-US" sz="1100" b="0" i="0" dirty="0" err="1">
-                <a:solidFill>
-                  <a:schemeClr val="tx1">
-                    <a:lumMod val="85000"/>
-                  </a:schemeClr>
-                </a:solidFill>
-                <a:effectLst/>
-                <a:latin typeface="Open Sans" panose="020B0606030504020204" pitchFamily="34" charset="0"/>
-              </a:rPr>
-              <a:t>e.getMessage</a:t>
-            </a:r>
-            <a:r>
-              <a:rPr lang="en-US" sz="1100" b="0" i="0" dirty="0">
-                <a:solidFill>
-                  <a:schemeClr val="tx1">
-                    <a:lumMod val="85000"/>
-                  </a:schemeClr>
-                </a:solidFill>
-                <a:effectLst/>
-                <a:latin typeface="Open Sans" panose="020B0606030504020204" pitchFamily="34" charset="0"/>
-              </a:rPr>
-              <a:t>());</a:t>
-            </a:r>
-          </a:p>
-          <a:p>
-            <a:pPr lvl="2"/>
-            <a:r>
-              <a:rPr lang="en-US" sz="1100" b="0" i="0" dirty="0">
-                <a:solidFill>
-                  <a:schemeClr val="tx1">
-                    <a:lumMod val="85000"/>
-                  </a:schemeClr>
-                </a:solidFill>
-                <a:effectLst/>
-                <a:latin typeface="Open Sans" panose="020B0606030504020204" pitchFamily="34" charset="0"/>
-              </a:rPr>
-              <a:t>} catch (</a:t>
-            </a:r>
-            <a:r>
-              <a:rPr lang="en-US" sz="1100" b="0" i="0" dirty="0" err="1">
-                <a:solidFill>
-                  <a:schemeClr val="tx1">
-                    <a:lumMod val="85000"/>
-                  </a:schemeClr>
-                </a:solidFill>
-                <a:effectLst/>
-                <a:latin typeface="Open Sans" panose="020B0606030504020204" pitchFamily="34" charset="0"/>
-              </a:rPr>
-              <a:t>IOException</a:t>
-            </a:r>
-            <a:r>
-              <a:rPr lang="en-US" sz="1100" b="0" i="0" dirty="0">
-                <a:solidFill>
-                  <a:schemeClr val="tx1">
-                    <a:lumMod val="85000"/>
-                  </a:schemeClr>
-                </a:solidFill>
-                <a:effectLst/>
-                <a:latin typeface="Open Sans" panose="020B0606030504020204" pitchFamily="34" charset="0"/>
-              </a:rPr>
-              <a:t> e) </a:t>
-            </a:r>
-          </a:p>
-          <a:p>
-            <a:pPr lvl="2"/>
-            <a:r>
-              <a:rPr lang="en-US" sz="1100" dirty="0">
-                <a:solidFill>
-                  <a:schemeClr val="tx1">
-                    <a:lumMod val="85000"/>
-                  </a:schemeClr>
-                </a:solidFill>
-                <a:latin typeface="Open Sans" panose="020B0606030504020204" pitchFamily="34" charset="0"/>
-              </a:rPr>
-              <a:t>   </a:t>
-            </a:r>
-            <a:r>
-              <a:rPr lang="en-US" sz="1100" b="0" i="0" dirty="0" err="1">
-                <a:solidFill>
-                  <a:schemeClr val="tx1">
-                    <a:lumMod val="85000"/>
-                  </a:schemeClr>
-                </a:solidFill>
-                <a:effectLst/>
-                <a:latin typeface="Open Sans" panose="020B0606030504020204" pitchFamily="34" charset="0"/>
-              </a:rPr>
-              <a:t>System.err.println</a:t>
-            </a:r>
-            <a:r>
-              <a:rPr lang="en-US" sz="1100" b="0" i="0" dirty="0">
-                <a:solidFill>
-                  <a:schemeClr val="tx1">
-                    <a:lumMod val="85000"/>
-                  </a:schemeClr>
-                </a:solidFill>
-                <a:effectLst/>
-                <a:latin typeface="Open Sans" panose="020B0606030504020204" pitchFamily="34" charset="0"/>
-              </a:rPr>
-              <a:t>("Caught </a:t>
-            </a:r>
-            <a:r>
-              <a:rPr lang="en-US" sz="1100" b="0" i="0" dirty="0" err="1">
-                <a:solidFill>
-                  <a:schemeClr val="tx1">
-                    <a:lumMod val="85000"/>
-                  </a:schemeClr>
-                </a:solidFill>
-                <a:effectLst/>
-                <a:latin typeface="Open Sans" panose="020B0606030504020204" pitchFamily="34" charset="0"/>
-              </a:rPr>
-              <a:t>IOException</a:t>
-            </a:r>
-            <a:r>
-              <a:rPr lang="en-US" sz="1100" b="0" i="0" dirty="0">
-                <a:solidFill>
-                  <a:schemeClr val="tx1">
-                    <a:lumMod val="85000"/>
-                  </a:schemeClr>
-                </a:solidFill>
-                <a:effectLst/>
-                <a:latin typeface="Open Sans" panose="020B0606030504020204" pitchFamily="34" charset="0"/>
-              </a:rPr>
-              <a:t>: " + </a:t>
-            </a:r>
-            <a:r>
-              <a:rPr lang="en-US" sz="1100" b="0" i="0" dirty="0" err="1">
-                <a:solidFill>
-                  <a:schemeClr val="tx1">
-                    <a:lumMod val="85000"/>
-                  </a:schemeClr>
-                </a:solidFill>
-                <a:effectLst/>
-                <a:latin typeface="Open Sans" panose="020B0606030504020204" pitchFamily="34" charset="0"/>
-              </a:rPr>
-              <a:t>e.getMessage</a:t>
-            </a:r>
-            <a:r>
-              <a:rPr lang="en-US" sz="1100" b="0" i="0" dirty="0">
-                <a:solidFill>
-                  <a:schemeClr val="tx1">
-                    <a:lumMod val="85000"/>
-                  </a:schemeClr>
-                </a:solidFill>
-                <a:effectLst/>
-                <a:latin typeface="Open Sans" panose="020B0606030504020204" pitchFamily="34" charset="0"/>
-              </a:rPr>
-              <a:t>());</a:t>
-            </a:r>
-          </a:p>
-          <a:p>
-            <a:pPr lvl="2"/>
-            <a:r>
-              <a:rPr lang="en-US" sz="1100" b="0" i="0" dirty="0">
-                <a:solidFill>
-                  <a:schemeClr val="tx1">
-                    <a:lumMod val="85000"/>
-                  </a:schemeClr>
-                </a:solidFill>
-                <a:effectLst/>
-                <a:latin typeface="Open Sans" panose="020B0606030504020204" pitchFamily="34" charset="0"/>
-              </a:rPr>
-              <a:t>}</a:t>
-            </a:r>
-          </a:p>
-        </p:txBody>
-      </p:sp>
-      <p:sp>
-        <p:nvSpPr>
-          <p:cNvPr id="2" name="TextBox 1">
-            <a:extLst>
-              <a:ext uri="{FF2B5EF4-FFF2-40B4-BE49-F238E27FC236}">
-                <a16:creationId xmlns:a16="http://schemas.microsoft.com/office/drawing/2014/main" id="{05E39B88-6490-5C54-C767-A0E91A8F373F}"/>
-              </a:ext>
-            </a:extLst>
-          </p:cNvPr>
-          <p:cNvSpPr txBox="1"/>
-          <p:nvPr/>
-        </p:nvSpPr>
-        <p:spPr>
-          <a:xfrm>
-            <a:off x="5553511" y="6427531"/>
-            <a:ext cx="6842443" cy="338554"/>
-          </a:xfrm>
-          <a:prstGeom prst="rect">
-            <a:avLst/>
-          </a:prstGeom>
-          <a:noFill/>
-        </p:spPr>
-        <p:txBody>
-          <a:bodyPr wrap="square">
-            <a:spAutoFit/>
-          </a:bodyPr>
-          <a:lstStyle/>
-          <a:p>
-            <a:r>
-              <a:rPr lang="en-US" sz="1600" dirty="0">
-                <a:hlinkClick r:id="rId2"/>
-              </a:rPr>
-              <a:t>https://github.com/ckiefriter1/Java-Code-Examples/tree/main/src/exceptions</a:t>
-            </a:r>
-            <a:endParaRPr lang="en-US" sz="1600" dirty="0"/>
-          </a:p>
-        </p:txBody>
-      </p:sp>
-    </p:spTree>
-    <p:extLst>
-      <p:ext uri="{BB962C8B-B14F-4D97-AF65-F5344CB8AC3E}">
-        <p14:creationId xmlns:p14="http://schemas.microsoft.com/office/powerpoint/2010/main" val="12263916"/>
-      </p:ext>
-    </p:extLst>
-  </p:cSld>
-  <p:clrMapOvr>
-    <a:masterClrMapping/>
-  </p:clrMapOvr>
-</p:sld>
-</file>
-
-<file path=ppt/slides/slide16.xml><?xml version="1.0" encoding="utf-8"?>
-<p:sld xmlns:a="http://schemas.openxmlformats.org/drawingml/2006/main" xmlns:r="http://schemas.openxmlformats.org/officeDocument/2006/relationships" xmlns:p="http://schemas.openxmlformats.org/presentationml/2006/main">
-  <p:cSld>
-    <p:spTree>
-      <p:nvGrpSpPr>
-        <p:cNvPr id="1" name=""/>
-        <p:cNvGrpSpPr/>
-        <p:nvPr/>
-      </p:nvGrpSpPr>
-      <p:grpSpPr>
-        <a:xfrm>
-          <a:off x="0" y="0"/>
-          <a:ext cx="0" cy="0"/>
-          <a:chOff x="0" y="0"/>
-          <a:chExt cx="0" cy="0"/>
-        </a:xfrm>
-      </p:grpSpPr>
-      <p:sp>
-        <p:nvSpPr>
-          <p:cNvPr id="6" name="TextBox 5">
-            <a:extLst>
-              <a:ext uri="{FF2B5EF4-FFF2-40B4-BE49-F238E27FC236}">
-                <a16:creationId xmlns:a16="http://schemas.microsoft.com/office/drawing/2014/main" id="{59E906CD-110B-9D01-732C-2F21759B0265}"/>
-              </a:ext>
-            </a:extLst>
-          </p:cNvPr>
-          <p:cNvSpPr txBox="1"/>
-          <p:nvPr/>
-        </p:nvSpPr>
-        <p:spPr>
-          <a:xfrm>
-            <a:off x="193250" y="91915"/>
-            <a:ext cx="8256355" cy="461665"/>
-          </a:xfrm>
-          <a:prstGeom prst="rect">
-            <a:avLst/>
-          </a:prstGeom>
-          <a:noFill/>
-        </p:spPr>
-        <p:txBody>
-          <a:bodyPr wrap="square">
-            <a:spAutoFit/>
-          </a:bodyPr>
-          <a:lstStyle/>
-          <a:p>
-            <a:pPr algn="l"/>
-            <a:r>
-              <a:rPr lang="en-US" sz="2400" b="1" dirty="0">
-                <a:solidFill>
-                  <a:srgbClr val="00B050"/>
-                </a:solidFill>
-                <a:effectLst/>
-                <a:latin typeface="Open Sans" panose="020B0606030504020204" pitchFamily="34" charset="0"/>
-              </a:rPr>
-              <a:t>Catching Exceptions – try </a:t>
-            </a:r>
-            <a:r>
-              <a:rPr lang="en-US" sz="2400" b="1" dirty="0">
-                <a:solidFill>
-                  <a:srgbClr val="00B050"/>
-                </a:solidFill>
-                <a:effectLst/>
-                <a:latin typeface="Open Sans" panose="020B0606030504020204" pitchFamily="34" charset="0"/>
-                <a:sym typeface="Wingdings" panose="05000000000000000000" pitchFamily="2" charset="2"/>
-              </a:rPr>
-              <a:t> catch  finally blocks</a:t>
-            </a:r>
-            <a:endParaRPr lang="en-US" sz="2400" b="1" dirty="0">
-              <a:solidFill>
-                <a:srgbClr val="00B050"/>
-              </a:solidFill>
-              <a:effectLst/>
-              <a:latin typeface="Open Sans" panose="020B0606030504020204" pitchFamily="34" charset="0"/>
-            </a:endParaRPr>
-          </a:p>
-        </p:txBody>
-      </p:sp>
-      <p:sp>
-        <p:nvSpPr>
-          <p:cNvPr id="4" name="TextBox 3">
-            <a:extLst>
-              <a:ext uri="{FF2B5EF4-FFF2-40B4-BE49-F238E27FC236}">
-                <a16:creationId xmlns:a16="http://schemas.microsoft.com/office/drawing/2014/main" id="{C0B26727-0F97-5A73-B4ED-6BE65E07E5DB}"/>
-              </a:ext>
-            </a:extLst>
-          </p:cNvPr>
-          <p:cNvSpPr txBox="1"/>
-          <p:nvPr/>
-        </p:nvSpPr>
-        <p:spPr>
-          <a:xfrm>
-            <a:off x="176169" y="729420"/>
-            <a:ext cx="11931637" cy="4555093"/>
-          </a:xfrm>
-          <a:prstGeom prst="rect">
-            <a:avLst/>
-          </a:prstGeom>
-          <a:noFill/>
-        </p:spPr>
-        <p:txBody>
-          <a:bodyPr wrap="square">
-            <a:spAutoFit/>
-          </a:bodyPr>
-          <a:lstStyle/>
-          <a:p>
-            <a:pPr marL="285750" indent="-285750" algn="l">
-              <a:buFont typeface="Arial" panose="020B0604020202020204" pitchFamily="34" charset="0"/>
-              <a:buChar char="•"/>
-            </a:pPr>
-            <a:r>
-              <a:rPr lang="en-US" b="0" i="0" dirty="0">
-                <a:solidFill>
-                  <a:srgbClr val="00B0F0"/>
-                </a:solidFill>
-                <a:effectLst/>
-                <a:latin typeface="Open Sans" panose="020B0606030504020204" pitchFamily="34" charset="0"/>
-              </a:rPr>
-              <a:t>Exception handlers can do more than just print error messages or halt the program</a:t>
-            </a:r>
-            <a:r>
-              <a:rPr lang="en-US" b="0" i="0" dirty="0">
-                <a:solidFill>
-                  <a:schemeClr val="tx1">
-                    <a:lumMod val="85000"/>
-                  </a:schemeClr>
-                </a:solidFill>
-                <a:effectLst/>
-                <a:latin typeface="Open Sans" panose="020B0606030504020204" pitchFamily="34" charset="0"/>
-              </a:rPr>
-              <a:t>. They can do error recovery, prompt the user to make a decision, or propagate the error up to a higher-level handler using chained exceptions, as described in the </a:t>
-            </a:r>
-            <a:r>
-              <a:rPr lang="en-US" b="0" i="0" dirty="0">
-                <a:solidFill>
-                  <a:srgbClr val="00B0F0"/>
-                </a:solidFill>
-                <a:effectLst/>
-                <a:latin typeface="Open Sans" panose="020B0606030504020204" pitchFamily="34" charset="0"/>
-              </a:rPr>
-              <a:t>Chained Exceptions </a:t>
-            </a:r>
-            <a:r>
-              <a:rPr lang="en-US" b="0" i="0" dirty="0">
-                <a:solidFill>
-                  <a:schemeClr val="tx1">
-                    <a:lumMod val="85000"/>
-                  </a:schemeClr>
-                </a:solidFill>
-                <a:effectLst/>
-                <a:latin typeface="Open Sans" panose="020B0606030504020204" pitchFamily="34" charset="0"/>
-              </a:rPr>
-              <a:t>section.</a:t>
-            </a:r>
-          </a:p>
-          <a:p>
-            <a:pPr marL="285750" indent="-285750" algn="l">
-              <a:buFont typeface="Arial" panose="020B0604020202020204" pitchFamily="34" charset="0"/>
-              <a:buChar char="•"/>
-            </a:pPr>
-            <a:endParaRPr lang="en-US" b="0" i="0" dirty="0">
-              <a:solidFill>
-                <a:schemeClr val="tx1">
-                  <a:lumMod val="85000"/>
-                </a:schemeClr>
-              </a:solidFill>
-              <a:effectLst/>
-              <a:latin typeface="Open Sans" panose="020B0606030504020204" pitchFamily="34" charset="0"/>
-            </a:endParaRPr>
-          </a:p>
-          <a:p>
-            <a:pPr marL="285750" indent="-285750" algn="l">
-              <a:buFont typeface="Arial" panose="020B0604020202020204" pitchFamily="34" charset="0"/>
-              <a:buChar char="•"/>
-            </a:pPr>
-            <a:r>
-              <a:rPr lang="en-US" b="0" i="0" dirty="0">
-                <a:solidFill>
-                  <a:schemeClr val="tx1">
-                    <a:lumMod val="85000"/>
-                  </a:schemeClr>
-                </a:solidFill>
-                <a:effectLst/>
-                <a:latin typeface="Open Sans" panose="020B0606030504020204" pitchFamily="34" charset="0"/>
-              </a:rPr>
-              <a:t>Catching More Than One Type of Exception with One Exception Handler</a:t>
-            </a:r>
-          </a:p>
-          <a:p>
-            <a:pPr marL="742950" lvl="1" indent="-285750">
-              <a:buFont typeface="Arial" panose="020B0604020202020204" pitchFamily="34" charset="0"/>
-              <a:buChar char="•"/>
-            </a:pPr>
-            <a:r>
-              <a:rPr lang="en-US" b="0" i="0" dirty="0">
-                <a:solidFill>
-                  <a:schemeClr val="tx1">
-                    <a:lumMod val="85000"/>
-                  </a:schemeClr>
-                </a:solidFill>
-                <a:effectLst/>
-                <a:latin typeface="Open Sans" panose="020B0606030504020204" pitchFamily="34" charset="0"/>
-              </a:rPr>
-              <a:t>In Java SE 7 and later, a single catch block can handle more than one type of exception. This feature can reduce code duplication and lessen the temptation to catch an overly broad exception.</a:t>
-            </a:r>
-          </a:p>
-          <a:p>
-            <a:pPr marL="285750" indent="-285750" algn="l">
-              <a:buFont typeface="Arial" panose="020B0604020202020204" pitchFamily="34" charset="0"/>
-              <a:buChar char="•"/>
-            </a:pPr>
-            <a:endParaRPr lang="en-US" b="0" i="0" dirty="0">
-              <a:solidFill>
-                <a:schemeClr val="tx1">
-                  <a:lumMod val="85000"/>
-                </a:schemeClr>
-              </a:solidFill>
-              <a:effectLst/>
-              <a:latin typeface="Open Sans" panose="020B0606030504020204" pitchFamily="34" charset="0"/>
-            </a:endParaRPr>
-          </a:p>
-          <a:p>
-            <a:pPr marL="742950" lvl="1" indent="-285750">
-              <a:buFont typeface="Arial" panose="020B0604020202020204" pitchFamily="34" charset="0"/>
-              <a:buChar char="•"/>
-            </a:pPr>
-            <a:r>
-              <a:rPr lang="en-US" b="0" i="0" dirty="0">
-                <a:solidFill>
-                  <a:schemeClr val="tx1">
-                    <a:lumMod val="85000"/>
-                  </a:schemeClr>
-                </a:solidFill>
-                <a:effectLst/>
-                <a:latin typeface="Open Sans" panose="020B0606030504020204" pitchFamily="34" charset="0"/>
-              </a:rPr>
-              <a:t>In the catch clause, specify the types of exceptions that block can handle, and separate each exception type with a vertical bar (|):</a:t>
-            </a:r>
-          </a:p>
-          <a:p>
-            <a:pPr marL="285750" indent="-285750" algn="l">
-              <a:buFont typeface="Arial" panose="020B0604020202020204" pitchFamily="34" charset="0"/>
-              <a:buChar char="•"/>
-            </a:pPr>
-            <a:endParaRPr lang="en-US" b="0" i="0" dirty="0">
-              <a:solidFill>
-                <a:schemeClr val="tx1">
-                  <a:lumMod val="85000"/>
-                </a:schemeClr>
-              </a:solidFill>
-              <a:effectLst/>
-              <a:latin typeface="Open Sans" panose="020B0606030504020204" pitchFamily="34" charset="0"/>
-            </a:endParaRPr>
-          </a:p>
-          <a:p>
-            <a:pPr algn="l"/>
-            <a:r>
-              <a:rPr lang="en-US" sz="1400" b="0" i="0" dirty="0">
-                <a:solidFill>
-                  <a:schemeClr val="tx1">
-                    <a:lumMod val="85000"/>
-                  </a:schemeClr>
-                </a:solidFill>
-                <a:effectLst/>
-                <a:latin typeface="Open Sans" panose="020B0606030504020204" pitchFamily="34" charset="0"/>
-              </a:rPr>
-              <a:t>	catch (</a:t>
-            </a:r>
-            <a:r>
-              <a:rPr lang="en-US" sz="1400" b="0" i="0" dirty="0" err="1">
-                <a:solidFill>
-                  <a:schemeClr val="tx1">
-                    <a:lumMod val="85000"/>
-                  </a:schemeClr>
-                </a:solidFill>
-                <a:effectLst/>
-                <a:latin typeface="Open Sans" panose="020B0606030504020204" pitchFamily="34" charset="0"/>
-              </a:rPr>
-              <a:t>IOException|SQLException</a:t>
-            </a:r>
-            <a:r>
-              <a:rPr lang="en-US" sz="1400" b="0" i="0" dirty="0">
-                <a:solidFill>
-                  <a:schemeClr val="tx1">
-                    <a:lumMod val="85000"/>
-                  </a:schemeClr>
-                </a:solidFill>
-                <a:effectLst/>
-                <a:latin typeface="Open Sans" panose="020B0606030504020204" pitchFamily="34" charset="0"/>
-              </a:rPr>
-              <a:t> ex) {</a:t>
-            </a:r>
-          </a:p>
-          <a:p>
-            <a:pPr algn="l"/>
-            <a:r>
-              <a:rPr lang="en-US" sz="1400" dirty="0">
-                <a:solidFill>
-                  <a:schemeClr val="tx1">
-                    <a:lumMod val="85000"/>
-                  </a:schemeClr>
-                </a:solidFill>
-                <a:latin typeface="Open Sans" panose="020B0606030504020204" pitchFamily="34" charset="0"/>
-              </a:rPr>
-              <a:t>	   </a:t>
-            </a:r>
-            <a:r>
-              <a:rPr lang="en-US" sz="1400" b="0" i="0" dirty="0">
-                <a:solidFill>
-                  <a:schemeClr val="tx1">
-                    <a:lumMod val="85000"/>
-                  </a:schemeClr>
-                </a:solidFill>
-                <a:effectLst/>
-                <a:latin typeface="Open Sans" panose="020B0606030504020204" pitchFamily="34" charset="0"/>
-              </a:rPr>
-              <a:t>logger.log(ex);</a:t>
-            </a:r>
-          </a:p>
-          <a:p>
-            <a:pPr algn="l"/>
-            <a:r>
-              <a:rPr lang="en-US" sz="1400" dirty="0">
-                <a:solidFill>
-                  <a:schemeClr val="tx1">
-                    <a:lumMod val="85000"/>
-                  </a:schemeClr>
-                </a:solidFill>
-                <a:latin typeface="Open Sans" panose="020B0606030504020204" pitchFamily="34" charset="0"/>
-              </a:rPr>
-              <a:t>	   </a:t>
-            </a:r>
-            <a:r>
-              <a:rPr lang="en-US" sz="1400" b="0" i="0" dirty="0">
-                <a:solidFill>
-                  <a:schemeClr val="tx1">
-                    <a:lumMod val="85000"/>
-                  </a:schemeClr>
-                </a:solidFill>
-                <a:effectLst/>
-                <a:latin typeface="Open Sans" panose="020B0606030504020204" pitchFamily="34" charset="0"/>
-              </a:rPr>
-              <a:t>throw ex;</a:t>
-            </a:r>
-          </a:p>
-          <a:p>
-            <a:pPr algn="l"/>
-            <a:r>
-              <a:rPr lang="en-US" sz="1400" dirty="0">
-                <a:solidFill>
-                  <a:schemeClr val="tx1">
-                    <a:lumMod val="85000"/>
-                  </a:schemeClr>
-                </a:solidFill>
-                <a:latin typeface="Open Sans" panose="020B0606030504020204" pitchFamily="34" charset="0"/>
-              </a:rPr>
-              <a:t>                       </a:t>
-            </a:r>
-            <a:r>
-              <a:rPr lang="en-US" sz="1400" b="0" i="0" dirty="0">
-                <a:solidFill>
-                  <a:schemeClr val="tx1">
-                    <a:lumMod val="85000"/>
-                  </a:schemeClr>
-                </a:solidFill>
-                <a:effectLst/>
-                <a:latin typeface="Open Sans" panose="020B0606030504020204" pitchFamily="34" charset="0"/>
-              </a:rPr>
-              <a:t>}</a:t>
-            </a:r>
-          </a:p>
-          <a:p>
-            <a:pPr marL="285750" indent="-285750" algn="l">
-              <a:buFont typeface="Arial" panose="020B0604020202020204" pitchFamily="34" charset="0"/>
-              <a:buChar char="•"/>
-            </a:pPr>
-            <a:endParaRPr lang="en-US" b="0" i="0" dirty="0">
-              <a:solidFill>
-                <a:schemeClr val="tx1">
-                  <a:lumMod val="85000"/>
-                </a:schemeClr>
-              </a:solidFill>
-              <a:effectLst/>
-              <a:latin typeface="Open Sans" panose="020B0606030504020204" pitchFamily="34" charset="0"/>
-            </a:endParaRPr>
-          </a:p>
-          <a:p>
-            <a:pPr marL="285750" indent="-285750" algn="l">
-              <a:buFont typeface="Arial" panose="020B0604020202020204" pitchFamily="34" charset="0"/>
-              <a:buChar char="•"/>
-            </a:pPr>
-            <a:endParaRPr lang="en-US" b="0" i="0" dirty="0">
-              <a:solidFill>
-                <a:schemeClr val="tx1">
-                  <a:lumMod val="85000"/>
-                </a:schemeClr>
-              </a:solidFill>
-              <a:effectLst/>
-              <a:latin typeface="Open Sans" panose="020B0606030504020204" pitchFamily="34" charset="0"/>
-            </a:endParaRPr>
-          </a:p>
-        </p:txBody>
-      </p:sp>
-      <p:sp>
-        <p:nvSpPr>
-          <p:cNvPr id="2" name="TextBox 1">
-            <a:extLst>
-              <a:ext uri="{FF2B5EF4-FFF2-40B4-BE49-F238E27FC236}">
-                <a16:creationId xmlns:a16="http://schemas.microsoft.com/office/drawing/2014/main" id="{2292BC77-EAED-98AF-CC12-6B2F561FA457}"/>
-              </a:ext>
-            </a:extLst>
-          </p:cNvPr>
-          <p:cNvSpPr txBox="1"/>
-          <p:nvPr/>
-        </p:nvSpPr>
-        <p:spPr>
-          <a:xfrm>
-            <a:off x="4679424" y="6273448"/>
-            <a:ext cx="7540362" cy="369332"/>
-          </a:xfrm>
-          <a:prstGeom prst="rect">
-            <a:avLst/>
-          </a:prstGeom>
-          <a:noFill/>
-        </p:spPr>
-        <p:txBody>
-          <a:bodyPr wrap="square">
-            <a:spAutoFit/>
-          </a:bodyPr>
-          <a:lstStyle/>
-          <a:p>
-            <a:r>
-              <a:rPr lang="en-US" dirty="0">
-                <a:hlinkClick r:id="rId2"/>
-              </a:rPr>
-              <a:t>https://github.com/ckiefriter1/Java-Code-Examples/tree/main/src/exceptions</a:t>
-            </a:r>
-            <a:endParaRPr lang="en-US" dirty="0"/>
-          </a:p>
-        </p:txBody>
-      </p:sp>
-    </p:spTree>
-    <p:extLst>
-      <p:ext uri="{BB962C8B-B14F-4D97-AF65-F5344CB8AC3E}">
-        <p14:creationId xmlns:p14="http://schemas.microsoft.com/office/powerpoint/2010/main" val="2285577035"/>
-      </p:ext>
-    </p:extLst>
-  </p:cSld>
-  <p:clrMapOvr>
-    <a:masterClrMapping/>
-  </p:clrMapOvr>
-</p:sld>
-</file>
-
 <file path=ppt/slides/slide17.xml><?xml version="1.0" encoding="utf-8"?>
 <p:sld xmlns:a="http://schemas.openxmlformats.org/drawingml/2006/main" xmlns:r="http://schemas.openxmlformats.org/officeDocument/2006/relationships" xmlns:p="http://schemas.openxmlformats.org/presentationml/2006/main">
   <p:cSld>
@@ -9309,8 +8507,8 @@
         </p:nvSpPr>
         <p:spPr>
           <a:xfrm>
-            <a:off x="176169" y="729420"/>
-            <a:ext cx="11931637" cy="4524315"/>
+            <a:off x="176169" y="571295"/>
+            <a:ext cx="11931637" cy="6571030"/>
           </a:xfrm>
           <a:prstGeom prst="rect">
             <a:avLst/>
@@ -9328,49 +8526,16 @@
               <a:buChar char="•"/>
             </a:pPr>
             <a:r>
-              <a:rPr lang="en-US" dirty="0">
-                <a:solidFill>
-                  <a:schemeClr val="tx1">
-                    <a:lumMod val="85000"/>
-                  </a:schemeClr>
-                </a:solidFill>
-                <a:latin typeface="Open Sans" panose="020B0606030504020204" pitchFamily="34" charset="0"/>
-              </a:rPr>
-              <a:t>Y</a:t>
-            </a:r>
-            <a:r>
-              <a:rPr lang="en-US" b="0" i="0" dirty="0">
-                <a:solidFill>
-                  <a:schemeClr val="tx1">
-                    <a:lumMod val="85000"/>
-                  </a:schemeClr>
-                </a:solidFill>
-                <a:effectLst/>
-                <a:latin typeface="Open Sans" panose="020B0606030504020204" pitchFamily="34" charset="0"/>
-              </a:rPr>
-              <a:t>ou can use a </a:t>
-            </a:r>
-            <a:r>
-              <a:rPr lang="en-US" b="0" i="0" dirty="0">
-                <a:solidFill>
-                  <a:srgbClr val="00B0F0"/>
-                </a:solidFill>
-                <a:effectLst/>
-                <a:latin typeface="Open Sans" panose="020B0606030504020204" pitchFamily="34" charset="0"/>
-              </a:rPr>
-              <a:t>finally block</a:t>
-            </a:r>
-            <a:r>
-              <a:rPr lang="en-US" b="0" i="0" dirty="0">
-                <a:solidFill>
-                  <a:schemeClr val="tx1">
-                    <a:lumMod val="85000"/>
-                  </a:schemeClr>
-                </a:solidFill>
-                <a:effectLst/>
-                <a:latin typeface="Open Sans" panose="020B0606030504020204" pitchFamily="34" charset="0"/>
-              </a:rPr>
-              <a:t> to ensure that a resource is closed regardless of whether the try statement completes normally or abruptly. The following example uses a finally block instead of a try-with-resources statement:</a:t>
+              <a:rPr lang="en-US" sz="1600" b="0" i="0" dirty="0">
+                <a:solidFill>
+                  <a:schemeClr val="tx1">
+                    <a:lumMod val="85000"/>
+                  </a:schemeClr>
+                </a:solidFill>
+                <a:effectLst/>
+                <a:latin typeface="Open Sans" panose="020B0606030504020204" pitchFamily="34" charset="0"/>
+              </a:rPr>
+              <a:t>You associate exception handlers with a try block by providing one or more catch blocks directly after the try block. No code can be between the end of the try block and the beginning of the first catch block.</a:t>
             </a:r>
           </a:p>
           <a:p>
@@ -9378,7 +8543,7 @@
               <a:buFont typeface="Arial" panose="020B0604020202020204" pitchFamily="34" charset="0"/>
               <a:buChar char="•"/>
             </a:pPr>
-            <a:endParaRPr lang="en-US" b="0" i="0" dirty="0">
+            <a:endParaRPr lang="en-US" sz="1600" b="0" i="0" dirty="0">
               <a:solidFill>
                 <a:schemeClr val="tx1">
                   <a:lumMod val="85000"/>
@@ -9391,157 +8556,128 @@
           <a:p>
             <a:pPr algn="l"/>
             <a:r>
-              <a:rPr lang="en-US" b="0" i="0" dirty="0">
-                <a:solidFill>
-                  <a:schemeClr val="tx1">
-                    <a:lumMod val="85000"/>
-                  </a:schemeClr>
-                </a:solidFill>
-                <a:effectLst/>
-                <a:latin typeface="Open Sans" panose="020B0606030504020204" pitchFamily="34" charset="0"/>
-              </a:rPr>
-              <a:t>   static String </a:t>
-            </a:r>
-            <a:r>
-              <a:rPr lang="en-US" b="0" i="0" dirty="0" err="1">
-                <a:solidFill>
-                  <a:schemeClr val="tx1">
-                    <a:lumMod val="85000"/>
-                  </a:schemeClr>
-                </a:solidFill>
-                <a:effectLst/>
-                <a:latin typeface="Open Sans" panose="020B0606030504020204" pitchFamily="34" charset="0"/>
-              </a:rPr>
-              <a:t>readFirstLineFromFileWithFinallyBlock</a:t>
-            </a:r>
-            <a:r>
-              <a:rPr lang="en-US" b="0" i="0" dirty="0">
-                <a:solidFill>
-                  <a:schemeClr val="tx1">
-                    <a:lumMod val="85000"/>
-                  </a:schemeClr>
-                </a:solidFill>
-                <a:effectLst/>
-                <a:latin typeface="Open Sans" panose="020B0606030504020204" pitchFamily="34" charset="0"/>
-              </a:rPr>
-              <a:t>(String path) throws </a:t>
-            </a:r>
-            <a:r>
-              <a:rPr lang="en-US" b="0" i="0" dirty="0" err="1">
-                <a:solidFill>
-                  <a:schemeClr val="tx1">
-                    <a:lumMod val="85000"/>
-                  </a:schemeClr>
-                </a:solidFill>
-                <a:effectLst/>
-                <a:latin typeface="Open Sans" panose="020B0606030504020204" pitchFamily="34" charset="0"/>
-              </a:rPr>
-              <a:t>IOException</a:t>
-            </a:r>
-            <a:r>
-              <a:rPr lang="en-US" b="0" i="0" dirty="0">
-                <a:solidFill>
-                  <a:schemeClr val="tx1">
-                    <a:lumMod val="85000"/>
-                  </a:schemeClr>
-                </a:solidFill>
-                <a:effectLst/>
-                <a:latin typeface="Open Sans" panose="020B0606030504020204" pitchFamily="34" charset="0"/>
-              </a:rPr>
-              <a:t> {</a:t>
+              <a:rPr lang="en-US" sz="1200" b="0" i="0" dirty="0">
+                <a:solidFill>
+                  <a:schemeClr val="tx1">
+                    <a:lumMod val="85000"/>
+                  </a:schemeClr>
+                </a:solidFill>
+                <a:effectLst/>
+                <a:latin typeface="Open Sans" panose="020B0606030504020204" pitchFamily="34" charset="0"/>
+              </a:rPr>
+              <a:t>	try {</a:t>
             </a:r>
           </a:p>
           <a:p>
             <a:pPr algn="l"/>
             <a:r>
-              <a:rPr lang="en-US" b="0" i="0" dirty="0">
-                <a:solidFill>
-                  <a:schemeClr val="tx1">
-                    <a:lumMod val="85000"/>
-                  </a:schemeClr>
-                </a:solidFill>
-                <a:effectLst/>
+              <a:rPr lang="en-US" sz="1200" dirty="0">
+                <a:solidFill>
+                  <a:schemeClr val="tx1">
+                    <a:lumMod val="85000"/>
+                  </a:schemeClr>
+                </a:solidFill>
+                <a:latin typeface="Open Sans" panose="020B0606030504020204" pitchFamily="34" charset="0"/>
+              </a:rPr>
+              <a:t>	   // Execute some code here</a:t>
+            </a:r>
+          </a:p>
+          <a:p>
+            <a:pPr algn="l"/>
+            <a:r>
+              <a:rPr lang="en-US" sz="1200" b="0" i="0" dirty="0">
+                <a:solidFill>
+                  <a:schemeClr val="tx1">
+                    <a:lumMod val="85000"/>
+                  </a:schemeClr>
+                </a:solidFill>
+                <a:effectLst/>
+                <a:latin typeface="Open Sans" panose="020B0606030504020204" pitchFamily="34" charset="0"/>
+              </a:rPr>
+              <a:t>	} catch (</a:t>
+            </a:r>
+            <a:r>
+              <a:rPr lang="en-US" sz="1200" b="0" i="0" dirty="0" err="1">
+                <a:solidFill>
+                  <a:schemeClr val="tx1">
+                    <a:lumMod val="85000"/>
+                  </a:schemeClr>
+                </a:solidFill>
+                <a:effectLst/>
+                <a:latin typeface="Open Sans" panose="020B0606030504020204" pitchFamily="34" charset="0"/>
+              </a:rPr>
+              <a:t>ExceptionType</a:t>
+            </a:r>
+            <a:r>
+              <a:rPr lang="en-US" sz="1200" b="0" i="0" dirty="0">
+                <a:solidFill>
+                  <a:schemeClr val="tx1">
+                    <a:lumMod val="85000"/>
+                  </a:schemeClr>
+                </a:solidFill>
+                <a:effectLst/>
+                <a:latin typeface="Open Sans" panose="020B0606030504020204" pitchFamily="34" charset="0"/>
+              </a:rPr>
+              <a:t> name) {</a:t>
+            </a:r>
+          </a:p>
+          <a:p>
+            <a:pPr algn="l"/>
+            <a:r>
+              <a:rPr lang="en-US" sz="1200" dirty="0">
+                <a:solidFill>
+                  <a:schemeClr val="tx1">
+                    <a:lumMod val="85000"/>
+                  </a:schemeClr>
+                </a:solidFill>
                 <a:latin typeface="Open Sans" panose="020B0606030504020204" pitchFamily="34" charset="0"/>
               </a:rPr>
               <a:t>	</a:t>
             </a:r>
-            <a:r>
-              <a:rPr lang="en-US" b="0" i="0" dirty="0" err="1">
-                <a:solidFill>
-                  <a:schemeClr val="tx1">
-                    <a:lumMod val="85000"/>
-                  </a:schemeClr>
-                </a:solidFill>
-                <a:effectLst/>
-                <a:latin typeface="Open Sans" panose="020B0606030504020204" pitchFamily="34" charset="0"/>
-              </a:rPr>
-              <a:t>FileReader</a:t>
-            </a:r>
-            <a:r>
-              <a:rPr lang="en-US" b="0" i="0" dirty="0">
-                <a:solidFill>
-                  <a:schemeClr val="tx1">
-                    <a:lumMod val="85000"/>
-                  </a:schemeClr>
-                </a:solidFill>
-                <a:effectLst/>
-                <a:latin typeface="Open Sans" panose="020B0606030504020204" pitchFamily="34" charset="0"/>
-              </a:rPr>
-              <a:t> </a:t>
-            </a:r>
-            <a:r>
-              <a:rPr lang="en-US" b="0" i="0" dirty="0" err="1">
-                <a:solidFill>
-                  <a:schemeClr val="tx1">
-                    <a:lumMod val="85000"/>
-                  </a:schemeClr>
-                </a:solidFill>
-                <a:effectLst/>
-                <a:latin typeface="Open Sans" panose="020B0606030504020204" pitchFamily="34" charset="0"/>
-              </a:rPr>
-              <a:t>fr</a:t>
-            </a:r>
-            <a:r>
-              <a:rPr lang="en-US" b="0" i="0" dirty="0">
-                <a:solidFill>
-                  <a:schemeClr val="tx1">
-                    <a:lumMod val="85000"/>
-                  </a:schemeClr>
-                </a:solidFill>
-                <a:effectLst/>
-                <a:latin typeface="Open Sans" panose="020B0606030504020204" pitchFamily="34" charset="0"/>
-              </a:rPr>
-              <a:t> = new </a:t>
-            </a:r>
-            <a:r>
-              <a:rPr lang="en-US" b="0" i="0" dirty="0" err="1">
-                <a:solidFill>
-                  <a:schemeClr val="tx1">
-                    <a:lumMod val="85000"/>
-                  </a:schemeClr>
-                </a:solidFill>
-                <a:effectLst/>
-                <a:latin typeface="Open Sans" panose="020B0606030504020204" pitchFamily="34" charset="0"/>
-              </a:rPr>
-              <a:t>FileReader</a:t>
-            </a:r>
-            <a:r>
-              <a:rPr lang="en-US" b="0" i="0" dirty="0">
-                <a:solidFill>
-                  <a:schemeClr val="tx1">
-                    <a:lumMod val="85000"/>
-                  </a:schemeClr>
-                </a:solidFill>
-                <a:effectLst/>
-                <a:latin typeface="Open Sans" panose="020B0606030504020204" pitchFamily="34" charset="0"/>
-              </a:rPr>
-              <a:t>(path);</a:t>
-            </a:r>
           </a:p>
           <a:p>
             <a:pPr algn="l"/>
             <a:r>
-              <a:rPr lang="en-US" dirty="0">
+              <a:rPr lang="en-US" sz="1200" b="0" i="0" dirty="0">
+                <a:solidFill>
+                  <a:schemeClr val="tx1">
+                    <a:lumMod val="85000"/>
+                  </a:schemeClr>
+                </a:solidFill>
+                <a:effectLst/>
+                <a:latin typeface="Open Sans" panose="020B0606030504020204" pitchFamily="34" charset="0"/>
+              </a:rPr>
+              <a:t>	} catch (</a:t>
+            </a:r>
+            <a:r>
+              <a:rPr lang="en-US" sz="1200" b="0" i="0" dirty="0" err="1">
+                <a:solidFill>
+                  <a:schemeClr val="tx1">
+                    <a:lumMod val="85000"/>
+                  </a:schemeClr>
+                </a:solidFill>
+                <a:effectLst/>
+                <a:latin typeface="Open Sans" panose="020B0606030504020204" pitchFamily="34" charset="0"/>
+              </a:rPr>
+              <a:t>ExceptionType</a:t>
+            </a:r>
+            <a:r>
+              <a:rPr lang="en-US" sz="1200" b="0" i="0" dirty="0">
+                <a:solidFill>
+                  <a:schemeClr val="tx1">
+                    <a:lumMod val="85000"/>
+                  </a:schemeClr>
+                </a:solidFill>
+                <a:effectLst/>
+                <a:latin typeface="Open Sans" panose="020B0606030504020204" pitchFamily="34" charset="0"/>
+              </a:rPr>
+              <a:t> name) {</a:t>
+            </a:r>
+          </a:p>
+          <a:p>
+            <a:pPr algn="l"/>
+            <a:r>
+              <a:rPr lang="en-US" sz="1200" dirty="0">
                 <a:solidFill>
                   <a:schemeClr val="tx1">
                     <a:lumMod val="85000"/>
@@ -9551,328 +8687,54 @@
               </a:rPr>
               <a:t>	</a:t>
             </a:r>
-            <a:r>
-              <a:rPr lang="en-US" b="0" i="0" dirty="0" err="1">
-                <a:solidFill>
-                  <a:schemeClr val="tx1">
-                    <a:lumMod val="85000"/>
-                  </a:schemeClr>
-                </a:solidFill>
-                <a:effectLst/>
-                <a:latin typeface="Open Sans" panose="020B0606030504020204" pitchFamily="34" charset="0"/>
-              </a:rPr>
-              <a:t>BufferedReader</a:t>
-            </a:r>
-            <a:r>
-              <a:rPr lang="en-US" b="0" i="0" dirty="0">
-                <a:solidFill>
-                  <a:schemeClr val="tx1">
-                    <a:lumMod val="85000"/>
-                  </a:schemeClr>
-                </a:solidFill>
-                <a:effectLst/>
-                <a:latin typeface="Open Sans" panose="020B0606030504020204" pitchFamily="34" charset="0"/>
-              </a:rPr>
-              <a:t> </a:t>
-            </a:r>
-            <a:r>
-              <a:rPr lang="en-US" b="0" i="0" dirty="0" err="1">
-                <a:solidFill>
-                  <a:schemeClr val="tx1">
-                    <a:lumMod val="85000"/>
-                  </a:schemeClr>
-                </a:solidFill>
-                <a:effectLst/>
-                <a:latin typeface="Open Sans" panose="020B0606030504020204" pitchFamily="34" charset="0"/>
-              </a:rPr>
-              <a:t>br</a:t>
-            </a:r>
-            <a:r>
-              <a:rPr lang="en-US" b="0" i="0" dirty="0">
-                <a:solidFill>
-                  <a:schemeClr val="tx1">
-                    <a:lumMod val="85000"/>
-                  </a:schemeClr>
-                </a:solidFill>
-                <a:effectLst/>
-                <a:latin typeface="Open Sans" panose="020B0606030504020204" pitchFamily="34" charset="0"/>
-              </a:rPr>
-              <a:t> = new </a:t>
-            </a:r>
-            <a:r>
-              <a:rPr lang="en-US" b="0" i="0" dirty="0" err="1">
-                <a:solidFill>
-                  <a:schemeClr val="tx1">
-                    <a:lumMod val="85000"/>
-                  </a:schemeClr>
-                </a:solidFill>
-                <a:effectLst/>
-                <a:latin typeface="Open Sans" panose="020B0606030504020204" pitchFamily="34" charset="0"/>
-              </a:rPr>
-              <a:t>BufferedReader</a:t>
-            </a:r>
-            <a:r>
-              <a:rPr lang="en-US" b="0" i="0" dirty="0">
-                <a:solidFill>
-                  <a:schemeClr val="tx1">
-                    <a:lumMod val="85000"/>
-                  </a:schemeClr>
-                </a:solidFill>
-                <a:effectLst/>
-                <a:latin typeface="Open Sans" panose="020B0606030504020204" pitchFamily="34" charset="0"/>
-              </a:rPr>
-              <a:t>(</a:t>
-            </a:r>
-            <a:r>
-              <a:rPr lang="en-US" b="0" i="0" dirty="0" err="1">
-                <a:solidFill>
-                  <a:schemeClr val="tx1">
-                    <a:lumMod val="85000"/>
-                  </a:schemeClr>
-                </a:solidFill>
-                <a:effectLst/>
-                <a:latin typeface="Open Sans" panose="020B0606030504020204" pitchFamily="34" charset="0"/>
-              </a:rPr>
-              <a:t>fr</a:t>
-            </a:r>
-            <a:r>
-              <a:rPr lang="en-US" b="0" i="0" dirty="0">
-                <a:solidFill>
-                  <a:schemeClr val="tx1">
-                    <a:lumMod val="85000"/>
-                  </a:schemeClr>
-                </a:solidFill>
-                <a:effectLst/>
-                <a:latin typeface="Open Sans" panose="020B0606030504020204" pitchFamily="34" charset="0"/>
-              </a:rPr>
-              <a:t>);</a:t>
-            </a:r>
           </a:p>
           <a:p>
             <a:pPr algn="l"/>
             <a:r>
-              <a:rPr lang="en-US" dirty="0">
-                <a:solidFill>
-                  <a:schemeClr val="tx1">
-                    <a:lumMod val="85000"/>
-                  </a:schemeClr>
-                </a:solidFill>
-                <a:latin typeface="Open Sans" panose="020B0606030504020204" pitchFamily="34" charset="0"/>
-              </a:rPr>
-              <a:t>	</a:t>
-            </a:r>
-            <a:r>
-              <a:rPr lang="en-US" b="0" i="0" dirty="0">
-                <a:solidFill>
-                  <a:schemeClr val="tx1">
-                    <a:lumMod val="85000"/>
-                  </a:schemeClr>
-                </a:solidFill>
-                <a:effectLst/>
-                <a:latin typeface="Open Sans" panose="020B0606030504020204" pitchFamily="34" charset="0"/>
-              </a:rPr>
-              <a:t>try {</a:t>
+              <a:rPr lang="en-US" sz="1200" b="0" i="0" dirty="0">
+                <a:solidFill>
+                  <a:schemeClr val="tx1">
+                    <a:lumMod val="85000"/>
+                  </a:schemeClr>
+                </a:solidFill>
+                <a:effectLst/>
+                <a:latin typeface="Open Sans" panose="020B0606030504020204" pitchFamily="34" charset="0"/>
+              </a:rPr>
+              <a:t>	} finally {</a:t>
             </a:r>
           </a:p>
           <a:p>
             <a:pPr algn="l"/>
             <a:r>
-              <a:rPr lang="en-US" dirty="0">
-                <a:solidFill>
-                  <a:schemeClr val="tx1">
-                    <a:lumMod val="85000"/>
-                  </a:schemeClr>
-                </a:solidFill>
-                <a:latin typeface="Open Sans" panose="020B0606030504020204" pitchFamily="34" charset="0"/>
-              </a:rPr>
-              <a:t>	   </a:t>
-            </a:r>
-            <a:r>
-              <a:rPr lang="en-US" b="0" i="0" dirty="0">
-                <a:solidFill>
-                  <a:schemeClr val="tx1">
-                    <a:lumMod val="85000"/>
-                  </a:schemeClr>
-                </a:solidFill>
-                <a:effectLst/>
-                <a:latin typeface="Open Sans" panose="020B0606030504020204" pitchFamily="34" charset="0"/>
-              </a:rPr>
-              <a:t>return </a:t>
-            </a:r>
-            <a:r>
-              <a:rPr lang="en-US" b="0" i="0" dirty="0" err="1">
-                <a:solidFill>
-                  <a:schemeClr val="tx1">
-                    <a:lumMod val="85000"/>
-                  </a:schemeClr>
-                </a:solidFill>
-                <a:effectLst/>
-                <a:latin typeface="Open Sans" panose="020B0606030504020204" pitchFamily="34" charset="0"/>
-              </a:rPr>
-              <a:t>br.readLine</a:t>
-            </a:r>
-            <a:r>
-              <a:rPr lang="en-US" b="0" i="0" dirty="0">
-                <a:solidFill>
-                  <a:schemeClr val="tx1">
-                    <a:lumMod val="85000"/>
-                  </a:schemeClr>
-                </a:solidFill>
-                <a:effectLst/>
-                <a:latin typeface="Open Sans" panose="020B0606030504020204" pitchFamily="34" charset="0"/>
-              </a:rPr>
-              <a:t>();</a:t>
+              <a:rPr lang="en-US" sz="1200" dirty="0">
+                <a:solidFill>
+                  <a:schemeClr val="tx1">
+                    <a:lumMod val="85000"/>
+                  </a:schemeClr>
+                </a:solidFill>
+                <a:latin typeface="Open Sans" panose="020B0606030504020204" pitchFamily="34" charset="0"/>
+              </a:rPr>
+              <a:t>	   // Code that always runs when the try block runs even when an Exception occurs</a:t>
             </a:r>
           </a:p>
           <a:p>
             <a:pPr algn="l"/>
             <a:r>
-              <a:rPr lang="en-US" dirty="0">
-                <a:solidFill>
-                  <a:schemeClr val="tx1">
-                    <a:lumMod val="85000"/>
-                  </a:schemeClr>
-                </a:solidFill>
-                <a:latin typeface="Open Sans" panose="020B0606030504020204" pitchFamily="34" charset="0"/>
-              </a:rPr>
-              <a:t>	</a:t>
-            </a:r>
-            <a:r>
-              <a:rPr lang="en-US" b="0" i="0" dirty="0">
-                <a:solidFill>
-                  <a:schemeClr val="tx1">
-                    <a:lumMod val="85000"/>
-                  </a:schemeClr>
-                </a:solidFill>
-                <a:effectLst/>
-                <a:latin typeface="Open Sans" panose="020B0606030504020204" pitchFamily="34" charset="0"/>
-              </a:rPr>
-              <a:t>} finally {</a:t>
+              <a:rPr lang="en-US" sz="1200" b="0" i="0" dirty="0">
+                <a:solidFill>
+                  <a:schemeClr val="tx1">
+                    <a:lumMod val="85000"/>
+                  </a:schemeClr>
+                </a:solidFill>
+                <a:effectLst/>
+                <a:latin typeface="Open Sans" panose="020B0606030504020204" pitchFamily="34" charset="0"/>
+              </a:rPr>
+              <a:t>	}</a:t>
             </a:r>
           </a:p>
           <a:p>
             <a:pPr algn="l"/>
-            <a:r>
-              <a:rPr lang="en-US" dirty="0">
-                <a:solidFill>
-                  <a:schemeClr val="tx1">
-                    <a:lumMod val="85000"/>
-                  </a:schemeClr>
-                </a:solidFill>
-                <a:latin typeface="Open Sans" panose="020B0606030504020204" pitchFamily="34" charset="0"/>
-              </a:rPr>
-              <a:t>	   </a:t>
-            </a:r>
-            <a:r>
-              <a:rPr lang="en-US" b="0" i="0" dirty="0" err="1">
-                <a:solidFill>
-                  <a:schemeClr val="tx1">
-                    <a:lumMod val="85000"/>
-                  </a:schemeClr>
-                </a:solidFill>
-                <a:effectLst/>
-                <a:latin typeface="Open Sans" panose="020B0606030504020204" pitchFamily="34" charset="0"/>
-              </a:rPr>
-              <a:t>br.close</a:t>
-            </a:r>
-            <a:r>
-              <a:rPr lang="en-US" b="0" i="0" dirty="0">
-                <a:solidFill>
-                  <a:schemeClr val="tx1">
-                    <a:lumMod val="85000"/>
-                  </a:schemeClr>
-                </a:solidFill>
-                <a:effectLst/>
-                <a:latin typeface="Open Sans" panose="020B0606030504020204" pitchFamily="34" charset="0"/>
-              </a:rPr>
-              <a:t>();</a:t>
-            </a:r>
-          </a:p>
-          <a:p>
-            <a:pPr algn="l"/>
-            <a:r>
-              <a:rPr lang="en-US" dirty="0">
-                <a:solidFill>
-                  <a:schemeClr val="tx1">
-                    <a:lumMod val="85000"/>
-                  </a:schemeClr>
-                </a:solidFill>
-                <a:latin typeface="Open Sans" panose="020B0606030504020204" pitchFamily="34" charset="0"/>
-              </a:rPr>
-              <a:t>	   </a:t>
-            </a:r>
-            <a:r>
-              <a:rPr lang="en-US" b="0" i="0" dirty="0" err="1">
-                <a:solidFill>
-                  <a:schemeClr val="tx1">
-                    <a:lumMod val="85000"/>
-                  </a:schemeClr>
-                </a:solidFill>
-                <a:effectLst/>
-                <a:latin typeface="Open Sans" panose="020B0606030504020204" pitchFamily="34" charset="0"/>
-              </a:rPr>
-              <a:t>fr.close</a:t>
-            </a:r>
-            <a:r>
-              <a:rPr lang="en-US" b="0" i="0" dirty="0">
-                <a:solidFill>
-                  <a:schemeClr val="tx1">
-                    <a:lumMod val="85000"/>
-                  </a:schemeClr>
-                </a:solidFill>
-                <a:effectLst/>
-                <a:latin typeface="Open Sans" panose="020B0606030504020204" pitchFamily="34" charset="0"/>
-              </a:rPr>
-              <a:t>();</a:t>
-            </a:r>
-          </a:p>
-          <a:p>
-            <a:pPr algn="l"/>
-            <a:r>
-              <a:rPr lang="en-US" dirty="0">
-                <a:solidFill>
-                  <a:schemeClr val="tx1">
-                    <a:lumMod val="85000"/>
-                  </a:schemeClr>
-                </a:solidFill>
-                <a:latin typeface="Open Sans" panose="020B0606030504020204" pitchFamily="34" charset="0"/>
-              </a:rPr>
-              <a:t>	</a:t>
-            </a:r>
-            <a:r>
-              <a:rPr lang="en-US" b="0" i="0" dirty="0">
-                <a:solidFill>
-                  <a:schemeClr val="tx1">
-                    <a:lumMod val="85000"/>
-                  </a:schemeClr>
-                </a:solidFill>
-                <a:effectLst/>
-                <a:latin typeface="Open Sans" panose="020B0606030504020204" pitchFamily="34" charset="0"/>
-              </a:rPr>
-              <a:t>}</a:t>
-            </a:r>
-          </a:p>
-          <a:p>
-            <a:pPr algn="l"/>
-            <a:r>
-              <a:rPr lang="en-US" b="0" i="0" dirty="0">
-                <a:solidFill>
-                  <a:schemeClr val="tx1">
-                    <a:lumMod val="85000"/>
-                  </a:schemeClr>
-                </a:solidFill>
-                <a:effectLst/>
-                <a:latin typeface="Open Sans" panose="020B0606030504020204" pitchFamily="34" charset="0"/>
-              </a:rPr>
-              <a:t>   }</a:t>
-            </a:r>
-          </a:p>
-          <a:p>
-            <a:pPr marL="285750" indent="-285750" algn="l">
-              <a:buFont typeface="Arial" panose="020B0604020202020204" pitchFamily="34" charset="0"/>
-              <a:buChar char="•"/>
-            </a:pPr>
-            <a:endParaRPr lang="en-US" b="0" i="0" dirty="0">
+            <a:endParaRPr lang="en-US" sz="1200" b="0" i="0" dirty="0">
               <a:solidFill>
                 <a:schemeClr val="tx1">
                   <a:lumMod val="85000"/>
@@ -9887,7 +8749,67 @@
               <a:buFont typeface="Arial" panose="020B0604020202020204" pitchFamily="34" charset="0"/>
               <a:buChar char="•"/>
             </a:pPr>
-            <a:endParaRPr lang="en-US" b="0" i="0" dirty="0">
+            <a:r>
+              <a:rPr lang="en-US" sz="1600" b="0" i="0" dirty="0">
+                <a:solidFill>
+                  <a:srgbClr val="00B0F0"/>
+                </a:solidFill>
+                <a:effectLst/>
+                <a:latin typeface="Open Sans" panose="020B0606030504020204" pitchFamily="34" charset="0"/>
+              </a:rPr>
+              <a:t>Each catch block is an exception handler </a:t>
+            </a:r>
+            <a:r>
+              <a:rPr lang="en-US" sz="1600" b="0" i="0" dirty="0">
+                <a:solidFill>
+                  <a:schemeClr val="tx1">
+                    <a:lumMod val="85000"/>
+                  </a:schemeClr>
+                </a:solidFill>
+                <a:effectLst/>
+                <a:latin typeface="Open Sans" panose="020B0606030504020204" pitchFamily="34" charset="0"/>
+              </a:rPr>
+              <a:t>that handles the type of exception indicated by its argument. </a:t>
+            </a:r>
+            <a:r>
+              <a:rPr lang="en-US" sz="1600" b="0" i="0" dirty="0">
+                <a:solidFill>
+                  <a:srgbClr val="00B0F0"/>
+                </a:solidFill>
+                <a:effectLst/>
+                <a:latin typeface="Open Sans" panose="020B0606030504020204" pitchFamily="34" charset="0"/>
+              </a:rPr>
+              <a:t>The argument type, </a:t>
+            </a:r>
+            <a:r>
+              <a:rPr lang="en-US" sz="1600" b="0" i="0" dirty="0" err="1">
+                <a:solidFill>
+                  <a:srgbClr val="00B0F0"/>
+                </a:solidFill>
+                <a:effectLst/>
+                <a:latin typeface="Open Sans" panose="020B0606030504020204" pitchFamily="34" charset="0"/>
+              </a:rPr>
+              <a:t>ExceptionType</a:t>
+            </a:r>
+            <a:r>
+              <a:rPr lang="en-US" sz="1600" b="0" i="0" dirty="0">
+                <a:solidFill>
+                  <a:schemeClr val="tx1">
+                    <a:lumMod val="85000"/>
+                  </a:schemeClr>
+                </a:solidFill>
+                <a:effectLst/>
+                <a:latin typeface="Open Sans" panose="020B0606030504020204" pitchFamily="34" charset="0"/>
+              </a:rPr>
+              <a:t>, declares the type of exception that the handler can handle and must be the name of a class that inherits from the Throwable class. The handler can refer to the exception with name.</a:t>
+            </a:r>
+          </a:p>
+          <a:p>
+            <a:pPr marL="285750" indent="-285750" algn="l">
+              <a:buFont typeface="Arial" panose="020B0604020202020204" pitchFamily="34" charset="0"/>
+              <a:buChar char="•"/>
+            </a:pPr>
+            <a:endParaRPr lang="en-US" sz="1600" b="0" i="0" dirty="0">
               <a:solidFill>
                 <a:schemeClr val="tx1">
                   <a:lumMod val="85000"/>
@@ -9897,12 +8819,467 @@
               <a:latin typeface="Open Sans" panose="020B0606030504020204" pitchFamily="34" charset="0"/>
             </a:endParaRPr>
           </a:p>
+          <a:p>
+            <a:pPr marL="285750" indent="-285750" algn="l">
+              <a:buFont typeface="Arial" panose="020B0604020202020204" pitchFamily="34" charset="0"/>
+              <a:buChar char="•"/>
+            </a:pPr>
+            <a:r>
+              <a:rPr lang="en-US" sz="1600" b="0" i="0" dirty="0">
+                <a:solidFill>
+                  <a:schemeClr val="tx1">
+                    <a:lumMod val="85000"/>
+                  </a:schemeClr>
+                </a:solidFill>
+                <a:effectLst/>
+                <a:latin typeface="Open Sans" panose="020B0606030504020204" pitchFamily="34" charset="0"/>
+              </a:rPr>
+              <a:t>The catch block </a:t>
+            </a:r>
+            <a:r>
+              <a:rPr lang="en-US" sz="1600" b="0" i="0" dirty="0">
+                <a:solidFill>
+                  <a:srgbClr val="00B0F0"/>
+                </a:solidFill>
+                <a:effectLst/>
+                <a:latin typeface="Open Sans" panose="020B0606030504020204" pitchFamily="34" charset="0"/>
+              </a:rPr>
+              <a:t>contains code that is executed if and when the exception handler is invoked</a:t>
+            </a:r>
+            <a:r>
+              <a:rPr lang="en-US" sz="1600" b="0" i="0" dirty="0">
+                <a:solidFill>
+                  <a:schemeClr val="tx1">
+                    <a:lumMod val="85000"/>
+                  </a:schemeClr>
+                </a:solidFill>
+                <a:effectLst/>
+                <a:latin typeface="Open Sans" panose="020B0606030504020204" pitchFamily="34" charset="0"/>
+              </a:rPr>
+              <a:t>. The runtime system invokes the exception handler when the handler is the first one in the call stack whose </a:t>
+            </a:r>
+            <a:r>
+              <a:rPr lang="en-US" sz="1600" b="0" i="0" dirty="0" err="1">
+                <a:solidFill>
+                  <a:schemeClr val="tx1">
+                    <a:lumMod val="85000"/>
+                  </a:schemeClr>
+                </a:solidFill>
+                <a:effectLst/>
+                <a:latin typeface="Open Sans" panose="020B0606030504020204" pitchFamily="34" charset="0"/>
+              </a:rPr>
+              <a:t>ExceptionType</a:t>
+            </a:r>
+            <a:r>
+              <a:rPr lang="en-US" sz="1600" b="0" i="0" dirty="0">
+                <a:solidFill>
+                  <a:schemeClr val="tx1">
+                    <a:lumMod val="85000"/>
+                  </a:schemeClr>
+                </a:solidFill>
+                <a:effectLst/>
+                <a:latin typeface="Open Sans" panose="020B0606030504020204" pitchFamily="34" charset="0"/>
+              </a:rPr>
+              <a:t> matches the type of the exception thrown. The system considers it a match if the thrown object can legally be assigned to the exception handler's argument.</a:t>
+            </a:r>
+          </a:p>
+          <a:p>
+            <a:pPr marL="285750" indent="-285750" algn="l">
+              <a:buFont typeface="Arial" panose="020B0604020202020204" pitchFamily="34" charset="0"/>
+              <a:buChar char="•"/>
+            </a:pPr>
+            <a:endParaRPr lang="en-US" sz="1600" b="0" i="0" dirty="0">
+              <a:solidFill>
+                <a:schemeClr val="tx1">
+                  <a:lumMod val="85000"/>
+                </a:schemeClr>
+              </a:solidFill>
+              <a:effectLst/>
+              <a:latin typeface="Open Sans" panose="020B0606030504020204" pitchFamily="34" charset="0"/>
+            </a:endParaRPr>
+          </a:p>
+          <a:p>
+            <a:pPr marL="285750" indent="-285750" algn="l">
+              <a:buFont typeface="Arial" panose="020B0604020202020204" pitchFamily="34" charset="0"/>
+              <a:buChar char="•"/>
+            </a:pPr>
+            <a:r>
+              <a:rPr lang="en-US" sz="1600" b="0" i="0" dirty="0">
+                <a:solidFill>
+                  <a:schemeClr val="tx1">
+                    <a:lumMod val="85000"/>
+                  </a:schemeClr>
+                </a:solidFill>
+                <a:effectLst/>
+                <a:latin typeface="Open Sans" panose="020B0606030504020204" pitchFamily="34" charset="0"/>
+              </a:rPr>
+              <a:t>The following are two exception handlers for the </a:t>
+            </a:r>
+            <a:r>
+              <a:rPr lang="en-US" sz="1600" b="0" i="0" dirty="0" err="1">
+                <a:solidFill>
+                  <a:schemeClr val="tx1">
+                    <a:lumMod val="85000"/>
+                  </a:schemeClr>
+                </a:solidFill>
+                <a:effectLst/>
+                <a:latin typeface="Open Sans" panose="020B0606030504020204" pitchFamily="34" charset="0"/>
+              </a:rPr>
+              <a:t>writeList</a:t>
+            </a:r>
+            <a:r>
+              <a:rPr lang="en-US" sz="1600" b="0" i="0" dirty="0">
+                <a:solidFill>
+                  <a:schemeClr val="tx1">
+                    <a:lumMod val="85000"/>
+                  </a:schemeClr>
+                </a:solidFill>
+                <a:effectLst/>
+                <a:latin typeface="Open Sans" panose="020B0606030504020204" pitchFamily="34" charset="0"/>
+              </a:rPr>
+              <a:t> method:</a:t>
+            </a:r>
+          </a:p>
+          <a:p>
+            <a:pPr algn="l"/>
+            <a:r>
+              <a:rPr lang="en-US" sz="1100" b="0" i="0" dirty="0">
+                <a:solidFill>
+                  <a:schemeClr val="tx1">
+                    <a:lumMod val="85000"/>
+                  </a:schemeClr>
+                </a:solidFill>
+                <a:effectLst/>
+                <a:latin typeface="Open Sans" panose="020B0606030504020204" pitchFamily="34" charset="0"/>
+              </a:rPr>
+              <a:t>	try {</a:t>
+            </a:r>
+          </a:p>
+          <a:p>
+            <a:pPr lvl="2"/>
+            <a:r>
+              <a:rPr lang="en-US" sz="1100" b="0" i="0" dirty="0">
+                <a:solidFill>
+                  <a:schemeClr val="tx1">
+                    <a:lumMod val="85000"/>
+                  </a:schemeClr>
+                </a:solidFill>
+                <a:effectLst/>
+                <a:latin typeface="Open Sans" panose="020B0606030504020204" pitchFamily="34" charset="0"/>
+              </a:rPr>
+              <a:t>   // Do something</a:t>
+            </a:r>
+          </a:p>
+          <a:p>
+            <a:pPr lvl="2"/>
+            <a:r>
+              <a:rPr lang="en-US" sz="1100" b="0" i="0" dirty="0">
+                <a:solidFill>
+                  <a:schemeClr val="tx1">
+                    <a:lumMod val="85000"/>
+                  </a:schemeClr>
+                </a:solidFill>
+                <a:effectLst/>
+                <a:latin typeface="Open Sans" panose="020B0606030504020204" pitchFamily="34" charset="0"/>
+              </a:rPr>
+              <a:t>} catch (</a:t>
+            </a:r>
+            <a:r>
+              <a:rPr lang="en-US" sz="1100" b="0" i="0" dirty="0" err="1">
+                <a:solidFill>
+                  <a:schemeClr val="tx1">
+                    <a:lumMod val="85000"/>
+                  </a:schemeClr>
+                </a:solidFill>
+                <a:effectLst/>
+                <a:latin typeface="Open Sans" panose="020B0606030504020204" pitchFamily="34" charset="0"/>
+              </a:rPr>
+              <a:t>IndexOutOfBoundsException</a:t>
+            </a:r>
+            <a:r>
+              <a:rPr lang="en-US" sz="1100" b="0" i="0" dirty="0">
+                <a:solidFill>
+                  <a:schemeClr val="tx1">
+                    <a:lumMod val="85000"/>
+                  </a:schemeClr>
+                </a:solidFill>
+                <a:effectLst/>
+                <a:latin typeface="Open Sans" panose="020B0606030504020204" pitchFamily="34" charset="0"/>
+              </a:rPr>
+              <a:t> e) {</a:t>
+            </a:r>
+          </a:p>
+          <a:p>
+            <a:pPr lvl="2"/>
+            <a:r>
+              <a:rPr lang="en-US" sz="1100" b="0" i="0" dirty="0">
+                <a:solidFill>
+                  <a:schemeClr val="tx1">
+                    <a:lumMod val="85000"/>
+                  </a:schemeClr>
+                </a:solidFill>
+                <a:effectLst/>
+                <a:latin typeface="Open Sans" panose="020B0606030504020204" pitchFamily="34" charset="0"/>
+              </a:rPr>
+              <a:t>   </a:t>
+            </a:r>
+            <a:r>
+              <a:rPr lang="en-US" sz="1100" b="0" i="0" dirty="0" err="1">
+                <a:solidFill>
+                  <a:schemeClr val="tx1">
+                    <a:lumMod val="85000"/>
+                  </a:schemeClr>
+                </a:solidFill>
+                <a:effectLst/>
+                <a:latin typeface="Open Sans" panose="020B0606030504020204" pitchFamily="34" charset="0"/>
+              </a:rPr>
+              <a:t>System.err.println</a:t>
+            </a:r>
+            <a:r>
+              <a:rPr lang="en-US" sz="1100" b="0" i="0" dirty="0">
+                <a:solidFill>
+                  <a:schemeClr val="tx1">
+                    <a:lumMod val="85000"/>
+                  </a:schemeClr>
+                </a:solidFill>
+                <a:effectLst/>
+                <a:latin typeface="Open Sans" panose="020B0606030504020204" pitchFamily="34" charset="0"/>
+              </a:rPr>
+              <a:t>("</a:t>
+            </a:r>
+            <a:r>
+              <a:rPr lang="en-US" sz="1100" b="0" i="0" dirty="0" err="1">
+                <a:solidFill>
+                  <a:schemeClr val="tx1">
+                    <a:lumMod val="85000"/>
+                  </a:schemeClr>
+                </a:solidFill>
+                <a:effectLst/>
+                <a:latin typeface="Open Sans" panose="020B0606030504020204" pitchFamily="34" charset="0"/>
+              </a:rPr>
+              <a:t>IndexOutOfBoundsException</a:t>
+            </a:r>
+            <a:r>
+              <a:rPr lang="en-US" sz="1100" b="0" i="0" dirty="0">
+                <a:solidFill>
+                  <a:schemeClr val="tx1">
+                    <a:lumMod val="85000"/>
+                  </a:schemeClr>
+                </a:solidFill>
+                <a:effectLst/>
+                <a:latin typeface="Open Sans" panose="020B0606030504020204" pitchFamily="34" charset="0"/>
+              </a:rPr>
+              <a:t>: " + </a:t>
+            </a:r>
+            <a:r>
+              <a:rPr lang="en-US" sz="1100" b="0" i="0" dirty="0" err="1">
+                <a:solidFill>
+                  <a:schemeClr val="tx1">
+                    <a:lumMod val="85000"/>
+                  </a:schemeClr>
+                </a:solidFill>
+                <a:effectLst/>
+                <a:latin typeface="Open Sans" panose="020B0606030504020204" pitchFamily="34" charset="0"/>
+              </a:rPr>
+              <a:t>e.getMessage</a:t>
+            </a:r>
+            <a:r>
+              <a:rPr lang="en-US" sz="1100" b="0" i="0" dirty="0">
+                <a:solidFill>
+                  <a:schemeClr val="tx1">
+                    <a:lumMod val="85000"/>
+                  </a:schemeClr>
+                </a:solidFill>
+                <a:effectLst/>
+                <a:latin typeface="Open Sans" panose="020B0606030504020204" pitchFamily="34" charset="0"/>
+              </a:rPr>
+              <a:t>());</a:t>
+            </a:r>
+          </a:p>
+          <a:p>
+            <a:pPr lvl="2"/>
+            <a:r>
+              <a:rPr lang="en-US" sz="1100" b="0" i="0" dirty="0">
+                <a:solidFill>
+                  <a:schemeClr val="tx1">
+                    <a:lumMod val="85000"/>
+                  </a:schemeClr>
+                </a:solidFill>
+                <a:effectLst/>
+                <a:latin typeface="Open Sans" panose="020B0606030504020204" pitchFamily="34" charset="0"/>
+              </a:rPr>
+              <a:t>} catch (</a:t>
+            </a:r>
+            <a:r>
+              <a:rPr lang="en-US" sz="1100" b="0" i="0" dirty="0" err="1">
+                <a:solidFill>
+                  <a:schemeClr val="tx1">
+                    <a:lumMod val="85000"/>
+                  </a:schemeClr>
+                </a:solidFill>
+                <a:effectLst/>
+                <a:latin typeface="Open Sans" panose="020B0606030504020204" pitchFamily="34" charset="0"/>
+              </a:rPr>
+              <a:t>IOException</a:t>
+            </a:r>
+            <a:r>
+              <a:rPr lang="en-US" sz="1100" b="0" i="0" dirty="0">
+                <a:solidFill>
+                  <a:schemeClr val="tx1">
+                    <a:lumMod val="85000"/>
+                  </a:schemeClr>
+                </a:solidFill>
+                <a:effectLst/>
+                <a:latin typeface="Open Sans" panose="020B0606030504020204" pitchFamily="34" charset="0"/>
+              </a:rPr>
+              <a:t> e) </a:t>
+            </a:r>
+          </a:p>
+          <a:p>
+            <a:pPr lvl="2"/>
+            <a:r>
+              <a:rPr lang="en-US" sz="1100" dirty="0">
+                <a:solidFill>
+                  <a:schemeClr val="tx1">
+                    <a:lumMod val="85000"/>
+                  </a:schemeClr>
+                </a:solidFill>
+                <a:latin typeface="Open Sans" panose="020B0606030504020204" pitchFamily="34" charset="0"/>
+              </a:rPr>
+              <a:t>   </a:t>
+            </a:r>
+            <a:r>
+              <a:rPr lang="en-US" sz="1100" b="0" i="0" dirty="0" err="1">
+                <a:solidFill>
+                  <a:schemeClr val="tx1">
+                    <a:lumMod val="85000"/>
+                  </a:schemeClr>
+                </a:solidFill>
+                <a:effectLst/>
+                <a:latin typeface="Open Sans" panose="020B0606030504020204" pitchFamily="34" charset="0"/>
+              </a:rPr>
+              <a:t>System.err.println</a:t>
+            </a:r>
+            <a:r>
+              <a:rPr lang="en-US" sz="1100" b="0" i="0" dirty="0">
+                <a:solidFill>
+                  <a:schemeClr val="tx1">
+                    <a:lumMod val="85000"/>
+                  </a:schemeClr>
+                </a:solidFill>
+                <a:effectLst/>
+                <a:latin typeface="Open Sans" panose="020B0606030504020204" pitchFamily="34" charset="0"/>
+              </a:rPr>
+              <a:t>("Caught </a:t>
+            </a:r>
+            <a:r>
+              <a:rPr lang="en-US" sz="1100" b="0" i="0" dirty="0" err="1">
+                <a:solidFill>
+                  <a:schemeClr val="tx1">
+                    <a:lumMod val="85000"/>
+                  </a:schemeClr>
+                </a:solidFill>
+                <a:effectLst/>
+                <a:latin typeface="Open Sans" panose="020B0606030504020204" pitchFamily="34" charset="0"/>
+              </a:rPr>
+              <a:t>IOException</a:t>
+            </a:r>
+            <a:r>
+              <a:rPr lang="en-US" sz="1100" b="0" i="0" dirty="0">
+                <a:solidFill>
+                  <a:schemeClr val="tx1">
+                    <a:lumMod val="85000"/>
+                  </a:schemeClr>
+                </a:solidFill>
+                <a:effectLst/>
+                <a:latin typeface="Open Sans" panose="020B0606030504020204" pitchFamily="34" charset="0"/>
+              </a:rPr>
+              <a:t>: " + </a:t>
+            </a:r>
+            <a:r>
+              <a:rPr lang="en-US" sz="1100" b="0" i="0" dirty="0" err="1">
+                <a:solidFill>
+                  <a:schemeClr val="tx1">
+                    <a:lumMod val="85000"/>
+                  </a:schemeClr>
+                </a:solidFill>
+                <a:effectLst/>
+                <a:latin typeface="Open Sans" panose="020B0606030504020204" pitchFamily="34" charset="0"/>
+              </a:rPr>
+              <a:t>e.getMessage</a:t>
+            </a:r>
+            <a:r>
+              <a:rPr lang="en-US" sz="1100" b="0" i="0" dirty="0">
+                <a:solidFill>
+                  <a:schemeClr val="tx1">
+                    <a:lumMod val="85000"/>
+                  </a:schemeClr>
+                </a:solidFill>
+                <a:effectLst/>
+                <a:latin typeface="Open Sans" panose="020B0606030504020204" pitchFamily="34" charset="0"/>
+              </a:rPr>
+              <a:t>());</a:t>
+            </a:r>
+          </a:p>
+          <a:p>
+            <a:pPr lvl="2"/>
+            <a:r>
+              <a:rPr lang="en-US" sz="1100" b="0" i="0" dirty="0">
+                <a:solidFill>
+                  <a:schemeClr val="tx1">
+                    <a:lumMod val="85000"/>
+                  </a:schemeClr>
+                </a:solidFill>
+                <a:effectLst/>
+                <a:latin typeface="Open Sans" panose="020B0606030504020204" pitchFamily="34" charset="0"/>
+              </a:rPr>
+              <a:t>}</a:t>
+            </a:r>
+          </a:p>
+        </p:txBody>
+      </p:sp>
+      <p:sp>
+        <p:nvSpPr>
+          <p:cNvPr id="2" name="TextBox 1">
+            <a:extLst>
+              <a:ext uri="{FF2B5EF4-FFF2-40B4-BE49-F238E27FC236}">
+                <a16:creationId xmlns:a16="http://schemas.microsoft.com/office/drawing/2014/main" id="{05E39B88-6490-5C54-C767-A0E91A8F373F}"/>
+              </a:ext>
+            </a:extLst>
+          </p:cNvPr>
+          <p:cNvSpPr txBox="1"/>
+          <p:nvPr/>
+        </p:nvSpPr>
+        <p:spPr>
+          <a:xfrm>
+            <a:off x="5553511" y="6427531"/>
+            <a:ext cx="6842443" cy="338554"/>
+          </a:xfrm>
+          <a:prstGeom prst="rect">
+            <a:avLst/>
+          </a:prstGeom>
+          <a:noFill/>
+        </p:spPr>
+        <p:txBody>
+          <a:bodyPr wrap="square">
+            <a:spAutoFit/>
+          </a:bodyPr>
+          <a:lstStyle/>
+          <a:p>
+            <a:r>
+              <a:rPr lang="en-US" sz="1600" dirty="0">
+                <a:hlinkClick r:id="rId2"/>
+              </a:rPr>
+              <a:t>https://github.com/ckiefriter1/Java-Code-Examples/tree/main/src/exceptions</a:t>
+            </a:r>
+            <a:endParaRPr lang="en-US" sz="1600" dirty="0"/>
+          </a:p>
         </p:txBody>
       </p:sp>
     </p:spTree>
     <p:extLst>
       <p:ext uri="{BB962C8B-B14F-4D97-AF65-F5344CB8AC3E}">
-        <p14:creationId xmlns:p14="http://schemas.microsoft.com/office/powerpoint/2010/main" val="3976039359"/>
+        <p14:creationId xmlns:p14="http://schemas.microsoft.com/office/powerpoint/2010/main" val="12263916"/>
       </p:ext>
     </p:extLst>
   </p:cSld>
@@ -9931,10 +9308,10 @@
       </p:grpSpPr>
       <p:sp>
         <p:nvSpPr>
-          <p:cNvPr id="3" name="TextBox 2">
+          <p:cNvPr id="6" name="TextBox 5">
             <a:extLst>
               <a:ext uri="{FF2B5EF4-FFF2-40B4-BE49-F238E27FC236}">
-                <a16:creationId xmlns:a16="http://schemas.microsoft.com/office/drawing/2014/main" id="{23DFC7E9-54DD-38D7-0B9B-D34948D68CF9}"/>
+                <a16:creationId xmlns:a16="http://schemas.microsoft.com/office/drawing/2014/main" id="{59E906CD-110B-9D01-732C-2F21759B0265}"/>
               </a:ext>
             </a:extLst>
           </p:cNvPr>
@@ -9943,8 +9320,8 @@
         </p:nvSpPr>
         <p:spPr>
           <a:xfrm>
-            <a:off x="1065401" y="2618895"/>
-            <a:ext cx="9538284" cy="1015663"/>
+            <a:off x="193250" y="91915"/>
+            <a:ext cx="8256355" cy="461665"/>
           </a:xfrm>
           <a:prstGeom prst="rect">
             <a:avLst/>
@@ -9957,49 +9334,405 @@
           </a:bodyPr>
           <a:lstStyle/>
           <a:p>
-            <a:pPr marL="0" marR="0" lvl="0" indent="0" algn="l" defTabSz="914400" rtl="0" eaLnBrk="1" fontAlgn="auto" latinLnBrk="0" hangingPunct="1">
-              <a:lnSpc>
-                <a:spcPct val="100000"/>
-              </a:lnSpc>
-              <a:spcBef>
-                <a:spcPts val="0"/>
-              </a:spcBef>
-              <a:spcAft>
-                <a:spcPts val="0"/>
-              </a:spcAft>
-              <a:buClrTx/>
-              <a:buSzTx/>
-              <a:buFontTx/>
-              <a:buNone/>
-              <a:tabLst/>
-              <a:defRPr/>
+            <a:pPr algn="l"/>
+            <a:r>
+              <a:rPr lang="en-US" sz="2400" b="1" dirty="0">
+                <a:solidFill>
+                  <a:srgbClr val="00B050"/>
+                </a:solidFill>
+                <a:effectLst/>
+                <a:latin typeface="Open Sans" panose="020B0606030504020204" pitchFamily="34" charset="0"/>
+              </a:rPr>
+              <a:t>Catching Exceptions – try </a:t>
+            </a:r>
+            <a:r>
+              <a:rPr lang="en-US" sz="2400" b="1" dirty="0">
+                <a:solidFill>
+                  <a:srgbClr val="00B050"/>
+                </a:solidFill>
+                <a:effectLst/>
+                <a:latin typeface="Open Sans" panose="020B0606030504020204" pitchFamily="34" charset="0"/>
+                <a:sym typeface="Wingdings" panose="05000000000000000000" pitchFamily="2" charset="2"/>
+              </a:rPr>
+              <a:t> catch  finally blocks</a:t>
+            </a:r>
+            <a:endParaRPr lang="en-US" sz="2400" b="1" dirty="0">
+              <a:solidFill>
+                <a:srgbClr val="00B050"/>
+              </a:solidFill>
+              <a:effectLst/>
+              <a:latin typeface="Open Sans" panose="020B0606030504020204" pitchFamily="34" charset="0"/>
+            </a:endParaRPr>
+          </a:p>
+        </p:txBody>
+      </p:sp>
+      <p:sp>
+        <p:nvSpPr>
+          <p:cNvPr id="4" name="TextBox 3">
+            <a:extLst>
+              <a:ext uri="{FF2B5EF4-FFF2-40B4-BE49-F238E27FC236}">
+                <a16:creationId xmlns:a16="http://schemas.microsoft.com/office/drawing/2014/main" id="{C0B26727-0F97-5A73-B4ED-6BE65E07E5DB}"/>
+              </a:ext>
+            </a:extLst>
+          </p:cNvPr>
+          <p:cNvSpPr txBox="1"/>
+          <p:nvPr/>
+        </p:nvSpPr>
+        <p:spPr>
+          <a:xfrm>
+            <a:off x="176169" y="729420"/>
+            <a:ext cx="11931637" cy="4555093"/>
+          </a:xfrm>
+          <a:prstGeom prst="rect">
+            <a:avLst/>
+          </a:prstGeom>
+          <a:noFill/>
+        </p:spPr>
+        <p:txBody>
+          <a:bodyPr wrap="square">
+            <a:spAutoFit/>
+          </a:bodyPr>
+          <a:lstStyle/>
+          <a:p>
+            <a:pPr marL="285750" indent="-285750" algn="l">
+              <a:buFont typeface="Arial" panose="020B0604020202020204" pitchFamily="34" charset="0"/>
+              <a:buChar char="•"/>
             </a:pPr>
             <a:r>
-              <a:rPr kumimoji="0" lang="en-US" sz="6000" b="0" i="0" u="none" strike="noStrike" kern="1200" cap="none" spc="0" normalizeH="0" baseline="0" noProof="0" dirty="0">
-                <a:ln>
-                  <a:noFill/>
-                </a:ln>
-                <a:solidFill>
-                  <a:prstClr val="white">
-                    <a:lumMod val="75000"/>
-                  </a:prstClr>
-                </a:solidFill>
-                <a:effectLst/>
-                <a:uLnTx/>
-                <a:uFillTx/>
-                <a:latin typeface="Open Sans" panose="020B0606030504020204" pitchFamily="34" charset="0"/>
-                <a:ea typeface="+mn-ea"/>
-                <a:cs typeface="+mn-cs"/>
-              </a:rPr>
-              <a:t>Interfaces</a:t>
-            </a:r>
+              <a:rPr lang="en-US" b="0" i="0" dirty="0">
+                <a:solidFill>
+                  <a:srgbClr val="00B0F0"/>
+                </a:solidFill>
+                <a:effectLst/>
+                <a:latin typeface="Open Sans" panose="020B0606030504020204" pitchFamily="34" charset="0"/>
+              </a:rPr>
+              <a:t>Exception handlers can do more than just print error messages or halt the program</a:t>
+            </a:r>
+            <a:r>
+              <a:rPr lang="en-US" b="0" i="0" dirty="0">
+                <a:solidFill>
+                  <a:schemeClr val="tx1">
+                    <a:lumMod val="85000"/>
+                  </a:schemeClr>
+                </a:solidFill>
+                <a:effectLst/>
+                <a:latin typeface="Open Sans" panose="020B0606030504020204" pitchFamily="34" charset="0"/>
+              </a:rPr>
+              <a:t>. They can do error recovery, prompt the user to make a decision, or propagate the error up to a higher-level handler using chained exceptions, as described in the </a:t>
+            </a:r>
+            <a:r>
+              <a:rPr lang="en-US" b="0" i="0" dirty="0">
+                <a:solidFill>
+                  <a:srgbClr val="00B0F0"/>
+                </a:solidFill>
+                <a:effectLst/>
+                <a:latin typeface="Open Sans" panose="020B0606030504020204" pitchFamily="34" charset="0"/>
+              </a:rPr>
+              <a:t>Chained Exceptions </a:t>
+            </a:r>
+            <a:r>
+              <a:rPr lang="en-US" b="0" i="0" dirty="0">
+                <a:solidFill>
+                  <a:schemeClr val="tx1">
+                    <a:lumMod val="85000"/>
+                  </a:schemeClr>
+                </a:solidFill>
+                <a:effectLst/>
+                <a:latin typeface="Open Sans" panose="020B0606030504020204" pitchFamily="34" charset="0"/>
+              </a:rPr>
+              <a:t>section.</a:t>
+            </a:r>
+          </a:p>
+          <a:p>
+            <a:pPr marL="285750" indent="-285750" algn="l">
+              <a:buFont typeface="Arial" panose="020B0604020202020204" pitchFamily="34" charset="0"/>
+              <a:buChar char="•"/>
+            </a:pPr>
+            <a:endParaRPr lang="en-US" b="0" i="0" dirty="0">
+              <a:solidFill>
+                <a:schemeClr val="tx1">
+                  <a:lumMod val="85000"/>
+                </a:schemeClr>
+              </a:solidFill>
+              <a:effectLst/>
+              <a:latin typeface="Open Sans" panose="020B0606030504020204" pitchFamily="34" charset="0"/>
+            </a:endParaRPr>
+          </a:p>
+          <a:p>
+            <a:pPr marL="285750" indent="-285750" algn="l">
+              <a:buFont typeface="Arial" panose="020B0604020202020204" pitchFamily="34" charset="0"/>
+              <a:buChar char="•"/>
+            </a:pPr>
+            <a:r>
+              <a:rPr lang="en-US" b="0" i="0" dirty="0">
+                <a:solidFill>
+                  <a:schemeClr val="tx1">
+                    <a:lumMod val="85000"/>
+                  </a:schemeClr>
+                </a:solidFill>
+                <a:effectLst/>
+                <a:latin typeface="Open Sans" panose="020B0606030504020204" pitchFamily="34" charset="0"/>
+              </a:rPr>
+              <a:t>Catching More Than One Type of Exception with One Exception Handler</a:t>
+            </a:r>
+          </a:p>
+          <a:p>
+            <a:pPr marL="742950" lvl="1" indent="-285750">
+              <a:buFont typeface="Arial" panose="020B0604020202020204" pitchFamily="34" charset="0"/>
+              <a:buChar char="•"/>
+            </a:pPr>
+            <a:r>
+              <a:rPr lang="en-US" b="0" i="0" dirty="0">
+                <a:solidFill>
+                  <a:schemeClr val="tx1">
+                    <a:lumMod val="85000"/>
+                  </a:schemeClr>
+                </a:solidFill>
+                <a:effectLst/>
+                <a:latin typeface="Open Sans" panose="020B0606030504020204" pitchFamily="34" charset="0"/>
+              </a:rPr>
+              <a:t>In Java SE 7 and later, a single catch block can handle more than one type of exception. This feature can reduce code duplication and lessen the temptation to catch an overly broad exception.</a:t>
+            </a:r>
+          </a:p>
+          <a:p>
+            <a:pPr marL="285750" indent="-285750" algn="l">
+              <a:buFont typeface="Arial" panose="020B0604020202020204" pitchFamily="34" charset="0"/>
+              <a:buChar char="•"/>
+            </a:pPr>
+            <a:endParaRPr lang="en-US" b="0" i="0" dirty="0">
+              <a:solidFill>
+                <a:schemeClr val="tx1">
+                  <a:lumMod val="85000"/>
+                </a:schemeClr>
+              </a:solidFill>
+              <a:effectLst/>
+              <a:latin typeface="Open Sans" panose="020B0606030504020204" pitchFamily="34" charset="0"/>
+            </a:endParaRPr>
+          </a:p>
+          <a:p>
+            <a:pPr marL="742950" lvl="1" indent="-285750">
+              <a:buFont typeface="Arial" panose="020B0604020202020204" pitchFamily="34" charset="0"/>
+              <a:buChar char="•"/>
+            </a:pPr>
+            <a:r>
+              <a:rPr lang="en-US" b="0" i="0" dirty="0">
+                <a:solidFill>
+                  <a:schemeClr val="tx1">
+                    <a:lumMod val="85000"/>
+                  </a:schemeClr>
+                </a:solidFill>
+                <a:effectLst/>
+                <a:latin typeface="Open Sans" panose="020B0606030504020204" pitchFamily="34" charset="0"/>
+              </a:rPr>
+              <a:t>In the catch clause, specify the types of exceptions that block can handle, and separate each exception type with a vertical bar (|):</a:t>
+            </a:r>
+          </a:p>
+          <a:p>
+            <a:pPr marL="285750" indent="-285750" algn="l">
+              <a:buFont typeface="Arial" panose="020B0604020202020204" pitchFamily="34" charset="0"/>
+              <a:buChar char="•"/>
+            </a:pPr>
+            <a:endParaRPr lang="en-US" b="0" i="0" dirty="0">
+              <a:solidFill>
+                <a:schemeClr val="tx1">
+                  <a:lumMod val="85000"/>
+                </a:schemeClr>
+              </a:solidFill>
+              <a:effectLst/>
+              <a:latin typeface="Open Sans" panose="020B0606030504020204" pitchFamily="34" charset="0"/>
+            </a:endParaRPr>
+          </a:p>
+          <a:p>
+            <a:pPr algn="l"/>
+            <a:r>
+              <a:rPr lang="en-US" sz="1400" b="0" i="0" dirty="0">
+                <a:solidFill>
+                  <a:schemeClr val="tx1">
+                    <a:lumMod val="85000"/>
+                  </a:schemeClr>
+                </a:solidFill>
+                <a:effectLst/>
+                <a:latin typeface="Open Sans" panose="020B0606030504020204" pitchFamily="34" charset="0"/>
+              </a:rPr>
+              <a:t>	catch (</a:t>
+            </a:r>
+            <a:r>
+              <a:rPr lang="en-US" sz="1400" b="0" i="0" dirty="0" err="1">
+                <a:solidFill>
+                  <a:schemeClr val="tx1">
+                    <a:lumMod val="85000"/>
+                  </a:schemeClr>
+                </a:solidFill>
+                <a:effectLst/>
+                <a:latin typeface="Open Sans" panose="020B0606030504020204" pitchFamily="34" charset="0"/>
+              </a:rPr>
+              <a:t>IOException|SQLException</a:t>
+            </a:r>
+            <a:r>
+              <a:rPr lang="en-US" sz="1400" b="0" i="0" dirty="0">
+                <a:solidFill>
+                  <a:schemeClr val="tx1">
+                    <a:lumMod val="85000"/>
+                  </a:schemeClr>
+                </a:solidFill>
+                <a:effectLst/>
+                <a:latin typeface="Open Sans" panose="020B0606030504020204" pitchFamily="34" charset="0"/>
+              </a:rPr>
+              <a:t> ex) {</a:t>
+            </a:r>
+          </a:p>
+          <a:p>
+            <a:pPr algn="l"/>
+            <a:r>
+              <a:rPr lang="en-US" sz="1400" dirty="0">
+                <a:solidFill>
+                  <a:schemeClr val="tx1">
+                    <a:lumMod val="85000"/>
+                  </a:schemeClr>
+                </a:solidFill>
+                <a:latin typeface="Open Sans" panose="020B0606030504020204" pitchFamily="34" charset="0"/>
+              </a:rPr>
+              <a:t>	   </a:t>
+            </a:r>
+            <a:r>
+              <a:rPr lang="en-US" sz="1400" b="0" i="0" dirty="0">
+                <a:solidFill>
+                  <a:schemeClr val="tx1">
+                    <a:lumMod val="85000"/>
+                  </a:schemeClr>
+                </a:solidFill>
+                <a:effectLst/>
+                <a:latin typeface="Open Sans" panose="020B0606030504020204" pitchFamily="34" charset="0"/>
+              </a:rPr>
+              <a:t>logger.log(ex);</a:t>
+            </a:r>
+          </a:p>
+          <a:p>
+            <a:pPr algn="l"/>
+            <a:r>
+              <a:rPr lang="en-US" sz="1400" dirty="0">
+                <a:solidFill>
+                  <a:schemeClr val="tx1">
+                    <a:lumMod val="85000"/>
+                  </a:schemeClr>
+                </a:solidFill>
+                <a:latin typeface="Open Sans" panose="020B0606030504020204" pitchFamily="34" charset="0"/>
+              </a:rPr>
+              <a:t>	   </a:t>
+            </a:r>
+            <a:r>
+              <a:rPr lang="en-US" sz="1400" b="0" i="0" dirty="0">
+                <a:solidFill>
+                  <a:schemeClr val="tx1">
+                    <a:lumMod val="85000"/>
+                  </a:schemeClr>
+                </a:solidFill>
+                <a:effectLst/>
+                <a:latin typeface="Open Sans" panose="020B0606030504020204" pitchFamily="34" charset="0"/>
+              </a:rPr>
+              <a:t>throw ex;</a:t>
+            </a:r>
+          </a:p>
+          <a:p>
+            <a:pPr algn="l"/>
+            <a:r>
+              <a:rPr lang="en-US" sz="1400" dirty="0">
+                <a:solidFill>
+                  <a:schemeClr val="tx1">
+                    <a:lumMod val="85000"/>
+                  </a:schemeClr>
+                </a:solidFill>
+                <a:latin typeface="Open Sans" panose="020B0606030504020204" pitchFamily="34" charset="0"/>
+              </a:rPr>
+              <a:t>                       </a:t>
+            </a:r>
+            <a:r>
+              <a:rPr lang="en-US" sz="1400" b="0" i="0" dirty="0">
+                <a:solidFill>
+                  <a:schemeClr val="tx1">
+                    <a:lumMod val="85000"/>
+                  </a:schemeClr>
+                </a:solidFill>
+                <a:effectLst/>
+                <a:latin typeface="Open Sans" panose="020B0606030504020204" pitchFamily="34" charset="0"/>
+              </a:rPr>
+              <a:t>}</a:t>
+            </a:r>
+          </a:p>
+          <a:p>
+            <a:pPr marL="285750" indent="-285750" algn="l">
+              <a:buFont typeface="Arial" panose="020B0604020202020204" pitchFamily="34" charset="0"/>
+              <a:buChar char="•"/>
+            </a:pPr>
+            <a:endParaRPr lang="en-US" b="0" i="0" dirty="0">
+              <a:solidFill>
+                <a:schemeClr val="tx1">
+                  <a:lumMod val="85000"/>
+                </a:schemeClr>
+              </a:solidFill>
+              <a:effectLst/>
+              <a:latin typeface="Open Sans" panose="020B0606030504020204" pitchFamily="34" charset="0"/>
+            </a:endParaRPr>
+          </a:p>
+          <a:p>
+            <a:pPr marL="285750" indent="-285750" algn="l">
+              <a:buFont typeface="Arial" panose="020B0604020202020204" pitchFamily="34" charset="0"/>
+              <a:buChar char="•"/>
+            </a:pPr>
+            <a:endParaRPr lang="en-US" b="0" i="0" dirty="0">
+              <a:solidFill>
+                <a:schemeClr val="tx1">
+                  <a:lumMod val="85000"/>
+                </a:schemeClr>
+              </a:solidFill>
+              <a:effectLst/>
+              <a:latin typeface="Open Sans" panose="020B0606030504020204" pitchFamily="34" charset="0"/>
+            </a:endParaRPr>
+          </a:p>
+        </p:txBody>
+      </p:sp>
+      <p:sp>
+        <p:nvSpPr>
+          <p:cNvPr id="2" name="TextBox 1">
+            <a:extLst>
+              <a:ext uri="{FF2B5EF4-FFF2-40B4-BE49-F238E27FC236}">
+                <a16:creationId xmlns:a16="http://schemas.microsoft.com/office/drawing/2014/main" id="{2292BC77-EAED-98AF-CC12-6B2F561FA457}"/>
+              </a:ext>
+            </a:extLst>
+          </p:cNvPr>
+          <p:cNvSpPr txBox="1"/>
+          <p:nvPr/>
+        </p:nvSpPr>
+        <p:spPr>
+          <a:xfrm>
+            <a:off x="4679424" y="6273448"/>
+            <a:ext cx="7540362" cy="369332"/>
+          </a:xfrm>
+          <a:prstGeom prst="rect">
+            <a:avLst/>
+          </a:prstGeom>
+          <a:noFill/>
+        </p:spPr>
+        <p:txBody>
+          <a:bodyPr wrap="square">
+            <a:spAutoFit/>
+          </a:bodyPr>
+          <a:lstStyle/>
+          <a:p>
+            <a:r>
+              <a:rPr lang="en-US" dirty="0">
+                <a:hlinkClick r:id="rId2"/>
+              </a:rPr>
+              <a:t>https://github.com/ckiefriter1/Java-Code-Examples/tree/main/src/exceptions</a:t>
+            </a:r>
+            <a:endParaRPr lang="en-US" dirty="0"/>
           </a:p>
         </p:txBody>
       </p:sp>
     </p:spTree>
     <p:extLst>
       <p:ext uri="{BB962C8B-B14F-4D97-AF65-F5344CB8AC3E}">
-        <p14:creationId xmlns:p14="http://schemas.microsoft.com/office/powerpoint/2010/main" val="1155090792"/>
+        <p14:creationId xmlns:p14="http://schemas.microsoft.com/office/powerpoint/2010/main" val="2285577035"/>
       </p:ext>
     </p:extLst>
   </p:cSld>
@@ -10063,8 +9796,26 @@
                 <a:effectLst/>
                 <a:latin typeface="Open Sans" panose="020B0606030504020204" pitchFamily="34" charset="0"/>
               </a:rPr>
-              <a:t>Interfaces</a:t>
-            </a:r>
+              <a:t>Catching Exceptions – try </a:t>
+            </a:r>
+            <a:r>
+              <a:rPr lang="en-US" sz="2400" b="1" dirty="0">
+                <a:solidFill>
+                  <a:srgbClr val="00B050"/>
+                </a:solidFill>
+                <a:effectLst/>
+                <a:latin typeface="Open Sans" panose="020B0606030504020204" pitchFamily="34" charset="0"/>
+                <a:sym typeface="Wingdings" panose="05000000000000000000" pitchFamily="2" charset="2"/>
+              </a:rPr>
+              <a:t> catch  finally blocks</a:t>
+            </a:r>
+            <a:endParaRPr lang="en-US" sz="2400" b="1" dirty="0">
+              <a:solidFill>
+                <a:srgbClr val="00B050"/>
+              </a:solidFill>
+              <a:effectLst/>
+              <a:latin typeface="Open Sans" panose="020B0606030504020204" pitchFamily="34" charset="0"/>
+            </a:endParaRPr>
           </a:p>
         </p:txBody>
       </p:sp>
@@ -10083,7 +9834,7 @@
         <p:spPr>
           <a:xfrm>
             <a:off x="176169" y="729420"/>
-            <a:ext cx="11931637" cy="3416320"/>
+            <a:ext cx="11931637" cy="4524315"/>
           </a:xfrm>
           <a:prstGeom prst="rect">
             <a:avLst/>
@@ -10096,6 +9847,10 @@
           </a:bodyPr>
           <a:lstStyle/>
           <a:p>
+            <a:pPr marL="285750" indent="-285750" algn="l">
+              <a:buFont typeface="Arial" panose="020B0604020202020204" pitchFamily="34" charset="0"/>
+              <a:buChar char="•"/>
+            </a:pPr>
             <a:r>
               <a:rPr lang="en-US" dirty="0">
                 <a:solidFill>
@@ -10104,78 +9859,31 @@
                   </a:schemeClr>
                 </a:solidFill>
                 <a:latin typeface="Open Sans" panose="020B0606030504020204" pitchFamily="34" charset="0"/>
-                <a:ea typeface="Open Sans" panose="020B0606030504020204" pitchFamily="34" charset="0"/>
-                <a:cs typeface="Open Sans" panose="020B0606030504020204" pitchFamily="34" charset="0"/>
-              </a:rPr>
-              <a:t>What Is an Interface?</a:t>
-            </a:r>
-          </a:p>
-          <a:p>
-            <a:r>
-              <a:rPr lang="en-US" dirty="0">
+              </a:rPr>
+              <a:t>Y</a:t>
+            </a:r>
+            <a:r>
+              <a:rPr lang="en-US" b="0" i="0" dirty="0">
+                <a:solidFill>
+                  <a:schemeClr val="tx1">
+                    <a:lumMod val="85000"/>
+                  </a:schemeClr>
+                </a:solidFill>
+                <a:effectLst/>
+                <a:latin typeface="Open Sans" panose="020B0606030504020204" pitchFamily="34" charset="0"/>
+              </a:rPr>
+              <a:t>ou can use a </a:t>
+            </a:r>
+            <a:r>
+              <a:rPr lang="en-US" b="0" i="0" dirty="0">
                 <a:solidFill>
                   <a:srgbClr val="00B0F0"/>
                 </a:solidFill>
-                <a:latin typeface="Open Sans" panose="020B0606030504020204" pitchFamily="34" charset="0"/>
-                <a:ea typeface="Open Sans" panose="020B0606030504020204" pitchFamily="34" charset="0"/>
-                <a:cs typeface="Open Sans" panose="020B0606030504020204" pitchFamily="34" charset="0"/>
-              </a:rPr>
-              <a:t>An interface is a contract between a class and the outside world. </a:t>
-            </a:r>
-            <a:r>
-              <a:rPr lang="en-US" dirty="0">
-                <a:solidFill>
-                  <a:schemeClr val="tx1">
-                    <a:lumMod val="85000"/>
-                  </a:schemeClr>
-                </a:solidFill>
-                <a:latin typeface="Open Sans" panose="020B0606030504020204" pitchFamily="34" charset="0"/>
-                <a:ea typeface="Open Sans" panose="020B0606030504020204" pitchFamily="34" charset="0"/>
-                <a:cs typeface="Open Sans" panose="020B0606030504020204" pitchFamily="34" charset="0"/>
-              </a:rPr>
-              <a:t>When a class implements an interface, it promises to provide the behavior published by that interface</a:t>
-            </a:r>
-          </a:p>
-          <a:p>
-            <a:endParaRPr lang="en-US" dirty="0">
-              <a:solidFill>
-                <a:schemeClr val="tx1">
-                  <a:lumMod val="85000"/>
-                </a:schemeClr>
-              </a:solidFill>
-              <a:latin typeface="Open Sans" panose="020B0606030504020204" pitchFamily="34" charset="0"/>
-              <a:ea typeface="Open Sans" panose="020B0606030504020204" pitchFamily="34" charset="0"/>
-              <a:cs typeface="Open Sans" panose="020B0606030504020204" pitchFamily="34" charset="0"/>
-            </a:endParaRPr>
-          </a:p>
-          <a:p>
-            <a:r>
-              <a:rPr lang="en-US" dirty="0">
-                <a:solidFill>
-                  <a:schemeClr val="tx1">
-                    <a:lumMod val="85000"/>
-                  </a:schemeClr>
-                </a:solidFill>
-                <a:latin typeface="Open Sans" panose="020B0606030504020204" pitchFamily="34" charset="0"/>
-                <a:ea typeface="Open Sans" panose="020B0606030504020204" pitchFamily="34" charset="0"/>
-                <a:cs typeface="Open Sans" panose="020B0606030504020204" pitchFamily="34" charset="0"/>
-              </a:rPr>
-              <a:t>An interface is a completely "abstract class" that is used to group related methods with empty bodies:</a:t>
-            </a:r>
-          </a:p>
-          <a:p>
-            <a:endParaRPr lang="en-US" dirty="0">
-              <a:solidFill>
-                <a:schemeClr val="tx1">
-                  <a:lumMod val="85000"/>
-                </a:schemeClr>
-              </a:solidFill>
-              <a:latin typeface="Open Sans" panose="020B0606030504020204" pitchFamily="34" charset="0"/>
-              <a:ea typeface="Open Sans" panose="020B0606030504020204" pitchFamily="34" charset="0"/>
-              <a:cs typeface="Open Sans" panose="020B0606030504020204" pitchFamily="34" charset="0"/>
-            </a:endParaRPr>
-          </a:p>
-          <a:p>
+                <a:effectLst/>
+                <a:latin typeface="Open Sans" panose="020B0606030504020204" pitchFamily="34" charset="0"/>
+              </a:rPr>
+              <a:t>finally block</a:t>
+            </a:r>
             <a:r>
               <a:rPr lang="en-US" b="0" i="0" dirty="0">
                 <a:solidFill>
@@ -10185,100 +9893,15 @@
                 </a:solidFill>
                 <a:effectLst/>
                 <a:latin typeface="Open Sans" panose="020B0606030504020204" pitchFamily="34" charset="0"/>
-                <a:ea typeface="Open Sans" panose="020B0606030504020204" pitchFamily="34" charset="0"/>
-                <a:cs typeface="Open Sans" panose="020B0606030504020204" pitchFamily="34" charset="0"/>
-              </a:rPr>
-              <a:t>To access the interface methods, the interface must be "implemented" (</a:t>
-            </a:r>
-            <a:r>
-              <a:rPr lang="en-US" b="0" i="0" dirty="0" err="1">
-                <a:solidFill>
-                  <a:schemeClr val="tx1">
-                    <a:lumMod val="85000"/>
-                  </a:schemeClr>
-                </a:solidFill>
-                <a:effectLst/>
-                <a:latin typeface="Open Sans" panose="020B0606030504020204" pitchFamily="34" charset="0"/>
-                <a:ea typeface="Open Sans" panose="020B0606030504020204" pitchFamily="34" charset="0"/>
-                <a:cs typeface="Open Sans" panose="020B0606030504020204" pitchFamily="34" charset="0"/>
-              </a:rPr>
-              <a:t>kinda</a:t>
-            </a:r>
-            <a:r>
-              <a:rPr lang="en-US" b="0" i="0" dirty="0">
-                <a:solidFill>
-                  <a:schemeClr val="tx1">
-                    <a:lumMod val="85000"/>
-                  </a:schemeClr>
-                </a:solidFill>
-                <a:effectLst/>
-                <a:latin typeface="Open Sans" panose="020B0606030504020204" pitchFamily="34" charset="0"/>
-                <a:ea typeface="Open Sans" panose="020B0606030504020204" pitchFamily="34" charset="0"/>
-                <a:cs typeface="Open Sans" panose="020B0606030504020204" pitchFamily="34" charset="0"/>
-              </a:rPr>
-              <a:t> like inherited) by another class with the implements keyword (instead of extends). The </a:t>
-            </a:r>
-            <a:r>
-              <a:rPr lang="en-US" b="0" i="0" dirty="0">
-                <a:solidFill>
-                  <a:srgbClr val="00B0F0"/>
-                </a:solidFill>
-                <a:effectLst/>
-                <a:latin typeface="Open Sans" panose="020B0606030504020204" pitchFamily="34" charset="0"/>
-                <a:ea typeface="Open Sans" panose="020B0606030504020204" pitchFamily="34" charset="0"/>
-                <a:cs typeface="Open Sans" panose="020B0606030504020204" pitchFamily="34" charset="0"/>
-              </a:rPr>
-              <a:t>body of the interface method is provided by the "implemented" class</a:t>
-            </a:r>
-          </a:p>
-          <a:p>
-            <a:endParaRPr lang="en-US" dirty="0">
-              <a:solidFill>
-                <a:srgbClr val="00B0F0"/>
-              </a:solidFill>
-              <a:latin typeface="Open Sans" panose="020B0606030504020204" pitchFamily="34" charset="0"/>
-              <a:ea typeface="Open Sans" panose="020B0606030504020204" pitchFamily="34" charset="0"/>
-              <a:cs typeface="Open Sans" panose="020B0606030504020204" pitchFamily="34" charset="0"/>
-            </a:endParaRPr>
-          </a:p>
-          <a:p>
-            <a:r>
-              <a:rPr lang="en-US" b="0" i="0" dirty="0">
-                <a:solidFill>
-                  <a:srgbClr val="00B0F0"/>
-                </a:solidFill>
-                <a:effectLst/>
-                <a:latin typeface="Open Sans" panose="020B0606030504020204" pitchFamily="34" charset="0"/>
-                <a:ea typeface="Open Sans" panose="020B0606030504020204" pitchFamily="34" charset="0"/>
-                <a:cs typeface="Open Sans" panose="020B0606030504020204" pitchFamily="34" charset="0"/>
-              </a:rPr>
-              <a:t>Classes can implement </a:t>
-            </a:r>
-            <a:r>
-              <a:rPr lang="en-US" b="0" i="0">
-                <a:solidFill>
-                  <a:srgbClr val="00B0F0"/>
-                </a:solidFill>
-                <a:effectLst/>
-                <a:latin typeface="Open Sans" panose="020B0606030504020204" pitchFamily="34" charset="0"/>
-                <a:ea typeface="Open Sans" panose="020B0606030504020204" pitchFamily="34" charset="0"/>
-                <a:cs typeface="Open Sans" panose="020B0606030504020204" pitchFamily="34" charset="0"/>
-              </a:rPr>
-              <a:t>multiple interfaces</a:t>
-            </a:r>
-            <a:endParaRPr lang="en-US" b="0" i="0" dirty="0">
-              <a:solidFill>
-                <a:schemeClr val="tx1">
-                  <a:lumMod val="85000"/>
-                </a:schemeClr>
-              </a:solidFill>
-              <a:effectLst/>
-              <a:latin typeface="Open Sans" panose="020B0606030504020204" pitchFamily="34" charset="0"/>
-              <a:ea typeface="Open Sans" panose="020B0606030504020204" pitchFamily="34" charset="0"/>
-              <a:cs typeface="Open Sans" panose="020B0606030504020204" pitchFamily="34" charset="0"/>
-            </a:endParaRPr>
-          </a:p>
-          <a:p>
+              </a:rPr>
+              <a:t> to ensure that a resource is closed regardless of whether the try statement completes normally or abruptly. The following example uses a finally block instead of a try-with-resources statement:</a:t>
+            </a:r>
+          </a:p>
+          <a:p>
+            <a:pPr marL="285750" indent="-285750" algn="l">
+              <a:buFont typeface="Arial" panose="020B0604020202020204" pitchFamily="34" charset="0"/>
+              <a:buChar char="•"/>
+            </a:pPr>
             <a:endParaRPr lang="en-US" b="0" i="0" dirty="0">
               <a:solidFill>
                 <a:schemeClr val="tx1">
@@ -10289,50 +9912,521 @@
               <a:latin typeface="Open Sans" panose="020B0606030504020204" pitchFamily="34" charset="0"/>
             </a:endParaRPr>
           </a:p>
-        </p:txBody>
-      </p:sp>
-      <p:sp>
-        <p:nvSpPr>
-          <p:cNvPr id="5" name="TextBox 4">
-            <a:extLst>
-              <a:ext uri="{FF2B5EF4-FFF2-40B4-BE49-F238E27FC236}">
-                <a16:creationId xmlns:a16="http://schemas.microsoft.com/office/drawing/2014/main" id="{20F6CBEF-9110-814A-F1E8-8EDD591B1904}"/>
-              </a:ext>
-            </a:extLst>
-          </p:cNvPr>
-          <p:cNvSpPr txBox="1"/>
-          <p:nvPr/>
-        </p:nvSpPr>
-        <p:spPr>
-          <a:xfrm>
-            <a:off x="4698072" y="6345767"/>
-            <a:ext cx="7333507" cy="369332"/>
-          </a:xfrm>
-          <a:prstGeom prst="rect">
-            <a:avLst/>
-          </a:prstGeom>
-          <a:noFill/>
-        </p:spPr>
-        <p:txBody>
-          <a:bodyPr wrap="square">
-            <a:spAutoFit/>
-          </a:bodyPr>
-          <a:lstStyle/>
-          <a:p>
+          <a:p>
+            <a:pPr algn="l"/>
+            <a:r>
+              <a:rPr lang="en-US" b="0" i="0" dirty="0">
+                <a:solidFill>
+                  <a:schemeClr val="tx1">
+                    <a:lumMod val="85000"/>
+                  </a:schemeClr>
+                </a:solidFill>
+                <a:effectLst/>
+                <a:latin typeface="Open Sans" panose="020B0606030504020204" pitchFamily="34" charset="0"/>
+              </a:rPr>
+              <a:t>   static String </a:t>
+            </a:r>
+            <a:r>
+              <a:rPr lang="en-US" b="0" i="0" dirty="0" err="1">
+                <a:solidFill>
+                  <a:schemeClr val="tx1">
+                    <a:lumMod val="85000"/>
+                  </a:schemeClr>
+                </a:solidFill>
+                <a:effectLst/>
+                <a:latin typeface="Open Sans" panose="020B0606030504020204" pitchFamily="34" charset="0"/>
+              </a:rPr>
+              <a:t>readFirstLineFromFileWithFinallyBlock</a:t>
+            </a:r>
+            <a:r>
+              <a:rPr lang="en-US" b="0" i="0" dirty="0">
+                <a:solidFill>
+                  <a:schemeClr val="tx1">
+                    <a:lumMod val="85000"/>
+                  </a:schemeClr>
+                </a:solidFill>
+                <a:effectLst/>
+                <a:latin typeface="Open Sans" panose="020B0606030504020204" pitchFamily="34" charset="0"/>
+              </a:rPr>
+              <a:t>(String path) throws </a:t>
+            </a:r>
+            <a:r>
+              <a:rPr lang="en-US" b="0" i="0" dirty="0" err="1">
+                <a:solidFill>
+                  <a:schemeClr val="tx1">
+                    <a:lumMod val="85000"/>
+                  </a:schemeClr>
+                </a:solidFill>
+                <a:effectLst/>
+                <a:latin typeface="Open Sans" panose="020B0606030504020204" pitchFamily="34" charset="0"/>
+              </a:rPr>
+              <a:t>IOException</a:t>
+            </a:r>
+            <a:r>
+              <a:rPr lang="en-US" b="0" i="0" dirty="0">
+                <a:solidFill>
+                  <a:schemeClr val="tx1">
+                    <a:lumMod val="85000"/>
+                  </a:schemeClr>
+                </a:solidFill>
+                <a:effectLst/>
+                <a:latin typeface="Open Sans" panose="020B0606030504020204" pitchFamily="34" charset="0"/>
+              </a:rPr>
+              <a:t> {</a:t>
+            </a:r>
+          </a:p>
+          <a:p>
+            <a:pPr algn="l"/>
+            <a:r>
+              <a:rPr lang="en-US" b="0" i="0" dirty="0">
+                <a:solidFill>
+                  <a:schemeClr val="tx1">
+                    <a:lumMod val="85000"/>
+                  </a:schemeClr>
+                </a:solidFill>
+                <a:effectLst/>
+                <a:latin typeface="Open Sans" panose="020B0606030504020204" pitchFamily="34" charset="0"/>
+              </a:rPr>
+              <a:t>	</a:t>
+            </a:r>
+            <a:r>
+              <a:rPr lang="en-US" b="0" i="0" dirty="0" err="1">
+                <a:solidFill>
+                  <a:schemeClr val="tx1">
+                    <a:lumMod val="85000"/>
+                  </a:schemeClr>
+                </a:solidFill>
+                <a:effectLst/>
+                <a:latin typeface="Open Sans" panose="020B0606030504020204" pitchFamily="34" charset="0"/>
+              </a:rPr>
+              <a:t>FileReader</a:t>
+            </a:r>
+            <a:r>
+              <a:rPr lang="en-US" b="0" i="0" dirty="0">
+                <a:solidFill>
+                  <a:schemeClr val="tx1">
+                    <a:lumMod val="85000"/>
+                  </a:schemeClr>
+                </a:solidFill>
+                <a:effectLst/>
+                <a:latin typeface="Open Sans" panose="020B0606030504020204" pitchFamily="34" charset="0"/>
+              </a:rPr>
+              <a:t> </a:t>
+            </a:r>
+            <a:r>
+              <a:rPr lang="en-US" b="0" i="0" dirty="0" err="1">
+                <a:solidFill>
+                  <a:schemeClr val="tx1">
+                    <a:lumMod val="85000"/>
+                  </a:schemeClr>
+                </a:solidFill>
+                <a:effectLst/>
+                <a:latin typeface="Open Sans" panose="020B0606030504020204" pitchFamily="34" charset="0"/>
+              </a:rPr>
+              <a:t>fr</a:t>
+            </a:r>
+            <a:r>
+              <a:rPr lang="en-US" b="0" i="0" dirty="0">
+                <a:solidFill>
+                  <a:schemeClr val="tx1">
+                    <a:lumMod val="85000"/>
+                  </a:schemeClr>
+                </a:solidFill>
+                <a:effectLst/>
+                <a:latin typeface="Open Sans" panose="020B0606030504020204" pitchFamily="34" charset="0"/>
+              </a:rPr>
+              <a:t> = new </a:t>
+            </a:r>
+            <a:r>
+              <a:rPr lang="en-US" b="0" i="0" dirty="0" err="1">
+                <a:solidFill>
+                  <a:schemeClr val="tx1">
+                    <a:lumMod val="85000"/>
+                  </a:schemeClr>
+                </a:solidFill>
+                <a:effectLst/>
+                <a:latin typeface="Open Sans" panose="020B0606030504020204" pitchFamily="34" charset="0"/>
+              </a:rPr>
+              <a:t>FileReader</a:t>
+            </a:r>
+            <a:r>
+              <a:rPr lang="en-US" b="0" i="0" dirty="0">
+                <a:solidFill>
+                  <a:schemeClr val="tx1">
+                    <a:lumMod val="85000"/>
+                  </a:schemeClr>
+                </a:solidFill>
+                <a:effectLst/>
+                <a:latin typeface="Open Sans" panose="020B0606030504020204" pitchFamily="34" charset="0"/>
+              </a:rPr>
+              <a:t>(path);</a:t>
+            </a:r>
+          </a:p>
+          <a:p>
+            <a:pPr algn="l"/>
             <a:r>
               <a:rPr lang="en-US" dirty="0">
-                <a:hlinkClick r:id="rId2"/>
-              </a:rPr>
-              <a:t>https://github.com/ckiefriter1/Java-Code-Examples/tree/main/src/interfaces</a:t>
-            </a:r>
-            <a:endParaRPr lang="en-US" dirty="0"/>
+                <a:solidFill>
+                  <a:schemeClr val="tx1">
+                    <a:lumMod val="85000"/>
+                  </a:schemeClr>
+                </a:solidFill>
+                <a:latin typeface="Open Sans" panose="020B0606030504020204" pitchFamily="34" charset="0"/>
+              </a:rPr>
+              <a:t>	</a:t>
+            </a:r>
+            <a:r>
+              <a:rPr lang="en-US" b="0" i="0" dirty="0" err="1">
+                <a:solidFill>
+                  <a:schemeClr val="tx1">
+                    <a:lumMod val="85000"/>
+                  </a:schemeClr>
+                </a:solidFill>
+                <a:effectLst/>
+                <a:latin typeface="Open Sans" panose="020B0606030504020204" pitchFamily="34" charset="0"/>
+              </a:rPr>
+              <a:t>BufferedReader</a:t>
+            </a:r>
+            <a:r>
+              <a:rPr lang="en-US" b="0" i="0" dirty="0">
+                <a:solidFill>
+                  <a:schemeClr val="tx1">
+                    <a:lumMod val="85000"/>
+                  </a:schemeClr>
+                </a:solidFill>
+                <a:effectLst/>
+                <a:latin typeface="Open Sans" panose="020B0606030504020204" pitchFamily="34" charset="0"/>
+              </a:rPr>
+              <a:t> </a:t>
+            </a:r>
+            <a:r>
+              <a:rPr lang="en-US" b="0" i="0" dirty="0" err="1">
+                <a:solidFill>
+                  <a:schemeClr val="tx1">
+                    <a:lumMod val="85000"/>
+                  </a:schemeClr>
+                </a:solidFill>
+                <a:effectLst/>
+                <a:latin typeface="Open Sans" panose="020B0606030504020204" pitchFamily="34" charset="0"/>
+              </a:rPr>
+              <a:t>br</a:t>
+            </a:r>
+            <a:r>
+              <a:rPr lang="en-US" b="0" i="0" dirty="0">
+                <a:solidFill>
+                  <a:schemeClr val="tx1">
+                    <a:lumMod val="85000"/>
+                  </a:schemeClr>
+                </a:solidFill>
+                <a:effectLst/>
+                <a:latin typeface="Open Sans" panose="020B0606030504020204" pitchFamily="34" charset="0"/>
+              </a:rPr>
+              <a:t> = new </a:t>
+            </a:r>
+            <a:r>
+              <a:rPr lang="en-US" b="0" i="0" dirty="0" err="1">
+                <a:solidFill>
+                  <a:schemeClr val="tx1">
+                    <a:lumMod val="85000"/>
+                  </a:schemeClr>
+                </a:solidFill>
+                <a:effectLst/>
+                <a:latin typeface="Open Sans" panose="020B0606030504020204" pitchFamily="34" charset="0"/>
+              </a:rPr>
+              <a:t>BufferedReader</a:t>
+            </a:r>
+            <a:r>
+              <a:rPr lang="en-US" b="0" i="0" dirty="0">
+                <a:solidFill>
+                  <a:schemeClr val="tx1">
+                    <a:lumMod val="85000"/>
+                  </a:schemeClr>
+                </a:solidFill>
+                <a:effectLst/>
+                <a:latin typeface="Open Sans" panose="020B0606030504020204" pitchFamily="34" charset="0"/>
+              </a:rPr>
+              <a:t>(</a:t>
+            </a:r>
+            <a:r>
+              <a:rPr lang="en-US" b="0" i="0" dirty="0" err="1">
+                <a:solidFill>
+                  <a:schemeClr val="tx1">
+                    <a:lumMod val="85000"/>
+                  </a:schemeClr>
+                </a:solidFill>
+                <a:effectLst/>
+                <a:latin typeface="Open Sans" panose="020B0606030504020204" pitchFamily="34" charset="0"/>
+              </a:rPr>
+              <a:t>fr</a:t>
+            </a:r>
+            <a:r>
+              <a:rPr lang="en-US" b="0" i="0" dirty="0">
+                <a:solidFill>
+                  <a:schemeClr val="tx1">
+                    <a:lumMod val="85000"/>
+                  </a:schemeClr>
+                </a:solidFill>
+                <a:effectLst/>
+                <a:latin typeface="Open Sans" panose="020B0606030504020204" pitchFamily="34" charset="0"/>
+              </a:rPr>
+              <a:t>);</a:t>
+            </a:r>
+          </a:p>
+          <a:p>
+            <a:pPr algn="l"/>
+            <a:r>
+              <a:rPr lang="en-US" dirty="0">
+                <a:solidFill>
+                  <a:schemeClr val="tx1">
+                    <a:lumMod val="85000"/>
+                  </a:schemeClr>
+                </a:solidFill>
+                <a:latin typeface="Open Sans" panose="020B0606030504020204" pitchFamily="34" charset="0"/>
+              </a:rPr>
+              <a:t>	</a:t>
+            </a:r>
+            <a:r>
+              <a:rPr lang="en-US" b="0" i="0" dirty="0">
+                <a:solidFill>
+                  <a:schemeClr val="tx1">
+                    <a:lumMod val="85000"/>
+                  </a:schemeClr>
+                </a:solidFill>
+                <a:effectLst/>
+                <a:latin typeface="Open Sans" panose="020B0606030504020204" pitchFamily="34" charset="0"/>
+              </a:rPr>
+              <a:t>try {</a:t>
+            </a:r>
+          </a:p>
+          <a:p>
+            <a:pPr algn="l"/>
+            <a:r>
+              <a:rPr lang="en-US" dirty="0">
+                <a:solidFill>
+                  <a:schemeClr val="tx1">
+                    <a:lumMod val="85000"/>
+                  </a:schemeClr>
+                </a:solidFill>
+                <a:latin typeface="Open Sans" panose="020B0606030504020204" pitchFamily="34" charset="0"/>
+              </a:rPr>
+              <a:t>	   </a:t>
+            </a:r>
+            <a:r>
+              <a:rPr lang="en-US" b="0" i="0" dirty="0">
+                <a:solidFill>
+                  <a:schemeClr val="tx1">
+                    <a:lumMod val="85000"/>
+                  </a:schemeClr>
+                </a:solidFill>
+                <a:effectLst/>
+                <a:latin typeface="Open Sans" panose="020B0606030504020204" pitchFamily="34" charset="0"/>
+              </a:rPr>
+              <a:t>return </a:t>
+            </a:r>
+            <a:r>
+              <a:rPr lang="en-US" b="0" i="0" dirty="0" err="1">
+                <a:solidFill>
+                  <a:schemeClr val="tx1">
+                    <a:lumMod val="85000"/>
+                  </a:schemeClr>
+                </a:solidFill>
+                <a:effectLst/>
+                <a:latin typeface="Open Sans" panose="020B0606030504020204" pitchFamily="34" charset="0"/>
+              </a:rPr>
+              <a:t>br.readLine</a:t>
+            </a:r>
+            <a:r>
+              <a:rPr lang="en-US" b="0" i="0" dirty="0">
+                <a:solidFill>
+                  <a:schemeClr val="tx1">
+                    <a:lumMod val="85000"/>
+                  </a:schemeClr>
+                </a:solidFill>
+                <a:effectLst/>
+                <a:latin typeface="Open Sans" panose="020B0606030504020204" pitchFamily="34" charset="0"/>
+              </a:rPr>
+              <a:t>();</a:t>
+            </a:r>
+          </a:p>
+          <a:p>
+            <a:pPr algn="l"/>
+            <a:r>
+              <a:rPr lang="en-US" dirty="0">
+                <a:solidFill>
+                  <a:schemeClr val="tx1">
+                    <a:lumMod val="85000"/>
+                  </a:schemeClr>
+                </a:solidFill>
+                <a:latin typeface="Open Sans" panose="020B0606030504020204" pitchFamily="34" charset="0"/>
+              </a:rPr>
+              <a:t>	</a:t>
+            </a:r>
+            <a:r>
+              <a:rPr lang="en-US" b="0" i="0" dirty="0">
+                <a:solidFill>
+                  <a:schemeClr val="tx1">
+                    <a:lumMod val="85000"/>
+                  </a:schemeClr>
+                </a:solidFill>
+                <a:effectLst/>
+                <a:latin typeface="Open Sans" panose="020B0606030504020204" pitchFamily="34" charset="0"/>
+              </a:rPr>
+              <a:t>} finally {</a:t>
+            </a:r>
+          </a:p>
+          <a:p>
+            <a:pPr algn="l"/>
+            <a:r>
+              <a:rPr lang="en-US" dirty="0">
+                <a:solidFill>
+                  <a:schemeClr val="tx1">
+                    <a:lumMod val="85000"/>
+                  </a:schemeClr>
+                </a:solidFill>
+                <a:latin typeface="Open Sans" panose="020B0606030504020204" pitchFamily="34" charset="0"/>
+              </a:rPr>
+              <a:t>	   </a:t>
+            </a:r>
+            <a:r>
+              <a:rPr lang="en-US" b="0" i="0" dirty="0" err="1">
+                <a:solidFill>
+                  <a:schemeClr val="tx1">
+                    <a:lumMod val="85000"/>
+                  </a:schemeClr>
+                </a:solidFill>
+                <a:effectLst/>
+                <a:latin typeface="Open Sans" panose="020B0606030504020204" pitchFamily="34" charset="0"/>
+              </a:rPr>
+              <a:t>br.close</a:t>
+            </a:r>
+            <a:r>
+              <a:rPr lang="en-US" b="0" i="0" dirty="0">
+                <a:solidFill>
+                  <a:schemeClr val="tx1">
+                    <a:lumMod val="85000"/>
+                  </a:schemeClr>
+                </a:solidFill>
+                <a:effectLst/>
+                <a:latin typeface="Open Sans" panose="020B0606030504020204" pitchFamily="34" charset="0"/>
+              </a:rPr>
+              <a:t>();</a:t>
+            </a:r>
+          </a:p>
+          <a:p>
+            <a:pPr algn="l"/>
+            <a:r>
+              <a:rPr lang="en-US" dirty="0">
+                <a:solidFill>
+                  <a:schemeClr val="tx1">
+                    <a:lumMod val="85000"/>
+                  </a:schemeClr>
+                </a:solidFill>
+                <a:latin typeface="Open Sans" panose="020B0606030504020204" pitchFamily="34" charset="0"/>
+              </a:rPr>
+              <a:t>	   </a:t>
+            </a:r>
+            <a:r>
+              <a:rPr lang="en-US" b="0" i="0" dirty="0" err="1">
+                <a:solidFill>
+                  <a:schemeClr val="tx1">
+                    <a:lumMod val="85000"/>
+                  </a:schemeClr>
+                </a:solidFill>
+                <a:effectLst/>
+                <a:latin typeface="Open Sans" panose="020B0606030504020204" pitchFamily="34" charset="0"/>
+              </a:rPr>
+              <a:t>fr.close</a:t>
+            </a:r>
+            <a:r>
+              <a:rPr lang="en-US" b="0" i="0" dirty="0">
+                <a:solidFill>
+                  <a:schemeClr val="tx1">
+                    <a:lumMod val="85000"/>
+                  </a:schemeClr>
+                </a:solidFill>
+                <a:effectLst/>
+                <a:latin typeface="Open Sans" panose="020B0606030504020204" pitchFamily="34" charset="0"/>
+              </a:rPr>
+              <a:t>();</a:t>
+            </a:r>
+          </a:p>
+          <a:p>
+            <a:pPr algn="l"/>
+            <a:r>
+              <a:rPr lang="en-US" dirty="0">
+                <a:solidFill>
+                  <a:schemeClr val="tx1">
+                    <a:lumMod val="85000"/>
+                  </a:schemeClr>
+                </a:solidFill>
+                <a:latin typeface="Open Sans" panose="020B0606030504020204" pitchFamily="34" charset="0"/>
+              </a:rPr>
+              <a:t>	</a:t>
+            </a:r>
+            <a:r>
+              <a:rPr lang="en-US" b="0" i="0" dirty="0">
+                <a:solidFill>
+                  <a:schemeClr val="tx1">
+                    <a:lumMod val="85000"/>
+                  </a:schemeClr>
+                </a:solidFill>
+                <a:effectLst/>
+                <a:latin typeface="Open Sans" panose="020B0606030504020204" pitchFamily="34" charset="0"/>
+              </a:rPr>
+              <a:t>}</a:t>
+            </a:r>
+          </a:p>
+          <a:p>
+            <a:pPr algn="l"/>
+            <a:r>
+              <a:rPr lang="en-US" b="0" i="0" dirty="0">
+                <a:solidFill>
+                  <a:schemeClr val="tx1">
+                    <a:lumMod val="85000"/>
+                  </a:schemeClr>
+                </a:solidFill>
+                <a:effectLst/>
+                <a:latin typeface="Open Sans" panose="020B0606030504020204" pitchFamily="34" charset="0"/>
+              </a:rPr>
+              <a:t>   }</a:t>
+            </a:r>
+          </a:p>
+          <a:p>
+            <a:pPr marL="285750" indent="-285750" algn="l">
+              <a:buFont typeface="Arial" panose="020B0604020202020204" pitchFamily="34" charset="0"/>
+              <a:buChar char="•"/>
+            </a:pPr>
+            <a:endParaRPr lang="en-US" b="0" i="0" dirty="0">
+              <a:solidFill>
+                <a:schemeClr val="tx1">
+                  <a:lumMod val="85000"/>
+                </a:schemeClr>
+              </a:solidFill>
+              <a:effectLst/>
+              <a:latin typeface="Open Sans" panose="020B0606030504020204" pitchFamily="34" charset="0"/>
+            </a:endParaRPr>
+          </a:p>
+          <a:p>
+            <a:pPr marL="285750" indent="-285750" algn="l">
+              <a:buFont typeface="Arial" panose="020B0604020202020204" pitchFamily="34" charset="0"/>
+              <a:buChar char="•"/>
+            </a:pPr>
+            <a:endParaRPr lang="en-US" b="0" i="0" dirty="0">
+              <a:solidFill>
+                <a:schemeClr val="tx1">
+                  <a:lumMod val="85000"/>
+                </a:schemeClr>
+              </a:solidFill>
+              <a:effectLst/>
+              <a:latin typeface="Open Sans" panose="020B0606030504020204" pitchFamily="34" charset="0"/>
+            </a:endParaRPr>
           </a:p>
         </p:txBody>
       </p:sp>
     </p:spTree>
     <p:extLst>
       <p:ext uri="{BB962C8B-B14F-4D97-AF65-F5344CB8AC3E}">
-        <p14:creationId xmlns:p14="http://schemas.microsoft.com/office/powerpoint/2010/main" val="3827704663"/>
+        <p14:creationId xmlns:p14="http://schemas.microsoft.com/office/powerpoint/2010/main" val="3976039359"/>
       </p:ext>
     </p:extLst>
   </p:cSld>
@@ -13510,7 +13604,29 @@
                 <a:ea typeface="Open Sans" panose="020B0606030504020204" pitchFamily="34" charset="0"/>
                 <a:cs typeface="Open Sans" panose="020B0606030504020204" pitchFamily="34" charset="0"/>
               </a:rPr>
-              <a:t>class that can not be initiated by itself</a:t>
+              <a:t>class that can not be </a:t>
+            </a:r>
+            <a:r>
+              <a:rPr lang="en-US" dirty="0" err="1">
+                <a:solidFill>
+                  <a:srgbClr val="00B0F0"/>
+                </a:solidFill>
+                <a:latin typeface="Open Sans" panose="020B0606030504020204" pitchFamily="34" charset="0"/>
+                <a:ea typeface="Open Sans" panose="020B0606030504020204" pitchFamily="34" charset="0"/>
+                <a:cs typeface="Open Sans" panose="020B0606030504020204" pitchFamily="34" charset="0"/>
+              </a:rPr>
+              <a:t>instanitiated</a:t>
+            </a:r>
+            <a:r>
+              <a:rPr lang="en-US" dirty="0">
+                <a:solidFill>
+                  <a:srgbClr val="00B0F0"/>
+                </a:solidFill>
+                <a:latin typeface="Open Sans" panose="020B0606030504020204" pitchFamily="34" charset="0"/>
+                <a:ea typeface="Open Sans" panose="020B0606030504020204" pitchFamily="34" charset="0"/>
+                <a:cs typeface="Open Sans" panose="020B0606030504020204" pitchFamily="34" charset="0"/>
+              </a:rPr>
+              <a:t> by itself</a:t>
             </a:r>
             <a:r>
               <a:rPr lang="en-US" dirty="0">
@@ -13986,59 +14102,12 @@
           <a:chExt cx="0" cy="0"/>
         </a:xfrm>
       </p:grpSpPr>
-      <p:pic>
-        <p:nvPicPr>
-          <p:cNvPr id="1026" name="Picture 2" descr="Image">
+      <p:sp>
+        <p:nvSpPr>
+          <p:cNvPr id="3" name="TextBox 2">
             <a:extLst>
               <a:ext uri="{FF2B5EF4-FFF2-40B4-BE49-F238E27FC236}">
-                <a16:creationId xmlns:a16="http://schemas.microsoft.com/office/drawing/2014/main" id="{3C8CE67A-36E1-5A09-D74F-A2C8E212977E}"/>
-              </a:ext>
-            </a:extLst>
-          </p:cNvPr>
-          <p:cNvPicPr>
-            <a:picLocks noChangeAspect="1" noChangeArrowheads="1"/>
-          </p:cNvPicPr>
-          <p:nvPr/>
-        </p:nvPicPr>
-        <p:blipFill>
-          <a:blip r:embed="rId2">
-            <a:extLst>
-              <a:ext uri="{28A0092B-C50C-407E-A947-70E740481C1C}">
-                <a14:useLocalDpi xmlns:a14="http://schemas.microsoft.com/office/drawing/2010/main" val="0"/>
-              </a:ext>
-            </a:extLst>
-          </a:blip>
-          <a:srcRect/>
-          <a:stretch>
-            <a:fillRect/>
-          </a:stretch>
-        </p:blipFill>
-        <p:spPr bwMode="auto">
-          <a:xfrm>
-            <a:off x="3921870" y="0"/>
-            <a:ext cx="6858000" cy="6858000"/>
-          </a:xfrm>
-          <a:prstGeom prst="rect">
-            <a:avLst/>
-          </a:prstGeom>
-          <a:noFill/>
-          <a:extLst>
-            <a:ext uri="{909E8E84-426E-40DD-AFC4-6F175D3DCCD1}">
-              <a14:hiddenFill xmlns:a14="http://schemas.microsoft.com/office/drawing/2010/main">
-                <a:solidFill>
-                  <a:srgbClr val="FFFFFF"/>
-                </a:solidFill>
-              </a14:hiddenFill>
-            </a:ext>
-          </a:extLst>
-        </p:spPr>
-      </p:pic>
-      <p:sp>
-        <p:nvSpPr>
-          <p:cNvPr id="2" name="TextBox 1">
-            <a:extLst>
-              <a:ext uri="{FF2B5EF4-FFF2-40B4-BE49-F238E27FC236}">
-                <a16:creationId xmlns:a16="http://schemas.microsoft.com/office/drawing/2014/main" id="{39E1C922-B9C7-D0AD-8A67-CE620AD121BE}"/>
+                <a16:creationId xmlns:a16="http://schemas.microsoft.com/office/drawing/2014/main" id="{23DFC7E9-54DD-38D7-0B9B-D34948D68CF9}"/>
               </a:ext>
             </a:extLst>
           </p:cNvPr>
@@ -14047,8 +14116,8 @@
         </p:nvSpPr>
         <p:spPr>
           <a:xfrm>
-            <a:off x="216335" y="31366"/>
-            <a:ext cx="7765757" cy="461665"/>
+            <a:off x="1065401" y="2618895"/>
+            <a:ext cx="9538284" cy="1015663"/>
           </a:xfrm>
           <a:prstGeom prst="rect">
             <a:avLst/>
@@ -14061,24 +14130,49 @@
           </a:bodyPr>
           <a:lstStyle/>
           <a:p>
-            <a:r>
-              <a:rPr lang="en-US" sz="2400" b="1" dirty="0">
-                <a:solidFill>
-                  <a:srgbClr val="00B050"/>
-                </a:solidFill>
-                <a:effectLst/>
-                <a:latin typeface="Open Sans" panose="020B0606030504020204" pitchFamily="34" charset="0"/>
-              </a:rPr>
-              <a:t>SOLID Principles</a:t>
-            </a:r>
-            <a:endParaRPr lang="en-US" sz="2400" dirty="0"/>
+            <a:pPr marL="0" marR="0" lvl="0" indent="0" algn="l" defTabSz="914400" rtl="0" eaLnBrk="1" fontAlgn="auto" latinLnBrk="0" hangingPunct="1">
+              <a:lnSpc>
+                <a:spcPct val="100000"/>
+              </a:lnSpc>
+              <a:spcBef>
+                <a:spcPts val="0"/>
+              </a:spcBef>
+              <a:spcAft>
+                <a:spcPts val="0"/>
+              </a:spcAft>
+              <a:buClrTx/>
+              <a:buSzTx/>
+              <a:buFontTx/>
+              <a:buNone/>
+              <a:tabLst/>
+              <a:defRPr/>
+            </a:pPr>
+            <a:r>
+              <a:rPr kumimoji="0" lang="en-US" sz="6000" b="0" i="0" u="none" strike="noStrike" kern="1200" cap="none" spc="0" normalizeH="0" baseline="0" noProof="0" dirty="0">
+                <a:ln>
+                  <a:noFill/>
+                </a:ln>
+                <a:solidFill>
+                  <a:prstClr val="white">
+                    <a:lumMod val="75000"/>
+                  </a:prstClr>
+                </a:solidFill>
+                <a:effectLst/>
+                <a:uLnTx/>
+                <a:uFillTx/>
+                <a:latin typeface="Open Sans" panose="020B0606030504020204" pitchFamily="34" charset="0"/>
+                <a:ea typeface="+mn-ea"/>
+                <a:cs typeface="+mn-cs"/>
+              </a:rPr>
+              <a:t>Interfaces</a:t>
+            </a:r>
           </a:p>
         </p:txBody>
       </p:sp>
     </p:spTree>
     <p:extLst>
       <p:ext uri="{BB962C8B-B14F-4D97-AF65-F5344CB8AC3E}">
-        <p14:creationId xmlns:p14="http://schemas.microsoft.com/office/powerpoint/2010/main" val="2169686199"/>
+        <p14:creationId xmlns:p14="http://schemas.microsoft.com/office/powerpoint/2010/main" val="1155090792"/>
       </p:ext>
     </p:extLst>
   </p:cSld>

--- a/Week5/BESD Week 5.pptx
+++ b/Week5/BESD Week 5.pptx
@@ -12,21 +12,19 @@
     <p:sldId id="294" r:id="rId6"/>
     <p:sldId id="295" r:id="rId7"/>
     <p:sldId id="296" r:id="rId8"/>
-    <p:sldId id="303" r:id="rId9"/>
-    <p:sldId id="286" r:id="rId10"/>
+    <p:sldId id="286" r:id="rId9"/>
+    <p:sldId id="303" r:id="rId10"/>
     <p:sldId id="305" r:id="rId11"/>
-    <p:sldId id="306" r:id="rId12"/>
-    <p:sldId id="265" r:id="rId13"/>
-    <p:sldId id="278" r:id="rId14"/>
-    <p:sldId id="304" r:id="rId15"/>
-    <p:sldId id="297" r:id="rId16"/>
-    <p:sldId id="298" r:id="rId17"/>
-    <p:sldId id="299" r:id="rId18"/>
-    <p:sldId id="300" r:id="rId19"/>
-    <p:sldId id="301" r:id="rId20"/>
-    <p:sldId id="302" r:id="rId21"/>
-    <p:sldId id="287" r:id="rId22"/>
-    <p:sldId id="260" r:id="rId23"/>
+    <p:sldId id="265" r:id="rId12"/>
+    <p:sldId id="278" r:id="rId13"/>
+    <p:sldId id="304" r:id="rId14"/>
+    <p:sldId id="297" r:id="rId15"/>
+    <p:sldId id="298" r:id="rId16"/>
+    <p:sldId id="299" r:id="rId17"/>
+    <p:sldId id="300" r:id="rId18"/>
+    <p:sldId id="301" r:id="rId19"/>
+    <p:sldId id="306" r:id="rId20"/>
+    <p:sldId id="260" r:id="rId21"/>
   </p:sldIdLst>
   <p:sldSz cx="12192000" cy="6858000"/>
   <p:notesSz cx="6858000" cy="9144000"/>
@@ -136,6 +134,1472 @@
 <file path=ppt/changesInfos/changesInfo1.xml><?xml version="1.0" encoding="utf-8"?>
 <pc:chgInfo xmlns:a="http://schemas.openxmlformats.org/drawingml/2006/main" xmlns:r="http://schemas.openxmlformats.org/officeDocument/2006/relationships" xmlns:ac="http://schemas.microsoft.com/office/drawing/2013/main/command" xmlns:pc="http://schemas.microsoft.com/office/powerpoint/2013/main/command">
   <pc:docChgLst>
+    <pc:chgData name="Charles Kiefriter" userId="a996b49251c4dfd2" providerId="LiveId" clId="{38E1ABCE-DCED-45BB-9163-E7279FC7721B}"/>
+    <pc:docChg chg="undo custSel addSld modSld sldOrd">
+      <pc:chgData name="Charles Kiefriter" userId="a996b49251c4dfd2" providerId="LiveId" clId="{38E1ABCE-DCED-45BB-9163-E7279FC7721B}" dt="2024-01-17T00:59:33.158" v="274" actId="1037"/>
+      <pc:docMkLst>
+        <pc:docMk/>
+      </pc:docMkLst>
+      <pc:sldChg chg="addSp delSp modSp mod ord">
+        <pc:chgData name="Charles Kiefriter" userId="a996b49251c4dfd2" providerId="LiveId" clId="{38E1ABCE-DCED-45BB-9163-E7279FC7721B}" dt="2024-01-17T00:44:01.199" v="209" actId="14100"/>
+        <pc:sldMkLst>
+          <pc:docMk/>
+          <pc:sldMk cId="3551399501" sldId="303"/>
+        </pc:sldMkLst>
+        <pc:spChg chg="add mod">
+          <ac:chgData name="Charles Kiefriter" userId="a996b49251c4dfd2" providerId="LiveId" clId="{38E1ABCE-DCED-45BB-9163-E7279FC7721B}" dt="2024-01-17T00:39:36.250" v="195" actId="1076"/>
+          <ac:spMkLst>
+            <pc:docMk/>
+            <pc:sldMk cId="3551399501" sldId="303"/>
+            <ac:spMk id="2" creationId="{40346BC9-5E3A-5092-6ECC-E4E6FAE9ADAF}"/>
+          </ac:spMkLst>
+        </pc:spChg>
+        <pc:spChg chg="add mod">
+          <ac:chgData name="Charles Kiefriter" userId="a996b49251c4dfd2" providerId="LiveId" clId="{38E1ABCE-DCED-45BB-9163-E7279FC7721B}" dt="2024-01-17T00:39:36.250" v="195" actId="1076"/>
+          <ac:spMkLst>
+            <pc:docMk/>
+            <pc:sldMk cId="3551399501" sldId="303"/>
+            <ac:spMk id="3" creationId="{F19DAB60-7345-E475-248A-5DE1D69809B0}"/>
+          </ac:spMkLst>
+        </pc:spChg>
+        <pc:spChg chg="mod">
+          <ac:chgData name="Charles Kiefriter" userId="a996b49251c4dfd2" providerId="LiveId" clId="{38E1ABCE-DCED-45BB-9163-E7279FC7721B}" dt="2024-01-17T00:43:50.936" v="207" actId="1076"/>
+          <ac:spMkLst>
+            <pc:docMk/>
+            <pc:sldMk cId="3551399501" sldId="303"/>
+            <ac:spMk id="4" creationId="{C0B26727-0F97-5A73-B4ED-6BE65E07E5DB}"/>
+          </ac:spMkLst>
+        </pc:spChg>
+        <pc:spChg chg="del">
+          <ac:chgData name="Charles Kiefriter" userId="a996b49251c4dfd2" providerId="LiveId" clId="{38E1ABCE-DCED-45BB-9163-E7279FC7721B}" dt="2024-01-17T00:43:03.947" v="200" actId="478"/>
+          <ac:spMkLst>
+            <pc:docMk/>
+            <pc:sldMk cId="3551399501" sldId="303"/>
+            <ac:spMk id="5" creationId="{20F6CBEF-9110-814A-F1E8-8EDD591B1904}"/>
+          </ac:spMkLst>
+        </pc:spChg>
+        <pc:spChg chg="mod">
+          <ac:chgData name="Charles Kiefriter" userId="a996b49251c4dfd2" providerId="LiveId" clId="{38E1ABCE-DCED-45BB-9163-E7279FC7721B}" dt="2024-01-17T00:18:26.384" v="25" actId="20577"/>
+          <ac:spMkLst>
+            <pc:docMk/>
+            <pc:sldMk cId="3551399501" sldId="303"/>
+            <ac:spMk id="6" creationId="{59E906CD-110B-9D01-732C-2F21759B0265}"/>
+          </ac:spMkLst>
+        </pc:spChg>
+        <pc:spChg chg="add mod">
+          <ac:chgData name="Charles Kiefriter" userId="a996b49251c4dfd2" providerId="LiveId" clId="{38E1ABCE-DCED-45BB-9163-E7279FC7721B}" dt="2024-01-17T00:39:36.250" v="195" actId="1076"/>
+          <ac:spMkLst>
+            <pc:docMk/>
+            <pc:sldMk cId="3551399501" sldId="303"/>
+            <ac:spMk id="7" creationId="{2944939E-CE60-4E7F-459C-2B805538DC4D}"/>
+          </ac:spMkLst>
+        </pc:spChg>
+        <pc:spChg chg="add mod">
+          <ac:chgData name="Charles Kiefriter" userId="a996b49251c4dfd2" providerId="LiveId" clId="{38E1ABCE-DCED-45BB-9163-E7279FC7721B}" dt="2024-01-17T00:39:36.250" v="195" actId="1076"/>
+          <ac:spMkLst>
+            <pc:docMk/>
+            <pc:sldMk cId="3551399501" sldId="303"/>
+            <ac:spMk id="8" creationId="{34F4454C-BF01-204B-7739-7B9CDC5E6AB9}"/>
+          </ac:spMkLst>
+        </pc:spChg>
+        <pc:spChg chg="add mod">
+          <ac:chgData name="Charles Kiefriter" userId="a996b49251c4dfd2" providerId="LiveId" clId="{38E1ABCE-DCED-45BB-9163-E7279FC7721B}" dt="2024-01-17T00:39:36.250" v="195" actId="1076"/>
+          <ac:spMkLst>
+            <pc:docMk/>
+            <pc:sldMk cId="3551399501" sldId="303"/>
+            <ac:spMk id="14" creationId="{C41761B8-B7F5-0027-F883-18FD7CEF3E85}"/>
+          </ac:spMkLst>
+        </pc:spChg>
+        <pc:spChg chg="add mod">
+          <ac:chgData name="Charles Kiefriter" userId="a996b49251c4dfd2" providerId="LiveId" clId="{38E1ABCE-DCED-45BB-9163-E7279FC7721B}" dt="2024-01-17T00:43:12.024" v="203" actId="14100"/>
+          <ac:spMkLst>
+            <pc:docMk/>
+            <pc:sldMk cId="3551399501" sldId="303"/>
+            <ac:spMk id="17" creationId="{B5607AA7-C4EB-DE4A-F2F9-216914155727}"/>
+          </ac:spMkLst>
+        </pc:spChg>
+        <pc:spChg chg="add mod">
+          <ac:chgData name="Charles Kiefriter" userId="a996b49251c4dfd2" providerId="LiveId" clId="{38E1ABCE-DCED-45BB-9163-E7279FC7721B}" dt="2024-01-17T00:44:01.199" v="209" actId="14100"/>
+          <ac:spMkLst>
+            <pc:docMk/>
+            <pc:sldMk cId="3551399501" sldId="303"/>
+            <ac:spMk id="19" creationId="{A1A2E3CB-4A3B-1F6C-E6B9-A4A01B2568C2}"/>
+          </ac:spMkLst>
+        </pc:spChg>
+        <pc:cxnChg chg="add mod">
+          <ac:chgData name="Charles Kiefriter" userId="a996b49251c4dfd2" providerId="LiveId" clId="{38E1ABCE-DCED-45BB-9163-E7279FC7721B}" dt="2024-01-17T00:39:36.250" v="195" actId="1076"/>
+          <ac:cxnSpMkLst>
+            <pc:docMk/>
+            <pc:sldMk cId="3551399501" sldId="303"/>
+            <ac:cxnSpMk id="10" creationId="{E2CF2A64-E28C-F0B1-55B1-F46615CA67E0}"/>
+          </ac:cxnSpMkLst>
+        </pc:cxnChg>
+      </pc:sldChg>
+      <pc:sldChg chg="add">
+        <pc:chgData name="Charles Kiefriter" userId="a996b49251c4dfd2" providerId="LiveId" clId="{38E1ABCE-DCED-45BB-9163-E7279FC7721B}" dt="2024-01-17T00:18:14.563" v="0" actId="2890"/>
+        <pc:sldMkLst>
+          <pc:docMk/>
+          <pc:sldMk cId="3827704663" sldId="305"/>
+        </pc:sldMkLst>
+      </pc:sldChg>
+      <pc:sldChg chg="addSp delSp modSp add mod ord">
+        <pc:chgData name="Charles Kiefriter" userId="a996b49251c4dfd2" providerId="LiveId" clId="{38E1ABCE-DCED-45BB-9163-E7279FC7721B}" dt="2024-01-17T00:59:33.158" v="274" actId="1037"/>
+        <pc:sldMkLst>
+          <pc:docMk/>
+          <pc:sldMk cId="2169686199" sldId="306"/>
+        </pc:sldMkLst>
+        <pc:spChg chg="add mod">
+          <ac:chgData name="Charles Kiefriter" userId="a996b49251c4dfd2" providerId="LiveId" clId="{38E1ABCE-DCED-45BB-9163-E7279FC7721B}" dt="2024-01-17T00:59:27.811" v="243" actId="20577"/>
+          <ac:spMkLst>
+            <pc:docMk/>
+            <pc:sldMk cId="2169686199" sldId="306"/>
+            <ac:spMk id="2" creationId="{39E1C922-B9C7-D0AD-8A67-CE620AD121BE}"/>
+          </ac:spMkLst>
+        </pc:spChg>
+        <pc:spChg chg="del">
+          <ac:chgData name="Charles Kiefriter" userId="a996b49251c4dfd2" providerId="LiveId" clId="{38E1ABCE-DCED-45BB-9163-E7279FC7721B}" dt="2024-01-17T00:52:46.192" v="214" actId="478"/>
+          <ac:spMkLst>
+            <pc:docMk/>
+            <pc:sldMk cId="2169686199" sldId="306"/>
+            <ac:spMk id="4" creationId="{C0B26727-0F97-5A73-B4ED-6BE65E07E5DB}"/>
+          </ac:spMkLst>
+        </pc:spChg>
+        <pc:spChg chg="del">
+          <ac:chgData name="Charles Kiefriter" userId="a996b49251c4dfd2" providerId="LiveId" clId="{38E1ABCE-DCED-45BB-9163-E7279FC7721B}" dt="2024-01-17T00:52:44.184" v="213" actId="478"/>
+          <ac:spMkLst>
+            <pc:docMk/>
+            <pc:sldMk cId="2169686199" sldId="306"/>
+            <ac:spMk id="6" creationId="{59E906CD-110B-9D01-732C-2F21759B0265}"/>
+          </ac:spMkLst>
+        </pc:spChg>
+        <pc:picChg chg="add mod">
+          <ac:chgData name="Charles Kiefriter" userId="a996b49251c4dfd2" providerId="LiveId" clId="{38E1ABCE-DCED-45BB-9163-E7279FC7721B}" dt="2024-01-17T00:59:33.158" v="274" actId="1037"/>
+          <ac:picMkLst>
+            <pc:docMk/>
+            <pc:sldMk cId="2169686199" sldId="306"/>
+            <ac:picMk id="1026" creationId="{3C8CE67A-36E1-5A09-D74F-A2C8E212977E}"/>
+          </ac:picMkLst>
+        </pc:picChg>
+      </pc:sldChg>
+    </pc:docChg>
+  </pc:docChgLst>
+  <pc:docChgLst>
+    <pc:chgData name="Chuck Kiefriter" userId="c57348f7-b440-4861-a58f-c89f414ea74a" providerId="ADAL" clId="{C11307D8-F416-4216-B85A-47312E9494DC}"/>
+    <pc:docChg chg="undo custSel addSld delSld modSld sldOrd">
+      <pc:chgData name="Chuck Kiefriter" userId="c57348f7-b440-4861-a58f-c89f414ea74a" providerId="ADAL" clId="{C11307D8-F416-4216-B85A-47312E9494DC}" dt="2023-04-05T01:39:50.392" v="1445" actId="1076"/>
+      <pc:docMkLst>
+        <pc:docMk/>
+      </pc:docMkLst>
+      <pc:sldChg chg="delSp modSp mod">
+        <pc:chgData name="Chuck Kiefriter" userId="c57348f7-b440-4861-a58f-c89f414ea74a" providerId="ADAL" clId="{C11307D8-F416-4216-B85A-47312E9494DC}" dt="2023-04-04T22:40:58.023" v="1441" actId="20577"/>
+        <pc:sldMkLst>
+          <pc:docMk/>
+          <pc:sldMk cId="3995279466" sldId="256"/>
+        </pc:sldMkLst>
+        <pc:spChg chg="mod">
+          <ac:chgData name="Chuck Kiefriter" userId="c57348f7-b440-4861-a58f-c89f414ea74a" providerId="ADAL" clId="{C11307D8-F416-4216-B85A-47312E9494DC}" dt="2023-04-02T22:19:13.359" v="199" actId="14100"/>
+          <ac:spMkLst>
+            <pc:docMk/>
+            <pc:sldMk cId="3995279466" sldId="256"/>
+            <ac:spMk id="6" creationId="{DE3DBA5A-FA8E-46C6-1402-E5C7632F4CAD}"/>
+          </ac:spMkLst>
+        </pc:spChg>
+        <pc:spChg chg="mod">
+          <ac:chgData name="Chuck Kiefriter" userId="c57348f7-b440-4861-a58f-c89f414ea74a" providerId="ADAL" clId="{C11307D8-F416-4216-B85A-47312E9494DC}" dt="2023-04-04T22:40:58.023" v="1441" actId="20577"/>
+          <ac:spMkLst>
+            <pc:docMk/>
+            <pc:sldMk cId="3995279466" sldId="256"/>
+            <ac:spMk id="10" creationId="{EA3D5ED0-1762-C438-DD7C-B32C5582A339}"/>
+          </ac:spMkLst>
+        </pc:spChg>
+        <pc:spChg chg="del">
+          <ac:chgData name="Chuck Kiefriter" userId="c57348f7-b440-4861-a58f-c89f414ea74a" providerId="ADAL" clId="{C11307D8-F416-4216-B85A-47312E9494DC}" dt="2023-04-02T22:23:05.499" v="213" actId="478"/>
+          <ac:spMkLst>
+            <pc:docMk/>
+            <pc:sldMk cId="3995279466" sldId="256"/>
+            <ac:spMk id="11" creationId="{8C44B216-C75C-0589-1A08-E1736DCD43C5}"/>
+          </ac:spMkLst>
+        </pc:spChg>
+        <pc:picChg chg="del">
+          <ac:chgData name="Chuck Kiefriter" userId="c57348f7-b440-4861-a58f-c89f414ea74a" providerId="ADAL" clId="{C11307D8-F416-4216-B85A-47312E9494DC}" dt="2023-04-02T22:19:15.896" v="200" actId="478"/>
+          <ac:picMkLst>
+            <pc:docMk/>
+            <pc:sldMk cId="3995279466" sldId="256"/>
+            <ac:picMk id="5" creationId="{C730C03D-0D57-7578-992D-93F2E9FFBCB8}"/>
+          </ac:picMkLst>
+        </pc:picChg>
+      </pc:sldChg>
+      <pc:sldChg chg="modSp mod">
+        <pc:chgData name="Chuck Kiefriter" userId="c57348f7-b440-4861-a58f-c89f414ea74a" providerId="ADAL" clId="{C11307D8-F416-4216-B85A-47312E9494DC}" dt="2023-04-02T22:18:27.703" v="153" actId="20577"/>
+        <pc:sldMkLst>
+          <pc:docMk/>
+          <pc:sldMk cId="3194223319" sldId="263"/>
+        </pc:sldMkLst>
+        <pc:spChg chg="mod">
+          <ac:chgData name="Chuck Kiefriter" userId="c57348f7-b440-4861-a58f-c89f414ea74a" providerId="ADAL" clId="{C11307D8-F416-4216-B85A-47312E9494DC}" dt="2023-04-02T22:18:27.703" v="153" actId="20577"/>
+          <ac:spMkLst>
+            <pc:docMk/>
+            <pc:sldMk cId="3194223319" sldId="263"/>
+            <ac:spMk id="3" creationId="{23DFC7E9-54DD-38D7-0B9B-D34948D68CF9}"/>
+          </ac:spMkLst>
+        </pc:spChg>
+      </pc:sldChg>
+      <pc:sldChg chg="modSp mod">
+        <pc:chgData name="Chuck Kiefriter" userId="c57348f7-b440-4861-a58f-c89f414ea74a" providerId="ADAL" clId="{C11307D8-F416-4216-B85A-47312E9494DC}" dt="2023-04-02T22:18:46.219" v="157" actId="14100"/>
+        <pc:sldMkLst>
+          <pc:docMk/>
+          <pc:sldMk cId="763182894" sldId="264"/>
+        </pc:sldMkLst>
+        <pc:spChg chg="mod">
+          <ac:chgData name="Chuck Kiefriter" userId="c57348f7-b440-4861-a58f-c89f414ea74a" providerId="ADAL" clId="{C11307D8-F416-4216-B85A-47312E9494DC}" dt="2023-04-02T22:18:46.219" v="157" actId="14100"/>
+          <ac:spMkLst>
+            <pc:docMk/>
+            <pc:sldMk cId="763182894" sldId="264"/>
+            <ac:spMk id="3" creationId="{23DFC7E9-54DD-38D7-0B9B-D34948D68CF9}"/>
+          </ac:spMkLst>
+        </pc:spChg>
+      </pc:sldChg>
+      <pc:sldChg chg="modSp mod">
+        <pc:chgData name="Chuck Kiefriter" userId="c57348f7-b440-4861-a58f-c89f414ea74a" providerId="ADAL" clId="{C11307D8-F416-4216-B85A-47312E9494DC}" dt="2023-04-03T15:01:38.405" v="654" actId="20577"/>
+        <pc:sldMkLst>
+          <pc:docMk/>
+          <pc:sldMk cId="367428708" sldId="265"/>
+        </pc:sldMkLst>
+        <pc:spChg chg="mod">
+          <ac:chgData name="Chuck Kiefriter" userId="c57348f7-b440-4861-a58f-c89f414ea74a" providerId="ADAL" clId="{C11307D8-F416-4216-B85A-47312E9494DC}" dt="2023-04-03T15:01:38.405" v="654" actId="20577"/>
+          <ac:spMkLst>
+            <pc:docMk/>
+            <pc:sldMk cId="367428708" sldId="265"/>
+            <ac:spMk id="3" creationId="{23DFC7E9-54DD-38D7-0B9B-D34948D68CF9}"/>
+          </ac:spMkLst>
+        </pc:spChg>
+      </pc:sldChg>
+      <pc:sldChg chg="addSp delSp modSp mod">
+        <pc:chgData name="Chuck Kiefriter" userId="c57348f7-b440-4861-a58f-c89f414ea74a" providerId="ADAL" clId="{C11307D8-F416-4216-B85A-47312E9494DC}" dt="2023-04-04T18:57:23.796" v="1425" actId="207"/>
+        <pc:sldMkLst>
+          <pc:docMk/>
+          <pc:sldMk cId="976671966" sldId="278"/>
+        </pc:sldMkLst>
+        <pc:spChg chg="add mod">
+          <ac:chgData name="Chuck Kiefriter" userId="c57348f7-b440-4861-a58f-c89f414ea74a" providerId="ADAL" clId="{C11307D8-F416-4216-B85A-47312E9494DC}" dt="2023-04-03T15:28:39.411" v="808" actId="1038"/>
+          <ac:spMkLst>
+            <pc:docMk/>
+            <pc:sldMk cId="976671966" sldId="278"/>
+            <ac:spMk id="3" creationId="{C9DDF84E-4B1D-A8C8-4D2B-5582BF58B0D3}"/>
+          </ac:spMkLst>
+        </pc:spChg>
+        <pc:spChg chg="mod">
+          <ac:chgData name="Chuck Kiefriter" userId="c57348f7-b440-4861-a58f-c89f414ea74a" providerId="ADAL" clId="{C11307D8-F416-4216-B85A-47312E9494DC}" dt="2023-04-04T18:57:23.796" v="1425" actId="207"/>
+          <ac:spMkLst>
+            <pc:docMk/>
+            <pc:sldMk cId="976671966" sldId="278"/>
+            <ac:spMk id="4" creationId="{C0B26727-0F97-5A73-B4ED-6BE65E07E5DB}"/>
+          </ac:spMkLst>
+        </pc:spChg>
+        <pc:spChg chg="del">
+          <ac:chgData name="Chuck Kiefriter" userId="c57348f7-b440-4861-a58f-c89f414ea74a" providerId="ADAL" clId="{C11307D8-F416-4216-B85A-47312E9494DC}" dt="2023-04-03T15:02:16.058" v="665" actId="478"/>
+          <ac:spMkLst>
+            <pc:docMk/>
+            <pc:sldMk cId="976671966" sldId="278"/>
+            <ac:spMk id="5" creationId="{983625D7-1156-1D51-0A49-6B0357B75EF4}"/>
+          </ac:spMkLst>
+        </pc:spChg>
+        <pc:spChg chg="mod">
+          <ac:chgData name="Chuck Kiefriter" userId="c57348f7-b440-4861-a58f-c89f414ea74a" providerId="ADAL" clId="{C11307D8-F416-4216-B85A-47312E9494DC}" dt="2023-04-03T15:02:10.368" v="664" actId="20577"/>
+          <ac:spMkLst>
+            <pc:docMk/>
+            <pc:sldMk cId="976671966" sldId="278"/>
+            <ac:spMk id="6" creationId="{59E906CD-110B-9D01-732C-2F21759B0265}"/>
+          </ac:spMkLst>
+        </pc:spChg>
+        <pc:spChg chg="add mod">
+          <ac:chgData name="Chuck Kiefriter" userId="c57348f7-b440-4861-a58f-c89f414ea74a" providerId="ADAL" clId="{C11307D8-F416-4216-B85A-47312E9494DC}" dt="2023-04-03T17:15:25.128" v="1318" actId="1076"/>
+          <ac:spMkLst>
+            <pc:docMk/>
+            <pc:sldMk cId="976671966" sldId="278"/>
+            <ac:spMk id="8" creationId="{9FF17257-FCFA-B5FD-1F98-96E3F7F501FF}"/>
+          </ac:spMkLst>
+        </pc:spChg>
+        <pc:spChg chg="del">
+          <ac:chgData name="Chuck Kiefriter" userId="c57348f7-b440-4861-a58f-c89f414ea74a" providerId="ADAL" clId="{C11307D8-F416-4216-B85A-47312E9494DC}" dt="2023-04-03T15:02:16.058" v="665" actId="478"/>
+          <ac:spMkLst>
+            <pc:docMk/>
+            <pc:sldMk cId="976671966" sldId="278"/>
+            <ac:spMk id="9" creationId="{E3EBAC68-1411-42B9-71E1-6CD3E49066B5}"/>
+          </ac:spMkLst>
+        </pc:spChg>
+      </pc:sldChg>
+      <pc:sldChg chg="modSp mod">
+        <pc:chgData name="Chuck Kiefriter" userId="c57348f7-b440-4861-a58f-c89f414ea74a" providerId="ADAL" clId="{C11307D8-F416-4216-B85A-47312E9494DC}" dt="2023-04-03T17:20:27.754" v="1333" actId="20577"/>
+        <pc:sldMkLst>
+          <pc:docMk/>
+          <pc:sldMk cId="1155090792" sldId="286"/>
+        </pc:sldMkLst>
+        <pc:spChg chg="mod">
+          <ac:chgData name="Chuck Kiefriter" userId="c57348f7-b440-4861-a58f-c89f414ea74a" providerId="ADAL" clId="{C11307D8-F416-4216-B85A-47312E9494DC}" dt="2023-04-03T17:20:27.754" v="1333" actId="20577"/>
+          <ac:spMkLst>
+            <pc:docMk/>
+            <pc:sldMk cId="1155090792" sldId="286"/>
+            <ac:spMk id="3" creationId="{23DFC7E9-54DD-38D7-0B9B-D34948D68CF9}"/>
+          </ac:spMkLst>
+        </pc:spChg>
+      </pc:sldChg>
+      <pc:sldChg chg="modSp mod">
+        <pc:chgData name="Chuck Kiefriter" userId="c57348f7-b440-4861-a58f-c89f414ea74a" providerId="ADAL" clId="{C11307D8-F416-4216-B85A-47312E9494DC}" dt="2023-04-03T18:49:25.647" v="1381" actId="20577"/>
+        <pc:sldMkLst>
+          <pc:docMk/>
+          <pc:sldMk cId="424094208" sldId="287"/>
+        </pc:sldMkLst>
+        <pc:spChg chg="mod">
+          <ac:chgData name="Chuck Kiefriter" userId="c57348f7-b440-4861-a58f-c89f414ea74a" providerId="ADAL" clId="{C11307D8-F416-4216-B85A-47312E9494DC}" dt="2023-04-03T18:49:25.647" v="1381" actId="20577"/>
+          <ac:spMkLst>
+            <pc:docMk/>
+            <pc:sldMk cId="424094208" sldId="287"/>
+            <ac:spMk id="5" creationId="{9DB63145-E59C-9501-8AA5-4E6AC5C0D40F}"/>
+          </ac:spMkLst>
+        </pc:spChg>
+      </pc:sldChg>
+      <pc:sldChg chg="del">
+        <pc:chgData name="Chuck Kiefriter" userId="c57348f7-b440-4861-a58f-c89f414ea74a" providerId="ADAL" clId="{C11307D8-F416-4216-B85A-47312E9494DC}" dt="2023-04-02T22:24:00.552" v="217" actId="47"/>
+        <pc:sldMkLst>
+          <pc:docMk/>
+          <pc:sldMk cId="834285187" sldId="288"/>
+        </pc:sldMkLst>
+      </pc:sldChg>
+      <pc:sldChg chg="del">
+        <pc:chgData name="Chuck Kiefriter" userId="c57348f7-b440-4861-a58f-c89f414ea74a" providerId="ADAL" clId="{C11307D8-F416-4216-B85A-47312E9494DC}" dt="2023-04-03T15:08:27.437" v="744" actId="47"/>
+        <pc:sldMkLst>
+          <pc:docMk/>
+          <pc:sldMk cId="3007476099" sldId="289"/>
+        </pc:sldMkLst>
+      </pc:sldChg>
+      <pc:sldChg chg="del">
+        <pc:chgData name="Chuck Kiefriter" userId="c57348f7-b440-4861-a58f-c89f414ea74a" providerId="ADAL" clId="{C11307D8-F416-4216-B85A-47312E9494DC}" dt="2023-04-03T15:08:28.915" v="745" actId="47"/>
+        <pc:sldMkLst>
+          <pc:docMk/>
+          <pc:sldMk cId="2491041013" sldId="290"/>
+        </pc:sldMkLst>
+      </pc:sldChg>
+      <pc:sldChg chg="del">
+        <pc:chgData name="Chuck Kiefriter" userId="c57348f7-b440-4861-a58f-c89f414ea74a" providerId="ADAL" clId="{C11307D8-F416-4216-B85A-47312E9494DC}" dt="2023-04-03T15:08:29.838" v="746" actId="47"/>
+        <pc:sldMkLst>
+          <pc:docMk/>
+          <pc:sldMk cId="491903796" sldId="291"/>
+        </pc:sldMkLst>
+      </pc:sldChg>
+      <pc:sldChg chg="del">
+        <pc:chgData name="Chuck Kiefriter" userId="c57348f7-b440-4861-a58f-c89f414ea74a" providerId="ADAL" clId="{C11307D8-F416-4216-B85A-47312E9494DC}" dt="2023-04-03T15:08:31.482" v="747" actId="47"/>
+        <pc:sldMkLst>
+          <pc:docMk/>
+          <pc:sldMk cId="1538833485" sldId="292"/>
+        </pc:sldMkLst>
+      </pc:sldChg>
+      <pc:sldChg chg="addSp modSp add mod">
+        <pc:chgData name="Chuck Kiefriter" userId="c57348f7-b440-4861-a58f-c89f414ea74a" providerId="ADAL" clId="{C11307D8-F416-4216-B85A-47312E9494DC}" dt="2023-04-04T22:37:32.693" v="1436" actId="1076"/>
+        <pc:sldMkLst>
+          <pc:docMk/>
+          <pc:sldMk cId="250210305" sldId="293"/>
+        </pc:sldMkLst>
+        <pc:spChg chg="mod">
+          <ac:chgData name="Chuck Kiefriter" userId="c57348f7-b440-4861-a58f-c89f414ea74a" providerId="ADAL" clId="{C11307D8-F416-4216-B85A-47312E9494DC}" dt="2023-04-02T22:25:04.220" v="238" actId="20577"/>
+          <ac:spMkLst>
+            <pc:docMk/>
+            <pc:sldMk cId="250210305" sldId="293"/>
+            <ac:spMk id="6" creationId="{DE3DBA5A-FA8E-46C6-1402-E5C7632F4CAD}"/>
+          </ac:spMkLst>
+        </pc:spChg>
+        <pc:spChg chg="mod">
+          <ac:chgData name="Chuck Kiefriter" userId="c57348f7-b440-4861-a58f-c89f414ea74a" providerId="ADAL" clId="{C11307D8-F416-4216-B85A-47312E9494DC}" dt="2023-04-02T22:34:44.575" v="335" actId="1036"/>
+          <ac:spMkLst>
+            <pc:docMk/>
+            <pc:sldMk cId="250210305" sldId="293"/>
+            <ac:spMk id="10" creationId="{EA3D5ED0-1762-C438-DD7C-B32C5582A339}"/>
+          </ac:spMkLst>
+        </pc:spChg>
+        <pc:graphicFrameChg chg="add mod modGraphic">
+          <ac:chgData name="Chuck Kiefriter" userId="c57348f7-b440-4861-a58f-c89f414ea74a" providerId="ADAL" clId="{C11307D8-F416-4216-B85A-47312E9494DC}" dt="2023-04-02T22:34:15.597" v="311" actId="207"/>
+          <ac:graphicFrameMkLst>
+            <pc:docMk/>
+            <pc:sldMk cId="250210305" sldId="293"/>
+            <ac:graphicFrameMk id="2" creationId="{37BDF7BB-E95F-A1D6-91B0-C82B570617A0}"/>
+          </ac:graphicFrameMkLst>
+        </pc:graphicFrameChg>
+        <pc:picChg chg="add mod">
+          <ac:chgData name="Chuck Kiefriter" userId="c57348f7-b440-4861-a58f-c89f414ea74a" providerId="ADAL" clId="{C11307D8-F416-4216-B85A-47312E9494DC}" dt="2023-04-02T22:31:46.068" v="292" actId="1076"/>
+          <ac:picMkLst>
+            <pc:docMk/>
+            <pc:sldMk cId="250210305" sldId="293"/>
+            <ac:picMk id="4" creationId="{7CB28188-CD37-F6A4-6D3C-70765550BD6C}"/>
+          </ac:picMkLst>
+        </pc:picChg>
+        <pc:picChg chg="add mod">
+          <ac:chgData name="Chuck Kiefriter" userId="c57348f7-b440-4861-a58f-c89f414ea74a" providerId="ADAL" clId="{C11307D8-F416-4216-B85A-47312E9494DC}" dt="2023-04-04T22:37:32.693" v="1436" actId="1076"/>
+          <ac:picMkLst>
+            <pc:docMk/>
+            <pc:sldMk cId="250210305" sldId="293"/>
+            <ac:picMk id="5" creationId="{53DF2F7F-7B17-ADB3-6B4E-639563DF2A2A}"/>
+          </ac:picMkLst>
+        </pc:picChg>
+      </pc:sldChg>
+      <pc:sldChg chg="addSp delSp modSp add mod">
+        <pc:chgData name="Chuck Kiefriter" userId="c57348f7-b440-4861-a58f-c89f414ea74a" providerId="ADAL" clId="{C11307D8-F416-4216-B85A-47312E9494DC}" dt="2023-04-02T23:08:14.894" v="563" actId="207"/>
+        <pc:sldMkLst>
+          <pc:docMk/>
+          <pc:sldMk cId="2393746750" sldId="294"/>
+        </pc:sldMkLst>
+        <pc:spChg chg="add mod">
+          <ac:chgData name="Chuck Kiefriter" userId="c57348f7-b440-4861-a58f-c89f414ea74a" providerId="ADAL" clId="{C11307D8-F416-4216-B85A-47312E9494DC}" dt="2023-04-02T22:57:18.640" v="499" actId="1076"/>
+          <ac:spMkLst>
+            <pc:docMk/>
+            <pc:sldMk cId="2393746750" sldId="294"/>
+            <ac:spMk id="5" creationId="{2F91AB46-91B6-D008-FAC4-1461717C6E0C}"/>
+          </ac:spMkLst>
+        </pc:spChg>
+        <pc:spChg chg="mod">
+          <ac:chgData name="Chuck Kiefriter" userId="c57348f7-b440-4861-a58f-c89f414ea74a" providerId="ADAL" clId="{C11307D8-F416-4216-B85A-47312E9494DC}" dt="2023-04-02T22:47:27.050" v="410" actId="20577"/>
+          <ac:spMkLst>
+            <pc:docMk/>
+            <pc:sldMk cId="2393746750" sldId="294"/>
+            <ac:spMk id="6" creationId="{DE3DBA5A-FA8E-46C6-1402-E5C7632F4CAD}"/>
+          </ac:spMkLst>
+        </pc:spChg>
+        <pc:spChg chg="add mod">
+          <ac:chgData name="Chuck Kiefriter" userId="c57348f7-b440-4861-a58f-c89f414ea74a" providerId="ADAL" clId="{C11307D8-F416-4216-B85A-47312E9494DC}" dt="2023-04-02T23:05:15.025" v="512" actId="1076"/>
+          <ac:spMkLst>
+            <pc:docMk/>
+            <pc:sldMk cId="2393746750" sldId="294"/>
+            <ac:spMk id="8" creationId="{D447757E-C9A6-66AC-8AF6-FAEF70B9920F}"/>
+          </ac:spMkLst>
+        </pc:spChg>
+        <pc:spChg chg="mod">
+          <ac:chgData name="Chuck Kiefriter" userId="c57348f7-b440-4861-a58f-c89f414ea74a" providerId="ADAL" clId="{C11307D8-F416-4216-B85A-47312E9494DC}" dt="2023-04-02T23:08:14.894" v="563" actId="207"/>
+          <ac:spMkLst>
+            <pc:docMk/>
+            <pc:sldMk cId="2393746750" sldId="294"/>
+            <ac:spMk id="10" creationId="{EA3D5ED0-1762-C438-DD7C-B32C5582A339}"/>
+          </ac:spMkLst>
+        </pc:spChg>
+        <pc:spChg chg="add mod">
+          <ac:chgData name="Chuck Kiefriter" userId="c57348f7-b440-4861-a58f-c89f414ea74a" providerId="ADAL" clId="{C11307D8-F416-4216-B85A-47312E9494DC}" dt="2023-04-02T23:05:37.879" v="515" actId="14100"/>
+          <ac:spMkLst>
+            <pc:docMk/>
+            <pc:sldMk cId="2393746750" sldId="294"/>
+            <ac:spMk id="11" creationId="{18375F9A-28E2-5B4B-53E5-365BF1F164F0}"/>
+          </ac:spMkLst>
+        </pc:spChg>
+        <pc:spChg chg="add mod">
+          <ac:chgData name="Chuck Kiefriter" userId="c57348f7-b440-4861-a58f-c89f414ea74a" providerId="ADAL" clId="{C11307D8-F416-4216-B85A-47312E9494DC}" dt="2023-04-02T23:06:07.710" v="536" actId="1036"/>
+          <ac:spMkLst>
+            <pc:docMk/>
+            <pc:sldMk cId="2393746750" sldId="294"/>
+            <ac:spMk id="13" creationId="{61BB3492-71A0-D931-F8EC-53AE6AE410A9}"/>
+          </ac:spMkLst>
+        </pc:spChg>
+        <pc:graphicFrameChg chg="del">
+          <ac:chgData name="Chuck Kiefriter" userId="c57348f7-b440-4861-a58f-c89f414ea74a" providerId="ADAL" clId="{C11307D8-F416-4216-B85A-47312E9494DC}" dt="2023-04-02T22:46:54.432" v="388" actId="478"/>
+          <ac:graphicFrameMkLst>
+            <pc:docMk/>
+            <pc:sldMk cId="2393746750" sldId="294"/>
+            <ac:graphicFrameMk id="2" creationId="{37BDF7BB-E95F-A1D6-91B0-C82B570617A0}"/>
+          </ac:graphicFrameMkLst>
+        </pc:graphicFrameChg>
+        <pc:picChg chg="del">
+          <ac:chgData name="Chuck Kiefriter" userId="c57348f7-b440-4861-a58f-c89f414ea74a" providerId="ADAL" clId="{C11307D8-F416-4216-B85A-47312E9494DC}" dt="2023-04-02T22:46:57.054" v="389" actId="478"/>
+          <ac:picMkLst>
+            <pc:docMk/>
+            <pc:sldMk cId="2393746750" sldId="294"/>
+            <ac:picMk id="4" creationId="{7CB28188-CD37-F6A4-6D3C-70765550BD6C}"/>
+          </ac:picMkLst>
+        </pc:picChg>
+      </pc:sldChg>
+      <pc:sldChg chg="modSp add mod">
+        <pc:chgData name="Chuck Kiefriter" userId="c57348f7-b440-4861-a58f-c89f414ea74a" providerId="ADAL" clId="{C11307D8-F416-4216-B85A-47312E9494DC}" dt="2023-04-02T23:11:48.745" v="585" actId="5793"/>
+        <pc:sldMkLst>
+          <pc:docMk/>
+          <pc:sldMk cId="3934503907" sldId="295"/>
+        </pc:sldMkLst>
+        <pc:spChg chg="mod">
+          <ac:chgData name="Chuck Kiefriter" userId="c57348f7-b440-4861-a58f-c89f414ea74a" providerId="ADAL" clId="{C11307D8-F416-4216-B85A-47312E9494DC}" dt="2023-04-02T23:09:06.656" v="565" actId="6549"/>
+          <ac:spMkLst>
+            <pc:docMk/>
+            <pc:sldMk cId="3934503907" sldId="295"/>
+            <ac:spMk id="6" creationId="{DE3DBA5A-FA8E-46C6-1402-E5C7632F4CAD}"/>
+          </ac:spMkLst>
+        </pc:spChg>
+        <pc:spChg chg="mod">
+          <ac:chgData name="Chuck Kiefriter" userId="c57348f7-b440-4861-a58f-c89f414ea74a" providerId="ADAL" clId="{C11307D8-F416-4216-B85A-47312E9494DC}" dt="2023-04-02T23:11:48.745" v="585" actId="5793"/>
+          <ac:spMkLst>
+            <pc:docMk/>
+            <pc:sldMk cId="3934503907" sldId="295"/>
+            <ac:spMk id="10" creationId="{EA3D5ED0-1762-C438-DD7C-B32C5582A339}"/>
+          </ac:spMkLst>
+        </pc:spChg>
+      </pc:sldChg>
+      <pc:sldChg chg="addSp modSp add mod">
+        <pc:chgData name="Chuck Kiefriter" userId="c57348f7-b440-4861-a58f-c89f414ea74a" providerId="ADAL" clId="{C11307D8-F416-4216-B85A-47312E9494DC}" dt="2023-04-03T18:11:13.271" v="1353" actId="6549"/>
+        <pc:sldMkLst>
+          <pc:docMk/>
+          <pc:sldMk cId="1076239930" sldId="296"/>
+        </pc:sldMkLst>
+        <pc:spChg chg="add mod">
+          <ac:chgData name="Chuck Kiefriter" userId="c57348f7-b440-4861-a58f-c89f414ea74a" providerId="ADAL" clId="{C11307D8-F416-4216-B85A-47312E9494DC}" dt="2023-04-03T15:00:52.531" v="644" actId="1076"/>
+          <ac:spMkLst>
+            <pc:docMk/>
+            <pc:sldMk cId="1076239930" sldId="296"/>
+            <ac:spMk id="3" creationId="{4147B091-8768-D6A8-FF68-DEC06014D579}"/>
+          </ac:spMkLst>
+        </pc:spChg>
+        <pc:spChg chg="mod">
+          <ac:chgData name="Chuck Kiefriter" userId="c57348f7-b440-4861-a58f-c89f414ea74a" providerId="ADAL" clId="{C11307D8-F416-4216-B85A-47312E9494DC}" dt="2023-04-03T15:00:29.665" v="640" actId="1035"/>
+          <ac:spMkLst>
+            <pc:docMk/>
+            <pc:sldMk cId="1076239930" sldId="296"/>
+            <ac:spMk id="6" creationId="{DE3DBA5A-FA8E-46C6-1402-E5C7632F4CAD}"/>
+          </ac:spMkLst>
+        </pc:spChg>
+        <pc:spChg chg="mod">
+          <ac:chgData name="Chuck Kiefriter" userId="c57348f7-b440-4861-a58f-c89f414ea74a" providerId="ADAL" clId="{C11307D8-F416-4216-B85A-47312E9494DC}" dt="2023-04-03T18:11:13.271" v="1353" actId="6549"/>
+          <ac:spMkLst>
+            <pc:docMk/>
+            <pc:sldMk cId="1076239930" sldId="296"/>
+            <ac:spMk id="10" creationId="{EA3D5ED0-1762-C438-DD7C-B32C5582A339}"/>
+          </ac:spMkLst>
+        </pc:spChg>
+      </pc:sldChg>
+      <pc:sldChg chg="addSp delSp modSp add mod">
+        <pc:chgData name="Chuck Kiefriter" userId="c57348f7-b440-4861-a58f-c89f414ea74a" providerId="ADAL" clId="{C11307D8-F416-4216-B85A-47312E9494DC}" dt="2023-04-04T18:58:19.446" v="1426" actId="207"/>
+        <pc:sldMkLst>
+          <pc:docMk/>
+          <pc:sldMk cId="2586908395" sldId="297"/>
+        </pc:sldMkLst>
+        <pc:spChg chg="add del">
+          <ac:chgData name="Chuck Kiefriter" userId="c57348f7-b440-4861-a58f-c89f414ea74a" providerId="ADAL" clId="{C11307D8-F416-4216-B85A-47312E9494DC}" dt="2023-04-03T15:12:27.009" v="762"/>
+          <ac:spMkLst>
+            <pc:docMk/>
+            <pc:sldMk cId="2586908395" sldId="297"/>
+            <ac:spMk id="2" creationId="{3F616592-3C02-0860-84A0-E3BEDB39760F}"/>
+          </ac:spMkLst>
+        </pc:spChg>
+        <pc:spChg chg="mod">
+          <ac:chgData name="Chuck Kiefriter" userId="c57348f7-b440-4861-a58f-c89f414ea74a" providerId="ADAL" clId="{C11307D8-F416-4216-B85A-47312E9494DC}" dt="2023-04-04T18:58:19.446" v="1426" actId="207"/>
+          <ac:spMkLst>
+            <pc:docMk/>
+            <pc:sldMk cId="2586908395" sldId="297"/>
+            <ac:spMk id="4" creationId="{C0B26727-0F97-5A73-B4ED-6BE65E07E5DB}"/>
+          </ac:spMkLst>
+        </pc:spChg>
+        <pc:spChg chg="add mod">
+          <ac:chgData name="Chuck Kiefriter" userId="c57348f7-b440-4861-a58f-c89f414ea74a" providerId="ADAL" clId="{C11307D8-F416-4216-B85A-47312E9494DC}" dt="2023-04-03T15:28:43.603" v="809"/>
+          <ac:spMkLst>
+            <pc:docMk/>
+            <pc:sldMk cId="2586908395" sldId="297"/>
+            <ac:spMk id="7" creationId="{E4F67DC1-6682-DCC5-09F9-0D3C65052F99}"/>
+          </ac:spMkLst>
+        </pc:spChg>
+        <pc:picChg chg="add mod">
+          <ac:chgData name="Chuck Kiefriter" userId="c57348f7-b440-4861-a58f-c89f414ea74a" providerId="ADAL" clId="{C11307D8-F416-4216-B85A-47312E9494DC}" dt="2023-04-03T15:28:53.796" v="836" actId="1035"/>
+          <ac:picMkLst>
+            <pc:docMk/>
+            <pc:sldMk cId="2586908395" sldId="297"/>
+            <ac:picMk id="5" creationId="{A70A8141-972B-8FEE-B70B-882D3DD31F46}"/>
+          </ac:picMkLst>
+        </pc:picChg>
+      </pc:sldChg>
+      <pc:sldChg chg="addSp delSp modSp add mod">
+        <pc:chgData name="Chuck Kiefriter" userId="c57348f7-b440-4861-a58f-c89f414ea74a" providerId="ADAL" clId="{C11307D8-F416-4216-B85A-47312E9494DC}" dt="2023-04-03T15:29:37.311" v="840" actId="115"/>
+        <pc:sldMkLst>
+          <pc:docMk/>
+          <pc:sldMk cId="1731529612" sldId="298"/>
+        </pc:sldMkLst>
+        <pc:spChg chg="mod">
+          <ac:chgData name="Chuck Kiefriter" userId="c57348f7-b440-4861-a58f-c89f414ea74a" providerId="ADAL" clId="{C11307D8-F416-4216-B85A-47312E9494DC}" dt="2023-04-03T15:29:37.311" v="840" actId="115"/>
+          <ac:spMkLst>
+            <pc:docMk/>
+            <pc:sldMk cId="1731529612" sldId="298"/>
+            <ac:spMk id="4" creationId="{C0B26727-0F97-5A73-B4ED-6BE65E07E5DB}"/>
+          </ac:spMkLst>
+        </pc:spChg>
+        <pc:spChg chg="add mod">
+          <ac:chgData name="Chuck Kiefriter" userId="c57348f7-b440-4861-a58f-c89f414ea74a" providerId="ADAL" clId="{C11307D8-F416-4216-B85A-47312E9494DC}" dt="2023-04-03T15:28:57.894" v="837"/>
+          <ac:spMkLst>
+            <pc:docMk/>
+            <pc:sldMk cId="1731529612" sldId="298"/>
+            <ac:spMk id="7" creationId="{81EDE05F-B22E-686F-2292-BF6CA2A0BD87}"/>
+          </ac:spMkLst>
+        </pc:spChg>
+        <pc:picChg chg="add mod">
+          <ac:chgData name="Chuck Kiefriter" userId="c57348f7-b440-4861-a58f-c89f414ea74a" providerId="ADAL" clId="{C11307D8-F416-4216-B85A-47312E9494DC}" dt="2023-04-03T15:29:05.082" v="839" actId="1076"/>
+          <ac:picMkLst>
+            <pc:docMk/>
+            <pc:sldMk cId="1731529612" sldId="298"/>
+            <ac:picMk id="3" creationId="{E2697A41-77D9-6BEA-7880-1DBD268ED34C}"/>
+          </ac:picMkLst>
+        </pc:picChg>
+        <pc:picChg chg="del">
+          <ac:chgData name="Chuck Kiefriter" userId="c57348f7-b440-4861-a58f-c89f414ea74a" providerId="ADAL" clId="{C11307D8-F416-4216-B85A-47312E9494DC}" dt="2023-04-03T15:22:11.665" v="790" actId="478"/>
+          <ac:picMkLst>
+            <pc:docMk/>
+            <pc:sldMk cId="1731529612" sldId="298"/>
+            <ac:picMk id="5" creationId="{A70A8141-972B-8FEE-B70B-882D3DD31F46}"/>
+          </ac:picMkLst>
+        </pc:picChg>
+      </pc:sldChg>
+      <pc:sldChg chg="addSp delSp modSp add mod">
+        <pc:chgData name="Chuck Kiefriter" userId="c57348f7-b440-4861-a58f-c89f414ea74a" providerId="ADAL" clId="{C11307D8-F416-4216-B85A-47312E9494DC}" dt="2023-04-04T20:45:30.493" v="1433" actId="1076"/>
+        <pc:sldMkLst>
+          <pc:docMk/>
+          <pc:sldMk cId="12263916" sldId="299"/>
+        </pc:sldMkLst>
+        <pc:spChg chg="add mod">
+          <ac:chgData name="Chuck Kiefriter" userId="c57348f7-b440-4861-a58f-c89f414ea74a" providerId="ADAL" clId="{C11307D8-F416-4216-B85A-47312E9494DC}" dt="2023-04-04T20:45:30.493" v="1433" actId="1076"/>
+          <ac:spMkLst>
+            <pc:docMk/>
+            <pc:sldMk cId="12263916" sldId="299"/>
+            <ac:spMk id="2" creationId="{05E39B88-6490-5C54-C767-A0E91A8F373F}"/>
+          </ac:spMkLst>
+        </pc:spChg>
+        <pc:spChg chg="mod">
+          <ac:chgData name="Chuck Kiefriter" userId="c57348f7-b440-4861-a58f-c89f414ea74a" providerId="ADAL" clId="{C11307D8-F416-4216-B85A-47312E9494DC}" dt="2023-04-04T19:00:59.565" v="1427" actId="6549"/>
+          <ac:spMkLst>
+            <pc:docMk/>
+            <pc:sldMk cId="12263916" sldId="299"/>
+            <ac:spMk id="4" creationId="{C0B26727-0F97-5A73-B4ED-6BE65E07E5DB}"/>
+          </ac:spMkLst>
+        </pc:spChg>
+        <pc:spChg chg="mod">
+          <ac:chgData name="Chuck Kiefriter" userId="c57348f7-b440-4861-a58f-c89f414ea74a" providerId="ADAL" clId="{C11307D8-F416-4216-B85A-47312E9494DC}" dt="2023-04-03T15:33:43.577" v="892" actId="14100"/>
+          <ac:spMkLst>
+            <pc:docMk/>
+            <pc:sldMk cId="12263916" sldId="299"/>
+            <ac:spMk id="6" creationId="{59E906CD-110B-9D01-732C-2F21759B0265}"/>
+          </ac:spMkLst>
+        </pc:spChg>
+        <pc:spChg chg="del">
+          <ac:chgData name="Chuck Kiefriter" userId="c57348f7-b440-4861-a58f-c89f414ea74a" providerId="ADAL" clId="{C11307D8-F416-4216-B85A-47312E9494DC}" dt="2023-04-03T15:33:49.188" v="894" actId="478"/>
+          <ac:spMkLst>
+            <pc:docMk/>
+            <pc:sldMk cId="12263916" sldId="299"/>
+            <ac:spMk id="7" creationId="{81EDE05F-B22E-686F-2292-BF6CA2A0BD87}"/>
+          </ac:spMkLst>
+        </pc:spChg>
+        <pc:picChg chg="del">
+          <ac:chgData name="Chuck Kiefriter" userId="c57348f7-b440-4861-a58f-c89f414ea74a" providerId="ADAL" clId="{C11307D8-F416-4216-B85A-47312E9494DC}" dt="2023-04-03T15:33:46.266" v="893" actId="478"/>
+          <ac:picMkLst>
+            <pc:docMk/>
+            <pc:sldMk cId="12263916" sldId="299"/>
+            <ac:picMk id="3" creationId="{E2697A41-77D9-6BEA-7880-1DBD268ED34C}"/>
+          </ac:picMkLst>
+        </pc:picChg>
+      </pc:sldChg>
+      <pc:sldChg chg="addSp modSp add mod">
+        <pc:chgData name="Chuck Kiefriter" userId="c57348f7-b440-4861-a58f-c89f414ea74a" providerId="ADAL" clId="{C11307D8-F416-4216-B85A-47312E9494DC}" dt="2023-04-03T17:15:51.867" v="1320" actId="1076"/>
+        <pc:sldMkLst>
+          <pc:docMk/>
+          <pc:sldMk cId="2285577035" sldId="300"/>
+        </pc:sldMkLst>
+        <pc:spChg chg="add mod">
+          <ac:chgData name="Chuck Kiefriter" userId="c57348f7-b440-4861-a58f-c89f414ea74a" providerId="ADAL" clId="{C11307D8-F416-4216-B85A-47312E9494DC}" dt="2023-04-03T17:15:51.867" v="1320" actId="1076"/>
+          <ac:spMkLst>
+            <pc:docMk/>
+            <pc:sldMk cId="2285577035" sldId="300"/>
+            <ac:spMk id="2" creationId="{2292BC77-EAED-98AF-CC12-6B2F561FA457}"/>
+          </ac:spMkLst>
+        </pc:spChg>
+        <pc:spChg chg="mod">
+          <ac:chgData name="Chuck Kiefriter" userId="c57348f7-b440-4861-a58f-c89f414ea74a" providerId="ADAL" clId="{C11307D8-F416-4216-B85A-47312E9494DC}" dt="2023-04-03T15:54:36.687" v="1219" actId="20577"/>
+          <ac:spMkLst>
+            <pc:docMk/>
+            <pc:sldMk cId="2285577035" sldId="300"/>
+            <ac:spMk id="4" creationId="{C0B26727-0F97-5A73-B4ED-6BE65E07E5DB}"/>
+          </ac:spMkLst>
+        </pc:spChg>
+      </pc:sldChg>
+      <pc:sldChg chg="modSp add mod">
+        <pc:chgData name="Chuck Kiefriter" userId="c57348f7-b440-4861-a58f-c89f414ea74a" providerId="ADAL" clId="{C11307D8-F416-4216-B85A-47312E9494DC}" dt="2023-04-03T15:57:12.701" v="1314" actId="2711"/>
+        <pc:sldMkLst>
+          <pc:docMk/>
+          <pc:sldMk cId="3976039359" sldId="301"/>
+        </pc:sldMkLst>
+        <pc:spChg chg="mod">
+          <ac:chgData name="Chuck Kiefriter" userId="c57348f7-b440-4861-a58f-c89f414ea74a" providerId="ADAL" clId="{C11307D8-F416-4216-B85A-47312E9494DC}" dt="2023-04-03T15:57:12.701" v="1314" actId="2711"/>
+          <ac:spMkLst>
+            <pc:docMk/>
+            <pc:sldMk cId="3976039359" sldId="301"/>
+            <ac:spMk id="4" creationId="{C0B26727-0F97-5A73-B4ED-6BE65E07E5DB}"/>
+          </ac:spMkLst>
+        </pc:spChg>
+      </pc:sldChg>
+      <pc:sldChg chg="add">
+        <pc:chgData name="Chuck Kiefriter" userId="c57348f7-b440-4861-a58f-c89f414ea74a" providerId="ADAL" clId="{C11307D8-F416-4216-B85A-47312E9494DC}" dt="2023-04-03T17:20:19.963" v="1321" actId="2890"/>
+        <pc:sldMkLst>
+          <pc:docMk/>
+          <pc:sldMk cId="4183596226" sldId="302"/>
+        </pc:sldMkLst>
+      </pc:sldChg>
+      <pc:sldChg chg="addSp delSp modSp add mod ord">
+        <pc:chgData name="Chuck Kiefriter" userId="c57348f7-b440-4861-a58f-c89f414ea74a" providerId="ADAL" clId="{C11307D8-F416-4216-B85A-47312E9494DC}" dt="2023-04-03T18:58:14.568" v="1424" actId="20577"/>
+        <pc:sldMkLst>
+          <pc:docMk/>
+          <pc:sldMk cId="3551399501" sldId="303"/>
+        </pc:sldMkLst>
+        <pc:spChg chg="add del">
+          <ac:chgData name="Chuck Kiefriter" userId="c57348f7-b440-4861-a58f-c89f414ea74a" providerId="ADAL" clId="{C11307D8-F416-4216-B85A-47312E9494DC}" dt="2023-04-03T18:20:13.989" v="1365"/>
+          <ac:spMkLst>
+            <pc:docMk/>
+            <pc:sldMk cId="3551399501" sldId="303"/>
+            <ac:spMk id="2" creationId="{E2153FEC-75DF-CAC0-FEA3-C66E491898A2}"/>
+          </ac:spMkLst>
+        </pc:spChg>
+        <pc:spChg chg="mod">
+          <ac:chgData name="Chuck Kiefriter" userId="c57348f7-b440-4861-a58f-c89f414ea74a" providerId="ADAL" clId="{C11307D8-F416-4216-B85A-47312E9494DC}" dt="2023-04-03T18:58:14.568" v="1424" actId="20577"/>
+          <ac:spMkLst>
+            <pc:docMk/>
+            <pc:sldMk cId="3551399501" sldId="303"/>
+            <ac:spMk id="4" creationId="{C0B26727-0F97-5A73-B4ED-6BE65E07E5DB}"/>
+          </ac:spMkLst>
+        </pc:spChg>
+        <pc:spChg chg="add mod">
+          <ac:chgData name="Chuck Kiefriter" userId="c57348f7-b440-4861-a58f-c89f414ea74a" providerId="ADAL" clId="{C11307D8-F416-4216-B85A-47312E9494DC}" dt="2023-04-03T18:46:22.450" v="1378" actId="1076"/>
+          <ac:spMkLst>
+            <pc:docMk/>
+            <pc:sldMk cId="3551399501" sldId="303"/>
+            <ac:spMk id="5" creationId="{20F6CBEF-9110-814A-F1E8-8EDD591B1904}"/>
+          </ac:spMkLst>
+        </pc:spChg>
+        <pc:spChg chg="mod">
+          <ac:chgData name="Chuck Kiefriter" userId="c57348f7-b440-4861-a58f-c89f414ea74a" providerId="ADAL" clId="{C11307D8-F416-4216-B85A-47312E9494DC}" dt="2023-04-03T17:21:43.237" v="1352" actId="20577"/>
+          <ac:spMkLst>
+            <pc:docMk/>
+            <pc:sldMk cId="3551399501" sldId="303"/>
+            <ac:spMk id="6" creationId="{59E906CD-110B-9D01-732C-2F21759B0265}"/>
+          </ac:spMkLst>
+        </pc:spChg>
+      </pc:sldChg>
+      <pc:sldChg chg="addSp delSp modSp add mod">
+        <pc:chgData name="Chuck Kiefriter" userId="c57348f7-b440-4861-a58f-c89f414ea74a" providerId="ADAL" clId="{C11307D8-F416-4216-B85A-47312E9494DC}" dt="2023-04-05T01:39:50.392" v="1445" actId="1076"/>
+        <pc:sldMkLst>
+          <pc:docMk/>
+          <pc:sldMk cId="3119538790" sldId="304"/>
+        </pc:sldMkLst>
+        <pc:spChg chg="del">
+          <ac:chgData name="Chuck Kiefriter" userId="c57348f7-b440-4861-a58f-c89f414ea74a" providerId="ADAL" clId="{C11307D8-F416-4216-B85A-47312E9494DC}" dt="2023-04-05T01:39:47.689" v="1443" actId="478"/>
+          <ac:spMkLst>
+            <pc:docMk/>
+            <pc:sldMk cId="3119538790" sldId="304"/>
+            <ac:spMk id="4" creationId="{C0B26727-0F97-5A73-B4ED-6BE65E07E5DB}"/>
+          </ac:spMkLst>
+        </pc:spChg>
+        <pc:picChg chg="add mod">
+          <ac:chgData name="Chuck Kiefriter" userId="c57348f7-b440-4861-a58f-c89f414ea74a" providerId="ADAL" clId="{C11307D8-F416-4216-B85A-47312E9494DC}" dt="2023-04-05T01:39:50.392" v="1445" actId="1076"/>
+          <ac:picMkLst>
+            <pc:docMk/>
+            <pc:sldMk cId="3119538790" sldId="304"/>
+            <ac:picMk id="5" creationId="{6A37CBD8-6224-F786-CA2E-BFD9FDE0E68A}"/>
+          </ac:picMkLst>
+        </pc:picChg>
+      </pc:sldChg>
+    </pc:docChg>
+  </pc:docChgLst>
+  <pc:docChgLst>
+    <pc:chgData name="Chuck Kiefriter" userId="a996b49251c4dfd2" providerId="LiveId" clId="{A54493D6-6994-476A-B046-A049DCFCC320}"/>
+    <pc:docChg chg="custSel delSld modSld sldOrd">
+      <pc:chgData name="Chuck Kiefriter" userId="a996b49251c4dfd2" providerId="LiveId" clId="{A54493D6-6994-476A-B046-A049DCFCC320}" dt="2024-09-04T23:48:47.417" v="126"/>
+      <pc:docMkLst>
+        <pc:docMk/>
+      </pc:docMkLst>
+      <pc:sldChg chg="modSp mod">
+        <pc:chgData name="Chuck Kiefriter" userId="a996b49251c4dfd2" providerId="LiveId" clId="{A54493D6-6994-476A-B046-A049DCFCC320}" dt="2024-09-04T23:46:00.745" v="124" actId="20577"/>
+        <pc:sldMkLst>
+          <pc:docMk/>
+          <pc:sldMk cId="3194223319" sldId="263"/>
+        </pc:sldMkLst>
+        <pc:spChg chg="mod">
+          <ac:chgData name="Chuck Kiefriter" userId="a996b49251c4dfd2" providerId="LiveId" clId="{A54493D6-6994-476A-B046-A049DCFCC320}" dt="2024-09-04T23:46:00.745" v="124" actId="20577"/>
+          <ac:spMkLst>
+            <pc:docMk/>
+            <pc:sldMk cId="3194223319" sldId="263"/>
+            <ac:spMk id="3" creationId="{23DFC7E9-54DD-38D7-0B9B-D34948D68CF9}"/>
+          </ac:spMkLst>
+        </pc:spChg>
+      </pc:sldChg>
+      <pc:sldChg chg="modSp mod ord">
+        <pc:chgData name="Chuck Kiefriter" userId="a996b49251c4dfd2" providerId="LiveId" clId="{A54493D6-6994-476A-B046-A049DCFCC320}" dt="2024-09-04T23:45:49.539" v="110"/>
+        <pc:sldMkLst>
+          <pc:docMk/>
+          <pc:sldMk cId="1155090792" sldId="286"/>
+        </pc:sldMkLst>
+        <pc:spChg chg="mod">
+          <ac:chgData name="Chuck Kiefriter" userId="a996b49251c4dfd2" providerId="LiveId" clId="{A54493D6-6994-476A-B046-A049DCFCC320}" dt="2024-09-04T23:45:36.643" v="107" actId="313"/>
+          <ac:spMkLst>
+            <pc:docMk/>
+            <pc:sldMk cId="1155090792" sldId="286"/>
+            <ac:spMk id="3" creationId="{23DFC7E9-54DD-38D7-0B9B-D34948D68CF9}"/>
+          </ac:spMkLst>
+        </pc:spChg>
+      </pc:sldChg>
+      <pc:sldChg chg="del">
+        <pc:chgData name="Chuck Kiefriter" userId="a996b49251c4dfd2" providerId="LiveId" clId="{A54493D6-6994-476A-B046-A049DCFCC320}" dt="2024-09-04T19:48:55.456" v="78" actId="47"/>
+        <pc:sldMkLst>
+          <pc:docMk/>
+          <pc:sldMk cId="424094208" sldId="287"/>
+        </pc:sldMkLst>
+      </pc:sldChg>
+      <pc:sldChg chg="modSp mod">
+        <pc:chgData name="Chuck Kiefriter" userId="a996b49251c4dfd2" providerId="LiveId" clId="{A54493D6-6994-476A-B046-A049DCFCC320}" dt="2024-09-04T23:48:47.417" v="126"/>
+        <pc:sldMkLst>
+          <pc:docMk/>
+          <pc:sldMk cId="3934503907" sldId="295"/>
+        </pc:sldMkLst>
+        <pc:spChg chg="mod">
+          <ac:chgData name="Chuck Kiefriter" userId="a996b49251c4dfd2" providerId="LiveId" clId="{A54493D6-6994-476A-B046-A049DCFCC320}" dt="2024-09-04T23:48:47.417" v="126"/>
+          <ac:spMkLst>
+            <pc:docMk/>
+            <pc:sldMk cId="3934503907" sldId="295"/>
+            <ac:spMk id="10" creationId="{EA3D5ED0-1762-C438-DD7C-B32C5582A339}"/>
+          </ac:spMkLst>
+        </pc:spChg>
+      </pc:sldChg>
+      <pc:sldChg chg="modSp mod">
+        <pc:chgData name="Chuck Kiefriter" userId="a996b49251c4dfd2" providerId="LiveId" clId="{A54493D6-6994-476A-B046-A049DCFCC320}" dt="2024-09-04T19:40:51.520" v="74" actId="20577"/>
+        <pc:sldMkLst>
+          <pc:docMk/>
+          <pc:sldMk cId="12263916" sldId="299"/>
+        </pc:sldMkLst>
+        <pc:spChg chg="mod">
+          <ac:chgData name="Chuck Kiefriter" userId="a996b49251c4dfd2" providerId="LiveId" clId="{A54493D6-6994-476A-B046-A049DCFCC320}" dt="2024-09-04T19:40:51.520" v="74" actId="20577"/>
+          <ac:spMkLst>
+            <pc:docMk/>
+            <pc:sldMk cId="12263916" sldId="299"/>
+            <ac:spMk id="4" creationId="{C0B26727-0F97-5A73-B4ED-6BE65E07E5DB}"/>
+          </ac:spMkLst>
+        </pc:spChg>
+      </pc:sldChg>
+      <pc:sldChg chg="modSp mod">
+        <pc:chgData name="Chuck Kiefriter" userId="a996b49251c4dfd2" providerId="LiveId" clId="{A54493D6-6994-476A-B046-A049DCFCC320}" dt="2024-09-04T19:47:21.967" v="75" actId="207"/>
+        <pc:sldMkLst>
+          <pc:docMk/>
+          <pc:sldMk cId="2285577035" sldId="300"/>
+        </pc:sldMkLst>
+        <pc:spChg chg="mod">
+          <ac:chgData name="Chuck Kiefriter" userId="a996b49251c4dfd2" providerId="LiveId" clId="{A54493D6-6994-476A-B046-A049DCFCC320}" dt="2024-09-04T19:47:21.967" v="75" actId="207"/>
+          <ac:spMkLst>
+            <pc:docMk/>
+            <pc:sldMk cId="2285577035" sldId="300"/>
+            <ac:spMk id="4" creationId="{C0B26727-0F97-5A73-B4ED-6BE65E07E5DB}"/>
+          </ac:spMkLst>
+        </pc:spChg>
+      </pc:sldChg>
+      <pc:sldChg chg="modSp mod">
+        <pc:chgData name="Chuck Kiefriter" userId="a996b49251c4dfd2" providerId="LiveId" clId="{A54493D6-6994-476A-B046-A049DCFCC320}" dt="2024-09-04T19:48:24.032" v="77" actId="2711"/>
+        <pc:sldMkLst>
+          <pc:docMk/>
+          <pc:sldMk cId="3976039359" sldId="301"/>
+        </pc:sldMkLst>
+        <pc:spChg chg="mod">
+          <ac:chgData name="Chuck Kiefriter" userId="a996b49251c4dfd2" providerId="LiveId" clId="{A54493D6-6994-476A-B046-A049DCFCC320}" dt="2024-09-04T19:48:24.032" v="77" actId="2711"/>
+          <ac:spMkLst>
+            <pc:docMk/>
+            <pc:sldMk cId="3976039359" sldId="301"/>
+            <ac:spMk id="4" creationId="{C0B26727-0F97-5A73-B4ED-6BE65E07E5DB}"/>
+          </ac:spMkLst>
+        </pc:spChg>
+      </pc:sldChg>
+      <pc:sldChg chg="del">
+        <pc:chgData name="Chuck Kiefriter" userId="a996b49251c4dfd2" providerId="LiveId" clId="{A54493D6-6994-476A-B046-A049DCFCC320}" dt="2024-09-04T19:48:55.456" v="78" actId="47"/>
+        <pc:sldMkLst>
+          <pc:docMk/>
+          <pc:sldMk cId="4183596226" sldId="302"/>
+        </pc:sldMkLst>
+      </pc:sldChg>
+      <pc:sldChg chg="modSp mod">
+        <pc:chgData name="Chuck Kiefriter" userId="a996b49251c4dfd2" providerId="LiveId" clId="{A54493D6-6994-476A-B046-A049DCFCC320}" dt="2024-09-04T23:45:42.078" v="108" actId="313"/>
+        <pc:sldMkLst>
+          <pc:docMk/>
+          <pc:sldMk cId="3551399501" sldId="303"/>
+        </pc:sldMkLst>
+        <pc:spChg chg="mod">
+          <ac:chgData name="Chuck Kiefriter" userId="a996b49251c4dfd2" providerId="LiveId" clId="{A54493D6-6994-476A-B046-A049DCFCC320}" dt="2024-09-04T23:45:42.078" v="108" actId="313"/>
+          <ac:spMkLst>
+            <pc:docMk/>
+            <pc:sldMk cId="3551399501" sldId="303"/>
+            <ac:spMk id="6" creationId="{59E906CD-110B-9D01-732C-2F21759B0265}"/>
+          </ac:spMkLst>
+        </pc:spChg>
+      </pc:sldChg>
+      <pc:sldChg chg="ord">
+        <pc:chgData name="Chuck Kiefriter" userId="a996b49251c4dfd2" providerId="LiveId" clId="{A54493D6-6994-476A-B046-A049DCFCC320}" dt="2024-09-04T23:31:47.969" v="84"/>
+        <pc:sldMkLst>
+          <pc:docMk/>
+          <pc:sldMk cId="2169686199" sldId="306"/>
+        </pc:sldMkLst>
+      </pc:sldChg>
+    </pc:docChg>
+  </pc:docChgLst>
+  <pc:docChgLst>
+    <pc:chgData name="Chuck Kiefriter" userId="a996b49251c4dfd2" providerId="LiveId" clId="{5AA25B55-5D47-418C-9AE7-C5B1E5851588}"/>
+    <pc:docChg chg="modSld sldOrd">
+      <pc:chgData name="Chuck Kiefriter" userId="a996b49251c4dfd2" providerId="LiveId" clId="{5AA25B55-5D47-418C-9AE7-C5B1E5851588}" dt="2024-03-06T22:11:59.633" v="9" actId="20577"/>
+      <pc:docMkLst>
+        <pc:docMk/>
+      </pc:docMkLst>
+      <pc:sldChg chg="modSp mod">
+        <pc:chgData name="Chuck Kiefriter" userId="a996b49251c4dfd2" providerId="LiveId" clId="{5AA25B55-5D47-418C-9AE7-C5B1E5851588}" dt="2024-03-06T22:11:59.633" v="9" actId="20577"/>
+        <pc:sldMkLst>
+          <pc:docMk/>
+          <pc:sldMk cId="976671966" sldId="278"/>
+        </pc:sldMkLst>
+        <pc:spChg chg="mod">
+          <ac:chgData name="Chuck Kiefriter" userId="a996b49251c4dfd2" providerId="LiveId" clId="{5AA25B55-5D47-418C-9AE7-C5B1E5851588}" dt="2024-03-06T22:11:59.633" v="9" actId="20577"/>
+          <ac:spMkLst>
+            <pc:docMk/>
+            <pc:sldMk cId="976671966" sldId="278"/>
+            <ac:spMk id="4" creationId="{C0B26727-0F97-5A73-B4ED-6BE65E07E5DB}"/>
+          </ac:spMkLst>
+        </pc:spChg>
+      </pc:sldChg>
+      <pc:sldChg chg="ord">
+        <pc:chgData name="Chuck Kiefriter" userId="a996b49251c4dfd2" providerId="LiveId" clId="{5AA25B55-5D47-418C-9AE7-C5B1E5851588}" dt="2024-03-06T22:02:39.339" v="5"/>
+        <pc:sldMkLst>
+          <pc:docMk/>
+          <pc:sldMk cId="1155090792" sldId="286"/>
+        </pc:sldMkLst>
+      </pc:sldChg>
+      <pc:sldChg chg="modSp mod">
+        <pc:chgData name="Chuck Kiefriter" userId="a996b49251c4dfd2" providerId="LiveId" clId="{5AA25B55-5D47-418C-9AE7-C5B1E5851588}" dt="2024-03-06T21:56:52.226" v="3" actId="20577"/>
+        <pc:sldMkLst>
+          <pc:docMk/>
+          <pc:sldMk cId="3551399501" sldId="303"/>
+        </pc:sldMkLst>
+        <pc:spChg chg="mod">
+          <ac:chgData name="Chuck Kiefriter" userId="a996b49251c4dfd2" providerId="LiveId" clId="{5AA25B55-5D47-418C-9AE7-C5B1E5851588}" dt="2024-03-06T21:56:52.226" v="3" actId="20577"/>
+          <ac:spMkLst>
+            <pc:docMk/>
+            <pc:sldMk cId="3551399501" sldId="303"/>
+            <ac:spMk id="4" creationId="{C0B26727-0F97-5A73-B4ED-6BE65E07E5DB}"/>
+          </ac:spMkLst>
+        </pc:spChg>
+      </pc:sldChg>
+      <pc:sldChg chg="ord">
+        <pc:chgData name="Chuck Kiefriter" userId="a996b49251c4dfd2" providerId="LiveId" clId="{5AA25B55-5D47-418C-9AE7-C5B1E5851588}" dt="2024-03-06T22:02:39.339" v="5"/>
+        <pc:sldMkLst>
+          <pc:docMk/>
+          <pc:sldMk cId="3827704663" sldId="305"/>
+        </pc:sldMkLst>
+      </pc:sldChg>
+      <pc:sldChg chg="ord">
+        <pc:chgData name="Chuck Kiefriter" userId="a996b49251c4dfd2" providerId="LiveId" clId="{5AA25B55-5D47-418C-9AE7-C5B1E5851588}" dt="2024-03-06T22:04:43.114" v="7"/>
+        <pc:sldMkLst>
+          <pc:docMk/>
+          <pc:sldMk cId="2169686199" sldId="306"/>
+        </pc:sldMkLst>
+      </pc:sldChg>
+    </pc:docChg>
+  </pc:docChgLst>
+  <pc:docChgLst>
+    <pc:chgData name="Chuck Kiefriter" userId="c57348f7-b440-4861-a58f-c89f414ea74a" providerId="ADAL" clId="{CEAAE73E-A3C0-4EF3-8264-4F08772B5760}"/>
+    <pc:docChg chg="undo custSel addSld delSld modSld">
+      <pc:chgData name="Chuck Kiefriter" userId="c57348f7-b440-4861-a58f-c89f414ea74a" providerId="ADAL" clId="{CEAAE73E-A3C0-4EF3-8264-4F08772B5760}" dt="2023-03-21T23:02:03.008" v="988" actId="6549"/>
+      <pc:docMkLst>
+        <pc:docMk/>
+      </pc:docMkLst>
+      <pc:sldChg chg="addSp delSp modSp mod">
+        <pc:chgData name="Chuck Kiefriter" userId="c57348f7-b440-4861-a58f-c89f414ea74a" providerId="ADAL" clId="{CEAAE73E-A3C0-4EF3-8264-4F08772B5760}" dt="2023-03-20T00:52:59.383" v="449" actId="1038"/>
+        <pc:sldMkLst>
+          <pc:docMk/>
+          <pc:sldMk cId="3995279466" sldId="256"/>
+        </pc:sldMkLst>
+        <pc:spChg chg="mod">
+          <ac:chgData name="Chuck Kiefriter" userId="c57348f7-b440-4861-a58f-c89f414ea74a" providerId="ADAL" clId="{CEAAE73E-A3C0-4EF3-8264-4F08772B5760}" dt="2023-03-20T00:32:06.566" v="230" actId="14100"/>
+          <ac:spMkLst>
+            <pc:docMk/>
+            <pc:sldMk cId="3995279466" sldId="256"/>
+            <ac:spMk id="3" creationId="{A6B2E4B2-9556-220D-A265-44C9FD951EE6}"/>
+          </ac:spMkLst>
+        </pc:spChg>
+        <pc:spChg chg="add mod">
+          <ac:chgData name="Chuck Kiefriter" userId="c57348f7-b440-4861-a58f-c89f414ea74a" providerId="ADAL" clId="{CEAAE73E-A3C0-4EF3-8264-4F08772B5760}" dt="2023-03-20T00:52:59.383" v="449" actId="1038"/>
+          <ac:spMkLst>
+            <pc:docMk/>
+            <pc:sldMk cId="3995279466" sldId="256"/>
+            <ac:spMk id="4" creationId="{2BADD1C9-CF72-0C69-861B-7E5D509DA5B2}"/>
+          </ac:spMkLst>
+        </pc:spChg>
+        <pc:spChg chg="mod">
+          <ac:chgData name="Chuck Kiefriter" userId="c57348f7-b440-4861-a58f-c89f414ea74a" providerId="ADAL" clId="{CEAAE73E-A3C0-4EF3-8264-4F08772B5760}" dt="2023-03-19T22:41:44.062" v="187" actId="20577"/>
+          <ac:spMkLst>
+            <pc:docMk/>
+            <pc:sldMk cId="3995279466" sldId="256"/>
+            <ac:spMk id="6" creationId="{DE3DBA5A-FA8E-46C6-1402-E5C7632F4CAD}"/>
+          </ac:spMkLst>
+        </pc:spChg>
+        <pc:spChg chg="add mod">
+          <ac:chgData name="Chuck Kiefriter" userId="c57348f7-b440-4861-a58f-c89f414ea74a" providerId="ADAL" clId="{CEAAE73E-A3C0-4EF3-8264-4F08772B5760}" dt="2023-03-20T00:52:59.383" v="449" actId="1038"/>
+          <ac:spMkLst>
+            <pc:docMk/>
+            <pc:sldMk cId="3995279466" sldId="256"/>
+            <ac:spMk id="7" creationId="{4F528AA2-6361-22B4-C232-EF99675F9D72}"/>
+          </ac:spMkLst>
+        </pc:spChg>
+        <pc:spChg chg="add mod">
+          <ac:chgData name="Chuck Kiefriter" userId="c57348f7-b440-4861-a58f-c89f414ea74a" providerId="ADAL" clId="{CEAAE73E-A3C0-4EF3-8264-4F08772B5760}" dt="2023-03-20T00:52:59.383" v="449" actId="1038"/>
+          <ac:spMkLst>
+            <pc:docMk/>
+            <pc:sldMk cId="3995279466" sldId="256"/>
+            <ac:spMk id="9" creationId="{06F995E6-DACC-B060-CDB5-BB562B195537}"/>
+          </ac:spMkLst>
+        </pc:spChg>
+        <pc:spChg chg="mod">
+          <ac:chgData name="Chuck Kiefriter" userId="c57348f7-b440-4861-a58f-c89f414ea74a" providerId="ADAL" clId="{CEAAE73E-A3C0-4EF3-8264-4F08772B5760}" dt="2023-03-20T00:52:45.699" v="401" actId="1035"/>
+          <ac:spMkLst>
+            <pc:docMk/>
+            <pc:sldMk cId="3995279466" sldId="256"/>
+            <ac:spMk id="10" creationId="{EA3D5ED0-1762-C438-DD7C-B32C5582A339}"/>
+          </ac:spMkLst>
+        </pc:spChg>
+        <pc:spChg chg="del">
+          <ac:chgData name="Chuck Kiefriter" userId="c57348f7-b440-4861-a58f-c89f414ea74a" providerId="ADAL" clId="{CEAAE73E-A3C0-4EF3-8264-4F08772B5760}" dt="2023-03-19T22:42:40.760" v="188" actId="478"/>
+          <ac:spMkLst>
+            <pc:docMk/>
+            <pc:sldMk cId="3995279466" sldId="256"/>
+            <ac:spMk id="12" creationId="{18FCF58A-E768-0BFC-8A0B-3881F7F528D8}"/>
+          </ac:spMkLst>
+        </pc:spChg>
+        <pc:graphicFrameChg chg="del">
+          <ac:chgData name="Chuck Kiefriter" userId="c57348f7-b440-4861-a58f-c89f414ea74a" providerId="ADAL" clId="{CEAAE73E-A3C0-4EF3-8264-4F08772B5760}" dt="2023-03-19T22:42:40.760" v="188" actId="478"/>
+          <ac:graphicFrameMkLst>
+            <pc:docMk/>
+            <pc:sldMk cId="3995279466" sldId="256"/>
+            <ac:graphicFrameMk id="13" creationId="{BB1305A0-0446-F701-7436-EA612090B033}"/>
+          </ac:graphicFrameMkLst>
+        </pc:graphicFrameChg>
+      </pc:sldChg>
+      <pc:sldChg chg="modSp mod">
+        <pc:chgData name="Chuck Kiefriter" userId="c57348f7-b440-4861-a58f-c89f414ea74a" providerId="ADAL" clId="{CEAAE73E-A3C0-4EF3-8264-4F08772B5760}" dt="2023-03-19T22:40:49.123" v="181" actId="20577"/>
+        <pc:sldMkLst>
+          <pc:docMk/>
+          <pc:sldMk cId="3194223319" sldId="263"/>
+        </pc:sldMkLst>
+        <pc:spChg chg="mod">
+          <ac:chgData name="Chuck Kiefriter" userId="c57348f7-b440-4861-a58f-c89f414ea74a" providerId="ADAL" clId="{CEAAE73E-A3C0-4EF3-8264-4F08772B5760}" dt="2023-03-19T22:40:49.123" v="181" actId="20577"/>
+          <ac:spMkLst>
+            <pc:docMk/>
+            <pc:sldMk cId="3194223319" sldId="263"/>
+            <ac:spMk id="3" creationId="{23DFC7E9-54DD-38D7-0B9B-D34948D68CF9}"/>
+          </ac:spMkLst>
+        </pc:spChg>
+      </pc:sldChg>
+      <pc:sldChg chg="modSp mod">
+        <pc:chgData name="Chuck Kiefriter" userId="c57348f7-b440-4861-a58f-c89f414ea74a" providerId="ADAL" clId="{CEAAE73E-A3C0-4EF3-8264-4F08772B5760}" dt="2023-03-15T21:04:54.713" v="90" actId="20577"/>
+        <pc:sldMkLst>
+          <pc:docMk/>
+          <pc:sldMk cId="763182894" sldId="264"/>
+        </pc:sldMkLst>
+        <pc:spChg chg="mod">
+          <ac:chgData name="Chuck Kiefriter" userId="c57348f7-b440-4861-a58f-c89f414ea74a" providerId="ADAL" clId="{CEAAE73E-A3C0-4EF3-8264-4F08772B5760}" dt="2023-03-15T21:04:54.713" v="90" actId="20577"/>
+          <ac:spMkLst>
+            <pc:docMk/>
+            <pc:sldMk cId="763182894" sldId="264"/>
+            <ac:spMk id="3" creationId="{23DFC7E9-54DD-38D7-0B9B-D34948D68CF9}"/>
+          </ac:spMkLst>
+        </pc:spChg>
+      </pc:sldChg>
+      <pc:sldChg chg="modSp mod">
+        <pc:chgData name="Chuck Kiefriter" userId="c57348f7-b440-4861-a58f-c89f414ea74a" providerId="ADAL" clId="{CEAAE73E-A3C0-4EF3-8264-4F08772B5760}" dt="2023-03-15T21:05:03.858" v="97" actId="20577"/>
+        <pc:sldMkLst>
+          <pc:docMk/>
+          <pc:sldMk cId="367428708" sldId="265"/>
+        </pc:sldMkLst>
+        <pc:spChg chg="mod">
+          <ac:chgData name="Chuck Kiefriter" userId="c57348f7-b440-4861-a58f-c89f414ea74a" providerId="ADAL" clId="{CEAAE73E-A3C0-4EF3-8264-4F08772B5760}" dt="2023-03-15T21:05:03.858" v="97" actId="20577"/>
+          <ac:spMkLst>
+            <pc:docMk/>
+            <pc:sldMk cId="367428708" sldId="265"/>
+            <ac:spMk id="3" creationId="{23DFC7E9-54DD-38D7-0B9B-D34948D68CF9}"/>
+          </ac:spMkLst>
+        </pc:spChg>
+      </pc:sldChg>
+      <pc:sldChg chg="delSp del mod">
+        <pc:chgData name="Chuck Kiefriter" userId="c57348f7-b440-4861-a58f-c89f414ea74a" providerId="ADAL" clId="{CEAAE73E-A3C0-4EF3-8264-4F08772B5760}" dt="2023-03-20T00:56:01.589" v="451" actId="2696"/>
+        <pc:sldMkLst>
+          <pc:docMk/>
+          <pc:sldMk cId="3472760250" sldId="266"/>
+        </pc:sldMkLst>
+        <pc:picChg chg="del">
+          <ac:chgData name="Chuck Kiefriter" userId="c57348f7-b440-4861-a58f-c89f414ea74a" providerId="ADAL" clId="{CEAAE73E-A3C0-4EF3-8264-4F08772B5760}" dt="2023-03-20T00:55:53.266" v="450" actId="478"/>
+          <ac:picMkLst>
+            <pc:docMk/>
+            <pc:sldMk cId="3472760250" sldId="266"/>
+            <ac:picMk id="12" creationId="{BC86969A-DE0A-FA6D-2E0B-7566AF411A68}"/>
+          </ac:picMkLst>
+        </pc:picChg>
+      </pc:sldChg>
+      <pc:sldChg chg="modSp mod">
+        <pc:chgData name="Chuck Kiefriter" userId="c57348f7-b440-4861-a58f-c89f414ea74a" providerId="ADAL" clId="{CEAAE73E-A3C0-4EF3-8264-4F08772B5760}" dt="2023-03-15T21:05:15.266" v="104" actId="20577"/>
+        <pc:sldMkLst>
+          <pc:docMk/>
+          <pc:sldMk cId="4170465764" sldId="274"/>
+        </pc:sldMkLst>
+        <pc:spChg chg="mod">
+          <ac:chgData name="Chuck Kiefriter" userId="c57348f7-b440-4861-a58f-c89f414ea74a" providerId="ADAL" clId="{CEAAE73E-A3C0-4EF3-8264-4F08772B5760}" dt="2023-03-15T21:05:15.266" v="104" actId="20577"/>
+          <ac:spMkLst>
+            <pc:docMk/>
+            <pc:sldMk cId="4170465764" sldId="274"/>
+            <ac:spMk id="3" creationId="{23DFC7E9-54DD-38D7-0B9B-D34948D68CF9}"/>
+          </ac:spMkLst>
+        </pc:spChg>
+      </pc:sldChg>
+      <pc:sldChg chg="addSp delSp modSp mod">
+        <pc:chgData name="Chuck Kiefriter" userId="c57348f7-b440-4861-a58f-c89f414ea74a" providerId="ADAL" clId="{CEAAE73E-A3C0-4EF3-8264-4F08772B5760}" dt="2023-03-20T02:06:54.913" v="624" actId="207"/>
+        <pc:sldMkLst>
+          <pc:docMk/>
+          <pc:sldMk cId="1513494963" sldId="275"/>
+        </pc:sldMkLst>
+        <pc:spChg chg="add del">
+          <ac:chgData name="Chuck Kiefriter" userId="c57348f7-b440-4861-a58f-c89f414ea74a" providerId="ADAL" clId="{CEAAE73E-A3C0-4EF3-8264-4F08772B5760}" dt="2023-03-20T02:02:35.193" v="575"/>
+          <ac:spMkLst>
+            <pc:docMk/>
+            <pc:sldMk cId="1513494963" sldId="275"/>
+            <ac:spMk id="2" creationId="{BE46888D-AF6D-1D94-6855-0D2BDE1A167F}"/>
+          </ac:spMkLst>
+        </pc:spChg>
+        <pc:spChg chg="mod">
+          <ac:chgData name="Chuck Kiefriter" userId="c57348f7-b440-4861-a58f-c89f414ea74a" providerId="ADAL" clId="{CEAAE73E-A3C0-4EF3-8264-4F08772B5760}" dt="2023-03-20T02:06:54.913" v="624" actId="207"/>
+          <ac:spMkLst>
+            <pc:docMk/>
+            <pc:sldMk cId="1513494963" sldId="275"/>
+            <ac:spMk id="5" creationId="{9DB63145-E59C-9501-8AA5-4E6AC5C0D40F}"/>
+          </ac:spMkLst>
+        </pc:spChg>
+        <pc:spChg chg="mod">
+          <ac:chgData name="Chuck Kiefriter" userId="c57348f7-b440-4861-a58f-c89f414ea74a" providerId="ADAL" clId="{CEAAE73E-A3C0-4EF3-8264-4F08772B5760}" dt="2023-03-20T02:02:54.072" v="598" actId="20577"/>
+          <ac:spMkLst>
+            <pc:docMk/>
+            <pc:sldMk cId="1513494963" sldId="275"/>
+            <ac:spMk id="6" creationId="{59E906CD-110B-9D01-732C-2F21759B0265}"/>
+          </ac:spMkLst>
+        </pc:spChg>
+        <pc:picChg chg="del">
+          <ac:chgData name="Chuck Kiefriter" userId="c57348f7-b440-4861-a58f-c89f414ea74a" providerId="ADAL" clId="{CEAAE73E-A3C0-4EF3-8264-4F08772B5760}" dt="2023-03-20T02:02:29.241" v="573" actId="478"/>
+          <ac:picMkLst>
+            <pc:docMk/>
+            <pc:sldMk cId="1513494963" sldId="275"/>
+            <ac:picMk id="3" creationId="{0E14C303-4A08-9E3D-827C-D6CF995E9C7A}"/>
+          </ac:picMkLst>
+        </pc:picChg>
+      </pc:sldChg>
+      <pc:sldChg chg="addSp delSp modSp mod">
+        <pc:chgData name="Chuck Kiefriter" userId="c57348f7-b440-4861-a58f-c89f414ea74a" providerId="ADAL" clId="{CEAAE73E-A3C0-4EF3-8264-4F08772B5760}" dt="2023-03-20T01:40:14.037" v="572" actId="1035"/>
+        <pc:sldMkLst>
+          <pc:docMk/>
+          <pc:sldMk cId="976671966" sldId="278"/>
+        </pc:sldMkLst>
+        <pc:spChg chg="add mod">
+          <ac:chgData name="Chuck Kiefriter" userId="c57348f7-b440-4861-a58f-c89f414ea74a" providerId="ADAL" clId="{CEAAE73E-A3C0-4EF3-8264-4F08772B5760}" dt="2023-03-20T01:39:58.996" v="563" actId="1076"/>
+          <ac:spMkLst>
+            <pc:docMk/>
+            <pc:sldMk cId="976671966" sldId="278"/>
+            <ac:spMk id="3" creationId="{AECD1743-AE1E-E8A6-57D4-D340FC95D16D}"/>
+          </ac:spMkLst>
+        </pc:spChg>
+        <pc:spChg chg="mod">
+          <ac:chgData name="Chuck Kiefriter" userId="c57348f7-b440-4861-a58f-c89f414ea74a" providerId="ADAL" clId="{CEAAE73E-A3C0-4EF3-8264-4F08772B5760}" dt="2023-03-20T01:39:21.020" v="555" actId="1038"/>
+          <ac:spMkLst>
+            <pc:docMk/>
+            <pc:sldMk cId="976671966" sldId="278"/>
+            <ac:spMk id="4" creationId="{C0B26727-0F97-5A73-B4ED-6BE65E07E5DB}"/>
+          </ac:spMkLst>
+        </pc:spChg>
+        <pc:spChg chg="mod">
+          <ac:chgData name="Chuck Kiefriter" userId="c57348f7-b440-4861-a58f-c89f414ea74a" providerId="ADAL" clId="{CEAAE73E-A3C0-4EF3-8264-4F08772B5760}" dt="2023-03-20T01:06:07.991" v="518" actId="1076"/>
+          <ac:spMkLst>
+            <pc:docMk/>
+            <pc:sldMk cId="976671966" sldId="278"/>
+            <ac:spMk id="6" creationId="{59E906CD-110B-9D01-732C-2F21759B0265}"/>
+          </ac:spMkLst>
+        </pc:spChg>
+        <pc:spChg chg="add mod">
+          <ac:chgData name="Chuck Kiefriter" userId="c57348f7-b440-4861-a58f-c89f414ea74a" providerId="ADAL" clId="{CEAAE73E-A3C0-4EF3-8264-4F08772B5760}" dt="2023-03-20T01:40:14.037" v="572" actId="1035"/>
+          <ac:spMkLst>
+            <pc:docMk/>
+            <pc:sldMk cId="976671966" sldId="278"/>
+            <ac:spMk id="7" creationId="{5DAF20F1-2F34-F140-81DA-E78BF03C81E4}"/>
+          </ac:spMkLst>
+        </pc:spChg>
+        <pc:picChg chg="del">
+          <ac:chgData name="Chuck Kiefriter" userId="c57348f7-b440-4861-a58f-c89f414ea74a" providerId="ADAL" clId="{CEAAE73E-A3C0-4EF3-8264-4F08772B5760}" dt="2023-03-20T00:56:04.277" v="452" actId="478"/>
+          <ac:picMkLst>
+            <pc:docMk/>
+            <pc:sldMk cId="976671966" sldId="278"/>
+            <ac:picMk id="12" creationId="{EDDB08A4-A3C1-182F-A00B-0BE97F3C502C}"/>
+          </ac:picMkLst>
+        </pc:picChg>
+      </pc:sldChg>
+      <pc:sldChg chg="del">
+        <pc:chgData name="Chuck Kiefriter" userId="c57348f7-b440-4861-a58f-c89f414ea74a" providerId="ADAL" clId="{CEAAE73E-A3C0-4EF3-8264-4F08772B5760}" dt="2023-03-20T02:31:42.639" v="625" actId="47"/>
+        <pc:sldMkLst>
+          <pc:docMk/>
+          <pc:sldMk cId="3402929522" sldId="279"/>
+        </pc:sldMkLst>
+      </pc:sldChg>
+      <pc:sldChg chg="modSp mod">
+        <pc:chgData name="Chuck Kiefriter" userId="c57348f7-b440-4861-a58f-c89f414ea74a" providerId="ADAL" clId="{CEAAE73E-A3C0-4EF3-8264-4F08772B5760}" dt="2023-03-15T21:05:31.946" v="118" actId="20577"/>
+        <pc:sldMkLst>
+          <pc:docMk/>
+          <pc:sldMk cId="3395566764" sldId="280"/>
+        </pc:sldMkLst>
+        <pc:spChg chg="mod">
+          <ac:chgData name="Chuck Kiefriter" userId="c57348f7-b440-4861-a58f-c89f414ea74a" providerId="ADAL" clId="{CEAAE73E-A3C0-4EF3-8264-4F08772B5760}" dt="2023-03-15T21:05:31.946" v="118" actId="20577"/>
+          <ac:spMkLst>
+            <pc:docMk/>
+            <pc:sldMk cId="3395566764" sldId="280"/>
+            <ac:spMk id="3" creationId="{23DFC7E9-54DD-38D7-0B9B-D34948D68CF9}"/>
+          </ac:spMkLst>
+        </pc:spChg>
+      </pc:sldChg>
+      <pc:sldChg chg="addSp delSp modSp mod">
+        <pc:chgData name="Chuck Kiefriter" userId="c57348f7-b440-4861-a58f-c89f414ea74a" providerId="ADAL" clId="{CEAAE73E-A3C0-4EF3-8264-4F08772B5760}" dt="2023-03-21T22:58:27.146" v="986" actId="1076"/>
+        <pc:sldMkLst>
+          <pc:docMk/>
+          <pc:sldMk cId="3187156049" sldId="281"/>
+        </pc:sldMkLst>
+        <pc:spChg chg="add del mod">
+          <ac:chgData name="Chuck Kiefriter" userId="c57348f7-b440-4861-a58f-c89f414ea74a" providerId="ADAL" clId="{CEAAE73E-A3C0-4EF3-8264-4F08772B5760}" dt="2023-03-21T22:58:23.744" v="985" actId="478"/>
+          <ac:spMkLst>
+            <pc:docMk/>
+            <pc:sldMk cId="3187156049" sldId="281"/>
+            <ac:spMk id="3" creationId="{B1BCC113-17B8-CD92-4AF4-0B14B609C3EC}"/>
+          </ac:spMkLst>
+        </pc:spChg>
+        <pc:spChg chg="add mod">
+          <ac:chgData name="Chuck Kiefriter" userId="c57348f7-b440-4861-a58f-c89f414ea74a" providerId="ADAL" clId="{CEAAE73E-A3C0-4EF3-8264-4F08772B5760}" dt="2023-03-21T22:53:21.514" v="780" actId="1076"/>
+          <ac:spMkLst>
+            <pc:docMk/>
+            <pc:sldMk cId="3187156049" sldId="281"/>
+            <ac:spMk id="4" creationId="{5F4890C8-248C-DE3F-EFBE-A4EB3744954C}"/>
+          </ac:spMkLst>
+        </pc:spChg>
+        <pc:spChg chg="del mod">
+          <ac:chgData name="Chuck Kiefriter" userId="c57348f7-b440-4861-a58f-c89f414ea74a" providerId="ADAL" clId="{CEAAE73E-A3C0-4EF3-8264-4F08772B5760}" dt="2023-03-21T22:44:00.025" v="764" actId="478"/>
+          <ac:spMkLst>
+            <pc:docMk/>
+            <pc:sldMk cId="3187156049" sldId="281"/>
+            <ac:spMk id="5" creationId="{9DB63145-E59C-9501-8AA5-4E6AC5C0D40F}"/>
+          </ac:spMkLst>
+        </pc:spChg>
+        <pc:spChg chg="mod">
+          <ac:chgData name="Chuck Kiefriter" userId="c57348f7-b440-4861-a58f-c89f414ea74a" providerId="ADAL" clId="{CEAAE73E-A3C0-4EF3-8264-4F08772B5760}" dt="2023-03-20T04:34:19.666" v="743" actId="20577"/>
+          <ac:spMkLst>
+            <pc:docMk/>
+            <pc:sldMk cId="3187156049" sldId="281"/>
+            <ac:spMk id="6" creationId="{59E906CD-110B-9D01-732C-2F21759B0265}"/>
+          </ac:spMkLst>
+        </pc:spChg>
+        <pc:spChg chg="add mod">
+          <ac:chgData name="Chuck Kiefriter" userId="c57348f7-b440-4861-a58f-c89f414ea74a" providerId="ADAL" clId="{CEAAE73E-A3C0-4EF3-8264-4F08772B5760}" dt="2023-03-21T22:54:53.559" v="895" actId="1076"/>
+          <ac:spMkLst>
+            <pc:docMk/>
+            <pc:sldMk cId="3187156049" sldId="281"/>
+            <ac:spMk id="8" creationId="{C70D9D43-254A-0545-002D-C444DCDB15AD}"/>
+          </ac:spMkLst>
+        </pc:spChg>
+        <pc:spChg chg="add del">
+          <ac:chgData name="Chuck Kiefriter" userId="c57348f7-b440-4861-a58f-c89f414ea74a" providerId="ADAL" clId="{CEAAE73E-A3C0-4EF3-8264-4F08772B5760}" dt="2023-03-21T22:52:46.609" v="772"/>
+          <ac:spMkLst>
+            <pc:docMk/>
+            <pc:sldMk cId="3187156049" sldId="281"/>
+            <ac:spMk id="9" creationId="{D91EFD97-7B32-CAFA-DA27-56C69DD1B8B9}"/>
+          </ac:spMkLst>
+        </pc:spChg>
+        <pc:spChg chg="add mod">
+          <ac:chgData name="Chuck Kiefriter" userId="c57348f7-b440-4861-a58f-c89f414ea74a" providerId="ADAL" clId="{CEAAE73E-A3C0-4EF3-8264-4F08772B5760}" dt="2023-03-21T22:57:14.137" v="981" actId="1076"/>
+          <ac:spMkLst>
+            <pc:docMk/>
+            <pc:sldMk cId="3187156049" sldId="281"/>
+            <ac:spMk id="11" creationId="{FBFF1272-6FED-ACD0-CEF8-E11B1DD3B48B}"/>
+          </ac:spMkLst>
+        </pc:spChg>
+        <pc:spChg chg="add mod">
+          <ac:chgData name="Chuck Kiefriter" userId="c57348f7-b440-4861-a58f-c89f414ea74a" providerId="ADAL" clId="{CEAAE73E-A3C0-4EF3-8264-4F08772B5760}" dt="2023-03-21T22:58:27.146" v="986" actId="1076"/>
+          <ac:spMkLst>
+            <pc:docMk/>
+            <pc:sldMk cId="3187156049" sldId="281"/>
+            <ac:spMk id="13" creationId="{54490E19-5FDF-8610-D214-65ABB5B29ACD}"/>
+          </ac:spMkLst>
+        </pc:spChg>
+        <pc:picChg chg="del">
+          <ac:chgData name="Chuck Kiefriter" userId="c57348f7-b440-4861-a58f-c89f414ea74a" providerId="ADAL" clId="{CEAAE73E-A3C0-4EF3-8264-4F08772B5760}" dt="2023-03-20T04:34:21.482" v="744" actId="478"/>
+          <ac:picMkLst>
+            <pc:docMk/>
+            <pc:sldMk cId="3187156049" sldId="281"/>
+            <ac:picMk id="3" creationId="{83E4109A-5F0E-62C4-2DDC-A1744C5BE6B5}"/>
+          </ac:picMkLst>
+        </pc:picChg>
+      </pc:sldChg>
+      <pc:sldChg chg="modSp mod">
+        <pc:chgData name="Chuck Kiefriter" userId="c57348f7-b440-4861-a58f-c89f414ea74a" providerId="ADAL" clId="{CEAAE73E-A3C0-4EF3-8264-4F08772B5760}" dt="2023-03-15T21:06:00.300" v="163" actId="20577"/>
+        <pc:sldMkLst>
+          <pc:docMk/>
+          <pc:sldMk cId="2065140228" sldId="282"/>
+        </pc:sldMkLst>
+        <pc:spChg chg="mod">
+          <ac:chgData name="Chuck Kiefriter" userId="c57348f7-b440-4861-a58f-c89f414ea74a" providerId="ADAL" clId="{CEAAE73E-A3C0-4EF3-8264-4F08772B5760}" dt="2023-03-15T21:06:00.300" v="163" actId="20577"/>
+          <ac:spMkLst>
+            <pc:docMk/>
+            <pc:sldMk cId="2065140228" sldId="282"/>
+            <ac:spMk id="3" creationId="{23DFC7E9-54DD-38D7-0B9B-D34948D68CF9}"/>
+          </ac:spMkLst>
+        </pc:spChg>
+      </pc:sldChg>
+      <pc:sldChg chg="delSp modSp mod">
+        <pc:chgData name="Chuck Kiefriter" userId="c57348f7-b440-4861-a58f-c89f414ea74a" providerId="ADAL" clId="{CEAAE73E-A3C0-4EF3-8264-4F08772B5760}" dt="2023-03-21T23:02:03.008" v="988" actId="6549"/>
+        <pc:sldMkLst>
+          <pc:docMk/>
+          <pc:sldMk cId="1885158462" sldId="283"/>
+        </pc:sldMkLst>
+        <pc:spChg chg="mod">
+          <ac:chgData name="Chuck Kiefriter" userId="c57348f7-b440-4861-a58f-c89f414ea74a" providerId="ADAL" clId="{CEAAE73E-A3C0-4EF3-8264-4F08772B5760}" dt="2023-03-21T23:02:03.008" v="988" actId="6549"/>
+          <ac:spMkLst>
+            <pc:docMk/>
+            <pc:sldMk cId="1885158462" sldId="283"/>
+            <ac:spMk id="5" creationId="{9DB63145-E59C-9501-8AA5-4E6AC5C0D40F}"/>
+          </ac:spMkLst>
+        </pc:spChg>
+        <pc:spChg chg="mod">
+          <ac:chgData name="Chuck Kiefriter" userId="c57348f7-b440-4861-a58f-c89f414ea74a" providerId="ADAL" clId="{CEAAE73E-A3C0-4EF3-8264-4F08772B5760}" dt="2023-03-20T02:33:34.475" v="658" actId="20577"/>
+          <ac:spMkLst>
+            <pc:docMk/>
+            <pc:sldMk cId="1885158462" sldId="283"/>
+            <ac:spMk id="6" creationId="{59E906CD-110B-9D01-732C-2F21759B0265}"/>
+          </ac:spMkLst>
+        </pc:spChg>
+        <pc:spChg chg="del">
+          <ac:chgData name="Chuck Kiefriter" userId="c57348f7-b440-4861-a58f-c89f414ea74a" providerId="ADAL" clId="{CEAAE73E-A3C0-4EF3-8264-4F08772B5760}" dt="2023-03-20T02:33:47.335" v="661" actId="478"/>
+          <ac:spMkLst>
+            <pc:docMk/>
+            <pc:sldMk cId="1885158462" sldId="283"/>
+            <ac:spMk id="8" creationId="{ECD506A8-B7B8-3E79-FA2D-BD62C204B827}"/>
+          </ac:spMkLst>
+        </pc:spChg>
+        <pc:picChg chg="del">
+          <ac:chgData name="Chuck Kiefriter" userId="c57348f7-b440-4861-a58f-c89f414ea74a" providerId="ADAL" clId="{CEAAE73E-A3C0-4EF3-8264-4F08772B5760}" dt="2023-03-20T02:33:38.052" v="659" actId="478"/>
+          <ac:picMkLst>
+            <pc:docMk/>
+            <pc:sldMk cId="1885158462" sldId="283"/>
+            <ac:picMk id="4" creationId="{7C9F3104-C66F-0189-6D64-A0BDCF1B495F}"/>
+          </ac:picMkLst>
+        </pc:picChg>
+      </pc:sldChg>
+      <pc:sldChg chg="del">
+        <pc:chgData name="Chuck Kiefriter" userId="c57348f7-b440-4861-a58f-c89f414ea74a" providerId="ADAL" clId="{CEAAE73E-A3C0-4EF3-8264-4F08772B5760}" dt="2023-03-20T04:03:18.428" v="665" actId="47"/>
+        <pc:sldMkLst>
+          <pc:docMk/>
+          <pc:sldMk cId="356231122" sldId="284"/>
+        </pc:sldMkLst>
+      </pc:sldChg>
+      <pc:sldChg chg="addSp modSp add mod">
+        <pc:chgData name="Chuck Kiefriter" userId="c57348f7-b440-4861-a58f-c89f414ea74a" providerId="ADAL" clId="{CEAAE73E-A3C0-4EF3-8264-4F08772B5760}" dt="2023-03-20T00:39:44.108" v="365" actId="14100"/>
+        <pc:sldMkLst>
+          <pc:docMk/>
+          <pc:sldMk cId="460794980" sldId="285"/>
+        </pc:sldMkLst>
+        <pc:spChg chg="add mod">
+          <ac:chgData name="Chuck Kiefriter" userId="c57348f7-b440-4861-a58f-c89f414ea74a" providerId="ADAL" clId="{CEAAE73E-A3C0-4EF3-8264-4F08772B5760}" dt="2023-03-20T00:37:53.726" v="352" actId="1076"/>
+          <ac:spMkLst>
+            <pc:docMk/>
+            <pc:sldMk cId="460794980" sldId="285"/>
+            <ac:spMk id="4" creationId="{0A9C3E86-2548-ECB5-8430-3E2B6C004107}"/>
+          </ac:spMkLst>
+        </pc:spChg>
+        <pc:spChg chg="mod">
+          <ac:chgData name="Chuck Kiefriter" userId="c57348f7-b440-4861-a58f-c89f414ea74a" providerId="ADAL" clId="{CEAAE73E-A3C0-4EF3-8264-4F08772B5760}" dt="2023-03-20T00:28:09.677" v="229" actId="20577"/>
+          <ac:spMkLst>
+            <pc:docMk/>
+            <pc:sldMk cId="460794980" sldId="285"/>
+            <ac:spMk id="6" creationId="{DE3DBA5A-FA8E-46C6-1402-E5C7632F4CAD}"/>
+          </ac:spMkLst>
+        </pc:spChg>
+        <pc:spChg chg="add mod">
+          <ac:chgData name="Chuck Kiefriter" userId="c57348f7-b440-4861-a58f-c89f414ea74a" providerId="ADAL" clId="{CEAAE73E-A3C0-4EF3-8264-4F08772B5760}" dt="2023-03-20T00:37:53.726" v="352" actId="1076"/>
+          <ac:spMkLst>
+            <pc:docMk/>
+            <pc:sldMk cId="460794980" sldId="285"/>
+            <ac:spMk id="7" creationId="{6078F001-09B3-95A6-FBBF-049E24348AA3}"/>
+          </ac:spMkLst>
+        </pc:spChg>
+        <pc:spChg chg="mod">
+          <ac:chgData name="Chuck Kiefriter" userId="c57348f7-b440-4861-a58f-c89f414ea74a" providerId="ADAL" clId="{CEAAE73E-A3C0-4EF3-8264-4F08772B5760}" dt="2023-03-20T00:36:05.988" v="344" actId="207"/>
+          <ac:spMkLst>
+            <pc:docMk/>
+            <pc:sldMk cId="460794980" sldId="285"/>
+            <ac:spMk id="10" creationId="{EA3D5ED0-1762-C438-DD7C-B32C5582A339}"/>
+          </ac:spMkLst>
+        </pc:spChg>
+        <pc:picChg chg="add mod">
+          <ac:chgData name="Chuck Kiefriter" userId="c57348f7-b440-4861-a58f-c89f414ea74a" providerId="ADAL" clId="{CEAAE73E-A3C0-4EF3-8264-4F08772B5760}" dt="2023-03-20T00:39:44.108" v="365" actId="14100"/>
+          <ac:picMkLst>
+            <pc:docMk/>
+            <pc:sldMk cId="460794980" sldId="285"/>
+            <ac:picMk id="9" creationId="{951D6567-EE71-636D-5131-1733E9CA3EE1}"/>
+          </ac:picMkLst>
+        </pc:picChg>
+        <pc:picChg chg="add mod">
+          <ac:chgData name="Chuck Kiefriter" userId="c57348f7-b440-4861-a58f-c89f414ea74a" providerId="ADAL" clId="{CEAAE73E-A3C0-4EF3-8264-4F08772B5760}" dt="2023-03-20T00:39:41.309" v="364" actId="1076"/>
+          <ac:picMkLst>
+            <pc:docMk/>
+            <pc:sldMk cId="460794980" sldId="285"/>
+            <ac:picMk id="12" creationId="{75DBF1A8-6B47-A236-0E35-BCD7AC30E1AC}"/>
+          </ac:picMkLst>
+        </pc:picChg>
+      </pc:sldChg>
+      <pc:sldChg chg="modSp add mod">
+        <pc:chgData name="Chuck Kiefriter" userId="c57348f7-b440-4861-a58f-c89f414ea74a" providerId="ADAL" clId="{CEAAE73E-A3C0-4EF3-8264-4F08772B5760}" dt="2023-03-20T04:03:46.401" v="693" actId="1076"/>
+        <pc:sldMkLst>
+          <pc:docMk/>
+          <pc:sldMk cId="1155090792" sldId="286"/>
+        </pc:sldMkLst>
+        <pc:spChg chg="mod">
+          <ac:chgData name="Chuck Kiefriter" userId="c57348f7-b440-4861-a58f-c89f414ea74a" providerId="ADAL" clId="{CEAAE73E-A3C0-4EF3-8264-4F08772B5760}" dt="2023-03-20T04:03:46.401" v="693" actId="1076"/>
+          <ac:spMkLst>
+            <pc:docMk/>
+            <pc:sldMk cId="1155090792" sldId="286"/>
+            <ac:spMk id="3" creationId="{23DFC7E9-54DD-38D7-0B9B-D34948D68CF9}"/>
+          </ac:spMkLst>
+        </pc:spChg>
+      </pc:sldChg>
+      <pc:sldChg chg="addSp modSp add mod">
+        <pc:chgData name="Chuck Kiefriter" userId="c57348f7-b440-4861-a58f-c89f414ea74a" providerId="ADAL" clId="{CEAAE73E-A3C0-4EF3-8264-4F08772B5760}" dt="2023-03-20T04:06:13.253" v="729" actId="1076"/>
+        <pc:sldMkLst>
+          <pc:docMk/>
+          <pc:sldMk cId="424094208" sldId="287"/>
+        </pc:sldMkLst>
+        <pc:spChg chg="add mod">
+          <ac:chgData name="Chuck Kiefriter" userId="c57348f7-b440-4861-a58f-c89f414ea74a" providerId="ADAL" clId="{CEAAE73E-A3C0-4EF3-8264-4F08772B5760}" dt="2023-03-20T04:06:13.253" v="729" actId="1076"/>
+          <ac:spMkLst>
+            <pc:docMk/>
+            <pc:sldMk cId="424094208" sldId="287"/>
+            <ac:spMk id="3" creationId="{FF9F9172-C924-1C79-FA1B-3659223D7D26}"/>
+          </ac:spMkLst>
+        </pc:spChg>
+        <pc:spChg chg="mod">
+          <ac:chgData name="Chuck Kiefriter" userId="c57348f7-b440-4861-a58f-c89f414ea74a" providerId="ADAL" clId="{CEAAE73E-A3C0-4EF3-8264-4F08772B5760}" dt="2023-03-20T04:04:56.478" v="721" actId="6549"/>
+          <ac:spMkLst>
+            <pc:docMk/>
+            <pc:sldMk cId="424094208" sldId="287"/>
+            <ac:spMk id="5" creationId="{9DB63145-E59C-9501-8AA5-4E6AC5C0D40F}"/>
+          </ac:spMkLst>
+        </pc:spChg>
+        <pc:spChg chg="mod">
+          <ac:chgData name="Chuck Kiefriter" userId="c57348f7-b440-4861-a58f-c89f414ea74a" providerId="ADAL" clId="{CEAAE73E-A3C0-4EF3-8264-4F08772B5760}" dt="2023-03-20T04:03:56.659" v="717" actId="20577"/>
+          <ac:spMkLst>
+            <pc:docMk/>
+            <pc:sldMk cId="424094208" sldId="287"/>
+            <ac:spMk id="6" creationId="{59E906CD-110B-9D01-732C-2F21759B0265}"/>
+          </ac:spMkLst>
+        </pc:spChg>
+      </pc:sldChg>
+    </pc:docChg>
+  </pc:docChgLst>
+  <pc:docChgLst>
     <pc:chgData name="Chuck Kiefriter" userId="c57348f7-b440-4861-a58f-c89f414ea74a" providerId="ADAL" clId="{C2FDF4A5-FE03-4269-B12C-3FB90C87A25C}"/>
     <pc:docChg chg="undo custSel addSld delSld modSld">
       <pc:chgData name="Chuck Kiefriter" userId="c57348f7-b440-4861-a58f-c89f414ea74a" providerId="ADAL" clId="{C2FDF4A5-FE03-4269-B12C-3FB90C87A25C}" dt="2023-03-13T13:55:28.054" v="1574" actId="20577"/>
@@ -1248,1337 +2712,6 @@
             <ac:spMk id="6" creationId="{59E906CD-110B-9D01-732C-2F21759B0265}"/>
           </ac:spMkLst>
         </pc:spChg>
-      </pc:sldChg>
-    </pc:docChg>
-  </pc:docChgLst>
-  <pc:docChgLst>
-    <pc:chgData name="Chuck Kiefriter" userId="c57348f7-b440-4861-a58f-c89f414ea74a" providerId="ADAL" clId="{C11307D8-F416-4216-B85A-47312E9494DC}"/>
-    <pc:docChg chg="undo custSel addSld delSld modSld sldOrd">
-      <pc:chgData name="Chuck Kiefriter" userId="c57348f7-b440-4861-a58f-c89f414ea74a" providerId="ADAL" clId="{C11307D8-F416-4216-B85A-47312E9494DC}" dt="2023-04-05T01:39:50.392" v="1445" actId="1076"/>
-      <pc:docMkLst>
-        <pc:docMk/>
-      </pc:docMkLst>
-      <pc:sldChg chg="delSp modSp mod">
-        <pc:chgData name="Chuck Kiefriter" userId="c57348f7-b440-4861-a58f-c89f414ea74a" providerId="ADAL" clId="{C11307D8-F416-4216-B85A-47312E9494DC}" dt="2023-04-04T22:40:58.023" v="1441" actId="20577"/>
-        <pc:sldMkLst>
-          <pc:docMk/>
-          <pc:sldMk cId="3995279466" sldId="256"/>
-        </pc:sldMkLst>
-        <pc:spChg chg="mod">
-          <ac:chgData name="Chuck Kiefriter" userId="c57348f7-b440-4861-a58f-c89f414ea74a" providerId="ADAL" clId="{C11307D8-F416-4216-B85A-47312E9494DC}" dt="2023-04-02T22:19:13.359" v="199" actId="14100"/>
-          <ac:spMkLst>
-            <pc:docMk/>
-            <pc:sldMk cId="3995279466" sldId="256"/>
-            <ac:spMk id="6" creationId="{DE3DBA5A-FA8E-46C6-1402-E5C7632F4CAD}"/>
-          </ac:spMkLst>
-        </pc:spChg>
-        <pc:spChg chg="mod">
-          <ac:chgData name="Chuck Kiefriter" userId="c57348f7-b440-4861-a58f-c89f414ea74a" providerId="ADAL" clId="{C11307D8-F416-4216-B85A-47312E9494DC}" dt="2023-04-04T22:40:58.023" v="1441" actId="20577"/>
-          <ac:spMkLst>
-            <pc:docMk/>
-            <pc:sldMk cId="3995279466" sldId="256"/>
-            <ac:spMk id="10" creationId="{EA3D5ED0-1762-C438-DD7C-B32C5582A339}"/>
-          </ac:spMkLst>
-        </pc:spChg>
-        <pc:spChg chg="del">
-          <ac:chgData name="Chuck Kiefriter" userId="c57348f7-b440-4861-a58f-c89f414ea74a" providerId="ADAL" clId="{C11307D8-F416-4216-B85A-47312E9494DC}" dt="2023-04-02T22:23:05.499" v="213" actId="478"/>
-          <ac:spMkLst>
-            <pc:docMk/>
-            <pc:sldMk cId="3995279466" sldId="256"/>
-            <ac:spMk id="11" creationId="{8C44B216-C75C-0589-1A08-E1736DCD43C5}"/>
-          </ac:spMkLst>
-        </pc:spChg>
-        <pc:picChg chg="del">
-          <ac:chgData name="Chuck Kiefriter" userId="c57348f7-b440-4861-a58f-c89f414ea74a" providerId="ADAL" clId="{C11307D8-F416-4216-B85A-47312E9494DC}" dt="2023-04-02T22:19:15.896" v="200" actId="478"/>
-          <ac:picMkLst>
-            <pc:docMk/>
-            <pc:sldMk cId="3995279466" sldId="256"/>
-            <ac:picMk id="5" creationId="{C730C03D-0D57-7578-992D-93F2E9FFBCB8}"/>
-          </ac:picMkLst>
-        </pc:picChg>
-      </pc:sldChg>
-      <pc:sldChg chg="modSp mod">
-        <pc:chgData name="Chuck Kiefriter" userId="c57348f7-b440-4861-a58f-c89f414ea74a" providerId="ADAL" clId="{C11307D8-F416-4216-B85A-47312E9494DC}" dt="2023-04-02T22:18:27.703" v="153" actId="20577"/>
-        <pc:sldMkLst>
-          <pc:docMk/>
-          <pc:sldMk cId="3194223319" sldId="263"/>
-        </pc:sldMkLst>
-        <pc:spChg chg="mod">
-          <ac:chgData name="Chuck Kiefriter" userId="c57348f7-b440-4861-a58f-c89f414ea74a" providerId="ADAL" clId="{C11307D8-F416-4216-B85A-47312E9494DC}" dt="2023-04-02T22:18:27.703" v="153" actId="20577"/>
-          <ac:spMkLst>
-            <pc:docMk/>
-            <pc:sldMk cId="3194223319" sldId="263"/>
-            <ac:spMk id="3" creationId="{23DFC7E9-54DD-38D7-0B9B-D34948D68CF9}"/>
-          </ac:spMkLst>
-        </pc:spChg>
-      </pc:sldChg>
-      <pc:sldChg chg="modSp mod">
-        <pc:chgData name="Chuck Kiefriter" userId="c57348f7-b440-4861-a58f-c89f414ea74a" providerId="ADAL" clId="{C11307D8-F416-4216-B85A-47312E9494DC}" dt="2023-04-02T22:18:46.219" v="157" actId="14100"/>
-        <pc:sldMkLst>
-          <pc:docMk/>
-          <pc:sldMk cId="763182894" sldId="264"/>
-        </pc:sldMkLst>
-        <pc:spChg chg="mod">
-          <ac:chgData name="Chuck Kiefriter" userId="c57348f7-b440-4861-a58f-c89f414ea74a" providerId="ADAL" clId="{C11307D8-F416-4216-B85A-47312E9494DC}" dt="2023-04-02T22:18:46.219" v="157" actId="14100"/>
-          <ac:spMkLst>
-            <pc:docMk/>
-            <pc:sldMk cId="763182894" sldId="264"/>
-            <ac:spMk id="3" creationId="{23DFC7E9-54DD-38D7-0B9B-D34948D68CF9}"/>
-          </ac:spMkLst>
-        </pc:spChg>
-      </pc:sldChg>
-      <pc:sldChg chg="modSp mod">
-        <pc:chgData name="Chuck Kiefriter" userId="c57348f7-b440-4861-a58f-c89f414ea74a" providerId="ADAL" clId="{C11307D8-F416-4216-B85A-47312E9494DC}" dt="2023-04-03T15:01:38.405" v="654" actId="20577"/>
-        <pc:sldMkLst>
-          <pc:docMk/>
-          <pc:sldMk cId="367428708" sldId="265"/>
-        </pc:sldMkLst>
-        <pc:spChg chg="mod">
-          <ac:chgData name="Chuck Kiefriter" userId="c57348f7-b440-4861-a58f-c89f414ea74a" providerId="ADAL" clId="{C11307D8-F416-4216-B85A-47312E9494DC}" dt="2023-04-03T15:01:38.405" v="654" actId="20577"/>
-          <ac:spMkLst>
-            <pc:docMk/>
-            <pc:sldMk cId="367428708" sldId="265"/>
-            <ac:spMk id="3" creationId="{23DFC7E9-54DD-38D7-0B9B-D34948D68CF9}"/>
-          </ac:spMkLst>
-        </pc:spChg>
-      </pc:sldChg>
-      <pc:sldChg chg="addSp delSp modSp mod">
-        <pc:chgData name="Chuck Kiefriter" userId="c57348f7-b440-4861-a58f-c89f414ea74a" providerId="ADAL" clId="{C11307D8-F416-4216-B85A-47312E9494DC}" dt="2023-04-04T18:57:23.796" v="1425" actId="207"/>
-        <pc:sldMkLst>
-          <pc:docMk/>
-          <pc:sldMk cId="976671966" sldId="278"/>
-        </pc:sldMkLst>
-        <pc:spChg chg="add mod">
-          <ac:chgData name="Chuck Kiefriter" userId="c57348f7-b440-4861-a58f-c89f414ea74a" providerId="ADAL" clId="{C11307D8-F416-4216-B85A-47312E9494DC}" dt="2023-04-03T15:28:39.411" v="808" actId="1038"/>
-          <ac:spMkLst>
-            <pc:docMk/>
-            <pc:sldMk cId="976671966" sldId="278"/>
-            <ac:spMk id="3" creationId="{C9DDF84E-4B1D-A8C8-4D2B-5582BF58B0D3}"/>
-          </ac:spMkLst>
-        </pc:spChg>
-        <pc:spChg chg="mod">
-          <ac:chgData name="Chuck Kiefriter" userId="c57348f7-b440-4861-a58f-c89f414ea74a" providerId="ADAL" clId="{C11307D8-F416-4216-B85A-47312E9494DC}" dt="2023-04-04T18:57:23.796" v="1425" actId="207"/>
-          <ac:spMkLst>
-            <pc:docMk/>
-            <pc:sldMk cId="976671966" sldId="278"/>
-            <ac:spMk id="4" creationId="{C0B26727-0F97-5A73-B4ED-6BE65E07E5DB}"/>
-          </ac:spMkLst>
-        </pc:spChg>
-        <pc:spChg chg="del">
-          <ac:chgData name="Chuck Kiefriter" userId="c57348f7-b440-4861-a58f-c89f414ea74a" providerId="ADAL" clId="{C11307D8-F416-4216-B85A-47312E9494DC}" dt="2023-04-03T15:02:16.058" v="665" actId="478"/>
-          <ac:spMkLst>
-            <pc:docMk/>
-            <pc:sldMk cId="976671966" sldId="278"/>
-            <ac:spMk id="5" creationId="{983625D7-1156-1D51-0A49-6B0357B75EF4}"/>
-          </ac:spMkLst>
-        </pc:spChg>
-        <pc:spChg chg="mod">
-          <ac:chgData name="Chuck Kiefriter" userId="c57348f7-b440-4861-a58f-c89f414ea74a" providerId="ADAL" clId="{C11307D8-F416-4216-B85A-47312E9494DC}" dt="2023-04-03T15:02:10.368" v="664" actId="20577"/>
-          <ac:spMkLst>
-            <pc:docMk/>
-            <pc:sldMk cId="976671966" sldId="278"/>
-            <ac:spMk id="6" creationId="{59E906CD-110B-9D01-732C-2F21759B0265}"/>
-          </ac:spMkLst>
-        </pc:spChg>
-        <pc:spChg chg="add mod">
-          <ac:chgData name="Chuck Kiefriter" userId="c57348f7-b440-4861-a58f-c89f414ea74a" providerId="ADAL" clId="{C11307D8-F416-4216-B85A-47312E9494DC}" dt="2023-04-03T17:15:25.128" v="1318" actId="1076"/>
-          <ac:spMkLst>
-            <pc:docMk/>
-            <pc:sldMk cId="976671966" sldId="278"/>
-            <ac:spMk id="8" creationId="{9FF17257-FCFA-B5FD-1F98-96E3F7F501FF}"/>
-          </ac:spMkLst>
-        </pc:spChg>
-        <pc:spChg chg="del">
-          <ac:chgData name="Chuck Kiefriter" userId="c57348f7-b440-4861-a58f-c89f414ea74a" providerId="ADAL" clId="{C11307D8-F416-4216-B85A-47312E9494DC}" dt="2023-04-03T15:02:16.058" v="665" actId="478"/>
-          <ac:spMkLst>
-            <pc:docMk/>
-            <pc:sldMk cId="976671966" sldId="278"/>
-            <ac:spMk id="9" creationId="{E3EBAC68-1411-42B9-71E1-6CD3E49066B5}"/>
-          </ac:spMkLst>
-        </pc:spChg>
-      </pc:sldChg>
-      <pc:sldChg chg="modSp mod">
-        <pc:chgData name="Chuck Kiefriter" userId="c57348f7-b440-4861-a58f-c89f414ea74a" providerId="ADAL" clId="{C11307D8-F416-4216-B85A-47312E9494DC}" dt="2023-04-03T17:20:27.754" v="1333" actId="20577"/>
-        <pc:sldMkLst>
-          <pc:docMk/>
-          <pc:sldMk cId="1155090792" sldId="286"/>
-        </pc:sldMkLst>
-        <pc:spChg chg="mod">
-          <ac:chgData name="Chuck Kiefriter" userId="c57348f7-b440-4861-a58f-c89f414ea74a" providerId="ADAL" clId="{C11307D8-F416-4216-B85A-47312E9494DC}" dt="2023-04-03T17:20:27.754" v="1333" actId="20577"/>
-          <ac:spMkLst>
-            <pc:docMk/>
-            <pc:sldMk cId="1155090792" sldId="286"/>
-            <ac:spMk id="3" creationId="{23DFC7E9-54DD-38D7-0B9B-D34948D68CF9}"/>
-          </ac:spMkLst>
-        </pc:spChg>
-      </pc:sldChg>
-      <pc:sldChg chg="modSp mod">
-        <pc:chgData name="Chuck Kiefriter" userId="c57348f7-b440-4861-a58f-c89f414ea74a" providerId="ADAL" clId="{C11307D8-F416-4216-B85A-47312E9494DC}" dt="2023-04-03T18:49:25.647" v="1381" actId="20577"/>
-        <pc:sldMkLst>
-          <pc:docMk/>
-          <pc:sldMk cId="424094208" sldId="287"/>
-        </pc:sldMkLst>
-        <pc:spChg chg="mod">
-          <ac:chgData name="Chuck Kiefriter" userId="c57348f7-b440-4861-a58f-c89f414ea74a" providerId="ADAL" clId="{C11307D8-F416-4216-B85A-47312E9494DC}" dt="2023-04-03T18:49:25.647" v="1381" actId="20577"/>
-          <ac:spMkLst>
-            <pc:docMk/>
-            <pc:sldMk cId="424094208" sldId="287"/>
-            <ac:spMk id="5" creationId="{9DB63145-E59C-9501-8AA5-4E6AC5C0D40F}"/>
-          </ac:spMkLst>
-        </pc:spChg>
-      </pc:sldChg>
-      <pc:sldChg chg="del">
-        <pc:chgData name="Chuck Kiefriter" userId="c57348f7-b440-4861-a58f-c89f414ea74a" providerId="ADAL" clId="{C11307D8-F416-4216-B85A-47312E9494DC}" dt="2023-04-02T22:24:00.552" v="217" actId="47"/>
-        <pc:sldMkLst>
-          <pc:docMk/>
-          <pc:sldMk cId="834285187" sldId="288"/>
-        </pc:sldMkLst>
-      </pc:sldChg>
-      <pc:sldChg chg="del">
-        <pc:chgData name="Chuck Kiefriter" userId="c57348f7-b440-4861-a58f-c89f414ea74a" providerId="ADAL" clId="{C11307D8-F416-4216-B85A-47312E9494DC}" dt="2023-04-03T15:08:27.437" v="744" actId="47"/>
-        <pc:sldMkLst>
-          <pc:docMk/>
-          <pc:sldMk cId="3007476099" sldId="289"/>
-        </pc:sldMkLst>
-      </pc:sldChg>
-      <pc:sldChg chg="del">
-        <pc:chgData name="Chuck Kiefriter" userId="c57348f7-b440-4861-a58f-c89f414ea74a" providerId="ADAL" clId="{C11307D8-F416-4216-B85A-47312E9494DC}" dt="2023-04-03T15:08:28.915" v="745" actId="47"/>
-        <pc:sldMkLst>
-          <pc:docMk/>
-          <pc:sldMk cId="2491041013" sldId="290"/>
-        </pc:sldMkLst>
-      </pc:sldChg>
-      <pc:sldChg chg="del">
-        <pc:chgData name="Chuck Kiefriter" userId="c57348f7-b440-4861-a58f-c89f414ea74a" providerId="ADAL" clId="{C11307D8-F416-4216-B85A-47312E9494DC}" dt="2023-04-03T15:08:29.838" v="746" actId="47"/>
-        <pc:sldMkLst>
-          <pc:docMk/>
-          <pc:sldMk cId="491903796" sldId="291"/>
-        </pc:sldMkLst>
-      </pc:sldChg>
-      <pc:sldChg chg="del">
-        <pc:chgData name="Chuck Kiefriter" userId="c57348f7-b440-4861-a58f-c89f414ea74a" providerId="ADAL" clId="{C11307D8-F416-4216-B85A-47312E9494DC}" dt="2023-04-03T15:08:31.482" v="747" actId="47"/>
-        <pc:sldMkLst>
-          <pc:docMk/>
-          <pc:sldMk cId="1538833485" sldId="292"/>
-        </pc:sldMkLst>
-      </pc:sldChg>
-      <pc:sldChg chg="addSp modSp add mod">
-        <pc:chgData name="Chuck Kiefriter" userId="c57348f7-b440-4861-a58f-c89f414ea74a" providerId="ADAL" clId="{C11307D8-F416-4216-B85A-47312E9494DC}" dt="2023-04-04T22:37:32.693" v="1436" actId="1076"/>
-        <pc:sldMkLst>
-          <pc:docMk/>
-          <pc:sldMk cId="250210305" sldId="293"/>
-        </pc:sldMkLst>
-        <pc:spChg chg="mod">
-          <ac:chgData name="Chuck Kiefriter" userId="c57348f7-b440-4861-a58f-c89f414ea74a" providerId="ADAL" clId="{C11307D8-F416-4216-B85A-47312E9494DC}" dt="2023-04-02T22:25:04.220" v="238" actId="20577"/>
-          <ac:spMkLst>
-            <pc:docMk/>
-            <pc:sldMk cId="250210305" sldId="293"/>
-            <ac:spMk id="6" creationId="{DE3DBA5A-FA8E-46C6-1402-E5C7632F4CAD}"/>
-          </ac:spMkLst>
-        </pc:spChg>
-        <pc:spChg chg="mod">
-          <ac:chgData name="Chuck Kiefriter" userId="c57348f7-b440-4861-a58f-c89f414ea74a" providerId="ADAL" clId="{C11307D8-F416-4216-B85A-47312E9494DC}" dt="2023-04-02T22:34:44.575" v="335" actId="1036"/>
-          <ac:spMkLst>
-            <pc:docMk/>
-            <pc:sldMk cId="250210305" sldId="293"/>
-            <ac:spMk id="10" creationId="{EA3D5ED0-1762-C438-DD7C-B32C5582A339}"/>
-          </ac:spMkLst>
-        </pc:spChg>
-        <pc:graphicFrameChg chg="add mod modGraphic">
-          <ac:chgData name="Chuck Kiefriter" userId="c57348f7-b440-4861-a58f-c89f414ea74a" providerId="ADAL" clId="{C11307D8-F416-4216-B85A-47312E9494DC}" dt="2023-04-02T22:34:15.597" v="311" actId="207"/>
-          <ac:graphicFrameMkLst>
-            <pc:docMk/>
-            <pc:sldMk cId="250210305" sldId="293"/>
-            <ac:graphicFrameMk id="2" creationId="{37BDF7BB-E95F-A1D6-91B0-C82B570617A0}"/>
-          </ac:graphicFrameMkLst>
-        </pc:graphicFrameChg>
-        <pc:picChg chg="add mod">
-          <ac:chgData name="Chuck Kiefriter" userId="c57348f7-b440-4861-a58f-c89f414ea74a" providerId="ADAL" clId="{C11307D8-F416-4216-B85A-47312E9494DC}" dt="2023-04-02T22:31:46.068" v="292" actId="1076"/>
-          <ac:picMkLst>
-            <pc:docMk/>
-            <pc:sldMk cId="250210305" sldId="293"/>
-            <ac:picMk id="4" creationId="{7CB28188-CD37-F6A4-6D3C-70765550BD6C}"/>
-          </ac:picMkLst>
-        </pc:picChg>
-        <pc:picChg chg="add mod">
-          <ac:chgData name="Chuck Kiefriter" userId="c57348f7-b440-4861-a58f-c89f414ea74a" providerId="ADAL" clId="{C11307D8-F416-4216-B85A-47312E9494DC}" dt="2023-04-04T22:37:32.693" v="1436" actId="1076"/>
-          <ac:picMkLst>
-            <pc:docMk/>
-            <pc:sldMk cId="250210305" sldId="293"/>
-            <ac:picMk id="5" creationId="{53DF2F7F-7B17-ADB3-6B4E-639563DF2A2A}"/>
-          </ac:picMkLst>
-        </pc:picChg>
-      </pc:sldChg>
-      <pc:sldChg chg="addSp delSp modSp add mod">
-        <pc:chgData name="Chuck Kiefriter" userId="c57348f7-b440-4861-a58f-c89f414ea74a" providerId="ADAL" clId="{C11307D8-F416-4216-B85A-47312E9494DC}" dt="2023-04-02T23:08:14.894" v="563" actId="207"/>
-        <pc:sldMkLst>
-          <pc:docMk/>
-          <pc:sldMk cId="2393746750" sldId="294"/>
-        </pc:sldMkLst>
-        <pc:spChg chg="add mod">
-          <ac:chgData name="Chuck Kiefriter" userId="c57348f7-b440-4861-a58f-c89f414ea74a" providerId="ADAL" clId="{C11307D8-F416-4216-B85A-47312E9494DC}" dt="2023-04-02T22:57:18.640" v="499" actId="1076"/>
-          <ac:spMkLst>
-            <pc:docMk/>
-            <pc:sldMk cId="2393746750" sldId="294"/>
-            <ac:spMk id="5" creationId="{2F91AB46-91B6-D008-FAC4-1461717C6E0C}"/>
-          </ac:spMkLst>
-        </pc:spChg>
-        <pc:spChg chg="mod">
-          <ac:chgData name="Chuck Kiefriter" userId="c57348f7-b440-4861-a58f-c89f414ea74a" providerId="ADAL" clId="{C11307D8-F416-4216-B85A-47312E9494DC}" dt="2023-04-02T22:47:27.050" v="410" actId="20577"/>
-          <ac:spMkLst>
-            <pc:docMk/>
-            <pc:sldMk cId="2393746750" sldId="294"/>
-            <ac:spMk id="6" creationId="{DE3DBA5A-FA8E-46C6-1402-E5C7632F4CAD}"/>
-          </ac:spMkLst>
-        </pc:spChg>
-        <pc:spChg chg="add mod">
-          <ac:chgData name="Chuck Kiefriter" userId="c57348f7-b440-4861-a58f-c89f414ea74a" providerId="ADAL" clId="{C11307D8-F416-4216-B85A-47312E9494DC}" dt="2023-04-02T23:05:15.025" v="512" actId="1076"/>
-          <ac:spMkLst>
-            <pc:docMk/>
-            <pc:sldMk cId="2393746750" sldId="294"/>
-            <ac:spMk id="8" creationId="{D447757E-C9A6-66AC-8AF6-FAEF70B9920F}"/>
-          </ac:spMkLst>
-        </pc:spChg>
-        <pc:spChg chg="mod">
-          <ac:chgData name="Chuck Kiefriter" userId="c57348f7-b440-4861-a58f-c89f414ea74a" providerId="ADAL" clId="{C11307D8-F416-4216-B85A-47312E9494DC}" dt="2023-04-02T23:08:14.894" v="563" actId="207"/>
-          <ac:spMkLst>
-            <pc:docMk/>
-            <pc:sldMk cId="2393746750" sldId="294"/>
-            <ac:spMk id="10" creationId="{EA3D5ED0-1762-C438-DD7C-B32C5582A339}"/>
-          </ac:spMkLst>
-        </pc:spChg>
-        <pc:spChg chg="add mod">
-          <ac:chgData name="Chuck Kiefriter" userId="c57348f7-b440-4861-a58f-c89f414ea74a" providerId="ADAL" clId="{C11307D8-F416-4216-B85A-47312E9494DC}" dt="2023-04-02T23:05:37.879" v="515" actId="14100"/>
-          <ac:spMkLst>
-            <pc:docMk/>
-            <pc:sldMk cId="2393746750" sldId="294"/>
-            <ac:spMk id="11" creationId="{18375F9A-28E2-5B4B-53E5-365BF1F164F0}"/>
-          </ac:spMkLst>
-        </pc:spChg>
-        <pc:spChg chg="add mod">
-          <ac:chgData name="Chuck Kiefriter" userId="c57348f7-b440-4861-a58f-c89f414ea74a" providerId="ADAL" clId="{C11307D8-F416-4216-B85A-47312E9494DC}" dt="2023-04-02T23:06:07.710" v="536" actId="1036"/>
-          <ac:spMkLst>
-            <pc:docMk/>
-            <pc:sldMk cId="2393746750" sldId="294"/>
-            <ac:spMk id="13" creationId="{61BB3492-71A0-D931-F8EC-53AE6AE410A9}"/>
-          </ac:spMkLst>
-        </pc:spChg>
-        <pc:graphicFrameChg chg="del">
-          <ac:chgData name="Chuck Kiefriter" userId="c57348f7-b440-4861-a58f-c89f414ea74a" providerId="ADAL" clId="{C11307D8-F416-4216-B85A-47312E9494DC}" dt="2023-04-02T22:46:54.432" v="388" actId="478"/>
-          <ac:graphicFrameMkLst>
-            <pc:docMk/>
-            <pc:sldMk cId="2393746750" sldId="294"/>
-            <ac:graphicFrameMk id="2" creationId="{37BDF7BB-E95F-A1D6-91B0-C82B570617A0}"/>
-          </ac:graphicFrameMkLst>
-        </pc:graphicFrameChg>
-        <pc:picChg chg="del">
-          <ac:chgData name="Chuck Kiefriter" userId="c57348f7-b440-4861-a58f-c89f414ea74a" providerId="ADAL" clId="{C11307D8-F416-4216-B85A-47312E9494DC}" dt="2023-04-02T22:46:57.054" v="389" actId="478"/>
-          <ac:picMkLst>
-            <pc:docMk/>
-            <pc:sldMk cId="2393746750" sldId="294"/>
-            <ac:picMk id="4" creationId="{7CB28188-CD37-F6A4-6D3C-70765550BD6C}"/>
-          </ac:picMkLst>
-        </pc:picChg>
-      </pc:sldChg>
-      <pc:sldChg chg="modSp add mod">
-        <pc:chgData name="Chuck Kiefriter" userId="c57348f7-b440-4861-a58f-c89f414ea74a" providerId="ADAL" clId="{C11307D8-F416-4216-B85A-47312E9494DC}" dt="2023-04-02T23:11:48.745" v="585" actId="5793"/>
-        <pc:sldMkLst>
-          <pc:docMk/>
-          <pc:sldMk cId="3934503907" sldId="295"/>
-        </pc:sldMkLst>
-        <pc:spChg chg="mod">
-          <ac:chgData name="Chuck Kiefriter" userId="c57348f7-b440-4861-a58f-c89f414ea74a" providerId="ADAL" clId="{C11307D8-F416-4216-B85A-47312E9494DC}" dt="2023-04-02T23:09:06.656" v="565" actId="6549"/>
-          <ac:spMkLst>
-            <pc:docMk/>
-            <pc:sldMk cId="3934503907" sldId="295"/>
-            <ac:spMk id="6" creationId="{DE3DBA5A-FA8E-46C6-1402-E5C7632F4CAD}"/>
-          </ac:spMkLst>
-        </pc:spChg>
-        <pc:spChg chg="mod">
-          <ac:chgData name="Chuck Kiefriter" userId="c57348f7-b440-4861-a58f-c89f414ea74a" providerId="ADAL" clId="{C11307D8-F416-4216-B85A-47312E9494DC}" dt="2023-04-02T23:11:48.745" v="585" actId="5793"/>
-          <ac:spMkLst>
-            <pc:docMk/>
-            <pc:sldMk cId="3934503907" sldId="295"/>
-            <ac:spMk id="10" creationId="{EA3D5ED0-1762-C438-DD7C-B32C5582A339}"/>
-          </ac:spMkLst>
-        </pc:spChg>
-      </pc:sldChg>
-      <pc:sldChg chg="addSp modSp add mod">
-        <pc:chgData name="Chuck Kiefriter" userId="c57348f7-b440-4861-a58f-c89f414ea74a" providerId="ADAL" clId="{C11307D8-F416-4216-B85A-47312E9494DC}" dt="2023-04-03T18:11:13.271" v="1353" actId="6549"/>
-        <pc:sldMkLst>
-          <pc:docMk/>
-          <pc:sldMk cId="1076239930" sldId="296"/>
-        </pc:sldMkLst>
-        <pc:spChg chg="add mod">
-          <ac:chgData name="Chuck Kiefriter" userId="c57348f7-b440-4861-a58f-c89f414ea74a" providerId="ADAL" clId="{C11307D8-F416-4216-B85A-47312E9494DC}" dt="2023-04-03T15:00:52.531" v="644" actId="1076"/>
-          <ac:spMkLst>
-            <pc:docMk/>
-            <pc:sldMk cId="1076239930" sldId="296"/>
-            <ac:spMk id="3" creationId="{4147B091-8768-D6A8-FF68-DEC06014D579}"/>
-          </ac:spMkLst>
-        </pc:spChg>
-        <pc:spChg chg="mod">
-          <ac:chgData name="Chuck Kiefriter" userId="c57348f7-b440-4861-a58f-c89f414ea74a" providerId="ADAL" clId="{C11307D8-F416-4216-B85A-47312E9494DC}" dt="2023-04-03T15:00:29.665" v="640" actId="1035"/>
-          <ac:spMkLst>
-            <pc:docMk/>
-            <pc:sldMk cId="1076239930" sldId="296"/>
-            <ac:spMk id="6" creationId="{DE3DBA5A-FA8E-46C6-1402-E5C7632F4CAD}"/>
-          </ac:spMkLst>
-        </pc:spChg>
-        <pc:spChg chg="mod">
-          <ac:chgData name="Chuck Kiefriter" userId="c57348f7-b440-4861-a58f-c89f414ea74a" providerId="ADAL" clId="{C11307D8-F416-4216-B85A-47312E9494DC}" dt="2023-04-03T18:11:13.271" v="1353" actId="6549"/>
-          <ac:spMkLst>
-            <pc:docMk/>
-            <pc:sldMk cId="1076239930" sldId="296"/>
-            <ac:spMk id="10" creationId="{EA3D5ED0-1762-C438-DD7C-B32C5582A339}"/>
-          </ac:spMkLst>
-        </pc:spChg>
-      </pc:sldChg>
-      <pc:sldChg chg="addSp delSp modSp add mod">
-        <pc:chgData name="Chuck Kiefriter" userId="c57348f7-b440-4861-a58f-c89f414ea74a" providerId="ADAL" clId="{C11307D8-F416-4216-B85A-47312E9494DC}" dt="2023-04-04T18:58:19.446" v="1426" actId="207"/>
-        <pc:sldMkLst>
-          <pc:docMk/>
-          <pc:sldMk cId="2586908395" sldId="297"/>
-        </pc:sldMkLst>
-        <pc:spChg chg="add del">
-          <ac:chgData name="Chuck Kiefriter" userId="c57348f7-b440-4861-a58f-c89f414ea74a" providerId="ADAL" clId="{C11307D8-F416-4216-B85A-47312E9494DC}" dt="2023-04-03T15:12:27.009" v="762"/>
-          <ac:spMkLst>
-            <pc:docMk/>
-            <pc:sldMk cId="2586908395" sldId="297"/>
-            <ac:spMk id="2" creationId="{3F616592-3C02-0860-84A0-E3BEDB39760F}"/>
-          </ac:spMkLst>
-        </pc:spChg>
-        <pc:spChg chg="mod">
-          <ac:chgData name="Chuck Kiefriter" userId="c57348f7-b440-4861-a58f-c89f414ea74a" providerId="ADAL" clId="{C11307D8-F416-4216-B85A-47312E9494DC}" dt="2023-04-04T18:58:19.446" v="1426" actId="207"/>
-          <ac:spMkLst>
-            <pc:docMk/>
-            <pc:sldMk cId="2586908395" sldId="297"/>
-            <ac:spMk id="4" creationId="{C0B26727-0F97-5A73-B4ED-6BE65E07E5DB}"/>
-          </ac:spMkLst>
-        </pc:spChg>
-        <pc:spChg chg="add mod">
-          <ac:chgData name="Chuck Kiefriter" userId="c57348f7-b440-4861-a58f-c89f414ea74a" providerId="ADAL" clId="{C11307D8-F416-4216-B85A-47312E9494DC}" dt="2023-04-03T15:28:43.603" v="809"/>
-          <ac:spMkLst>
-            <pc:docMk/>
-            <pc:sldMk cId="2586908395" sldId="297"/>
-            <ac:spMk id="7" creationId="{E4F67DC1-6682-DCC5-09F9-0D3C65052F99}"/>
-          </ac:spMkLst>
-        </pc:spChg>
-        <pc:picChg chg="add mod">
-          <ac:chgData name="Chuck Kiefriter" userId="c57348f7-b440-4861-a58f-c89f414ea74a" providerId="ADAL" clId="{C11307D8-F416-4216-B85A-47312E9494DC}" dt="2023-04-03T15:28:53.796" v="836" actId="1035"/>
-          <ac:picMkLst>
-            <pc:docMk/>
-            <pc:sldMk cId="2586908395" sldId="297"/>
-            <ac:picMk id="5" creationId="{A70A8141-972B-8FEE-B70B-882D3DD31F46}"/>
-          </ac:picMkLst>
-        </pc:picChg>
-      </pc:sldChg>
-      <pc:sldChg chg="addSp delSp modSp add mod">
-        <pc:chgData name="Chuck Kiefriter" userId="c57348f7-b440-4861-a58f-c89f414ea74a" providerId="ADAL" clId="{C11307D8-F416-4216-B85A-47312E9494DC}" dt="2023-04-03T15:29:37.311" v="840" actId="115"/>
-        <pc:sldMkLst>
-          <pc:docMk/>
-          <pc:sldMk cId="1731529612" sldId="298"/>
-        </pc:sldMkLst>
-        <pc:spChg chg="mod">
-          <ac:chgData name="Chuck Kiefriter" userId="c57348f7-b440-4861-a58f-c89f414ea74a" providerId="ADAL" clId="{C11307D8-F416-4216-B85A-47312E9494DC}" dt="2023-04-03T15:29:37.311" v="840" actId="115"/>
-          <ac:spMkLst>
-            <pc:docMk/>
-            <pc:sldMk cId="1731529612" sldId="298"/>
-            <ac:spMk id="4" creationId="{C0B26727-0F97-5A73-B4ED-6BE65E07E5DB}"/>
-          </ac:spMkLst>
-        </pc:spChg>
-        <pc:spChg chg="add mod">
-          <ac:chgData name="Chuck Kiefriter" userId="c57348f7-b440-4861-a58f-c89f414ea74a" providerId="ADAL" clId="{C11307D8-F416-4216-B85A-47312E9494DC}" dt="2023-04-03T15:28:57.894" v="837"/>
-          <ac:spMkLst>
-            <pc:docMk/>
-            <pc:sldMk cId="1731529612" sldId="298"/>
-            <ac:spMk id="7" creationId="{81EDE05F-B22E-686F-2292-BF6CA2A0BD87}"/>
-          </ac:spMkLst>
-        </pc:spChg>
-        <pc:picChg chg="add mod">
-          <ac:chgData name="Chuck Kiefriter" userId="c57348f7-b440-4861-a58f-c89f414ea74a" providerId="ADAL" clId="{C11307D8-F416-4216-B85A-47312E9494DC}" dt="2023-04-03T15:29:05.082" v="839" actId="1076"/>
-          <ac:picMkLst>
-            <pc:docMk/>
-            <pc:sldMk cId="1731529612" sldId="298"/>
-            <ac:picMk id="3" creationId="{E2697A41-77D9-6BEA-7880-1DBD268ED34C}"/>
-          </ac:picMkLst>
-        </pc:picChg>
-        <pc:picChg chg="del">
-          <ac:chgData name="Chuck Kiefriter" userId="c57348f7-b440-4861-a58f-c89f414ea74a" providerId="ADAL" clId="{C11307D8-F416-4216-B85A-47312E9494DC}" dt="2023-04-03T15:22:11.665" v="790" actId="478"/>
-          <ac:picMkLst>
-            <pc:docMk/>
-            <pc:sldMk cId="1731529612" sldId="298"/>
-            <ac:picMk id="5" creationId="{A70A8141-972B-8FEE-B70B-882D3DD31F46}"/>
-          </ac:picMkLst>
-        </pc:picChg>
-      </pc:sldChg>
-      <pc:sldChg chg="addSp delSp modSp add mod">
-        <pc:chgData name="Chuck Kiefriter" userId="c57348f7-b440-4861-a58f-c89f414ea74a" providerId="ADAL" clId="{C11307D8-F416-4216-B85A-47312E9494DC}" dt="2023-04-04T20:45:30.493" v="1433" actId="1076"/>
-        <pc:sldMkLst>
-          <pc:docMk/>
-          <pc:sldMk cId="12263916" sldId="299"/>
-        </pc:sldMkLst>
-        <pc:spChg chg="add mod">
-          <ac:chgData name="Chuck Kiefriter" userId="c57348f7-b440-4861-a58f-c89f414ea74a" providerId="ADAL" clId="{C11307D8-F416-4216-B85A-47312E9494DC}" dt="2023-04-04T20:45:30.493" v="1433" actId="1076"/>
-          <ac:spMkLst>
-            <pc:docMk/>
-            <pc:sldMk cId="12263916" sldId="299"/>
-            <ac:spMk id="2" creationId="{05E39B88-6490-5C54-C767-A0E91A8F373F}"/>
-          </ac:spMkLst>
-        </pc:spChg>
-        <pc:spChg chg="mod">
-          <ac:chgData name="Chuck Kiefriter" userId="c57348f7-b440-4861-a58f-c89f414ea74a" providerId="ADAL" clId="{C11307D8-F416-4216-B85A-47312E9494DC}" dt="2023-04-04T19:00:59.565" v="1427" actId="6549"/>
-          <ac:spMkLst>
-            <pc:docMk/>
-            <pc:sldMk cId="12263916" sldId="299"/>
-            <ac:spMk id="4" creationId="{C0B26727-0F97-5A73-B4ED-6BE65E07E5DB}"/>
-          </ac:spMkLst>
-        </pc:spChg>
-        <pc:spChg chg="mod">
-          <ac:chgData name="Chuck Kiefriter" userId="c57348f7-b440-4861-a58f-c89f414ea74a" providerId="ADAL" clId="{C11307D8-F416-4216-B85A-47312E9494DC}" dt="2023-04-03T15:33:43.577" v="892" actId="14100"/>
-          <ac:spMkLst>
-            <pc:docMk/>
-            <pc:sldMk cId="12263916" sldId="299"/>
-            <ac:spMk id="6" creationId="{59E906CD-110B-9D01-732C-2F21759B0265}"/>
-          </ac:spMkLst>
-        </pc:spChg>
-        <pc:spChg chg="del">
-          <ac:chgData name="Chuck Kiefriter" userId="c57348f7-b440-4861-a58f-c89f414ea74a" providerId="ADAL" clId="{C11307D8-F416-4216-B85A-47312E9494DC}" dt="2023-04-03T15:33:49.188" v="894" actId="478"/>
-          <ac:spMkLst>
-            <pc:docMk/>
-            <pc:sldMk cId="12263916" sldId="299"/>
-            <ac:spMk id="7" creationId="{81EDE05F-B22E-686F-2292-BF6CA2A0BD87}"/>
-          </ac:spMkLst>
-        </pc:spChg>
-        <pc:picChg chg="del">
-          <ac:chgData name="Chuck Kiefriter" userId="c57348f7-b440-4861-a58f-c89f414ea74a" providerId="ADAL" clId="{C11307D8-F416-4216-B85A-47312E9494DC}" dt="2023-04-03T15:33:46.266" v="893" actId="478"/>
-          <ac:picMkLst>
-            <pc:docMk/>
-            <pc:sldMk cId="12263916" sldId="299"/>
-            <ac:picMk id="3" creationId="{E2697A41-77D9-6BEA-7880-1DBD268ED34C}"/>
-          </ac:picMkLst>
-        </pc:picChg>
-      </pc:sldChg>
-      <pc:sldChg chg="addSp modSp add mod">
-        <pc:chgData name="Chuck Kiefriter" userId="c57348f7-b440-4861-a58f-c89f414ea74a" providerId="ADAL" clId="{C11307D8-F416-4216-B85A-47312E9494DC}" dt="2023-04-03T17:15:51.867" v="1320" actId="1076"/>
-        <pc:sldMkLst>
-          <pc:docMk/>
-          <pc:sldMk cId="2285577035" sldId="300"/>
-        </pc:sldMkLst>
-        <pc:spChg chg="add mod">
-          <ac:chgData name="Chuck Kiefriter" userId="c57348f7-b440-4861-a58f-c89f414ea74a" providerId="ADAL" clId="{C11307D8-F416-4216-B85A-47312E9494DC}" dt="2023-04-03T17:15:51.867" v="1320" actId="1076"/>
-          <ac:spMkLst>
-            <pc:docMk/>
-            <pc:sldMk cId="2285577035" sldId="300"/>
-            <ac:spMk id="2" creationId="{2292BC77-EAED-98AF-CC12-6B2F561FA457}"/>
-          </ac:spMkLst>
-        </pc:spChg>
-        <pc:spChg chg="mod">
-          <ac:chgData name="Chuck Kiefriter" userId="c57348f7-b440-4861-a58f-c89f414ea74a" providerId="ADAL" clId="{C11307D8-F416-4216-B85A-47312E9494DC}" dt="2023-04-03T15:54:36.687" v="1219" actId="20577"/>
-          <ac:spMkLst>
-            <pc:docMk/>
-            <pc:sldMk cId="2285577035" sldId="300"/>
-            <ac:spMk id="4" creationId="{C0B26727-0F97-5A73-B4ED-6BE65E07E5DB}"/>
-          </ac:spMkLst>
-        </pc:spChg>
-      </pc:sldChg>
-      <pc:sldChg chg="modSp add mod">
-        <pc:chgData name="Chuck Kiefriter" userId="c57348f7-b440-4861-a58f-c89f414ea74a" providerId="ADAL" clId="{C11307D8-F416-4216-B85A-47312E9494DC}" dt="2023-04-03T15:57:12.701" v="1314" actId="2711"/>
-        <pc:sldMkLst>
-          <pc:docMk/>
-          <pc:sldMk cId="3976039359" sldId="301"/>
-        </pc:sldMkLst>
-        <pc:spChg chg="mod">
-          <ac:chgData name="Chuck Kiefriter" userId="c57348f7-b440-4861-a58f-c89f414ea74a" providerId="ADAL" clId="{C11307D8-F416-4216-B85A-47312E9494DC}" dt="2023-04-03T15:57:12.701" v="1314" actId="2711"/>
-          <ac:spMkLst>
-            <pc:docMk/>
-            <pc:sldMk cId="3976039359" sldId="301"/>
-            <ac:spMk id="4" creationId="{C0B26727-0F97-5A73-B4ED-6BE65E07E5DB}"/>
-          </ac:spMkLst>
-        </pc:spChg>
-      </pc:sldChg>
-      <pc:sldChg chg="add">
-        <pc:chgData name="Chuck Kiefriter" userId="c57348f7-b440-4861-a58f-c89f414ea74a" providerId="ADAL" clId="{C11307D8-F416-4216-B85A-47312E9494DC}" dt="2023-04-03T17:20:19.963" v="1321" actId="2890"/>
-        <pc:sldMkLst>
-          <pc:docMk/>
-          <pc:sldMk cId="4183596226" sldId="302"/>
-        </pc:sldMkLst>
-      </pc:sldChg>
-      <pc:sldChg chg="addSp delSp modSp add mod ord">
-        <pc:chgData name="Chuck Kiefriter" userId="c57348f7-b440-4861-a58f-c89f414ea74a" providerId="ADAL" clId="{C11307D8-F416-4216-B85A-47312E9494DC}" dt="2023-04-03T18:58:14.568" v="1424" actId="20577"/>
-        <pc:sldMkLst>
-          <pc:docMk/>
-          <pc:sldMk cId="3551399501" sldId="303"/>
-        </pc:sldMkLst>
-        <pc:spChg chg="add del">
-          <ac:chgData name="Chuck Kiefriter" userId="c57348f7-b440-4861-a58f-c89f414ea74a" providerId="ADAL" clId="{C11307D8-F416-4216-B85A-47312E9494DC}" dt="2023-04-03T18:20:13.989" v="1365"/>
-          <ac:spMkLst>
-            <pc:docMk/>
-            <pc:sldMk cId="3551399501" sldId="303"/>
-            <ac:spMk id="2" creationId="{E2153FEC-75DF-CAC0-FEA3-C66E491898A2}"/>
-          </ac:spMkLst>
-        </pc:spChg>
-        <pc:spChg chg="mod">
-          <ac:chgData name="Chuck Kiefriter" userId="c57348f7-b440-4861-a58f-c89f414ea74a" providerId="ADAL" clId="{C11307D8-F416-4216-B85A-47312E9494DC}" dt="2023-04-03T18:58:14.568" v="1424" actId="20577"/>
-          <ac:spMkLst>
-            <pc:docMk/>
-            <pc:sldMk cId="3551399501" sldId="303"/>
-            <ac:spMk id="4" creationId="{C0B26727-0F97-5A73-B4ED-6BE65E07E5DB}"/>
-          </ac:spMkLst>
-        </pc:spChg>
-        <pc:spChg chg="add mod">
-          <ac:chgData name="Chuck Kiefriter" userId="c57348f7-b440-4861-a58f-c89f414ea74a" providerId="ADAL" clId="{C11307D8-F416-4216-B85A-47312E9494DC}" dt="2023-04-03T18:46:22.450" v="1378" actId="1076"/>
-          <ac:spMkLst>
-            <pc:docMk/>
-            <pc:sldMk cId="3551399501" sldId="303"/>
-            <ac:spMk id="5" creationId="{20F6CBEF-9110-814A-F1E8-8EDD591B1904}"/>
-          </ac:spMkLst>
-        </pc:spChg>
-        <pc:spChg chg="mod">
-          <ac:chgData name="Chuck Kiefriter" userId="c57348f7-b440-4861-a58f-c89f414ea74a" providerId="ADAL" clId="{C11307D8-F416-4216-B85A-47312E9494DC}" dt="2023-04-03T17:21:43.237" v="1352" actId="20577"/>
-          <ac:spMkLst>
-            <pc:docMk/>
-            <pc:sldMk cId="3551399501" sldId="303"/>
-            <ac:spMk id="6" creationId="{59E906CD-110B-9D01-732C-2F21759B0265}"/>
-          </ac:spMkLst>
-        </pc:spChg>
-      </pc:sldChg>
-      <pc:sldChg chg="addSp delSp modSp add mod">
-        <pc:chgData name="Chuck Kiefriter" userId="c57348f7-b440-4861-a58f-c89f414ea74a" providerId="ADAL" clId="{C11307D8-F416-4216-B85A-47312E9494DC}" dt="2023-04-05T01:39:50.392" v="1445" actId="1076"/>
-        <pc:sldMkLst>
-          <pc:docMk/>
-          <pc:sldMk cId="3119538790" sldId="304"/>
-        </pc:sldMkLst>
-        <pc:spChg chg="del">
-          <ac:chgData name="Chuck Kiefriter" userId="c57348f7-b440-4861-a58f-c89f414ea74a" providerId="ADAL" clId="{C11307D8-F416-4216-B85A-47312E9494DC}" dt="2023-04-05T01:39:47.689" v="1443" actId="478"/>
-          <ac:spMkLst>
-            <pc:docMk/>
-            <pc:sldMk cId="3119538790" sldId="304"/>
-            <ac:spMk id="4" creationId="{C0B26727-0F97-5A73-B4ED-6BE65E07E5DB}"/>
-          </ac:spMkLst>
-        </pc:spChg>
-        <pc:picChg chg="add mod">
-          <ac:chgData name="Chuck Kiefriter" userId="c57348f7-b440-4861-a58f-c89f414ea74a" providerId="ADAL" clId="{C11307D8-F416-4216-B85A-47312E9494DC}" dt="2023-04-05T01:39:50.392" v="1445" actId="1076"/>
-          <ac:picMkLst>
-            <pc:docMk/>
-            <pc:sldMk cId="3119538790" sldId="304"/>
-            <ac:picMk id="5" creationId="{6A37CBD8-6224-F786-CA2E-BFD9FDE0E68A}"/>
-          </ac:picMkLst>
-        </pc:picChg>
-      </pc:sldChg>
-    </pc:docChg>
-  </pc:docChgLst>
-  <pc:docChgLst>
-    <pc:chgData name="Charles Kiefriter" userId="a996b49251c4dfd2" providerId="LiveId" clId="{38E1ABCE-DCED-45BB-9163-E7279FC7721B}"/>
-    <pc:docChg chg="undo custSel addSld modSld sldOrd">
-      <pc:chgData name="Charles Kiefriter" userId="a996b49251c4dfd2" providerId="LiveId" clId="{38E1ABCE-DCED-45BB-9163-E7279FC7721B}" dt="2024-01-17T00:59:33.158" v="274" actId="1037"/>
-      <pc:docMkLst>
-        <pc:docMk/>
-      </pc:docMkLst>
-      <pc:sldChg chg="addSp delSp modSp mod ord">
-        <pc:chgData name="Charles Kiefriter" userId="a996b49251c4dfd2" providerId="LiveId" clId="{38E1ABCE-DCED-45BB-9163-E7279FC7721B}" dt="2024-01-17T00:44:01.199" v="209" actId="14100"/>
-        <pc:sldMkLst>
-          <pc:docMk/>
-          <pc:sldMk cId="3551399501" sldId="303"/>
-        </pc:sldMkLst>
-        <pc:spChg chg="add mod">
-          <ac:chgData name="Charles Kiefriter" userId="a996b49251c4dfd2" providerId="LiveId" clId="{38E1ABCE-DCED-45BB-9163-E7279FC7721B}" dt="2024-01-17T00:39:36.250" v="195" actId="1076"/>
-          <ac:spMkLst>
-            <pc:docMk/>
-            <pc:sldMk cId="3551399501" sldId="303"/>
-            <ac:spMk id="2" creationId="{40346BC9-5E3A-5092-6ECC-E4E6FAE9ADAF}"/>
-          </ac:spMkLst>
-        </pc:spChg>
-        <pc:spChg chg="add mod">
-          <ac:chgData name="Charles Kiefriter" userId="a996b49251c4dfd2" providerId="LiveId" clId="{38E1ABCE-DCED-45BB-9163-E7279FC7721B}" dt="2024-01-17T00:39:36.250" v="195" actId="1076"/>
-          <ac:spMkLst>
-            <pc:docMk/>
-            <pc:sldMk cId="3551399501" sldId="303"/>
-            <ac:spMk id="3" creationId="{F19DAB60-7345-E475-248A-5DE1D69809B0}"/>
-          </ac:spMkLst>
-        </pc:spChg>
-        <pc:spChg chg="mod">
-          <ac:chgData name="Charles Kiefriter" userId="a996b49251c4dfd2" providerId="LiveId" clId="{38E1ABCE-DCED-45BB-9163-E7279FC7721B}" dt="2024-01-17T00:43:50.936" v="207" actId="1076"/>
-          <ac:spMkLst>
-            <pc:docMk/>
-            <pc:sldMk cId="3551399501" sldId="303"/>
-            <ac:spMk id="4" creationId="{C0B26727-0F97-5A73-B4ED-6BE65E07E5DB}"/>
-          </ac:spMkLst>
-        </pc:spChg>
-        <pc:spChg chg="del">
-          <ac:chgData name="Charles Kiefriter" userId="a996b49251c4dfd2" providerId="LiveId" clId="{38E1ABCE-DCED-45BB-9163-E7279FC7721B}" dt="2024-01-17T00:43:03.947" v="200" actId="478"/>
-          <ac:spMkLst>
-            <pc:docMk/>
-            <pc:sldMk cId="3551399501" sldId="303"/>
-            <ac:spMk id="5" creationId="{20F6CBEF-9110-814A-F1E8-8EDD591B1904}"/>
-          </ac:spMkLst>
-        </pc:spChg>
-        <pc:spChg chg="mod">
-          <ac:chgData name="Charles Kiefriter" userId="a996b49251c4dfd2" providerId="LiveId" clId="{38E1ABCE-DCED-45BB-9163-E7279FC7721B}" dt="2024-01-17T00:18:26.384" v="25" actId="20577"/>
-          <ac:spMkLst>
-            <pc:docMk/>
-            <pc:sldMk cId="3551399501" sldId="303"/>
-            <ac:spMk id="6" creationId="{59E906CD-110B-9D01-732C-2F21759B0265}"/>
-          </ac:spMkLst>
-        </pc:spChg>
-        <pc:spChg chg="add mod">
-          <ac:chgData name="Charles Kiefriter" userId="a996b49251c4dfd2" providerId="LiveId" clId="{38E1ABCE-DCED-45BB-9163-E7279FC7721B}" dt="2024-01-17T00:39:36.250" v="195" actId="1076"/>
-          <ac:spMkLst>
-            <pc:docMk/>
-            <pc:sldMk cId="3551399501" sldId="303"/>
-            <ac:spMk id="7" creationId="{2944939E-CE60-4E7F-459C-2B805538DC4D}"/>
-          </ac:spMkLst>
-        </pc:spChg>
-        <pc:spChg chg="add mod">
-          <ac:chgData name="Charles Kiefriter" userId="a996b49251c4dfd2" providerId="LiveId" clId="{38E1ABCE-DCED-45BB-9163-E7279FC7721B}" dt="2024-01-17T00:39:36.250" v="195" actId="1076"/>
-          <ac:spMkLst>
-            <pc:docMk/>
-            <pc:sldMk cId="3551399501" sldId="303"/>
-            <ac:spMk id="8" creationId="{34F4454C-BF01-204B-7739-7B9CDC5E6AB9}"/>
-          </ac:spMkLst>
-        </pc:spChg>
-        <pc:spChg chg="add mod">
-          <ac:chgData name="Charles Kiefriter" userId="a996b49251c4dfd2" providerId="LiveId" clId="{38E1ABCE-DCED-45BB-9163-E7279FC7721B}" dt="2024-01-17T00:39:36.250" v="195" actId="1076"/>
-          <ac:spMkLst>
-            <pc:docMk/>
-            <pc:sldMk cId="3551399501" sldId="303"/>
-            <ac:spMk id="14" creationId="{C41761B8-B7F5-0027-F883-18FD7CEF3E85}"/>
-          </ac:spMkLst>
-        </pc:spChg>
-        <pc:spChg chg="add mod">
-          <ac:chgData name="Charles Kiefriter" userId="a996b49251c4dfd2" providerId="LiveId" clId="{38E1ABCE-DCED-45BB-9163-E7279FC7721B}" dt="2024-01-17T00:43:12.024" v="203" actId="14100"/>
-          <ac:spMkLst>
-            <pc:docMk/>
-            <pc:sldMk cId="3551399501" sldId="303"/>
-            <ac:spMk id="17" creationId="{B5607AA7-C4EB-DE4A-F2F9-216914155727}"/>
-          </ac:spMkLst>
-        </pc:spChg>
-        <pc:spChg chg="add mod">
-          <ac:chgData name="Charles Kiefriter" userId="a996b49251c4dfd2" providerId="LiveId" clId="{38E1ABCE-DCED-45BB-9163-E7279FC7721B}" dt="2024-01-17T00:44:01.199" v="209" actId="14100"/>
-          <ac:spMkLst>
-            <pc:docMk/>
-            <pc:sldMk cId="3551399501" sldId="303"/>
-            <ac:spMk id="19" creationId="{A1A2E3CB-4A3B-1F6C-E6B9-A4A01B2568C2}"/>
-          </ac:spMkLst>
-        </pc:spChg>
-        <pc:cxnChg chg="add mod">
-          <ac:chgData name="Charles Kiefriter" userId="a996b49251c4dfd2" providerId="LiveId" clId="{38E1ABCE-DCED-45BB-9163-E7279FC7721B}" dt="2024-01-17T00:39:36.250" v="195" actId="1076"/>
-          <ac:cxnSpMkLst>
-            <pc:docMk/>
-            <pc:sldMk cId="3551399501" sldId="303"/>
-            <ac:cxnSpMk id="10" creationId="{E2CF2A64-E28C-F0B1-55B1-F46615CA67E0}"/>
-          </ac:cxnSpMkLst>
-        </pc:cxnChg>
-      </pc:sldChg>
-      <pc:sldChg chg="add">
-        <pc:chgData name="Charles Kiefriter" userId="a996b49251c4dfd2" providerId="LiveId" clId="{38E1ABCE-DCED-45BB-9163-E7279FC7721B}" dt="2024-01-17T00:18:14.563" v="0" actId="2890"/>
-        <pc:sldMkLst>
-          <pc:docMk/>
-          <pc:sldMk cId="3827704663" sldId="305"/>
-        </pc:sldMkLst>
-      </pc:sldChg>
-      <pc:sldChg chg="addSp delSp modSp add mod ord">
-        <pc:chgData name="Charles Kiefriter" userId="a996b49251c4dfd2" providerId="LiveId" clId="{38E1ABCE-DCED-45BB-9163-E7279FC7721B}" dt="2024-01-17T00:59:33.158" v="274" actId="1037"/>
-        <pc:sldMkLst>
-          <pc:docMk/>
-          <pc:sldMk cId="2169686199" sldId="306"/>
-        </pc:sldMkLst>
-        <pc:spChg chg="add mod">
-          <ac:chgData name="Charles Kiefriter" userId="a996b49251c4dfd2" providerId="LiveId" clId="{38E1ABCE-DCED-45BB-9163-E7279FC7721B}" dt="2024-01-17T00:59:27.811" v="243" actId="20577"/>
-          <ac:spMkLst>
-            <pc:docMk/>
-            <pc:sldMk cId="2169686199" sldId="306"/>
-            <ac:spMk id="2" creationId="{39E1C922-B9C7-D0AD-8A67-CE620AD121BE}"/>
-          </ac:spMkLst>
-        </pc:spChg>
-        <pc:spChg chg="del">
-          <ac:chgData name="Charles Kiefriter" userId="a996b49251c4dfd2" providerId="LiveId" clId="{38E1ABCE-DCED-45BB-9163-E7279FC7721B}" dt="2024-01-17T00:52:46.192" v="214" actId="478"/>
-          <ac:spMkLst>
-            <pc:docMk/>
-            <pc:sldMk cId="2169686199" sldId="306"/>
-            <ac:spMk id="4" creationId="{C0B26727-0F97-5A73-B4ED-6BE65E07E5DB}"/>
-          </ac:spMkLst>
-        </pc:spChg>
-        <pc:spChg chg="del">
-          <ac:chgData name="Charles Kiefriter" userId="a996b49251c4dfd2" providerId="LiveId" clId="{38E1ABCE-DCED-45BB-9163-E7279FC7721B}" dt="2024-01-17T00:52:44.184" v="213" actId="478"/>
-          <ac:spMkLst>
-            <pc:docMk/>
-            <pc:sldMk cId="2169686199" sldId="306"/>
-            <ac:spMk id="6" creationId="{59E906CD-110B-9D01-732C-2F21759B0265}"/>
-          </ac:spMkLst>
-        </pc:spChg>
-        <pc:picChg chg="add mod">
-          <ac:chgData name="Charles Kiefriter" userId="a996b49251c4dfd2" providerId="LiveId" clId="{38E1ABCE-DCED-45BB-9163-E7279FC7721B}" dt="2024-01-17T00:59:33.158" v="274" actId="1037"/>
-          <ac:picMkLst>
-            <pc:docMk/>
-            <pc:sldMk cId="2169686199" sldId="306"/>
-            <ac:picMk id="1026" creationId="{3C8CE67A-36E1-5A09-D74F-A2C8E212977E}"/>
-          </ac:picMkLst>
-        </pc:picChg>
-      </pc:sldChg>
-    </pc:docChg>
-  </pc:docChgLst>
-  <pc:docChgLst>
-    <pc:chgData name="Chuck Kiefriter" userId="c57348f7-b440-4861-a58f-c89f414ea74a" providerId="ADAL" clId="{CEAAE73E-A3C0-4EF3-8264-4F08772B5760}"/>
-    <pc:docChg chg="undo custSel addSld delSld modSld">
-      <pc:chgData name="Chuck Kiefriter" userId="c57348f7-b440-4861-a58f-c89f414ea74a" providerId="ADAL" clId="{CEAAE73E-A3C0-4EF3-8264-4F08772B5760}" dt="2023-03-21T23:02:03.008" v="988" actId="6549"/>
-      <pc:docMkLst>
-        <pc:docMk/>
-      </pc:docMkLst>
-      <pc:sldChg chg="addSp delSp modSp mod">
-        <pc:chgData name="Chuck Kiefriter" userId="c57348f7-b440-4861-a58f-c89f414ea74a" providerId="ADAL" clId="{CEAAE73E-A3C0-4EF3-8264-4F08772B5760}" dt="2023-03-20T00:52:59.383" v="449" actId="1038"/>
-        <pc:sldMkLst>
-          <pc:docMk/>
-          <pc:sldMk cId="3995279466" sldId="256"/>
-        </pc:sldMkLst>
-        <pc:spChg chg="mod">
-          <ac:chgData name="Chuck Kiefriter" userId="c57348f7-b440-4861-a58f-c89f414ea74a" providerId="ADAL" clId="{CEAAE73E-A3C0-4EF3-8264-4F08772B5760}" dt="2023-03-20T00:32:06.566" v="230" actId="14100"/>
-          <ac:spMkLst>
-            <pc:docMk/>
-            <pc:sldMk cId="3995279466" sldId="256"/>
-            <ac:spMk id="3" creationId="{A6B2E4B2-9556-220D-A265-44C9FD951EE6}"/>
-          </ac:spMkLst>
-        </pc:spChg>
-        <pc:spChg chg="add mod">
-          <ac:chgData name="Chuck Kiefriter" userId="c57348f7-b440-4861-a58f-c89f414ea74a" providerId="ADAL" clId="{CEAAE73E-A3C0-4EF3-8264-4F08772B5760}" dt="2023-03-20T00:52:59.383" v="449" actId="1038"/>
-          <ac:spMkLst>
-            <pc:docMk/>
-            <pc:sldMk cId="3995279466" sldId="256"/>
-            <ac:spMk id="4" creationId="{2BADD1C9-CF72-0C69-861B-7E5D509DA5B2}"/>
-          </ac:spMkLst>
-        </pc:spChg>
-        <pc:spChg chg="mod">
-          <ac:chgData name="Chuck Kiefriter" userId="c57348f7-b440-4861-a58f-c89f414ea74a" providerId="ADAL" clId="{CEAAE73E-A3C0-4EF3-8264-4F08772B5760}" dt="2023-03-19T22:41:44.062" v="187" actId="20577"/>
-          <ac:spMkLst>
-            <pc:docMk/>
-            <pc:sldMk cId="3995279466" sldId="256"/>
-            <ac:spMk id="6" creationId="{DE3DBA5A-FA8E-46C6-1402-E5C7632F4CAD}"/>
-          </ac:spMkLst>
-        </pc:spChg>
-        <pc:spChg chg="add mod">
-          <ac:chgData name="Chuck Kiefriter" userId="c57348f7-b440-4861-a58f-c89f414ea74a" providerId="ADAL" clId="{CEAAE73E-A3C0-4EF3-8264-4F08772B5760}" dt="2023-03-20T00:52:59.383" v="449" actId="1038"/>
-          <ac:spMkLst>
-            <pc:docMk/>
-            <pc:sldMk cId="3995279466" sldId="256"/>
-            <ac:spMk id="7" creationId="{4F528AA2-6361-22B4-C232-EF99675F9D72}"/>
-          </ac:spMkLst>
-        </pc:spChg>
-        <pc:spChg chg="add mod">
-          <ac:chgData name="Chuck Kiefriter" userId="c57348f7-b440-4861-a58f-c89f414ea74a" providerId="ADAL" clId="{CEAAE73E-A3C0-4EF3-8264-4F08772B5760}" dt="2023-03-20T00:52:59.383" v="449" actId="1038"/>
-          <ac:spMkLst>
-            <pc:docMk/>
-            <pc:sldMk cId="3995279466" sldId="256"/>
-            <ac:spMk id="9" creationId="{06F995E6-DACC-B060-CDB5-BB562B195537}"/>
-          </ac:spMkLst>
-        </pc:spChg>
-        <pc:spChg chg="mod">
-          <ac:chgData name="Chuck Kiefriter" userId="c57348f7-b440-4861-a58f-c89f414ea74a" providerId="ADAL" clId="{CEAAE73E-A3C0-4EF3-8264-4F08772B5760}" dt="2023-03-20T00:52:45.699" v="401" actId="1035"/>
-          <ac:spMkLst>
-            <pc:docMk/>
-            <pc:sldMk cId="3995279466" sldId="256"/>
-            <ac:spMk id="10" creationId="{EA3D5ED0-1762-C438-DD7C-B32C5582A339}"/>
-          </ac:spMkLst>
-        </pc:spChg>
-        <pc:spChg chg="del">
-          <ac:chgData name="Chuck Kiefriter" userId="c57348f7-b440-4861-a58f-c89f414ea74a" providerId="ADAL" clId="{CEAAE73E-A3C0-4EF3-8264-4F08772B5760}" dt="2023-03-19T22:42:40.760" v="188" actId="478"/>
-          <ac:spMkLst>
-            <pc:docMk/>
-            <pc:sldMk cId="3995279466" sldId="256"/>
-            <ac:spMk id="12" creationId="{18FCF58A-E768-0BFC-8A0B-3881F7F528D8}"/>
-          </ac:spMkLst>
-        </pc:spChg>
-        <pc:graphicFrameChg chg="del">
-          <ac:chgData name="Chuck Kiefriter" userId="c57348f7-b440-4861-a58f-c89f414ea74a" providerId="ADAL" clId="{CEAAE73E-A3C0-4EF3-8264-4F08772B5760}" dt="2023-03-19T22:42:40.760" v="188" actId="478"/>
-          <ac:graphicFrameMkLst>
-            <pc:docMk/>
-            <pc:sldMk cId="3995279466" sldId="256"/>
-            <ac:graphicFrameMk id="13" creationId="{BB1305A0-0446-F701-7436-EA612090B033}"/>
-          </ac:graphicFrameMkLst>
-        </pc:graphicFrameChg>
-      </pc:sldChg>
-      <pc:sldChg chg="modSp mod">
-        <pc:chgData name="Chuck Kiefriter" userId="c57348f7-b440-4861-a58f-c89f414ea74a" providerId="ADAL" clId="{CEAAE73E-A3C0-4EF3-8264-4F08772B5760}" dt="2023-03-19T22:40:49.123" v="181" actId="20577"/>
-        <pc:sldMkLst>
-          <pc:docMk/>
-          <pc:sldMk cId="3194223319" sldId="263"/>
-        </pc:sldMkLst>
-        <pc:spChg chg="mod">
-          <ac:chgData name="Chuck Kiefriter" userId="c57348f7-b440-4861-a58f-c89f414ea74a" providerId="ADAL" clId="{CEAAE73E-A3C0-4EF3-8264-4F08772B5760}" dt="2023-03-19T22:40:49.123" v="181" actId="20577"/>
-          <ac:spMkLst>
-            <pc:docMk/>
-            <pc:sldMk cId="3194223319" sldId="263"/>
-            <ac:spMk id="3" creationId="{23DFC7E9-54DD-38D7-0B9B-D34948D68CF9}"/>
-          </ac:spMkLst>
-        </pc:spChg>
-      </pc:sldChg>
-      <pc:sldChg chg="modSp mod">
-        <pc:chgData name="Chuck Kiefriter" userId="c57348f7-b440-4861-a58f-c89f414ea74a" providerId="ADAL" clId="{CEAAE73E-A3C0-4EF3-8264-4F08772B5760}" dt="2023-03-15T21:04:54.713" v="90" actId="20577"/>
-        <pc:sldMkLst>
-          <pc:docMk/>
-          <pc:sldMk cId="763182894" sldId="264"/>
-        </pc:sldMkLst>
-        <pc:spChg chg="mod">
-          <ac:chgData name="Chuck Kiefriter" userId="c57348f7-b440-4861-a58f-c89f414ea74a" providerId="ADAL" clId="{CEAAE73E-A3C0-4EF3-8264-4F08772B5760}" dt="2023-03-15T21:04:54.713" v="90" actId="20577"/>
-          <ac:spMkLst>
-            <pc:docMk/>
-            <pc:sldMk cId="763182894" sldId="264"/>
-            <ac:spMk id="3" creationId="{23DFC7E9-54DD-38D7-0B9B-D34948D68CF9}"/>
-          </ac:spMkLst>
-        </pc:spChg>
-      </pc:sldChg>
-      <pc:sldChg chg="modSp mod">
-        <pc:chgData name="Chuck Kiefriter" userId="c57348f7-b440-4861-a58f-c89f414ea74a" providerId="ADAL" clId="{CEAAE73E-A3C0-4EF3-8264-4F08772B5760}" dt="2023-03-15T21:05:03.858" v="97" actId="20577"/>
-        <pc:sldMkLst>
-          <pc:docMk/>
-          <pc:sldMk cId="367428708" sldId="265"/>
-        </pc:sldMkLst>
-        <pc:spChg chg="mod">
-          <ac:chgData name="Chuck Kiefriter" userId="c57348f7-b440-4861-a58f-c89f414ea74a" providerId="ADAL" clId="{CEAAE73E-A3C0-4EF3-8264-4F08772B5760}" dt="2023-03-15T21:05:03.858" v="97" actId="20577"/>
-          <ac:spMkLst>
-            <pc:docMk/>
-            <pc:sldMk cId="367428708" sldId="265"/>
-            <ac:spMk id="3" creationId="{23DFC7E9-54DD-38D7-0B9B-D34948D68CF9}"/>
-          </ac:spMkLst>
-        </pc:spChg>
-      </pc:sldChg>
-      <pc:sldChg chg="delSp del mod">
-        <pc:chgData name="Chuck Kiefriter" userId="c57348f7-b440-4861-a58f-c89f414ea74a" providerId="ADAL" clId="{CEAAE73E-A3C0-4EF3-8264-4F08772B5760}" dt="2023-03-20T00:56:01.589" v="451" actId="2696"/>
-        <pc:sldMkLst>
-          <pc:docMk/>
-          <pc:sldMk cId="3472760250" sldId="266"/>
-        </pc:sldMkLst>
-        <pc:picChg chg="del">
-          <ac:chgData name="Chuck Kiefriter" userId="c57348f7-b440-4861-a58f-c89f414ea74a" providerId="ADAL" clId="{CEAAE73E-A3C0-4EF3-8264-4F08772B5760}" dt="2023-03-20T00:55:53.266" v="450" actId="478"/>
-          <ac:picMkLst>
-            <pc:docMk/>
-            <pc:sldMk cId="3472760250" sldId="266"/>
-            <ac:picMk id="12" creationId="{BC86969A-DE0A-FA6D-2E0B-7566AF411A68}"/>
-          </ac:picMkLst>
-        </pc:picChg>
-      </pc:sldChg>
-      <pc:sldChg chg="modSp mod">
-        <pc:chgData name="Chuck Kiefriter" userId="c57348f7-b440-4861-a58f-c89f414ea74a" providerId="ADAL" clId="{CEAAE73E-A3C0-4EF3-8264-4F08772B5760}" dt="2023-03-15T21:05:15.266" v="104" actId="20577"/>
-        <pc:sldMkLst>
-          <pc:docMk/>
-          <pc:sldMk cId="4170465764" sldId="274"/>
-        </pc:sldMkLst>
-        <pc:spChg chg="mod">
-          <ac:chgData name="Chuck Kiefriter" userId="c57348f7-b440-4861-a58f-c89f414ea74a" providerId="ADAL" clId="{CEAAE73E-A3C0-4EF3-8264-4F08772B5760}" dt="2023-03-15T21:05:15.266" v="104" actId="20577"/>
-          <ac:spMkLst>
-            <pc:docMk/>
-            <pc:sldMk cId="4170465764" sldId="274"/>
-            <ac:spMk id="3" creationId="{23DFC7E9-54DD-38D7-0B9B-D34948D68CF9}"/>
-          </ac:spMkLst>
-        </pc:spChg>
-      </pc:sldChg>
-      <pc:sldChg chg="addSp delSp modSp mod">
-        <pc:chgData name="Chuck Kiefriter" userId="c57348f7-b440-4861-a58f-c89f414ea74a" providerId="ADAL" clId="{CEAAE73E-A3C0-4EF3-8264-4F08772B5760}" dt="2023-03-20T02:06:54.913" v="624" actId="207"/>
-        <pc:sldMkLst>
-          <pc:docMk/>
-          <pc:sldMk cId="1513494963" sldId="275"/>
-        </pc:sldMkLst>
-        <pc:spChg chg="add del">
-          <ac:chgData name="Chuck Kiefriter" userId="c57348f7-b440-4861-a58f-c89f414ea74a" providerId="ADAL" clId="{CEAAE73E-A3C0-4EF3-8264-4F08772B5760}" dt="2023-03-20T02:02:35.193" v="575"/>
-          <ac:spMkLst>
-            <pc:docMk/>
-            <pc:sldMk cId="1513494963" sldId="275"/>
-            <ac:spMk id="2" creationId="{BE46888D-AF6D-1D94-6855-0D2BDE1A167F}"/>
-          </ac:spMkLst>
-        </pc:spChg>
-        <pc:spChg chg="mod">
-          <ac:chgData name="Chuck Kiefriter" userId="c57348f7-b440-4861-a58f-c89f414ea74a" providerId="ADAL" clId="{CEAAE73E-A3C0-4EF3-8264-4F08772B5760}" dt="2023-03-20T02:06:54.913" v="624" actId="207"/>
-          <ac:spMkLst>
-            <pc:docMk/>
-            <pc:sldMk cId="1513494963" sldId="275"/>
-            <ac:spMk id="5" creationId="{9DB63145-E59C-9501-8AA5-4E6AC5C0D40F}"/>
-          </ac:spMkLst>
-        </pc:spChg>
-        <pc:spChg chg="mod">
-          <ac:chgData name="Chuck Kiefriter" userId="c57348f7-b440-4861-a58f-c89f414ea74a" providerId="ADAL" clId="{CEAAE73E-A3C0-4EF3-8264-4F08772B5760}" dt="2023-03-20T02:02:54.072" v="598" actId="20577"/>
-          <ac:spMkLst>
-            <pc:docMk/>
-            <pc:sldMk cId="1513494963" sldId="275"/>
-            <ac:spMk id="6" creationId="{59E906CD-110B-9D01-732C-2F21759B0265}"/>
-          </ac:spMkLst>
-        </pc:spChg>
-        <pc:picChg chg="del">
-          <ac:chgData name="Chuck Kiefriter" userId="c57348f7-b440-4861-a58f-c89f414ea74a" providerId="ADAL" clId="{CEAAE73E-A3C0-4EF3-8264-4F08772B5760}" dt="2023-03-20T02:02:29.241" v="573" actId="478"/>
-          <ac:picMkLst>
-            <pc:docMk/>
-            <pc:sldMk cId="1513494963" sldId="275"/>
-            <ac:picMk id="3" creationId="{0E14C303-4A08-9E3D-827C-D6CF995E9C7A}"/>
-          </ac:picMkLst>
-        </pc:picChg>
-      </pc:sldChg>
-      <pc:sldChg chg="addSp delSp modSp mod">
-        <pc:chgData name="Chuck Kiefriter" userId="c57348f7-b440-4861-a58f-c89f414ea74a" providerId="ADAL" clId="{CEAAE73E-A3C0-4EF3-8264-4F08772B5760}" dt="2023-03-20T01:40:14.037" v="572" actId="1035"/>
-        <pc:sldMkLst>
-          <pc:docMk/>
-          <pc:sldMk cId="976671966" sldId="278"/>
-        </pc:sldMkLst>
-        <pc:spChg chg="add mod">
-          <ac:chgData name="Chuck Kiefriter" userId="c57348f7-b440-4861-a58f-c89f414ea74a" providerId="ADAL" clId="{CEAAE73E-A3C0-4EF3-8264-4F08772B5760}" dt="2023-03-20T01:39:58.996" v="563" actId="1076"/>
-          <ac:spMkLst>
-            <pc:docMk/>
-            <pc:sldMk cId="976671966" sldId="278"/>
-            <ac:spMk id="3" creationId="{AECD1743-AE1E-E8A6-57D4-D340FC95D16D}"/>
-          </ac:spMkLst>
-        </pc:spChg>
-        <pc:spChg chg="mod">
-          <ac:chgData name="Chuck Kiefriter" userId="c57348f7-b440-4861-a58f-c89f414ea74a" providerId="ADAL" clId="{CEAAE73E-A3C0-4EF3-8264-4F08772B5760}" dt="2023-03-20T01:39:21.020" v="555" actId="1038"/>
-          <ac:spMkLst>
-            <pc:docMk/>
-            <pc:sldMk cId="976671966" sldId="278"/>
-            <ac:spMk id="4" creationId="{C0B26727-0F97-5A73-B4ED-6BE65E07E5DB}"/>
-          </ac:spMkLst>
-        </pc:spChg>
-        <pc:spChg chg="mod">
-          <ac:chgData name="Chuck Kiefriter" userId="c57348f7-b440-4861-a58f-c89f414ea74a" providerId="ADAL" clId="{CEAAE73E-A3C0-4EF3-8264-4F08772B5760}" dt="2023-03-20T01:06:07.991" v="518" actId="1076"/>
-          <ac:spMkLst>
-            <pc:docMk/>
-            <pc:sldMk cId="976671966" sldId="278"/>
-            <ac:spMk id="6" creationId="{59E906CD-110B-9D01-732C-2F21759B0265}"/>
-          </ac:spMkLst>
-        </pc:spChg>
-        <pc:spChg chg="add mod">
-          <ac:chgData name="Chuck Kiefriter" userId="c57348f7-b440-4861-a58f-c89f414ea74a" providerId="ADAL" clId="{CEAAE73E-A3C0-4EF3-8264-4F08772B5760}" dt="2023-03-20T01:40:14.037" v="572" actId="1035"/>
-          <ac:spMkLst>
-            <pc:docMk/>
-            <pc:sldMk cId="976671966" sldId="278"/>
-            <ac:spMk id="7" creationId="{5DAF20F1-2F34-F140-81DA-E78BF03C81E4}"/>
-          </ac:spMkLst>
-        </pc:spChg>
-        <pc:picChg chg="del">
-          <ac:chgData name="Chuck Kiefriter" userId="c57348f7-b440-4861-a58f-c89f414ea74a" providerId="ADAL" clId="{CEAAE73E-A3C0-4EF3-8264-4F08772B5760}" dt="2023-03-20T00:56:04.277" v="452" actId="478"/>
-          <ac:picMkLst>
-            <pc:docMk/>
-            <pc:sldMk cId="976671966" sldId="278"/>
-            <ac:picMk id="12" creationId="{EDDB08A4-A3C1-182F-A00B-0BE97F3C502C}"/>
-          </ac:picMkLst>
-        </pc:picChg>
-      </pc:sldChg>
-      <pc:sldChg chg="del">
-        <pc:chgData name="Chuck Kiefriter" userId="c57348f7-b440-4861-a58f-c89f414ea74a" providerId="ADAL" clId="{CEAAE73E-A3C0-4EF3-8264-4F08772B5760}" dt="2023-03-20T02:31:42.639" v="625" actId="47"/>
-        <pc:sldMkLst>
-          <pc:docMk/>
-          <pc:sldMk cId="3402929522" sldId="279"/>
-        </pc:sldMkLst>
-      </pc:sldChg>
-      <pc:sldChg chg="modSp mod">
-        <pc:chgData name="Chuck Kiefriter" userId="c57348f7-b440-4861-a58f-c89f414ea74a" providerId="ADAL" clId="{CEAAE73E-A3C0-4EF3-8264-4F08772B5760}" dt="2023-03-15T21:05:31.946" v="118" actId="20577"/>
-        <pc:sldMkLst>
-          <pc:docMk/>
-          <pc:sldMk cId="3395566764" sldId="280"/>
-        </pc:sldMkLst>
-        <pc:spChg chg="mod">
-          <ac:chgData name="Chuck Kiefriter" userId="c57348f7-b440-4861-a58f-c89f414ea74a" providerId="ADAL" clId="{CEAAE73E-A3C0-4EF3-8264-4F08772B5760}" dt="2023-03-15T21:05:31.946" v="118" actId="20577"/>
-          <ac:spMkLst>
-            <pc:docMk/>
-            <pc:sldMk cId="3395566764" sldId="280"/>
-            <ac:spMk id="3" creationId="{23DFC7E9-54DD-38D7-0B9B-D34948D68CF9}"/>
-          </ac:spMkLst>
-        </pc:spChg>
-      </pc:sldChg>
-      <pc:sldChg chg="addSp delSp modSp mod">
-        <pc:chgData name="Chuck Kiefriter" userId="c57348f7-b440-4861-a58f-c89f414ea74a" providerId="ADAL" clId="{CEAAE73E-A3C0-4EF3-8264-4F08772B5760}" dt="2023-03-21T22:58:27.146" v="986" actId="1076"/>
-        <pc:sldMkLst>
-          <pc:docMk/>
-          <pc:sldMk cId="3187156049" sldId="281"/>
-        </pc:sldMkLst>
-        <pc:spChg chg="add del mod">
-          <ac:chgData name="Chuck Kiefriter" userId="c57348f7-b440-4861-a58f-c89f414ea74a" providerId="ADAL" clId="{CEAAE73E-A3C0-4EF3-8264-4F08772B5760}" dt="2023-03-21T22:58:23.744" v="985" actId="478"/>
-          <ac:spMkLst>
-            <pc:docMk/>
-            <pc:sldMk cId="3187156049" sldId="281"/>
-            <ac:spMk id="3" creationId="{B1BCC113-17B8-CD92-4AF4-0B14B609C3EC}"/>
-          </ac:spMkLst>
-        </pc:spChg>
-        <pc:spChg chg="add mod">
-          <ac:chgData name="Chuck Kiefriter" userId="c57348f7-b440-4861-a58f-c89f414ea74a" providerId="ADAL" clId="{CEAAE73E-A3C0-4EF3-8264-4F08772B5760}" dt="2023-03-21T22:53:21.514" v="780" actId="1076"/>
-          <ac:spMkLst>
-            <pc:docMk/>
-            <pc:sldMk cId="3187156049" sldId="281"/>
-            <ac:spMk id="4" creationId="{5F4890C8-248C-DE3F-EFBE-A4EB3744954C}"/>
-          </ac:spMkLst>
-        </pc:spChg>
-        <pc:spChg chg="del mod">
-          <ac:chgData name="Chuck Kiefriter" userId="c57348f7-b440-4861-a58f-c89f414ea74a" providerId="ADAL" clId="{CEAAE73E-A3C0-4EF3-8264-4F08772B5760}" dt="2023-03-21T22:44:00.025" v="764" actId="478"/>
-          <ac:spMkLst>
-            <pc:docMk/>
-            <pc:sldMk cId="3187156049" sldId="281"/>
-            <ac:spMk id="5" creationId="{9DB63145-E59C-9501-8AA5-4E6AC5C0D40F}"/>
-          </ac:spMkLst>
-        </pc:spChg>
-        <pc:spChg chg="mod">
-          <ac:chgData name="Chuck Kiefriter" userId="c57348f7-b440-4861-a58f-c89f414ea74a" providerId="ADAL" clId="{CEAAE73E-A3C0-4EF3-8264-4F08772B5760}" dt="2023-03-20T04:34:19.666" v="743" actId="20577"/>
-          <ac:spMkLst>
-            <pc:docMk/>
-            <pc:sldMk cId="3187156049" sldId="281"/>
-            <ac:spMk id="6" creationId="{59E906CD-110B-9D01-732C-2F21759B0265}"/>
-          </ac:spMkLst>
-        </pc:spChg>
-        <pc:spChg chg="add mod">
-          <ac:chgData name="Chuck Kiefriter" userId="c57348f7-b440-4861-a58f-c89f414ea74a" providerId="ADAL" clId="{CEAAE73E-A3C0-4EF3-8264-4F08772B5760}" dt="2023-03-21T22:54:53.559" v="895" actId="1076"/>
-          <ac:spMkLst>
-            <pc:docMk/>
-            <pc:sldMk cId="3187156049" sldId="281"/>
-            <ac:spMk id="8" creationId="{C70D9D43-254A-0545-002D-C444DCDB15AD}"/>
-          </ac:spMkLst>
-        </pc:spChg>
-        <pc:spChg chg="add del">
-          <ac:chgData name="Chuck Kiefriter" userId="c57348f7-b440-4861-a58f-c89f414ea74a" providerId="ADAL" clId="{CEAAE73E-A3C0-4EF3-8264-4F08772B5760}" dt="2023-03-21T22:52:46.609" v="772"/>
-          <ac:spMkLst>
-            <pc:docMk/>
-            <pc:sldMk cId="3187156049" sldId="281"/>
-            <ac:spMk id="9" creationId="{D91EFD97-7B32-CAFA-DA27-56C69DD1B8B9}"/>
-          </ac:spMkLst>
-        </pc:spChg>
-        <pc:spChg chg="add mod">
-          <ac:chgData name="Chuck Kiefriter" userId="c57348f7-b440-4861-a58f-c89f414ea74a" providerId="ADAL" clId="{CEAAE73E-A3C0-4EF3-8264-4F08772B5760}" dt="2023-03-21T22:57:14.137" v="981" actId="1076"/>
-          <ac:spMkLst>
-            <pc:docMk/>
-            <pc:sldMk cId="3187156049" sldId="281"/>
-            <ac:spMk id="11" creationId="{FBFF1272-6FED-ACD0-CEF8-E11B1DD3B48B}"/>
-          </ac:spMkLst>
-        </pc:spChg>
-        <pc:spChg chg="add mod">
-          <ac:chgData name="Chuck Kiefriter" userId="c57348f7-b440-4861-a58f-c89f414ea74a" providerId="ADAL" clId="{CEAAE73E-A3C0-4EF3-8264-4F08772B5760}" dt="2023-03-21T22:58:27.146" v="986" actId="1076"/>
-          <ac:spMkLst>
-            <pc:docMk/>
-            <pc:sldMk cId="3187156049" sldId="281"/>
-            <ac:spMk id="13" creationId="{54490E19-5FDF-8610-D214-65ABB5B29ACD}"/>
-          </ac:spMkLst>
-        </pc:spChg>
-        <pc:picChg chg="del">
-          <ac:chgData name="Chuck Kiefriter" userId="c57348f7-b440-4861-a58f-c89f414ea74a" providerId="ADAL" clId="{CEAAE73E-A3C0-4EF3-8264-4F08772B5760}" dt="2023-03-20T04:34:21.482" v="744" actId="478"/>
-          <ac:picMkLst>
-            <pc:docMk/>
-            <pc:sldMk cId="3187156049" sldId="281"/>
-            <ac:picMk id="3" creationId="{83E4109A-5F0E-62C4-2DDC-A1744C5BE6B5}"/>
-          </ac:picMkLst>
-        </pc:picChg>
-      </pc:sldChg>
-      <pc:sldChg chg="modSp mod">
-        <pc:chgData name="Chuck Kiefriter" userId="c57348f7-b440-4861-a58f-c89f414ea74a" providerId="ADAL" clId="{CEAAE73E-A3C0-4EF3-8264-4F08772B5760}" dt="2023-03-15T21:06:00.300" v="163" actId="20577"/>
-        <pc:sldMkLst>
-          <pc:docMk/>
-          <pc:sldMk cId="2065140228" sldId="282"/>
-        </pc:sldMkLst>
-        <pc:spChg chg="mod">
-          <ac:chgData name="Chuck Kiefriter" userId="c57348f7-b440-4861-a58f-c89f414ea74a" providerId="ADAL" clId="{CEAAE73E-A3C0-4EF3-8264-4F08772B5760}" dt="2023-03-15T21:06:00.300" v="163" actId="20577"/>
-          <ac:spMkLst>
-            <pc:docMk/>
-            <pc:sldMk cId="2065140228" sldId="282"/>
-            <ac:spMk id="3" creationId="{23DFC7E9-54DD-38D7-0B9B-D34948D68CF9}"/>
-          </ac:spMkLst>
-        </pc:spChg>
-      </pc:sldChg>
-      <pc:sldChg chg="delSp modSp mod">
-        <pc:chgData name="Chuck Kiefriter" userId="c57348f7-b440-4861-a58f-c89f414ea74a" providerId="ADAL" clId="{CEAAE73E-A3C0-4EF3-8264-4F08772B5760}" dt="2023-03-21T23:02:03.008" v="988" actId="6549"/>
-        <pc:sldMkLst>
-          <pc:docMk/>
-          <pc:sldMk cId="1885158462" sldId="283"/>
-        </pc:sldMkLst>
-        <pc:spChg chg="mod">
-          <ac:chgData name="Chuck Kiefriter" userId="c57348f7-b440-4861-a58f-c89f414ea74a" providerId="ADAL" clId="{CEAAE73E-A3C0-4EF3-8264-4F08772B5760}" dt="2023-03-21T23:02:03.008" v="988" actId="6549"/>
-          <ac:spMkLst>
-            <pc:docMk/>
-            <pc:sldMk cId="1885158462" sldId="283"/>
-            <ac:spMk id="5" creationId="{9DB63145-E59C-9501-8AA5-4E6AC5C0D40F}"/>
-          </ac:spMkLst>
-        </pc:spChg>
-        <pc:spChg chg="mod">
-          <ac:chgData name="Chuck Kiefriter" userId="c57348f7-b440-4861-a58f-c89f414ea74a" providerId="ADAL" clId="{CEAAE73E-A3C0-4EF3-8264-4F08772B5760}" dt="2023-03-20T02:33:34.475" v="658" actId="20577"/>
-          <ac:spMkLst>
-            <pc:docMk/>
-            <pc:sldMk cId="1885158462" sldId="283"/>
-            <ac:spMk id="6" creationId="{59E906CD-110B-9D01-732C-2F21759B0265}"/>
-          </ac:spMkLst>
-        </pc:spChg>
-        <pc:spChg chg="del">
-          <ac:chgData name="Chuck Kiefriter" userId="c57348f7-b440-4861-a58f-c89f414ea74a" providerId="ADAL" clId="{CEAAE73E-A3C0-4EF3-8264-4F08772B5760}" dt="2023-03-20T02:33:47.335" v="661" actId="478"/>
-          <ac:spMkLst>
-            <pc:docMk/>
-            <pc:sldMk cId="1885158462" sldId="283"/>
-            <ac:spMk id="8" creationId="{ECD506A8-B7B8-3E79-FA2D-BD62C204B827}"/>
-          </ac:spMkLst>
-        </pc:spChg>
-        <pc:picChg chg="del">
-          <ac:chgData name="Chuck Kiefriter" userId="c57348f7-b440-4861-a58f-c89f414ea74a" providerId="ADAL" clId="{CEAAE73E-A3C0-4EF3-8264-4F08772B5760}" dt="2023-03-20T02:33:38.052" v="659" actId="478"/>
-          <ac:picMkLst>
-            <pc:docMk/>
-            <pc:sldMk cId="1885158462" sldId="283"/>
-            <ac:picMk id="4" creationId="{7C9F3104-C66F-0189-6D64-A0BDCF1B495F}"/>
-          </ac:picMkLst>
-        </pc:picChg>
-      </pc:sldChg>
-      <pc:sldChg chg="del">
-        <pc:chgData name="Chuck Kiefriter" userId="c57348f7-b440-4861-a58f-c89f414ea74a" providerId="ADAL" clId="{CEAAE73E-A3C0-4EF3-8264-4F08772B5760}" dt="2023-03-20T04:03:18.428" v="665" actId="47"/>
-        <pc:sldMkLst>
-          <pc:docMk/>
-          <pc:sldMk cId="356231122" sldId="284"/>
-        </pc:sldMkLst>
-      </pc:sldChg>
-      <pc:sldChg chg="addSp modSp add mod">
-        <pc:chgData name="Chuck Kiefriter" userId="c57348f7-b440-4861-a58f-c89f414ea74a" providerId="ADAL" clId="{CEAAE73E-A3C0-4EF3-8264-4F08772B5760}" dt="2023-03-20T00:39:44.108" v="365" actId="14100"/>
-        <pc:sldMkLst>
-          <pc:docMk/>
-          <pc:sldMk cId="460794980" sldId="285"/>
-        </pc:sldMkLst>
-        <pc:spChg chg="add mod">
-          <ac:chgData name="Chuck Kiefriter" userId="c57348f7-b440-4861-a58f-c89f414ea74a" providerId="ADAL" clId="{CEAAE73E-A3C0-4EF3-8264-4F08772B5760}" dt="2023-03-20T00:37:53.726" v="352" actId="1076"/>
-          <ac:spMkLst>
-            <pc:docMk/>
-            <pc:sldMk cId="460794980" sldId="285"/>
-            <ac:spMk id="4" creationId="{0A9C3E86-2548-ECB5-8430-3E2B6C004107}"/>
-          </ac:spMkLst>
-        </pc:spChg>
-        <pc:spChg chg="mod">
-          <ac:chgData name="Chuck Kiefriter" userId="c57348f7-b440-4861-a58f-c89f414ea74a" providerId="ADAL" clId="{CEAAE73E-A3C0-4EF3-8264-4F08772B5760}" dt="2023-03-20T00:28:09.677" v="229" actId="20577"/>
-          <ac:spMkLst>
-            <pc:docMk/>
-            <pc:sldMk cId="460794980" sldId="285"/>
-            <ac:spMk id="6" creationId="{DE3DBA5A-FA8E-46C6-1402-E5C7632F4CAD}"/>
-          </ac:spMkLst>
-        </pc:spChg>
-        <pc:spChg chg="add mod">
-          <ac:chgData name="Chuck Kiefriter" userId="c57348f7-b440-4861-a58f-c89f414ea74a" providerId="ADAL" clId="{CEAAE73E-A3C0-4EF3-8264-4F08772B5760}" dt="2023-03-20T00:37:53.726" v="352" actId="1076"/>
-          <ac:spMkLst>
-            <pc:docMk/>
-            <pc:sldMk cId="460794980" sldId="285"/>
-            <ac:spMk id="7" creationId="{6078F001-09B3-95A6-FBBF-049E24348AA3}"/>
-          </ac:spMkLst>
-        </pc:spChg>
-        <pc:spChg chg="mod">
-          <ac:chgData name="Chuck Kiefriter" userId="c57348f7-b440-4861-a58f-c89f414ea74a" providerId="ADAL" clId="{CEAAE73E-A3C0-4EF3-8264-4F08772B5760}" dt="2023-03-20T00:36:05.988" v="344" actId="207"/>
-          <ac:spMkLst>
-            <pc:docMk/>
-            <pc:sldMk cId="460794980" sldId="285"/>
-            <ac:spMk id="10" creationId="{EA3D5ED0-1762-C438-DD7C-B32C5582A339}"/>
-          </ac:spMkLst>
-        </pc:spChg>
-        <pc:picChg chg="add mod">
-          <ac:chgData name="Chuck Kiefriter" userId="c57348f7-b440-4861-a58f-c89f414ea74a" providerId="ADAL" clId="{CEAAE73E-A3C0-4EF3-8264-4F08772B5760}" dt="2023-03-20T00:39:44.108" v="365" actId="14100"/>
-          <ac:picMkLst>
-            <pc:docMk/>
-            <pc:sldMk cId="460794980" sldId="285"/>
-            <ac:picMk id="9" creationId="{951D6567-EE71-636D-5131-1733E9CA3EE1}"/>
-          </ac:picMkLst>
-        </pc:picChg>
-        <pc:picChg chg="add mod">
-          <ac:chgData name="Chuck Kiefriter" userId="c57348f7-b440-4861-a58f-c89f414ea74a" providerId="ADAL" clId="{CEAAE73E-A3C0-4EF3-8264-4F08772B5760}" dt="2023-03-20T00:39:41.309" v="364" actId="1076"/>
-          <ac:picMkLst>
-            <pc:docMk/>
-            <pc:sldMk cId="460794980" sldId="285"/>
-            <ac:picMk id="12" creationId="{75DBF1A8-6B47-A236-0E35-BCD7AC30E1AC}"/>
-          </ac:picMkLst>
-        </pc:picChg>
-      </pc:sldChg>
-      <pc:sldChg chg="modSp add mod">
-        <pc:chgData name="Chuck Kiefriter" userId="c57348f7-b440-4861-a58f-c89f414ea74a" providerId="ADAL" clId="{CEAAE73E-A3C0-4EF3-8264-4F08772B5760}" dt="2023-03-20T04:03:46.401" v="693" actId="1076"/>
-        <pc:sldMkLst>
-          <pc:docMk/>
-          <pc:sldMk cId="1155090792" sldId="286"/>
-        </pc:sldMkLst>
-        <pc:spChg chg="mod">
-          <ac:chgData name="Chuck Kiefriter" userId="c57348f7-b440-4861-a58f-c89f414ea74a" providerId="ADAL" clId="{CEAAE73E-A3C0-4EF3-8264-4F08772B5760}" dt="2023-03-20T04:03:46.401" v="693" actId="1076"/>
-          <ac:spMkLst>
-            <pc:docMk/>
-            <pc:sldMk cId="1155090792" sldId="286"/>
-            <ac:spMk id="3" creationId="{23DFC7E9-54DD-38D7-0B9B-D34948D68CF9}"/>
-          </ac:spMkLst>
-        </pc:spChg>
-      </pc:sldChg>
-      <pc:sldChg chg="addSp modSp add mod">
-        <pc:chgData name="Chuck Kiefriter" userId="c57348f7-b440-4861-a58f-c89f414ea74a" providerId="ADAL" clId="{CEAAE73E-A3C0-4EF3-8264-4F08772B5760}" dt="2023-03-20T04:06:13.253" v="729" actId="1076"/>
-        <pc:sldMkLst>
-          <pc:docMk/>
-          <pc:sldMk cId="424094208" sldId="287"/>
-        </pc:sldMkLst>
-        <pc:spChg chg="add mod">
-          <ac:chgData name="Chuck Kiefriter" userId="c57348f7-b440-4861-a58f-c89f414ea74a" providerId="ADAL" clId="{CEAAE73E-A3C0-4EF3-8264-4F08772B5760}" dt="2023-03-20T04:06:13.253" v="729" actId="1076"/>
-          <ac:spMkLst>
-            <pc:docMk/>
-            <pc:sldMk cId="424094208" sldId="287"/>
-            <ac:spMk id="3" creationId="{FF9F9172-C924-1C79-FA1B-3659223D7D26}"/>
-          </ac:spMkLst>
-        </pc:spChg>
-        <pc:spChg chg="mod">
-          <ac:chgData name="Chuck Kiefriter" userId="c57348f7-b440-4861-a58f-c89f414ea74a" providerId="ADAL" clId="{CEAAE73E-A3C0-4EF3-8264-4F08772B5760}" dt="2023-03-20T04:04:56.478" v="721" actId="6549"/>
-          <ac:spMkLst>
-            <pc:docMk/>
-            <pc:sldMk cId="424094208" sldId="287"/>
-            <ac:spMk id="5" creationId="{9DB63145-E59C-9501-8AA5-4E6AC5C0D40F}"/>
-          </ac:spMkLst>
-        </pc:spChg>
-        <pc:spChg chg="mod">
-          <ac:chgData name="Chuck Kiefriter" userId="c57348f7-b440-4861-a58f-c89f414ea74a" providerId="ADAL" clId="{CEAAE73E-A3C0-4EF3-8264-4F08772B5760}" dt="2023-03-20T04:03:56.659" v="717" actId="20577"/>
-          <ac:spMkLst>
-            <pc:docMk/>
-            <pc:sldMk cId="424094208" sldId="287"/>
-            <ac:spMk id="6" creationId="{59E906CD-110B-9D01-732C-2F21759B0265}"/>
-          </ac:spMkLst>
-        </pc:spChg>
-      </pc:sldChg>
-    </pc:docChg>
-  </pc:docChgLst>
-  <pc:docChgLst>
-    <pc:chgData name="Chuck Kiefriter" userId="a996b49251c4dfd2" providerId="LiveId" clId="{5AA25B55-5D47-418C-9AE7-C5B1E5851588}"/>
-    <pc:docChg chg="modSld sldOrd">
-      <pc:chgData name="Chuck Kiefriter" userId="a996b49251c4dfd2" providerId="LiveId" clId="{5AA25B55-5D47-418C-9AE7-C5B1E5851588}" dt="2024-03-06T22:11:59.633" v="9" actId="20577"/>
-      <pc:docMkLst>
-        <pc:docMk/>
-      </pc:docMkLst>
-      <pc:sldChg chg="modSp mod">
-        <pc:chgData name="Chuck Kiefriter" userId="a996b49251c4dfd2" providerId="LiveId" clId="{5AA25B55-5D47-418C-9AE7-C5B1E5851588}" dt="2024-03-06T22:11:59.633" v="9" actId="20577"/>
-        <pc:sldMkLst>
-          <pc:docMk/>
-          <pc:sldMk cId="976671966" sldId="278"/>
-        </pc:sldMkLst>
-        <pc:spChg chg="mod">
-          <ac:chgData name="Chuck Kiefriter" userId="a996b49251c4dfd2" providerId="LiveId" clId="{5AA25B55-5D47-418C-9AE7-C5B1E5851588}" dt="2024-03-06T22:11:59.633" v="9" actId="20577"/>
-          <ac:spMkLst>
-            <pc:docMk/>
-            <pc:sldMk cId="976671966" sldId="278"/>
-            <ac:spMk id="4" creationId="{C0B26727-0F97-5A73-B4ED-6BE65E07E5DB}"/>
-          </ac:spMkLst>
-        </pc:spChg>
-      </pc:sldChg>
-      <pc:sldChg chg="ord">
-        <pc:chgData name="Chuck Kiefriter" userId="a996b49251c4dfd2" providerId="LiveId" clId="{5AA25B55-5D47-418C-9AE7-C5B1E5851588}" dt="2024-03-06T22:02:39.339" v="5"/>
-        <pc:sldMkLst>
-          <pc:docMk/>
-          <pc:sldMk cId="1155090792" sldId="286"/>
-        </pc:sldMkLst>
-      </pc:sldChg>
-      <pc:sldChg chg="modSp mod">
-        <pc:chgData name="Chuck Kiefriter" userId="a996b49251c4dfd2" providerId="LiveId" clId="{5AA25B55-5D47-418C-9AE7-C5B1E5851588}" dt="2024-03-06T21:56:52.226" v="3" actId="20577"/>
-        <pc:sldMkLst>
-          <pc:docMk/>
-          <pc:sldMk cId="3551399501" sldId="303"/>
-        </pc:sldMkLst>
-        <pc:spChg chg="mod">
-          <ac:chgData name="Chuck Kiefriter" userId="a996b49251c4dfd2" providerId="LiveId" clId="{5AA25B55-5D47-418C-9AE7-C5B1E5851588}" dt="2024-03-06T21:56:52.226" v="3" actId="20577"/>
-          <ac:spMkLst>
-            <pc:docMk/>
-            <pc:sldMk cId="3551399501" sldId="303"/>
-            <ac:spMk id="4" creationId="{C0B26727-0F97-5A73-B4ED-6BE65E07E5DB}"/>
-          </ac:spMkLst>
-        </pc:spChg>
-      </pc:sldChg>
-      <pc:sldChg chg="ord">
-        <pc:chgData name="Chuck Kiefriter" userId="a996b49251c4dfd2" providerId="LiveId" clId="{5AA25B55-5D47-418C-9AE7-C5B1E5851588}" dt="2024-03-06T22:02:39.339" v="5"/>
-        <pc:sldMkLst>
-          <pc:docMk/>
-          <pc:sldMk cId="3827704663" sldId="305"/>
-        </pc:sldMkLst>
-      </pc:sldChg>
-      <pc:sldChg chg="ord">
-        <pc:chgData name="Chuck Kiefriter" userId="a996b49251c4dfd2" providerId="LiveId" clId="{5AA25B55-5D47-418C-9AE7-C5B1E5851588}" dt="2024-03-06T22:04:43.114" v="7"/>
-        <pc:sldMkLst>
-          <pc:docMk/>
-          <pc:sldMk cId="2169686199" sldId="306"/>
-        </pc:sldMkLst>
       </pc:sldChg>
     </pc:docChg>
   </pc:docChgLst>
@@ -2732,7 +2865,7 @@
           <a:p>
             <a:fld id="{33D569A9-A222-4DCC-AF28-BB813B4F2ABB}" type="datetimeFigureOut">
               <a:rPr lang="en-US" smtClean="0"/>
-              <a:t>3/6/2024</a:t>
+              <a:t>8/28/2024</a:t>
             </a:fld>
             <a:endParaRPr lang="en-US"/>
           </a:p>
@@ -3020,7 +3153,7 @@
           <a:p>
             <a:fld id="{33D569A9-A222-4DCC-AF28-BB813B4F2ABB}" type="datetimeFigureOut">
               <a:rPr lang="en-US" smtClean="0"/>
-              <a:t>3/6/2024</a:t>
+              <a:t>8/28/2024</a:t>
             </a:fld>
             <a:endParaRPr lang="en-US"/>
           </a:p>
@@ -3218,7 +3351,7 @@
           <a:p>
             <a:fld id="{33D569A9-A222-4DCC-AF28-BB813B4F2ABB}" type="datetimeFigureOut">
               <a:rPr lang="en-US" smtClean="0"/>
-              <a:t>3/6/2024</a:t>
+              <a:t>8/28/2024</a:t>
             </a:fld>
             <a:endParaRPr lang="en-US"/>
           </a:p>
@@ -3426,7 +3559,7 @@
           <a:p>
             <a:fld id="{33D569A9-A222-4DCC-AF28-BB813B4F2ABB}" type="datetimeFigureOut">
               <a:rPr lang="en-US" smtClean="0"/>
-              <a:t>3/6/2024</a:t>
+              <a:t>8/28/2024</a:t>
             </a:fld>
             <a:endParaRPr lang="en-US"/>
           </a:p>
@@ -3624,7 +3757,7 @@
           <a:p>
             <a:fld id="{33D569A9-A222-4DCC-AF28-BB813B4F2ABB}" type="datetimeFigureOut">
               <a:rPr lang="en-US" smtClean="0"/>
-              <a:t>3/6/2024</a:t>
+              <a:t>8/28/2024</a:t>
             </a:fld>
             <a:endParaRPr lang="en-US"/>
           </a:p>
@@ -3899,7 +4032,7 @@
           <a:p>
             <a:fld id="{33D569A9-A222-4DCC-AF28-BB813B4F2ABB}" type="datetimeFigureOut">
               <a:rPr lang="en-US" smtClean="0"/>
-              <a:t>3/6/2024</a:t>
+              <a:t>8/28/2024</a:t>
             </a:fld>
             <a:endParaRPr lang="en-US"/>
           </a:p>
@@ -4164,7 +4297,7 @@
           <a:p>
             <a:fld id="{33D569A9-A222-4DCC-AF28-BB813B4F2ABB}" type="datetimeFigureOut">
               <a:rPr lang="en-US" smtClean="0"/>
-              <a:t>3/6/2024</a:t>
+              <a:t>8/28/2024</a:t>
             </a:fld>
             <a:endParaRPr lang="en-US"/>
           </a:p>
@@ -4576,7 +4709,7 @@
           <a:p>
             <a:fld id="{33D569A9-A222-4DCC-AF28-BB813B4F2ABB}" type="datetimeFigureOut">
               <a:rPr lang="en-US" smtClean="0"/>
-              <a:t>3/6/2024</a:t>
+              <a:t>8/28/2024</a:t>
             </a:fld>
             <a:endParaRPr lang="en-US"/>
           </a:p>
@@ -4717,7 +4850,7 @@
           <a:p>
             <a:fld id="{33D569A9-A222-4DCC-AF28-BB813B4F2ABB}" type="datetimeFigureOut">
               <a:rPr lang="en-US" smtClean="0"/>
-              <a:t>3/6/2024</a:t>
+              <a:t>8/28/2024</a:t>
             </a:fld>
             <a:endParaRPr lang="en-US"/>
           </a:p>
@@ -4830,7 +4963,7 @@
           <a:p>
             <a:fld id="{33D569A9-A222-4DCC-AF28-BB813B4F2ABB}" type="datetimeFigureOut">
               <a:rPr lang="en-US" smtClean="0"/>
-              <a:t>3/6/2024</a:t>
+              <a:t>8/28/2024</a:t>
             </a:fld>
             <a:endParaRPr lang="en-US"/>
           </a:p>
@@ -5176,7 +5309,7 @@
           <a:p>
             <a:fld id="{33D569A9-A222-4DCC-AF28-BB813B4F2ABB}" type="datetimeFigureOut">
               <a:rPr lang="en-US" smtClean="0"/>
-              <a:t>3/6/2024</a:t>
+              <a:t>8/28/2024</a:t>
             </a:fld>
             <a:endParaRPr lang="en-US"/>
           </a:p>
@@ -5417,7 +5550,7 @@
           <a:p>
             <a:fld id="{33D569A9-A222-4DCC-AF28-BB813B4F2ABB}" type="datetimeFigureOut">
               <a:rPr lang="en-US" smtClean="0"/>
-              <a:t>3/6/2024</a:t>
+              <a:t>8/28/2024</a:t>
             </a:fld>
             <a:endParaRPr lang="en-US"/>
           </a:p>
@@ -5850,7 +5983,7 @@
         <p:spPr>
           <a:xfrm>
             <a:off x="696537" y="87952"/>
-            <a:ext cx="9326104" cy="5986254"/>
+            <a:ext cx="9326104" cy="5247590"/>
           </a:xfrm>
           <a:prstGeom prst="rect">
             <a:avLst/>
@@ -6072,6 +6205,61 @@
             </a:r>
           </a:p>
           <a:p>
+            <a:pPr marR="0" lvl="0" algn="l" defTabSz="914400" rtl="0" eaLnBrk="1" fontAlgn="auto" latinLnBrk="0" hangingPunct="1">
+              <a:lnSpc>
+                <a:spcPct val="100000"/>
+              </a:lnSpc>
+              <a:spcBef>
+                <a:spcPts val="0"/>
+              </a:spcBef>
+              <a:spcAft>
+                <a:spcPts val="0"/>
+              </a:spcAft>
+              <a:buClrTx/>
+              <a:buSzTx/>
+              <a:tabLst/>
+              <a:defRPr/>
+            </a:pPr>
+            <a:endParaRPr lang="en-US" sz="2400" dirty="0">
+              <a:solidFill>
+                <a:prstClr val="white">
+                  <a:lumMod val="75000"/>
+                </a:prstClr>
+              </a:solidFill>
+              <a:latin typeface="Open Sans" panose="020B0606030504020204" pitchFamily="34" charset="0"/>
+            </a:endParaRPr>
+          </a:p>
+          <a:p>
+            <a:pPr marL="571500" marR="0" lvl="0" indent="-571500" algn="l" defTabSz="914400" rtl="0" eaLnBrk="1" fontAlgn="auto" latinLnBrk="0" hangingPunct="1">
+              <a:lnSpc>
+                <a:spcPct val="100000"/>
+              </a:lnSpc>
+              <a:spcBef>
+                <a:spcPts val="0"/>
+              </a:spcBef>
+              <a:spcAft>
+                <a:spcPts val="0"/>
+              </a:spcAft>
+              <a:buClrTx/>
+              <a:buSzTx/>
+              <a:buFont typeface="Arial" panose="020B0604020202020204" pitchFamily="34" charset="0"/>
+              <a:buChar char="•"/>
+              <a:tabLst/>
+              <a:defRPr/>
+            </a:pPr>
+            <a:r>
+              <a:rPr lang="en-US" sz="2400" dirty="0">
+                <a:solidFill>
+                  <a:prstClr val="white">
+                    <a:lumMod val="75000"/>
+                  </a:prstClr>
+                </a:solidFill>
+                <a:latin typeface="Open Sans" panose="020B0606030504020204" pitchFamily="34" charset="0"/>
+              </a:rPr>
+              <a:t>Inheritance / Interfaces</a:t>
+            </a:r>
+          </a:p>
+          <a:p>
             <a:pPr marL="571500" marR="0" lvl="0" indent="-571500" algn="l" defTabSz="914400" rtl="0" eaLnBrk="1" fontAlgn="auto" latinLnBrk="0" hangingPunct="1">
               <a:lnSpc>
                 <a:spcPct val="100000"/>
@@ -6099,21 +6287,9 @@
             </a:endParaRPr>
           </a:p>
           <a:p>
-            <a:pPr marL="571500" marR="0" lvl="0" indent="-571500" algn="l" defTabSz="914400" rtl="0" eaLnBrk="1" fontAlgn="auto" latinLnBrk="0" hangingPunct="1">
-              <a:lnSpc>
-                <a:spcPct val="100000"/>
-              </a:lnSpc>
-              <a:spcBef>
-                <a:spcPts val="0"/>
-              </a:spcBef>
-              <a:spcAft>
-                <a:spcPts val="0"/>
-              </a:spcAft>
-              <a:buClrTx/>
-              <a:buSzTx/>
+            <a:pPr marL="571500" indent="-571500">
               <a:buFont typeface="Arial" panose="020B0604020202020204" pitchFamily="34" charset="0"/>
               <a:buChar char="•"/>
-              <a:tabLst/>
               <a:defRPr/>
             </a:pPr>
             <a:r>
@@ -6126,120 +6302,6 @@
                 <a:latin typeface="Open Sans" panose="020B0606030504020204" pitchFamily="34" charset="0"/>
               </a:rPr>
               <a:t>Exceptions</a:t>
-            </a:r>
-          </a:p>
-          <a:p>
-            <a:pPr marL="571500" marR="0" lvl="0" indent="-571500" algn="l" defTabSz="914400" rtl="0" eaLnBrk="1" fontAlgn="auto" latinLnBrk="0" hangingPunct="1">
-              <a:lnSpc>
-                <a:spcPct val="100000"/>
-              </a:lnSpc>
-              <a:spcBef>
-                <a:spcPts val="0"/>
-              </a:spcBef>
-              <a:spcAft>
-                <a:spcPts val="0"/>
-              </a:spcAft>
-              <a:buClrTx/>
-              <a:buSzTx/>
-              <a:buFont typeface="Arial" panose="020B0604020202020204" pitchFamily="34" charset="0"/>
-              <a:buChar char="•"/>
-              <a:tabLst/>
-              <a:defRPr/>
-            </a:pPr>
-            <a:endParaRPr lang="en-US" sz="2400" dirty="0">
-              <a:solidFill>
-                <a:prstClr val="white">
-                  <a:lumMod val="75000"/>
-                </a:prstClr>
-              </a:solidFill>
-              <a:latin typeface="Open Sans" panose="020B0606030504020204" pitchFamily="34" charset="0"/>
-            </a:endParaRPr>
-          </a:p>
-          <a:p>
-            <a:pPr marL="571500" marR="0" lvl="0" indent="-571500" algn="l" defTabSz="914400" rtl="0" eaLnBrk="1" fontAlgn="auto" latinLnBrk="0" hangingPunct="1">
-              <a:lnSpc>
-                <a:spcPct val="100000"/>
-              </a:lnSpc>
-              <a:spcBef>
-                <a:spcPts val="0"/>
-              </a:spcBef>
-              <a:spcAft>
-                <a:spcPts val="0"/>
-              </a:spcAft>
-              <a:buClrTx/>
-              <a:buSzTx/>
-              <a:buFont typeface="Arial" panose="020B0604020202020204" pitchFamily="34" charset="0"/>
-              <a:buChar char="•"/>
-              <a:tabLst/>
-              <a:defRPr/>
-            </a:pPr>
-            <a:r>
-              <a:rPr lang="en-US" sz="2400" dirty="0">
-                <a:solidFill>
-                  <a:prstClr val="white">
-                    <a:lumMod val="75000"/>
-                  </a:prstClr>
-                </a:solidFill>
-                <a:latin typeface="Open Sans" panose="020B0606030504020204" pitchFamily="34" charset="0"/>
-              </a:rPr>
-              <a:t>Interfaces</a:t>
-            </a:r>
-          </a:p>
-          <a:p>
-            <a:pPr marL="571500" marR="0" lvl="0" indent="-571500" algn="l" defTabSz="914400" rtl="0" eaLnBrk="1" fontAlgn="auto" latinLnBrk="0" hangingPunct="1">
-              <a:lnSpc>
-                <a:spcPct val="100000"/>
-              </a:lnSpc>
-              <a:spcBef>
-                <a:spcPts val="0"/>
-              </a:spcBef>
-              <a:spcAft>
-                <a:spcPts val="0"/>
-              </a:spcAft>
-              <a:buClrTx/>
-              <a:buSzTx/>
-              <a:buFont typeface="Arial" panose="020B0604020202020204" pitchFamily="34" charset="0"/>
-              <a:buChar char="•"/>
-              <a:tabLst/>
-              <a:defRPr/>
-            </a:pPr>
-            <a:endParaRPr lang="en-US" sz="2400" dirty="0">
-              <a:solidFill>
-                <a:prstClr val="white">
-                  <a:lumMod val="75000"/>
-                </a:prstClr>
-              </a:solidFill>
-              <a:latin typeface="Open Sans" panose="020B0606030504020204" pitchFamily="34" charset="0"/>
-            </a:endParaRPr>
-          </a:p>
-          <a:p>
-            <a:pPr marL="571500" marR="0" lvl="0" indent="-571500" algn="l" defTabSz="914400" rtl="0" eaLnBrk="1" fontAlgn="auto" latinLnBrk="0" hangingPunct="1">
-              <a:lnSpc>
-                <a:spcPct val="100000"/>
-              </a:lnSpc>
-              <a:spcBef>
-                <a:spcPts val="0"/>
-              </a:spcBef>
-              <a:spcAft>
-                <a:spcPts val="0"/>
-              </a:spcAft>
-              <a:buClrTx/>
-              <a:buSzTx/>
-              <a:buFont typeface="Arial" panose="020B0604020202020204" pitchFamily="34" charset="0"/>
-              <a:buChar char="•"/>
-              <a:tabLst/>
-              <a:defRPr/>
-            </a:pPr>
-            <a:r>
-              <a:rPr lang="en-US" sz="2400" dirty="0">
-                <a:solidFill>
-                  <a:prstClr val="white">
-                    <a:lumMod val="75000"/>
-                  </a:prstClr>
-                </a:solidFill>
-                <a:latin typeface="Open Sans" panose="020B0606030504020204" pitchFamily="34" charset="0"/>
-              </a:rPr>
-              <a:t>OOP Menu App</a:t>
             </a:r>
           </a:p>
           <a:p>
@@ -6664,59 +6726,12 @@
           <a:chExt cx="0" cy="0"/>
         </a:xfrm>
       </p:grpSpPr>
-      <p:pic>
-        <p:nvPicPr>
-          <p:cNvPr id="1026" name="Picture 2" descr="Image">
+      <p:sp>
+        <p:nvSpPr>
+          <p:cNvPr id="3" name="TextBox 2">
             <a:extLst>
               <a:ext uri="{FF2B5EF4-FFF2-40B4-BE49-F238E27FC236}">
-                <a16:creationId xmlns:a16="http://schemas.microsoft.com/office/drawing/2014/main" id="{3C8CE67A-36E1-5A09-D74F-A2C8E212977E}"/>
-              </a:ext>
-            </a:extLst>
-          </p:cNvPr>
-          <p:cNvPicPr>
-            <a:picLocks noChangeAspect="1" noChangeArrowheads="1"/>
-          </p:cNvPicPr>
-          <p:nvPr/>
-        </p:nvPicPr>
-        <p:blipFill>
-          <a:blip r:embed="rId2">
-            <a:extLst>
-              <a:ext uri="{28A0092B-C50C-407E-A947-70E740481C1C}">
-                <a14:useLocalDpi xmlns:a14="http://schemas.microsoft.com/office/drawing/2010/main" val="0"/>
-              </a:ext>
-            </a:extLst>
-          </a:blip>
-          <a:srcRect/>
-          <a:stretch>
-            <a:fillRect/>
-          </a:stretch>
-        </p:blipFill>
-        <p:spPr bwMode="auto">
-          <a:xfrm>
-            <a:off x="3921870" y="0"/>
-            <a:ext cx="6858000" cy="6858000"/>
-          </a:xfrm>
-          <a:prstGeom prst="rect">
-            <a:avLst/>
-          </a:prstGeom>
-          <a:noFill/>
-          <a:extLst>
-            <a:ext uri="{909E8E84-426E-40DD-AFC4-6F175D3DCCD1}">
-              <a14:hiddenFill xmlns:a14="http://schemas.microsoft.com/office/drawing/2010/main">
-                <a:solidFill>
-                  <a:srgbClr val="FFFFFF"/>
-                </a:solidFill>
-              </a14:hiddenFill>
-            </a:ext>
-          </a:extLst>
-        </p:spPr>
-      </p:pic>
-      <p:sp>
-        <p:nvSpPr>
-          <p:cNvPr id="2" name="TextBox 1">
-            <a:extLst>
-              <a:ext uri="{FF2B5EF4-FFF2-40B4-BE49-F238E27FC236}">
-                <a16:creationId xmlns:a16="http://schemas.microsoft.com/office/drawing/2014/main" id="{39E1C922-B9C7-D0AD-8A67-CE620AD121BE}"/>
+                <a16:creationId xmlns:a16="http://schemas.microsoft.com/office/drawing/2014/main" id="{23DFC7E9-54DD-38D7-0B9B-D34948D68CF9}"/>
               </a:ext>
             </a:extLst>
           </p:cNvPr>
@@ -6725,8 +6740,8 @@
         </p:nvSpPr>
         <p:spPr>
           <a:xfrm>
-            <a:off x="216335" y="31366"/>
-            <a:ext cx="7765757" cy="461665"/>
+            <a:off x="1894669" y="2745699"/>
+            <a:ext cx="9326104" cy="1015663"/>
           </a:xfrm>
           <a:prstGeom prst="rect">
             <a:avLst/>
@@ -6739,24 +6754,49 @@
           </a:bodyPr>
           <a:lstStyle/>
           <a:p>
-            <a:r>
-              <a:rPr lang="en-US" sz="2400" b="1" dirty="0">
-                <a:solidFill>
-                  <a:srgbClr val="00B050"/>
-                </a:solidFill>
-                <a:effectLst/>
-                <a:latin typeface="Open Sans" panose="020B0606030504020204" pitchFamily="34" charset="0"/>
-              </a:rPr>
-              <a:t>SOLID Principles</a:t>
-            </a:r>
-            <a:endParaRPr lang="en-US" sz="2400" dirty="0"/>
+            <a:pPr marL="0" marR="0" lvl="0" indent="0" algn="l" defTabSz="914400" rtl="0" eaLnBrk="1" fontAlgn="auto" latinLnBrk="0" hangingPunct="1">
+              <a:lnSpc>
+                <a:spcPct val="100000"/>
+              </a:lnSpc>
+              <a:spcBef>
+                <a:spcPts val="0"/>
+              </a:spcBef>
+              <a:spcAft>
+                <a:spcPts val="0"/>
+              </a:spcAft>
+              <a:buClrTx/>
+              <a:buSzTx/>
+              <a:buFontTx/>
+              <a:buNone/>
+              <a:tabLst/>
+              <a:defRPr/>
+            </a:pPr>
+            <a:r>
+              <a:rPr kumimoji="0" lang="en-US" sz="6000" b="0" i="0" u="none" strike="noStrike" kern="1200" cap="none" spc="0" normalizeH="0" baseline="0" noProof="0" dirty="0">
+                <a:ln>
+                  <a:noFill/>
+                </a:ln>
+                <a:solidFill>
+                  <a:prstClr val="white">
+                    <a:lumMod val="75000"/>
+                  </a:prstClr>
+                </a:solidFill>
+                <a:effectLst/>
+                <a:uLnTx/>
+                <a:uFillTx/>
+                <a:latin typeface="Open Sans" panose="020B0606030504020204" pitchFamily="34" charset="0"/>
+                <a:ea typeface="+mn-ea"/>
+                <a:cs typeface="+mn-cs"/>
+              </a:rPr>
+              <a:t>Exceptions</a:t>
+            </a:r>
           </a:p>
         </p:txBody>
       </p:sp>
     </p:spTree>
     <p:extLst>
       <p:ext uri="{BB962C8B-B14F-4D97-AF65-F5344CB8AC3E}">
-        <p14:creationId xmlns:p14="http://schemas.microsoft.com/office/powerpoint/2010/main" val="2169686199"/>
+        <p14:creationId xmlns:p14="http://schemas.microsoft.com/office/powerpoint/2010/main" val="367428708"/>
       </p:ext>
     </p:extLst>
   </p:cSld>
@@ -6785,10 +6825,10 @@
       </p:grpSpPr>
       <p:sp>
         <p:nvSpPr>
-          <p:cNvPr id="3" name="TextBox 2">
+          <p:cNvPr id="6" name="TextBox 5">
             <a:extLst>
               <a:ext uri="{FF2B5EF4-FFF2-40B4-BE49-F238E27FC236}">
-                <a16:creationId xmlns:a16="http://schemas.microsoft.com/office/drawing/2014/main" id="{23DFC7E9-54DD-38D7-0B9B-D34948D68CF9}"/>
+                <a16:creationId xmlns:a16="http://schemas.microsoft.com/office/drawing/2014/main" id="{59E906CD-110B-9D01-732C-2F21759B0265}"/>
               </a:ext>
             </a:extLst>
           </p:cNvPr>
@@ -6797,8 +6837,8 @@
         </p:nvSpPr>
         <p:spPr>
           <a:xfrm>
-            <a:off x="1894669" y="2745699"/>
-            <a:ext cx="9326104" cy="1015663"/>
+            <a:off x="193251" y="91915"/>
+            <a:ext cx="6094854" cy="461665"/>
           </a:xfrm>
           <a:prstGeom prst="rect">
             <a:avLst/>
@@ -6811,49 +6851,614 @@
           </a:bodyPr>
           <a:lstStyle/>
           <a:p>
-            <a:pPr marL="0" marR="0" lvl="0" indent="0" algn="l" defTabSz="914400" rtl="0" eaLnBrk="1" fontAlgn="auto" latinLnBrk="0" hangingPunct="1">
-              <a:lnSpc>
-                <a:spcPct val="100000"/>
-              </a:lnSpc>
-              <a:spcBef>
-                <a:spcPts val="0"/>
-              </a:spcBef>
-              <a:spcAft>
-                <a:spcPts val="0"/>
-              </a:spcAft>
-              <a:buClrTx/>
-              <a:buSzTx/>
-              <a:buFontTx/>
-              <a:buNone/>
-              <a:tabLst/>
-              <a:defRPr/>
+            <a:pPr algn="l"/>
+            <a:r>
+              <a:rPr lang="en-US" sz="2400" b="1" dirty="0">
+                <a:solidFill>
+                  <a:srgbClr val="00B050"/>
+                </a:solidFill>
+                <a:effectLst/>
+                <a:latin typeface="Open Sans" panose="020B0606030504020204" pitchFamily="34" charset="0"/>
+              </a:rPr>
+              <a:t>Exceptions</a:t>
+            </a:r>
+          </a:p>
+        </p:txBody>
+      </p:sp>
+      <p:sp>
+        <p:nvSpPr>
+          <p:cNvPr id="4" name="TextBox 3">
+            <a:extLst>
+              <a:ext uri="{FF2B5EF4-FFF2-40B4-BE49-F238E27FC236}">
+                <a16:creationId xmlns:a16="http://schemas.microsoft.com/office/drawing/2014/main" id="{C0B26727-0F97-5A73-B4ED-6BE65E07E5DB}"/>
+              </a:ext>
+            </a:extLst>
+          </p:cNvPr>
+          <p:cNvSpPr txBox="1"/>
+          <p:nvPr/>
+        </p:nvSpPr>
+        <p:spPr>
+          <a:xfrm>
+            <a:off x="176169" y="729420"/>
+            <a:ext cx="11931637" cy="5016758"/>
+          </a:xfrm>
+          <a:prstGeom prst="rect">
+            <a:avLst/>
+          </a:prstGeom>
+          <a:noFill/>
+        </p:spPr>
+        <p:txBody>
+          <a:bodyPr wrap="square">
+            <a:spAutoFit/>
+          </a:bodyPr>
+          <a:lstStyle/>
+          <a:p>
+            <a:pPr algn="l"/>
+            <a:r>
+              <a:rPr lang="en-US" b="0" i="0" dirty="0">
+                <a:solidFill>
+                  <a:schemeClr val="tx1">
+                    <a:lumMod val="85000"/>
+                  </a:schemeClr>
+                </a:solidFill>
+                <a:effectLst/>
+                <a:latin typeface="Open Sans" panose="020B0606030504020204" pitchFamily="34" charset="0"/>
+              </a:rPr>
+              <a:t>What is an Exception?</a:t>
+            </a:r>
+          </a:p>
+          <a:p>
+            <a:pPr algn="l"/>
+            <a:endParaRPr lang="en-US" b="0" i="0" dirty="0">
+              <a:solidFill>
+                <a:schemeClr val="tx1">
+                  <a:lumMod val="85000"/>
+                </a:schemeClr>
+              </a:solidFill>
+              <a:effectLst/>
+              <a:latin typeface="Open Sans" panose="020B0606030504020204" pitchFamily="34" charset="0"/>
+            </a:endParaRPr>
+          </a:p>
+          <a:p>
+            <a:pPr algn="l"/>
+            <a:r>
+              <a:rPr lang="en-US" b="0" i="0" dirty="0">
+                <a:solidFill>
+                  <a:schemeClr val="tx1">
+                    <a:lumMod val="85000"/>
+                  </a:schemeClr>
+                </a:solidFill>
+                <a:effectLst/>
+                <a:latin typeface="Open Sans" panose="020B0606030504020204" pitchFamily="34" charset="0"/>
+              </a:rPr>
+              <a:t>An </a:t>
+            </a:r>
+            <a:r>
+              <a:rPr lang="en-US" b="0" i="0" dirty="0">
+                <a:solidFill>
+                  <a:srgbClr val="00B0F0"/>
+                </a:solidFill>
+                <a:effectLst/>
+                <a:latin typeface="Open Sans" panose="020B0606030504020204" pitchFamily="34" charset="0"/>
+              </a:rPr>
+              <a:t>exception </a:t>
+            </a:r>
+            <a:r>
+              <a:rPr lang="en-US" b="0" i="0">
+                <a:solidFill>
+                  <a:srgbClr val="00B0F0"/>
+                </a:solidFill>
+                <a:effectLst/>
+                <a:latin typeface="Open Sans" panose="020B0606030504020204" pitchFamily="34" charset="0"/>
+              </a:rPr>
+              <a:t>is a defined </a:t>
+            </a:r>
+            <a:r>
+              <a:rPr lang="en-US" b="0" i="0" dirty="0">
+                <a:solidFill>
+                  <a:srgbClr val="00B0F0"/>
+                </a:solidFill>
+                <a:effectLst/>
+                <a:latin typeface="Open Sans" panose="020B0606030504020204" pitchFamily="34" charset="0"/>
+              </a:rPr>
+              <a:t>an event</a:t>
+            </a:r>
+            <a:r>
+              <a:rPr lang="en-US" b="0" i="0" dirty="0">
+                <a:solidFill>
+                  <a:schemeClr val="tx1">
+                    <a:lumMod val="85000"/>
+                  </a:schemeClr>
+                </a:solidFill>
+                <a:effectLst/>
+                <a:latin typeface="Open Sans" panose="020B0606030504020204" pitchFamily="34" charset="0"/>
+              </a:rPr>
+              <a:t>, which occurs during the execution of a program</a:t>
+            </a:r>
+            <a:r>
+              <a:rPr lang="en-US" b="0" i="0" dirty="0">
+                <a:solidFill>
+                  <a:srgbClr val="00B0F0"/>
+                </a:solidFill>
+                <a:effectLst/>
+                <a:latin typeface="Open Sans" panose="020B0606030504020204" pitchFamily="34" charset="0"/>
+              </a:rPr>
+              <a:t>, that disrupts the normal flow of the program's instructions.</a:t>
+            </a:r>
+          </a:p>
+          <a:p>
+            <a:pPr algn="l"/>
+            <a:endParaRPr lang="en-US" b="0" i="0" dirty="0">
+              <a:solidFill>
+                <a:schemeClr val="tx1">
+                  <a:lumMod val="85000"/>
+                </a:schemeClr>
+              </a:solidFill>
+              <a:effectLst/>
+              <a:latin typeface="Open Sans" panose="020B0606030504020204" pitchFamily="34" charset="0"/>
+            </a:endParaRPr>
+          </a:p>
+          <a:p>
+            <a:pPr algn="l"/>
+            <a:endParaRPr lang="en-US" b="0" i="0" dirty="0">
+              <a:solidFill>
+                <a:schemeClr val="tx1">
+                  <a:lumMod val="85000"/>
+                </a:schemeClr>
+              </a:solidFill>
+              <a:effectLst/>
+              <a:latin typeface="Open Sans" panose="020B0606030504020204" pitchFamily="34" charset="0"/>
+            </a:endParaRPr>
+          </a:p>
+          <a:p>
+            <a:pPr algn="l"/>
+            <a:r>
+              <a:rPr lang="en-US" b="0" i="0" dirty="0">
+                <a:solidFill>
+                  <a:schemeClr val="tx1">
+                    <a:lumMod val="85000"/>
+                  </a:schemeClr>
+                </a:solidFill>
+                <a:effectLst/>
+                <a:latin typeface="Open Sans" panose="020B0606030504020204" pitchFamily="34" charset="0"/>
+              </a:rPr>
+              <a:t>In Java, there are </a:t>
+            </a:r>
+            <a:r>
+              <a:rPr lang="en-US" b="0" i="0" dirty="0">
+                <a:solidFill>
+                  <a:srgbClr val="00B0F0"/>
+                </a:solidFill>
+                <a:effectLst/>
+                <a:latin typeface="Open Sans" panose="020B0606030504020204" pitchFamily="34" charset="0"/>
+              </a:rPr>
+              <a:t>two types of Exceptions: </a:t>
+            </a:r>
+          </a:p>
+          <a:p>
+            <a:pPr marL="285750" indent="-285750" algn="l">
+              <a:buFont typeface="Arial" panose="020B0604020202020204" pitchFamily="34" charset="0"/>
+              <a:buChar char="•"/>
             </a:pPr>
             <a:r>
-              <a:rPr kumimoji="0" lang="en-US" sz="6000" b="0" i="0" u="none" strike="noStrike" kern="1200" cap="none" spc="0" normalizeH="0" baseline="0" noProof="0" dirty="0">
-                <a:ln>
-                  <a:noFill/>
-                </a:ln>
-                <a:solidFill>
-                  <a:prstClr val="white">
-                    <a:lumMod val="75000"/>
-                  </a:prstClr>
-                </a:solidFill>
-                <a:effectLst/>
-                <a:uLnTx/>
-                <a:uFillTx/>
-                <a:latin typeface="Open Sans" panose="020B0606030504020204" pitchFamily="34" charset="0"/>
-                <a:ea typeface="+mn-ea"/>
-                <a:cs typeface="+mn-cs"/>
-              </a:rPr>
-              <a:t>Exceptions</a:t>
-            </a:r>
+              <a:rPr lang="en-US" b="0" i="0" dirty="0">
+                <a:solidFill>
+                  <a:srgbClr val="00B0F0"/>
+                </a:solidFill>
+                <a:effectLst/>
+                <a:latin typeface="Open Sans" panose="020B0606030504020204" pitchFamily="34" charset="0"/>
+              </a:rPr>
+              <a:t>Checked Exceptions </a:t>
+            </a:r>
+            <a:r>
+              <a:rPr lang="en-US" b="0" i="0" dirty="0">
+                <a:solidFill>
+                  <a:schemeClr val="tx1">
+                    <a:lumMod val="85000"/>
+                  </a:schemeClr>
+                </a:solidFill>
+                <a:effectLst/>
+                <a:latin typeface="Open Sans" panose="020B0606030504020204" pitchFamily="34" charset="0"/>
+              </a:rPr>
+              <a:t>-- these are checked by the compiler at </a:t>
+            </a:r>
+            <a:r>
+              <a:rPr lang="en-US" b="0" i="0" dirty="0">
+                <a:solidFill>
+                  <a:srgbClr val="00B0F0"/>
+                </a:solidFill>
+                <a:effectLst/>
+                <a:latin typeface="Open Sans" panose="020B0606030504020204" pitchFamily="34" charset="0"/>
+              </a:rPr>
+              <a:t>compiler time</a:t>
+            </a:r>
+          </a:p>
+          <a:p>
+            <a:pPr marL="742950" lvl="1" indent="-285750">
+              <a:buFont typeface="Arial" panose="020B0604020202020204" pitchFamily="34" charset="0"/>
+              <a:buChar char="•"/>
+            </a:pPr>
+            <a:r>
+              <a:rPr lang="en-US" sz="1600" b="0" i="1" dirty="0">
+                <a:solidFill>
+                  <a:schemeClr val="tx1">
+                    <a:lumMod val="85000"/>
+                  </a:schemeClr>
+                </a:solidFill>
+                <a:effectLst/>
+                <a:latin typeface="Open Sans" panose="020B0606030504020204" pitchFamily="34" charset="0"/>
+              </a:rPr>
+              <a:t>Example:   syntax errors -- a missing semi-colon or closing curly brace, incorrect datatype assignment, returning the wrong data type from a method, etc.</a:t>
+            </a:r>
+          </a:p>
+          <a:p>
+            <a:pPr algn="l"/>
+            <a:endParaRPr lang="en-US" b="0" i="0" dirty="0">
+              <a:solidFill>
+                <a:schemeClr val="tx1">
+                  <a:lumMod val="85000"/>
+                </a:schemeClr>
+              </a:solidFill>
+              <a:effectLst/>
+              <a:latin typeface="Open Sans" panose="020B0606030504020204" pitchFamily="34" charset="0"/>
+            </a:endParaRPr>
+          </a:p>
+          <a:p>
+            <a:pPr marL="285750" indent="-285750" algn="l">
+              <a:buFont typeface="Arial" panose="020B0604020202020204" pitchFamily="34" charset="0"/>
+              <a:buChar char="•"/>
+            </a:pPr>
+            <a:r>
+              <a:rPr lang="en-US" b="0" i="0" dirty="0">
+                <a:solidFill>
+                  <a:srgbClr val="00B0F0"/>
+                </a:solidFill>
+                <a:effectLst/>
+                <a:latin typeface="Open Sans" panose="020B0606030504020204" pitchFamily="34" charset="0"/>
+              </a:rPr>
+              <a:t>Unchecked Exceptions </a:t>
+            </a:r>
+            <a:r>
+              <a:rPr lang="en-US" b="0" i="0" dirty="0">
+                <a:solidFill>
+                  <a:schemeClr val="tx1">
+                    <a:lumMod val="85000"/>
+                  </a:schemeClr>
+                </a:solidFill>
+                <a:effectLst/>
+                <a:latin typeface="Open Sans" panose="020B0606030504020204" pitchFamily="34" charset="0"/>
+              </a:rPr>
+              <a:t>-- these are not caught by the compiler, included here are runtime exceptions and errors.</a:t>
+            </a:r>
+          </a:p>
+          <a:p>
+            <a:pPr marL="742950" lvl="1" indent="-285750">
+              <a:buFont typeface="Arial" panose="020B0604020202020204" pitchFamily="34" charset="0"/>
+              <a:buChar char="•"/>
+            </a:pPr>
+            <a:r>
+              <a:rPr lang="en-US" b="0" i="0" dirty="0">
+                <a:solidFill>
+                  <a:srgbClr val="00B0F0"/>
+                </a:solidFill>
+                <a:effectLst/>
+                <a:latin typeface="Open Sans" panose="020B0606030504020204" pitchFamily="34" charset="0"/>
+              </a:rPr>
+              <a:t>Runtime Exception Example:</a:t>
+            </a:r>
+            <a:r>
+              <a:rPr lang="en-US" b="0" i="0" dirty="0">
+                <a:solidFill>
+                  <a:schemeClr val="tx1">
+                    <a:lumMod val="85000"/>
+                  </a:schemeClr>
+                </a:solidFill>
+                <a:effectLst/>
+                <a:latin typeface="Open Sans" panose="020B0606030504020204" pitchFamily="34" charset="0"/>
+              </a:rPr>
+              <a:t> Trying to access a Null Address, Out-of-Bounds Indices,</a:t>
+            </a:r>
+            <a:br>
+              <a:rPr lang="en-US" b="0" i="0" dirty="0">
+                <a:solidFill>
+                  <a:schemeClr val="tx1">
+                    <a:lumMod val="85000"/>
+                  </a:schemeClr>
+                </a:solidFill>
+                <a:effectLst/>
+                <a:latin typeface="Open Sans" panose="020B0606030504020204" pitchFamily="34" charset="0"/>
+              </a:rPr>
+            </a:br>
+            <a:r>
+              <a:rPr lang="en-US" b="0" i="1" dirty="0">
+                <a:solidFill>
+                  <a:schemeClr val="tx1">
+                    <a:lumMod val="85000"/>
+                  </a:schemeClr>
+                </a:solidFill>
+                <a:effectLst/>
+                <a:latin typeface="Open Sans" panose="020B0606030504020204" pitchFamily="34" charset="0"/>
+              </a:rPr>
+              <a:t>Class:  </a:t>
+            </a:r>
+            <a:r>
+              <a:rPr lang="en-US" b="0" i="1" dirty="0" err="1">
+                <a:solidFill>
+                  <a:schemeClr val="tx1">
+                    <a:lumMod val="85000"/>
+                  </a:schemeClr>
+                </a:solidFill>
+                <a:effectLst/>
+                <a:latin typeface="Open Sans" panose="020B0606030504020204" pitchFamily="34" charset="0"/>
+              </a:rPr>
+              <a:t>RuntimeException</a:t>
+            </a:r>
+            <a:r>
+              <a:rPr lang="en-US" b="0" i="1" dirty="0">
+                <a:solidFill>
+                  <a:schemeClr val="tx1">
+                    <a:lumMod val="85000"/>
+                  </a:schemeClr>
+                </a:solidFill>
+                <a:effectLst/>
+                <a:latin typeface="Open Sans" panose="020B0606030504020204" pitchFamily="34" charset="0"/>
+              </a:rPr>
+              <a:t>, </a:t>
+            </a:r>
+            <a:r>
+              <a:rPr lang="en-US" b="0" i="1" dirty="0" err="1">
+                <a:solidFill>
+                  <a:schemeClr val="tx1">
+                    <a:lumMod val="85000"/>
+                  </a:schemeClr>
+                </a:solidFill>
+                <a:effectLst/>
+                <a:latin typeface="Open Sans" panose="020B0606030504020204" pitchFamily="34" charset="0"/>
+              </a:rPr>
+              <a:t>NullPointerException</a:t>
+            </a:r>
+            <a:r>
+              <a:rPr lang="en-US" b="0" i="1" dirty="0">
+                <a:solidFill>
+                  <a:schemeClr val="tx1">
+                    <a:lumMod val="85000"/>
+                  </a:schemeClr>
+                </a:solidFill>
+                <a:effectLst/>
+                <a:latin typeface="Open Sans" panose="020B0606030504020204" pitchFamily="34" charset="0"/>
+              </a:rPr>
+              <a:t>, </a:t>
+            </a:r>
+            <a:r>
+              <a:rPr lang="en-US" b="0" i="1" dirty="0" err="1">
+                <a:solidFill>
+                  <a:schemeClr val="tx1">
+                    <a:lumMod val="85000"/>
+                  </a:schemeClr>
+                </a:solidFill>
+                <a:effectLst/>
+                <a:latin typeface="Open Sans" panose="020B0606030504020204" pitchFamily="34" charset="0"/>
+              </a:rPr>
+              <a:t>ArithmeticException</a:t>
+            </a:r>
+            <a:r>
+              <a:rPr lang="en-US" b="0" i="1" dirty="0">
+                <a:solidFill>
+                  <a:schemeClr val="tx1">
+                    <a:lumMod val="85000"/>
+                  </a:schemeClr>
+                </a:solidFill>
+                <a:effectLst/>
+                <a:latin typeface="Open Sans" panose="020B0606030504020204" pitchFamily="34" charset="0"/>
+              </a:rPr>
+              <a:t>, etc.</a:t>
+            </a:r>
+          </a:p>
+          <a:p>
+            <a:pPr marL="742950" lvl="1" indent="-285750">
+              <a:buFont typeface="Arial" panose="020B0604020202020204" pitchFamily="34" charset="0"/>
+              <a:buChar char="•"/>
+            </a:pPr>
+            <a:r>
+              <a:rPr lang="en-US" b="0" i="0" dirty="0">
+                <a:solidFill>
+                  <a:srgbClr val="00B0F0"/>
+                </a:solidFill>
+                <a:effectLst/>
+                <a:latin typeface="Open Sans" panose="020B0606030504020204" pitchFamily="34" charset="0"/>
+              </a:rPr>
+              <a:t>Error Exception Example:</a:t>
+            </a:r>
+            <a:r>
+              <a:rPr lang="en-US" b="0" i="0" dirty="0">
+                <a:solidFill>
+                  <a:schemeClr val="tx1">
+                    <a:lumMod val="85000"/>
+                  </a:schemeClr>
+                </a:solidFill>
+                <a:effectLst/>
+                <a:latin typeface="Open Sans" panose="020B0606030504020204" pitchFamily="34" charset="0"/>
+              </a:rPr>
+              <a:t>  Serious issues that cause an application to abort, or to stop running, including Memory or Stack Overflow Errors, </a:t>
+            </a:r>
+            <a:br>
+              <a:rPr lang="en-US" b="0" i="0" dirty="0">
+                <a:solidFill>
+                  <a:schemeClr val="tx1">
+                    <a:lumMod val="85000"/>
+                  </a:schemeClr>
+                </a:solidFill>
+                <a:effectLst/>
+                <a:latin typeface="Open Sans" panose="020B0606030504020204" pitchFamily="34" charset="0"/>
+              </a:rPr>
+            </a:br>
+            <a:r>
+              <a:rPr lang="en-US" b="0" i="1" dirty="0">
+                <a:solidFill>
+                  <a:schemeClr val="tx1">
+                    <a:lumMod val="85000"/>
+                  </a:schemeClr>
+                </a:solidFill>
+                <a:effectLst/>
+                <a:latin typeface="Open Sans" panose="020B0606030504020204" pitchFamily="34" charset="0"/>
+              </a:rPr>
+              <a:t>Class:  </a:t>
+            </a:r>
+            <a:r>
+              <a:rPr lang="en-US" b="0" i="1" dirty="0" err="1">
+                <a:solidFill>
+                  <a:schemeClr val="tx1">
+                    <a:lumMod val="85000"/>
+                  </a:schemeClr>
+                </a:solidFill>
+                <a:effectLst/>
+                <a:latin typeface="Open Sans" panose="020B0606030504020204" pitchFamily="34" charset="0"/>
+              </a:rPr>
+              <a:t>OutOfMemory</a:t>
+            </a:r>
+            <a:r>
+              <a:rPr lang="en-US" b="0" i="1" dirty="0">
+                <a:solidFill>
+                  <a:schemeClr val="tx1">
+                    <a:lumMod val="85000"/>
+                  </a:schemeClr>
+                </a:solidFill>
+                <a:effectLst/>
+                <a:latin typeface="Open Sans" panose="020B0606030504020204" pitchFamily="34" charset="0"/>
+              </a:rPr>
+              <a:t>, </a:t>
+            </a:r>
+            <a:r>
+              <a:rPr lang="en-US" b="0" i="1" dirty="0" err="1">
+                <a:solidFill>
+                  <a:schemeClr val="tx1">
+                    <a:lumMod val="85000"/>
+                  </a:schemeClr>
+                </a:solidFill>
+                <a:effectLst/>
+                <a:latin typeface="Open Sans" panose="020B0606030504020204" pitchFamily="34" charset="0"/>
+              </a:rPr>
+              <a:t>StackOverflow</a:t>
+            </a:r>
+            <a:r>
+              <a:rPr lang="en-US" b="0" i="1" dirty="0">
+                <a:solidFill>
+                  <a:schemeClr val="tx1">
+                    <a:lumMod val="85000"/>
+                  </a:schemeClr>
+                </a:solidFill>
+                <a:effectLst/>
+                <a:latin typeface="Open Sans" panose="020B0606030504020204" pitchFamily="34" charset="0"/>
+              </a:rPr>
+              <a:t>, </a:t>
+            </a:r>
+            <a:r>
+              <a:rPr lang="en-US" b="0" i="1" dirty="0" err="1">
+                <a:solidFill>
+                  <a:schemeClr val="tx1">
+                    <a:lumMod val="85000"/>
+                  </a:schemeClr>
+                </a:solidFill>
+                <a:effectLst/>
+                <a:latin typeface="Open Sans" panose="020B0606030504020204" pitchFamily="34" charset="0"/>
+              </a:rPr>
+              <a:t>VirtualMachineError</a:t>
+            </a:r>
+            <a:r>
+              <a:rPr lang="en-US" b="0" i="1" dirty="0">
+                <a:solidFill>
+                  <a:schemeClr val="tx1">
+                    <a:lumMod val="85000"/>
+                  </a:schemeClr>
+                </a:solidFill>
+                <a:effectLst/>
+                <a:latin typeface="Open Sans" panose="020B0606030504020204" pitchFamily="34" charset="0"/>
+              </a:rPr>
+              <a:t>, etc.</a:t>
+            </a:r>
+          </a:p>
+        </p:txBody>
+      </p:sp>
+      <p:sp>
+        <p:nvSpPr>
+          <p:cNvPr id="3" name="TextBox 2">
+            <a:extLst>
+              <a:ext uri="{FF2B5EF4-FFF2-40B4-BE49-F238E27FC236}">
+                <a16:creationId xmlns:a16="http://schemas.microsoft.com/office/drawing/2014/main" id="{C9DDF84E-4B1D-A8C8-4D2B-5582BF58B0D3}"/>
+              </a:ext>
+            </a:extLst>
+          </p:cNvPr>
+          <p:cNvSpPr txBox="1"/>
+          <p:nvPr/>
+        </p:nvSpPr>
+        <p:spPr>
+          <a:xfrm>
+            <a:off x="4665387" y="6409024"/>
+            <a:ext cx="7540363" cy="369332"/>
+          </a:xfrm>
+          <a:prstGeom prst="rect">
+            <a:avLst/>
+          </a:prstGeom>
+          <a:noFill/>
+        </p:spPr>
+        <p:txBody>
+          <a:bodyPr wrap="square">
+            <a:spAutoFit/>
+          </a:bodyPr>
+          <a:lstStyle/>
+          <a:p>
+            <a:r>
+              <a:rPr lang="en-US" dirty="0">
+                <a:hlinkClick r:id="rId2"/>
+              </a:rPr>
+              <a:t>https://docs.oracle.com/javase/tutorial/essential/exceptions/definition.html</a:t>
+            </a:r>
+            <a:endParaRPr lang="en-US" dirty="0"/>
+          </a:p>
+        </p:txBody>
+      </p:sp>
+      <p:sp>
+        <p:nvSpPr>
+          <p:cNvPr id="8" name="TextBox 7">
+            <a:extLst>
+              <a:ext uri="{FF2B5EF4-FFF2-40B4-BE49-F238E27FC236}">
+                <a16:creationId xmlns:a16="http://schemas.microsoft.com/office/drawing/2014/main" id="{9FF17257-FCFA-B5FD-1F98-96E3F7F501FF}"/>
+              </a:ext>
+            </a:extLst>
+          </p:cNvPr>
+          <p:cNvSpPr txBox="1"/>
+          <p:nvPr/>
+        </p:nvSpPr>
+        <p:spPr>
+          <a:xfrm>
+            <a:off x="4651638" y="6039692"/>
+            <a:ext cx="7540362" cy="369332"/>
+          </a:xfrm>
+          <a:prstGeom prst="rect">
+            <a:avLst/>
+          </a:prstGeom>
+          <a:noFill/>
+        </p:spPr>
+        <p:txBody>
+          <a:bodyPr wrap="square">
+            <a:spAutoFit/>
+          </a:bodyPr>
+          <a:lstStyle/>
+          <a:p>
+            <a:r>
+              <a:rPr lang="en-US" dirty="0">
+                <a:hlinkClick r:id="rId3"/>
+              </a:rPr>
+              <a:t>https://github.com/ckiefriter1/Java-Code-Examples/tree/main/src/exceptions</a:t>
+            </a:r>
+            <a:endParaRPr lang="en-US" dirty="0"/>
           </a:p>
         </p:txBody>
       </p:sp>
     </p:spTree>
     <p:extLst>
       <p:ext uri="{BB962C8B-B14F-4D97-AF65-F5344CB8AC3E}">
-        <p14:creationId xmlns:p14="http://schemas.microsoft.com/office/powerpoint/2010/main" val="367428708"/>
+        <p14:creationId xmlns:p14="http://schemas.microsoft.com/office/powerpoint/2010/main" val="976671966"/>
       </p:ext>
     </p:extLst>
   </p:cSld>
@@ -6924,668 +7529,6 @@
       </p:sp>
       <p:sp>
         <p:nvSpPr>
-          <p:cNvPr id="4" name="TextBox 3">
-            <a:extLst>
-              <a:ext uri="{FF2B5EF4-FFF2-40B4-BE49-F238E27FC236}">
-                <a16:creationId xmlns:a16="http://schemas.microsoft.com/office/drawing/2014/main" id="{C0B26727-0F97-5A73-B4ED-6BE65E07E5DB}"/>
-              </a:ext>
-            </a:extLst>
-          </p:cNvPr>
-          <p:cNvSpPr txBox="1"/>
-          <p:nvPr/>
-        </p:nvSpPr>
-        <p:spPr>
-          <a:xfrm>
-            <a:off x="176169" y="729420"/>
-            <a:ext cx="11931637" cy="5016758"/>
-          </a:xfrm>
-          <a:prstGeom prst="rect">
-            <a:avLst/>
-          </a:prstGeom>
-          <a:noFill/>
-        </p:spPr>
-        <p:txBody>
-          <a:bodyPr wrap="square">
-            <a:spAutoFit/>
-          </a:bodyPr>
-          <a:lstStyle/>
-          <a:p>
-            <a:pPr algn="l"/>
-            <a:r>
-              <a:rPr lang="en-US" b="0" i="0" dirty="0">
-                <a:solidFill>
-                  <a:schemeClr val="tx1">
-                    <a:lumMod val="85000"/>
-                  </a:schemeClr>
-                </a:solidFill>
-                <a:effectLst/>
-                <a:latin typeface="Open Sans" panose="020B0606030504020204" pitchFamily="34" charset="0"/>
-              </a:rPr>
-              <a:t>What is an Exception?</a:t>
-            </a:r>
-          </a:p>
-          <a:p>
-            <a:pPr algn="l"/>
-            <a:endParaRPr lang="en-US" b="0" i="0" dirty="0">
-              <a:solidFill>
-                <a:schemeClr val="tx1">
-                  <a:lumMod val="85000"/>
-                </a:schemeClr>
-              </a:solidFill>
-              <a:effectLst/>
-              <a:latin typeface="Open Sans" panose="020B0606030504020204" pitchFamily="34" charset="0"/>
-            </a:endParaRPr>
-          </a:p>
-          <a:p>
-            <a:pPr algn="l"/>
-            <a:r>
-              <a:rPr lang="en-US" b="0" i="0" dirty="0">
-                <a:solidFill>
-                  <a:schemeClr val="tx1">
-                    <a:lumMod val="85000"/>
-                  </a:schemeClr>
-                </a:solidFill>
-                <a:effectLst/>
-                <a:latin typeface="Open Sans" panose="020B0606030504020204" pitchFamily="34" charset="0"/>
-              </a:rPr>
-              <a:t>An </a:t>
-            </a:r>
-            <a:r>
-              <a:rPr lang="en-US" b="0" i="0" dirty="0">
-                <a:solidFill>
-                  <a:srgbClr val="00B0F0"/>
-                </a:solidFill>
-                <a:effectLst/>
-                <a:latin typeface="Open Sans" panose="020B0606030504020204" pitchFamily="34" charset="0"/>
-              </a:rPr>
-              <a:t>exception </a:t>
-            </a:r>
-            <a:r>
-              <a:rPr lang="en-US" b="0" i="0">
-                <a:solidFill>
-                  <a:srgbClr val="00B0F0"/>
-                </a:solidFill>
-                <a:effectLst/>
-                <a:latin typeface="Open Sans" panose="020B0606030504020204" pitchFamily="34" charset="0"/>
-              </a:rPr>
-              <a:t>is a defined </a:t>
-            </a:r>
-            <a:r>
-              <a:rPr lang="en-US" b="0" i="0" dirty="0">
-                <a:solidFill>
-                  <a:srgbClr val="00B0F0"/>
-                </a:solidFill>
-                <a:effectLst/>
-                <a:latin typeface="Open Sans" panose="020B0606030504020204" pitchFamily="34" charset="0"/>
-              </a:rPr>
-              <a:t>an event</a:t>
-            </a:r>
-            <a:r>
-              <a:rPr lang="en-US" b="0" i="0" dirty="0">
-                <a:solidFill>
-                  <a:schemeClr val="tx1">
-                    <a:lumMod val="85000"/>
-                  </a:schemeClr>
-                </a:solidFill>
-                <a:effectLst/>
-                <a:latin typeface="Open Sans" panose="020B0606030504020204" pitchFamily="34" charset="0"/>
-              </a:rPr>
-              <a:t>, which occurs during the execution of a program</a:t>
-            </a:r>
-            <a:r>
-              <a:rPr lang="en-US" b="0" i="0" dirty="0">
-                <a:solidFill>
-                  <a:srgbClr val="00B0F0"/>
-                </a:solidFill>
-                <a:effectLst/>
-                <a:latin typeface="Open Sans" panose="020B0606030504020204" pitchFamily="34" charset="0"/>
-              </a:rPr>
-              <a:t>, that disrupts the normal flow of the program's instructions.</a:t>
-            </a:r>
-          </a:p>
-          <a:p>
-            <a:pPr algn="l"/>
-            <a:endParaRPr lang="en-US" b="0" i="0" dirty="0">
-              <a:solidFill>
-                <a:schemeClr val="tx1">
-                  <a:lumMod val="85000"/>
-                </a:schemeClr>
-              </a:solidFill>
-              <a:effectLst/>
-              <a:latin typeface="Open Sans" panose="020B0606030504020204" pitchFamily="34" charset="0"/>
-            </a:endParaRPr>
-          </a:p>
-          <a:p>
-            <a:pPr algn="l"/>
-            <a:endParaRPr lang="en-US" b="0" i="0" dirty="0">
-              <a:solidFill>
-                <a:schemeClr val="tx1">
-                  <a:lumMod val="85000"/>
-                </a:schemeClr>
-              </a:solidFill>
-              <a:effectLst/>
-              <a:latin typeface="Open Sans" panose="020B0606030504020204" pitchFamily="34" charset="0"/>
-            </a:endParaRPr>
-          </a:p>
-          <a:p>
-            <a:pPr algn="l"/>
-            <a:r>
-              <a:rPr lang="en-US" b="0" i="0" dirty="0">
-                <a:solidFill>
-                  <a:schemeClr val="tx1">
-                    <a:lumMod val="85000"/>
-                  </a:schemeClr>
-                </a:solidFill>
-                <a:effectLst/>
-                <a:latin typeface="Open Sans" panose="020B0606030504020204" pitchFamily="34" charset="0"/>
-              </a:rPr>
-              <a:t>In Java, there are </a:t>
-            </a:r>
-            <a:r>
-              <a:rPr lang="en-US" b="0" i="0" dirty="0">
-                <a:solidFill>
-                  <a:srgbClr val="00B0F0"/>
-                </a:solidFill>
-                <a:effectLst/>
-                <a:latin typeface="Open Sans" panose="020B0606030504020204" pitchFamily="34" charset="0"/>
-              </a:rPr>
-              <a:t>two types of Exceptions: </a:t>
-            </a:r>
-          </a:p>
-          <a:p>
-            <a:pPr marL="285750" indent="-285750" algn="l">
-              <a:buFont typeface="Arial" panose="020B0604020202020204" pitchFamily="34" charset="0"/>
-              <a:buChar char="•"/>
-            </a:pPr>
-            <a:r>
-              <a:rPr lang="en-US" b="0" i="0" dirty="0">
-                <a:solidFill>
-                  <a:srgbClr val="00B0F0"/>
-                </a:solidFill>
-                <a:effectLst/>
-                <a:latin typeface="Open Sans" panose="020B0606030504020204" pitchFamily="34" charset="0"/>
-              </a:rPr>
-              <a:t>Checked Exceptions </a:t>
-            </a:r>
-            <a:r>
-              <a:rPr lang="en-US" b="0" i="0" dirty="0">
-                <a:solidFill>
-                  <a:schemeClr val="tx1">
-                    <a:lumMod val="85000"/>
-                  </a:schemeClr>
-                </a:solidFill>
-                <a:effectLst/>
-                <a:latin typeface="Open Sans" panose="020B0606030504020204" pitchFamily="34" charset="0"/>
-              </a:rPr>
-              <a:t>-- these are checked by the compiler at </a:t>
-            </a:r>
-            <a:r>
-              <a:rPr lang="en-US" b="0" i="0" dirty="0">
-                <a:solidFill>
-                  <a:srgbClr val="00B0F0"/>
-                </a:solidFill>
-                <a:effectLst/>
-                <a:latin typeface="Open Sans" panose="020B0606030504020204" pitchFamily="34" charset="0"/>
-              </a:rPr>
-              <a:t>compiler time</a:t>
-            </a:r>
-          </a:p>
-          <a:p>
-            <a:pPr marL="742950" lvl="1" indent="-285750">
-              <a:buFont typeface="Arial" panose="020B0604020202020204" pitchFamily="34" charset="0"/>
-              <a:buChar char="•"/>
-            </a:pPr>
-            <a:r>
-              <a:rPr lang="en-US" sz="1600" b="0" i="1" dirty="0">
-                <a:solidFill>
-                  <a:schemeClr val="tx1">
-                    <a:lumMod val="85000"/>
-                  </a:schemeClr>
-                </a:solidFill>
-                <a:effectLst/>
-                <a:latin typeface="Open Sans" panose="020B0606030504020204" pitchFamily="34" charset="0"/>
-              </a:rPr>
-              <a:t>Example:   syntax errors -- a missing semi-colon or closing curly brace, incorrect datatype assignment, returning the wrong data type from a method, etc.</a:t>
-            </a:r>
-          </a:p>
-          <a:p>
-            <a:pPr algn="l"/>
-            <a:endParaRPr lang="en-US" b="0" i="0" dirty="0">
-              <a:solidFill>
-                <a:schemeClr val="tx1">
-                  <a:lumMod val="85000"/>
-                </a:schemeClr>
-              </a:solidFill>
-              <a:effectLst/>
-              <a:latin typeface="Open Sans" panose="020B0606030504020204" pitchFamily="34" charset="0"/>
-            </a:endParaRPr>
-          </a:p>
-          <a:p>
-            <a:pPr marL="285750" indent="-285750" algn="l">
-              <a:buFont typeface="Arial" panose="020B0604020202020204" pitchFamily="34" charset="0"/>
-              <a:buChar char="•"/>
-            </a:pPr>
-            <a:r>
-              <a:rPr lang="en-US" b="0" i="0" dirty="0">
-                <a:solidFill>
-                  <a:srgbClr val="00B0F0"/>
-                </a:solidFill>
-                <a:effectLst/>
-                <a:latin typeface="Open Sans" panose="020B0606030504020204" pitchFamily="34" charset="0"/>
-              </a:rPr>
-              <a:t>Unchecked Exceptions </a:t>
-            </a:r>
-            <a:r>
-              <a:rPr lang="en-US" b="0" i="0" dirty="0">
-                <a:solidFill>
-                  <a:schemeClr val="tx1">
-                    <a:lumMod val="85000"/>
-                  </a:schemeClr>
-                </a:solidFill>
-                <a:effectLst/>
-                <a:latin typeface="Open Sans" panose="020B0606030504020204" pitchFamily="34" charset="0"/>
-              </a:rPr>
-              <a:t>-- these are not caught by the compiler, included here are runtime exceptions and errors.</a:t>
-            </a:r>
-          </a:p>
-          <a:p>
-            <a:pPr marL="742950" lvl="1" indent="-285750">
-              <a:buFont typeface="Arial" panose="020B0604020202020204" pitchFamily="34" charset="0"/>
-              <a:buChar char="•"/>
-            </a:pPr>
-            <a:r>
-              <a:rPr lang="en-US" b="0" i="0" dirty="0">
-                <a:solidFill>
-                  <a:srgbClr val="00B0F0"/>
-                </a:solidFill>
-                <a:effectLst/>
-                <a:latin typeface="Open Sans" panose="020B0606030504020204" pitchFamily="34" charset="0"/>
-              </a:rPr>
-              <a:t>Runtime Exception Example:</a:t>
-            </a:r>
-            <a:r>
-              <a:rPr lang="en-US" b="0" i="0" dirty="0">
-                <a:solidFill>
-                  <a:schemeClr val="tx1">
-                    <a:lumMod val="85000"/>
-                  </a:schemeClr>
-                </a:solidFill>
-                <a:effectLst/>
-                <a:latin typeface="Open Sans" panose="020B0606030504020204" pitchFamily="34" charset="0"/>
-              </a:rPr>
-              <a:t> Trying to access a Null Address, Out-of-Bounds Indices,</a:t>
-            </a:r>
-            <a:br>
-              <a:rPr lang="en-US" b="0" i="0" dirty="0">
-                <a:solidFill>
-                  <a:schemeClr val="tx1">
-                    <a:lumMod val="85000"/>
-                  </a:schemeClr>
-                </a:solidFill>
-                <a:effectLst/>
-                <a:latin typeface="Open Sans" panose="020B0606030504020204" pitchFamily="34" charset="0"/>
-              </a:rPr>
-            </a:br>
-            <a:r>
-              <a:rPr lang="en-US" b="0" i="1" dirty="0">
-                <a:solidFill>
-                  <a:schemeClr val="tx1">
-                    <a:lumMod val="85000"/>
-                  </a:schemeClr>
-                </a:solidFill>
-                <a:effectLst/>
-                <a:latin typeface="Open Sans" panose="020B0606030504020204" pitchFamily="34" charset="0"/>
-              </a:rPr>
-              <a:t>Class:  </a:t>
-            </a:r>
-            <a:r>
-              <a:rPr lang="en-US" b="0" i="1" dirty="0" err="1">
-                <a:solidFill>
-                  <a:schemeClr val="tx1">
-                    <a:lumMod val="85000"/>
-                  </a:schemeClr>
-                </a:solidFill>
-                <a:effectLst/>
-                <a:latin typeface="Open Sans" panose="020B0606030504020204" pitchFamily="34" charset="0"/>
-              </a:rPr>
-              <a:t>RuntimeException</a:t>
-            </a:r>
-            <a:r>
-              <a:rPr lang="en-US" b="0" i="1" dirty="0">
-                <a:solidFill>
-                  <a:schemeClr val="tx1">
-                    <a:lumMod val="85000"/>
-                  </a:schemeClr>
-                </a:solidFill>
-                <a:effectLst/>
-                <a:latin typeface="Open Sans" panose="020B0606030504020204" pitchFamily="34" charset="0"/>
-              </a:rPr>
-              <a:t>, </a:t>
-            </a:r>
-            <a:r>
-              <a:rPr lang="en-US" b="0" i="1" dirty="0" err="1">
-                <a:solidFill>
-                  <a:schemeClr val="tx1">
-                    <a:lumMod val="85000"/>
-                  </a:schemeClr>
-                </a:solidFill>
-                <a:effectLst/>
-                <a:latin typeface="Open Sans" panose="020B0606030504020204" pitchFamily="34" charset="0"/>
-              </a:rPr>
-              <a:t>NullPointerException</a:t>
-            </a:r>
-            <a:r>
-              <a:rPr lang="en-US" b="0" i="1" dirty="0">
-                <a:solidFill>
-                  <a:schemeClr val="tx1">
-                    <a:lumMod val="85000"/>
-                  </a:schemeClr>
-                </a:solidFill>
-                <a:effectLst/>
-                <a:latin typeface="Open Sans" panose="020B0606030504020204" pitchFamily="34" charset="0"/>
-              </a:rPr>
-              <a:t>, </a:t>
-            </a:r>
-            <a:r>
-              <a:rPr lang="en-US" b="0" i="1" dirty="0" err="1">
-                <a:solidFill>
-                  <a:schemeClr val="tx1">
-                    <a:lumMod val="85000"/>
-                  </a:schemeClr>
-                </a:solidFill>
-                <a:effectLst/>
-                <a:latin typeface="Open Sans" panose="020B0606030504020204" pitchFamily="34" charset="0"/>
-              </a:rPr>
-              <a:t>ArithmeticException</a:t>
-            </a:r>
-            <a:r>
-              <a:rPr lang="en-US" b="0" i="1" dirty="0">
-                <a:solidFill>
-                  <a:schemeClr val="tx1">
-                    <a:lumMod val="85000"/>
-                  </a:schemeClr>
-                </a:solidFill>
-                <a:effectLst/>
-                <a:latin typeface="Open Sans" panose="020B0606030504020204" pitchFamily="34" charset="0"/>
-              </a:rPr>
-              <a:t>, etc.</a:t>
-            </a:r>
-          </a:p>
-          <a:p>
-            <a:pPr marL="742950" lvl="1" indent="-285750">
-              <a:buFont typeface="Arial" panose="020B0604020202020204" pitchFamily="34" charset="0"/>
-              <a:buChar char="•"/>
-            </a:pPr>
-            <a:r>
-              <a:rPr lang="en-US" b="0" i="0" dirty="0">
-                <a:solidFill>
-                  <a:srgbClr val="00B0F0"/>
-                </a:solidFill>
-                <a:effectLst/>
-                <a:latin typeface="Open Sans" panose="020B0606030504020204" pitchFamily="34" charset="0"/>
-              </a:rPr>
-              <a:t>Error Exception Example:</a:t>
-            </a:r>
-            <a:r>
-              <a:rPr lang="en-US" b="0" i="0" dirty="0">
-                <a:solidFill>
-                  <a:schemeClr val="tx1">
-                    <a:lumMod val="85000"/>
-                  </a:schemeClr>
-                </a:solidFill>
-                <a:effectLst/>
-                <a:latin typeface="Open Sans" panose="020B0606030504020204" pitchFamily="34" charset="0"/>
-              </a:rPr>
-              <a:t>  Serious issues that cause an application to abort, or to stop running, including Memory or Stack Overflow Errors, </a:t>
-            </a:r>
-            <a:br>
-              <a:rPr lang="en-US" b="0" i="0" dirty="0">
-                <a:solidFill>
-                  <a:schemeClr val="tx1">
-                    <a:lumMod val="85000"/>
-                  </a:schemeClr>
-                </a:solidFill>
-                <a:effectLst/>
-                <a:latin typeface="Open Sans" panose="020B0606030504020204" pitchFamily="34" charset="0"/>
-              </a:rPr>
-            </a:br>
-            <a:r>
-              <a:rPr lang="en-US" b="0" i="1" dirty="0">
-                <a:solidFill>
-                  <a:schemeClr val="tx1">
-                    <a:lumMod val="85000"/>
-                  </a:schemeClr>
-                </a:solidFill>
-                <a:effectLst/>
-                <a:latin typeface="Open Sans" panose="020B0606030504020204" pitchFamily="34" charset="0"/>
-              </a:rPr>
-              <a:t>Class:  </a:t>
-            </a:r>
-            <a:r>
-              <a:rPr lang="en-US" b="0" i="1" dirty="0" err="1">
-                <a:solidFill>
-                  <a:schemeClr val="tx1">
-                    <a:lumMod val="85000"/>
-                  </a:schemeClr>
-                </a:solidFill>
-                <a:effectLst/>
-                <a:latin typeface="Open Sans" panose="020B0606030504020204" pitchFamily="34" charset="0"/>
-              </a:rPr>
-              <a:t>OutOfMemory</a:t>
-            </a:r>
-            <a:r>
-              <a:rPr lang="en-US" b="0" i="1" dirty="0">
-                <a:solidFill>
-                  <a:schemeClr val="tx1">
-                    <a:lumMod val="85000"/>
-                  </a:schemeClr>
-                </a:solidFill>
-                <a:effectLst/>
-                <a:latin typeface="Open Sans" panose="020B0606030504020204" pitchFamily="34" charset="0"/>
-              </a:rPr>
-              <a:t>, </a:t>
-            </a:r>
-            <a:r>
-              <a:rPr lang="en-US" b="0" i="1" dirty="0" err="1">
-                <a:solidFill>
-                  <a:schemeClr val="tx1">
-                    <a:lumMod val="85000"/>
-                  </a:schemeClr>
-                </a:solidFill>
-                <a:effectLst/>
-                <a:latin typeface="Open Sans" panose="020B0606030504020204" pitchFamily="34" charset="0"/>
-              </a:rPr>
-              <a:t>StackOverflow</a:t>
-            </a:r>
-            <a:r>
-              <a:rPr lang="en-US" b="0" i="1" dirty="0">
-                <a:solidFill>
-                  <a:schemeClr val="tx1">
-                    <a:lumMod val="85000"/>
-                  </a:schemeClr>
-                </a:solidFill>
-                <a:effectLst/>
-                <a:latin typeface="Open Sans" panose="020B0606030504020204" pitchFamily="34" charset="0"/>
-              </a:rPr>
-              <a:t>, </a:t>
-            </a:r>
-            <a:r>
-              <a:rPr lang="en-US" b="0" i="1" dirty="0" err="1">
-                <a:solidFill>
-                  <a:schemeClr val="tx1">
-                    <a:lumMod val="85000"/>
-                  </a:schemeClr>
-                </a:solidFill>
-                <a:effectLst/>
-                <a:latin typeface="Open Sans" panose="020B0606030504020204" pitchFamily="34" charset="0"/>
-              </a:rPr>
-              <a:t>VirtualMachineError</a:t>
-            </a:r>
-            <a:r>
-              <a:rPr lang="en-US" b="0" i="1" dirty="0">
-                <a:solidFill>
-                  <a:schemeClr val="tx1">
-                    <a:lumMod val="85000"/>
-                  </a:schemeClr>
-                </a:solidFill>
-                <a:effectLst/>
-                <a:latin typeface="Open Sans" panose="020B0606030504020204" pitchFamily="34" charset="0"/>
-              </a:rPr>
-              <a:t>, etc.</a:t>
-            </a:r>
-          </a:p>
-        </p:txBody>
-      </p:sp>
-      <p:sp>
-        <p:nvSpPr>
-          <p:cNvPr id="3" name="TextBox 2">
-            <a:extLst>
-              <a:ext uri="{FF2B5EF4-FFF2-40B4-BE49-F238E27FC236}">
-                <a16:creationId xmlns:a16="http://schemas.microsoft.com/office/drawing/2014/main" id="{C9DDF84E-4B1D-A8C8-4D2B-5582BF58B0D3}"/>
-              </a:ext>
-            </a:extLst>
-          </p:cNvPr>
-          <p:cNvSpPr txBox="1"/>
-          <p:nvPr/>
-        </p:nvSpPr>
-        <p:spPr>
-          <a:xfrm>
-            <a:off x="4665387" y="6409024"/>
-            <a:ext cx="7540363" cy="369332"/>
-          </a:xfrm>
-          <a:prstGeom prst="rect">
-            <a:avLst/>
-          </a:prstGeom>
-          <a:noFill/>
-        </p:spPr>
-        <p:txBody>
-          <a:bodyPr wrap="square">
-            <a:spAutoFit/>
-          </a:bodyPr>
-          <a:lstStyle/>
-          <a:p>
-            <a:r>
-              <a:rPr lang="en-US" dirty="0">
-                <a:hlinkClick r:id="rId2"/>
-              </a:rPr>
-              <a:t>https://docs.oracle.com/javase/tutorial/essential/exceptions/definition.html</a:t>
-            </a:r>
-            <a:endParaRPr lang="en-US" dirty="0"/>
-          </a:p>
-        </p:txBody>
-      </p:sp>
-      <p:sp>
-        <p:nvSpPr>
-          <p:cNvPr id="8" name="TextBox 7">
-            <a:extLst>
-              <a:ext uri="{FF2B5EF4-FFF2-40B4-BE49-F238E27FC236}">
-                <a16:creationId xmlns:a16="http://schemas.microsoft.com/office/drawing/2014/main" id="{9FF17257-FCFA-B5FD-1F98-96E3F7F501FF}"/>
-              </a:ext>
-            </a:extLst>
-          </p:cNvPr>
-          <p:cNvSpPr txBox="1"/>
-          <p:nvPr/>
-        </p:nvSpPr>
-        <p:spPr>
-          <a:xfrm>
-            <a:off x="4651638" y="6039692"/>
-            <a:ext cx="7540362" cy="369332"/>
-          </a:xfrm>
-          <a:prstGeom prst="rect">
-            <a:avLst/>
-          </a:prstGeom>
-          <a:noFill/>
-        </p:spPr>
-        <p:txBody>
-          <a:bodyPr wrap="square">
-            <a:spAutoFit/>
-          </a:bodyPr>
-          <a:lstStyle/>
-          <a:p>
-            <a:r>
-              <a:rPr lang="en-US" dirty="0">
-                <a:hlinkClick r:id="rId3"/>
-              </a:rPr>
-              <a:t>https://github.com/ckiefriter1/Java-Code-Examples/tree/main/src/exceptions</a:t>
-            </a:r>
-            <a:endParaRPr lang="en-US" dirty="0"/>
-          </a:p>
-        </p:txBody>
-      </p:sp>
-    </p:spTree>
-    <p:extLst>
-      <p:ext uri="{BB962C8B-B14F-4D97-AF65-F5344CB8AC3E}">
-        <p14:creationId xmlns:p14="http://schemas.microsoft.com/office/powerpoint/2010/main" val="976671966"/>
-      </p:ext>
-    </p:extLst>
-  </p:cSld>
-  <p:clrMapOvr>
-    <a:masterClrMapping/>
-  </p:clrMapOvr>
-</p:sld>
-</file>
-
-<file path=ppt/slides/slide14.xml><?xml version="1.0" encoding="utf-8"?>
-<p:sld xmlns:a="http://schemas.openxmlformats.org/drawingml/2006/main" xmlns:r="http://schemas.openxmlformats.org/officeDocument/2006/relationships" xmlns:p="http://schemas.openxmlformats.org/presentationml/2006/main">
-  <p:cSld>
-    <p:spTree>
-      <p:nvGrpSpPr>
-        <p:cNvPr id="1" name=""/>
-        <p:cNvGrpSpPr/>
-        <p:nvPr/>
-      </p:nvGrpSpPr>
-      <p:grpSpPr>
-        <a:xfrm>
-          <a:off x="0" y="0"/>
-          <a:ext cx="0" cy="0"/>
-          <a:chOff x="0" y="0"/>
-          <a:chExt cx="0" cy="0"/>
-        </a:xfrm>
-      </p:grpSpPr>
-      <p:sp>
-        <p:nvSpPr>
-          <p:cNvPr id="6" name="TextBox 5">
-            <a:extLst>
-              <a:ext uri="{FF2B5EF4-FFF2-40B4-BE49-F238E27FC236}">
-                <a16:creationId xmlns:a16="http://schemas.microsoft.com/office/drawing/2014/main" id="{59E906CD-110B-9D01-732C-2F21759B0265}"/>
-              </a:ext>
-            </a:extLst>
-          </p:cNvPr>
-          <p:cNvSpPr txBox="1"/>
-          <p:nvPr/>
-        </p:nvSpPr>
-        <p:spPr>
-          <a:xfrm>
-            <a:off x="193251" y="91915"/>
-            <a:ext cx="6094854" cy="461665"/>
-          </a:xfrm>
-          <a:prstGeom prst="rect">
-            <a:avLst/>
-          </a:prstGeom>
-          <a:noFill/>
-        </p:spPr>
-        <p:txBody>
-          <a:bodyPr wrap="square">
-            <a:spAutoFit/>
-          </a:bodyPr>
-          <a:lstStyle/>
-          <a:p>
-            <a:pPr algn="l"/>
-            <a:r>
-              <a:rPr lang="en-US" sz="2400" b="1" dirty="0">
-                <a:solidFill>
-                  <a:srgbClr val="00B050"/>
-                </a:solidFill>
-                <a:effectLst/>
-                <a:latin typeface="Open Sans" panose="020B0606030504020204" pitchFamily="34" charset="0"/>
-              </a:rPr>
-              <a:t>Exceptions</a:t>
-            </a:r>
-          </a:p>
-        </p:txBody>
-      </p:sp>
-      <p:sp>
-        <p:nvSpPr>
           <p:cNvPr id="3" name="TextBox 2">
             <a:extLst>
               <a:ext uri="{FF2B5EF4-FFF2-40B4-BE49-F238E27FC236}">
@@ -7703,7 +7646,7 @@
 </p:sld>
 </file>
 
-<file path=ppt/slides/slide15.xml><?xml version="1.0" encoding="utf-8"?>
+<file path=ppt/slides/slide14.xml><?xml version="1.0" encoding="utf-8"?>
 <p:sld xmlns:a="http://schemas.openxmlformats.org/drawingml/2006/main" xmlns:r="http://schemas.openxmlformats.org/officeDocument/2006/relationships" xmlns:p="http://schemas.openxmlformats.org/presentationml/2006/main">
   <p:cSld>
     <p:spTree>
@@ -8079,7 +8022,7 @@
 </p:sld>
 </file>
 
-<file path=ppt/slides/slide16.xml><?xml version="1.0" encoding="utf-8"?>
+<file path=ppt/slides/slide15.xml><?xml version="1.0" encoding="utf-8"?>
 <p:sld xmlns:a="http://schemas.openxmlformats.org/drawingml/2006/main" xmlns:r="http://schemas.openxmlformats.org/officeDocument/2006/relationships" xmlns:p="http://schemas.openxmlformats.org/presentationml/2006/main">
   <p:cSld>
     <p:spTree>
@@ -8416,6 +8359,960 @@
 </p:sld>
 </file>
 
+<file path=ppt/slides/slide16.xml><?xml version="1.0" encoding="utf-8"?>
+<p:sld xmlns:a="http://schemas.openxmlformats.org/drawingml/2006/main" xmlns:r="http://schemas.openxmlformats.org/officeDocument/2006/relationships" xmlns:p="http://schemas.openxmlformats.org/presentationml/2006/main">
+  <p:cSld>
+    <p:spTree>
+      <p:nvGrpSpPr>
+        <p:cNvPr id="1" name=""/>
+        <p:cNvGrpSpPr/>
+        <p:nvPr/>
+      </p:nvGrpSpPr>
+      <p:grpSpPr>
+        <a:xfrm>
+          <a:off x="0" y="0"/>
+          <a:ext cx="0" cy="0"/>
+          <a:chOff x="0" y="0"/>
+          <a:chExt cx="0" cy="0"/>
+        </a:xfrm>
+      </p:grpSpPr>
+      <p:sp>
+        <p:nvSpPr>
+          <p:cNvPr id="6" name="TextBox 5">
+            <a:extLst>
+              <a:ext uri="{FF2B5EF4-FFF2-40B4-BE49-F238E27FC236}">
+                <a16:creationId xmlns:a16="http://schemas.microsoft.com/office/drawing/2014/main" id="{59E906CD-110B-9D01-732C-2F21759B0265}"/>
+              </a:ext>
+            </a:extLst>
+          </p:cNvPr>
+          <p:cNvSpPr txBox="1"/>
+          <p:nvPr/>
+        </p:nvSpPr>
+        <p:spPr>
+          <a:xfrm>
+            <a:off x="193250" y="91915"/>
+            <a:ext cx="8256355" cy="461665"/>
+          </a:xfrm>
+          <a:prstGeom prst="rect">
+            <a:avLst/>
+          </a:prstGeom>
+          <a:noFill/>
+        </p:spPr>
+        <p:txBody>
+          <a:bodyPr wrap="square">
+            <a:spAutoFit/>
+          </a:bodyPr>
+          <a:lstStyle/>
+          <a:p>
+            <a:pPr algn="l"/>
+            <a:r>
+              <a:rPr lang="en-US" sz="2400" b="1" dirty="0">
+                <a:solidFill>
+                  <a:srgbClr val="00B050"/>
+                </a:solidFill>
+                <a:effectLst/>
+                <a:latin typeface="Open Sans" panose="020B0606030504020204" pitchFamily="34" charset="0"/>
+              </a:rPr>
+              <a:t>Catching Exceptions – try </a:t>
+            </a:r>
+            <a:r>
+              <a:rPr lang="en-US" sz="2400" b="1" dirty="0">
+                <a:solidFill>
+                  <a:srgbClr val="00B050"/>
+                </a:solidFill>
+                <a:effectLst/>
+                <a:latin typeface="Open Sans" panose="020B0606030504020204" pitchFamily="34" charset="0"/>
+                <a:sym typeface="Wingdings" panose="05000000000000000000" pitchFamily="2" charset="2"/>
+              </a:rPr>
+              <a:t> catch  finally blocks</a:t>
+            </a:r>
+            <a:endParaRPr lang="en-US" sz="2400" b="1" dirty="0">
+              <a:solidFill>
+                <a:srgbClr val="00B050"/>
+              </a:solidFill>
+              <a:effectLst/>
+              <a:latin typeface="Open Sans" panose="020B0606030504020204" pitchFamily="34" charset="0"/>
+            </a:endParaRPr>
+          </a:p>
+        </p:txBody>
+      </p:sp>
+      <p:sp>
+        <p:nvSpPr>
+          <p:cNvPr id="4" name="TextBox 3">
+            <a:extLst>
+              <a:ext uri="{FF2B5EF4-FFF2-40B4-BE49-F238E27FC236}">
+                <a16:creationId xmlns:a16="http://schemas.microsoft.com/office/drawing/2014/main" id="{C0B26727-0F97-5A73-B4ED-6BE65E07E5DB}"/>
+              </a:ext>
+            </a:extLst>
+          </p:cNvPr>
+          <p:cNvSpPr txBox="1"/>
+          <p:nvPr/>
+        </p:nvSpPr>
+        <p:spPr>
+          <a:xfrm>
+            <a:off x="176169" y="571295"/>
+            <a:ext cx="11931637" cy="6078587"/>
+          </a:xfrm>
+          <a:prstGeom prst="rect">
+            <a:avLst/>
+          </a:prstGeom>
+          <a:noFill/>
+        </p:spPr>
+        <p:txBody>
+          <a:bodyPr wrap="square">
+            <a:spAutoFit/>
+          </a:bodyPr>
+          <a:lstStyle/>
+          <a:p>
+            <a:pPr marL="285750" indent="-285750" algn="l">
+              <a:buFont typeface="Arial" panose="020B0604020202020204" pitchFamily="34" charset="0"/>
+              <a:buChar char="•"/>
+            </a:pPr>
+            <a:r>
+              <a:rPr lang="en-US" sz="1600" b="0" i="0" dirty="0">
+                <a:solidFill>
+                  <a:schemeClr val="tx1">
+                    <a:lumMod val="85000"/>
+                  </a:schemeClr>
+                </a:solidFill>
+                <a:effectLst/>
+                <a:latin typeface="Open Sans" panose="020B0606030504020204" pitchFamily="34" charset="0"/>
+              </a:rPr>
+              <a:t>You associate exception handlers with a try block by providing one or more catch blocks directly after the try block. No code can be between the end of the try block and the beginning of the first catch block.</a:t>
+            </a:r>
+          </a:p>
+          <a:p>
+            <a:pPr algn="l"/>
+            <a:r>
+              <a:rPr lang="en-US" sz="1200" b="0" i="0" dirty="0">
+                <a:solidFill>
+                  <a:schemeClr val="tx1">
+                    <a:lumMod val="85000"/>
+                  </a:schemeClr>
+                </a:solidFill>
+                <a:effectLst/>
+                <a:latin typeface="Open Sans" panose="020B0606030504020204" pitchFamily="34" charset="0"/>
+              </a:rPr>
+              <a:t>	</a:t>
+            </a:r>
+            <a:r>
+              <a:rPr lang="en-US" sz="1200" b="0" i="0" dirty="0">
+                <a:solidFill>
+                  <a:schemeClr val="accent2">
+                    <a:lumMod val="60000"/>
+                    <a:lumOff val="40000"/>
+                  </a:schemeClr>
+                </a:solidFill>
+                <a:effectLst/>
+                <a:latin typeface="Arial" panose="020B0604020202020204" pitchFamily="34" charset="0"/>
+                <a:cs typeface="Arial" panose="020B0604020202020204" pitchFamily="34" charset="0"/>
+              </a:rPr>
+              <a:t>try {</a:t>
+            </a:r>
+          </a:p>
+          <a:p>
+            <a:pPr algn="l"/>
+            <a:r>
+              <a:rPr lang="en-US" sz="1200" dirty="0">
+                <a:solidFill>
+                  <a:schemeClr val="accent2">
+                    <a:lumMod val="60000"/>
+                    <a:lumOff val="40000"/>
+                  </a:schemeClr>
+                </a:solidFill>
+                <a:latin typeface="Arial" panose="020B0604020202020204" pitchFamily="34" charset="0"/>
+                <a:cs typeface="Arial" panose="020B0604020202020204" pitchFamily="34" charset="0"/>
+              </a:rPr>
+              <a:t>	   // Execute some code here</a:t>
+            </a:r>
+          </a:p>
+          <a:p>
+            <a:pPr algn="l"/>
+            <a:r>
+              <a:rPr lang="en-US" sz="1200" b="0" i="0" dirty="0">
+                <a:solidFill>
+                  <a:schemeClr val="accent2">
+                    <a:lumMod val="60000"/>
+                    <a:lumOff val="40000"/>
+                  </a:schemeClr>
+                </a:solidFill>
+                <a:effectLst/>
+                <a:latin typeface="Arial" panose="020B0604020202020204" pitchFamily="34" charset="0"/>
+                <a:cs typeface="Arial" panose="020B0604020202020204" pitchFamily="34" charset="0"/>
+              </a:rPr>
+              <a:t>	} catch (</a:t>
+            </a:r>
+            <a:r>
+              <a:rPr lang="en-US" sz="1200" b="0" i="0" dirty="0" err="1">
+                <a:solidFill>
+                  <a:schemeClr val="accent2">
+                    <a:lumMod val="60000"/>
+                    <a:lumOff val="40000"/>
+                  </a:schemeClr>
+                </a:solidFill>
+                <a:effectLst/>
+                <a:latin typeface="Arial" panose="020B0604020202020204" pitchFamily="34" charset="0"/>
+                <a:cs typeface="Arial" panose="020B0604020202020204" pitchFamily="34" charset="0"/>
+              </a:rPr>
+              <a:t>ExceptionType</a:t>
+            </a:r>
+            <a:r>
+              <a:rPr lang="en-US" sz="1200" b="0" i="0" dirty="0">
+                <a:solidFill>
+                  <a:schemeClr val="accent2">
+                    <a:lumMod val="60000"/>
+                    <a:lumOff val="40000"/>
+                  </a:schemeClr>
+                </a:solidFill>
+                <a:effectLst/>
+                <a:latin typeface="Arial" panose="020B0604020202020204" pitchFamily="34" charset="0"/>
+                <a:cs typeface="Arial" panose="020B0604020202020204" pitchFamily="34" charset="0"/>
+              </a:rPr>
+              <a:t> name) {</a:t>
+            </a:r>
+          </a:p>
+          <a:p>
+            <a:pPr algn="l"/>
+            <a:r>
+              <a:rPr lang="en-US" sz="1200" dirty="0">
+                <a:solidFill>
+                  <a:schemeClr val="accent2">
+                    <a:lumMod val="60000"/>
+                    <a:lumOff val="40000"/>
+                  </a:schemeClr>
+                </a:solidFill>
+                <a:latin typeface="Arial" panose="020B0604020202020204" pitchFamily="34" charset="0"/>
+                <a:cs typeface="Arial" panose="020B0604020202020204" pitchFamily="34" charset="0"/>
+              </a:rPr>
+              <a:t>	   // Exception handling code</a:t>
+            </a:r>
+          </a:p>
+          <a:p>
+            <a:pPr algn="l"/>
+            <a:r>
+              <a:rPr lang="en-US" sz="1200" b="0" i="0" dirty="0">
+                <a:solidFill>
+                  <a:schemeClr val="accent2">
+                    <a:lumMod val="60000"/>
+                    <a:lumOff val="40000"/>
+                  </a:schemeClr>
+                </a:solidFill>
+                <a:effectLst/>
+                <a:latin typeface="Arial" panose="020B0604020202020204" pitchFamily="34" charset="0"/>
+                <a:cs typeface="Arial" panose="020B0604020202020204" pitchFamily="34" charset="0"/>
+              </a:rPr>
+              <a:t>	} catch (</a:t>
+            </a:r>
+            <a:r>
+              <a:rPr lang="en-US" sz="1200" b="0" i="0" dirty="0" err="1">
+                <a:solidFill>
+                  <a:schemeClr val="accent2">
+                    <a:lumMod val="60000"/>
+                    <a:lumOff val="40000"/>
+                  </a:schemeClr>
+                </a:solidFill>
+                <a:effectLst/>
+                <a:latin typeface="Arial" panose="020B0604020202020204" pitchFamily="34" charset="0"/>
+                <a:cs typeface="Arial" panose="020B0604020202020204" pitchFamily="34" charset="0"/>
+              </a:rPr>
+              <a:t>ExceptionType</a:t>
+            </a:r>
+            <a:r>
+              <a:rPr lang="en-US" sz="1200" b="0" i="0" dirty="0">
+                <a:solidFill>
+                  <a:schemeClr val="accent2">
+                    <a:lumMod val="60000"/>
+                    <a:lumOff val="40000"/>
+                  </a:schemeClr>
+                </a:solidFill>
+                <a:effectLst/>
+                <a:latin typeface="Arial" panose="020B0604020202020204" pitchFamily="34" charset="0"/>
+                <a:cs typeface="Arial" panose="020B0604020202020204" pitchFamily="34" charset="0"/>
+              </a:rPr>
+              <a:t> name) {</a:t>
+            </a:r>
+          </a:p>
+          <a:p>
+            <a:pPr algn="l"/>
+            <a:r>
+              <a:rPr lang="en-US" sz="1200" dirty="0">
+                <a:solidFill>
+                  <a:schemeClr val="accent2">
+                    <a:lumMod val="60000"/>
+                    <a:lumOff val="40000"/>
+                  </a:schemeClr>
+                </a:solidFill>
+                <a:latin typeface="Arial" panose="020B0604020202020204" pitchFamily="34" charset="0"/>
+                <a:cs typeface="Arial" panose="020B0604020202020204" pitchFamily="34" charset="0"/>
+              </a:rPr>
+              <a:t>	   // Exception handling code</a:t>
+            </a:r>
+          </a:p>
+          <a:p>
+            <a:pPr algn="l"/>
+            <a:r>
+              <a:rPr lang="en-US" sz="1200" b="0" i="0" dirty="0">
+                <a:solidFill>
+                  <a:schemeClr val="accent2">
+                    <a:lumMod val="60000"/>
+                    <a:lumOff val="40000"/>
+                  </a:schemeClr>
+                </a:solidFill>
+                <a:effectLst/>
+                <a:latin typeface="Arial" panose="020B0604020202020204" pitchFamily="34" charset="0"/>
+                <a:cs typeface="Arial" panose="020B0604020202020204" pitchFamily="34" charset="0"/>
+              </a:rPr>
+              <a:t>	} finally {</a:t>
+            </a:r>
+          </a:p>
+          <a:p>
+            <a:pPr algn="l"/>
+            <a:r>
+              <a:rPr lang="en-US" sz="1200" dirty="0">
+                <a:solidFill>
+                  <a:schemeClr val="accent2">
+                    <a:lumMod val="60000"/>
+                    <a:lumOff val="40000"/>
+                  </a:schemeClr>
+                </a:solidFill>
+                <a:latin typeface="Arial" panose="020B0604020202020204" pitchFamily="34" charset="0"/>
+                <a:cs typeface="Arial" panose="020B0604020202020204" pitchFamily="34" charset="0"/>
+              </a:rPr>
+              <a:t>	   // Code that always runs when the try block runs even when an Exception occurs</a:t>
+            </a:r>
+          </a:p>
+          <a:p>
+            <a:pPr algn="l"/>
+            <a:r>
+              <a:rPr lang="en-US" sz="1200" b="0" i="0" dirty="0">
+                <a:solidFill>
+                  <a:schemeClr val="accent2">
+                    <a:lumMod val="60000"/>
+                    <a:lumOff val="40000"/>
+                  </a:schemeClr>
+                </a:solidFill>
+                <a:effectLst/>
+                <a:latin typeface="Arial" panose="020B0604020202020204" pitchFamily="34" charset="0"/>
+                <a:cs typeface="Arial" panose="020B0604020202020204" pitchFamily="34" charset="0"/>
+              </a:rPr>
+              <a:t>	}</a:t>
+            </a:r>
+          </a:p>
+          <a:p>
+            <a:pPr algn="l"/>
+            <a:endParaRPr lang="en-US" sz="1200" b="0" i="0" dirty="0">
+              <a:solidFill>
+                <a:schemeClr val="tx1">
+                  <a:lumMod val="85000"/>
+                </a:schemeClr>
+              </a:solidFill>
+              <a:effectLst/>
+              <a:latin typeface="Open Sans" panose="020B0606030504020204" pitchFamily="34" charset="0"/>
+            </a:endParaRPr>
+          </a:p>
+          <a:p>
+            <a:pPr marL="285750" indent="-285750" algn="l">
+              <a:buFont typeface="Arial" panose="020B0604020202020204" pitchFamily="34" charset="0"/>
+              <a:buChar char="•"/>
+            </a:pPr>
+            <a:r>
+              <a:rPr lang="en-US" sz="1600" b="0" i="0" dirty="0">
+                <a:solidFill>
+                  <a:srgbClr val="00B0F0"/>
+                </a:solidFill>
+                <a:effectLst/>
+                <a:latin typeface="Open Sans" panose="020B0606030504020204" pitchFamily="34" charset="0"/>
+              </a:rPr>
+              <a:t>Each catch block is an exception handler </a:t>
+            </a:r>
+            <a:r>
+              <a:rPr lang="en-US" sz="1600" b="0" i="0" dirty="0">
+                <a:solidFill>
+                  <a:schemeClr val="tx1">
+                    <a:lumMod val="85000"/>
+                  </a:schemeClr>
+                </a:solidFill>
+                <a:effectLst/>
+                <a:latin typeface="Open Sans" panose="020B0606030504020204" pitchFamily="34" charset="0"/>
+              </a:rPr>
+              <a:t>that handles the type of exception indicated by its argument. </a:t>
+            </a:r>
+            <a:r>
+              <a:rPr lang="en-US" sz="1600" b="0" i="0" dirty="0">
+                <a:solidFill>
+                  <a:srgbClr val="00B0F0"/>
+                </a:solidFill>
+                <a:effectLst/>
+                <a:latin typeface="Open Sans" panose="020B0606030504020204" pitchFamily="34" charset="0"/>
+              </a:rPr>
+              <a:t>The argument type, </a:t>
+            </a:r>
+            <a:r>
+              <a:rPr lang="en-US" sz="1600" b="0" i="0" dirty="0" err="1">
+                <a:solidFill>
+                  <a:srgbClr val="00B0F0"/>
+                </a:solidFill>
+                <a:effectLst/>
+                <a:latin typeface="Open Sans" panose="020B0606030504020204" pitchFamily="34" charset="0"/>
+              </a:rPr>
+              <a:t>ExceptionType</a:t>
+            </a:r>
+            <a:r>
+              <a:rPr lang="en-US" sz="1600" b="0" i="0" dirty="0">
+                <a:solidFill>
+                  <a:schemeClr val="tx1">
+                    <a:lumMod val="85000"/>
+                  </a:schemeClr>
+                </a:solidFill>
+                <a:effectLst/>
+                <a:latin typeface="Open Sans" panose="020B0606030504020204" pitchFamily="34" charset="0"/>
+              </a:rPr>
+              <a:t>, declares the type of exception that the handler can handle and must be the name of a class that inherits from the Throwable class. The handler can refer to the exception with name.</a:t>
+            </a:r>
+          </a:p>
+          <a:p>
+            <a:pPr marL="285750" indent="-285750" algn="l">
+              <a:buFont typeface="Arial" panose="020B0604020202020204" pitchFamily="34" charset="0"/>
+              <a:buChar char="•"/>
+            </a:pPr>
+            <a:endParaRPr lang="en-US" sz="1600" b="0" i="0" dirty="0">
+              <a:solidFill>
+                <a:schemeClr val="tx1">
+                  <a:lumMod val="85000"/>
+                </a:schemeClr>
+              </a:solidFill>
+              <a:effectLst/>
+              <a:latin typeface="Open Sans" panose="020B0606030504020204" pitchFamily="34" charset="0"/>
+            </a:endParaRPr>
+          </a:p>
+          <a:p>
+            <a:pPr marL="285750" indent="-285750" algn="l">
+              <a:buFont typeface="Arial" panose="020B0604020202020204" pitchFamily="34" charset="0"/>
+              <a:buChar char="•"/>
+            </a:pPr>
+            <a:r>
+              <a:rPr lang="en-US" sz="1600" b="0" i="0" dirty="0">
+                <a:solidFill>
+                  <a:schemeClr val="tx1">
+                    <a:lumMod val="85000"/>
+                  </a:schemeClr>
+                </a:solidFill>
+                <a:effectLst/>
+                <a:latin typeface="Open Sans" panose="020B0606030504020204" pitchFamily="34" charset="0"/>
+              </a:rPr>
+              <a:t>The catch block </a:t>
+            </a:r>
+            <a:r>
+              <a:rPr lang="en-US" sz="1600" b="0" i="0" dirty="0">
+                <a:solidFill>
+                  <a:srgbClr val="00B0F0"/>
+                </a:solidFill>
+                <a:effectLst/>
+                <a:latin typeface="Open Sans" panose="020B0606030504020204" pitchFamily="34" charset="0"/>
+              </a:rPr>
+              <a:t>contains code that is executed if and when the exception handler is invoked</a:t>
+            </a:r>
+            <a:r>
+              <a:rPr lang="en-US" sz="1600" b="0" i="0" dirty="0">
+                <a:solidFill>
+                  <a:schemeClr val="tx1">
+                    <a:lumMod val="85000"/>
+                  </a:schemeClr>
+                </a:solidFill>
+                <a:effectLst/>
+                <a:latin typeface="Open Sans" panose="020B0606030504020204" pitchFamily="34" charset="0"/>
+              </a:rPr>
+              <a:t>. The runtime system invokes the exception handler when the handler is the first one in the call stack whose </a:t>
+            </a:r>
+            <a:r>
+              <a:rPr lang="en-US" sz="1600" b="0" i="0" dirty="0" err="1">
+                <a:solidFill>
+                  <a:schemeClr val="tx1">
+                    <a:lumMod val="85000"/>
+                  </a:schemeClr>
+                </a:solidFill>
+                <a:effectLst/>
+                <a:latin typeface="Open Sans" panose="020B0606030504020204" pitchFamily="34" charset="0"/>
+              </a:rPr>
+              <a:t>ExceptionType</a:t>
+            </a:r>
+            <a:r>
+              <a:rPr lang="en-US" sz="1600" b="0" i="0" dirty="0">
+                <a:solidFill>
+                  <a:schemeClr val="tx1">
+                    <a:lumMod val="85000"/>
+                  </a:schemeClr>
+                </a:solidFill>
+                <a:effectLst/>
+                <a:latin typeface="Open Sans" panose="020B0606030504020204" pitchFamily="34" charset="0"/>
+              </a:rPr>
+              <a:t> matches the type of the exception thrown. The system considers it a match if the thrown object can legally be assigned to the exception handler's argument.</a:t>
+            </a:r>
+          </a:p>
+          <a:p>
+            <a:pPr marL="285750" indent="-285750" algn="l">
+              <a:buFont typeface="Arial" panose="020B0604020202020204" pitchFamily="34" charset="0"/>
+              <a:buChar char="•"/>
+            </a:pPr>
+            <a:endParaRPr lang="en-US" sz="1600" b="0" i="0" dirty="0">
+              <a:solidFill>
+                <a:schemeClr val="tx1">
+                  <a:lumMod val="85000"/>
+                </a:schemeClr>
+              </a:solidFill>
+              <a:effectLst/>
+              <a:latin typeface="Open Sans" panose="020B0606030504020204" pitchFamily="34" charset="0"/>
+            </a:endParaRPr>
+          </a:p>
+          <a:p>
+            <a:pPr marL="285750" indent="-285750" algn="l">
+              <a:buFont typeface="Arial" panose="020B0604020202020204" pitchFamily="34" charset="0"/>
+              <a:buChar char="•"/>
+            </a:pPr>
+            <a:r>
+              <a:rPr lang="en-US" sz="1600" b="0" i="0" dirty="0">
+                <a:solidFill>
+                  <a:schemeClr val="tx1">
+                    <a:lumMod val="85000"/>
+                  </a:schemeClr>
+                </a:solidFill>
+                <a:effectLst/>
+                <a:latin typeface="Open Sans" panose="020B0606030504020204" pitchFamily="34" charset="0"/>
+              </a:rPr>
+              <a:t>The following are two exception handlers for the </a:t>
+            </a:r>
+            <a:r>
+              <a:rPr lang="en-US" sz="1600" b="0" i="0" dirty="0" err="1">
+                <a:solidFill>
+                  <a:schemeClr val="tx1">
+                    <a:lumMod val="85000"/>
+                  </a:schemeClr>
+                </a:solidFill>
+                <a:effectLst/>
+                <a:latin typeface="Open Sans" panose="020B0606030504020204" pitchFamily="34" charset="0"/>
+              </a:rPr>
+              <a:t>writeList</a:t>
+            </a:r>
+            <a:r>
+              <a:rPr lang="en-US" sz="1600" b="0" i="0" dirty="0">
+                <a:solidFill>
+                  <a:schemeClr val="tx1">
+                    <a:lumMod val="85000"/>
+                  </a:schemeClr>
+                </a:solidFill>
+                <a:effectLst/>
+                <a:latin typeface="Open Sans" panose="020B0606030504020204" pitchFamily="34" charset="0"/>
+              </a:rPr>
+              <a:t> method:</a:t>
+            </a:r>
+          </a:p>
+          <a:p>
+            <a:pPr algn="l"/>
+            <a:r>
+              <a:rPr lang="en-US" sz="1100" b="0" i="0" dirty="0">
+                <a:solidFill>
+                  <a:schemeClr val="tx1">
+                    <a:lumMod val="85000"/>
+                  </a:schemeClr>
+                </a:solidFill>
+                <a:effectLst/>
+                <a:latin typeface="Open Sans" panose="020B0606030504020204" pitchFamily="34" charset="0"/>
+              </a:rPr>
+              <a:t>	</a:t>
+            </a:r>
+            <a:r>
+              <a:rPr lang="en-US" sz="1100" b="0" i="0" dirty="0">
+                <a:solidFill>
+                  <a:schemeClr val="accent2">
+                    <a:lumMod val="60000"/>
+                    <a:lumOff val="40000"/>
+                  </a:schemeClr>
+                </a:solidFill>
+                <a:effectLst/>
+                <a:latin typeface="Arial" panose="020B0604020202020204" pitchFamily="34" charset="0"/>
+                <a:cs typeface="Arial" panose="020B0604020202020204" pitchFamily="34" charset="0"/>
+              </a:rPr>
+              <a:t>try {</a:t>
+            </a:r>
+          </a:p>
+          <a:p>
+            <a:pPr lvl="2"/>
+            <a:r>
+              <a:rPr lang="en-US" sz="1100" b="0" i="0" dirty="0">
+                <a:solidFill>
+                  <a:schemeClr val="accent2">
+                    <a:lumMod val="60000"/>
+                    <a:lumOff val="40000"/>
+                  </a:schemeClr>
+                </a:solidFill>
+                <a:effectLst/>
+                <a:latin typeface="Arial" panose="020B0604020202020204" pitchFamily="34" charset="0"/>
+                <a:cs typeface="Arial" panose="020B0604020202020204" pitchFamily="34" charset="0"/>
+              </a:rPr>
+              <a:t>   // Do something</a:t>
+            </a:r>
+          </a:p>
+          <a:p>
+            <a:pPr lvl="2"/>
+            <a:r>
+              <a:rPr lang="en-US" sz="1100" b="0" i="0" dirty="0">
+                <a:solidFill>
+                  <a:schemeClr val="accent2">
+                    <a:lumMod val="60000"/>
+                    <a:lumOff val="40000"/>
+                  </a:schemeClr>
+                </a:solidFill>
+                <a:effectLst/>
+                <a:latin typeface="Arial" panose="020B0604020202020204" pitchFamily="34" charset="0"/>
+                <a:cs typeface="Arial" panose="020B0604020202020204" pitchFamily="34" charset="0"/>
+              </a:rPr>
+              <a:t>} catch (</a:t>
+            </a:r>
+            <a:r>
+              <a:rPr lang="en-US" sz="1100" b="0" i="0" dirty="0" err="1">
+                <a:solidFill>
+                  <a:schemeClr val="accent2">
+                    <a:lumMod val="60000"/>
+                    <a:lumOff val="40000"/>
+                  </a:schemeClr>
+                </a:solidFill>
+                <a:effectLst/>
+                <a:latin typeface="Arial" panose="020B0604020202020204" pitchFamily="34" charset="0"/>
+                <a:cs typeface="Arial" panose="020B0604020202020204" pitchFamily="34" charset="0"/>
+              </a:rPr>
+              <a:t>IndexOutOfBoundsException</a:t>
+            </a:r>
+            <a:r>
+              <a:rPr lang="en-US" sz="1100" b="0" i="0" dirty="0">
+                <a:solidFill>
+                  <a:schemeClr val="accent2">
+                    <a:lumMod val="60000"/>
+                    <a:lumOff val="40000"/>
+                  </a:schemeClr>
+                </a:solidFill>
+                <a:effectLst/>
+                <a:latin typeface="Arial" panose="020B0604020202020204" pitchFamily="34" charset="0"/>
+                <a:cs typeface="Arial" panose="020B0604020202020204" pitchFamily="34" charset="0"/>
+              </a:rPr>
+              <a:t> e) {</a:t>
+            </a:r>
+          </a:p>
+          <a:p>
+            <a:pPr lvl="2"/>
+            <a:r>
+              <a:rPr lang="en-US" sz="1100" b="0" i="0" dirty="0">
+                <a:solidFill>
+                  <a:schemeClr val="accent2">
+                    <a:lumMod val="60000"/>
+                    <a:lumOff val="40000"/>
+                  </a:schemeClr>
+                </a:solidFill>
+                <a:effectLst/>
+                <a:latin typeface="Arial" panose="020B0604020202020204" pitchFamily="34" charset="0"/>
+                <a:cs typeface="Arial" panose="020B0604020202020204" pitchFamily="34" charset="0"/>
+              </a:rPr>
+              <a:t>   </a:t>
+            </a:r>
+            <a:r>
+              <a:rPr lang="en-US" sz="1100" b="0" i="0" dirty="0" err="1">
+                <a:solidFill>
+                  <a:schemeClr val="accent2">
+                    <a:lumMod val="60000"/>
+                    <a:lumOff val="40000"/>
+                  </a:schemeClr>
+                </a:solidFill>
+                <a:effectLst/>
+                <a:latin typeface="Arial" panose="020B0604020202020204" pitchFamily="34" charset="0"/>
+                <a:cs typeface="Arial" panose="020B0604020202020204" pitchFamily="34" charset="0"/>
+              </a:rPr>
+              <a:t>System.err.println</a:t>
+            </a:r>
+            <a:r>
+              <a:rPr lang="en-US" sz="1100" b="0" i="0" dirty="0">
+                <a:solidFill>
+                  <a:schemeClr val="accent2">
+                    <a:lumMod val="60000"/>
+                    <a:lumOff val="40000"/>
+                  </a:schemeClr>
+                </a:solidFill>
+                <a:effectLst/>
+                <a:latin typeface="Arial" panose="020B0604020202020204" pitchFamily="34" charset="0"/>
+                <a:cs typeface="Arial" panose="020B0604020202020204" pitchFamily="34" charset="0"/>
+              </a:rPr>
+              <a:t>("</a:t>
+            </a:r>
+            <a:r>
+              <a:rPr lang="en-US" sz="1100" b="0" i="0" dirty="0" err="1">
+                <a:solidFill>
+                  <a:schemeClr val="accent2">
+                    <a:lumMod val="60000"/>
+                    <a:lumOff val="40000"/>
+                  </a:schemeClr>
+                </a:solidFill>
+                <a:effectLst/>
+                <a:latin typeface="Arial" panose="020B0604020202020204" pitchFamily="34" charset="0"/>
+                <a:cs typeface="Arial" panose="020B0604020202020204" pitchFamily="34" charset="0"/>
+              </a:rPr>
+              <a:t>IndexOutOfBoundsException</a:t>
+            </a:r>
+            <a:r>
+              <a:rPr lang="en-US" sz="1100" b="0" i="0" dirty="0">
+                <a:solidFill>
+                  <a:schemeClr val="accent2">
+                    <a:lumMod val="60000"/>
+                    <a:lumOff val="40000"/>
+                  </a:schemeClr>
+                </a:solidFill>
+                <a:effectLst/>
+                <a:latin typeface="Arial" panose="020B0604020202020204" pitchFamily="34" charset="0"/>
+                <a:cs typeface="Arial" panose="020B0604020202020204" pitchFamily="34" charset="0"/>
+              </a:rPr>
+              <a:t>: " + </a:t>
+            </a:r>
+            <a:r>
+              <a:rPr lang="en-US" sz="1100" b="0" i="0" dirty="0" err="1">
+                <a:solidFill>
+                  <a:schemeClr val="accent2">
+                    <a:lumMod val="60000"/>
+                    <a:lumOff val="40000"/>
+                  </a:schemeClr>
+                </a:solidFill>
+                <a:effectLst/>
+                <a:latin typeface="Arial" panose="020B0604020202020204" pitchFamily="34" charset="0"/>
+                <a:cs typeface="Arial" panose="020B0604020202020204" pitchFamily="34" charset="0"/>
+              </a:rPr>
+              <a:t>e.getMessage</a:t>
+            </a:r>
+            <a:r>
+              <a:rPr lang="en-US" sz="1100" b="0" i="0" dirty="0">
+                <a:solidFill>
+                  <a:schemeClr val="accent2">
+                    <a:lumMod val="60000"/>
+                    <a:lumOff val="40000"/>
+                  </a:schemeClr>
+                </a:solidFill>
+                <a:effectLst/>
+                <a:latin typeface="Arial" panose="020B0604020202020204" pitchFamily="34" charset="0"/>
+                <a:cs typeface="Arial" panose="020B0604020202020204" pitchFamily="34" charset="0"/>
+              </a:rPr>
+              <a:t>());</a:t>
+            </a:r>
+          </a:p>
+          <a:p>
+            <a:pPr lvl="2"/>
+            <a:r>
+              <a:rPr lang="en-US" sz="1100" b="0" i="0" dirty="0">
+                <a:solidFill>
+                  <a:schemeClr val="accent2">
+                    <a:lumMod val="60000"/>
+                    <a:lumOff val="40000"/>
+                  </a:schemeClr>
+                </a:solidFill>
+                <a:effectLst/>
+                <a:latin typeface="Arial" panose="020B0604020202020204" pitchFamily="34" charset="0"/>
+                <a:cs typeface="Arial" panose="020B0604020202020204" pitchFamily="34" charset="0"/>
+              </a:rPr>
+              <a:t>} catch (</a:t>
+            </a:r>
+            <a:r>
+              <a:rPr lang="en-US" sz="1100" b="0" i="0" dirty="0" err="1">
+                <a:solidFill>
+                  <a:schemeClr val="accent2">
+                    <a:lumMod val="60000"/>
+                    <a:lumOff val="40000"/>
+                  </a:schemeClr>
+                </a:solidFill>
+                <a:effectLst/>
+                <a:latin typeface="Arial" panose="020B0604020202020204" pitchFamily="34" charset="0"/>
+                <a:cs typeface="Arial" panose="020B0604020202020204" pitchFamily="34" charset="0"/>
+              </a:rPr>
+              <a:t>IOException</a:t>
+            </a:r>
+            <a:r>
+              <a:rPr lang="en-US" sz="1100" b="0" i="0" dirty="0">
+                <a:solidFill>
+                  <a:schemeClr val="accent2">
+                    <a:lumMod val="60000"/>
+                    <a:lumOff val="40000"/>
+                  </a:schemeClr>
+                </a:solidFill>
+                <a:effectLst/>
+                <a:latin typeface="Arial" panose="020B0604020202020204" pitchFamily="34" charset="0"/>
+                <a:cs typeface="Arial" panose="020B0604020202020204" pitchFamily="34" charset="0"/>
+              </a:rPr>
+              <a:t> e) </a:t>
+            </a:r>
+          </a:p>
+          <a:p>
+            <a:pPr lvl="2"/>
+            <a:r>
+              <a:rPr lang="en-US" sz="1100" dirty="0">
+                <a:solidFill>
+                  <a:schemeClr val="accent2">
+                    <a:lumMod val="60000"/>
+                    <a:lumOff val="40000"/>
+                  </a:schemeClr>
+                </a:solidFill>
+                <a:latin typeface="Arial" panose="020B0604020202020204" pitchFamily="34" charset="0"/>
+                <a:cs typeface="Arial" panose="020B0604020202020204" pitchFamily="34" charset="0"/>
+              </a:rPr>
+              <a:t>   </a:t>
+            </a:r>
+            <a:r>
+              <a:rPr lang="en-US" sz="1100" b="0" i="0" dirty="0" err="1">
+                <a:solidFill>
+                  <a:schemeClr val="accent2">
+                    <a:lumMod val="60000"/>
+                    <a:lumOff val="40000"/>
+                  </a:schemeClr>
+                </a:solidFill>
+                <a:effectLst/>
+                <a:latin typeface="Arial" panose="020B0604020202020204" pitchFamily="34" charset="0"/>
+                <a:cs typeface="Arial" panose="020B0604020202020204" pitchFamily="34" charset="0"/>
+              </a:rPr>
+              <a:t>System.err.println</a:t>
+            </a:r>
+            <a:r>
+              <a:rPr lang="en-US" sz="1100" b="0" i="0" dirty="0">
+                <a:solidFill>
+                  <a:schemeClr val="accent2">
+                    <a:lumMod val="60000"/>
+                    <a:lumOff val="40000"/>
+                  </a:schemeClr>
+                </a:solidFill>
+                <a:effectLst/>
+                <a:latin typeface="Arial" panose="020B0604020202020204" pitchFamily="34" charset="0"/>
+                <a:cs typeface="Arial" panose="020B0604020202020204" pitchFamily="34" charset="0"/>
+              </a:rPr>
+              <a:t>("Caught </a:t>
+            </a:r>
+            <a:r>
+              <a:rPr lang="en-US" sz="1100" b="0" i="0" dirty="0" err="1">
+                <a:solidFill>
+                  <a:schemeClr val="accent2">
+                    <a:lumMod val="60000"/>
+                    <a:lumOff val="40000"/>
+                  </a:schemeClr>
+                </a:solidFill>
+                <a:effectLst/>
+                <a:latin typeface="Arial" panose="020B0604020202020204" pitchFamily="34" charset="0"/>
+                <a:cs typeface="Arial" panose="020B0604020202020204" pitchFamily="34" charset="0"/>
+              </a:rPr>
+              <a:t>IOException</a:t>
+            </a:r>
+            <a:r>
+              <a:rPr lang="en-US" sz="1100" b="0" i="0" dirty="0">
+                <a:solidFill>
+                  <a:schemeClr val="accent2">
+                    <a:lumMod val="60000"/>
+                    <a:lumOff val="40000"/>
+                  </a:schemeClr>
+                </a:solidFill>
+                <a:effectLst/>
+                <a:latin typeface="Arial" panose="020B0604020202020204" pitchFamily="34" charset="0"/>
+                <a:cs typeface="Arial" panose="020B0604020202020204" pitchFamily="34" charset="0"/>
+              </a:rPr>
+              <a:t>: " + </a:t>
+            </a:r>
+            <a:r>
+              <a:rPr lang="en-US" sz="1100" b="0" i="0" dirty="0" err="1">
+                <a:solidFill>
+                  <a:schemeClr val="accent2">
+                    <a:lumMod val="60000"/>
+                    <a:lumOff val="40000"/>
+                  </a:schemeClr>
+                </a:solidFill>
+                <a:effectLst/>
+                <a:latin typeface="Arial" panose="020B0604020202020204" pitchFamily="34" charset="0"/>
+                <a:cs typeface="Arial" panose="020B0604020202020204" pitchFamily="34" charset="0"/>
+              </a:rPr>
+              <a:t>e.getMessage</a:t>
+            </a:r>
+            <a:r>
+              <a:rPr lang="en-US" sz="1100" b="0" i="0" dirty="0">
+                <a:solidFill>
+                  <a:schemeClr val="accent2">
+                    <a:lumMod val="60000"/>
+                    <a:lumOff val="40000"/>
+                  </a:schemeClr>
+                </a:solidFill>
+                <a:effectLst/>
+                <a:latin typeface="Arial" panose="020B0604020202020204" pitchFamily="34" charset="0"/>
+                <a:cs typeface="Arial" panose="020B0604020202020204" pitchFamily="34" charset="0"/>
+              </a:rPr>
+              <a:t>());</a:t>
+            </a:r>
+          </a:p>
+          <a:p>
+            <a:pPr lvl="2"/>
+            <a:r>
+              <a:rPr lang="en-US" sz="1100" b="0" i="0" dirty="0">
+                <a:solidFill>
+                  <a:schemeClr val="accent2">
+                    <a:lumMod val="60000"/>
+                    <a:lumOff val="40000"/>
+                  </a:schemeClr>
+                </a:solidFill>
+                <a:effectLst/>
+                <a:latin typeface="Arial" panose="020B0604020202020204" pitchFamily="34" charset="0"/>
+                <a:cs typeface="Arial" panose="020B0604020202020204" pitchFamily="34" charset="0"/>
+              </a:rPr>
+              <a:t>}</a:t>
+            </a:r>
+          </a:p>
+        </p:txBody>
+      </p:sp>
+      <p:sp>
+        <p:nvSpPr>
+          <p:cNvPr id="2" name="TextBox 1">
+            <a:extLst>
+              <a:ext uri="{FF2B5EF4-FFF2-40B4-BE49-F238E27FC236}">
+                <a16:creationId xmlns:a16="http://schemas.microsoft.com/office/drawing/2014/main" id="{05E39B88-6490-5C54-C767-A0E91A8F373F}"/>
+              </a:ext>
+            </a:extLst>
+          </p:cNvPr>
+          <p:cNvSpPr txBox="1"/>
+          <p:nvPr/>
+        </p:nvSpPr>
+        <p:spPr>
+          <a:xfrm>
+            <a:off x="5553511" y="6427531"/>
+            <a:ext cx="6842443" cy="338554"/>
+          </a:xfrm>
+          <a:prstGeom prst="rect">
+            <a:avLst/>
+          </a:prstGeom>
+          <a:noFill/>
+        </p:spPr>
+        <p:txBody>
+          <a:bodyPr wrap="square">
+            <a:spAutoFit/>
+          </a:bodyPr>
+          <a:lstStyle/>
+          <a:p>
+            <a:r>
+              <a:rPr lang="en-US" sz="1600" dirty="0">
+                <a:hlinkClick r:id="rId2"/>
+              </a:rPr>
+              <a:t>https://github.com/ckiefriter1/Java-Code-Examples/tree/main/src/exceptions</a:t>
+            </a:r>
+            <a:endParaRPr lang="en-US" sz="1600" dirty="0"/>
+          </a:p>
+        </p:txBody>
+      </p:sp>
+    </p:spTree>
+    <p:extLst>
+      <p:ext uri="{BB962C8B-B14F-4D97-AF65-F5344CB8AC3E}">
+        <p14:creationId xmlns:p14="http://schemas.microsoft.com/office/powerpoint/2010/main" val="12263916"/>
+      </p:ext>
+    </p:extLst>
+  </p:cSld>
+  <p:clrMapOvr>
+    <a:masterClrMapping/>
+  </p:clrMapOvr>
+</p:sld>
+</file>
+
 <file path=ppt/slides/slide17.xml><?xml version="1.0" encoding="utf-8"?>
 <p:sld xmlns:a="http://schemas.openxmlformats.org/drawingml/2006/main" xmlns:r="http://schemas.openxmlformats.org/officeDocument/2006/relationships" xmlns:p="http://schemas.openxmlformats.org/presentationml/2006/main">
   <p:cSld>
@@ -8507,8 +9404,8 @@
         </p:nvSpPr>
         <p:spPr>
           <a:xfrm>
-            <a:off x="176169" y="571295"/>
-            <a:ext cx="11931637" cy="6571030"/>
+            <a:off x="176169" y="729420"/>
+            <a:ext cx="11931637" cy="4555093"/>
           </a:xfrm>
           <a:prstGeom prst="rect">
             <a:avLst/>
@@ -8526,7 +9423,17 @@
               <a:buChar char="•"/>
             </a:pPr>
             <a:r>
-              <a:rPr lang="en-US" sz="1600" b="0" i="0" dirty="0">
+              <a:rPr lang="en-US" b="0" i="0" dirty="0">
+                <a:solidFill>
+                  <a:srgbClr val="00B0F0"/>
+                </a:solidFill>
+                <a:effectLst/>
+                <a:latin typeface="Open Sans" panose="020B0606030504020204" pitchFamily="34" charset="0"/>
+              </a:rPr>
+              <a:t>Exception handlers can do more than just print error messages or halt the program</a:t>
+            </a:r>
+            <a:r>
+              <a:rPr lang="en-US" b="0" i="0" dirty="0">
                 <a:solidFill>
                   <a:schemeClr val="tx1">
                     <a:lumMod val="85000"/>
@@ -8535,7 +9442,29 @@
                 <a:effectLst/>
                 <a:latin typeface="Open Sans" panose="020B0606030504020204" pitchFamily="34" charset="0"/>
               </a:rPr>
-              <a:t>You associate exception handlers with a try block by providing one or more catch blocks directly after the try block. No code can be between the end of the try block and the beginning of the first catch block.</a:t>
+              <a:t>. They can do error recovery, prompt the user to make a decision, or propagate the error up to a higher-level handler using chained exceptions, as described in the </a:t>
+            </a:r>
+            <a:r>
+              <a:rPr lang="en-US" b="0" i="0" dirty="0">
+                <a:solidFill>
+                  <a:srgbClr val="00B0F0"/>
+                </a:solidFill>
+                <a:effectLst/>
+                <a:latin typeface="Open Sans" panose="020B0606030504020204" pitchFamily="34" charset="0"/>
+              </a:rPr>
+              <a:t>Chained Exceptions </a:t>
+            </a:r>
+            <a:r>
+              <a:rPr lang="en-US" b="0" i="0" dirty="0">
+                <a:solidFill>
+                  <a:schemeClr val="tx1">
+                    <a:lumMod val="85000"/>
+                  </a:schemeClr>
+                </a:solidFill>
+                <a:effectLst/>
+                <a:latin typeface="Open Sans" panose="020B0606030504020204" pitchFamily="34" charset="0"/>
+              </a:rPr>
+              <a:t>section.</a:t>
             </a:r>
           </a:p>
           <a:p>
@@ -8543,7 +9472,7 @@
               <a:buFont typeface="Arial" panose="020B0604020202020204" pitchFamily="34" charset="0"/>
               <a:buChar char="•"/>
             </a:pPr>
-            <a:endParaRPr lang="en-US" sz="1600" b="0" i="0" dirty="0">
+            <a:endParaRPr lang="en-US" b="0" i="0" dirty="0">
               <a:solidFill>
                 <a:schemeClr val="tx1">
                   <a:lumMod val="85000"/>
@@ -8554,9 +9483,12 @@
             </a:endParaRPr>
           </a:p>
           <a:p>
-            <a:pPr algn="l"/>
-            <a:r>
-              <a:rPr lang="en-US" sz="1200" b="0" i="0" dirty="0">
+            <a:pPr marL="285750" indent="-285750" algn="l">
+              <a:buFont typeface="Arial" panose="020B0604020202020204" pitchFamily="34" charset="0"/>
+              <a:buChar char="•"/>
+            </a:pPr>
+            <a:r>
+              <a:rPr lang="en-US" b="0" i="0" dirty="0">
                 <a:solidFill>
                   <a:schemeClr val="tx1">
                     <a:lumMod val="85000"/>
@@ -8565,176 +9497,33 @@
                 <a:effectLst/>
                 <a:latin typeface="Open Sans" panose="020B0606030504020204" pitchFamily="34" charset="0"/>
               </a:rPr>
-              <a:t>	try {</a:t>
-            </a:r>
-          </a:p>
-          <a:p>
-            <a:pPr algn="l"/>
-            <a:r>
-              <a:rPr lang="en-US" sz="1200" dirty="0">
+              <a:t>Catching More Than One Type of Exception with One Exception Handler</a:t>
+            </a:r>
+          </a:p>
+          <a:p>
+            <a:pPr marL="742950" lvl="1" indent="-285750">
+              <a:buFont typeface="Arial" panose="020B0604020202020204" pitchFamily="34" charset="0"/>
+              <a:buChar char="•"/>
+            </a:pPr>
+            <a:r>
+              <a:rPr lang="en-US" b="0" i="0" dirty="0">
                 <a:solidFill>
                   <a:schemeClr val="tx1">
                     <a:lumMod val="85000"/>
                   </a:schemeClr>
                 </a:solidFill>
-                <a:latin typeface="Open Sans" panose="020B0606030504020204" pitchFamily="34" charset="0"/>
-              </a:rPr>
-              <a:t>	   // Execute some code here</a:t>
-            </a:r>
-          </a:p>
-          <a:p>
-            <a:pPr algn="l"/>
-            <a:r>
-              <a:rPr lang="en-US" sz="1200" b="0" i="0" dirty="0">
-                <a:solidFill>
-                  <a:schemeClr val="tx1">
-                    <a:lumMod val="85000"/>
-                  </a:schemeClr>
-                </a:solidFill>
-                <a:effectLst/>
-                <a:latin typeface="Open Sans" panose="020B0606030504020204" pitchFamily="34" charset="0"/>
-              </a:rPr>
-              <a:t>	} catch (</a:t>
-            </a:r>
-            <a:r>
-              <a:rPr lang="en-US" sz="1200" b="0" i="0" dirty="0" err="1">
-                <a:solidFill>
-                  <a:schemeClr val="tx1">
-                    <a:lumMod val="85000"/>
-                  </a:schemeClr>
-                </a:solidFill>
-                <a:effectLst/>
-                <a:latin typeface="Open Sans" panose="020B0606030504020204" pitchFamily="34" charset="0"/>
-              </a:rPr>
-              <a:t>ExceptionType</a:t>
-            </a:r>
-            <a:r>
-              <a:rPr lang="en-US" sz="1200" b="0" i="0" dirty="0">
-                <a:solidFill>
-                  <a:schemeClr val="tx1">
-                    <a:lumMod val="85000"/>
-                  </a:schemeClr>
-                </a:solidFill>
-                <a:effectLst/>
-                <a:latin typeface="Open Sans" panose="020B0606030504020204" pitchFamily="34" charset="0"/>
-              </a:rPr>
-              <a:t> name) {</a:t>
-            </a:r>
-          </a:p>
-          <a:p>
-            <a:pPr algn="l"/>
-            <a:r>
-              <a:rPr lang="en-US" sz="1200" dirty="0">
-                <a:solidFill>
-                  <a:schemeClr val="tx1">
-                    <a:lumMod val="85000"/>
-                  </a:schemeClr>
-                </a:solidFill>
-                <a:latin typeface="Open Sans" panose="020B0606030504020204" pitchFamily="34" charset="0"/>
-              </a:rPr>
-              <a:t>	</a:t>
-            </a:r>
-          </a:p>
-          <a:p>
-            <a:pPr algn="l"/>
-            <a:r>
-              <a:rPr lang="en-US" sz="1200" b="0" i="0" dirty="0">
-                <a:solidFill>
-                  <a:schemeClr val="tx1">
-                    <a:lumMod val="85000"/>
-                  </a:schemeClr>
-                </a:solidFill>
-                <a:effectLst/>
-                <a:latin typeface="Open Sans" panose="020B0606030504020204" pitchFamily="34" charset="0"/>
-              </a:rPr>
-              <a:t>	} catch (</a:t>
-            </a:r>
-            <a:r>
-              <a:rPr lang="en-US" sz="1200" b="0" i="0" dirty="0" err="1">
-                <a:solidFill>
-                  <a:schemeClr val="tx1">
-                    <a:lumMod val="85000"/>
-                  </a:schemeClr>
-                </a:solidFill>
-                <a:effectLst/>
-                <a:latin typeface="Open Sans" panose="020B0606030504020204" pitchFamily="34" charset="0"/>
-              </a:rPr>
-              <a:t>ExceptionType</a:t>
-            </a:r>
-            <a:r>
-              <a:rPr lang="en-US" sz="1200" b="0" i="0" dirty="0">
-                <a:solidFill>
-                  <a:schemeClr val="tx1">
-                    <a:lumMod val="85000"/>
-                  </a:schemeClr>
-                </a:solidFill>
-                <a:effectLst/>
-                <a:latin typeface="Open Sans" panose="020B0606030504020204" pitchFamily="34" charset="0"/>
-              </a:rPr>
-              <a:t> name) {</a:t>
-            </a:r>
-          </a:p>
-          <a:p>
-            <a:pPr algn="l"/>
-            <a:r>
-              <a:rPr lang="en-US" sz="1200" dirty="0">
-                <a:solidFill>
-                  <a:schemeClr val="tx1">
-                    <a:lumMod val="85000"/>
-                  </a:schemeClr>
-                </a:solidFill>
-                <a:latin typeface="Open Sans" panose="020B0606030504020204" pitchFamily="34" charset="0"/>
-              </a:rPr>
-              <a:t>	</a:t>
-            </a:r>
-          </a:p>
-          <a:p>
-            <a:pPr algn="l"/>
-            <a:r>
-              <a:rPr lang="en-US" sz="1200" b="0" i="0" dirty="0">
-                <a:solidFill>
-                  <a:schemeClr val="tx1">
-                    <a:lumMod val="85000"/>
-                  </a:schemeClr>
-                </a:solidFill>
-                <a:effectLst/>
-                <a:latin typeface="Open Sans" panose="020B0606030504020204" pitchFamily="34" charset="0"/>
-              </a:rPr>
-              <a:t>	} finally {</a:t>
-            </a:r>
-          </a:p>
-          <a:p>
-            <a:pPr algn="l"/>
-            <a:r>
-              <a:rPr lang="en-US" sz="1200" dirty="0">
-                <a:solidFill>
-                  <a:schemeClr val="tx1">
-                    <a:lumMod val="85000"/>
-                  </a:schemeClr>
-                </a:solidFill>
-                <a:latin typeface="Open Sans" panose="020B0606030504020204" pitchFamily="34" charset="0"/>
-              </a:rPr>
-              <a:t>	   // Code that always runs when the try block runs even when an Exception occurs</a:t>
-            </a:r>
-          </a:p>
-          <a:p>
-            <a:pPr algn="l"/>
-            <a:r>
-              <a:rPr lang="en-US" sz="1200" b="0" i="0" dirty="0">
-                <a:solidFill>
-                  <a:schemeClr val="tx1">
-                    <a:lumMod val="85000"/>
-                  </a:schemeClr>
-                </a:solidFill>
-                <a:effectLst/>
-                <a:latin typeface="Open Sans" panose="020B0606030504020204" pitchFamily="34" charset="0"/>
-              </a:rPr>
-              <a:t>	}</a:t>
-            </a:r>
-          </a:p>
-          <a:p>
-            <a:pPr algn="l"/>
-            <a:endParaRPr lang="en-US" sz="1200" b="0" i="0" dirty="0">
+                <a:effectLst/>
+                <a:latin typeface="Open Sans" panose="020B0606030504020204" pitchFamily="34" charset="0"/>
+              </a:rPr>
+              <a:t>In Java SE 7 and later, a single catch block can handle more than one type of exception. This feature can reduce code duplication and lessen the temptation to catch an overly broad exception.</a:t>
+            </a:r>
+          </a:p>
+          <a:p>
+            <a:pPr marL="285750" indent="-285750" algn="l">
+              <a:buFont typeface="Arial" panose="020B0604020202020204" pitchFamily="34" charset="0"/>
+              <a:buChar char="•"/>
+            </a:pPr>
+            <a:endParaRPr lang="en-US" b="0" i="0" dirty="0">
               <a:solidFill>
                 <a:schemeClr val="tx1">
                   <a:lumMod val="85000"/>
@@ -8745,71 +9534,29 @@
             </a:endParaRPr>
           </a:p>
           <a:p>
+            <a:pPr marL="742950" lvl="1" indent="-285750">
+              <a:buFont typeface="Arial" panose="020B0604020202020204" pitchFamily="34" charset="0"/>
+              <a:buChar char="•"/>
+            </a:pPr>
+            <a:r>
+              <a:rPr lang="en-US" b="0" i="0" dirty="0">
+                <a:solidFill>
+                  <a:schemeClr val="tx1">
+                    <a:lumMod val="85000"/>
+                  </a:schemeClr>
+                </a:solidFill>
+                <a:effectLst/>
+                <a:latin typeface="Open Sans" panose="020B0606030504020204" pitchFamily="34" charset="0"/>
+              </a:rPr>
+              <a:t>In the catch clause, specify the types of exceptions that block can handle, and separate each exception type with a vertical bar (|):</a:t>
+            </a:r>
+          </a:p>
+          <a:p>
             <a:pPr marL="285750" indent="-285750" algn="l">
               <a:buFont typeface="Arial" panose="020B0604020202020204" pitchFamily="34" charset="0"/>
               <a:buChar char="•"/>
             </a:pPr>
-            <a:r>
-              <a:rPr lang="en-US" sz="1600" b="0" i="0" dirty="0">
-                <a:solidFill>
-                  <a:srgbClr val="00B0F0"/>
-                </a:solidFill>
-                <a:effectLst/>
-                <a:latin typeface="Open Sans" panose="020B0606030504020204" pitchFamily="34" charset="0"/>
-              </a:rPr>
-              <a:t>Each catch block is an exception handler </a:t>
-            </a:r>
-            <a:r>
-              <a:rPr lang="en-US" sz="1600" b="0" i="0" dirty="0">
-                <a:solidFill>
-                  <a:schemeClr val="tx1">
-                    <a:lumMod val="85000"/>
-                  </a:schemeClr>
-                </a:solidFill>
-                <a:effectLst/>
-                <a:latin typeface="Open Sans" panose="020B0606030504020204" pitchFamily="34" charset="0"/>
-              </a:rPr>
-              <a:t>that handles the type of exception indicated by its argument. </a:t>
-            </a:r>
-            <a:r>
-              <a:rPr lang="en-US" sz="1600" b="0" i="0" dirty="0">
-                <a:solidFill>
-                  <a:srgbClr val="00B0F0"/>
-                </a:solidFill>
-                <a:effectLst/>
-                <a:latin typeface="Open Sans" panose="020B0606030504020204" pitchFamily="34" charset="0"/>
-              </a:rPr>
-              <a:t>The argument type, </a:t>
-            </a:r>
-            <a:r>
-              <a:rPr lang="en-US" sz="1600" b="0" i="0" dirty="0" err="1">
-                <a:solidFill>
-                  <a:srgbClr val="00B0F0"/>
-                </a:solidFill>
-                <a:effectLst/>
-                <a:latin typeface="Open Sans" panose="020B0606030504020204" pitchFamily="34" charset="0"/>
-              </a:rPr>
-              <a:t>ExceptionType</a:t>
-            </a:r>
-            <a:r>
-              <a:rPr lang="en-US" sz="1600" b="0" i="0" dirty="0">
-                <a:solidFill>
-                  <a:schemeClr val="tx1">
-                    <a:lumMod val="85000"/>
-                  </a:schemeClr>
-                </a:solidFill>
-                <a:effectLst/>
-                <a:latin typeface="Open Sans" panose="020B0606030504020204" pitchFamily="34" charset="0"/>
-              </a:rPr>
-              <a:t>, declares the type of exception that the handler can handle and must be the name of a class that inherits from the Throwable class. The handler can refer to the exception with name.</a:t>
-            </a:r>
-          </a:p>
-          <a:p>
-            <a:pPr marL="285750" indent="-285750" algn="l">
-              <a:buFont typeface="Arial" panose="020B0604020202020204" pitchFamily="34" charset="0"/>
-              <a:buChar char="•"/>
-            </a:pPr>
-            <a:endParaRPr lang="en-US" sz="1600" b="0" i="0" dirty="0">
+            <a:endParaRPr lang="en-US" b="0" i="0" dirty="0">
               <a:solidFill>
                 <a:schemeClr val="tx1">
                   <a:lumMod val="85000"/>
@@ -8820,75 +9567,149 @@
             </a:endParaRPr>
           </a:p>
           <a:p>
+            <a:pPr algn="l"/>
+            <a:r>
+              <a:rPr lang="en-US" sz="1400" b="0" i="0" dirty="0">
+                <a:solidFill>
+                  <a:schemeClr val="tx1">
+                    <a:lumMod val="85000"/>
+                  </a:schemeClr>
+                </a:solidFill>
+                <a:effectLst/>
+                <a:latin typeface="Open Sans" panose="020B0606030504020204" pitchFamily="34" charset="0"/>
+              </a:rPr>
+              <a:t>	</a:t>
+            </a:r>
+            <a:r>
+              <a:rPr lang="en-US" sz="1400" b="0" i="0" dirty="0">
+                <a:solidFill>
+                  <a:schemeClr val="accent2">
+                    <a:lumMod val="60000"/>
+                    <a:lumOff val="40000"/>
+                  </a:schemeClr>
+                </a:solidFill>
+                <a:effectLst/>
+                <a:latin typeface="Open Sans" panose="020B0606030504020204" pitchFamily="34" charset="0"/>
+              </a:rPr>
+              <a:t>catch (</a:t>
+            </a:r>
+            <a:r>
+              <a:rPr lang="en-US" sz="1400" b="0" i="0" dirty="0" err="1">
+                <a:solidFill>
+                  <a:schemeClr val="accent2">
+                    <a:lumMod val="60000"/>
+                    <a:lumOff val="40000"/>
+                  </a:schemeClr>
+                </a:solidFill>
+                <a:effectLst/>
+                <a:latin typeface="Open Sans" panose="020B0606030504020204" pitchFamily="34" charset="0"/>
+              </a:rPr>
+              <a:t>IOException|SQLException</a:t>
+            </a:r>
+            <a:r>
+              <a:rPr lang="en-US" sz="1400" b="0" i="0" dirty="0">
+                <a:solidFill>
+                  <a:schemeClr val="accent2">
+                    <a:lumMod val="60000"/>
+                    <a:lumOff val="40000"/>
+                  </a:schemeClr>
+                </a:solidFill>
+                <a:effectLst/>
+                <a:latin typeface="Open Sans" panose="020B0606030504020204" pitchFamily="34" charset="0"/>
+              </a:rPr>
+              <a:t> ex) {</a:t>
+            </a:r>
+          </a:p>
+          <a:p>
+            <a:pPr algn="l"/>
+            <a:r>
+              <a:rPr lang="en-US" sz="1400" dirty="0">
+                <a:solidFill>
+                  <a:schemeClr val="accent2">
+                    <a:lumMod val="60000"/>
+                    <a:lumOff val="40000"/>
+                  </a:schemeClr>
+                </a:solidFill>
+                <a:latin typeface="Open Sans" panose="020B0606030504020204" pitchFamily="34" charset="0"/>
+              </a:rPr>
+              <a:t>	   </a:t>
+            </a:r>
+            <a:r>
+              <a:rPr lang="en-US" sz="1400" b="0" i="0" dirty="0">
+                <a:solidFill>
+                  <a:schemeClr val="accent2">
+                    <a:lumMod val="60000"/>
+                    <a:lumOff val="40000"/>
+                  </a:schemeClr>
+                </a:solidFill>
+                <a:effectLst/>
+                <a:latin typeface="Open Sans" panose="020B0606030504020204" pitchFamily="34" charset="0"/>
+              </a:rPr>
+              <a:t>logger.log(ex);</a:t>
+            </a:r>
+          </a:p>
+          <a:p>
+            <a:pPr algn="l"/>
+            <a:r>
+              <a:rPr lang="en-US" sz="1400" dirty="0">
+                <a:solidFill>
+                  <a:schemeClr val="accent2">
+                    <a:lumMod val="60000"/>
+                    <a:lumOff val="40000"/>
+                  </a:schemeClr>
+                </a:solidFill>
+                <a:latin typeface="Open Sans" panose="020B0606030504020204" pitchFamily="34" charset="0"/>
+              </a:rPr>
+              <a:t>	   </a:t>
+            </a:r>
+            <a:r>
+              <a:rPr lang="en-US" sz="1400" b="0" i="0" dirty="0">
+                <a:solidFill>
+                  <a:schemeClr val="accent2">
+                    <a:lumMod val="60000"/>
+                    <a:lumOff val="40000"/>
+                  </a:schemeClr>
+                </a:solidFill>
+                <a:effectLst/>
+                <a:latin typeface="Open Sans" panose="020B0606030504020204" pitchFamily="34" charset="0"/>
+              </a:rPr>
+              <a:t>throw ex;</a:t>
+            </a:r>
+          </a:p>
+          <a:p>
+            <a:pPr algn="l"/>
+            <a:r>
+              <a:rPr lang="en-US" sz="1400" dirty="0">
+                <a:solidFill>
+                  <a:schemeClr val="accent2">
+                    <a:lumMod val="60000"/>
+                    <a:lumOff val="40000"/>
+                  </a:schemeClr>
+                </a:solidFill>
+                <a:latin typeface="Open Sans" panose="020B0606030504020204" pitchFamily="34" charset="0"/>
+              </a:rPr>
+              <a:t>                       </a:t>
+            </a:r>
+            <a:r>
+              <a:rPr lang="en-US" sz="1400" b="0" i="0" dirty="0">
+                <a:solidFill>
+                  <a:schemeClr val="accent2">
+                    <a:lumMod val="60000"/>
+                    <a:lumOff val="40000"/>
+                  </a:schemeClr>
+                </a:solidFill>
+                <a:effectLst/>
+                <a:latin typeface="Open Sans" panose="020B0606030504020204" pitchFamily="34" charset="0"/>
+              </a:rPr>
+              <a:t>}</a:t>
+            </a:r>
+          </a:p>
+          <a:p>
             <a:pPr marL="285750" indent="-285750" algn="l">
               <a:buFont typeface="Arial" panose="020B0604020202020204" pitchFamily="34" charset="0"/>
               <a:buChar char="•"/>
             </a:pPr>
-            <a:r>
-              <a:rPr lang="en-US" sz="1600" b="0" i="0" dirty="0">
-                <a:solidFill>
-                  <a:schemeClr val="tx1">
-                    <a:lumMod val="85000"/>
-                  </a:schemeClr>
-                </a:solidFill>
-                <a:effectLst/>
-                <a:latin typeface="Open Sans" panose="020B0606030504020204" pitchFamily="34" charset="0"/>
-              </a:rPr>
-              <a:t>The catch block </a:t>
-            </a:r>
-            <a:r>
-              <a:rPr lang="en-US" sz="1600" b="0" i="0" dirty="0">
-                <a:solidFill>
-                  <a:srgbClr val="00B0F0"/>
-                </a:solidFill>
-                <a:effectLst/>
-                <a:latin typeface="Open Sans" panose="020B0606030504020204" pitchFamily="34" charset="0"/>
-              </a:rPr>
-              <a:t>contains code that is executed if and when the exception handler is invoked</a:t>
-            </a:r>
-            <a:r>
-              <a:rPr lang="en-US" sz="1600" b="0" i="0" dirty="0">
-                <a:solidFill>
-                  <a:schemeClr val="tx1">
-                    <a:lumMod val="85000"/>
-                  </a:schemeClr>
-                </a:solidFill>
-                <a:effectLst/>
-                <a:latin typeface="Open Sans" panose="020B0606030504020204" pitchFamily="34" charset="0"/>
-              </a:rPr>
-              <a:t>. The runtime system invokes the exception handler when the handler is the first one in the call stack whose </a:t>
-            </a:r>
-            <a:r>
-              <a:rPr lang="en-US" sz="1600" b="0" i="0" dirty="0" err="1">
-                <a:solidFill>
-                  <a:schemeClr val="tx1">
-                    <a:lumMod val="85000"/>
-                  </a:schemeClr>
-                </a:solidFill>
-                <a:effectLst/>
-                <a:latin typeface="Open Sans" panose="020B0606030504020204" pitchFamily="34" charset="0"/>
-              </a:rPr>
-              <a:t>ExceptionType</a:t>
-            </a:r>
-            <a:r>
-              <a:rPr lang="en-US" sz="1600" b="0" i="0" dirty="0">
-                <a:solidFill>
-                  <a:schemeClr val="tx1">
-                    <a:lumMod val="85000"/>
-                  </a:schemeClr>
-                </a:solidFill>
-                <a:effectLst/>
-                <a:latin typeface="Open Sans" panose="020B0606030504020204" pitchFamily="34" charset="0"/>
-              </a:rPr>
-              <a:t> matches the type of the exception thrown. The system considers it a match if the thrown object can legally be assigned to the exception handler's argument.</a:t>
-            </a:r>
-          </a:p>
-          <a:p>
-            <a:pPr marL="285750" indent="-285750" algn="l">
-              <a:buFont typeface="Arial" panose="020B0604020202020204" pitchFamily="34" charset="0"/>
-              <a:buChar char="•"/>
-            </a:pPr>
-            <a:endParaRPr lang="en-US" sz="1600" b="0" i="0" dirty="0">
+            <a:endParaRPr lang="en-US" b="0" i="0" dirty="0">
               <a:solidFill>
                 <a:schemeClr val="tx1">
                   <a:lumMod val="85000"/>
@@ -8903,338 +9724,15 @@
               <a:buFont typeface="Arial" panose="020B0604020202020204" pitchFamily="34" charset="0"/>
               <a:buChar char="•"/>
             </a:pPr>
-            <a:r>
-              <a:rPr lang="en-US" sz="1600" b="0" i="0" dirty="0">
-                <a:solidFill>
-                  <a:schemeClr val="tx1">
-                    <a:lumMod val="85000"/>
-                  </a:schemeClr>
-                </a:solidFill>
-                <a:effectLst/>
-                <a:latin typeface="Open Sans" panose="020B0606030504020204" pitchFamily="34" charset="0"/>
-              </a:rPr>
-              <a:t>The following are two exception handlers for the </a:t>
-            </a:r>
-            <a:r>
-              <a:rPr lang="en-US" sz="1600" b="0" i="0" dirty="0" err="1">
-                <a:solidFill>
-                  <a:schemeClr val="tx1">
-                    <a:lumMod val="85000"/>
-                  </a:schemeClr>
-                </a:solidFill>
-                <a:effectLst/>
-                <a:latin typeface="Open Sans" panose="020B0606030504020204" pitchFamily="34" charset="0"/>
-              </a:rPr>
-              <a:t>writeList</a:t>
-            </a:r>
-            <a:r>
-              <a:rPr lang="en-US" sz="1600" b="0" i="0" dirty="0">
-                <a:solidFill>
-                  <a:schemeClr val="tx1">
-                    <a:lumMod val="85000"/>
-                  </a:schemeClr>
-                </a:solidFill>
-                <a:effectLst/>
-                <a:latin typeface="Open Sans" panose="020B0606030504020204" pitchFamily="34" charset="0"/>
-              </a:rPr>
-              <a:t> method:</a:t>
-            </a:r>
-          </a:p>
-          <a:p>
-            <a:pPr algn="l"/>
-            <a:r>
-              <a:rPr lang="en-US" sz="1100" b="0" i="0" dirty="0">
-                <a:solidFill>
-                  <a:schemeClr val="tx1">
-                    <a:lumMod val="85000"/>
-                  </a:schemeClr>
-                </a:solidFill>
-                <a:effectLst/>
-                <a:latin typeface="Open Sans" panose="020B0606030504020204" pitchFamily="34" charset="0"/>
-              </a:rPr>
-              <a:t>	try {</a:t>
-            </a:r>
-          </a:p>
-          <a:p>
-            <a:pPr lvl="2"/>
-            <a:r>
-              <a:rPr lang="en-US" sz="1100" b="0" i="0" dirty="0">
-                <a:solidFill>
-                  <a:schemeClr val="tx1">
-                    <a:lumMod val="85000"/>
-                  </a:schemeClr>
-                </a:solidFill>
-                <a:effectLst/>
-                <a:latin typeface="Open Sans" panose="020B0606030504020204" pitchFamily="34" charset="0"/>
-              </a:rPr>
-              <a:t>   // Do something</a:t>
-            </a:r>
-          </a:p>
-          <a:p>
-            <a:pPr lvl="2"/>
-            <a:r>
-              <a:rPr lang="en-US" sz="1100" b="0" i="0" dirty="0">
-                <a:solidFill>
-                  <a:schemeClr val="tx1">
-                    <a:lumMod val="85000"/>
-                  </a:schemeClr>
-                </a:solidFill>
-                <a:effectLst/>
-                <a:latin typeface="Open Sans" panose="020B0606030504020204" pitchFamily="34" charset="0"/>
-              </a:rPr>
-              <a:t>} catch (</a:t>
-            </a:r>
-            <a:r>
-              <a:rPr lang="en-US" sz="1100" b="0" i="0" dirty="0" err="1">
-                <a:solidFill>
-                  <a:schemeClr val="tx1">
-                    <a:lumMod val="85000"/>
-                  </a:schemeClr>
-                </a:solidFill>
-                <a:effectLst/>
-                <a:latin typeface="Open Sans" panose="020B0606030504020204" pitchFamily="34" charset="0"/>
-              </a:rPr>
-              <a:t>IndexOutOfBoundsException</a:t>
-            </a:r>
-            <a:r>
-              <a:rPr lang="en-US" sz="1100" b="0" i="0" dirty="0">
-                <a:solidFill>
-                  <a:schemeClr val="tx1">
-                    <a:lumMod val="85000"/>
-                  </a:schemeClr>
-                </a:solidFill>
-                <a:effectLst/>
-                <a:latin typeface="Open Sans" panose="020B0606030504020204" pitchFamily="34" charset="0"/>
-              </a:rPr>
-              <a:t> e) {</a:t>
-            </a:r>
-          </a:p>
-          <a:p>
-            <a:pPr lvl="2"/>
-            <a:r>
-              <a:rPr lang="en-US" sz="1100" b="0" i="0" dirty="0">
-                <a:solidFill>
-                  <a:schemeClr val="tx1">
-                    <a:lumMod val="85000"/>
-                  </a:schemeClr>
-                </a:solidFill>
-                <a:effectLst/>
-                <a:latin typeface="Open Sans" panose="020B0606030504020204" pitchFamily="34" charset="0"/>
-              </a:rPr>
-              <a:t>   </a:t>
-            </a:r>
-            <a:r>
-              <a:rPr lang="en-US" sz="1100" b="0" i="0" dirty="0" err="1">
-                <a:solidFill>
-                  <a:schemeClr val="tx1">
-                    <a:lumMod val="85000"/>
-                  </a:schemeClr>
-                </a:solidFill>
-                <a:effectLst/>
-                <a:latin typeface="Open Sans" panose="020B0606030504020204" pitchFamily="34" charset="0"/>
-              </a:rPr>
-              <a:t>System.err.println</a:t>
-            </a:r>
-            <a:r>
-              <a:rPr lang="en-US" sz="1100" b="0" i="0" dirty="0">
-                <a:solidFill>
-                  <a:schemeClr val="tx1">
-                    <a:lumMod val="85000"/>
-                  </a:schemeClr>
-                </a:solidFill>
-                <a:effectLst/>
-                <a:latin typeface="Open Sans" panose="020B0606030504020204" pitchFamily="34" charset="0"/>
-              </a:rPr>
-              <a:t>("</a:t>
-            </a:r>
-            <a:r>
-              <a:rPr lang="en-US" sz="1100" b="0" i="0" dirty="0" err="1">
-                <a:solidFill>
-                  <a:schemeClr val="tx1">
-                    <a:lumMod val="85000"/>
-                  </a:schemeClr>
-                </a:solidFill>
-                <a:effectLst/>
-                <a:latin typeface="Open Sans" panose="020B0606030504020204" pitchFamily="34" charset="0"/>
-              </a:rPr>
-              <a:t>IndexOutOfBoundsException</a:t>
-            </a:r>
-            <a:r>
-              <a:rPr lang="en-US" sz="1100" b="0" i="0" dirty="0">
-                <a:solidFill>
-                  <a:schemeClr val="tx1">
-                    <a:lumMod val="85000"/>
-                  </a:schemeClr>
-                </a:solidFill>
-                <a:effectLst/>
-                <a:latin typeface="Open Sans" panose="020B0606030504020204" pitchFamily="34" charset="0"/>
-              </a:rPr>
-              <a:t>: " + </a:t>
-            </a:r>
-            <a:r>
-              <a:rPr lang="en-US" sz="1100" b="0" i="0" dirty="0" err="1">
-                <a:solidFill>
-                  <a:schemeClr val="tx1">
-                    <a:lumMod val="85000"/>
-                  </a:schemeClr>
-                </a:solidFill>
-                <a:effectLst/>
-                <a:latin typeface="Open Sans" panose="020B0606030504020204" pitchFamily="34" charset="0"/>
-              </a:rPr>
-              <a:t>e.getMessage</a:t>
-            </a:r>
-            <a:r>
-              <a:rPr lang="en-US" sz="1100" b="0" i="0" dirty="0">
-                <a:solidFill>
-                  <a:schemeClr val="tx1">
-                    <a:lumMod val="85000"/>
-                  </a:schemeClr>
-                </a:solidFill>
-                <a:effectLst/>
-                <a:latin typeface="Open Sans" panose="020B0606030504020204" pitchFamily="34" charset="0"/>
-              </a:rPr>
-              <a:t>());</a:t>
-            </a:r>
-          </a:p>
-          <a:p>
-            <a:pPr lvl="2"/>
-            <a:r>
-              <a:rPr lang="en-US" sz="1100" b="0" i="0" dirty="0">
-                <a:solidFill>
-                  <a:schemeClr val="tx1">
-                    <a:lumMod val="85000"/>
-                  </a:schemeClr>
-                </a:solidFill>
-                <a:effectLst/>
-                <a:latin typeface="Open Sans" panose="020B0606030504020204" pitchFamily="34" charset="0"/>
-              </a:rPr>
-              <a:t>} catch (</a:t>
-            </a:r>
-            <a:r>
-              <a:rPr lang="en-US" sz="1100" b="0" i="0" dirty="0" err="1">
-                <a:solidFill>
-                  <a:schemeClr val="tx1">
-                    <a:lumMod val="85000"/>
-                  </a:schemeClr>
-                </a:solidFill>
-                <a:effectLst/>
-                <a:latin typeface="Open Sans" panose="020B0606030504020204" pitchFamily="34" charset="0"/>
-              </a:rPr>
-              <a:t>IOException</a:t>
-            </a:r>
-            <a:r>
-              <a:rPr lang="en-US" sz="1100" b="0" i="0" dirty="0">
-                <a:solidFill>
-                  <a:schemeClr val="tx1">
-                    <a:lumMod val="85000"/>
-                  </a:schemeClr>
-                </a:solidFill>
-                <a:effectLst/>
-                <a:latin typeface="Open Sans" panose="020B0606030504020204" pitchFamily="34" charset="0"/>
-              </a:rPr>
-              <a:t> e) </a:t>
-            </a:r>
-          </a:p>
-          <a:p>
-            <a:pPr lvl="2"/>
-            <a:r>
-              <a:rPr lang="en-US" sz="1100" dirty="0">
-                <a:solidFill>
-                  <a:schemeClr val="tx1">
-                    <a:lumMod val="85000"/>
-                  </a:schemeClr>
-                </a:solidFill>
-                <a:latin typeface="Open Sans" panose="020B0606030504020204" pitchFamily="34" charset="0"/>
-              </a:rPr>
-              <a:t>   </a:t>
-            </a:r>
-            <a:r>
-              <a:rPr lang="en-US" sz="1100" b="0" i="0" dirty="0" err="1">
-                <a:solidFill>
-                  <a:schemeClr val="tx1">
-                    <a:lumMod val="85000"/>
-                  </a:schemeClr>
-                </a:solidFill>
-                <a:effectLst/>
-                <a:latin typeface="Open Sans" panose="020B0606030504020204" pitchFamily="34" charset="0"/>
-              </a:rPr>
-              <a:t>System.err.println</a:t>
-            </a:r>
-            <a:r>
-              <a:rPr lang="en-US" sz="1100" b="0" i="0" dirty="0">
-                <a:solidFill>
-                  <a:schemeClr val="tx1">
-                    <a:lumMod val="85000"/>
-                  </a:schemeClr>
-                </a:solidFill>
-                <a:effectLst/>
-                <a:latin typeface="Open Sans" panose="020B0606030504020204" pitchFamily="34" charset="0"/>
-              </a:rPr>
-              <a:t>("Caught </a:t>
-            </a:r>
-            <a:r>
-              <a:rPr lang="en-US" sz="1100" b="0" i="0" dirty="0" err="1">
-                <a:solidFill>
-                  <a:schemeClr val="tx1">
-                    <a:lumMod val="85000"/>
-                  </a:schemeClr>
-                </a:solidFill>
-                <a:effectLst/>
-                <a:latin typeface="Open Sans" panose="020B0606030504020204" pitchFamily="34" charset="0"/>
-              </a:rPr>
-              <a:t>IOException</a:t>
-            </a:r>
-            <a:r>
-              <a:rPr lang="en-US" sz="1100" b="0" i="0" dirty="0">
-                <a:solidFill>
-                  <a:schemeClr val="tx1">
-                    <a:lumMod val="85000"/>
-                  </a:schemeClr>
-                </a:solidFill>
-                <a:effectLst/>
-                <a:latin typeface="Open Sans" panose="020B0606030504020204" pitchFamily="34" charset="0"/>
-              </a:rPr>
-              <a:t>: " + </a:t>
-            </a:r>
-            <a:r>
-              <a:rPr lang="en-US" sz="1100" b="0" i="0" dirty="0" err="1">
-                <a:solidFill>
-                  <a:schemeClr val="tx1">
-                    <a:lumMod val="85000"/>
-                  </a:schemeClr>
-                </a:solidFill>
-                <a:effectLst/>
-                <a:latin typeface="Open Sans" panose="020B0606030504020204" pitchFamily="34" charset="0"/>
-              </a:rPr>
-              <a:t>e.getMessage</a:t>
-            </a:r>
-            <a:r>
-              <a:rPr lang="en-US" sz="1100" b="0" i="0" dirty="0">
-                <a:solidFill>
-                  <a:schemeClr val="tx1">
-                    <a:lumMod val="85000"/>
-                  </a:schemeClr>
-                </a:solidFill>
-                <a:effectLst/>
-                <a:latin typeface="Open Sans" panose="020B0606030504020204" pitchFamily="34" charset="0"/>
-              </a:rPr>
-              <a:t>());</a:t>
-            </a:r>
-          </a:p>
-          <a:p>
-            <a:pPr lvl="2"/>
-            <a:r>
-              <a:rPr lang="en-US" sz="1100" b="0" i="0" dirty="0">
-                <a:solidFill>
-                  <a:schemeClr val="tx1">
-                    <a:lumMod val="85000"/>
-                  </a:schemeClr>
-                </a:solidFill>
-                <a:effectLst/>
-                <a:latin typeface="Open Sans" panose="020B0606030504020204" pitchFamily="34" charset="0"/>
-              </a:rPr>
-              <a:t>}</a:t>
-            </a:r>
+            <a:endParaRPr lang="en-US" b="0" i="0" dirty="0">
+              <a:solidFill>
+                <a:schemeClr val="tx1">
+                  <a:lumMod val="85000"/>
+                </a:schemeClr>
+              </a:solidFill>
+              <a:effectLst/>
+              <a:latin typeface="Open Sans" panose="020B0606030504020204" pitchFamily="34" charset="0"/>
+            </a:endParaRPr>
           </a:p>
         </p:txBody>
       </p:sp>
@@ -9243,7 +9741,7 @@
           <p:cNvPr id="2" name="TextBox 1">
             <a:extLst>
               <a:ext uri="{FF2B5EF4-FFF2-40B4-BE49-F238E27FC236}">
-                <a16:creationId xmlns:a16="http://schemas.microsoft.com/office/drawing/2014/main" id="{05E39B88-6490-5C54-C767-A0E91A8F373F}"/>
+                <a16:creationId xmlns:a16="http://schemas.microsoft.com/office/drawing/2014/main" id="{2292BC77-EAED-98AF-CC12-6B2F561FA457}"/>
               </a:ext>
             </a:extLst>
           </p:cNvPr>
@@ -9252,8 +9750,8 @@
         </p:nvSpPr>
         <p:spPr>
           <a:xfrm>
-            <a:off x="5553511" y="6427531"/>
-            <a:ext cx="6842443" cy="338554"/>
+            <a:off x="4679424" y="6273448"/>
+            <a:ext cx="7540362" cy="369332"/>
           </a:xfrm>
           <a:prstGeom prst="rect">
             <a:avLst/>
@@ -9267,19 +9765,19 @@
           <a:lstStyle/>
           <a:p>
             <a:r>
-              <a:rPr lang="en-US" sz="1600" dirty="0">
+              <a:rPr lang="en-US" dirty="0">
                 <a:hlinkClick r:id="rId2"/>
               </a:rPr>
               <a:t>https://github.com/ckiefriter1/Java-Code-Examples/tree/main/src/exceptions</a:t>
             </a:r>
-            <a:endParaRPr lang="en-US" sz="1600" dirty="0"/>
+            <a:endParaRPr lang="en-US" dirty="0"/>
           </a:p>
         </p:txBody>
       </p:sp>
     </p:spTree>
     <p:extLst>
       <p:ext uri="{BB962C8B-B14F-4D97-AF65-F5344CB8AC3E}">
-        <p14:creationId xmlns:p14="http://schemas.microsoft.com/office/powerpoint/2010/main" val="12263916"/>
+        <p14:creationId xmlns:p14="http://schemas.microsoft.com/office/powerpoint/2010/main" val="2285577035"/>
       </p:ext>
     </p:extLst>
   </p:cSld>
@@ -9381,7 +9879,7 @@
         <p:spPr>
           <a:xfrm>
             <a:off x="176169" y="729420"/>
-            <a:ext cx="11931637" cy="4555093"/>
+            <a:ext cx="11931637" cy="4524315"/>
           </a:xfrm>
           <a:prstGeom prst="rect">
             <a:avLst/>
@@ -9399,36 +9897,15 @@
               <a:buChar char="•"/>
             </a:pPr>
             <a:r>
-              <a:rPr lang="en-US" b="0" i="0" dirty="0">
-                <a:solidFill>
-                  <a:srgbClr val="00B0F0"/>
-                </a:solidFill>
-                <a:effectLst/>
-                <a:latin typeface="Open Sans" panose="020B0606030504020204" pitchFamily="34" charset="0"/>
-              </a:rPr>
-              <a:t>Exception handlers can do more than just print error messages or halt the program</a:t>
-            </a:r>
-            <a:r>
-              <a:rPr lang="en-US" b="0" i="0" dirty="0">
+              <a:rPr lang="en-US" dirty="0">
                 <a:solidFill>
                   <a:schemeClr val="tx1">
                     <a:lumMod val="85000"/>
                   </a:schemeClr>
                 </a:solidFill>
-                <a:effectLst/>
-                <a:latin typeface="Open Sans" panose="020B0606030504020204" pitchFamily="34" charset="0"/>
-              </a:rPr>
-              <a:t>. They can do error recovery, prompt the user to make a decision, or propagate the error up to a higher-level handler using chained exceptions, as described in the </a:t>
-            </a:r>
-            <a:r>
-              <a:rPr lang="en-US" b="0" i="0" dirty="0">
-                <a:solidFill>
-                  <a:srgbClr val="00B0F0"/>
-                </a:solidFill>
-                <a:effectLst/>
-                <a:latin typeface="Open Sans" panose="020B0606030504020204" pitchFamily="34" charset="0"/>
-              </a:rPr>
-              <a:t>Chained Exceptions </a:t>
+                <a:latin typeface="Open Sans" panose="020B0606030504020204" pitchFamily="34" charset="0"/>
+              </a:rPr>
+              <a:t>Y</a:t>
             </a:r>
             <a:r>
               <a:rPr lang="en-US" b="0" i="0" dirty="0">
@@ -9440,7 +9917,29 @@
                 <a:effectLst/>
                 <a:latin typeface="Open Sans" panose="020B0606030504020204" pitchFamily="34" charset="0"/>
               </a:rPr>
-              <a:t>section.</a:t>
+              <a:t>ou can use a </a:t>
+            </a:r>
+            <a:r>
+              <a:rPr lang="en-US" b="0" i="0" dirty="0">
+                <a:solidFill>
+                  <a:srgbClr val="00B0F0"/>
+                </a:solidFill>
+                <a:effectLst/>
+                <a:latin typeface="Open Sans" panose="020B0606030504020204" pitchFamily="34" charset="0"/>
+              </a:rPr>
+              <a:t>finally block</a:t>
+            </a:r>
+            <a:r>
+              <a:rPr lang="en-US" b="0" i="0" dirty="0">
+                <a:solidFill>
+                  <a:schemeClr val="tx1">
+                    <a:lumMod val="85000"/>
+                  </a:schemeClr>
+                </a:solidFill>
+                <a:effectLst/>
+                <a:latin typeface="Open Sans" panose="020B0606030504020204" pitchFamily="34" charset="0"/>
+              </a:rPr>
+              <a:t> to ensure that a resource is closed regardless of whether the try statement completes normally or abruptly. The following example uses a finally block instead of a try-with-resources statement:</a:t>
             </a:r>
           </a:p>
           <a:p>
@@ -9459,10 +9958,7 @@
             </a:endParaRPr>
           </a:p>
           <a:p>
-            <a:pPr marL="285750" indent="-285750" algn="l">
-              <a:buFont typeface="Arial" panose="020B0604020202020204" pitchFamily="34" charset="0"/>
-              <a:buChar char="•"/>
-            </a:pPr>
+            <a:pPr algn="l"/>
             <a:r>
               <a:rPr lang="en-US" b="0" i="0" dirty="0">
                 <a:solidFill>
@@ -9473,25 +9969,559 @@
                 <a:effectLst/>
                 <a:latin typeface="Open Sans" panose="020B0606030504020204" pitchFamily="34" charset="0"/>
               </a:rPr>
-              <a:t>Catching More Than One Type of Exception with One Exception Handler</a:t>
-            </a:r>
-          </a:p>
-          <a:p>
-            <a:pPr marL="742950" lvl="1" indent="-285750">
-              <a:buFont typeface="Arial" panose="020B0604020202020204" pitchFamily="34" charset="0"/>
-              <a:buChar char="•"/>
-            </a:pPr>
+              <a:t>   </a:t>
+            </a:r>
             <a:r>
               <a:rPr lang="en-US" b="0" i="0" dirty="0">
                 <a:solidFill>
-                  <a:schemeClr val="tx1">
-                    <a:lumMod val="85000"/>
-                  </a:schemeClr>
-                </a:solidFill>
-                <a:effectLst/>
-                <a:latin typeface="Open Sans" panose="020B0606030504020204" pitchFamily="34" charset="0"/>
-              </a:rPr>
-              <a:t>In Java SE 7 and later, a single catch block can handle more than one type of exception. This feature can reduce code duplication and lessen the temptation to catch an overly broad exception.</a:t>
+                  <a:schemeClr val="accent2">
+                    <a:lumMod val="60000"/>
+                    <a:lumOff val="40000"/>
+                  </a:schemeClr>
+                </a:solidFill>
+                <a:effectLst/>
+                <a:latin typeface="Arial" panose="020B0604020202020204" pitchFamily="34" charset="0"/>
+                <a:cs typeface="Arial" panose="020B0604020202020204" pitchFamily="34" charset="0"/>
+              </a:rPr>
+              <a:t>static String </a:t>
+            </a:r>
+            <a:r>
+              <a:rPr lang="en-US" b="0" i="0" dirty="0" err="1">
+                <a:solidFill>
+                  <a:schemeClr val="accent2">
+                    <a:lumMod val="60000"/>
+                    <a:lumOff val="40000"/>
+                  </a:schemeClr>
+                </a:solidFill>
+                <a:effectLst/>
+                <a:latin typeface="Arial" panose="020B0604020202020204" pitchFamily="34" charset="0"/>
+                <a:cs typeface="Arial" panose="020B0604020202020204" pitchFamily="34" charset="0"/>
+              </a:rPr>
+              <a:t>readFirstLineFromFileWithFinallyBlock</a:t>
+            </a:r>
+            <a:r>
+              <a:rPr lang="en-US" b="0" i="0" dirty="0">
+                <a:solidFill>
+                  <a:schemeClr val="accent2">
+                    <a:lumMod val="60000"/>
+                    <a:lumOff val="40000"/>
+                  </a:schemeClr>
+                </a:solidFill>
+                <a:effectLst/>
+                <a:latin typeface="Arial" panose="020B0604020202020204" pitchFamily="34" charset="0"/>
+                <a:cs typeface="Arial" panose="020B0604020202020204" pitchFamily="34" charset="0"/>
+              </a:rPr>
+              <a:t>(String path) throws </a:t>
+            </a:r>
+            <a:r>
+              <a:rPr lang="en-US" b="0" i="0" dirty="0" err="1">
+                <a:solidFill>
+                  <a:schemeClr val="accent2">
+                    <a:lumMod val="60000"/>
+                    <a:lumOff val="40000"/>
+                  </a:schemeClr>
+                </a:solidFill>
+                <a:effectLst/>
+                <a:latin typeface="Arial" panose="020B0604020202020204" pitchFamily="34" charset="0"/>
+                <a:cs typeface="Arial" panose="020B0604020202020204" pitchFamily="34" charset="0"/>
+              </a:rPr>
+              <a:t>IOException</a:t>
+            </a:r>
+            <a:r>
+              <a:rPr lang="en-US" b="0" i="0" dirty="0">
+                <a:solidFill>
+                  <a:schemeClr val="accent2">
+                    <a:lumMod val="60000"/>
+                    <a:lumOff val="40000"/>
+                  </a:schemeClr>
+                </a:solidFill>
+                <a:effectLst/>
+                <a:latin typeface="Arial" panose="020B0604020202020204" pitchFamily="34" charset="0"/>
+                <a:cs typeface="Arial" panose="020B0604020202020204" pitchFamily="34" charset="0"/>
+              </a:rPr>
+              <a:t> {</a:t>
+            </a:r>
+          </a:p>
+          <a:p>
+            <a:pPr algn="l"/>
+            <a:r>
+              <a:rPr lang="en-US" b="0" i="0" dirty="0">
+                <a:solidFill>
+                  <a:schemeClr val="accent2">
+                    <a:lumMod val="60000"/>
+                    <a:lumOff val="40000"/>
+                  </a:schemeClr>
+                </a:solidFill>
+                <a:effectLst/>
+                <a:latin typeface="Arial" panose="020B0604020202020204" pitchFamily="34" charset="0"/>
+                <a:cs typeface="Arial" panose="020B0604020202020204" pitchFamily="34" charset="0"/>
+              </a:rPr>
+              <a:t>	</a:t>
+            </a:r>
+            <a:r>
+              <a:rPr lang="en-US" b="0" i="0" dirty="0" err="1">
+                <a:solidFill>
+                  <a:schemeClr val="accent2">
+                    <a:lumMod val="60000"/>
+                    <a:lumOff val="40000"/>
+                  </a:schemeClr>
+                </a:solidFill>
+                <a:effectLst/>
+                <a:latin typeface="Arial" panose="020B0604020202020204" pitchFamily="34" charset="0"/>
+                <a:cs typeface="Arial" panose="020B0604020202020204" pitchFamily="34" charset="0"/>
+              </a:rPr>
+              <a:t>FileReader</a:t>
+            </a:r>
+            <a:r>
+              <a:rPr lang="en-US" b="0" i="0" dirty="0">
+                <a:solidFill>
+                  <a:schemeClr val="accent2">
+                    <a:lumMod val="60000"/>
+                    <a:lumOff val="40000"/>
+                  </a:schemeClr>
+                </a:solidFill>
+                <a:effectLst/>
+                <a:latin typeface="Arial" panose="020B0604020202020204" pitchFamily="34" charset="0"/>
+                <a:cs typeface="Arial" panose="020B0604020202020204" pitchFamily="34" charset="0"/>
+              </a:rPr>
+              <a:t> </a:t>
+            </a:r>
+            <a:r>
+              <a:rPr lang="en-US" b="0" i="0" dirty="0" err="1">
+                <a:solidFill>
+                  <a:schemeClr val="accent2">
+                    <a:lumMod val="60000"/>
+                    <a:lumOff val="40000"/>
+                  </a:schemeClr>
+                </a:solidFill>
+                <a:effectLst/>
+                <a:latin typeface="Arial" panose="020B0604020202020204" pitchFamily="34" charset="0"/>
+                <a:cs typeface="Arial" panose="020B0604020202020204" pitchFamily="34" charset="0"/>
+              </a:rPr>
+              <a:t>fr</a:t>
+            </a:r>
+            <a:r>
+              <a:rPr lang="en-US" b="0" i="0" dirty="0">
+                <a:solidFill>
+                  <a:schemeClr val="accent2">
+                    <a:lumMod val="60000"/>
+                    <a:lumOff val="40000"/>
+                  </a:schemeClr>
+                </a:solidFill>
+                <a:effectLst/>
+                <a:latin typeface="Arial" panose="020B0604020202020204" pitchFamily="34" charset="0"/>
+                <a:cs typeface="Arial" panose="020B0604020202020204" pitchFamily="34" charset="0"/>
+              </a:rPr>
+              <a:t> = new </a:t>
+            </a:r>
+            <a:r>
+              <a:rPr lang="en-US" b="0" i="0" dirty="0" err="1">
+                <a:solidFill>
+                  <a:schemeClr val="accent2">
+                    <a:lumMod val="60000"/>
+                    <a:lumOff val="40000"/>
+                  </a:schemeClr>
+                </a:solidFill>
+                <a:effectLst/>
+                <a:latin typeface="Arial" panose="020B0604020202020204" pitchFamily="34" charset="0"/>
+                <a:cs typeface="Arial" panose="020B0604020202020204" pitchFamily="34" charset="0"/>
+              </a:rPr>
+              <a:t>FileReader</a:t>
+            </a:r>
+            <a:r>
+              <a:rPr lang="en-US" b="0" i="0" dirty="0">
+                <a:solidFill>
+                  <a:schemeClr val="accent2">
+                    <a:lumMod val="60000"/>
+                    <a:lumOff val="40000"/>
+                  </a:schemeClr>
+                </a:solidFill>
+                <a:effectLst/>
+                <a:latin typeface="Arial" panose="020B0604020202020204" pitchFamily="34" charset="0"/>
+                <a:cs typeface="Arial" panose="020B0604020202020204" pitchFamily="34" charset="0"/>
+              </a:rPr>
+              <a:t>(path);</a:t>
+            </a:r>
+          </a:p>
+          <a:p>
+            <a:pPr algn="l"/>
+            <a:r>
+              <a:rPr lang="en-US" dirty="0">
+                <a:solidFill>
+                  <a:schemeClr val="accent2">
+                    <a:lumMod val="60000"/>
+                    <a:lumOff val="40000"/>
+                  </a:schemeClr>
+                </a:solidFill>
+                <a:latin typeface="Arial" panose="020B0604020202020204" pitchFamily="34" charset="0"/>
+                <a:cs typeface="Arial" panose="020B0604020202020204" pitchFamily="34" charset="0"/>
+              </a:rPr>
+              <a:t>	</a:t>
+            </a:r>
+            <a:r>
+              <a:rPr lang="en-US" b="0" i="0" dirty="0" err="1">
+                <a:solidFill>
+                  <a:schemeClr val="accent2">
+                    <a:lumMod val="60000"/>
+                    <a:lumOff val="40000"/>
+                  </a:schemeClr>
+                </a:solidFill>
+                <a:effectLst/>
+                <a:latin typeface="Arial" panose="020B0604020202020204" pitchFamily="34" charset="0"/>
+                <a:cs typeface="Arial" panose="020B0604020202020204" pitchFamily="34" charset="0"/>
+              </a:rPr>
+              <a:t>BufferedReader</a:t>
+            </a:r>
+            <a:r>
+              <a:rPr lang="en-US" b="0" i="0" dirty="0">
+                <a:solidFill>
+                  <a:schemeClr val="accent2">
+                    <a:lumMod val="60000"/>
+                    <a:lumOff val="40000"/>
+                  </a:schemeClr>
+                </a:solidFill>
+                <a:effectLst/>
+                <a:latin typeface="Arial" panose="020B0604020202020204" pitchFamily="34" charset="0"/>
+                <a:cs typeface="Arial" panose="020B0604020202020204" pitchFamily="34" charset="0"/>
+              </a:rPr>
+              <a:t> </a:t>
+            </a:r>
+            <a:r>
+              <a:rPr lang="en-US" b="0" i="0" dirty="0" err="1">
+                <a:solidFill>
+                  <a:schemeClr val="accent2">
+                    <a:lumMod val="60000"/>
+                    <a:lumOff val="40000"/>
+                  </a:schemeClr>
+                </a:solidFill>
+                <a:effectLst/>
+                <a:latin typeface="Arial" panose="020B0604020202020204" pitchFamily="34" charset="0"/>
+                <a:cs typeface="Arial" panose="020B0604020202020204" pitchFamily="34" charset="0"/>
+              </a:rPr>
+              <a:t>br</a:t>
+            </a:r>
+            <a:r>
+              <a:rPr lang="en-US" b="0" i="0" dirty="0">
+                <a:solidFill>
+                  <a:schemeClr val="accent2">
+                    <a:lumMod val="60000"/>
+                    <a:lumOff val="40000"/>
+                  </a:schemeClr>
+                </a:solidFill>
+                <a:effectLst/>
+                <a:latin typeface="Arial" panose="020B0604020202020204" pitchFamily="34" charset="0"/>
+                <a:cs typeface="Arial" panose="020B0604020202020204" pitchFamily="34" charset="0"/>
+              </a:rPr>
+              <a:t> = new </a:t>
+            </a:r>
+            <a:r>
+              <a:rPr lang="en-US" b="0" i="0" dirty="0" err="1">
+                <a:solidFill>
+                  <a:schemeClr val="accent2">
+                    <a:lumMod val="60000"/>
+                    <a:lumOff val="40000"/>
+                  </a:schemeClr>
+                </a:solidFill>
+                <a:effectLst/>
+                <a:latin typeface="Arial" panose="020B0604020202020204" pitchFamily="34" charset="0"/>
+                <a:cs typeface="Arial" panose="020B0604020202020204" pitchFamily="34" charset="0"/>
+              </a:rPr>
+              <a:t>BufferedReader</a:t>
+            </a:r>
+            <a:r>
+              <a:rPr lang="en-US" b="0" i="0" dirty="0">
+                <a:solidFill>
+                  <a:schemeClr val="accent2">
+                    <a:lumMod val="60000"/>
+                    <a:lumOff val="40000"/>
+                  </a:schemeClr>
+                </a:solidFill>
+                <a:effectLst/>
+                <a:latin typeface="Arial" panose="020B0604020202020204" pitchFamily="34" charset="0"/>
+                <a:cs typeface="Arial" panose="020B0604020202020204" pitchFamily="34" charset="0"/>
+              </a:rPr>
+              <a:t>(</a:t>
+            </a:r>
+            <a:r>
+              <a:rPr lang="en-US" b="0" i="0" dirty="0" err="1">
+                <a:solidFill>
+                  <a:schemeClr val="accent2">
+                    <a:lumMod val="60000"/>
+                    <a:lumOff val="40000"/>
+                  </a:schemeClr>
+                </a:solidFill>
+                <a:effectLst/>
+                <a:latin typeface="Arial" panose="020B0604020202020204" pitchFamily="34" charset="0"/>
+                <a:cs typeface="Arial" panose="020B0604020202020204" pitchFamily="34" charset="0"/>
+              </a:rPr>
+              <a:t>fr</a:t>
+            </a:r>
+            <a:r>
+              <a:rPr lang="en-US" b="0" i="0" dirty="0">
+                <a:solidFill>
+                  <a:schemeClr val="accent2">
+                    <a:lumMod val="60000"/>
+                    <a:lumOff val="40000"/>
+                  </a:schemeClr>
+                </a:solidFill>
+                <a:effectLst/>
+                <a:latin typeface="Arial" panose="020B0604020202020204" pitchFamily="34" charset="0"/>
+                <a:cs typeface="Arial" panose="020B0604020202020204" pitchFamily="34" charset="0"/>
+              </a:rPr>
+              <a:t>);</a:t>
+            </a:r>
+          </a:p>
+          <a:p>
+            <a:pPr algn="l"/>
+            <a:r>
+              <a:rPr lang="en-US" dirty="0">
+                <a:solidFill>
+                  <a:schemeClr val="accent2">
+                    <a:lumMod val="60000"/>
+                    <a:lumOff val="40000"/>
+                  </a:schemeClr>
+                </a:solidFill>
+                <a:latin typeface="Arial" panose="020B0604020202020204" pitchFamily="34" charset="0"/>
+                <a:cs typeface="Arial" panose="020B0604020202020204" pitchFamily="34" charset="0"/>
+              </a:rPr>
+              <a:t>	</a:t>
+            </a:r>
+            <a:r>
+              <a:rPr lang="en-US" b="0" i="0" dirty="0">
+                <a:solidFill>
+                  <a:schemeClr val="accent2">
+                    <a:lumMod val="60000"/>
+                    <a:lumOff val="40000"/>
+                  </a:schemeClr>
+                </a:solidFill>
+                <a:effectLst/>
+                <a:latin typeface="Arial" panose="020B0604020202020204" pitchFamily="34" charset="0"/>
+                <a:cs typeface="Arial" panose="020B0604020202020204" pitchFamily="34" charset="0"/>
+              </a:rPr>
+              <a:t>try {</a:t>
+            </a:r>
+          </a:p>
+          <a:p>
+            <a:pPr algn="l"/>
+            <a:r>
+              <a:rPr lang="en-US" dirty="0">
+                <a:solidFill>
+                  <a:schemeClr val="accent2">
+                    <a:lumMod val="60000"/>
+                    <a:lumOff val="40000"/>
+                  </a:schemeClr>
+                </a:solidFill>
+                <a:latin typeface="Arial" panose="020B0604020202020204" pitchFamily="34" charset="0"/>
+                <a:cs typeface="Arial" panose="020B0604020202020204" pitchFamily="34" charset="0"/>
+              </a:rPr>
+              <a:t>	   </a:t>
+            </a:r>
+            <a:r>
+              <a:rPr lang="en-US" b="0" i="0" dirty="0">
+                <a:solidFill>
+                  <a:schemeClr val="accent2">
+                    <a:lumMod val="60000"/>
+                    <a:lumOff val="40000"/>
+                  </a:schemeClr>
+                </a:solidFill>
+                <a:effectLst/>
+                <a:latin typeface="Arial" panose="020B0604020202020204" pitchFamily="34" charset="0"/>
+                <a:cs typeface="Arial" panose="020B0604020202020204" pitchFamily="34" charset="0"/>
+              </a:rPr>
+              <a:t>return </a:t>
+            </a:r>
+            <a:r>
+              <a:rPr lang="en-US" b="0" i="0" dirty="0" err="1">
+                <a:solidFill>
+                  <a:schemeClr val="accent2">
+                    <a:lumMod val="60000"/>
+                    <a:lumOff val="40000"/>
+                  </a:schemeClr>
+                </a:solidFill>
+                <a:effectLst/>
+                <a:latin typeface="Arial" panose="020B0604020202020204" pitchFamily="34" charset="0"/>
+                <a:cs typeface="Arial" panose="020B0604020202020204" pitchFamily="34" charset="0"/>
+              </a:rPr>
+              <a:t>br.readLine</a:t>
+            </a:r>
+            <a:r>
+              <a:rPr lang="en-US" b="0" i="0" dirty="0">
+                <a:solidFill>
+                  <a:schemeClr val="accent2">
+                    <a:lumMod val="60000"/>
+                    <a:lumOff val="40000"/>
+                  </a:schemeClr>
+                </a:solidFill>
+                <a:effectLst/>
+                <a:latin typeface="Arial" panose="020B0604020202020204" pitchFamily="34" charset="0"/>
+                <a:cs typeface="Arial" panose="020B0604020202020204" pitchFamily="34" charset="0"/>
+              </a:rPr>
+              <a:t>();</a:t>
+            </a:r>
+          </a:p>
+          <a:p>
+            <a:pPr algn="l"/>
+            <a:r>
+              <a:rPr lang="en-US" dirty="0">
+                <a:solidFill>
+                  <a:schemeClr val="accent2">
+                    <a:lumMod val="60000"/>
+                    <a:lumOff val="40000"/>
+                  </a:schemeClr>
+                </a:solidFill>
+                <a:latin typeface="Arial" panose="020B0604020202020204" pitchFamily="34" charset="0"/>
+                <a:cs typeface="Arial" panose="020B0604020202020204" pitchFamily="34" charset="0"/>
+              </a:rPr>
+              <a:t>	</a:t>
+            </a:r>
+            <a:r>
+              <a:rPr lang="en-US" b="0" i="0" dirty="0">
+                <a:solidFill>
+                  <a:schemeClr val="accent2">
+                    <a:lumMod val="60000"/>
+                    <a:lumOff val="40000"/>
+                  </a:schemeClr>
+                </a:solidFill>
+                <a:effectLst/>
+                <a:latin typeface="Arial" panose="020B0604020202020204" pitchFamily="34" charset="0"/>
+                <a:cs typeface="Arial" panose="020B0604020202020204" pitchFamily="34" charset="0"/>
+              </a:rPr>
+              <a:t>} finally {</a:t>
+            </a:r>
+          </a:p>
+          <a:p>
+            <a:pPr algn="l"/>
+            <a:r>
+              <a:rPr lang="en-US" dirty="0">
+                <a:solidFill>
+                  <a:schemeClr val="accent2">
+                    <a:lumMod val="60000"/>
+                    <a:lumOff val="40000"/>
+                  </a:schemeClr>
+                </a:solidFill>
+                <a:latin typeface="Arial" panose="020B0604020202020204" pitchFamily="34" charset="0"/>
+                <a:cs typeface="Arial" panose="020B0604020202020204" pitchFamily="34" charset="0"/>
+              </a:rPr>
+              <a:t>	   </a:t>
+            </a:r>
+            <a:r>
+              <a:rPr lang="en-US" b="0" i="0" dirty="0" err="1">
+                <a:solidFill>
+                  <a:schemeClr val="accent2">
+                    <a:lumMod val="60000"/>
+                    <a:lumOff val="40000"/>
+                  </a:schemeClr>
+                </a:solidFill>
+                <a:effectLst/>
+                <a:latin typeface="Arial" panose="020B0604020202020204" pitchFamily="34" charset="0"/>
+                <a:cs typeface="Arial" panose="020B0604020202020204" pitchFamily="34" charset="0"/>
+              </a:rPr>
+              <a:t>br.close</a:t>
+            </a:r>
+            <a:r>
+              <a:rPr lang="en-US" b="0" i="0" dirty="0">
+                <a:solidFill>
+                  <a:schemeClr val="accent2">
+                    <a:lumMod val="60000"/>
+                    <a:lumOff val="40000"/>
+                  </a:schemeClr>
+                </a:solidFill>
+                <a:effectLst/>
+                <a:latin typeface="Arial" panose="020B0604020202020204" pitchFamily="34" charset="0"/>
+                <a:cs typeface="Arial" panose="020B0604020202020204" pitchFamily="34" charset="0"/>
+              </a:rPr>
+              <a:t>();</a:t>
+            </a:r>
+          </a:p>
+          <a:p>
+            <a:pPr algn="l"/>
+            <a:r>
+              <a:rPr lang="en-US" dirty="0">
+                <a:solidFill>
+                  <a:schemeClr val="accent2">
+                    <a:lumMod val="60000"/>
+                    <a:lumOff val="40000"/>
+                  </a:schemeClr>
+                </a:solidFill>
+                <a:latin typeface="Arial" panose="020B0604020202020204" pitchFamily="34" charset="0"/>
+                <a:cs typeface="Arial" panose="020B0604020202020204" pitchFamily="34" charset="0"/>
+              </a:rPr>
+              <a:t>	   </a:t>
+            </a:r>
+            <a:r>
+              <a:rPr lang="en-US" b="0" i="0" dirty="0" err="1">
+                <a:solidFill>
+                  <a:schemeClr val="accent2">
+                    <a:lumMod val="60000"/>
+                    <a:lumOff val="40000"/>
+                  </a:schemeClr>
+                </a:solidFill>
+                <a:effectLst/>
+                <a:latin typeface="Arial" panose="020B0604020202020204" pitchFamily="34" charset="0"/>
+                <a:cs typeface="Arial" panose="020B0604020202020204" pitchFamily="34" charset="0"/>
+              </a:rPr>
+              <a:t>fr.close</a:t>
+            </a:r>
+            <a:r>
+              <a:rPr lang="en-US" b="0" i="0" dirty="0">
+                <a:solidFill>
+                  <a:schemeClr val="accent2">
+                    <a:lumMod val="60000"/>
+                    <a:lumOff val="40000"/>
+                  </a:schemeClr>
+                </a:solidFill>
+                <a:effectLst/>
+                <a:latin typeface="Arial" panose="020B0604020202020204" pitchFamily="34" charset="0"/>
+                <a:cs typeface="Arial" panose="020B0604020202020204" pitchFamily="34" charset="0"/>
+              </a:rPr>
+              <a:t>();</a:t>
+            </a:r>
+          </a:p>
+          <a:p>
+            <a:pPr algn="l"/>
+            <a:r>
+              <a:rPr lang="en-US" dirty="0">
+                <a:solidFill>
+                  <a:schemeClr val="accent2">
+                    <a:lumMod val="60000"/>
+                    <a:lumOff val="40000"/>
+                  </a:schemeClr>
+                </a:solidFill>
+                <a:latin typeface="Arial" panose="020B0604020202020204" pitchFamily="34" charset="0"/>
+                <a:cs typeface="Arial" panose="020B0604020202020204" pitchFamily="34" charset="0"/>
+              </a:rPr>
+              <a:t>	</a:t>
+            </a:r>
+            <a:r>
+              <a:rPr lang="en-US" b="0" i="0" dirty="0">
+                <a:solidFill>
+                  <a:schemeClr val="accent2">
+                    <a:lumMod val="60000"/>
+                    <a:lumOff val="40000"/>
+                  </a:schemeClr>
+                </a:solidFill>
+                <a:effectLst/>
+                <a:latin typeface="Arial" panose="020B0604020202020204" pitchFamily="34" charset="0"/>
+                <a:cs typeface="Arial" panose="020B0604020202020204" pitchFamily="34" charset="0"/>
+              </a:rPr>
+              <a:t>}</a:t>
+            </a:r>
+          </a:p>
+          <a:p>
+            <a:pPr algn="l"/>
+            <a:r>
+              <a:rPr lang="en-US" b="0" i="0" dirty="0">
+                <a:solidFill>
+                  <a:schemeClr val="accent2">
+                    <a:lumMod val="60000"/>
+                    <a:lumOff val="40000"/>
+                  </a:schemeClr>
+                </a:solidFill>
+                <a:effectLst/>
+                <a:latin typeface="Arial" panose="020B0604020202020204" pitchFamily="34" charset="0"/>
+                <a:cs typeface="Arial" panose="020B0604020202020204" pitchFamily="34" charset="0"/>
+              </a:rPr>
+              <a:t>   }</a:t>
             </a:r>
           </a:p>
           <a:p>
@@ -9510,24 +10540,6 @@
             </a:endParaRPr>
           </a:p>
           <a:p>
-            <a:pPr marL="742950" lvl="1" indent="-285750">
-              <a:buFont typeface="Arial" panose="020B0604020202020204" pitchFamily="34" charset="0"/>
-              <a:buChar char="•"/>
-            </a:pPr>
-            <a:r>
-              <a:rPr lang="en-US" b="0" i="0" dirty="0">
-                <a:solidFill>
-                  <a:schemeClr val="tx1">
-                    <a:lumMod val="85000"/>
-                  </a:schemeClr>
-                </a:solidFill>
-                <a:effectLst/>
-                <a:latin typeface="Open Sans" panose="020B0606030504020204" pitchFamily="34" charset="0"/>
-              </a:rPr>
-              <a:t>In the catch clause, specify the types of exceptions that block can handle, and separate each exception type with a vertical bar (|):</a:t>
-            </a:r>
-          </a:p>
-          <a:p>
             <a:pPr marL="285750" indent="-285750" algn="l">
               <a:buFont typeface="Arial" panose="020B0604020202020204" pitchFamily="34" charset="0"/>
               <a:buChar char="•"/>
@@ -9542,197 +10554,12 @@
               <a:latin typeface="Open Sans" panose="020B0606030504020204" pitchFamily="34" charset="0"/>
             </a:endParaRPr>
           </a:p>
-          <a:p>
-            <a:pPr algn="l"/>
-            <a:r>
-              <a:rPr lang="en-US" sz="1400" b="0" i="0" dirty="0">
-                <a:solidFill>
-                  <a:schemeClr val="tx1">
-                    <a:lumMod val="85000"/>
-                  </a:schemeClr>
-                </a:solidFill>
-                <a:effectLst/>
-                <a:latin typeface="Open Sans" panose="020B0606030504020204" pitchFamily="34" charset="0"/>
-              </a:rPr>
-              <a:t>	catch (</a:t>
-            </a:r>
-            <a:r>
-              <a:rPr lang="en-US" sz="1400" b="0" i="0" dirty="0" err="1">
-                <a:solidFill>
-                  <a:schemeClr val="tx1">
-                    <a:lumMod val="85000"/>
-                  </a:schemeClr>
-                </a:solidFill>
-                <a:effectLst/>
-                <a:latin typeface="Open Sans" panose="020B0606030504020204" pitchFamily="34" charset="0"/>
-              </a:rPr>
-              <a:t>IOException|SQLException</a:t>
-            </a:r>
-            <a:r>
-              <a:rPr lang="en-US" sz="1400" b="0" i="0" dirty="0">
-                <a:solidFill>
-                  <a:schemeClr val="tx1">
-                    <a:lumMod val="85000"/>
-                  </a:schemeClr>
-                </a:solidFill>
-                <a:effectLst/>
-                <a:latin typeface="Open Sans" panose="020B0606030504020204" pitchFamily="34" charset="0"/>
-              </a:rPr>
-              <a:t> ex) {</a:t>
-            </a:r>
-          </a:p>
-          <a:p>
-            <a:pPr algn="l"/>
-            <a:r>
-              <a:rPr lang="en-US" sz="1400" dirty="0">
-                <a:solidFill>
-                  <a:schemeClr val="tx1">
-                    <a:lumMod val="85000"/>
-                  </a:schemeClr>
-                </a:solidFill>
-                <a:latin typeface="Open Sans" panose="020B0606030504020204" pitchFamily="34" charset="0"/>
-              </a:rPr>
-              <a:t>	   </a:t>
-            </a:r>
-            <a:r>
-              <a:rPr lang="en-US" sz="1400" b="0" i="0" dirty="0">
-                <a:solidFill>
-                  <a:schemeClr val="tx1">
-                    <a:lumMod val="85000"/>
-                  </a:schemeClr>
-                </a:solidFill>
-                <a:effectLst/>
-                <a:latin typeface="Open Sans" panose="020B0606030504020204" pitchFamily="34" charset="0"/>
-              </a:rPr>
-              <a:t>logger.log(ex);</a:t>
-            </a:r>
-          </a:p>
-          <a:p>
-            <a:pPr algn="l"/>
-            <a:r>
-              <a:rPr lang="en-US" sz="1400" dirty="0">
-                <a:solidFill>
-                  <a:schemeClr val="tx1">
-                    <a:lumMod val="85000"/>
-                  </a:schemeClr>
-                </a:solidFill>
-                <a:latin typeface="Open Sans" panose="020B0606030504020204" pitchFamily="34" charset="0"/>
-              </a:rPr>
-              <a:t>	   </a:t>
-            </a:r>
-            <a:r>
-              <a:rPr lang="en-US" sz="1400" b="0" i="0" dirty="0">
-                <a:solidFill>
-                  <a:schemeClr val="tx1">
-                    <a:lumMod val="85000"/>
-                  </a:schemeClr>
-                </a:solidFill>
-                <a:effectLst/>
-                <a:latin typeface="Open Sans" panose="020B0606030504020204" pitchFamily="34" charset="0"/>
-              </a:rPr>
-              <a:t>throw ex;</a:t>
-            </a:r>
-          </a:p>
-          <a:p>
-            <a:pPr algn="l"/>
-            <a:r>
-              <a:rPr lang="en-US" sz="1400" dirty="0">
-                <a:solidFill>
-                  <a:schemeClr val="tx1">
-                    <a:lumMod val="85000"/>
-                  </a:schemeClr>
-                </a:solidFill>
-                <a:latin typeface="Open Sans" panose="020B0606030504020204" pitchFamily="34" charset="0"/>
-              </a:rPr>
-              <a:t>                       </a:t>
-            </a:r>
-            <a:r>
-              <a:rPr lang="en-US" sz="1400" b="0" i="0" dirty="0">
-                <a:solidFill>
-                  <a:schemeClr val="tx1">
-                    <a:lumMod val="85000"/>
-                  </a:schemeClr>
-                </a:solidFill>
-                <a:effectLst/>
-                <a:latin typeface="Open Sans" panose="020B0606030504020204" pitchFamily="34" charset="0"/>
-              </a:rPr>
-              <a:t>}</a:t>
-            </a:r>
-          </a:p>
-          <a:p>
-            <a:pPr marL="285750" indent="-285750" algn="l">
-              <a:buFont typeface="Arial" panose="020B0604020202020204" pitchFamily="34" charset="0"/>
-              <a:buChar char="•"/>
-            </a:pPr>
-            <a:endParaRPr lang="en-US" b="0" i="0" dirty="0">
-              <a:solidFill>
-                <a:schemeClr val="tx1">
-                  <a:lumMod val="85000"/>
-                </a:schemeClr>
-              </a:solidFill>
-              <a:effectLst/>
-              <a:latin typeface="Open Sans" panose="020B0606030504020204" pitchFamily="34" charset="0"/>
-            </a:endParaRPr>
-          </a:p>
-          <a:p>
-            <a:pPr marL="285750" indent="-285750" algn="l">
-              <a:buFont typeface="Arial" panose="020B0604020202020204" pitchFamily="34" charset="0"/>
-              <a:buChar char="•"/>
-            </a:pPr>
-            <a:endParaRPr lang="en-US" b="0" i="0" dirty="0">
-              <a:solidFill>
-                <a:schemeClr val="tx1">
-                  <a:lumMod val="85000"/>
-                </a:schemeClr>
-              </a:solidFill>
-              <a:effectLst/>
-              <a:latin typeface="Open Sans" panose="020B0606030504020204" pitchFamily="34" charset="0"/>
-            </a:endParaRPr>
-          </a:p>
-        </p:txBody>
-      </p:sp>
-      <p:sp>
-        <p:nvSpPr>
-          <p:cNvPr id="2" name="TextBox 1">
-            <a:extLst>
-              <a:ext uri="{FF2B5EF4-FFF2-40B4-BE49-F238E27FC236}">
-                <a16:creationId xmlns:a16="http://schemas.microsoft.com/office/drawing/2014/main" id="{2292BC77-EAED-98AF-CC12-6B2F561FA457}"/>
-              </a:ext>
-            </a:extLst>
-          </p:cNvPr>
-          <p:cNvSpPr txBox="1"/>
-          <p:nvPr/>
-        </p:nvSpPr>
-        <p:spPr>
-          <a:xfrm>
-            <a:off x="4679424" y="6273448"/>
-            <a:ext cx="7540362" cy="369332"/>
-          </a:xfrm>
-          <a:prstGeom prst="rect">
-            <a:avLst/>
-          </a:prstGeom>
-          <a:noFill/>
-        </p:spPr>
-        <p:txBody>
-          <a:bodyPr wrap="square">
-            <a:spAutoFit/>
-          </a:bodyPr>
-          <a:lstStyle/>
-          <a:p>
-            <a:r>
-              <a:rPr lang="en-US" dirty="0">
-                <a:hlinkClick r:id="rId2"/>
-              </a:rPr>
-              <a:t>https://github.com/ckiefriter1/Java-Code-Examples/tree/main/src/exceptions</a:t>
-            </a:r>
-            <a:endParaRPr lang="en-US" dirty="0"/>
-          </a:p>
         </p:txBody>
       </p:sp>
     </p:spTree>
     <p:extLst>
       <p:ext uri="{BB962C8B-B14F-4D97-AF65-F5344CB8AC3E}">
-        <p14:creationId xmlns:p14="http://schemas.microsoft.com/office/powerpoint/2010/main" val="2285577035"/>
+        <p14:creationId xmlns:p14="http://schemas.microsoft.com/office/powerpoint/2010/main" val="3976039359"/>
       </p:ext>
     </p:extLst>
   </p:cSld>
@@ -9759,12 +10586,59 @@
           <a:chExt cx="0" cy="0"/>
         </a:xfrm>
       </p:grpSpPr>
+      <p:pic>
+        <p:nvPicPr>
+          <p:cNvPr id="1026" name="Picture 2" descr="Image">
+            <a:extLst>
+              <a:ext uri="{FF2B5EF4-FFF2-40B4-BE49-F238E27FC236}">
+                <a16:creationId xmlns:a16="http://schemas.microsoft.com/office/drawing/2014/main" id="{3C8CE67A-36E1-5A09-D74F-A2C8E212977E}"/>
+              </a:ext>
+            </a:extLst>
+          </p:cNvPr>
+          <p:cNvPicPr>
+            <a:picLocks noChangeAspect="1" noChangeArrowheads="1"/>
+          </p:cNvPicPr>
+          <p:nvPr/>
+        </p:nvPicPr>
+        <p:blipFill>
+          <a:blip r:embed="rId2">
+            <a:extLst>
+              <a:ext uri="{28A0092B-C50C-407E-A947-70E740481C1C}">
+                <a14:useLocalDpi xmlns:a14="http://schemas.microsoft.com/office/drawing/2010/main" val="0"/>
+              </a:ext>
+            </a:extLst>
+          </a:blip>
+          <a:srcRect/>
+          <a:stretch>
+            <a:fillRect/>
+          </a:stretch>
+        </p:blipFill>
+        <p:spPr bwMode="auto">
+          <a:xfrm>
+            <a:off x="3921870" y="0"/>
+            <a:ext cx="6858000" cy="6858000"/>
+          </a:xfrm>
+          <a:prstGeom prst="rect">
+            <a:avLst/>
+          </a:prstGeom>
+          <a:noFill/>
+          <a:extLst>
+            <a:ext uri="{909E8E84-426E-40DD-AFC4-6F175D3DCCD1}">
+              <a14:hiddenFill xmlns:a14="http://schemas.microsoft.com/office/drawing/2010/main">
+                <a:solidFill>
+                  <a:srgbClr val="FFFFFF"/>
+                </a:solidFill>
+              </a14:hiddenFill>
+            </a:ext>
+          </a:extLst>
+        </p:spPr>
+      </p:pic>
       <p:sp>
         <p:nvSpPr>
-          <p:cNvPr id="6" name="TextBox 5">
+          <p:cNvPr id="2" name="TextBox 1">
             <a:extLst>
               <a:ext uri="{FF2B5EF4-FFF2-40B4-BE49-F238E27FC236}">
-                <a16:creationId xmlns:a16="http://schemas.microsoft.com/office/drawing/2014/main" id="{59E906CD-110B-9D01-732C-2F21759B0265}"/>
+                <a16:creationId xmlns:a16="http://schemas.microsoft.com/office/drawing/2014/main" id="{39E1C922-B9C7-D0AD-8A67-CE620AD121BE}"/>
               </a:ext>
             </a:extLst>
           </p:cNvPr>
@@ -9773,8 +10647,8 @@
         </p:nvSpPr>
         <p:spPr>
           <a:xfrm>
-            <a:off x="193250" y="91915"/>
-            <a:ext cx="8256355" cy="461665"/>
+            <a:off x="216335" y="31366"/>
+            <a:ext cx="7765757" cy="461665"/>
           </a:xfrm>
           <a:prstGeom prst="rect">
             <a:avLst/>
@@ -9787,7 +10661,6 @@
           </a:bodyPr>
           <a:lstStyle/>
           <a:p>
-            <a:pPr algn="l"/>
             <a:r>
               <a:rPr lang="en-US" sz="2400" b="1" dirty="0">
                 <a:solidFill>
@@ -9796,637 +10669,16 @@
                 <a:effectLst/>
                 <a:latin typeface="Open Sans" panose="020B0606030504020204" pitchFamily="34" charset="0"/>
               </a:rPr>
-              <a:t>Catching Exceptions – try </a:t>
-            </a:r>
-            <a:r>
-              <a:rPr lang="en-US" sz="2400" b="1" dirty="0">
-                <a:solidFill>
-                  <a:srgbClr val="00B050"/>
-                </a:solidFill>
-                <a:effectLst/>
-                <a:latin typeface="Open Sans" panose="020B0606030504020204" pitchFamily="34" charset="0"/>
-                <a:sym typeface="Wingdings" panose="05000000000000000000" pitchFamily="2" charset="2"/>
-              </a:rPr>
-              <a:t> catch  finally blocks</a:t>
-            </a:r>
-            <a:endParaRPr lang="en-US" sz="2400" b="1" dirty="0">
-              <a:solidFill>
-                <a:srgbClr val="00B050"/>
-              </a:solidFill>
-              <a:effectLst/>
-              <a:latin typeface="Open Sans" panose="020B0606030504020204" pitchFamily="34" charset="0"/>
-            </a:endParaRPr>
-          </a:p>
-        </p:txBody>
-      </p:sp>
-      <p:sp>
-        <p:nvSpPr>
-          <p:cNvPr id="4" name="TextBox 3">
-            <a:extLst>
-              <a:ext uri="{FF2B5EF4-FFF2-40B4-BE49-F238E27FC236}">
-                <a16:creationId xmlns:a16="http://schemas.microsoft.com/office/drawing/2014/main" id="{C0B26727-0F97-5A73-B4ED-6BE65E07E5DB}"/>
-              </a:ext>
-            </a:extLst>
-          </p:cNvPr>
-          <p:cNvSpPr txBox="1"/>
-          <p:nvPr/>
-        </p:nvSpPr>
-        <p:spPr>
-          <a:xfrm>
-            <a:off x="176169" y="729420"/>
-            <a:ext cx="11931637" cy="4524315"/>
-          </a:xfrm>
-          <a:prstGeom prst="rect">
-            <a:avLst/>
-          </a:prstGeom>
-          <a:noFill/>
-        </p:spPr>
-        <p:txBody>
-          <a:bodyPr wrap="square">
-            <a:spAutoFit/>
-          </a:bodyPr>
-          <a:lstStyle/>
-          <a:p>
-            <a:pPr marL="285750" indent="-285750" algn="l">
-              <a:buFont typeface="Arial" panose="020B0604020202020204" pitchFamily="34" charset="0"/>
-              <a:buChar char="•"/>
-            </a:pPr>
-            <a:r>
-              <a:rPr lang="en-US" dirty="0">
-                <a:solidFill>
-                  <a:schemeClr val="tx1">
-                    <a:lumMod val="85000"/>
-                  </a:schemeClr>
-                </a:solidFill>
-                <a:latin typeface="Open Sans" panose="020B0606030504020204" pitchFamily="34" charset="0"/>
-              </a:rPr>
-              <a:t>Y</a:t>
-            </a:r>
-            <a:r>
-              <a:rPr lang="en-US" b="0" i="0" dirty="0">
-                <a:solidFill>
-                  <a:schemeClr val="tx1">
-                    <a:lumMod val="85000"/>
-                  </a:schemeClr>
-                </a:solidFill>
-                <a:effectLst/>
-                <a:latin typeface="Open Sans" panose="020B0606030504020204" pitchFamily="34" charset="0"/>
-              </a:rPr>
-              <a:t>ou can use a </a:t>
-            </a:r>
-            <a:r>
-              <a:rPr lang="en-US" b="0" i="0" dirty="0">
-                <a:solidFill>
-                  <a:srgbClr val="00B0F0"/>
-                </a:solidFill>
-                <a:effectLst/>
-                <a:latin typeface="Open Sans" panose="020B0606030504020204" pitchFamily="34" charset="0"/>
-              </a:rPr>
-              <a:t>finally block</a:t>
-            </a:r>
-            <a:r>
-              <a:rPr lang="en-US" b="0" i="0" dirty="0">
-                <a:solidFill>
-                  <a:schemeClr val="tx1">
-                    <a:lumMod val="85000"/>
-                  </a:schemeClr>
-                </a:solidFill>
-                <a:effectLst/>
-                <a:latin typeface="Open Sans" panose="020B0606030504020204" pitchFamily="34" charset="0"/>
-              </a:rPr>
-              <a:t> to ensure that a resource is closed regardless of whether the try statement completes normally or abruptly. The following example uses a finally block instead of a try-with-resources statement:</a:t>
-            </a:r>
-          </a:p>
-          <a:p>
-            <a:pPr marL="285750" indent="-285750" algn="l">
-              <a:buFont typeface="Arial" panose="020B0604020202020204" pitchFamily="34" charset="0"/>
-              <a:buChar char="•"/>
-            </a:pPr>
-            <a:endParaRPr lang="en-US" b="0" i="0" dirty="0">
-              <a:solidFill>
-                <a:schemeClr val="tx1">
-                  <a:lumMod val="85000"/>
-                </a:schemeClr>
-              </a:solidFill>
-              <a:effectLst/>
-              <a:latin typeface="Open Sans" panose="020B0606030504020204" pitchFamily="34" charset="0"/>
-            </a:endParaRPr>
-          </a:p>
-          <a:p>
-            <a:pPr algn="l"/>
-            <a:r>
-              <a:rPr lang="en-US" b="0" i="0" dirty="0">
-                <a:solidFill>
-                  <a:schemeClr val="tx1">
-                    <a:lumMod val="85000"/>
-                  </a:schemeClr>
-                </a:solidFill>
-                <a:effectLst/>
-                <a:latin typeface="Open Sans" panose="020B0606030504020204" pitchFamily="34" charset="0"/>
-              </a:rPr>
-              <a:t>   static String </a:t>
-            </a:r>
-            <a:r>
-              <a:rPr lang="en-US" b="0" i="0" dirty="0" err="1">
-                <a:solidFill>
-                  <a:schemeClr val="tx1">
-                    <a:lumMod val="85000"/>
-                  </a:schemeClr>
-                </a:solidFill>
-                <a:effectLst/>
-                <a:latin typeface="Open Sans" panose="020B0606030504020204" pitchFamily="34" charset="0"/>
-              </a:rPr>
-              <a:t>readFirstLineFromFileWithFinallyBlock</a:t>
-            </a:r>
-            <a:r>
-              <a:rPr lang="en-US" b="0" i="0" dirty="0">
-                <a:solidFill>
-                  <a:schemeClr val="tx1">
-                    <a:lumMod val="85000"/>
-                  </a:schemeClr>
-                </a:solidFill>
-                <a:effectLst/>
-                <a:latin typeface="Open Sans" panose="020B0606030504020204" pitchFamily="34" charset="0"/>
-              </a:rPr>
-              <a:t>(String path) throws </a:t>
-            </a:r>
-            <a:r>
-              <a:rPr lang="en-US" b="0" i="0" dirty="0" err="1">
-                <a:solidFill>
-                  <a:schemeClr val="tx1">
-                    <a:lumMod val="85000"/>
-                  </a:schemeClr>
-                </a:solidFill>
-                <a:effectLst/>
-                <a:latin typeface="Open Sans" panose="020B0606030504020204" pitchFamily="34" charset="0"/>
-              </a:rPr>
-              <a:t>IOException</a:t>
-            </a:r>
-            <a:r>
-              <a:rPr lang="en-US" b="0" i="0" dirty="0">
-                <a:solidFill>
-                  <a:schemeClr val="tx1">
-                    <a:lumMod val="85000"/>
-                  </a:schemeClr>
-                </a:solidFill>
-                <a:effectLst/>
-                <a:latin typeface="Open Sans" panose="020B0606030504020204" pitchFamily="34" charset="0"/>
-              </a:rPr>
-              <a:t> {</a:t>
-            </a:r>
-          </a:p>
-          <a:p>
-            <a:pPr algn="l"/>
-            <a:r>
-              <a:rPr lang="en-US" b="0" i="0" dirty="0">
-                <a:solidFill>
-                  <a:schemeClr val="tx1">
-                    <a:lumMod val="85000"/>
-                  </a:schemeClr>
-                </a:solidFill>
-                <a:effectLst/>
-                <a:latin typeface="Open Sans" panose="020B0606030504020204" pitchFamily="34" charset="0"/>
-              </a:rPr>
-              <a:t>	</a:t>
-            </a:r>
-            <a:r>
-              <a:rPr lang="en-US" b="0" i="0" dirty="0" err="1">
-                <a:solidFill>
-                  <a:schemeClr val="tx1">
-                    <a:lumMod val="85000"/>
-                  </a:schemeClr>
-                </a:solidFill>
-                <a:effectLst/>
-                <a:latin typeface="Open Sans" panose="020B0606030504020204" pitchFamily="34" charset="0"/>
-              </a:rPr>
-              <a:t>FileReader</a:t>
-            </a:r>
-            <a:r>
-              <a:rPr lang="en-US" b="0" i="0" dirty="0">
-                <a:solidFill>
-                  <a:schemeClr val="tx1">
-                    <a:lumMod val="85000"/>
-                  </a:schemeClr>
-                </a:solidFill>
-                <a:effectLst/>
-                <a:latin typeface="Open Sans" panose="020B0606030504020204" pitchFamily="34" charset="0"/>
-              </a:rPr>
-              <a:t> </a:t>
-            </a:r>
-            <a:r>
-              <a:rPr lang="en-US" b="0" i="0" dirty="0" err="1">
-                <a:solidFill>
-                  <a:schemeClr val="tx1">
-                    <a:lumMod val="85000"/>
-                  </a:schemeClr>
-                </a:solidFill>
-                <a:effectLst/>
-                <a:latin typeface="Open Sans" panose="020B0606030504020204" pitchFamily="34" charset="0"/>
-              </a:rPr>
-              <a:t>fr</a:t>
-            </a:r>
-            <a:r>
-              <a:rPr lang="en-US" b="0" i="0" dirty="0">
-                <a:solidFill>
-                  <a:schemeClr val="tx1">
-                    <a:lumMod val="85000"/>
-                  </a:schemeClr>
-                </a:solidFill>
-                <a:effectLst/>
-                <a:latin typeface="Open Sans" panose="020B0606030504020204" pitchFamily="34" charset="0"/>
-              </a:rPr>
-              <a:t> = new </a:t>
-            </a:r>
-            <a:r>
-              <a:rPr lang="en-US" b="0" i="0" dirty="0" err="1">
-                <a:solidFill>
-                  <a:schemeClr val="tx1">
-                    <a:lumMod val="85000"/>
-                  </a:schemeClr>
-                </a:solidFill>
-                <a:effectLst/>
-                <a:latin typeface="Open Sans" panose="020B0606030504020204" pitchFamily="34" charset="0"/>
-              </a:rPr>
-              <a:t>FileReader</a:t>
-            </a:r>
-            <a:r>
-              <a:rPr lang="en-US" b="0" i="0" dirty="0">
-                <a:solidFill>
-                  <a:schemeClr val="tx1">
-                    <a:lumMod val="85000"/>
-                  </a:schemeClr>
-                </a:solidFill>
-                <a:effectLst/>
-                <a:latin typeface="Open Sans" panose="020B0606030504020204" pitchFamily="34" charset="0"/>
-              </a:rPr>
-              <a:t>(path);</a:t>
-            </a:r>
-          </a:p>
-          <a:p>
-            <a:pPr algn="l"/>
-            <a:r>
-              <a:rPr lang="en-US" dirty="0">
-                <a:solidFill>
-                  <a:schemeClr val="tx1">
-                    <a:lumMod val="85000"/>
-                  </a:schemeClr>
-                </a:solidFill>
-                <a:latin typeface="Open Sans" panose="020B0606030504020204" pitchFamily="34" charset="0"/>
-              </a:rPr>
-              <a:t>	</a:t>
-            </a:r>
-            <a:r>
-              <a:rPr lang="en-US" b="0" i="0" dirty="0" err="1">
-                <a:solidFill>
-                  <a:schemeClr val="tx1">
-                    <a:lumMod val="85000"/>
-                  </a:schemeClr>
-                </a:solidFill>
-                <a:effectLst/>
-                <a:latin typeface="Open Sans" panose="020B0606030504020204" pitchFamily="34" charset="0"/>
-              </a:rPr>
-              <a:t>BufferedReader</a:t>
-            </a:r>
-            <a:r>
-              <a:rPr lang="en-US" b="0" i="0" dirty="0">
-                <a:solidFill>
-                  <a:schemeClr val="tx1">
-                    <a:lumMod val="85000"/>
-                  </a:schemeClr>
-                </a:solidFill>
-                <a:effectLst/>
-                <a:latin typeface="Open Sans" panose="020B0606030504020204" pitchFamily="34" charset="0"/>
-              </a:rPr>
-              <a:t> </a:t>
-            </a:r>
-            <a:r>
-              <a:rPr lang="en-US" b="0" i="0" dirty="0" err="1">
-                <a:solidFill>
-                  <a:schemeClr val="tx1">
-                    <a:lumMod val="85000"/>
-                  </a:schemeClr>
-                </a:solidFill>
-                <a:effectLst/>
-                <a:latin typeface="Open Sans" panose="020B0606030504020204" pitchFamily="34" charset="0"/>
-              </a:rPr>
-              <a:t>br</a:t>
-            </a:r>
-            <a:r>
-              <a:rPr lang="en-US" b="0" i="0" dirty="0">
-                <a:solidFill>
-                  <a:schemeClr val="tx1">
-                    <a:lumMod val="85000"/>
-                  </a:schemeClr>
-                </a:solidFill>
-                <a:effectLst/>
-                <a:latin typeface="Open Sans" panose="020B0606030504020204" pitchFamily="34" charset="0"/>
-              </a:rPr>
-              <a:t> = new </a:t>
-            </a:r>
-            <a:r>
-              <a:rPr lang="en-US" b="0" i="0" dirty="0" err="1">
-                <a:solidFill>
-                  <a:schemeClr val="tx1">
-                    <a:lumMod val="85000"/>
-                  </a:schemeClr>
-                </a:solidFill>
-                <a:effectLst/>
-                <a:latin typeface="Open Sans" panose="020B0606030504020204" pitchFamily="34" charset="0"/>
-              </a:rPr>
-              <a:t>BufferedReader</a:t>
-            </a:r>
-            <a:r>
-              <a:rPr lang="en-US" b="0" i="0" dirty="0">
-                <a:solidFill>
-                  <a:schemeClr val="tx1">
-                    <a:lumMod val="85000"/>
-                  </a:schemeClr>
-                </a:solidFill>
-                <a:effectLst/>
-                <a:latin typeface="Open Sans" panose="020B0606030504020204" pitchFamily="34" charset="0"/>
-              </a:rPr>
-              <a:t>(</a:t>
-            </a:r>
-            <a:r>
-              <a:rPr lang="en-US" b="0" i="0" dirty="0" err="1">
-                <a:solidFill>
-                  <a:schemeClr val="tx1">
-                    <a:lumMod val="85000"/>
-                  </a:schemeClr>
-                </a:solidFill>
-                <a:effectLst/>
-                <a:latin typeface="Open Sans" panose="020B0606030504020204" pitchFamily="34" charset="0"/>
-              </a:rPr>
-              <a:t>fr</a:t>
-            </a:r>
-            <a:r>
-              <a:rPr lang="en-US" b="0" i="0" dirty="0">
-                <a:solidFill>
-                  <a:schemeClr val="tx1">
-                    <a:lumMod val="85000"/>
-                  </a:schemeClr>
-                </a:solidFill>
-                <a:effectLst/>
-                <a:latin typeface="Open Sans" panose="020B0606030504020204" pitchFamily="34" charset="0"/>
-              </a:rPr>
-              <a:t>);</a:t>
-            </a:r>
-          </a:p>
-          <a:p>
-            <a:pPr algn="l"/>
-            <a:r>
-              <a:rPr lang="en-US" dirty="0">
-                <a:solidFill>
-                  <a:schemeClr val="tx1">
-                    <a:lumMod val="85000"/>
-                  </a:schemeClr>
-                </a:solidFill>
-                <a:latin typeface="Open Sans" panose="020B0606030504020204" pitchFamily="34" charset="0"/>
-              </a:rPr>
-              <a:t>	</a:t>
-            </a:r>
-            <a:r>
-              <a:rPr lang="en-US" b="0" i="0" dirty="0">
-                <a:solidFill>
-                  <a:schemeClr val="tx1">
-                    <a:lumMod val="85000"/>
-                  </a:schemeClr>
-                </a:solidFill>
-                <a:effectLst/>
-                <a:latin typeface="Open Sans" panose="020B0606030504020204" pitchFamily="34" charset="0"/>
-              </a:rPr>
-              <a:t>try {</a:t>
-            </a:r>
-          </a:p>
-          <a:p>
-            <a:pPr algn="l"/>
-            <a:r>
-              <a:rPr lang="en-US" dirty="0">
-                <a:solidFill>
-                  <a:schemeClr val="tx1">
-                    <a:lumMod val="85000"/>
-                  </a:schemeClr>
-                </a:solidFill>
-                <a:latin typeface="Open Sans" panose="020B0606030504020204" pitchFamily="34" charset="0"/>
-              </a:rPr>
-              <a:t>	   </a:t>
-            </a:r>
-            <a:r>
-              <a:rPr lang="en-US" b="0" i="0" dirty="0">
-                <a:solidFill>
-                  <a:schemeClr val="tx1">
-                    <a:lumMod val="85000"/>
-                  </a:schemeClr>
-                </a:solidFill>
-                <a:effectLst/>
-                <a:latin typeface="Open Sans" panose="020B0606030504020204" pitchFamily="34" charset="0"/>
-              </a:rPr>
-              <a:t>return </a:t>
-            </a:r>
-            <a:r>
-              <a:rPr lang="en-US" b="0" i="0" dirty="0" err="1">
-                <a:solidFill>
-                  <a:schemeClr val="tx1">
-                    <a:lumMod val="85000"/>
-                  </a:schemeClr>
-                </a:solidFill>
-                <a:effectLst/>
-                <a:latin typeface="Open Sans" panose="020B0606030504020204" pitchFamily="34" charset="0"/>
-              </a:rPr>
-              <a:t>br.readLine</a:t>
-            </a:r>
-            <a:r>
-              <a:rPr lang="en-US" b="0" i="0" dirty="0">
-                <a:solidFill>
-                  <a:schemeClr val="tx1">
-                    <a:lumMod val="85000"/>
-                  </a:schemeClr>
-                </a:solidFill>
-                <a:effectLst/>
-                <a:latin typeface="Open Sans" panose="020B0606030504020204" pitchFamily="34" charset="0"/>
-              </a:rPr>
-              <a:t>();</a:t>
-            </a:r>
-          </a:p>
-          <a:p>
-            <a:pPr algn="l"/>
-            <a:r>
-              <a:rPr lang="en-US" dirty="0">
-                <a:solidFill>
-                  <a:schemeClr val="tx1">
-                    <a:lumMod val="85000"/>
-                  </a:schemeClr>
-                </a:solidFill>
-                <a:latin typeface="Open Sans" panose="020B0606030504020204" pitchFamily="34" charset="0"/>
-              </a:rPr>
-              <a:t>	</a:t>
-            </a:r>
-            <a:r>
-              <a:rPr lang="en-US" b="0" i="0" dirty="0">
-                <a:solidFill>
-                  <a:schemeClr val="tx1">
-                    <a:lumMod val="85000"/>
-                  </a:schemeClr>
-                </a:solidFill>
-                <a:effectLst/>
-                <a:latin typeface="Open Sans" panose="020B0606030504020204" pitchFamily="34" charset="0"/>
-              </a:rPr>
-              <a:t>} finally {</a:t>
-            </a:r>
-          </a:p>
-          <a:p>
-            <a:pPr algn="l"/>
-            <a:r>
-              <a:rPr lang="en-US" dirty="0">
-                <a:solidFill>
-                  <a:schemeClr val="tx1">
-                    <a:lumMod val="85000"/>
-                  </a:schemeClr>
-                </a:solidFill>
-                <a:latin typeface="Open Sans" panose="020B0606030504020204" pitchFamily="34" charset="0"/>
-              </a:rPr>
-              <a:t>	   </a:t>
-            </a:r>
-            <a:r>
-              <a:rPr lang="en-US" b="0" i="0" dirty="0" err="1">
-                <a:solidFill>
-                  <a:schemeClr val="tx1">
-                    <a:lumMod val="85000"/>
-                  </a:schemeClr>
-                </a:solidFill>
-                <a:effectLst/>
-                <a:latin typeface="Open Sans" panose="020B0606030504020204" pitchFamily="34" charset="0"/>
-              </a:rPr>
-              <a:t>br.close</a:t>
-            </a:r>
-            <a:r>
-              <a:rPr lang="en-US" b="0" i="0" dirty="0">
-                <a:solidFill>
-                  <a:schemeClr val="tx1">
-                    <a:lumMod val="85000"/>
-                  </a:schemeClr>
-                </a:solidFill>
-                <a:effectLst/>
-                <a:latin typeface="Open Sans" panose="020B0606030504020204" pitchFamily="34" charset="0"/>
-              </a:rPr>
-              <a:t>();</a:t>
-            </a:r>
-          </a:p>
-          <a:p>
-            <a:pPr algn="l"/>
-            <a:r>
-              <a:rPr lang="en-US" dirty="0">
-                <a:solidFill>
-                  <a:schemeClr val="tx1">
-                    <a:lumMod val="85000"/>
-                  </a:schemeClr>
-                </a:solidFill>
-                <a:latin typeface="Open Sans" panose="020B0606030504020204" pitchFamily="34" charset="0"/>
-              </a:rPr>
-              <a:t>	   </a:t>
-            </a:r>
-            <a:r>
-              <a:rPr lang="en-US" b="0" i="0" dirty="0" err="1">
-                <a:solidFill>
-                  <a:schemeClr val="tx1">
-                    <a:lumMod val="85000"/>
-                  </a:schemeClr>
-                </a:solidFill>
-                <a:effectLst/>
-                <a:latin typeface="Open Sans" panose="020B0606030504020204" pitchFamily="34" charset="0"/>
-              </a:rPr>
-              <a:t>fr.close</a:t>
-            </a:r>
-            <a:r>
-              <a:rPr lang="en-US" b="0" i="0" dirty="0">
-                <a:solidFill>
-                  <a:schemeClr val="tx1">
-                    <a:lumMod val="85000"/>
-                  </a:schemeClr>
-                </a:solidFill>
-                <a:effectLst/>
-                <a:latin typeface="Open Sans" panose="020B0606030504020204" pitchFamily="34" charset="0"/>
-              </a:rPr>
-              <a:t>();</a:t>
-            </a:r>
-          </a:p>
-          <a:p>
-            <a:pPr algn="l"/>
-            <a:r>
-              <a:rPr lang="en-US" dirty="0">
-                <a:solidFill>
-                  <a:schemeClr val="tx1">
-                    <a:lumMod val="85000"/>
-                  </a:schemeClr>
-                </a:solidFill>
-                <a:latin typeface="Open Sans" panose="020B0606030504020204" pitchFamily="34" charset="0"/>
-              </a:rPr>
-              <a:t>	</a:t>
-            </a:r>
-            <a:r>
-              <a:rPr lang="en-US" b="0" i="0" dirty="0">
-                <a:solidFill>
-                  <a:schemeClr val="tx1">
-                    <a:lumMod val="85000"/>
-                  </a:schemeClr>
-                </a:solidFill>
-                <a:effectLst/>
-                <a:latin typeface="Open Sans" panose="020B0606030504020204" pitchFamily="34" charset="0"/>
-              </a:rPr>
-              <a:t>}</a:t>
-            </a:r>
-          </a:p>
-          <a:p>
-            <a:pPr algn="l"/>
-            <a:r>
-              <a:rPr lang="en-US" b="0" i="0" dirty="0">
-                <a:solidFill>
-                  <a:schemeClr val="tx1">
-                    <a:lumMod val="85000"/>
-                  </a:schemeClr>
-                </a:solidFill>
-                <a:effectLst/>
-                <a:latin typeface="Open Sans" panose="020B0606030504020204" pitchFamily="34" charset="0"/>
-              </a:rPr>
-              <a:t>   }</a:t>
-            </a:r>
-          </a:p>
-          <a:p>
-            <a:pPr marL="285750" indent="-285750" algn="l">
-              <a:buFont typeface="Arial" panose="020B0604020202020204" pitchFamily="34" charset="0"/>
-              <a:buChar char="•"/>
-            </a:pPr>
-            <a:endParaRPr lang="en-US" b="0" i="0" dirty="0">
-              <a:solidFill>
-                <a:schemeClr val="tx1">
-                  <a:lumMod val="85000"/>
-                </a:schemeClr>
-              </a:solidFill>
-              <a:effectLst/>
-              <a:latin typeface="Open Sans" panose="020B0606030504020204" pitchFamily="34" charset="0"/>
-            </a:endParaRPr>
-          </a:p>
-          <a:p>
-            <a:pPr marL="285750" indent="-285750" algn="l">
-              <a:buFont typeface="Arial" panose="020B0604020202020204" pitchFamily="34" charset="0"/>
-              <a:buChar char="•"/>
-            </a:pPr>
-            <a:endParaRPr lang="en-US" b="0" i="0" dirty="0">
-              <a:solidFill>
-                <a:schemeClr val="tx1">
-                  <a:lumMod val="85000"/>
-                </a:schemeClr>
-              </a:solidFill>
-              <a:effectLst/>
-              <a:latin typeface="Open Sans" panose="020B0606030504020204" pitchFamily="34" charset="0"/>
-            </a:endParaRPr>
+              <a:t>SOLID Principles</a:t>
+            </a:r>
+            <a:endParaRPr lang="en-US" sz="2400" dirty="0"/>
           </a:p>
         </p:txBody>
       </p:sp>
     </p:spTree>
     <p:extLst>
       <p:ext uri="{BB962C8B-B14F-4D97-AF65-F5344CB8AC3E}">
-        <p14:creationId xmlns:p14="http://schemas.microsoft.com/office/powerpoint/2010/main" val="3976039359"/>
+        <p14:creationId xmlns:p14="http://schemas.microsoft.com/office/powerpoint/2010/main" val="2169686199"/>
       </p:ext>
     </p:extLst>
   </p:cSld>
@@ -10534,248 +10786,6 @@
 </file>
 
 <file path=ppt/slides/slide20.xml><?xml version="1.0" encoding="utf-8"?>
-<p:sld xmlns:a="http://schemas.openxmlformats.org/drawingml/2006/main" xmlns:r="http://schemas.openxmlformats.org/officeDocument/2006/relationships" xmlns:p="http://schemas.openxmlformats.org/presentationml/2006/main">
-  <p:cSld>
-    <p:spTree>
-      <p:nvGrpSpPr>
-        <p:cNvPr id="1" name=""/>
-        <p:cNvGrpSpPr/>
-        <p:nvPr/>
-      </p:nvGrpSpPr>
-      <p:grpSpPr>
-        <a:xfrm>
-          <a:off x="0" y="0"/>
-          <a:ext cx="0" cy="0"/>
-          <a:chOff x="0" y="0"/>
-          <a:chExt cx="0" cy="0"/>
-        </a:xfrm>
-      </p:grpSpPr>
-      <p:sp>
-        <p:nvSpPr>
-          <p:cNvPr id="3" name="TextBox 2">
-            <a:extLst>
-              <a:ext uri="{FF2B5EF4-FFF2-40B4-BE49-F238E27FC236}">
-                <a16:creationId xmlns:a16="http://schemas.microsoft.com/office/drawing/2014/main" id="{23DFC7E9-54DD-38D7-0B9B-D34948D68CF9}"/>
-              </a:ext>
-            </a:extLst>
-          </p:cNvPr>
-          <p:cNvSpPr txBox="1"/>
-          <p:nvPr/>
-        </p:nvSpPr>
-        <p:spPr>
-          <a:xfrm>
-            <a:off x="1065401" y="2618895"/>
-            <a:ext cx="9538284" cy="1015663"/>
-          </a:xfrm>
-          <a:prstGeom prst="rect">
-            <a:avLst/>
-          </a:prstGeom>
-          <a:noFill/>
-        </p:spPr>
-        <p:txBody>
-          <a:bodyPr wrap="square">
-            <a:spAutoFit/>
-          </a:bodyPr>
-          <a:lstStyle/>
-          <a:p>
-            <a:pPr marL="0" marR="0" lvl="0" indent="0" algn="l" defTabSz="914400" rtl="0" eaLnBrk="1" fontAlgn="auto" latinLnBrk="0" hangingPunct="1">
-              <a:lnSpc>
-                <a:spcPct val="100000"/>
-              </a:lnSpc>
-              <a:spcBef>
-                <a:spcPts val="0"/>
-              </a:spcBef>
-              <a:spcAft>
-                <a:spcPts val="0"/>
-              </a:spcAft>
-              <a:buClrTx/>
-              <a:buSzTx/>
-              <a:buFontTx/>
-              <a:buNone/>
-              <a:tabLst/>
-              <a:defRPr/>
-            </a:pPr>
-            <a:r>
-              <a:rPr kumimoji="0" lang="en-US" sz="6000" b="0" i="0" u="none" strike="noStrike" kern="1200" cap="none" spc="0" normalizeH="0" baseline="0" noProof="0" dirty="0">
-                <a:ln>
-                  <a:noFill/>
-                </a:ln>
-                <a:solidFill>
-                  <a:prstClr val="white">
-                    <a:lumMod val="75000"/>
-                  </a:prstClr>
-                </a:solidFill>
-                <a:effectLst/>
-                <a:uLnTx/>
-                <a:uFillTx/>
-                <a:latin typeface="Open Sans" panose="020B0606030504020204" pitchFamily="34" charset="0"/>
-                <a:ea typeface="+mn-ea"/>
-                <a:cs typeface="+mn-cs"/>
-              </a:rPr>
-              <a:t>OOP Menu Example</a:t>
-            </a:r>
-          </a:p>
-        </p:txBody>
-      </p:sp>
-    </p:spTree>
-    <p:extLst>
-      <p:ext uri="{BB962C8B-B14F-4D97-AF65-F5344CB8AC3E}">
-        <p14:creationId xmlns:p14="http://schemas.microsoft.com/office/powerpoint/2010/main" val="4183596226"/>
-      </p:ext>
-    </p:extLst>
-  </p:cSld>
-  <p:clrMapOvr>
-    <a:masterClrMapping/>
-  </p:clrMapOvr>
-</p:sld>
-</file>
-
-<file path=ppt/slides/slide21.xml><?xml version="1.0" encoding="utf-8"?>
-<p:sld xmlns:a="http://schemas.openxmlformats.org/drawingml/2006/main" xmlns:r="http://schemas.openxmlformats.org/officeDocument/2006/relationships" xmlns:p="http://schemas.openxmlformats.org/presentationml/2006/main">
-  <p:cSld>
-    <p:spTree>
-      <p:nvGrpSpPr>
-        <p:cNvPr id="1" name=""/>
-        <p:cNvGrpSpPr/>
-        <p:nvPr/>
-      </p:nvGrpSpPr>
-      <p:grpSpPr>
-        <a:xfrm>
-          <a:off x="0" y="0"/>
-          <a:ext cx="0" cy="0"/>
-          <a:chOff x="0" y="0"/>
-          <a:chExt cx="0" cy="0"/>
-        </a:xfrm>
-      </p:grpSpPr>
-      <p:sp>
-        <p:nvSpPr>
-          <p:cNvPr id="6" name="TextBox 5">
-            <a:extLst>
-              <a:ext uri="{FF2B5EF4-FFF2-40B4-BE49-F238E27FC236}">
-                <a16:creationId xmlns:a16="http://schemas.microsoft.com/office/drawing/2014/main" id="{59E906CD-110B-9D01-732C-2F21759B0265}"/>
-              </a:ext>
-            </a:extLst>
-          </p:cNvPr>
-          <p:cNvSpPr txBox="1"/>
-          <p:nvPr/>
-        </p:nvSpPr>
-        <p:spPr>
-          <a:xfrm>
-            <a:off x="341603" y="50541"/>
-            <a:ext cx="11449344" cy="461665"/>
-          </a:xfrm>
-          <a:prstGeom prst="rect">
-            <a:avLst/>
-          </a:prstGeom>
-          <a:noFill/>
-        </p:spPr>
-        <p:txBody>
-          <a:bodyPr wrap="square">
-            <a:spAutoFit/>
-          </a:bodyPr>
-          <a:lstStyle/>
-          <a:p>
-            <a:pPr algn="l"/>
-            <a:r>
-              <a:rPr lang="en-US" sz="2400" b="1" dirty="0">
-                <a:solidFill>
-                  <a:srgbClr val="00B050"/>
-                </a:solidFill>
-                <a:latin typeface="Open Sans" panose="020B0606030504020204" pitchFamily="34" charset="0"/>
-              </a:rPr>
-              <a:t>Menu-Driven Applications</a:t>
-            </a:r>
-            <a:endParaRPr lang="en-US" sz="2400" b="1" dirty="0">
-              <a:solidFill>
-                <a:srgbClr val="00B050"/>
-              </a:solidFill>
-              <a:effectLst/>
-              <a:latin typeface="Open Sans" panose="020B0606030504020204" pitchFamily="34" charset="0"/>
-            </a:endParaRPr>
-          </a:p>
-        </p:txBody>
-      </p:sp>
-      <p:sp>
-        <p:nvSpPr>
-          <p:cNvPr id="5" name="TextBox 4">
-            <a:extLst>
-              <a:ext uri="{FF2B5EF4-FFF2-40B4-BE49-F238E27FC236}">
-                <a16:creationId xmlns:a16="http://schemas.microsoft.com/office/drawing/2014/main" id="{9DB63145-E59C-9501-8AA5-4E6AC5C0D40F}"/>
-              </a:ext>
-            </a:extLst>
-          </p:cNvPr>
-          <p:cNvSpPr txBox="1"/>
-          <p:nvPr/>
-        </p:nvSpPr>
-        <p:spPr>
-          <a:xfrm>
-            <a:off x="240935" y="539403"/>
-            <a:ext cx="11612709" cy="646331"/>
-          </a:xfrm>
-          <a:prstGeom prst="rect">
-            <a:avLst/>
-          </a:prstGeom>
-          <a:noFill/>
-        </p:spPr>
-        <p:txBody>
-          <a:bodyPr wrap="square">
-            <a:spAutoFit/>
-          </a:bodyPr>
-          <a:lstStyle/>
-          <a:p>
-            <a:pPr algn="l"/>
-            <a:r>
-              <a:rPr lang="en-US" b="1" i="0" dirty="0">
-                <a:solidFill>
-                  <a:schemeClr val="tx1">
-                    <a:lumMod val="85000"/>
-                  </a:schemeClr>
-                </a:solidFill>
-                <a:effectLst/>
-                <a:latin typeface="Open Sans" panose="020B0606030504020204" pitchFamily="34" charset="0"/>
-              </a:rPr>
-              <a:t>TBD</a:t>
-            </a:r>
-            <a:endParaRPr lang="en-US" b="0" i="0" dirty="0">
-              <a:solidFill>
-                <a:schemeClr val="tx1">
-                  <a:lumMod val="85000"/>
-                </a:schemeClr>
-              </a:solidFill>
-              <a:effectLst/>
-              <a:latin typeface="Open Sans" panose="020B0606030504020204" pitchFamily="34" charset="0"/>
-            </a:endParaRPr>
-          </a:p>
-          <a:p>
-            <a:pPr marL="342900" indent="-342900">
-              <a:buFont typeface="Arial" panose="020B0604020202020204" pitchFamily="34" charset="0"/>
-              <a:buChar char="•"/>
-            </a:pPr>
-            <a:endParaRPr lang="en-US" dirty="0">
-              <a:solidFill>
-                <a:schemeClr val="tx1">
-                  <a:lumMod val="85000"/>
-                </a:schemeClr>
-              </a:solidFill>
-              <a:latin typeface="Open Sans" panose="020B0606030504020204" pitchFamily="34" charset="0"/>
-            </a:endParaRPr>
-          </a:p>
-        </p:txBody>
-      </p:sp>
-    </p:spTree>
-    <p:extLst>
-      <p:ext uri="{BB962C8B-B14F-4D97-AF65-F5344CB8AC3E}">
-        <p14:creationId xmlns:p14="http://schemas.microsoft.com/office/powerpoint/2010/main" val="424094208"/>
-      </p:ext>
-    </p:extLst>
-  </p:cSld>
-  <p:clrMapOvr>
-    <a:masterClrMapping/>
-  </p:clrMapOvr>
-</p:sld>
-</file>
-
-<file path=ppt/slides/slide22.xml><?xml version="1.0" encoding="utf-8"?>
 <p:sld xmlns:a="http://schemas.openxmlformats.org/drawingml/2006/main" xmlns:r="http://schemas.openxmlformats.org/officeDocument/2006/relationships" xmlns:p="http://schemas.openxmlformats.org/presentationml/2006/main">
   <p:cSld>
     <p:spTree>
@@ -12665,7 +12675,7 @@
               <a:buAutoNum type="arabicPeriod"/>
             </a:pPr>
             <a:r>
-              <a:rPr lang="en-US" sz="2000" dirty="0">
+              <a:rPr lang="en-US" sz="2000">
                 <a:solidFill>
                   <a:srgbClr val="00B0F0"/>
                 </a:solidFill>
@@ -12673,10 +12683,10 @@
                 <a:ea typeface="Open Sans" panose="020B0606030504020204" pitchFamily="34" charset="0"/>
                 <a:cs typeface="Open Sans" panose="020B0606030504020204" pitchFamily="34" charset="0"/>
               </a:rPr>
-              <a:t>Encapsulation</a:t>
-            </a:r>
-            <a:r>
-              <a:rPr lang="en-US" sz="2000" dirty="0">
+              <a:t>Abstraction</a:t>
+            </a:r>
+            <a:r>
+              <a:rPr lang="en-US" sz="2000">
                 <a:solidFill>
                   <a:schemeClr val="tx1">
                     <a:lumMod val="85000"/>
@@ -12686,7 +12696,7 @@
                 <a:ea typeface="Open Sans" panose="020B0606030504020204" pitchFamily="34" charset="0"/>
                 <a:cs typeface="Open Sans" panose="020B0606030504020204" pitchFamily="34" charset="0"/>
               </a:rPr>
-              <a:t> -- Data Security -- binding related data and methods together into objects -- data hiding (hide the unnecessary).</a:t>
+              <a:t> -- Present a simplified view -- Hide the complexity from the user (show only what is necessary).</a:t>
             </a:r>
           </a:p>
           <a:p>
@@ -12695,7 +12705,7 @@
               <a:buAutoNum type="arabicPeriod"/>
             </a:pPr>
             <a:r>
-              <a:rPr lang="en-US" sz="2000" dirty="0">
+              <a:rPr lang="en-US" sz="2000">
                 <a:solidFill>
                   <a:srgbClr val="00B0F0"/>
                 </a:solidFill>
@@ -12703,10 +12713,10 @@
                 <a:ea typeface="Open Sans" panose="020B0606030504020204" pitchFamily="34" charset="0"/>
                 <a:cs typeface="Open Sans" panose="020B0606030504020204" pitchFamily="34" charset="0"/>
               </a:rPr>
-              <a:t>Inheritance</a:t>
-            </a:r>
-            <a:r>
-              <a:rPr lang="en-US" sz="2000" dirty="0">
+              <a:t>Encapsulation</a:t>
+            </a:r>
+            <a:r>
+              <a:rPr lang="en-US" sz="2000">
                 <a:solidFill>
                   <a:schemeClr val="tx1">
                     <a:lumMod val="85000"/>
@@ -12716,7 +12726,20 @@
                 <a:ea typeface="Open Sans" panose="020B0606030504020204" pitchFamily="34" charset="0"/>
                 <a:cs typeface="Open Sans" panose="020B0606030504020204" pitchFamily="34" charset="0"/>
               </a:rPr>
-              <a:t> -- Code reusability -- acquiring the existing functionality of a parent class, with the ability to add additional functionality and features into the child class -- an object can inherit some properties and methods from another object.</a:t>
+              <a:t> </a:t>
+            </a:r>
+            <a:r>
+              <a:rPr lang="en-US" sz="2000" dirty="0">
+                <a:solidFill>
+                  <a:schemeClr val="tx1">
+                    <a:lumMod val="85000"/>
+                  </a:schemeClr>
+                </a:solidFill>
+                <a:latin typeface="Open Sans" panose="020B0606030504020204" pitchFamily="34" charset="0"/>
+                <a:ea typeface="Open Sans" panose="020B0606030504020204" pitchFamily="34" charset="0"/>
+                <a:cs typeface="Open Sans" panose="020B0606030504020204" pitchFamily="34" charset="0"/>
+              </a:rPr>
+              <a:t>-- Data Security -- binding related data and methods together into objects -- data hiding (hide the unnecessary).</a:t>
             </a:r>
           </a:p>
           <a:p>
@@ -12733,7 +12756,7 @@
                 <a:ea typeface="Open Sans" panose="020B0606030504020204" pitchFamily="34" charset="0"/>
                 <a:cs typeface="Open Sans" panose="020B0606030504020204" pitchFamily="34" charset="0"/>
               </a:rPr>
-              <a:t>Polymorphism</a:t>
+              <a:t>Inheritance</a:t>
             </a:r>
             <a:r>
               <a:rPr lang="en-US" sz="2000" dirty="0">
@@ -12746,7 +12769,7 @@
                 <a:ea typeface="Open Sans" panose="020B0606030504020204" pitchFamily="34" charset="0"/>
                 <a:cs typeface="Open Sans" panose="020B0606030504020204" pitchFamily="34" charset="0"/>
               </a:rPr>
-              <a:t> --  Many Forms --  A single object can have multiple behaviors, or respond in different ways to the same function.  </a:t>
+              <a:t> -- Code reusability -- acquiring the existing functionality of a parent class, with the ability to add additional functionality and features into the child class -- an object can inherit some properties and methods from another object.</a:t>
             </a:r>
           </a:p>
           <a:p>
@@ -12763,7 +12786,7 @@
                 <a:ea typeface="Open Sans" panose="020B0606030504020204" pitchFamily="34" charset="0"/>
                 <a:cs typeface="Open Sans" panose="020B0606030504020204" pitchFamily="34" charset="0"/>
               </a:rPr>
-              <a:t>Abstraction</a:t>
+              <a:t>Polymorphism</a:t>
             </a:r>
             <a:r>
               <a:rPr lang="en-US" sz="2000" dirty="0">
@@ -12776,7 +12799,7 @@
                 <a:ea typeface="Open Sans" panose="020B0606030504020204" pitchFamily="34" charset="0"/>
                 <a:cs typeface="Open Sans" panose="020B0606030504020204" pitchFamily="34" charset="0"/>
               </a:rPr>
-              <a:t> -- Present a simplified view -- Hide the complexity from the user (show only what is necessary).</a:t>
+              <a:t> --  Many Forms --  A single object can have multiple behaviors, or respond in different ways to the same function.  </a:t>
             </a:r>
           </a:p>
           <a:p>
@@ -13286,6 +13309,103 @@
       </p:grpSpPr>
       <p:sp>
         <p:nvSpPr>
+          <p:cNvPr id="3" name="TextBox 2">
+            <a:extLst>
+              <a:ext uri="{FF2B5EF4-FFF2-40B4-BE49-F238E27FC236}">
+                <a16:creationId xmlns:a16="http://schemas.microsoft.com/office/drawing/2014/main" id="{23DFC7E9-54DD-38D7-0B9B-D34948D68CF9}"/>
+              </a:ext>
+            </a:extLst>
+          </p:cNvPr>
+          <p:cNvSpPr txBox="1"/>
+          <p:nvPr/>
+        </p:nvSpPr>
+        <p:spPr>
+          <a:xfrm>
+            <a:off x="1065401" y="2618895"/>
+            <a:ext cx="9538284" cy="1015663"/>
+          </a:xfrm>
+          <a:prstGeom prst="rect">
+            <a:avLst/>
+          </a:prstGeom>
+          <a:noFill/>
+        </p:spPr>
+        <p:txBody>
+          <a:bodyPr wrap="square">
+            <a:spAutoFit/>
+          </a:bodyPr>
+          <a:lstStyle/>
+          <a:p>
+            <a:pPr marL="0" marR="0" lvl="0" indent="0" algn="l" defTabSz="914400" rtl="0" eaLnBrk="1" fontAlgn="auto" latinLnBrk="0" hangingPunct="1">
+              <a:lnSpc>
+                <a:spcPct val="100000"/>
+              </a:lnSpc>
+              <a:spcBef>
+                <a:spcPts val="0"/>
+              </a:spcBef>
+              <a:spcAft>
+                <a:spcPts val="0"/>
+              </a:spcAft>
+              <a:buClrTx/>
+              <a:buSzTx/>
+              <a:buFontTx/>
+              <a:buNone/>
+              <a:tabLst/>
+              <a:defRPr/>
+            </a:pPr>
+            <a:r>
+              <a:rPr kumimoji="0" lang="en-US" sz="6000" b="0" i="0" u="none" strike="noStrike" kern="1200" cap="none" spc="0" normalizeH="0" baseline="0" noProof="0" dirty="0">
+                <a:ln>
+                  <a:noFill/>
+                </a:ln>
+                <a:solidFill>
+                  <a:prstClr val="white">
+                    <a:lumMod val="75000"/>
+                  </a:prstClr>
+                </a:solidFill>
+                <a:effectLst/>
+                <a:uLnTx/>
+                <a:uFillTx/>
+                <a:latin typeface="Open Sans" panose="020B0606030504020204" pitchFamily="34" charset="0"/>
+                <a:ea typeface="+mn-ea"/>
+                <a:cs typeface="+mn-cs"/>
+              </a:rPr>
+              <a:t>Inheritance vs Interfaces</a:t>
+            </a:r>
+          </a:p>
+        </p:txBody>
+      </p:sp>
+    </p:spTree>
+    <p:extLst>
+      <p:ext uri="{BB962C8B-B14F-4D97-AF65-F5344CB8AC3E}">
+        <p14:creationId xmlns:p14="http://schemas.microsoft.com/office/powerpoint/2010/main" val="1155090792"/>
+      </p:ext>
+    </p:extLst>
+  </p:cSld>
+  <p:clrMapOvr>
+    <a:masterClrMapping/>
+  </p:clrMapOvr>
+</p:sld>
+</file>
+
+<file path=ppt/slides/slide9.xml><?xml version="1.0" encoding="utf-8"?>
+<p:sld xmlns:a="http://schemas.openxmlformats.org/drawingml/2006/main" xmlns:r="http://schemas.openxmlformats.org/officeDocument/2006/relationships" xmlns:p="http://schemas.openxmlformats.org/presentationml/2006/main">
+  <p:cSld>
+    <p:spTree>
+      <p:nvGrpSpPr>
+        <p:cNvPr id="1" name=""/>
+        <p:cNvGrpSpPr/>
+        <p:nvPr/>
+      </p:nvGrpSpPr>
+      <p:grpSpPr>
+        <a:xfrm>
+          <a:off x="0" y="0"/>
+          <a:ext cx="0" cy="0"/>
+          <a:chOff x="0" y="0"/>
+          <a:chExt cx="0" cy="0"/>
+        </a:xfrm>
+      </p:grpSpPr>
+      <p:sp>
+        <p:nvSpPr>
           <p:cNvPr id="6" name="TextBox 5">
             <a:extLst>
               <a:ext uri="{FF2B5EF4-FFF2-40B4-BE49-F238E27FC236}">
@@ -13314,22 +13434,15 @@
           <a:p>
             <a:pPr algn="l"/>
             <a:r>
-              <a:rPr lang="en-US" sz="2400" b="1" dirty="0" err="1">
+              <a:rPr lang="en-US" sz="2400" b="1" dirty="0">
                 <a:solidFill>
                   <a:srgbClr val="00B050"/>
                 </a:solidFill>
                 <a:effectLst/>
                 <a:latin typeface="Open Sans" panose="020B0606030504020204" pitchFamily="34" charset="0"/>
               </a:rPr>
-              <a:t>Inheritence</a:t>
-            </a:r>
-            <a:endParaRPr lang="en-US" sz="2400" b="1" dirty="0">
-              <a:solidFill>
-                <a:srgbClr val="00B050"/>
-              </a:solidFill>
-              <a:effectLst/>
-              <a:latin typeface="Open Sans" panose="020B0606030504020204" pitchFamily="34" charset="0"/>
-            </a:endParaRPr>
+              <a:t>Inheritance</a:t>
+            </a:r>
           </a:p>
         </p:txBody>
       </p:sp>
@@ -14076,103 +14189,6 @@
     <p:extLst>
       <p:ext uri="{BB962C8B-B14F-4D97-AF65-F5344CB8AC3E}">
         <p14:creationId xmlns:p14="http://schemas.microsoft.com/office/powerpoint/2010/main" val="3551399501"/>
-      </p:ext>
-    </p:extLst>
-  </p:cSld>
-  <p:clrMapOvr>
-    <a:masterClrMapping/>
-  </p:clrMapOvr>
-</p:sld>
-</file>
-
-<file path=ppt/slides/slide9.xml><?xml version="1.0" encoding="utf-8"?>
-<p:sld xmlns:a="http://schemas.openxmlformats.org/drawingml/2006/main" xmlns:r="http://schemas.openxmlformats.org/officeDocument/2006/relationships" xmlns:p="http://schemas.openxmlformats.org/presentationml/2006/main">
-  <p:cSld>
-    <p:spTree>
-      <p:nvGrpSpPr>
-        <p:cNvPr id="1" name=""/>
-        <p:cNvGrpSpPr/>
-        <p:nvPr/>
-      </p:nvGrpSpPr>
-      <p:grpSpPr>
-        <a:xfrm>
-          <a:off x="0" y="0"/>
-          <a:ext cx="0" cy="0"/>
-          <a:chOff x="0" y="0"/>
-          <a:chExt cx="0" cy="0"/>
-        </a:xfrm>
-      </p:grpSpPr>
-      <p:sp>
-        <p:nvSpPr>
-          <p:cNvPr id="3" name="TextBox 2">
-            <a:extLst>
-              <a:ext uri="{FF2B5EF4-FFF2-40B4-BE49-F238E27FC236}">
-                <a16:creationId xmlns:a16="http://schemas.microsoft.com/office/drawing/2014/main" id="{23DFC7E9-54DD-38D7-0B9B-D34948D68CF9}"/>
-              </a:ext>
-            </a:extLst>
-          </p:cNvPr>
-          <p:cNvSpPr txBox="1"/>
-          <p:nvPr/>
-        </p:nvSpPr>
-        <p:spPr>
-          <a:xfrm>
-            <a:off x="1065401" y="2618895"/>
-            <a:ext cx="9538284" cy="1015663"/>
-          </a:xfrm>
-          <a:prstGeom prst="rect">
-            <a:avLst/>
-          </a:prstGeom>
-          <a:noFill/>
-        </p:spPr>
-        <p:txBody>
-          <a:bodyPr wrap="square">
-            <a:spAutoFit/>
-          </a:bodyPr>
-          <a:lstStyle/>
-          <a:p>
-            <a:pPr marL="0" marR="0" lvl="0" indent="0" algn="l" defTabSz="914400" rtl="0" eaLnBrk="1" fontAlgn="auto" latinLnBrk="0" hangingPunct="1">
-              <a:lnSpc>
-                <a:spcPct val="100000"/>
-              </a:lnSpc>
-              <a:spcBef>
-                <a:spcPts val="0"/>
-              </a:spcBef>
-              <a:spcAft>
-                <a:spcPts val="0"/>
-              </a:spcAft>
-              <a:buClrTx/>
-              <a:buSzTx/>
-              <a:buFontTx/>
-              <a:buNone/>
-              <a:tabLst/>
-              <a:defRPr/>
-            </a:pPr>
-            <a:r>
-              <a:rPr kumimoji="0" lang="en-US" sz="6000" b="0" i="0" u="none" strike="noStrike" kern="1200" cap="none" spc="0" normalizeH="0" baseline="0" noProof="0" dirty="0">
-                <a:ln>
-                  <a:noFill/>
-                </a:ln>
-                <a:solidFill>
-                  <a:prstClr val="white">
-                    <a:lumMod val="75000"/>
-                  </a:prstClr>
-                </a:solidFill>
-                <a:effectLst/>
-                <a:uLnTx/>
-                <a:uFillTx/>
-                <a:latin typeface="Open Sans" panose="020B0606030504020204" pitchFamily="34" charset="0"/>
-                <a:ea typeface="+mn-ea"/>
-                <a:cs typeface="+mn-cs"/>
-              </a:rPr>
-              <a:t>Interfaces</a:t>
-            </a:r>
-          </a:p>
-        </p:txBody>
-      </p:sp>
-    </p:spTree>
-    <p:extLst>
-      <p:ext uri="{BB962C8B-B14F-4D97-AF65-F5344CB8AC3E}">
-        <p14:creationId xmlns:p14="http://schemas.microsoft.com/office/powerpoint/2010/main" val="1155090792"/>
       </p:ext>
     </p:extLst>
   </p:cSld>

--- a/Week5/BESD Week 5.pptx
+++ b/Week5/BESD Week 5.pptx
@@ -23,8 +23,8 @@
     <p:sldId id="299" r:id="rId17"/>
     <p:sldId id="300" r:id="rId18"/>
     <p:sldId id="301" r:id="rId19"/>
-    <p:sldId id="306" r:id="rId20"/>
-    <p:sldId id="260" r:id="rId21"/>
+    <p:sldId id="260" r:id="rId20"/>
+    <p:sldId id="306" r:id="rId21"/>
   </p:sldIdLst>
   <p:sldSz cx="12192000" cy="6858000"/>
   <p:notesSz cx="6858000" cy="9144000"/>
@@ -146,94 +146,6 @@
           <pc:docMk/>
           <pc:sldMk cId="3551399501" sldId="303"/>
         </pc:sldMkLst>
-        <pc:spChg chg="add mod">
-          <ac:chgData name="Charles Kiefriter" userId="a996b49251c4dfd2" providerId="LiveId" clId="{38E1ABCE-DCED-45BB-9163-E7279FC7721B}" dt="2024-01-17T00:39:36.250" v="195" actId="1076"/>
-          <ac:spMkLst>
-            <pc:docMk/>
-            <pc:sldMk cId="3551399501" sldId="303"/>
-            <ac:spMk id="2" creationId="{40346BC9-5E3A-5092-6ECC-E4E6FAE9ADAF}"/>
-          </ac:spMkLst>
-        </pc:spChg>
-        <pc:spChg chg="add mod">
-          <ac:chgData name="Charles Kiefriter" userId="a996b49251c4dfd2" providerId="LiveId" clId="{38E1ABCE-DCED-45BB-9163-E7279FC7721B}" dt="2024-01-17T00:39:36.250" v="195" actId="1076"/>
-          <ac:spMkLst>
-            <pc:docMk/>
-            <pc:sldMk cId="3551399501" sldId="303"/>
-            <ac:spMk id="3" creationId="{F19DAB60-7345-E475-248A-5DE1D69809B0}"/>
-          </ac:spMkLst>
-        </pc:spChg>
-        <pc:spChg chg="mod">
-          <ac:chgData name="Charles Kiefriter" userId="a996b49251c4dfd2" providerId="LiveId" clId="{38E1ABCE-DCED-45BB-9163-E7279FC7721B}" dt="2024-01-17T00:43:50.936" v="207" actId="1076"/>
-          <ac:spMkLst>
-            <pc:docMk/>
-            <pc:sldMk cId="3551399501" sldId="303"/>
-            <ac:spMk id="4" creationId="{C0B26727-0F97-5A73-B4ED-6BE65E07E5DB}"/>
-          </ac:spMkLst>
-        </pc:spChg>
-        <pc:spChg chg="del">
-          <ac:chgData name="Charles Kiefriter" userId="a996b49251c4dfd2" providerId="LiveId" clId="{38E1ABCE-DCED-45BB-9163-E7279FC7721B}" dt="2024-01-17T00:43:03.947" v="200" actId="478"/>
-          <ac:spMkLst>
-            <pc:docMk/>
-            <pc:sldMk cId="3551399501" sldId="303"/>
-            <ac:spMk id="5" creationId="{20F6CBEF-9110-814A-F1E8-8EDD591B1904}"/>
-          </ac:spMkLst>
-        </pc:spChg>
-        <pc:spChg chg="mod">
-          <ac:chgData name="Charles Kiefriter" userId="a996b49251c4dfd2" providerId="LiveId" clId="{38E1ABCE-DCED-45BB-9163-E7279FC7721B}" dt="2024-01-17T00:18:26.384" v="25" actId="20577"/>
-          <ac:spMkLst>
-            <pc:docMk/>
-            <pc:sldMk cId="3551399501" sldId="303"/>
-            <ac:spMk id="6" creationId="{59E906CD-110B-9D01-732C-2F21759B0265}"/>
-          </ac:spMkLst>
-        </pc:spChg>
-        <pc:spChg chg="add mod">
-          <ac:chgData name="Charles Kiefriter" userId="a996b49251c4dfd2" providerId="LiveId" clId="{38E1ABCE-DCED-45BB-9163-E7279FC7721B}" dt="2024-01-17T00:39:36.250" v="195" actId="1076"/>
-          <ac:spMkLst>
-            <pc:docMk/>
-            <pc:sldMk cId="3551399501" sldId="303"/>
-            <ac:spMk id="7" creationId="{2944939E-CE60-4E7F-459C-2B805538DC4D}"/>
-          </ac:spMkLst>
-        </pc:spChg>
-        <pc:spChg chg="add mod">
-          <ac:chgData name="Charles Kiefriter" userId="a996b49251c4dfd2" providerId="LiveId" clId="{38E1ABCE-DCED-45BB-9163-E7279FC7721B}" dt="2024-01-17T00:39:36.250" v="195" actId="1076"/>
-          <ac:spMkLst>
-            <pc:docMk/>
-            <pc:sldMk cId="3551399501" sldId="303"/>
-            <ac:spMk id="8" creationId="{34F4454C-BF01-204B-7739-7B9CDC5E6AB9}"/>
-          </ac:spMkLst>
-        </pc:spChg>
-        <pc:spChg chg="add mod">
-          <ac:chgData name="Charles Kiefriter" userId="a996b49251c4dfd2" providerId="LiveId" clId="{38E1ABCE-DCED-45BB-9163-E7279FC7721B}" dt="2024-01-17T00:39:36.250" v="195" actId="1076"/>
-          <ac:spMkLst>
-            <pc:docMk/>
-            <pc:sldMk cId="3551399501" sldId="303"/>
-            <ac:spMk id="14" creationId="{C41761B8-B7F5-0027-F883-18FD7CEF3E85}"/>
-          </ac:spMkLst>
-        </pc:spChg>
-        <pc:spChg chg="add mod">
-          <ac:chgData name="Charles Kiefriter" userId="a996b49251c4dfd2" providerId="LiveId" clId="{38E1ABCE-DCED-45BB-9163-E7279FC7721B}" dt="2024-01-17T00:43:12.024" v="203" actId="14100"/>
-          <ac:spMkLst>
-            <pc:docMk/>
-            <pc:sldMk cId="3551399501" sldId="303"/>
-            <ac:spMk id="17" creationId="{B5607AA7-C4EB-DE4A-F2F9-216914155727}"/>
-          </ac:spMkLst>
-        </pc:spChg>
-        <pc:spChg chg="add mod">
-          <ac:chgData name="Charles Kiefriter" userId="a996b49251c4dfd2" providerId="LiveId" clId="{38E1ABCE-DCED-45BB-9163-E7279FC7721B}" dt="2024-01-17T00:44:01.199" v="209" actId="14100"/>
-          <ac:spMkLst>
-            <pc:docMk/>
-            <pc:sldMk cId="3551399501" sldId="303"/>
-            <ac:spMk id="19" creationId="{A1A2E3CB-4A3B-1F6C-E6B9-A4A01B2568C2}"/>
-          </ac:spMkLst>
-        </pc:spChg>
-        <pc:cxnChg chg="add mod">
-          <ac:chgData name="Charles Kiefriter" userId="a996b49251c4dfd2" providerId="LiveId" clId="{38E1ABCE-DCED-45BB-9163-E7279FC7721B}" dt="2024-01-17T00:39:36.250" v="195" actId="1076"/>
-          <ac:cxnSpMkLst>
-            <pc:docMk/>
-            <pc:sldMk cId="3551399501" sldId="303"/>
-            <ac:cxnSpMk id="10" creationId="{E2CF2A64-E28C-F0B1-55B1-F46615CA67E0}"/>
-          </ac:cxnSpMkLst>
-        </pc:cxnChg>
       </pc:sldChg>
       <pc:sldChg chg="add">
         <pc:chgData name="Charles Kiefriter" userId="a996b49251c4dfd2" providerId="LiveId" clId="{38E1ABCE-DCED-45BB-9163-E7279FC7721B}" dt="2024-01-17T00:18:14.563" v="0" actId="2890"/>
@@ -248,38 +160,6 @@
           <pc:docMk/>
           <pc:sldMk cId="2169686199" sldId="306"/>
         </pc:sldMkLst>
-        <pc:spChg chg="add mod">
-          <ac:chgData name="Charles Kiefriter" userId="a996b49251c4dfd2" providerId="LiveId" clId="{38E1ABCE-DCED-45BB-9163-E7279FC7721B}" dt="2024-01-17T00:59:27.811" v="243" actId="20577"/>
-          <ac:spMkLst>
-            <pc:docMk/>
-            <pc:sldMk cId="2169686199" sldId="306"/>
-            <ac:spMk id="2" creationId="{39E1C922-B9C7-D0AD-8A67-CE620AD121BE}"/>
-          </ac:spMkLst>
-        </pc:spChg>
-        <pc:spChg chg="del">
-          <ac:chgData name="Charles Kiefriter" userId="a996b49251c4dfd2" providerId="LiveId" clId="{38E1ABCE-DCED-45BB-9163-E7279FC7721B}" dt="2024-01-17T00:52:46.192" v="214" actId="478"/>
-          <ac:spMkLst>
-            <pc:docMk/>
-            <pc:sldMk cId="2169686199" sldId="306"/>
-            <ac:spMk id="4" creationId="{C0B26727-0F97-5A73-B4ED-6BE65E07E5DB}"/>
-          </ac:spMkLst>
-        </pc:spChg>
-        <pc:spChg chg="del">
-          <ac:chgData name="Charles Kiefriter" userId="a996b49251c4dfd2" providerId="LiveId" clId="{38E1ABCE-DCED-45BB-9163-E7279FC7721B}" dt="2024-01-17T00:52:44.184" v="213" actId="478"/>
-          <ac:spMkLst>
-            <pc:docMk/>
-            <pc:sldMk cId="2169686199" sldId="306"/>
-            <ac:spMk id="6" creationId="{59E906CD-110B-9D01-732C-2F21759B0265}"/>
-          </ac:spMkLst>
-        </pc:spChg>
-        <pc:picChg chg="add mod">
-          <ac:chgData name="Charles Kiefriter" userId="a996b49251c4dfd2" providerId="LiveId" clId="{38E1ABCE-DCED-45BB-9163-E7279FC7721B}" dt="2024-01-17T00:59:33.158" v="274" actId="1037"/>
-          <ac:picMkLst>
-            <pc:docMk/>
-            <pc:sldMk cId="2169686199" sldId="306"/>
-            <ac:picMk id="1026" creationId="{3C8CE67A-36E1-5A09-D74F-A2C8E212977E}"/>
-          </ac:picMkLst>
-        </pc:picChg>
       </pc:sldChg>
     </pc:docChg>
   </pc:docChgLst>
@@ -296,38 +176,6 @@
           <pc:docMk/>
           <pc:sldMk cId="3995279466" sldId="256"/>
         </pc:sldMkLst>
-        <pc:spChg chg="mod">
-          <ac:chgData name="Chuck Kiefriter" userId="c57348f7-b440-4861-a58f-c89f414ea74a" providerId="ADAL" clId="{C11307D8-F416-4216-B85A-47312E9494DC}" dt="2023-04-02T22:19:13.359" v="199" actId="14100"/>
-          <ac:spMkLst>
-            <pc:docMk/>
-            <pc:sldMk cId="3995279466" sldId="256"/>
-            <ac:spMk id="6" creationId="{DE3DBA5A-FA8E-46C6-1402-E5C7632F4CAD}"/>
-          </ac:spMkLst>
-        </pc:spChg>
-        <pc:spChg chg="mod">
-          <ac:chgData name="Chuck Kiefriter" userId="c57348f7-b440-4861-a58f-c89f414ea74a" providerId="ADAL" clId="{C11307D8-F416-4216-B85A-47312E9494DC}" dt="2023-04-04T22:40:58.023" v="1441" actId="20577"/>
-          <ac:spMkLst>
-            <pc:docMk/>
-            <pc:sldMk cId="3995279466" sldId="256"/>
-            <ac:spMk id="10" creationId="{EA3D5ED0-1762-C438-DD7C-B32C5582A339}"/>
-          </ac:spMkLst>
-        </pc:spChg>
-        <pc:spChg chg="del">
-          <ac:chgData name="Chuck Kiefriter" userId="c57348f7-b440-4861-a58f-c89f414ea74a" providerId="ADAL" clId="{C11307D8-F416-4216-B85A-47312E9494DC}" dt="2023-04-02T22:23:05.499" v="213" actId="478"/>
-          <ac:spMkLst>
-            <pc:docMk/>
-            <pc:sldMk cId="3995279466" sldId="256"/>
-            <ac:spMk id="11" creationId="{8C44B216-C75C-0589-1A08-E1736DCD43C5}"/>
-          </ac:spMkLst>
-        </pc:spChg>
-        <pc:picChg chg="del">
-          <ac:chgData name="Chuck Kiefriter" userId="c57348f7-b440-4861-a58f-c89f414ea74a" providerId="ADAL" clId="{C11307D8-F416-4216-B85A-47312E9494DC}" dt="2023-04-02T22:19:15.896" v="200" actId="478"/>
-          <ac:picMkLst>
-            <pc:docMk/>
-            <pc:sldMk cId="3995279466" sldId="256"/>
-            <ac:picMk id="5" creationId="{C730C03D-0D57-7578-992D-93F2E9FFBCB8}"/>
-          </ac:picMkLst>
-        </pc:picChg>
       </pc:sldChg>
       <pc:sldChg chg="modSp mod">
         <pc:chgData name="Chuck Kiefriter" userId="c57348f7-b440-4861-a58f-c89f414ea74a" providerId="ADAL" clId="{C11307D8-F416-4216-B85A-47312E9494DC}" dt="2023-04-02T22:18:27.703" v="153" actId="20577"/>
@@ -335,14 +183,6 @@
           <pc:docMk/>
           <pc:sldMk cId="3194223319" sldId="263"/>
         </pc:sldMkLst>
-        <pc:spChg chg="mod">
-          <ac:chgData name="Chuck Kiefriter" userId="c57348f7-b440-4861-a58f-c89f414ea74a" providerId="ADAL" clId="{C11307D8-F416-4216-B85A-47312E9494DC}" dt="2023-04-02T22:18:27.703" v="153" actId="20577"/>
-          <ac:spMkLst>
-            <pc:docMk/>
-            <pc:sldMk cId="3194223319" sldId="263"/>
-            <ac:spMk id="3" creationId="{23DFC7E9-54DD-38D7-0B9B-D34948D68CF9}"/>
-          </ac:spMkLst>
-        </pc:spChg>
       </pc:sldChg>
       <pc:sldChg chg="modSp mod">
         <pc:chgData name="Chuck Kiefriter" userId="c57348f7-b440-4861-a58f-c89f414ea74a" providerId="ADAL" clId="{C11307D8-F416-4216-B85A-47312E9494DC}" dt="2023-04-02T22:18:46.219" v="157" actId="14100"/>
@@ -350,14 +190,6 @@
           <pc:docMk/>
           <pc:sldMk cId="763182894" sldId="264"/>
         </pc:sldMkLst>
-        <pc:spChg chg="mod">
-          <ac:chgData name="Chuck Kiefriter" userId="c57348f7-b440-4861-a58f-c89f414ea74a" providerId="ADAL" clId="{C11307D8-F416-4216-B85A-47312E9494DC}" dt="2023-04-02T22:18:46.219" v="157" actId="14100"/>
-          <ac:spMkLst>
-            <pc:docMk/>
-            <pc:sldMk cId="763182894" sldId="264"/>
-            <ac:spMk id="3" creationId="{23DFC7E9-54DD-38D7-0B9B-D34948D68CF9}"/>
-          </ac:spMkLst>
-        </pc:spChg>
       </pc:sldChg>
       <pc:sldChg chg="modSp mod">
         <pc:chgData name="Chuck Kiefriter" userId="c57348f7-b440-4861-a58f-c89f414ea74a" providerId="ADAL" clId="{C11307D8-F416-4216-B85A-47312E9494DC}" dt="2023-04-03T15:01:38.405" v="654" actId="20577"/>
@@ -365,14 +197,6 @@
           <pc:docMk/>
           <pc:sldMk cId="367428708" sldId="265"/>
         </pc:sldMkLst>
-        <pc:spChg chg="mod">
-          <ac:chgData name="Chuck Kiefriter" userId="c57348f7-b440-4861-a58f-c89f414ea74a" providerId="ADAL" clId="{C11307D8-F416-4216-B85A-47312E9494DC}" dt="2023-04-03T15:01:38.405" v="654" actId="20577"/>
-          <ac:spMkLst>
-            <pc:docMk/>
-            <pc:sldMk cId="367428708" sldId="265"/>
-            <ac:spMk id="3" creationId="{23DFC7E9-54DD-38D7-0B9B-D34948D68CF9}"/>
-          </ac:spMkLst>
-        </pc:spChg>
       </pc:sldChg>
       <pc:sldChg chg="addSp delSp modSp mod">
         <pc:chgData name="Chuck Kiefriter" userId="c57348f7-b440-4861-a58f-c89f414ea74a" providerId="ADAL" clId="{C11307D8-F416-4216-B85A-47312E9494DC}" dt="2023-04-04T18:57:23.796" v="1425" actId="207"/>
@@ -380,54 +204,6 @@
           <pc:docMk/>
           <pc:sldMk cId="976671966" sldId="278"/>
         </pc:sldMkLst>
-        <pc:spChg chg="add mod">
-          <ac:chgData name="Chuck Kiefriter" userId="c57348f7-b440-4861-a58f-c89f414ea74a" providerId="ADAL" clId="{C11307D8-F416-4216-B85A-47312E9494DC}" dt="2023-04-03T15:28:39.411" v="808" actId="1038"/>
-          <ac:spMkLst>
-            <pc:docMk/>
-            <pc:sldMk cId="976671966" sldId="278"/>
-            <ac:spMk id="3" creationId="{C9DDF84E-4B1D-A8C8-4D2B-5582BF58B0D3}"/>
-          </ac:spMkLst>
-        </pc:spChg>
-        <pc:spChg chg="mod">
-          <ac:chgData name="Chuck Kiefriter" userId="c57348f7-b440-4861-a58f-c89f414ea74a" providerId="ADAL" clId="{C11307D8-F416-4216-B85A-47312E9494DC}" dt="2023-04-04T18:57:23.796" v="1425" actId="207"/>
-          <ac:spMkLst>
-            <pc:docMk/>
-            <pc:sldMk cId="976671966" sldId="278"/>
-            <ac:spMk id="4" creationId="{C0B26727-0F97-5A73-B4ED-6BE65E07E5DB}"/>
-          </ac:spMkLst>
-        </pc:spChg>
-        <pc:spChg chg="del">
-          <ac:chgData name="Chuck Kiefriter" userId="c57348f7-b440-4861-a58f-c89f414ea74a" providerId="ADAL" clId="{C11307D8-F416-4216-B85A-47312E9494DC}" dt="2023-04-03T15:02:16.058" v="665" actId="478"/>
-          <ac:spMkLst>
-            <pc:docMk/>
-            <pc:sldMk cId="976671966" sldId="278"/>
-            <ac:spMk id="5" creationId="{983625D7-1156-1D51-0A49-6B0357B75EF4}"/>
-          </ac:spMkLst>
-        </pc:spChg>
-        <pc:spChg chg="mod">
-          <ac:chgData name="Chuck Kiefriter" userId="c57348f7-b440-4861-a58f-c89f414ea74a" providerId="ADAL" clId="{C11307D8-F416-4216-B85A-47312E9494DC}" dt="2023-04-03T15:02:10.368" v="664" actId="20577"/>
-          <ac:spMkLst>
-            <pc:docMk/>
-            <pc:sldMk cId="976671966" sldId="278"/>
-            <ac:spMk id="6" creationId="{59E906CD-110B-9D01-732C-2F21759B0265}"/>
-          </ac:spMkLst>
-        </pc:spChg>
-        <pc:spChg chg="add mod">
-          <ac:chgData name="Chuck Kiefriter" userId="c57348f7-b440-4861-a58f-c89f414ea74a" providerId="ADAL" clId="{C11307D8-F416-4216-B85A-47312E9494DC}" dt="2023-04-03T17:15:25.128" v="1318" actId="1076"/>
-          <ac:spMkLst>
-            <pc:docMk/>
-            <pc:sldMk cId="976671966" sldId="278"/>
-            <ac:spMk id="8" creationId="{9FF17257-FCFA-B5FD-1F98-96E3F7F501FF}"/>
-          </ac:spMkLst>
-        </pc:spChg>
-        <pc:spChg chg="del">
-          <ac:chgData name="Chuck Kiefriter" userId="c57348f7-b440-4861-a58f-c89f414ea74a" providerId="ADAL" clId="{C11307D8-F416-4216-B85A-47312E9494DC}" dt="2023-04-03T15:02:16.058" v="665" actId="478"/>
-          <ac:spMkLst>
-            <pc:docMk/>
-            <pc:sldMk cId="976671966" sldId="278"/>
-            <ac:spMk id="9" creationId="{E3EBAC68-1411-42B9-71E1-6CD3E49066B5}"/>
-          </ac:spMkLst>
-        </pc:spChg>
       </pc:sldChg>
       <pc:sldChg chg="modSp mod">
         <pc:chgData name="Chuck Kiefriter" userId="c57348f7-b440-4861-a58f-c89f414ea74a" providerId="ADAL" clId="{C11307D8-F416-4216-B85A-47312E9494DC}" dt="2023-04-03T17:20:27.754" v="1333" actId="20577"/>
@@ -435,14 +211,6 @@
           <pc:docMk/>
           <pc:sldMk cId="1155090792" sldId="286"/>
         </pc:sldMkLst>
-        <pc:spChg chg="mod">
-          <ac:chgData name="Chuck Kiefriter" userId="c57348f7-b440-4861-a58f-c89f414ea74a" providerId="ADAL" clId="{C11307D8-F416-4216-B85A-47312E9494DC}" dt="2023-04-03T17:20:27.754" v="1333" actId="20577"/>
-          <ac:spMkLst>
-            <pc:docMk/>
-            <pc:sldMk cId="1155090792" sldId="286"/>
-            <ac:spMk id="3" creationId="{23DFC7E9-54DD-38D7-0B9B-D34948D68CF9}"/>
-          </ac:spMkLst>
-        </pc:spChg>
       </pc:sldChg>
       <pc:sldChg chg="modSp mod">
         <pc:chgData name="Chuck Kiefriter" userId="c57348f7-b440-4861-a58f-c89f414ea74a" providerId="ADAL" clId="{C11307D8-F416-4216-B85A-47312E9494DC}" dt="2023-04-03T18:49:25.647" v="1381" actId="20577"/>
@@ -450,14 +218,6 @@
           <pc:docMk/>
           <pc:sldMk cId="424094208" sldId="287"/>
         </pc:sldMkLst>
-        <pc:spChg chg="mod">
-          <ac:chgData name="Chuck Kiefriter" userId="c57348f7-b440-4861-a58f-c89f414ea74a" providerId="ADAL" clId="{C11307D8-F416-4216-B85A-47312E9494DC}" dt="2023-04-03T18:49:25.647" v="1381" actId="20577"/>
-          <ac:spMkLst>
-            <pc:docMk/>
-            <pc:sldMk cId="424094208" sldId="287"/>
-            <ac:spMk id="5" creationId="{9DB63145-E59C-9501-8AA5-4E6AC5C0D40F}"/>
-          </ac:spMkLst>
-        </pc:spChg>
       </pc:sldChg>
       <pc:sldChg chg="del">
         <pc:chgData name="Chuck Kiefriter" userId="c57348f7-b440-4861-a58f-c89f414ea74a" providerId="ADAL" clId="{C11307D8-F416-4216-B85A-47312E9494DC}" dt="2023-04-02T22:24:00.552" v="217" actId="47"/>
@@ -500,46 +260,6 @@
           <pc:docMk/>
           <pc:sldMk cId="250210305" sldId="293"/>
         </pc:sldMkLst>
-        <pc:spChg chg="mod">
-          <ac:chgData name="Chuck Kiefriter" userId="c57348f7-b440-4861-a58f-c89f414ea74a" providerId="ADAL" clId="{C11307D8-F416-4216-B85A-47312E9494DC}" dt="2023-04-02T22:25:04.220" v="238" actId="20577"/>
-          <ac:spMkLst>
-            <pc:docMk/>
-            <pc:sldMk cId="250210305" sldId="293"/>
-            <ac:spMk id="6" creationId="{DE3DBA5A-FA8E-46C6-1402-E5C7632F4CAD}"/>
-          </ac:spMkLst>
-        </pc:spChg>
-        <pc:spChg chg="mod">
-          <ac:chgData name="Chuck Kiefriter" userId="c57348f7-b440-4861-a58f-c89f414ea74a" providerId="ADAL" clId="{C11307D8-F416-4216-B85A-47312E9494DC}" dt="2023-04-02T22:34:44.575" v="335" actId="1036"/>
-          <ac:spMkLst>
-            <pc:docMk/>
-            <pc:sldMk cId="250210305" sldId="293"/>
-            <ac:spMk id="10" creationId="{EA3D5ED0-1762-C438-DD7C-B32C5582A339}"/>
-          </ac:spMkLst>
-        </pc:spChg>
-        <pc:graphicFrameChg chg="add mod modGraphic">
-          <ac:chgData name="Chuck Kiefriter" userId="c57348f7-b440-4861-a58f-c89f414ea74a" providerId="ADAL" clId="{C11307D8-F416-4216-B85A-47312E9494DC}" dt="2023-04-02T22:34:15.597" v="311" actId="207"/>
-          <ac:graphicFrameMkLst>
-            <pc:docMk/>
-            <pc:sldMk cId="250210305" sldId="293"/>
-            <ac:graphicFrameMk id="2" creationId="{37BDF7BB-E95F-A1D6-91B0-C82B570617A0}"/>
-          </ac:graphicFrameMkLst>
-        </pc:graphicFrameChg>
-        <pc:picChg chg="add mod">
-          <ac:chgData name="Chuck Kiefriter" userId="c57348f7-b440-4861-a58f-c89f414ea74a" providerId="ADAL" clId="{C11307D8-F416-4216-B85A-47312E9494DC}" dt="2023-04-02T22:31:46.068" v="292" actId="1076"/>
-          <ac:picMkLst>
-            <pc:docMk/>
-            <pc:sldMk cId="250210305" sldId="293"/>
-            <ac:picMk id="4" creationId="{7CB28188-CD37-F6A4-6D3C-70765550BD6C}"/>
-          </ac:picMkLst>
-        </pc:picChg>
-        <pc:picChg chg="add mod">
-          <ac:chgData name="Chuck Kiefriter" userId="c57348f7-b440-4861-a58f-c89f414ea74a" providerId="ADAL" clId="{C11307D8-F416-4216-B85A-47312E9494DC}" dt="2023-04-04T22:37:32.693" v="1436" actId="1076"/>
-          <ac:picMkLst>
-            <pc:docMk/>
-            <pc:sldMk cId="250210305" sldId="293"/>
-            <ac:picMk id="5" creationId="{53DF2F7F-7B17-ADB3-6B4E-639563DF2A2A}"/>
-          </ac:picMkLst>
-        </pc:picChg>
       </pc:sldChg>
       <pc:sldChg chg="addSp delSp modSp add mod">
         <pc:chgData name="Chuck Kiefriter" userId="c57348f7-b440-4861-a58f-c89f414ea74a" providerId="ADAL" clId="{C11307D8-F416-4216-B85A-47312E9494DC}" dt="2023-04-02T23:08:14.894" v="563" actId="207"/>
@@ -547,70 +267,6 @@
           <pc:docMk/>
           <pc:sldMk cId="2393746750" sldId="294"/>
         </pc:sldMkLst>
-        <pc:spChg chg="add mod">
-          <ac:chgData name="Chuck Kiefriter" userId="c57348f7-b440-4861-a58f-c89f414ea74a" providerId="ADAL" clId="{C11307D8-F416-4216-B85A-47312E9494DC}" dt="2023-04-02T22:57:18.640" v="499" actId="1076"/>
-          <ac:spMkLst>
-            <pc:docMk/>
-            <pc:sldMk cId="2393746750" sldId="294"/>
-            <ac:spMk id="5" creationId="{2F91AB46-91B6-D008-FAC4-1461717C6E0C}"/>
-          </ac:spMkLst>
-        </pc:spChg>
-        <pc:spChg chg="mod">
-          <ac:chgData name="Chuck Kiefriter" userId="c57348f7-b440-4861-a58f-c89f414ea74a" providerId="ADAL" clId="{C11307D8-F416-4216-B85A-47312E9494DC}" dt="2023-04-02T22:47:27.050" v="410" actId="20577"/>
-          <ac:spMkLst>
-            <pc:docMk/>
-            <pc:sldMk cId="2393746750" sldId="294"/>
-            <ac:spMk id="6" creationId="{DE3DBA5A-FA8E-46C6-1402-E5C7632F4CAD}"/>
-          </ac:spMkLst>
-        </pc:spChg>
-        <pc:spChg chg="add mod">
-          <ac:chgData name="Chuck Kiefriter" userId="c57348f7-b440-4861-a58f-c89f414ea74a" providerId="ADAL" clId="{C11307D8-F416-4216-B85A-47312E9494DC}" dt="2023-04-02T23:05:15.025" v="512" actId="1076"/>
-          <ac:spMkLst>
-            <pc:docMk/>
-            <pc:sldMk cId="2393746750" sldId="294"/>
-            <ac:spMk id="8" creationId="{D447757E-C9A6-66AC-8AF6-FAEF70B9920F}"/>
-          </ac:spMkLst>
-        </pc:spChg>
-        <pc:spChg chg="mod">
-          <ac:chgData name="Chuck Kiefriter" userId="c57348f7-b440-4861-a58f-c89f414ea74a" providerId="ADAL" clId="{C11307D8-F416-4216-B85A-47312E9494DC}" dt="2023-04-02T23:08:14.894" v="563" actId="207"/>
-          <ac:spMkLst>
-            <pc:docMk/>
-            <pc:sldMk cId="2393746750" sldId="294"/>
-            <ac:spMk id="10" creationId="{EA3D5ED0-1762-C438-DD7C-B32C5582A339}"/>
-          </ac:spMkLst>
-        </pc:spChg>
-        <pc:spChg chg="add mod">
-          <ac:chgData name="Chuck Kiefriter" userId="c57348f7-b440-4861-a58f-c89f414ea74a" providerId="ADAL" clId="{C11307D8-F416-4216-B85A-47312E9494DC}" dt="2023-04-02T23:05:37.879" v="515" actId="14100"/>
-          <ac:spMkLst>
-            <pc:docMk/>
-            <pc:sldMk cId="2393746750" sldId="294"/>
-            <ac:spMk id="11" creationId="{18375F9A-28E2-5B4B-53E5-365BF1F164F0}"/>
-          </ac:spMkLst>
-        </pc:spChg>
-        <pc:spChg chg="add mod">
-          <ac:chgData name="Chuck Kiefriter" userId="c57348f7-b440-4861-a58f-c89f414ea74a" providerId="ADAL" clId="{C11307D8-F416-4216-B85A-47312E9494DC}" dt="2023-04-02T23:06:07.710" v="536" actId="1036"/>
-          <ac:spMkLst>
-            <pc:docMk/>
-            <pc:sldMk cId="2393746750" sldId="294"/>
-            <ac:spMk id="13" creationId="{61BB3492-71A0-D931-F8EC-53AE6AE410A9}"/>
-          </ac:spMkLst>
-        </pc:spChg>
-        <pc:graphicFrameChg chg="del">
-          <ac:chgData name="Chuck Kiefriter" userId="c57348f7-b440-4861-a58f-c89f414ea74a" providerId="ADAL" clId="{C11307D8-F416-4216-B85A-47312E9494DC}" dt="2023-04-02T22:46:54.432" v="388" actId="478"/>
-          <ac:graphicFrameMkLst>
-            <pc:docMk/>
-            <pc:sldMk cId="2393746750" sldId="294"/>
-            <ac:graphicFrameMk id="2" creationId="{37BDF7BB-E95F-A1D6-91B0-C82B570617A0}"/>
-          </ac:graphicFrameMkLst>
-        </pc:graphicFrameChg>
-        <pc:picChg chg="del">
-          <ac:chgData name="Chuck Kiefriter" userId="c57348f7-b440-4861-a58f-c89f414ea74a" providerId="ADAL" clId="{C11307D8-F416-4216-B85A-47312E9494DC}" dt="2023-04-02T22:46:57.054" v="389" actId="478"/>
-          <ac:picMkLst>
-            <pc:docMk/>
-            <pc:sldMk cId="2393746750" sldId="294"/>
-            <ac:picMk id="4" creationId="{7CB28188-CD37-F6A4-6D3C-70765550BD6C}"/>
-          </ac:picMkLst>
-        </pc:picChg>
       </pc:sldChg>
       <pc:sldChg chg="modSp add mod">
         <pc:chgData name="Chuck Kiefriter" userId="c57348f7-b440-4861-a58f-c89f414ea74a" providerId="ADAL" clId="{C11307D8-F416-4216-B85A-47312E9494DC}" dt="2023-04-02T23:11:48.745" v="585" actId="5793"/>
@@ -618,22 +274,6 @@
           <pc:docMk/>
           <pc:sldMk cId="3934503907" sldId="295"/>
         </pc:sldMkLst>
-        <pc:spChg chg="mod">
-          <ac:chgData name="Chuck Kiefriter" userId="c57348f7-b440-4861-a58f-c89f414ea74a" providerId="ADAL" clId="{C11307D8-F416-4216-B85A-47312E9494DC}" dt="2023-04-02T23:09:06.656" v="565" actId="6549"/>
-          <ac:spMkLst>
-            <pc:docMk/>
-            <pc:sldMk cId="3934503907" sldId="295"/>
-            <ac:spMk id="6" creationId="{DE3DBA5A-FA8E-46C6-1402-E5C7632F4CAD}"/>
-          </ac:spMkLst>
-        </pc:spChg>
-        <pc:spChg chg="mod">
-          <ac:chgData name="Chuck Kiefriter" userId="c57348f7-b440-4861-a58f-c89f414ea74a" providerId="ADAL" clId="{C11307D8-F416-4216-B85A-47312E9494DC}" dt="2023-04-02T23:11:48.745" v="585" actId="5793"/>
-          <ac:spMkLst>
-            <pc:docMk/>
-            <pc:sldMk cId="3934503907" sldId="295"/>
-            <ac:spMk id="10" creationId="{EA3D5ED0-1762-C438-DD7C-B32C5582A339}"/>
-          </ac:spMkLst>
-        </pc:spChg>
       </pc:sldChg>
       <pc:sldChg chg="addSp modSp add mod">
         <pc:chgData name="Chuck Kiefriter" userId="c57348f7-b440-4861-a58f-c89f414ea74a" providerId="ADAL" clId="{C11307D8-F416-4216-B85A-47312E9494DC}" dt="2023-04-03T18:11:13.271" v="1353" actId="6549"/>
@@ -641,30 +281,6 @@
           <pc:docMk/>
           <pc:sldMk cId="1076239930" sldId="296"/>
         </pc:sldMkLst>
-        <pc:spChg chg="add mod">
-          <ac:chgData name="Chuck Kiefriter" userId="c57348f7-b440-4861-a58f-c89f414ea74a" providerId="ADAL" clId="{C11307D8-F416-4216-B85A-47312E9494DC}" dt="2023-04-03T15:00:52.531" v="644" actId="1076"/>
-          <ac:spMkLst>
-            <pc:docMk/>
-            <pc:sldMk cId="1076239930" sldId="296"/>
-            <ac:spMk id="3" creationId="{4147B091-8768-D6A8-FF68-DEC06014D579}"/>
-          </ac:spMkLst>
-        </pc:spChg>
-        <pc:spChg chg="mod">
-          <ac:chgData name="Chuck Kiefriter" userId="c57348f7-b440-4861-a58f-c89f414ea74a" providerId="ADAL" clId="{C11307D8-F416-4216-B85A-47312E9494DC}" dt="2023-04-03T15:00:29.665" v="640" actId="1035"/>
-          <ac:spMkLst>
-            <pc:docMk/>
-            <pc:sldMk cId="1076239930" sldId="296"/>
-            <ac:spMk id="6" creationId="{DE3DBA5A-FA8E-46C6-1402-E5C7632F4CAD}"/>
-          </ac:spMkLst>
-        </pc:spChg>
-        <pc:spChg chg="mod">
-          <ac:chgData name="Chuck Kiefriter" userId="c57348f7-b440-4861-a58f-c89f414ea74a" providerId="ADAL" clId="{C11307D8-F416-4216-B85A-47312E9494DC}" dt="2023-04-03T18:11:13.271" v="1353" actId="6549"/>
-          <ac:spMkLst>
-            <pc:docMk/>
-            <pc:sldMk cId="1076239930" sldId="296"/>
-            <ac:spMk id="10" creationId="{EA3D5ED0-1762-C438-DD7C-B32C5582A339}"/>
-          </ac:spMkLst>
-        </pc:spChg>
       </pc:sldChg>
       <pc:sldChg chg="addSp delSp modSp add mod">
         <pc:chgData name="Chuck Kiefriter" userId="c57348f7-b440-4861-a58f-c89f414ea74a" providerId="ADAL" clId="{C11307D8-F416-4216-B85A-47312E9494DC}" dt="2023-04-04T18:58:19.446" v="1426" actId="207"/>
@@ -672,38 +288,6 @@
           <pc:docMk/>
           <pc:sldMk cId="2586908395" sldId="297"/>
         </pc:sldMkLst>
-        <pc:spChg chg="add del">
-          <ac:chgData name="Chuck Kiefriter" userId="c57348f7-b440-4861-a58f-c89f414ea74a" providerId="ADAL" clId="{C11307D8-F416-4216-B85A-47312E9494DC}" dt="2023-04-03T15:12:27.009" v="762"/>
-          <ac:spMkLst>
-            <pc:docMk/>
-            <pc:sldMk cId="2586908395" sldId="297"/>
-            <ac:spMk id="2" creationId="{3F616592-3C02-0860-84A0-E3BEDB39760F}"/>
-          </ac:spMkLst>
-        </pc:spChg>
-        <pc:spChg chg="mod">
-          <ac:chgData name="Chuck Kiefriter" userId="c57348f7-b440-4861-a58f-c89f414ea74a" providerId="ADAL" clId="{C11307D8-F416-4216-B85A-47312E9494DC}" dt="2023-04-04T18:58:19.446" v="1426" actId="207"/>
-          <ac:spMkLst>
-            <pc:docMk/>
-            <pc:sldMk cId="2586908395" sldId="297"/>
-            <ac:spMk id="4" creationId="{C0B26727-0F97-5A73-B4ED-6BE65E07E5DB}"/>
-          </ac:spMkLst>
-        </pc:spChg>
-        <pc:spChg chg="add mod">
-          <ac:chgData name="Chuck Kiefriter" userId="c57348f7-b440-4861-a58f-c89f414ea74a" providerId="ADAL" clId="{C11307D8-F416-4216-B85A-47312E9494DC}" dt="2023-04-03T15:28:43.603" v="809"/>
-          <ac:spMkLst>
-            <pc:docMk/>
-            <pc:sldMk cId="2586908395" sldId="297"/>
-            <ac:spMk id="7" creationId="{E4F67DC1-6682-DCC5-09F9-0D3C65052F99}"/>
-          </ac:spMkLst>
-        </pc:spChg>
-        <pc:picChg chg="add mod">
-          <ac:chgData name="Chuck Kiefriter" userId="c57348f7-b440-4861-a58f-c89f414ea74a" providerId="ADAL" clId="{C11307D8-F416-4216-B85A-47312E9494DC}" dt="2023-04-03T15:28:53.796" v="836" actId="1035"/>
-          <ac:picMkLst>
-            <pc:docMk/>
-            <pc:sldMk cId="2586908395" sldId="297"/>
-            <ac:picMk id="5" creationId="{A70A8141-972B-8FEE-B70B-882D3DD31F46}"/>
-          </ac:picMkLst>
-        </pc:picChg>
       </pc:sldChg>
       <pc:sldChg chg="addSp delSp modSp add mod">
         <pc:chgData name="Chuck Kiefriter" userId="c57348f7-b440-4861-a58f-c89f414ea74a" providerId="ADAL" clId="{C11307D8-F416-4216-B85A-47312E9494DC}" dt="2023-04-03T15:29:37.311" v="840" actId="115"/>
@@ -711,38 +295,6 @@
           <pc:docMk/>
           <pc:sldMk cId="1731529612" sldId="298"/>
         </pc:sldMkLst>
-        <pc:spChg chg="mod">
-          <ac:chgData name="Chuck Kiefriter" userId="c57348f7-b440-4861-a58f-c89f414ea74a" providerId="ADAL" clId="{C11307D8-F416-4216-B85A-47312E9494DC}" dt="2023-04-03T15:29:37.311" v="840" actId="115"/>
-          <ac:spMkLst>
-            <pc:docMk/>
-            <pc:sldMk cId="1731529612" sldId="298"/>
-            <ac:spMk id="4" creationId="{C0B26727-0F97-5A73-B4ED-6BE65E07E5DB}"/>
-          </ac:spMkLst>
-        </pc:spChg>
-        <pc:spChg chg="add mod">
-          <ac:chgData name="Chuck Kiefriter" userId="c57348f7-b440-4861-a58f-c89f414ea74a" providerId="ADAL" clId="{C11307D8-F416-4216-B85A-47312E9494DC}" dt="2023-04-03T15:28:57.894" v="837"/>
-          <ac:spMkLst>
-            <pc:docMk/>
-            <pc:sldMk cId="1731529612" sldId="298"/>
-            <ac:spMk id="7" creationId="{81EDE05F-B22E-686F-2292-BF6CA2A0BD87}"/>
-          </ac:spMkLst>
-        </pc:spChg>
-        <pc:picChg chg="add mod">
-          <ac:chgData name="Chuck Kiefriter" userId="c57348f7-b440-4861-a58f-c89f414ea74a" providerId="ADAL" clId="{C11307D8-F416-4216-B85A-47312E9494DC}" dt="2023-04-03T15:29:05.082" v="839" actId="1076"/>
-          <ac:picMkLst>
-            <pc:docMk/>
-            <pc:sldMk cId="1731529612" sldId="298"/>
-            <ac:picMk id="3" creationId="{E2697A41-77D9-6BEA-7880-1DBD268ED34C}"/>
-          </ac:picMkLst>
-        </pc:picChg>
-        <pc:picChg chg="del">
-          <ac:chgData name="Chuck Kiefriter" userId="c57348f7-b440-4861-a58f-c89f414ea74a" providerId="ADAL" clId="{C11307D8-F416-4216-B85A-47312E9494DC}" dt="2023-04-03T15:22:11.665" v="790" actId="478"/>
-          <ac:picMkLst>
-            <pc:docMk/>
-            <pc:sldMk cId="1731529612" sldId="298"/>
-            <ac:picMk id="5" creationId="{A70A8141-972B-8FEE-B70B-882D3DD31F46}"/>
-          </ac:picMkLst>
-        </pc:picChg>
       </pc:sldChg>
       <pc:sldChg chg="addSp delSp modSp add mod">
         <pc:chgData name="Chuck Kiefriter" userId="c57348f7-b440-4861-a58f-c89f414ea74a" providerId="ADAL" clId="{C11307D8-F416-4216-B85A-47312E9494DC}" dt="2023-04-04T20:45:30.493" v="1433" actId="1076"/>
@@ -750,46 +302,6 @@
           <pc:docMk/>
           <pc:sldMk cId="12263916" sldId="299"/>
         </pc:sldMkLst>
-        <pc:spChg chg="add mod">
-          <ac:chgData name="Chuck Kiefriter" userId="c57348f7-b440-4861-a58f-c89f414ea74a" providerId="ADAL" clId="{C11307D8-F416-4216-B85A-47312E9494DC}" dt="2023-04-04T20:45:30.493" v="1433" actId="1076"/>
-          <ac:spMkLst>
-            <pc:docMk/>
-            <pc:sldMk cId="12263916" sldId="299"/>
-            <ac:spMk id="2" creationId="{05E39B88-6490-5C54-C767-A0E91A8F373F}"/>
-          </ac:spMkLst>
-        </pc:spChg>
-        <pc:spChg chg="mod">
-          <ac:chgData name="Chuck Kiefriter" userId="c57348f7-b440-4861-a58f-c89f414ea74a" providerId="ADAL" clId="{C11307D8-F416-4216-B85A-47312E9494DC}" dt="2023-04-04T19:00:59.565" v="1427" actId="6549"/>
-          <ac:spMkLst>
-            <pc:docMk/>
-            <pc:sldMk cId="12263916" sldId="299"/>
-            <ac:spMk id="4" creationId="{C0B26727-0F97-5A73-B4ED-6BE65E07E5DB}"/>
-          </ac:spMkLst>
-        </pc:spChg>
-        <pc:spChg chg="mod">
-          <ac:chgData name="Chuck Kiefriter" userId="c57348f7-b440-4861-a58f-c89f414ea74a" providerId="ADAL" clId="{C11307D8-F416-4216-B85A-47312E9494DC}" dt="2023-04-03T15:33:43.577" v="892" actId="14100"/>
-          <ac:spMkLst>
-            <pc:docMk/>
-            <pc:sldMk cId="12263916" sldId="299"/>
-            <ac:spMk id="6" creationId="{59E906CD-110B-9D01-732C-2F21759B0265}"/>
-          </ac:spMkLst>
-        </pc:spChg>
-        <pc:spChg chg="del">
-          <ac:chgData name="Chuck Kiefriter" userId="c57348f7-b440-4861-a58f-c89f414ea74a" providerId="ADAL" clId="{C11307D8-F416-4216-B85A-47312E9494DC}" dt="2023-04-03T15:33:49.188" v="894" actId="478"/>
-          <ac:spMkLst>
-            <pc:docMk/>
-            <pc:sldMk cId="12263916" sldId="299"/>
-            <ac:spMk id="7" creationId="{81EDE05F-B22E-686F-2292-BF6CA2A0BD87}"/>
-          </ac:spMkLst>
-        </pc:spChg>
-        <pc:picChg chg="del">
-          <ac:chgData name="Chuck Kiefriter" userId="c57348f7-b440-4861-a58f-c89f414ea74a" providerId="ADAL" clId="{C11307D8-F416-4216-B85A-47312E9494DC}" dt="2023-04-03T15:33:46.266" v="893" actId="478"/>
-          <ac:picMkLst>
-            <pc:docMk/>
-            <pc:sldMk cId="12263916" sldId="299"/>
-            <ac:picMk id="3" creationId="{E2697A41-77D9-6BEA-7880-1DBD268ED34C}"/>
-          </ac:picMkLst>
-        </pc:picChg>
       </pc:sldChg>
       <pc:sldChg chg="addSp modSp add mod">
         <pc:chgData name="Chuck Kiefriter" userId="c57348f7-b440-4861-a58f-c89f414ea74a" providerId="ADAL" clId="{C11307D8-F416-4216-B85A-47312E9494DC}" dt="2023-04-03T17:15:51.867" v="1320" actId="1076"/>
@@ -797,22 +309,6 @@
           <pc:docMk/>
           <pc:sldMk cId="2285577035" sldId="300"/>
         </pc:sldMkLst>
-        <pc:spChg chg="add mod">
-          <ac:chgData name="Chuck Kiefriter" userId="c57348f7-b440-4861-a58f-c89f414ea74a" providerId="ADAL" clId="{C11307D8-F416-4216-B85A-47312E9494DC}" dt="2023-04-03T17:15:51.867" v="1320" actId="1076"/>
-          <ac:spMkLst>
-            <pc:docMk/>
-            <pc:sldMk cId="2285577035" sldId="300"/>
-            <ac:spMk id="2" creationId="{2292BC77-EAED-98AF-CC12-6B2F561FA457}"/>
-          </ac:spMkLst>
-        </pc:spChg>
-        <pc:spChg chg="mod">
-          <ac:chgData name="Chuck Kiefriter" userId="c57348f7-b440-4861-a58f-c89f414ea74a" providerId="ADAL" clId="{C11307D8-F416-4216-B85A-47312E9494DC}" dt="2023-04-03T15:54:36.687" v="1219" actId="20577"/>
-          <ac:spMkLst>
-            <pc:docMk/>
-            <pc:sldMk cId="2285577035" sldId="300"/>
-            <ac:spMk id="4" creationId="{C0B26727-0F97-5A73-B4ED-6BE65E07E5DB}"/>
-          </ac:spMkLst>
-        </pc:spChg>
       </pc:sldChg>
       <pc:sldChg chg="modSp add mod">
         <pc:chgData name="Chuck Kiefriter" userId="c57348f7-b440-4861-a58f-c89f414ea74a" providerId="ADAL" clId="{C11307D8-F416-4216-B85A-47312E9494DC}" dt="2023-04-03T15:57:12.701" v="1314" actId="2711"/>
@@ -820,14 +316,6 @@
           <pc:docMk/>
           <pc:sldMk cId="3976039359" sldId="301"/>
         </pc:sldMkLst>
-        <pc:spChg chg="mod">
-          <ac:chgData name="Chuck Kiefriter" userId="c57348f7-b440-4861-a58f-c89f414ea74a" providerId="ADAL" clId="{C11307D8-F416-4216-B85A-47312E9494DC}" dt="2023-04-03T15:57:12.701" v="1314" actId="2711"/>
-          <ac:spMkLst>
-            <pc:docMk/>
-            <pc:sldMk cId="3976039359" sldId="301"/>
-            <ac:spMk id="4" creationId="{C0B26727-0F97-5A73-B4ED-6BE65E07E5DB}"/>
-          </ac:spMkLst>
-        </pc:spChg>
       </pc:sldChg>
       <pc:sldChg chg="add">
         <pc:chgData name="Chuck Kiefriter" userId="c57348f7-b440-4861-a58f-c89f414ea74a" providerId="ADAL" clId="{C11307D8-F416-4216-B85A-47312E9494DC}" dt="2023-04-03T17:20:19.963" v="1321" actId="2890"/>
@@ -842,38 +330,6 @@
           <pc:docMk/>
           <pc:sldMk cId="3551399501" sldId="303"/>
         </pc:sldMkLst>
-        <pc:spChg chg="add del">
-          <ac:chgData name="Chuck Kiefriter" userId="c57348f7-b440-4861-a58f-c89f414ea74a" providerId="ADAL" clId="{C11307D8-F416-4216-B85A-47312E9494DC}" dt="2023-04-03T18:20:13.989" v="1365"/>
-          <ac:spMkLst>
-            <pc:docMk/>
-            <pc:sldMk cId="3551399501" sldId="303"/>
-            <ac:spMk id="2" creationId="{E2153FEC-75DF-CAC0-FEA3-C66E491898A2}"/>
-          </ac:spMkLst>
-        </pc:spChg>
-        <pc:spChg chg="mod">
-          <ac:chgData name="Chuck Kiefriter" userId="c57348f7-b440-4861-a58f-c89f414ea74a" providerId="ADAL" clId="{C11307D8-F416-4216-B85A-47312E9494DC}" dt="2023-04-03T18:58:14.568" v="1424" actId="20577"/>
-          <ac:spMkLst>
-            <pc:docMk/>
-            <pc:sldMk cId="3551399501" sldId="303"/>
-            <ac:spMk id="4" creationId="{C0B26727-0F97-5A73-B4ED-6BE65E07E5DB}"/>
-          </ac:spMkLst>
-        </pc:spChg>
-        <pc:spChg chg="add mod">
-          <ac:chgData name="Chuck Kiefriter" userId="c57348f7-b440-4861-a58f-c89f414ea74a" providerId="ADAL" clId="{C11307D8-F416-4216-B85A-47312E9494DC}" dt="2023-04-03T18:46:22.450" v="1378" actId="1076"/>
-          <ac:spMkLst>
-            <pc:docMk/>
-            <pc:sldMk cId="3551399501" sldId="303"/>
-            <ac:spMk id="5" creationId="{20F6CBEF-9110-814A-F1E8-8EDD591B1904}"/>
-          </ac:spMkLst>
-        </pc:spChg>
-        <pc:spChg chg="mod">
-          <ac:chgData name="Chuck Kiefriter" userId="c57348f7-b440-4861-a58f-c89f414ea74a" providerId="ADAL" clId="{C11307D8-F416-4216-B85A-47312E9494DC}" dt="2023-04-03T17:21:43.237" v="1352" actId="20577"/>
-          <ac:spMkLst>
-            <pc:docMk/>
-            <pc:sldMk cId="3551399501" sldId="303"/>
-            <ac:spMk id="6" creationId="{59E906CD-110B-9D01-732C-2F21759B0265}"/>
-          </ac:spMkLst>
-        </pc:spChg>
       </pc:sldChg>
       <pc:sldChg chg="addSp delSp modSp add mod">
         <pc:chgData name="Chuck Kiefriter" userId="c57348f7-b440-4861-a58f-c89f414ea74a" providerId="ADAL" clId="{C11307D8-F416-4216-B85A-47312E9494DC}" dt="2023-04-05T01:39:50.392" v="1445" actId="1076"/>
@@ -881,22 +337,6 @@
           <pc:docMk/>
           <pc:sldMk cId="3119538790" sldId="304"/>
         </pc:sldMkLst>
-        <pc:spChg chg="del">
-          <ac:chgData name="Chuck Kiefriter" userId="c57348f7-b440-4861-a58f-c89f414ea74a" providerId="ADAL" clId="{C11307D8-F416-4216-B85A-47312E9494DC}" dt="2023-04-05T01:39:47.689" v="1443" actId="478"/>
-          <ac:spMkLst>
-            <pc:docMk/>
-            <pc:sldMk cId="3119538790" sldId="304"/>
-            <ac:spMk id="4" creationId="{C0B26727-0F97-5A73-B4ED-6BE65E07E5DB}"/>
-          </ac:spMkLst>
-        </pc:spChg>
-        <pc:picChg chg="add mod">
-          <ac:chgData name="Chuck Kiefriter" userId="c57348f7-b440-4861-a58f-c89f414ea74a" providerId="ADAL" clId="{C11307D8-F416-4216-B85A-47312E9494DC}" dt="2023-04-05T01:39:50.392" v="1445" actId="1076"/>
-          <ac:picMkLst>
-            <pc:docMk/>
-            <pc:sldMk cId="3119538790" sldId="304"/>
-            <ac:picMk id="5" creationId="{6A37CBD8-6224-F786-CA2E-BFD9FDE0E68A}"/>
-          </ac:picMkLst>
-        </pc:picChg>
       </pc:sldChg>
     </pc:docChg>
   </pc:docChgLst>
@@ -913,14 +353,6 @@
           <pc:docMk/>
           <pc:sldMk cId="3194223319" sldId="263"/>
         </pc:sldMkLst>
-        <pc:spChg chg="mod">
-          <ac:chgData name="Chuck Kiefriter" userId="a996b49251c4dfd2" providerId="LiveId" clId="{A54493D6-6994-476A-B046-A049DCFCC320}" dt="2024-09-04T23:46:00.745" v="124" actId="20577"/>
-          <ac:spMkLst>
-            <pc:docMk/>
-            <pc:sldMk cId="3194223319" sldId="263"/>
-            <ac:spMk id="3" creationId="{23DFC7E9-54DD-38D7-0B9B-D34948D68CF9}"/>
-          </ac:spMkLst>
-        </pc:spChg>
       </pc:sldChg>
       <pc:sldChg chg="modSp mod ord">
         <pc:chgData name="Chuck Kiefriter" userId="a996b49251c4dfd2" providerId="LiveId" clId="{A54493D6-6994-476A-B046-A049DCFCC320}" dt="2024-09-04T23:45:49.539" v="110"/>
@@ -928,14 +360,6 @@
           <pc:docMk/>
           <pc:sldMk cId="1155090792" sldId="286"/>
         </pc:sldMkLst>
-        <pc:spChg chg="mod">
-          <ac:chgData name="Chuck Kiefriter" userId="a996b49251c4dfd2" providerId="LiveId" clId="{A54493D6-6994-476A-B046-A049DCFCC320}" dt="2024-09-04T23:45:36.643" v="107" actId="313"/>
-          <ac:spMkLst>
-            <pc:docMk/>
-            <pc:sldMk cId="1155090792" sldId="286"/>
-            <ac:spMk id="3" creationId="{23DFC7E9-54DD-38D7-0B9B-D34948D68CF9}"/>
-          </ac:spMkLst>
-        </pc:spChg>
       </pc:sldChg>
       <pc:sldChg chg="del">
         <pc:chgData name="Chuck Kiefriter" userId="a996b49251c4dfd2" providerId="LiveId" clId="{A54493D6-6994-476A-B046-A049DCFCC320}" dt="2024-09-04T19:48:55.456" v="78" actId="47"/>
@@ -950,14 +374,6 @@
           <pc:docMk/>
           <pc:sldMk cId="3934503907" sldId="295"/>
         </pc:sldMkLst>
-        <pc:spChg chg="mod">
-          <ac:chgData name="Chuck Kiefriter" userId="a996b49251c4dfd2" providerId="LiveId" clId="{A54493D6-6994-476A-B046-A049DCFCC320}" dt="2024-09-04T23:48:47.417" v="126"/>
-          <ac:spMkLst>
-            <pc:docMk/>
-            <pc:sldMk cId="3934503907" sldId="295"/>
-            <ac:spMk id="10" creationId="{EA3D5ED0-1762-C438-DD7C-B32C5582A339}"/>
-          </ac:spMkLst>
-        </pc:spChg>
       </pc:sldChg>
       <pc:sldChg chg="modSp mod">
         <pc:chgData name="Chuck Kiefriter" userId="a996b49251c4dfd2" providerId="LiveId" clId="{A54493D6-6994-476A-B046-A049DCFCC320}" dt="2024-09-04T19:40:51.520" v="74" actId="20577"/>
@@ -965,14 +381,6 @@
           <pc:docMk/>
           <pc:sldMk cId="12263916" sldId="299"/>
         </pc:sldMkLst>
-        <pc:spChg chg="mod">
-          <ac:chgData name="Chuck Kiefriter" userId="a996b49251c4dfd2" providerId="LiveId" clId="{A54493D6-6994-476A-B046-A049DCFCC320}" dt="2024-09-04T19:40:51.520" v="74" actId="20577"/>
-          <ac:spMkLst>
-            <pc:docMk/>
-            <pc:sldMk cId="12263916" sldId="299"/>
-            <ac:spMk id="4" creationId="{C0B26727-0F97-5A73-B4ED-6BE65E07E5DB}"/>
-          </ac:spMkLst>
-        </pc:spChg>
       </pc:sldChg>
       <pc:sldChg chg="modSp mod">
         <pc:chgData name="Chuck Kiefriter" userId="a996b49251c4dfd2" providerId="LiveId" clId="{A54493D6-6994-476A-B046-A049DCFCC320}" dt="2024-09-04T19:47:21.967" v="75" actId="207"/>
@@ -980,14 +388,6 @@
           <pc:docMk/>
           <pc:sldMk cId="2285577035" sldId="300"/>
         </pc:sldMkLst>
-        <pc:spChg chg="mod">
-          <ac:chgData name="Chuck Kiefriter" userId="a996b49251c4dfd2" providerId="LiveId" clId="{A54493D6-6994-476A-B046-A049DCFCC320}" dt="2024-09-04T19:47:21.967" v="75" actId="207"/>
-          <ac:spMkLst>
-            <pc:docMk/>
-            <pc:sldMk cId="2285577035" sldId="300"/>
-            <ac:spMk id="4" creationId="{C0B26727-0F97-5A73-B4ED-6BE65E07E5DB}"/>
-          </ac:spMkLst>
-        </pc:spChg>
       </pc:sldChg>
       <pc:sldChg chg="modSp mod">
         <pc:chgData name="Chuck Kiefriter" userId="a996b49251c4dfd2" providerId="LiveId" clId="{A54493D6-6994-476A-B046-A049DCFCC320}" dt="2024-09-04T19:48:24.032" v="77" actId="2711"/>
@@ -995,14 +395,6 @@
           <pc:docMk/>
           <pc:sldMk cId="3976039359" sldId="301"/>
         </pc:sldMkLst>
-        <pc:spChg chg="mod">
-          <ac:chgData name="Chuck Kiefriter" userId="a996b49251c4dfd2" providerId="LiveId" clId="{A54493D6-6994-476A-B046-A049DCFCC320}" dt="2024-09-04T19:48:24.032" v="77" actId="2711"/>
-          <ac:spMkLst>
-            <pc:docMk/>
-            <pc:sldMk cId="3976039359" sldId="301"/>
-            <ac:spMk id="4" creationId="{C0B26727-0F97-5A73-B4ED-6BE65E07E5DB}"/>
-          </ac:spMkLst>
-        </pc:spChg>
       </pc:sldChg>
       <pc:sldChg chg="del">
         <pc:chgData name="Chuck Kiefriter" userId="a996b49251c4dfd2" providerId="LiveId" clId="{A54493D6-6994-476A-B046-A049DCFCC320}" dt="2024-09-04T19:48:55.456" v="78" actId="47"/>
@@ -1017,17 +409,70 @@
           <pc:docMk/>
           <pc:sldMk cId="3551399501" sldId="303"/>
         </pc:sldMkLst>
+      </pc:sldChg>
+      <pc:sldChg chg="ord">
+        <pc:chgData name="Chuck Kiefriter" userId="a996b49251c4dfd2" providerId="LiveId" clId="{A54493D6-6994-476A-B046-A049DCFCC320}" dt="2024-09-04T23:31:47.969" v="84"/>
+        <pc:sldMkLst>
+          <pc:docMk/>
+          <pc:sldMk cId="2169686199" sldId="306"/>
+        </pc:sldMkLst>
+      </pc:sldChg>
+    </pc:docChg>
+  </pc:docChgLst>
+  <pc:docChgLst>
+    <pc:chgData name="Chuck Kiefriter" userId="a996b49251c4dfd2" providerId="LiveId" clId="{597BC6B6-17F8-4CE5-9B6D-48D686CF5FD2}"/>
+    <pc:docChg chg="custSel modSld sldOrd">
+      <pc:chgData name="Chuck Kiefriter" userId="a996b49251c4dfd2" providerId="LiveId" clId="{597BC6B6-17F8-4CE5-9B6D-48D686CF5FD2}" dt="2025-05-01T22:21:06.606" v="59" actId="20577"/>
+      <pc:docMkLst>
+        <pc:docMk/>
+      </pc:docMkLst>
+      <pc:sldChg chg="modSp mod">
+        <pc:chgData name="Chuck Kiefriter" userId="a996b49251c4dfd2" providerId="LiveId" clId="{597BC6B6-17F8-4CE5-9B6D-48D686CF5FD2}" dt="2025-05-01T21:40:57.904" v="3" actId="20577"/>
+        <pc:sldMkLst>
+          <pc:docMk/>
+          <pc:sldMk cId="3995279466" sldId="256"/>
+        </pc:sldMkLst>
         <pc:spChg chg="mod">
-          <ac:chgData name="Chuck Kiefriter" userId="a996b49251c4dfd2" providerId="LiveId" clId="{A54493D6-6994-476A-B046-A049DCFCC320}" dt="2024-09-04T23:45:42.078" v="108" actId="313"/>
+          <ac:chgData name="Chuck Kiefriter" userId="a996b49251c4dfd2" providerId="LiveId" clId="{597BC6B6-17F8-4CE5-9B6D-48D686CF5FD2}" dt="2025-05-01T21:40:57.904" v="3" actId="20577"/>
           <ac:spMkLst>
             <pc:docMk/>
-            <pc:sldMk cId="3551399501" sldId="303"/>
-            <ac:spMk id="6" creationId="{59E906CD-110B-9D01-732C-2F21759B0265}"/>
+            <pc:sldMk cId="3995279466" sldId="256"/>
+            <ac:spMk id="10" creationId="{EA3D5ED0-1762-C438-DD7C-B32C5582A339}"/>
+          </ac:spMkLst>
+        </pc:spChg>
+      </pc:sldChg>
+      <pc:sldChg chg="modSp mod">
+        <pc:chgData name="Chuck Kiefriter" userId="a996b49251c4dfd2" providerId="LiveId" clId="{597BC6B6-17F8-4CE5-9B6D-48D686CF5FD2}" dt="2025-05-01T22:19:24.730" v="46" actId="108"/>
+        <pc:sldMkLst>
+          <pc:docMk/>
+          <pc:sldMk cId="3934503907" sldId="295"/>
+        </pc:sldMkLst>
+        <pc:spChg chg="mod">
+          <ac:chgData name="Chuck Kiefriter" userId="a996b49251c4dfd2" providerId="LiveId" clId="{597BC6B6-17F8-4CE5-9B6D-48D686CF5FD2}" dt="2025-05-01T22:19:24.730" v="46" actId="108"/>
+          <ac:spMkLst>
+            <pc:docMk/>
+            <pc:sldMk cId="3934503907" sldId="295"/>
+            <ac:spMk id="10" creationId="{EA3D5ED0-1762-C438-DD7C-B32C5582A339}"/>
+          </ac:spMkLst>
+        </pc:spChg>
+      </pc:sldChg>
+      <pc:sldChg chg="modSp mod">
+        <pc:chgData name="Chuck Kiefriter" userId="a996b49251c4dfd2" providerId="LiveId" clId="{597BC6B6-17F8-4CE5-9B6D-48D686CF5FD2}" dt="2025-05-01T22:21:06.606" v="59" actId="20577"/>
+        <pc:sldMkLst>
+          <pc:docMk/>
+          <pc:sldMk cId="2586908395" sldId="297"/>
+        </pc:sldMkLst>
+        <pc:spChg chg="mod">
+          <ac:chgData name="Chuck Kiefriter" userId="a996b49251c4dfd2" providerId="LiveId" clId="{597BC6B6-17F8-4CE5-9B6D-48D686CF5FD2}" dt="2025-05-01T22:21:06.606" v="59" actId="20577"/>
+          <ac:spMkLst>
+            <pc:docMk/>
+            <pc:sldMk cId="2586908395" sldId="297"/>
+            <ac:spMk id="4" creationId="{C0B26727-0F97-5A73-B4ED-6BE65E07E5DB}"/>
           </ac:spMkLst>
         </pc:spChg>
       </pc:sldChg>
       <pc:sldChg chg="ord">
-        <pc:chgData name="Chuck Kiefriter" userId="a996b49251c4dfd2" providerId="LiveId" clId="{A54493D6-6994-476A-B046-A049DCFCC320}" dt="2024-09-04T23:31:47.969" v="84"/>
+        <pc:chgData name="Chuck Kiefriter" userId="a996b49251c4dfd2" providerId="LiveId" clId="{597BC6B6-17F8-4CE5-9B6D-48D686CF5FD2}" dt="2025-05-01T21:32:40.869" v="1"/>
         <pc:sldMkLst>
           <pc:docMk/>
           <pc:sldMk cId="2169686199" sldId="306"/>
@@ -1048,14 +493,6 @@
           <pc:docMk/>
           <pc:sldMk cId="976671966" sldId="278"/>
         </pc:sldMkLst>
-        <pc:spChg chg="mod">
-          <ac:chgData name="Chuck Kiefriter" userId="a996b49251c4dfd2" providerId="LiveId" clId="{5AA25B55-5D47-418C-9AE7-C5B1E5851588}" dt="2024-03-06T22:11:59.633" v="9" actId="20577"/>
-          <ac:spMkLst>
-            <pc:docMk/>
-            <pc:sldMk cId="976671966" sldId="278"/>
-            <ac:spMk id="4" creationId="{C0B26727-0F97-5A73-B4ED-6BE65E07E5DB}"/>
-          </ac:spMkLst>
-        </pc:spChg>
       </pc:sldChg>
       <pc:sldChg chg="ord">
         <pc:chgData name="Chuck Kiefriter" userId="a996b49251c4dfd2" providerId="LiveId" clId="{5AA25B55-5D47-418C-9AE7-C5B1E5851588}" dt="2024-03-06T22:02:39.339" v="5"/>
@@ -1070,14 +507,6 @@
           <pc:docMk/>
           <pc:sldMk cId="3551399501" sldId="303"/>
         </pc:sldMkLst>
-        <pc:spChg chg="mod">
-          <ac:chgData name="Chuck Kiefriter" userId="a996b49251c4dfd2" providerId="LiveId" clId="{5AA25B55-5D47-418C-9AE7-C5B1E5851588}" dt="2024-03-06T21:56:52.226" v="3" actId="20577"/>
-          <ac:spMkLst>
-            <pc:docMk/>
-            <pc:sldMk cId="3551399501" sldId="303"/>
-            <ac:spMk id="4" creationId="{C0B26727-0F97-5A73-B4ED-6BE65E07E5DB}"/>
-          </ac:spMkLst>
-        </pc:spChg>
       </pc:sldChg>
       <pc:sldChg chg="ord">
         <pc:chgData name="Chuck Kiefriter" userId="a996b49251c4dfd2" providerId="LiveId" clId="{5AA25B55-5D47-418C-9AE7-C5B1E5851588}" dt="2024-03-06T22:02:39.339" v="5"/>
@@ -1108,70 +537,6 @@
           <pc:docMk/>
           <pc:sldMk cId="3995279466" sldId="256"/>
         </pc:sldMkLst>
-        <pc:spChg chg="mod">
-          <ac:chgData name="Chuck Kiefriter" userId="c57348f7-b440-4861-a58f-c89f414ea74a" providerId="ADAL" clId="{CEAAE73E-A3C0-4EF3-8264-4F08772B5760}" dt="2023-03-20T00:32:06.566" v="230" actId="14100"/>
-          <ac:spMkLst>
-            <pc:docMk/>
-            <pc:sldMk cId="3995279466" sldId="256"/>
-            <ac:spMk id="3" creationId="{A6B2E4B2-9556-220D-A265-44C9FD951EE6}"/>
-          </ac:spMkLst>
-        </pc:spChg>
-        <pc:spChg chg="add mod">
-          <ac:chgData name="Chuck Kiefriter" userId="c57348f7-b440-4861-a58f-c89f414ea74a" providerId="ADAL" clId="{CEAAE73E-A3C0-4EF3-8264-4F08772B5760}" dt="2023-03-20T00:52:59.383" v="449" actId="1038"/>
-          <ac:spMkLst>
-            <pc:docMk/>
-            <pc:sldMk cId="3995279466" sldId="256"/>
-            <ac:spMk id="4" creationId="{2BADD1C9-CF72-0C69-861B-7E5D509DA5B2}"/>
-          </ac:spMkLst>
-        </pc:spChg>
-        <pc:spChg chg="mod">
-          <ac:chgData name="Chuck Kiefriter" userId="c57348f7-b440-4861-a58f-c89f414ea74a" providerId="ADAL" clId="{CEAAE73E-A3C0-4EF3-8264-4F08772B5760}" dt="2023-03-19T22:41:44.062" v="187" actId="20577"/>
-          <ac:spMkLst>
-            <pc:docMk/>
-            <pc:sldMk cId="3995279466" sldId="256"/>
-            <ac:spMk id="6" creationId="{DE3DBA5A-FA8E-46C6-1402-E5C7632F4CAD}"/>
-          </ac:spMkLst>
-        </pc:spChg>
-        <pc:spChg chg="add mod">
-          <ac:chgData name="Chuck Kiefriter" userId="c57348f7-b440-4861-a58f-c89f414ea74a" providerId="ADAL" clId="{CEAAE73E-A3C0-4EF3-8264-4F08772B5760}" dt="2023-03-20T00:52:59.383" v="449" actId="1038"/>
-          <ac:spMkLst>
-            <pc:docMk/>
-            <pc:sldMk cId="3995279466" sldId="256"/>
-            <ac:spMk id="7" creationId="{4F528AA2-6361-22B4-C232-EF99675F9D72}"/>
-          </ac:spMkLst>
-        </pc:spChg>
-        <pc:spChg chg="add mod">
-          <ac:chgData name="Chuck Kiefriter" userId="c57348f7-b440-4861-a58f-c89f414ea74a" providerId="ADAL" clId="{CEAAE73E-A3C0-4EF3-8264-4F08772B5760}" dt="2023-03-20T00:52:59.383" v="449" actId="1038"/>
-          <ac:spMkLst>
-            <pc:docMk/>
-            <pc:sldMk cId="3995279466" sldId="256"/>
-            <ac:spMk id="9" creationId="{06F995E6-DACC-B060-CDB5-BB562B195537}"/>
-          </ac:spMkLst>
-        </pc:spChg>
-        <pc:spChg chg="mod">
-          <ac:chgData name="Chuck Kiefriter" userId="c57348f7-b440-4861-a58f-c89f414ea74a" providerId="ADAL" clId="{CEAAE73E-A3C0-4EF3-8264-4F08772B5760}" dt="2023-03-20T00:52:45.699" v="401" actId="1035"/>
-          <ac:spMkLst>
-            <pc:docMk/>
-            <pc:sldMk cId="3995279466" sldId="256"/>
-            <ac:spMk id="10" creationId="{EA3D5ED0-1762-C438-DD7C-B32C5582A339}"/>
-          </ac:spMkLst>
-        </pc:spChg>
-        <pc:spChg chg="del">
-          <ac:chgData name="Chuck Kiefriter" userId="c57348f7-b440-4861-a58f-c89f414ea74a" providerId="ADAL" clId="{CEAAE73E-A3C0-4EF3-8264-4F08772B5760}" dt="2023-03-19T22:42:40.760" v="188" actId="478"/>
-          <ac:spMkLst>
-            <pc:docMk/>
-            <pc:sldMk cId="3995279466" sldId="256"/>
-            <ac:spMk id="12" creationId="{18FCF58A-E768-0BFC-8A0B-3881F7F528D8}"/>
-          </ac:spMkLst>
-        </pc:spChg>
-        <pc:graphicFrameChg chg="del">
-          <ac:chgData name="Chuck Kiefriter" userId="c57348f7-b440-4861-a58f-c89f414ea74a" providerId="ADAL" clId="{CEAAE73E-A3C0-4EF3-8264-4F08772B5760}" dt="2023-03-19T22:42:40.760" v="188" actId="478"/>
-          <ac:graphicFrameMkLst>
-            <pc:docMk/>
-            <pc:sldMk cId="3995279466" sldId="256"/>
-            <ac:graphicFrameMk id="13" creationId="{BB1305A0-0446-F701-7436-EA612090B033}"/>
-          </ac:graphicFrameMkLst>
-        </pc:graphicFrameChg>
       </pc:sldChg>
       <pc:sldChg chg="modSp mod">
         <pc:chgData name="Chuck Kiefriter" userId="c57348f7-b440-4861-a58f-c89f414ea74a" providerId="ADAL" clId="{CEAAE73E-A3C0-4EF3-8264-4F08772B5760}" dt="2023-03-19T22:40:49.123" v="181" actId="20577"/>
@@ -1179,14 +544,6 @@
           <pc:docMk/>
           <pc:sldMk cId="3194223319" sldId="263"/>
         </pc:sldMkLst>
-        <pc:spChg chg="mod">
-          <ac:chgData name="Chuck Kiefriter" userId="c57348f7-b440-4861-a58f-c89f414ea74a" providerId="ADAL" clId="{CEAAE73E-A3C0-4EF3-8264-4F08772B5760}" dt="2023-03-19T22:40:49.123" v="181" actId="20577"/>
-          <ac:spMkLst>
-            <pc:docMk/>
-            <pc:sldMk cId="3194223319" sldId="263"/>
-            <ac:spMk id="3" creationId="{23DFC7E9-54DD-38D7-0B9B-D34948D68CF9}"/>
-          </ac:spMkLst>
-        </pc:spChg>
       </pc:sldChg>
       <pc:sldChg chg="modSp mod">
         <pc:chgData name="Chuck Kiefriter" userId="c57348f7-b440-4861-a58f-c89f414ea74a" providerId="ADAL" clId="{CEAAE73E-A3C0-4EF3-8264-4F08772B5760}" dt="2023-03-15T21:04:54.713" v="90" actId="20577"/>
@@ -1194,14 +551,6 @@
           <pc:docMk/>
           <pc:sldMk cId="763182894" sldId="264"/>
         </pc:sldMkLst>
-        <pc:spChg chg="mod">
-          <ac:chgData name="Chuck Kiefriter" userId="c57348f7-b440-4861-a58f-c89f414ea74a" providerId="ADAL" clId="{CEAAE73E-A3C0-4EF3-8264-4F08772B5760}" dt="2023-03-15T21:04:54.713" v="90" actId="20577"/>
-          <ac:spMkLst>
-            <pc:docMk/>
-            <pc:sldMk cId="763182894" sldId="264"/>
-            <ac:spMk id="3" creationId="{23DFC7E9-54DD-38D7-0B9B-D34948D68CF9}"/>
-          </ac:spMkLst>
-        </pc:spChg>
       </pc:sldChg>
       <pc:sldChg chg="modSp mod">
         <pc:chgData name="Chuck Kiefriter" userId="c57348f7-b440-4861-a58f-c89f414ea74a" providerId="ADAL" clId="{CEAAE73E-A3C0-4EF3-8264-4F08772B5760}" dt="2023-03-15T21:05:03.858" v="97" actId="20577"/>
@@ -1209,14 +558,6 @@
           <pc:docMk/>
           <pc:sldMk cId="367428708" sldId="265"/>
         </pc:sldMkLst>
-        <pc:spChg chg="mod">
-          <ac:chgData name="Chuck Kiefriter" userId="c57348f7-b440-4861-a58f-c89f414ea74a" providerId="ADAL" clId="{CEAAE73E-A3C0-4EF3-8264-4F08772B5760}" dt="2023-03-15T21:05:03.858" v="97" actId="20577"/>
-          <ac:spMkLst>
-            <pc:docMk/>
-            <pc:sldMk cId="367428708" sldId="265"/>
-            <ac:spMk id="3" creationId="{23DFC7E9-54DD-38D7-0B9B-D34948D68CF9}"/>
-          </ac:spMkLst>
-        </pc:spChg>
       </pc:sldChg>
       <pc:sldChg chg="delSp del mod">
         <pc:chgData name="Chuck Kiefriter" userId="c57348f7-b440-4861-a58f-c89f414ea74a" providerId="ADAL" clId="{CEAAE73E-A3C0-4EF3-8264-4F08772B5760}" dt="2023-03-20T00:56:01.589" v="451" actId="2696"/>
@@ -1224,14 +565,6 @@
           <pc:docMk/>
           <pc:sldMk cId="3472760250" sldId="266"/>
         </pc:sldMkLst>
-        <pc:picChg chg="del">
-          <ac:chgData name="Chuck Kiefriter" userId="c57348f7-b440-4861-a58f-c89f414ea74a" providerId="ADAL" clId="{CEAAE73E-A3C0-4EF3-8264-4F08772B5760}" dt="2023-03-20T00:55:53.266" v="450" actId="478"/>
-          <ac:picMkLst>
-            <pc:docMk/>
-            <pc:sldMk cId="3472760250" sldId="266"/>
-            <ac:picMk id="12" creationId="{BC86969A-DE0A-FA6D-2E0B-7566AF411A68}"/>
-          </ac:picMkLst>
-        </pc:picChg>
       </pc:sldChg>
       <pc:sldChg chg="modSp mod">
         <pc:chgData name="Chuck Kiefriter" userId="c57348f7-b440-4861-a58f-c89f414ea74a" providerId="ADAL" clId="{CEAAE73E-A3C0-4EF3-8264-4F08772B5760}" dt="2023-03-15T21:05:15.266" v="104" actId="20577"/>
@@ -1239,14 +572,6 @@
           <pc:docMk/>
           <pc:sldMk cId="4170465764" sldId="274"/>
         </pc:sldMkLst>
-        <pc:spChg chg="mod">
-          <ac:chgData name="Chuck Kiefriter" userId="c57348f7-b440-4861-a58f-c89f414ea74a" providerId="ADAL" clId="{CEAAE73E-A3C0-4EF3-8264-4F08772B5760}" dt="2023-03-15T21:05:15.266" v="104" actId="20577"/>
-          <ac:spMkLst>
-            <pc:docMk/>
-            <pc:sldMk cId="4170465764" sldId="274"/>
-            <ac:spMk id="3" creationId="{23DFC7E9-54DD-38D7-0B9B-D34948D68CF9}"/>
-          </ac:spMkLst>
-        </pc:spChg>
       </pc:sldChg>
       <pc:sldChg chg="addSp delSp modSp mod">
         <pc:chgData name="Chuck Kiefriter" userId="c57348f7-b440-4861-a58f-c89f414ea74a" providerId="ADAL" clId="{CEAAE73E-A3C0-4EF3-8264-4F08772B5760}" dt="2023-03-20T02:06:54.913" v="624" actId="207"/>
@@ -1254,38 +579,6 @@
           <pc:docMk/>
           <pc:sldMk cId="1513494963" sldId="275"/>
         </pc:sldMkLst>
-        <pc:spChg chg="add del">
-          <ac:chgData name="Chuck Kiefriter" userId="c57348f7-b440-4861-a58f-c89f414ea74a" providerId="ADAL" clId="{CEAAE73E-A3C0-4EF3-8264-4F08772B5760}" dt="2023-03-20T02:02:35.193" v="575"/>
-          <ac:spMkLst>
-            <pc:docMk/>
-            <pc:sldMk cId="1513494963" sldId="275"/>
-            <ac:spMk id="2" creationId="{BE46888D-AF6D-1D94-6855-0D2BDE1A167F}"/>
-          </ac:spMkLst>
-        </pc:spChg>
-        <pc:spChg chg="mod">
-          <ac:chgData name="Chuck Kiefriter" userId="c57348f7-b440-4861-a58f-c89f414ea74a" providerId="ADAL" clId="{CEAAE73E-A3C0-4EF3-8264-4F08772B5760}" dt="2023-03-20T02:06:54.913" v="624" actId="207"/>
-          <ac:spMkLst>
-            <pc:docMk/>
-            <pc:sldMk cId="1513494963" sldId="275"/>
-            <ac:spMk id="5" creationId="{9DB63145-E59C-9501-8AA5-4E6AC5C0D40F}"/>
-          </ac:spMkLst>
-        </pc:spChg>
-        <pc:spChg chg="mod">
-          <ac:chgData name="Chuck Kiefriter" userId="c57348f7-b440-4861-a58f-c89f414ea74a" providerId="ADAL" clId="{CEAAE73E-A3C0-4EF3-8264-4F08772B5760}" dt="2023-03-20T02:02:54.072" v="598" actId="20577"/>
-          <ac:spMkLst>
-            <pc:docMk/>
-            <pc:sldMk cId="1513494963" sldId="275"/>
-            <ac:spMk id="6" creationId="{59E906CD-110B-9D01-732C-2F21759B0265}"/>
-          </ac:spMkLst>
-        </pc:spChg>
-        <pc:picChg chg="del">
-          <ac:chgData name="Chuck Kiefriter" userId="c57348f7-b440-4861-a58f-c89f414ea74a" providerId="ADAL" clId="{CEAAE73E-A3C0-4EF3-8264-4F08772B5760}" dt="2023-03-20T02:02:29.241" v="573" actId="478"/>
-          <ac:picMkLst>
-            <pc:docMk/>
-            <pc:sldMk cId="1513494963" sldId="275"/>
-            <ac:picMk id="3" creationId="{0E14C303-4A08-9E3D-827C-D6CF995E9C7A}"/>
-          </ac:picMkLst>
-        </pc:picChg>
       </pc:sldChg>
       <pc:sldChg chg="addSp delSp modSp mod">
         <pc:chgData name="Chuck Kiefriter" userId="c57348f7-b440-4861-a58f-c89f414ea74a" providerId="ADAL" clId="{CEAAE73E-A3C0-4EF3-8264-4F08772B5760}" dt="2023-03-20T01:40:14.037" v="572" actId="1035"/>
@@ -1293,46 +586,6 @@
           <pc:docMk/>
           <pc:sldMk cId="976671966" sldId="278"/>
         </pc:sldMkLst>
-        <pc:spChg chg="add mod">
-          <ac:chgData name="Chuck Kiefriter" userId="c57348f7-b440-4861-a58f-c89f414ea74a" providerId="ADAL" clId="{CEAAE73E-A3C0-4EF3-8264-4F08772B5760}" dt="2023-03-20T01:39:58.996" v="563" actId="1076"/>
-          <ac:spMkLst>
-            <pc:docMk/>
-            <pc:sldMk cId="976671966" sldId="278"/>
-            <ac:spMk id="3" creationId="{AECD1743-AE1E-E8A6-57D4-D340FC95D16D}"/>
-          </ac:spMkLst>
-        </pc:spChg>
-        <pc:spChg chg="mod">
-          <ac:chgData name="Chuck Kiefriter" userId="c57348f7-b440-4861-a58f-c89f414ea74a" providerId="ADAL" clId="{CEAAE73E-A3C0-4EF3-8264-4F08772B5760}" dt="2023-03-20T01:39:21.020" v="555" actId="1038"/>
-          <ac:spMkLst>
-            <pc:docMk/>
-            <pc:sldMk cId="976671966" sldId="278"/>
-            <ac:spMk id="4" creationId="{C0B26727-0F97-5A73-B4ED-6BE65E07E5DB}"/>
-          </ac:spMkLst>
-        </pc:spChg>
-        <pc:spChg chg="mod">
-          <ac:chgData name="Chuck Kiefriter" userId="c57348f7-b440-4861-a58f-c89f414ea74a" providerId="ADAL" clId="{CEAAE73E-A3C0-4EF3-8264-4F08772B5760}" dt="2023-03-20T01:06:07.991" v="518" actId="1076"/>
-          <ac:spMkLst>
-            <pc:docMk/>
-            <pc:sldMk cId="976671966" sldId="278"/>
-            <ac:spMk id="6" creationId="{59E906CD-110B-9D01-732C-2F21759B0265}"/>
-          </ac:spMkLst>
-        </pc:spChg>
-        <pc:spChg chg="add mod">
-          <ac:chgData name="Chuck Kiefriter" userId="c57348f7-b440-4861-a58f-c89f414ea74a" providerId="ADAL" clId="{CEAAE73E-A3C0-4EF3-8264-4F08772B5760}" dt="2023-03-20T01:40:14.037" v="572" actId="1035"/>
-          <ac:spMkLst>
-            <pc:docMk/>
-            <pc:sldMk cId="976671966" sldId="278"/>
-            <ac:spMk id="7" creationId="{5DAF20F1-2F34-F140-81DA-E78BF03C81E4}"/>
-          </ac:spMkLst>
-        </pc:spChg>
-        <pc:picChg chg="del">
-          <ac:chgData name="Chuck Kiefriter" userId="c57348f7-b440-4861-a58f-c89f414ea74a" providerId="ADAL" clId="{CEAAE73E-A3C0-4EF3-8264-4F08772B5760}" dt="2023-03-20T00:56:04.277" v="452" actId="478"/>
-          <ac:picMkLst>
-            <pc:docMk/>
-            <pc:sldMk cId="976671966" sldId="278"/>
-            <ac:picMk id="12" creationId="{EDDB08A4-A3C1-182F-A00B-0BE97F3C502C}"/>
-          </ac:picMkLst>
-        </pc:picChg>
       </pc:sldChg>
       <pc:sldChg chg="del">
         <pc:chgData name="Chuck Kiefriter" userId="c57348f7-b440-4861-a58f-c89f414ea74a" providerId="ADAL" clId="{CEAAE73E-A3C0-4EF3-8264-4F08772B5760}" dt="2023-03-20T02:31:42.639" v="625" actId="47"/>
@@ -1347,14 +600,6 @@
           <pc:docMk/>
           <pc:sldMk cId="3395566764" sldId="280"/>
         </pc:sldMkLst>
-        <pc:spChg chg="mod">
-          <ac:chgData name="Chuck Kiefriter" userId="c57348f7-b440-4861-a58f-c89f414ea74a" providerId="ADAL" clId="{CEAAE73E-A3C0-4EF3-8264-4F08772B5760}" dt="2023-03-15T21:05:31.946" v="118" actId="20577"/>
-          <ac:spMkLst>
-            <pc:docMk/>
-            <pc:sldMk cId="3395566764" sldId="280"/>
-            <ac:spMk id="3" creationId="{23DFC7E9-54DD-38D7-0B9B-D34948D68CF9}"/>
-          </ac:spMkLst>
-        </pc:spChg>
       </pc:sldChg>
       <pc:sldChg chg="addSp delSp modSp mod">
         <pc:chgData name="Chuck Kiefriter" userId="c57348f7-b440-4861-a58f-c89f414ea74a" providerId="ADAL" clId="{CEAAE73E-A3C0-4EF3-8264-4F08772B5760}" dt="2023-03-21T22:58:27.146" v="986" actId="1076"/>
@@ -1362,78 +607,6 @@
           <pc:docMk/>
           <pc:sldMk cId="3187156049" sldId="281"/>
         </pc:sldMkLst>
-        <pc:spChg chg="add del mod">
-          <ac:chgData name="Chuck Kiefriter" userId="c57348f7-b440-4861-a58f-c89f414ea74a" providerId="ADAL" clId="{CEAAE73E-A3C0-4EF3-8264-4F08772B5760}" dt="2023-03-21T22:58:23.744" v="985" actId="478"/>
-          <ac:spMkLst>
-            <pc:docMk/>
-            <pc:sldMk cId="3187156049" sldId="281"/>
-            <ac:spMk id="3" creationId="{B1BCC113-17B8-CD92-4AF4-0B14B609C3EC}"/>
-          </ac:spMkLst>
-        </pc:spChg>
-        <pc:spChg chg="add mod">
-          <ac:chgData name="Chuck Kiefriter" userId="c57348f7-b440-4861-a58f-c89f414ea74a" providerId="ADAL" clId="{CEAAE73E-A3C0-4EF3-8264-4F08772B5760}" dt="2023-03-21T22:53:21.514" v="780" actId="1076"/>
-          <ac:spMkLst>
-            <pc:docMk/>
-            <pc:sldMk cId="3187156049" sldId="281"/>
-            <ac:spMk id="4" creationId="{5F4890C8-248C-DE3F-EFBE-A4EB3744954C}"/>
-          </ac:spMkLst>
-        </pc:spChg>
-        <pc:spChg chg="del mod">
-          <ac:chgData name="Chuck Kiefriter" userId="c57348f7-b440-4861-a58f-c89f414ea74a" providerId="ADAL" clId="{CEAAE73E-A3C0-4EF3-8264-4F08772B5760}" dt="2023-03-21T22:44:00.025" v="764" actId="478"/>
-          <ac:spMkLst>
-            <pc:docMk/>
-            <pc:sldMk cId="3187156049" sldId="281"/>
-            <ac:spMk id="5" creationId="{9DB63145-E59C-9501-8AA5-4E6AC5C0D40F}"/>
-          </ac:spMkLst>
-        </pc:spChg>
-        <pc:spChg chg="mod">
-          <ac:chgData name="Chuck Kiefriter" userId="c57348f7-b440-4861-a58f-c89f414ea74a" providerId="ADAL" clId="{CEAAE73E-A3C0-4EF3-8264-4F08772B5760}" dt="2023-03-20T04:34:19.666" v="743" actId="20577"/>
-          <ac:spMkLst>
-            <pc:docMk/>
-            <pc:sldMk cId="3187156049" sldId="281"/>
-            <ac:spMk id="6" creationId="{59E906CD-110B-9D01-732C-2F21759B0265}"/>
-          </ac:spMkLst>
-        </pc:spChg>
-        <pc:spChg chg="add mod">
-          <ac:chgData name="Chuck Kiefriter" userId="c57348f7-b440-4861-a58f-c89f414ea74a" providerId="ADAL" clId="{CEAAE73E-A3C0-4EF3-8264-4F08772B5760}" dt="2023-03-21T22:54:53.559" v="895" actId="1076"/>
-          <ac:spMkLst>
-            <pc:docMk/>
-            <pc:sldMk cId="3187156049" sldId="281"/>
-            <ac:spMk id="8" creationId="{C70D9D43-254A-0545-002D-C444DCDB15AD}"/>
-          </ac:spMkLst>
-        </pc:spChg>
-        <pc:spChg chg="add del">
-          <ac:chgData name="Chuck Kiefriter" userId="c57348f7-b440-4861-a58f-c89f414ea74a" providerId="ADAL" clId="{CEAAE73E-A3C0-4EF3-8264-4F08772B5760}" dt="2023-03-21T22:52:46.609" v="772"/>
-          <ac:spMkLst>
-            <pc:docMk/>
-            <pc:sldMk cId="3187156049" sldId="281"/>
-            <ac:spMk id="9" creationId="{D91EFD97-7B32-CAFA-DA27-56C69DD1B8B9}"/>
-          </ac:spMkLst>
-        </pc:spChg>
-        <pc:spChg chg="add mod">
-          <ac:chgData name="Chuck Kiefriter" userId="c57348f7-b440-4861-a58f-c89f414ea74a" providerId="ADAL" clId="{CEAAE73E-A3C0-4EF3-8264-4F08772B5760}" dt="2023-03-21T22:57:14.137" v="981" actId="1076"/>
-          <ac:spMkLst>
-            <pc:docMk/>
-            <pc:sldMk cId="3187156049" sldId="281"/>
-            <ac:spMk id="11" creationId="{FBFF1272-6FED-ACD0-CEF8-E11B1DD3B48B}"/>
-          </ac:spMkLst>
-        </pc:spChg>
-        <pc:spChg chg="add mod">
-          <ac:chgData name="Chuck Kiefriter" userId="c57348f7-b440-4861-a58f-c89f414ea74a" providerId="ADAL" clId="{CEAAE73E-A3C0-4EF3-8264-4F08772B5760}" dt="2023-03-21T22:58:27.146" v="986" actId="1076"/>
-          <ac:spMkLst>
-            <pc:docMk/>
-            <pc:sldMk cId="3187156049" sldId="281"/>
-            <ac:spMk id="13" creationId="{54490E19-5FDF-8610-D214-65ABB5B29ACD}"/>
-          </ac:spMkLst>
-        </pc:spChg>
-        <pc:picChg chg="del">
-          <ac:chgData name="Chuck Kiefriter" userId="c57348f7-b440-4861-a58f-c89f414ea74a" providerId="ADAL" clId="{CEAAE73E-A3C0-4EF3-8264-4F08772B5760}" dt="2023-03-20T04:34:21.482" v="744" actId="478"/>
-          <ac:picMkLst>
-            <pc:docMk/>
-            <pc:sldMk cId="3187156049" sldId="281"/>
-            <ac:picMk id="3" creationId="{83E4109A-5F0E-62C4-2DDC-A1744C5BE6B5}"/>
-          </ac:picMkLst>
-        </pc:picChg>
       </pc:sldChg>
       <pc:sldChg chg="modSp mod">
         <pc:chgData name="Chuck Kiefriter" userId="c57348f7-b440-4861-a58f-c89f414ea74a" providerId="ADAL" clId="{CEAAE73E-A3C0-4EF3-8264-4F08772B5760}" dt="2023-03-15T21:06:00.300" v="163" actId="20577"/>
@@ -1441,14 +614,6 @@
           <pc:docMk/>
           <pc:sldMk cId="2065140228" sldId="282"/>
         </pc:sldMkLst>
-        <pc:spChg chg="mod">
-          <ac:chgData name="Chuck Kiefriter" userId="c57348f7-b440-4861-a58f-c89f414ea74a" providerId="ADAL" clId="{CEAAE73E-A3C0-4EF3-8264-4F08772B5760}" dt="2023-03-15T21:06:00.300" v="163" actId="20577"/>
-          <ac:spMkLst>
-            <pc:docMk/>
-            <pc:sldMk cId="2065140228" sldId="282"/>
-            <ac:spMk id="3" creationId="{23DFC7E9-54DD-38D7-0B9B-D34948D68CF9}"/>
-          </ac:spMkLst>
-        </pc:spChg>
       </pc:sldChg>
       <pc:sldChg chg="delSp modSp mod">
         <pc:chgData name="Chuck Kiefriter" userId="c57348f7-b440-4861-a58f-c89f414ea74a" providerId="ADAL" clId="{CEAAE73E-A3C0-4EF3-8264-4F08772B5760}" dt="2023-03-21T23:02:03.008" v="988" actId="6549"/>
@@ -1456,38 +621,6 @@
           <pc:docMk/>
           <pc:sldMk cId="1885158462" sldId="283"/>
         </pc:sldMkLst>
-        <pc:spChg chg="mod">
-          <ac:chgData name="Chuck Kiefriter" userId="c57348f7-b440-4861-a58f-c89f414ea74a" providerId="ADAL" clId="{CEAAE73E-A3C0-4EF3-8264-4F08772B5760}" dt="2023-03-21T23:02:03.008" v="988" actId="6549"/>
-          <ac:spMkLst>
-            <pc:docMk/>
-            <pc:sldMk cId="1885158462" sldId="283"/>
-            <ac:spMk id="5" creationId="{9DB63145-E59C-9501-8AA5-4E6AC5C0D40F}"/>
-          </ac:spMkLst>
-        </pc:spChg>
-        <pc:spChg chg="mod">
-          <ac:chgData name="Chuck Kiefriter" userId="c57348f7-b440-4861-a58f-c89f414ea74a" providerId="ADAL" clId="{CEAAE73E-A3C0-4EF3-8264-4F08772B5760}" dt="2023-03-20T02:33:34.475" v="658" actId="20577"/>
-          <ac:spMkLst>
-            <pc:docMk/>
-            <pc:sldMk cId="1885158462" sldId="283"/>
-            <ac:spMk id="6" creationId="{59E906CD-110B-9D01-732C-2F21759B0265}"/>
-          </ac:spMkLst>
-        </pc:spChg>
-        <pc:spChg chg="del">
-          <ac:chgData name="Chuck Kiefriter" userId="c57348f7-b440-4861-a58f-c89f414ea74a" providerId="ADAL" clId="{CEAAE73E-A3C0-4EF3-8264-4F08772B5760}" dt="2023-03-20T02:33:47.335" v="661" actId="478"/>
-          <ac:spMkLst>
-            <pc:docMk/>
-            <pc:sldMk cId="1885158462" sldId="283"/>
-            <ac:spMk id="8" creationId="{ECD506A8-B7B8-3E79-FA2D-BD62C204B827}"/>
-          </ac:spMkLst>
-        </pc:spChg>
-        <pc:picChg chg="del">
-          <ac:chgData name="Chuck Kiefriter" userId="c57348f7-b440-4861-a58f-c89f414ea74a" providerId="ADAL" clId="{CEAAE73E-A3C0-4EF3-8264-4F08772B5760}" dt="2023-03-20T02:33:38.052" v="659" actId="478"/>
-          <ac:picMkLst>
-            <pc:docMk/>
-            <pc:sldMk cId="1885158462" sldId="283"/>
-            <ac:picMk id="4" creationId="{7C9F3104-C66F-0189-6D64-A0BDCF1B495F}"/>
-          </ac:picMkLst>
-        </pc:picChg>
       </pc:sldChg>
       <pc:sldChg chg="del">
         <pc:chgData name="Chuck Kiefriter" userId="c57348f7-b440-4861-a58f-c89f414ea74a" providerId="ADAL" clId="{CEAAE73E-A3C0-4EF3-8264-4F08772B5760}" dt="2023-03-20T04:03:18.428" v="665" actId="47"/>
@@ -1502,54 +635,6 @@
           <pc:docMk/>
           <pc:sldMk cId="460794980" sldId="285"/>
         </pc:sldMkLst>
-        <pc:spChg chg="add mod">
-          <ac:chgData name="Chuck Kiefriter" userId="c57348f7-b440-4861-a58f-c89f414ea74a" providerId="ADAL" clId="{CEAAE73E-A3C0-4EF3-8264-4F08772B5760}" dt="2023-03-20T00:37:53.726" v="352" actId="1076"/>
-          <ac:spMkLst>
-            <pc:docMk/>
-            <pc:sldMk cId="460794980" sldId="285"/>
-            <ac:spMk id="4" creationId="{0A9C3E86-2548-ECB5-8430-3E2B6C004107}"/>
-          </ac:spMkLst>
-        </pc:spChg>
-        <pc:spChg chg="mod">
-          <ac:chgData name="Chuck Kiefriter" userId="c57348f7-b440-4861-a58f-c89f414ea74a" providerId="ADAL" clId="{CEAAE73E-A3C0-4EF3-8264-4F08772B5760}" dt="2023-03-20T00:28:09.677" v="229" actId="20577"/>
-          <ac:spMkLst>
-            <pc:docMk/>
-            <pc:sldMk cId="460794980" sldId="285"/>
-            <ac:spMk id="6" creationId="{DE3DBA5A-FA8E-46C6-1402-E5C7632F4CAD}"/>
-          </ac:spMkLst>
-        </pc:spChg>
-        <pc:spChg chg="add mod">
-          <ac:chgData name="Chuck Kiefriter" userId="c57348f7-b440-4861-a58f-c89f414ea74a" providerId="ADAL" clId="{CEAAE73E-A3C0-4EF3-8264-4F08772B5760}" dt="2023-03-20T00:37:53.726" v="352" actId="1076"/>
-          <ac:spMkLst>
-            <pc:docMk/>
-            <pc:sldMk cId="460794980" sldId="285"/>
-            <ac:spMk id="7" creationId="{6078F001-09B3-95A6-FBBF-049E24348AA3}"/>
-          </ac:spMkLst>
-        </pc:spChg>
-        <pc:spChg chg="mod">
-          <ac:chgData name="Chuck Kiefriter" userId="c57348f7-b440-4861-a58f-c89f414ea74a" providerId="ADAL" clId="{CEAAE73E-A3C0-4EF3-8264-4F08772B5760}" dt="2023-03-20T00:36:05.988" v="344" actId="207"/>
-          <ac:spMkLst>
-            <pc:docMk/>
-            <pc:sldMk cId="460794980" sldId="285"/>
-            <ac:spMk id="10" creationId="{EA3D5ED0-1762-C438-DD7C-B32C5582A339}"/>
-          </ac:spMkLst>
-        </pc:spChg>
-        <pc:picChg chg="add mod">
-          <ac:chgData name="Chuck Kiefriter" userId="c57348f7-b440-4861-a58f-c89f414ea74a" providerId="ADAL" clId="{CEAAE73E-A3C0-4EF3-8264-4F08772B5760}" dt="2023-03-20T00:39:44.108" v="365" actId="14100"/>
-          <ac:picMkLst>
-            <pc:docMk/>
-            <pc:sldMk cId="460794980" sldId="285"/>
-            <ac:picMk id="9" creationId="{951D6567-EE71-636D-5131-1733E9CA3EE1}"/>
-          </ac:picMkLst>
-        </pc:picChg>
-        <pc:picChg chg="add mod">
-          <ac:chgData name="Chuck Kiefriter" userId="c57348f7-b440-4861-a58f-c89f414ea74a" providerId="ADAL" clId="{CEAAE73E-A3C0-4EF3-8264-4F08772B5760}" dt="2023-03-20T00:39:41.309" v="364" actId="1076"/>
-          <ac:picMkLst>
-            <pc:docMk/>
-            <pc:sldMk cId="460794980" sldId="285"/>
-            <ac:picMk id="12" creationId="{75DBF1A8-6B47-A236-0E35-BCD7AC30E1AC}"/>
-          </ac:picMkLst>
-        </pc:picChg>
       </pc:sldChg>
       <pc:sldChg chg="modSp add mod">
         <pc:chgData name="Chuck Kiefriter" userId="c57348f7-b440-4861-a58f-c89f414ea74a" providerId="ADAL" clId="{CEAAE73E-A3C0-4EF3-8264-4F08772B5760}" dt="2023-03-20T04:03:46.401" v="693" actId="1076"/>
@@ -1557,14 +642,6 @@
           <pc:docMk/>
           <pc:sldMk cId="1155090792" sldId="286"/>
         </pc:sldMkLst>
-        <pc:spChg chg="mod">
-          <ac:chgData name="Chuck Kiefriter" userId="c57348f7-b440-4861-a58f-c89f414ea74a" providerId="ADAL" clId="{CEAAE73E-A3C0-4EF3-8264-4F08772B5760}" dt="2023-03-20T04:03:46.401" v="693" actId="1076"/>
-          <ac:spMkLst>
-            <pc:docMk/>
-            <pc:sldMk cId="1155090792" sldId="286"/>
-            <ac:spMk id="3" creationId="{23DFC7E9-54DD-38D7-0B9B-D34948D68CF9}"/>
-          </ac:spMkLst>
-        </pc:spChg>
       </pc:sldChg>
       <pc:sldChg chg="addSp modSp add mod">
         <pc:chgData name="Chuck Kiefriter" userId="c57348f7-b440-4861-a58f-c89f414ea74a" providerId="ADAL" clId="{CEAAE73E-A3C0-4EF3-8264-4F08772B5760}" dt="2023-03-20T04:06:13.253" v="729" actId="1076"/>
@@ -1572,30 +649,6 @@
           <pc:docMk/>
           <pc:sldMk cId="424094208" sldId="287"/>
         </pc:sldMkLst>
-        <pc:spChg chg="add mod">
-          <ac:chgData name="Chuck Kiefriter" userId="c57348f7-b440-4861-a58f-c89f414ea74a" providerId="ADAL" clId="{CEAAE73E-A3C0-4EF3-8264-4F08772B5760}" dt="2023-03-20T04:06:13.253" v="729" actId="1076"/>
-          <ac:spMkLst>
-            <pc:docMk/>
-            <pc:sldMk cId="424094208" sldId="287"/>
-            <ac:spMk id="3" creationId="{FF9F9172-C924-1C79-FA1B-3659223D7D26}"/>
-          </ac:spMkLst>
-        </pc:spChg>
-        <pc:spChg chg="mod">
-          <ac:chgData name="Chuck Kiefriter" userId="c57348f7-b440-4861-a58f-c89f414ea74a" providerId="ADAL" clId="{CEAAE73E-A3C0-4EF3-8264-4F08772B5760}" dt="2023-03-20T04:04:56.478" v="721" actId="6549"/>
-          <ac:spMkLst>
-            <pc:docMk/>
-            <pc:sldMk cId="424094208" sldId="287"/>
-            <ac:spMk id="5" creationId="{9DB63145-E59C-9501-8AA5-4E6AC5C0D40F}"/>
-          </ac:spMkLst>
-        </pc:spChg>
-        <pc:spChg chg="mod">
-          <ac:chgData name="Chuck Kiefriter" userId="c57348f7-b440-4861-a58f-c89f414ea74a" providerId="ADAL" clId="{CEAAE73E-A3C0-4EF3-8264-4F08772B5760}" dt="2023-03-20T04:03:56.659" v="717" actId="20577"/>
-          <ac:spMkLst>
-            <pc:docMk/>
-            <pc:sldMk cId="424094208" sldId="287"/>
-            <ac:spMk id="6" creationId="{59E906CD-110B-9D01-732C-2F21759B0265}"/>
-          </ac:spMkLst>
-        </pc:spChg>
       </pc:sldChg>
     </pc:docChg>
   </pc:docChgLst>
@@ -1612,78 +665,6 @@
           <pc:docMk/>
           <pc:sldMk cId="3995279466" sldId="256"/>
         </pc:sldMkLst>
-        <pc:spChg chg="add del mod">
-          <ac:chgData name="Chuck Kiefriter" userId="c57348f7-b440-4861-a58f-c89f414ea74a" providerId="ADAL" clId="{C2FDF4A5-FE03-4269-B12C-3FB90C87A25C}" dt="2023-03-13T02:47:56.038" v="191" actId="478"/>
-          <ac:spMkLst>
-            <pc:docMk/>
-            <pc:sldMk cId="3995279466" sldId="256"/>
-            <ac:spMk id="2" creationId="{2C4F45DE-E822-5A85-C085-D6793E7757C6}"/>
-          </ac:spMkLst>
-        </pc:spChg>
-        <pc:spChg chg="add del mod">
-          <ac:chgData name="Chuck Kiefriter" userId="c57348f7-b440-4861-a58f-c89f414ea74a" providerId="ADAL" clId="{C2FDF4A5-FE03-4269-B12C-3FB90C87A25C}" dt="2023-03-13T02:48:25.804" v="193" actId="478"/>
-          <ac:spMkLst>
-            <pc:docMk/>
-            <pc:sldMk cId="3995279466" sldId="256"/>
-            <ac:spMk id="4" creationId="{56AD9E25-842B-8146-0917-9F5EFE416A2E}"/>
-          </ac:spMkLst>
-        </pc:spChg>
-        <pc:spChg chg="del">
-          <ac:chgData name="Chuck Kiefriter" userId="c57348f7-b440-4861-a58f-c89f414ea74a" providerId="ADAL" clId="{C2FDF4A5-FE03-4269-B12C-3FB90C87A25C}" dt="2023-03-13T02:47:34.368" v="186" actId="478"/>
-          <ac:spMkLst>
-            <pc:docMk/>
-            <pc:sldMk cId="3995279466" sldId="256"/>
-            <ac:spMk id="5" creationId="{5F9FFA0F-ABF5-A659-70E6-D8C77574B512}"/>
-          </ac:spMkLst>
-        </pc:spChg>
-        <pc:spChg chg="mod">
-          <ac:chgData name="Chuck Kiefriter" userId="c57348f7-b440-4861-a58f-c89f414ea74a" providerId="ADAL" clId="{C2FDF4A5-FE03-4269-B12C-3FB90C87A25C}" dt="2023-03-13T13:55:13.470" v="1571" actId="1036"/>
-          <ac:spMkLst>
-            <pc:docMk/>
-            <pc:sldMk cId="3995279466" sldId="256"/>
-            <ac:spMk id="6" creationId="{DE3DBA5A-FA8E-46C6-1402-E5C7632F4CAD}"/>
-          </ac:spMkLst>
-        </pc:spChg>
-        <pc:spChg chg="del">
-          <ac:chgData name="Chuck Kiefriter" userId="c57348f7-b440-4861-a58f-c89f414ea74a" providerId="ADAL" clId="{C2FDF4A5-FE03-4269-B12C-3FB90C87A25C}" dt="2023-03-13T02:48:46.914" v="198" actId="478"/>
-          <ac:spMkLst>
-            <pc:docMk/>
-            <pc:sldMk cId="3995279466" sldId="256"/>
-            <ac:spMk id="7" creationId="{E4743137-C6B2-414D-BFAA-03342A75F078}"/>
-          </ac:spMkLst>
-        </pc:spChg>
-        <pc:spChg chg="del">
-          <ac:chgData name="Chuck Kiefriter" userId="c57348f7-b440-4861-a58f-c89f414ea74a" providerId="ADAL" clId="{C2FDF4A5-FE03-4269-B12C-3FB90C87A25C}" dt="2023-03-13T02:49:24.329" v="202" actId="478"/>
-          <ac:spMkLst>
-            <pc:docMk/>
-            <pc:sldMk cId="3995279466" sldId="256"/>
-            <ac:spMk id="9" creationId="{173C8FB3-3AEA-AC6B-0DDF-E23D4893528F}"/>
-          </ac:spMkLst>
-        </pc:spChg>
-        <pc:spChg chg="add mod">
-          <ac:chgData name="Chuck Kiefriter" userId="c57348f7-b440-4861-a58f-c89f414ea74a" providerId="ADAL" clId="{C2FDF4A5-FE03-4269-B12C-3FB90C87A25C}" dt="2023-03-13T13:55:28.054" v="1574" actId="20577"/>
-          <ac:spMkLst>
-            <pc:docMk/>
-            <pc:sldMk cId="3995279466" sldId="256"/>
-            <ac:spMk id="10" creationId="{EA3D5ED0-1762-C438-DD7C-B32C5582A339}"/>
-          </ac:spMkLst>
-        </pc:spChg>
-        <pc:spChg chg="add mod">
-          <ac:chgData name="Chuck Kiefriter" userId="c57348f7-b440-4861-a58f-c89f414ea74a" providerId="ADAL" clId="{C2FDF4A5-FE03-4269-B12C-3FB90C87A25C}" dt="2023-03-13T13:54:42.242" v="1560" actId="1076"/>
-          <ac:spMkLst>
-            <pc:docMk/>
-            <pc:sldMk cId="3995279466" sldId="256"/>
-            <ac:spMk id="12" creationId="{18FCF58A-E768-0BFC-8A0B-3881F7F528D8}"/>
-          </ac:spMkLst>
-        </pc:spChg>
-        <pc:graphicFrameChg chg="add mod modGraphic">
-          <ac:chgData name="Chuck Kiefriter" userId="c57348f7-b440-4861-a58f-c89f414ea74a" providerId="ADAL" clId="{C2FDF4A5-FE03-4269-B12C-3FB90C87A25C}" dt="2023-03-13T13:54:42.242" v="1560" actId="1076"/>
-          <ac:graphicFrameMkLst>
-            <pc:docMk/>
-            <pc:sldMk cId="3995279466" sldId="256"/>
-            <ac:graphicFrameMk id="13" creationId="{BB1305A0-0446-F701-7436-EA612090B033}"/>
-          </ac:graphicFrameMkLst>
-        </pc:graphicFrameChg>
       </pc:sldChg>
       <pc:sldChg chg="del">
         <pc:chgData name="Chuck Kiefriter" userId="c57348f7-b440-4861-a58f-c89f414ea74a" providerId="ADAL" clId="{C2FDF4A5-FE03-4269-B12C-3FB90C87A25C}" dt="2023-03-13T02:59:12.416" v="314" actId="47"/>
@@ -1726,14 +707,6 @@
           <pc:docMk/>
           <pc:sldMk cId="3194223319" sldId="263"/>
         </pc:sldMkLst>
-        <pc:spChg chg="mod">
-          <ac:chgData name="Chuck Kiefriter" userId="c57348f7-b440-4861-a58f-c89f414ea74a" providerId="ADAL" clId="{C2FDF4A5-FE03-4269-B12C-3FB90C87A25C}" dt="2023-03-13T02:43:52.914" v="168" actId="20577"/>
-          <ac:spMkLst>
-            <pc:docMk/>
-            <pc:sldMk cId="3194223319" sldId="263"/>
-            <ac:spMk id="3" creationId="{23DFC7E9-54DD-38D7-0B9B-D34948D68CF9}"/>
-          </ac:spMkLst>
-        </pc:spChg>
       </pc:sldChg>
       <pc:sldChg chg="modSp mod">
         <pc:chgData name="Chuck Kiefriter" userId="c57348f7-b440-4861-a58f-c89f414ea74a" providerId="ADAL" clId="{C2FDF4A5-FE03-4269-B12C-3FB90C87A25C}" dt="2023-03-13T02:59:36.661" v="331" actId="20577"/>
@@ -1741,14 +714,6 @@
           <pc:docMk/>
           <pc:sldMk cId="763182894" sldId="264"/>
         </pc:sldMkLst>
-        <pc:spChg chg="mod">
-          <ac:chgData name="Chuck Kiefriter" userId="c57348f7-b440-4861-a58f-c89f414ea74a" providerId="ADAL" clId="{C2FDF4A5-FE03-4269-B12C-3FB90C87A25C}" dt="2023-03-13T02:59:36.661" v="331" actId="20577"/>
-          <ac:spMkLst>
-            <pc:docMk/>
-            <pc:sldMk cId="763182894" sldId="264"/>
-            <ac:spMk id="3" creationId="{23DFC7E9-54DD-38D7-0B9B-D34948D68CF9}"/>
-          </ac:spMkLst>
-        </pc:spChg>
       </pc:sldChg>
       <pc:sldChg chg="modSp mod">
         <pc:chgData name="Chuck Kiefriter" userId="c57348f7-b440-4861-a58f-c89f414ea74a" providerId="ADAL" clId="{C2FDF4A5-FE03-4269-B12C-3FB90C87A25C}" dt="2023-03-13T02:59:45.139" v="348" actId="20577"/>
@@ -1756,14 +721,6 @@
           <pc:docMk/>
           <pc:sldMk cId="367428708" sldId="265"/>
         </pc:sldMkLst>
-        <pc:spChg chg="mod">
-          <ac:chgData name="Chuck Kiefriter" userId="c57348f7-b440-4861-a58f-c89f414ea74a" providerId="ADAL" clId="{C2FDF4A5-FE03-4269-B12C-3FB90C87A25C}" dt="2023-03-13T02:59:45.139" v="348" actId="20577"/>
-          <ac:spMkLst>
-            <pc:docMk/>
-            <pc:sldMk cId="367428708" sldId="265"/>
-            <ac:spMk id="3" creationId="{23DFC7E9-54DD-38D7-0B9B-D34948D68CF9}"/>
-          </ac:spMkLst>
-        </pc:spChg>
       </pc:sldChg>
       <pc:sldChg chg="addSp delSp modSp mod">
         <pc:chgData name="Chuck Kiefriter" userId="c57348f7-b440-4861-a58f-c89f414ea74a" providerId="ADAL" clId="{C2FDF4A5-FE03-4269-B12C-3FB90C87A25C}" dt="2023-03-13T03:27:59.526" v="828" actId="1076"/>
@@ -1771,78 +728,6 @@
           <pc:docMk/>
           <pc:sldMk cId="3472760250" sldId="266"/>
         </pc:sldMkLst>
-        <pc:spChg chg="add del">
-          <ac:chgData name="Chuck Kiefriter" userId="c57348f7-b440-4861-a58f-c89f414ea74a" providerId="ADAL" clId="{C2FDF4A5-FE03-4269-B12C-3FB90C87A25C}" dt="2023-03-13T03:02:45.417" v="401"/>
-          <ac:spMkLst>
-            <pc:docMk/>
-            <pc:sldMk cId="3472760250" sldId="266"/>
-            <ac:spMk id="2" creationId="{32E1CDDC-1253-20E1-5CBA-2D4F1A21493C}"/>
-          </ac:spMkLst>
-        </pc:spChg>
-        <pc:spChg chg="mod">
-          <ac:chgData name="Chuck Kiefriter" userId="c57348f7-b440-4861-a58f-c89f414ea74a" providerId="ADAL" clId="{C2FDF4A5-FE03-4269-B12C-3FB90C87A25C}" dt="2023-03-13T03:27:51.135" v="825" actId="1076"/>
-          <ac:spMkLst>
-            <pc:docMk/>
-            <pc:sldMk cId="3472760250" sldId="266"/>
-            <ac:spMk id="3" creationId="{8A190F0E-2F97-FB1D-4C12-99BD52A45698}"/>
-          </ac:spMkLst>
-        </pc:spChg>
-        <pc:spChg chg="add mod">
-          <ac:chgData name="Chuck Kiefriter" userId="c57348f7-b440-4861-a58f-c89f414ea74a" providerId="ADAL" clId="{C2FDF4A5-FE03-4269-B12C-3FB90C87A25C}" dt="2023-03-13T03:27:51.135" v="825" actId="1076"/>
-          <ac:spMkLst>
-            <pc:docMk/>
-            <pc:sldMk cId="3472760250" sldId="266"/>
-            <ac:spMk id="5" creationId="{4722EB52-7FBD-AEF3-6771-A0B77E13744B}"/>
-          </ac:spMkLst>
-        </pc:spChg>
-        <pc:spChg chg="mod">
-          <ac:chgData name="Chuck Kiefriter" userId="c57348f7-b440-4861-a58f-c89f414ea74a" providerId="ADAL" clId="{C2FDF4A5-FE03-4269-B12C-3FB90C87A25C}" dt="2023-03-13T03:16:12.878" v="747" actId="20577"/>
-          <ac:spMkLst>
-            <pc:docMk/>
-            <pc:sldMk cId="3472760250" sldId="266"/>
-            <ac:spMk id="6" creationId="{59E906CD-110B-9D01-732C-2F21759B0265}"/>
-          </ac:spMkLst>
-        </pc:spChg>
-        <pc:spChg chg="add mod">
-          <ac:chgData name="Chuck Kiefriter" userId="c57348f7-b440-4861-a58f-c89f414ea74a" providerId="ADAL" clId="{C2FDF4A5-FE03-4269-B12C-3FB90C87A25C}" dt="2023-03-13T03:27:51.135" v="825" actId="1076"/>
-          <ac:spMkLst>
-            <pc:docMk/>
-            <pc:sldMk cId="3472760250" sldId="266"/>
-            <ac:spMk id="7" creationId="{2F8EFB88-7117-DB08-F164-0D4DDE8F4760}"/>
-          </ac:spMkLst>
-        </pc:spChg>
-        <pc:spChg chg="add mod">
-          <ac:chgData name="Chuck Kiefriter" userId="c57348f7-b440-4861-a58f-c89f414ea74a" providerId="ADAL" clId="{C2FDF4A5-FE03-4269-B12C-3FB90C87A25C}" dt="2023-03-13T03:27:51.135" v="825" actId="1076"/>
-          <ac:spMkLst>
-            <pc:docMk/>
-            <pc:sldMk cId="3472760250" sldId="266"/>
-            <ac:spMk id="8" creationId="{FA061E8C-5A3E-8D93-0FF8-7C9A1D14FB3F}"/>
-          </ac:spMkLst>
-        </pc:spChg>
-        <pc:spChg chg="add mod">
-          <ac:chgData name="Chuck Kiefriter" userId="c57348f7-b440-4861-a58f-c89f414ea74a" providerId="ADAL" clId="{C2FDF4A5-FE03-4269-B12C-3FB90C87A25C}" dt="2023-03-13T03:27:51.135" v="825" actId="1076"/>
-          <ac:spMkLst>
-            <pc:docMk/>
-            <pc:sldMk cId="3472760250" sldId="266"/>
-            <ac:spMk id="9" creationId="{EA1B1EA7-B605-1137-AF6A-C16DE5D15BCD}"/>
-          </ac:spMkLst>
-        </pc:spChg>
-        <pc:spChg chg="add mod">
-          <ac:chgData name="Chuck Kiefriter" userId="c57348f7-b440-4861-a58f-c89f414ea74a" providerId="ADAL" clId="{C2FDF4A5-FE03-4269-B12C-3FB90C87A25C}" dt="2023-03-13T03:27:54.104" v="826" actId="1076"/>
-          <ac:spMkLst>
-            <pc:docMk/>
-            <pc:sldMk cId="3472760250" sldId="266"/>
-            <ac:spMk id="10" creationId="{5FE0F0B4-AC6B-987F-CA51-A4E6DE70DBB8}"/>
-          </ac:spMkLst>
-        </pc:spChg>
-        <pc:picChg chg="add mod">
-          <ac:chgData name="Chuck Kiefriter" userId="c57348f7-b440-4861-a58f-c89f414ea74a" providerId="ADAL" clId="{C2FDF4A5-FE03-4269-B12C-3FB90C87A25C}" dt="2023-03-13T03:27:59.526" v="828" actId="1076"/>
-          <ac:picMkLst>
-            <pc:docMk/>
-            <pc:sldMk cId="3472760250" sldId="266"/>
-            <ac:picMk id="12" creationId="{BC86969A-DE0A-FA6D-2E0B-7566AF411A68}"/>
-          </ac:picMkLst>
-        </pc:picChg>
       </pc:sldChg>
       <pc:sldChg chg="del">
         <pc:chgData name="Chuck Kiefriter" userId="c57348f7-b440-4861-a58f-c89f414ea74a" providerId="ADAL" clId="{C2FDF4A5-FE03-4269-B12C-3FB90C87A25C}" dt="2023-03-13T03:21:18.538" v="776" actId="47"/>
@@ -1899,14 +784,6 @@
           <pc:docMk/>
           <pc:sldMk cId="4170465764" sldId="274"/>
         </pc:sldMkLst>
-        <pc:spChg chg="mod">
-          <ac:chgData name="Chuck Kiefriter" userId="c57348f7-b440-4861-a58f-c89f414ea74a" providerId="ADAL" clId="{C2FDF4A5-FE03-4269-B12C-3FB90C87A25C}" dt="2023-03-13T03:26:18.486" v="821" actId="14100"/>
-          <ac:spMkLst>
-            <pc:docMk/>
-            <pc:sldMk cId="4170465764" sldId="274"/>
-            <ac:spMk id="3" creationId="{23DFC7E9-54DD-38D7-0B9B-D34948D68CF9}"/>
-          </ac:spMkLst>
-        </pc:spChg>
       </pc:sldChg>
       <pc:sldChg chg="addSp modSp mod">
         <pc:chgData name="Chuck Kiefriter" userId="c57348f7-b440-4861-a58f-c89f414ea74a" providerId="ADAL" clId="{C2FDF4A5-FE03-4269-B12C-3FB90C87A25C}" dt="2023-03-13T03:41:12.959" v="1017" actId="1076"/>
@@ -1914,30 +791,6 @@
           <pc:docMk/>
           <pc:sldMk cId="1513494963" sldId="275"/>
         </pc:sldMkLst>
-        <pc:spChg chg="mod">
-          <ac:chgData name="Chuck Kiefriter" userId="c57348f7-b440-4861-a58f-c89f414ea74a" providerId="ADAL" clId="{C2FDF4A5-FE03-4269-B12C-3FB90C87A25C}" dt="2023-03-13T03:40:46.542" v="1011" actId="20577"/>
-          <ac:spMkLst>
-            <pc:docMk/>
-            <pc:sldMk cId="1513494963" sldId="275"/>
-            <ac:spMk id="5" creationId="{9DB63145-E59C-9501-8AA5-4E6AC5C0D40F}"/>
-          </ac:spMkLst>
-        </pc:spChg>
-        <pc:spChg chg="mod">
-          <ac:chgData name="Chuck Kiefriter" userId="c57348f7-b440-4861-a58f-c89f414ea74a" providerId="ADAL" clId="{C2FDF4A5-FE03-4269-B12C-3FB90C87A25C}" dt="2023-03-13T03:30:30.367" v="856" actId="20577"/>
-          <ac:spMkLst>
-            <pc:docMk/>
-            <pc:sldMk cId="1513494963" sldId="275"/>
-            <ac:spMk id="6" creationId="{59E906CD-110B-9D01-732C-2F21759B0265}"/>
-          </ac:spMkLst>
-        </pc:spChg>
-        <pc:picChg chg="add mod">
-          <ac:chgData name="Chuck Kiefriter" userId="c57348f7-b440-4861-a58f-c89f414ea74a" providerId="ADAL" clId="{C2FDF4A5-FE03-4269-B12C-3FB90C87A25C}" dt="2023-03-13T03:41:12.959" v="1017" actId="1076"/>
-          <ac:picMkLst>
-            <pc:docMk/>
-            <pc:sldMk cId="1513494963" sldId="275"/>
-            <ac:picMk id="3" creationId="{0E14C303-4A08-9E3D-827C-D6CF995E9C7A}"/>
-          </ac:picMkLst>
-        </pc:picChg>
       </pc:sldChg>
       <pc:sldChg chg="del">
         <pc:chgData name="Chuck Kiefriter" userId="c57348f7-b440-4861-a58f-c89f414ea74a" providerId="ADAL" clId="{C2FDF4A5-FE03-4269-B12C-3FB90C87A25C}" dt="2023-03-13T03:31:10.297" v="872" actId="47"/>
@@ -1959,78 +812,6 @@
           <pc:docMk/>
           <pc:sldMk cId="976671966" sldId="278"/>
         </pc:sldMkLst>
-        <pc:spChg chg="del">
-          <ac:chgData name="Chuck Kiefriter" userId="c57348f7-b440-4861-a58f-c89f414ea74a" providerId="ADAL" clId="{C2FDF4A5-FE03-4269-B12C-3FB90C87A25C}" dt="2023-03-13T03:22:35.617" v="799" actId="478"/>
-          <ac:spMkLst>
-            <pc:docMk/>
-            <pc:sldMk cId="976671966" sldId="278"/>
-            <ac:spMk id="3" creationId="{8A190F0E-2F97-FB1D-4C12-99BD52A45698}"/>
-          </ac:spMkLst>
-        </pc:spChg>
-        <pc:spChg chg="add mod">
-          <ac:chgData name="Chuck Kiefriter" userId="c57348f7-b440-4861-a58f-c89f414ea74a" providerId="ADAL" clId="{C2FDF4A5-FE03-4269-B12C-3FB90C87A25C}" dt="2023-03-13T03:25:08.174" v="814" actId="14100"/>
-          <ac:spMkLst>
-            <pc:docMk/>
-            <pc:sldMk cId="976671966" sldId="278"/>
-            <ac:spMk id="4" creationId="{C0B26727-0F97-5A73-B4ED-6BE65E07E5DB}"/>
-          </ac:spMkLst>
-        </pc:spChg>
-        <pc:spChg chg="del">
-          <ac:chgData name="Chuck Kiefriter" userId="c57348f7-b440-4861-a58f-c89f414ea74a" providerId="ADAL" clId="{C2FDF4A5-FE03-4269-B12C-3FB90C87A25C}" dt="2023-03-13T03:22:35.617" v="799" actId="478"/>
-          <ac:spMkLst>
-            <pc:docMk/>
-            <pc:sldMk cId="976671966" sldId="278"/>
-            <ac:spMk id="5" creationId="{4722EB52-7FBD-AEF3-6771-A0B77E13744B}"/>
-          </ac:spMkLst>
-        </pc:spChg>
-        <pc:spChg chg="mod">
-          <ac:chgData name="Chuck Kiefriter" userId="c57348f7-b440-4861-a58f-c89f414ea74a" providerId="ADAL" clId="{C2FDF4A5-FE03-4269-B12C-3FB90C87A25C}" dt="2023-03-13T03:22:25.945" v="798" actId="20577"/>
-          <ac:spMkLst>
-            <pc:docMk/>
-            <pc:sldMk cId="976671966" sldId="278"/>
-            <ac:spMk id="6" creationId="{59E906CD-110B-9D01-732C-2F21759B0265}"/>
-          </ac:spMkLst>
-        </pc:spChg>
-        <pc:spChg chg="del">
-          <ac:chgData name="Chuck Kiefriter" userId="c57348f7-b440-4861-a58f-c89f414ea74a" providerId="ADAL" clId="{C2FDF4A5-FE03-4269-B12C-3FB90C87A25C}" dt="2023-03-13T03:22:35.617" v="799" actId="478"/>
-          <ac:spMkLst>
-            <pc:docMk/>
-            <pc:sldMk cId="976671966" sldId="278"/>
-            <ac:spMk id="7" creationId="{2F8EFB88-7117-DB08-F164-0D4DDE8F4760}"/>
-          </ac:spMkLst>
-        </pc:spChg>
-        <pc:spChg chg="del">
-          <ac:chgData name="Chuck Kiefriter" userId="c57348f7-b440-4861-a58f-c89f414ea74a" providerId="ADAL" clId="{C2FDF4A5-FE03-4269-B12C-3FB90C87A25C}" dt="2023-03-13T03:22:35.617" v="799" actId="478"/>
-          <ac:spMkLst>
-            <pc:docMk/>
-            <pc:sldMk cId="976671966" sldId="278"/>
-            <ac:spMk id="8" creationId="{FA061E8C-5A3E-8D93-0FF8-7C9A1D14FB3F}"/>
-          </ac:spMkLst>
-        </pc:spChg>
-        <pc:spChg chg="del">
-          <ac:chgData name="Chuck Kiefriter" userId="c57348f7-b440-4861-a58f-c89f414ea74a" providerId="ADAL" clId="{C2FDF4A5-FE03-4269-B12C-3FB90C87A25C}" dt="2023-03-13T03:22:35.617" v="799" actId="478"/>
-          <ac:spMkLst>
-            <pc:docMk/>
-            <pc:sldMk cId="976671966" sldId="278"/>
-            <ac:spMk id="9" creationId="{EA1B1EA7-B605-1137-AF6A-C16DE5D15BCD}"/>
-          </ac:spMkLst>
-        </pc:spChg>
-        <pc:spChg chg="del">
-          <ac:chgData name="Chuck Kiefriter" userId="c57348f7-b440-4861-a58f-c89f414ea74a" providerId="ADAL" clId="{C2FDF4A5-FE03-4269-B12C-3FB90C87A25C}" dt="2023-03-13T03:22:35.617" v="799" actId="478"/>
-          <ac:spMkLst>
-            <pc:docMk/>
-            <pc:sldMk cId="976671966" sldId="278"/>
-            <ac:spMk id="10" creationId="{5FE0F0B4-AC6B-987F-CA51-A4E6DE70DBB8}"/>
-          </ac:spMkLst>
-        </pc:spChg>
-        <pc:picChg chg="add mod">
-          <ac:chgData name="Chuck Kiefriter" userId="c57348f7-b440-4861-a58f-c89f414ea74a" providerId="ADAL" clId="{C2FDF4A5-FE03-4269-B12C-3FB90C87A25C}" dt="2023-03-13T03:25:09.804" v="815" actId="1076"/>
-          <ac:picMkLst>
-            <pc:docMk/>
-            <pc:sldMk cId="976671966" sldId="278"/>
-            <ac:picMk id="12" creationId="{EDDB08A4-A3C1-182F-A00B-0BE97F3C502C}"/>
-          </ac:picMkLst>
-        </pc:picChg>
       </pc:sldChg>
       <pc:sldChg chg="addSp modSp add mod">
         <pc:chgData name="Chuck Kiefriter" userId="c57348f7-b440-4861-a58f-c89f414ea74a" providerId="ADAL" clId="{C2FDF4A5-FE03-4269-B12C-3FB90C87A25C}" dt="2023-03-13T03:33:44.106" v="937" actId="20577"/>
@@ -2038,30 +819,6 @@
           <pc:docMk/>
           <pc:sldMk cId="3402929522" sldId="279"/>
         </pc:sldMkLst>
-        <pc:spChg chg="mod">
-          <ac:chgData name="Chuck Kiefriter" userId="c57348f7-b440-4861-a58f-c89f414ea74a" providerId="ADAL" clId="{C2FDF4A5-FE03-4269-B12C-3FB90C87A25C}" dt="2023-03-13T03:33:44.106" v="937" actId="20577"/>
-          <ac:spMkLst>
-            <pc:docMk/>
-            <pc:sldMk cId="3402929522" sldId="279"/>
-            <ac:spMk id="5" creationId="{9DB63145-E59C-9501-8AA5-4E6AC5C0D40F}"/>
-          </ac:spMkLst>
-        </pc:spChg>
-        <pc:spChg chg="mod">
-          <ac:chgData name="Chuck Kiefriter" userId="c57348f7-b440-4861-a58f-c89f414ea74a" providerId="ADAL" clId="{C2FDF4A5-FE03-4269-B12C-3FB90C87A25C}" dt="2023-03-13T03:33:27.221" v="921" actId="20577"/>
-          <ac:spMkLst>
-            <pc:docMk/>
-            <pc:sldMk cId="3402929522" sldId="279"/>
-            <ac:spMk id="6" creationId="{59E906CD-110B-9D01-732C-2F21759B0265}"/>
-          </ac:spMkLst>
-        </pc:spChg>
-        <pc:picChg chg="add mod">
-          <ac:chgData name="Chuck Kiefriter" userId="c57348f7-b440-4861-a58f-c89f414ea74a" providerId="ADAL" clId="{C2FDF4A5-FE03-4269-B12C-3FB90C87A25C}" dt="2023-03-13T03:32:59.392" v="892" actId="1076"/>
-          <ac:picMkLst>
-            <pc:docMk/>
-            <pc:sldMk cId="3402929522" sldId="279"/>
-            <ac:picMk id="3" creationId="{AD0FD225-5D5A-02AF-7A9C-13410C644753}"/>
-          </ac:picMkLst>
-        </pc:picChg>
       </pc:sldChg>
       <pc:sldChg chg="modSp add mod">
         <pc:chgData name="Chuck Kiefriter" userId="c57348f7-b440-4861-a58f-c89f414ea74a" providerId="ADAL" clId="{C2FDF4A5-FE03-4269-B12C-3FB90C87A25C}" dt="2023-03-13T03:34:49.341" v="952" actId="20577"/>
@@ -2069,14 +826,6 @@
           <pc:docMk/>
           <pc:sldMk cId="3395566764" sldId="280"/>
         </pc:sldMkLst>
-        <pc:spChg chg="mod">
-          <ac:chgData name="Chuck Kiefriter" userId="c57348f7-b440-4861-a58f-c89f414ea74a" providerId="ADAL" clId="{C2FDF4A5-FE03-4269-B12C-3FB90C87A25C}" dt="2023-03-13T03:34:49.341" v="952" actId="20577"/>
-          <ac:spMkLst>
-            <pc:docMk/>
-            <pc:sldMk cId="3395566764" sldId="280"/>
-            <ac:spMk id="3" creationId="{23DFC7E9-54DD-38D7-0B9B-D34948D68CF9}"/>
-          </ac:spMkLst>
-        </pc:spChg>
       </pc:sldChg>
       <pc:sldChg chg="addSp modSp add mod">
         <pc:chgData name="Chuck Kiefriter" userId="c57348f7-b440-4861-a58f-c89f414ea74a" providerId="ADAL" clId="{C2FDF4A5-FE03-4269-B12C-3FB90C87A25C}" dt="2023-03-13T04:01:29.730" v="1300" actId="20577"/>
@@ -2084,30 +833,6 @@
           <pc:docMk/>
           <pc:sldMk cId="3187156049" sldId="281"/>
         </pc:sldMkLst>
-        <pc:spChg chg="mod">
-          <ac:chgData name="Chuck Kiefriter" userId="c57348f7-b440-4861-a58f-c89f414ea74a" providerId="ADAL" clId="{C2FDF4A5-FE03-4269-B12C-3FB90C87A25C}" dt="2023-03-13T04:01:29.730" v="1300" actId="20577"/>
-          <ac:spMkLst>
-            <pc:docMk/>
-            <pc:sldMk cId="3187156049" sldId="281"/>
-            <ac:spMk id="5" creationId="{9DB63145-E59C-9501-8AA5-4E6AC5C0D40F}"/>
-          </ac:spMkLst>
-        </pc:spChg>
-        <pc:spChg chg="mod">
-          <ac:chgData name="Chuck Kiefriter" userId="c57348f7-b440-4861-a58f-c89f414ea74a" providerId="ADAL" clId="{C2FDF4A5-FE03-4269-B12C-3FB90C87A25C}" dt="2023-03-13T04:00:07.740" v="1271" actId="20577"/>
-          <ac:spMkLst>
-            <pc:docMk/>
-            <pc:sldMk cId="3187156049" sldId="281"/>
-            <ac:spMk id="6" creationId="{59E906CD-110B-9D01-732C-2F21759B0265}"/>
-          </ac:spMkLst>
-        </pc:spChg>
-        <pc:picChg chg="add mod">
-          <ac:chgData name="Chuck Kiefriter" userId="c57348f7-b440-4861-a58f-c89f414ea74a" providerId="ADAL" clId="{C2FDF4A5-FE03-4269-B12C-3FB90C87A25C}" dt="2023-03-13T03:55:24.774" v="1128" actId="1076"/>
-          <ac:picMkLst>
-            <pc:docMk/>
-            <pc:sldMk cId="3187156049" sldId="281"/>
-            <ac:picMk id="3" creationId="{83E4109A-5F0E-62C4-2DDC-A1744C5BE6B5}"/>
-          </ac:picMkLst>
-        </pc:picChg>
       </pc:sldChg>
       <pc:sldChg chg="modSp add mod">
         <pc:chgData name="Chuck Kiefriter" userId="c57348f7-b440-4861-a58f-c89f414ea74a" providerId="ADAL" clId="{C2FDF4A5-FE03-4269-B12C-3FB90C87A25C}" dt="2023-03-13T03:41:55.418" v="1028" actId="20577"/>
@@ -2115,14 +840,6 @@
           <pc:docMk/>
           <pc:sldMk cId="2065140228" sldId="282"/>
         </pc:sldMkLst>
-        <pc:spChg chg="mod">
-          <ac:chgData name="Chuck Kiefriter" userId="c57348f7-b440-4861-a58f-c89f414ea74a" providerId="ADAL" clId="{C2FDF4A5-FE03-4269-B12C-3FB90C87A25C}" dt="2023-03-13T03:41:55.418" v="1028" actId="20577"/>
-          <ac:spMkLst>
-            <pc:docMk/>
-            <pc:sldMk cId="2065140228" sldId="282"/>
-            <ac:spMk id="3" creationId="{23DFC7E9-54DD-38D7-0B9B-D34948D68CF9}"/>
-          </ac:spMkLst>
-        </pc:spChg>
       </pc:sldChg>
       <pc:sldChg chg="addSp delSp modSp add mod">
         <pc:chgData name="Chuck Kiefriter" userId="c57348f7-b440-4861-a58f-c89f414ea74a" providerId="ADAL" clId="{C2FDF4A5-FE03-4269-B12C-3FB90C87A25C}" dt="2023-03-13T03:51:42.665" v="1120" actId="207"/>
@@ -2130,46 +847,6 @@
           <pc:docMk/>
           <pc:sldMk cId="1885158462" sldId="283"/>
         </pc:sldMkLst>
-        <pc:spChg chg="mod">
-          <ac:chgData name="Chuck Kiefriter" userId="c57348f7-b440-4861-a58f-c89f414ea74a" providerId="ADAL" clId="{C2FDF4A5-FE03-4269-B12C-3FB90C87A25C}" dt="2023-03-13T03:51:42.665" v="1120" actId="207"/>
-          <ac:spMkLst>
-            <pc:docMk/>
-            <pc:sldMk cId="1885158462" sldId="283"/>
-            <ac:spMk id="5" creationId="{9DB63145-E59C-9501-8AA5-4E6AC5C0D40F}"/>
-          </ac:spMkLst>
-        </pc:spChg>
-        <pc:spChg chg="mod">
-          <ac:chgData name="Chuck Kiefriter" userId="c57348f7-b440-4861-a58f-c89f414ea74a" providerId="ADAL" clId="{C2FDF4A5-FE03-4269-B12C-3FB90C87A25C}" dt="2023-03-13T03:42:03.806" v="1039" actId="20577"/>
-          <ac:spMkLst>
-            <pc:docMk/>
-            <pc:sldMk cId="1885158462" sldId="283"/>
-            <ac:spMk id="6" creationId="{59E906CD-110B-9D01-732C-2F21759B0265}"/>
-          </ac:spMkLst>
-        </pc:spChg>
-        <pc:spChg chg="add mod">
-          <ac:chgData name="Chuck Kiefriter" userId="c57348f7-b440-4861-a58f-c89f414ea74a" providerId="ADAL" clId="{C2FDF4A5-FE03-4269-B12C-3FB90C87A25C}" dt="2023-03-13T03:50:24.029" v="1119" actId="20577"/>
-          <ac:spMkLst>
-            <pc:docMk/>
-            <pc:sldMk cId="1885158462" sldId="283"/>
-            <ac:spMk id="8" creationId="{ECD506A8-B7B8-3E79-FA2D-BD62C204B827}"/>
-          </ac:spMkLst>
-        </pc:spChg>
-        <pc:picChg chg="del">
-          <ac:chgData name="Chuck Kiefriter" userId="c57348f7-b440-4861-a58f-c89f414ea74a" providerId="ADAL" clId="{C2FDF4A5-FE03-4269-B12C-3FB90C87A25C}" dt="2023-03-13T03:41:58.623" v="1029" actId="478"/>
-          <ac:picMkLst>
-            <pc:docMk/>
-            <pc:sldMk cId="1885158462" sldId="283"/>
-            <ac:picMk id="3" creationId="{83E4109A-5F0E-62C4-2DDC-A1744C5BE6B5}"/>
-          </ac:picMkLst>
-        </pc:picChg>
-        <pc:picChg chg="add mod">
-          <ac:chgData name="Chuck Kiefriter" userId="c57348f7-b440-4861-a58f-c89f414ea74a" providerId="ADAL" clId="{C2FDF4A5-FE03-4269-B12C-3FB90C87A25C}" dt="2023-03-13T03:48:48.279" v="1104" actId="14100"/>
-          <ac:picMkLst>
-            <pc:docMk/>
-            <pc:sldMk cId="1885158462" sldId="283"/>
-            <ac:picMk id="4" creationId="{7C9F3104-C66F-0189-6D64-A0BDCF1B495F}"/>
-          </ac:picMkLst>
-        </pc:picChg>
       </pc:sldChg>
       <pc:sldChg chg="addSp delSp modSp add mod">
         <pc:chgData name="Chuck Kiefriter" userId="c57348f7-b440-4861-a58f-c89f414ea74a" providerId="ADAL" clId="{C2FDF4A5-FE03-4269-B12C-3FB90C87A25C}" dt="2023-03-13T05:14:58.184" v="1547" actId="1076"/>
@@ -2177,62 +854,6 @@
           <pc:docMk/>
           <pc:sldMk cId="356231122" sldId="284"/>
         </pc:sldMkLst>
-        <pc:spChg chg="mod">
-          <ac:chgData name="Chuck Kiefriter" userId="c57348f7-b440-4861-a58f-c89f414ea74a" providerId="ADAL" clId="{C2FDF4A5-FE03-4269-B12C-3FB90C87A25C}" dt="2023-03-13T04:04:30.257" v="1330" actId="6549"/>
-          <ac:spMkLst>
-            <pc:docMk/>
-            <pc:sldMk cId="356231122" sldId="284"/>
-            <ac:spMk id="5" creationId="{9DB63145-E59C-9501-8AA5-4E6AC5C0D40F}"/>
-          </ac:spMkLst>
-        </pc:spChg>
-        <pc:spChg chg="mod">
-          <ac:chgData name="Chuck Kiefriter" userId="c57348f7-b440-4861-a58f-c89f414ea74a" providerId="ADAL" clId="{C2FDF4A5-FE03-4269-B12C-3FB90C87A25C}" dt="2023-03-13T04:16:49.454" v="1346" actId="20577"/>
-          <ac:spMkLst>
-            <pc:docMk/>
-            <pc:sldMk cId="356231122" sldId="284"/>
-            <ac:spMk id="6" creationId="{59E906CD-110B-9D01-732C-2F21759B0265}"/>
-          </ac:spMkLst>
-        </pc:spChg>
-        <pc:spChg chg="add mod">
-          <ac:chgData name="Chuck Kiefriter" userId="c57348f7-b440-4861-a58f-c89f414ea74a" providerId="ADAL" clId="{C2FDF4A5-FE03-4269-B12C-3FB90C87A25C}" dt="2023-03-13T05:14:28.383" v="1543" actId="20577"/>
-          <ac:spMkLst>
-            <pc:docMk/>
-            <pc:sldMk cId="356231122" sldId="284"/>
-            <ac:spMk id="7" creationId="{0D7B1AC9-AF0D-D1E4-1224-879BDBE1A34A}"/>
-          </ac:spMkLst>
-        </pc:spChg>
-        <pc:spChg chg="del">
-          <ac:chgData name="Chuck Kiefriter" userId="c57348f7-b440-4861-a58f-c89f414ea74a" providerId="ADAL" clId="{C2FDF4A5-FE03-4269-B12C-3FB90C87A25C}" dt="2023-03-13T04:17:19.331" v="1350" actId="478"/>
-          <ac:spMkLst>
-            <pc:docMk/>
-            <pc:sldMk cId="356231122" sldId="284"/>
-            <ac:spMk id="8" creationId="{ECD506A8-B7B8-3E79-FA2D-BD62C204B827}"/>
-          </ac:spMkLst>
-        </pc:spChg>
-        <pc:spChg chg="add mod">
-          <ac:chgData name="Chuck Kiefriter" userId="c57348f7-b440-4861-a58f-c89f414ea74a" providerId="ADAL" clId="{C2FDF4A5-FE03-4269-B12C-3FB90C87A25C}" dt="2023-03-13T05:14:58.184" v="1547" actId="1076"/>
-          <ac:spMkLst>
-            <pc:docMk/>
-            <pc:sldMk cId="356231122" sldId="284"/>
-            <ac:spMk id="10" creationId="{C8C4555B-8EFA-1C02-2221-72E41215E9AF}"/>
-          </ac:spMkLst>
-        </pc:spChg>
-        <pc:picChg chg="add mod">
-          <ac:chgData name="Chuck Kiefriter" userId="c57348f7-b440-4861-a58f-c89f414ea74a" providerId="ADAL" clId="{C2FDF4A5-FE03-4269-B12C-3FB90C87A25C}" dt="2023-03-13T04:16:58.511" v="1349" actId="1076"/>
-          <ac:picMkLst>
-            <pc:docMk/>
-            <pc:sldMk cId="356231122" sldId="284"/>
-            <ac:picMk id="3" creationId="{49B9E586-0F7D-D4D2-6C77-8141EF05DCB2}"/>
-          </ac:picMkLst>
-        </pc:picChg>
-        <pc:picChg chg="del">
-          <ac:chgData name="Chuck Kiefriter" userId="c57348f7-b440-4861-a58f-c89f414ea74a" providerId="ADAL" clId="{C2FDF4A5-FE03-4269-B12C-3FB90C87A25C}" dt="2023-03-13T04:04:21.795" v="1328" actId="478"/>
-          <ac:picMkLst>
-            <pc:docMk/>
-            <pc:sldMk cId="356231122" sldId="284"/>
-            <ac:picMk id="4" creationId="{7C9F3104-C66F-0189-6D64-A0BDCF1B495F}"/>
-          </ac:picMkLst>
-        </pc:picChg>
       </pc:sldChg>
     </pc:docChg>
   </pc:docChgLst>
@@ -2249,70 +870,6 @@
           <pc:docMk/>
           <pc:sldMk cId="3995279466" sldId="256"/>
         </pc:sldMkLst>
-        <pc:spChg chg="del">
-          <ac:chgData name="Chuck Kiefriter" userId="c57348f7-b440-4861-a58f-c89f414ea74a" providerId="ADAL" clId="{CF84103F-70B6-4350-9F54-3D403F3ADED5}" dt="2023-03-27T13:16:23.084" v="151" actId="478"/>
-          <ac:spMkLst>
-            <pc:docMk/>
-            <pc:sldMk cId="3995279466" sldId="256"/>
-            <ac:spMk id="3" creationId="{A6B2E4B2-9556-220D-A265-44C9FD951EE6}"/>
-          </ac:spMkLst>
-        </pc:spChg>
-        <pc:spChg chg="del">
-          <ac:chgData name="Chuck Kiefriter" userId="c57348f7-b440-4861-a58f-c89f414ea74a" providerId="ADAL" clId="{CF84103F-70B6-4350-9F54-3D403F3ADED5}" dt="2023-03-27T13:23:55.407" v="152" actId="478"/>
-          <ac:spMkLst>
-            <pc:docMk/>
-            <pc:sldMk cId="3995279466" sldId="256"/>
-            <ac:spMk id="4" creationId="{2BADD1C9-CF72-0C69-861B-7E5D509DA5B2}"/>
-          </ac:spMkLst>
-        </pc:spChg>
-        <pc:spChg chg="mod">
-          <ac:chgData name="Chuck Kiefriter" userId="c57348f7-b440-4861-a58f-c89f414ea74a" providerId="ADAL" clId="{CF84103F-70B6-4350-9F54-3D403F3ADED5}" dt="2023-03-27T13:08:26.599" v="123" actId="6549"/>
-          <ac:spMkLst>
-            <pc:docMk/>
-            <pc:sldMk cId="3995279466" sldId="256"/>
-            <ac:spMk id="6" creationId="{DE3DBA5A-FA8E-46C6-1402-E5C7632F4CAD}"/>
-          </ac:spMkLst>
-        </pc:spChg>
-        <pc:spChg chg="del">
-          <ac:chgData name="Chuck Kiefriter" userId="c57348f7-b440-4861-a58f-c89f414ea74a" providerId="ADAL" clId="{CF84103F-70B6-4350-9F54-3D403F3ADED5}" dt="2023-03-27T13:23:55.407" v="152" actId="478"/>
-          <ac:spMkLst>
-            <pc:docMk/>
-            <pc:sldMk cId="3995279466" sldId="256"/>
-            <ac:spMk id="7" creationId="{4F528AA2-6361-22B4-C232-EF99675F9D72}"/>
-          </ac:spMkLst>
-        </pc:spChg>
-        <pc:spChg chg="del">
-          <ac:chgData name="Chuck Kiefriter" userId="c57348f7-b440-4861-a58f-c89f414ea74a" providerId="ADAL" clId="{CF84103F-70B6-4350-9F54-3D403F3ADED5}" dt="2023-03-27T13:23:55.407" v="152" actId="478"/>
-          <ac:spMkLst>
-            <pc:docMk/>
-            <pc:sldMk cId="3995279466" sldId="256"/>
-            <ac:spMk id="9" creationId="{06F995E6-DACC-B060-CDB5-BB562B195537}"/>
-          </ac:spMkLst>
-        </pc:spChg>
-        <pc:spChg chg="mod">
-          <ac:chgData name="Chuck Kiefriter" userId="c57348f7-b440-4861-a58f-c89f414ea74a" providerId="ADAL" clId="{CF84103F-70B6-4350-9F54-3D403F3ADED5}" dt="2023-03-28T22:40:46.669" v="447" actId="20577"/>
-          <ac:spMkLst>
-            <pc:docMk/>
-            <pc:sldMk cId="3995279466" sldId="256"/>
-            <ac:spMk id="10" creationId="{EA3D5ED0-1762-C438-DD7C-B32C5582A339}"/>
-          </ac:spMkLst>
-        </pc:spChg>
-        <pc:spChg chg="add mod">
-          <ac:chgData name="Chuck Kiefriter" userId="c57348f7-b440-4861-a58f-c89f414ea74a" providerId="ADAL" clId="{CF84103F-70B6-4350-9F54-3D403F3ADED5}" dt="2023-03-27T13:24:04.739" v="156" actId="1076"/>
-          <ac:spMkLst>
-            <pc:docMk/>
-            <pc:sldMk cId="3995279466" sldId="256"/>
-            <ac:spMk id="11" creationId="{8C44B216-C75C-0589-1A08-E1736DCD43C5}"/>
-          </ac:spMkLst>
-        </pc:spChg>
-        <pc:picChg chg="add mod">
-          <ac:chgData name="Chuck Kiefriter" userId="c57348f7-b440-4861-a58f-c89f414ea74a" providerId="ADAL" clId="{CF84103F-70B6-4350-9F54-3D403F3ADED5}" dt="2023-03-28T22:40:54.585" v="448" actId="1076"/>
-          <ac:picMkLst>
-            <pc:docMk/>
-            <pc:sldMk cId="3995279466" sldId="256"/>
-            <ac:picMk id="5" creationId="{C730C03D-0D57-7578-992D-93F2E9FFBCB8}"/>
-          </ac:picMkLst>
-        </pc:picChg>
       </pc:sldChg>
       <pc:sldChg chg="modSp mod">
         <pc:chgData name="Chuck Kiefriter" userId="c57348f7-b440-4861-a58f-c89f414ea74a" providerId="ADAL" clId="{CF84103F-70B6-4350-9F54-3D403F3ADED5}" dt="2023-03-27T13:03:24.138" v="67" actId="20577"/>
@@ -2320,14 +877,6 @@
           <pc:docMk/>
           <pc:sldMk cId="3194223319" sldId="263"/>
         </pc:sldMkLst>
-        <pc:spChg chg="mod">
-          <ac:chgData name="Chuck Kiefriter" userId="c57348f7-b440-4861-a58f-c89f414ea74a" providerId="ADAL" clId="{CF84103F-70B6-4350-9F54-3D403F3ADED5}" dt="2023-03-27T13:03:24.138" v="67" actId="20577"/>
-          <ac:spMkLst>
-            <pc:docMk/>
-            <pc:sldMk cId="3194223319" sldId="263"/>
-            <ac:spMk id="3" creationId="{23DFC7E9-54DD-38D7-0B9B-D34948D68CF9}"/>
-          </ac:spMkLst>
-        </pc:spChg>
       </pc:sldChg>
       <pc:sldChg chg="modSp mod">
         <pc:chgData name="Chuck Kiefriter" userId="c57348f7-b440-4861-a58f-c89f414ea74a" providerId="ADAL" clId="{CF84103F-70B6-4350-9F54-3D403F3ADED5}" dt="2023-03-27T13:05:54.496" v="94" actId="20577"/>
@@ -2335,14 +884,6 @@
           <pc:docMk/>
           <pc:sldMk cId="763182894" sldId="264"/>
         </pc:sldMkLst>
-        <pc:spChg chg="mod">
-          <ac:chgData name="Chuck Kiefriter" userId="c57348f7-b440-4861-a58f-c89f414ea74a" providerId="ADAL" clId="{CF84103F-70B6-4350-9F54-3D403F3ADED5}" dt="2023-03-27T13:05:54.496" v="94" actId="20577"/>
-          <ac:spMkLst>
-            <pc:docMk/>
-            <pc:sldMk cId="763182894" sldId="264"/>
-            <ac:spMk id="3" creationId="{23DFC7E9-54DD-38D7-0B9B-D34948D68CF9}"/>
-          </ac:spMkLst>
-        </pc:spChg>
       </pc:sldChg>
       <pc:sldChg chg="modSp mod">
         <pc:chgData name="Chuck Kiefriter" userId="c57348f7-b440-4861-a58f-c89f414ea74a" providerId="ADAL" clId="{CF84103F-70B6-4350-9F54-3D403F3ADED5}" dt="2023-03-27T13:41:57.924" v="224" actId="20577"/>
@@ -2350,14 +891,6 @@
           <pc:docMk/>
           <pc:sldMk cId="367428708" sldId="265"/>
         </pc:sldMkLst>
-        <pc:spChg chg="mod">
-          <ac:chgData name="Chuck Kiefriter" userId="c57348f7-b440-4861-a58f-c89f414ea74a" providerId="ADAL" clId="{CF84103F-70B6-4350-9F54-3D403F3ADED5}" dt="2023-03-27T13:41:57.924" v="224" actId="20577"/>
-          <ac:spMkLst>
-            <pc:docMk/>
-            <pc:sldMk cId="367428708" sldId="265"/>
-            <ac:spMk id="3" creationId="{23DFC7E9-54DD-38D7-0B9B-D34948D68CF9}"/>
-          </ac:spMkLst>
-        </pc:spChg>
       </pc:sldChg>
       <pc:sldChg chg="del">
         <pc:chgData name="Chuck Kiefriter" userId="c57348f7-b440-4861-a58f-c89f414ea74a" providerId="ADAL" clId="{CF84103F-70B6-4350-9F54-3D403F3ADED5}" dt="2023-03-27T16:28:55.318" v="444" actId="47"/>
@@ -2379,54 +912,6 @@
           <pc:docMk/>
           <pc:sldMk cId="976671966" sldId="278"/>
         </pc:sldMkLst>
-        <pc:spChg chg="del">
-          <ac:chgData name="Chuck Kiefriter" userId="c57348f7-b440-4861-a58f-c89f414ea74a" providerId="ADAL" clId="{CF84103F-70B6-4350-9F54-3D403F3ADED5}" dt="2023-03-27T13:59:14.581" v="272" actId="478"/>
-          <ac:spMkLst>
-            <pc:docMk/>
-            <pc:sldMk cId="976671966" sldId="278"/>
-            <ac:spMk id="3" creationId="{AECD1743-AE1E-E8A6-57D4-D340FC95D16D}"/>
-          </ac:spMkLst>
-        </pc:spChg>
-        <pc:spChg chg="mod">
-          <ac:chgData name="Chuck Kiefriter" userId="c57348f7-b440-4861-a58f-c89f414ea74a" providerId="ADAL" clId="{CF84103F-70B6-4350-9F54-3D403F3ADED5}" dt="2023-03-27T16:08:13.455" v="409" actId="20577"/>
-          <ac:spMkLst>
-            <pc:docMk/>
-            <pc:sldMk cId="976671966" sldId="278"/>
-            <ac:spMk id="4" creationId="{C0B26727-0F97-5A73-B4ED-6BE65E07E5DB}"/>
-          </ac:spMkLst>
-        </pc:spChg>
-        <pc:spChg chg="add mod">
-          <ac:chgData name="Chuck Kiefriter" userId="c57348f7-b440-4861-a58f-c89f414ea74a" providerId="ADAL" clId="{CF84103F-70B6-4350-9F54-3D403F3ADED5}" dt="2023-03-27T13:59:25.995" v="277" actId="1076"/>
-          <ac:spMkLst>
-            <pc:docMk/>
-            <pc:sldMk cId="976671966" sldId="278"/>
-            <ac:spMk id="5" creationId="{983625D7-1156-1D51-0A49-6B0357B75EF4}"/>
-          </ac:spMkLst>
-        </pc:spChg>
-        <pc:spChg chg="mod">
-          <ac:chgData name="Chuck Kiefriter" userId="c57348f7-b440-4861-a58f-c89f414ea74a" providerId="ADAL" clId="{CF84103F-70B6-4350-9F54-3D403F3ADED5}" dt="2023-03-27T13:57:50.732" v="271" actId="20577"/>
-          <ac:spMkLst>
-            <pc:docMk/>
-            <pc:sldMk cId="976671966" sldId="278"/>
-            <ac:spMk id="6" creationId="{59E906CD-110B-9D01-732C-2F21759B0265}"/>
-          </ac:spMkLst>
-        </pc:spChg>
-        <pc:spChg chg="del">
-          <ac:chgData name="Chuck Kiefriter" userId="c57348f7-b440-4861-a58f-c89f414ea74a" providerId="ADAL" clId="{CF84103F-70B6-4350-9F54-3D403F3ADED5}" dt="2023-03-27T13:59:17.799" v="273" actId="478"/>
-          <ac:spMkLst>
-            <pc:docMk/>
-            <pc:sldMk cId="976671966" sldId="278"/>
-            <ac:spMk id="7" creationId="{5DAF20F1-2F34-F140-81DA-E78BF03C81E4}"/>
-          </ac:spMkLst>
-        </pc:spChg>
-        <pc:spChg chg="add mod">
-          <ac:chgData name="Chuck Kiefriter" userId="c57348f7-b440-4861-a58f-c89f414ea74a" providerId="ADAL" clId="{CF84103F-70B6-4350-9F54-3D403F3ADED5}" dt="2023-03-27T14:11:22.218" v="303" actId="1076"/>
-          <ac:spMkLst>
-            <pc:docMk/>
-            <pc:sldMk cId="976671966" sldId="278"/>
-            <ac:spMk id="9" creationId="{E3EBAC68-1411-42B9-71E1-6CD3E49066B5}"/>
-          </ac:spMkLst>
-        </pc:spChg>
       </pc:sldChg>
       <pc:sldChg chg="del">
         <pc:chgData name="Chuck Kiefriter" userId="c57348f7-b440-4861-a58f-c89f414ea74a" providerId="ADAL" clId="{CF84103F-70B6-4350-9F54-3D403F3ADED5}" dt="2023-03-27T16:28:55.318" v="444" actId="47"/>
@@ -2469,14 +954,6 @@
           <pc:docMk/>
           <pc:sldMk cId="424094208" sldId="287"/>
         </pc:sldMkLst>
-        <pc:spChg chg="del">
-          <ac:chgData name="Chuck Kiefriter" userId="c57348f7-b440-4861-a58f-c89f414ea74a" providerId="ADAL" clId="{CF84103F-70B6-4350-9F54-3D403F3ADED5}" dt="2023-03-27T16:42:44.630" v="445" actId="478"/>
-          <ac:spMkLst>
-            <pc:docMk/>
-            <pc:sldMk cId="424094208" sldId="287"/>
-            <ac:spMk id="3" creationId="{FF9F9172-C924-1C79-FA1B-3659223D7D26}"/>
-          </ac:spMkLst>
-        </pc:spChg>
       </pc:sldChg>
       <pc:sldChg chg="addSp delSp modSp add mod">
         <pc:chgData name="Chuck Kiefriter" userId="c57348f7-b440-4861-a58f-c89f414ea74a" providerId="ADAL" clId="{CF84103F-70B6-4350-9F54-3D403F3ADED5}" dt="2023-03-27T13:43:45.773" v="234" actId="207"/>
@@ -2484,62 +961,6 @@
           <pc:docMk/>
           <pc:sldMk cId="834285187" sldId="288"/>
         </pc:sldMkLst>
-        <pc:spChg chg="add mod">
-          <ac:chgData name="Chuck Kiefriter" userId="c57348f7-b440-4861-a58f-c89f414ea74a" providerId="ADAL" clId="{CF84103F-70B6-4350-9F54-3D403F3ADED5}" dt="2023-03-27T13:40:36.139" v="219" actId="1036"/>
-          <ac:spMkLst>
-            <pc:docMk/>
-            <pc:sldMk cId="834285187" sldId="288"/>
-            <ac:spMk id="3" creationId="{8D157F1D-E680-A6D6-BB28-7A7946F883FB}"/>
-          </ac:spMkLst>
-        </pc:spChg>
-        <pc:spChg chg="mod">
-          <ac:chgData name="Chuck Kiefriter" userId="c57348f7-b440-4861-a58f-c89f414ea74a" providerId="ADAL" clId="{CF84103F-70B6-4350-9F54-3D403F3ADED5}" dt="2023-03-27T13:25:39.267" v="169" actId="20577"/>
-          <ac:spMkLst>
-            <pc:docMk/>
-            <pc:sldMk cId="834285187" sldId="288"/>
-            <ac:spMk id="6" creationId="{DE3DBA5A-FA8E-46C6-1402-E5C7632F4CAD}"/>
-          </ac:spMkLst>
-        </pc:spChg>
-        <pc:spChg chg="add mod">
-          <ac:chgData name="Chuck Kiefriter" userId="c57348f7-b440-4861-a58f-c89f414ea74a" providerId="ADAL" clId="{CF84103F-70B6-4350-9F54-3D403F3ADED5}" dt="2023-03-27T13:40:36.139" v="219" actId="1036"/>
-          <ac:spMkLst>
-            <pc:docMk/>
-            <pc:sldMk cId="834285187" sldId="288"/>
-            <ac:spMk id="7" creationId="{B27C446A-3693-8342-118A-4E40973305E5}"/>
-          </ac:spMkLst>
-        </pc:spChg>
-        <pc:spChg chg="mod">
-          <ac:chgData name="Chuck Kiefriter" userId="c57348f7-b440-4861-a58f-c89f414ea74a" providerId="ADAL" clId="{CF84103F-70B6-4350-9F54-3D403F3ADED5}" dt="2023-03-27T13:43:45.773" v="234" actId="207"/>
-          <ac:spMkLst>
-            <pc:docMk/>
-            <pc:sldMk cId="834285187" sldId="288"/>
-            <ac:spMk id="10" creationId="{EA3D5ED0-1762-C438-DD7C-B32C5582A339}"/>
-          </ac:spMkLst>
-        </pc:spChg>
-        <pc:spChg chg="mod">
-          <ac:chgData name="Chuck Kiefriter" userId="c57348f7-b440-4861-a58f-c89f414ea74a" providerId="ADAL" clId="{CF84103F-70B6-4350-9F54-3D403F3ADED5}" dt="2023-03-27T13:40:36.139" v="219" actId="1036"/>
-          <ac:spMkLst>
-            <pc:docMk/>
-            <pc:sldMk cId="834285187" sldId="288"/>
-            <ac:spMk id="11" creationId="{8C44B216-C75C-0589-1A08-E1736DCD43C5}"/>
-          </ac:spMkLst>
-        </pc:spChg>
-        <pc:picChg chg="del">
-          <ac:chgData name="Chuck Kiefriter" userId="c57348f7-b440-4861-a58f-c89f414ea74a" providerId="ADAL" clId="{CF84103F-70B6-4350-9F54-3D403F3ADED5}" dt="2023-03-27T13:28:16.425" v="175" actId="478"/>
-          <ac:picMkLst>
-            <pc:docMk/>
-            <pc:sldMk cId="834285187" sldId="288"/>
-            <ac:picMk id="5" creationId="{C730C03D-0D57-7578-992D-93F2E9FFBCB8}"/>
-          </ac:picMkLst>
-        </pc:picChg>
-        <pc:picChg chg="add mod">
-          <ac:chgData name="Chuck Kiefriter" userId="c57348f7-b440-4861-a58f-c89f414ea74a" providerId="ADAL" clId="{CF84103F-70B6-4350-9F54-3D403F3ADED5}" dt="2023-03-27T13:43:21.449" v="232" actId="1076"/>
-          <ac:picMkLst>
-            <pc:docMk/>
-            <pc:sldMk cId="834285187" sldId="288"/>
-            <ac:picMk id="9" creationId="{1181B07C-8BAD-D8FC-AA78-3986B3C73DD9}"/>
-          </ac:picMkLst>
-        </pc:picChg>
       </pc:sldChg>
       <pc:sldChg chg="addSp delSp modSp add mod">
         <pc:chgData name="Chuck Kiefriter" userId="c57348f7-b440-4861-a58f-c89f414ea74a" providerId="ADAL" clId="{CF84103F-70B6-4350-9F54-3D403F3ADED5}" dt="2023-03-27T16:11:48.434" v="427" actId="1076"/>
@@ -2547,38 +968,6 @@
           <pc:docMk/>
           <pc:sldMk cId="3007476099" sldId="289"/>
         </pc:sldMkLst>
-        <pc:spChg chg="del">
-          <ac:chgData name="Chuck Kiefriter" userId="c57348f7-b440-4861-a58f-c89f414ea74a" providerId="ADAL" clId="{CF84103F-70B6-4350-9F54-3D403F3ADED5}" dt="2023-03-27T16:10:17.299" v="422" actId="478"/>
-          <ac:spMkLst>
-            <pc:docMk/>
-            <pc:sldMk cId="3007476099" sldId="289"/>
-            <ac:spMk id="3" creationId="{AECD1743-AE1E-E8A6-57D4-D340FC95D16D}"/>
-          </ac:spMkLst>
-        </pc:spChg>
-        <pc:spChg chg="mod">
-          <ac:chgData name="Chuck Kiefriter" userId="c57348f7-b440-4861-a58f-c89f414ea74a" providerId="ADAL" clId="{CF84103F-70B6-4350-9F54-3D403F3ADED5}" dt="2023-03-27T14:39:45.301" v="397" actId="21"/>
-          <ac:spMkLst>
-            <pc:docMk/>
-            <pc:sldMk cId="3007476099" sldId="289"/>
-            <ac:spMk id="4" creationId="{C0B26727-0F97-5A73-B4ED-6BE65E07E5DB}"/>
-          </ac:spMkLst>
-        </pc:spChg>
-        <pc:spChg chg="add mod">
-          <ac:chgData name="Chuck Kiefriter" userId="c57348f7-b440-4861-a58f-c89f414ea74a" providerId="ADAL" clId="{CF84103F-70B6-4350-9F54-3D403F3ADED5}" dt="2023-03-27T16:11:48.434" v="427" actId="1076"/>
-          <ac:spMkLst>
-            <pc:docMk/>
-            <pc:sldMk cId="3007476099" sldId="289"/>
-            <ac:spMk id="5" creationId="{B437B980-7F96-675E-3EC5-34BF0DF65123}"/>
-          </ac:spMkLst>
-        </pc:spChg>
-        <pc:spChg chg="del">
-          <ac:chgData name="Chuck Kiefriter" userId="c57348f7-b440-4861-a58f-c89f414ea74a" providerId="ADAL" clId="{CF84103F-70B6-4350-9F54-3D403F3ADED5}" dt="2023-03-27T16:10:17.299" v="422" actId="478"/>
-          <ac:spMkLst>
-            <pc:docMk/>
-            <pc:sldMk cId="3007476099" sldId="289"/>
-            <ac:spMk id="7" creationId="{5DAF20F1-2F34-F140-81DA-E78BF03C81E4}"/>
-          </ac:spMkLst>
-        </pc:spChg>
       </pc:sldChg>
       <pc:sldChg chg="addSp delSp modSp add mod">
         <pc:chgData name="Chuck Kiefriter" userId="c57348f7-b440-4861-a58f-c89f414ea74a" providerId="ADAL" clId="{CF84103F-70B6-4350-9F54-3D403F3ADED5}" dt="2023-03-27T16:12:04.772" v="428"/>
@@ -2586,46 +975,6 @@
           <pc:docMk/>
           <pc:sldMk cId="2491041013" sldId="290"/>
         </pc:sldMkLst>
-        <pc:spChg chg="add del">
-          <ac:chgData name="Chuck Kiefriter" userId="c57348f7-b440-4861-a58f-c89f414ea74a" providerId="ADAL" clId="{CF84103F-70B6-4350-9F54-3D403F3ADED5}" dt="2023-03-27T14:37:24.008" v="384"/>
-          <ac:spMkLst>
-            <pc:docMk/>
-            <pc:sldMk cId="2491041013" sldId="290"/>
-            <ac:spMk id="2" creationId="{89DCA837-07AF-67B2-CEEA-D36A59744D44}"/>
-          </ac:spMkLst>
-        </pc:spChg>
-        <pc:spChg chg="del mod">
-          <ac:chgData name="Chuck Kiefriter" userId="c57348f7-b440-4861-a58f-c89f414ea74a" providerId="ADAL" clId="{CF84103F-70B6-4350-9F54-3D403F3ADED5}" dt="2023-03-27T16:10:13.084" v="421" actId="478"/>
-          <ac:spMkLst>
-            <pc:docMk/>
-            <pc:sldMk cId="2491041013" sldId="290"/>
-            <ac:spMk id="3" creationId="{AECD1743-AE1E-E8A6-57D4-D340FC95D16D}"/>
-          </ac:spMkLst>
-        </pc:spChg>
-        <pc:spChg chg="mod">
-          <ac:chgData name="Chuck Kiefriter" userId="c57348f7-b440-4861-a58f-c89f414ea74a" providerId="ADAL" clId="{CF84103F-70B6-4350-9F54-3D403F3ADED5}" dt="2023-03-27T14:39:58.389" v="401"/>
-          <ac:spMkLst>
-            <pc:docMk/>
-            <pc:sldMk cId="2491041013" sldId="290"/>
-            <ac:spMk id="4" creationId="{C0B26727-0F97-5A73-B4ED-6BE65E07E5DB}"/>
-          </ac:spMkLst>
-        </pc:spChg>
-        <pc:spChg chg="add mod">
-          <ac:chgData name="Chuck Kiefriter" userId="c57348f7-b440-4861-a58f-c89f414ea74a" providerId="ADAL" clId="{CF84103F-70B6-4350-9F54-3D403F3ADED5}" dt="2023-03-27T16:12:04.772" v="428"/>
-          <ac:spMkLst>
-            <pc:docMk/>
-            <pc:sldMk cId="2491041013" sldId="290"/>
-            <ac:spMk id="5" creationId="{468397A7-672B-24AB-3F61-0F9A073389EE}"/>
-          </ac:spMkLst>
-        </pc:spChg>
-        <pc:spChg chg="del">
-          <ac:chgData name="Chuck Kiefriter" userId="c57348f7-b440-4861-a58f-c89f414ea74a" providerId="ADAL" clId="{CF84103F-70B6-4350-9F54-3D403F3ADED5}" dt="2023-03-27T16:10:13.084" v="421" actId="478"/>
-          <ac:spMkLst>
-            <pc:docMk/>
-            <pc:sldMk cId="2491041013" sldId="290"/>
-            <ac:spMk id="7" creationId="{5DAF20F1-2F34-F140-81DA-E78BF03C81E4}"/>
-          </ac:spMkLst>
-        </pc:spChg>
       </pc:sldChg>
       <pc:sldChg chg="addSp delSp modSp add mod">
         <pc:chgData name="Chuck Kiefriter" userId="c57348f7-b440-4861-a58f-c89f414ea74a" providerId="ADAL" clId="{CF84103F-70B6-4350-9F54-3D403F3ADED5}" dt="2023-03-27T16:28:36.066" v="443" actId="1076"/>
@@ -2633,54 +982,6 @@
           <pc:docMk/>
           <pc:sldMk cId="491903796" sldId="291"/>
         </pc:sldMkLst>
-        <pc:spChg chg="add del">
-          <ac:chgData name="Chuck Kiefriter" userId="c57348f7-b440-4861-a58f-c89f414ea74a" providerId="ADAL" clId="{CF84103F-70B6-4350-9F54-3D403F3ADED5}" dt="2023-03-27T16:15:10.351" v="434"/>
-          <ac:spMkLst>
-            <pc:docMk/>
-            <pc:sldMk cId="491903796" sldId="291"/>
-            <ac:spMk id="2" creationId="{AA994569-A65E-161B-E6B1-415375FF06B6}"/>
-          </ac:spMkLst>
-        </pc:spChg>
-        <pc:spChg chg="del">
-          <ac:chgData name="Chuck Kiefriter" userId="c57348f7-b440-4861-a58f-c89f414ea74a" providerId="ADAL" clId="{CF84103F-70B6-4350-9F54-3D403F3ADED5}" dt="2023-03-27T16:10:06.421" v="419" actId="478"/>
-          <ac:spMkLst>
-            <pc:docMk/>
-            <pc:sldMk cId="491903796" sldId="291"/>
-            <ac:spMk id="3" creationId="{AECD1743-AE1E-E8A6-57D4-D340FC95D16D}"/>
-          </ac:spMkLst>
-        </pc:spChg>
-        <pc:spChg chg="mod">
-          <ac:chgData name="Chuck Kiefriter" userId="c57348f7-b440-4861-a58f-c89f414ea74a" providerId="ADAL" clId="{CF84103F-70B6-4350-9F54-3D403F3ADED5}" dt="2023-03-27T16:15:39.587" v="439" actId="207"/>
-          <ac:spMkLst>
-            <pc:docMk/>
-            <pc:sldMk cId="491903796" sldId="291"/>
-            <ac:spMk id="4" creationId="{C0B26727-0F97-5A73-B4ED-6BE65E07E5DB}"/>
-          </ac:spMkLst>
-        </pc:spChg>
-        <pc:spChg chg="mod">
-          <ac:chgData name="Chuck Kiefriter" userId="c57348f7-b440-4861-a58f-c89f414ea74a" providerId="ADAL" clId="{CF84103F-70B6-4350-9F54-3D403F3ADED5}" dt="2023-03-27T16:09:40.239" v="414" actId="20577"/>
-          <ac:spMkLst>
-            <pc:docMk/>
-            <pc:sldMk cId="491903796" sldId="291"/>
-            <ac:spMk id="6" creationId="{59E906CD-110B-9D01-732C-2F21759B0265}"/>
-          </ac:spMkLst>
-        </pc:spChg>
-        <pc:spChg chg="del">
-          <ac:chgData name="Chuck Kiefriter" userId="c57348f7-b440-4861-a58f-c89f414ea74a" providerId="ADAL" clId="{CF84103F-70B6-4350-9F54-3D403F3ADED5}" dt="2023-03-27T16:10:06.421" v="419" actId="478"/>
-          <ac:spMkLst>
-            <pc:docMk/>
-            <pc:sldMk cId="491903796" sldId="291"/>
-            <ac:spMk id="7" creationId="{5DAF20F1-2F34-F140-81DA-E78BF03C81E4}"/>
-          </ac:spMkLst>
-        </pc:spChg>
-        <pc:spChg chg="add mod">
-          <ac:chgData name="Chuck Kiefriter" userId="c57348f7-b440-4861-a58f-c89f414ea74a" providerId="ADAL" clId="{CF84103F-70B6-4350-9F54-3D403F3ADED5}" dt="2023-03-27T16:28:36.066" v="443" actId="1076"/>
-          <ac:spMkLst>
-            <pc:docMk/>
-            <pc:sldMk cId="491903796" sldId="291"/>
-            <ac:spMk id="8" creationId="{7C40366F-ED76-9B97-8CF7-3BAFEF94FE77}"/>
-          </ac:spMkLst>
-        </pc:spChg>
       </pc:sldChg>
       <pc:sldChg chg="delSp modSp add mod ord">
         <pc:chgData name="Chuck Kiefriter" userId="c57348f7-b440-4861-a58f-c89f414ea74a" providerId="ADAL" clId="{CF84103F-70B6-4350-9F54-3D403F3ADED5}" dt="2023-03-29T00:40:29.287" v="501" actId="207"/>
@@ -2688,30 +989,6 @@
           <pc:docMk/>
           <pc:sldMk cId="1538833485" sldId="292"/>
         </pc:sldMkLst>
-        <pc:spChg chg="mod">
-          <ac:chgData name="Chuck Kiefriter" userId="c57348f7-b440-4861-a58f-c89f414ea74a" providerId="ADAL" clId="{CF84103F-70B6-4350-9F54-3D403F3ADED5}" dt="2023-03-29T00:40:29.287" v="501" actId="207"/>
-          <ac:spMkLst>
-            <pc:docMk/>
-            <pc:sldMk cId="1538833485" sldId="292"/>
-            <ac:spMk id="4" creationId="{C0B26727-0F97-5A73-B4ED-6BE65E07E5DB}"/>
-          </ac:spMkLst>
-        </pc:spChg>
-        <pc:spChg chg="del">
-          <ac:chgData name="Chuck Kiefriter" userId="c57348f7-b440-4861-a58f-c89f414ea74a" providerId="ADAL" clId="{CF84103F-70B6-4350-9F54-3D403F3ADED5}" dt="2023-03-29T00:40:19.373" v="500" actId="478"/>
-          <ac:spMkLst>
-            <pc:docMk/>
-            <pc:sldMk cId="1538833485" sldId="292"/>
-            <ac:spMk id="5" creationId="{468397A7-672B-24AB-3F61-0F9A073389EE}"/>
-          </ac:spMkLst>
-        </pc:spChg>
-        <pc:spChg chg="mod">
-          <ac:chgData name="Chuck Kiefriter" userId="c57348f7-b440-4861-a58f-c89f414ea74a" providerId="ADAL" clId="{CF84103F-70B6-4350-9F54-3D403F3ADED5}" dt="2023-03-29T00:39:14.001" v="476" actId="20577"/>
-          <ac:spMkLst>
-            <pc:docMk/>
-            <pc:sldMk cId="1538833485" sldId="292"/>
-            <ac:spMk id="6" creationId="{59E906CD-110B-9D01-732C-2F21759B0265}"/>
-          </ac:spMkLst>
-        </pc:spChg>
       </pc:sldChg>
     </pc:docChg>
   </pc:docChgLst>
@@ -2865,7 +1142,7 @@
           <a:p>
             <a:fld id="{33D569A9-A222-4DCC-AF28-BB813B4F2ABB}" type="datetimeFigureOut">
               <a:rPr lang="en-US" smtClean="0"/>
-              <a:t>8/28/2024</a:t>
+              <a:t>4/29/2025</a:t>
             </a:fld>
             <a:endParaRPr lang="en-US"/>
           </a:p>
@@ -3153,7 +1430,7 @@
           <a:p>
             <a:fld id="{33D569A9-A222-4DCC-AF28-BB813B4F2ABB}" type="datetimeFigureOut">
               <a:rPr lang="en-US" smtClean="0"/>
-              <a:t>8/28/2024</a:t>
+              <a:t>4/29/2025</a:t>
             </a:fld>
             <a:endParaRPr lang="en-US"/>
           </a:p>
@@ -3351,7 +1628,7 @@
           <a:p>
             <a:fld id="{33D569A9-A222-4DCC-AF28-BB813B4F2ABB}" type="datetimeFigureOut">
               <a:rPr lang="en-US" smtClean="0"/>
-              <a:t>8/28/2024</a:t>
+              <a:t>4/29/2025</a:t>
             </a:fld>
             <a:endParaRPr lang="en-US"/>
           </a:p>
@@ -3559,7 +1836,7 @@
           <a:p>
             <a:fld id="{33D569A9-A222-4DCC-AF28-BB813B4F2ABB}" type="datetimeFigureOut">
               <a:rPr lang="en-US" smtClean="0"/>
-              <a:t>8/28/2024</a:t>
+              <a:t>4/29/2025</a:t>
             </a:fld>
             <a:endParaRPr lang="en-US"/>
           </a:p>
@@ -3757,7 +2034,7 @@
           <a:p>
             <a:fld id="{33D569A9-A222-4DCC-AF28-BB813B4F2ABB}" type="datetimeFigureOut">
               <a:rPr lang="en-US" smtClean="0"/>
-              <a:t>8/28/2024</a:t>
+              <a:t>4/29/2025</a:t>
             </a:fld>
             <a:endParaRPr lang="en-US"/>
           </a:p>
@@ -4032,7 +2309,7 @@
           <a:p>
             <a:fld id="{33D569A9-A222-4DCC-AF28-BB813B4F2ABB}" type="datetimeFigureOut">
               <a:rPr lang="en-US" smtClean="0"/>
-              <a:t>8/28/2024</a:t>
+              <a:t>4/29/2025</a:t>
             </a:fld>
             <a:endParaRPr lang="en-US"/>
           </a:p>
@@ -4297,7 +2574,7 @@
           <a:p>
             <a:fld id="{33D569A9-A222-4DCC-AF28-BB813B4F2ABB}" type="datetimeFigureOut">
               <a:rPr lang="en-US" smtClean="0"/>
-              <a:t>8/28/2024</a:t>
+              <a:t>4/29/2025</a:t>
             </a:fld>
             <a:endParaRPr lang="en-US"/>
           </a:p>
@@ -4709,7 +2986,7 @@
           <a:p>
             <a:fld id="{33D569A9-A222-4DCC-AF28-BB813B4F2ABB}" type="datetimeFigureOut">
               <a:rPr lang="en-US" smtClean="0"/>
-              <a:t>8/28/2024</a:t>
+              <a:t>4/29/2025</a:t>
             </a:fld>
             <a:endParaRPr lang="en-US"/>
           </a:p>
@@ -4850,7 +3127,7 @@
           <a:p>
             <a:fld id="{33D569A9-A222-4DCC-AF28-BB813B4F2ABB}" type="datetimeFigureOut">
               <a:rPr lang="en-US" smtClean="0"/>
-              <a:t>8/28/2024</a:t>
+              <a:t>4/29/2025</a:t>
             </a:fld>
             <a:endParaRPr lang="en-US"/>
           </a:p>
@@ -4963,7 +3240,7 @@
           <a:p>
             <a:fld id="{33D569A9-A222-4DCC-AF28-BB813B4F2ABB}" type="datetimeFigureOut">
               <a:rPr lang="en-US" smtClean="0"/>
-              <a:t>8/28/2024</a:t>
+              <a:t>4/29/2025</a:t>
             </a:fld>
             <a:endParaRPr lang="en-US"/>
           </a:p>
@@ -5309,7 +3586,7 @@
           <a:p>
             <a:fld id="{33D569A9-A222-4DCC-AF28-BB813B4F2ABB}" type="datetimeFigureOut">
               <a:rPr lang="en-US" smtClean="0"/>
-              <a:t>8/28/2024</a:t>
+              <a:t>4/29/2025</a:t>
             </a:fld>
             <a:endParaRPr lang="en-US"/>
           </a:p>
@@ -5550,7 +3827,7 @@
           <a:p>
             <a:fld id="{33D569A9-A222-4DCC-AF28-BB813B4F2ABB}" type="datetimeFigureOut">
               <a:rPr lang="en-US" smtClean="0"/>
-              <a:t>8/28/2024</a:t>
+              <a:t>4/29/2025</a:t>
             </a:fld>
             <a:endParaRPr lang="en-US"/>
           </a:p>
@@ -7778,7 +6055,48 @@
                 <a:effectLst/>
                 <a:latin typeface="Open Sans" panose="020B0606030504020204" pitchFamily="34" charset="0"/>
               </a:rPr>
-              <a:t>When an error occurs within a method, the method creates an object and hands it off to the runtime system. </a:t>
+              <a:t>When </a:t>
+            </a:r>
+            <a:r>
+              <a:rPr lang="en-US" b="0" i="0">
+                <a:solidFill>
+                  <a:srgbClr val="00B0F0"/>
+                </a:solidFill>
+                <a:effectLst/>
+                <a:latin typeface="Open Sans" panose="020B0606030504020204" pitchFamily="34" charset="0"/>
+              </a:rPr>
+              <a:t>an </a:t>
+            </a:r>
+            <a:r>
+              <a:rPr lang="en-US" sz="2000">
+                <a:solidFill>
+                  <a:srgbClr val="00B0F0"/>
+                </a:solidFill>
+                <a:latin typeface="Open Sans" panose="020B0606030504020204" pitchFamily="34" charset="0"/>
+                <a:ea typeface="Open Sans" panose="020B0606030504020204" pitchFamily="34" charset="0"/>
+                <a:cs typeface="Open Sans" panose="020B0606030504020204" pitchFamily="34" charset="0"/>
+              </a:rPr>
+              <a:t>exception</a:t>
+            </a:r>
+            <a:r>
+              <a:rPr lang="en-US" b="0" i="0">
+                <a:solidFill>
+                  <a:srgbClr val="00B0F0"/>
+                </a:solidFill>
+                <a:effectLst/>
+                <a:latin typeface="Open Sans" panose="020B0606030504020204" pitchFamily="34" charset="0"/>
+              </a:rPr>
+              <a:t> </a:t>
+            </a:r>
+            <a:r>
+              <a:rPr lang="en-US" b="0" i="0" dirty="0">
+                <a:solidFill>
+                  <a:srgbClr val="00B0F0"/>
+                </a:solidFill>
+                <a:effectLst/>
+                <a:latin typeface="Open Sans" panose="020B0606030504020204" pitchFamily="34" charset="0"/>
+              </a:rPr>
+              <a:t>occurs within a method, the method creates an object and hands it off to the runtime system. </a:t>
             </a:r>
             <a:r>
               <a:rPr lang="en-US" b="0" i="0" dirty="0">
@@ -10586,59 +8904,12 @@
           <a:chExt cx="0" cy="0"/>
         </a:xfrm>
       </p:grpSpPr>
-      <p:pic>
-        <p:nvPicPr>
-          <p:cNvPr id="1026" name="Picture 2" descr="Image">
+      <p:sp>
+        <p:nvSpPr>
+          <p:cNvPr id="3" name="TextBox 2">
             <a:extLst>
               <a:ext uri="{FF2B5EF4-FFF2-40B4-BE49-F238E27FC236}">
-                <a16:creationId xmlns:a16="http://schemas.microsoft.com/office/drawing/2014/main" id="{3C8CE67A-36E1-5A09-D74F-A2C8E212977E}"/>
-              </a:ext>
-            </a:extLst>
-          </p:cNvPr>
-          <p:cNvPicPr>
-            <a:picLocks noChangeAspect="1" noChangeArrowheads="1"/>
-          </p:cNvPicPr>
-          <p:nvPr/>
-        </p:nvPicPr>
-        <p:blipFill>
-          <a:blip r:embed="rId2">
-            <a:extLst>
-              <a:ext uri="{28A0092B-C50C-407E-A947-70E740481C1C}">
-                <a14:useLocalDpi xmlns:a14="http://schemas.microsoft.com/office/drawing/2010/main" val="0"/>
-              </a:ext>
-            </a:extLst>
-          </a:blip>
-          <a:srcRect/>
-          <a:stretch>
-            <a:fillRect/>
-          </a:stretch>
-        </p:blipFill>
-        <p:spPr bwMode="auto">
-          <a:xfrm>
-            <a:off x="3921870" y="0"/>
-            <a:ext cx="6858000" cy="6858000"/>
-          </a:xfrm>
-          <a:prstGeom prst="rect">
-            <a:avLst/>
-          </a:prstGeom>
-          <a:noFill/>
-          <a:extLst>
-            <a:ext uri="{909E8E84-426E-40DD-AFC4-6F175D3DCCD1}">
-              <a14:hiddenFill xmlns:a14="http://schemas.microsoft.com/office/drawing/2010/main">
-                <a:solidFill>
-                  <a:srgbClr val="FFFFFF"/>
-                </a:solidFill>
-              </a14:hiddenFill>
-            </a:ext>
-          </a:extLst>
-        </p:spPr>
-      </p:pic>
-      <p:sp>
-        <p:nvSpPr>
-          <p:cNvPr id="2" name="TextBox 1">
-            <a:extLst>
-              <a:ext uri="{FF2B5EF4-FFF2-40B4-BE49-F238E27FC236}">
-                <a16:creationId xmlns:a16="http://schemas.microsoft.com/office/drawing/2014/main" id="{39E1C922-B9C7-D0AD-8A67-CE620AD121BE}"/>
+                <a16:creationId xmlns:a16="http://schemas.microsoft.com/office/drawing/2014/main" id="{23DFC7E9-54DD-38D7-0B9B-D34948D68CF9}"/>
               </a:ext>
             </a:extLst>
           </p:cNvPr>
@@ -10647,8 +8918,8 @@
         </p:nvSpPr>
         <p:spPr>
           <a:xfrm>
-            <a:off x="216335" y="31366"/>
-            <a:ext cx="7765757" cy="461665"/>
+            <a:off x="3948194" y="2621711"/>
+            <a:ext cx="5141562" cy="1015663"/>
           </a:xfrm>
           <a:prstGeom prst="rect">
             <a:avLst/>
@@ -10661,24 +8932,26 @@
           </a:bodyPr>
           <a:lstStyle/>
           <a:p>
-            <a:r>
-              <a:rPr lang="en-US" sz="2400" b="1" dirty="0">
-                <a:solidFill>
-                  <a:srgbClr val="00B050"/>
-                </a:solidFill>
-                <a:effectLst/>
-                <a:latin typeface="Open Sans" panose="020B0606030504020204" pitchFamily="34" charset="0"/>
-              </a:rPr>
-              <a:t>SOLID Principles</a:t>
-            </a:r>
-            <a:endParaRPr lang="en-US" sz="2400" dirty="0"/>
+            <a:pPr algn="l"/>
+            <a:r>
+              <a:rPr lang="en-US" sz="6000" b="0" dirty="0">
+                <a:solidFill>
+                  <a:schemeClr val="tx1">
+                    <a:lumMod val="75000"/>
+                  </a:schemeClr>
+                </a:solidFill>
+                <a:effectLst/>
+                <a:latin typeface="Open Sans" panose="020B0606030504020204" pitchFamily="34" charset="0"/>
+              </a:rPr>
+              <a:t>Appendix</a:t>
+            </a:r>
           </a:p>
         </p:txBody>
       </p:sp>
     </p:spTree>
     <p:extLst>
       <p:ext uri="{BB962C8B-B14F-4D97-AF65-F5344CB8AC3E}">
-        <p14:creationId xmlns:p14="http://schemas.microsoft.com/office/powerpoint/2010/main" val="2169686199"/>
+        <p14:creationId xmlns:p14="http://schemas.microsoft.com/office/powerpoint/2010/main" val="2394962184"/>
       </p:ext>
     </p:extLst>
   </p:cSld>
@@ -10802,12 +9075,59 @@
           <a:chExt cx="0" cy="0"/>
         </a:xfrm>
       </p:grpSpPr>
+      <p:pic>
+        <p:nvPicPr>
+          <p:cNvPr id="1026" name="Picture 2" descr="Image">
+            <a:extLst>
+              <a:ext uri="{FF2B5EF4-FFF2-40B4-BE49-F238E27FC236}">
+                <a16:creationId xmlns:a16="http://schemas.microsoft.com/office/drawing/2014/main" id="{3C8CE67A-36E1-5A09-D74F-A2C8E212977E}"/>
+              </a:ext>
+            </a:extLst>
+          </p:cNvPr>
+          <p:cNvPicPr>
+            <a:picLocks noChangeAspect="1" noChangeArrowheads="1"/>
+          </p:cNvPicPr>
+          <p:nvPr/>
+        </p:nvPicPr>
+        <p:blipFill>
+          <a:blip r:embed="rId2">
+            <a:extLst>
+              <a:ext uri="{28A0092B-C50C-407E-A947-70E740481C1C}">
+                <a14:useLocalDpi xmlns:a14="http://schemas.microsoft.com/office/drawing/2010/main" val="0"/>
+              </a:ext>
+            </a:extLst>
+          </a:blip>
+          <a:srcRect/>
+          <a:stretch>
+            <a:fillRect/>
+          </a:stretch>
+        </p:blipFill>
+        <p:spPr bwMode="auto">
+          <a:xfrm>
+            <a:off x="3921870" y="0"/>
+            <a:ext cx="6858000" cy="6858000"/>
+          </a:xfrm>
+          <a:prstGeom prst="rect">
+            <a:avLst/>
+          </a:prstGeom>
+          <a:noFill/>
+          <a:extLst>
+            <a:ext uri="{909E8E84-426E-40DD-AFC4-6F175D3DCCD1}">
+              <a14:hiddenFill xmlns:a14="http://schemas.microsoft.com/office/drawing/2010/main">
+                <a:solidFill>
+                  <a:srgbClr val="FFFFFF"/>
+                </a:solidFill>
+              </a14:hiddenFill>
+            </a:ext>
+          </a:extLst>
+        </p:spPr>
+      </p:pic>
       <p:sp>
         <p:nvSpPr>
-          <p:cNvPr id="3" name="TextBox 2">
+          <p:cNvPr id="2" name="TextBox 1">
             <a:extLst>
               <a:ext uri="{FF2B5EF4-FFF2-40B4-BE49-F238E27FC236}">
-                <a16:creationId xmlns:a16="http://schemas.microsoft.com/office/drawing/2014/main" id="{23DFC7E9-54DD-38D7-0B9B-D34948D68CF9}"/>
+                <a16:creationId xmlns:a16="http://schemas.microsoft.com/office/drawing/2014/main" id="{39E1C922-B9C7-D0AD-8A67-CE620AD121BE}"/>
               </a:ext>
             </a:extLst>
           </p:cNvPr>
@@ -10816,8 +9136,8 @@
         </p:nvSpPr>
         <p:spPr>
           <a:xfrm>
-            <a:off x="3948194" y="2621711"/>
-            <a:ext cx="5141562" cy="1015663"/>
+            <a:off x="216335" y="31366"/>
+            <a:ext cx="7765757" cy="461665"/>
           </a:xfrm>
           <a:prstGeom prst="rect">
             <a:avLst/>
@@ -10830,26 +9150,24 @@
           </a:bodyPr>
           <a:lstStyle/>
           <a:p>
-            <a:pPr algn="l"/>
-            <a:r>
-              <a:rPr lang="en-US" sz="6000" b="0" dirty="0">
-                <a:solidFill>
-                  <a:schemeClr val="tx1">
-                    <a:lumMod val="75000"/>
-                  </a:schemeClr>
-                </a:solidFill>
-                <a:effectLst/>
-                <a:latin typeface="Open Sans" panose="020B0606030504020204" pitchFamily="34" charset="0"/>
-              </a:rPr>
-              <a:t>Appendix</a:t>
-            </a:r>
+            <a:r>
+              <a:rPr lang="en-US" sz="2400" b="1" dirty="0">
+                <a:solidFill>
+                  <a:srgbClr val="00B050"/>
+                </a:solidFill>
+                <a:effectLst/>
+                <a:latin typeface="Open Sans" panose="020B0606030504020204" pitchFamily="34" charset="0"/>
+              </a:rPr>
+              <a:t>SOLID Principles</a:t>
+            </a:r>
+            <a:endParaRPr lang="en-US" sz="2400" dirty="0"/>
           </a:p>
         </p:txBody>
       </p:sp>
     </p:spTree>
     <p:extLst>
       <p:ext uri="{BB962C8B-B14F-4D97-AF65-F5344CB8AC3E}">
-        <p14:creationId xmlns:p14="http://schemas.microsoft.com/office/powerpoint/2010/main" val="2394962184"/>
+        <p14:creationId xmlns:p14="http://schemas.microsoft.com/office/powerpoint/2010/main" val="2169686199"/>
       </p:ext>
     </p:extLst>
   </p:cSld>
@@ -10957,7 +9275,7 @@
                 <a:ea typeface="Open Sans" panose="020B0606030504020204" pitchFamily="34" charset="0"/>
                 <a:cs typeface="Open Sans" panose="020B0606030504020204" pitchFamily="34" charset="0"/>
               </a:rPr>
-              <a:t>Object Oriented Programming (OOP) is a programming paradigm.  Java is an Object Oriented Language, which means that it supports OOP, providing features that support and implement the Four Pillars of OOP. </a:t>
+              <a:t>Object Oriented Programming (OOP) is a programming paradigm.  Java is an Object-Oriented Language, which means that it supports OOP, providing features that support and implement the Four Pillars of OOP. </a:t>
             </a:r>
           </a:p>
           <a:p>
@@ -12675,7 +10993,7 @@
               <a:buAutoNum type="arabicPeriod"/>
             </a:pPr>
             <a:r>
-              <a:rPr lang="en-US" sz="2000">
+              <a:rPr lang="en-US" sz="2000" dirty="0">
                 <a:solidFill>
                   <a:srgbClr val="00B0F0"/>
                 </a:solidFill>
@@ -12686,7 +11004,7 @@
               <a:t>Abstraction</a:t>
             </a:r>
             <a:r>
-              <a:rPr lang="en-US" sz="2000">
+              <a:rPr lang="en-US" sz="2000" dirty="0">
                 <a:solidFill>
                   <a:schemeClr val="tx1">
                     <a:lumMod val="85000"/>
@@ -12705,7 +11023,7 @@
               <a:buAutoNum type="arabicPeriod"/>
             </a:pPr>
             <a:r>
-              <a:rPr lang="en-US" sz="2000">
+              <a:rPr lang="en-US" sz="2000" dirty="0">
                 <a:solidFill>
                   <a:srgbClr val="00B0F0"/>
                 </a:solidFill>
@@ -12716,7 +11034,7 @@
               <a:t>Encapsulation</a:t>
             </a:r>
             <a:r>
-              <a:rPr lang="en-US" sz="2000">
+              <a:rPr lang="en-US" sz="2000" dirty="0">
                 <a:solidFill>
                   <a:schemeClr val="tx1">
                     <a:lumMod val="85000"/>
@@ -12726,20 +11044,7 @@
                 <a:ea typeface="Open Sans" panose="020B0606030504020204" pitchFamily="34" charset="0"/>
                 <a:cs typeface="Open Sans" panose="020B0606030504020204" pitchFamily="34" charset="0"/>
               </a:rPr>
-              <a:t> </a:t>
-            </a:r>
-            <a:r>
-              <a:rPr lang="en-US" sz="2000" dirty="0">
-                <a:solidFill>
-                  <a:schemeClr val="tx1">
-                    <a:lumMod val="85000"/>
-                  </a:schemeClr>
-                </a:solidFill>
-                <a:latin typeface="Open Sans" panose="020B0606030504020204" pitchFamily="34" charset="0"/>
-                <a:ea typeface="Open Sans" panose="020B0606030504020204" pitchFamily="34" charset="0"/>
-                <a:cs typeface="Open Sans" panose="020B0606030504020204" pitchFamily="34" charset="0"/>
-              </a:rPr>
-              <a:t>-- Data Security -- binding related data and methods together into objects -- data hiding (hide the unnecessary).</a:t>
+              <a:t> -- Data Security -- binding related data and methods together into objects -- data hiding (hide the unnecessary).</a:t>
             </a:r>
           </a:p>
           <a:p>
@@ -12799,15 +11104,24 @@
                 <a:ea typeface="Open Sans" panose="020B0606030504020204" pitchFamily="34" charset="0"/>
                 <a:cs typeface="Open Sans" panose="020B0606030504020204" pitchFamily="34" charset="0"/>
               </a:rPr>
-              <a:t> --  Many Forms --  A single object can have multiple behaviors, or respond in different ways to the same function.  </a:t>
+              <a:t> --  Many Forms --  A single object can have multiple behaviors, or respond in different ways to the same function.   </a:t>
+            </a:r>
+            <a:r>
+              <a:rPr lang="en-US" sz="2000" dirty="0">
+                <a:solidFill>
+                  <a:srgbClr val="00B0F0"/>
+                </a:solidFill>
+                <a:latin typeface="Open Sans" panose="020B0606030504020204" pitchFamily="34" charset="0"/>
+                <a:ea typeface="Open Sans" panose="020B0606030504020204" pitchFamily="34" charset="0"/>
+                <a:cs typeface="Open Sans" panose="020B0606030504020204" pitchFamily="34" charset="0"/>
+              </a:rPr>
+              <a:t>Method Overloading vs Method Overriding</a:t>
             </a:r>
           </a:p>
           <a:p>
             <a:endParaRPr lang="en-US" sz="2000" dirty="0">
               <a:solidFill>
-                <a:schemeClr val="tx1">
-                  <a:lumMod val="85000"/>
-                </a:schemeClr>
+                <a:srgbClr val="00B0F0"/>
               </a:solidFill>
               <a:latin typeface="Open Sans" panose="020B0606030504020204" pitchFamily="34" charset="0"/>
               <a:ea typeface="Open Sans" panose="020B0606030504020204" pitchFamily="34" charset="0"/>
